--- a/SAS/Planejamento/Docs/#3 - Apresentação do projeto.pptx
+++ b/SAS/Planejamento/Docs/#3 - Apresentação do projeto.pptx
@@ -1615,6 +1615,753 @@
 </file>
 
 <file path=ppt/diagrams/colors3.xml><?xml version="1.0" encoding="utf-8"?>
+<dgm:colorsDef xmlns:dgm="http://schemas.openxmlformats.org/drawingml/2006/diagram" xmlns:a="http://schemas.openxmlformats.org/drawingml/2006/main" uniqueId="urn:microsoft.com/office/officeart/2005/8/colors/accent1_2">
+  <dgm:title val=""/>
+  <dgm:desc val=""/>
+  <dgm:catLst>
+    <dgm:cat type="accent1" pri="11200"/>
+  </dgm:catLst>
+  <dgm:styleLbl name="node0">
+    <dgm:fillClrLst meth="repeat">
+      <a:schemeClr val="accent1"/>
+    </dgm:fillClrLst>
+    <dgm:linClrLst meth="repeat">
+      <a:schemeClr val="lt1"/>
+    </dgm:linClrLst>
+    <dgm:effectClrLst/>
+    <dgm:txLinClrLst/>
+    <dgm:txFillClrLst/>
+    <dgm:txEffectClrLst/>
+  </dgm:styleLbl>
+  <dgm:styleLbl name="alignNode1">
+    <dgm:fillClrLst meth="repeat">
+      <a:schemeClr val="accent1"/>
+    </dgm:fillClrLst>
+    <dgm:linClrLst meth="repeat">
+      <a:schemeClr val="accent1"/>
+    </dgm:linClrLst>
+    <dgm:effectClrLst/>
+    <dgm:txLinClrLst/>
+    <dgm:txFillClrLst/>
+    <dgm:txEffectClrLst/>
+  </dgm:styleLbl>
+  <dgm:styleLbl name="node1">
+    <dgm:fillClrLst meth="repeat">
+      <a:schemeClr val="accent1"/>
+    </dgm:fillClrLst>
+    <dgm:linClrLst meth="repeat">
+      <a:schemeClr val="lt1"/>
+    </dgm:linClrLst>
+    <dgm:effectClrLst/>
+    <dgm:txLinClrLst/>
+    <dgm:txFillClrLst/>
+    <dgm:txEffectClrLst/>
+  </dgm:styleLbl>
+  <dgm:styleLbl name="lnNode1">
+    <dgm:fillClrLst meth="repeat">
+      <a:schemeClr val="accent1"/>
+    </dgm:fillClrLst>
+    <dgm:linClrLst meth="repeat">
+      <a:schemeClr val="lt1"/>
+    </dgm:linClrLst>
+    <dgm:effectClrLst/>
+    <dgm:txLinClrLst/>
+    <dgm:txFillClrLst/>
+    <dgm:txEffectClrLst/>
+  </dgm:styleLbl>
+  <dgm:styleLbl name="vennNode1">
+    <dgm:fillClrLst meth="repeat">
+      <a:schemeClr val="accent1">
+        <a:alpha val="50000"/>
+      </a:schemeClr>
+    </dgm:fillClrLst>
+    <dgm:linClrLst meth="repeat">
+      <a:schemeClr val="lt1"/>
+    </dgm:linClrLst>
+    <dgm:effectClrLst/>
+    <dgm:txLinClrLst/>
+    <dgm:txFillClrLst/>
+    <dgm:txEffectClrLst/>
+  </dgm:styleLbl>
+  <dgm:styleLbl name="node2">
+    <dgm:fillClrLst meth="repeat">
+      <a:schemeClr val="accent1"/>
+    </dgm:fillClrLst>
+    <dgm:linClrLst meth="repeat">
+      <a:schemeClr val="lt1"/>
+    </dgm:linClrLst>
+    <dgm:effectClrLst/>
+    <dgm:txLinClrLst/>
+    <dgm:txFillClrLst/>
+    <dgm:txEffectClrLst/>
+  </dgm:styleLbl>
+  <dgm:styleLbl name="node3">
+    <dgm:fillClrLst meth="repeat">
+      <a:schemeClr val="accent1"/>
+    </dgm:fillClrLst>
+    <dgm:linClrLst meth="repeat">
+      <a:schemeClr val="lt1"/>
+    </dgm:linClrLst>
+    <dgm:effectClrLst/>
+    <dgm:txLinClrLst/>
+    <dgm:txFillClrLst/>
+    <dgm:txEffectClrLst/>
+  </dgm:styleLbl>
+  <dgm:styleLbl name="node4">
+    <dgm:fillClrLst meth="repeat">
+      <a:schemeClr val="accent1"/>
+    </dgm:fillClrLst>
+    <dgm:linClrLst meth="repeat">
+      <a:schemeClr val="lt1"/>
+    </dgm:linClrLst>
+    <dgm:effectClrLst/>
+    <dgm:txLinClrLst/>
+    <dgm:txFillClrLst/>
+    <dgm:txEffectClrLst/>
+  </dgm:styleLbl>
+  <dgm:styleLbl name="fgImgPlace1">
+    <dgm:fillClrLst meth="repeat">
+      <a:schemeClr val="accent1">
+        <a:tint val="50000"/>
+      </a:schemeClr>
+    </dgm:fillClrLst>
+    <dgm:linClrLst meth="repeat">
+      <a:schemeClr val="lt1"/>
+    </dgm:linClrLst>
+    <dgm:effectClrLst/>
+    <dgm:txLinClrLst/>
+    <dgm:txFillClrLst meth="repeat">
+      <a:schemeClr val="lt1"/>
+    </dgm:txFillClrLst>
+    <dgm:txEffectClrLst/>
+  </dgm:styleLbl>
+  <dgm:styleLbl name="alignImgPlace1">
+    <dgm:fillClrLst meth="repeat">
+      <a:schemeClr val="accent1">
+        <a:tint val="50000"/>
+      </a:schemeClr>
+    </dgm:fillClrLst>
+    <dgm:linClrLst meth="repeat">
+      <a:schemeClr val="lt1"/>
+    </dgm:linClrLst>
+    <dgm:effectClrLst/>
+    <dgm:txLinClrLst/>
+    <dgm:txFillClrLst meth="repeat">
+      <a:schemeClr val="lt1"/>
+    </dgm:txFillClrLst>
+    <dgm:txEffectClrLst/>
+  </dgm:styleLbl>
+  <dgm:styleLbl name="bgImgPlace1">
+    <dgm:fillClrLst meth="repeat">
+      <a:schemeClr val="accent1">
+        <a:tint val="50000"/>
+      </a:schemeClr>
+    </dgm:fillClrLst>
+    <dgm:linClrLst meth="repeat">
+      <a:schemeClr val="lt1"/>
+    </dgm:linClrLst>
+    <dgm:effectClrLst/>
+    <dgm:txLinClrLst/>
+    <dgm:txFillClrLst meth="repeat">
+      <a:schemeClr val="lt1"/>
+    </dgm:txFillClrLst>
+    <dgm:txEffectClrLst/>
+  </dgm:styleLbl>
+  <dgm:styleLbl name="sibTrans2D1">
+    <dgm:fillClrLst meth="repeat">
+      <a:schemeClr val="accent1">
+        <a:tint val="60000"/>
+      </a:schemeClr>
+    </dgm:fillClrLst>
+    <dgm:linClrLst meth="repeat">
+      <a:schemeClr val="accent1">
+        <a:tint val="60000"/>
+      </a:schemeClr>
+    </dgm:linClrLst>
+    <dgm:effectClrLst/>
+    <dgm:txLinClrLst/>
+    <dgm:txFillClrLst/>
+    <dgm:txEffectClrLst/>
+  </dgm:styleLbl>
+  <dgm:styleLbl name="fgSibTrans2D1">
+    <dgm:fillClrLst meth="repeat">
+      <a:schemeClr val="accent1">
+        <a:tint val="60000"/>
+      </a:schemeClr>
+    </dgm:fillClrLst>
+    <dgm:linClrLst meth="repeat">
+      <a:schemeClr val="accent1">
+        <a:tint val="60000"/>
+      </a:schemeClr>
+    </dgm:linClrLst>
+    <dgm:effectClrLst/>
+    <dgm:txLinClrLst/>
+    <dgm:txFillClrLst/>
+    <dgm:txEffectClrLst/>
+  </dgm:styleLbl>
+  <dgm:styleLbl name="bgSibTrans2D1">
+    <dgm:fillClrLst meth="repeat">
+      <a:schemeClr val="accent1">
+        <a:tint val="60000"/>
+      </a:schemeClr>
+    </dgm:fillClrLst>
+    <dgm:linClrLst meth="repeat">
+      <a:schemeClr val="accent1">
+        <a:tint val="60000"/>
+      </a:schemeClr>
+    </dgm:linClrLst>
+    <dgm:effectClrLst/>
+    <dgm:txLinClrLst/>
+    <dgm:txFillClrLst/>
+    <dgm:txEffectClrLst/>
+  </dgm:styleLbl>
+  <dgm:styleLbl name="sibTrans1D1">
+    <dgm:fillClrLst meth="repeat">
+      <a:schemeClr val="accent1"/>
+    </dgm:fillClrLst>
+    <dgm:linClrLst meth="repeat">
+      <a:schemeClr val="accent1"/>
+    </dgm:linClrLst>
+    <dgm:effectClrLst/>
+    <dgm:txLinClrLst/>
+    <dgm:txFillClrLst meth="repeat">
+      <a:schemeClr val="tx1"/>
+    </dgm:txFillClrLst>
+    <dgm:txEffectClrLst/>
+  </dgm:styleLbl>
+  <dgm:styleLbl name="callout">
+    <dgm:fillClrLst meth="repeat">
+      <a:schemeClr val="accent1"/>
+    </dgm:fillClrLst>
+    <dgm:linClrLst meth="repeat">
+      <a:schemeClr val="accent1">
+        <a:tint val="50000"/>
+      </a:schemeClr>
+    </dgm:linClrLst>
+    <dgm:effectClrLst/>
+    <dgm:txLinClrLst/>
+    <dgm:txFillClrLst meth="repeat">
+      <a:schemeClr val="tx1"/>
+    </dgm:txFillClrLst>
+    <dgm:txEffectClrLst/>
+  </dgm:styleLbl>
+  <dgm:styleLbl name="asst0">
+    <dgm:fillClrLst meth="repeat">
+      <a:schemeClr val="accent1"/>
+    </dgm:fillClrLst>
+    <dgm:linClrLst meth="repeat">
+      <a:schemeClr val="lt1"/>
+    </dgm:linClrLst>
+    <dgm:effectClrLst/>
+    <dgm:txLinClrLst/>
+    <dgm:txFillClrLst/>
+    <dgm:txEffectClrLst/>
+  </dgm:styleLbl>
+  <dgm:styleLbl name="asst1">
+    <dgm:fillClrLst meth="repeat">
+      <a:schemeClr val="accent1"/>
+    </dgm:fillClrLst>
+    <dgm:linClrLst meth="repeat">
+      <a:schemeClr val="lt1"/>
+    </dgm:linClrLst>
+    <dgm:effectClrLst/>
+    <dgm:txLinClrLst/>
+    <dgm:txFillClrLst/>
+    <dgm:txEffectClrLst/>
+  </dgm:styleLbl>
+  <dgm:styleLbl name="asst2">
+    <dgm:fillClrLst meth="repeat">
+      <a:schemeClr val="accent1"/>
+    </dgm:fillClrLst>
+    <dgm:linClrLst meth="repeat">
+      <a:schemeClr val="lt1"/>
+    </dgm:linClrLst>
+    <dgm:effectClrLst/>
+    <dgm:txLinClrLst/>
+    <dgm:txFillClrLst/>
+    <dgm:txEffectClrLst/>
+  </dgm:styleLbl>
+  <dgm:styleLbl name="asst3">
+    <dgm:fillClrLst meth="repeat">
+      <a:schemeClr val="accent1"/>
+    </dgm:fillClrLst>
+    <dgm:linClrLst meth="repeat">
+      <a:schemeClr val="lt1"/>
+    </dgm:linClrLst>
+    <dgm:effectClrLst/>
+    <dgm:txLinClrLst/>
+    <dgm:txFillClrLst/>
+    <dgm:txEffectClrLst/>
+  </dgm:styleLbl>
+  <dgm:styleLbl name="asst4">
+    <dgm:fillClrLst meth="repeat">
+      <a:schemeClr val="accent1"/>
+    </dgm:fillClrLst>
+    <dgm:linClrLst meth="repeat">
+      <a:schemeClr val="lt1"/>
+    </dgm:linClrLst>
+    <dgm:effectClrLst/>
+    <dgm:txLinClrLst/>
+    <dgm:txFillClrLst/>
+    <dgm:txEffectClrLst/>
+  </dgm:styleLbl>
+  <dgm:styleLbl name="parChTrans2D1">
+    <dgm:fillClrLst meth="repeat">
+      <a:schemeClr val="accent1">
+        <a:tint val="60000"/>
+      </a:schemeClr>
+    </dgm:fillClrLst>
+    <dgm:linClrLst meth="repeat">
+      <a:schemeClr val="accent1">
+        <a:tint val="60000"/>
+      </a:schemeClr>
+    </dgm:linClrLst>
+    <dgm:effectClrLst/>
+    <dgm:txLinClrLst/>
+    <dgm:txFillClrLst meth="repeat">
+      <a:schemeClr val="lt1"/>
+    </dgm:txFillClrLst>
+    <dgm:txEffectClrLst/>
+  </dgm:styleLbl>
+  <dgm:styleLbl name="parChTrans2D2">
+    <dgm:fillClrLst meth="repeat">
+      <a:schemeClr val="accent1"/>
+    </dgm:fillClrLst>
+    <dgm:linClrLst meth="repeat">
+      <a:schemeClr val="accent1"/>
+    </dgm:linClrLst>
+    <dgm:effectClrLst/>
+    <dgm:txLinClrLst/>
+    <dgm:txFillClrLst meth="repeat">
+      <a:schemeClr val="lt1"/>
+    </dgm:txFillClrLst>
+    <dgm:txEffectClrLst/>
+  </dgm:styleLbl>
+  <dgm:styleLbl name="parChTrans2D3">
+    <dgm:fillClrLst meth="repeat">
+      <a:schemeClr val="accent1"/>
+    </dgm:fillClrLst>
+    <dgm:linClrLst meth="repeat">
+      <a:schemeClr val="accent1"/>
+    </dgm:linClrLst>
+    <dgm:effectClrLst/>
+    <dgm:txLinClrLst/>
+    <dgm:txFillClrLst meth="repeat">
+      <a:schemeClr val="lt1"/>
+    </dgm:txFillClrLst>
+    <dgm:txEffectClrLst/>
+  </dgm:styleLbl>
+  <dgm:styleLbl name="parChTrans2D4">
+    <dgm:fillClrLst meth="repeat">
+      <a:schemeClr val="accent1"/>
+    </dgm:fillClrLst>
+    <dgm:linClrLst meth="repeat">
+      <a:schemeClr val="accent1"/>
+    </dgm:linClrLst>
+    <dgm:effectClrLst/>
+    <dgm:txLinClrLst/>
+    <dgm:txFillClrLst meth="repeat">
+      <a:schemeClr val="lt1"/>
+    </dgm:txFillClrLst>
+    <dgm:txEffectClrLst/>
+  </dgm:styleLbl>
+  <dgm:styleLbl name="parChTrans1D1">
+    <dgm:fillClrLst meth="repeat">
+      <a:schemeClr val="accent1"/>
+    </dgm:fillClrLst>
+    <dgm:linClrLst meth="repeat">
+      <a:schemeClr val="accent1">
+        <a:shade val="60000"/>
+      </a:schemeClr>
+    </dgm:linClrLst>
+    <dgm:effectClrLst/>
+    <dgm:txLinClrLst/>
+    <dgm:txFillClrLst meth="repeat">
+      <a:schemeClr val="tx1"/>
+    </dgm:txFillClrLst>
+    <dgm:txEffectClrLst/>
+  </dgm:styleLbl>
+  <dgm:styleLbl name="parChTrans1D2">
+    <dgm:fillClrLst meth="repeat">
+      <a:schemeClr val="accent1"/>
+    </dgm:fillClrLst>
+    <dgm:linClrLst meth="repeat">
+      <a:schemeClr val="accent1">
+        <a:shade val="60000"/>
+      </a:schemeClr>
+    </dgm:linClrLst>
+    <dgm:effectClrLst/>
+    <dgm:txLinClrLst/>
+    <dgm:txFillClrLst meth="repeat">
+      <a:schemeClr val="tx1"/>
+    </dgm:txFillClrLst>
+    <dgm:txEffectClrLst/>
+  </dgm:styleLbl>
+  <dgm:styleLbl name="parChTrans1D3">
+    <dgm:fillClrLst meth="repeat">
+      <a:schemeClr val="accent1"/>
+    </dgm:fillClrLst>
+    <dgm:linClrLst meth="repeat">
+      <a:schemeClr val="accent1">
+        <a:shade val="80000"/>
+      </a:schemeClr>
+    </dgm:linClrLst>
+    <dgm:effectClrLst/>
+    <dgm:txLinClrLst/>
+    <dgm:txFillClrLst meth="repeat">
+      <a:schemeClr val="tx1"/>
+    </dgm:txFillClrLst>
+    <dgm:txEffectClrLst/>
+  </dgm:styleLbl>
+  <dgm:styleLbl name="parChTrans1D4">
+    <dgm:fillClrLst meth="repeat">
+      <a:schemeClr val="accent1"/>
+    </dgm:fillClrLst>
+    <dgm:linClrLst meth="repeat">
+      <a:schemeClr val="accent1">
+        <a:shade val="80000"/>
+      </a:schemeClr>
+    </dgm:linClrLst>
+    <dgm:effectClrLst/>
+    <dgm:txLinClrLst/>
+    <dgm:txFillClrLst meth="repeat">
+      <a:schemeClr val="tx1"/>
+    </dgm:txFillClrLst>
+    <dgm:txEffectClrLst/>
+  </dgm:styleLbl>
+  <dgm:styleLbl name="fgAcc1">
+    <dgm:fillClrLst meth="repeat">
+      <a:schemeClr val="lt1">
+        <a:alpha val="90000"/>
+      </a:schemeClr>
+    </dgm:fillClrLst>
+    <dgm:linClrLst meth="repeat">
+      <a:schemeClr val="accent1"/>
+    </dgm:linClrLst>
+    <dgm:effectClrLst/>
+    <dgm:txLinClrLst/>
+    <dgm:txFillClrLst meth="repeat">
+      <a:schemeClr val="dk1"/>
+    </dgm:txFillClrLst>
+    <dgm:txEffectClrLst/>
+  </dgm:styleLbl>
+  <dgm:styleLbl name="conFgAcc1">
+    <dgm:fillClrLst meth="repeat">
+      <a:schemeClr val="lt1">
+        <a:alpha val="90000"/>
+      </a:schemeClr>
+    </dgm:fillClrLst>
+    <dgm:linClrLst meth="repeat">
+      <a:schemeClr val="accent1"/>
+    </dgm:linClrLst>
+    <dgm:effectClrLst/>
+    <dgm:txLinClrLst/>
+    <dgm:txFillClrLst meth="repeat">
+      <a:schemeClr val="dk1"/>
+    </dgm:txFillClrLst>
+    <dgm:txEffectClrLst/>
+  </dgm:styleLbl>
+  <dgm:styleLbl name="alignAcc1">
+    <dgm:fillClrLst meth="repeat">
+      <a:schemeClr val="lt1">
+        <a:alpha val="90000"/>
+      </a:schemeClr>
+    </dgm:fillClrLst>
+    <dgm:linClrLst meth="repeat">
+      <a:schemeClr val="accent1"/>
+    </dgm:linClrLst>
+    <dgm:effectClrLst/>
+    <dgm:txLinClrLst/>
+    <dgm:txFillClrLst meth="repeat">
+      <a:schemeClr val="dk1"/>
+    </dgm:txFillClrLst>
+    <dgm:txEffectClrLst/>
+  </dgm:styleLbl>
+  <dgm:styleLbl name="trAlignAcc1">
+    <dgm:fillClrLst meth="repeat">
+      <a:schemeClr val="lt1">
+        <a:alpha val="40000"/>
+      </a:schemeClr>
+    </dgm:fillClrLst>
+    <dgm:linClrLst meth="repeat">
+      <a:schemeClr val="accent1"/>
+    </dgm:linClrLst>
+    <dgm:effectClrLst/>
+    <dgm:txLinClrLst/>
+    <dgm:txFillClrLst meth="repeat">
+      <a:schemeClr val="dk1"/>
+    </dgm:txFillClrLst>
+    <dgm:txEffectClrLst/>
+  </dgm:styleLbl>
+  <dgm:styleLbl name="bgAcc1">
+    <dgm:fillClrLst meth="repeat">
+      <a:schemeClr val="lt1">
+        <a:alpha val="90000"/>
+      </a:schemeClr>
+    </dgm:fillClrLst>
+    <dgm:linClrLst meth="repeat">
+      <a:schemeClr val="accent1"/>
+    </dgm:linClrLst>
+    <dgm:effectClrLst/>
+    <dgm:txLinClrLst/>
+    <dgm:txFillClrLst meth="repeat">
+      <a:schemeClr val="dk1"/>
+    </dgm:txFillClrLst>
+    <dgm:txEffectClrLst/>
+  </dgm:styleLbl>
+  <dgm:styleLbl name="solidFgAcc1">
+    <dgm:fillClrLst meth="repeat">
+      <a:schemeClr val="lt1"/>
+    </dgm:fillClrLst>
+    <dgm:linClrLst meth="repeat">
+      <a:schemeClr val="accent1"/>
+    </dgm:linClrLst>
+    <dgm:effectClrLst/>
+    <dgm:txLinClrLst/>
+    <dgm:txFillClrLst meth="repeat">
+      <a:schemeClr val="dk1"/>
+    </dgm:txFillClrLst>
+    <dgm:txEffectClrLst/>
+  </dgm:styleLbl>
+  <dgm:styleLbl name="solidAlignAcc1">
+    <dgm:fillClrLst meth="repeat">
+      <a:schemeClr val="lt1"/>
+    </dgm:fillClrLst>
+    <dgm:linClrLst meth="repeat">
+      <a:schemeClr val="accent1"/>
+    </dgm:linClrLst>
+    <dgm:effectClrLst/>
+    <dgm:txLinClrLst/>
+    <dgm:txFillClrLst meth="repeat">
+      <a:schemeClr val="dk1"/>
+    </dgm:txFillClrLst>
+    <dgm:txEffectClrLst/>
+  </dgm:styleLbl>
+  <dgm:styleLbl name="solidBgAcc1">
+    <dgm:fillClrLst meth="repeat">
+      <a:schemeClr val="lt1"/>
+    </dgm:fillClrLst>
+    <dgm:linClrLst meth="repeat">
+      <a:schemeClr val="accent1"/>
+    </dgm:linClrLst>
+    <dgm:effectClrLst/>
+    <dgm:txLinClrLst/>
+    <dgm:txFillClrLst meth="repeat">
+      <a:schemeClr val="dk1"/>
+    </dgm:txFillClrLst>
+    <dgm:txEffectClrLst/>
+  </dgm:styleLbl>
+  <dgm:styleLbl name="fgAccFollowNode1">
+    <dgm:fillClrLst meth="repeat">
+      <a:schemeClr val="accent1">
+        <a:alpha val="90000"/>
+        <a:tint val="40000"/>
+      </a:schemeClr>
+    </dgm:fillClrLst>
+    <dgm:linClrLst meth="repeat">
+      <a:schemeClr val="accent1">
+        <a:alpha val="90000"/>
+        <a:tint val="40000"/>
+      </a:schemeClr>
+    </dgm:linClrLst>
+    <dgm:effectClrLst/>
+    <dgm:txLinClrLst/>
+    <dgm:txFillClrLst meth="repeat">
+      <a:schemeClr val="dk1"/>
+    </dgm:txFillClrLst>
+    <dgm:txEffectClrLst/>
+  </dgm:styleLbl>
+  <dgm:styleLbl name="alignAccFollowNode1">
+    <dgm:fillClrLst meth="repeat">
+      <a:schemeClr val="accent1">
+        <a:alpha val="90000"/>
+        <a:tint val="40000"/>
+      </a:schemeClr>
+    </dgm:fillClrLst>
+    <dgm:linClrLst meth="repeat">
+      <a:schemeClr val="accent1">
+        <a:alpha val="90000"/>
+        <a:tint val="40000"/>
+      </a:schemeClr>
+    </dgm:linClrLst>
+    <dgm:effectClrLst/>
+    <dgm:txLinClrLst/>
+    <dgm:txFillClrLst meth="repeat">
+      <a:schemeClr val="dk1"/>
+    </dgm:txFillClrLst>
+    <dgm:txEffectClrLst/>
+  </dgm:styleLbl>
+  <dgm:styleLbl name="bgAccFollowNode1">
+    <dgm:fillClrLst meth="repeat">
+      <a:schemeClr val="accent1">
+        <a:alpha val="90000"/>
+        <a:tint val="40000"/>
+      </a:schemeClr>
+    </dgm:fillClrLst>
+    <dgm:linClrLst meth="repeat">
+      <a:schemeClr val="accent1">
+        <a:alpha val="90000"/>
+        <a:tint val="40000"/>
+      </a:schemeClr>
+    </dgm:linClrLst>
+    <dgm:effectClrLst/>
+    <dgm:txLinClrLst/>
+    <dgm:txFillClrLst meth="repeat">
+      <a:schemeClr val="dk1"/>
+    </dgm:txFillClrLst>
+    <dgm:txEffectClrLst/>
+  </dgm:styleLbl>
+  <dgm:styleLbl name="fgAcc0">
+    <dgm:fillClrLst meth="repeat">
+      <a:schemeClr val="lt1">
+        <a:alpha val="90000"/>
+      </a:schemeClr>
+    </dgm:fillClrLst>
+    <dgm:linClrLst meth="repeat">
+      <a:schemeClr val="accent1"/>
+    </dgm:linClrLst>
+    <dgm:effectClrLst/>
+    <dgm:txLinClrLst/>
+    <dgm:txFillClrLst meth="repeat">
+      <a:schemeClr val="dk1"/>
+    </dgm:txFillClrLst>
+    <dgm:txEffectClrLst/>
+  </dgm:styleLbl>
+  <dgm:styleLbl name="fgAcc2">
+    <dgm:fillClrLst meth="repeat">
+      <a:schemeClr val="lt1">
+        <a:alpha val="90000"/>
+      </a:schemeClr>
+    </dgm:fillClrLst>
+    <dgm:linClrLst meth="repeat">
+      <a:schemeClr val="accent1"/>
+    </dgm:linClrLst>
+    <dgm:effectClrLst/>
+    <dgm:txLinClrLst/>
+    <dgm:txFillClrLst meth="repeat">
+      <a:schemeClr val="dk1"/>
+    </dgm:txFillClrLst>
+    <dgm:txEffectClrLst/>
+  </dgm:styleLbl>
+  <dgm:styleLbl name="fgAcc3">
+    <dgm:fillClrLst meth="repeat">
+      <a:schemeClr val="lt1">
+        <a:alpha val="90000"/>
+      </a:schemeClr>
+    </dgm:fillClrLst>
+    <dgm:linClrLst meth="repeat">
+      <a:schemeClr val="accent1"/>
+    </dgm:linClrLst>
+    <dgm:effectClrLst/>
+    <dgm:txLinClrLst/>
+    <dgm:txFillClrLst meth="repeat">
+      <a:schemeClr val="dk1"/>
+    </dgm:txFillClrLst>
+    <dgm:txEffectClrLst/>
+  </dgm:styleLbl>
+  <dgm:styleLbl name="fgAcc4">
+    <dgm:fillClrLst meth="repeat">
+      <a:schemeClr val="lt1">
+        <a:alpha val="90000"/>
+      </a:schemeClr>
+    </dgm:fillClrLst>
+    <dgm:linClrLst meth="repeat">
+      <a:schemeClr val="accent1"/>
+    </dgm:linClrLst>
+    <dgm:effectClrLst/>
+    <dgm:txLinClrLst/>
+    <dgm:txFillClrLst meth="repeat">
+      <a:schemeClr val="dk1"/>
+    </dgm:txFillClrLst>
+    <dgm:txEffectClrLst/>
+  </dgm:styleLbl>
+  <dgm:styleLbl name="bgShp">
+    <dgm:fillClrLst meth="repeat">
+      <a:schemeClr val="accent1">
+        <a:tint val="40000"/>
+      </a:schemeClr>
+    </dgm:fillClrLst>
+    <dgm:linClrLst meth="repeat">
+      <a:schemeClr val="accent1"/>
+    </dgm:linClrLst>
+    <dgm:effectClrLst/>
+    <dgm:txLinClrLst/>
+    <dgm:txFillClrLst meth="repeat">
+      <a:schemeClr val="dk1"/>
+    </dgm:txFillClrLst>
+    <dgm:txEffectClrLst/>
+  </dgm:styleLbl>
+  <dgm:styleLbl name="dkBgShp">
+    <dgm:fillClrLst meth="repeat">
+      <a:schemeClr val="accent1">
+        <a:shade val="80000"/>
+      </a:schemeClr>
+    </dgm:fillClrLst>
+    <dgm:linClrLst meth="repeat">
+      <a:schemeClr val="accent1"/>
+    </dgm:linClrLst>
+    <dgm:effectClrLst/>
+    <dgm:txLinClrLst/>
+    <dgm:txFillClrLst meth="repeat">
+      <a:schemeClr val="lt1"/>
+    </dgm:txFillClrLst>
+    <dgm:txEffectClrLst/>
+  </dgm:styleLbl>
+  <dgm:styleLbl name="trBgShp">
+    <dgm:fillClrLst meth="repeat">
+      <a:schemeClr val="accent1">
+        <a:tint val="50000"/>
+        <a:alpha val="40000"/>
+      </a:schemeClr>
+    </dgm:fillClrLst>
+    <dgm:linClrLst meth="repeat">
+      <a:schemeClr val="accent1"/>
+    </dgm:linClrLst>
+    <dgm:effectClrLst/>
+    <dgm:txLinClrLst/>
+    <dgm:txFillClrLst meth="repeat">
+      <a:schemeClr val="lt1"/>
+    </dgm:txFillClrLst>
+    <dgm:txEffectClrLst/>
+  </dgm:styleLbl>
+  <dgm:styleLbl name="fgShp">
+    <dgm:fillClrLst meth="repeat">
+      <a:schemeClr val="accent1">
+        <a:tint val="60000"/>
+      </a:schemeClr>
+    </dgm:fillClrLst>
+    <dgm:linClrLst meth="repeat">
+      <a:schemeClr val="lt1"/>
+    </dgm:linClrLst>
+    <dgm:effectClrLst/>
+    <dgm:txLinClrLst/>
+    <dgm:txFillClrLst meth="repeat">
+      <a:schemeClr val="dk1"/>
+    </dgm:txFillClrLst>
+    <dgm:txEffectClrLst/>
+  </dgm:styleLbl>
+  <dgm:styleLbl name="revTx">
+    <dgm:fillClrLst meth="repeat">
+      <a:schemeClr val="lt1">
+        <a:alpha val="0"/>
+      </a:schemeClr>
+    </dgm:fillClrLst>
+    <dgm:linClrLst meth="repeat">
+      <a:schemeClr val="dk1">
+        <a:alpha val="0"/>
+      </a:schemeClr>
+    </dgm:linClrLst>
+    <dgm:effectClrLst/>
+    <dgm:txLinClrLst/>
+    <dgm:txFillClrLst meth="repeat">
+      <a:schemeClr val="tx1"/>
+    </dgm:txFillClrLst>
+    <dgm:txEffectClrLst/>
+  </dgm:styleLbl>
+</dgm:colorsDef>
+</file>
+
+<file path=ppt/diagrams/colors4.xml><?xml version="1.0" encoding="utf-8"?>
 <dgm:colorsDef xmlns:dgm="http://schemas.openxmlformats.org/drawingml/2006/diagram" xmlns:a="http://schemas.openxmlformats.org/drawingml/2006/main" uniqueId="urn:microsoft.com/office/officeart/2005/8/colors/accent2_1">
   <dgm:title val=""/>
   <dgm:desc val=""/>
@@ -2421,7 +3168,7 @@
 </dgm:colorsDef>
 </file>
 
-<file path=ppt/diagrams/colors4.xml><?xml version="1.0" encoding="utf-8"?>
+<file path=ppt/diagrams/colors5.xml><?xml version="1.0" encoding="utf-8"?>
 <dgm:colorsDef xmlns:dgm="http://schemas.openxmlformats.org/drawingml/2006/diagram" xmlns:a="http://schemas.openxmlformats.org/drawingml/2006/main" uniqueId="urn:microsoft.com/office/officeart/2005/8/colors/accent1_2">
   <dgm:title val=""/>
   <dgm:desc val=""/>
@@ -3168,7 +3915,7 @@
 </dgm:colorsDef>
 </file>
 
-<file path=ppt/diagrams/colors5.xml><?xml version="1.0" encoding="utf-8"?>
+<file path=ppt/diagrams/colors6.xml><?xml version="1.0" encoding="utf-8"?>
 <dgm:colorsDef xmlns:dgm="http://schemas.openxmlformats.org/drawingml/2006/diagram" xmlns:a="http://schemas.openxmlformats.org/drawingml/2006/main" uniqueId="urn:microsoft.com/office/officeart/2005/8/colors/accent1_2">
   <dgm:title val=""/>
   <dgm:desc val=""/>
@@ -4566,27 +5313,27 @@
     </dgm:pt>
   </dgm:ptLst>
   <dgm:cxnLst>
-    <dgm:cxn modelId="{49439F5F-703F-42C8-AC41-9D10F0F390C7}" srcId="{C9FFFE1F-6078-4D82-87D0-BC919E87007C}" destId="{3D263D67-4D7A-41A5-91A5-670388FEE69F}" srcOrd="0" destOrd="0" parTransId="{ACF50AC0-88E8-48BB-8EA1-B472F428EFC8}" sibTransId="{E1C076EE-C718-4411-AC8A-F6087CE2E2FC}"/>
-    <dgm:cxn modelId="{29B6EE33-46BD-4DFF-8EAB-6F54D53EE694}" srcId="{7204C1C4-4A05-4E69-9F7B-60981284C004}" destId="{FEEFF06B-F309-4B5C-9120-F2D5BB2A0B0A}" srcOrd="0" destOrd="0" parTransId="{92393A6B-0584-45D2-B927-C5E52B55B04B}" sibTransId="{9A34E78C-3E18-40E0-9559-08591574FBDD}"/>
-    <dgm:cxn modelId="{F8EDE821-F4CD-4FD2-80DE-63681A6BFEE6}" type="presOf" srcId="{8CD26415-961D-4B68-B921-E5200F5307C6}" destId="{7991AEF3-84F5-4F2F-9A87-D93011516A86}" srcOrd="0" destOrd="0" presId="urn:microsoft.com/office/officeart/2005/8/layout/vList5"/>
-    <dgm:cxn modelId="{E320DCA1-229B-464B-A3C2-83EF157F38FD}" type="presOf" srcId="{FEEFF06B-F309-4B5C-9120-F2D5BB2A0B0A}" destId="{4069C5B0-E0D3-47C9-9E5F-416939C594B9}" srcOrd="0" destOrd="0" presId="urn:microsoft.com/office/officeart/2005/8/layout/vList5"/>
-    <dgm:cxn modelId="{5146D501-AD3A-4D91-A2EE-6B8E055A8536}" type="presOf" srcId="{C9FFFE1F-6078-4D82-87D0-BC919E87007C}" destId="{F985ABD3-DA1F-4E90-952D-1C16820F198E}" srcOrd="0" destOrd="0" presId="urn:microsoft.com/office/officeart/2005/8/layout/vList5"/>
-    <dgm:cxn modelId="{16F3F74B-7060-4D12-9C89-BB95B103C25C}" type="presOf" srcId="{D7EEFC11-8883-4ED2-BE60-DD96E84152F9}" destId="{76D300D9-3977-4D02-95E9-3905CCACBD1B}" srcOrd="0" destOrd="0" presId="urn:microsoft.com/office/officeart/2005/8/layout/vList5"/>
+    <dgm:cxn modelId="{F9191076-F8DA-4139-AB2E-8676FB0EE6B9}" srcId="{F764DBA7-A3E6-41AE-AAE3-82E4B8468FDE}" destId="{8CD26415-961D-4B68-B921-E5200F5307C6}" srcOrd="0" destOrd="0" parTransId="{BA48AF34-0E50-497A-9716-D728A68A822C}" sibTransId="{442A9638-1598-4307-926B-38E8B2F5EC42}"/>
     <dgm:cxn modelId="{40518AFD-BA91-4B2F-AEA2-E573186B25A5}" srcId="{E42DA33D-4309-45A4-8090-C7C1B8DE2840}" destId="{3E8A25C2-92DB-4ED8-B8C9-EA3371ADABA4}" srcOrd="1" destOrd="0" parTransId="{AE9D5A4F-DE63-4C00-8459-58284FF23117}" sibTransId="{DFAB64E3-84EF-4A31-90B3-B1CB79332689}"/>
     <dgm:cxn modelId="{886B9366-E103-4F17-9B78-865383070892}" type="presOf" srcId="{3E8A25C2-92DB-4ED8-B8C9-EA3371ADABA4}" destId="{1C4CF5AE-B0A9-4E79-99D0-8192DD361FD5}" srcOrd="0" destOrd="0" presId="urn:microsoft.com/office/officeart/2005/8/layout/vList5"/>
+    <dgm:cxn modelId="{E320DCA1-229B-464B-A3C2-83EF157F38FD}" type="presOf" srcId="{FEEFF06B-F309-4B5C-9120-F2D5BB2A0B0A}" destId="{4069C5B0-E0D3-47C9-9E5F-416939C594B9}" srcOrd="0" destOrd="0" presId="urn:microsoft.com/office/officeart/2005/8/layout/vList5"/>
+    <dgm:cxn modelId="{287A446E-66DE-4E87-9D02-0CCC24AE66D5}" srcId="{3E8A25C2-92DB-4ED8-B8C9-EA3371ADABA4}" destId="{D7EEFC11-8883-4ED2-BE60-DD96E84152F9}" srcOrd="0" destOrd="0" parTransId="{B482877E-31B6-44B4-8CD6-B7C7B7B41713}" sibTransId="{6D43DDB6-F7AC-4CC2-A2C8-5A3FEEC47C1E}"/>
+    <dgm:cxn modelId="{02D36449-91AF-4126-9259-E191C70B70F8}" type="presOf" srcId="{3D263D67-4D7A-41A5-91A5-670388FEE69F}" destId="{232E8D04-E732-492E-A284-139D99DFE02C}" srcOrd="0" destOrd="0" presId="urn:microsoft.com/office/officeart/2005/8/layout/vList5"/>
+    <dgm:cxn modelId="{8A68C0B9-F522-4B3B-9EBF-E7A9F6BA3F83}" type="presOf" srcId="{F764DBA7-A3E6-41AE-AAE3-82E4B8468FDE}" destId="{DE3A8CA3-F5E7-47D6-9409-0DAEFC3883C5}" srcOrd="0" destOrd="0" presId="urn:microsoft.com/office/officeart/2005/8/layout/vList5"/>
+    <dgm:cxn modelId="{7DA06D24-3FE4-409C-A5B4-AABEB6DCE6D5}" srcId="{7204C1C4-4A05-4E69-9F7B-60981284C004}" destId="{532DDF30-8F85-4CC7-9DA6-BD224FB1F3F5}" srcOrd="2" destOrd="0" parTransId="{D1BC096E-7702-440B-BE80-860792D3DFB7}" sibTransId="{9D185A63-1973-4493-917E-43CEF87568E8}"/>
+    <dgm:cxn modelId="{482FF1F3-2CE5-45AC-BB2F-4517318D1C97}" type="presOf" srcId="{CD90799B-3B74-4BC7-8657-98A1B4DCC681}" destId="{4069C5B0-E0D3-47C9-9E5F-416939C594B9}" srcOrd="0" destOrd="1" presId="urn:microsoft.com/office/officeart/2005/8/layout/vList5"/>
+    <dgm:cxn modelId="{8992B31C-96AE-42D8-92E7-747632B0038C}" type="presOf" srcId="{532DDF30-8F85-4CC7-9DA6-BD224FB1F3F5}" destId="{4069C5B0-E0D3-47C9-9E5F-416939C594B9}" srcOrd="0" destOrd="2" presId="urn:microsoft.com/office/officeart/2005/8/layout/vList5"/>
+    <dgm:cxn modelId="{29B6EE33-46BD-4DFF-8EAB-6F54D53EE694}" srcId="{7204C1C4-4A05-4E69-9F7B-60981284C004}" destId="{FEEFF06B-F309-4B5C-9120-F2D5BB2A0B0A}" srcOrd="0" destOrd="0" parTransId="{92393A6B-0584-45D2-B927-C5E52B55B04B}" sibTransId="{9A34E78C-3E18-40E0-9559-08591574FBDD}"/>
+    <dgm:cxn modelId="{49439F5F-703F-42C8-AC41-9D10F0F390C7}" srcId="{C9FFFE1F-6078-4D82-87D0-BC919E87007C}" destId="{3D263D67-4D7A-41A5-91A5-670388FEE69F}" srcOrd="0" destOrd="0" parTransId="{ACF50AC0-88E8-48BB-8EA1-B472F428EFC8}" sibTransId="{E1C076EE-C718-4411-AC8A-F6087CE2E2FC}"/>
+    <dgm:cxn modelId="{B14882FA-3621-45BB-AD02-588DC237E259}" srcId="{E42DA33D-4309-45A4-8090-C7C1B8DE2840}" destId="{C9FFFE1F-6078-4D82-87D0-BC919E87007C}" srcOrd="3" destOrd="0" parTransId="{542BC124-9D9F-4260-8A13-671245865973}" sibTransId="{7CFEB858-7D09-4292-AFD8-A460BF109FDB}"/>
+    <dgm:cxn modelId="{5146D501-AD3A-4D91-A2EE-6B8E055A8536}" type="presOf" srcId="{C9FFFE1F-6078-4D82-87D0-BC919E87007C}" destId="{F985ABD3-DA1F-4E90-952D-1C16820F198E}" srcOrd="0" destOrd="0" presId="urn:microsoft.com/office/officeart/2005/8/layout/vList5"/>
+    <dgm:cxn modelId="{2F03713C-0490-4725-99D7-5056B7C29DD9}" type="presOf" srcId="{E42DA33D-4309-45A4-8090-C7C1B8DE2840}" destId="{9951C6AC-0F0C-48FA-BECF-6C3F336159BF}" srcOrd="0" destOrd="0" presId="urn:microsoft.com/office/officeart/2005/8/layout/vList5"/>
+    <dgm:cxn modelId="{87BA7E12-F7AF-46BE-8604-29232418CB3A}" srcId="{E42DA33D-4309-45A4-8090-C7C1B8DE2840}" destId="{7204C1C4-4A05-4E69-9F7B-60981284C004}" srcOrd="0" destOrd="0" parTransId="{4413B713-B44E-40B8-B9EC-C52CD6FE6A10}" sibTransId="{03005108-F32D-4EFF-9439-890CCA627D66}"/>
+    <dgm:cxn modelId="{16F3F74B-7060-4D12-9C89-BB95B103C25C}" type="presOf" srcId="{D7EEFC11-8883-4ED2-BE60-DD96E84152F9}" destId="{76D300D9-3977-4D02-95E9-3905CCACBD1B}" srcOrd="0" destOrd="0" presId="urn:microsoft.com/office/officeart/2005/8/layout/vList5"/>
+    <dgm:cxn modelId="{F8EDE821-F4CD-4FD2-80DE-63681A6BFEE6}" type="presOf" srcId="{8CD26415-961D-4B68-B921-E5200F5307C6}" destId="{7991AEF3-84F5-4F2F-9A87-D93011516A86}" srcOrd="0" destOrd="0" presId="urn:microsoft.com/office/officeart/2005/8/layout/vList5"/>
+    <dgm:cxn modelId="{7B753C74-0022-47C2-9FF5-93322A5AF332}" type="presOf" srcId="{7204C1C4-4A05-4E69-9F7B-60981284C004}" destId="{83285697-B771-41E8-BF80-D6B7B2E260A7}" srcOrd="0" destOrd="0" presId="urn:microsoft.com/office/officeart/2005/8/layout/vList5"/>
     <dgm:cxn modelId="{895F7E3F-AB1D-4DDA-9805-E992151AA0A5}" srcId="{E42DA33D-4309-45A4-8090-C7C1B8DE2840}" destId="{F764DBA7-A3E6-41AE-AAE3-82E4B8468FDE}" srcOrd="2" destOrd="0" parTransId="{DC130EEF-0F89-485F-A675-CEFBD90A8E41}" sibTransId="{41615984-E2C2-477B-BB5D-8BF374A79996}"/>
-    <dgm:cxn modelId="{482FF1F3-2CE5-45AC-BB2F-4517318D1C97}" type="presOf" srcId="{CD90799B-3B74-4BC7-8657-98A1B4DCC681}" destId="{4069C5B0-E0D3-47C9-9E5F-416939C594B9}" srcOrd="0" destOrd="1" presId="urn:microsoft.com/office/officeart/2005/8/layout/vList5"/>
-    <dgm:cxn modelId="{287A446E-66DE-4E87-9D02-0CCC24AE66D5}" srcId="{3E8A25C2-92DB-4ED8-B8C9-EA3371ADABA4}" destId="{D7EEFC11-8883-4ED2-BE60-DD96E84152F9}" srcOrd="0" destOrd="0" parTransId="{B482877E-31B6-44B4-8CD6-B7C7B7B41713}" sibTransId="{6D43DDB6-F7AC-4CC2-A2C8-5A3FEEC47C1E}"/>
-    <dgm:cxn modelId="{7DA06D24-3FE4-409C-A5B4-AABEB6DCE6D5}" srcId="{7204C1C4-4A05-4E69-9F7B-60981284C004}" destId="{532DDF30-8F85-4CC7-9DA6-BD224FB1F3F5}" srcOrd="2" destOrd="0" parTransId="{D1BC096E-7702-440B-BE80-860792D3DFB7}" sibTransId="{9D185A63-1973-4493-917E-43CEF87568E8}"/>
-    <dgm:cxn modelId="{B14882FA-3621-45BB-AD02-588DC237E259}" srcId="{E42DA33D-4309-45A4-8090-C7C1B8DE2840}" destId="{C9FFFE1F-6078-4D82-87D0-BC919E87007C}" srcOrd="3" destOrd="0" parTransId="{542BC124-9D9F-4260-8A13-671245865973}" sibTransId="{7CFEB858-7D09-4292-AFD8-A460BF109FDB}"/>
-    <dgm:cxn modelId="{87BA7E12-F7AF-46BE-8604-29232418CB3A}" srcId="{E42DA33D-4309-45A4-8090-C7C1B8DE2840}" destId="{7204C1C4-4A05-4E69-9F7B-60981284C004}" srcOrd="0" destOrd="0" parTransId="{4413B713-B44E-40B8-B9EC-C52CD6FE6A10}" sibTransId="{03005108-F32D-4EFF-9439-890CCA627D66}"/>
     <dgm:cxn modelId="{83312643-ADFE-4B1B-815A-D60947C8A4EC}" srcId="{7204C1C4-4A05-4E69-9F7B-60981284C004}" destId="{CD90799B-3B74-4BC7-8657-98A1B4DCC681}" srcOrd="1" destOrd="0" parTransId="{751EC021-411F-4A76-B34F-42C814479026}" sibTransId="{7A7CB2A3-1623-4099-B0DA-33EDC01CA133}"/>
-    <dgm:cxn modelId="{02D36449-91AF-4126-9259-E191C70B70F8}" type="presOf" srcId="{3D263D67-4D7A-41A5-91A5-670388FEE69F}" destId="{232E8D04-E732-492E-A284-139D99DFE02C}" srcOrd="0" destOrd="0" presId="urn:microsoft.com/office/officeart/2005/8/layout/vList5"/>
-    <dgm:cxn modelId="{2F03713C-0490-4725-99D7-5056B7C29DD9}" type="presOf" srcId="{E42DA33D-4309-45A4-8090-C7C1B8DE2840}" destId="{9951C6AC-0F0C-48FA-BECF-6C3F336159BF}" srcOrd="0" destOrd="0" presId="urn:microsoft.com/office/officeart/2005/8/layout/vList5"/>
-    <dgm:cxn modelId="{7B753C74-0022-47C2-9FF5-93322A5AF332}" type="presOf" srcId="{7204C1C4-4A05-4E69-9F7B-60981284C004}" destId="{83285697-B771-41E8-BF80-D6B7B2E260A7}" srcOrd="0" destOrd="0" presId="urn:microsoft.com/office/officeart/2005/8/layout/vList5"/>
-    <dgm:cxn modelId="{8A68C0B9-F522-4B3B-9EBF-E7A9F6BA3F83}" type="presOf" srcId="{F764DBA7-A3E6-41AE-AAE3-82E4B8468FDE}" destId="{DE3A8CA3-F5E7-47D6-9409-0DAEFC3883C5}" srcOrd="0" destOrd="0" presId="urn:microsoft.com/office/officeart/2005/8/layout/vList5"/>
-    <dgm:cxn modelId="{8992B31C-96AE-42D8-92E7-747632B0038C}" type="presOf" srcId="{532DDF30-8F85-4CC7-9DA6-BD224FB1F3F5}" destId="{4069C5B0-E0D3-47C9-9E5F-416939C594B9}" srcOrd="0" destOrd="2" presId="urn:microsoft.com/office/officeart/2005/8/layout/vList5"/>
-    <dgm:cxn modelId="{F9191076-F8DA-4139-AB2E-8676FB0EE6B9}" srcId="{F764DBA7-A3E6-41AE-AAE3-82E4B8468FDE}" destId="{8CD26415-961D-4B68-B921-E5200F5307C6}" srcOrd="0" destOrd="0" parTransId="{BA48AF34-0E50-497A-9716-D728A68A822C}" sibTransId="{442A9638-1598-4307-926B-38E8B2F5EC42}"/>
     <dgm:cxn modelId="{A3BB4633-1B83-438C-B46A-5AF3D92225A3}" type="presParOf" srcId="{9951C6AC-0F0C-48FA-BECF-6C3F336159BF}" destId="{74EA5511-F8C7-4860-A01C-41612C829EF5}" srcOrd="0" destOrd="0" presId="urn:microsoft.com/office/officeart/2005/8/layout/vList5"/>
     <dgm:cxn modelId="{8F3604BB-2758-4462-926E-F93AA05F30B5}" type="presParOf" srcId="{74EA5511-F8C7-4860-A01C-41612C829EF5}" destId="{83285697-B771-41E8-BF80-D6B7B2E260A7}" srcOrd="0" destOrd="0" presId="urn:microsoft.com/office/officeart/2005/8/layout/vList5"/>
     <dgm:cxn modelId="{C5A249E9-42F1-43F9-8331-FBEE8E16B894}" type="presParOf" srcId="{74EA5511-F8C7-4860-A01C-41612C829EF5}" destId="{4069C5B0-E0D3-47C9-9E5F-416939C594B9}" srcOrd="1" destOrd="0" presId="urn:microsoft.com/office/officeart/2005/8/layout/vList5"/>
@@ -4607,7 +5354,7 @@
   <dgm:whole/>
   <dgm:extLst>
     <a:ext uri="http://schemas.microsoft.com/office/drawing/2008/diagram">
-      <dsp:dataModelExt xmlns:dsp="http://schemas.microsoft.com/office/drawing/2008/diagram" xmlns="" relId="rId6" minVer="http://schemas.openxmlformats.org/drawingml/2006/diagram"/>
+      <dsp:dataModelExt xmlns:dsp="http://schemas.microsoft.com/office/drawing/2008/diagram" relId="rId6" minVer="http://schemas.openxmlformats.org/drawingml/2006/diagram"/>
     </a:ext>
   </dgm:extLst>
 </dgm:dataModel>
@@ -4717,10 +5464,10 @@
         <a:lstStyle/>
         <a:p>
           <a:r>
-            <a:rPr lang="pt-BR" sz="1600" dirty="0" smtClean="0"/>
+            <a:rPr lang="pt-BR" sz="1400" b="1" dirty="0" smtClean="0"/>
             <a:t>?</a:t>
           </a:r>
-          <a:endParaRPr lang="pt-BR" sz="1600" dirty="0"/>
+          <a:endParaRPr lang="pt-BR" sz="1400" b="1" dirty="0"/>
         </a:p>
       </dgm:t>
     </dgm:pt>
@@ -4836,10 +5583,10 @@
         <a:lstStyle/>
         <a:p>
           <a:r>
-            <a:rPr lang="pt-BR" sz="1600" dirty="0" smtClean="0"/>
+            <a:rPr lang="pt-BR" sz="1400" b="1" dirty="0" smtClean="0"/>
             <a:t>?</a:t>
           </a:r>
-          <a:endParaRPr lang="pt-BR" sz="1600" dirty="0"/>
+          <a:endParaRPr lang="pt-BR" sz="1400" b="1" dirty="0"/>
         </a:p>
       </dgm:t>
     </dgm:pt>
@@ -4940,10 +5687,10 @@
         <a:lstStyle/>
         <a:p>
           <a:r>
-            <a:rPr lang="pt-BR" sz="1600" dirty="0" smtClean="0"/>
+            <a:rPr lang="pt-BR" sz="1400" b="1" dirty="0" smtClean="0"/>
             <a:t>?</a:t>
           </a:r>
-          <a:endParaRPr lang="pt-BR" sz="1600" dirty="0"/>
+          <a:endParaRPr lang="pt-BR" sz="1400" b="1" dirty="0"/>
         </a:p>
       </dgm:t>
     </dgm:pt>
@@ -5173,26 +5920,26 @@
     </dgm:pt>
   </dgm:ptLst>
   <dgm:cxnLst>
+    <dgm:cxn modelId="{82215399-8FEF-435E-B12E-B0BBF6350A2D}" srcId="{140DB818-E071-4B39-BEDA-37F84C79FBA2}" destId="{57884B04-88D4-4FB2-8678-5199DF429E6F}" srcOrd="0" destOrd="0" parTransId="{C4B27B1D-C2E0-4804-B643-F031B63B66D3}" sibTransId="{B8942B1F-0DA1-4630-8D8B-34A3B43C11D5}"/>
+    <dgm:cxn modelId="{9C9CCD84-152C-4BF0-AE56-02A77DCE9308}" type="presOf" srcId="{AD7A2D0A-69C1-40D4-AC3C-50ACA39C45C1}" destId="{944B484B-F688-4CFA-A4FB-08B237CA5903}" srcOrd="1" destOrd="0" presId="urn:microsoft.com/office/officeart/2005/8/layout/process3"/>
+    <dgm:cxn modelId="{BB53AC73-5473-4487-A280-CC415E72C20C}" srcId="{E253E697-B0C3-42D4-81FD-D3ABCA72938E}" destId="{140DB818-E071-4B39-BEDA-37F84C79FBA2}" srcOrd="1" destOrd="0" parTransId="{5D492640-F330-4177-9F25-0C2545064803}" sibTransId="{AAA7816F-0D18-434B-AF27-E1709A042EA5}"/>
+    <dgm:cxn modelId="{5A2ECE84-5973-469B-B8D7-72377C33E035}" type="presOf" srcId="{AAA7816F-0D18-434B-AF27-E1709A042EA5}" destId="{1390A124-BEDA-4A49-9B1B-0ED2FB571A6C}" srcOrd="0" destOrd="0" presId="urn:microsoft.com/office/officeart/2005/8/layout/process3"/>
+    <dgm:cxn modelId="{021B0986-616E-47A6-BC20-5C2A8AA71A81}" type="presOf" srcId="{E253E697-B0C3-42D4-81FD-D3ABCA72938E}" destId="{BCDBC707-4A93-4D55-A61A-79732B703027}" srcOrd="0" destOrd="0" presId="urn:microsoft.com/office/officeart/2005/8/layout/process3"/>
+    <dgm:cxn modelId="{605658C6-069A-4135-B3FB-B8571120DFAF}" type="presOf" srcId="{4BA36FF7-0F0F-4341-A68C-01E8516603CD}" destId="{DADC7395-583C-4FD5-8691-3342B823E6CA}" srcOrd="1" destOrd="0" presId="urn:microsoft.com/office/officeart/2005/8/layout/process3"/>
+    <dgm:cxn modelId="{7DDFCDF5-FB4B-4B56-AB28-D717E8E38C18}" type="presOf" srcId="{AAA7816F-0D18-434B-AF27-E1709A042EA5}" destId="{A890346F-3222-4081-BF76-FED6671C2558}" srcOrd="1" destOrd="0" presId="urn:microsoft.com/office/officeart/2005/8/layout/process3"/>
+    <dgm:cxn modelId="{1BD557F6-3147-4A3E-96E1-8774CC36B89A}" srcId="{E253E697-B0C3-42D4-81FD-D3ABCA72938E}" destId="{AD7A2D0A-69C1-40D4-AC3C-50ACA39C45C1}" srcOrd="2" destOrd="0" parTransId="{B65DA3CC-30DF-4011-97FD-91E67EF19982}" sibTransId="{D8E3431A-1020-45BC-A3A1-D9601A2EED84}"/>
+    <dgm:cxn modelId="{D95A37CA-F51F-4A08-8D0B-184665F642AA}" type="presOf" srcId="{579997AD-FA9A-4915-A323-8F17CA09514B}" destId="{330F8E89-32DF-4BC4-AED2-91D2D7CB94C5}" srcOrd="0" destOrd="0" presId="urn:microsoft.com/office/officeart/2005/8/layout/process3"/>
+    <dgm:cxn modelId="{3B833AF1-554A-4115-83EE-25F9C4E2AEFD}" type="presOf" srcId="{B2D64904-4778-414A-935C-AFC992C15E50}" destId="{A64C8272-FC1A-4572-A0B1-A3C36EACD2B6}" srcOrd="0" destOrd="0" presId="urn:microsoft.com/office/officeart/2005/8/layout/process3"/>
+    <dgm:cxn modelId="{13DDD5AB-9265-4DB2-9E66-512CAA799786}" srcId="{E253E697-B0C3-42D4-81FD-D3ABCA72938E}" destId="{4BA36FF7-0F0F-4341-A68C-01E8516603CD}" srcOrd="0" destOrd="0" parTransId="{9FBCD112-267C-4316-B4DD-D2608637A18B}" sibTransId="{579997AD-FA9A-4915-A323-8F17CA09514B}"/>
+    <dgm:cxn modelId="{5DDCBCED-AD9D-443E-B390-A89DFC1C749F}" type="presOf" srcId="{140DB818-E071-4B39-BEDA-37F84C79FBA2}" destId="{184053F0-8034-496C-9823-B7D238D8DC93}" srcOrd="0" destOrd="0" presId="urn:microsoft.com/office/officeart/2005/8/layout/process3"/>
+    <dgm:cxn modelId="{1797C3E7-363E-4D4F-BF7B-E725B7DA6E80}" type="presOf" srcId="{579997AD-FA9A-4915-A323-8F17CA09514B}" destId="{E703F4C6-A0E0-49AD-9FAC-F47DD1F01258}" srcOrd="1" destOrd="0" presId="urn:microsoft.com/office/officeart/2005/8/layout/process3"/>
+    <dgm:cxn modelId="{E6108260-E385-432B-A806-C31C8E849437}" srcId="{4BA36FF7-0F0F-4341-A68C-01E8516603CD}" destId="{B2D64904-4778-414A-935C-AFC992C15E50}" srcOrd="0" destOrd="0" parTransId="{3886B039-ED5A-4C35-9224-7296F3AB00E8}" sibTransId="{F27A2EE6-AA94-4404-920A-4FEA4A59E153}"/>
+    <dgm:cxn modelId="{E22A4332-4F38-4397-A0CA-E07AB4FDA400}" type="presOf" srcId="{AD7A2D0A-69C1-40D4-AC3C-50ACA39C45C1}" destId="{EA7354A6-04B1-4A5C-BE93-3D503C066108}" srcOrd="0" destOrd="0" presId="urn:microsoft.com/office/officeart/2005/8/layout/process3"/>
+    <dgm:cxn modelId="{AE01CECD-7460-4EE6-9855-462A6BAC54CD}" type="presOf" srcId="{21736AD5-ED16-41EE-9520-03DEC94C9DD9}" destId="{1993AEF3-68C8-4F83-9F1E-D1B7B5B4963C}" srcOrd="0" destOrd="0" presId="urn:microsoft.com/office/officeart/2005/8/layout/process3"/>
+    <dgm:cxn modelId="{625B97B1-48B9-4F79-AD12-9E967C7E5D25}" type="presOf" srcId="{57884B04-88D4-4FB2-8678-5199DF429E6F}" destId="{3E47BC9E-87C0-4D93-83F4-A810B62AEF07}" srcOrd="0" destOrd="0" presId="urn:microsoft.com/office/officeart/2005/8/layout/process3"/>
+    <dgm:cxn modelId="{D1284BD6-E3DA-48A8-BFF9-25C5710CED70}" type="presOf" srcId="{4BA36FF7-0F0F-4341-A68C-01E8516603CD}" destId="{209FD6B3-0ECB-4203-B962-7559934405BD}" srcOrd="0" destOrd="0" presId="urn:microsoft.com/office/officeart/2005/8/layout/process3"/>
+    <dgm:cxn modelId="{33D1B9A7-E56C-4778-97FB-A5B130BCA5C0}" srcId="{AD7A2D0A-69C1-40D4-AC3C-50ACA39C45C1}" destId="{21736AD5-ED16-41EE-9520-03DEC94C9DD9}" srcOrd="0" destOrd="0" parTransId="{9CB51E30-49E4-4E36-942B-179B5A0EC94C}" sibTransId="{DFDDDFD5-3525-4DBC-A81D-34093C1E23BA}"/>
     <dgm:cxn modelId="{C288C32A-3227-4782-B852-198321A78827}" type="presOf" srcId="{140DB818-E071-4B39-BEDA-37F84C79FBA2}" destId="{D6C82472-F7A1-44F8-BE16-C0E2E40E0D6B}" srcOrd="1" destOrd="0" presId="urn:microsoft.com/office/officeart/2005/8/layout/process3"/>
-    <dgm:cxn modelId="{021B0986-616E-47A6-BC20-5C2A8AA71A81}" type="presOf" srcId="{E253E697-B0C3-42D4-81FD-D3ABCA72938E}" destId="{BCDBC707-4A93-4D55-A61A-79732B703027}" srcOrd="0" destOrd="0" presId="urn:microsoft.com/office/officeart/2005/8/layout/process3"/>
-    <dgm:cxn modelId="{BB53AC73-5473-4487-A280-CC415E72C20C}" srcId="{E253E697-B0C3-42D4-81FD-D3ABCA72938E}" destId="{140DB818-E071-4B39-BEDA-37F84C79FBA2}" srcOrd="1" destOrd="0" parTransId="{5D492640-F330-4177-9F25-0C2545064803}" sibTransId="{AAA7816F-0D18-434B-AF27-E1709A042EA5}"/>
-    <dgm:cxn modelId="{82215399-8FEF-435E-B12E-B0BBF6350A2D}" srcId="{140DB818-E071-4B39-BEDA-37F84C79FBA2}" destId="{57884B04-88D4-4FB2-8678-5199DF429E6F}" srcOrd="0" destOrd="0" parTransId="{C4B27B1D-C2E0-4804-B643-F031B63B66D3}" sibTransId="{B8942B1F-0DA1-4630-8D8B-34A3B43C11D5}"/>
-    <dgm:cxn modelId="{E22A4332-4F38-4397-A0CA-E07AB4FDA400}" type="presOf" srcId="{AD7A2D0A-69C1-40D4-AC3C-50ACA39C45C1}" destId="{EA7354A6-04B1-4A5C-BE93-3D503C066108}" srcOrd="0" destOrd="0" presId="urn:microsoft.com/office/officeart/2005/8/layout/process3"/>
-    <dgm:cxn modelId="{1BD557F6-3147-4A3E-96E1-8774CC36B89A}" srcId="{E253E697-B0C3-42D4-81FD-D3ABCA72938E}" destId="{AD7A2D0A-69C1-40D4-AC3C-50ACA39C45C1}" srcOrd="2" destOrd="0" parTransId="{B65DA3CC-30DF-4011-97FD-91E67EF19982}" sibTransId="{D8E3431A-1020-45BC-A3A1-D9601A2EED84}"/>
-    <dgm:cxn modelId="{625B97B1-48B9-4F79-AD12-9E967C7E5D25}" type="presOf" srcId="{57884B04-88D4-4FB2-8678-5199DF429E6F}" destId="{3E47BC9E-87C0-4D93-83F4-A810B62AEF07}" srcOrd="0" destOrd="0" presId="urn:microsoft.com/office/officeart/2005/8/layout/process3"/>
-    <dgm:cxn modelId="{1797C3E7-363E-4D4F-BF7B-E725B7DA6E80}" type="presOf" srcId="{579997AD-FA9A-4915-A323-8F17CA09514B}" destId="{E703F4C6-A0E0-49AD-9FAC-F47DD1F01258}" srcOrd="1" destOrd="0" presId="urn:microsoft.com/office/officeart/2005/8/layout/process3"/>
-    <dgm:cxn modelId="{5DDCBCED-AD9D-443E-B390-A89DFC1C749F}" type="presOf" srcId="{140DB818-E071-4B39-BEDA-37F84C79FBA2}" destId="{184053F0-8034-496C-9823-B7D238D8DC93}" srcOrd="0" destOrd="0" presId="urn:microsoft.com/office/officeart/2005/8/layout/process3"/>
-    <dgm:cxn modelId="{605658C6-069A-4135-B3FB-B8571120DFAF}" type="presOf" srcId="{4BA36FF7-0F0F-4341-A68C-01E8516603CD}" destId="{DADC7395-583C-4FD5-8691-3342B823E6CA}" srcOrd="1" destOrd="0" presId="urn:microsoft.com/office/officeart/2005/8/layout/process3"/>
-    <dgm:cxn modelId="{D95A37CA-F51F-4A08-8D0B-184665F642AA}" type="presOf" srcId="{579997AD-FA9A-4915-A323-8F17CA09514B}" destId="{330F8E89-32DF-4BC4-AED2-91D2D7CB94C5}" srcOrd="0" destOrd="0" presId="urn:microsoft.com/office/officeart/2005/8/layout/process3"/>
-    <dgm:cxn modelId="{13DDD5AB-9265-4DB2-9E66-512CAA799786}" srcId="{E253E697-B0C3-42D4-81FD-D3ABCA72938E}" destId="{4BA36FF7-0F0F-4341-A68C-01E8516603CD}" srcOrd="0" destOrd="0" parTransId="{9FBCD112-267C-4316-B4DD-D2608637A18B}" sibTransId="{579997AD-FA9A-4915-A323-8F17CA09514B}"/>
-    <dgm:cxn modelId="{3B833AF1-554A-4115-83EE-25F9C4E2AEFD}" type="presOf" srcId="{B2D64904-4778-414A-935C-AFC992C15E50}" destId="{A64C8272-FC1A-4572-A0B1-A3C36EACD2B6}" srcOrd="0" destOrd="0" presId="urn:microsoft.com/office/officeart/2005/8/layout/process3"/>
-    <dgm:cxn modelId="{AE01CECD-7460-4EE6-9855-462A6BAC54CD}" type="presOf" srcId="{21736AD5-ED16-41EE-9520-03DEC94C9DD9}" destId="{1993AEF3-68C8-4F83-9F1E-D1B7B5B4963C}" srcOrd="0" destOrd="0" presId="urn:microsoft.com/office/officeart/2005/8/layout/process3"/>
-    <dgm:cxn modelId="{9C9CCD84-152C-4BF0-AE56-02A77DCE9308}" type="presOf" srcId="{AD7A2D0A-69C1-40D4-AC3C-50ACA39C45C1}" destId="{944B484B-F688-4CFA-A4FB-08B237CA5903}" srcOrd="1" destOrd="0" presId="urn:microsoft.com/office/officeart/2005/8/layout/process3"/>
-    <dgm:cxn modelId="{D1284BD6-E3DA-48A8-BFF9-25C5710CED70}" type="presOf" srcId="{4BA36FF7-0F0F-4341-A68C-01E8516603CD}" destId="{209FD6B3-0ECB-4203-B962-7559934405BD}" srcOrd="0" destOrd="0" presId="urn:microsoft.com/office/officeart/2005/8/layout/process3"/>
-    <dgm:cxn modelId="{7DDFCDF5-FB4B-4B56-AB28-D717E8E38C18}" type="presOf" srcId="{AAA7816F-0D18-434B-AF27-E1709A042EA5}" destId="{A890346F-3222-4081-BF76-FED6671C2558}" srcOrd="1" destOrd="0" presId="urn:microsoft.com/office/officeart/2005/8/layout/process3"/>
-    <dgm:cxn modelId="{5A2ECE84-5973-469B-B8D7-72377C33E035}" type="presOf" srcId="{AAA7816F-0D18-434B-AF27-E1709A042EA5}" destId="{1390A124-BEDA-4A49-9B1B-0ED2FB571A6C}" srcOrd="0" destOrd="0" presId="urn:microsoft.com/office/officeart/2005/8/layout/process3"/>
-    <dgm:cxn modelId="{E6108260-E385-432B-A806-C31C8E849437}" srcId="{4BA36FF7-0F0F-4341-A68C-01E8516603CD}" destId="{B2D64904-4778-414A-935C-AFC992C15E50}" srcOrd="0" destOrd="0" parTransId="{3886B039-ED5A-4C35-9224-7296F3AB00E8}" sibTransId="{F27A2EE6-AA94-4404-920A-4FEA4A59E153}"/>
-    <dgm:cxn modelId="{33D1B9A7-E56C-4778-97FB-A5B130BCA5C0}" srcId="{AD7A2D0A-69C1-40D4-AC3C-50ACA39C45C1}" destId="{21736AD5-ED16-41EE-9520-03DEC94C9DD9}" srcOrd="0" destOrd="0" parTransId="{9CB51E30-49E4-4E36-942B-179B5A0EC94C}" sibTransId="{DFDDDFD5-3525-4DBC-A81D-34093C1E23BA}"/>
     <dgm:cxn modelId="{7A716225-B15F-42A3-B0B1-95F5DAF585E6}" type="presParOf" srcId="{BCDBC707-4A93-4D55-A61A-79732B703027}" destId="{53AF55CF-52F1-471D-BD6D-B6FBBCD8ED56}" srcOrd="0" destOrd="0" presId="urn:microsoft.com/office/officeart/2005/8/layout/process3"/>
     <dgm:cxn modelId="{AB11F588-8517-43F7-B26C-B53A5C95128F}" type="presParOf" srcId="{53AF55CF-52F1-471D-BD6D-B6FBBCD8ED56}" destId="{209FD6B3-0ECB-4203-B962-7559934405BD}" srcOrd="0" destOrd="0" presId="urn:microsoft.com/office/officeart/2005/8/layout/process3"/>
     <dgm:cxn modelId="{ECA7C0B7-4EAB-47E7-B4DA-234ACDCD8581}" type="presParOf" srcId="{53AF55CF-52F1-471D-BD6D-B6FBBCD8ED56}" destId="{DADC7395-583C-4FD5-8691-3342B823E6CA}" srcOrd="1" destOrd="0" presId="urn:microsoft.com/office/officeart/2005/8/layout/process3"/>
@@ -5214,13 +5961,584 @@
   <dgm:whole/>
   <dgm:extLst>
     <a:ext uri="http://schemas.microsoft.com/office/drawing/2008/diagram">
-      <dsp:dataModelExt xmlns:dsp="http://schemas.microsoft.com/office/drawing/2008/diagram" xmlns="" relId="rId6" minVer="http://schemas.openxmlformats.org/drawingml/2006/diagram"/>
+      <dsp:dataModelExt xmlns:dsp="http://schemas.microsoft.com/office/drawing/2008/diagram" relId="rId6" minVer="http://schemas.openxmlformats.org/drawingml/2006/diagram"/>
     </a:ext>
   </dgm:extLst>
 </dgm:dataModel>
 </file>
 
 <file path=ppt/diagrams/data3.xml><?xml version="1.0" encoding="utf-8"?>
+<dgm:dataModel xmlns:dgm="http://schemas.openxmlformats.org/drawingml/2006/diagram" xmlns:a="http://schemas.openxmlformats.org/drawingml/2006/main">
+  <dgm:ptLst>
+    <dgm:pt modelId="{09E1FA74-CAD4-4D8F-8C9F-47DB10A12E4C}" type="doc">
+      <dgm:prSet loTypeId="urn:microsoft.com/office/officeart/2008/layout/SquareAccentList" loCatId="list" qsTypeId="urn:microsoft.com/office/officeart/2005/8/quickstyle/simple1" qsCatId="simple" csTypeId="urn:microsoft.com/office/officeart/2005/8/colors/accent1_2" csCatId="accent1" phldr="0"/>
+      <dgm:spPr/>
+      <dgm:t>
+        <a:bodyPr/>
+        <a:lstStyle/>
+        <a:p>
+          <a:endParaRPr lang="pt-BR"/>
+        </a:p>
+      </dgm:t>
+    </dgm:pt>
+    <dgm:pt modelId="{B41D75AE-2A29-4277-8DBB-D5E9CED79C4D}">
+      <dgm:prSet phldrT="[Texto]" phldr="1"/>
+      <dgm:spPr/>
+      <dgm:t>
+        <a:bodyPr/>
+        <a:lstStyle/>
+        <a:p>
+          <a:endParaRPr lang="pt-BR" dirty="0"/>
+        </a:p>
+      </dgm:t>
+    </dgm:pt>
+    <dgm:pt modelId="{E4BA2DF7-CD16-40C5-8D39-63D87AB06BAE}" type="parTrans" cxnId="{925D1D41-F295-4BF5-8F35-6B0283EB1660}">
+      <dgm:prSet/>
+      <dgm:spPr/>
+      <dgm:t>
+        <a:bodyPr/>
+        <a:lstStyle/>
+        <a:p>
+          <a:endParaRPr lang="pt-BR"/>
+        </a:p>
+      </dgm:t>
+    </dgm:pt>
+    <dgm:pt modelId="{49219BB6-AF08-4355-8AAC-CB63EB613BD5}" type="sibTrans" cxnId="{925D1D41-F295-4BF5-8F35-6B0283EB1660}">
+      <dgm:prSet/>
+      <dgm:spPr/>
+      <dgm:t>
+        <a:bodyPr/>
+        <a:lstStyle/>
+        <a:p>
+          <a:endParaRPr lang="pt-BR"/>
+        </a:p>
+      </dgm:t>
+    </dgm:pt>
+    <dgm:pt modelId="{B2A72572-DD94-49F3-9C74-F97F76DD77E8}">
+      <dgm:prSet phldrT="[Texto]" phldr="1"/>
+      <dgm:spPr/>
+      <dgm:t>
+        <a:bodyPr/>
+        <a:lstStyle/>
+        <a:p>
+          <a:endParaRPr lang="pt-BR"/>
+        </a:p>
+      </dgm:t>
+    </dgm:pt>
+    <dgm:pt modelId="{BE5BBF08-CB6C-410D-95EE-BD5BF25A6309}" type="parTrans" cxnId="{60B80743-7E71-47A9-8589-B22F3F761233}">
+      <dgm:prSet/>
+      <dgm:spPr/>
+      <dgm:t>
+        <a:bodyPr/>
+        <a:lstStyle/>
+        <a:p>
+          <a:endParaRPr lang="pt-BR"/>
+        </a:p>
+      </dgm:t>
+    </dgm:pt>
+    <dgm:pt modelId="{CFA313D8-C3A9-4765-881F-FD14965CDD61}" type="sibTrans" cxnId="{60B80743-7E71-47A9-8589-B22F3F761233}">
+      <dgm:prSet/>
+      <dgm:spPr/>
+      <dgm:t>
+        <a:bodyPr/>
+        <a:lstStyle/>
+        <a:p>
+          <a:endParaRPr lang="pt-BR"/>
+        </a:p>
+      </dgm:t>
+    </dgm:pt>
+    <dgm:pt modelId="{8AB1D12E-E418-4915-8CED-6AB0C84761F4}">
+      <dgm:prSet phldrT="[Texto]" phldr="1"/>
+      <dgm:spPr/>
+      <dgm:t>
+        <a:bodyPr/>
+        <a:lstStyle/>
+        <a:p>
+          <a:endParaRPr lang="pt-BR"/>
+        </a:p>
+      </dgm:t>
+    </dgm:pt>
+    <dgm:pt modelId="{1BE8EC8D-27D7-49EA-907A-2F9B0ACF5DCA}" type="parTrans" cxnId="{8ABF67CD-DAC4-41A3-926E-140CF6F92A23}">
+      <dgm:prSet/>
+      <dgm:spPr/>
+      <dgm:t>
+        <a:bodyPr/>
+        <a:lstStyle/>
+        <a:p>
+          <a:endParaRPr lang="pt-BR"/>
+        </a:p>
+      </dgm:t>
+    </dgm:pt>
+    <dgm:pt modelId="{293C271F-A78D-436A-A6CB-17A318394333}" type="sibTrans" cxnId="{8ABF67CD-DAC4-41A3-926E-140CF6F92A23}">
+      <dgm:prSet/>
+      <dgm:spPr/>
+      <dgm:t>
+        <a:bodyPr/>
+        <a:lstStyle/>
+        <a:p>
+          <a:endParaRPr lang="pt-BR"/>
+        </a:p>
+      </dgm:t>
+    </dgm:pt>
+    <dgm:pt modelId="{AC6C1CB8-BE46-44FC-93D0-1A13ABC82896}">
+      <dgm:prSet phldrT="[Texto]" phldr="1"/>
+      <dgm:spPr/>
+      <dgm:t>
+        <a:bodyPr/>
+        <a:lstStyle/>
+        <a:p>
+          <a:endParaRPr lang="pt-BR"/>
+        </a:p>
+      </dgm:t>
+    </dgm:pt>
+    <dgm:pt modelId="{368D3FFA-1706-4155-9796-459F27FB3F7F}" type="parTrans" cxnId="{E985D23C-CEF3-49BA-B2AA-6039D6462C30}">
+      <dgm:prSet/>
+      <dgm:spPr/>
+      <dgm:t>
+        <a:bodyPr/>
+        <a:lstStyle/>
+        <a:p>
+          <a:endParaRPr lang="pt-BR"/>
+        </a:p>
+      </dgm:t>
+    </dgm:pt>
+    <dgm:pt modelId="{47583708-E552-4706-B015-578F522A21EB}" type="sibTrans" cxnId="{E985D23C-CEF3-49BA-B2AA-6039D6462C30}">
+      <dgm:prSet/>
+      <dgm:spPr/>
+      <dgm:t>
+        <a:bodyPr/>
+        <a:lstStyle/>
+        <a:p>
+          <a:endParaRPr lang="pt-BR"/>
+        </a:p>
+      </dgm:t>
+    </dgm:pt>
+    <dgm:pt modelId="{AAC17C87-31E8-4276-B5AF-B8910E5CA9AA}">
+      <dgm:prSet phldrT="[Texto]" phldr="1"/>
+      <dgm:spPr/>
+      <dgm:t>
+        <a:bodyPr/>
+        <a:lstStyle/>
+        <a:p>
+          <a:endParaRPr lang="pt-BR"/>
+        </a:p>
+      </dgm:t>
+    </dgm:pt>
+    <dgm:pt modelId="{7EA781CD-E6A2-4979-963F-9C9A0A1B2730}" type="parTrans" cxnId="{3CFC8CA8-DC62-44AE-9367-B51D186B6958}">
+      <dgm:prSet/>
+      <dgm:spPr/>
+      <dgm:t>
+        <a:bodyPr/>
+        <a:lstStyle/>
+        <a:p>
+          <a:endParaRPr lang="pt-BR"/>
+        </a:p>
+      </dgm:t>
+    </dgm:pt>
+    <dgm:pt modelId="{B37090C3-402B-4158-91BD-832F4000D4BA}" type="sibTrans" cxnId="{3CFC8CA8-DC62-44AE-9367-B51D186B6958}">
+      <dgm:prSet/>
+      <dgm:spPr/>
+      <dgm:t>
+        <a:bodyPr/>
+        <a:lstStyle/>
+        <a:p>
+          <a:endParaRPr lang="pt-BR"/>
+        </a:p>
+      </dgm:t>
+    </dgm:pt>
+    <dgm:pt modelId="{22AB3F71-BC8F-4768-888B-F6E1856CFD5B}">
+      <dgm:prSet phldrT="[Texto]" phldr="1"/>
+      <dgm:spPr/>
+      <dgm:t>
+        <a:bodyPr/>
+        <a:lstStyle/>
+        <a:p>
+          <a:endParaRPr lang="pt-BR" dirty="0"/>
+        </a:p>
+      </dgm:t>
+    </dgm:pt>
+    <dgm:pt modelId="{72548C30-62AA-4264-A91B-6E316ED2D1D5}" type="parTrans" cxnId="{47F9B3B4-FA63-45BD-B156-69D5C1732BE8}">
+      <dgm:prSet/>
+      <dgm:spPr/>
+      <dgm:t>
+        <a:bodyPr/>
+        <a:lstStyle/>
+        <a:p>
+          <a:endParaRPr lang="pt-BR"/>
+        </a:p>
+      </dgm:t>
+    </dgm:pt>
+    <dgm:pt modelId="{C9F02517-C147-4C66-A0F0-11E0F557FBA6}" type="sibTrans" cxnId="{47F9B3B4-FA63-45BD-B156-69D5C1732BE8}">
+      <dgm:prSet/>
+      <dgm:spPr/>
+      <dgm:t>
+        <a:bodyPr/>
+        <a:lstStyle/>
+        <a:p>
+          <a:endParaRPr lang="pt-BR"/>
+        </a:p>
+      </dgm:t>
+    </dgm:pt>
+    <dgm:pt modelId="{3973E519-921D-4357-808F-65EA81567642}">
+      <dgm:prSet phldrT="[Texto]" phldr="1"/>
+      <dgm:spPr/>
+      <dgm:t>
+        <a:bodyPr/>
+        <a:lstStyle/>
+        <a:p>
+          <a:endParaRPr lang="pt-BR"/>
+        </a:p>
+      </dgm:t>
+    </dgm:pt>
+    <dgm:pt modelId="{74AF20CE-7799-4C8E-A894-EE0C2D449A5F}" type="parTrans" cxnId="{762F7717-D26E-4D1C-A6FD-498F6E1B02A3}">
+      <dgm:prSet/>
+      <dgm:spPr/>
+      <dgm:t>
+        <a:bodyPr/>
+        <a:lstStyle/>
+        <a:p>
+          <a:endParaRPr lang="pt-BR"/>
+        </a:p>
+      </dgm:t>
+    </dgm:pt>
+    <dgm:pt modelId="{ED0B01CC-F5BD-4E3D-9811-96F476147302}" type="sibTrans" cxnId="{762F7717-D26E-4D1C-A6FD-498F6E1B02A3}">
+      <dgm:prSet/>
+      <dgm:spPr/>
+      <dgm:t>
+        <a:bodyPr/>
+        <a:lstStyle/>
+        <a:p>
+          <a:endParaRPr lang="pt-BR"/>
+        </a:p>
+      </dgm:t>
+    </dgm:pt>
+    <dgm:pt modelId="{25E09C33-42FD-4F52-8CB0-452BF541B7EE}">
+      <dgm:prSet phldrT="[Texto]" phldr="1"/>
+      <dgm:spPr/>
+      <dgm:t>
+        <a:bodyPr/>
+        <a:lstStyle/>
+        <a:p>
+          <a:endParaRPr lang="pt-BR"/>
+        </a:p>
+      </dgm:t>
+    </dgm:pt>
+    <dgm:pt modelId="{2E5C60CF-085B-4C66-A01B-83A3AF9AC5CE}" type="parTrans" cxnId="{2FFE2D2F-5254-486D-A83F-5A8A96275BDB}">
+      <dgm:prSet/>
+      <dgm:spPr/>
+      <dgm:t>
+        <a:bodyPr/>
+        <a:lstStyle/>
+        <a:p>
+          <a:endParaRPr lang="pt-BR"/>
+        </a:p>
+      </dgm:t>
+    </dgm:pt>
+    <dgm:pt modelId="{F9299BC1-DA27-4702-A02B-E2D61037A6E5}" type="sibTrans" cxnId="{2FFE2D2F-5254-486D-A83F-5A8A96275BDB}">
+      <dgm:prSet/>
+      <dgm:spPr/>
+      <dgm:t>
+        <a:bodyPr/>
+        <a:lstStyle/>
+        <a:p>
+          <a:endParaRPr lang="pt-BR"/>
+        </a:p>
+      </dgm:t>
+    </dgm:pt>
+    <dgm:pt modelId="{2971BC93-77C3-4078-A105-8597E86CC05C}" type="pres">
+      <dgm:prSet presAssocID="{09E1FA74-CAD4-4D8F-8C9F-47DB10A12E4C}" presName="layout" presStyleCnt="0">
+        <dgm:presLayoutVars>
+          <dgm:chMax/>
+          <dgm:chPref/>
+          <dgm:dir/>
+          <dgm:resizeHandles/>
+        </dgm:presLayoutVars>
+      </dgm:prSet>
+      <dgm:spPr/>
+    </dgm:pt>
+    <dgm:pt modelId="{1AE39575-5131-457E-87D9-250C20E4AF30}" type="pres">
+      <dgm:prSet presAssocID="{B41D75AE-2A29-4277-8DBB-D5E9CED79C4D}" presName="root" presStyleCnt="0">
+        <dgm:presLayoutVars>
+          <dgm:chMax/>
+          <dgm:chPref/>
+        </dgm:presLayoutVars>
+      </dgm:prSet>
+      <dgm:spPr/>
+    </dgm:pt>
+    <dgm:pt modelId="{118FBAA4-28AC-4EB8-89A4-219E83C3BCBE}" type="pres">
+      <dgm:prSet presAssocID="{B41D75AE-2A29-4277-8DBB-D5E9CED79C4D}" presName="rootComposite" presStyleCnt="0">
+        <dgm:presLayoutVars/>
+      </dgm:prSet>
+      <dgm:spPr/>
+    </dgm:pt>
+    <dgm:pt modelId="{78E90345-FE91-47A7-8E8D-7EC91F8F325D}" type="pres">
+      <dgm:prSet presAssocID="{B41D75AE-2A29-4277-8DBB-D5E9CED79C4D}" presName="ParentAccent" presStyleLbl="alignNode1" presStyleIdx="0" presStyleCnt="2"/>
+      <dgm:spPr/>
+    </dgm:pt>
+    <dgm:pt modelId="{442AB41D-A8B9-4C81-AFE5-A9DDC7C501DB}" type="pres">
+      <dgm:prSet presAssocID="{B41D75AE-2A29-4277-8DBB-D5E9CED79C4D}" presName="ParentSmallAccent" presStyleLbl="fgAcc1" presStyleIdx="0" presStyleCnt="2"/>
+      <dgm:spPr/>
+    </dgm:pt>
+    <dgm:pt modelId="{F0A18B1E-4B8C-49D0-A2C5-B72A0992791A}" type="pres">
+      <dgm:prSet presAssocID="{B41D75AE-2A29-4277-8DBB-D5E9CED79C4D}" presName="Parent" presStyleLbl="revTx" presStyleIdx="0" presStyleCnt="8">
+        <dgm:presLayoutVars>
+          <dgm:chMax/>
+          <dgm:chPref val="4"/>
+          <dgm:bulletEnabled val="1"/>
+        </dgm:presLayoutVars>
+      </dgm:prSet>
+      <dgm:spPr/>
+    </dgm:pt>
+    <dgm:pt modelId="{0FA6566D-FEDB-48F5-ABEA-024A465C109F}" type="pres">
+      <dgm:prSet presAssocID="{B41D75AE-2A29-4277-8DBB-D5E9CED79C4D}" presName="childShape" presStyleCnt="0">
+        <dgm:presLayoutVars>
+          <dgm:chMax val="0"/>
+          <dgm:chPref val="0"/>
+        </dgm:presLayoutVars>
+      </dgm:prSet>
+      <dgm:spPr/>
+    </dgm:pt>
+    <dgm:pt modelId="{62A25A0F-804E-414B-B883-656CEF17090B}" type="pres">
+      <dgm:prSet presAssocID="{B2A72572-DD94-49F3-9C74-F97F76DD77E8}" presName="childComposite" presStyleCnt="0">
+        <dgm:presLayoutVars>
+          <dgm:chMax val="0"/>
+          <dgm:chPref val="0"/>
+        </dgm:presLayoutVars>
+      </dgm:prSet>
+      <dgm:spPr/>
+    </dgm:pt>
+    <dgm:pt modelId="{8A80B33F-319E-4097-BABE-6D06200B4059}" type="pres">
+      <dgm:prSet presAssocID="{B2A72572-DD94-49F3-9C74-F97F76DD77E8}" presName="ChildAccent" presStyleLbl="solidFgAcc1" presStyleIdx="0" presStyleCnt="6"/>
+      <dgm:spPr/>
+    </dgm:pt>
+    <dgm:pt modelId="{22C7BCBD-CEEE-4C3C-8575-8FCB6CDA438E}" type="pres">
+      <dgm:prSet presAssocID="{B2A72572-DD94-49F3-9C74-F97F76DD77E8}" presName="Child" presStyleLbl="revTx" presStyleIdx="1" presStyleCnt="8">
+        <dgm:presLayoutVars>
+          <dgm:chMax val="0"/>
+          <dgm:chPref val="0"/>
+          <dgm:bulletEnabled val="1"/>
+        </dgm:presLayoutVars>
+      </dgm:prSet>
+      <dgm:spPr/>
+    </dgm:pt>
+    <dgm:pt modelId="{714E1039-AB1A-451F-B96D-3478333B02AD}" type="pres">
+      <dgm:prSet presAssocID="{8AB1D12E-E418-4915-8CED-6AB0C84761F4}" presName="childComposite" presStyleCnt="0">
+        <dgm:presLayoutVars>
+          <dgm:chMax val="0"/>
+          <dgm:chPref val="0"/>
+        </dgm:presLayoutVars>
+      </dgm:prSet>
+      <dgm:spPr/>
+    </dgm:pt>
+    <dgm:pt modelId="{FDEBDDC6-2C76-49BA-AA17-2EC6B30C86BD}" type="pres">
+      <dgm:prSet presAssocID="{8AB1D12E-E418-4915-8CED-6AB0C84761F4}" presName="ChildAccent" presStyleLbl="solidFgAcc1" presStyleIdx="1" presStyleCnt="6"/>
+      <dgm:spPr/>
+    </dgm:pt>
+    <dgm:pt modelId="{B93FB06B-349E-4C46-9386-C2A7693F919C}" type="pres">
+      <dgm:prSet presAssocID="{8AB1D12E-E418-4915-8CED-6AB0C84761F4}" presName="Child" presStyleLbl="revTx" presStyleIdx="2" presStyleCnt="8">
+        <dgm:presLayoutVars>
+          <dgm:chMax val="0"/>
+          <dgm:chPref val="0"/>
+          <dgm:bulletEnabled val="1"/>
+        </dgm:presLayoutVars>
+      </dgm:prSet>
+      <dgm:spPr/>
+    </dgm:pt>
+    <dgm:pt modelId="{5FAF6DA5-2465-4BF5-9700-5D88837B55E0}" type="pres">
+      <dgm:prSet presAssocID="{AC6C1CB8-BE46-44FC-93D0-1A13ABC82896}" presName="childComposite" presStyleCnt="0">
+        <dgm:presLayoutVars>
+          <dgm:chMax val="0"/>
+          <dgm:chPref val="0"/>
+        </dgm:presLayoutVars>
+      </dgm:prSet>
+      <dgm:spPr/>
+    </dgm:pt>
+    <dgm:pt modelId="{F1021B75-F18F-4829-9EBD-5BA808E16033}" type="pres">
+      <dgm:prSet presAssocID="{AC6C1CB8-BE46-44FC-93D0-1A13ABC82896}" presName="ChildAccent" presStyleLbl="solidFgAcc1" presStyleIdx="2" presStyleCnt="6"/>
+      <dgm:spPr/>
+    </dgm:pt>
+    <dgm:pt modelId="{3094B189-7DCD-4266-B46D-8752B3C3A89E}" type="pres">
+      <dgm:prSet presAssocID="{AC6C1CB8-BE46-44FC-93D0-1A13ABC82896}" presName="Child" presStyleLbl="revTx" presStyleIdx="3" presStyleCnt="8">
+        <dgm:presLayoutVars>
+          <dgm:chMax val="0"/>
+          <dgm:chPref val="0"/>
+          <dgm:bulletEnabled val="1"/>
+        </dgm:presLayoutVars>
+      </dgm:prSet>
+      <dgm:spPr/>
+    </dgm:pt>
+    <dgm:pt modelId="{4739CC76-1879-4428-9113-81461854485F}" type="pres">
+      <dgm:prSet presAssocID="{AAC17C87-31E8-4276-B5AF-B8910E5CA9AA}" presName="root" presStyleCnt="0">
+        <dgm:presLayoutVars>
+          <dgm:chMax/>
+          <dgm:chPref/>
+        </dgm:presLayoutVars>
+      </dgm:prSet>
+      <dgm:spPr/>
+    </dgm:pt>
+    <dgm:pt modelId="{1005F66E-C10C-47D4-A53B-66F12BDBC241}" type="pres">
+      <dgm:prSet presAssocID="{AAC17C87-31E8-4276-B5AF-B8910E5CA9AA}" presName="rootComposite" presStyleCnt="0">
+        <dgm:presLayoutVars/>
+      </dgm:prSet>
+      <dgm:spPr/>
+    </dgm:pt>
+    <dgm:pt modelId="{1101818C-F9E6-48B1-8106-9EDF7C77010F}" type="pres">
+      <dgm:prSet presAssocID="{AAC17C87-31E8-4276-B5AF-B8910E5CA9AA}" presName="ParentAccent" presStyleLbl="alignNode1" presStyleIdx="1" presStyleCnt="2"/>
+      <dgm:spPr/>
+    </dgm:pt>
+    <dgm:pt modelId="{84502440-DF3A-49DD-9E3E-7B520195C2F2}" type="pres">
+      <dgm:prSet presAssocID="{AAC17C87-31E8-4276-B5AF-B8910E5CA9AA}" presName="ParentSmallAccent" presStyleLbl="fgAcc1" presStyleIdx="1" presStyleCnt="2"/>
+      <dgm:spPr/>
+    </dgm:pt>
+    <dgm:pt modelId="{920C1E90-5036-40EE-8B7B-C03BC172C6F4}" type="pres">
+      <dgm:prSet presAssocID="{AAC17C87-31E8-4276-B5AF-B8910E5CA9AA}" presName="Parent" presStyleLbl="revTx" presStyleIdx="4" presStyleCnt="8">
+        <dgm:presLayoutVars>
+          <dgm:chMax/>
+          <dgm:chPref val="4"/>
+          <dgm:bulletEnabled val="1"/>
+        </dgm:presLayoutVars>
+      </dgm:prSet>
+      <dgm:spPr/>
+    </dgm:pt>
+    <dgm:pt modelId="{8916CAB2-5D03-4865-BE99-9310931B985C}" type="pres">
+      <dgm:prSet presAssocID="{AAC17C87-31E8-4276-B5AF-B8910E5CA9AA}" presName="childShape" presStyleCnt="0">
+        <dgm:presLayoutVars>
+          <dgm:chMax val="0"/>
+          <dgm:chPref val="0"/>
+        </dgm:presLayoutVars>
+      </dgm:prSet>
+      <dgm:spPr/>
+    </dgm:pt>
+    <dgm:pt modelId="{108F68D3-5B08-4715-A9C5-FF97D1351BC4}" type="pres">
+      <dgm:prSet presAssocID="{22AB3F71-BC8F-4768-888B-F6E1856CFD5B}" presName="childComposite" presStyleCnt="0">
+        <dgm:presLayoutVars>
+          <dgm:chMax val="0"/>
+          <dgm:chPref val="0"/>
+        </dgm:presLayoutVars>
+      </dgm:prSet>
+      <dgm:spPr/>
+    </dgm:pt>
+    <dgm:pt modelId="{AC7AB7D7-9945-4B50-9E90-95E126A5DEAB}" type="pres">
+      <dgm:prSet presAssocID="{22AB3F71-BC8F-4768-888B-F6E1856CFD5B}" presName="ChildAccent" presStyleLbl="solidFgAcc1" presStyleIdx="3" presStyleCnt="6"/>
+      <dgm:spPr/>
+    </dgm:pt>
+    <dgm:pt modelId="{D13322E5-B7AE-4570-A9FC-84DF641F4452}" type="pres">
+      <dgm:prSet presAssocID="{22AB3F71-BC8F-4768-888B-F6E1856CFD5B}" presName="Child" presStyleLbl="revTx" presStyleIdx="5" presStyleCnt="8">
+        <dgm:presLayoutVars>
+          <dgm:chMax val="0"/>
+          <dgm:chPref val="0"/>
+          <dgm:bulletEnabled val="1"/>
+        </dgm:presLayoutVars>
+      </dgm:prSet>
+      <dgm:spPr/>
+    </dgm:pt>
+    <dgm:pt modelId="{04D70E1E-E0BB-4881-94EE-5A0B1EA590AE}" type="pres">
+      <dgm:prSet presAssocID="{3973E519-921D-4357-808F-65EA81567642}" presName="childComposite" presStyleCnt="0">
+        <dgm:presLayoutVars>
+          <dgm:chMax val="0"/>
+          <dgm:chPref val="0"/>
+        </dgm:presLayoutVars>
+      </dgm:prSet>
+      <dgm:spPr/>
+    </dgm:pt>
+    <dgm:pt modelId="{51818F82-5864-453D-89E1-3C9A291A4AF3}" type="pres">
+      <dgm:prSet presAssocID="{3973E519-921D-4357-808F-65EA81567642}" presName="ChildAccent" presStyleLbl="solidFgAcc1" presStyleIdx="4" presStyleCnt="6"/>
+      <dgm:spPr/>
+    </dgm:pt>
+    <dgm:pt modelId="{37B72757-B95B-4606-93FF-4ADF0BB6D429}" type="pres">
+      <dgm:prSet presAssocID="{3973E519-921D-4357-808F-65EA81567642}" presName="Child" presStyleLbl="revTx" presStyleIdx="6" presStyleCnt="8">
+        <dgm:presLayoutVars>
+          <dgm:chMax val="0"/>
+          <dgm:chPref val="0"/>
+          <dgm:bulletEnabled val="1"/>
+        </dgm:presLayoutVars>
+      </dgm:prSet>
+      <dgm:spPr/>
+    </dgm:pt>
+    <dgm:pt modelId="{FEBF50CC-C092-4B47-ACC4-1B61B3D473F4}" type="pres">
+      <dgm:prSet presAssocID="{25E09C33-42FD-4F52-8CB0-452BF541B7EE}" presName="childComposite" presStyleCnt="0">
+        <dgm:presLayoutVars>
+          <dgm:chMax val="0"/>
+          <dgm:chPref val="0"/>
+        </dgm:presLayoutVars>
+      </dgm:prSet>
+      <dgm:spPr/>
+    </dgm:pt>
+    <dgm:pt modelId="{EF37E1C5-C3F1-4532-9E9C-884D1DE44A7F}" type="pres">
+      <dgm:prSet presAssocID="{25E09C33-42FD-4F52-8CB0-452BF541B7EE}" presName="ChildAccent" presStyleLbl="solidFgAcc1" presStyleIdx="5" presStyleCnt="6"/>
+      <dgm:spPr/>
+    </dgm:pt>
+    <dgm:pt modelId="{310F8D48-7B6A-4438-922B-86FD094F44BF}" type="pres">
+      <dgm:prSet presAssocID="{25E09C33-42FD-4F52-8CB0-452BF541B7EE}" presName="Child" presStyleLbl="revTx" presStyleIdx="7" presStyleCnt="8">
+        <dgm:presLayoutVars>
+          <dgm:chMax val="0"/>
+          <dgm:chPref val="0"/>
+          <dgm:bulletEnabled val="1"/>
+        </dgm:presLayoutVars>
+      </dgm:prSet>
+      <dgm:spPr/>
+    </dgm:pt>
+  </dgm:ptLst>
+  <dgm:cxnLst>
+    <dgm:cxn modelId="{81B1CFBD-C7CF-48AB-9083-40917936C34C}" type="presOf" srcId="{22AB3F71-BC8F-4768-888B-F6E1856CFD5B}" destId="{D13322E5-B7AE-4570-A9FC-84DF641F4452}" srcOrd="0" destOrd="0" presId="urn:microsoft.com/office/officeart/2008/layout/SquareAccentList"/>
+    <dgm:cxn modelId="{20432680-5755-4423-833B-CC830ADE86E0}" type="presOf" srcId="{AC6C1CB8-BE46-44FC-93D0-1A13ABC82896}" destId="{3094B189-7DCD-4266-B46D-8752B3C3A89E}" srcOrd="0" destOrd="0" presId="urn:microsoft.com/office/officeart/2008/layout/SquareAccentList"/>
+    <dgm:cxn modelId="{9A6ED448-CFA2-47B1-840B-9E2EC9DFCAC6}" type="presOf" srcId="{8AB1D12E-E418-4915-8CED-6AB0C84761F4}" destId="{B93FB06B-349E-4C46-9386-C2A7693F919C}" srcOrd="0" destOrd="0" presId="urn:microsoft.com/office/officeart/2008/layout/SquareAccentList"/>
+    <dgm:cxn modelId="{60B80743-7E71-47A9-8589-B22F3F761233}" srcId="{B41D75AE-2A29-4277-8DBB-D5E9CED79C4D}" destId="{B2A72572-DD94-49F3-9C74-F97F76DD77E8}" srcOrd="0" destOrd="0" parTransId="{BE5BBF08-CB6C-410D-95EE-BD5BF25A6309}" sibTransId="{CFA313D8-C3A9-4765-881F-FD14965CDD61}"/>
+    <dgm:cxn modelId="{72C0EA02-CE57-4BCE-9DFC-77D06D07A6E0}" type="presOf" srcId="{09E1FA74-CAD4-4D8F-8C9F-47DB10A12E4C}" destId="{2971BC93-77C3-4078-A105-8597E86CC05C}" srcOrd="0" destOrd="0" presId="urn:microsoft.com/office/officeart/2008/layout/SquareAccentList"/>
+    <dgm:cxn modelId="{1F206E67-18A9-468B-81B0-CFC639595DB4}" type="presOf" srcId="{AAC17C87-31E8-4276-B5AF-B8910E5CA9AA}" destId="{920C1E90-5036-40EE-8B7B-C03BC172C6F4}" srcOrd="0" destOrd="0" presId="urn:microsoft.com/office/officeart/2008/layout/SquareAccentList"/>
+    <dgm:cxn modelId="{47F9B3B4-FA63-45BD-B156-69D5C1732BE8}" srcId="{AAC17C87-31E8-4276-B5AF-B8910E5CA9AA}" destId="{22AB3F71-BC8F-4768-888B-F6E1856CFD5B}" srcOrd="0" destOrd="0" parTransId="{72548C30-62AA-4264-A91B-6E316ED2D1D5}" sibTransId="{C9F02517-C147-4C66-A0F0-11E0F557FBA6}"/>
+    <dgm:cxn modelId="{1DC85611-0410-4ED4-8902-8BD2FFC85606}" type="presOf" srcId="{3973E519-921D-4357-808F-65EA81567642}" destId="{37B72757-B95B-4606-93FF-4ADF0BB6D429}" srcOrd="0" destOrd="0" presId="urn:microsoft.com/office/officeart/2008/layout/SquareAccentList"/>
+    <dgm:cxn modelId="{8ABF67CD-DAC4-41A3-926E-140CF6F92A23}" srcId="{B41D75AE-2A29-4277-8DBB-D5E9CED79C4D}" destId="{8AB1D12E-E418-4915-8CED-6AB0C84761F4}" srcOrd="1" destOrd="0" parTransId="{1BE8EC8D-27D7-49EA-907A-2F9B0ACF5DCA}" sibTransId="{293C271F-A78D-436A-A6CB-17A318394333}"/>
+    <dgm:cxn modelId="{3CFC8CA8-DC62-44AE-9367-B51D186B6958}" srcId="{09E1FA74-CAD4-4D8F-8C9F-47DB10A12E4C}" destId="{AAC17C87-31E8-4276-B5AF-B8910E5CA9AA}" srcOrd="1" destOrd="0" parTransId="{7EA781CD-E6A2-4979-963F-9C9A0A1B2730}" sibTransId="{B37090C3-402B-4158-91BD-832F4000D4BA}"/>
+    <dgm:cxn modelId="{E985D23C-CEF3-49BA-B2AA-6039D6462C30}" srcId="{B41D75AE-2A29-4277-8DBB-D5E9CED79C4D}" destId="{AC6C1CB8-BE46-44FC-93D0-1A13ABC82896}" srcOrd="2" destOrd="0" parTransId="{368D3FFA-1706-4155-9796-459F27FB3F7F}" sibTransId="{47583708-E552-4706-B015-578F522A21EB}"/>
+    <dgm:cxn modelId="{762F7717-D26E-4D1C-A6FD-498F6E1B02A3}" srcId="{AAC17C87-31E8-4276-B5AF-B8910E5CA9AA}" destId="{3973E519-921D-4357-808F-65EA81567642}" srcOrd="1" destOrd="0" parTransId="{74AF20CE-7799-4C8E-A894-EE0C2D449A5F}" sibTransId="{ED0B01CC-F5BD-4E3D-9811-96F476147302}"/>
+    <dgm:cxn modelId="{2FFE2D2F-5254-486D-A83F-5A8A96275BDB}" srcId="{AAC17C87-31E8-4276-B5AF-B8910E5CA9AA}" destId="{25E09C33-42FD-4F52-8CB0-452BF541B7EE}" srcOrd="2" destOrd="0" parTransId="{2E5C60CF-085B-4C66-A01B-83A3AF9AC5CE}" sibTransId="{F9299BC1-DA27-4702-A02B-E2D61037A6E5}"/>
+    <dgm:cxn modelId="{8AA5F746-7156-4DB2-A9F1-5EE035A94C1A}" type="presOf" srcId="{25E09C33-42FD-4F52-8CB0-452BF541B7EE}" destId="{310F8D48-7B6A-4438-922B-86FD094F44BF}" srcOrd="0" destOrd="0" presId="urn:microsoft.com/office/officeart/2008/layout/SquareAccentList"/>
+    <dgm:cxn modelId="{94F1B5B2-61A2-400D-A8C6-E55B5540F793}" type="presOf" srcId="{B41D75AE-2A29-4277-8DBB-D5E9CED79C4D}" destId="{F0A18B1E-4B8C-49D0-A2C5-B72A0992791A}" srcOrd="0" destOrd="0" presId="urn:microsoft.com/office/officeart/2008/layout/SquareAccentList"/>
+    <dgm:cxn modelId="{22916866-A373-422E-8CBF-39C46B6193BE}" type="presOf" srcId="{B2A72572-DD94-49F3-9C74-F97F76DD77E8}" destId="{22C7BCBD-CEEE-4C3C-8575-8FCB6CDA438E}" srcOrd="0" destOrd="0" presId="urn:microsoft.com/office/officeart/2008/layout/SquareAccentList"/>
+    <dgm:cxn modelId="{925D1D41-F295-4BF5-8F35-6B0283EB1660}" srcId="{09E1FA74-CAD4-4D8F-8C9F-47DB10A12E4C}" destId="{B41D75AE-2A29-4277-8DBB-D5E9CED79C4D}" srcOrd="0" destOrd="0" parTransId="{E4BA2DF7-CD16-40C5-8D39-63D87AB06BAE}" sibTransId="{49219BB6-AF08-4355-8AAC-CB63EB613BD5}"/>
+    <dgm:cxn modelId="{064285E3-34A1-4473-AFA2-984276405DD6}" type="presParOf" srcId="{2971BC93-77C3-4078-A105-8597E86CC05C}" destId="{1AE39575-5131-457E-87D9-250C20E4AF30}" srcOrd="0" destOrd="0" presId="urn:microsoft.com/office/officeart/2008/layout/SquareAccentList"/>
+    <dgm:cxn modelId="{6FBA1FB6-3AEF-4196-91D5-1E807F540EF6}" type="presParOf" srcId="{1AE39575-5131-457E-87D9-250C20E4AF30}" destId="{118FBAA4-28AC-4EB8-89A4-219E83C3BCBE}" srcOrd="0" destOrd="0" presId="urn:microsoft.com/office/officeart/2008/layout/SquareAccentList"/>
+    <dgm:cxn modelId="{C89C8E44-B260-4647-98D2-09067DCA96B7}" type="presParOf" srcId="{118FBAA4-28AC-4EB8-89A4-219E83C3BCBE}" destId="{78E90345-FE91-47A7-8E8D-7EC91F8F325D}" srcOrd="0" destOrd="0" presId="urn:microsoft.com/office/officeart/2008/layout/SquareAccentList"/>
+    <dgm:cxn modelId="{62B0852E-194D-4851-A725-4B11E4EB9B80}" type="presParOf" srcId="{118FBAA4-28AC-4EB8-89A4-219E83C3BCBE}" destId="{442AB41D-A8B9-4C81-AFE5-A9DDC7C501DB}" srcOrd="1" destOrd="0" presId="urn:microsoft.com/office/officeart/2008/layout/SquareAccentList"/>
+    <dgm:cxn modelId="{6CD04290-FCC8-4B09-8AA6-49294D463217}" type="presParOf" srcId="{118FBAA4-28AC-4EB8-89A4-219E83C3BCBE}" destId="{F0A18B1E-4B8C-49D0-A2C5-B72A0992791A}" srcOrd="2" destOrd="0" presId="urn:microsoft.com/office/officeart/2008/layout/SquareAccentList"/>
+    <dgm:cxn modelId="{05DFAC3D-505B-4515-ACD2-97604A8BE151}" type="presParOf" srcId="{1AE39575-5131-457E-87D9-250C20E4AF30}" destId="{0FA6566D-FEDB-48F5-ABEA-024A465C109F}" srcOrd="1" destOrd="0" presId="urn:microsoft.com/office/officeart/2008/layout/SquareAccentList"/>
+    <dgm:cxn modelId="{70D09C4E-D529-4E3B-8D21-E233E1ABF527}" type="presParOf" srcId="{0FA6566D-FEDB-48F5-ABEA-024A465C109F}" destId="{62A25A0F-804E-414B-B883-656CEF17090B}" srcOrd="0" destOrd="0" presId="urn:microsoft.com/office/officeart/2008/layout/SquareAccentList"/>
+    <dgm:cxn modelId="{3D22A1D3-A3A9-4474-A2D7-685D833743C9}" type="presParOf" srcId="{62A25A0F-804E-414B-B883-656CEF17090B}" destId="{8A80B33F-319E-4097-BABE-6D06200B4059}" srcOrd="0" destOrd="0" presId="urn:microsoft.com/office/officeart/2008/layout/SquareAccentList"/>
+    <dgm:cxn modelId="{18EB0A53-4332-4257-AB55-63DA3B0BFD82}" type="presParOf" srcId="{62A25A0F-804E-414B-B883-656CEF17090B}" destId="{22C7BCBD-CEEE-4C3C-8575-8FCB6CDA438E}" srcOrd="1" destOrd="0" presId="urn:microsoft.com/office/officeart/2008/layout/SquareAccentList"/>
+    <dgm:cxn modelId="{5823D72D-3540-4A8B-B387-7192795A683F}" type="presParOf" srcId="{0FA6566D-FEDB-48F5-ABEA-024A465C109F}" destId="{714E1039-AB1A-451F-B96D-3478333B02AD}" srcOrd="1" destOrd="0" presId="urn:microsoft.com/office/officeart/2008/layout/SquareAccentList"/>
+    <dgm:cxn modelId="{92CD0294-1722-4E79-BA90-97CD3DD70786}" type="presParOf" srcId="{714E1039-AB1A-451F-B96D-3478333B02AD}" destId="{FDEBDDC6-2C76-49BA-AA17-2EC6B30C86BD}" srcOrd="0" destOrd="0" presId="urn:microsoft.com/office/officeart/2008/layout/SquareAccentList"/>
+    <dgm:cxn modelId="{B0FF0511-8CA4-4F72-8C5B-73521FE41346}" type="presParOf" srcId="{714E1039-AB1A-451F-B96D-3478333B02AD}" destId="{B93FB06B-349E-4C46-9386-C2A7693F919C}" srcOrd="1" destOrd="0" presId="urn:microsoft.com/office/officeart/2008/layout/SquareAccentList"/>
+    <dgm:cxn modelId="{CA2B5D92-EB9C-44E3-B458-849C11F32090}" type="presParOf" srcId="{0FA6566D-FEDB-48F5-ABEA-024A465C109F}" destId="{5FAF6DA5-2465-4BF5-9700-5D88837B55E0}" srcOrd="2" destOrd="0" presId="urn:microsoft.com/office/officeart/2008/layout/SquareAccentList"/>
+    <dgm:cxn modelId="{07C6BB04-A71E-493F-B159-CE6831D71A16}" type="presParOf" srcId="{5FAF6DA5-2465-4BF5-9700-5D88837B55E0}" destId="{F1021B75-F18F-4829-9EBD-5BA808E16033}" srcOrd="0" destOrd="0" presId="urn:microsoft.com/office/officeart/2008/layout/SquareAccentList"/>
+    <dgm:cxn modelId="{6134D06E-0E1A-4949-8043-06C5BFC99124}" type="presParOf" srcId="{5FAF6DA5-2465-4BF5-9700-5D88837B55E0}" destId="{3094B189-7DCD-4266-B46D-8752B3C3A89E}" srcOrd="1" destOrd="0" presId="urn:microsoft.com/office/officeart/2008/layout/SquareAccentList"/>
+    <dgm:cxn modelId="{61B1DDD9-DF31-4FD2-BCD6-5D62F42D67C4}" type="presParOf" srcId="{2971BC93-77C3-4078-A105-8597E86CC05C}" destId="{4739CC76-1879-4428-9113-81461854485F}" srcOrd="1" destOrd="0" presId="urn:microsoft.com/office/officeart/2008/layout/SquareAccentList"/>
+    <dgm:cxn modelId="{6FEEADF2-9EB5-4C48-B124-CD57F8D27BCC}" type="presParOf" srcId="{4739CC76-1879-4428-9113-81461854485F}" destId="{1005F66E-C10C-47D4-A53B-66F12BDBC241}" srcOrd="0" destOrd="0" presId="urn:microsoft.com/office/officeart/2008/layout/SquareAccentList"/>
+    <dgm:cxn modelId="{7E03ACA1-154F-48C2-B69A-0E2F8CDA2A38}" type="presParOf" srcId="{1005F66E-C10C-47D4-A53B-66F12BDBC241}" destId="{1101818C-F9E6-48B1-8106-9EDF7C77010F}" srcOrd="0" destOrd="0" presId="urn:microsoft.com/office/officeart/2008/layout/SquareAccentList"/>
+    <dgm:cxn modelId="{51280580-404E-4448-BF68-076553029427}" type="presParOf" srcId="{1005F66E-C10C-47D4-A53B-66F12BDBC241}" destId="{84502440-DF3A-49DD-9E3E-7B520195C2F2}" srcOrd="1" destOrd="0" presId="urn:microsoft.com/office/officeart/2008/layout/SquareAccentList"/>
+    <dgm:cxn modelId="{136F5C26-E167-4D3C-ADC8-FCB42DE05201}" type="presParOf" srcId="{1005F66E-C10C-47D4-A53B-66F12BDBC241}" destId="{920C1E90-5036-40EE-8B7B-C03BC172C6F4}" srcOrd="2" destOrd="0" presId="urn:microsoft.com/office/officeart/2008/layout/SquareAccentList"/>
+    <dgm:cxn modelId="{E6E09298-BA97-40C7-A3C5-FCE9707378D8}" type="presParOf" srcId="{4739CC76-1879-4428-9113-81461854485F}" destId="{8916CAB2-5D03-4865-BE99-9310931B985C}" srcOrd="1" destOrd="0" presId="urn:microsoft.com/office/officeart/2008/layout/SquareAccentList"/>
+    <dgm:cxn modelId="{352A1B73-1A14-45E7-AF0D-E6FE052C2E41}" type="presParOf" srcId="{8916CAB2-5D03-4865-BE99-9310931B985C}" destId="{108F68D3-5B08-4715-A9C5-FF97D1351BC4}" srcOrd="0" destOrd="0" presId="urn:microsoft.com/office/officeart/2008/layout/SquareAccentList"/>
+    <dgm:cxn modelId="{113F84C5-6AEC-41EC-8D35-7ECDE1842C51}" type="presParOf" srcId="{108F68D3-5B08-4715-A9C5-FF97D1351BC4}" destId="{AC7AB7D7-9945-4B50-9E90-95E126A5DEAB}" srcOrd="0" destOrd="0" presId="urn:microsoft.com/office/officeart/2008/layout/SquareAccentList"/>
+    <dgm:cxn modelId="{B7E2B464-1FFC-427D-A39A-18B5E769EC8F}" type="presParOf" srcId="{108F68D3-5B08-4715-A9C5-FF97D1351BC4}" destId="{D13322E5-B7AE-4570-A9FC-84DF641F4452}" srcOrd="1" destOrd="0" presId="urn:microsoft.com/office/officeart/2008/layout/SquareAccentList"/>
+    <dgm:cxn modelId="{5813F726-CB40-47DA-B917-73D6F5146105}" type="presParOf" srcId="{8916CAB2-5D03-4865-BE99-9310931B985C}" destId="{04D70E1E-E0BB-4881-94EE-5A0B1EA590AE}" srcOrd="1" destOrd="0" presId="urn:microsoft.com/office/officeart/2008/layout/SquareAccentList"/>
+    <dgm:cxn modelId="{D8153181-E850-48CA-9A30-DAF70FF3041C}" type="presParOf" srcId="{04D70E1E-E0BB-4881-94EE-5A0B1EA590AE}" destId="{51818F82-5864-453D-89E1-3C9A291A4AF3}" srcOrd="0" destOrd="0" presId="urn:microsoft.com/office/officeart/2008/layout/SquareAccentList"/>
+    <dgm:cxn modelId="{A9E74956-7528-499A-8C6A-B67D7D05888D}" type="presParOf" srcId="{04D70E1E-E0BB-4881-94EE-5A0B1EA590AE}" destId="{37B72757-B95B-4606-93FF-4ADF0BB6D429}" srcOrd="1" destOrd="0" presId="urn:microsoft.com/office/officeart/2008/layout/SquareAccentList"/>
+    <dgm:cxn modelId="{C64494B5-2CD3-443E-8E20-4C084DE346B7}" type="presParOf" srcId="{8916CAB2-5D03-4865-BE99-9310931B985C}" destId="{FEBF50CC-C092-4B47-ACC4-1B61B3D473F4}" srcOrd="2" destOrd="0" presId="urn:microsoft.com/office/officeart/2008/layout/SquareAccentList"/>
+    <dgm:cxn modelId="{EF339190-358A-4B7A-9842-B5186CBA9698}" type="presParOf" srcId="{FEBF50CC-C092-4B47-ACC4-1B61B3D473F4}" destId="{EF37E1C5-C3F1-4532-9E9C-884D1DE44A7F}" srcOrd="0" destOrd="0" presId="urn:microsoft.com/office/officeart/2008/layout/SquareAccentList"/>
+    <dgm:cxn modelId="{4A2C66FD-EEEC-4FEB-9884-9EC7B80172AA}" type="presParOf" srcId="{FEBF50CC-C092-4B47-ACC4-1B61B3D473F4}" destId="{310F8D48-7B6A-4438-922B-86FD094F44BF}" srcOrd="1" destOrd="0" presId="urn:microsoft.com/office/officeart/2008/layout/SquareAccentList"/>
+  </dgm:cxnLst>
+  <dgm:bg/>
+  <dgm:whole/>
+  <dgm:extLst>
+    <a:ext uri="http://schemas.microsoft.com/office/drawing/2008/diagram">
+      <dsp:dataModelExt xmlns:dsp="http://schemas.microsoft.com/office/drawing/2008/diagram" relId="rId6" minVer="http://schemas.openxmlformats.org/drawingml/2006/diagram"/>
+    </a:ext>
+  </dgm:extLst>
+</dgm:dataModel>
+</file>
+
+<file path=ppt/diagrams/data4.xml><?xml version="1.0" encoding="utf-8"?>
 <dgm:dataModel xmlns:dgm="http://schemas.openxmlformats.org/drawingml/2006/diagram" xmlns:a="http://schemas.openxmlformats.org/drawingml/2006/main">
   <dgm:ptLst>
     <dgm:pt modelId="{4412B91F-CF8D-4A42-83DF-7CDCCDA80F7D}" type="doc">
@@ -5987,30 +7305,30 @@
     </dgm:pt>
   </dgm:ptLst>
   <dgm:cxnLst>
+    <dgm:cxn modelId="{C9B3EE4E-01DF-4274-A896-B826614E44E8}" type="presOf" srcId="{1198010A-7CD9-47DF-8300-D5AB8FDF717B}" destId="{77351131-57DF-4AF2-A89D-95AF9C6149DC}" srcOrd="0" destOrd="1" presId="urn:microsoft.com/office/officeart/2005/8/layout/hProcess4"/>
+    <dgm:cxn modelId="{D8151DDD-A87C-4D2A-AE89-DC88BEAD8F5E}" type="presOf" srcId="{1198010A-7CD9-47DF-8300-D5AB8FDF717B}" destId="{CEA85225-BA33-4729-B542-7DD51242ADCB}" srcOrd="1" destOrd="1" presId="urn:microsoft.com/office/officeart/2005/8/layout/hProcess4"/>
     <dgm:cxn modelId="{4696573D-7AAF-40C4-A299-E5634AF135CD}" type="presOf" srcId="{80BADE98-2C43-40D5-937A-874A1B627145}" destId="{388BBD37-9C2B-4172-8678-CDF3BB968BFB}" srcOrd="1" destOrd="0" presId="urn:microsoft.com/office/officeart/2005/8/layout/hProcess4"/>
+    <dgm:cxn modelId="{96F1515C-012C-4FBA-939B-73396FC64F01}" type="presOf" srcId="{7DFE07BF-9A88-4152-9E58-09C9E20DB3CE}" destId="{168FD8A5-9BA3-47FA-8D32-ED60BCA98D24}" srcOrd="0" destOrd="0" presId="urn:microsoft.com/office/officeart/2005/8/layout/hProcess4"/>
+    <dgm:cxn modelId="{5CB851DE-B309-4D32-BF02-58D05478E534}" srcId="{7DFE07BF-9A88-4152-9E58-09C9E20DB3CE}" destId="{7F7E1F91-F6F4-48A9-B4FA-337B2EBD2C9A}" srcOrd="0" destOrd="0" parTransId="{0796D45F-4D57-413D-A4BB-33573B2F1CF3}" sibTransId="{0FC519C8-F4CD-4D2A-B852-2C233866BAF3}"/>
     <dgm:cxn modelId="{BF29565E-C27D-4C89-8F7E-C084E8C699E7}" srcId="{7DFE07BF-9A88-4152-9E58-09C9E20DB3CE}" destId="{1198010A-7CD9-47DF-8300-D5AB8FDF717B}" srcOrd="1" destOrd="0" parTransId="{67755E1A-2705-4297-9986-0E390CA27394}" sibTransId="{0231FB8D-A362-4F4A-8E56-6DAC699F1D6F}"/>
-    <dgm:cxn modelId="{D8151DDD-A87C-4D2A-AE89-DC88BEAD8F5E}" type="presOf" srcId="{1198010A-7CD9-47DF-8300-D5AB8FDF717B}" destId="{CEA85225-BA33-4729-B542-7DD51242ADCB}" srcOrd="1" destOrd="1" presId="urn:microsoft.com/office/officeart/2005/8/layout/hProcess4"/>
+    <dgm:cxn modelId="{CABFBE03-3760-43FE-A793-4570B6274A4D}" type="presOf" srcId="{2F3DF7DE-E5C9-4440-80D1-538313244BE6}" destId="{39B7AE1B-7006-4AD9-AFC0-AD9AB09ED28C}" srcOrd="1" destOrd="0" presId="urn:microsoft.com/office/officeart/2005/8/layout/hProcess4"/>
+    <dgm:cxn modelId="{C730B313-4D1D-4229-8314-A3150E0294B1}" type="presOf" srcId="{E68D9850-B3A4-4979-A4D0-E3D401A29AB5}" destId="{BB47B8A7-A69A-47BA-8429-499D75D98923}" srcOrd="0" destOrd="0" presId="urn:microsoft.com/office/officeart/2005/8/layout/hProcess4"/>
+    <dgm:cxn modelId="{F52A89F1-D611-4436-8916-14DEFBEAC79D}" srcId="{4412B91F-CF8D-4A42-83DF-7CDCCDA80F7D}" destId="{7DFE07BF-9A88-4152-9E58-09C9E20DB3CE}" srcOrd="0" destOrd="0" parTransId="{F2C6A117-64F1-4ED9-9C2B-9510107D76CB}" sibTransId="{E68D9850-B3A4-4979-A4D0-E3D401A29AB5}"/>
+    <dgm:cxn modelId="{286DB79C-095B-4A03-8241-456F11CF2F5D}" srcId="{F3A2DAB8-2AB9-419A-82D3-D743A16978C8}" destId="{FFBB95A5-64CA-4277-8EC9-9A4877C06A11}" srcOrd="1" destOrd="0" parTransId="{E5A1EA11-2B41-4DD3-8BF1-0CF84454CAE5}" sibTransId="{49EC4B80-42F4-4C68-8C02-F267FE81602E}"/>
+    <dgm:cxn modelId="{9ED5A29A-4F56-4F4A-943D-8B8035CAB709}" type="presOf" srcId="{FFBB95A5-64CA-4277-8EC9-9A4877C06A11}" destId="{AE566E9F-D101-4F88-9692-208EF2AE8557}" srcOrd="0" destOrd="1" presId="urn:microsoft.com/office/officeart/2005/8/layout/hProcess4"/>
+    <dgm:cxn modelId="{B4DEC388-DC62-483F-A05C-5555B345D4B2}" type="presOf" srcId="{7F7E1F91-F6F4-48A9-B4FA-337B2EBD2C9A}" destId="{77351131-57DF-4AF2-A89D-95AF9C6149DC}" srcOrd="0" destOrd="0" presId="urn:microsoft.com/office/officeart/2005/8/layout/hProcess4"/>
+    <dgm:cxn modelId="{076FA099-FCD5-4C11-8A08-746949589EB9}" type="presOf" srcId="{FFBB95A5-64CA-4277-8EC9-9A4877C06A11}" destId="{388BBD37-9C2B-4172-8678-CDF3BB968BFB}" srcOrd="1" destOrd="1" presId="urn:microsoft.com/office/officeart/2005/8/layout/hProcess4"/>
+    <dgm:cxn modelId="{FD321DDD-0FBF-4119-B35F-BF41A6D1FACA}" type="presOf" srcId="{80BADE98-2C43-40D5-937A-874A1B627145}" destId="{AE566E9F-D101-4F88-9692-208EF2AE8557}" srcOrd="0" destOrd="0" presId="urn:microsoft.com/office/officeart/2005/8/layout/hProcess4"/>
+    <dgm:cxn modelId="{C03BE492-3E48-4B5B-B223-BD9B09A0499C}" type="presOf" srcId="{4412B91F-CF8D-4A42-83DF-7CDCCDA80F7D}" destId="{50C663CD-616C-44EE-98F1-BB5FDDDEDCC8}" srcOrd="0" destOrd="0" presId="urn:microsoft.com/office/officeart/2005/8/layout/hProcess4"/>
+    <dgm:cxn modelId="{66AF1316-005D-4157-AB49-7D09464E8313}" type="presOf" srcId="{7F7E1F91-F6F4-48A9-B4FA-337B2EBD2C9A}" destId="{CEA85225-BA33-4729-B542-7DD51242ADCB}" srcOrd="1" destOrd="0" presId="urn:microsoft.com/office/officeart/2005/8/layout/hProcess4"/>
+    <dgm:cxn modelId="{F6F5BFB7-87A2-418B-8A67-5193C4B8B5C2}" type="presOf" srcId="{3865D5FF-DA00-4906-B6F5-07C839464584}" destId="{85BA2879-403E-43AC-A59E-A90A5FACC251}" srcOrd="0" destOrd="0" presId="urn:microsoft.com/office/officeart/2005/8/layout/hProcess4"/>
+    <dgm:cxn modelId="{D058A61E-2631-4792-87A9-3570D8D2DB0F}" srcId="{3865D5FF-DA00-4906-B6F5-07C839464584}" destId="{2F3DF7DE-E5C9-4440-80D1-538313244BE6}" srcOrd="0" destOrd="0" parTransId="{3C0BC7DD-F66C-4719-92AE-5E9E7825604D}" sibTransId="{4569B2FB-90CA-4536-9206-69C81C9FC0BD}"/>
+    <dgm:cxn modelId="{81BAC1B0-D183-4179-9A55-029F538E675D}" srcId="{F3A2DAB8-2AB9-419A-82D3-D743A16978C8}" destId="{80BADE98-2C43-40D5-937A-874A1B627145}" srcOrd="0" destOrd="0" parTransId="{61694F4E-3BB3-4806-8315-F9C9DE55D766}" sibTransId="{1B940CC1-D5C1-4465-A2E5-B629FA2D9A4E}"/>
+    <dgm:cxn modelId="{E819844F-6C63-4A97-8468-0C16FFCB7637}" type="presOf" srcId="{2F3DF7DE-E5C9-4440-80D1-538313244BE6}" destId="{0C27C69B-3C82-4A7E-9AEC-146B678149A2}" srcOrd="0" destOrd="0" presId="urn:microsoft.com/office/officeart/2005/8/layout/hProcess4"/>
     <dgm:cxn modelId="{C9D8935F-6C23-483A-8258-A9CABF3C76B0}" srcId="{4412B91F-CF8D-4A42-83DF-7CDCCDA80F7D}" destId="{3865D5FF-DA00-4906-B6F5-07C839464584}" srcOrd="1" destOrd="0" parTransId="{49FB8D0F-E70F-4A66-9F99-3E0F33864CA6}" sibTransId="{CFF97A55-CF3E-4E1D-AF04-5A3631D6CB6D}"/>
     <dgm:cxn modelId="{A5D7F522-490D-4613-A205-B81A1D2FF7FB}" type="presOf" srcId="{F3A2DAB8-2AB9-419A-82D3-D743A16978C8}" destId="{301F9B7A-61FD-4D71-8D0E-DCB457B0DAC9}" srcOrd="0" destOrd="0" presId="urn:microsoft.com/office/officeart/2005/8/layout/hProcess4"/>
-    <dgm:cxn modelId="{CABFBE03-3760-43FE-A793-4570B6274A4D}" type="presOf" srcId="{2F3DF7DE-E5C9-4440-80D1-538313244BE6}" destId="{39B7AE1B-7006-4AD9-AFC0-AD9AB09ED28C}" srcOrd="1" destOrd="0" presId="urn:microsoft.com/office/officeart/2005/8/layout/hProcess4"/>
-    <dgm:cxn modelId="{E819844F-6C63-4A97-8468-0C16FFCB7637}" type="presOf" srcId="{2F3DF7DE-E5C9-4440-80D1-538313244BE6}" destId="{0C27C69B-3C82-4A7E-9AEC-146B678149A2}" srcOrd="0" destOrd="0" presId="urn:microsoft.com/office/officeart/2005/8/layout/hProcess4"/>
-    <dgm:cxn modelId="{5CB851DE-B309-4D32-BF02-58D05478E534}" srcId="{7DFE07BF-9A88-4152-9E58-09C9E20DB3CE}" destId="{7F7E1F91-F6F4-48A9-B4FA-337B2EBD2C9A}" srcOrd="0" destOrd="0" parTransId="{0796D45F-4D57-413D-A4BB-33573B2F1CF3}" sibTransId="{0FC519C8-F4CD-4D2A-B852-2C233866BAF3}"/>
-    <dgm:cxn modelId="{B4DEC388-DC62-483F-A05C-5555B345D4B2}" type="presOf" srcId="{7F7E1F91-F6F4-48A9-B4FA-337B2EBD2C9A}" destId="{77351131-57DF-4AF2-A89D-95AF9C6149DC}" srcOrd="0" destOrd="0" presId="urn:microsoft.com/office/officeart/2005/8/layout/hProcess4"/>
-    <dgm:cxn modelId="{9ED5A29A-4F56-4F4A-943D-8B8035CAB709}" type="presOf" srcId="{FFBB95A5-64CA-4277-8EC9-9A4877C06A11}" destId="{AE566E9F-D101-4F88-9692-208EF2AE8557}" srcOrd="0" destOrd="1" presId="urn:microsoft.com/office/officeart/2005/8/layout/hProcess4"/>
-    <dgm:cxn modelId="{286DB79C-095B-4A03-8241-456F11CF2F5D}" srcId="{F3A2DAB8-2AB9-419A-82D3-D743A16978C8}" destId="{FFBB95A5-64CA-4277-8EC9-9A4877C06A11}" srcOrd="1" destOrd="0" parTransId="{E5A1EA11-2B41-4DD3-8BF1-0CF84454CAE5}" sibTransId="{49EC4B80-42F4-4C68-8C02-F267FE81602E}"/>
     <dgm:cxn modelId="{FCD6A96D-054B-4471-90ED-6EB5ED0EBFF9}" type="presOf" srcId="{CFF97A55-CF3E-4E1D-AF04-5A3631D6CB6D}" destId="{E5E8036A-476D-4F9C-9D7B-4ED08A33C842}" srcOrd="0" destOrd="0" presId="urn:microsoft.com/office/officeart/2005/8/layout/hProcess4"/>
-    <dgm:cxn modelId="{C730B313-4D1D-4229-8314-A3150E0294B1}" type="presOf" srcId="{E68D9850-B3A4-4979-A4D0-E3D401A29AB5}" destId="{BB47B8A7-A69A-47BA-8429-499D75D98923}" srcOrd="0" destOrd="0" presId="urn:microsoft.com/office/officeart/2005/8/layout/hProcess4"/>
-    <dgm:cxn modelId="{076FA099-FCD5-4C11-8A08-746949589EB9}" type="presOf" srcId="{FFBB95A5-64CA-4277-8EC9-9A4877C06A11}" destId="{388BBD37-9C2B-4172-8678-CDF3BB968BFB}" srcOrd="1" destOrd="1" presId="urn:microsoft.com/office/officeart/2005/8/layout/hProcess4"/>
-    <dgm:cxn modelId="{F52A89F1-D611-4436-8916-14DEFBEAC79D}" srcId="{4412B91F-CF8D-4A42-83DF-7CDCCDA80F7D}" destId="{7DFE07BF-9A88-4152-9E58-09C9E20DB3CE}" srcOrd="0" destOrd="0" parTransId="{F2C6A117-64F1-4ED9-9C2B-9510107D76CB}" sibTransId="{E68D9850-B3A4-4979-A4D0-E3D401A29AB5}"/>
-    <dgm:cxn modelId="{FD321DDD-0FBF-4119-B35F-BF41A6D1FACA}" type="presOf" srcId="{80BADE98-2C43-40D5-937A-874A1B627145}" destId="{AE566E9F-D101-4F88-9692-208EF2AE8557}" srcOrd="0" destOrd="0" presId="urn:microsoft.com/office/officeart/2005/8/layout/hProcess4"/>
-    <dgm:cxn modelId="{C03BE492-3E48-4B5B-B223-BD9B09A0499C}" type="presOf" srcId="{4412B91F-CF8D-4A42-83DF-7CDCCDA80F7D}" destId="{50C663CD-616C-44EE-98F1-BB5FDDDEDCC8}" srcOrd="0" destOrd="0" presId="urn:microsoft.com/office/officeart/2005/8/layout/hProcess4"/>
     <dgm:cxn modelId="{4A7FA099-9464-4ACD-A790-6102C1584AD1}" srcId="{4412B91F-CF8D-4A42-83DF-7CDCCDA80F7D}" destId="{F3A2DAB8-2AB9-419A-82D3-D743A16978C8}" srcOrd="2" destOrd="0" parTransId="{62C15E06-9F1B-4472-A7B4-FEFADBC7E807}" sibTransId="{401344D0-ED0B-4340-9FCD-FF07FE375E6C}"/>
-    <dgm:cxn modelId="{66AF1316-005D-4157-AB49-7D09464E8313}" type="presOf" srcId="{7F7E1F91-F6F4-48A9-B4FA-337B2EBD2C9A}" destId="{CEA85225-BA33-4729-B542-7DD51242ADCB}" srcOrd="1" destOrd="0" presId="urn:microsoft.com/office/officeart/2005/8/layout/hProcess4"/>
-    <dgm:cxn modelId="{D058A61E-2631-4792-87A9-3570D8D2DB0F}" srcId="{3865D5FF-DA00-4906-B6F5-07C839464584}" destId="{2F3DF7DE-E5C9-4440-80D1-538313244BE6}" srcOrd="0" destOrd="0" parTransId="{3C0BC7DD-F66C-4719-92AE-5E9E7825604D}" sibTransId="{4569B2FB-90CA-4536-9206-69C81C9FC0BD}"/>
-    <dgm:cxn modelId="{F6F5BFB7-87A2-418B-8A67-5193C4B8B5C2}" type="presOf" srcId="{3865D5FF-DA00-4906-B6F5-07C839464584}" destId="{85BA2879-403E-43AC-A59E-A90A5FACC251}" srcOrd="0" destOrd="0" presId="urn:microsoft.com/office/officeart/2005/8/layout/hProcess4"/>
-    <dgm:cxn modelId="{C9B3EE4E-01DF-4274-A896-B826614E44E8}" type="presOf" srcId="{1198010A-7CD9-47DF-8300-D5AB8FDF717B}" destId="{77351131-57DF-4AF2-A89D-95AF9C6149DC}" srcOrd="0" destOrd="1" presId="urn:microsoft.com/office/officeart/2005/8/layout/hProcess4"/>
-    <dgm:cxn modelId="{96F1515C-012C-4FBA-939B-73396FC64F01}" type="presOf" srcId="{7DFE07BF-9A88-4152-9E58-09C9E20DB3CE}" destId="{168FD8A5-9BA3-47FA-8D32-ED60BCA98D24}" srcOrd="0" destOrd="0" presId="urn:microsoft.com/office/officeart/2005/8/layout/hProcess4"/>
-    <dgm:cxn modelId="{81BAC1B0-D183-4179-9A55-029F538E675D}" srcId="{F3A2DAB8-2AB9-419A-82D3-D743A16978C8}" destId="{80BADE98-2C43-40D5-937A-874A1B627145}" srcOrd="0" destOrd="0" parTransId="{61694F4E-3BB3-4806-8315-F9C9DE55D766}" sibTransId="{1B940CC1-D5C1-4465-A2E5-B629FA2D9A4E}"/>
     <dgm:cxn modelId="{DC8F0603-A30F-4881-8DB3-C28DAA5234EB}" type="presParOf" srcId="{50C663CD-616C-44EE-98F1-BB5FDDDEDCC8}" destId="{138CD9C0-127E-45DD-BA5D-F929D722FD16}" srcOrd="0" destOrd="0" presId="urn:microsoft.com/office/officeart/2005/8/layout/hProcess4"/>
     <dgm:cxn modelId="{5A02F5F5-BF03-478E-AB04-0CF1957AA6B2}" type="presParOf" srcId="{50C663CD-616C-44EE-98F1-BB5FDDDEDCC8}" destId="{EF0649EA-CFC7-443D-9E0B-71BBF1A268A7}" srcOrd="1" destOrd="0" presId="urn:microsoft.com/office/officeart/2005/8/layout/hProcess4"/>
     <dgm:cxn modelId="{28FB9728-D277-4EA0-9D1D-8BA739CBDE26}" type="presParOf" srcId="{50C663CD-616C-44EE-98F1-BB5FDDDEDCC8}" destId="{2FA38D1F-3777-488A-AF41-E467FA0BCCBE}" srcOrd="2" destOrd="0" presId="urn:microsoft.com/office/officeart/2005/8/layout/hProcess4"/>
@@ -6039,13 +7357,13 @@
   <dgm:whole/>
   <dgm:extLst>
     <a:ext uri="http://schemas.microsoft.com/office/drawing/2008/diagram">
-      <dsp:dataModelExt xmlns:dsp="http://schemas.microsoft.com/office/drawing/2008/diagram" xmlns="" relId="rId6" minVer="http://schemas.openxmlformats.org/drawingml/2006/diagram"/>
+      <dsp:dataModelExt xmlns:dsp="http://schemas.microsoft.com/office/drawing/2008/diagram" relId="rId6" minVer="http://schemas.openxmlformats.org/drawingml/2006/diagram"/>
     </a:ext>
   </dgm:extLst>
 </dgm:dataModel>
 </file>
 
-<file path=ppt/diagrams/data4.xml><?xml version="1.0" encoding="utf-8"?>
+<file path=ppt/diagrams/data5.xml><?xml version="1.0" encoding="utf-8"?>
 <dgm:dataModel xmlns:dgm="http://schemas.openxmlformats.org/drawingml/2006/diagram" xmlns:a="http://schemas.openxmlformats.org/drawingml/2006/main">
   <dgm:ptLst>
     <dgm:pt modelId="{D4F2E4FB-49BF-4721-8707-3457AAE0EB88}" type="doc">
@@ -6477,29 +7795,29 @@
     </dgm:pt>
   </dgm:ptLst>
   <dgm:cxnLst>
+    <dgm:cxn modelId="{CFD51472-FE86-49A1-902F-BA2DC34B29F5}" type="presOf" srcId="{0F4EE5F8-CE65-4C01-BA1B-62373453CD4B}" destId="{FFC83820-1F59-4B99-B0E5-5EF505EF981A}" srcOrd="1" destOrd="0" presId="urn:microsoft.com/office/officeart/2005/8/layout/radial5"/>
     <dgm:cxn modelId="{7366D01B-7B1A-4F7E-8897-A92969695C89}" type="presOf" srcId="{88E727E9-53A4-4E95-A459-039A49E93B44}" destId="{BED8CFF9-57DF-415B-BFD2-F23237B98D78}" srcOrd="0" destOrd="0" presId="urn:microsoft.com/office/officeart/2005/8/layout/radial5"/>
+    <dgm:cxn modelId="{6E4D8FAC-DF79-4656-AACF-B63351959842}" type="presOf" srcId="{C9CB2A3C-AA8A-4C63-ADAF-BB4A990106BF}" destId="{D32B50BC-8F9A-4A06-941D-13004E7B3F17}" srcOrd="0" destOrd="0" presId="urn:microsoft.com/office/officeart/2005/8/layout/radial5"/>
+    <dgm:cxn modelId="{28AC89FC-11D9-4755-B886-3A3759AAC780}" type="presOf" srcId="{036DF210-BB24-491F-9B05-BED9EB97CCEA}" destId="{2BEFA425-F024-4BD4-B31D-0FB6C45896F7}" srcOrd="1" destOrd="0" presId="urn:microsoft.com/office/officeart/2005/8/layout/radial5"/>
+    <dgm:cxn modelId="{A2C98141-733B-400B-91DC-A4454889E5AA}" srcId="{9ADEF162-76FA-4A3C-8220-3CD2B3D3023E}" destId="{600CB5D7-2D85-4AF5-BB05-4A1B86521FA2}" srcOrd="1" destOrd="0" parTransId="{0F4EE5F8-CE65-4C01-BA1B-62373453CD4B}" sibTransId="{D8ED6D04-2132-4167-966C-2933CD0F8E51}"/>
+    <dgm:cxn modelId="{89D3A26C-01B0-47D3-9792-AD7AC1141C23}" type="presOf" srcId="{0F4EE5F8-CE65-4C01-BA1B-62373453CD4B}" destId="{9D95D45C-9B20-4A4E-AD6C-37161FDE50AF}" srcOrd="0" destOrd="0" presId="urn:microsoft.com/office/officeart/2005/8/layout/radial5"/>
     <dgm:cxn modelId="{23207EC2-56B0-44E0-A6C7-84051896C37C}" type="presOf" srcId="{036DF210-BB24-491F-9B05-BED9EB97CCEA}" destId="{D858E594-9B1F-454E-812B-1D569755D339}" srcOrd="0" destOrd="0" presId="urn:microsoft.com/office/officeart/2005/8/layout/radial5"/>
+    <dgm:cxn modelId="{7442BC64-C27B-46B2-8FDA-C8CB7A69BB78}" type="presOf" srcId="{5CD5CAC8-AC56-4175-8B02-D9FDE7591724}" destId="{63B15D18-84CC-4B8C-A7B8-9D7C87C445EE}" srcOrd="1" destOrd="0" presId="urn:microsoft.com/office/officeart/2005/8/layout/radial5"/>
+    <dgm:cxn modelId="{4D528558-CCA4-4766-9340-8DBA49C0C449}" type="presOf" srcId="{E65E6258-30CC-439C-9E12-987FB207C0BA}" destId="{AE23CEE4-5E78-4BF2-A4EC-856A2ACE758E}" srcOrd="0" destOrd="0" presId="urn:microsoft.com/office/officeart/2005/8/layout/radial5"/>
+    <dgm:cxn modelId="{B760B6A1-7F60-4ADC-BA75-CB0BE4EEDB34}" type="presOf" srcId="{5CD5CAC8-AC56-4175-8B02-D9FDE7591724}" destId="{8F93543A-5059-4DE8-A2FC-A99D358C55C0}" srcOrd="0" destOrd="0" presId="urn:microsoft.com/office/officeart/2005/8/layout/radial5"/>
+    <dgm:cxn modelId="{A3234599-2A1F-4705-A7DB-C8EF644A84F6}" srcId="{9ADEF162-76FA-4A3C-8220-3CD2B3D3023E}" destId="{31E1C8DB-A788-4C7C-8E35-369521C571A2}" srcOrd="2" destOrd="0" parTransId="{5CD5CAC8-AC56-4175-8B02-D9FDE7591724}" sibTransId="{78634723-FA66-4AF5-9D17-D9106FB2D70F}"/>
+    <dgm:cxn modelId="{DB098DF9-4AC3-48C4-BC74-3A1AFF298A39}" srcId="{9ADEF162-76FA-4A3C-8220-3CD2B3D3023E}" destId="{597E7FEA-0A6D-4074-A2A0-EDBE84388C7A}" srcOrd="3" destOrd="0" parTransId="{C9CB2A3C-AA8A-4C63-ADAF-BB4A990106BF}" sibTransId="{78A577AF-6145-4A2C-8D9E-BB70A9BDA682}"/>
+    <dgm:cxn modelId="{E76B003B-3141-48DA-8297-E3AA243031E5}" type="presOf" srcId="{D4F2E4FB-49BF-4721-8707-3457AAE0EB88}" destId="{6A9D9649-AA51-48D6-B507-7AEDD979430C}" srcOrd="0" destOrd="0" presId="urn:microsoft.com/office/officeart/2005/8/layout/radial5"/>
     <dgm:cxn modelId="{622C7C39-11F8-4758-9549-8841122B7ED2}" type="presOf" srcId="{31E1C8DB-A788-4C7C-8E35-369521C571A2}" destId="{4AE6AAFA-D59A-4F35-A5E8-C6D2EC6BBFF0}" srcOrd="0" destOrd="0" presId="urn:microsoft.com/office/officeart/2005/8/layout/radial5"/>
-    <dgm:cxn modelId="{89D3A26C-01B0-47D3-9792-AD7AC1141C23}" type="presOf" srcId="{0F4EE5F8-CE65-4C01-BA1B-62373453CD4B}" destId="{9D95D45C-9B20-4A4E-AD6C-37161FDE50AF}" srcOrd="0" destOrd="0" presId="urn:microsoft.com/office/officeart/2005/8/layout/radial5"/>
+    <dgm:cxn modelId="{CD189AED-CAFC-49C6-B708-4C84F713FF42}" type="presOf" srcId="{47D5C472-6F40-4426-8E86-BCB2F2BD330B}" destId="{E0159EA0-1A5D-476D-AD51-865243B2D714}" srcOrd="0" destOrd="0" presId="urn:microsoft.com/office/officeart/2005/8/layout/radial5"/>
+    <dgm:cxn modelId="{B7E99F65-BDD3-4DC8-BA59-474161888B08}" srcId="{9ADEF162-76FA-4A3C-8220-3CD2B3D3023E}" destId="{E65E6258-30CC-439C-9E12-987FB207C0BA}" srcOrd="4" destOrd="0" parTransId="{88E727E9-53A4-4E95-A459-039A49E93B44}" sibTransId="{C1A9E9C8-E1E8-41AC-8025-94E945EC2819}"/>
+    <dgm:cxn modelId="{F195A791-DD89-4913-8E1E-8DC4F82B6DC9}" srcId="{9ADEF162-76FA-4A3C-8220-3CD2B3D3023E}" destId="{47D5C472-6F40-4426-8E86-BCB2F2BD330B}" srcOrd="0" destOrd="0" parTransId="{036DF210-BB24-491F-9B05-BED9EB97CCEA}" sibTransId="{8F34451D-735F-4913-B0FC-D3B45BB4B61F}"/>
+    <dgm:cxn modelId="{0AB8AA39-130D-4082-8073-DCFF557B8490}" srcId="{D4F2E4FB-49BF-4721-8707-3457AAE0EB88}" destId="{9ADEF162-76FA-4A3C-8220-3CD2B3D3023E}" srcOrd="0" destOrd="0" parTransId="{70CEE8AE-1BA1-4498-BED4-2294652E694E}" sibTransId="{8D6656CE-2472-4600-8A8A-680BB044CFF5}"/>
+    <dgm:cxn modelId="{B6EF3246-0AA5-4CF3-8B72-C7979057E203}" type="presOf" srcId="{9ADEF162-76FA-4A3C-8220-3CD2B3D3023E}" destId="{18F2EB1D-555E-470E-B78B-9F32BC1302F0}" srcOrd="0" destOrd="0" presId="urn:microsoft.com/office/officeart/2005/8/layout/radial5"/>
+    <dgm:cxn modelId="{8F72D950-79DD-429B-81A7-418362F720F6}" type="presOf" srcId="{600CB5D7-2D85-4AF5-BB05-4A1B86521FA2}" destId="{892AB89D-9357-4946-A690-9AB770094366}" srcOrd="0" destOrd="0" presId="urn:microsoft.com/office/officeart/2005/8/layout/radial5"/>
     <dgm:cxn modelId="{20E80264-2731-447C-89A6-6EF6F3B07D7B}" type="presOf" srcId="{C9CB2A3C-AA8A-4C63-ADAF-BB4A990106BF}" destId="{DA7B04D8-8B81-4E5B-97E0-2DFA07EF08B4}" srcOrd="1" destOrd="0" presId="urn:microsoft.com/office/officeart/2005/8/layout/radial5"/>
     <dgm:cxn modelId="{742A00C4-D75C-4EB9-B6C7-8556F6BF3B40}" type="presOf" srcId="{88E727E9-53A4-4E95-A459-039A49E93B44}" destId="{30E14BBC-7822-4D38-BD74-0C71B2A3B30C}" srcOrd="1" destOrd="0" presId="urn:microsoft.com/office/officeart/2005/8/layout/radial5"/>
-    <dgm:cxn modelId="{A2C98141-733B-400B-91DC-A4454889E5AA}" srcId="{9ADEF162-76FA-4A3C-8220-3CD2B3D3023E}" destId="{600CB5D7-2D85-4AF5-BB05-4A1B86521FA2}" srcOrd="1" destOrd="0" parTransId="{0F4EE5F8-CE65-4C01-BA1B-62373453CD4B}" sibTransId="{D8ED6D04-2132-4167-966C-2933CD0F8E51}"/>
-    <dgm:cxn modelId="{0AB8AA39-130D-4082-8073-DCFF557B8490}" srcId="{D4F2E4FB-49BF-4721-8707-3457AAE0EB88}" destId="{9ADEF162-76FA-4A3C-8220-3CD2B3D3023E}" srcOrd="0" destOrd="0" parTransId="{70CEE8AE-1BA1-4498-BED4-2294652E694E}" sibTransId="{8D6656CE-2472-4600-8A8A-680BB044CFF5}"/>
-    <dgm:cxn modelId="{7442BC64-C27B-46B2-8FDA-C8CB7A69BB78}" type="presOf" srcId="{5CD5CAC8-AC56-4175-8B02-D9FDE7591724}" destId="{63B15D18-84CC-4B8C-A7B8-9D7C87C445EE}" srcOrd="1" destOrd="0" presId="urn:microsoft.com/office/officeart/2005/8/layout/radial5"/>
-    <dgm:cxn modelId="{A3234599-2A1F-4705-A7DB-C8EF644A84F6}" srcId="{9ADEF162-76FA-4A3C-8220-3CD2B3D3023E}" destId="{31E1C8DB-A788-4C7C-8E35-369521C571A2}" srcOrd="2" destOrd="0" parTransId="{5CD5CAC8-AC56-4175-8B02-D9FDE7591724}" sibTransId="{78634723-FA66-4AF5-9D17-D9106FB2D70F}"/>
-    <dgm:cxn modelId="{E76B003B-3141-48DA-8297-E3AA243031E5}" type="presOf" srcId="{D4F2E4FB-49BF-4721-8707-3457AAE0EB88}" destId="{6A9D9649-AA51-48D6-B507-7AEDD979430C}" srcOrd="0" destOrd="0" presId="urn:microsoft.com/office/officeart/2005/8/layout/radial5"/>
-    <dgm:cxn modelId="{4D528558-CCA4-4766-9340-8DBA49C0C449}" type="presOf" srcId="{E65E6258-30CC-439C-9E12-987FB207C0BA}" destId="{AE23CEE4-5E78-4BF2-A4EC-856A2ACE758E}" srcOrd="0" destOrd="0" presId="urn:microsoft.com/office/officeart/2005/8/layout/radial5"/>
-    <dgm:cxn modelId="{28AC89FC-11D9-4755-B886-3A3759AAC780}" type="presOf" srcId="{036DF210-BB24-491F-9B05-BED9EB97CCEA}" destId="{2BEFA425-F024-4BD4-B31D-0FB6C45896F7}" srcOrd="1" destOrd="0" presId="urn:microsoft.com/office/officeart/2005/8/layout/radial5"/>
-    <dgm:cxn modelId="{8F72D950-79DD-429B-81A7-418362F720F6}" type="presOf" srcId="{600CB5D7-2D85-4AF5-BB05-4A1B86521FA2}" destId="{892AB89D-9357-4946-A690-9AB770094366}" srcOrd="0" destOrd="0" presId="urn:microsoft.com/office/officeart/2005/8/layout/radial5"/>
-    <dgm:cxn modelId="{F195A791-DD89-4913-8E1E-8DC4F82B6DC9}" srcId="{9ADEF162-76FA-4A3C-8220-3CD2B3D3023E}" destId="{47D5C472-6F40-4426-8E86-BCB2F2BD330B}" srcOrd="0" destOrd="0" parTransId="{036DF210-BB24-491F-9B05-BED9EB97CCEA}" sibTransId="{8F34451D-735F-4913-B0FC-D3B45BB4B61F}"/>
-    <dgm:cxn modelId="{6E4D8FAC-DF79-4656-AACF-B63351959842}" type="presOf" srcId="{C9CB2A3C-AA8A-4C63-ADAF-BB4A990106BF}" destId="{D32B50BC-8F9A-4A06-941D-13004E7B3F17}" srcOrd="0" destOrd="0" presId="urn:microsoft.com/office/officeart/2005/8/layout/radial5"/>
-    <dgm:cxn modelId="{B6EF3246-0AA5-4CF3-8B72-C7979057E203}" type="presOf" srcId="{9ADEF162-76FA-4A3C-8220-3CD2B3D3023E}" destId="{18F2EB1D-555E-470E-B78B-9F32BC1302F0}" srcOrd="0" destOrd="0" presId="urn:microsoft.com/office/officeart/2005/8/layout/radial5"/>
-    <dgm:cxn modelId="{B760B6A1-7F60-4ADC-BA75-CB0BE4EEDB34}" type="presOf" srcId="{5CD5CAC8-AC56-4175-8B02-D9FDE7591724}" destId="{8F93543A-5059-4DE8-A2FC-A99D358C55C0}" srcOrd="0" destOrd="0" presId="urn:microsoft.com/office/officeart/2005/8/layout/radial5"/>
-    <dgm:cxn modelId="{DB098DF9-4AC3-48C4-BC74-3A1AFF298A39}" srcId="{9ADEF162-76FA-4A3C-8220-3CD2B3D3023E}" destId="{597E7FEA-0A6D-4074-A2A0-EDBE84388C7A}" srcOrd="3" destOrd="0" parTransId="{C9CB2A3C-AA8A-4C63-ADAF-BB4A990106BF}" sibTransId="{78A577AF-6145-4A2C-8D9E-BB70A9BDA682}"/>
-    <dgm:cxn modelId="{CD189AED-CAFC-49C6-B708-4C84F713FF42}" type="presOf" srcId="{47D5C472-6F40-4426-8E86-BCB2F2BD330B}" destId="{E0159EA0-1A5D-476D-AD51-865243B2D714}" srcOrd="0" destOrd="0" presId="urn:microsoft.com/office/officeart/2005/8/layout/radial5"/>
     <dgm:cxn modelId="{B076A0DE-C14B-4C8D-AC1B-44814383AFD4}" type="presOf" srcId="{597E7FEA-0A6D-4074-A2A0-EDBE84388C7A}" destId="{42C28B57-95B0-4561-B729-7C55DC80C4C3}" srcOrd="0" destOrd="0" presId="urn:microsoft.com/office/officeart/2005/8/layout/radial5"/>
-    <dgm:cxn modelId="{B7E99F65-BDD3-4DC8-BA59-474161888B08}" srcId="{9ADEF162-76FA-4A3C-8220-3CD2B3D3023E}" destId="{E65E6258-30CC-439C-9E12-987FB207C0BA}" srcOrd="4" destOrd="0" parTransId="{88E727E9-53A4-4E95-A459-039A49E93B44}" sibTransId="{C1A9E9C8-E1E8-41AC-8025-94E945EC2819}"/>
-    <dgm:cxn modelId="{CFD51472-FE86-49A1-902F-BA2DC34B29F5}" type="presOf" srcId="{0F4EE5F8-CE65-4C01-BA1B-62373453CD4B}" destId="{FFC83820-1F59-4B99-B0E5-5EF505EF981A}" srcOrd="1" destOrd="0" presId="urn:microsoft.com/office/officeart/2005/8/layout/radial5"/>
     <dgm:cxn modelId="{D491739B-54EC-489C-A1A7-1DBEF4DF8E38}" type="presParOf" srcId="{6A9D9649-AA51-48D6-B507-7AEDD979430C}" destId="{18F2EB1D-555E-470E-B78B-9F32BC1302F0}" srcOrd="0" destOrd="0" presId="urn:microsoft.com/office/officeart/2005/8/layout/radial5"/>
     <dgm:cxn modelId="{5AB7F0EB-EAF7-40B7-8C32-386285178AF5}" type="presParOf" srcId="{6A9D9649-AA51-48D6-B507-7AEDD979430C}" destId="{D858E594-9B1F-454E-812B-1D569755D339}" srcOrd="1" destOrd="0" presId="urn:microsoft.com/office/officeart/2005/8/layout/radial5"/>
     <dgm:cxn modelId="{5E5AB94B-B50E-481F-A3CF-F462EDC78FD1}" type="presParOf" srcId="{D858E594-9B1F-454E-812B-1D569755D339}" destId="{2BEFA425-F024-4BD4-B31D-0FB6C45896F7}" srcOrd="0" destOrd="0" presId="urn:microsoft.com/office/officeart/2005/8/layout/radial5"/>
@@ -6521,13 +7839,13 @@
   <dgm:whole/>
   <dgm:extLst>
     <a:ext uri="http://schemas.microsoft.com/office/drawing/2008/diagram">
-      <dsp:dataModelExt xmlns:dsp="http://schemas.microsoft.com/office/drawing/2008/diagram" xmlns="" relId="rId6" minVer="http://schemas.openxmlformats.org/drawingml/2006/diagram"/>
+      <dsp:dataModelExt xmlns:dsp="http://schemas.microsoft.com/office/drawing/2008/diagram" relId="rId6" minVer="http://schemas.openxmlformats.org/drawingml/2006/diagram"/>
     </a:ext>
   </dgm:extLst>
 </dgm:dataModel>
 </file>
 
-<file path=ppt/diagrams/data5.xml><?xml version="1.0" encoding="utf-8"?>
+<file path=ppt/diagrams/data6.xml><?xml version="1.0" encoding="utf-8"?>
 <dgm:dataModel xmlns:dgm="http://schemas.openxmlformats.org/drawingml/2006/diagram" xmlns:a="http://schemas.openxmlformats.org/drawingml/2006/main">
   <dgm:ptLst>
     <dgm:pt modelId="{739AC528-84CD-4C4C-9AAA-944987E13663}" type="doc">
@@ -7467,25 +8785,25 @@
     </dgm:pt>
   </dgm:ptLst>
   <dgm:cxnLst>
+    <dgm:cxn modelId="{D6B9F938-FD89-4765-A5F4-595BA2C69F68}" type="presOf" srcId="{34E518D1-49BF-45FE-BD69-68CCC11C553D}" destId="{390F44BF-71AC-4D9F-BF5E-075FA28FE010}" srcOrd="0" destOrd="0" presId="urn:microsoft.com/office/officeart/2005/8/layout/list1"/>
+    <dgm:cxn modelId="{98F30085-95A3-4899-83ED-263051B4121C}" srcId="{739AC528-84CD-4C4C-9AAA-944987E13663}" destId="{EBE94DE7-18A9-4985-A440-D262D93A6316}" srcOrd="1" destOrd="0" parTransId="{7151D90C-DDED-45CE-9D5D-F45918DF7AF3}" sibTransId="{11D717CD-56AA-45FC-9323-4DF14FDC4A6F}"/>
+    <dgm:cxn modelId="{492DC469-18AA-4F1C-B5CB-83AA42592B95}" srcId="{739AC528-84CD-4C4C-9AAA-944987E13663}" destId="{34E518D1-49BF-45FE-BD69-68CCC11C553D}" srcOrd="5" destOrd="0" parTransId="{6E148B5F-7DF9-4BF6-BE15-08EA16D770D4}" sibTransId="{23E81CB5-6F0A-42EB-ADC8-9150ECA984D5}"/>
+    <dgm:cxn modelId="{0E348F8C-122A-48CD-A8DB-40A9364F57F3}" type="presOf" srcId="{EBE94DE7-18A9-4985-A440-D262D93A6316}" destId="{9939078C-FCDB-4354-9260-A7140D211969}" srcOrd="1" destOrd="0" presId="urn:microsoft.com/office/officeart/2005/8/layout/list1"/>
+    <dgm:cxn modelId="{917C61F7-4EFA-4F87-8A86-AA04AD093EB6}" type="presOf" srcId="{C0424938-EAAD-4AFD-89AA-F9DAA339B8CE}" destId="{3572EF4A-4D38-4BBD-9DE4-D188D70E2CAD}" srcOrd="0" destOrd="0" presId="urn:microsoft.com/office/officeart/2005/8/layout/list1"/>
+    <dgm:cxn modelId="{08B77D2D-50A3-4665-B5BC-776198A4C49D}" type="presOf" srcId="{64726959-BFCF-468E-8583-201CF07ACAB4}" destId="{5CF09D25-445D-4024-9E09-27B9086F12C2}" srcOrd="0" destOrd="0" presId="urn:microsoft.com/office/officeart/2005/8/layout/list1"/>
+    <dgm:cxn modelId="{E58C8AA9-859D-436C-829F-177A8BC2DA06}" type="presOf" srcId="{C0424938-EAAD-4AFD-89AA-F9DAA339B8CE}" destId="{6C17C5F1-150A-491F-92CE-A1BE931BB55D}" srcOrd="1" destOrd="0" presId="urn:microsoft.com/office/officeart/2005/8/layout/list1"/>
     <dgm:cxn modelId="{B7B87462-1DAB-4820-9D8D-39215A0FD83D}" srcId="{739AC528-84CD-4C4C-9AAA-944987E13663}" destId="{64726959-BFCF-468E-8583-201CF07ACAB4}" srcOrd="0" destOrd="0" parTransId="{1621746A-50DC-494D-BB5D-7D8ADC851307}" sibTransId="{8835803B-4868-4BFF-8B3A-814A6D4954C8}"/>
-    <dgm:cxn modelId="{7E93702C-2125-4942-BCFA-451032FA8C07}" type="presOf" srcId="{22558875-04DE-48A8-8D08-7DF713D16D36}" destId="{D78DBF14-3A29-4E42-B56E-7380E92A6552}" srcOrd="1" destOrd="0" presId="urn:microsoft.com/office/officeart/2005/8/layout/list1"/>
-    <dgm:cxn modelId="{BC163CB6-4CBD-44DB-AD17-AFC4FDDC684C}" type="presOf" srcId="{EBE94DE7-18A9-4985-A440-D262D93A6316}" destId="{62A2C154-6AB5-4321-A742-C06A0E020873}" srcOrd="0" destOrd="0" presId="urn:microsoft.com/office/officeart/2005/8/layout/list1"/>
+    <dgm:cxn modelId="{0E9F3CED-8870-48EB-AC03-616E89BB9C2E}" type="presOf" srcId="{64726959-BFCF-468E-8583-201CF07ACAB4}" destId="{B171C0C5-1265-474F-9A24-5267C4DEA6BB}" srcOrd="1" destOrd="0" presId="urn:microsoft.com/office/officeart/2005/8/layout/list1"/>
     <dgm:cxn modelId="{E7BB10A8-4E7A-44F2-865F-A7389730AEBC}" srcId="{739AC528-84CD-4C4C-9AAA-944987E13663}" destId="{B682214D-3E19-400B-B148-C04F02C27327}" srcOrd="4" destOrd="0" parTransId="{328229DF-DAE6-431B-9EB1-E273DFF5EA70}" sibTransId="{4037F445-FC2C-47AE-89AE-E418F2282E02}"/>
+    <dgm:cxn modelId="{265C6533-7DF8-4BF6-8C28-3C782A037CF3}" type="presOf" srcId="{B682214D-3E19-400B-B148-C04F02C27327}" destId="{846A3F17-1641-4BB9-AC38-13C0E8AB7383}" srcOrd="0" destOrd="0" presId="urn:microsoft.com/office/officeart/2005/8/layout/list1"/>
     <dgm:cxn modelId="{4650B4FA-5E46-4507-BF35-61AB090D393E}" srcId="{739AC528-84CD-4C4C-9AAA-944987E13663}" destId="{22558875-04DE-48A8-8D08-7DF713D16D36}" srcOrd="2" destOrd="0" parTransId="{AEADCE07-7102-4416-8E67-31648F62FFBE}" sibTransId="{6C26663C-5E0F-469C-A84B-4E7D60C2ACED}"/>
-    <dgm:cxn modelId="{265C6533-7DF8-4BF6-8C28-3C782A037CF3}" type="presOf" srcId="{B682214D-3E19-400B-B148-C04F02C27327}" destId="{846A3F17-1641-4BB9-AC38-13C0E8AB7383}" srcOrd="0" destOrd="0" presId="urn:microsoft.com/office/officeart/2005/8/layout/list1"/>
     <dgm:cxn modelId="{F9C7EEAC-7918-45CA-816F-B33C04B8B070}" srcId="{739AC528-84CD-4C4C-9AAA-944987E13663}" destId="{C0424938-EAAD-4AFD-89AA-F9DAA339B8CE}" srcOrd="3" destOrd="0" parTransId="{D85B5D0B-0237-4236-B15A-3AC15A4C8D6A}" sibTransId="{EBF62A40-6125-4DD5-8EDA-1F45E06B9030}"/>
     <dgm:cxn modelId="{09CDA0F1-41AD-4AA3-BABC-AB3C68FE1F20}" type="presOf" srcId="{B682214D-3E19-400B-B148-C04F02C27327}" destId="{231A70AB-9760-4FFF-B875-5D31C52D60AE}" srcOrd="1" destOrd="0" presId="urn:microsoft.com/office/officeart/2005/8/layout/list1"/>
+    <dgm:cxn modelId="{81B323AF-A255-4CEA-BAE8-041C43CF3A80}" type="presOf" srcId="{739AC528-84CD-4C4C-9AAA-944987E13663}" destId="{5C305753-02C2-4005-B25D-F75DD4B08137}" srcOrd="0" destOrd="0" presId="urn:microsoft.com/office/officeart/2005/8/layout/list1"/>
+    <dgm:cxn modelId="{7E93702C-2125-4942-BCFA-451032FA8C07}" type="presOf" srcId="{22558875-04DE-48A8-8D08-7DF713D16D36}" destId="{D78DBF14-3A29-4E42-B56E-7380E92A6552}" srcOrd="1" destOrd="0" presId="urn:microsoft.com/office/officeart/2005/8/layout/list1"/>
     <dgm:cxn modelId="{1842B81B-6CE1-4E7A-B9A2-8AECFE2C9FD1}" type="presOf" srcId="{34E518D1-49BF-45FE-BD69-68CCC11C553D}" destId="{029B9D8C-4A77-4645-9520-CB1F079C0081}" srcOrd="1" destOrd="0" presId="urn:microsoft.com/office/officeart/2005/8/layout/list1"/>
     <dgm:cxn modelId="{DC3681F8-CC97-4E15-8231-5EBA82EFEFD3}" type="presOf" srcId="{22558875-04DE-48A8-8D08-7DF713D16D36}" destId="{7CCD4125-60BB-4322-B726-7F91B5CDFF30}" srcOrd="0" destOrd="0" presId="urn:microsoft.com/office/officeart/2005/8/layout/list1"/>
-    <dgm:cxn modelId="{D6B9F938-FD89-4765-A5F4-595BA2C69F68}" type="presOf" srcId="{34E518D1-49BF-45FE-BD69-68CCC11C553D}" destId="{390F44BF-71AC-4D9F-BF5E-075FA28FE010}" srcOrd="0" destOrd="0" presId="urn:microsoft.com/office/officeart/2005/8/layout/list1"/>
-    <dgm:cxn modelId="{08B77D2D-50A3-4665-B5BC-776198A4C49D}" type="presOf" srcId="{64726959-BFCF-468E-8583-201CF07ACAB4}" destId="{5CF09D25-445D-4024-9E09-27B9086F12C2}" srcOrd="0" destOrd="0" presId="urn:microsoft.com/office/officeart/2005/8/layout/list1"/>
-    <dgm:cxn modelId="{492DC469-18AA-4F1C-B5CB-83AA42592B95}" srcId="{739AC528-84CD-4C4C-9AAA-944987E13663}" destId="{34E518D1-49BF-45FE-BD69-68CCC11C553D}" srcOrd="5" destOrd="0" parTransId="{6E148B5F-7DF9-4BF6-BE15-08EA16D770D4}" sibTransId="{23E81CB5-6F0A-42EB-ADC8-9150ECA984D5}"/>
-    <dgm:cxn modelId="{0E9F3CED-8870-48EB-AC03-616E89BB9C2E}" type="presOf" srcId="{64726959-BFCF-468E-8583-201CF07ACAB4}" destId="{B171C0C5-1265-474F-9A24-5267C4DEA6BB}" srcOrd="1" destOrd="0" presId="urn:microsoft.com/office/officeart/2005/8/layout/list1"/>
-    <dgm:cxn modelId="{E58C8AA9-859D-436C-829F-177A8BC2DA06}" type="presOf" srcId="{C0424938-EAAD-4AFD-89AA-F9DAA339B8CE}" destId="{6C17C5F1-150A-491F-92CE-A1BE931BB55D}" srcOrd="1" destOrd="0" presId="urn:microsoft.com/office/officeart/2005/8/layout/list1"/>
-    <dgm:cxn modelId="{0E348F8C-122A-48CD-A8DB-40A9364F57F3}" type="presOf" srcId="{EBE94DE7-18A9-4985-A440-D262D93A6316}" destId="{9939078C-FCDB-4354-9260-A7140D211969}" srcOrd="1" destOrd="0" presId="urn:microsoft.com/office/officeart/2005/8/layout/list1"/>
-    <dgm:cxn modelId="{917C61F7-4EFA-4F87-8A86-AA04AD093EB6}" type="presOf" srcId="{C0424938-EAAD-4AFD-89AA-F9DAA339B8CE}" destId="{3572EF4A-4D38-4BBD-9DE4-D188D70E2CAD}" srcOrd="0" destOrd="0" presId="urn:microsoft.com/office/officeart/2005/8/layout/list1"/>
-    <dgm:cxn modelId="{98F30085-95A3-4899-83ED-263051B4121C}" srcId="{739AC528-84CD-4C4C-9AAA-944987E13663}" destId="{EBE94DE7-18A9-4985-A440-D262D93A6316}" srcOrd="1" destOrd="0" parTransId="{7151D90C-DDED-45CE-9D5D-F45918DF7AF3}" sibTransId="{11D717CD-56AA-45FC-9323-4DF14FDC4A6F}"/>
-    <dgm:cxn modelId="{81B323AF-A255-4CEA-BAE8-041C43CF3A80}" type="presOf" srcId="{739AC528-84CD-4C4C-9AAA-944987E13663}" destId="{5C305753-02C2-4005-B25D-F75DD4B08137}" srcOrd="0" destOrd="0" presId="urn:microsoft.com/office/officeart/2005/8/layout/list1"/>
+    <dgm:cxn modelId="{BC163CB6-4CBD-44DB-AD17-AFC4FDDC684C}" type="presOf" srcId="{EBE94DE7-18A9-4985-A440-D262D93A6316}" destId="{62A2C154-6AB5-4321-A742-C06A0E020873}" srcOrd="0" destOrd="0" presId="urn:microsoft.com/office/officeart/2005/8/layout/list1"/>
     <dgm:cxn modelId="{5CEE8E5E-6F76-4967-8862-364C72A0F09D}" type="presParOf" srcId="{5C305753-02C2-4005-B25D-F75DD4B08137}" destId="{B34D6D7E-5F2E-4AC9-BD73-0DDE9F8BB618}" srcOrd="0" destOrd="0" presId="urn:microsoft.com/office/officeart/2005/8/layout/list1"/>
     <dgm:cxn modelId="{49AB42FC-D96F-419C-AA12-35C9654D957E}" type="presParOf" srcId="{B34D6D7E-5F2E-4AC9-BD73-0DDE9F8BB618}" destId="{5CF09D25-445D-4024-9E09-27B9086F12C2}" srcOrd="0" destOrd="0" presId="urn:microsoft.com/office/officeart/2005/8/layout/list1"/>
     <dgm:cxn modelId="{16B0EBB0-1939-4496-898C-63BE915DB1B6}" type="presParOf" srcId="{B34D6D7E-5F2E-4AC9-BD73-0DDE9F8BB618}" destId="{B171C0C5-1265-474F-9A24-5267C4DEA6BB}" srcOrd="1" destOrd="0" presId="urn:microsoft.com/office/officeart/2005/8/layout/list1"/>
@@ -7526,14 +8844,14 @@
   <dgm:whole/>
   <dgm:extLst>
     <a:ext uri="http://schemas.microsoft.com/office/drawing/2008/diagram">
-      <dsp:dataModelExt xmlns:dsp="http://schemas.microsoft.com/office/drawing/2008/diagram" xmlns="" relId="rId6" minVer="http://schemas.openxmlformats.org/drawingml/2006/diagram"/>
+      <dsp:dataModelExt xmlns:dsp="http://schemas.microsoft.com/office/drawing/2008/diagram" relId="rId6" minVer="http://schemas.openxmlformats.org/drawingml/2006/diagram"/>
     </a:ext>
   </dgm:extLst>
 </dgm:dataModel>
 </file>
 
 <file path=ppt/diagrams/drawing1.xml><?xml version="1.0" encoding="utf-8"?>
-<dsp:drawing xmlns:dgm="http://schemas.openxmlformats.org/drawingml/2006/diagram" xmlns:a="http://schemas.openxmlformats.org/drawingml/2006/main" xmlns:dsp="http://schemas.microsoft.com/office/drawing/2008/diagram">
+<dsp:drawing xmlns:dgm="http://schemas.openxmlformats.org/drawingml/2006/diagram" xmlns:dsp="http://schemas.microsoft.com/office/drawing/2008/diagram" xmlns:a="http://schemas.openxmlformats.org/drawingml/2006/main">
   <dsp:spTree>
     <dsp:nvGrpSpPr>
       <dsp:cNvPr id="0" name=""/>
@@ -7667,9 +8985,9 @@
           <a:endParaRPr lang="pt-BR" sz="1600" kern="1200" dirty="0"/>
         </a:p>
       </dsp:txBody>
-      <dsp:txXfrm rot="5400000">
-        <a:off x="5471223" y="-2232760"/>
-        <a:ext cx="871601" cy="5559552"/>
+      <dsp:txXfrm rot="-5400000">
+        <a:off x="3127248" y="153763"/>
+        <a:ext cx="5517004" cy="786505"/>
       </dsp:txXfrm>
     </dsp:sp>
     <dsp:sp modelId="{83285697-B771-41E8-BF80-D6B7B2E260A7}">
@@ -7822,8 +9140,8 @@
         </a:p>
       </dsp:txBody>
       <dsp:txXfrm>
-        <a:off x="0" y="0"/>
-        <a:ext cx="3127248" cy="1089501"/>
+        <a:off x="53185" y="53185"/>
+        <a:ext cx="3020878" cy="983131"/>
       </dsp:txXfrm>
     </dsp:sp>
     <dsp:sp modelId="{76D300D9-3977-4D02-95E9-3905CCACBD1B}">
@@ -7911,9 +9229,9 @@
           <a:endParaRPr lang="pt-BR" sz="1600" kern="1200" dirty="0"/>
         </a:p>
       </dsp:txBody>
-      <dsp:txXfrm rot="5400000">
-        <a:off x="5471223" y="-1088783"/>
-        <a:ext cx="871601" cy="5559552"/>
+      <dsp:txXfrm rot="-5400000">
+        <a:off x="3127248" y="1297740"/>
+        <a:ext cx="5517004" cy="786505"/>
       </dsp:txXfrm>
     </dsp:sp>
     <dsp:sp modelId="{1C4CF5AE-B0A9-4E79-99D0-8192DD361FD5}">
@@ -8066,8 +9384,8 @@
         </a:p>
       </dsp:txBody>
       <dsp:txXfrm>
-        <a:off x="0" y="1146241"/>
-        <a:ext cx="3127248" cy="1089501"/>
+        <a:off x="53185" y="1199426"/>
+        <a:ext cx="3020878" cy="983131"/>
       </dsp:txXfrm>
     </dsp:sp>
     <dsp:sp modelId="{7991AEF3-84F5-4F2F-9A87-D93011516A86}">
@@ -8163,9 +9481,9 @@
           <a:endParaRPr lang="pt-BR" sz="1600" kern="1200" dirty="0"/>
         </a:p>
       </dsp:txBody>
-      <dsp:txXfrm rot="5400000">
-        <a:off x="5471223" y="55193"/>
-        <a:ext cx="871601" cy="5559552"/>
+      <dsp:txXfrm rot="-5400000">
+        <a:off x="3127248" y="2441716"/>
+        <a:ext cx="5517004" cy="786505"/>
       </dsp:txXfrm>
     </dsp:sp>
     <dsp:sp modelId="{DE3A8CA3-F5E7-47D6-9409-0DAEFC3883C5}">
@@ -8318,8 +9636,8 @@
         </a:p>
       </dsp:txBody>
       <dsp:txXfrm>
-        <a:off x="0" y="2290218"/>
-        <a:ext cx="3127248" cy="1089501"/>
+        <a:off x="53185" y="2343403"/>
+        <a:ext cx="3020878" cy="983131"/>
       </dsp:txXfrm>
     </dsp:sp>
     <dsp:sp modelId="{232E8D04-E732-492E-A284-139D99DFE02C}">
@@ -8411,9 +9729,9 @@
           <a:endParaRPr lang="pt-BR" sz="1600" kern="1200" dirty="0"/>
         </a:p>
       </dsp:txBody>
-      <dsp:txXfrm rot="5400000">
-        <a:off x="5471223" y="1199170"/>
-        <a:ext cx="871601" cy="5559552"/>
+      <dsp:txXfrm rot="-5400000">
+        <a:off x="3127248" y="3585693"/>
+        <a:ext cx="5517004" cy="786505"/>
       </dsp:txXfrm>
     </dsp:sp>
     <dsp:sp modelId="{F985ABD3-DA1F-4E90-952D-1C16820F198E}">
@@ -8566,8 +9884,8 @@
         </a:p>
       </dsp:txBody>
       <dsp:txXfrm>
-        <a:off x="0" y="3434195"/>
-        <a:ext cx="3127248" cy="1089501"/>
+        <a:off x="53185" y="3487380"/>
+        <a:ext cx="3020878" cy="983131"/>
       </dsp:txXfrm>
     </dsp:sp>
   </dsp:spTree>
@@ -8575,7 +9893,7 @@
 </file>
 
 <file path=ppt/diagrams/drawing2.xml><?xml version="1.0" encoding="utf-8"?>
-<dsp:drawing xmlns:dgm="http://schemas.openxmlformats.org/drawingml/2006/diagram" xmlns:a="http://schemas.openxmlformats.org/drawingml/2006/main" xmlns:dsp="http://schemas.microsoft.com/office/drawing/2008/diagram">
+<dsp:drawing xmlns:dgm="http://schemas.openxmlformats.org/drawingml/2006/diagram" xmlns:dsp="http://schemas.microsoft.com/office/drawing/2008/diagram" xmlns:a="http://schemas.openxmlformats.org/drawingml/2006/main">
   <dsp:spTree>
     <dsp:nvGrpSpPr>
       <dsp:cNvPr id="0" name=""/>
@@ -8756,12 +10074,12 @@
         </a:fontRef>
       </dsp:style>
       <dsp:txBody>
-        <a:bodyPr spcFirstLastPara="0" vert="horz" wrap="square" lIns="113792" tIns="113792" rIns="113792" bIns="113792" numCol="1" spcCol="1270" anchor="t" anchorCtr="0">
+        <a:bodyPr spcFirstLastPara="0" vert="horz" wrap="square" lIns="99568" tIns="99568" rIns="99568" bIns="99568" numCol="1" spcCol="1270" anchor="t" anchorCtr="0">
           <a:noAutofit/>
         </a:bodyPr>
         <a:lstStyle/>
         <a:p>
-          <a:pPr marL="171450" lvl="1" indent="-171450" algn="l" defTabSz="711200">
+          <a:pPr marL="114300" lvl="1" indent="-114300" algn="l" defTabSz="622300">
             <a:lnSpc>
               <a:spcPct val="90000"/>
             </a:lnSpc>
@@ -8774,15 +10092,15 @@
             <a:buChar char="••"/>
           </a:pPr>
           <a:r>
-            <a:rPr lang="pt-BR" sz="1600" kern="1200" dirty="0" smtClean="0"/>
+            <a:rPr lang="pt-BR" sz="1400" b="1" kern="1200" dirty="0" smtClean="0"/>
             <a:t>?</a:t>
           </a:r>
-          <a:endParaRPr lang="pt-BR" sz="1600" kern="1200" dirty="0"/>
+          <a:endParaRPr lang="pt-BR" sz="1400" b="1" kern="1200" dirty="0"/>
         </a:p>
       </dsp:txBody>
       <dsp:txXfrm>
-        <a:off x="406678" y="812672"/>
-        <a:ext cx="1964455" cy="3686400"/>
+        <a:off x="464215" y="870209"/>
+        <a:ext cx="1849381" cy="3571326"/>
       </dsp:txXfrm>
     </dsp:sp>
     <dsp:sp modelId="{330F8E89-32DF-4BC4-AED2-91D2D7CB94C5}">
@@ -8911,8 +10229,8 @@
         </a:p>
       </dsp:txBody>
       <dsp:txXfrm>
-        <a:off x="2266580" y="175234"/>
-        <a:ext cx="631345" cy="489092"/>
+        <a:off x="2266580" y="273052"/>
+        <a:ext cx="484617" cy="293456"/>
       </dsp:txXfrm>
     </dsp:sp>
     <dsp:sp modelId="{D6C82472-F7A1-44F8-BE16-C0E2E40E0D6B}">
@@ -9089,12 +10407,12 @@
         </a:fontRef>
       </dsp:style>
       <dsp:txBody>
-        <a:bodyPr spcFirstLastPara="0" vert="horz" wrap="square" lIns="113792" tIns="113792" rIns="113792" bIns="113792" numCol="1" spcCol="1270" anchor="t" anchorCtr="0">
+        <a:bodyPr spcFirstLastPara="0" vert="horz" wrap="square" lIns="99568" tIns="99568" rIns="99568" bIns="99568" numCol="1" spcCol="1270" anchor="t" anchorCtr="0">
           <a:noAutofit/>
         </a:bodyPr>
         <a:lstStyle/>
         <a:p>
-          <a:pPr marL="171450" lvl="1" indent="-171450" algn="l" defTabSz="711200">
+          <a:pPr marL="114300" lvl="1" indent="-114300" algn="l" defTabSz="622300">
             <a:lnSpc>
               <a:spcPct val="90000"/>
             </a:lnSpc>
@@ -9107,15 +10425,15 @@
             <a:buChar char="••"/>
           </a:pPr>
           <a:r>
-            <a:rPr lang="pt-BR" sz="1600" kern="1200" dirty="0" smtClean="0"/>
+            <a:rPr lang="pt-BR" sz="1400" b="1" kern="1200" dirty="0" smtClean="0"/>
             <a:t>?</a:t>
           </a:r>
-          <a:endParaRPr lang="pt-BR" sz="1600" kern="1200" dirty="0"/>
+          <a:endParaRPr lang="pt-BR" sz="1400" b="1" kern="1200" dirty="0"/>
         </a:p>
       </dsp:txBody>
       <dsp:txXfrm>
-        <a:off x="3562351" y="812672"/>
-        <a:ext cx="1964455" cy="3686400"/>
+        <a:off x="3619888" y="870209"/>
+        <a:ext cx="1849381" cy="3571326"/>
       </dsp:txXfrm>
     </dsp:sp>
     <dsp:sp modelId="{1390A124-BEDA-4A49-9B1B-0ED2FB571A6C}">
@@ -9244,8 +10562,8 @@
         </a:p>
       </dsp:txBody>
       <dsp:txXfrm>
-        <a:off x="5422252" y="175234"/>
-        <a:ext cx="631345" cy="489092"/>
+        <a:off x="5422252" y="273052"/>
+        <a:ext cx="484617" cy="293456"/>
       </dsp:txXfrm>
     </dsp:sp>
     <dsp:sp modelId="{944B484B-F688-4CFA-A4FB-08B237CA5903}">
@@ -9422,12 +10740,12 @@
         </a:fontRef>
       </dsp:style>
       <dsp:txBody>
-        <a:bodyPr spcFirstLastPara="0" vert="horz" wrap="square" lIns="113792" tIns="113792" rIns="113792" bIns="113792" numCol="1" spcCol="1270" anchor="t" anchorCtr="0">
+        <a:bodyPr spcFirstLastPara="0" vert="horz" wrap="square" lIns="99568" tIns="99568" rIns="99568" bIns="99568" numCol="1" spcCol="1270" anchor="t" anchorCtr="0">
           <a:noAutofit/>
         </a:bodyPr>
         <a:lstStyle/>
         <a:p>
-          <a:pPr marL="171450" lvl="1" indent="-171450" algn="l" defTabSz="711200">
+          <a:pPr marL="114300" lvl="1" indent="-114300" algn="l" defTabSz="622300">
             <a:lnSpc>
               <a:spcPct val="90000"/>
             </a:lnSpc>
@@ -9440,15 +10758,15 @@
             <a:buChar char="••"/>
           </a:pPr>
           <a:r>
-            <a:rPr lang="pt-BR" sz="1600" kern="1200" dirty="0" smtClean="0"/>
+            <a:rPr lang="pt-BR" sz="1400" b="1" kern="1200" dirty="0" smtClean="0"/>
             <a:t>?</a:t>
           </a:r>
-          <a:endParaRPr lang="pt-BR" sz="1600" kern="1200" dirty="0"/>
+          <a:endParaRPr lang="pt-BR" sz="1400" b="1" kern="1200" dirty="0"/>
         </a:p>
       </dsp:txBody>
       <dsp:txXfrm>
-        <a:off x="6718024" y="812672"/>
-        <a:ext cx="1964455" cy="3686400"/>
+        <a:off x="6775561" y="870209"/>
+        <a:ext cx="1849381" cy="3571326"/>
       </dsp:txXfrm>
     </dsp:sp>
   </dsp:spTree>
@@ -9456,7 +10774,943 @@
 </file>
 
 <file path=ppt/diagrams/drawing3.xml><?xml version="1.0" encoding="utf-8"?>
-<dsp:drawing xmlns:dgm="http://schemas.openxmlformats.org/drawingml/2006/diagram" xmlns:a="http://schemas.openxmlformats.org/drawingml/2006/main" xmlns:dsp="http://schemas.microsoft.com/office/drawing/2008/diagram">
+<dsp:drawing xmlns:dgm="http://schemas.openxmlformats.org/drawingml/2006/diagram" xmlns:dsp="http://schemas.microsoft.com/office/drawing/2008/diagram" xmlns:a="http://schemas.openxmlformats.org/drawingml/2006/main">
+  <dsp:spTree>
+    <dsp:nvGrpSpPr>
+      <dsp:cNvPr id="0" name=""/>
+      <dsp:cNvGrpSpPr/>
+    </dsp:nvGrpSpPr>
+    <dsp:grpSpPr/>
+    <dsp:sp modelId="{78E90345-FE91-47A7-8E8D-7EC91F8F325D}">
+      <dsp:nvSpPr>
+        <dsp:cNvPr id="0" name=""/>
+        <dsp:cNvSpPr/>
+      </dsp:nvSpPr>
+      <dsp:spPr>
+        <a:xfrm>
+          <a:off x="5677" y="894390"/>
+          <a:ext cx="4231924" cy="497873"/>
+        </a:xfrm>
+        <a:prstGeom prst="rect">
+          <a:avLst/>
+        </a:prstGeom>
+        <a:solidFill>
+          <a:schemeClr val="accent1">
+            <a:hueOff val="0"/>
+            <a:satOff val="0"/>
+            <a:lumOff val="0"/>
+            <a:alphaOff val="0"/>
+          </a:schemeClr>
+        </a:solidFill>
+        <a:ln w="25400" cap="flat" cmpd="sng" algn="ctr">
+          <a:solidFill>
+            <a:schemeClr val="accent1">
+              <a:hueOff val="0"/>
+              <a:satOff val="0"/>
+              <a:lumOff val="0"/>
+              <a:alphaOff val="0"/>
+            </a:schemeClr>
+          </a:solidFill>
+          <a:prstDash val="solid"/>
+        </a:ln>
+        <a:effectLst/>
+      </dsp:spPr>
+      <dsp:style>
+        <a:lnRef idx="2">
+          <a:scrgbClr r="0" g="0" b="0"/>
+        </a:lnRef>
+        <a:fillRef idx="1">
+          <a:scrgbClr r="0" g="0" b="0"/>
+        </a:fillRef>
+        <a:effectRef idx="0">
+          <a:scrgbClr r="0" g="0" b="0"/>
+        </a:effectRef>
+        <a:fontRef idx="minor">
+          <a:schemeClr val="lt1"/>
+        </a:fontRef>
+      </dsp:style>
+    </dsp:sp>
+    <dsp:sp modelId="{442AB41D-A8B9-4C81-AFE5-A9DDC7C501DB}">
+      <dsp:nvSpPr>
+        <dsp:cNvPr id="0" name=""/>
+        <dsp:cNvSpPr/>
+      </dsp:nvSpPr>
+      <dsp:spPr>
+        <a:xfrm>
+          <a:off x="5677" y="1081371"/>
+          <a:ext cx="310892" cy="310892"/>
+        </a:xfrm>
+        <a:prstGeom prst="rect">
+          <a:avLst/>
+        </a:prstGeom>
+        <a:solidFill>
+          <a:schemeClr val="lt1">
+            <a:alpha val="90000"/>
+            <a:hueOff val="0"/>
+            <a:satOff val="0"/>
+            <a:lumOff val="0"/>
+            <a:alphaOff val="0"/>
+          </a:schemeClr>
+        </a:solidFill>
+        <a:ln w="25400" cap="flat" cmpd="sng" algn="ctr">
+          <a:solidFill>
+            <a:schemeClr val="accent1">
+              <a:hueOff val="0"/>
+              <a:satOff val="0"/>
+              <a:lumOff val="0"/>
+              <a:alphaOff val="0"/>
+            </a:schemeClr>
+          </a:solidFill>
+          <a:prstDash val="solid"/>
+        </a:ln>
+        <a:effectLst/>
+      </dsp:spPr>
+      <dsp:style>
+        <a:lnRef idx="2">
+          <a:scrgbClr r="0" g="0" b="0"/>
+        </a:lnRef>
+        <a:fillRef idx="1">
+          <a:scrgbClr r="0" g="0" b="0"/>
+        </a:fillRef>
+        <a:effectRef idx="0">
+          <a:scrgbClr r="0" g="0" b="0"/>
+        </a:effectRef>
+        <a:fontRef idx="minor"/>
+      </dsp:style>
+    </dsp:sp>
+    <dsp:sp modelId="{F0A18B1E-4B8C-49D0-A2C5-B72A0992791A}">
+      <dsp:nvSpPr>
+        <dsp:cNvPr id="0" name=""/>
+        <dsp:cNvSpPr/>
+      </dsp:nvSpPr>
+      <dsp:spPr>
+        <a:xfrm>
+          <a:off x="5677" y="0"/>
+          <a:ext cx="4231924" cy="894390"/>
+        </a:xfrm>
+        <a:prstGeom prst="rect">
+          <a:avLst/>
+        </a:prstGeom>
+        <a:noFill/>
+        <a:ln>
+          <a:noFill/>
+        </a:ln>
+        <a:effectLst/>
+      </dsp:spPr>
+      <dsp:style>
+        <a:lnRef idx="0">
+          <a:scrgbClr r="0" g="0" b="0"/>
+        </a:lnRef>
+        <a:fillRef idx="0">
+          <a:scrgbClr r="0" g="0" b="0"/>
+        </a:fillRef>
+        <a:effectRef idx="0">
+          <a:scrgbClr r="0" g="0" b="0"/>
+        </a:effectRef>
+        <a:fontRef idx="minor"/>
+      </dsp:style>
+      <dsp:txBody>
+        <a:bodyPr spcFirstLastPara="0" vert="horz" wrap="square" lIns="108585" tIns="72390" rIns="108585" bIns="72390" numCol="1" spcCol="1270" anchor="ctr" anchorCtr="0">
+          <a:noAutofit/>
+        </a:bodyPr>
+        <a:lstStyle/>
+        <a:p>
+          <a:pPr lvl="0" algn="l" defTabSz="2533650">
+            <a:lnSpc>
+              <a:spcPct val="90000"/>
+            </a:lnSpc>
+            <a:spcBef>
+              <a:spcPct val="0"/>
+            </a:spcBef>
+            <a:spcAft>
+              <a:spcPct val="35000"/>
+            </a:spcAft>
+          </a:pPr>
+          <a:endParaRPr lang="pt-BR" sz="5700" kern="1200"/>
+        </a:p>
+      </dsp:txBody>
+      <dsp:txXfrm>
+        <a:off x="5677" y="0"/>
+        <a:ext cx="4231924" cy="894390"/>
+      </dsp:txXfrm>
+    </dsp:sp>
+    <dsp:sp modelId="{8A80B33F-319E-4097-BABE-6D06200B4059}">
+      <dsp:nvSpPr>
+        <dsp:cNvPr id="0" name=""/>
+        <dsp:cNvSpPr/>
+      </dsp:nvSpPr>
+      <dsp:spPr>
+        <a:xfrm>
+          <a:off x="5677" y="1806052"/>
+          <a:ext cx="310884" cy="310884"/>
+        </a:xfrm>
+        <a:prstGeom prst="rect">
+          <a:avLst/>
+        </a:prstGeom>
+        <a:solidFill>
+          <a:schemeClr val="lt1">
+            <a:hueOff val="0"/>
+            <a:satOff val="0"/>
+            <a:lumOff val="0"/>
+            <a:alphaOff val="0"/>
+          </a:schemeClr>
+        </a:solidFill>
+        <a:ln w="25400" cap="flat" cmpd="sng" algn="ctr">
+          <a:solidFill>
+            <a:schemeClr val="accent1">
+              <a:hueOff val="0"/>
+              <a:satOff val="0"/>
+              <a:lumOff val="0"/>
+              <a:alphaOff val="0"/>
+            </a:schemeClr>
+          </a:solidFill>
+          <a:prstDash val="solid"/>
+        </a:ln>
+        <a:effectLst/>
+      </dsp:spPr>
+      <dsp:style>
+        <a:lnRef idx="2">
+          <a:scrgbClr r="0" g="0" b="0"/>
+        </a:lnRef>
+        <a:fillRef idx="1">
+          <a:scrgbClr r="0" g="0" b="0"/>
+        </a:fillRef>
+        <a:effectRef idx="0">
+          <a:scrgbClr r="0" g="0" b="0"/>
+        </a:effectRef>
+        <a:fontRef idx="minor"/>
+      </dsp:style>
+    </dsp:sp>
+    <dsp:sp modelId="{22C7BCBD-CEEE-4C3C-8575-8FCB6CDA438E}">
+      <dsp:nvSpPr>
+        <dsp:cNvPr id="0" name=""/>
+        <dsp:cNvSpPr/>
+      </dsp:nvSpPr>
+      <dsp:spPr>
+        <a:xfrm>
+          <a:off x="301911" y="1599157"/>
+          <a:ext cx="3935690" cy="724673"/>
+        </a:xfrm>
+        <a:prstGeom prst="rect">
+          <a:avLst/>
+        </a:prstGeom>
+        <a:noFill/>
+        <a:ln>
+          <a:noFill/>
+        </a:ln>
+        <a:effectLst/>
+      </dsp:spPr>
+      <dsp:style>
+        <a:lnRef idx="0">
+          <a:scrgbClr r="0" g="0" b="0"/>
+        </a:lnRef>
+        <a:fillRef idx="0">
+          <a:scrgbClr r="0" g="0" b="0"/>
+        </a:fillRef>
+        <a:effectRef idx="0">
+          <a:scrgbClr r="0" g="0" b="0"/>
+        </a:effectRef>
+        <a:fontRef idx="minor"/>
+      </dsp:style>
+      <dsp:txBody>
+        <a:bodyPr spcFirstLastPara="0" vert="horz" wrap="square" lIns="184912" tIns="184912" rIns="184912" bIns="184912" numCol="1" spcCol="1270" anchor="ctr" anchorCtr="0">
+          <a:noAutofit/>
+        </a:bodyPr>
+        <a:lstStyle/>
+        <a:p>
+          <a:pPr lvl="0" algn="l" defTabSz="1155700">
+            <a:lnSpc>
+              <a:spcPct val="90000"/>
+            </a:lnSpc>
+            <a:spcBef>
+              <a:spcPct val="0"/>
+            </a:spcBef>
+            <a:spcAft>
+              <a:spcPct val="35000"/>
+            </a:spcAft>
+          </a:pPr>
+          <a:endParaRPr lang="pt-BR" sz="2600" kern="1200"/>
+        </a:p>
+      </dsp:txBody>
+      <dsp:txXfrm>
+        <a:off x="301911" y="1599157"/>
+        <a:ext cx="3935690" cy="724673"/>
+      </dsp:txXfrm>
+    </dsp:sp>
+    <dsp:sp modelId="{FDEBDDC6-2C76-49BA-AA17-2EC6B30C86BD}">
+      <dsp:nvSpPr>
+        <dsp:cNvPr id="0" name=""/>
+        <dsp:cNvSpPr/>
+      </dsp:nvSpPr>
+      <dsp:spPr>
+        <a:xfrm>
+          <a:off x="5677" y="2530725"/>
+          <a:ext cx="310884" cy="310884"/>
+        </a:xfrm>
+        <a:prstGeom prst="rect">
+          <a:avLst/>
+        </a:prstGeom>
+        <a:solidFill>
+          <a:schemeClr val="lt1">
+            <a:hueOff val="0"/>
+            <a:satOff val="0"/>
+            <a:lumOff val="0"/>
+            <a:alphaOff val="0"/>
+          </a:schemeClr>
+        </a:solidFill>
+        <a:ln w="25400" cap="flat" cmpd="sng" algn="ctr">
+          <a:solidFill>
+            <a:schemeClr val="accent1">
+              <a:hueOff val="0"/>
+              <a:satOff val="0"/>
+              <a:lumOff val="0"/>
+              <a:alphaOff val="0"/>
+            </a:schemeClr>
+          </a:solidFill>
+          <a:prstDash val="solid"/>
+        </a:ln>
+        <a:effectLst/>
+      </dsp:spPr>
+      <dsp:style>
+        <a:lnRef idx="2">
+          <a:scrgbClr r="0" g="0" b="0"/>
+        </a:lnRef>
+        <a:fillRef idx="1">
+          <a:scrgbClr r="0" g="0" b="0"/>
+        </a:fillRef>
+        <a:effectRef idx="0">
+          <a:scrgbClr r="0" g="0" b="0"/>
+        </a:effectRef>
+        <a:fontRef idx="minor"/>
+      </dsp:style>
+    </dsp:sp>
+    <dsp:sp modelId="{B93FB06B-349E-4C46-9386-C2A7693F919C}">
+      <dsp:nvSpPr>
+        <dsp:cNvPr id="0" name=""/>
+        <dsp:cNvSpPr/>
+      </dsp:nvSpPr>
+      <dsp:spPr>
+        <a:xfrm>
+          <a:off x="301911" y="2323831"/>
+          <a:ext cx="3935690" cy="724673"/>
+        </a:xfrm>
+        <a:prstGeom prst="rect">
+          <a:avLst/>
+        </a:prstGeom>
+        <a:noFill/>
+        <a:ln>
+          <a:noFill/>
+        </a:ln>
+        <a:effectLst/>
+      </dsp:spPr>
+      <dsp:style>
+        <a:lnRef idx="0">
+          <a:scrgbClr r="0" g="0" b="0"/>
+        </a:lnRef>
+        <a:fillRef idx="0">
+          <a:scrgbClr r="0" g="0" b="0"/>
+        </a:fillRef>
+        <a:effectRef idx="0">
+          <a:scrgbClr r="0" g="0" b="0"/>
+        </a:effectRef>
+        <a:fontRef idx="minor"/>
+      </dsp:style>
+      <dsp:txBody>
+        <a:bodyPr spcFirstLastPara="0" vert="horz" wrap="square" lIns="184912" tIns="184912" rIns="184912" bIns="184912" numCol="1" spcCol="1270" anchor="ctr" anchorCtr="0">
+          <a:noAutofit/>
+        </a:bodyPr>
+        <a:lstStyle/>
+        <a:p>
+          <a:pPr lvl="0" algn="l" defTabSz="1155700">
+            <a:lnSpc>
+              <a:spcPct val="90000"/>
+            </a:lnSpc>
+            <a:spcBef>
+              <a:spcPct val="0"/>
+            </a:spcBef>
+            <a:spcAft>
+              <a:spcPct val="35000"/>
+            </a:spcAft>
+          </a:pPr>
+          <a:endParaRPr lang="pt-BR" sz="2600" kern="1200"/>
+        </a:p>
+      </dsp:txBody>
+      <dsp:txXfrm>
+        <a:off x="301911" y="2323831"/>
+        <a:ext cx="3935690" cy="724673"/>
+      </dsp:txXfrm>
+    </dsp:sp>
+    <dsp:sp modelId="{F1021B75-F18F-4829-9EBD-5BA808E16033}">
+      <dsp:nvSpPr>
+        <dsp:cNvPr id="0" name=""/>
+        <dsp:cNvSpPr/>
+      </dsp:nvSpPr>
+      <dsp:spPr>
+        <a:xfrm>
+          <a:off x="5677" y="3255398"/>
+          <a:ext cx="310884" cy="310884"/>
+        </a:xfrm>
+        <a:prstGeom prst="rect">
+          <a:avLst/>
+        </a:prstGeom>
+        <a:solidFill>
+          <a:schemeClr val="lt1">
+            <a:hueOff val="0"/>
+            <a:satOff val="0"/>
+            <a:lumOff val="0"/>
+            <a:alphaOff val="0"/>
+          </a:schemeClr>
+        </a:solidFill>
+        <a:ln w="25400" cap="flat" cmpd="sng" algn="ctr">
+          <a:solidFill>
+            <a:schemeClr val="accent1">
+              <a:hueOff val="0"/>
+              <a:satOff val="0"/>
+              <a:lumOff val="0"/>
+              <a:alphaOff val="0"/>
+            </a:schemeClr>
+          </a:solidFill>
+          <a:prstDash val="solid"/>
+        </a:ln>
+        <a:effectLst/>
+      </dsp:spPr>
+      <dsp:style>
+        <a:lnRef idx="2">
+          <a:scrgbClr r="0" g="0" b="0"/>
+        </a:lnRef>
+        <a:fillRef idx="1">
+          <a:scrgbClr r="0" g="0" b="0"/>
+        </a:fillRef>
+        <a:effectRef idx="0">
+          <a:scrgbClr r="0" g="0" b="0"/>
+        </a:effectRef>
+        <a:fontRef idx="minor"/>
+      </dsp:style>
+    </dsp:sp>
+    <dsp:sp modelId="{3094B189-7DCD-4266-B46D-8752B3C3A89E}">
+      <dsp:nvSpPr>
+        <dsp:cNvPr id="0" name=""/>
+        <dsp:cNvSpPr/>
+      </dsp:nvSpPr>
+      <dsp:spPr>
+        <a:xfrm>
+          <a:off x="301911" y="3048504"/>
+          <a:ext cx="3935690" cy="724673"/>
+        </a:xfrm>
+        <a:prstGeom prst="rect">
+          <a:avLst/>
+        </a:prstGeom>
+        <a:noFill/>
+        <a:ln>
+          <a:noFill/>
+        </a:ln>
+        <a:effectLst/>
+      </dsp:spPr>
+      <dsp:style>
+        <a:lnRef idx="0">
+          <a:scrgbClr r="0" g="0" b="0"/>
+        </a:lnRef>
+        <a:fillRef idx="0">
+          <a:scrgbClr r="0" g="0" b="0"/>
+        </a:fillRef>
+        <a:effectRef idx="0">
+          <a:scrgbClr r="0" g="0" b="0"/>
+        </a:effectRef>
+        <a:fontRef idx="minor"/>
+      </dsp:style>
+      <dsp:txBody>
+        <a:bodyPr spcFirstLastPara="0" vert="horz" wrap="square" lIns="184912" tIns="184912" rIns="184912" bIns="184912" numCol="1" spcCol="1270" anchor="ctr" anchorCtr="0">
+          <a:noAutofit/>
+        </a:bodyPr>
+        <a:lstStyle/>
+        <a:p>
+          <a:pPr lvl="0" algn="l" defTabSz="1155700">
+            <a:lnSpc>
+              <a:spcPct val="90000"/>
+            </a:lnSpc>
+            <a:spcBef>
+              <a:spcPct val="0"/>
+            </a:spcBef>
+            <a:spcAft>
+              <a:spcPct val="35000"/>
+            </a:spcAft>
+          </a:pPr>
+          <a:endParaRPr lang="pt-BR" sz="2600" kern="1200"/>
+        </a:p>
+      </dsp:txBody>
+      <dsp:txXfrm>
+        <a:off x="301911" y="3048504"/>
+        <a:ext cx="3935690" cy="724673"/>
+      </dsp:txXfrm>
+    </dsp:sp>
+    <dsp:sp modelId="{1101818C-F9E6-48B1-8106-9EDF7C77010F}">
+      <dsp:nvSpPr>
+        <dsp:cNvPr id="0" name=""/>
+        <dsp:cNvSpPr/>
+      </dsp:nvSpPr>
+      <dsp:spPr>
+        <a:xfrm>
+          <a:off x="4449198" y="894390"/>
+          <a:ext cx="4231924" cy="497873"/>
+        </a:xfrm>
+        <a:prstGeom prst="rect">
+          <a:avLst/>
+        </a:prstGeom>
+        <a:solidFill>
+          <a:schemeClr val="accent1">
+            <a:hueOff val="0"/>
+            <a:satOff val="0"/>
+            <a:lumOff val="0"/>
+            <a:alphaOff val="0"/>
+          </a:schemeClr>
+        </a:solidFill>
+        <a:ln w="25400" cap="flat" cmpd="sng" algn="ctr">
+          <a:solidFill>
+            <a:schemeClr val="accent1">
+              <a:hueOff val="0"/>
+              <a:satOff val="0"/>
+              <a:lumOff val="0"/>
+              <a:alphaOff val="0"/>
+            </a:schemeClr>
+          </a:solidFill>
+          <a:prstDash val="solid"/>
+        </a:ln>
+        <a:effectLst/>
+      </dsp:spPr>
+      <dsp:style>
+        <a:lnRef idx="2">
+          <a:scrgbClr r="0" g="0" b="0"/>
+        </a:lnRef>
+        <a:fillRef idx="1">
+          <a:scrgbClr r="0" g="0" b="0"/>
+        </a:fillRef>
+        <a:effectRef idx="0">
+          <a:scrgbClr r="0" g="0" b="0"/>
+        </a:effectRef>
+        <a:fontRef idx="minor">
+          <a:schemeClr val="lt1"/>
+        </a:fontRef>
+      </dsp:style>
+    </dsp:sp>
+    <dsp:sp modelId="{84502440-DF3A-49DD-9E3E-7B520195C2F2}">
+      <dsp:nvSpPr>
+        <dsp:cNvPr id="0" name=""/>
+        <dsp:cNvSpPr/>
+      </dsp:nvSpPr>
+      <dsp:spPr>
+        <a:xfrm>
+          <a:off x="4449198" y="1081371"/>
+          <a:ext cx="310892" cy="310892"/>
+        </a:xfrm>
+        <a:prstGeom prst="rect">
+          <a:avLst/>
+        </a:prstGeom>
+        <a:solidFill>
+          <a:schemeClr val="lt1">
+            <a:alpha val="90000"/>
+            <a:hueOff val="0"/>
+            <a:satOff val="0"/>
+            <a:lumOff val="0"/>
+            <a:alphaOff val="0"/>
+          </a:schemeClr>
+        </a:solidFill>
+        <a:ln w="25400" cap="flat" cmpd="sng" algn="ctr">
+          <a:solidFill>
+            <a:schemeClr val="accent1">
+              <a:hueOff val="0"/>
+              <a:satOff val="0"/>
+              <a:lumOff val="0"/>
+              <a:alphaOff val="0"/>
+            </a:schemeClr>
+          </a:solidFill>
+          <a:prstDash val="solid"/>
+        </a:ln>
+        <a:effectLst/>
+      </dsp:spPr>
+      <dsp:style>
+        <a:lnRef idx="2">
+          <a:scrgbClr r="0" g="0" b="0"/>
+        </a:lnRef>
+        <a:fillRef idx="1">
+          <a:scrgbClr r="0" g="0" b="0"/>
+        </a:fillRef>
+        <a:effectRef idx="0">
+          <a:scrgbClr r="0" g="0" b="0"/>
+        </a:effectRef>
+        <a:fontRef idx="minor"/>
+      </dsp:style>
+    </dsp:sp>
+    <dsp:sp modelId="{920C1E90-5036-40EE-8B7B-C03BC172C6F4}">
+      <dsp:nvSpPr>
+        <dsp:cNvPr id="0" name=""/>
+        <dsp:cNvSpPr/>
+      </dsp:nvSpPr>
+      <dsp:spPr>
+        <a:xfrm>
+          <a:off x="4449198" y="0"/>
+          <a:ext cx="4231924" cy="894390"/>
+        </a:xfrm>
+        <a:prstGeom prst="rect">
+          <a:avLst/>
+        </a:prstGeom>
+        <a:noFill/>
+        <a:ln>
+          <a:noFill/>
+        </a:ln>
+        <a:effectLst/>
+      </dsp:spPr>
+      <dsp:style>
+        <a:lnRef idx="0">
+          <a:scrgbClr r="0" g="0" b="0"/>
+        </a:lnRef>
+        <a:fillRef idx="0">
+          <a:scrgbClr r="0" g="0" b="0"/>
+        </a:fillRef>
+        <a:effectRef idx="0">
+          <a:scrgbClr r="0" g="0" b="0"/>
+        </a:effectRef>
+        <a:fontRef idx="minor"/>
+      </dsp:style>
+      <dsp:txBody>
+        <a:bodyPr spcFirstLastPara="0" vert="horz" wrap="square" lIns="108585" tIns="72390" rIns="108585" bIns="72390" numCol="1" spcCol="1270" anchor="ctr" anchorCtr="0">
+          <a:noAutofit/>
+        </a:bodyPr>
+        <a:lstStyle/>
+        <a:p>
+          <a:pPr lvl="0" algn="l" defTabSz="2533650">
+            <a:lnSpc>
+              <a:spcPct val="90000"/>
+            </a:lnSpc>
+            <a:spcBef>
+              <a:spcPct val="0"/>
+            </a:spcBef>
+            <a:spcAft>
+              <a:spcPct val="35000"/>
+            </a:spcAft>
+          </a:pPr>
+          <a:endParaRPr lang="pt-BR" sz="5700" kern="1200"/>
+        </a:p>
+      </dsp:txBody>
+      <dsp:txXfrm>
+        <a:off x="4449198" y="0"/>
+        <a:ext cx="4231924" cy="894390"/>
+      </dsp:txXfrm>
+    </dsp:sp>
+    <dsp:sp modelId="{AC7AB7D7-9945-4B50-9E90-95E126A5DEAB}">
+      <dsp:nvSpPr>
+        <dsp:cNvPr id="0" name=""/>
+        <dsp:cNvSpPr/>
+      </dsp:nvSpPr>
+      <dsp:spPr>
+        <a:xfrm>
+          <a:off x="4449198" y="1806052"/>
+          <a:ext cx="310884" cy="310884"/>
+        </a:xfrm>
+        <a:prstGeom prst="rect">
+          <a:avLst/>
+        </a:prstGeom>
+        <a:solidFill>
+          <a:schemeClr val="lt1">
+            <a:hueOff val="0"/>
+            <a:satOff val="0"/>
+            <a:lumOff val="0"/>
+            <a:alphaOff val="0"/>
+          </a:schemeClr>
+        </a:solidFill>
+        <a:ln w="25400" cap="flat" cmpd="sng" algn="ctr">
+          <a:solidFill>
+            <a:schemeClr val="accent1">
+              <a:hueOff val="0"/>
+              <a:satOff val="0"/>
+              <a:lumOff val="0"/>
+              <a:alphaOff val="0"/>
+            </a:schemeClr>
+          </a:solidFill>
+          <a:prstDash val="solid"/>
+        </a:ln>
+        <a:effectLst/>
+      </dsp:spPr>
+      <dsp:style>
+        <a:lnRef idx="2">
+          <a:scrgbClr r="0" g="0" b="0"/>
+        </a:lnRef>
+        <a:fillRef idx="1">
+          <a:scrgbClr r="0" g="0" b="0"/>
+        </a:fillRef>
+        <a:effectRef idx="0">
+          <a:scrgbClr r="0" g="0" b="0"/>
+        </a:effectRef>
+        <a:fontRef idx="minor"/>
+      </dsp:style>
+    </dsp:sp>
+    <dsp:sp modelId="{D13322E5-B7AE-4570-A9FC-84DF641F4452}">
+      <dsp:nvSpPr>
+        <dsp:cNvPr id="0" name=""/>
+        <dsp:cNvSpPr/>
+      </dsp:nvSpPr>
+      <dsp:spPr>
+        <a:xfrm>
+          <a:off x="4745432" y="1599157"/>
+          <a:ext cx="3935690" cy="724673"/>
+        </a:xfrm>
+        <a:prstGeom prst="rect">
+          <a:avLst/>
+        </a:prstGeom>
+        <a:noFill/>
+        <a:ln>
+          <a:noFill/>
+        </a:ln>
+        <a:effectLst/>
+      </dsp:spPr>
+      <dsp:style>
+        <a:lnRef idx="0">
+          <a:scrgbClr r="0" g="0" b="0"/>
+        </a:lnRef>
+        <a:fillRef idx="0">
+          <a:scrgbClr r="0" g="0" b="0"/>
+        </a:fillRef>
+        <a:effectRef idx="0">
+          <a:scrgbClr r="0" g="0" b="0"/>
+        </a:effectRef>
+        <a:fontRef idx="minor"/>
+      </dsp:style>
+      <dsp:txBody>
+        <a:bodyPr spcFirstLastPara="0" vert="horz" wrap="square" lIns="184912" tIns="184912" rIns="184912" bIns="184912" numCol="1" spcCol="1270" anchor="ctr" anchorCtr="0">
+          <a:noAutofit/>
+        </a:bodyPr>
+        <a:lstStyle/>
+        <a:p>
+          <a:pPr lvl="0" algn="l" defTabSz="1155700">
+            <a:lnSpc>
+              <a:spcPct val="90000"/>
+            </a:lnSpc>
+            <a:spcBef>
+              <a:spcPct val="0"/>
+            </a:spcBef>
+            <a:spcAft>
+              <a:spcPct val="35000"/>
+            </a:spcAft>
+          </a:pPr>
+          <a:endParaRPr lang="pt-BR" sz="2600" kern="1200"/>
+        </a:p>
+      </dsp:txBody>
+      <dsp:txXfrm>
+        <a:off x="4745432" y="1599157"/>
+        <a:ext cx="3935690" cy="724673"/>
+      </dsp:txXfrm>
+    </dsp:sp>
+    <dsp:sp modelId="{51818F82-5864-453D-89E1-3C9A291A4AF3}">
+      <dsp:nvSpPr>
+        <dsp:cNvPr id="0" name=""/>
+        <dsp:cNvSpPr/>
+      </dsp:nvSpPr>
+      <dsp:spPr>
+        <a:xfrm>
+          <a:off x="4449198" y="2530725"/>
+          <a:ext cx="310884" cy="310884"/>
+        </a:xfrm>
+        <a:prstGeom prst="rect">
+          <a:avLst/>
+        </a:prstGeom>
+        <a:solidFill>
+          <a:schemeClr val="lt1">
+            <a:hueOff val="0"/>
+            <a:satOff val="0"/>
+            <a:lumOff val="0"/>
+            <a:alphaOff val="0"/>
+          </a:schemeClr>
+        </a:solidFill>
+        <a:ln w="25400" cap="flat" cmpd="sng" algn="ctr">
+          <a:solidFill>
+            <a:schemeClr val="accent1">
+              <a:hueOff val="0"/>
+              <a:satOff val="0"/>
+              <a:lumOff val="0"/>
+              <a:alphaOff val="0"/>
+            </a:schemeClr>
+          </a:solidFill>
+          <a:prstDash val="solid"/>
+        </a:ln>
+        <a:effectLst/>
+      </dsp:spPr>
+      <dsp:style>
+        <a:lnRef idx="2">
+          <a:scrgbClr r="0" g="0" b="0"/>
+        </a:lnRef>
+        <a:fillRef idx="1">
+          <a:scrgbClr r="0" g="0" b="0"/>
+        </a:fillRef>
+        <a:effectRef idx="0">
+          <a:scrgbClr r="0" g="0" b="0"/>
+        </a:effectRef>
+        <a:fontRef idx="minor"/>
+      </dsp:style>
+    </dsp:sp>
+    <dsp:sp modelId="{37B72757-B95B-4606-93FF-4ADF0BB6D429}">
+      <dsp:nvSpPr>
+        <dsp:cNvPr id="0" name=""/>
+        <dsp:cNvSpPr/>
+      </dsp:nvSpPr>
+      <dsp:spPr>
+        <a:xfrm>
+          <a:off x="4745432" y="2323831"/>
+          <a:ext cx="3935690" cy="724673"/>
+        </a:xfrm>
+        <a:prstGeom prst="rect">
+          <a:avLst/>
+        </a:prstGeom>
+        <a:noFill/>
+        <a:ln>
+          <a:noFill/>
+        </a:ln>
+        <a:effectLst/>
+      </dsp:spPr>
+      <dsp:style>
+        <a:lnRef idx="0">
+          <a:scrgbClr r="0" g="0" b="0"/>
+        </a:lnRef>
+        <a:fillRef idx="0">
+          <a:scrgbClr r="0" g="0" b="0"/>
+        </a:fillRef>
+        <a:effectRef idx="0">
+          <a:scrgbClr r="0" g="0" b="0"/>
+        </a:effectRef>
+        <a:fontRef idx="minor"/>
+      </dsp:style>
+      <dsp:txBody>
+        <a:bodyPr spcFirstLastPara="0" vert="horz" wrap="square" lIns="184912" tIns="184912" rIns="184912" bIns="184912" numCol="1" spcCol="1270" anchor="ctr" anchorCtr="0">
+          <a:noAutofit/>
+        </a:bodyPr>
+        <a:lstStyle/>
+        <a:p>
+          <a:pPr lvl="0" algn="l" defTabSz="1155700">
+            <a:lnSpc>
+              <a:spcPct val="90000"/>
+            </a:lnSpc>
+            <a:spcBef>
+              <a:spcPct val="0"/>
+            </a:spcBef>
+            <a:spcAft>
+              <a:spcPct val="35000"/>
+            </a:spcAft>
+          </a:pPr>
+          <a:endParaRPr lang="pt-BR" sz="2600" kern="1200"/>
+        </a:p>
+      </dsp:txBody>
+      <dsp:txXfrm>
+        <a:off x="4745432" y="2323831"/>
+        <a:ext cx="3935690" cy="724673"/>
+      </dsp:txXfrm>
+    </dsp:sp>
+    <dsp:sp modelId="{EF37E1C5-C3F1-4532-9E9C-884D1DE44A7F}">
+      <dsp:nvSpPr>
+        <dsp:cNvPr id="0" name=""/>
+        <dsp:cNvSpPr/>
+      </dsp:nvSpPr>
+      <dsp:spPr>
+        <a:xfrm>
+          <a:off x="4449198" y="3255398"/>
+          <a:ext cx="310884" cy="310884"/>
+        </a:xfrm>
+        <a:prstGeom prst="rect">
+          <a:avLst/>
+        </a:prstGeom>
+        <a:solidFill>
+          <a:schemeClr val="lt1">
+            <a:hueOff val="0"/>
+            <a:satOff val="0"/>
+            <a:lumOff val="0"/>
+            <a:alphaOff val="0"/>
+          </a:schemeClr>
+        </a:solidFill>
+        <a:ln w="25400" cap="flat" cmpd="sng" algn="ctr">
+          <a:solidFill>
+            <a:schemeClr val="accent1">
+              <a:hueOff val="0"/>
+              <a:satOff val="0"/>
+              <a:lumOff val="0"/>
+              <a:alphaOff val="0"/>
+            </a:schemeClr>
+          </a:solidFill>
+          <a:prstDash val="solid"/>
+        </a:ln>
+        <a:effectLst/>
+      </dsp:spPr>
+      <dsp:style>
+        <a:lnRef idx="2">
+          <a:scrgbClr r="0" g="0" b="0"/>
+        </a:lnRef>
+        <a:fillRef idx="1">
+          <a:scrgbClr r="0" g="0" b="0"/>
+        </a:fillRef>
+        <a:effectRef idx="0">
+          <a:scrgbClr r="0" g="0" b="0"/>
+        </a:effectRef>
+        <a:fontRef idx="minor"/>
+      </dsp:style>
+    </dsp:sp>
+    <dsp:sp modelId="{310F8D48-7B6A-4438-922B-86FD094F44BF}">
+      <dsp:nvSpPr>
+        <dsp:cNvPr id="0" name=""/>
+        <dsp:cNvSpPr/>
+      </dsp:nvSpPr>
+      <dsp:spPr>
+        <a:xfrm>
+          <a:off x="4745432" y="3048504"/>
+          <a:ext cx="3935690" cy="724673"/>
+        </a:xfrm>
+        <a:prstGeom prst="rect">
+          <a:avLst/>
+        </a:prstGeom>
+        <a:noFill/>
+        <a:ln>
+          <a:noFill/>
+        </a:ln>
+        <a:effectLst/>
+      </dsp:spPr>
+      <dsp:style>
+        <a:lnRef idx="0">
+          <a:scrgbClr r="0" g="0" b="0"/>
+        </a:lnRef>
+        <a:fillRef idx="0">
+          <a:scrgbClr r="0" g="0" b="0"/>
+        </a:fillRef>
+        <a:effectRef idx="0">
+          <a:scrgbClr r="0" g="0" b="0"/>
+        </a:effectRef>
+        <a:fontRef idx="minor"/>
+      </dsp:style>
+      <dsp:txBody>
+        <a:bodyPr spcFirstLastPara="0" vert="horz" wrap="square" lIns="184912" tIns="184912" rIns="184912" bIns="184912" numCol="1" spcCol="1270" anchor="ctr" anchorCtr="0">
+          <a:noAutofit/>
+        </a:bodyPr>
+        <a:lstStyle/>
+        <a:p>
+          <a:pPr lvl="0" algn="l" defTabSz="1155700">
+            <a:lnSpc>
+              <a:spcPct val="90000"/>
+            </a:lnSpc>
+            <a:spcBef>
+              <a:spcPct val="0"/>
+            </a:spcBef>
+            <a:spcAft>
+              <a:spcPct val="35000"/>
+            </a:spcAft>
+          </a:pPr>
+          <a:endParaRPr lang="pt-BR" sz="2600" kern="1200"/>
+        </a:p>
+      </dsp:txBody>
+      <dsp:txXfrm>
+        <a:off x="4745432" y="3048504"/>
+        <a:ext cx="3935690" cy="724673"/>
+      </dsp:txXfrm>
+    </dsp:sp>
+  </dsp:spTree>
+</dsp:drawing>
+</file>
+
+<file path=ppt/diagrams/drawing4.xml><?xml version="1.0" encoding="utf-8"?>
+<dsp:drawing xmlns:dgm="http://schemas.openxmlformats.org/drawingml/2006/diagram" xmlns:dsp="http://schemas.microsoft.com/office/drawing/2008/diagram" xmlns:a="http://schemas.openxmlformats.org/drawingml/2006/main">
   <dsp:spTree>
     <dsp:nvGrpSpPr>
       <dsp:cNvPr id="0" name=""/>
@@ -9619,8 +11873,8 @@
         </a:p>
       </dsp:txBody>
       <dsp:txXfrm>
-        <a:off x="3739" y="1495569"/>
-        <a:ext cx="2373731" cy="1205932"/>
+        <a:off x="39060" y="1530890"/>
+        <a:ext cx="2303089" cy="1135290"/>
       </dsp:txXfrm>
     </dsp:sp>
     <dsp:sp modelId="{BB47B8A7-A69A-47BA-8429-499D75D98923}">
@@ -9880,8 +12134,8 @@
         </a:p>
       </dsp:txBody>
       <dsp:txXfrm>
-        <a:off x="450782" y="938731"/>
-        <a:ext cx="2109983" cy="657781"/>
+        <a:off x="470048" y="957997"/>
+        <a:ext cx="2071451" cy="619249"/>
       </dsp:txXfrm>
     </dsp:sp>
     <dsp:sp modelId="{0C27C69B-3C82-4A7E-9AEC-146B678149A2}">
@@ -10019,8 +12273,8 @@
         </a:p>
       </dsp:txBody>
       <dsp:txXfrm>
-        <a:off x="3024660" y="1824460"/>
-        <a:ext cx="2373731" cy="1205932"/>
+        <a:off x="3059981" y="1859781"/>
+        <a:ext cx="2303089" cy="1135290"/>
       </dsp:txXfrm>
     </dsp:sp>
     <dsp:sp modelId="{E5E8036A-476D-4F9C-9D7B-4ED08A33C842}">
@@ -10286,8 +12540,8 @@
         </a:p>
       </dsp:txBody>
       <dsp:txXfrm>
-        <a:off x="3475120" y="938736"/>
-        <a:ext cx="2109983" cy="657781"/>
+        <a:off x="3494386" y="958002"/>
+        <a:ext cx="2071451" cy="619249"/>
       </dsp:txXfrm>
     </dsp:sp>
     <dsp:sp modelId="{AE566E9F-D101-4F88-9692-208EF2AE8557}">
@@ -10446,8 +12700,8 @@
         </a:p>
       </dsp:txBody>
       <dsp:txXfrm>
-        <a:off x="6045580" y="1495569"/>
-        <a:ext cx="2373731" cy="1205932"/>
+        <a:off x="6080901" y="1530890"/>
+        <a:ext cx="2303089" cy="1135290"/>
       </dsp:txXfrm>
     </dsp:sp>
     <dsp:sp modelId="{301F9B7A-61FD-4D71-8D0E-DCB457B0DAC9}">
@@ -10583,16 +12837,16 @@
         </a:p>
       </dsp:txBody>
       <dsp:txXfrm>
-        <a:off x="6499438" y="938731"/>
-        <a:ext cx="2109983" cy="657781"/>
+        <a:off x="6518704" y="957997"/>
+        <a:ext cx="2071451" cy="619249"/>
       </dsp:txXfrm>
     </dsp:sp>
   </dsp:spTree>
 </dsp:drawing>
 </file>
 
-<file path=ppt/diagrams/drawing4.xml><?xml version="1.0" encoding="utf-8"?>
-<dsp:drawing xmlns:dgm="http://schemas.openxmlformats.org/drawingml/2006/diagram" xmlns:a="http://schemas.openxmlformats.org/drawingml/2006/main" xmlns:dsp="http://schemas.microsoft.com/office/drawing/2008/diagram">
+<file path=ppt/diagrams/drawing5.xml><?xml version="1.0" encoding="utf-8"?>
+<dsp:drawing xmlns:dgm="http://schemas.openxmlformats.org/drawingml/2006/diagram" xmlns:dsp="http://schemas.microsoft.com/office/drawing/2008/diagram" xmlns:a="http://schemas.openxmlformats.org/drawingml/2006/main">
   <dsp:spTree>
     <dsp:nvGrpSpPr>
       <dsp:cNvPr id="0" name=""/>
@@ -10672,8 +12926,8 @@
         </a:p>
       </dsp:txBody>
       <dsp:txXfrm>
-        <a:off x="3555504" y="1625330"/>
-        <a:ext cx="1575790" cy="1617659"/>
+        <a:off x="3786273" y="1862231"/>
+        <a:ext cx="1114252" cy="1143857"/>
       </dsp:txXfrm>
     </dsp:sp>
     <dsp:sp modelId="{D858E594-9B1F-454E-812B-1D569755D339}">
@@ -10740,9 +12994,9 @@
           <a:endParaRPr lang="pt-BR" sz="1900" kern="1200"/>
         </a:p>
       </dsp:txBody>
-      <dsp:txXfrm rot="16200000">
-        <a:off x="4252145" y="1240913"/>
-        <a:ext cx="182509" cy="434806"/>
+      <dsp:txXfrm>
+        <a:off x="4279522" y="1355251"/>
+        <a:ext cx="127756" cy="260884"/>
       </dsp:txXfrm>
     </dsp:sp>
     <dsp:sp modelId="{E0159EA0-1A5D-476D-AD51-865243B2D714}">
@@ -10814,8 +13068,8 @@
         </a:p>
       </dsp:txBody>
       <dsp:txXfrm>
-        <a:off x="3703978" y="2130"/>
-        <a:ext cx="1278842" cy="1278842"/>
+        <a:off x="3891260" y="189412"/>
+        <a:ext cx="904278" cy="904278"/>
       </dsp:txXfrm>
     </dsp:sp>
     <dsp:sp modelId="{9D95D45C-9B20-4A4E-AD6C-37161FDE50AF}">
@@ -10882,9 +13136,9 @@
           <a:endParaRPr lang="pt-BR" sz="1900" kern="1200"/>
         </a:p>
       </dsp:txBody>
-      <dsp:txXfrm rot="20520000">
-        <a:off x="5165881" y="1918229"/>
-        <a:ext cx="192581" cy="434806"/>
+      <dsp:txXfrm>
+        <a:off x="5167295" y="2014117"/>
+        <a:ext cx="134807" cy="260884"/>
       </dsp:txXfrm>
     </dsp:sp>
     <dsp:sp modelId="{892AB89D-9357-4946-A690-9AB770094366}">
@@ -10956,8 +13210,8 @@
         </a:p>
       </dsp:txBody>
       <dsp:txXfrm>
-        <a:off x="5408849" y="1240792"/>
-        <a:ext cx="1278842" cy="1278842"/>
+        <a:off x="5596131" y="1428074"/>
+        <a:ext cx="904278" cy="904278"/>
       </dsp:txXfrm>
     </dsp:sp>
     <dsp:sp modelId="{8F93543A-5059-4DE8-A2FC-A99D358C55C0}">
@@ -11024,9 +13278,9 @@
           <a:endParaRPr lang="pt-BR" sz="1900" kern="1200"/>
         </a:p>
       </dsp:txBody>
-      <dsp:txXfrm rot="3240000">
-        <a:off x="4821518" y="3003138"/>
-        <a:ext cx="186441" cy="434806"/>
+      <dsp:txXfrm>
+        <a:off x="4833046" y="3067474"/>
+        <a:ext cx="130509" cy="260884"/>
       </dsp:txXfrm>
     </dsp:sp>
     <dsp:sp modelId="{4AE6AAFA-D59A-4F35-A5E8-C6D2EC6BBFF0}">
@@ -11098,8 +13352,8 @@
         </a:p>
       </dsp:txBody>
       <dsp:txXfrm>
-        <a:off x="4757647" y="3244988"/>
-        <a:ext cx="1278842" cy="1278842"/>
+        <a:off x="4944929" y="3432270"/>
+        <a:ext cx="904278" cy="904278"/>
       </dsp:txXfrm>
     </dsp:sp>
     <dsp:sp modelId="{D32B50BC-8F9A-4A06-941D-13004E7B3F17}">
@@ -11166,9 +13420,9 @@
           <a:endParaRPr lang="pt-BR" sz="1900" kern="1200"/>
         </a:p>
       </dsp:txBody>
-      <dsp:txXfrm rot="7560000">
-        <a:off x="3678839" y="3003138"/>
-        <a:ext cx="186441" cy="434806"/>
+      <dsp:txXfrm rot="10800000">
+        <a:off x="3723243" y="3067474"/>
+        <a:ext cx="130509" cy="260884"/>
       </dsp:txXfrm>
     </dsp:sp>
     <dsp:sp modelId="{42C28B57-95B0-4561-B729-7C55DC80C4C3}">
@@ -11240,8 +13494,8 @@
         </a:p>
       </dsp:txBody>
       <dsp:txXfrm>
-        <a:off x="2650310" y="3244988"/>
-        <a:ext cx="1278842" cy="1278842"/>
+        <a:off x="2837592" y="3432270"/>
+        <a:ext cx="904278" cy="904278"/>
       </dsp:txXfrm>
     </dsp:sp>
     <dsp:sp modelId="{BED8CFF9-57DF-415B-BFD2-F23237B98D78}">
@@ -11308,9 +13562,9 @@
           <a:endParaRPr lang="pt-BR" sz="1900" kern="1200"/>
         </a:p>
       </dsp:txBody>
-      <dsp:txXfrm rot="11880000">
-        <a:off x="3328336" y="1918229"/>
-        <a:ext cx="192581" cy="434806"/>
+      <dsp:txXfrm rot="10800000">
+        <a:off x="3384696" y="2014117"/>
+        <a:ext cx="134807" cy="260884"/>
       </dsp:txXfrm>
     </dsp:sp>
     <dsp:sp modelId="{AE23CEE4-5E78-4BF2-A4EC-856A2ACE758E}">
@@ -11382,16 +13636,16 @@
         </a:p>
       </dsp:txBody>
       <dsp:txXfrm>
-        <a:off x="1999107" y="1240792"/>
-        <a:ext cx="1278842" cy="1278842"/>
+        <a:off x="2186389" y="1428074"/>
+        <a:ext cx="904278" cy="904278"/>
       </dsp:txXfrm>
     </dsp:sp>
   </dsp:spTree>
 </dsp:drawing>
 </file>
 
-<file path=ppt/diagrams/drawing5.xml><?xml version="1.0" encoding="utf-8"?>
-<dsp:drawing xmlns:dgm="http://schemas.openxmlformats.org/drawingml/2006/diagram" xmlns:a="http://schemas.openxmlformats.org/drawingml/2006/main" xmlns:dsp="http://schemas.microsoft.com/office/drawing/2008/diagram">
+<file path=ppt/diagrams/drawing6.xml><?xml version="1.0" encoding="utf-8"?>
+<dsp:drawing xmlns:dgm="http://schemas.openxmlformats.org/drawingml/2006/diagram" xmlns:dsp="http://schemas.microsoft.com/office/drawing/2008/diagram" xmlns:a="http://schemas.openxmlformats.org/drawingml/2006/main">
   <dsp:spTree>
     <dsp:nvGrpSpPr>
       <dsp:cNvPr id="0" name=""/>
@@ -11555,8 +13809,8 @@
         </a:p>
       </dsp:txBody>
       <dsp:txXfrm>
-        <a:off x="434340" y="0"/>
-        <a:ext cx="6080760" cy="590400"/>
+        <a:off x="463161" y="28821"/>
+        <a:ext cx="6023118" cy="532758"/>
       </dsp:txXfrm>
     </dsp:sp>
     <dsp:sp modelId="{122429B3-75B2-4400-B819-CC67C8478699}">
@@ -11716,8 +13970,8 @@
         </a:p>
       </dsp:txBody>
       <dsp:txXfrm>
-        <a:off x="434340" y="895849"/>
-        <a:ext cx="6080760" cy="590400"/>
+        <a:off x="463161" y="924670"/>
+        <a:ext cx="6023118" cy="532758"/>
       </dsp:txXfrm>
     </dsp:sp>
     <dsp:sp modelId="{06A3C85D-CDEB-4A13-9986-AD53F22D8EA9}">
@@ -11877,8 +14131,8 @@
         </a:p>
       </dsp:txBody>
       <dsp:txXfrm>
-        <a:off x="434340" y="1803049"/>
-        <a:ext cx="6080760" cy="590400"/>
+        <a:off x="463161" y="1831870"/>
+        <a:ext cx="6023118" cy="532758"/>
       </dsp:txXfrm>
     </dsp:sp>
     <dsp:sp modelId="{BC58E8B0-740A-43C6-B230-1401E78D7A5B}">
@@ -12038,8 +14292,8 @@
         </a:p>
       </dsp:txBody>
       <dsp:txXfrm>
-        <a:off x="434340" y="2754299"/>
-        <a:ext cx="6080760" cy="590400"/>
+        <a:off x="463161" y="2783120"/>
+        <a:ext cx="6023118" cy="532758"/>
       </dsp:txXfrm>
     </dsp:sp>
     <dsp:sp modelId="{7D8B9C6D-02C3-420B-906C-B43C36EE3306}">
@@ -12199,8 +14453,8 @@
         </a:p>
       </dsp:txBody>
       <dsp:txXfrm>
-        <a:off x="434340" y="3661499"/>
-        <a:ext cx="6080760" cy="590400"/>
+        <a:off x="463161" y="3690320"/>
+        <a:ext cx="6023118" cy="532758"/>
       </dsp:txXfrm>
     </dsp:sp>
     <dsp:sp modelId="{338DDB9A-A6BB-4D1C-8303-E07E7D076CB7}">
@@ -12360,8 +14614,8 @@
         </a:p>
       </dsp:txBody>
       <dsp:txXfrm>
-        <a:off x="434340" y="4568699"/>
-        <a:ext cx="6080760" cy="590400"/>
+        <a:off x="463161" y="4597520"/>
+        <a:ext cx="6023118" cy="532758"/>
       </dsp:txXfrm>
     </dsp:sp>
   </dsp:spTree>
@@ -12903,6 +15157,394 @@
 </file>
 
 <file path=ppt/diagrams/layout3.xml><?xml version="1.0" encoding="utf-8"?>
+<dgm:layoutDef xmlns:dgm="http://schemas.openxmlformats.org/drawingml/2006/diagram" xmlns:a="http://schemas.openxmlformats.org/drawingml/2006/main" uniqueId="urn:microsoft.com/office/officeart/2008/layout/SquareAccentList">
+  <dgm:title val=""/>
+  <dgm:desc val=""/>
+  <dgm:catLst>
+    <dgm:cat type="list" pri="5500"/>
+  </dgm:catLst>
+  <dgm:sampData>
+    <dgm:dataModel>
+      <dgm:ptLst>
+        <dgm:pt modelId="0" type="doc"/>
+        <dgm:pt modelId="10">
+          <dgm:prSet phldr="1"/>
+        </dgm:pt>
+        <dgm:pt modelId="11">
+          <dgm:prSet phldr="1"/>
+        </dgm:pt>
+        <dgm:pt modelId="12">
+          <dgm:prSet phldr="1"/>
+        </dgm:pt>
+        <dgm:pt modelId="13">
+          <dgm:prSet phldr="1"/>
+        </dgm:pt>
+        <dgm:pt modelId="20">
+          <dgm:prSet phldr="1"/>
+        </dgm:pt>
+        <dgm:pt modelId="21">
+          <dgm:prSet phldr="1"/>
+        </dgm:pt>
+        <dgm:pt modelId="22">
+          <dgm:prSet phldr="1"/>
+        </dgm:pt>
+        <dgm:pt modelId="23">
+          <dgm:prSet phldr="1"/>
+        </dgm:pt>
+      </dgm:ptLst>
+      <dgm:cxnLst>
+        <dgm:cxn modelId="1" srcId="0" destId="10" srcOrd="0" destOrd="0"/>
+        <dgm:cxn modelId="2" srcId="10" destId="11" srcOrd="0" destOrd="0"/>
+        <dgm:cxn modelId="3" srcId="10" destId="12" srcOrd="1" destOrd="0"/>
+        <dgm:cxn modelId="4" srcId="10" destId="13" srcOrd="2" destOrd="0"/>
+        <dgm:cxn modelId="5" srcId="0" destId="20" srcOrd="0" destOrd="0"/>
+        <dgm:cxn modelId="6" srcId="20" destId="21" srcOrd="0" destOrd="0"/>
+        <dgm:cxn modelId="7" srcId="20" destId="22" srcOrd="1" destOrd="0"/>
+        <dgm:cxn modelId="8" srcId="20" destId="23" srcOrd="2" destOrd="0"/>
+      </dgm:cxnLst>
+      <dgm:bg/>
+      <dgm:whole/>
+    </dgm:dataModel>
+  </dgm:sampData>
+  <dgm:styleData>
+    <dgm:dataModel>
+      <dgm:ptLst>
+        <dgm:pt modelId="0" type="doc"/>
+        <dgm:pt modelId="10">
+          <dgm:prSet phldr="1"/>
+        </dgm:pt>
+        <dgm:pt modelId="11">
+          <dgm:prSet phldr="1"/>
+        </dgm:pt>
+        <dgm:pt modelId="12">
+          <dgm:prSet phldr="1"/>
+        </dgm:pt>
+        <dgm:pt modelId="13">
+          <dgm:prSet phldr="1"/>
+        </dgm:pt>
+        <dgm:pt modelId="20">
+          <dgm:prSet phldr="1"/>
+        </dgm:pt>
+        <dgm:pt modelId="21">
+          <dgm:prSet phldr="1"/>
+        </dgm:pt>
+        <dgm:pt modelId="22">
+          <dgm:prSet phldr="1"/>
+        </dgm:pt>
+        <dgm:pt modelId="23">
+          <dgm:prSet phldr="1"/>
+        </dgm:pt>
+      </dgm:ptLst>
+      <dgm:cxnLst>
+        <dgm:cxn modelId="1" srcId="0" destId="10" srcOrd="0" destOrd="0"/>
+        <dgm:cxn modelId="2" srcId="10" destId="11" srcOrd="0" destOrd="0"/>
+        <dgm:cxn modelId="3" srcId="10" destId="12" srcOrd="1" destOrd="0"/>
+        <dgm:cxn modelId="4" srcId="10" destId="13" srcOrd="2" destOrd="0"/>
+        <dgm:cxn modelId="5" srcId="0" destId="20" srcOrd="0" destOrd="0"/>
+        <dgm:cxn modelId="6" srcId="20" destId="21" srcOrd="0" destOrd="0"/>
+        <dgm:cxn modelId="7" srcId="20" destId="22" srcOrd="1" destOrd="0"/>
+        <dgm:cxn modelId="8" srcId="20" destId="23" srcOrd="2" destOrd="0"/>
+      </dgm:cxnLst>
+      <dgm:bg/>
+      <dgm:whole/>
+    </dgm:dataModel>
+  </dgm:styleData>
+  <dgm:clrData>
+    <dgm:dataModel>
+      <dgm:ptLst>
+        <dgm:pt modelId="0" type="doc"/>
+        <dgm:pt modelId="10">
+          <dgm:prSet phldr="1"/>
+        </dgm:pt>
+        <dgm:pt modelId="11">
+          <dgm:prSet phldr="1"/>
+        </dgm:pt>
+        <dgm:pt modelId="12">
+          <dgm:prSet phldr="1"/>
+        </dgm:pt>
+        <dgm:pt modelId="13">
+          <dgm:prSet phldr="1"/>
+        </dgm:pt>
+        <dgm:pt modelId="20">
+          <dgm:prSet phldr="1"/>
+        </dgm:pt>
+        <dgm:pt modelId="21">
+          <dgm:prSet phldr="1"/>
+        </dgm:pt>
+        <dgm:pt modelId="22">
+          <dgm:prSet phldr="1"/>
+        </dgm:pt>
+        <dgm:pt modelId="23">
+          <dgm:prSet phldr="1"/>
+        </dgm:pt>
+      </dgm:ptLst>
+      <dgm:cxnLst>
+        <dgm:cxn modelId="1" srcId="0" destId="10" srcOrd="0" destOrd="0"/>
+        <dgm:cxn modelId="2" srcId="10" destId="11" srcOrd="0" destOrd="0"/>
+        <dgm:cxn modelId="3" srcId="10" destId="12" srcOrd="1" destOrd="0"/>
+        <dgm:cxn modelId="4" srcId="10" destId="13" srcOrd="2" destOrd="0"/>
+        <dgm:cxn modelId="5" srcId="0" destId="20" srcOrd="0" destOrd="0"/>
+        <dgm:cxn modelId="6" srcId="20" destId="21" srcOrd="0" destOrd="0"/>
+        <dgm:cxn modelId="7" srcId="20" destId="22" srcOrd="1" destOrd="0"/>
+        <dgm:cxn modelId="8" srcId="20" destId="23" srcOrd="2" destOrd="0"/>
+      </dgm:cxnLst>
+      <dgm:bg/>
+      <dgm:whole/>
+    </dgm:dataModel>
+  </dgm:clrData>
+  <dgm:layoutNode name="layout">
+    <dgm:varLst>
+      <dgm:chMax/>
+      <dgm:chPref/>
+      <dgm:dir/>
+      <dgm:resizeHandles/>
+    </dgm:varLst>
+    <dgm:choose name="Name0">
+      <dgm:if name="Name1" func="var" arg="dir" op="equ" val="norm">
+        <dgm:alg type="hierChild">
+          <dgm:param type="linDir" val="fromL"/>
+          <dgm:param type="vertAlign" val="t"/>
+          <dgm:param type="nodeVertAlign" val="t"/>
+          <dgm:param type="horzAlign" val="ctr"/>
+          <dgm:param type="fallback" val="1D"/>
+        </dgm:alg>
+      </dgm:if>
+      <dgm:else name="Name2">
+        <dgm:alg type="hierChild">
+          <dgm:param type="linDir" val="fromR"/>
+          <dgm:param type="vertAlign" val="t"/>
+          <dgm:param type="nodeVertAlign" val="t"/>
+          <dgm:param type="horzAlign" val="ctr"/>
+          <dgm:param type="fallback" val="1D"/>
+        </dgm:alg>
+      </dgm:else>
+    </dgm:choose>
+    <dgm:shape xmlns:r="http://schemas.openxmlformats.org/officeDocument/2006/relationships" r:blip="">
+      <dgm:adjLst/>
+    </dgm:shape>
+    <dgm:presOf/>
+    <dgm:constrLst>
+      <dgm:constr type="primFontSz" for="des" forName="Parent" op="equ" val="65"/>
+      <dgm:constr type="primFontSz" for="des" forName="Child" op="equ" val="65"/>
+      <dgm:constr type="primFontSz" for="des" forName="Child" refType="primFontSz" refFor="des" refForName="Parent" op="lte"/>
+      <dgm:constr type="w" for="des" forName="rootComposite" refType="h" refFor="des" refForName="rootComposite" fact="3.0396"/>
+      <dgm:constr type="h" for="des" forName="rootComposite" refType="h"/>
+      <dgm:constr type="w" for="des" forName="childComposite" refType="w" refFor="des" refForName="rootComposite"/>
+      <dgm:constr type="h" for="des" forName="childComposite" refType="h" refFor="des" refForName="rootComposite" fact="0.5205"/>
+      <dgm:constr type="sibSp" refType="w" refFor="des" refForName="rootComposite" fact="0.05"/>
+      <dgm:constr type="sp" for="des" forName="root" refType="h" refFor="des" refForName="childComposite" fact="0.2855"/>
+    </dgm:constrLst>
+    <dgm:ruleLst/>
+    <dgm:forEach name="Name3" axis="ch">
+      <dgm:forEach name="Name4" axis="self" ptType="node" cnt="1">
+        <dgm:layoutNode name="root">
+          <dgm:varLst>
+            <dgm:chMax/>
+            <dgm:chPref/>
+          </dgm:varLst>
+          <dgm:alg type="hierRoot">
+            <dgm:param type="hierAlign" val="tL"/>
+          </dgm:alg>
+          <dgm:shape xmlns:r="http://schemas.openxmlformats.org/officeDocument/2006/relationships" r:blip="">
+            <dgm:adjLst/>
+          </dgm:shape>
+          <dgm:presOf/>
+          <dgm:constrLst/>
+          <dgm:ruleLst/>
+          <dgm:layoutNode name="rootComposite">
+            <dgm:varLst/>
+            <dgm:alg type="composite"/>
+            <dgm:shape xmlns:r="http://schemas.openxmlformats.org/officeDocument/2006/relationships" r:blip="">
+              <dgm:adjLst/>
+            </dgm:shape>
+            <dgm:presOf axis="self" ptType="node" cnt="1"/>
+            <dgm:choose name="Name5">
+              <dgm:if name="Name6" func="var" arg="dir" op="equ" val="norm">
+                <dgm:constrLst>
+                  <dgm:constr type="l" for="ch" forName="Parent" refType="w" fact="0"/>
+                  <dgm:constr type="t" for="ch" forName="Parent" refType="h" fact="0"/>
+                  <dgm:constr type="w" for="ch" forName="Parent" refType="w"/>
+                  <dgm:constr type="h" for="ch" forName="Parent" refType="h" fact="0.6424"/>
+                  <dgm:constr type="l" for="ch" forName="ParentAccent" refType="w" fact="0"/>
+                  <dgm:constr type="b" for="ch" forName="ParentAccent" refType="h"/>
+                  <dgm:constr type="w" for="ch" forName="ParentAccent" refType="w"/>
+                  <dgm:constr type="h" for="ch" forName="ParentAccent" refType="h" fact="0.3576"/>
+                  <dgm:constr type="l" for="ch" forName="ParentSmallAccent" refType="w" fact="0"/>
+                  <dgm:constr type="b" for="ch" forName="ParentSmallAccent" refType="h"/>
+                  <dgm:constr type="w" for="ch" forName="ParentSmallAccent" refType="h" fact="0.2233"/>
+                  <dgm:constr type="h" for="ch" forName="ParentSmallAccent" refType="h" fact="0.2233"/>
+                </dgm:constrLst>
+              </dgm:if>
+              <dgm:else name="Name7">
+                <dgm:constrLst>
+                  <dgm:constr type="l" for="ch" forName="Parent" refType="w" fact="0"/>
+                  <dgm:constr type="t" for="ch" forName="Parent" refType="h" fact="0"/>
+                  <dgm:constr type="w" for="ch" forName="Parent" refType="w"/>
+                  <dgm:constr type="h" for="ch" forName="Parent" refType="h" fact="0.6424"/>
+                  <dgm:constr type="l" for="ch" forName="ParentAccent" refType="w" fact="0"/>
+                  <dgm:constr type="b" for="ch" forName="ParentAccent" refType="h"/>
+                  <dgm:constr type="w" for="ch" forName="ParentAccent" refType="w"/>
+                  <dgm:constr type="h" for="ch" forName="ParentAccent" refType="h" fact="0.3576"/>
+                  <dgm:constr type="r" for="ch" forName="ParentSmallAccent" refType="w"/>
+                  <dgm:constr type="b" for="ch" forName="ParentSmallAccent" refType="h"/>
+                  <dgm:constr type="w" for="ch" forName="ParentSmallAccent" refType="h" fact="0.2233"/>
+                  <dgm:constr type="h" for="ch" forName="ParentSmallAccent" refType="h" fact="0.2233"/>
+                </dgm:constrLst>
+              </dgm:else>
+            </dgm:choose>
+            <dgm:ruleLst/>
+            <dgm:layoutNode name="ParentAccent" styleLbl="alignNode1">
+              <dgm:alg type="sp"/>
+              <dgm:shape xmlns:r="http://schemas.openxmlformats.org/officeDocument/2006/relationships" type="rect" r:blip="">
+                <dgm:adjLst/>
+              </dgm:shape>
+              <dgm:presOf/>
+            </dgm:layoutNode>
+            <dgm:layoutNode name="ParentSmallAccent" styleLbl="fgAcc1">
+              <dgm:alg type="sp"/>
+              <dgm:shape xmlns:r="http://schemas.openxmlformats.org/officeDocument/2006/relationships" type="rect" r:blip="">
+                <dgm:adjLst/>
+              </dgm:shape>
+              <dgm:presOf/>
+            </dgm:layoutNode>
+            <dgm:layoutNode name="Parent" styleLbl="revTx">
+              <dgm:varLst>
+                <dgm:chMax/>
+                <dgm:chPref val="4"/>
+                <dgm:bulletEnabled val="1"/>
+              </dgm:varLst>
+              <dgm:choose name="Name8">
+                <dgm:if name="Name9" func="var" arg="dir" op="equ" val="norm">
+                  <dgm:alg type="tx">
+                    <dgm:param type="txAnchorVertCh" val="mid"/>
+                    <dgm:param type="parTxLTRAlign" val="l"/>
+                  </dgm:alg>
+                </dgm:if>
+                <dgm:else name="Name10">
+                  <dgm:alg type="tx">
+                    <dgm:param type="txAnchorVertCh" val="mid"/>
+                    <dgm:param type="parTxLTRAlign" val="r"/>
+                  </dgm:alg>
+                </dgm:else>
+              </dgm:choose>
+              <dgm:shape xmlns:r="http://schemas.openxmlformats.org/officeDocument/2006/relationships" type="rect" r:blip="">
+                <dgm:adjLst/>
+              </dgm:shape>
+              <dgm:presOf axis="self" ptType="node"/>
+              <dgm:constrLst>
+                <dgm:constr type="tMarg" refType="primFontSz" fact="0.1"/>
+                <dgm:constr type="bMarg" refType="primFontSz" fact="0.1"/>
+                <dgm:constr type="lMarg" refType="primFontSz" fact="0.15"/>
+                <dgm:constr type="rMarg" refType="primFontSz" fact="0.15"/>
+              </dgm:constrLst>
+              <dgm:ruleLst>
+                <dgm:rule type="primFontSz" val="5" fact="NaN" max="NaN"/>
+                <dgm:rule type="primFontSz" val="65" fact="NaN" max="NaN"/>
+              </dgm:ruleLst>
+            </dgm:layoutNode>
+          </dgm:layoutNode>
+          <dgm:layoutNode name="childShape">
+            <dgm:varLst>
+              <dgm:chMax val="0"/>
+              <dgm:chPref val="0"/>
+            </dgm:varLst>
+            <dgm:alg type="hierChild">
+              <dgm:param type="chAlign" val="r"/>
+              <dgm:param type="linDir" val="fromT"/>
+              <dgm:param type="fallback" val="2D"/>
+            </dgm:alg>
+            <dgm:shape xmlns:r="http://schemas.openxmlformats.org/officeDocument/2006/relationships" r:blip="">
+              <dgm:adjLst/>
+            </dgm:shape>
+            <dgm:presOf/>
+            <dgm:constrLst/>
+            <dgm:ruleLst/>
+            <dgm:forEach name="Name11" axis="ch">
+              <dgm:forEach name="Name12" axis="self" ptType="node">
+                <dgm:layoutNode name="childComposite">
+                  <dgm:varLst>
+                    <dgm:chMax val="0"/>
+                    <dgm:chPref val="0"/>
+                  </dgm:varLst>
+                  <dgm:alg type="composite"/>
+                  <dgm:shape xmlns:r="http://schemas.openxmlformats.org/officeDocument/2006/relationships" r:blip="">
+                    <dgm:adjLst/>
+                  </dgm:shape>
+                  <dgm:presOf/>
+                  <dgm:choose name="Name13">
+                    <dgm:if name="Name14" func="var" arg="dir" op="equ" val="norm">
+                      <dgm:constrLst>
+                        <dgm:constr type="w" for="ch" forName="ChildAccent" refType="h" fact="0.429"/>
+                        <dgm:constr type="h" for="ch" forName="ChildAccent" refType="h" fact="0.429"/>
+                        <dgm:constr type="l" for="ch" forName="ChildAccent" refType="w" fact="0"/>
+                        <dgm:constr type="t" for="ch" forName="ChildAccent" refType="h" fact="0.2855"/>
+                        <dgm:constr type="w" for="ch" forName="Child" refType="w" fact="0.93"/>
+                        <dgm:constr type="h" for="ch" forName="Child" refType="h"/>
+                        <dgm:constr type="l" for="ch" forName="Child" refType="w" fact="0.07"/>
+                        <dgm:constr type="t" for="ch" forName="Child" refType="h" fact="0"/>
+                      </dgm:constrLst>
+                    </dgm:if>
+                    <dgm:else name="Name15">
+                      <dgm:constrLst>
+                        <dgm:constr type="w" for="ch" forName="ChildAccent" refType="h" fact="0.429"/>
+                        <dgm:constr type="h" for="ch" forName="ChildAccent" refType="h" fact="0.429"/>
+                        <dgm:constr type="r" for="ch" forName="ChildAccent" refType="w"/>
+                        <dgm:constr type="t" for="ch" forName="ChildAccent" refType="h" fact="0.2855"/>
+                        <dgm:constr type="w" for="ch" forName="Child" refType="w" fact="0.93"/>
+                        <dgm:constr type="h" for="ch" forName="Child" refType="h"/>
+                        <dgm:constr type="r" for="ch" forName="Child" refType="w" fact="0.93"/>
+                        <dgm:constr type="t" for="ch" forName="Child" refType="h" fact="0"/>
+                      </dgm:constrLst>
+                    </dgm:else>
+                  </dgm:choose>
+                  <dgm:ruleLst/>
+                  <dgm:layoutNode name="ChildAccent" styleLbl="solidFgAcc1">
+                    <dgm:alg type="sp"/>
+                    <dgm:shape xmlns:r="http://schemas.openxmlformats.org/officeDocument/2006/relationships" type="rect" r:blip="">
+                      <dgm:adjLst/>
+                    </dgm:shape>
+                    <dgm:presOf/>
+                  </dgm:layoutNode>
+                  <dgm:layoutNode name="Child" styleLbl="revTx">
+                    <dgm:varLst>
+                      <dgm:chMax val="0"/>
+                      <dgm:chPref val="0"/>
+                      <dgm:bulletEnabled val="1"/>
+                    </dgm:varLst>
+                    <dgm:choose name="Name16">
+                      <dgm:if name="Name17" func="var" arg="dir" op="equ" val="norm">
+                        <dgm:alg type="tx">
+                          <dgm:param type="txAnchorVertCh" val="mid"/>
+                          <dgm:param type="parTxLTRAlign" val="l"/>
+                        </dgm:alg>
+                      </dgm:if>
+                      <dgm:else name="Name18">
+                        <dgm:alg type="tx">
+                          <dgm:param type="txAnchorVertCh" val="mid"/>
+                          <dgm:param type="parTxLTRAlign" val="r"/>
+                        </dgm:alg>
+                      </dgm:else>
+                    </dgm:choose>
+                    <dgm:shape xmlns:r="http://schemas.openxmlformats.org/officeDocument/2006/relationships" type="rect" r:blip="">
+                      <dgm:adjLst/>
+                    </dgm:shape>
+                    <dgm:presOf axis="desOrSelf" ptType="node node"/>
+                    <dgm:ruleLst>
+                      <dgm:rule type="primFontSz" val="5" fact="NaN" max="NaN"/>
+                    </dgm:ruleLst>
+                  </dgm:layoutNode>
+                </dgm:layoutNode>
+              </dgm:forEach>
+            </dgm:forEach>
+          </dgm:layoutNode>
+        </dgm:layoutNode>
+      </dgm:forEach>
+    </dgm:forEach>
+  </dgm:layoutNode>
+</dgm:layoutDef>
+</file>
+
+<file path=ppt/diagrams/layout4.xml><?xml version="1.0" encoding="utf-8"?>
 <dgm:layoutDef xmlns:dgm="http://schemas.openxmlformats.org/drawingml/2006/diagram" xmlns:a="http://schemas.openxmlformats.org/drawingml/2006/main" uniqueId="urn:microsoft.com/office/officeart/2005/8/layout/hProcess4">
   <dgm:title val=""/>
   <dgm:desc val=""/>
@@ -13446,7 +16088,7 @@
 </dgm:layoutDef>
 </file>
 
-<file path=ppt/diagrams/layout4.xml><?xml version="1.0" encoding="utf-8"?>
+<file path=ppt/diagrams/layout5.xml><?xml version="1.0" encoding="utf-8"?>
 <dgm:layoutDef xmlns:dgm="http://schemas.openxmlformats.org/drawingml/2006/diagram" xmlns:a="http://schemas.openxmlformats.org/drawingml/2006/main" uniqueId="urn:microsoft.com/office/officeart/2005/8/layout/radial5">
   <dgm:title val=""/>
   <dgm:desc val=""/>
@@ -13685,7 +16327,7 @@
 </dgm:layoutDef>
 </file>
 
-<file path=ppt/diagrams/layout5.xml><?xml version="1.0" encoding="utf-8"?>
+<file path=ppt/diagrams/layout6.xml><?xml version="1.0" encoding="utf-8"?>
 <dgm:layoutDef xmlns:dgm="http://schemas.openxmlformats.org/drawingml/2006/diagram" xmlns:a="http://schemas.openxmlformats.org/drawingml/2006/main" uniqueId="urn:microsoft.com/office/officeart/2005/8/layout/list1">
   <dgm:title val=""/>
   <dgm:desc val=""/>
@@ -16062,6 +18704,1040 @@
 </file>
 
 <file path=ppt/diagrams/quickStyle3.xml><?xml version="1.0" encoding="utf-8"?>
+<dgm:styleDef xmlns:dgm="http://schemas.openxmlformats.org/drawingml/2006/diagram" xmlns:a="http://schemas.openxmlformats.org/drawingml/2006/main" uniqueId="urn:microsoft.com/office/officeart/2005/8/quickstyle/simple1">
+  <dgm:title val=""/>
+  <dgm:desc val=""/>
+  <dgm:catLst>
+    <dgm:cat type="simple" pri="10100"/>
+  </dgm:catLst>
+  <dgm:scene3d>
+    <a:camera prst="orthographicFront"/>
+    <a:lightRig rig="threePt" dir="t"/>
+  </dgm:scene3d>
+  <dgm:styleLbl name="node0">
+    <dgm:scene3d>
+      <a:camera prst="orthographicFront"/>
+      <a:lightRig rig="threePt" dir="t"/>
+    </dgm:scene3d>
+    <dgm:sp3d/>
+    <dgm:txPr/>
+    <dgm:style>
+      <a:lnRef idx="2">
+        <a:scrgbClr r="0" g="0" b="0"/>
+      </a:lnRef>
+      <a:fillRef idx="1">
+        <a:scrgbClr r="0" g="0" b="0"/>
+      </a:fillRef>
+      <a:effectRef idx="0">
+        <a:scrgbClr r="0" g="0" b="0"/>
+      </a:effectRef>
+      <a:fontRef idx="minor">
+        <a:schemeClr val="lt1"/>
+      </a:fontRef>
+    </dgm:style>
+  </dgm:styleLbl>
+  <dgm:styleLbl name="lnNode1">
+    <dgm:scene3d>
+      <a:camera prst="orthographicFront"/>
+      <a:lightRig rig="threePt" dir="t"/>
+    </dgm:scene3d>
+    <dgm:sp3d/>
+    <dgm:txPr/>
+    <dgm:style>
+      <a:lnRef idx="2">
+        <a:scrgbClr r="0" g="0" b="0"/>
+      </a:lnRef>
+      <a:fillRef idx="1">
+        <a:scrgbClr r="0" g="0" b="0"/>
+      </a:fillRef>
+      <a:effectRef idx="0">
+        <a:scrgbClr r="0" g="0" b="0"/>
+      </a:effectRef>
+      <a:fontRef idx="minor">
+        <a:schemeClr val="lt1"/>
+      </a:fontRef>
+    </dgm:style>
+  </dgm:styleLbl>
+  <dgm:styleLbl name="vennNode1">
+    <dgm:scene3d>
+      <a:camera prst="orthographicFront"/>
+      <a:lightRig rig="threePt" dir="t"/>
+    </dgm:scene3d>
+    <dgm:sp3d/>
+    <dgm:txPr/>
+    <dgm:style>
+      <a:lnRef idx="2">
+        <a:scrgbClr r="0" g="0" b="0"/>
+      </a:lnRef>
+      <a:fillRef idx="1">
+        <a:scrgbClr r="0" g="0" b="0"/>
+      </a:fillRef>
+      <a:effectRef idx="0">
+        <a:scrgbClr r="0" g="0" b="0"/>
+      </a:effectRef>
+      <a:fontRef idx="minor">
+        <a:schemeClr val="tx1"/>
+      </a:fontRef>
+    </dgm:style>
+  </dgm:styleLbl>
+  <dgm:styleLbl name="alignNode1">
+    <dgm:scene3d>
+      <a:camera prst="orthographicFront"/>
+      <a:lightRig rig="threePt" dir="t"/>
+    </dgm:scene3d>
+    <dgm:sp3d/>
+    <dgm:txPr/>
+    <dgm:style>
+      <a:lnRef idx="2">
+        <a:scrgbClr r="0" g="0" b="0"/>
+      </a:lnRef>
+      <a:fillRef idx="1">
+        <a:scrgbClr r="0" g="0" b="0"/>
+      </a:fillRef>
+      <a:effectRef idx="0">
+        <a:scrgbClr r="0" g="0" b="0"/>
+      </a:effectRef>
+      <a:fontRef idx="minor">
+        <a:schemeClr val="lt1"/>
+      </a:fontRef>
+    </dgm:style>
+  </dgm:styleLbl>
+  <dgm:styleLbl name="node1">
+    <dgm:scene3d>
+      <a:camera prst="orthographicFront"/>
+      <a:lightRig rig="threePt" dir="t"/>
+    </dgm:scene3d>
+    <dgm:sp3d/>
+    <dgm:txPr/>
+    <dgm:style>
+      <a:lnRef idx="2">
+        <a:scrgbClr r="0" g="0" b="0"/>
+      </a:lnRef>
+      <a:fillRef idx="1">
+        <a:scrgbClr r="0" g="0" b="0"/>
+      </a:fillRef>
+      <a:effectRef idx="0">
+        <a:scrgbClr r="0" g="0" b="0"/>
+      </a:effectRef>
+      <a:fontRef idx="minor">
+        <a:schemeClr val="lt1"/>
+      </a:fontRef>
+    </dgm:style>
+  </dgm:styleLbl>
+  <dgm:styleLbl name="node2">
+    <dgm:scene3d>
+      <a:camera prst="orthographicFront"/>
+      <a:lightRig rig="threePt" dir="t"/>
+    </dgm:scene3d>
+    <dgm:sp3d/>
+    <dgm:txPr/>
+    <dgm:style>
+      <a:lnRef idx="2">
+        <a:scrgbClr r="0" g="0" b="0"/>
+      </a:lnRef>
+      <a:fillRef idx="1">
+        <a:scrgbClr r="0" g="0" b="0"/>
+      </a:fillRef>
+      <a:effectRef idx="0">
+        <a:scrgbClr r="0" g="0" b="0"/>
+      </a:effectRef>
+      <a:fontRef idx="minor">
+        <a:schemeClr val="lt1"/>
+      </a:fontRef>
+    </dgm:style>
+  </dgm:styleLbl>
+  <dgm:styleLbl name="node3">
+    <dgm:scene3d>
+      <a:camera prst="orthographicFront"/>
+      <a:lightRig rig="threePt" dir="t"/>
+    </dgm:scene3d>
+    <dgm:sp3d/>
+    <dgm:txPr/>
+    <dgm:style>
+      <a:lnRef idx="2">
+        <a:scrgbClr r="0" g="0" b="0"/>
+      </a:lnRef>
+      <a:fillRef idx="1">
+        <a:scrgbClr r="0" g="0" b="0"/>
+      </a:fillRef>
+      <a:effectRef idx="0">
+        <a:scrgbClr r="0" g="0" b="0"/>
+      </a:effectRef>
+      <a:fontRef idx="minor">
+        <a:schemeClr val="lt1"/>
+      </a:fontRef>
+    </dgm:style>
+  </dgm:styleLbl>
+  <dgm:styleLbl name="node4">
+    <dgm:scene3d>
+      <a:camera prst="orthographicFront"/>
+      <a:lightRig rig="threePt" dir="t"/>
+    </dgm:scene3d>
+    <dgm:sp3d/>
+    <dgm:txPr/>
+    <dgm:style>
+      <a:lnRef idx="2">
+        <a:scrgbClr r="0" g="0" b="0"/>
+      </a:lnRef>
+      <a:fillRef idx="1">
+        <a:scrgbClr r="0" g="0" b="0"/>
+      </a:fillRef>
+      <a:effectRef idx="0">
+        <a:scrgbClr r="0" g="0" b="0"/>
+      </a:effectRef>
+      <a:fontRef idx="minor">
+        <a:schemeClr val="lt1"/>
+      </a:fontRef>
+    </dgm:style>
+  </dgm:styleLbl>
+  <dgm:styleLbl name="fgImgPlace1">
+    <dgm:scene3d>
+      <a:camera prst="orthographicFront"/>
+      <a:lightRig rig="threePt" dir="t"/>
+    </dgm:scene3d>
+    <dgm:sp3d/>
+    <dgm:txPr/>
+    <dgm:style>
+      <a:lnRef idx="2">
+        <a:scrgbClr r="0" g="0" b="0"/>
+      </a:lnRef>
+      <a:fillRef idx="1">
+        <a:scrgbClr r="0" g="0" b="0"/>
+      </a:fillRef>
+      <a:effectRef idx="0">
+        <a:scrgbClr r="0" g="0" b="0"/>
+      </a:effectRef>
+      <a:fontRef idx="minor"/>
+    </dgm:style>
+  </dgm:styleLbl>
+  <dgm:styleLbl name="alignImgPlace1">
+    <dgm:scene3d>
+      <a:camera prst="orthographicFront"/>
+      <a:lightRig rig="threePt" dir="t"/>
+    </dgm:scene3d>
+    <dgm:sp3d/>
+    <dgm:txPr/>
+    <dgm:style>
+      <a:lnRef idx="2">
+        <a:scrgbClr r="0" g="0" b="0"/>
+      </a:lnRef>
+      <a:fillRef idx="1">
+        <a:scrgbClr r="0" g="0" b="0"/>
+      </a:fillRef>
+      <a:effectRef idx="0">
+        <a:scrgbClr r="0" g="0" b="0"/>
+      </a:effectRef>
+      <a:fontRef idx="minor"/>
+    </dgm:style>
+  </dgm:styleLbl>
+  <dgm:styleLbl name="bgImgPlace1">
+    <dgm:scene3d>
+      <a:camera prst="orthographicFront"/>
+      <a:lightRig rig="threePt" dir="t"/>
+    </dgm:scene3d>
+    <dgm:sp3d/>
+    <dgm:txPr/>
+    <dgm:style>
+      <a:lnRef idx="2">
+        <a:scrgbClr r="0" g="0" b="0"/>
+      </a:lnRef>
+      <a:fillRef idx="1">
+        <a:scrgbClr r="0" g="0" b="0"/>
+      </a:fillRef>
+      <a:effectRef idx="0">
+        <a:scrgbClr r="0" g="0" b="0"/>
+      </a:effectRef>
+      <a:fontRef idx="minor"/>
+    </dgm:style>
+  </dgm:styleLbl>
+  <dgm:styleLbl name="sibTrans2D1">
+    <dgm:scene3d>
+      <a:camera prst="orthographicFront"/>
+      <a:lightRig rig="threePt" dir="t"/>
+    </dgm:scene3d>
+    <dgm:sp3d/>
+    <dgm:txPr/>
+    <dgm:style>
+      <a:lnRef idx="0">
+        <a:scrgbClr r="0" g="0" b="0"/>
+      </a:lnRef>
+      <a:fillRef idx="1">
+        <a:scrgbClr r="0" g="0" b="0"/>
+      </a:fillRef>
+      <a:effectRef idx="0">
+        <a:scrgbClr r="0" g="0" b="0"/>
+      </a:effectRef>
+      <a:fontRef idx="minor">
+        <a:schemeClr val="lt1"/>
+      </a:fontRef>
+    </dgm:style>
+  </dgm:styleLbl>
+  <dgm:styleLbl name="fgSibTrans2D1">
+    <dgm:scene3d>
+      <a:camera prst="orthographicFront"/>
+      <a:lightRig rig="threePt" dir="t"/>
+    </dgm:scene3d>
+    <dgm:sp3d/>
+    <dgm:txPr/>
+    <dgm:style>
+      <a:lnRef idx="0">
+        <a:scrgbClr r="0" g="0" b="0"/>
+      </a:lnRef>
+      <a:fillRef idx="1">
+        <a:scrgbClr r="0" g="0" b="0"/>
+      </a:fillRef>
+      <a:effectRef idx="0">
+        <a:scrgbClr r="0" g="0" b="0"/>
+      </a:effectRef>
+      <a:fontRef idx="minor">
+        <a:schemeClr val="lt1"/>
+      </a:fontRef>
+    </dgm:style>
+  </dgm:styleLbl>
+  <dgm:styleLbl name="bgSibTrans2D1">
+    <dgm:scene3d>
+      <a:camera prst="orthographicFront"/>
+      <a:lightRig rig="threePt" dir="t"/>
+    </dgm:scene3d>
+    <dgm:sp3d/>
+    <dgm:txPr/>
+    <dgm:style>
+      <a:lnRef idx="0">
+        <a:scrgbClr r="0" g="0" b="0"/>
+      </a:lnRef>
+      <a:fillRef idx="1">
+        <a:scrgbClr r="0" g="0" b="0"/>
+      </a:fillRef>
+      <a:effectRef idx="0">
+        <a:scrgbClr r="0" g="0" b="0"/>
+      </a:effectRef>
+      <a:fontRef idx="minor">
+        <a:schemeClr val="lt1"/>
+      </a:fontRef>
+    </dgm:style>
+  </dgm:styleLbl>
+  <dgm:styleLbl name="sibTrans1D1">
+    <dgm:scene3d>
+      <a:camera prst="orthographicFront"/>
+      <a:lightRig rig="threePt" dir="t"/>
+    </dgm:scene3d>
+    <dgm:sp3d/>
+    <dgm:txPr/>
+    <dgm:style>
+      <a:lnRef idx="1">
+        <a:scrgbClr r="0" g="0" b="0"/>
+      </a:lnRef>
+      <a:fillRef idx="0">
+        <a:scrgbClr r="0" g="0" b="0"/>
+      </a:fillRef>
+      <a:effectRef idx="0">
+        <a:scrgbClr r="0" g="0" b="0"/>
+      </a:effectRef>
+      <a:fontRef idx="minor"/>
+    </dgm:style>
+  </dgm:styleLbl>
+  <dgm:styleLbl name="callout">
+    <dgm:scene3d>
+      <a:camera prst="orthographicFront"/>
+      <a:lightRig rig="threePt" dir="t"/>
+    </dgm:scene3d>
+    <dgm:sp3d/>
+    <dgm:txPr/>
+    <dgm:style>
+      <a:lnRef idx="2">
+        <a:scrgbClr r="0" g="0" b="0"/>
+      </a:lnRef>
+      <a:fillRef idx="1">
+        <a:scrgbClr r="0" g="0" b="0"/>
+      </a:fillRef>
+      <a:effectRef idx="0">
+        <a:scrgbClr r="0" g="0" b="0"/>
+      </a:effectRef>
+      <a:fontRef idx="minor"/>
+    </dgm:style>
+  </dgm:styleLbl>
+  <dgm:styleLbl name="asst0">
+    <dgm:scene3d>
+      <a:camera prst="orthographicFront"/>
+      <a:lightRig rig="threePt" dir="t"/>
+    </dgm:scene3d>
+    <dgm:sp3d/>
+    <dgm:txPr/>
+    <dgm:style>
+      <a:lnRef idx="2">
+        <a:scrgbClr r="0" g="0" b="0"/>
+      </a:lnRef>
+      <a:fillRef idx="1">
+        <a:scrgbClr r="0" g="0" b="0"/>
+      </a:fillRef>
+      <a:effectRef idx="0">
+        <a:scrgbClr r="0" g="0" b="0"/>
+      </a:effectRef>
+      <a:fontRef idx="minor">
+        <a:schemeClr val="lt1"/>
+      </a:fontRef>
+    </dgm:style>
+  </dgm:styleLbl>
+  <dgm:styleLbl name="asst1">
+    <dgm:scene3d>
+      <a:camera prst="orthographicFront"/>
+      <a:lightRig rig="threePt" dir="t"/>
+    </dgm:scene3d>
+    <dgm:sp3d/>
+    <dgm:txPr/>
+    <dgm:style>
+      <a:lnRef idx="2">
+        <a:scrgbClr r="0" g="0" b="0"/>
+      </a:lnRef>
+      <a:fillRef idx="1">
+        <a:scrgbClr r="0" g="0" b="0"/>
+      </a:fillRef>
+      <a:effectRef idx="0">
+        <a:scrgbClr r="0" g="0" b="0"/>
+      </a:effectRef>
+      <a:fontRef idx="minor">
+        <a:schemeClr val="lt1"/>
+      </a:fontRef>
+    </dgm:style>
+  </dgm:styleLbl>
+  <dgm:styleLbl name="asst2">
+    <dgm:scene3d>
+      <a:camera prst="orthographicFront"/>
+      <a:lightRig rig="threePt" dir="t"/>
+    </dgm:scene3d>
+    <dgm:sp3d/>
+    <dgm:txPr/>
+    <dgm:style>
+      <a:lnRef idx="2">
+        <a:scrgbClr r="0" g="0" b="0"/>
+      </a:lnRef>
+      <a:fillRef idx="1">
+        <a:scrgbClr r="0" g="0" b="0"/>
+      </a:fillRef>
+      <a:effectRef idx="0">
+        <a:scrgbClr r="0" g="0" b="0"/>
+      </a:effectRef>
+      <a:fontRef idx="minor">
+        <a:schemeClr val="lt1"/>
+      </a:fontRef>
+    </dgm:style>
+  </dgm:styleLbl>
+  <dgm:styleLbl name="asst3">
+    <dgm:scene3d>
+      <a:camera prst="orthographicFront"/>
+      <a:lightRig rig="threePt" dir="t"/>
+    </dgm:scene3d>
+    <dgm:sp3d/>
+    <dgm:txPr/>
+    <dgm:style>
+      <a:lnRef idx="2">
+        <a:scrgbClr r="0" g="0" b="0"/>
+      </a:lnRef>
+      <a:fillRef idx="1">
+        <a:scrgbClr r="0" g="0" b="0"/>
+      </a:fillRef>
+      <a:effectRef idx="0">
+        <a:scrgbClr r="0" g="0" b="0"/>
+      </a:effectRef>
+      <a:fontRef idx="minor">
+        <a:schemeClr val="lt1"/>
+      </a:fontRef>
+    </dgm:style>
+  </dgm:styleLbl>
+  <dgm:styleLbl name="asst4">
+    <dgm:scene3d>
+      <a:camera prst="orthographicFront"/>
+      <a:lightRig rig="threePt" dir="t"/>
+    </dgm:scene3d>
+    <dgm:sp3d/>
+    <dgm:txPr/>
+    <dgm:style>
+      <a:lnRef idx="2">
+        <a:scrgbClr r="0" g="0" b="0"/>
+      </a:lnRef>
+      <a:fillRef idx="1">
+        <a:scrgbClr r="0" g="0" b="0"/>
+      </a:fillRef>
+      <a:effectRef idx="0">
+        <a:scrgbClr r="0" g="0" b="0"/>
+      </a:effectRef>
+      <a:fontRef idx="minor">
+        <a:schemeClr val="lt1"/>
+      </a:fontRef>
+    </dgm:style>
+  </dgm:styleLbl>
+  <dgm:styleLbl name="parChTrans2D1">
+    <dgm:scene3d>
+      <a:camera prst="orthographicFront"/>
+      <a:lightRig rig="threePt" dir="t"/>
+    </dgm:scene3d>
+    <dgm:sp3d/>
+    <dgm:txPr/>
+    <dgm:style>
+      <a:lnRef idx="2">
+        <a:scrgbClr r="0" g="0" b="0"/>
+      </a:lnRef>
+      <a:fillRef idx="1">
+        <a:scrgbClr r="0" g="0" b="0"/>
+      </a:fillRef>
+      <a:effectRef idx="0">
+        <a:scrgbClr r="0" g="0" b="0"/>
+      </a:effectRef>
+      <a:fontRef idx="minor">
+        <a:schemeClr val="lt1"/>
+      </a:fontRef>
+    </dgm:style>
+  </dgm:styleLbl>
+  <dgm:styleLbl name="parChTrans2D2">
+    <dgm:scene3d>
+      <a:camera prst="orthographicFront"/>
+      <a:lightRig rig="threePt" dir="t"/>
+    </dgm:scene3d>
+    <dgm:sp3d/>
+    <dgm:txPr/>
+    <dgm:style>
+      <a:lnRef idx="2">
+        <a:scrgbClr r="0" g="0" b="0"/>
+      </a:lnRef>
+      <a:fillRef idx="1">
+        <a:scrgbClr r="0" g="0" b="0"/>
+      </a:fillRef>
+      <a:effectRef idx="0">
+        <a:scrgbClr r="0" g="0" b="0"/>
+      </a:effectRef>
+      <a:fontRef idx="minor">
+        <a:schemeClr val="lt1"/>
+      </a:fontRef>
+    </dgm:style>
+  </dgm:styleLbl>
+  <dgm:styleLbl name="parChTrans2D3">
+    <dgm:scene3d>
+      <a:camera prst="orthographicFront"/>
+      <a:lightRig rig="threePt" dir="t"/>
+    </dgm:scene3d>
+    <dgm:sp3d/>
+    <dgm:txPr/>
+    <dgm:style>
+      <a:lnRef idx="2">
+        <a:scrgbClr r="0" g="0" b="0"/>
+      </a:lnRef>
+      <a:fillRef idx="1">
+        <a:scrgbClr r="0" g="0" b="0"/>
+      </a:fillRef>
+      <a:effectRef idx="0">
+        <a:scrgbClr r="0" g="0" b="0"/>
+      </a:effectRef>
+      <a:fontRef idx="minor">
+        <a:schemeClr val="lt1"/>
+      </a:fontRef>
+    </dgm:style>
+  </dgm:styleLbl>
+  <dgm:styleLbl name="parChTrans2D4">
+    <dgm:scene3d>
+      <a:camera prst="orthographicFront"/>
+      <a:lightRig rig="threePt" dir="t"/>
+    </dgm:scene3d>
+    <dgm:sp3d/>
+    <dgm:txPr/>
+    <dgm:style>
+      <a:lnRef idx="2">
+        <a:scrgbClr r="0" g="0" b="0"/>
+      </a:lnRef>
+      <a:fillRef idx="1">
+        <a:scrgbClr r="0" g="0" b="0"/>
+      </a:fillRef>
+      <a:effectRef idx="0">
+        <a:scrgbClr r="0" g="0" b="0"/>
+      </a:effectRef>
+      <a:fontRef idx="minor">
+        <a:schemeClr val="lt1"/>
+      </a:fontRef>
+    </dgm:style>
+  </dgm:styleLbl>
+  <dgm:styleLbl name="parChTrans1D1">
+    <dgm:scene3d>
+      <a:camera prst="orthographicFront"/>
+      <a:lightRig rig="threePt" dir="t"/>
+    </dgm:scene3d>
+    <dgm:sp3d/>
+    <dgm:txPr/>
+    <dgm:style>
+      <a:lnRef idx="2">
+        <a:scrgbClr r="0" g="0" b="0"/>
+      </a:lnRef>
+      <a:fillRef idx="0">
+        <a:scrgbClr r="0" g="0" b="0"/>
+      </a:fillRef>
+      <a:effectRef idx="0">
+        <a:scrgbClr r="0" g="0" b="0"/>
+      </a:effectRef>
+      <a:fontRef idx="minor"/>
+    </dgm:style>
+  </dgm:styleLbl>
+  <dgm:styleLbl name="parChTrans1D2">
+    <dgm:scene3d>
+      <a:camera prst="orthographicFront"/>
+      <a:lightRig rig="threePt" dir="t"/>
+    </dgm:scene3d>
+    <dgm:sp3d/>
+    <dgm:txPr/>
+    <dgm:style>
+      <a:lnRef idx="2">
+        <a:scrgbClr r="0" g="0" b="0"/>
+      </a:lnRef>
+      <a:fillRef idx="0">
+        <a:scrgbClr r="0" g="0" b="0"/>
+      </a:fillRef>
+      <a:effectRef idx="0">
+        <a:scrgbClr r="0" g="0" b="0"/>
+      </a:effectRef>
+      <a:fontRef idx="minor"/>
+    </dgm:style>
+  </dgm:styleLbl>
+  <dgm:styleLbl name="parChTrans1D3">
+    <dgm:scene3d>
+      <a:camera prst="orthographicFront"/>
+      <a:lightRig rig="threePt" dir="t"/>
+    </dgm:scene3d>
+    <dgm:sp3d/>
+    <dgm:txPr/>
+    <dgm:style>
+      <a:lnRef idx="2">
+        <a:scrgbClr r="0" g="0" b="0"/>
+      </a:lnRef>
+      <a:fillRef idx="0">
+        <a:scrgbClr r="0" g="0" b="0"/>
+      </a:fillRef>
+      <a:effectRef idx="0">
+        <a:scrgbClr r="0" g="0" b="0"/>
+      </a:effectRef>
+      <a:fontRef idx="minor"/>
+    </dgm:style>
+  </dgm:styleLbl>
+  <dgm:styleLbl name="parChTrans1D4">
+    <dgm:scene3d>
+      <a:camera prst="orthographicFront"/>
+      <a:lightRig rig="threePt" dir="t"/>
+    </dgm:scene3d>
+    <dgm:sp3d/>
+    <dgm:txPr/>
+    <dgm:style>
+      <a:lnRef idx="2">
+        <a:scrgbClr r="0" g="0" b="0"/>
+      </a:lnRef>
+      <a:fillRef idx="0">
+        <a:scrgbClr r="0" g="0" b="0"/>
+      </a:fillRef>
+      <a:effectRef idx="0">
+        <a:scrgbClr r="0" g="0" b="0"/>
+      </a:effectRef>
+      <a:fontRef idx="minor"/>
+    </dgm:style>
+  </dgm:styleLbl>
+  <dgm:styleLbl name="fgAcc1">
+    <dgm:scene3d>
+      <a:camera prst="orthographicFront"/>
+      <a:lightRig rig="threePt" dir="t"/>
+    </dgm:scene3d>
+    <dgm:sp3d/>
+    <dgm:txPr/>
+    <dgm:style>
+      <a:lnRef idx="2">
+        <a:scrgbClr r="0" g="0" b="0"/>
+      </a:lnRef>
+      <a:fillRef idx="1">
+        <a:scrgbClr r="0" g="0" b="0"/>
+      </a:fillRef>
+      <a:effectRef idx="0">
+        <a:scrgbClr r="0" g="0" b="0"/>
+      </a:effectRef>
+      <a:fontRef idx="minor"/>
+    </dgm:style>
+  </dgm:styleLbl>
+  <dgm:styleLbl name="conFgAcc1">
+    <dgm:scene3d>
+      <a:camera prst="orthographicFront"/>
+      <a:lightRig rig="threePt" dir="t"/>
+    </dgm:scene3d>
+    <dgm:sp3d/>
+    <dgm:txPr/>
+    <dgm:style>
+      <a:lnRef idx="2">
+        <a:scrgbClr r="0" g="0" b="0"/>
+      </a:lnRef>
+      <a:fillRef idx="1">
+        <a:scrgbClr r="0" g="0" b="0"/>
+      </a:fillRef>
+      <a:effectRef idx="0">
+        <a:scrgbClr r="0" g="0" b="0"/>
+      </a:effectRef>
+      <a:fontRef idx="minor"/>
+    </dgm:style>
+  </dgm:styleLbl>
+  <dgm:styleLbl name="alignAcc1">
+    <dgm:scene3d>
+      <a:camera prst="orthographicFront"/>
+      <a:lightRig rig="threePt" dir="t"/>
+    </dgm:scene3d>
+    <dgm:sp3d/>
+    <dgm:txPr/>
+    <dgm:style>
+      <a:lnRef idx="2">
+        <a:scrgbClr r="0" g="0" b="0"/>
+      </a:lnRef>
+      <a:fillRef idx="1">
+        <a:scrgbClr r="0" g="0" b="0"/>
+      </a:fillRef>
+      <a:effectRef idx="0">
+        <a:scrgbClr r="0" g="0" b="0"/>
+      </a:effectRef>
+      <a:fontRef idx="minor"/>
+    </dgm:style>
+  </dgm:styleLbl>
+  <dgm:styleLbl name="trAlignAcc1">
+    <dgm:scene3d>
+      <a:camera prst="orthographicFront"/>
+      <a:lightRig rig="threePt" dir="t"/>
+    </dgm:scene3d>
+    <dgm:sp3d/>
+    <dgm:txPr/>
+    <dgm:style>
+      <a:lnRef idx="1">
+        <a:scrgbClr r="0" g="0" b="0"/>
+      </a:lnRef>
+      <a:fillRef idx="1">
+        <a:scrgbClr r="0" g="0" b="0"/>
+      </a:fillRef>
+      <a:effectRef idx="0">
+        <a:scrgbClr r="0" g="0" b="0"/>
+      </a:effectRef>
+      <a:fontRef idx="minor"/>
+    </dgm:style>
+  </dgm:styleLbl>
+  <dgm:styleLbl name="bgAcc1">
+    <dgm:scene3d>
+      <a:camera prst="orthographicFront"/>
+      <a:lightRig rig="threePt" dir="t"/>
+    </dgm:scene3d>
+    <dgm:sp3d/>
+    <dgm:txPr/>
+    <dgm:style>
+      <a:lnRef idx="2">
+        <a:scrgbClr r="0" g="0" b="0"/>
+      </a:lnRef>
+      <a:fillRef idx="1">
+        <a:scrgbClr r="0" g="0" b="0"/>
+      </a:fillRef>
+      <a:effectRef idx="0">
+        <a:scrgbClr r="0" g="0" b="0"/>
+      </a:effectRef>
+      <a:fontRef idx="minor"/>
+    </dgm:style>
+  </dgm:styleLbl>
+  <dgm:styleLbl name="solidFgAcc1">
+    <dgm:scene3d>
+      <a:camera prst="orthographicFront"/>
+      <a:lightRig rig="threePt" dir="t"/>
+    </dgm:scene3d>
+    <dgm:sp3d/>
+    <dgm:txPr/>
+    <dgm:style>
+      <a:lnRef idx="2">
+        <a:scrgbClr r="0" g="0" b="0"/>
+      </a:lnRef>
+      <a:fillRef idx="1">
+        <a:scrgbClr r="0" g="0" b="0"/>
+      </a:fillRef>
+      <a:effectRef idx="0">
+        <a:scrgbClr r="0" g="0" b="0"/>
+      </a:effectRef>
+      <a:fontRef idx="minor"/>
+    </dgm:style>
+  </dgm:styleLbl>
+  <dgm:styleLbl name="solidAlignAcc1">
+    <dgm:scene3d>
+      <a:camera prst="orthographicFront"/>
+      <a:lightRig rig="threePt" dir="t"/>
+    </dgm:scene3d>
+    <dgm:sp3d/>
+    <dgm:txPr/>
+    <dgm:style>
+      <a:lnRef idx="2">
+        <a:scrgbClr r="0" g="0" b="0"/>
+      </a:lnRef>
+      <a:fillRef idx="1">
+        <a:scrgbClr r="0" g="0" b="0"/>
+      </a:fillRef>
+      <a:effectRef idx="0">
+        <a:scrgbClr r="0" g="0" b="0"/>
+      </a:effectRef>
+      <a:fontRef idx="minor"/>
+    </dgm:style>
+  </dgm:styleLbl>
+  <dgm:styleLbl name="solidBgAcc1">
+    <dgm:scene3d>
+      <a:camera prst="orthographicFront"/>
+      <a:lightRig rig="threePt" dir="t"/>
+    </dgm:scene3d>
+    <dgm:sp3d/>
+    <dgm:txPr/>
+    <dgm:style>
+      <a:lnRef idx="2">
+        <a:scrgbClr r="0" g="0" b="0"/>
+      </a:lnRef>
+      <a:fillRef idx="1">
+        <a:scrgbClr r="0" g="0" b="0"/>
+      </a:fillRef>
+      <a:effectRef idx="0">
+        <a:scrgbClr r="0" g="0" b="0"/>
+      </a:effectRef>
+      <a:fontRef idx="minor"/>
+    </dgm:style>
+  </dgm:styleLbl>
+  <dgm:styleLbl name="fgAccFollowNode1">
+    <dgm:scene3d>
+      <a:camera prst="orthographicFront"/>
+      <a:lightRig rig="threePt" dir="t"/>
+    </dgm:scene3d>
+    <dgm:sp3d/>
+    <dgm:txPr/>
+    <dgm:style>
+      <a:lnRef idx="2">
+        <a:scrgbClr r="0" g="0" b="0"/>
+      </a:lnRef>
+      <a:fillRef idx="1">
+        <a:scrgbClr r="0" g="0" b="0"/>
+      </a:fillRef>
+      <a:effectRef idx="0">
+        <a:scrgbClr r="0" g="0" b="0"/>
+      </a:effectRef>
+      <a:fontRef idx="minor"/>
+    </dgm:style>
+  </dgm:styleLbl>
+  <dgm:styleLbl name="alignAccFollowNode1">
+    <dgm:scene3d>
+      <a:camera prst="orthographicFront"/>
+      <a:lightRig rig="threePt" dir="t"/>
+    </dgm:scene3d>
+    <dgm:sp3d/>
+    <dgm:txPr/>
+    <dgm:style>
+      <a:lnRef idx="2">
+        <a:scrgbClr r="0" g="0" b="0"/>
+      </a:lnRef>
+      <a:fillRef idx="1">
+        <a:scrgbClr r="0" g="0" b="0"/>
+      </a:fillRef>
+      <a:effectRef idx="0">
+        <a:scrgbClr r="0" g="0" b="0"/>
+      </a:effectRef>
+      <a:fontRef idx="minor"/>
+    </dgm:style>
+  </dgm:styleLbl>
+  <dgm:styleLbl name="bgAccFollowNode1">
+    <dgm:scene3d>
+      <a:camera prst="orthographicFront"/>
+      <a:lightRig rig="threePt" dir="t"/>
+    </dgm:scene3d>
+    <dgm:sp3d/>
+    <dgm:txPr/>
+    <dgm:style>
+      <a:lnRef idx="2">
+        <a:scrgbClr r="0" g="0" b="0"/>
+      </a:lnRef>
+      <a:fillRef idx="1">
+        <a:scrgbClr r="0" g="0" b="0"/>
+      </a:fillRef>
+      <a:effectRef idx="0">
+        <a:scrgbClr r="0" g="0" b="0"/>
+      </a:effectRef>
+      <a:fontRef idx="minor"/>
+    </dgm:style>
+  </dgm:styleLbl>
+  <dgm:styleLbl name="fgAcc0">
+    <dgm:scene3d>
+      <a:camera prst="orthographicFront"/>
+      <a:lightRig rig="threePt" dir="t"/>
+    </dgm:scene3d>
+    <dgm:sp3d/>
+    <dgm:txPr/>
+    <dgm:style>
+      <a:lnRef idx="2">
+        <a:scrgbClr r="0" g="0" b="0"/>
+      </a:lnRef>
+      <a:fillRef idx="1">
+        <a:scrgbClr r="0" g="0" b="0"/>
+      </a:fillRef>
+      <a:effectRef idx="0">
+        <a:scrgbClr r="0" g="0" b="0"/>
+      </a:effectRef>
+      <a:fontRef idx="minor"/>
+    </dgm:style>
+  </dgm:styleLbl>
+  <dgm:styleLbl name="fgAcc2">
+    <dgm:scene3d>
+      <a:camera prst="orthographicFront"/>
+      <a:lightRig rig="threePt" dir="t"/>
+    </dgm:scene3d>
+    <dgm:sp3d/>
+    <dgm:txPr/>
+    <dgm:style>
+      <a:lnRef idx="2">
+        <a:scrgbClr r="0" g="0" b="0"/>
+      </a:lnRef>
+      <a:fillRef idx="1">
+        <a:scrgbClr r="0" g="0" b="0"/>
+      </a:fillRef>
+      <a:effectRef idx="0">
+        <a:scrgbClr r="0" g="0" b="0"/>
+      </a:effectRef>
+      <a:fontRef idx="minor"/>
+    </dgm:style>
+  </dgm:styleLbl>
+  <dgm:styleLbl name="fgAcc3">
+    <dgm:scene3d>
+      <a:camera prst="orthographicFront"/>
+      <a:lightRig rig="threePt" dir="t"/>
+    </dgm:scene3d>
+    <dgm:sp3d/>
+    <dgm:txPr/>
+    <dgm:style>
+      <a:lnRef idx="2">
+        <a:scrgbClr r="0" g="0" b="0"/>
+      </a:lnRef>
+      <a:fillRef idx="1">
+        <a:scrgbClr r="0" g="0" b="0"/>
+      </a:fillRef>
+      <a:effectRef idx="0">
+        <a:scrgbClr r="0" g="0" b="0"/>
+      </a:effectRef>
+      <a:fontRef idx="minor"/>
+    </dgm:style>
+  </dgm:styleLbl>
+  <dgm:styleLbl name="fgAcc4">
+    <dgm:scene3d>
+      <a:camera prst="orthographicFront"/>
+      <a:lightRig rig="threePt" dir="t"/>
+    </dgm:scene3d>
+    <dgm:sp3d/>
+    <dgm:txPr/>
+    <dgm:style>
+      <a:lnRef idx="2">
+        <a:scrgbClr r="0" g="0" b="0"/>
+      </a:lnRef>
+      <a:fillRef idx="1">
+        <a:scrgbClr r="0" g="0" b="0"/>
+      </a:fillRef>
+      <a:effectRef idx="0">
+        <a:scrgbClr r="0" g="0" b="0"/>
+      </a:effectRef>
+      <a:fontRef idx="minor"/>
+    </dgm:style>
+  </dgm:styleLbl>
+  <dgm:styleLbl name="bgShp">
+    <dgm:scene3d>
+      <a:camera prst="orthographicFront"/>
+      <a:lightRig rig="threePt" dir="t"/>
+    </dgm:scene3d>
+    <dgm:sp3d/>
+    <dgm:txPr/>
+    <dgm:style>
+      <a:lnRef idx="0">
+        <a:scrgbClr r="0" g="0" b="0"/>
+      </a:lnRef>
+      <a:fillRef idx="1">
+        <a:scrgbClr r="0" g="0" b="0"/>
+      </a:fillRef>
+      <a:effectRef idx="0">
+        <a:scrgbClr r="0" g="0" b="0"/>
+      </a:effectRef>
+      <a:fontRef idx="minor"/>
+    </dgm:style>
+  </dgm:styleLbl>
+  <dgm:styleLbl name="dkBgShp">
+    <dgm:scene3d>
+      <a:camera prst="orthographicFront"/>
+      <a:lightRig rig="threePt" dir="t"/>
+    </dgm:scene3d>
+    <dgm:sp3d/>
+    <dgm:txPr/>
+    <dgm:style>
+      <a:lnRef idx="0">
+        <a:scrgbClr r="0" g="0" b="0"/>
+      </a:lnRef>
+      <a:fillRef idx="1">
+        <a:scrgbClr r="0" g="0" b="0"/>
+      </a:fillRef>
+      <a:effectRef idx="0">
+        <a:scrgbClr r="0" g="0" b="0"/>
+      </a:effectRef>
+      <a:fontRef idx="minor"/>
+    </dgm:style>
+  </dgm:styleLbl>
+  <dgm:styleLbl name="trBgShp">
+    <dgm:scene3d>
+      <a:camera prst="orthographicFront"/>
+      <a:lightRig rig="threePt" dir="t"/>
+    </dgm:scene3d>
+    <dgm:sp3d/>
+    <dgm:txPr/>
+    <dgm:style>
+      <a:lnRef idx="0">
+        <a:scrgbClr r="0" g="0" b="0"/>
+      </a:lnRef>
+      <a:fillRef idx="1">
+        <a:scrgbClr r="0" g="0" b="0"/>
+      </a:fillRef>
+      <a:effectRef idx="0">
+        <a:scrgbClr r="0" g="0" b="0"/>
+      </a:effectRef>
+      <a:fontRef idx="minor"/>
+    </dgm:style>
+  </dgm:styleLbl>
+  <dgm:styleLbl name="fgShp">
+    <dgm:scene3d>
+      <a:camera prst="orthographicFront"/>
+      <a:lightRig rig="threePt" dir="t"/>
+    </dgm:scene3d>
+    <dgm:sp3d/>
+    <dgm:txPr/>
+    <dgm:style>
+      <a:lnRef idx="2">
+        <a:scrgbClr r="0" g="0" b="0"/>
+      </a:lnRef>
+      <a:fillRef idx="1">
+        <a:scrgbClr r="0" g="0" b="0"/>
+      </a:fillRef>
+      <a:effectRef idx="0">
+        <a:scrgbClr r="0" g="0" b="0"/>
+      </a:effectRef>
+      <a:fontRef idx="minor"/>
+    </dgm:style>
+  </dgm:styleLbl>
+  <dgm:styleLbl name="revTx">
+    <dgm:scene3d>
+      <a:camera prst="orthographicFront"/>
+      <a:lightRig rig="threePt" dir="t"/>
+    </dgm:scene3d>
+    <dgm:sp3d/>
+    <dgm:txPr/>
+    <dgm:style>
+      <a:lnRef idx="0">
+        <a:scrgbClr r="0" g="0" b="0"/>
+      </a:lnRef>
+      <a:fillRef idx="0">
+        <a:scrgbClr r="0" g="0" b="0"/>
+      </a:fillRef>
+      <a:effectRef idx="0">
+        <a:scrgbClr r="0" g="0" b="0"/>
+      </a:effectRef>
+      <a:fontRef idx="minor"/>
+    </dgm:style>
+  </dgm:styleLbl>
+</dgm:styleDef>
+</file>
+
+<file path=ppt/diagrams/quickStyle4.xml><?xml version="1.0" encoding="utf-8"?>
 <dgm:styleDef xmlns:dgm="http://schemas.openxmlformats.org/drawingml/2006/diagram" xmlns:a="http://schemas.openxmlformats.org/drawingml/2006/main" uniqueId="urn:microsoft.com/office/officeart/2005/8/quickstyle/3d1">
   <dgm:title val=""/>
   <dgm:desc val=""/>
@@ -17178,7 +20854,7 @@
 </dgm:styleDef>
 </file>
 
-<file path=ppt/diagrams/quickStyle4.xml><?xml version="1.0" encoding="utf-8"?>
+<file path=ppt/diagrams/quickStyle5.xml><?xml version="1.0" encoding="utf-8"?>
 <dgm:styleDef xmlns:dgm="http://schemas.openxmlformats.org/drawingml/2006/diagram" xmlns:a="http://schemas.openxmlformats.org/drawingml/2006/main" uniqueId="urn:microsoft.com/office/officeart/2005/8/quickstyle/simple1">
   <dgm:title val=""/>
   <dgm:desc val=""/>
@@ -18212,7 +21888,7 @@
 </dgm:styleDef>
 </file>
 
-<file path=ppt/diagrams/quickStyle5.xml><?xml version="1.0" encoding="utf-8"?>
+<file path=ppt/diagrams/quickStyle6.xml><?xml version="1.0" encoding="utf-8"?>
 <dgm:styleDef xmlns:dgm="http://schemas.openxmlformats.org/drawingml/2006/diagram" xmlns:a="http://schemas.openxmlformats.org/drawingml/2006/main" uniqueId="urn:microsoft.com/office/officeart/2005/8/quickstyle/3d1">
   <dgm:title val=""/>
   <dgm:desc val=""/>
@@ -19505,7 +23181,7 @@
             <a:fld id="{229FDC3E-7424-49CF-AF38-AA35F4C77C8D}" type="datetimeFigureOut">
               <a:rPr lang="pt-BR" smtClean="0"/>
               <a:pPr/>
-              <a:t>04/04/2014</a:t>
+              <a:t>16/05/2014</a:t>
             </a:fld>
             <a:endParaRPr lang="pt-BR"/>
           </a:p>
@@ -19677,7 +23353,7 @@
             <a:fld id="{229FDC3E-7424-49CF-AF38-AA35F4C77C8D}" type="datetimeFigureOut">
               <a:rPr lang="pt-BR" smtClean="0"/>
               <a:pPr/>
-              <a:t>04/04/2014</a:t>
+              <a:t>16/05/2014</a:t>
             </a:fld>
             <a:endParaRPr lang="pt-BR"/>
           </a:p>
@@ -19854,7 +23530,7 @@
             <a:fld id="{229FDC3E-7424-49CF-AF38-AA35F4C77C8D}" type="datetimeFigureOut">
               <a:rPr lang="pt-BR" smtClean="0"/>
               <a:pPr/>
-              <a:t>04/04/2014</a:t>
+              <a:t>16/05/2014</a:t>
             </a:fld>
             <a:endParaRPr lang="pt-BR"/>
           </a:p>
@@ -20021,7 +23697,7 @@
             <a:fld id="{229FDC3E-7424-49CF-AF38-AA35F4C77C8D}" type="datetimeFigureOut">
               <a:rPr lang="pt-BR" smtClean="0"/>
               <a:pPr/>
-              <a:t>04/04/2014</a:t>
+              <a:t>16/05/2014</a:t>
             </a:fld>
             <a:endParaRPr lang="pt-BR"/>
           </a:p>
@@ -20257,7 +23933,7 @@
             <a:fld id="{229FDC3E-7424-49CF-AF38-AA35F4C77C8D}" type="datetimeFigureOut">
               <a:rPr lang="pt-BR" smtClean="0"/>
               <a:pPr/>
-              <a:t>04/04/2014</a:t>
+              <a:t>16/05/2014</a:t>
             </a:fld>
             <a:endParaRPr lang="pt-BR"/>
           </a:p>
@@ -20555,7 +24231,7 @@
             <a:fld id="{229FDC3E-7424-49CF-AF38-AA35F4C77C8D}" type="datetimeFigureOut">
               <a:rPr lang="pt-BR" smtClean="0"/>
               <a:pPr/>
-              <a:t>04/04/2014</a:t>
+              <a:t>16/05/2014</a:t>
             </a:fld>
             <a:endParaRPr lang="pt-BR"/>
           </a:p>
@@ -20941,7 +24617,7 @@
             <a:fld id="{229FDC3E-7424-49CF-AF38-AA35F4C77C8D}" type="datetimeFigureOut">
               <a:rPr lang="pt-BR" smtClean="0"/>
               <a:pPr/>
-              <a:t>04/04/2014</a:t>
+              <a:t>16/05/2014</a:t>
             </a:fld>
             <a:endParaRPr lang="pt-BR"/>
           </a:p>
@@ -21116,7 +24792,7 @@
             <a:fld id="{229FDC3E-7424-49CF-AF38-AA35F4C77C8D}" type="datetimeFigureOut">
               <a:rPr lang="pt-BR" smtClean="0"/>
               <a:pPr/>
-              <a:t>04/04/2014</a:t>
+              <a:t>16/05/2014</a:t>
             </a:fld>
             <a:endParaRPr lang="pt-BR"/>
           </a:p>
@@ -21208,7 +24884,7 @@
             <a:fld id="{229FDC3E-7424-49CF-AF38-AA35F4C77C8D}" type="datetimeFigureOut">
               <a:rPr lang="pt-BR" smtClean="0"/>
               <a:pPr/>
-              <a:t>04/04/2014</a:t>
+              <a:t>16/05/2014</a:t>
             </a:fld>
             <a:endParaRPr lang="pt-BR"/>
           </a:p>
@@ -21505,7 +25181,7 @@
             <a:fld id="{229FDC3E-7424-49CF-AF38-AA35F4C77C8D}" type="datetimeFigureOut">
               <a:rPr lang="pt-BR" smtClean="0"/>
               <a:pPr/>
-              <a:t>04/04/2014</a:t>
+              <a:t>16/05/2014</a:t>
             </a:fld>
             <a:endParaRPr lang="pt-BR"/>
           </a:p>
@@ -21641,7 +25317,7 @@
             <a:fld id="{229FDC3E-7424-49CF-AF38-AA35F4C77C8D}" type="datetimeFigureOut">
               <a:rPr lang="pt-BR" smtClean="0"/>
               <a:pPr/>
-              <a:t>04/04/2014</a:t>
+              <a:t>16/05/2014</a:t>
             </a:fld>
             <a:endParaRPr lang="pt-BR"/>
           </a:p>
@@ -21946,7 +25622,7 @@
             <a:fld id="{229FDC3E-7424-49CF-AF38-AA35F4C77C8D}" type="datetimeFigureOut">
               <a:rPr lang="pt-BR" smtClean="0"/>
               <a:pPr/>
-              <a:t>04/04/2014</a:t>
+              <a:t>16/05/2014</a:t>
             </a:fld>
             <a:endParaRPr lang="pt-BR"/>
           </a:p>
@@ -22711,7 +26387,7 @@
             <p:ph idx="1"/>
             <p:extLst>
               <p:ext uri="{D42A27DB-BD31-4B8C-83A1-F6EECF244321}">
-                <p14:modId xmlns:p14="http://schemas.microsoft.com/office/powerpoint/2010/main" xmlns="" val="2208909862"/>
+                <p14:modId xmlns:p14="http://schemas.microsoft.com/office/powerpoint/2010/main" val="2208909862"/>
               </p:ext>
             </p:extLst>
           </p:nvPr>
@@ -23067,7 +26743,7 @@
             <p:ph idx="1"/>
             <p:extLst>
               <p:ext uri="{D42A27DB-BD31-4B8C-83A1-F6EECF244321}">
-                <p14:modId xmlns:p14="http://schemas.microsoft.com/office/powerpoint/2010/main" xmlns="" val="311956969"/>
+                <p14:modId xmlns:p14="http://schemas.microsoft.com/office/powerpoint/2010/main" val="2118870426"/>
               </p:ext>
             </p:extLst>
           </p:nvPr>
@@ -23131,35 +26807,37 @@
           <a:p>
             <a:r>
               <a:rPr lang="pt-BR" dirty="0" smtClean="0"/>
-              <a:t>Descrição inicial </a:t>
-            </a:r>
-            <a:r>
-              <a:rPr lang="pt-BR" dirty="0" smtClean="0"/>
-              <a:t>do problema </a:t>
+              <a:t>Descrição inicial do problema </a:t>
             </a:r>
             <a:endParaRPr lang="pt-BR" dirty="0"/>
           </a:p>
         </p:txBody>
       </p:sp>
-      <p:sp>
-        <p:nvSpPr>
-          <p:cNvPr id="3" name="Espaço Reservado para Conteúdo 2"/>
-          <p:cNvSpPr>
-            <a:spLocks noGrp="1"/>
-          </p:cNvSpPr>
+      <p:graphicFrame>
+        <p:nvGraphicFramePr>
+          <p:cNvPr id="4" name="Espaço Reservado para Conteúdo 3"/>
+          <p:cNvGraphicFramePr>
+            <a:graphicFrameLocks noGrp="1"/>
+          </p:cNvGraphicFramePr>
           <p:nvPr>
             <p:ph idx="1"/>
+            <p:extLst>
+              <p:ext uri="{D42A27DB-BD31-4B8C-83A1-F6EECF244321}">
+                <p14:modId xmlns:p14="http://schemas.microsoft.com/office/powerpoint/2010/main" val="736405372"/>
+              </p:ext>
+            </p:extLst>
           </p:nvPr>
-        </p:nvSpPr>
-        <p:spPr/>
-        <p:txBody>
-          <a:bodyPr/>
-          <a:lstStyle/>
-          <a:p>
-            <a:endParaRPr lang="pt-BR" dirty="0"/>
-          </a:p>
-        </p:txBody>
-      </p:sp>
+        </p:nvGraphicFramePr>
+        <p:xfrm>
+          <a:off x="304800" y="1554163"/>
+          <a:ext cx="8686800" cy="4525962"/>
+        </p:xfrm>
+        <a:graphic>
+          <a:graphicData uri="http://schemas.openxmlformats.org/drawingml/2006/diagram">
+            <dgm:relIds xmlns:dgm="http://schemas.openxmlformats.org/drawingml/2006/diagram" xmlns:r="http://schemas.openxmlformats.org/officeDocument/2006/relationships" r:dm="rId2" r:lo="rId3" r:qs="rId4" r:cs="rId5"/>
+          </a:graphicData>
+        </a:graphic>
+      </p:graphicFrame>
     </p:spTree>
   </p:cSld>
   <p:clrMapOvr>

--- a/SAS/Planejamento/Docs/#3 - Apresentação do projeto.pptx
+++ b/SAS/Planejamento/Docs/#3 - Apresentação do projeto.pptx
@@ -5313,27 +5313,27 @@
     </dgm:pt>
   </dgm:ptLst>
   <dgm:cxnLst>
-    <dgm:cxn modelId="{F9191076-F8DA-4139-AB2E-8676FB0EE6B9}" srcId="{F764DBA7-A3E6-41AE-AAE3-82E4B8468FDE}" destId="{8CD26415-961D-4B68-B921-E5200F5307C6}" srcOrd="0" destOrd="0" parTransId="{BA48AF34-0E50-497A-9716-D728A68A822C}" sibTransId="{442A9638-1598-4307-926B-38E8B2F5EC42}"/>
+    <dgm:cxn modelId="{49439F5F-703F-42C8-AC41-9D10F0F390C7}" srcId="{C9FFFE1F-6078-4D82-87D0-BC919E87007C}" destId="{3D263D67-4D7A-41A5-91A5-670388FEE69F}" srcOrd="0" destOrd="0" parTransId="{ACF50AC0-88E8-48BB-8EA1-B472F428EFC8}" sibTransId="{E1C076EE-C718-4411-AC8A-F6087CE2E2FC}"/>
+    <dgm:cxn modelId="{29B6EE33-46BD-4DFF-8EAB-6F54D53EE694}" srcId="{7204C1C4-4A05-4E69-9F7B-60981284C004}" destId="{FEEFF06B-F309-4B5C-9120-F2D5BB2A0B0A}" srcOrd="0" destOrd="0" parTransId="{92393A6B-0584-45D2-B927-C5E52B55B04B}" sibTransId="{9A34E78C-3E18-40E0-9559-08591574FBDD}"/>
+    <dgm:cxn modelId="{F8EDE821-F4CD-4FD2-80DE-63681A6BFEE6}" type="presOf" srcId="{8CD26415-961D-4B68-B921-E5200F5307C6}" destId="{7991AEF3-84F5-4F2F-9A87-D93011516A86}" srcOrd="0" destOrd="0" presId="urn:microsoft.com/office/officeart/2005/8/layout/vList5"/>
+    <dgm:cxn modelId="{E320DCA1-229B-464B-A3C2-83EF157F38FD}" type="presOf" srcId="{FEEFF06B-F309-4B5C-9120-F2D5BB2A0B0A}" destId="{4069C5B0-E0D3-47C9-9E5F-416939C594B9}" srcOrd="0" destOrd="0" presId="urn:microsoft.com/office/officeart/2005/8/layout/vList5"/>
+    <dgm:cxn modelId="{5146D501-AD3A-4D91-A2EE-6B8E055A8536}" type="presOf" srcId="{C9FFFE1F-6078-4D82-87D0-BC919E87007C}" destId="{F985ABD3-DA1F-4E90-952D-1C16820F198E}" srcOrd="0" destOrd="0" presId="urn:microsoft.com/office/officeart/2005/8/layout/vList5"/>
+    <dgm:cxn modelId="{16F3F74B-7060-4D12-9C89-BB95B103C25C}" type="presOf" srcId="{D7EEFC11-8883-4ED2-BE60-DD96E84152F9}" destId="{76D300D9-3977-4D02-95E9-3905CCACBD1B}" srcOrd="0" destOrd="0" presId="urn:microsoft.com/office/officeart/2005/8/layout/vList5"/>
     <dgm:cxn modelId="{40518AFD-BA91-4B2F-AEA2-E573186B25A5}" srcId="{E42DA33D-4309-45A4-8090-C7C1B8DE2840}" destId="{3E8A25C2-92DB-4ED8-B8C9-EA3371ADABA4}" srcOrd="1" destOrd="0" parTransId="{AE9D5A4F-DE63-4C00-8459-58284FF23117}" sibTransId="{DFAB64E3-84EF-4A31-90B3-B1CB79332689}"/>
     <dgm:cxn modelId="{886B9366-E103-4F17-9B78-865383070892}" type="presOf" srcId="{3E8A25C2-92DB-4ED8-B8C9-EA3371ADABA4}" destId="{1C4CF5AE-B0A9-4E79-99D0-8192DD361FD5}" srcOrd="0" destOrd="0" presId="urn:microsoft.com/office/officeart/2005/8/layout/vList5"/>
-    <dgm:cxn modelId="{E320DCA1-229B-464B-A3C2-83EF157F38FD}" type="presOf" srcId="{FEEFF06B-F309-4B5C-9120-F2D5BB2A0B0A}" destId="{4069C5B0-E0D3-47C9-9E5F-416939C594B9}" srcOrd="0" destOrd="0" presId="urn:microsoft.com/office/officeart/2005/8/layout/vList5"/>
+    <dgm:cxn modelId="{895F7E3F-AB1D-4DDA-9805-E992151AA0A5}" srcId="{E42DA33D-4309-45A4-8090-C7C1B8DE2840}" destId="{F764DBA7-A3E6-41AE-AAE3-82E4B8468FDE}" srcOrd="2" destOrd="0" parTransId="{DC130EEF-0F89-485F-A675-CEFBD90A8E41}" sibTransId="{41615984-E2C2-477B-BB5D-8BF374A79996}"/>
+    <dgm:cxn modelId="{482FF1F3-2CE5-45AC-BB2F-4517318D1C97}" type="presOf" srcId="{CD90799B-3B74-4BC7-8657-98A1B4DCC681}" destId="{4069C5B0-E0D3-47C9-9E5F-416939C594B9}" srcOrd="0" destOrd="1" presId="urn:microsoft.com/office/officeart/2005/8/layout/vList5"/>
     <dgm:cxn modelId="{287A446E-66DE-4E87-9D02-0CCC24AE66D5}" srcId="{3E8A25C2-92DB-4ED8-B8C9-EA3371ADABA4}" destId="{D7EEFC11-8883-4ED2-BE60-DD96E84152F9}" srcOrd="0" destOrd="0" parTransId="{B482877E-31B6-44B4-8CD6-B7C7B7B41713}" sibTransId="{6D43DDB6-F7AC-4CC2-A2C8-5A3FEEC47C1E}"/>
+    <dgm:cxn modelId="{7DA06D24-3FE4-409C-A5B4-AABEB6DCE6D5}" srcId="{7204C1C4-4A05-4E69-9F7B-60981284C004}" destId="{532DDF30-8F85-4CC7-9DA6-BD224FB1F3F5}" srcOrd="2" destOrd="0" parTransId="{D1BC096E-7702-440B-BE80-860792D3DFB7}" sibTransId="{9D185A63-1973-4493-917E-43CEF87568E8}"/>
+    <dgm:cxn modelId="{B14882FA-3621-45BB-AD02-588DC237E259}" srcId="{E42DA33D-4309-45A4-8090-C7C1B8DE2840}" destId="{C9FFFE1F-6078-4D82-87D0-BC919E87007C}" srcOrd="3" destOrd="0" parTransId="{542BC124-9D9F-4260-8A13-671245865973}" sibTransId="{7CFEB858-7D09-4292-AFD8-A460BF109FDB}"/>
+    <dgm:cxn modelId="{87BA7E12-F7AF-46BE-8604-29232418CB3A}" srcId="{E42DA33D-4309-45A4-8090-C7C1B8DE2840}" destId="{7204C1C4-4A05-4E69-9F7B-60981284C004}" srcOrd="0" destOrd="0" parTransId="{4413B713-B44E-40B8-B9EC-C52CD6FE6A10}" sibTransId="{03005108-F32D-4EFF-9439-890CCA627D66}"/>
+    <dgm:cxn modelId="{83312643-ADFE-4B1B-815A-D60947C8A4EC}" srcId="{7204C1C4-4A05-4E69-9F7B-60981284C004}" destId="{CD90799B-3B74-4BC7-8657-98A1B4DCC681}" srcOrd="1" destOrd="0" parTransId="{751EC021-411F-4A76-B34F-42C814479026}" sibTransId="{7A7CB2A3-1623-4099-B0DA-33EDC01CA133}"/>
     <dgm:cxn modelId="{02D36449-91AF-4126-9259-E191C70B70F8}" type="presOf" srcId="{3D263D67-4D7A-41A5-91A5-670388FEE69F}" destId="{232E8D04-E732-492E-A284-139D99DFE02C}" srcOrd="0" destOrd="0" presId="urn:microsoft.com/office/officeart/2005/8/layout/vList5"/>
+    <dgm:cxn modelId="{2F03713C-0490-4725-99D7-5056B7C29DD9}" type="presOf" srcId="{E42DA33D-4309-45A4-8090-C7C1B8DE2840}" destId="{9951C6AC-0F0C-48FA-BECF-6C3F336159BF}" srcOrd="0" destOrd="0" presId="urn:microsoft.com/office/officeart/2005/8/layout/vList5"/>
+    <dgm:cxn modelId="{7B753C74-0022-47C2-9FF5-93322A5AF332}" type="presOf" srcId="{7204C1C4-4A05-4E69-9F7B-60981284C004}" destId="{83285697-B771-41E8-BF80-D6B7B2E260A7}" srcOrd="0" destOrd="0" presId="urn:microsoft.com/office/officeart/2005/8/layout/vList5"/>
     <dgm:cxn modelId="{8A68C0B9-F522-4B3B-9EBF-E7A9F6BA3F83}" type="presOf" srcId="{F764DBA7-A3E6-41AE-AAE3-82E4B8468FDE}" destId="{DE3A8CA3-F5E7-47D6-9409-0DAEFC3883C5}" srcOrd="0" destOrd="0" presId="urn:microsoft.com/office/officeart/2005/8/layout/vList5"/>
-    <dgm:cxn modelId="{7DA06D24-3FE4-409C-A5B4-AABEB6DCE6D5}" srcId="{7204C1C4-4A05-4E69-9F7B-60981284C004}" destId="{532DDF30-8F85-4CC7-9DA6-BD224FB1F3F5}" srcOrd="2" destOrd="0" parTransId="{D1BC096E-7702-440B-BE80-860792D3DFB7}" sibTransId="{9D185A63-1973-4493-917E-43CEF87568E8}"/>
-    <dgm:cxn modelId="{482FF1F3-2CE5-45AC-BB2F-4517318D1C97}" type="presOf" srcId="{CD90799B-3B74-4BC7-8657-98A1B4DCC681}" destId="{4069C5B0-E0D3-47C9-9E5F-416939C594B9}" srcOrd="0" destOrd="1" presId="urn:microsoft.com/office/officeart/2005/8/layout/vList5"/>
     <dgm:cxn modelId="{8992B31C-96AE-42D8-92E7-747632B0038C}" type="presOf" srcId="{532DDF30-8F85-4CC7-9DA6-BD224FB1F3F5}" destId="{4069C5B0-E0D3-47C9-9E5F-416939C594B9}" srcOrd="0" destOrd="2" presId="urn:microsoft.com/office/officeart/2005/8/layout/vList5"/>
-    <dgm:cxn modelId="{29B6EE33-46BD-4DFF-8EAB-6F54D53EE694}" srcId="{7204C1C4-4A05-4E69-9F7B-60981284C004}" destId="{FEEFF06B-F309-4B5C-9120-F2D5BB2A0B0A}" srcOrd="0" destOrd="0" parTransId="{92393A6B-0584-45D2-B927-C5E52B55B04B}" sibTransId="{9A34E78C-3E18-40E0-9559-08591574FBDD}"/>
-    <dgm:cxn modelId="{49439F5F-703F-42C8-AC41-9D10F0F390C7}" srcId="{C9FFFE1F-6078-4D82-87D0-BC919E87007C}" destId="{3D263D67-4D7A-41A5-91A5-670388FEE69F}" srcOrd="0" destOrd="0" parTransId="{ACF50AC0-88E8-48BB-8EA1-B472F428EFC8}" sibTransId="{E1C076EE-C718-4411-AC8A-F6087CE2E2FC}"/>
-    <dgm:cxn modelId="{B14882FA-3621-45BB-AD02-588DC237E259}" srcId="{E42DA33D-4309-45A4-8090-C7C1B8DE2840}" destId="{C9FFFE1F-6078-4D82-87D0-BC919E87007C}" srcOrd="3" destOrd="0" parTransId="{542BC124-9D9F-4260-8A13-671245865973}" sibTransId="{7CFEB858-7D09-4292-AFD8-A460BF109FDB}"/>
-    <dgm:cxn modelId="{5146D501-AD3A-4D91-A2EE-6B8E055A8536}" type="presOf" srcId="{C9FFFE1F-6078-4D82-87D0-BC919E87007C}" destId="{F985ABD3-DA1F-4E90-952D-1C16820F198E}" srcOrd="0" destOrd="0" presId="urn:microsoft.com/office/officeart/2005/8/layout/vList5"/>
-    <dgm:cxn modelId="{2F03713C-0490-4725-99D7-5056B7C29DD9}" type="presOf" srcId="{E42DA33D-4309-45A4-8090-C7C1B8DE2840}" destId="{9951C6AC-0F0C-48FA-BECF-6C3F336159BF}" srcOrd="0" destOrd="0" presId="urn:microsoft.com/office/officeart/2005/8/layout/vList5"/>
-    <dgm:cxn modelId="{87BA7E12-F7AF-46BE-8604-29232418CB3A}" srcId="{E42DA33D-4309-45A4-8090-C7C1B8DE2840}" destId="{7204C1C4-4A05-4E69-9F7B-60981284C004}" srcOrd="0" destOrd="0" parTransId="{4413B713-B44E-40B8-B9EC-C52CD6FE6A10}" sibTransId="{03005108-F32D-4EFF-9439-890CCA627D66}"/>
-    <dgm:cxn modelId="{16F3F74B-7060-4D12-9C89-BB95B103C25C}" type="presOf" srcId="{D7EEFC11-8883-4ED2-BE60-DD96E84152F9}" destId="{76D300D9-3977-4D02-95E9-3905CCACBD1B}" srcOrd="0" destOrd="0" presId="urn:microsoft.com/office/officeart/2005/8/layout/vList5"/>
-    <dgm:cxn modelId="{F8EDE821-F4CD-4FD2-80DE-63681A6BFEE6}" type="presOf" srcId="{8CD26415-961D-4B68-B921-E5200F5307C6}" destId="{7991AEF3-84F5-4F2F-9A87-D93011516A86}" srcOrd="0" destOrd="0" presId="urn:microsoft.com/office/officeart/2005/8/layout/vList5"/>
-    <dgm:cxn modelId="{7B753C74-0022-47C2-9FF5-93322A5AF332}" type="presOf" srcId="{7204C1C4-4A05-4E69-9F7B-60981284C004}" destId="{83285697-B771-41E8-BF80-D6B7B2E260A7}" srcOrd="0" destOrd="0" presId="urn:microsoft.com/office/officeart/2005/8/layout/vList5"/>
-    <dgm:cxn modelId="{895F7E3F-AB1D-4DDA-9805-E992151AA0A5}" srcId="{E42DA33D-4309-45A4-8090-C7C1B8DE2840}" destId="{F764DBA7-A3E6-41AE-AAE3-82E4B8468FDE}" srcOrd="2" destOrd="0" parTransId="{DC130EEF-0F89-485F-A675-CEFBD90A8E41}" sibTransId="{41615984-E2C2-477B-BB5D-8BF374A79996}"/>
-    <dgm:cxn modelId="{83312643-ADFE-4B1B-815A-D60947C8A4EC}" srcId="{7204C1C4-4A05-4E69-9F7B-60981284C004}" destId="{CD90799B-3B74-4BC7-8657-98A1B4DCC681}" srcOrd="1" destOrd="0" parTransId="{751EC021-411F-4A76-B34F-42C814479026}" sibTransId="{7A7CB2A3-1623-4099-B0DA-33EDC01CA133}"/>
+    <dgm:cxn modelId="{F9191076-F8DA-4139-AB2E-8676FB0EE6B9}" srcId="{F764DBA7-A3E6-41AE-AAE3-82E4B8468FDE}" destId="{8CD26415-961D-4B68-B921-E5200F5307C6}" srcOrd="0" destOrd="0" parTransId="{BA48AF34-0E50-497A-9716-D728A68A822C}" sibTransId="{442A9638-1598-4307-926B-38E8B2F5EC42}"/>
     <dgm:cxn modelId="{A3BB4633-1B83-438C-B46A-5AF3D92225A3}" type="presParOf" srcId="{9951C6AC-0F0C-48FA-BECF-6C3F336159BF}" destId="{74EA5511-F8C7-4860-A01C-41612C829EF5}" srcOrd="0" destOrd="0" presId="urn:microsoft.com/office/officeart/2005/8/layout/vList5"/>
     <dgm:cxn modelId="{8F3604BB-2758-4462-926E-F93AA05F30B5}" type="presParOf" srcId="{74EA5511-F8C7-4860-A01C-41612C829EF5}" destId="{83285697-B771-41E8-BF80-D6B7B2E260A7}" srcOrd="0" destOrd="0" presId="urn:microsoft.com/office/officeart/2005/8/layout/vList5"/>
     <dgm:cxn modelId="{C5A249E9-42F1-43F9-8331-FBEE8E16B894}" type="presParOf" srcId="{74EA5511-F8C7-4860-A01C-41612C829EF5}" destId="{4069C5B0-E0D3-47C9-9E5F-416939C594B9}" srcOrd="1" destOrd="0" presId="urn:microsoft.com/office/officeart/2005/8/layout/vList5"/>
@@ -5354,7 +5354,7 @@
   <dgm:whole/>
   <dgm:extLst>
     <a:ext uri="http://schemas.microsoft.com/office/drawing/2008/diagram">
-      <dsp:dataModelExt xmlns:dsp="http://schemas.microsoft.com/office/drawing/2008/diagram" relId="rId6" minVer="http://schemas.openxmlformats.org/drawingml/2006/diagram"/>
+      <dsp:dataModelExt xmlns:dsp="http://schemas.microsoft.com/office/drawing/2008/diagram" xmlns="" relId="rId6" minVer="http://schemas.openxmlformats.org/drawingml/2006/diagram"/>
     </a:ext>
   </dgm:extLst>
 </dgm:dataModel>
@@ -5397,10 +5397,10 @@
         <a:lstStyle/>
         <a:p>
           <a:r>
-            <a:rPr lang="pt-BR" sz="1600" b="1" dirty="0" smtClean="0"/>
-            <a:t>Sem software local </a:t>
+            <a:rPr lang="pt-BR" sz="2400" b="1" dirty="0" smtClean="0"/>
+            <a:t>Interligar </a:t>
           </a:r>
-          <a:endParaRPr lang="pt-BR" sz="1600" b="1" dirty="0"/>
+          <a:endParaRPr lang="pt-BR" sz="2400" b="1" dirty="0"/>
         </a:p>
       </dgm:t>
     </dgm:pt>
@@ -5463,11 +5463,12 @@
         <a:bodyPr/>
         <a:lstStyle/>
         <a:p>
+          <a:pPr algn="l"/>
           <a:r>
-            <a:rPr lang="pt-BR" sz="1400" b="1" dirty="0" smtClean="0"/>
-            <a:t>?</a:t>
+            <a:rPr lang="pt-BR" sz="1800" b="1" dirty="0" smtClean="0"/>
+            <a:t>Pastorais</a:t>
           </a:r>
-          <a:endParaRPr lang="pt-BR" sz="1400" b="1" dirty="0"/>
+          <a:endParaRPr lang="pt-BR" sz="1800" b="1" dirty="0"/>
         </a:p>
       </dgm:t>
     </dgm:pt>
@@ -5515,11 +5516,12 @@
         <a:bodyPr/>
         <a:lstStyle/>
         <a:p>
+          <a:pPr algn="l"/>
           <a:r>
-            <a:rPr lang="pt-BR" sz="1600" b="1" dirty="0" smtClean="0"/>
-            <a:t>Mobilidade</a:t>
+            <a:rPr lang="pt-BR" sz="2400" b="1" dirty="0" smtClean="0"/>
+            <a:t>Padronizar</a:t>
           </a:r>
-          <a:endParaRPr lang="pt-BR" sz="1600" b="1" dirty="0"/>
+          <a:endParaRPr lang="pt-BR" sz="2400" b="1" dirty="0"/>
         </a:p>
       </dgm:t>
     </dgm:pt>
@@ -5583,10 +5585,10 @@
         <a:lstStyle/>
         <a:p>
           <a:r>
-            <a:rPr lang="pt-BR" sz="1400" b="1" dirty="0" smtClean="0"/>
+            <a:rPr lang="pt-BR" sz="1800" b="1" dirty="0" smtClean="0"/>
             <a:t>?</a:t>
           </a:r>
-          <a:endParaRPr lang="pt-BR" sz="1400" b="1" dirty="0"/>
+          <a:endParaRPr lang="pt-BR" sz="1800" b="1" dirty="0"/>
         </a:p>
       </dgm:t>
     </dgm:pt>
@@ -5635,10 +5637,10 @@
         <a:lstStyle/>
         <a:p>
           <a:r>
-            <a:rPr lang="pt-BR" sz="1600" b="1" dirty="0" smtClean="0"/>
-            <a:t>Recursos locais</a:t>
+            <a:rPr lang="pt-BR" sz="2400" b="1" dirty="0" smtClean="0"/>
+            <a:t>Facilitar</a:t>
           </a:r>
-          <a:endParaRPr lang="pt-BR" sz="1600" b="1" dirty="0"/>
+          <a:endParaRPr lang="pt-BR" sz="2400" b="1" dirty="0"/>
         </a:p>
       </dgm:t>
     </dgm:pt>
@@ -5716,6 +5718,41 @@
         </a:p>
       </dgm:t>
     </dgm:pt>
+    <dgm:pt modelId="{AB2E5A07-628C-4E92-90B5-D0FC29CDD9C7}">
+      <dgm:prSet phldrT="[Texto]" custT="1">
+        <dgm:style>
+          <a:lnRef idx="2">
+            <a:schemeClr val="accent1"/>
+          </a:lnRef>
+          <a:fillRef idx="1">
+            <a:schemeClr val="lt1"/>
+          </a:fillRef>
+          <a:effectRef idx="0">
+            <a:schemeClr val="accent1"/>
+          </a:effectRef>
+          <a:fontRef idx="minor">
+            <a:schemeClr val="dk1"/>
+          </a:fontRef>
+        </dgm:style>
+      </dgm:prSet>
+      <dgm:spPr/>
+      <dgm:t>
+        <a:bodyPr/>
+        <a:lstStyle/>
+        <a:p>
+          <a:pPr algn="l"/>
+          <a:endParaRPr lang="pt-BR" sz="1800" b="1" dirty="0"/>
+        </a:p>
+      </dgm:t>
+    </dgm:pt>
+    <dgm:pt modelId="{4015142C-E082-4615-B7AB-FB0D2987A9AC}" type="parTrans" cxnId="{7A1F2110-9C05-4201-A75F-73284CDE0F86}">
+      <dgm:prSet/>
+      <dgm:spPr/>
+    </dgm:pt>
+    <dgm:pt modelId="{1A383F36-FE35-43F6-9A56-87C1C2601885}" type="sibTrans" cxnId="{7A1F2110-9C05-4201-A75F-73284CDE0F86}">
+      <dgm:prSet/>
+      <dgm:spPr/>
+    </dgm:pt>
     <dgm:pt modelId="{BCDBC707-4A93-4D55-A61A-79732B703027}" type="pres">
       <dgm:prSet presAssocID="{E253E697-B0C3-42D4-81FD-D3ABCA72938E}" presName="linearFlow" presStyleCnt="0">
         <dgm:presLayoutVars>
@@ -5920,26 +5957,28 @@
     </dgm:pt>
   </dgm:ptLst>
   <dgm:cxnLst>
+    <dgm:cxn modelId="{C288C32A-3227-4782-B852-198321A78827}" type="presOf" srcId="{140DB818-E071-4B39-BEDA-37F84C79FBA2}" destId="{D6C82472-F7A1-44F8-BE16-C0E2E40E0D6B}" srcOrd="1" destOrd="0" presId="urn:microsoft.com/office/officeart/2005/8/layout/process3"/>
+    <dgm:cxn modelId="{021B0986-616E-47A6-BC20-5C2A8AA71A81}" type="presOf" srcId="{E253E697-B0C3-42D4-81FD-D3ABCA72938E}" destId="{BCDBC707-4A93-4D55-A61A-79732B703027}" srcOrd="0" destOrd="0" presId="urn:microsoft.com/office/officeart/2005/8/layout/process3"/>
+    <dgm:cxn modelId="{BB53AC73-5473-4487-A280-CC415E72C20C}" srcId="{E253E697-B0C3-42D4-81FD-D3ABCA72938E}" destId="{140DB818-E071-4B39-BEDA-37F84C79FBA2}" srcOrd="1" destOrd="0" parTransId="{5D492640-F330-4177-9F25-0C2545064803}" sibTransId="{AAA7816F-0D18-434B-AF27-E1709A042EA5}"/>
     <dgm:cxn modelId="{82215399-8FEF-435E-B12E-B0BBF6350A2D}" srcId="{140DB818-E071-4B39-BEDA-37F84C79FBA2}" destId="{57884B04-88D4-4FB2-8678-5199DF429E6F}" srcOrd="0" destOrd="0" parTransId="{C4B27B1D-C2E0-4804-B643-F031B63B66D3}" sibTransId="{B8942B1F-0DA1-4630-8D8B-34A3B43C11D5}"/>
+    <dgm:cxn modelId="{E22A4332-4F38-4397-A0CA-E07AB4FDA400}" type="presOf" srcId="{AD7A2D0A-69C1-40D4-AC3C-50ACA39C45C1}" destId="{EA7354A6-04B1-4A5C-BE93-3D503C066108}" srcOrd="0" destOrd="0" presId="urn:microsoft.com/office/officeart/2005/8/layout/process3"/>
+    <dgm:cxn modelId="{1BD557F6-3147-4A3E-96E1-8774CC36B89A}" srcId="{E253E697-B0C3-42D4-81FD-D3ABCA72938E}" destId="{AD7A2D0A-69C1-40D4-AC3C-50ACA39C45C1}" srcOrd="2" destOrd="0" parTransId="{B65DA3CC-30DF-4011-97FD-91E67EF19982}" sibTransId="{D8E3431A-1020-45BC-A3A1-D9601A2EED84}"/>
+    <dgm:cxn modelId="{625B97B1-48B9-4F79-AD12-9E967C7E5D25}" type="presOf" srcId="{57884B04-88D4-4FB2-8678-5199DF429E6F}" destId="{3E47BC9E-87C0-4D93-83F4-A810B62AEF07}" srcOrd="0" destOrd="0" presId="urn:microsoft.com/office/officeart/2005/8/layout/process3"/>
+    <dgm:cxn modelId="{1797C3E7-363E-4D4F-BF7B-E725B7DA6E80}" type="presOf" srcId="{579997AD-FA9A-4915-A323-8F17CA09514B}" destId="{E703F4C6-A0E0-49AD-9FAC-F47DD1F01258}" srcOrd="1" destOrd="0" presId="urn:microsoft.com/office/officeart/2005/8/layout/process3"/>
+    <dgm:cxn modelId="{5DDCBCED-AD9D-443E-B390-A89DFC1C749F}" type="presOf" srcId="{140DB818-E071-4B39-BEDA-37F84C79FBA2}" destId="{184053F0-8034-496C-9823-B7D238D8DC93}" srcOrd="0" destOrd="0" presId="urn:microsoft.com/office/officeart/2005/8/layout/process3"/>
+    <dgm:cxn modelId="{605658C6-069A-4135-B3FB-B8571120DFAF}" type="presOf" srcId="{4BA36FF7-0F0F-4341-A68C-01E8516603CD}" destId="{DADC7395-583C-4FD5-8691-3342B823E6CA}" srcOrd="1" destOrd="0" presId="urn:microsoft.com/office/officeart/2005/8/layout/process3"/>
+    <dgm:cxn modelId="{D95A37CA-F51F-4A08-8D0B-184665F642AA}" type="presOf" srcId="{579997AD-FA9A-4915-A323-8F17CA09514B}" destId="{330F8E89-32DF-4BC4-AED2-91D2D7CB94C5}" srcOrd="0" destOrd="0" presId="urn:microsoft.com/office/officeart/2005/8/layout/process3"/>
+    <dgm:cxn modelId="{13DDD5AB-9265-4DB2-9E66-512CAA799786}" srcId="{E253E697-B0C3-42D4-81FD-D3ABCA72938E}" destId="{4BA36FF7-0F0F-4341-A68C-01E8516603CD}" srcOrd="0" destOrd="0" parTransId="{9FBCD112-267C-4316-B4DD-D2608637A18B}" sibTransId="{579997AD-FA9A-4915-A323-8F17CA09514B}"/>
+    <dgm:cxn modelId="{3B833AF1-554A-4115-83EE-25F9C4E2AEFD}" type="presOf" srcId="{B2D64904-4778-414A-935C-AFC992C15E50}" destId="{A64C8272-FC1A-4572-A0B1-A3C36EACD2B6}" srcOrd="0" destOrd="0" presId="urn:microsoft.com/office/officeart/2005/8/layout/process3"/>
+    <dgm:cxn modelId="{AE01CECD-7460-4EE6-9855-462A6BAC54CD}" type="presOf" srcId="{21736AD5-ED16-41EE-9520-03DEC94C9DD9}" destId="{1993AEF3-68C8-4F83-9F1E-D1B7B5B4963C}" srcOrd="0" destOrd="0" presId="urn:microsoft.com/office/officeart/2005/8/layout/process3"/>
     <dgm:cxn modelId="{9C9CCD84-152C-4BF0-AE56-02A77DCE9308}" type="presOf" srcId="{AD7A2D0A-69C1-40D4-AC3C-50ACA39C45C1}" destId="{944B484B-F688-4CFA-A4FB-08B237CA5903}" srcOrd="1" destOrd="0" presId="urn:microsoft.com/office/officeart/2005/8/layout/process3"/>
-    <dgm:cxn modelId="{BB53AC73-5473-4487-A280-CC415E72C20C}" srcId="{E253E697-B0C3-42D4-81FD-D3ABCA72938E}" destId="{140DB818-E071-4B39-BEDA-37F84C79FBA2}" srcOrd="1" destOrd="0" parTransId="{5D492640-F330-4177-9F25-0C2545064803}" sibTransId="{AAA7816F-0D18-434B-AF27-E1709A042EA5}"/>
+    <dgm:cxn modelId="{D1284BD6-E3DA-48A8-BFF9-25C5710CED70}" type="presOf" srcId="{4BA36FF7-0F0F-4341-A68C-01E8516603CD}" destId="{209FD6B3-0ECB-4203-B962-7559934405BD}" srcOrd="0" destOrd="0" presId="urn:microsoft.com/office/officeart/2005/8/layout/process3"/>
+    <dgm:cxn modelId="{7DDFCDF5-FB4B-4B56-AB28-D717E8E38C18}" type="presOf" srcId="{AAA7816F-0D18-434B-AF27-E1709A042EA5}" destId="{A890346F-3222-4081-BF76-FED6671C2558}" srcOrd="1" destOrd="0" presId="urn:microsoft.com/office/officeart/2005/8/layout/process3"/>
+    <dgm:cxn modelId="{7A1F2110-9C05-4201-A75F-73284CDE0F86}" srcId="{4BA36FF7-0F0F-4341-A68C-01E8516603CD}" destId="{AB2E5A07-628C-4E92-90B5-D0FC29CDD9C7}" srcOrd="1" destOrd="0" parTransId="{4015142C-E082-4615-B7AB-FB0D2987A9AC}" sibTransId="{1A383F36-FE35-43F6-9A56-87C1C2601885}"/>
+    <dgm:cxn modelId="{7F41E571-0B1D-42DB-A0D6-32AC8948638C}" type="presOf" srcId="{AB2E5A07-628C-4E92-90B5-D0FC29CDD9C7}" destId="{A64C8272-FC1A-4572-A0B1-A3C36EACD2B6}" srcOrd="0" destOrd="1" presId="urn:microsoft.com/office/officeart/2005/8/layout/process3"/>
     <dgm:cxn modelId="{5A2ECE84-5973-469B-B8D7-72377C33E035}" type="presOf" srcId="{AAA7816F-0D18-434B-AF27-E1709A042EA5}" destId="{1390A124-BEDA-4A49-9B1B-0ED2FB571A6C}" srcOrd="0" destOrd="0" presId="urn:microsoft.com/office/officeart/2005/8/layout/process3"/>
-    <dgm:cxn modelId="{021B0986-616E-47A6-BC20-5C2A8AA71A81}" type="presOf" srcId="{E253E697-B0C3-42D4-81FD-D3ABCA72938E}" destId="{BCDBC707-4A93-4D55-A61A-79732B703027}" srcOrd="0" destOrd="0" presId="urn:microsoft.com/office/officeart/2005/8/layout/process3"/>
-    <dgm:cxn modelId="{605658C6-069A-4135-B3FB-B8571120DFAF}" type="presOf" srcId="{4BA36FF7-0F0F-4341-A68C-01E8516603CD}" destId="{DADC7395-583C-4FD5-8691-3342B823E6CA}" srcOrd="1" destOrd="0" presId="urn:microsoft.com/office/officeart/2005/8/layout/process3"/>
-    <dgm:cxn modelId="{7DDFCDF5-FB4B-4B56-AB28-D717E8E38C18}" type="presOf" srcId="{AAA7816F-0D18-434B-AF27-E1709A042EA5}" destId="{A890346F-3222-4081-BF76-FED6671C2558}" srcOrd="1" destOrd="0" presId="urn:microsoft.com/office/officeart/2005/8/layout/process3"/>
-    <dgm:cxn modelId="{1BD557F6-3147-4A3E-96E1-8774CC36B89A}" srcId="{E253E697-B0C3-42D4-81FD-D3ABCA72938E}" destId="{AD7A2D0A-69C1-40D4-AC3C-50ACA39C45C1}" srcOrd="2" destOrd="0" parTransId="{B65DA3CC-30DF-4011-97FD-91E67EF19982}" sibTransId="{D8E3431A-1020-45BC-A3A1-D9601A2EED84}"/>
-    <dgm:cxn modelId="{D95A37CA-F51F-4A08-8D0B-184665F642AA}" type="presOf" srcId="{579997AD-FA9A-4915-A323-8F17CA09514B}" destId="{330F8E89-32DF-4BC4-AED2-91D2D7CB94C5}" srcOrd="0" destOrd="0" presId="urn:microsoft.com/office/officeart/2005/8/layout/process3"/>
-    <dgm:cxn modelId="{3B833AF1-554A-4115-83EE-25F9C4E2AEFD}" type="presOf" srcId="{B2D64904-4778-414A-935C-AFC992C15E50}" destId="{A64C8272-FC1A-4572-A0B1-A3C36EACD2B6}" srcOrd="0" destOrd="0" presId="urn:microsoft.com/office/officeart/2005/8/layout/process3"/>
-    <dgm:cxn modelId="{13DDD5AB-9265-4DB2-9E66-512CAA799786}" srcId="{E253E697-B0C3-42D4-81FD-D3ABCA72938E}" destId="{4BA36FF7-0F0F-4341-A68C-01E8516603CD}" srcOrd="0" destOrd="0" parTransId="{9FBCD112-267C-4316-B4DD-D2608637A18B}" sibTransId="{579997AD-FA9A-4915-A323-8F17CA09514B}"/>
-    <dgm:cxn modelId="{5DDCBCED-AD9D-443E-B390-A89DFC1C749F}" type="presOf" srcId="{140DB818-E071-4B39-BEDA-37F84C79FBA2}" destId="{184053F0-8034-496C-9823-B7D238D8DC93}" srcOrd="0" destOrd="0" presId="urn:microsoft.com/office/officeart/2005/8/layout/process3"/>
-    <dgm:cxn modelId="{1797C3E7-363E-4D4F-BF7B-E725B7DA6E80}" type="presOf" srcId="{579997AD-FA9A-4915-A323-8F17CA09514B}" destId="{E703F4C6-A0E0-49AD-9FAC-F47DD1F01258}" srcOrd="1" destOrd="0" presId="urn:microsoft.com/office/officeart/2005/8/layout/process3"/>
     <dgm:cxn modelId="{E6108260-E385-432B-A806-C31C8E849437}" srcId="{4BA36FF7-0F0F-4341-A68C-01E8516603CD}" destId="{B2D64904-4778-414A-935C-AFC992C15E50}" srcOrd="0" destOrd="0" parTransId="{3886B039-ED5A-4C35-9224-7296F3AB00E8}" sibTransId="{F27A2EE6-AA94-4404-920A-4FEA4A59E153}"/>
-    <dgm:cxn modelId="{E22A4332-4F38-4397-A0CA-E07AB4FDA400}" type="presOf" srcId="{AD7A2D0A-69C1-40D4-AC3C-50ACA39C45C1}" destId="{EA7354A6-04B1-4A5C-BE93-3D503C066108}" srcOrd="0" destOrd="0" presId="urn:microsoft.com/office/officeart/2005/8/layout/process3"/>
-    <dgm:cxn modelId="{AE01CECD-7460-4EE6-9855-462A6BAC54CD}" type="presOf" srcId="{21736AD5-ED16-41EE-9520-03DEC94C9DD9}" destId="{1993AEF3-68C8-4F83-9F1E-D1B7B5B4963C}" srcOrd="0" destOrd="0" presId="urn:microsoft.com/office/officeart/2005/8/layout/process3"/>
-    <dgm:cxn modelId="{625B97B1-48B9-4F79-AD12-9E967C7E5D25}" type="presOf" srcId="{57884B04-88D4-4FB2-8678-5199DF429E6F}" destId="{3E47BC9E-87C0-4D93-83F4-A810B62AEF07}" srcOrd="0" destOrd="0" presId="urn:microsoft.com/office/officeart/2005/8/layout/process3"/>
-    <dgm:cxn modelId="{D1284BD6-E3DA-48A8-BFF9-25C5710CED70}" type="presOf" srcId="{4BA36FF7-0F0F-4341-A68C-01E8516603CD}" destId="{209FD6B3-0ECB-4203-B962-7559934405BD}" srcOrd="0" destOrd="0" presId="urn:microsoft.com/office/officeart/2005/8/layout/process3"/>
     <dgm:cxn modelId="{33D1B9A7-E56C-4778-97FB-A5B130BCA5C0}" srcId="{AD7A2D0A-69C1-40D4-AC3C-50ACA39C45C1}" destId="{21736AD5-ED16-41EE-9520-03DEC94C9DD9}" srcOrd="0" destOrd="0" parTransId="{9CB51E30-49E4-4E36-942B-179B5A0EC94C}" sibTransId="{DFDDDFD5-3525-4DBC-A81D-34093C1E23BA}"/>
-    <dgm:cxn modelId="{C288C32A-3227-4782-B852-198321A78827}" type="presOf" srcId="{140DB818-E071-4B39-BEDA-37F84C79FBA2}" destId="{D6C82472-F7A1-44F8-BE16-C0E2E40E0D6B}" srcOrd="1" destOrd="0" presId="urn:microsoft.com/office/officeart/2005/8/layout/process3"/>
     <dgm:cxn modelId="{7A716225-B15F-42A3-B0B1-95F5DAF585E6}" type="presParOf" srcId="{BCDBC707-4A93-4D55-A61A-79732B703027}" destId="{53AF55CF-52F1-471D-BD6D-B6FBBCD8ED56}" srcOrd="0" destOrd="0" presId="urn:microsoft.com/office/officeart/2005/8/layout/process3"/>
     <dgm:cxn modelId="{AB11F588-8517-43F7-B26C-B53A5C95128F}" type="presParOf" srcId="{53AF55CF-52F1-471D-BD6D-B6FBBCD8ED56}" destId="{209FD6B3-0ECB-4203-B962-7559934405BD}" srcOrd="0" destOrd="0" presId="urn:microsoft.com/office/officeart/2005/8/layout/process3"/>
     <dgm:cxn modelId="{ECA7C0B7-4EAB-47E7-B4DA-234ACDCD8581}" type="presParOf" srcId="{53AF55CF-52F1-471D-BD6D-B6FBBCD8ED56}" destId="{DADC7395-583C-4FD5-8691-3342B823E6CA}" srcOrd="1" destOrd="0" presId="urn:microsoft.com/office/officeart/2005/8/layout/process3"/>
@@ -5961,7 +6000,7 @@
   <dgm:whole/>
   <dgm:extLst>
     <a:ext uri="http://schemas.microsoft.com/office/drawing/2008/diagram">
-      <dsp:dataModelExt xmlns:dsp="http://schemas.microsoft.com/office/drawing/2008/diagram" relId="rId6" minVer="http://schemas.openxmlformats.org/drawingml/2006/diagram"/>
+      <dsp:dataModelExt xmlns:dsp="http://schemas.microsoft.com/office/drawing/2008/diagram" xmlns="" relId="rId6" minVer="http://schemas.openxmlformats.org/drawingml/2006/diagram"/>
     </a:ext>
   </dgm:extLst>
 </dgm:dataModel>
@@ -6255,6 +6294,13 @@
         </dgm:presLayoutVars>
       </dgm:prSet>
       <dgm:spPr/>
+      <dgm:t>
+        <a:bodyPr/>
+        <a:lstStyle/>
+        <a:p>
+          <a:endParaRPr lang="pt-BR"/>
+        </a:p>
+      </dgm:t>
     </dgm:pt>
     <dgm:pt modelId="{1AE39575-5131-457E-87D9-250C20E4AF30}" type="pres">
       <dgm:prSet presAssocID="{B41D75AE-2A29-4277-8DBB-D5E9CED79C4D}" presName="root" presStyleCnt="0">
@@ -6288,6 +6334,13 @@
         </dgm:presLayoutVars>
       </dgm:prSet>
       <dgm:spPr/>
+      <dgm:t>
+        <a:bodyPr/>
+        <a:lstStyle/>
+        <a:p>
+          <a:endParaRPr lang="pt-BR"/>
+        </a:p>
+      </dgm:t>
     </dgm:pt>
     <dgm:pt modelId="{0FA6566D-FEDB-48F5-ABEA-024A465C109F}" type="pres">
       <dgm:prSet presAssocID="{B41D75AE-2A29-4277-8DBB-D5E9CED79C4D}" presName="childShape" presStyleCnt="0">
@@ -6320,6 +6373,13 @@
         </dgm:presLayoutVars>
       </dgm:prSet>
       <dgm:spPr/>
+      <dgm:t>
+        <a:bodyPr/>
+        <a:lstStyle/>
+        <a:p>
+          <a:endParaRPr lang="pt-BR"/>
+        </a:p>
+      </dgm:t>
     </dgm:pt>
     <dgm:pt modelId="{714E1039-AB1A-451F-B96D-3478333B02AD}" type="pres">
       <dgm:prSet presAssocID="{8AB1D12E-E418-4915-8CED-6AB0C84761F4}" presName="childComposite" presStyleCnt="0">
@@ -6343,6 +6403,13 @@
         </dgm:presLayoutVars>
       </dgm:prSet>
       <dgm:spPr/>
+      <dgm:t>
+        <a:bodyPr/>
+        <a:lstStyle/>
+        <a:p>
+          <a:endParaRPr lang="pt-BR"/>
+        </a:p>
+      </dgm:t>
     </dgm:pt>
     <dgm:pt modelId="{5FAF6DA5-2465-4BF5-9700-5D88837B55E0}" type="pres">
       <dgm:prSet presAssocID="{AC6C1CB8-BE46-44FC-93D0-1A13ABC82896}" presName="childComposite" presStyleCnt="0">
@@ -6366,6 +6433,13 @@
         </dgm:presLayoutVars>
       </dgm:prSet>
       <dgm:spPr/>
+      <dgm:t>
+        <a:bodyPr/>
+        <a:lstStyle/>
+        <a:p>
+          <a:endParaRPr lang="pt-BR"/>
+        </a:p>
+      </dgm:t>
     </dgm:pt>
     <dgm:pt modelId="{4739CC76-1879-4428-9113-81461854485F}" type="pres">
       <dgm:prSet presAssocID="{AAC17C87-31E8-4276-B5AF-B8910E5CA9AA}" presName="root" presStyleCnt="0">
@@ -6399,6 +6473,13 @@
         </dgm:presLayoutVars>
       </dgm:prSet>
       <dgm:spPr/>
+      <dgm:t>
+        <a:bodyPr/>
+        <a:lstStyle/>
+        <a:p>
+          <a:endParaRPr lang="pt-BR"/>
+        </a:p>
+      </dgm:t>
     </dgm:pt>
     <dgm:pt modelId="{8916CAB2-5D03-4865-BE99-9310931B985C}" type="pres">
       <dgm:prSet presAssocID="{AAC17C87-31E8-4276-B5AF-B8910E5CA9AA}" presName="childShape" presStyleCnt="0">
@@ -6431,6 +6512,13 @@
         </dgm:presLayoutVars>
       </dgm:prSet>
       <dgm:spPr/>
+      <dgm:t>
+        <a:bodyPr/>
+        <a:lstStyle/>
+        <a:p>
+          <a:endParaRPr lang="pt-BR"/>
+        </a:p>
+      </dgm:t>
     </dgm:pt>
     <dgm:pt modelId="{04D70E1E-E0BB-4881-94EE-5A0B1EA590AE}" type="pres">
       <dgm:prSet presAssocID="{3973E519-921D-4357-808F-65EA81567642}" presName="childComposite" presStyleCnt="0">
@@ -6454,6 +6542,13 @@
         </dgm:presLayoutVars>
       </dgm:prSet>
       <dgm:spPr/>
+      <dgm:t>
+        <a:bodyPr/>
+        <a:lstStyle/>
+        <a:p>
+          <a:endParaRPr lang="pt-BR"/>
+        </a:p>
+      </dgm:t>
     </dgm:pt>
     <dgm:pt modelId="{FEBF50CC-C092-4B47-ACC4-1B61B3D473F4}" type="pres">
       <dgm:prSet presAssocID="{25E09C33-42FD-4F52-8CB0-452BF541B7EE}" presName="childComposite" presStyleCnt="0">
@@ -6477,26 +6572,33 @@
         </dgm:presLayoutVars>
       </dgm:prSet>
       <dgm:spPr/>
+      <dgm:t>
+        <a:bodyPr/>
+        <a:lstStyle/>
+        <a:p>
+          <a:endParaRPr lang="pt-BR"/>
+        </a:p>
+      </dgm:t>
     </dgm:pt>
   </dgm:ptLst>
   <dgm:cxnLst>
+    <dgm:cxn modelId="{925D1D41-F295-4BF5-8F35-6B0283EB1660}" srcId="{09E1FA74-CAD4-4D8F-8C9F-47DB10A12E4C}" destId="{B41D75AE-2A29-4277-8DBB-D5E9CED79C4D}" srcOrd="0" destOrd="0" parTransId="{E4BA2DF7-CD16-40C5-8D39-63D87AB06BAE}" sibTransId="{49219BB6-AF08-4355-8AAC-CB63EB613BD5}"/>
+    <dgm:cxn modelId="{94F1B5B2-61A2-400D-A8C6-E55B5540F793}" type="presOf" srcId="{B41D75AE-2A29-4277-8DBB-D5E9CED79C4D}" destId="{F0A18B1E-4B8C-49D0-A2C5-B72A0992791A}" srcOrd="0" destOrd="0" presId="urn:microsoft.com/office/officeart/2008/layout/SquareAccentList"/>
+    <dgm:cxn modelId="{E985D23C-CEF3-49BA-B2AA-6039D6462C30}" srcId="{B41D75AE-2A29-4277-8DBB-D5E9CED79C4D}" destId="{AC6C1CB8-BE46-44FC-93D0-1A13ABC82896}" srcOrd="2" destOrd="0" parTransId="{368D3FFA-1706-4155-9796-459F27FB3F7F}" sibTransId="{47583708-E552-4706-B015-578F522A21EB}"/>
+    <dgm:cxn modelId="{8ABF67CD-DAC4-41A3-926E-140CF6F92A23}" srcId="{B41D75AE-2A29-4277-8DBB-D5E9CED79C4D}" destId="{8AB1D12E-E418-4915-8CED-6AB0C84761F4}" srcOrd="1" destOrd="0" parTransId="{1BE8EC8D-27D7-49EA-907A-2F9B0ACF5DCA}" sibTransId="{293C271F-A78D-436A-A6CB-17A318394333}"/>
+    <dgm:cxn modelId="{9A6ED448-CFA2-47B1-840B-9E2EC9DFCAC6}" type="presOf" srcId="{8AB1D12E-E418-4915-8CED-6AB0C84761F4}" destId="{B93FB06B-349E-4C46-9386-C2A7693F919C}" srcOrd="0" destOrd="0" presId="urn:microsoft.com/office/officeart/2008/layout/SquareAccentList"/>
+    <dgm:cxn modelId="{22916866-A373-422E-8CBF-39C46B6193BE}" type="presOf" srcId="{B2A72572-DD94-49F3-9C74-F97F76DD77E8}" destId="{22C7BCBD-CEEE-4C3C-8575-8FCB6CDA438E}" srcOrd="0" destOrd="0" presId="urn:microsoft.com/office/officeart/2008/layout/SquareAccentList"/>
+    <dgm:cxn modelId="{20432680-5755-4423-833B-CC830ADE86E0}" type="presOf" srcId="{AC6C1CB8-BE46-44FC-93D0-1A13ABC82896}" destId="{3094B189-7DCD-4266-B46D-8752B3C3A89E}" srcOrd="0" destOrd="0" presId="urn:microsoft.com/office/officeart/2008/layout/SquareAccentList"/>
+    <dgm:cxn modelId="{762F7717-D26E-4D1C-A6FD-498F6E1B02A3}" srcId="{AAC17C87-31E8-4276-B5AF-B8910E5CA9AA}" destId="{3973E519-921D-4357-808F-65EA81567642}" srcOrd="1" destOrd="0" parTransId="{74AF20CE-7799-4C8E-A894-EE0C2D449A5F}" sibTransId="{ED0B01CC-F5BD-4E3D-9811-96F476147302}"/>
+    <dgm:cxn modelId="{1F206E67-18A9-468B-81B0-CFC639595DB4}" type="presOf" srcId="{AAC17C87-31E8-4276-B5AF-B8910E5CA9AA}" destId="{920C1E90-5036-40EE-8B7B-C03BC172C6F4}" srcOrd="0" destOrd="0" presId="urn:microsoft.com/office/officeart/2008/layout/SquareAccentList"/>
+    <dgm:cxn modelId="{3CFC8CA8-DC62-44AE-9367-B51D186B6958}" srcId="{09E1FA74-CAD4-4D8F-8C9F-47DB10A12E4C}" destId="{AAC17C87-31E8-4276-B5AF-B8910E5CA9AA}" srcOrd="1" destOrd="0" parTransId="{7EA781CD-E6A2-4979-963F-9C9A0A1B2730}" sibTransId="{B37090C3-402B-4158-91BD-832F4000D4BA}"/>
+    <dgm:cxn modelId="{8AA5F746-7156-4DB2-A9F1-5EE035A94C1A}" type="presOf" srcId="{25E09C33-42FD-4F52-8CB0-452BF541B7EE}" destId="{310F8D48-7B6A-4438-922B-86FD094F44BF}" srcOrd="0" destOrd="0" presId="urn:microsoft.com/office/officeart/2008/layout/SquareAccentList"/>
+    <dgm:cxn modelId="{1DC85611-0410-4ED4-8902-8BD2FFC85606}" type="presOf" srcId="{3973E519-921D-4357-808F-65EA81567642}" destId="{37B72757-B95B-4606-93FF-4ADF0BB6D429}" srcOrd="0" destOrd="0" presId="urn:microsoft.com/office/officeart/2008/layout/SquareAccentList"/>
+    <dgm:cxn modelId="{72C0EA02-CE57-4BCE-9DFC-77D06D07A6E0}" type="presOf" srcId="{09E1FA74-CAD4-4D8F-8C9F-47DB10A12E4C}" destId="{2971BC93-77C3-4078-A105-8597E86CC05C}" srcOrd="0" destOrd="0" presId="urn:microsoft.com/office/officeart/2008/layout/SquareAccentList"/>
     <dgm:cxn modelId="{81B1CFBD-C7CF-48AB-9083-40917936C34C}" type="presOf" srcId="{22AB3F71-BC8F-4768-888B-F6E1856CFD5B}" destId="{D13322E5-B7AE-4570-A9FC-84DF641F4452}" srcOrd="0" destOrd="0" presId="urn:microsoft.com/office/officeart/2008/layout/SquareAccentList"/>
-    <dgm:cxn modelId="{20432680-5755-4423-833B-CC830ADE86E0}" type="presOf" srcId="{AC6C1CB8-BE46-44FC-93D0-1A13ABC82896}" destId="{3094B189-7DCD-4266-B46D-8752B3C3A89E}" srcOrd="0" destOrd="0" presId="urn:microsoft.com/office/officeart/2008/layout/SquareAccentList"/>
-    <dgm:cxn modelId="{9A6ED448-CFA2-47B1-840B-9E2EC9DFCAC6}" type="presOf" srcId="{8AB1D12E-E418-4915-8CED-6AB0C84761F4}" destId="{B93FB06B-349E-4C46-9386-C2A7693F919C}" srcOrd="0" destOrd="0" presId="urn:microsoft.com/office/officeart/2008/layout/SquareAccentList"/>
     <dgm:cxn modelId="{60B80743-7E71-47A9-8589-B22F3F761233}" srcId="{B41D75AE-2A29-4277-8DBB-D5E9CED79C4D}" destId="{B2A72572-DD94-49F3-9C74-F97F76DD77E8}" srcOrd="0" destOrd="0" parTransId="{BE5BBF08-CB6C-410D-95EE-BD5BF25A6309}" sibTransId="{CFA313D8-C3A9-4765-881F-FD14965CDD61}"/>
-    <dgm:cxn modelId="{72C0EA02-CE57-4BCE-9DFC-77D06D07A6E0}" type="presOf" srcId="{09E1FA74-CAD4-4D8F-8C9F-47DB10A12E4C}" destId="{2971BC93-77C3-4078-A105-8597E86CC05C}" srcOrd="0" destOrd="0" presId="urn:microsoft.com/office/officeart/2008/layout/SquareAccentList"/>
-    <dgm:cxn modelId="{1F206E67-18A9-468B-81B0-CFC639595DB4}" type="presOf" srcId="{AAC17C87-31E8-4276-B5AF-B8910E5CA9AA}" destId="{920C1E90-5036-40EE-8B7B-C03BC172C6F4}" srcOrd="0" destOrd="0" presId="urn:microsoft.com/office/officeart/2008/layout/SquareAccentList"/>
+    <dgm:cxn modelId="{2FFE2D2F-5254-486D-A83F-5A8A96275BDB}" srcId="{AAC17C87-31E8-4276-B5AF-B8910E5CA9AA}" destId="{25E09C33-42FD-4F52-8CB0-452BF541B7EE}" srcOrd="2" destOrd="0" parTransId="{2E5C60CF-085B-4C66-A01B-83A3AF9AC5CE}" sibTransId="{F9299BC1-DA27-4702-A02B-E2D61037A6E5}"/>
     <dgm:cxn modelId="{47F9B3B4-FA63-45BD-B156-69D5C1732BE8}" srcId="{AAC17C87-31E8-4276-B5AF-B8910E5CA9AA}" destId="{22AB3F71-BC8F-4768-888B-F6E1856CFD5B}" srcOrd="0" destOrd="0" parTransId="{72548C30-62AA-4264-A91B-6E316ED2D1D5}" sibTransId="{C9F02517-C147-4C66-A0F0-11E0F557FBA6}"/>
-    <dgm:cxn modelId="{1DC85611-0410-4ED4-8902-8BD2FFC85606}" type="presOf" srcId="{3973E519-921D-4357-808F-65EA81567642}" destId="{37B72757-B95B-4606-93FF-4ADF0BB6D429}" srcOrd="0" destOrd="0" presId="urn:microsoft.com/office/officeart/2008/layout/SquareAccentList"/>
-    <dgm:cxn modelId="{8ABF67CD-DAC4-41A3-926E-140CF6F92A23}" srcId="{B41D75AE-2A29-4277-8DBB-D5E9CED79C4D}" destId="{8AB1D12E-E418-4915-8CED-6AB0C84761F4}" srcOrd="1" destOrd="0" parTransId="{1BE8EC8D-27D7-49EA-907A-2F9B0ACF5DCA}" sibTransId="{293C271F-A78D-436A-A6CB-17A318394333}"/>
-    <dgm:cxn modelId="{3CFC8CA8-DC62-44AE-9367-B51D186B6958}" srcId="{09E1FA74-CAD4-4D8F-8C9F-47DB10A12E4C}" destId="{AAC17C87-31E8-4276-B5AF-B8910E5CA9AA}" srcOrd="1" destOrd="0" parTransId="{7EA781CD-E6A2-4979-963F-9C9A0A1B2730}" sibTransId="{B37090C3-402B-4158-91BD-832F4000D4BA}"/>
-    <dgm:cxn modelId="{E985D23C-CEF3-49BA-B2AA-6039D6462C30}" srcId="{B41D75AE-2A29-4277-8DBB-D5E9CED79C4D}" destId="{AC6C1CB8-BE46-44FC-93D0-1A13ABC82896}" srcOrd="2" destOrd="0" parTransId="{368D3FFA-1706-4155-9796-459F27FB3F7F}" sibTransId="{47583708-E552-4706-B015-578F522A21EB}"/>
-    <dgm:cxn modelId="{762F7717-D26E-4D1C-A6FD-498F6E1B02A3}" srcId="{AAC17C87-31E8-4276-B5AF-B8910E5CA9AA}" destId="{3973E519-921D-4357-808F-65EA81567642}" srcOrd="1" destOrd="0" parTransId="{74AF20CE-7799-4C8E-A894-EE0C2D449A5F}" sibTransId="{ED0B01CC-F5BD-4E3D-9811-96F476147302}"/>
-    <dgm:cxn modelId="{2FFE2D2F-5254-486D-A83F-5A8A96275BDB}" srcId="{AAC17C87-31E8-4276-B5AF-B8910E5CA9AA}" destId="{25E09C33-42FD-4F52-8CB0-452BF541B7EE}" srcOrd="2" destOrd="0" parTransId="{2E5C60CF-085B-4C66-A01B-83A3AF9AC5CE}" sibTransId="{F9299BC1-DA27-4702-A02B-E2D61037A6E5}"/>
-    <dgm:cxn modelId="{8AA5F746-7156-4DB2-A9F1-5EE035A94C1A}" type="presOf" srcId="{25E09C33-42FD-4F52-8CB0-452BF541B7EE}" destId="{310F8D48-7B6A-4438-922B-86FD094F44BF}" srcOrd="0" destOrd="0" presId="urn:microsoft.com/office/officeart/2008/layout/SquareAccentList"/>
-    <dgm:cxn modelId="{94F1B5B2-61A2-400D-A8C6-E55B5540F793}" type="presOf" srcId="{B41D75AE-2A29-4277-8DBB-D5E9CED79C4D}" destId="{F0A18B1E-4B8C-49D0-A2C5-B72A0992791A}" srcOrd="0" destOrd="0" presId="urn:microsoft.com/office/officeart/2008/layout/SquareAccentList"/>
-    <dgm:cxn modelId="{22916866-A373-422E-8CBF-39C46B6193BE}" type="presOf" srcId="{B2A72572-DD94-49F3-9C74-F97F76DD77E8}" destId="{22C7BCBD-CEEE-4C3C-8575-8FCB6CDA438E}" srcOrd="0" destOrd="0" presId="urn:microsoft.com/office/officeart/2008/layout/SquareAccentList"/>
-    <dgm:cxn modelId="{925D1D41-F295-4BF5-8F35-6B0283EB1660}" srcId="{09E1FA74-CAD4-4D8F-8C9F-47DB10A12E4C}" destId="{B41D75AE-2A29-4277-8DBB-D5E9CED79C4D}" srcOrd="0" destOrd="0" parTransId="{E4BA2DF7-CD16-40C5-8D39-63D87AB06BAE}" sibTransId="{49219BB6-AF08-4355-8AAC-CB63EB613BD5}"/>
     <dgm:cxn modelId="{064285E3-34A1-4473-AFA2-984276405DD6}" type="presParOf" srcId="{2971BC93-77C3-4078-A105-8597E86CC05C}" destId="{1AE39575-5131-457E-87D9-250C20E4AF30}" srcOrd="0" destOrd="0" presId="urn:microsoft.com/office/officeart/2008/layout/SquareAccentList"/>
     <dgm:cxn modelId="{6FBA1FB6-3AEF-4196-91D5-1E807F540EF6}" type="presParOf" srcId="{1AE39575-5131-457E-87D9-250C20E4AF30}" destId="{118FBAA4-28AC-4EB8-89A4-219E83C3BCBE}" srcOrd="0" destOrd="0" presId="urn:microsoft.com/office/officeart/2008/layout/SquareAccentList"/>
     <dgm:cxn modelId="{C89C8E44-B260-4647-98D2-09067DCA96B7}" type="presParOf" srcId="{118FBAA4-28AC-4EB8-89A4-219E83C3BCBE}" destId="{78E90345-FE91-47A7-8E8D-7EC91F8F325D}" srcOrd="0" destOrd="0" presId="urn:microsoft.com/office/officeart/2008/layout/SquareAccentList"/>
@@ -6532,7 +6634,7 @@
   <dgm:whole/>
   <dgm:extLst>
     <a:ext uri="http://schemas.microsoft.com/office/drawing/2008/diagram">
-      <dsp:dataModelExt xmlns:dsp="http://schemas.microsoft.com/office/drawing/2008/diagram" relId="rId6" minVer="http://schemas.openxmlformats.org/drawingml/2006/diagram"/>
+      <dsp:dataModelExt xmlns:dsp="http://schemas.microsoft.com/office/drawing/2008/diagram" xmlns="" relId="rId6" minVer="http://schemas.openxmlformats.org/drawingml/2006/diagram"/>
     </a:ext>
   </dgm:extLst>
 </dgm:dataModel>
@@ -7305,30 +7407,30 @@
     </dgm:pt>
   </dgm:ptLst>
   <dgm:cxnLst>
-    <dgm:cxn modelId="{C9B3EE4E-01DF-4274-A896-B826614E44E8}" type="presOf" srcId="{1198010A-7CD9-47DF-8300-D5AB8FDF717B}" destId="{77351131-57DF-4AF2-A89D-95AF9C6149DC}" srcOrd="0" destOrd="1" presId="urn:microsoft.com/office/officeart/2005/8/layout/hProcess4"/>
+    <dgm:cxn modelId="{4696573D-7AAF-40C4-A299-E5634AF135CD}" type="presOf" srcId="{80BADE98-2C43-40D5-937A-874A1B627145}" destId="{388BBD37-9C2B-4172-8678-CDF3BB968BFB}" srcOrd="1" destOrd="0" presId="urn:microsoft.com/office/officeart/2005/8/layout/hProcess4"/>
+    <dgm:cxn modelId="{BF29565E-C27D-4C89-8F7E-C084E8C699E7}" srcId="{7DFE07BF-9A88-4152-9E58-09C9E20DB3CE}" destId="{1198010A-7CD9-47DF-8300-D5AB8FDF717B}" srcOrd="1" destOrd="0" parTransId="{67755E1A-2705-4297-9986-0E390CA27394}" sibTransId="{0231FB8D-A362-4F4A-8E56-6DAC699F1D6F}"/>
     <dgm:cxn modelId="{D8151DDD-A87C-4D2A-AE89-DC88BEAD8F5E}" type="presOf" srcId="{1198010A-7CD9-47DF-8300-D5AB8FDF717B}" destId="{CEA85225-BA33-4729-B542-7DD51242ADCB}" srcOrd="1" destOrd="1" presId="urn:microsoft.com/office/officeart/2005/8/layout/hProcess4"/>
-    <dgm:cxn modelId="{4696573D-7AAF-40C4-A299-E5634AF135CD}" type="presOf" srcId="{80BADE98-2C43-40D5-937A-874A1B627145}" destId="{388BBD37-9C2B-4172-8678-CDF3BB968BFB}" srcOrd="1" destOrd="0" presId="urn:microsoft.com/office/officeart/2005/8/layout/hProcess4"/>
-    <dgm:cxn modelId="{96F1515C-012C-4FBA-939B-73396FC64F01}" type="presOf" srcId="{7DFE07BF-9A88-4152-9E58-09C9E20DB3CE}" destId="{168FD8A5-9BA3-47FA-8D32-ED60BCA98D24}" srcOrd="0" destOrd="0" presId="urn:microsoft.com/office/officeart/2005/8/layout/hProcess4"/>
+    <dgm:cxn modelId="{C9D8935F-6C23-483A-8258-A9CABF3C76B0}" srcId="{4412B91F-CF8D-4A42-83DF-7CDCCDA80F7D}" destId="{3865D5FF-DA00-4906-B6F5-07C839464584}" srcOrd="1" destOrd="0" parTransId="{49FB8D0F-E70F-4A66-9F99-3E0F33864CA6}" sibTransId="{CFF97A55-CF3E-4E1D-AF04-5A3631D6CB6D}"/>
+    <dgm:cxn modelId="{A5D7F522-490D-4613-A205-B81A1D2FF7FB}" type="presOf" srcId="{F3A2DAB8-2AB9-419A-82D3-D743A16978C8}" destId="{301F9B7A-61FD-4D71-8D0E-DCB457B0DAC9}" srcOrd="0" destOrd="0" presId="urn:microsoft.com/office/officeart/2005/8/layout/hProcess4"/>
+    <dgm:cxn modelId="{CABFBE03-3760-43FE-A793-4570B6274A4D}" type="presOf" srcId="{2F3DF7DE-E5C9-4440-80D1-538313244BE6}" destId="{39B7AE1B-7006-4AD9-AFC0-AD9AB09ED28C}" srcOrd="1" destOrd="0" presId="urn:microsoft.com/office/officeart/2005/8/layout/hProcess4"/>
+    <dgm:cxn modelId="{E819844F-6C63-4A97-8468-0C16FFCB7637}" type="presOf" srcId="{2F3DF7DE-E5C9-4440-80D1-538313244BE6}" destId="{0C27C69B-3C82-4A7E-9AEC-146B678149A2}" srcOrd="0" destOrd="0" presId="urn:microsoft.com/office/officeart/2005/8/layout/hProcess4"/>
     <dgm:cxn modelId="{5CB851DE-B309-4D32-BF02-58D05478E534}" srcId="{7DFE07BF-9A88-4152-9E58-09C9E20DB3CE}" destId="{7F7E1F91-F6F4-48A9-B4FA-337B2EBD2C9A}" srcOrd="0" destOrd="0" parTransId="{0796D45F-4D57-413D-A4BB-33573B2F1CF3}" sibTransId="{0FC519C8-F4CD-4D2A-B852-2C233866BAF3}"/>
-    <dgm:cxn modelId="{BF29565E-C27D-4C89-8F7E-C084E8C699E7}" srcId="{7DFE07BF-9A88-4152-9E58-09C9E20DB3CE}" destId="{1198010A-7CD9-47DF-8300-D5AB8FDF717B}" srcOrd="1" destOrd="0" parTransId="{67755E1A-2705-4297-9986-0E390CA27394}" sibTransId="{0231FB8D-A362-4F4A-8E56-6DAC699F1D6F}"/>
-    <dgm:cxn modelId="{CABFBE03-3760-43FE-A793-4570B6274A4D}" type="presOf" srcId="{2F3DF7DE-E5C9-4440-80D1-538313244BE6}" destId="{39B7AE1B-7006-4AD9-AFC0-AD9AB09ED28C}" srcOrd="1" destOrd="0" presId="urn:microsoft.com/office/officeart/2005/8/layout/hProcess4"/>
+    <dgm:cxn modelId="{B4DEC388-DC62-483F-A05C-5555B345D4B2}" type="presOf" srcId="{7F7E1F91-F6F4-48A9-B4FA-337B2EBD2C9A}" destId="{77351131-57DF-4AF2-A89D-95AF9C6149DC}" srcOrd="0" destOrd="0" presId="urn:microsoft.com/office/officeart/2005/8/layout/hProcess4"/>
+    <dgm:cxn modelId="{9ED5A29A-4F56-4F4A-943D-8B8035CAB709}" type="presOf" srcId="{FFBB95A5-64CA-4277-8EC9-9A4877C06A11}" destId="{AE566E9F-D101-4F88-9692-208EF2AE8557}" srcOrd="0" destOrd="1" presId="urn:microsoft.com/office/officeart/2005/8/layout/hProcess4"/>
+    <dgm:cxn modelId="{286DB79C-095B-4A03-8241-456F11CF2F5D}" srcId="{F3A2DAB8-2AB9-419A-82D3-D743A16978C8}" destId="{FFBB95A5-64CA-4277-8EC9-9A4877C06A11}" srcOrd="1" destOrd="0" parTransId="{E5A1EA11-2B41-4DD3-8BF1-0CF84454CAE5}" sibTransId="{49EC4B80-42F4-4C68-8C02-F267FE81602E}"/>
+    <dgm:cxn modelId="{FCD6A96D-054B-4471-90ED-6EB5ED0EBFF9}" type="presOf" srcId="{CFF97A55-CF3E-4E1D-AF04-5A3631D6CB6D}" destId="{E5E8036A-476D-4F9C-9D7B-4ED08A33C842}" srcOrd="0" destOrd="0" presId="urn:microsoft.com/office/officeart/2005/8/layout/hProcess4"/>
     <dgm:cxn modelId="{C730B313-4D1D-4229-8314-A3150E0294B1}" type="presOf" srcId="{E68D9850-B3A4-4979-A4D0-E3D401A29AB5}" destId="{BB47B8A7-A69A-47BA-8429-499D75D98923}" srcOrd="0" destOrd="0" presId="urn:microsoft.com/office/officeart/2005/8/layout/hProcess4"/>
+    <dgm:cxn modelId="{076FA099-FCD5-4C11-8A08-746949589EB9}" type="presOf" srcId="{FFBB95A5-64CA-4277-8EC9-9A4877C06A11}" destId="{388BBD37-9C2B-4172-8678-CDF3BB968BFB}" srcOrd="1" destOrd="1" presId="urn:microsoft.com/office/officeart/2005/8/layout/hProcess4"/>
     <dgm:cxn modelId="{F52A89F1-D611-4436-8916-14DEFBEAC79D}" srcId="{4412B91F-CF8D-4A42-83DF-7CDCCDA80F7D}" destId="{7DFE07BF-9A88-4152-9E58-09C9E20DB3CE}" srcOrd="0" destOrd="0" parTransId="{F2C6A117-64F1-4ED9-9C2B-9510107D76CB}" sibTransId="{E68D9850-B3A4-4979-A4D0-E3D401A29AB5}"/>
-    <dgm:cxn modelId="{286DB79C-095B-4A03-8241-456F11CF2F5D}" srcId="{F3A2DAB8-2AB9-419A-82D3-D743A16978C8}" destId="{FFBB95A5-64CA-4277-8EC9-9A4877C06A11}" srcOrd="1" destOrd="0" parTransId="{E5A1EA11-2B41-4DD3-8BF1-0CF84454CAE5}" sibTransId="{49EC4B80-42F4-4C68-8C02-F267FE81602E}"/>
-    <dgm:cxn modelId="{9ED5A29A-4F56-4F4A-943D-8B8035CAB709}" type="presOf" srcId="{FFBB95A5-64CA-4277-8EC9-9A4877C06A11}" destId="{AE566E9F-D101-4F88-9692-208EF2AE8557}" srcOrd="0" destOrd="1" presId="urn:microsoft.com/office/officeart/2005/8/layout/hProcess4"/>
-    <dgm:cxn modelId="{B4DEC388-DC62-483F-A05C-5555B345D4B2}" type="presOf" srcId="{7F7E1F91-F6F4-48A9-B4FA-337B2EBD2C9A}" destId="{77351131-57DF-4AF2-A89D-95AF9C6149DC}" srcOrd="0" destOrd="0" presId="urn:microsoft.com/office/officeart/2005/8/layout/hProcess4"/>
-    <dgm:cxn modelId="{076FA099-FCD5-4C11-8A08-746949589EB9}" type="presOf" srcId="{FFBB95A5-64CA-4277-8EC9-9A4877C06A11}" destId="{388BBD37-9C2B-4172-8678-CDF3BB968BFB}" srcOrd="1" destOrd="1" presId="urn:microsoft.com/office/officeart/2005/8/layout/hProcess4"/>
     <dgm:cxn modelId="{FD321DDD-0FBF-4119-B35F-BF41A6D1FACA}" type="presOf" srcId="{80BADE98-2C43-40D5-937A-874A1B627145}" destId="{AE566E9F-D101-4F88-9692-208EF2AE8557}" srcOrd="0" destOrd="0" presId="urn:microsoft.com/office/officeart/2005/8/layout/hProcess4"/>
     <dgm:cxn modelId="{C03BE492-3E48-4B5B-B223-BD9B09A0499C}" type="presOf" srcId="{4412B91F-CF8D-4A42-83DF-7CDCCDA80F7D}" destId="{50C663CD-616C-44EE-98F1-BB5FDDDEDCC8}" srcOrd="0" destOrd="0" presId="urn:microsoft.com/office/officeart/2005/8/layout/hProcess4"/>
+    <dgm:cxn modelId="{4A7FA099-9464-4ACD-A790-6102C1584AD1}" srcId="{4412B91F-CF8D-4A42-83DF-7CDCCDA80F7D}" destId="{F3A2DAB8-2AB9-419A-82D3-D743A16978C8}" srcOrd="2" destOrd="0" parTransId="{62C15E06-9F1B-4472-A7B4-FEFADBC7E807}" sibTransId="{401344D0-ED0B-4340-9FCD-FF07FE375E6C}"/>
     <dgm:cxn modelId="{66AF1316-005D-4157-AB49-7D09464E8313}" type="presOf" srcId="{7F7E1F91-F6F4-48A9-B4FA-337B2EBD2C9A}" destId="{CEA85225-BA33-4729-B542-7DD51242ADCB}" srcOrd="1" destOrd="0" presId="urn:microsoft.com/office/officeart/2005/8/layout/hProcess4"/>
+    <dgm:cxn modelId="{D058A61E-2631-4792-87A9-3570D8D2DB0F}" srcId="{3865D5FF-DA00-4906-B6F5-07C839464584}" destId="{2F3DF7DE-E5C9-4440-80D1-538313244BE6}" srcOrd="0" destOrd="0" parTransId="{3C0BC7DD-F66C-4719-92AE-5E9E7825604D}" sibTransId="{4569B2FB-90CA-4536-9206-69C81C9FC0BD}"/>
     <dgm:cxn modelId="{F6F5BFB7-87A2-418B-8A67-5193C4B8B5C2}" type="presOf" srcId="{3865D5FF-DA00-4906-B6F5-07C839464584}" destId="{85BA2879-403E-43AC-A59E-A90A5FACC251}" srcOrd="0" destOrd="0" presId="urn:microsoft.com/office/officeart/2005/8/layout/hProcess4"/>
-    <dgm:cxn modelId="{D058A61E-2631-4792-87A9-3570D8D2DB0F}" srcId="{3865D5FF-DA00-4906-B6F5-07C839464584}" destId="{2F3DF7DE-E5C9-4440-80D1-538313244BE6}" srcOrd="0" destOrd="0" parTransId="{3C0BC7DD-F66C-4719-92AE-5E9E7825604D}" sibTransId="{4569B2FB-90CA-4536-9206-69C81C9FC0BD}"/>
+    <dgm:cxn modelId="{C9B3EE4E-01DF-4274-A896-B826614E44E8}" type="presOf" srcId="{1198010A-7CD9-47DF-8300-D5AB8FDF717B}" destId="{77351131-57DF-4AF2-A89D-95AF9C6149DC}" srcOrd="0" destOrd="1" presId="urn:microsoft.com/office/officeart/2005/8/layout/hProcess4"/>
+    <dgm:cxn modelId="{96F1515C-012C-4FBA-939B-73396FC64F01}" type="presOf" srcId="{7DFE07BF-9A88-4152-9E58-09C9E20DB3CE}" destId="{168FD8A5-9BA3-47FA-8D32-ED60BCA98D24}" srcOrd="0" destOrd="0" presId="urn:microsoft.com/office/officeart/2005/8/layout/hProcess4"/>
     <dgm:cxn modelId="{81BAC1B0-D183-4179-9A55-029F538E675D}" srcId="{F3A2DAB8-2AB9-419A-82D3-D743A16978C8}" destId="{80BADE98-2C43-40D5-937A-874A1B627145}" srcOrd="0" destOrd="0" parTransId="{61694F4E-3BB3-4806-8315-F9C9DE55D766}" sibTransId="{1B940CC1-D5C1-4465-A2E5-B629FA2D9A4E}"/>
-    <dgm:cxn modelId="{E819844F-6C63-4A97-8468-0C16FFCB7637}" type="presOf" srcId="{2F3DF7DE-E5C9-4440-80D1-538313244BE6}" destId="{0C27C69B-3C82-4A7E-9AEC-146B678149A2}" srcOrd="0" destOrd="0" presId="urn:microsoft.com/office/officeart/2005/8/layout/hProcess4"/>
-    <dgm:cxn modelId="{C9D8935F-6C23-483A-8258-A9CABF3C76B0}" srcId="{4412B91F-CF8D-4A42-83DF-7CDCCDA80F7D}" destId="{3865D5FF-DA00-4906-B6F5-07C839464584}" srcOrd="1" destOrd="0" parTransId="{49FB8D0F-E70F-4A66-9F99-3E0F33864CA6}" sibTransId="{CFF97A55-CF3E-4E1D-AF04-5A3631D6CB6D}"/>
-    <dgm:cxn modelId="{A5D7F522-490D-4613-A205-B81A1D2FF7FB}" type="presOf" srcId="{F3A2DAB8-2AB9-419A-82D3-D743A16978C8}" destId="{301F9B7A-61FD-4D71-8D0E-DCB457B0DAC9}" srcOrd="0" destOrd="0" presId="urn:microsoft.com/office/officeart/2005/8/layout/hProcess4"/>
-    <dgm:cxn modelId="{FCD6A96D-054B-4471-90ED-6EB5ED0EBFF9}" type="presOf" srcId="{CFF97A55-CF3E-4E1D-AF04-5A3631D6CB6D}" destId="{E5E8036A-476D-4F9C-9D7B-4ED08A33C842}" srcOrd="0" destOrd="0" presId="urn:microsoft.com/office/officeart/2005/8/layout/hProcess4"/>
-    <dgm:cxn modelId="{4A7FA099-9464-4ACD-A790-6102C1584AD1}" srcId="{4412B91F-CF8D-4A42-83DF-7CDCCDA80F7D}" destId="{F3A2DAB8-2AB9-419A-82D3-D743A16978C8}" srcOrd="2" destOrd="0" parTransId="{62C15E06-9F1B-4472-A7B4-FEFADBC7E807}" sibTransId="{401344D0-ED0B-4340-9FCD-FF07FE375E6C}"/>
     <dgm:cxn modelId="{DC8F0603-A30F-4881-8DB3-C28DAA5234EB}" type="presParOf" srcId="{50C663CD-616C-44EE-98F1-BB5FDDDEDCC8}" destId="{138CD9C0-127E-45DD-BA5D-F929D722FD16}" srcOrd="0" destOrd="0" presId="urn:microsoft.com/office/officeart/2005/8/layout/hProcess4"/>
     <dgm:cxn modelId="{5A02F5F5-BF03-478E-AB04-0CF1957AA6B2}" type="presParOf" srcId="{50C663CD-616C-44EE-98F1-BB5FDDDEDCC8}" destId="{EF0649EA-CFC7-443D-9E0B-71BBF1A268A7}" srcOrd="1" destOrd="0" presId="urn:microsoft.com/office/officeart/2005/8/layout/hProcess4"/>
     <dgm:cxn modelId="{28FB9728-D277-4EA0-9D1D-8BA739CBDE26}" type="presParOf" srcId="{50C663CD-616C-44EE-98F1-BB5FDDDEDCC8}" destId="{2FA38D1F-3777-488A-AF41-E467FA0BCCBE}" srcOrd="2" destOrd="0" presId="urn:microsoft.com/office/officeart/2005/8/layout/hProcess4"/>
@@ -7357,7 +7459,7 @@
   <dgm:whole/>
   <dgm:extLst>
     <a:ext uri="http://schemas.microsoft.com/office/drawing/2008/diagram">
-      <dsp:dataModelExt xmlns:dsp="http://schemas.microsoft.com/office/drawing/2008/diagram" relId="rId6" minVer="http://schemas.openxmlformats.org/drawingml/2006/diagram"/>
+      <dsp:dataModelExt xmlns:dsp="http://schemas.microsoft.com/office/drawing/2008/diagram" xmlns="" relId="rId6" minVer="http://schemas.openxmlformats.org/drawingml/2006/diagram"/>
     </a:ext>
   </dgm:extLst>
 </dgm:dataModel>
@@ -7795,29 +7897,29 @@
     </dgm:pt>
   </dgm:ptLst>
   <dgm:cxnLst>
-    <dgm:cxn modelId="{CFD51472-FE86-49A1-902F-BA2DC34B29F5}" type="presOf" srcId="{0F4EE5F8-CE65-4C01-BA1B-62373453CD4B}" destId="{FFC83820-1F59-4B99-B0E5-5EF505EF981A}" srcOrd="1" destOrd="0" presId="urn:microsoft.com/office/officeart/2005/8/layout/radial5"/>
     <dgm:cxn modelId="{7366D01B-7B1A-4F7E-8897-A92969695C89}" type="presOf" srcId="{88E727E9-53A4-4E95-A459-039A49E93B44}" destId="{BED8CFF9-57DF-415B-BFD2-F23237B98D78}" srcOrd="0" destOrd="0" presId="urn:microsoft.com/office/officeart/2005/8/layout/radial5"/>
-    <dgm:cxn modelId="{6E4D8FAC-DF79-4656-AACF-B63351959842}" type="presOf" srcId="{C9CB2A3C-AA8A-4C63-ADAF-BB4A990106BF}" destId="{D32B50BC-8F9A-4A06-941D-13004E7B3F17}" srcOrd="0" destOrd="0" presId="urn:microsoft.com/office/officeart/2005/8/layout/radial5"/>
-    <dgm:cxn modelId="{28AC89FC-11D9-4755-B886-3A3759AAC780}" type="presOf" srcId="{036DF210-BB24-491F-9B05-BED9EB97CCEA}" destId="{2BEFA425-F024-4BD4-B31D-0FB6C45896F7}" srcOrd="1" destOrd="0" presId="urn:microsoft.com/office/officeart/2005/8/layout/radial5"/>
-    <dgm:cxn modelId="{A2C98141-733B-400B-91DC-A4454889E5AA}" srcId="{9ADEF162-76FA-4A3C-8220-3CD2B3D3023E}" destId="{600CB5D7-2D85-4AF5-BB05-4A1B86521FA2}" srcOrd="1" destOrd="0" parTransId="{0F4EE5F8-CE65-4C01-BA1B-62373453CD4B}" sibTransId="{D8ED6D04-2132-4167-966C-2933CD0F8E51}"/>
+    <dgm:cxn modelId="{23207EC2-56B0-44E0-A6C7-84051896C37C}" type="presOf" srcId="{036DF210-BB24-491F-9B05-BED9EB97CCEA}" destId="{D858E594-9B1F-454E-812B-1D569755D339}" srcOrd="0" destOrd="0" presId="urn:microsoft.com/office/officeart/2005/8/layout/radial5"/>
+    <dgm:cxn modelId="{622C7C39-11F8-4758-9549-8841122B7ED2}" type="presOf" srcId="{31E1C8DB-A788-4C7C-8E35-369521C571A2}" destId="{4AE6AAFA-D59A-4F35-A5E8-C6D2EC6BBFF0}" srcOrd="0" destOrd="0" presId="urn:microsoft.com/office/officeart/2005/8/layout/radial5"/>
     <dgm:cxn modelId="{89D3A26C-01B0-47D3-9792-AD7AC1141C23}" type="presOf" srcId="{0F4EE5F8-CE65-4C01-BA1B-62373453CD4B}" destId="{9D95D45C-9B20-4A4E-AD6C-37161FDE50AF}" srcOrd="0" destOrd="0" presId="urn:microsoft.com/office/officeart/2005/8/layout/radial5"/>
-    <dgm:cxn modelId="{23207EC2-56B0-44E0-A6C7-84051896C37C}" type="presOf" srcId="{036DF210-BB24-491F-9B05-BED9EB97CCEA}" destId="{D858E594-9B1F-454E-812B-1D569755D339}" srcOrd="0" destOrd="0" presId="urn:microsoft.com/office/officeart/2005/8/layout/radial5"/>
-    <dgm:cxn modelId="{7442BC64-C27B-46B2-8FDA-C8CB7A69BB78}" type="presOf" srcId="{5CD5CAC8-AC56-4175-8B02-D9FDE7591724}" destId="{63B15D18-84CC-4B8C-A7B8-9D7C87C445EE}" srcOrd="1" destOrd="0" presId="urn:microsoft.com/office/officeart/2005/8/layout/radial5"/>
-    <dgm:cxn modelId="{4D528558-CCA4-4766-9340-8DBA49C0C449}" type="presOf" srcId="{E65E6258-30CC-439C-9E12-987FB207C0BA}" destId="{AE23CEE4-5E78-4BF2-A4EC-856A2ACE758E}" srcOrd="0" destOrd="0" presId="urn:microsoft.com/office/officeart/2005/8/layout/radial5"/>
-    <dgm:cxn modelId="{B760B6A1-7F60-4ADC-BA75-CB0BE4EEDB34}" type="presOf" srcId="{5CD5CAC8-AC56-4175-8B02-D9FDE7591724}" destId="{8F93543A-5059-4DE8-A2FC-A99D358C55C0}" srcOrd="0" destOrd="0" presId="urn:microsoft.com/office/officeart/2005/8/layout/radial5"/>
-    <dgm:cxn modelId="{A3234599-2A1F-4705-A7DB-C8EF644A84F6}" srcId="{9ADEF162-76FA-4A3C-8220-3CD2B3D3023E}" destId="{31E1C8DB-A788-4C7C-8E35-369521C571A2}" srcOrd="2" destOrd="0" parTransId="{5CD5CAC8-AC56-4175-8B02-D9FDE7591724}" sibTransId="{78634723-FA66-4AF5-9D17-D9106FB2D70F}"/>
-    <dgm:cxn modelId="{DB098DF9-4AC3-48C4-BC74-3A1AFF298A39}" srcId="{9ADEF162-76FA-4A3C-8220-3CD2B3D3023E}" destId="{597E7FEA-0A6D-4074-A2A0-EDBE84388C7A}" srcOrd="3" destOrd="0" parTransId="{C9CB2A3C-AA8A-4C63-ADAF-BB4A990106BF}" sibTransId="{78A577AF-6145-4A2C-8D9E-BB70A9BDA682}"/>
-    <dgm:cxn modelId="{E76B003B-3141-48DA-8297-E3AA243031E5}" type="presOf" srcId="{D4F2E4FB-49BF-4721-8707-3457AAE0EB88}" destId="{6A9D9649-AA51-48D6-B507-7AEDD979430C}" srcOrd="0" destOrd="0" presId="urn:microsoft.com/office/officeart/2005/8/layout/radial5"/>
-    <dgm:cxn modelId="{622C7C39-11F8-4758-9549-8841122B7ED2}" type="presOf" srcId="{31E1C8DB-A788-4C7C-8E35-369521C571A2}" destId="{4AE6AAFA-D59A-4F35-A5E8-C6D2EC6BBFF0}" srcOrd="0" destOrd="0" presId="urn:microsoft.com/office/officeart/2005/8/layout/radial5"/>
-    <dgm:cxn modelId="{CD189AED-CAFC-49C6-B708-4C84F713FF42}" type="presOf" srcId="{47D5C472-6F40-4426-8E86-BCB2F2BD330B}" destId="{E0159EA0-1A5D-476D-AD51-865243B2D714}" srcOrd="0" destOrd="0" presId="urn:microsoft.com/office/officeart/2005/8/layout/radial5"/>
-    <dgm:cxn modelId="{B7E99F65-BDD3-4DC8-BA59-474161888B08}" srcId="{9ADEF162-76FA-4A3C-8220-3CD2B3D3023E}" destId="{E65E6258-30CC-439C-9E12-987FB207C0BA}" srcOrd="4" destOrd="0" parTransId="{88E727E9-53A4-4E95-A459-039A49E93B44}" sibTransId="{C1A9E9C8-E1E8-41AC-8025-94E945EC2819}"/>
-    <dgm:cxn modelId="{F195A791-DD89-4913-8E1E-8DC4F82B6DC9}" srcId="{9ADEF162-76FA-4A3C-8220-3CD2B3D3023E}" destId="{47D5C472-6F40-4426-8E86-BCB2F2BD330B}" srcOrd="0" destOrd="0" parTransId="{036DF210-BB24-491F-9B05-BED9EB97CCEA}" sibTransId="{8F34451D-735F-4913-B0FC-D3B45BB4B61F}"/>
-    <dgm:cxn modelId="{0AB8AA39-130D-4082-8073-DCFF557B8490}" srcId="{D4F2E4FB-49BF-4721-8707-3457AAE0EB88}" destId="{9ADEF162-76FA-4A3C-8220-3CD2B3D3023E}" srcOrd="0" destOrd="0" parTransId="{70CEE8AE-1BA1-4498-BED4-2294652E694E}" sibTransId="{8D6656CE-2472-4600-8A8A-680BB044CFF5}"/>
-    <dgm:cxn modelId="{B6EF3246-0AA5-4CF3-8B72-C7979057E203}" type="presOf" srcId="{9ADEF162-76FA-4A3C-8220-3CD2B3D3023E}" destId="{18F2EB1D-555E-470E-B78B-9F32BC1302F0}" srcOrd="0" destOrd="0" presId="urn:microsoft.com/office/officeart/2005/8/layout/radial5"/>
-    <dgm:cxn modelId="{8F72D950-79DD-429B-81A7-418362F720F6}" type="presOf" srcId="{600CB5D7-2D85-4AF5-BB05-4A1B86521FA2}" destId="{892AB89D-9357-4946-A690-9AB770094366}" srcOrd="0" destOrd="0" presId="urn:microsoft.com/office/officeart/2005/8/layout/radial5"/>
     <dgm:cxn modelId="{20E80264-2731-447C-89A6-6EF6F3B07D7B}" type="presOf" srcId="{C9CB2A3C-AA8A-4C63-ADAF-BB4A990106BF}" destId="{DA7B04D8-8B81-4E5B-97E0-2DFA07EF08B4}" srcOrd="1" destOrd="0" presId="urn:microsoft.com/office/officeart/2005/8/layout/radial5"/>
     <dgm:cxn modelId="{742A00C4-D75C-4EB9-B6C7-8556F6BF3B40}" type="presOf" srcId="{88E727E9-53A4-4E95-A459-039A49E93B44}" destId="{30E14BBC-7822-4D38-BD74-0C71B2A3B30C}" srcOrd="1" destOrd="0" presId="urn:microsoft.com/office/officeart/2005/8/layout/radial5"/>
+    <dgm:cxn modelId="{A2C98141-733B-400B-91DC-A4454889E5AA}" srcId="{9ADEF162-76FA-4A3C-8220-3CD2B3D3023E}" destId="{600CB5D7-2D85-4AF5-BB05-4A1B86521FA2}" srcOrd="1" destOrd="0" parTransId="{0F4EE5F8-CE65-4C01-BA1B-62373453CD4B}" sibTransId="{D8ED6D04-2132-4167-966C-2933CD0F8E51}"/>
+    <dgm:cxn modelId="{0AB8AA39-130D-4082-8073-DCFF557B8490}" srcId="{D4F2E4FB-49BF-4721-8707-3457AAE0EB88}" destId="{9ADEF162-76FA-4A3C-8220-3CD2B3D3023E}" srcOrd="0" destOrd="0" parTransId="{70CEE8AE-1BA1-4498-BED4-2294652E694E}" sibTransId="{8D6656CE-2472-4600-8A8A-680BB044CFF5}"/>
+    <dgm:cxn modelId="{7442BC64-C27B-46B2-8FDA-C8CB7A69BB78}" type="presOf" srcId="{5CD5CAC8-AC56-4175-8B02-D9FDE7591724}" destId="{63B15D18-84CC-4B8C-A7B8-9D7C87C445EE}" srcOrd="1" destOrd="0" presId="urn:microsoft.com/office/officeart/2005/8/layout/radial5"/>
+    <dgm:cxn modelId="{A3234599-2A1F-4705-A7DB-C8EF644A84F6}" srcId="{9ADEF162-76FA-4A3C-8220-3CD2B3D3023E}" destId="{31E1C8DB-A788-4C7C-8E35-369521C571A2}" srcOrd="2" destOrd="0" parTransId="{5CD5CAC8-AC56-4175-8B02-D9FDE7591724}" sibTransId="{78634723-FA66-4AF5-9D17-D9106FB2D70F}"/>
+    <dgm:cxn modelId="{E76B003B-3141-48DA-8297-E3AA243031E5}" type="presOf" srcId="{D4F2E4FB-49BF-4721-8707-3457AAE0EB88}" destId="{6A9D9649-AA51-48D6-B507-7AEDD979430C}" srcOrd="0" destOrd="0" presId="urn:microsoft.com/office/officeart/2005/8/layout/radial5"/>
+    <dgm:cxn modelId="{4D528558-CCA4-4766-9340-8DBA49C0C449}" type="presOf" srcId="{E65E6258-30CC-439C-9E12-987FB207C0BA}" destId="{AE23CEE4-5E78-4BF2-A4EC-856A2ACE758E}" srcOrd="0" destOrd="0" presId="urn:microsoft.com/office/officeart/2005/8/layout/radial5"/>
+    <dgm:cxn modelId="{28AC89FC-11D9-4755-B886-3A3759AAC780}" type="presOf" srcId="{036DF210-BB24-491F-9B05-BED9EB97CCEA}" destId="{2BEFA425-F024-4BD4-B31D-0FB6C45896F7}" srcOrd="1" destOrd="0" presId="urn:microsoft.com/office/officeart/2005/8/layout/radial5"/>
+    <dgm:cxn modelId="{8F72D950-79DD-429B-81A7-418362F720F6}" type="presOf" srcId="{600CB5D7-2D85-4AF5-BB05-4A1B86521FA2}" destId="{892AB89D-9357-4946-A690-9AB770094366}" srcOrd="0" destOrd="0" presId="urn:microsoft.com/office/officeart/2005/8/layout/radial5"/>
+    <dgm:cxn modelId="{F195A791-DD89-4913-8E1E-8DC4F82B6DC9}" srcId="{9ADEF162-76FA-4A3C-8220-3CD2B3D3023E}" destId="{47D5C472-6F40-4426-8E86-BCB2F2BD330B}" srcOrd="0" destOrd="0" parTransId="{036DF210-BB24-491F-9B05-BED9EB97CCEA}" sibTransId="{8F34451D-735F-4913-B0FC-D3B45BB4B61F}"/>
+    <dgm:cxn modelId="{6E4D8FAC-DF79-4656-AACF-B63351959842}" type="presOf" srcId="{C9CB2A3C-AA8A-4C63-ADAF-BB4A990106BF}" destId="{D32B50BC-8F9A-4A06-941D-13004E7B3F17}" srcOrd="0" destOrd="0" presId="urn:microsoft.com/office/officeart/2005/8/layout/radial5"/>
+    <dgm:cxn modelId="{B6EF3246-0AA5-4CF3-8B72-C7979057E203}" type="presOf" srcId="{9ADEF162-76FA-4A3C-8220-3CD2B3D3023E}" destId="{18F2EB1D-555E-470E-B78B-9F32BC1302F0}" srcOrd="0" destOrd="0" presId="urn:microsoft.com/office/officeart/2005/8/layout/radial5"/>
+    <dgm:cxn modelId="{B760B6A1-7F60-4ADC-BA75-CB0BE4EEDB34}" type="presOf" srcId="{5CD5CAC8-AC56-4175-8B02-D9FDE7591724}" destId="{8F93543A-5059-4DE8-A2FC-A99D358C55C0}" srcOrd="0" destOrd="0" presId="urn:microsoft.com/office/officeart/2005/8/layout/radial5"/>
+    <dgm:cxn modelId="{DB098DF9-4AC3-48C4-BC74-3A1AFF298A39}" srcId="{9ADEF162-76FA-4A3C-8220-3CD2B3D3023E}" destId="{597E7FEA-0A6D-4074-A2A0-EDBE84388C7A}" srcOrd="3" destOrd="0" parTransId="{C9CB2A3C-AA8A-4C63-ADAF-BB4A990106BF}" sibTransId="{78A577AF-6145-4A2C-8D9E-BB70A9BDA682}"/>
+    <dgm:cxn modelId="{CD189AED-CAFC-49C6-B708-4C84F713FF42}" type="presOf" srcId="{47D5C472-6F40-4426-8E86-BCB2F2BD330B}" destId="{E0159EA0-1A5D-476D-AD51-865243B2D714}" srcOrd="0" destOrd="0" presId="urn:microsoft.com/office/officeart/2005/8/layout/radial5"/>
     <dgm:cxn modelId="{B076A0DE-C14B-4C8D-AC1B-44814383AFD4}" type="presOf" srcId="{597E7FEA-0A6D-4074-A2A0-EDBE84388C7A}" destId="{42C28B57-95B0-4561-B729-7C55DC80C4C3}" srcOrd="0" destOrd="0" presId="urn:microsoft.com/office/officeart/2005/8/layout/radial5"/>
+    <dgm:cxn modelId="{B7E99F65-BDD3-4DC8-BA59-474161888B08}" srcId="{9ADEF162-76FA-4A3C-8220-3CD2B3D3023E}" destId="{E65E6258-30CC-439C-9E12-987FB207C0BA}" srcOrd="4" destOrd="0" parTransId="{88E727E9-53A4-4E95-A459-039A49E93B44}" sibTransId="{C1A9E9C8-E1E8-41AC-8025-94E945EC2819}"/>
+    <dgm:cxn modelId="{CFD51472-FE86-49A1-902F-BA2DC34B29F5}" type="presOf" srcId="{0F4EE5F8-CE65-4C01-BA1B-62373453CD4B}" destId="{FFC83820-1F59-4B99-B0E5-5EF505EF981A}" srcOrd="1" destOrd="0" presId="urn:microsoft.com/office/officeart/2005/8/layout/radial5"/>
     <dgm:cxn modelId="{D491739B-54EC-489C-A1A7-1DBEF4DF8E38}" type="presParOf" srcId="{6A9D9649-AA51-48D6-B507-7AEDD979430C}" destId="{18F2EB1D-555E-470E-B78B-9F32BC1302F0}" srcOrd="0" destOrd="0" presId="urn:microsoft.com/office/officeart/2005/8/layout/radial5"/>
     <dgm:cxn modelId="{5AB7F0EB-EAF7-40B7-8C32-386285178AF5}" type="presParOf" srcId="{6A9D9649-AA51-48D6-B507-7AEDD979430C}" destId="{D858E594-9B1F-454E-812B-1D569755D339}" srcOrd="1" destOrd="0" presId="urn:microsoft.com/office/officeart/2005/8/layout/radial5"/>
     <dgm:cxn modelId="{5E5AB94B-B50E-481F-A3CF-F462EDC78FD1}" type="presParOf" srcId="{D858E594-9B1F-454E-812B-1D569755D339}" destId="{2BEFA425-F024-4BD4-B31D-0FB6C45896F7}" srcOrd="0" destOrd="0" presId="urn:microsoft.com/office/officeart/2005/8/layout/radial5"/>
@@ -7839,7 +7941,7 @@
   <dgm:whole/>
   <dgm:extLst>
     <a:ext uri="http://schemas.microsoft.com/office/drawing/2008/diagram">
-      <dsp:dataModelExt xmlns:dsp="http://schemas.microsoft.com/office/drawing/2008/diagram" relId="rId6" minVer="http://schemas.openxmlformats.org/drawingml/2006/diagram"/>
+      <dsp:dataModelExt xmlns:dsp="http://schemas.microsoft.com/office/drawing/2008/diagram" xmlns="" relId="rId6" minVer="http://schemas.openxmlformats.org/drawingml/2006/diagram"/>
     </a:ext>
   </dgm:extLst>
 </dgm:dataModel>
@@ -8785,25 +8887,25 @@
     </dgm:pt>
   </dgm:ptLst>
   <dgm:cxnLst>
+    <dgm:cxn modelId="{B7B87462-1DAB-4820-9D8D-39215A0FD83D}" srcId="{739AC528-84CD-4C4C-9AAA-944987E13663}" destId="{64726959-BFCF-468E-8583-201CF07ACAB4}" srcOrd="0" destOrd="0" parTransId="{1621746A-50DC-494D-BB5D-7D8ADC851307}" sibTransId="{8835803B-4868-4BFF-8B3A-814A6D4954C8}"/>
+    <dgm:cxn modelId="{7E93702C-2125-4942-BCFA-451032FA8C07}" type="presOf" srcId="{22558875-04DE-48A8-8D08-7DF713D16D36}" destId="{D78DBF14-3A29-4E42-B56E-7380E92A6552}" srcOrd="1" destOrd="0" presId="urn:microsoft.com/office/officeart/2005/8/layout/list1"/>
+    <dgm:cxn modelId="{BC163CB6-4CBD-44DB-AD17-AFC4FDDC684C}" type="presOf" srcId="{EBE94DE7-18A9-4985-A440-D262D93A6316}" destId="{62A2C154-6AB5-4321-A742-C06A0E020873}" srcOrd="0" destOrd="0" presId="urn:microsoft.com/office/officeart/2005/8/layout/list1"/>
+    <dgm:cxn modelId="{E7BB10A8-4E7A-44F2-865F-A7389730AEBC}" srcId="{739AC528-84CD-4C4C-9AAA-944987E13663}" destId="{B682214D-3E19-400B-B148-C04F02C27327}" srcOrd="4" destOrd="0" parTransId="{328229DF-DAE6-431B-9EB1-E273DFF5EA70}" sibTransId="{4037F445-FC2C-47AE-89AE-E418F2282E02}"/>
+    <dgm:cxn modelId="{4650B4FA-5E46-4507-BF35-61AB090D393E}" srcId="{739AC528-84CD-4C4C-9AAA-944987E13663}" destId="{22558875-04DE-48A8-8D08-7DF713D16D36}" srcOrd="2" destOrd="0" parTransId="{AEADCE07-7102-4416-8E67-31648F62FFBE}" sibTransId="{6C26663C-5E0F-469C-A84B-4E7D60C2ACED}"/>
+    <dgm:cxn modelId="{265C6533-7DF8-4BF6-8C28-3C782A037CF3}" type="presOf" srcId="{B682214D-3E19-400B-B148-C04F02C27327}" destId="{846A3F17-1641-4BB9-AC38-13C0E8AB7383}" srcOrd="0" destOrd="0" presId="urn:microsoft.com/office/officeart/2005/8/layout/list1"/>
+    <dgm:cxn modelId="{F9C7EEAC-7918-45CA-816F-B33C04B8B070}" srcId="{739AC528-84CD-4C4C-9AAA-944987E13663}" destId="{C0424938-EAAD-4AFD-89AA-F9DAA339B8CE}" srcOrd="3" destOrd="0" parTransId="{D85B5D0B-0237-4236-B15A-3AC15A4C8D6A}" sibTransId="{EBF62A40-6125-4DD5-8EDA-1F45E06B9030}"/>
+    <dgm:cxn modelId="{09CDA0F1-41AD-4AA3-BABC-AB3C68FE1F20}" type="presOf" srcId="{B682214D-3E19-400B-B148-C04F02C27327}" destId="{231A70AB-9760-4FFF-B875-5D31C52D60AE}" srcOrd="1" destOrd="0" presId="urn:microsoft.com/office/officeart/2005/8/layout/list1"/>
+    <dgm:cxn modelId="{1842B81B-6CE1-4E7A-B9A2-8AECFE2C9FD1}" type="presOf" srcId="{34E518D1-49BF-45FE-BD69-68CCC11C553D}" destId="{029B9D8C-4A77-4645-9520-CB1F079C0081}" srcOrd="1" destOrd="0" presId="urn:microsoft.com/office/officeart/2005/8/layout/list1"/>
+    <dgm:cxn modelId="{DC3681F8-CC97-4E15-8231-5EBA82EFEFD3}" type="presOf" srcId="{22558875-04DE-48A8-8D08-7DF713D16D36}" destId="{7CCD4125-60BB-4322-B726-7F91B5CDFF30}" srcOrd="0" destOrd="0" presId="urn:microsoft.com/office/officeart/2005/8/layout/list1"/>
     <dgm:cxn modelId="{D6B9F938-FD89-4765-A5F4-595BA2C69F68}" type="presOf" srcId="{34E518D1-49BF-45FE-BD69-68CCC11C553D}" destId="{390F44BF-71AC-4D9F-BF5E-075FA28FE010}" srcOrd="0" destOrd="0" presId="urn:microsoft.com/office/officeart/2005/8/layout/list1"/>
-    <dgm:cxn modelId="{98F30085-95A3-4899-83ED-263051B4121C}" srcId="{739AC528-84CD-4C4C-9AAA-944987E13663}" destId="{EBE94DE7-18A9-4985-A440-D262D93A6316}" srcOrd="1" destOrd="0" parTransId="{7151D90C-DDED-45CE-9D5D-F45918DF7AF3}" sibTransId="{11D717CD-56AA-45FC-9323-4DF14FDC4A6F}"/>
+    <dgm:cxn modelId="{08B77D2D-50A3-4665-B5BC-776198A4C49D}" type="presOf" srcId="{64726959-BFCF-468E-8583-201CF07ACAB4}" destId="{5CF09D25-445D-4024-9E09-27B9086F12C2}" srcOrd="0" destOrd="0" presId="urn:microsoft.com/office/officeart/2005/8/layout/list1"/>
     <dgm:cxn modelId="{492DC469-18AA-4F1C-B5CB-83AA42592B95}" srcId="{739AC528-84CD-4C4C-9AAA-944987E13663}" destId="{34E518D1-49BF-45FE-BD69-68CCC11C553D}" srcOrd="5" destOrd="0" parTransId="{6E148B5F-7DF9-4BF6-BE15-08EA16D770D4}" sibTransId="{23E81CB5-6F0A-42EB-ADC8-9150ECA984D5}"/>
+    <dgm:cxn modelId="{0E9F3CED-8870-48EB-AC03-616E89BB9C2E}" type="presOf" srcId="{64726959-BFCF-468E-8583-201CF07ACAB4}" destId="{B171C0C5-1265-474F-9A24-5267C4DEA6BB}" srcOrd="1" destOrd="0" presId="urn:microsoft.com/office/officeart/2005/8/layout/list1"/>
+    <dgm:cxn modelId="{E58C8AA9-859D-436C-829F-177A8BC2DA06}" type="presOf" srcId="{C0424938-EAAD-4AFD-89AA-F9DAA339B8CE}" destId="{6C17C5F1-150A-491F-92CE-A1BE931BB55D}" srcOrd="1" destOrd="0" presId="urn:microsoft.com/office/officeart/2005/8/layout/list1"/>
     <dgm:cxn modelId="{0E348F8C-122A-48CD-A8DB-40A9364F57F3}" type="presOf" srcId="{EBE94DE7-18A9-4985-A440-D262D93A6316}" destId="{9939078C-FCDB-4354-9260-A7140D211969}" srcOrd="1" destOrd="0" presId="urn:microsoft.com/office/officeart/2005/8/layout/list1"/>
     <dgm:cxn modelId="{917C61F7-4EFA-4F87-8A86-AA04AD093EB6}" type="presOf" srcId="{C0424938-EAAD-4AFD-89AA-F9DAA339B8CE}" destId="{3572EF4A-4D38-4BBD-9DE4-D188D70E2CAD}" srcOrd="0" destOrd="0" presId="urn:microsoft.com/office/officeart/2005/8/layout/list1"/>
-    <dgm:cxn modelId="{08B77D2D-50A3-4665-B5BC-776198A4C49D}" type="presOf" srcId="{64726959-BFCF-468E-8583-201CF07ACAB4}" destId="{5CF09D25-445D-4024-9E09-27B9086F12C2}" srcOrd="0" destOrd="0" presId="urn:microsoft.com/office/officeart/2005/8/layout/list1"/>
-    <dgm:cxn modelId="{E58C8AA9-859D-436C-829F-177A8BC2DA06}" type="presOf" srcId="{C0424938-EAAD-4AFD-89AA-F9DAA339B8CE}" destId="{6C17C5F1-150A-491F-92CE-A1BE931BB55D}" srcOrd="1" destOrd="0" presId="urn:microsoft.com/office/officeart/2005/8/layout/list1"/>
-    <dgm:cxn modelId="{B7B87462-1DAB-4820-9D8D-39215A0FD83D}" srcId="{739AC528-84CD-4C4C-9AAA-944987E13663}" destId="{64726959-BFCF-468E-8583-201CF07ACAB4}" srcOrd="0" destOrd="0" parTransId="{1621746A-50DC-494D-BB5D-7D8ADC851307}" sibTransId="{8835803B-4868-4BFF-8B3A-814A6D4954C8}"/>
-    <dgm:cxn modelId="{0E9F3CED-8870-48EB-AC03-616E89BB9C2E}" type="presOf" srcId="{64726959-BFCF-468E-8583-201CF07ACAB4}" destId="{B171C0C5-1265-474F-9A24-5267C4DEA6BB}" srcOrd="1" destOrd="0" presId="urn:microsoft.com/office/officeart/2005/8/layout/list1"/>
-    <dgm:cxn modelId="{E7BB10A8-4E7A-44F2-865F-A7389730AEBC}" srcId="{739AC528-84CD-4C4C-9AAA-944987E13663}" destId="{B682214D-3E19-400B-B148-C04F02C27327}" srcOrd="4" destOrd="0" parTransId="{328229DF-DAE6-431B-9EB1-E273DFF5EA70}" sibTransId="{4037F445-FC2C-47AE-89AE-E418F2282E02}"/>
-    <dgm:cxn modelId="{265C6533-7DF8-4BF6-8C28-3C782A037CF3}" type="presOf" srcId="{B682214D-3E19-400B-B148-C04F02C27327}" destId="{846A3F17-1641-4BB9-AC38-13C0E8AB7383}" srcOrd="0" destOrd="0" presId="urn:microsoft.com/office/officeart/2005/8/layout/list1"/>
-    <dgm:cxn modelId="{4650B4FA-5E46-4507-BF35-61AB090D393E}" srcId="{739AC528-84CD-4C4C-9AAA-944987E13663}" destId="{22558875-04DE-48A8-8D08-7DF713D16D36}" srcOrd="2" destOrd="0" parTransId="{AEADCE07-7102-4416-8E67-31648F62FFBE}" sibTransId="{6C26663C-5E0F-469C-A84B-4E7D60C2ACED}"/>
-    <dgm:cxn modelId="{F9C7EEAC-7918-45CA-816F-B33C04B8B070}" srcId="{739AC528-84CD-4C4C-9AAA-944987E13663}" destId="{C0424938-EAAD-4AFD-89AA-F9DAA339B8CE}" srcOrd="3" destOrd="0" parTransId="{D85B5D0B-0237-4236-B15A-3AC15A4C8D6A}" sibTransId="{EBF62A40-6125-4DD5-8EDA-1F45E06B9030}"/>
-    <dgm:cxn modelId="{09CDA0F1-41AD-4AA3-BABC-AB3C68FE1F20}" type="presOf" srcId="{B682214D-3E19-400B-B148-C04F02C27327}" destId="{231A70AB-9760-4FFF-B875-5D31C52D60AE}" srcOrd="1" destOrd="0" presId="urn:microsoft.com/office/officeart/2005/8/layout/list1"/>
+    <dgm:cxn modelId="{98F30085-95A3-4899-83ED-263051B4121C}" srcId="{739AC528-84CD-4C4C-9AAA-944987E13663}" destId="{EBE94DE7-18A9-4985-A440-D262D93A6316}" srcOrd="1" destOrd="0" parTransId="{7151D90C-DDED-45CE-9D5D-F45918DF7AF3}" sibTransId="{11D717CD-56AA-45FC-9323-4DF14FDC4A6F}"/>
     <dgm:cxn modelId="{81B323AF-A255-4CEA-BAE8-041C43CF3A80}" type="presOf" srcId="{739AC528-84CD-4C4C-9AAA-944987E13663}" destId="{5C305753-02C2-4005-B25D-F75DD4B08137}" srcOrd="0" destOrd="0" presId="urn:microsoft.com/office/officeart/2005/8/layout/list1"/>
-    <dgm:cxn modelId="{7E93702C-2125-4942-BCFA-451032FA8C07}" type="presOf" srcId="{22558875-04DE-48A8-8D08-7DF713D16D36}" destId="{D78DBF14-3A29-4E42-B56E-7380E92A6552}" srcOrd="1" destOrd="0" presId="urn:microsoft.com/office/officeart/2005/8/layout/list1"/>
-    <dgm:cxn modelId="{1842B81B-6CE1-4E7A-B9A2-8AECFE2C9FD1}" type="presOf" srcId="{34E518D1-49BF-45FE-BD69-68CCC11C553D}" destId="{029B9D8C-4A77-4645-9520-CB1F079C0081}" srcOrd="1" destOrd="0" presId="urn:microsoft.com/office/officeart/2005/8/layout/list1"/>
-    <dgm:cxn modelId="{DC3681F8-CC97-4E15-8231-5EBA82EFEFD3}" type="presOf" srcId="{22558875-04DE-48A8-8D08-7DF713D16D36}" destId="{7CCD4125-60BB-4322-B726-7F91B5CDFF30}" srcOrd="0" destOrd="0" presId="urn:microsoft.com/office/officeart/2005/8/layout/list1"/>
-    <dgm:cxn modelId="{BC163CB6-4CBD-44DB-AD17-AFC4FDDC684C}" type="presOf" srcId="{EBE94DE7-18A9-4985-A440-D262D93A6316}" destId="{62A2C154-6AB5-4321-A742-C06A0E020873}" srcOrd="0" destOrd="0" presId="urn:microsoft.com/office/officeart/2005/8/layout/list1"/>
     <dgm:cxn modelId="{5CEE8E5E-6F76-4967-8862-364C72A0F09D}" type="presParOf" srcId="{5C305753-02C2-4005-B25D-F75DD4B08137}" destId="{B34D6D7E-5F2E-4AC9-BD73-0DDE9F8BB618}" srcOrd="0" destOrd="0" presId="urn:microsoft.com/office/officeart/2005/8/layout/list1"/>
     <dgm:cxn modelId="{49AB42FC-D96F-419C-AA12-35C9654D957E}" type="presParOf" srcId="{B34D6D7E-5F2E-4AC9-BD73-0DDE9F8BB618}" destId="{5CF09D25-445D-4024-9E09-27B9086F12C2}" srcOrd="0" destOrd="0" presId="urn:microsoft.com/office/officeart/2005/8/layout/list1"/>
     <dgm:cxn modelId="{16B0EBB0-1939-4496-898C-63BE915DB1B6}" type="presParOf" srcId="{B34D6D7E-5F2E-4AC9-BD73-0DDE9F8BB618}" destId="{B171C0C5-1265-474F-9A24-5267C4DEA6BB}" srcOrd="1" destOrd="0" presId="urn:microsoft.com/office/officeart/2005/8/layout/list1"/>
@@ -8844,14 +8946,14 @@
   <dgm:whole/>
   <dgm:extLst>
     <a:ext uri="http://schemas.microsoft.com/office/drawing/2008/diagram">
-      <dsp:dataModelExt xmlns:dsp="http://schemas.microsoft.com/office/drawing/2008/diagram" relId="rId6" minVer="http://schemas.openxmlformats.org/drawingml/2006/diagram"/>
+      <dsp:dataModelExt xmlns:dsp="http://schemas.microsoft.com/office/drawing/2008/diagram" xmlns="" relId="rId6" minVer="http://schemas.openxmlformats.org/drawingml/2006/diagram"/>
     </a:ext>
   </dgm:extLst>
 </dgm:dataModel>
 </file>
 
 <file path=ppt/diagrams/drawing1.xml><?xml version="1.0" encoding="utf-8"?>
-<dsp:drawing xmlns:dgm="http://schemas.openxmlformats.org/drawingml/2006/diagram" xmlns:dsp="http://schemas.microsoft.com/office/drawing/2008/diagram" xmlns:a="http://schemas.openxmlformats.org/drawingml/2006/main">
+<dsp:drawing xmlns:dgm="http://schemas.openxmlformats.org/drawingml/2006/diagram" xmlns:a="http://schemas.openxmlformats.org/drawingml/2006/main" xmlns:dsp="http://schemas.microsoft.com/office/drawing/2008/diagram">
   <dsp:spTree>
     <dsp:nvGrpSpPr>
       <dsp:cNvPr id="0" name=""/>
@@ -8985,9 +9087,9 @@
           <a:endParaRPr lang="pt-BR" sz="1600" kern="1200" dirty="0"/>
         </a:p>
       </dsp:txBody>
-      <dsp:txXfrm rot="-5400000">
-        <a:off x="3127248" y="153763"/>
-        <a:ext cx="5517004" cy="786505"/>
+      <dsp:txXfrm rot="5400000">
+        <a:off x="5471223" y="-2232760"/>
+        <a:ext cx="871601" cy="5559552"/>
       </dsp:txXfrm>
     </dsp:sp>
     <dsp:sp modelId="{83285697-B771-41E8-BF80-D6B7B2E260A7}">
@@ -9140,8 +9242,8 @@
         </a:p>
       </dsp:txBody>
       <dsp:txXfrm>
-        <a:off x="53185" y="53185"/>
-        <a:ext cx="3020878" cy="983131"/>
+        <a:off x="0" y="0"/>
+        <a:ext cx="3127248" cy="1089501"/>
       </dsp:txXfrm>
     </dsp:sp>
     <dsp:sp modelId="{76D300D9-3977-4D02-95E9-3905CCACBD1B}">
@@ -9229,9 +9331,9 @@
           <a:endParaRPr lang="pt-BR" sz="1600" kern="1200" dirty="0"/>
         </a:p>
       </dsp:txBody>
-      <dsp:txXfrm rot="-5400000">
-        <a:off x="3127248" y="1297740"/>
-        <a:ext cx="5517004" cy="786505"/>
+      <dsp:txXfrm rot="5400000">
+        <a:off x="5471223" y="-1088783"/>
+        <a:ext cx="871601" cy="5559552"/>
       </dsp:txXfrm>
     </dsp:sp>
     <dsp:sp modelId="{1C4CF5AE-B0A9-4E79-99D0-8192DD361FD5}">
@@ -9384,8 +9486,8 @@
         </a:p>
       </dsp:txBody>
       <dsp:txXfrm>
-        <a:off x="53185" y="1199426"/>
-        <a:ext cx="3020878" cy="983131"/>
+        <a:off x="0" y="1146241"/>
+        <a:ext cx="3127248" cy="1089501"/>
       </dsp:txXfrm>
     </dsp:sp>
     <dsp:sp modelId="{7991AEF3-84F5-4F2F-9A87-D93011516A86}">
@@ -9481,9 +9583,9 @@
           <a:endParaRPr lang="pt-BR" sz="1600" kern="1200" dirty="0"/>
         </a:p>
       </dsp:txBody>
-      <dsp:txXfrm rot="-5400000">
-        <a:off x="3127248" y="2441716"/>
-        <a:ext cx="5517004" cy="786505"/>
+      <dsp:txXfrm rot="5400000">
+        <a:off x="5471223" y="55193"/>
+        <a:ext cx="871601" cy="5559552"/>
       </dsp:txXfrm>
     </dsp:sp>
     <dsp:sp modelId="{DE3A8CA3-F5E7-47D6-9409-0DAEFC3883C5}">
@@ -9636,8 +9738,8 @@
         </a:p>
       </dsp:txBody>
       <dsp:txXfrm>
-        <a:off x="53185" y="2343403"/>
-        <a:ext cx="3020878" cy="983131"/>
+        <a:off x="0" y="2290218"/>
+        <a:ext cx="3127248" cy="1089501"/>
       </dsp:txXfrm>
     </dsp:sp>
     <dsp:sp modelId="{232E8D04-E732-492E-A284-139D99DFE02C}">
@@ -9729,9 +9831,9 @@
           <a:endParaRPr lang="pt-BR" sz="1600" kern="1200" dirty="0"/>
         </a:p>
       </dsp:txBody>
-      <dsp:txXfrm rot="-5400000">
-        <a:off x="3127248" y="3585693"/>
-        <a:ext cx="5517004" cy="786505"/>
+      <dsp:txXfrm rot="5400000">
+        <a:off x="5471223" y="1199170"/>
+        <a:ext cx="871601" cy="5559552"/>
       </dsp:txXfrm>
     </dsp:sp>
     <dsp:sp modelId="{F985ABD3-DA1F-4E90-952D-1C16820F198E}">
@@ -9884,8 +9986,8 @@
         </a:p>
       </dsp:txBody>
       <dsp:txXfrm>
-        <a:off x="53185" y="3487380"/>
-        <a:ext cx="3020878" cy="983131"/>
+        <a:off x="0" y="3434195"/>
+        <a:ext cx="3127248" cy="1089501"/>
       </dsp:txXfrm>
     </dsp:sp>
   </dsp:spTree>
@@ -9893,7 +9995,7 @@
 </file>
 
 <file path=ppt/diagrams/drawing2.xml><?xml version="1.0" encoding="utf-8"?>
-<dsp:drawing xmlns:dgm="http://schemas.openxmlformats.org/drawingml/2006/diagram" xmlns:dsp="http://schemas.microsoft.com/office/drawing/2008/diagram" xmlns:a="http://schemas.openxmlformats.org/drawingml/2006/main">
+<dsp:drawing xmlns:dgm="http://schemas.openxmlformats.org/drawingml/2006/diagram" xmlns:a="http://schemas.openxmlformats.org/drawingml/2006/main" xmlns:dsp="http://schemas.microsoft.com/office/drawing/2008/diagram">
   <dsp:spTree>
     <dsp:nvGrpSpPr>
       <dsp:cNvPr id="0" name=""/>
@@ -10005,12 +10107,12 @@
         </a:fontRef>
       </dsp:style>
       <dsp:txBody>
-        <a:bodyPr spcFirstLastPara="0" vert="horz" wrap="square" lIns="113792" tIns="113792" rIns="113792" bIns="60960" numCol="1" spcCol="1270" anchor="t" anchorCtr="0">
+        <a:bodyPr spcFirstLastPara="0" vert="horz" wrap="square" lIns="170688" tIns="170688" rIns="170688" bIns="91440" numCol="1" spcCol="1270" anchor="t" anchorCtr="0">
           <a:noAutofit/>
         </a:bodyPr>
         <a:lstStyle/>
         <a:p>
-          <a:pPr lvl="0" algn="l" defTabSz="711200">
+          <a:pPr lvl="0" algn="l" defTabSz="1066800">
             <a:lnSpc>
               <a:spcPct val="90000"/>
             </a:lnSpc>
@@ -10022,10 +10124,10 @@
             </a:spcAft>
           </a:pPr>
           <a:r>
-            <a:rPr lang="pt-BR" sz="1600" b="1" kern="1200" dirty="0" smtClean="0"/>
-            <a:t>Sem software local </a:t>
+            <a:rPr lang="pt-BR" sz="2400" b="1" kern="1200" dirty="0" smtClean="0"/>
+            <a:t>Interligar </a:t>
           </a:r>
-          <a:endParaRPr lang="pt-BR" sz="1600" b="1" kern="1200" dirty="0"/>
+          <a:endParaRPr lang="pt-BR" sz="2400" b="1" kern="1200" dirty="0"/>
         </a:p>
       </dsp:txBody>
       <dsp:txXfrm>
@@ -10074,12 +10176,12 @@
         </a:fontRef>
       </dsp:style>
       <dsp:txBody>
-        <a:bodyPr spcFirstLastPara="0" vert="horz" wrap="square" lIns="99568" tIns="99568" rIns="99568" bIns="99568" numCol="1" spcCol="1270" anchor="t" anchorCtr="0">
+        <a:bodyPr spcFirstLastPara="0" vert="horz" wrap="square" lIns="128016" tIns="128016" rIns="128016" bIns="128016" numCol="1" spcCol="1270" anchor="t" anchorCtr="0">
           <a:noAutofit/>
         </a:bodyPr>
         <a:lstStyle/>
         <a:p>
-          <a:pPr marL="114300" lvl="1" indent="-114300" algn="l" defTabSz="622300">
+          <a:pPr marL="171450" lvl="1" indent="-171450" algn="l" defTabSz="800100">
             <a:lnSpc>
               <a:spcPct val="90000"/>
             </a:lnSpc>
@@ -10092,15 +10194,30 @@
             <a:buChar char="••"/>
           </a:pPr>
           <a:r>
-            <a:rPr lang="pt-BR" sz="1400" b="1" kern="1200" dirty="0" smtClean="0"/>
-            <a:t>?</a:t>
+            <a:rPr lang="pt-BR" sz="1800" b="1" kern="1200" dirty="0" smtClean="0"/>
+            <a:t>Pastorais</a:t>
           </a:r>
-          <a:endParaRPr lang="pt-BR" sz="1400" b="1" kern="1200" dirty="0"/>
+          <a:endParaRPr lang="pt-BR" sz="1800" b="1" kern="1200" dirty="0"/>
+        </a:p>
+        <a:p>
+          <a:pPr marL="171450" lvl="1" indent="-171450" algn="l" defTabSz="800100">
+            <a:lnSpc>
+              <a:spcPct val="90000"/>
+            </a:lnSpc>
+            <a:spcBef>
+              <a:spcPct val="0"/>
+            </a:spcBef>
+            <a:spcAft>
+              <a:spcPct val="15000"/>
+            </a:spcAft>
+            <a:buChar char="••"/>
+          </a:pPr>
+          <a:endParaRPr lang="pt-BR" sz="1800" b="1" kern="1200" dirty="0"/>
         </a:p>
       </dsp:txBody>
       <dsp:txXfrm>
-        <a:off x="464215" y="870209"/>
-        <a:ext cx="1849381" cy="3571326"/>
+        <a:off x="406678" y="812672"/>
+        <a:ext cx="1964455" cy="3686400"/>
       </dsp:txXfrm>
     </dsp:sp>
     <dsp:sp modelId="{330F8E89-32DF-4BC4-AED2-91D2D7CB94C5}">
@@ -10229,8 +10346,8 @@
         </a:p>
       </dsp:txBody>
       <dsp:txXfrm>
-        <a:off x="2266580" y="273052"/>
-        <a:ext cx="484617" cy="293456"/>
+        <a:off x="2266580" y="175234"/>
+        <a:ext cx="631345" cy="489092"/>
       </dsp:txXfrm>
     </dsp:sp>
     <dsp:sp modelId="{D6C82472-F7A1-44F8-BE16-C0E2E40E0D6B}">
@@ -10338,12 +10455,12 @@
         </a:fontRef>
       </dsp:style>
       <dsp:txBody>
-        <a:bodyPr spcFirstLastPara="0" vert="horz" wrap="square" lIns="113792" tIns="113792" rIns="113792" bIns="60960" numCol="1" spcCol="1270" anchor="t" anchorCtr="0">
+        <a:bodyPr spcFirstLastPara="0" vert="horz" wrap="square" lIns="170688" tIns="170688" rIns="170688" bIns="91440" numCol="1" spcCol="1270" anchor="t" anchorCtr="0">
           <a:noAutofit/>
         </a:bodyPr>
         <a:lstStyle/>
         <a:p>
-          <a:pPr lvl="0" algn="l" defTabSz="711200">
+          <a:pPr lvl="0" algn="l" defTabSz="1066800">
             <a:lnSpc>
               <a:spcPct val="90000"/>
             </a:lnSpc>
@@ -10355,10 +10472,10 @@
             </a:spcAft>
           </a:pPr>
           <a:r>
-            <a:rPr lang="pt-BR" sz="1600" b="1" kern="1200" dirty="0" smtClean="0"/>
-            <a:t>Mobilidade</a:t>
+            <a:rPr lang="pt-BR" sz="2400" b="1" kern="1200" dirty="0" smtClean="0"/>
+            <a:t>Padronizar</a:t>
           </a:r>
-          <a:endParaRPr lang="pt-BR" sz="1600" b="1" kern="1200" dirty="0"/>
+          <a:endParaRPr lang="pt-BR" sz="2400" b="1" kern="1200" dirty="0"/>
         </a:p>
       </dsp:txBody>
       <dsp:txXfrm>
@@ -10407,12 +10524,12 @@
         </a:fontRef>
       </dsp:style>
       <dsp:txBody>
-        <a:bodyPr spcFirstLastPara="0" vert="horz" wrap="square" lIns="99568" tIns="99568" rIns="99568" bIns="99568" numCol="1" spcCol="1270" anchor="t" anchorCtr="0">
+        <a:bodyPr spcFirstLastPara="0" vert="horz" wrap="square" lIns="128016" tIns="128016" rIns="128016" bIns="128016" numCol="1" spcCol="1270" anchor="t" anchorCtr="0">
           <a:noAutofit/>
         </a:bodyPr>
         <a:lstStyle/>
         <a:p>
-          <a:pPr marL="114300" lvl="1" indent="-114300" algn="l" defTabSz="622300">
+          <a:pPr marL="171450" lvl="1" indent="-171450" algn="l" defTabSz="800100">
             <a:lnSpc>
               <a:spcPct val="90000"/>
             </a:lnSpc>
@@ -10425,15 +10542,15 @@
             <a:buChar char="••"/>
           </a:pPr>
           <a:r>
-            <a:rPr lang="pt-BR" sz="1400" b="1" kern="1200" dirty="0" smtClean="0"/>
+            <a:rPr lang="pt-BR" sz="1800" b="1" kern="1200" dirty="0" smtClean="0"/>
             <a:t>?</a:t>
           </a:r>
-          <a:endParaRPr lang="pt-BR" sz="1400" b="1" kern="1200" dirty="0"/>
+          <a:endParaRPr lang="pt-BR" sz="1800" b="1" kern="1200" dirty="0"/>
         </a:p>
       </dsp:txBody>
       <dsp:txXfrm>
-        <a:off x="3619888" y="870209"/>
-        <a:ext cx="1849381" cy="3571326"/>
+        <a:off x="3562351" y="812672"/>
+        <a:ext cx="1964455" cy="3686400"/>
       </dsp:txXfrm>
     </dsp:sp>
     <dsp:sp modelId="{1390A124-BEDA-4A49-9B1B-0ED2FB571A6C}">
@@ -10562,8 +10679,8 @@
         </a:p>
       </dsp:txBody>
       <dsp:txXfrm>
-        <a:off x="5422252" y="273052"/>
-        <a:ext cx="484617" cy="293456"/>
+        <a:off x="5422252" y="175234"/>
+        <a:ext cx="631345" cy="489092"/>
       </dsp:txXfrm>
     </dsp:sp>
     <dsp:sp modelId="{944B484B-F688-4CFA-A4FB-08B237CA5903}">
@@ -10671,12 +10788,12 @@
         </a:fontRef>
       </dsp:style>
       <dsp:txBody>
-        <a:bodyPr spcFirstLastPara="0" vert="horz" wrap="square" lIns="113792" tIns="113792" rIns="113792" bIns="60960" numCol="1" spcCol="1270" anchor="t" anchorCtr="0">
+        <a:bodyPr spcFirstLastPara="0" vert="horz" wrap="square" lIns="170688" tIns="170688" rIns="170688" bIns="91440" numCol="1" spcCol="1270" anchor="t" anchorCtr="0">
           <a:noAutofit/>
         </a:bodyPr>
         <a:lstStyle/>
         <a:p>
-          <a:pPr lvl="0" algn="l" defTabSz="711200">
+          <a:pPr lvl="0" algn="l" defTabSz="1066800">
             <a:lnSpc>
               <a:spcPct val="90000"/>
             </a:lnSpc>
@@ -10688,10 +10805,10 @@
             </a:spcAft>
           </a:pPr>
           <a:r>
-            <a:rPr lang="pt-BR" sz="1600" b="1" kern="1200" dirty="0" smtClean="0"/>
-            <a:t>Recursos locais</a:t>
+            <a:rPr lang="pt-BR" sz="2400" b="1" kern="1200" dirty="0" smtClean="0"/>
+            <a:t>Facilitar</a:t>
           </a:r>
-          <a:endParaRPr lang="pt-BR" sz="1600" b="1" kern="1200" dirty="0"/>
+          <a:endParaRPr lang="pt-BR" sz="2400" b="1" kern="1200" dirty="0"/>
         </a:p>
       </dsp:txBody>
       <dsp:txXfrm>
@@ -10765,8 +10882,8 @@
         </a:p>
       </dsp:txBody>
       <dsp:txXfrm>
-        <a:off x="6775561" y="870209"/>
-        <a:ext cx="1849381" cy="3571326"/>
+        <a:off x="6718024" y="812672"/>
+        <a:ext cx="1964455" cy="3686400"/>
       </dsp:txXfrm>
     </dsp:sp>
   </dsp:spTree>
@@ -10774,7 +10891,7 @@
 </file>
 
 <file path=ppt/diagrams/drawing3.xml><?xml version="1.0" encoding="utf-8"?>
-<dsp:drawing xmlns:dgm="http://schemas.openxmlformats.org/drawingml/2006/diagram" xmlns:dsp="http://schemas.microsoft.com/office/drawing/2008/diagram" xmlns:a="http://schemas.openxmlformats.org/drawingml/2006/main">
+<dsp:drawing xmlns:dgm="http://schemas.openxmlformats.org/drawingml/2006/diagram" xmlns:a="http://schemas.openxmlformats.org/drawingml/2006/main" xmlns:dsp="http://schemas.microsoft.com/office/drawing/2008/diagram">
   <dsp:spTree>
     <dsp:nvGrpSpPr>
       <dsp:cNvPr id="0" name=""/>
@@ -10926,7 +11043,7 @@
               <a:spcPct val="35000"/>
             </a:spcAft>
           </a:pPr>
-          <a:endParaRPr lang="pt-BR" sz="5700" kern="1200"/>
+          <a:endParaRPr lang="pt-BR" sz="5700" kern="1200" dirty="0"/>
         </a:p>
       </dsp:txBody>
       <dsp:txXfrm>
@@ -11491,7 +11608,7 @@
               <a:spcPct val="35000"/>
             </a:spcAft>
           </a:pPr>
-          <a:endParaRPr lang="pt-BR" sz="2600" kern="1200"/>
+          <a:endParaRPr lang="pt-BR" sz="2600" kern="1200" dirty="0"/>
         </a:p>
       </dsp:txBody>
       <dsp:txXfrm>
@@ -11710,7 +11827,7 @@
 </file>
 
 <file path=ppt/diagrams/drawing4.xml><?xml version="1.0" encoding="utf-8"?>
-<dsp:drawing xmlns:dgm="http://schemas.openxmlformats.org/drawingml/2006/diagram" xmlns:dsp="http://schemas.microsoft.com/office/drawing/2008/diagram" xmlns:a="http://schemas.openxmlformats.org/drawingml/2006/main">
+<dsp:drawing xmlns:dgm="http://schemas.openxmlformats.org/drawingml/2006/diagram" xmlns:a="http://schemas.openxmlformats.org/drawingml/2006/main" xmlns:dsp="http://schemas.microsoft.com/office/drawing/2008/diagram">
   <dsp:spTree>
     <dsp:nvGrpSpPr>
       <dsp:cNvPr id="0" name=""/>
@@ -11873,8 +11990,8 @@
         </a:p>
       </dsp:txBody>
       <dsp:txXfrm>
-        <a:off x="39060" y="1530890"/>
-        <a:ext cx="2303089" cy="1135290"/>
+        <a:off x="3739" y="1495569"/>
+        <a:ext cx="2373731" cy="1205932"/>
       </dsp:txXfrm>
     </dsp:sp>
     <dsp:sp modelId="{BB47B8A7-A69A-47BA-8429-499D75D98923}">
@@ -12134,8 +12251,8 @@
         </a:p>
       </dsp:txBody>
       <dsp:txXfrm>
-        <a:off x="470048" y="957997"/>
-        <a:ext cx="2071451" cy="619249"/>
+        <a:off x="450782" y="938731"/>
+        <a:ext cx="2109983" cy="657781"/>
       </dsp:txXfrm>
     </dsp:sp>
     <dsp:sp modelId="{0C27C69B-3C82-4A7E-9AEC-146B678149A2}">
@@ -12273,8 +12390,8 @@
         </a:p>
       </dsp:txBody>
       <dsp:txXfrm>
-        <a:off x="3059981" y="1859781"/>
-        <a:ext cx="2303089" cy="1135290"/>
+        <a:off x="3024660" y="1824460"/>
+        <a:ext cx="2373731" cy="1205932"/>
       </dsp:txXfrm>
     </dsp:sp>
     <dsp:sp modelId="{E5E8036A-476D-4F9C-9D7B-4ED08A33C842}">
@@ -12540,8 +12657,8 @@
         </a:p>
       </dsp:txBody>
       <dsp:txXfrm>
-        <a:off x="3494386" y="958002"/>
-        <a:ext cx="2071451" cy="619249"/>
+        <a:off x="3475120" y="938736"/>
+        <a:ext cx="2109983" cy="657781"/>
       </dsp:txXfrm>
     </dsp:sp>
     <dsp:sp modelId="{AE566E9F-D101-4F88-9692-208EF2AE8557}">
@@ -12700,8 +12817,8 @@
         </a:p>
       </dsp:txBody>
       <dsp:txXfrm>
-        <a:off x="6080901" y="1530890"/>
-        <a:ext cx="2303089" cy="1135290"/>
+        <a:off x="6045580" y="1495569"/>
+        <a:ext cx="2373731" cy="1205932"/>
       </dsp:txXfrm>
     </dsp:sp>
     <dsp:sp modelId="{301F9B7A-61FD-4D71-8D0E-DCB457B0DAC9}">
@@ -12837,8 +12954,8 @@
         </a:p>
       </dsp:txBody>
       <dsp:txXfrm>
-        <a:off x="6518704" y="957997"/>
-        <a:ext cx="2071451" cy="619249"/>
+        <a:off x="6499438" y="938731"/>
+        <a:ext cx="2109983" cy="657781"/>
       </dsp:txXfrm>
     </dsp:sp>
   </dsp:spTree>
@@ -12846,7 +12963,7 @@
 </file>
 
 <file path=ppt/diagrams/drawing5.xml><?xml version="1.0" encoding="utf-8"?>
-<dsp:drawing xmlns:dgm="http://schemas.openxmlformats.org/drawingml/2006/diagram" xmlns:dsp="http://schemas.microsoft.com/office/drawing/2008/diagram" xmlns:a="http://schemas.openxmlformats.org/drawingml/2006/main">
+<dsp:drawing xmlns:dgm="http://schemas.openxmlformats.org/drawingml/2006/diagram" xmlns:a="http://schemas.openxmlformats.org/drawingml/2006/main" xmlns:dsp="http://schemas.microsoft.com/office/drawing/2008/diagram">
   <dsp:spTree>
     <dsp:nvGrpSpPr>
       <dsp:cNvPr id="0" name=""/>
@@ -12926,8 +13043,8 @@
         </a:p>
       </dsp:txBody>
       <dsp:txXfrm>
-        <a:off x="3786273" y="1862231"/>
-        <a:ext cx="1114252" cy="1143857"/>
+        <a:off x="3555504" y="1625330"/>
+        <a:ext cx="1575790" cy="1617659"/>
       </dsp:txXfrm>
     </dsp:sp>
     <dsp:sp modelId="{D858E594-9B1F-454E-812B-1D569755D339}">
@@ -12994,9 +13111,9 @@
           <a:endParaRPr lang="pt-BR" sz="1900" kern="1200"/>
         </a:p>
       </dsp:txBody>
-      <dsp:txXfrm>
-        <a:off x="4279522" y="1355251"/>
-        <a:ext cx="127756" cy="260884"/>
+      <dsp:txXfrm rot="16200000">
+        <a:off x="4252145" y="1240913"/>
+        <a:ext cx="182509" cy="434806"/>
       </dsp:txXfrm>
     </dsp:sp>
     <dsp:sp modelId="{E0159EA0-1A5D-476D-AD51-865243B2D714}">
@@ -13068,8 +13185,8 @@
         </a:p>
       </dsp:txBody>
       <dsp:txXfrm>
-        <a:off x="3891260" y="189412"/>
-        <a:ext cx="904278" cy="904278"/>
+        <a:off x="3703978" y="2130"/>
+        <a:ext cx="1278842" cy="1278842"/>
       </dsp:txXfrm>
     </dsp:sp>
     <dsp:sp modelId="{9D95D45C-9B20-4A4E-AD6C-37161FDE50AF}">
@@ -13136,9 +13253,9 @@
           <a:endParaRPr lang="pt-BR" sz="1900" kern="1200"/>
         </a:p>
       </dsp:txBody>
-      <dsp:txXfrm>
-        <a:off x="5167295" y="2014117"/>
-        <a:ext cx="134807" cy="260884"/>
+      <dsp:txXfrm rot="20520000">
+        <a:off x="5165881" y="1918229"/>
+        <a:ext cx="192581" cy="434806"/>
       </dsp:txXfrm>
     </dsp:sp>
     <dsp:sp modelId="{892AB89D-9357-4946-A690-9AB770094366}">
@@ -13210,8 +13327,8 @@
         </a:p>
       </dsp:txBody>
       <dsp:txXfrm>
-        <a:off x="5596131" y="1428074"/>
-        <a:ext cx="904278" cy="904278"/>
+        <a:off x="5408849" y="1240792"/>
+        <a:ext cx="1278842" cy="1278842"/>
       </dsp:txXfrm>
     </dsp:sp>
     <dsp:sp modelId="{8F93543A-5059-4DE8-A2FC-A99D358C55C0}">
@@ -13278,9 +13395,9 @@
           <a:endParaRPr lang="pt-BR" sz="1900" kern="1200"/>
         </a:p>
       </dsp:txBody>
-      <dsp:txXfrm>
-        <a:off x="4833046" y="3067474"/>
-        <a:ext cx="130509" cy="260884"/>
+      <dsp:txXfrm rot="3240000">
+        <a:off x="4821518" y="3003138"/>
+        <a:ext cx="186441" cy="434806"/>
       </dsp:txXfrm>
     </dsp:sp>
     <dsp:sp modelId="{4AE6AAFA-D59A-4F35-A5E8-C6D2EC6BBFF0}">
@@ -13352,8 +13469,8 @@
         </a:p>
       </dsp:txBody>
       <dsp:txXfrm>
-        <a:off x="4944929" y="3432270"/>
-        <a:ext cx="904278" cy="904278"/>
+        <a:off x="4757647" y="3244988"/>
+        <a:ext cx="1278842" cy="1278842"/>
       </dsp:txXfrm>
     </dsp:sp>
     <dsp:sp modelId="{D32B50BC-8F9A-4A06-941D-13004E7B3F17}">
@@ -13420,9 +13537,9 @@
           <a:endParaRPr lang="pt-BR" sz="1900" kern="1200"/>
         </a:p>
       </dsp:txBody>
-      <dsp:txXfrm rot="10800000">
-        <a:off x="3723243" y="3067474"/>
-        <a:ext cx="130509" cy="260884"/>
+      <dsp:txXfrm rot="7560000">
+        <a:off x="3678839" y="3003138"/>
+        <a:ext cx="186441" cy="434806"/>
       </dsp:txXfrm>
     </dsp:sp>
     <dsp:sp modelId="{42C28B57-95B0-4561-B729-7C55DC80C4C3}">
@@ -13494,8 +13611,8 @@
         </a:p>
       </dsp:txBody>
       <dsp:txXfrm>
-        <a:off x="2837592" y="3432270"/>
-        <a:ext cx="904278" cy="904278"/>
+        <a:off x="2650310" y="3244988"/>
+        <a:ext cx="1278842" cy="1278842"/>
       </dsp:txXfrm>
     </dsp:sp>
     <dsp:sp modelId="{BED8CFF9-57DF-415B-BFD2-F23237B98D78}">
@@ -13562,9 +13679,9 @@
           <a:endParaRPr lang="pt-BR" sz="1900" kern="1200"/>
         </a:p>
       </dsp:txBody>
-      <dsp:txXfrm rot="10800000">
-        <a:off x="3384696" y="2014117"/>
-        <a:ext cx="134807" cy="260884"/>
+      <dsp:txXfrm rot="11880000">
+        <a:off x="3328336" y="1918229"/>
+        <a:ext cx="192581" cy="434806"/>
       </dsp:txXfrm>
     </dsp:sp>
     <dsp:sp modelId="{AE23CEE4-5E78-4BF2-A4EC-856A2ACE758E}">
@@ -13636,8 +13753,8 @@
         </a:p>
       </dsp:txBody>
       <dsp:txXfrm>
-        <a:off x="2186389" y="1428074"/>
-        <a:ext cx="904278" cy="904278"/>
+        <a:off x="1999107" y="1240792"/>
+        <a:ext cx="1278842" cy="1278842"/>
       </dsp:txXfrm>
     </dsp:sp>
   </dsp:spTree>
@@ -13645,979 +13762,13 @@
 </file>
 
 <file path=ppt/diagrams/drawing6.xml><?xml version="1.0" encoding="utf-8"?>
-<dsp:drawing xmlns:dgm="http://schemas.openxmlformats.org/drawingml/2006/diagram" xmlns:dsp="http://schemas.microsoft.com/office/drawing/2008/diagram" xmlns:a="http://schemas.openxmlformats.org/drawingml/2006/main">
+<dsp:drawing xmlns:dgm="http://schemas.openxmlformats.org/drawingml/2006/diagram" xmlns:a="http://schemas.openxmlformats.org/drawingml/2006/main" xmlns:dsp="http://schemas.microsoft.com/office/drawing/2008/diagram">
   <dsp:spTree>
     <dsp:nvGrpSpPr>
       <dsp:cNvPr id="0" name=""/>
       <dsp:cNvGrpSpPr/>
     </dsp:nvGrpSpPr>
     <dsp:grpSpPr/>
-    <dsp:sp modelId="{AA8514B8-7EBB-4287-ACDB-81BB8EE3A65E}">
-      <dsp:nvSpPr>
-        <dsp:cNvPr id="0" name=""/>
-        <dsp:cNvSpPr/>
-      </dsp:nvSpPr>
-      <dsp:spPr>
-        <a:xfrm>
-          <a:off x="0" y="327899"/>
-          <a:ext cx="8686800" cy="504000"/>
-        </a:xfrm>
-        <a:prstGeom prst="rect">
-          <a:avLst/>
-        </a:prstGeom>
-        <a:gradFill rotWithShape="1">
-          <a:gsLst>
-            <a:gs pos="0">
-              <a:schemeClr val="accent6">
-                <a:tint val="30000"/>
-                <a:satMod val="250000"/>
-              </a:schemeClr>
-            </a:gs>
-            <a:gs pos="72000">
-              <a:schemeClr val="accent6">
-                <a:tint val="75000"/>
-                <a:satMod val="210000"/>
-              </a:schemeClr>
-            </a:gs>
-            <a:gs pos="100000">
-              <a:schemeClr val="accent6">
-                <a:tint val="85000"/>
-                <a:satMod val="210000"/>
-              </a:schemeClr>
-            </a:gs>
-          </a:gsLst>
-          <a:lin ang="5400000" scaled="1"/>
-        </a:gradFill>
-        <a:ln w="10000" cap="flat" cmpd="sng" algn="ctr">
-          <a:solidFill>
-            <a:schemeClr val="accent6"/>
-          </a:solidFill>
-          <a:prstDash val="solid"/>
-        </a:ln>
-        <a:effectLst>
-          <a:outerShdw blurRad="76200" dist="50800" dir="5400000" rotWithShape="0">
-            <a:srgbClr val="4E3B30">
-              <a:alpha val="60000"/>
-            </a:srgbClr>
-          </a:outerShdw>
-        </a:effectLst>
-        <a:scene3d>
-          <a:camera prst="orthographicFront"/>
-          <a:lightRig rig="flat" dir="t"/>
-        </a:scene3d>
-        <a:sp3d z="190500" extrusionH="12700"/>
-      </dsp:spPr>
-      <dsp:style>
-        <a:lnRef idx="1">
-          <a:schemeClr val="accent6"/>
-        </a:lnRef>
-        <a:fillRef idx="2">
-          <a:schemeClr val="accent6"/>
-        </a:fillRef>
-        <a:effectRef idx="1">
-          <a:schemeClr val="accent6"/>
-        </a:effectRef>
-        <a:fontRef idx="minor">
-          <a:schemeClr val="dk1"/>
-        </a:fontRef>
-      </dsp:style>
-    </dsp:sp>
-    <dsp:sp modelId="{B171C0C5-1265-474F-9A24-5267C4DEA6BB}">
-      <dsp:nvSpPr>
-        <dsp:cNvPr id="0" name=""/>
-        <dsp:cNvSpPr/>
-      </dsp:nvSpPr>
-      <dsp:spPr>
-        <a:xfrm>
-          <a:off x="434340" y="0"/>
-          <a:ext cx="6080760" cy="590400"/>
-        </a:xfrm>
-        <a:prstGeom prst="roundRect">
-          <a:avLst/>
-        </a:prstGeom>
-        <a:solidFill>
-          <a:srgbClr val="92D050"/>
-        </a:solidFill>
-        <a:ln>
-          <a:noFill/>
-        </a:ln>
-        <a:effectLst>
-          <a:outerShdw blurRad="76200" dist="50800" dir="5400000" rotWithShape="0">
-            <a:srgbClr val="4E3B30">
-              <a:alpha val="60000"/>
-            </a:srgbClr>
-          </a:outerShdw>
-        </a:effectLst>
-        <a:scene3d>
-          <a:camera prst="orthographicFront"/>
-          <a:lightRig rig="flat" dir="t"/>
-        </a:scene3d>
-        <a:sp3d contourW="12700" prstMaterial="matte">
-          <a:bevelT w="60000" h="50800"/>
-          <a:contourClr>
-            <a:schemeClr val="accent6">
-              <a:shade val="60000"/>
-              <a:satMod val="110000"/>
-            </a:schemeClr>
-          </a:contourClr>
-        </a:sp3d>
-      </dsp:spPr>
-      <dsp:style>
-        <a:lnRef idx="0">
-          <a:schemeClr val="accent6"/>
-        </a:lnRef>
-        <a:fillRef idx="3">
-          <a:schemeClr val="accent6"/>
-        </a:fillRef>
-        <a:effectRef idx="3">
-          <a:schemeClr val="accent6"/>
-        </a:effectRef>
-        <a:fontRef idx="minor">
-          <a:schemeClr val="lt1"/>
-        </a:fontRef>
-      </dsp:style>
-      <dsp:txBody>
-        <a:bodyPr spcFirstLastPara="0" vert="horz" wrap="square" lIns="229838" tIns="0" rIns="229838" bIns="0" numCol="1" spcCol="1270" anchor="ctr" anchorCtr="0">
-          <a:noAutofit/>
-        </a:bodyPr>
-        <a:lstStyle/>
-        <a:p>
-          <a:pPr lvl="0" algn="l" defTabSz="889000">
-            <a:lnSpc>
-              <a:spcPct val="90000"/>
-            </a:lnSpc>
-            <a:spcBef>
-              <a:spcPct val="0"/>
-            </a:spcBef>
-            <a:spcAft>
-              <a:spcPct val="35000"/>
-            </a:spcAft>
-          </a:pPr>
-          <a:r>
-            <a:rPr lang="pt-BR" sz="2000" b="1" kern="1200" smtClean="0">
-              <a:solidFill>
-                <a:srgbClr val="0070C0"/>
-              </a:solidFill>
-            </a:rPr>
-            <a:t>Dinamização de registro de atividades</a:t>
-          </a:r>
-          <a:endParaRPr lang="pt-BR" sz="2000" b="1" kern="1200" dirty="0">
-            <a:solidFill>
-              <a:srgbClr val="0070C0"/>
-            </a:solidFill>
-          </a:endParaRPr>
-        </a:p>
-      </dsp:txBody>
-      <dsp:txXfrm>
-        <a:off x="463161" y="28821"/>
-        <a:ext cx="6023118" cy="532758"/>
-      </dsp:txXfrm>
-    </dsp:sp>
-    <dsp:sp modelId="{122429B3-75B2-4400-B819-CC67C8478699}">
-      <dsp:nvSpPr>
-        <dsp:cNvPr id="0" name=""/>
-        <dsp:cNvSpPr/>
-      </dsp:nvSpPr>
-      <dsp:spPr>
-        <a:xfrm>
-          <a:off x="0" y="1235099"/>
-          <a:ext cx="8686800" cy="504000"/>
-        </a:xfrm>
-        <a:prstGeom prst="rect">
-          <a:avLst/>
-        </a:prstGeom>
-        <a:gradFill rotWithShape="1">
-          <a:gsLst>
-            <a:gs pos="0">
-              <a:schemeClr val="accent6">
-                <a:tint val="30000"/>
-                <a:satMod val="250000"/>
-              </a:schemeClr>
-            </a:gs>
-            <a:gs pos="72000">
-              <a:schemeClr val="accent6">
-                <a:tint val="75000"/>
-                <a:satMod val="210000"/>
-              </a:schemeClr>
-            </a:gs>
-            <a:gs pos="100000">
-              <a:schemeClr val="accent6">
-                <a:tint val="85000"/>
-                <a:satMod val="210000"/>
-              </a:schemeClr>
-            </a:gs>
-          </a:gsLst>
-          <a:lin ang="5400000" scaled="1"/>
-        </a:gradFill>
-        <a:ln w="10000" cap="flat" cmpd="sng" algn="ctr">
-          <a:solidFill>
-            <a:schemeClr val="accent6"/>
-          </a:solidFill>
-          <a:prstDash val="solid"/>
-        </a:ln>
-        <a:effectLst>
-          <a:outerShdw blurRad="76200" dist="50800" dir="5400000" rotWithShape="0">
-            <a:srgbClr val="4E3B30">
-              <a:alpha val="60000"/>
-            </a:srgbClr>
-          </a:outerShdw>
-        </a:effectLst>
-        <a:scene3d>
-          <a:camera prst="orthographicFront"/>
-          <a:lightRig rig="flat" dir="t"/>
-        </a:scene3d>
-        <a:sp3d z="190500" extrusionH="12700"/>
-      </dsp:spPr>
-      <dsp:style>
-        <a:lnRef idx="1">
-          <a:schemeClr val="accent6"/>
-        </a:lnRef>
-        <a:fillRef idx="2">
-          <a:schemeClr val="accent6"/>
-        </a:fillRef>
-        <a:effectRef idx="1">
-          <a:schemeClr val="accent6"/>
-        </a:effectRef>
-        <a:fontRef idx="minor">
-          <a:schemeClr val="dk1"/>
-        </a:fontRef>
-      </dsp:style>
-    </dsp:sp>
-    <dsp:sp modelId="{9939078C-FCDB-4354-9260-A7140D211969}">
-      <dsp:nvSpPr>
-        <dsp:cNvPr id="0" name=""/>
-        <dsp:cNvSpPr/>
-      </dsp:nvSpPr>
-      <dsp:spPr>
-        <a:xfrm>
-          <a:off x="434340" y="895849"/>
-          <a:ext cx="6080760" cy="590400"/>
-        </a:xfrm>
-        <a:prstGeom prst="roundRect">
-          <a:avLst/>
-        </a:prstGeom>
-        <a:solidFill>
-          <a:srgbClr val="92D050"/>
-        </a:solidFill>
-        <a:ln>
-          <a:noFill/>
-        </a:ln>
-        <a:effectLst>
-          <a:outerShdw blurRad="76200" dist="50800" dir="5400000" rotWithShape="0">
-            <a:srgbClr val="4E3B30">
-              <a:alpha val="60000"/>
-            </a:srgbClr>
-          </a:outerShdw>
-        </a:effectLst>
-        <a:scene3d>
-          <a:camera prst="orthographicFront"/>
-          <a:lightRig rig="flat" dir="t"/>
-        </a:scene3d>
-        <a:sp3d contourW="12700" prstMaterial="matte">
-          <a:bevelT w="60000" h="50800"/>
-          <a:contourClr>
-            <a:schemeClr val="accent6">
-              <a:shade val="60000"/>
-              <a:satMod val="110000"/>
-            </a:schemeClr>
-          </a:contourClr>
-        </a:sp3d>
-      </dsp:spPr>
-      <dsp:style>
-        <a:lnRef idx="0">
-          <a:schemeClr val="accent6"/>
-        </a:lnRef>
-        <a:fillRef idx="3">
-          <a:schemeClr val="accent6"/>
-        </a:fillRef>
-        <a:effectRef idx="3">
-          <a:schemeClr val="accent6"/>
-        </a:effectRef>
-        <a:fontRef idx="minor">
-          <a:schemeClr val="lt1"/>
-        </a:fontRef>
-      </dsp:style>
-      <dsp:txBody>
-        <a:bodyPr spcFirstLastPara="0" vert="horz" wrap="square" lIns="229838" tIns="0" rIns="229838" bIns="0" numCol="1" spcCol="1270" anchor="ctr" anchorCtr="0">
-          <a:noAutofit/>
-        </a:bodyPr>
-        <a:lstStyle/>
-        <a:p>
-          <a:pPr lvl="0" algn="l" defTabSz="889000">
-            <a:lnSpc>
-              <a:spcPct val="90000"/>
-            </a:lnSpc>
-            <a:spcBef>
-              <a:spcPct val="0"/>
-            </a:spcBef>
-            <a:spcAft>
-              <a:spcPct val="35000"/>
-            </a:spcAft>
-          </a:pPr>
-          <a:r>
-            <a:rPr lang="pt-BR" sz="2000" b="1" kern="1200" smtClean="0">
-              <a:solidFill>
-                <a:srgbClr val="0070C0"/>
-              </a:solidFill>
-            </a:rPr>
-            <a:t> Acesso web em dispositivos moveis</a:t>
-          </a:r>
-          <a:endParaRPr lang="pt-BR" sz="2000" b="1" kern="1200" dirty="0">
-            <a:solidFill>
-              <a:srgbClr val="0070C0"/>
-            </a:solidFill>
-          </a:endParaRPr>
-        </a:p>
-      </dsp:txBody>
-      <dsp:txXfrm>
-        <a:off x="463161" y="924670"/>
-        <a:ext cx="6023118" cy="532758"/>
-      </dsp:txXfrm>
-    </dsp:sp>
-    <dsp:sp modelId="{06A3C85D-CDEB-4A13-9986-AD53F22D8EA9}">
-      <dsp:nvSpPr>
-        <dsp:cNvPr id="0" name=""/>
-        <dsp:cNvSpPr/>
-      </dsp:nvSpPr>
-      <dsp:spPr>
-        <a:xfrm>
-          <a:off x="0" y="2142299"/>
-          <a:ext cx="8686800" cy="504000"/>
-        </a:xfrm>
-        <a:prstGeom prst="rect">
-          <a:avLst/>
-        </a:prstGeom>
-        <a:gradFill rotWithShape="1">
-          <a:gsLst>
-            <a:gs pos="0">
-              <a:schemeClr val="accent6">
-                <a:tint val="30000"/>
-                <a:satMod val="250000"/>
-              </a:schemeClr>
-            </a:gs>
-            <a:gs pos="72000">
-              <a:schemeClr val="accent6">
-                <a:tint val="75000"/>
-                <a:satMod val="210000"/>
-              </a:schemeClr>
-            </a:gs>
-            <a:gs pos="100000">
-              <a:schemeClr val="accent6">
-                <a:tint val="85000"/>
-                <a:satMod val="210000"/>
-              </a:schemeClr>
-            </a:gs>
-          </a:gsLst>
-          <a:lin ang="5400000" scaled="1"/>
-        </a:gradFill>
-        <a:ln w="10000" cap="flat" cmpd="sng" algn="ctr">
-          <a:solidFill>
-            <a:schemeClr val="accent6"/>
-          </a:solidFill>
-          <a:prstDash val="solid"/>
-        </a:ln>
-        <a:effectLst>
-          <a:outerShdw blurRad="76200" dist="50800" dir="5400000" rotWithShape="0">
-            <a:srgbClr val="4E3B30">
-              <a:alpha val="60000"/>
-            </a:srgbClr>
-          </a:outerShdw>
-        </a:effectLst>
-        <a:scene3d>
-          <a:camera prst="orthographicFront"/>
-          <a:lightRig rig="flat" dir="t"/>
-        </a:scene3d>
-        <a:sp3d z="190500" extrusionH="12700"/>
-      </dsp:spPr>
-      <dsp:style>
-        <a:lnRef idx="1">
-          <a:schemeClr val="accent6"/>
-        </a:lnRef>
-        <a:fillRef idx="2">
-          <a:schemeClr val="accent6"/>
-        </a:fillRef>
-        <a:effectRef idx="1">
-          <a:schemeClr val="accent6"/>
-        </a:effectRef>
-        <a:fontRef idx="minor">
-          <a:schemeClr val="dk1"/>
-        </a:fontRef>
-      </dsp:style>
-    </dsp:sp>
-    <dsp:sp modelId="{D78DBF14-3A29-4E42-B56E-7380E92A6552}">
-      <dsp:nvSpPr>
-        <dsp:cNvPr id="0" name=""/>
-        <dsp:cNvSpPr/>
-      </dsp:nvSpPr>
-      <dsp:spPr>
-        <a:xfrm>
-          <a:off x="434340" y="1803049"/>
-          <a:ext cx="6080760" cy="590400"/>
-        </a:xfrm>
-        <a:prstGeom prst="roundRect">
-          <a:avLst/>
-        </a:prstGeom>
-        <a:solidFill>
-          <a:srgbClr val="92D050"/>
-        </a:solidFill>
-        <a:ln>
-          <a:noFill/>
-        </a:ln>
-        <a:effectLst>
-          <a:outerShdw blurRad="76200" dist="50800" dir="5400000" rotWithShape="0">
-            <a:srgbClr val="4E3B30">
-              <a:alpha val="60000"/>
-            </a:srgbClr>
-          </a:outerShdw>
-        </a:effectLst>
-        <a:scene3d>
-          <a:camera prst="orthographicFront"/>
-          <a:lightRig rig="flat" dir="t"/>
-        </a:scene3d>
-        <a:sp3d contourW="12700" prstMaterial="matte">
-          <a:bevelT w="60000" h="50800"/>
-          <a:contourClr>
-            <a:schemeClr val="accent6">
-              <a:shade val="60000"/>
-              <a:satMod val="110000"/>
-            </a:schemeClr>
-          </a:contourClr>
-        </a:sp3d>
-      </dsp:spPr>
-      <dsp:style>
-        <a:lnRef idx="0">
-          <a:schemeClr val="accent6"/>
-        </a:lnRef>
-        <a:fillRef idx="3">
-          <a:schemeClr val="accent6"/>
-        </a:fillRef>
-        <a:effectRef idx="3">
-          <a:schemeClr val="accent6"/>
-        </a:effectRef>
-        <a:fontRef idx="minor">
-          <a:schemeClr val="lt1"/>
-        </a:fontRef>
-      </dsp:style>
-      <dsp:txBody>
-        <a:bodyPr spcFirstLastPara="0" vert="horz" wrap="square" lIns="229838" tIns="0" rIns="229838" bIns="0" numCol="1" spcCol="1270" anchor="ctr" anchorCtr="0">
-          <a:noAutofit/>
-        </a:bodyPr>
-        <a:lstStyle/>
-        <a:p>
-          <a:pPr lvl="0" algn="l" defTabSz="889000">
-            <a:lnSpc>
-              <a:spcPct val="90000"/>
-            </a:lnSpc>
-            <a:spcBef>
-              <a:spcPct val="0"/>
-            </a:spcBef>
-            <a:spcAft>
-              <a:spcPct val="35000"/>
-            </a:spcAft>
-          </a:pPr>
-          <a:r>
-            <a:rPr lang="pt-BR" sz="2000" b="1" kern="1200" smtClean="0">
-              <a:solidFill>
-                <a:srgbClr val="0070C0"/>
-              </a:solidFill>
-            </a:rPr>
-            <a:t>Trabalho em grupo em ambiente multiusuário</a:t>
-          </a:r>
-          <a:endParaRPr lang="pt-BR" sz="2000" b="1" kern="1200" dirty="0">
-            <a:solidFill>
-              <a:srgbClr val="0070C0"/>
-            </a:solidFill>
-          </a:endParaRPr>
-        </a:p>
-      </dsp:txBody>
-      <dsp:txXfrm>
-        <a:off x="463161" y="1831870"/>
-        <a:ext cx="6023118" cy="532758"/>
-      </dsp:txXfrm>
-    </dsp:sp>
-    <dsp:sp modelId="{BC58E8B0-740A-43C6-B230-1401E78D7A5B}">
-      <dsp:nvSpPr>
-        <dsp:cNvPr id="0" name=""/>
-        <dsp:cNvSpPr/>
-      </dsp:nvSpPr>
-      <dsp:spPr>
-        <a:xfrm>
-          <a:off x="0" y="3049499"/>
-          <a:ext cx="8686800" cy="504000"/>
-        </a:xfrm>
-        <a:prstGeom prst="rect">
-          <a:avLst/>
-        </a:prstGeom>
-        <a:gradFill rotWithShape="1">
-          <a:gsLst>
-            <a:gs pos="0">
-              <a:schemeClr val="accent6">
-                <a:tint val="30000"/>
-                <a:satMod val="250000"/>
-              </a:schemeClr>
-            </a:gs>
-            <a:gs pos="72000">
-              <a:schemeClr val="accent6">
-                <a:tint val="75000"/>
-                <a:satMod val="210000"/>
-              </a:schemeClr>
-            </a:gs>
-            <a:gs pos="100000">
-              <a:schemeClr val="accent6">
-                <a:tint val="85000"/>
-                <a:satMod val="210000"/>
-              </a:schemeClr>
-            </a:gs>
-          </a:gsLst>
-          <a:lin ang="5400000" scaled="1"/>
-        </a:gradFill>
-        <a:ln w="10000" cap="flat" cmpd="sng" algn="ctr">
-          <a:solidFill>
-            <a:schemeClr val="accent6"/>
-          </a:solidFill>
-          <a:prstDash val="solid"/>
-        </a:ln>
-        <a:effectLst>
-          <a:outerShdw blurRad="76200" dist="50800" dir="5400000" rotWithShape="0">
-            <a:srgbClr val="4E3B30">
-              <a:alpha val="60000"/>
-            </a:srgbClr>
-          </a:outerShdw>
-        </a:effectLst>
-        <a:scene3d>
-          <a:camera prst="orthographicFront"/>
-          <a:lightRig rig="flat" dir="t"/>
-        </a:scene3d>
-        <a:sp3d z="190500" extrusionH="12700"/>
-      </dsp:spPr>
-      <dsp:style>
-        <a:lnRef idx="1">
-          <a:schemeClr val="accent6"/>
-        </a:lnRef>
-        <a:fillRef idx="2">
-          <a:schemeClr val="accent6"/>
-        </a:fillRef>
-        <a:effectRef idx="1">
-          <a:schemeClr val="accent6"/>
-        </a:effectRef>
-        <a:fontRef idx="minor">
-          <a:schemeClr val="dk1"/>
-        </a:fontRef>
-      </dsp:style>
-    </dsp:sp>
-    <dsp:sp modelId="{6C17C5F1-150A-491F-92CE-A1BE931BB55D}">
-      <dsp:nvSpPr>
-        <dsp:cNvPr id="0" name=""/>
-        <dsp:cNvSpPr/>
-      </dsp:nvSpPr>
-      <dsp:spPr>
-        <a:xfrm>
-          <a:off x="434340" y="2754299"/>
-          <a:ext cx="6080760" cy="590400"/>
-        </a:xfrm>
-        <a:prstGeom prst="roundRect">
-          <a:avLst/>
-        </a:prstGeom>
-        <a:solidFill>
-          <a:srgbClr val="92D050"/>
-        </a:solidFill>
-        <a:ln>
-          <a:noFill/>
-        </a:ln>
-        <a:effectLst>
-          <a:outerShdw blurRad="76200" dist="50800" dir="5400000" rotWithShape="0">
-            <a:srgbClr val="4E3B30">
-              <a:alpha val="60000"/>
-            </a:srgbClr>
-          </a:outerShdw>
-        </a:effectLst>
-        <a:scene3d>
-          <a:camera prst="orthographicFront"/>
-          <a:lightRig rig="flat" dir="t"/>
-        </a:scene3d>
-        <a:sp3d contourW="12700" prstMaterial="matte">
-          <a:bevelT w="60000" h="50800"/>
-          <a:contourClr>
-            <a:schemeClr val="accent6">
-              <a:shade val="60000"/>
-              <a:satMod val="110000"/>
-            </a:schemeClr>
-          </a:contourClr>
-        </a:sp3d>
-      </dsp:spPr>
-      <dsp:style>
-        <a:lnRef idx="0">
-          <a:schemeClr val="accent6"/>
-        </a:lnRef>
-        <a:fillRef idx="3">
-          <a:schemeClr val="accent6"/>
-        </a:fillRef>
-        <a:effectRef idx="3">
-          <a:schemeClr val="accent6"/>
-        </a:effectRef>
-        <a:fontRef idx="minor">
-          <a:schemeClr val="lt1"/>
-        </a:fontRef>
-      </dsp:style>
-      <dsp:txBody>
-        <a:bodyPr spcFirstLastPara="0" vert="horz" wrap="square" lIns="229838" tIns="0" rIns="229838" bIns="0" numCol="1" spcCol="1270" anchor="ctr" anchorCtr="0">
-          <a:noAutofit/>
-        </a:bodyPr>
-        <a:lstStyle/>
-        <a:p>
-          <a:pPr lvl="0" algn="l" defTabSz="889000">
-            <a:lnSpc>
-              <a:spcPct val="90000"/>
-            </a:lnSpc>
-            <a:spcBef>
-              <a:spcPct val="0"/>
-            </a:spcBef>
-            <a:spcAft>
-              <a:spcPct val="35000"/>
-            </a:spcAft>
-          </a:pPr>
-          <a:r>
-            <a:rPr lang="pt-BR" sz="2000" b="1" kern="1200" dirty="0" smtClean="0">
-              <a:solidFill>
-                <a:srgbClr val="0070C0"/>
-              </a:solidFill>
-            </a:rPr>
-            <a:t>Controles acadêmicos  </a:t>
-          </a:r>
-          <a:endParaRPr lang="pt-BR" sz="2000" b="1" kern="1200" dirty="0">
-            <a:solidFill>
-              <a:srgbClr val="0070C0"/>
-            </a:solidFill>
-          </a:endParaRPr>
-        </a:p>
-      </dsp:txBody>
-      <dsp:txXfrm>
-        <a:off x="463161" y="2783120"/>
-        <a:ext cx="6023118" cy="532758"/>
-      </dsp:txXfrm>
-    </dsp:sp>
-    <dsp:sp modelId="{7D8B9C6D-02C3-420B-906C-B43C36EE3306}">
-      <dsp:nvSpPr>
-        <dsp:cNvPr id="0" name=""/>
-        <dsp:cNvSpPr/>
-      </dsp:nvSpPr>
-      <dsp:spPr>
-        <a:xfrm>
-          <a:off x="0" y="3956699"/>
-          <a:ext cx="8686800" cy="504000"/>
-        </a:xfrm>
-        <a:prstGeom prst="rect">
-          <a:avLst/>
-        </a:prstGeom>
-        <a:gradFill rotWithShape="1">
-          <a:gsLst>
-            <a:gs pos="0">
-              <a:schemeClr val="accent6">
-                <a:tint val="30000"/>
-                <a:satMod val="250000"/>
-              </a:schemeClr>
-            </a:gs>
-            <a:gs pos="72000">
-              <a:schemeClr val="accent6">
-                <a:tint val="75000"/>
-                <a:satMod val="210000"/>
-              </a:schemeClr>
-            </a:gs>
-            <a:gs pos="100000">
-              <a:schemeClr val="accent6">
-                <a:tint val="85000"/>
-                <a:satMod val="210000"/>
-              </a:schemeClr>
-            </a:gs>
-          </a:gsLst>
-          <a:lin ang="5400000" scaled="1"/>
-        </a:gradFill>
-        <a:ln w="10000" cap="flat" cmpd="sng" algn="ctr">
-          <a:solidFill>
-            <a:schemeClr val="accent6"/>
-          </a:solidFill>
-          <a:prstDash val="solid"/>
-        </a:ln>
-        <a:effectLst>
-          <a:outerShdw blurRad="76200" dist="50800" dir="5400000" rotWithShape="0">
-            <a:srgbClr val="4E3B30">
-              <a:alpha val="60000"/>
-            </a:srgbClr>
-          </a:outerShdw>
-        </a:effectLst>
-        <a:scene3d>
-          <a:camera prst="orthographicFront"/>
-          <a:lightRig rig="flat" dir="t"/>
-        </a:scene3d>
-        <a:sp3d z="190500" extrusionH="12700"/>
-      </dsp:spPr>
-      <dsp:style>
-        <a:lnRef idx="1">
-          <a:schemeClr val="accent6"/>
-        </a:lnRef>
-        <a:fillRef idx="2">
-          <a:schemeClr val="accent6"/>
-        </a:fillRef>
-        <a:effectRef idx="1">
-          <a:schemeClr val="accent6"/>
-        </a:effectRef>
-        <a:fontRef idx="minor">
-          <a:schemeClr val="dk1"/>
-        </a:fontRef>
-      </dsp:style>
-    </dsp:sp>
-    <dsp:sp modelId="{231A70AB-9760-4FFF-B875-5D31C52D60AE}">
-      <dsp:nvSpPr>
-        <dsp:cNvPr id="0" name=""/>
-        <dsp:cNvSpPr/>
-      </dsp:nvSpPr>
-      <dsp:spPr>
-        <a:xfrm>
-          <a:off x="434340" y="3661499"/>
-          <a:ext cx="6080760" cy="590400"/>
-        </a:xfrm>
-        <a:prstGeom prst="roundRect">
-          <a:avLst/>
-        </a:prstGeom>
-        <a:solidFill>
-          <a:srgbClr val="92D050"/>
-        </a:solidFill>
-        <a:ln>
-          <a:noFill/>
-        </a:ln>
-        <a:effectLst>
-          <a:outerShdw blurRad="76200" dist="50800" dir="5400000" rotWithShape="0">
-            <a:srgbClr val="4E3B30">
-              <a:alpha val="60000"/>
-            </a:srgbClr>
-          </a:outerShdw>
-        </a:effectLst>
-        <a:scene3d>
-          <a:camera prst="orthographicFront"/>
-          <a:lightRig rig="flat" dir="t"/>
-        </a:scene3d>
-        <a:sp3d contourW="12700" prstMaterial="matte">
-          <a:bevelT w="60000" h="50800"/>
-          <a:contourClr>
-            <a:schemeClr val="accent6">
-              <a:shade val="60000"/>
-              <a:satMod val="110000"/>
-            </a:schemeClr>
-          </a:contourClr>
-        </a:sp3d>
-      </dsp:spPr>
-      <dsp:style>
-        <a:lnRef idx="0">
-          <a:schemeClr val="accent6"/>
-        </a:lnRef>
-        <a:fillRef idx="3">
-          <a:schemeClr val="accent6"/>
-        </a:fillRef>
-        <a:effectRef idx="3">
-          <a:schemeClr val="accent6"/>
-        </a:effectRef>
-        <a:fontRef idx="minor">
-          <a:schemeClr val="lt1"/>
-        </a:fontRef>
-      </dsp:style>
-      <dsp:txBody>
-        <a:bodyPr spcFirstLastPara="0" vert="horz" wrap="square" lIns="229838" tIns="0" rIns="229838" bIns="0" numCol="1" spcCol="1270" anchor="ctr" anchorCtr="0">
-          <a:noAutofit/>
-        </a:bodyPr>
-        <a:lstStyle/>
-        <a:p>
-          <a:pPr lvl="0" algn="l" defTabSz="889000">
-            <a:lnSpc>
-              <a:spcPct val="90000"/>
-            </a:lnSpc>
-            <a:spcBef>
-              <a:spcPct val="0"/>
-            </a:spcBef>
-            <a:spcAft>
-              <a:spcPct val="35000"/>
-            </a:spcAft>
-          </a:pPr>
-          <a:r>
-            <a:rPr lang="pt-BR" sz="2000" b="1" kern="1200" smtClean="0">
-              <a:solidFill>
-                <a:srgbClr val="0070C0"/>
-              </a:solidFill>
-            </a:rPr>
-            <a:t>Controles financeiros</a:t>
-          </a:r>
-          <a:endParaRPr lang="pt-BR" sz="2000" b="1" kern="1200" dirty="0">
-            <a:solidFill>
-              <a:srgbClr val="0070C0"/>
-            </a:solidFill>
-          </a:endParaRPr>
-        </a:p>
-      </dsp:txBody>
-      <dsp:txXfrm>
-        <a:off x="463161" y="3690320"/>
-        <a:ext cx="6023118" cy="532758"/>
-      </dsp:txXfrm>
-    </dsp:sp>
-    <dsp:sp modelId="{338DDB9A-A6BB-4D1C-8303-E07E7D076CB7}">
-      <dsp:nvSpPr>
-        <dsp:cNvPr id="0" name=""/>
-        <dsp:cNvSpPr/>
-      </dsp:nvSpPr>
-      <dsp:spPr>
-        <a:xfrm>
-          <a:off x="0" y="4863899"/>
-          <a:ext cx="8686800" cy="504000"/>
-        </a:xfrm>
-        <a:prstGeom prst="rect">
-          <a:avLst/>
-        </a:prstGeom>
-        <a:gradFill rotWithShape="1">
-          <a:gsLst>
-            <a:gs pos="0">
-              <a:schemeClr val="accent6">
-                <a:tint val="30000"/>
-                <a:satMod val="250000"/>
-              </a:schemeClr>
-            </a:gs>
-            <a:gs pos="72000">
-              <a:schemeClr val="accent6">
-                <a:tint val="75000"/>
-                <a:satMod val="210000"/>
-              </a:schemeClr>
-            </a:gs>
-            <a:gs pos="100000">
-              <a:schemeClr val="accent6">
-                <a:tint val="85000"/>
-                <a:satMod val="210000"/>
-              </a:schemeClr>
-            </a:gs>
-          </a:gsLst>
-          <a:lin ang="5400000" scaled="1"/>
-        </a:gradFill>
-        <a:ln w="10000" cap="flat" cmpd="sng" algn="ctr">
-          <a:solidFill>
-            <a:schemeClr val="accent6"/>
-          </a:solidFill>
-          <a:prstDash val="solid"/>
-        </a:ln>
-        <a:effectLst>
-          <a:outerShdw blurRad="76200" dist="50800" dir="5400000" rotWithShape="0">
-            <a:srgbClr val="4E3B30">
-              <a:alpha val="60000"/>
-            </a:srgbClr>
-          </a:outerShdw>
-        </a:effectLst>
-        <a:scene3d>
-          <a:camera prst="orthographicFront"/>
-          <a:lightRig rig="flat" dir="t"/>
-        </a:scene3d>
-        <a:sp3d z="190500" extrusionH="12700"/>
-      </dsp:spPr>
-      <dsp:style>
-        <a:lnRef idx="1">
-          <a:schemeClr val="accent6"/>
-        </a:lnRef>
-        <a:fillRef idx="2">
-          <a:schemeClr val="accent6"/>
-        </a:fillRef>
-        <a:effectRef idx="1">
-          <a:schemeClr val="accent6"/>
-        </a:effectRef>
-        <a:fontRef idx="minor">
-          <a:schemeClr val="dk1"/>
-        </a:fontRef>
-      </dsp:style>
-    </dsp:sp>
-    <dsp:sp modelId="{029B9D8C-4A77-4645-9520-CB1F079C0081}">
-      <dsp:nvSpPr>
-        <dsp:cNvPr id="0" name=""/>
-        <dsp:cNvSpPr/>
-      </dsp:nvSpPr>
-      <dsp:spPr>
-        <a:xfrm>
-          <a:off x="434340" y="4568699"/>
-          <a:ext cx="6080760" cy="590400"/>
-        </a:xfrm>
-        <a:prstGeom prst="roundRect">
-          <a:avLst/>
-        </a:prstGeom>
-        <a:solidFill>
-          <a:srgbClr val="92D050"/>
-        </a:solidFill>
-        <a:ln>
-          <a:noFill/>
-        </a:ln>
-        <a:effectLst>
-          <a:outerShdw blurRad="76200" dist="50800" dir="5400000" rotWithShape="0">
-            <a:srgbClr val="4E3B30">
-              <a:alpha val="60000"/>
-            </a:srgbClr>
-          </a:outerShdw>
-        </a:effectLst>
-        <a:scene3d>
-          <a:camera prst="orthographicFront"/>
-          <a:lightRig rig="flat" dir="t"/>
-        </a:scene3d>
-        <a:sp3d contourW="12700" prstMaterial="matte">
-          <a:bevelT w="60000" h="50800"/>
-          <a:contourClr>
-            <a:schemeClr val="accent6">
-              <a:shade val="60000"/>
-              <a:satMod val="110000"/>
-            </a:schemeClr>
-          </a:contourClr>
-        </a:sp3d>
-      </dsp:spPr>
-      <dsp:style>
-        <a:lnRef idx="0">
-          <a:schemeClr val="accent6"/>
-        </a:lnRef>
-        <a:fillRef idx="3">
-          <a:schemeClr val="accent6"/>
-        </a:fillRef>
-        <a:effectRef idx="3">
-          <a:schemeClr val="accent6"/>
-        </a:effectRef>
-        <a:fontRef idx="minor">
-          <a:schemeClr val="lt1"/>
-        </a:fontRef>
-      </dsp:style>
-      <dsp:txBody>
-        <a:bodyPr spcFirstLastPara="0" vert="horz" wrap="square" lIns="229838" tIns="0" rIns="229838" bIns="0" numCol="1" spcCol="1270" anchor="ctr" anchorCtr="0">
-          <a:noAutofit/>
-        </a:bodyPr>
-        <a:lstStyle/>
-        <a:p>
-          <a:pPr lvl="0" algn="l" defTabSz="889000">
-            <a:lnSpc>
-              <a:spcPct val="90000"/>
-            </a:lnSpc>
-            <a:spcBef>
-              <a:spcPct val="0"/>
-            </a:spcBef>
-            <a:spcAft>
-              <a:spcPct val="35000"/>
-            </a:spcAft>
-          </a:pPr>
-          <a:r>
-            <a:rPr lang="pt-BR" sz="2000" b="1" kern="1200" smtClean="0">
-              <a:solidFill>
-                <a:srgbClr val="0070C0"/>
-              </a:solidFill>
-            </a:rPr>
-            <a:t>Controle de contas a pagar</a:t>
-          </a:r>
-          <a:endParaRPr lang="pt-BR" sz="2000" b="1" kern="1200" dirty="0">
-            <a:solidFill>
-              <a:srgbClr val="0070C0"/>
-            </a:solidFill>
-          </a:endParaRPr>
-        </a:p>
-      </dsp:txBody>
-      <dsp:txXfrm>
-        <a:off x="463161" y="4597520"/>
-        <a:ext cx="6023118" cy="532758"/>
-      </dsp:txXfrm>
-    </dsp:sp>
   </dsp:spTree>
 </dsp:drawing>
 </file>
@@ -23181,7 +22332,7 @@
             <a:fld id="{229FDC3E-7424-49CF-AF38-AA35F4C77C8D}" type="datetimeFigureOut">
               <a:rPr lang="pt-BR" smtClean="0"/>
               <a:pPr/>
-              <a:t>16/05/2014</a:t>
+              <a:t>22/05/2014</a:t>
             </a:fld>
             <a:endParaRPr lang="pt-BR"/>
           </a:p>
@@ -23353,7 +22504,7 @@
             <a:fld id="{229FDC3E-7424-49CF-AF38-AA35F4C77C8D}" type="datetimeFigureOut">
               <a:rPr lang="pt-BR" smtClean="0"/>
               <a:pPr/>
-              <a:t>16/05/2014</a:t>
+              <a:t>22/05/2014</a:t>
             </a:fld>
             <a:endParaRPr lang="pt-BR"/>
           </a:p>
@@ -23530,7 +22681,7 @@
             <a:fld id="{229FDC3E-7424-49CF-AF38-AA35F4C77C8D}" type="datetimeFigureOut">
               <a:rPr lang="pt-BR" smtClean="0"/>
               <a:pPr/>
-              <a:t>16/05/2014</a:t>
+              <a:t>22/05/2014</a:t>
             </a:fld>
             <a:endParaRPr lang="pt-BR"/>
           </a:p>
@@ -23697,7 +22848,7 @@
             <a:fld id="{229FDC3E-7424-49CF-AF38-AA35F4C77C8D}" type="datetimeFigureOut">
               <a:rPr lang="pt-BR" smtClean="0"/>
               <a:pPr/>
-              <a:t>16/05/2014</a:t>
+              <a:t>22/05/2014</a:t>
             </a:fld>
             <a:endParaRPr lang="pt-BR"/>
           </a:p>
@@ -23933,7 +23084,7 @@
             <a:fld id="{229FDC3E-7424-49CF-AF38-AA35F4C77C8D}" type="datetimeFigureOut">
               <a:rPr lang="pt-BR" smtClean="0"/>
               <a:pPr/>
-              <a:t>16/05/2014</a:t>
+              <a:t>22/05/2014</a:t>
             </a:fld>
             <a:endParaRPr lang="pt-BR"/>
           </a:p>
@@ -24231,7 +23382,7 @@
             <a:fld id="{229FDC3E-7424-49CF-AF38-AA35F4C77C8D}" type="datetimeFigureOut">
               <a:rPr lang="pt-BR" smtClean="0"/>
               <a:pPr/>
-              <a:t>16/05/2014</a:t>
+              <a:t>22/05/2014</a:t>
             </a:fld>
             <a:endParaRPr lang="pt-BR"/>
           </a:p>
@@ -24617,7 +23768,7 @@
             <a:fld id="{229FDC3E-7424-49CF-AF38-AA35F4C77C8D}" type="datetimeFigureOut">
               <a:rPr lang="pt-BR" smtClean="0"/>
               <a:pPr/>
-              <a:t>16/05/2014</a:t>
+              <a:t>22/05/2014</a:t>
             </a:fld>
             <a:endParaRPr lang="pt-BR"/>
           </a:p>
@@ -24792,7 +23943,7 @@
             <a:fld id="{229FDC3E-7424-49CF-AF38-AA35F4C77C8D}" type="datetimeFigureOut">
               <a:rPr lang="pt-BR" smtClean="0"/>
               <a:pPr/>
-              <a:t>16/05/2014</a:t>
+              <a:t>22/05/2014</a:t>
             </a:fld>
             <a:endParaRPr lang="pt-BR"/>
           </a:p>
@@ -24884,7 +24035,7 @@
             <a:fld id="{229FDC3E-7424-49CF-AF38-AA35F4C77C8D}" type="datetimeFigureOut">
               <a:rPr lang="pt-BR" smtClean="0"/>
               <a:pPr/>
-              <a:t>16/05/2014</a:t>
+              <a:t>22/05/2014</a:t>
             </a:fld>
             <a:endParaRPr lang="pt-BR"/>
           </a:p>
@@ -25181,7 +24332,7 @@
             <a:fld id="{229FDC3E-7424-49CF-AF38-AA35F4C77C8D}" type="datetimeFigureOut">
               <a:rPr lang="pt-BR" smtClean="0"/>
               <a:pPr/>
-              <a:t>16/05/2014</a:t>
+              <a:t>22/05/2014</a:t>
             </a:fld>
             <a:endParaRPr lang="pt-BR"/>
           </a:p>
@@ -25317,7 +24468,7 @@
             <a:fld id="{229FDC3E-7424-49CF-AF38-AA35F4C77C8D}" type="datetimeFigureOut">
               <a:rPr lang="pt-BR" smtClean="0"/>
               <a:pPr/>
-              <a:t>16/05/2014</a:t>
+              <a:t>22/05/2014</a:t>
             </a:fld>
             <a:endParaRPr lang="pt-BR"/>
           </a:p>
@@ -25622,7 +24773,7 @@
             <a:fld id="{229FDC3E-7424-49CF-AF38-AA35F4C77C8D}" type="datetimeFigureOut">
               <a:rPr lang="pt-BR" smtClean="0"/>
               <a:pPr/>
-              <a:t>16/05/2014</a:t>
+              <a:t>22/05/2014</a:t>
             </a:fld>
             <a:endParaRPr lang="pt-BR"/>
           </a:p>
@@ -26387,7 +25538,7 @@
             <p:ph idx="1"/>
             <p:extLst>
               <p:ext uri="{D42A27DB-BD31-4B8C-83A1-F6EECF244321}">
-                <p14:modId xmlns:p14="http://schemas.microsoft.com/office/powerpoint/2010/main" val="2208909862"/>
+                <p14:modId xmlns:p14="http://schemas.microsoft.com/office/powerpoint/2010/main" xmlns="" val="2208909862"/>
               </p:ext>
             </p:extLst>
           </p:nvPr>
@@ -26743,7 +25894,7 @@
             <p:ph idx="1"/>
             <p:extLst>
               <p:ext uri="{D42A27DB-BD31-4B8C-83A1-F6EECF244321}">
-                <p14:modId xmlns:p14="http://schemas.microsoft.com/office/powerpoint/2010/main" val="2118870426"/>
+                <p14:modId xmlns:p14="http://schemas.microsoft.com/office/powerpoint/2010/main" xmlns="" val="2118870426"/>
               </p:ext>
             </p:extLst>
           </p:nvPr>
@@ -26823,7 +25974,7 @@
             <p:ph idx="1"/>
             <p:extLst>
               <p:ext uri="{D42A27DB-BD31-4B8C-83A1-F6EECF244321}">
-                <p14:modId xmlns:p14="http://schemas.microsoft.com/office/powerpoint/2010/main" val="736405372"/>
+                <p14:modId xmlns:p14="http://schemas.microsoft.com/office/powerpoint/2010/main" xmlns="" val="736405372"/>
               </p:ext>
             </p:extLst>
           </p:nvPr>

--- a/SAS/Planejamento/Docs/#3 - Apresentação do projeto.pptx
+++ b/SAS/Planejamento/Docs/#3 - Apresentação do projeto.pptx
@@ -4971,7 +4971,11 @@
         <a:p>
           <a:r>
             <a:rPr lang="pt-BR" sz="1600" dirty="0" smtClean="0"/>
-            <a:t>Ricardo  Design gráfico </a:t>
+            <a:t>Ricardo  Design </a:t>
+          </a:r>
+          <a:r>
+            <a:rPr lang="pt-BR" sz="1600" dirty="0" smtClean="0"/>
+            <a:t>gráfico</a:t>
           </a:r>
           <a:endParaRPr lang="pt-BR" sz="1600" dirty="0"/>
         </a:p>
@@ -5142,6 +5146,51 @@
         </a:p>
       </dgm:t>
     </dgm:pt>
+    <dgm:pt modelId="{173220D9-50C9-488E-A9A9-489CC4741688}">
+      <dgm:prSet phldrT="[Texto]" custT="1"/>
+      <dgm:spPr>
+        <a:solidFill>
+          <a:schemeClr val="accent6">
+            <a:lumMod val="60000"/>
+            <a:lumOff val="40000"/>
+            <a:alpha val="90000"/>
+          </a:schemeClr>
+        </a:solidFill>
+      </dgm:spPr>
+      <dgm:t>
+        <a:bodyPr/>
+        <a:lstStyle/>
+        <a:p>
+          <a:r>
+            <a:rPr lang="pt-BR" sz="1600" dirty="0" smtClean="0"/>
+            <a:t>Marlon   Design gráfico</a:t>
+          </a:r>
+          <a:endParaRPr lang="pt-BR" sz="1600" dirty="0"/>
+        </a:p>
+      </dgm:t>
+    </dgm:pt>
+    <dgm:pt modelId="{697FBDF5-834B-4E5D-BD0B-12A48E5AAFF4}" type="parTrans" cxnId="{D46377DF-2182-4F84-AFF5-DB9944A33CEB}">
+      <dgm:prSet/>
+      <dgm:spPr/>
+      <dgm:t>
+        <a:bodyPr/>
+        <a:lstStyle/>
+        <a:p>
+          <a:endParaRPr lang="pt-BR"/>
+        </a:p>
+      </dgm:t>
+    </dgm:pt>
+    <dgm:pt modelId="{5A7C2A10-2078-49E3-9412-D762C6EE25B3}" type="sibTrans" cxnId="{D46377DF-2182-4F84-AFF5-DB9944A33CEB}">
+      <dgm:prSet/>
+      <dgm:spPr/>
+      <dgm:t>
+        <a:bodyPr/>
+        <a:lstStyle/>
+        <a:p>
+          <a:endParaRPr lang="pt-BR"/>
+        </a:p>
+      </dgm:t>
+    </dgm:pt>
     <dgm:pt modelId="{9951C6AC-0F0C-48FA-BECF-6C3F336159BF}" type="pres">
       <dgm:prSet presAssocID="{E42DA33D-4309-45A4-8090-C7C1B8DE2840}" presName="Name0" presStyleCnt="0">
         <dgm:presLayoutVars>
@@ -5314,6 +5363,7 @@
   </dgm:ptLst>
   <dgm:cxnLst>
     <dgm:cxn modelId="{49439F5F-703F-42C8-AC41-9D10F0F390C7}" srcId="{C9FFFE1F-6078-4D82-87D0-BC919E87007C}" destId="{3D263D67-4D7A-41A5-91A5-670388FEE69F}" srcOrd="0" destOrd="0" parTransId="{ACF50AC0-88E8-48BB-8EA1-B472F428EFC8}" sibTransId="{E1C076EE-C718-4411-AC8A-F6087CE2E2FC}"/>
+    <dgm:cxn modelId="{5841D8E5-D5C7-4B41-9DAE-560DF7678DA7}" type="presOf" srcId="{173220D9-50C9-488E-A9A9-489CC4741688}" destId="{4069C5B0-E0D3-47C9-9E5F-416939C594B9}" srcOrd="0" destOrd="3" presId="urn:microsoft.com/office/officeart/2005/8/layout/vList5"/>
     <dgm:cxn modelId="{29B6EE33-46BD-4DFF-8EAB-6F54D53EE694}" srcId="{7204C1C4-4A05-4E69-9F7B-60981284C004}" destId="{FEEFF06B-F309-4B5C-9120-F2D5BB2A0B0A}" srcOrd="0" destOrd="0" parTransId="{92393A6B-0584-45D2-B927-C5E52B55B04B}" sibTransId="{9A34E78C-3E18-40E0-9559-08591574FBDD}"/>
     <dgm:cxn modelId="{F8EDE821-F4CD-4FD2-80DE-63681A6BFEE6}" type="presOf" srcId="{8CD26415-961D-4B68-B921-E5200F5307C6}" destId="{7991AEF3-84F5-4F2F-9A87-D93011516A86}" srcOrd="0" destOrd="0" presId="urn:microsoft.com/office/officeart/2005/8/layout/vList5"/>
     <dgm:cxn modelId="{E320DCA1-229B-464B-A3C2-83EF157F38FD}" type="presOf" srcId="{FEEFF06B-F309-4B5C-9120-F2D5BB2A0B0A}" destId="{4069C5B0-E0D3-47C9-9E5F-416939C594B9}" srcOrd="0" destOrd="0" presId="urn:microsoft.com/office/officeart/2005/8/layout/vList5"/>
@@ -5329,6 +5379,7 @@
     <dgm:cxn modelId="{87BA7E12-F7AF-46BE-8604-29232418CB3A}" srcId="{E42DA33D-4309-45A4-8090-C7C1B8DE2840}" destId="{7204C1C4-4A05-4E69-9F7B-60981284C004}" srcOrd="0" destOrd="0" parTransId="{4413B713-B44E-40B8-B9EC-C52CD6FE6A10}" sibTransId="{03005108-F32D-4EFF-9439-890CCA627D66}"/>
     <dgm:cxn modelId="{83312643-ADFE-4B1B-815A-D60947C8A4EC}" srcId="{7204C1C4-4A05-4E69-9F7B-60981284C004}" destId="{CD90799B-3B74-4BC7-8657-98A1B4DCC681}" srcOrd="1" destOrd="0" parTransId="{751EC021-411F-4A76-B34F-42C814479026}" sibTransId="{7A7CB2A3-1623-4099-B0DA-33EDC01CA133}"/>
     <dgm:cxn modelId="{02D36449-91AF-4126-9259-E191C70B70F8}" type="presOf" srcId="{3D263D67-4D7A-41A5-91A5-670388FEE69F}" destId="{232E8D04-E732-492E-A284-139D99DFE02C}" srcOrd="0" destOrd="0" presId="urn:microsoft.com/office/officeart/2005/8/layout/vList5"/>
+    <dgm:cxn modelId="{D46377DF-2182-4F84-AFF5-DB9944A33CEB}" srcId="{7204C1C4-4A05-4E69-9F7B-60981284C004}" destId="{173220D9-50C9-488E-A9A9-489CC4741688}" srcOrd="3" destOrd="0" parTransId="{697FBDF5-834B-4E5D-BD0B-12A48E5AAFF4}" sibTransId="{5A7C2A10-2078-49E3-9412-D762C6EE25B3}"/>
     <dgm:cxn modelId="{2F03713C-0490-4725-99D7-5056B7C29DD9}" type="presOf" srcId="{E42DA33D-4309-45A4-8090-C7C1B8DE2840}" destId="{9951C6AC-0F0C-48FA-BECF-6C3F336159BF}" srcOrd="0" destOrd="0" presId="urn:microsoft.com/office/officeart/2005/8/layout/vList5"/>
     <dgm:cxn modelId="{7B753C74-0022-47C2-9FF5-93322A5AF332}" type="presOf" srcId="{7204C1C4-4A05-4E69-9F7B-60981284C004}" destId="{83285697-B771-41E8-BF80-D6B7B2E260A7}" srcOrd="0" destOrd="0" presId="urn:microsoft.com/office/officeart/2005/8/layout/vList5"/>
     <dgm:cxn modelId="{8A68C0B9-F522-4B3B-9EBF-E7A9F6BA3F83}" type="presOf" srcId="{F764DBA7-A3E6-41AE-AAE3-82E4B8468FDE}" destId="{DE3A8CA3-F5E7-47D6-9409-0DAEFC3883C5}" srcOrd="0" destOrd="0" presId="urn:microsoft.com/office/officeart/2005/8/layout/vList5"/>
@@ -5973,8 +6024,8 @@
     <dgm:cxn modelId="{AE01CECD-7460-4EE6-9855-462A6BAC54CD}" type="presOf" srcId="{21736AD5-ED16-41EE-9520-03DEC94C9DD9}" destId="{1993AEF3-68C8-4F83-9F1E-D1B7B5B4963C}" srcOrd="0" destOrd="0" presId="urn:microsoft.com/office/officeart/2005/8/layout/process3"/>
     <dgm:cxn modelId="{9C9CCD84-152C-4BF0-AE56-02A77DCE9308}" type="presOf" srcId="{AD7A2D0A-69C1-40D4-AC3C-50ACA39C45C1}" destId="{944B484B-F688-4CFA-A4FB-08B237CA5903}" srcOrd="1" destOrd="0" presId="urn:microsoft.com/office/officeart/2005/8/layout/process3"/>
     <dgm:cxn modelId="{D1284BD6-E3DA-48A8-BFF9-25C5710CED70}" type="presOf" srcId="{4BA36FF7-0F0F-4341-A68C-01E8516603CD}" destId="{209FD6B3-0ECB-4203-B962-7559934405BD}" srcOrd="0" destOrd="0" presId="urn:microsoft.com/office/officeart/2005/8/layout/process3"/>
+    <dgm:cxn modelId="{7A1F2110-9C05-4201-A75F-73284CDE0F86}" srcId="{4BA36FF7-0F0F-4341-A68C-01E8516603CD}" destId="{AB2E5A07-628C-4E92-90B5-D0FC29CDD9C7}" srcOrd="1" destOrd="0" parTransId="{4015142C-E082-4615-B7AB-FB0D2987A9AC}" sibTransId="{1A383F36-FE35-43F6-9A56-87C1C2601885}"/>
     <dgm:cxn modelId="{7DDFCDF5-FB4B-4B56-AB28-D717E8E38C18}" type="presOf" srcId="{AAA7816F-0D18-434B-AF27-E1709A042EA5}" destId="{A890346F-3222-4081-BF76-FED6671C2558}" srcOrd="1" destOrd="0" presId="urn:microsoft.com/office/officeart/2005/8/layout/process3"/>
-    <dgm:cxn modelId="{7A1F2110-9C05-4201-A75F-73284CDE0F86}" srcId="{4BA36FF7-0F0F-4341-A68C-01E8516603CD}" destId="{AB2E5A07-628C-4E92-90B5-D0FC29CDD9C7}" srcOrd="1" destOrd="0" parTransId="{4015142C-E082-4615-B7AB-FB0D2987A9AC}" sibTransId="{1A383F36-FE35-43F6-9A56-87C1C2601885}"/>
     <dgm:cxn modelId="{7F41E571-0B1D-42DB-A0D6-32AC8948638C}" type="presOf" srcId="{AB2E5A07-628C-4E92-90B5-D0FC29CDD9C7}" destId="{A64C8272-FC1A-4572-A0B1-A3C36EACD2B6}" srcOrd="0" destOrd="1" presId="urn:microsoft.com/office/officeart/2005/8/layout/process3"/>
     <dgm:cxn modelId="{5A2ECE84-5973-469B-B8D7-72377C33E035}" type="presOf" srcId="{AAA7816F-0D18-434B-AF27-E1709A042EA5}" destId="{1390A124-BEDA-4A49-9B1B-0ED2FB571A6C}" srcOrd="0" destOrd="0" presId="urn:microsoft.com/office/officeart/2005/8/layout/process3"/>
     <dgm:cxn modelId="{E6108260-E385-432B-A806-C31C8E849437}" srcId="{4BA36FF7-0F0F-4341-A68C-01E8516603CD}" destId="{B2D64904-4778-414A-935C-AFC992C15E50}" srcOrd="0" destOrd="0" parTransId="{3886B039-ED5A-4C35-9224-7296F3AB00E8}" sibTransId="{F27A2EE6-AA94-4404-920A-4FEA4A59E153}"/>
@@ -8967,8 +9018,8 @@
       </dsp:nvSpPr>
       <dsp:spPr>
         <a:xfrm rot="5400000">
-          <a:off x="5471223" y="-2232760"/>
-          <a:ext cx="871601" cy="5559552"/>
+          <a:off x="5436808" y="-2189562"/>
+          <a:ext cx="940430" cy="5559552"/>
         </a:xfrm>
         <a:prstGeom prst="round2SameRect">
           <a:avLst/>
@@ -9082,14 +9133,37 @@
           </a:pPr>
           <a:r>
             <a:rPr lang="pt-BR" sz="1600" kern="1200" dirty="0" smtClean="0"/>
-            <a:t>Ricardo  Design gráfico </a:t>
+            <a:t>Ricardo  Design </a:t>
+          </a:r>
+          <a:r>
+            <a:rPr lang="pt-BR" sz="1600" kern="1200" dirty="0" smtClean="0"/>
+            <a:t>gráfico</a:t>
           </a:r>
           <a:endParaRPr lang="pt-BR" sz="1600" kern="1200" dirty="0"/>
         </a:p>
+        <a:p>
+          <a:pPr marL="171450" lvl="1" indent="-171450" algn="l" defTabSz="711200">
+            <a:lnSpc>
+              <a:spcPct val="90000"/>
+            </a:lnSpc>
+            <a:spcBef>
+              <a:spcPct val="0"/>
+            </a:spcBef>
+            <a:spcAft>
+              <a:spcPct val="15000"/>
+            </a:spcAft>
+            <a:buChar char="••"/>
+          </a:pPr>
+          <a:r>
+            <a:rPr lang="pt-BR" sz="1600" kern="1200" dirty="0" smtClean="0"/>
+            <a:t>Marlon   Design gráfico</a:t>
+          </a:r>
+          <a:endParaRPr lang="pt-BR" sz="1600" kern="1200" dirty="0"/>
+        </a:p>
       </dsp:txBody>
       <dsp:txXfrm rot="5400000">
-        <a:off x="5471223" y="-2232760"/>
-        <a:ext cx="871601" cy="5559552"/>
+        <a:off x="5436808" y="-2189562"/>
+        <a:ext cx="940430" cy="5559552"/>
       </dsp:txXfrm>
     </dsp:sp>
     <dsp:sp modelId="{83285697-B771-41E8-BF80-D6B7B2E260A7}">
@@ -9100,7 +9174,7 @@
       <dsp:spPr>
         <a:xfrm>
           <a:off x="0" y="0"/>
-          <a:ext cx="3127248" cy="1089501"/>
+          <a:ext cx="3127248" cy="1175538"/>
         </a:xfrm>
         <a:prstGeom prst="roundRect">
           <a:avLst/>
@@ -9243,7 +9317,7 @@
       </dsp:txBody>
       <dsp:txXfrm>
         <a:off x="0" y="0"/>
-        <a:ext cx="3127248" cy="1089501"/>
+        <a:ext cx="3127248" cy="1175538"/>
       </dsp:txXfrm>
     </dsp:sp>
     <dsp:sp modelId="{76D300D9-3977-4D02-95E9-3905CCACBD1B}">
@@ -9253,8 +9327,8 @@
       </dsp:nvSpPr>
       <dsp:spPr>
         <a:xfrm rot="5400000">
-          <a:off x="5471223" y="-1088783"/>
-          <a:ext cx="871601" cy="5559552"/>
+          <a:off x="5436808" y="-955247"/>
+          <a:ext cx="940430" cy="5559552"/>
         </a:xfrm>
         <a:prstGeom prst="round2SameRect">
           <a:avLst/>
@@ -9332,8 +9406,8 @@
         </a:p>
       </dsp:txBody>
       <dsp:txXfrm rot="5400000">
-        <a:off x="5471223" y="-1088783"/>
-        <a:ext cx="871601" cy="5559552"/>
+        <a:off x="5436808" y="-955247"/>
+        <a:ext cx="940430" cy="5559552"/>
       </dsp:txXfrm>
     </dsp:sp>
     <dsp:sp modelId="{1C4CF5AE-B0A9-4E79-99D0-8192DD361FD5}">
@@ -9343,8 +9417,8 @@
       </dsp:nvSpPr>
       <dsp:spPr>
         <a:xfrm>
-          <a:off x="0" y="1146241"/>
-          <a:ext cx="3127248" cy="1089501"/>
+          <a:off x="0" y="1236759"/>
+          <a:ext cx="3127248" cy="1175538"/>
         </a:xfrm>
         <a:prstGeom prst="roundRect">
           <a:avLst/>
@@ -9486,8 +9560,8 @@
         </a:p>
       </dsp:txBody>
       <dsp:txXfrm>
-        <a:off x="0" y="1146241"/>
-        <a:ext cx="3127248" cy="1089501"/>
+        <a:off x="0" y="1236759"/>
+        <a:ext cx="3127248" cy="1175538"/>
       </dsp:txXfrm>
     </dsp:sp>
     <dsp:sp modelId="{7991AEF3-84F5-4F2F-9A87-D93011516A86}">
@@ -9497,8 +9571,8 @@
       </dsp:nvSpPr>
       <dsp:spPr>
         <a:xfrm rot="5400000">
-          <a:off x="5471223" y="55193"/>
-          <a:ext cx="871601" cy="5559552"/>
+          <a:off x="5436808" y="279068"/>
+          <a:ext cx="940430" cy="5559552"/>
         </a:xfrm>
         <a:prstGeom prst="round2SameRect">
           <a:avLst/>
@@ -9584,8 +9658,8 @@
         </a:p>
       </dsp:txBody>
       <dsp:txXfrm rot="5400000">
-        <a:off x="5471223" y="55193"/>
-        <a:ext cx="871601" cy="5559552"/>
+        <a:off x="5436808" y="279068"/>
+        <a:ext cx="940430" cy="5559552"/>
       </dsp:txXfrm>
     </dsp:sp>
     <dsp:sp modelId="{DE3A8CA3-F5E7-47D6-9409-0DAEFC3883C5}">
@@ -9595,8 +9669,8 @@
       </dsp:nvSpPr>
       <dsp:spPr>
         <a:xfrm>
-          <a:off x="0" y="2290218"/>
-          <a:ext cx="3127248" cy="1089501"/>
+          <a:off x="0" y="2471074"/>
+          <a:ext cx="3127248" cy="1175538"/>
         </a:xfrm>
         <a:prstGeom prst="roundRect">
           <a:avLst/>
@@ -9738,8 +9812,8 @@
         </a:p>
       </dsp:txBody>
       <dsp:txXfrm>
-        <a:off x="0" y="2290218"/>
-        <a:ext cx="3127248" cy="1089501"/>
+        <a:off x="0" y="2471074"/>
+        <a:ext cx="3127248" cy="1175538"/>
       </dsp:txXfrm>
     </dsp:sp>
     <dsp:sp modelId="{232E8D04-E732-492E-A284-139D99DFE02C}">
@@ -9749,8 +9823,8 @@
       </dsp:nvSpPr>
       <dsp:spPr>
         <a:xfrm rot="5400000">
-          <a:off x="5471223" y="1199170"/>
-          <a:ext cx="871601" cy="5559552"/>
+          <a:off x="5436808" y="1513383"/>
+          <a:ext cx="940430" cy="5559552"/>
         </a:xfrm>
         <a:prstGeom prst="round2SameRect">
           <a:avLst/>
@@ -9832,8 +9906,8 @@
         </a:p>
       </dsp:txBody>
       <dsp:txXfrm rot="5400000">
-        <a:off x="5471223" y="1199170"/>
-        <a:ext cx="871601" cy="5559552"/>
+        <a:off x="5436808" y="1513383"/>
+        <a:ext cx="940430" cy="5559552"/>
       </dsp:txXfrm>
     </dsp:sp>
     <dsp:sp modelId="{F985ABD3-DA1F-4E90-952D-1C16820F198E}">
@@ -9843,8 +9917,8 @@
       </dsp:nvSpPr>
       <dsp:spPr>
         <a:xfrm>
-          <a:off x="0" y="3434195"/>
-          <a:ext cx="3127248" cy="1089501"/>
+          <a:off x="0" y="3705390"/>
+          <a:ext cx="3127248" cy="1175538"/>
         </a:xfrm>
         <a:prstGeom prst="roundRect">
           <a:avLst/>
@@ -9986,8 +10060,8 @@
         </a:p>
       </dsp:txBody>
       <dsp:txXfrm>
-        <a:off x="0" y="3434195"/>
-        <a:ext cx="3127248" cy="1089501"/>
+        <a:off x="0" y="3705390"/>
+        <a:ext cx="3127248" cy="1175538"/>
       </dsp:txXfrm>
     </dsp:sp>
   </dsp:spTree>
@@ -13769,6 +13843,972 @@
       <dsp:cNvGrpSpPr/>
     </dsp:nvGrpSpPr>
     <dsp:grpSpPr/>
+    <dsp:sp modelId="{AA8514B8-7EBB-4287-ACDB-81BB8EE3A65E}">
+      <dsp:nvSpPr>
+        <dsp:cNvPr id="0" name=""/>
+        <dsp:cNvSpPr/>
+      </dsp:nvSpPr>
+      <dsp:spPr>
+        <a:xfrm>
+          <a:off x="0" y="327899"/>
+          <a:ext cx="8686800" cy="504000"/>
+        </a:xfrm>
+        <a:prstGeom prst="rect">
+          <a:avLst/>
+        </a:prstGeom>
+        <a:gradFill rotWithShape="1">
+          <a:gsLst>
+            <a:gs pos="0">
+              <a:schemeClr val="accent6">
+                <a:tint val="30000"/>
+                <a:satMod val="250000"/>
+              </a:schemeClr>
+            </a:gs>
+            <a:gs pos="72000">
+              <a:schemeClr val="accent6">
+                <a:tint val="75000"/>
+                <a:satMod val="210000"/>
+              </a:schemeClr>
+            </a:gs>
+            <a:gs pos="100000">
+              <a:schemeClr val="accent6">
+                <a:tint val="85000"/>
+                <a:satMod val="210000"/>
+              </a:schemeClr>
+            </a:gs>
+          </a:gsLst>
+          <a:lin ang="5400000" scaled="1"/>
+        </a:gradFill>
+        <a:ln w="10000" cap="flat" cmpd="sng" algn="ctr">
+          <a:solidFill>
+            <a:schemeClr val="accent6"/>
+          </a:solidFill>
+          <a:prstDash val="solid"/>
+        </a:ln>
+        <a:effectLst>
+          <a:outerShdw blurRad="76200" dist="50800" dir="5400000" rotWithShape="0">
+            <a:srgbClr val="4E3B30">
+              <a:alpha val="60000"/>
+            </a:srgbClr>
+          </a:outerShdw>
+        </a:effectLst>
+        <a:scene3d>
+          <a:camera prst="orthographicFront"/>
+          <a:lightRig rig="flat" dir="t"/>
+        </a:scene3d>
+        <a:sp3d z="190500" extrusionH="12700"/>
+      </dsp:spPr>
+      <dsp:style>
+        <a:lnRef idx="1">
+          <a:schemeClr val="accent6"/>
+        </a:lnRef>
+        <a:fillRef idx="2">
+          <a:schemeClr val="accent6"/>
+        </a:fillRef>
+        <a:effectRef idx="1">
+          <a:schemeClr val="accent6"/>
+        </a:effectRef>
+        <a:fontRef idx="minor">
+          <a:schemeClr val="dk1"/>
+        </a:fontRef>
+      </dsp:style>
+    </dsp:sp>
+    <dsp:sp modelId="{B171C0C5-1265-474F-9A24-5267C4DEA6BB}">
+      <dsp:nvSpPr>
+        <dsp:cNvPr id="0" name=""/>
+        <dsp:cNvSpPr/>
+      </dsp:nvSpPr>
+      <dsp:spPr>
+        <a:xfrm>
+          <a:off x="434340" y="0"/>
+          <a:ext cx="6080760" cy="590400"/>
+        </a:xfrm>
+        <a:prstGeom prst="roundRect">
+          <a:avLst/>
+        </a:prstGeom>
+        <a:solidFill>
+          <a:srgbClr val="92D050"/>
+        </a:solidFill>
+        <a:ln>
+          <a:noFill/>
+        </a:ln>
+        <a:effectLst>
+          <a:outerShdw blurRad="76200" dist="50800" dir="5400000" rotWithShape="0">
+            <a:srgbClr val="4E3B30">
+              <a:alpha val="60000"/>
+            </a:srgbClr>
+          </a:outerShdw>
+        </a:effectLst>
+        <a:scene3d>
+          <a:camera prst="orthographicFront"/>
+          <a:lightRig rig="flat" dir="t"/>
+        </a:scene3d>
+        <a:sp3d contourW="12700" prstMaterial="matte">
+          <a:bevelT w="60000" h="50800"/>
+          <a:contourClr>
+            <a:schemeClr val="accent6">
+              <a:shade val="60000"/>
+              <a:satMod val="110000"/>
+            </a:schemeClr>
+          </a:contourClr>
+        </a:sp3d>
+      </dsp:spPr>
+      <dsp:style>
+        <a:lnRef idx="0">
+          <a:schemeClr val="accent6"/>
+        </a:lnRef>
+        <a:fillRef idx="3">
+          <a:schemeClr val="accent6"/>
+        </a:fillRef>
+        <a:effectRef idx="3">
+          <a:schemeClr val="accent6"/>
+        </a:effectRef>
+        <a:fontRef idx="minor">
+          <a:schemeClr val="lt1"/>
+        </a:fontRef>
+      </dsp:style>
+      <dsp:txBody>
+        <a:bodyPr spcFirstLastPara="0" vert="horz" wrap="square" lIns="229838" tIns="0" rIns="229838" bIns="0" numCol="1" spcCol="1270" anchor="ctr" anchorCtr="0">
+          <a:noAutofit/>
+        </a:bodyPr>
+        <a:lstStyle/>
+        <a:p>
+          <a:pPr lvl="0" algn="l" defTabSz="889000">
+            <a:lnSpc>
+              <a:spcPct val="90000"/>
+            </a:lnSpc>
+            <a:spcBef>
+              <a:spcPct val="0"/>
+            </a:spcBef>
+            <a:spcAft>
+              <a:spcPct val="35000"/>
+            </a:spcAft>
+          </a:pPr>
+          <a:r>
+            <a:rPr lang="pt-BR" sz="2000" b="1" kern="1200" smtClean="0">
+              <a:solidFill>
+                <a:srgbClr val="0070C0"/>
+              </a:solidFill>
+            </a:rPr>
+            <a:t>Dinamização de registro de atividades</a:t>
+          </a:r>
+          <a:endParaRPr lang="pt-BR" sz="2000" b="1" kern="1200" dirty="0">
+            <a:solidFill>
+              <a:srgbClr val="0070C0"/>
+            </a:solidFill>
+          </a:endParaRPr>
+        </a:p>
+      </dsp:txBody>
+      <dsp:txXfrm>
+        <a:off x="434340" y="0"/>
+        <a:ext cx="6080760" cy="590400"/>
+      </dsp:txXfrm>
+    </dsp:sp>
+    <dsp:sp modelId="{122429B3-75B2-4400-B819-CC67C8478699}">
+      <dsp:nvSpPr>
+        <dsp:cNvPr id="0" name=""/>
+        <dsp:cNvSpPr/>
+      </dsp:nvSpPr>
+      <dsp:spPr>
+        <a:xfrm>
+          <a:off x="0" y="1235099"/>
+          <a:ext cx="8686800" cy="504000"/>
+        </a:xfrm>
+        <a:prstGeom prst="rect">
+          <a:avLst/>
+        </a:prstGeom>
+        <a:gradFill rotWithShape="1">
+          <a:gsLst>
+            <a:gs pos="0">
+              <a:schemeClr val="accent6">
+                <a:tint val="30000"/>
+                <a:satMod val="250000"/>
+              </a:schemeClr>
+            </a:gs>
+            <a:gs pos="72000">
+              <a:schemeClr val="accent6">
+                <a:tint val="75000"/>
+                <a:satMod val="210000"/>
+              </a:schemeClr>
+            </a:gs>
+            <a:gs pos="100000">
+              <a:schemeClr val="accent6">
+                <a:tint val="85000"/>
+                <a:satMod val="210000"/>
+              </a:schemeClr>
+            </a:gs>
+          </a:gsLst>
+          <a:lin ang="5400000" scaled="1"/>
+        </a:gradFill>
+        <a:ln w="10000" cap="flat" cmpd="sng" algn="ctr">
+          <a:solidFill>
+            <a:schemeClr val="accent6"/>
+          </a:solidFill>
+          <a:prstDash val="solid"/>
+        </a:ln>
+        <a:effectLst>
+          <a:outerShdw blurRad="76200" dist="50800" dir="5400000" rotWithShape="0">
+            <a:srgbClr val="4E3B30">
+              <a:alpha val="60000"/>
+            </a:srgbClr>
+          </a:outerShdw>
+        </a:effectLst>
+        <a:scene3d>
+          <a:camera prst="orthographicFront"/>
+          <a:lightRig rig="flat" dir="t"/>
+        </a:scene3d>
+        <a:sp3d z="190500" extrusionH="12700"/>
+      </dsp:spPr>
+      <dsp:style>
+        <a:lnRef idx="1">
+          <a:schemeClr val="accent6"/>
+        </a:lnRef>
+        <a:fillRef idx="2">
+          <a:schemeClr val="accent6"/>
+        </a:fillRef>
+        <a:effectRef idx="1">
+          <a:schemeClr val="accent6"/>
+        </a:effectRef>
+        <a:fontRef idx="minor">
+          <a:schemeClr val="dk1"/>
+        </a:fontRef>
+      </dsp:style>
+    </dsp:sp>
+    <dsp:sp modelId="{9939078C-FCDB-4354-9260-A7140D211969}">
+      <dsp:nvSpPr>
+        <dsp:cNvPr id="0" name=""/>
+        <dsp:cNvSpPr/>
+      </dsp:nvSpPr>
+      <dsp:spPr>
+        <a:xfrm>
+          <a:off x="434340" y="895849"/>
+          <a:ext cx="6080760" cy="590400"/>
+        </a:xfrm>
+        <a:prstGeom prst="roundRect">
+          <a:avLst/>
+        </a:prstGeom>
+        <a:solidFill>
+          <a:srgbClr val="92D050"/>
+        </a:solidFill>
+        <a:ln>
+          <a:noFill/>
+        </a:ln>
+        <a:effectLst>
+          <a:outerShdw blurRad="76200" dist="50800" dir="5400000" rotWithShape="0">
+            <a:srgbClr val="4E3B30">
+              <a:alpha val="60000"/>
+            </a:srgbClr>
+          </a:outerShdw>
+        </a:effectLst>
+        <a:scene3d>
+          <a:camera prst="orthographicFront"/>
+          <a:lightRig rig="flat" dir="t"/>
+        </a:scene3d>
+        <a:sp3d contourW="12700" prstMaterial="matte">
+          <a:bevelT w="60000" h="50800"/>
+          <a:contourClr>
+            <a:schemeClr val="accent6">
+              <a:shade val="60000"/>
+              <a:satMod val="110000"/>
+            </a:schemeClr>
+          </a:contourClr>
+        </a:sp3d>
+      </dsp:spPr>
+      <dsp:style>
+        <a:lnRef idx="0">
+          <a:schemeClr val="accent6"/>
+        </a:lnRef>
+        <a:fillRef idx="3">
+          <a:schemeClr val="accent6"/>
+        </a:fillRef>
+        <a:effectRef idx="3">
+          <a:schemeClr val="accent6"/>
+        </a:effectRef>
+        <a:fontRef idx="minor">
+          <a:schemeClr val="lt1"/>
+        </a:fontRef>
+      </dsp:style>
+      <dsp:txBody>
+        <a:bodyPr spcFirstLastPara="0" vert="horz" wrap="square" lIns="229838" tIns="0" rIns="229838" bIns="0" numCol="1" spcCol="1270" anchor="ctr" anchorCtr="0">
+          <a:noAutofit/>
+        </a:bodyPr>
+        <a:lstStyle/>
+        <a:p>
+          <a:pPr lvl="0" algn="l" defTabSz="889000">
+            <a:lnSpc>
+              <a:spcPct val="90000"/>
+            </a:lnSpc>
+            <a:spcBef>
+              <a:spcPct val="0"/>
+            </a:spcBef>
+            <a:spcAft>
+              <a:spcPct val="35000"/>
+            </a:spcAft>
+          </a:pPr>
+          <a:r>
+            <a:rPr lang="pt-BR" sz="2000" b="1" kern="1200" smtClean="0">
+              <a:solidFill>
+                <a:srgbClr val="0070C0"/>
+              </a:solidFill>
+            </a:rPr>
+            <a:t> Acesso web em dispositivos moveis</a:t>
+          </a:r>
+          <a:endParaRPr lang="pt-BR" sz="2000" b="1" kern="1200" dirty="0">
+            <a:solidFill>
+              <a:srgbClr val="0070C0"/>
+            </a:solidFill>
+          </a:endParaRPr>
+        </a:p>
+      </dsp:txBody>
+      <dsp:txXfrm>
+        <a:off x="434340" y="895849"/>
+        <a:ext cx="6080760" cy="590400"/>
+      </dsp:txXfrm>
+    </dsp:sp>
+    <dsp:sp modelId="{06A3C85D-CDEB-4A13-9986-AD53F22D8EA9}">
+      <dsp:nvSpPr>
+        <dsp:cNvPr id="0" name=""/>
+        <dsp:cNvSpPr/>
+      </dsp:nvSpPr>
+      <dsp:spPr>
+        <a:xfrm>
+          <a:off x="0" y="2142299"/>
+          <a:ext cx="8686800" cy="504000"/>
+        </a:xfrm>
+        <a:prstGeom prst="rect">
+          <a:avLst/>
+        </a:prstGeom>
+        <a:gradFill rotWithShape="1">
+          <a:gsLst>
+            <a:gs pos="0">
+              <a:schemeClr val="accent6">
+                <a:tint val="30000"/>
+                <a:satMod val="250000"/>
+              </a:schemeClr>
+            </a:gs>
+            <a:gs pos="72000">
+              <a:schemeClr val="accent6">
+                <a:tint val="75000"/>
+                <a:satMod val="210000"/>
+              </a:schemeClr>
+            </a:gs>
+            <a:gs pos="100000">
+              <a:schemeClr val="accent6">
+                <a:tint val="85000"/>
+                <a:satMod val="210000"/>
+              </a:schemeClr>
+            </a:gs>
+          </a:gsLst>
+          <a:lin ang="5400000" scaled="1"/>
+        </a:gradFill>
+        <a:ln w="10000" cap="flat" cmpd="sng" algn="ctr">
+          <a:solidFill>
+            <a:schemeClr val="accent6"/>
+          </a:solidFill>
+          <a:prstDash val="solid"/>
+        </a:ln>
+        <a:effectLst>
+          <a:outerShdw blurRad="76200" dist="50800" dir="5400000" rotWithShape="0">
+            <a:srgbClr val="4E3B30">
+              <a:alpha val="60000"/>
+            </a:srgbClr>
+          </a:outerShdw>
+        </a:effectLst>
+        <a:scene3d>
+          <a:camera prst="orthographicFront"/>
+          <a:lightRig rig="flat" dir="t"/>
+        </a:scene3d>
+        <a:sp3d z="190500" extrusionH="12700"/>
+      </dsp:spPr>
+      <dsp:style>
+        <a:lnRef idx="1">
+          <a:schemeClr val="accent6"/>
+        </a:lnRef>
+        <a:fillRef idx="2">
+          <a:schemeClr val="accent6"/>
+        </a:fillRef>
+        <a:effectRef idx="1">
+          <a:schemeClr val="accent6"/>
+        </a:effectRef>
+        <a:fontRef idx="minor">
+          <a:schemeClr val="dk1"/>
+        </a:fontRef>
+      </dsp:style>
+    </dsp:sp>
+    <dsp:sp modelId="{D78DBF14-3A29-4E42-B56E-7380E92A6552}">
+      <dsp:nvSpPr>
+        <dsp:cNvPr id="0" name=""/>
+        <dsp:cNvSpPr/>
+      </dsp:nvSpPr>
+      <dsp:spPr>
+        <a:xfrm>
+          <a:off x="434340" y="1803049"/>
+          <a:ext cx="6080760" cy="590400"/>
+        </a:xfrm>
+        <a:prstGeom prst="roundRect">
+          <a:avLst/>
+        </a:prstGeom>
+        <a:solidFill>
+          <a:srgbClr val="92D050"/>
+        </a:solidFill>
+        <a:ln>
+          <a:noFill/>
+        </a:ln>
+        <a:effectLst>
+          <a:outerShdw blurRad="76200" dist="50800" dir="5400000" rotWithShape="0">
+            <a:srgbClr val="4E3B30">
+              <a:alpha val="60000"/>
+            </a:srgbClr>
+          </a:outerShdw>
+        </a:effectLst>
+        <a:scene3d>
+          <a:camera prst="orthographicFront"/>
+          <a:lightRig rig="flat" dir="t"/>
+        </a:scene3d>
+        <a:sp3d contourW="12700" prstMaterial="matte">
+          <a:bevelT w="60000" h="50800"/>
+          <a:contourClr>
+            <a:schemeClr val="accent6">
+              <a:shade val="60000"/>
+              <a:satMod val="110000"/>
+            </a:schemeClr>
+          </a:contourClr>
+        </a:sp3d>
+      </dsp:spPr>
+      <dsp:style>
+        <a:lnRef idx="0">
+          <a:schemeClr val="accent6"/>
+        </a:lnRef>
+        <a:fillRef idx="3">
+          <a:schemeClr val="accent6"/>
+        </a:fillRef>
+        <a:effectRef idx="3">
+          <a:schemeClr val="accent6"/>
+        </a:effectRef>
+        <a:fontRef idx="minor">
+          <a:schemeClr val="lt1"/>
+        </a:fontRef>
+      </dsp:style>
+      <dsp:txBody>
+        <a:bodyPr spcFirstLastPara="0" vert="horz" wrap="square" lIns="229838" tIns="0" rIns="229838" bIns="0" numCol="1" spcCol="1270" anchor="ctr" anchorCtr="0">
+          <a:noAutofit/>
+        </a:bodyPr>
+        <a:lstStyle/>
+        <a:p>
+          <a:pPr lvl="0" algn="l" defTabSz="889000">
+            <a:lnSpc>
+              <a:spcPct val="90000"/>
+            </a:lnSpc>
+            <a:spcBef>
+              <a:spcPct val="0"/>
+            </a:spcBef>
+            <a:spcAft>
+              <a:spcPct val="35000"/>
+            </a:spcAft>
+          </a:pPr>
+          <a:r>
+            <a:rPr lang="pt-BR" sz="2000" b="1" kern="1200" smtClean="0">
+              <a:solidFill>
+                <a:srgbClr val="0070C0"/>
+              </a:solidFill>
+            </a:rPr>
+            <a:t>Trabalho em grupo em ambiente multiusuário</a:t>
+          </a:r>
+          <a:endParaRPr lang="pt-BR" sz="2000" b="1" kern="1200" dirty="0">
+            <a:solidFill>
+              <a:srgbClr val="0070C0"/>
+            </a:solidFill>
+          </a:endParaRPr>
+        </a:p>
+      </dsp:txBody>
+      <dsp:txXfrm>
+        <a:off x="434340" y="1803049"/>
+        <a:ext cx="6080760" cy="590400"/>
+      </dsp:txXfrm>
+    </dsp:sp>
+    <dsp:sp modelId="{BC58E8B0-740A-43C6-B230-1401E78D7A5B}">
+      <dsp:nvSpPr>
+        <dsp:cNvPr id="0" name=""/>
+        <dsp:cNvSpPr/>
+      </dsp:nvSpPr>
+      <dsp:spPr>
+        <a:xfrm>
+          <a:off x="0" y="3049499"/>
+          <a:ext cx="8686800" cy="504000"/>
+        </a:xfrm>
+        <a:prstGeom prst="rect">
+          <a:avLst/>
+        </a:prstGeom>
+        <a:gradFill rotWithShape="1">
+          <a:gsLst>
+            <a:gs pos="0">
+              <a:schemeClr val="accent6">
+                <a:tint val="30000"/>
+                <a:satMod val="250000"/>
+              </a:schemeClr>
+            </a:gs>
+            <a:gs pos="72000">
+              <a:schemeClr val="accent6">
+                <a:tint val="75000"/>
+                <a:satMod val="210000"/>
+              </a:schemeClr>
+            </a:gs>
+            <a:gs pos="100000">
+              <a:schemeClr val="accent6">
+                <a:tint val="85000"/>
+                <a:satMod val="210000"/>
+              </a:schemeClr>
+            </a:gs>
+          </a:gsLst>
+          <a:lin ang="5400000" scaled="1"/>
+        </a:gradFill>
+        <a:ln w="10000" cap="flat" cmpd="sng" algn="ctr">
+          <a:solidFill>
+            <a:schemeClr val="accent6"/>
+          </a:solidFill>
+          <a:prstDash val="solid"/>
+        </a:ln>
+        <a:effectLst>
+          <a:outerShdw blurRad="76200" dist="50800" dir="5400000" rotWithShape="0">
+            <a:srgbClr val="4E3B30">
+              <a:alpha val="60000"/>
+            </a:srgbClr>
+          </a:outerShdw>
+        </a:effectLst>
+        <a:scene3d>
+          <a:camera prst="orthographicFront"/>
+          <a:lightRig rig="flat" dir="t"/>
+        </a:scene3d>
+        <a:sp3d z="190500" extrusionH="12700"/>
+      </dsp:spPr>
+      <dsp:style>
+        <a:lnRef idx="1">
+          <a:schemeClr val="accent6"/>
+        </a:lnRef>
+        <a:fillRef idx="2">
+          <a:schemeClr val="accent6"/>
+        </a:fillRef>
+        <a:effectRef idx="1">
+          <a:schemeClr val="accent6"/>
+        </a:effectRef>
+        <a:fontRef idx="minor">
+          <a:schemeClr val="dk1"/>
+        </a:fontRef>
+      </dsp:style>
+    </dsp:sp>
+    <dsp:sp modelId="{6C17C5F1-150A-491F-92CE-A1BE931BB55D}">
+      <dsp:nvSpPr>
+        <dsp:cNvPr id="0" name=""/>
+        <dsp:cNvSpPr/>
+      </dsp:nvSpPr>
+      <dsp:spPr>
+        <a:xfrm>
+          <a:off x="434340" y="2754299"/>
+          <a:ext cx="6080760" cy="590400"/>
+        </a:xfrm>
+        <a:prstGeom prst="roundRect">
+          <a:avLst/>
+        </a:prstGeom>
+        <a:solidFill>
+          <a:srgbClr val="92D050"/>
+        </a:solidFill>
+        <a:ln>
+          <a:noFill/>
+        </a:ln>
+        <a:effectLst>
+          <a:outerShdw blurRad="76200" dist="50800" dir="5400000" rotWithShape="0">
+            <a:srgbClr val="4E3B30">
+              <a:alpha val="60000"/>
+            </a:srgbClr>
+          </a:outerShdw>
+        </a:effectLst>
+        <a:scene3d>
+          <a:camera prst="orthographicFront"/>
+          <a:lightRig rig="flat" dir="t"/>
+        </a:scene3d>
+        <a:sp3d contourW="12700" prstMaterial="matte">
+          <a:bevelT w="60000" h="50800"/>
+          <a:contourClr>
+            <a:schemeClr val="accent6">
+              <a:shade val="60000"/>
+              <a:satMod val="110000"/>
+            </a:schemeClr>
+          </a:contourClr>
+        </a:sp3d>
+      </dsp:spPr>
+      <dsp:style>
+        <a:lnRef idx="0">
+          <a:schemeClr val="accent6"/>
+        </a:lnRef>
+        <a:fillRef idx="3">
+          <a:schemeClr val="accent6"/>
+        </a:fillRef>
+        <a:effectRef idx="3">
+          <a:schemeClr val="accent6"/>
+        </a:effectRef>
+        <a:fontRef idx="minor">
+          <a:schemeClr val="lt1"/>
+        </a:fontRef>
+      </dsp:style>
+      <dsp:txBody>
+        <a:bodyPr spcFirstLastPara="0" vert="horz" wrap="square" lIns="229838" tIns="0" rIns="229838" bIns="0" numCol="1" spcCol="1270" anchor="ctr" anchorCtr="0">
+          <a:noAutofit/>
+        </a:bodyPr>
+        <a:lstStyle/>
+        <a:p>
+          <a:pPr lvl="0" algn="l" defTabSz="889000">
+            <a:lnSpc>
+              <a:spcPct val="90000"/>
+            </a:lnSpc>
+            <a:spcBef>
+              <a:spcPct val="0"/>
+            </a:spcBef>
+            <a:spcAft>
+              <a:spcPct val="35000"/>
+            </a:spcAft>
+          </a:pPr>
+          <a:r>
+            <a:rPr lang="pt-BR" sz="2000" b="1" kern="1200" dirty="0" smtClean="0">
+              <a:solidFill>
+                <a:srgbClr val="0070C0"/>
+              </a:solidFill>
+            </a:rPr>
+            <a:t>Controles acadêmicos  </a:t>
+          </a:r>
+          <a:endParaRPr lang="pt-BR" sz="2000" b="1" kern="1200" dirty="0">
+            <a:solidFill>
+              <a:srgbClr val="0070C0"/>
+            </a:solidFill>
+          </a:endParaRPr>
+        </a:p>
+      </dsp:txBody>
+      <dsp:txXfrm>
+        <a:off x="434340" y="2754299"/>
+        <a:ext cx="6080760" cy="590400"/>
+      </dsp:txXfrm>
+    </dsp:sp>
+    <dsp:sp modelId="{7D8B9C6D-02C3-420B-906C-B43C36EE3306}">
+      <dsp:nvSpPr>
+        <dsp:cNvPr id="0" name=""/>
+        <dsp:cNvSpPr/>
+      </dsp:nvSpPr>
+      <dsp:spPr>
+        <a:xfrm>
+          <a:off x="0" y="3956699"/>
+          <a:ext cx="8686800" cy="504000"/>
+        </a:xfrm>
+        <a:prstGeom prst="rect">
+          <a:avLst/>
+        </a:prstGeom>
+        <a:gradFill rotWithShape="1">
+          <a:gsLst>
+            <a:gs pos="0">
+              <a:schemeClr val="accent6">
+                <a:tint val="30000"/>
+                <a:satMod val="250000"/>
+              </a:schemeClr>
+            </a:gs>
+            <a:gs pos="72000">
+              <a:schemeClr val="accent6">
+                <a:tint val="75000"/>
+                <a:satMod val="210000"/>
+              </a:schemeClr>
+            </a:gs>
+            <a:gs pos="100000">
+              <a:schemeClr val="accent6">
+                <a:tint val="85000"/>
+                <a:satMod val="210000"/>
+              </a:schemeClr>
+            </a:gs>
+          </a:gsLst>
+          <a:lin ang="5400000" scaled="1"/>
+        </a:gradFill>
+        <a:ln w="10000" cap="flat" cmpd="sng" algn="ctr">
+          <a:solidFill>
+            <a:schemeClr val="accent6"/>
+          </a:solidFill>
+          <a:prstDash val="solid"/>
+        </a:ln>
+        <a:effectLst>
+          <a:outerShdw blurRad="76200" dist="50800" dir="5400000" rotWithShape="0">
+            <a:srgbClr val="4E3B30">
+              <a:alpha val="60000"/>
+            </a:srgbClr>
+          </a:outerShdw>
+        </a:effectLst>
+        <a:scene3d>
+          <a:camera prst="orthographicFront"/>
+          <a:lightRig rig="flat" dir="t"/>
+        </a:scene3d>
+        <a:sp3d z="190500" extrusionH="12700"/>
+      </dsp:spPr>
+      <dsp:style>
+        <a:lnRef idx="1">
+          <a:schemeClr val="accent6"/>
+        </a:lnRef>
+        <a:fillRef idx="2">
+          <a:schemeClr val="accent6"/>
+        </a:fillRef>
+        <a:effectRef idx="1">
+          <a:schemeClr val="accent6"/>
+        </a:effectRef>
+        <a:fontRef idx="minor">
+          <a:schemeClr val="dk1"/>
+        </a:fontRef>
+      </dsp:style>
+    </dsp:sp>
+    <dsp:sp modelId="{231A70AB-9760-4FFF-B875-5D31C52D60AE}">
+      <dsp:nvSpPr>
+        <dsp:cNvPr id="0" name=""/>
+        <dsp:cNvSpPr/>
+      </dsp:nvSpPr>
+      <dsp:spPr>
+        <a:xfrm>
+          <a:off x="434340" y="3661499"/>
+          <a:ext cx="6080760" cy="590400"/>
+        </a:xfrm>
+        <a:prstGeom prst="roundRect">
+          <a:avLst/>
+        </a:prstGeom>
+        <a:solidFill>
+          <a:srgbClr val="92D050"/>
+        </a:solidFill>
+        <a:ln>
+          <a:noFill/>
+        </a:ln>
+        <a:effectLst>
+          <a:outerShdw blurRad="76200" dist="50800" dir="5400000" rotWithShape="0">
+            <a:srgbClr val="4E3B30">
+              <a:alpha val="60000"/>
+            </a:srgbClr>
+          </a:outerShdw>
+        </a:effectLst>
+        <a:scene3d>
+          <a:camera prst="orthographicFront"/>
+          <a:lightRig rig="flat" dir="t"/>
+        </a:scene3d>
+        <a:sp3d contourW="12700" prstMaterial="matte">
+          <a:bevelT w="60000" h="50800"/>
+          <a:contourClr>
+            <a:schemeClr val="accent6">
+              <a:shade val="60000"/>
+              <a:satMod val="110000"/>
+            </a:schemeClr>
+          </a:contourClr>
+        </a:sp3d>
+      </dsp:spPr>
+      <dsp:style>
+        <a:lnRef idx="0">
+          <a:schemeClr val="accent6"/>
+        </a:lnRef>
+        <a:fillRef idx="3">
+          <a:schemeClr val="accent6"/>
+        </a:fillRef>
+        <a:effectRef idx="3">
+          <a:schemeClr val="accent6"/>
+        </a:effectRef>
+        <a:fontRef idx="minor">
+          <a:schemeClr val="lt1"/>
+        </a:fontRef>
+      </dsp:style>
+      <dsp:txBody>
+        <a:bodyPr spcFirstLastPara="0" vert="horz" wrap="square" lIns="229838" tIns="0" rIns="229838" bIns="0" numCol="1" spcCol="1270" anchor="ctr" anchorCtr="0">
+          <a:noAutofit/>
+        </a:bodyPr>
+        <a:lstStyle/>
+        <a:p>
+          <a:pPr lvl="0" algn="l" defTabSz="889000">
+            <a:lnSpc>
+              <a:spcPct val="90000"/>
+            </a:lnSpc>
+            <a:spcBef>
+              <a:spcPct val="0"/>
+            </a:spcBef>
+            <a:spcAft>
+              <a:spcPct val="35000"/>
+            </a:spcAft>
+          </a:pPr>
+          <a:r>
+            <a:rPr lang="pt-BR" sz="2000" b="1" kern="1200" smtClean="0">
+              <a:solidFill>
+                <a:srgbClr val="0070C0"/>
+              </a:solidFill>
+            </a:rPr>
+            <a:t>Controles financeiros</a:t>
+          </a:r>
+          <a:endParaRPr lang="pt-BR" sz="2000" b="1" kern="1200" dirty="0">
+            <a:solidFill>
+              <a:srgbClr val="0070C0"/>
+            </a:solidFill>
+          </a:endParaRPr>
+        </a:p>
+      </dsp:txBody>
+      <dsp:txXfrm>
+        <a:off x="434340" y="3661499"/>
+        <a:ext cx="6080760" cy="590400"/>
+      </dsp:txXfrm>
+    </dsp:sp>
+    <dsp:sp modelId="{338DDB9A-A6BB-4D1C-8303-E07E7D076CB7}">
+      <dsp:nvSpPr>
+        <dsp:cNvPr id="0" name=""/>
+        <dsp:cNvSpPr/>
+      </dsp:nvSpPr>
+      <dsp:spPr>
+        <a:xfrm>
+          <a:off x="0" y="4863899"/>
+          <a:ext cx="8686800" cy="504000"/>
+        </a:xfrm>
+        <a:prstGeom prst="rect">
+          <a:avLst/>
+        </a:prstGeom>
+        <a:gradFill rotWithShape="1">
+          <a:gsLst>
+            <a:gs pos="0">
+              <a:schemeClr val="accent6">
+                <a:tint val="30000"/>
+                <a:satMod val="250000"/>
+              </a:schemeClr>
+            </a:gs>
+            <a:gs pos="72000">
+              <a:schemeClr val="accent6">
+                <a:tint val="75000"/>
+                <a:satMod val="210000"/>
+              </a:schemeClr>
+            </a:gs>
+            <a:gs pos="100000">
+              <a:schemeClr val="accent6">
+                <a:tint val="85000"/>
+                <a:satMod val="210000"/>
+              </a:schemeClr>
+            </a:gs>
+          </a:gsLst>
+          <a:lin ang="5400000" scaled="1"/>
+        </a:gradFill>
+        <a:ln w="10000" cap="flat" cmpd="sng" algn="ctr">
+          <a:solidFill>
+            <a:schemeClr val="accent6"/>
+          </a:solidFill>
+          <a:prstDash val="solid"/>
+        </a:ln>
+        <a:effectLst>
+          <a:outerShdw blurRad="76200" dist="50800" dir="5400000" rotWithShape="0">
+            <a:srgbClr val="4E3B30">
+              <a:alpha val="60000"/>
+            </a:srgbClr>
+          </a:outerShdw>
+        </a:effectLst>
+        <a:scene3d>
+          <a:camera prst="orthographicFront"/>
+          <a:lightRig rig="flat" dir="t"/>
+        </a:scene3d>
+        <a:sp3d z="190500" extrusionH="12700"/>
+      </dsp:spPr>
+      <dsp:style>
+        <a:lnRef idx="1">
+          <a:schemeClr val="accent6"/>
+        </a:lnRef>
+        <a:fillRef idx="2">
+          <a:schemeClr val="accent6"/>
+        </a:fillRef>
+        <a:effectRef idx="1">
+          <a:schemeClr val="accent6"/>
+        </a:effectRef>
+        <a:fontRef idx="minor">
+          <a:schemeClr val="dk1"/>
+        </a:fontRef>
+      </dsp:style>
+    </dsp:sp>
+    <dsp:sp modelId="{029B9D8C-4A77-4645-9520-CB1F079C0081}">
+      <dsp:nvSpPr>
+        <dsp:cNvPr id="0" name=""/>
+        <dsp:cNvSpPr/>
+      </dsp:nvSpPr>
+      <dsp:spPr>
+        <a:xfrm>
+          <a:off x="434340" y="4568699"/>
+          <a:ext cx="6080760" cy="590400"/>
+        </a:xfrm>
+        <a:prstGeom prst="roundRect">
+          <a:avLst/>
+        </a:prstGeom>
+        <a:solidFill>
+          <a:srgbClr val="92D050"/>
+        </a:solidFill>
+        <a:ln>
+          <a:noFill/>
+        </a:ln>
+        <a:effectLst>
+          <a:outerShdw blurRad="76200" dist="50800" dir="5400000" rotWithShape="0">
+            <a:srgbClr val="4E3B30">
+              <a:alpha val="60000"/>
+            </a:srgbClr>
+          </a:outerShdw>
+        </a:effectLst>
+        <a:scene3d>
+          <a:camera prst="orthographicFront"/>
+          <a:lightRig rig="flat" dir="t"/>
+        </a:scene3d>
+        <a:sp3d contourW="12700" prstMaterial="matte">
+          <a:bevelT w="60000" h="50800"/>
+          <a:contourClr>
+            <a:schemeClr val="accent6">
+              <a:shade val="60000"/>
+              <a:satMod val="110000"/>
+            </a:schemeClr>
+          </a:contourClr>
+        </a:sp3d>
+      </dsp:spPr>
+      <dsp:style>
+        <a:lnRef idx="0">
+          <a:schemeClr val="accent6"/>
+        </a:lnRef>
+        <a:fillRef idx="3">
+          <a:schemeClr val="accent6"/>
+        </a:fillRef>
+        <a:effectRef idx="3">
+          <a:schemeClr val="accent6"/>
+        </a:effectRef>
+        <a:fontRef idx="minor">
+          <a:schemeClr val="lt1"/>
+        </a:fontRef>
+      </dsp:style>
+      <dsp:txBody>
+        <a:bodyPr spcFirstLastPara="0" vert="horz" wrap="square" lIns="229838" tIns="0" rIns="229838" bIns="0" numCol="1" spcCol="1270" anchor="ctr" anchorCtr="0">
+          <a:noAutofit/>
+        </a:bodyPr>
+        <a:lstStyle/>
+        <a:p>
+          <a:pPr lvl="0" algn="l" defTabSz="889000">
+            <a:lnSpc>
+              <a:spcPct val="90000"/>
+            </a:lnSpc>
+            <a:spcBef>
+              <a:spcPct val="0"/>
+            </a:spcBef>
+            <a:spcAft>
+              <a:spcPct val="35000"/>
+            </a:spcAft>
+          </a:pPr>
+          <a:r>
+            <a:rPr lang="pt-BR" sz="2000" b="1" kern="1200" smtClean="0">
+              <a:solidFill>
+                <a:srgbClr val="0070C0"/>
+              </a:solidFill>
+            </a:rPr>
+            <a:t>Controle de contas a pagar</a:t>
+          </a:r>
+          <a:endParaRPr lang="pt-BR" sz="2000" b="1" kern="1200" dirty="0">
+            <a:solidFill>
+              <a:srgbClr val="0070C0"/>
+            </a:solidFill>
+          </a:endParaRPr>
+        </a:p>
+      </dsp:txBody>
+      <dsp:txXfrm>
+        <a:off x="434340" y="4568699"/>
+        <a:ext cx="6080760" cy="590400"/>
+      </dsp:txXfrm>
+    </dsp:sp>
   </dsp:spTree>
 </dsp:drawing>
 </file>
@@ -22332,7 +23372,7 @@
             <a:fld id="{229FDC3E-7424-49CF-AF38-AA35F4C77C8D}" type="datetimeFigureOut">
               <a:rPr lang="pt-BR" smtClean="0"/>
               <a:pPr/>
-              <a:t>22/05/2014</a:t>
+              <a:t>03/06/2014</a:t>
             </a:fld>
             <a:endParaRPr lang="pt-BR"/>
           </a:p>
@@ -22504,7 +23544,7 @@
             <a:fld id="{229FDC3E-7424-49CF-AF38-AA35F4C77C8D}" type="datetimeFigureOut">
               <a:rPr lang="pt-BR" smtClean="0"/>
               <a:pPr/>
-              <a:t>22/05/2014</a:t>
+              <a:t>03/06/2014</a:t>
             </a:fld>
             <a:endParaRPr lang="pt-BR"/>
           </a:p>
@@ -22681,7 +23721,7 @@
             <a:fld id="{229FDC3E-7424-49CF-AF38-AA35F4C77C8D}" type="datetimeFigureOut">
               <a:rPr lang="pt-BR" smtClean="0"/>
               <a:pPr/>
-              <a:t>22/05/2014</a:t>
+              <a:t>03/06/2014</a:t>
             </a:fld>
             <a:endParaRPr lang="pt-BR"/>
           </a:p>
@@ -22848,7 +23888,7 @@
             <a:fld id="{229FDC3E-7424-49CF-AF38-AA35F4C77C8D}" type="datetimeFigureOut">
               <a:rPr lang="pt-BR" smtClean="0"/>
               <a:pPr/>
-              <a:t>22/05/2014</a:t>
+              <a:t>03/06/2014</a:t>
             </a:fld>
             <a:endParaRPr lang="pt-BR"/>
           </a:p>
@@ -23084,7 +24124,7 @@
             <a:fld id="{229FDC3E-7424-49CF-AF38-AA35F4C77C8D}" type="datetimeFigureOut">
               <a:rPr lang="pt-BR" smtClean="0"/>
               <a:pPr/>
-              <a:t>22/05/2014</a:t>
+              <a:t>03/06/2014</a:t>
             </a:fld>
             <a:endParaRPr lang="pt-BR"/>
           </a:p>
@@ -23382,7 +24422,7 @@
             <a:fld id="{229FDC3E-7424-49CF-AF38-AA35F4C77C8D}" type="datetimeFigureOut">
               <a:rPr lang="pt-BR" smtClean="0"/>
               <a:pPr/>
-              <a:t>22/05/2014</a:t>
+              <a:t>03/06/2014</a:t>
             </a:fld>
             <a:endParaRPr lang="pt-BR"/>
           </a:p>
@@ -23768,7 +24808,7 @@
             <a:fld id="{229FDC3E-7424-49CF-AF38-AA35F4C77C8D}" type="datetimeFigureOut">
               <a:rPr lang="pt-BR" smtClean="0"/>
               <a:pPr/>
-              <a:t>22/05/2014</a:t>
+              <a:t>03/06/2014</a:t>
             </a:fld>
             <a:endParaRPr lang="pt-BR"/>
           </a:p>
@@ -23943,7 +24983,7 @@
             <a:fld id="{229FDC3E-7424-49CF-AF38-AA35F4C77C8D}" type="datetimeFigureOut">
               <a:rPr lang="pt-BR" smtClean="0"/>
               <a:pPr/>
-              <a:t>22/05/2014</a:t>
+              <a:t>03/06/2014</a:t>
             </a:fld>
             <a:endParaRPr lang="pt-BR"/>
           </a:p>
@@ -24035,7 +25075,7 @@
             <a:fld id="{229FDC3E-7424-49CF-AF38-AA35F4C77C8D}" type="datetimeFigureOut">
               <a:rPr lang="pt-BR" smtClean="0"/>
               <a:pPr/>
-              <a:t>22/05/2014</a:t>
+              <a:t>03/06/2014</a:t>
             </a:fld>
             <a:endParaRPr lang="pt-BR"/>
           </a:p>
@@ -24332,7 +25372,7 @@
             <a:fld id="{229FDC3E-7424-49CF-AF38-AA35F4C77C8D}" type="datetimeFigureOut">
               <a:rPr lang="pt-BR" smtClean="0"/>
               <a:pPr/>
-              <a:t>22/05/2014</a:t>
+              <a:t>03/06/2014</a:t>
             </a:fld>
             <a:endParaRPr lang="pt-BR"/>
           </a:p>
@@ -24468,7 +25508,7 @@
             <a:fld id="{229FDC3E-7424-49CF-AF38-AA35F4C77C8D}" type="datetimeFigureOut">
               <a:rPr lang="pt-BR" smtClean="0"/>
               <a:pPr/>
-              <a:t>22/05/2014</a:t>
+              <a:t>03/06/2014</a:t>
             </a:fld>
             <a:endParaRPr lang="pt-BR"/>
           </a:p>
@@ -24773,7 +25813,7 @@
             <a:fld id="{229FDC3E-7424-49CF-AF38-AA35F4C77C8D}" type="datetimeFigureOut">
               <a:rPr lang="pt-BR" smtClean="0"/>
               <a:pPr/>
-              <a:t>22/05/2014</a:t>
+              <a:t>03/06/2014</a:t>
             </a:fld>
             <a:endParaRPr lang="pt-BR"/>
           </a:p>
@@ -25538,7 +26578,7 @@
             <p:ph idx="1"/>
             <p:extLst>
               <p:ext uri="{D42A27DB-BD31-4B8C-83A1-F6EECF244321}">
-                <p14:modId xmlns:p14="http://schemas.microsoft.com/office/powerpoint/2010/main" xmlns="" val="2208909862"/>
+                <p14:modId xmlns="" xmlns:p14="http://schemas.microsoft.com/office/powerpoint/2010/main" val="2208909862"/>
               </p:ext>
             </p:extLst>
           </p:nvPr>
@@ -25820,8 +26860,8 @@
           </p:nvPr>
         </p:nvGraphicFramePr>
         <p:xfrm>
-          <a:off x="304800" y="1554163"/>
-          <a:ext cx="8686800" cy="4525962"/>
+          <a:off x="457200" y="1484784"/>
+          <a:ext cx="8686800" cy="4883373"/>
         </p:xfrm>
         <a:graphic>
           <a:graphicData uri="http://schemas.openxmlformats.org/drawingml/2006/diagram">
@@ -25894,7 +26934,7 @@
             <p:ph idx="1"/>
             <p:extLst>
               <p:ext uri="{D42A27DB-BD31-4B8C-83A1-F6EECF244321}">
-                <p14:modId xmlns:p14="http://schemas.microsoft.com/office/powerpoint/2010/main" xmlns="" val="2118870426"/>
+                <p14:modId xmlns="" xmlns:p14="http://schemas.microsoft.com/office/powerpoint/2010/main" val="2118870426"/>
               </p:ext>
             </p:extLst>
           </p:nvPr>
@@ -25974,7 +27014,7 @@
             <p:ph idx="1"/>
             <p:extLst>
               <p:ext uri="{D42A27DB-BD31-4B8C-83A1-F6EECF244321}">
-                <p14:modId xmlns:p14="http://schemas.microsoft.com/office/powerpoint/2010/main" xmlns="" val="736405372"/>
+                <p14:modId xmlns="" xmlns:p14="http://schemas.microsoft.com/office/powerpoint/2010/main" val="736405372"/>
               </p:ext>
             </p:extLst>
           </p:nvPr>

--- a/SAS/Planejamento/Docs/#3 - Apresentação do projeto.pptx
+++ b/SAS/Planejamento/Docs/#3 - Apresentação do projeto.pptx
@@ -4971,11 +4971,7 @@
         <a:p>
           <a:r>
             <a:rPr lang="pt-BR" sz="1600" dirty="0" smtClean="0"/>
-            <a:t>Ricardo  Design </a:t>
-          </a:r>
-          <a:r>
-            <a:rPr lang="pt-BR" sz="1600" dirty="0" smtClean="0"/>
-            <a:t>gráfico</a:t>
+            <a:t>Ricardo  Design gráfico</a:t>
           </a:r>
           <a:endParaRPr lang="pt-BR" sz="1600" dirty="0"/>
         </a:p>
@@ -5405,7 +5401,7 @@
   <dgm:whole/>
   <dgm:extLst>
     <a:ext uri="http://schemas.microsoft.com/office/drawing/2008/diagram">
-      <dsp:dataModelExt xmlns:dsp="http://schemas.microsoft.com/office/drawing/2008/diagram" xmlns="" relId="rId6" minVer="http://schemas.openxmlformats.org/drawingml/2006/diagram"/>
+      <dsp:dataModelExt xmlns="" xmlns:dsp="http://schemas.microsoft.com/office/drawing/2008/diagram" relId="rId6" minVer="http://schemas.openxmlformats.org/drawingml/2006/diagram"/>
     </a:ext>
   </dgm:extLst>
 </dgm:dataModel>
@@ -5516,10 +5512,10 @@
         <a:p>
           <a:pPr algn="l"/>
           <a:r>
-            <a:rPr lang="pt-BR" sz="1800" b="1" dirty="0" smtClean="0"/>
+            <a:rPr lang="pt-BR" sz="1400" b="1" dirty="0" smtClean="0"/>
             <a:t>Pastorais</a:t>
           </a:r>
-          <a:endParaRPr lang="pt-BR" sz="1800" b="1" dirty="0"/>
+          <a:endParaRPr lang="pt-BR" sz="1400" b="1" dirty="0"/>
         </a:p>
       </dgm:t>
     </dgm:pt>
@@ -5636,10 +5632,10 @@
         <a:lstStyle/>
         <a:p>
           <a:r>
-            <a:rPr lang="pt-BR" sz="1800" b="1" dirty="0" smtClean="0"/>
-            <a:t>?</a:t>
+            <a:rPr lang="pt-BR" sz="1400" b="1" dirty="0" smtClean="0"/>
+            <a:t>Emissão Documentos</a:t>
           </a:r>
-          <a:endParaRPr lang="pt-BR" sz="1800" b="1" dirty="0"/>
+          <a:endParaRPr lang="pt-BR" sz="1400" b="1" dirty="0"/>
         </a:p>
       </dgm:t>
     </dgm:pt>
@@ -5741,7 +5737,7 @@
         <a:p>
           <a:r>
             <a:rPr lang="pt-BR" sz="1400" b="1" dirty="0" smtClean="0"/>
-            <a:t>?</a:t>
+            <a:t>Comunicação </a:t>
           </a:r>
           <a:endParaRPr lang="pt-BR" sz="1400" b="1" dirty="0"/>
         </a:p>
@@ -5759,6 +5755,505 @@
       </dgm:t>
     </dgm:pt>
     <dgm:pt modelId="{DFDDDFD5-3525-4DBC-A81D-34093C1E23BA}" type="sibTrans" cxnId="{33D1B9A7-E56C-4778-97FB-A5B130BCA5C0}">
+      <dgm:prSet/>
+      <dgm:spPr/>
+      <dgm:t>
+        <a:bodyPr/>
+        <a:lstStyle/>
+        <a:p>
+          <a:endParaRPr lang="pt-BR"/>
+        </a:p>
+      </dgm:t>
+    </dgm:pt>
+    <dgm:pt modelId="{EAE6F129-AF20-489F-B448-BFE264B615C1}">
+      <dgm:prSet phldrT="[Texto]" custT="1">
+        <dgm:style>
+          <a:lnRef idx="2">
+            <a:schemeClr val="accent1"/>
+          </a:lnRef>
+          <a:fillRef idx="1">
+            <a:schemeClr val="lt1"/>
+          </a:fillRef>
+          <a:effectRef idx="0">
+            <a:schemeClr val="accent1"/>
+          </a:effectRef>
+          <a:fontRef idx="minor">
+            <a:schemeClr val="dk1"/>
+          </a:fontRef>
+        </dgm:style>
+      </dgm:prSet>
+      <dgm:spPr/>
+      <dgm:t>
+        <a:bodyPr/>
+        <a:lstStyle/>
+        <a:p>
+          <a:r>
+            <a:rPr lang="pt-BR" sz="1400" b="1" dirty="0" smtClean="0"/>
+            <a:t>Registros de atividades</a:t>
+          </a:r>
+          <a:endParaRPr lang="pt-BR" sz="1400" b="1" dirty="0"/>
+        </a:p>
+      </dgm:t>
+    </dgm:pt>
+    <dgm:pt modelId="{C0D5B7C3-AA00-473E-8E71-2FD79A462FEE}" type="parTrans" cxnId="{E3287FDC-8A55-45DA-AEE5-89AB63B59CE0}">
+      <dgm:prSet/>
+      <dgm:spPr/>
+      <dgm:t>
+        <a:bodyPr/>
+        <a:lstStyle/>
+        <a:p>
+          <a:endParaRPr lang="pt-BR"/>
+        </a:p>
+      </dgm:t>
+    </dgm:pt>
+    <dgm:pt modelId="{401713F0-76B5-43A2-A4F5-305F4CA21957}" type="sibTrans" cxnId="{E3287FDC-8A55-45DA-AEE5-89AB63B59CE0}">
+      <dgm:prSet/>
+      <dgm:spPr/>
+      <dgm:t>
+        <a:bodyPr/>
+        <a:lstStyle/>
+        <a:p>
+          <a:endParaRPr lang="pt-BR"/>
+        </a:p>
+      </dgm:t>
+    </dgm:pt>
+    <dgm:pt modelId="{2CABE3B6-2EEA-4A99-BBE7-085383B9725D}">
+      <dgm:prSet phldrT="[Texto]" custT="1">
+        <dgm:style>
+          <a:lnRef idx="2">
+            <a:schemeClr val="accent1"/>
+          </a:lnRef>
+          <a:fillRef idx="1">
+            <a:schemeClr val="lt1"/>
+          </a:fillRef>
+          <a:effectRef idx="0">
+            <a:schemeClr val="accent1"/>
+          </a:effectRef>
+          <a:fontRef idx="minor">
+            <a:schemeClr val="dk1"/>
+          </a:fontRef>
+        </dgm:style>
+      </dgm:prSet>
+      <dgm:spPr/>
+      <dgm:t>
+        <a:bodyPr/>
+        <a:lstStyle/>
+        <a:p>
+          <a:r>
+            <a:rPr lang="pt-BR" sz="1400" b="1" dirty="0" smtClean="0"/>
+            <a:t>Consultas</a:t>
+          </a:r>
+          <a:endParaRPr lang="pt-BR" sz="1400" b="1" dirty="0"/>
+        </a:p>
+      </dgm:t>
+    </dgm:pt>
+    <dgm:pt modelId="{E50B1FFE-B27A-488D-9E1C-753288103707}" type="parTrans" cxnId="{9C28426E-782A-4827-A1AF-DF19DEE0E663}">
+      <dgm:prSet/>
+      <dgm:spPr/>
+      <dgm:t>
+        <a:bodyPr/>
+        <a:lstStyle/>
+        <a:p>
+          <a:endParaRPr lang="pt-BR"/>
+        </a:p>
+      </dgm:t>
+    </dgm:pt>
+    <dgm:pt modelId="{4AC18B29-D66A-4290-B0B1-638894B89790}" type="sibTrans" cxnId="{9C28426E-782A-4827-A1AF-DF19DEE0E663}">
+      <dgm:prSet/>
+      <dgm:spPr/>
+      <dgm:t>
+        <a:bodyPr/>
+        <a:lstStyle/>
+        <a:p>
+          <a:endParaRPr lang="pt-BR"/>
+        </a:p>
+      </dgm:t>
+    </dgm:pt>
+    <dgm:pt modelId="{835444D0-9403-488B-8CF6-1BA423F14FF4}">
+      <dgm:prSet phldrT="[Texto]" custT="1">
+        <dgm:style>
+          <a:lnRef idx="2">
+            <a:schemeClr val="accent1"/>
+          </a:lnRef>
+          <a:fillRef idx="1">
+            <a:schemeClr val="lt1"/>
+          </a:fillRef>
+          <a:effectRef idx="0">
+            <a:schemeClr val="accent1"/>
+          </a:effectRef>
+          <a:fontRef idx="minor">
+            <a:schemeClr val="dk1"/>
+          </a:fontRef>
+        </dgm:style>
+      </dgm:prSet>
+      <dgm:spPr/>
+      <dgm:t>
+        <a:bodyPr/>
+        <a:lstStyle/>
+        <a:p>
+          <a:pPr algn="l"/>
+          <a:r>
+            <a:rPr lang="pt-BR" sz="1400" b="1" dirty="0" smtClean="0"/>
+            <a:t>Compartilhamento de dados</a:t>
+          </a:r>
+          <a:endParaRPr lang="pt-BR" sz="1400" b="1" dirty="0"/>
+        </a:p>
+      </dgm:t>
+    </dgm:pt>
+    <dgm:pt modelId="{C29ED5FF-29B9-4D55-9C15-3D427BB84784}" type="parTrans" cxnId="{2E04EE15-0EFD-4A5E-96F9-C3FE50E596F5}">
+      <dgm:prSet/>
+      <dgm:spPr/>
+      <dgm:t>
+        <a:bodyPr/>
+        <a:lstStyle/>
+        <a:p>
+          <a:endParaRPr lang="pt-BR"/>
+        </a:p>
+      </dgm:t>
+    </dgm:pt>
+    <dgm:pt modelId="{F0580B45-2587-4095-A289-2D6D62D7D0E2}" type="sibTrans" cxnId="{2E04EE15-0EFD-4A5E-96F9-C3FE50E596F5}">
+      <dgm:prSet/>
+      <dgm:spPr/>
+      <dgm:t>
+        <a:bodyPr/>
+        <a:lstStyle/>
+        <a:p>
+          <a:endParaRPr lang="pt-BR"/>
+        </a:p>
+      </dgm:t>
+    </dgm:pt>
+    <dgm:pt modelId="{0F73E91A-24E8-44FC-8282-F39E528AC837}">
+      <dgm:prSet phldrT="[Texto]" custT="1">
+        <dgm:style>
+          <a:lnRef idx="2">
+            <a:schemeClr val="accent1"/>
+          </a:lnRef>
+          <a:fillRef idx="1">
+            <a:schemeClr val="lt1"/>
+          </a:fillRef>
+          <a:effectRef idx="0">
+            <a:schemeClr val="accent1"/>
+          </a:effectRef>
+          <a:fontRef idx="minor">
+            <a:schemeClr val="dk1"/>
+          </a:fontRef>
+        </dgm:style>
+      </dgm:prSet>
+      <dgm:spPr/>
+      <dgm:t>
+        <a:bodyPr/>
+        <a:lstStyle/>
+        <a:p>
+          <a:pPr algn="l"/>
+          <a:endParaRPr lang="pt-BR" sz="1400" b="1" dirty="0"/>
+        </a:p>
+      </dgm:t>
+    </dgm:pt>
+    <dgm:pt modelId="{C1AA1994-3B2F-47C9-8F5B-A08CE6A5D095}" type="parTrans" cxnId="{22BA4952-EA9D-42A7-ABA5-EAD0B5F9B167}">
+      <dgm:prSet/>
+      <dgm:spPr/>
+      <dgm:t>
+        <a:bodyPr/>
+        <a:lstStyle/>
+        <a:p>
+          <a:endParaRPr lang="pt-BR"/>
+        </a:p>
+      </dgm:t>
+    </dgm:pt>
+    <dgm:pt modelId="{F93555B6-77A8-4728-91CF-7AF5B0C7EE62}" type="sibTrans" cxnId="{22BA4952-EA9D-42A7-ABA5-EAD0B5F9B167}">
+      <dgm:prSet/>
+      <dgm:spPr/>
+      <dgm:t>
+        <a:bodyPr/>
+        <a:lstStyle/>
+        <a:p>
+          <a:endParaRPr lang="pt-BR"/>
+        </a:p>
+      </dgm:t>
+    </dgm:pt>
+    <dgm:pt modelId="{F9D38618-21A9-472D-92B4-2079A7013EA4}">
+      <dgm:prSet phldrT="[Texto]" custT="1">
+        <dgm:style>
+          <a:lnRef idx="2">
+            <a:schemeClr val="accent1"/>
+          </a:lnRef>
+          <a:fillRef idx="1">
+            <a:schemeClr val="lt1"/>
+          </a:fillRef>
+          <a:effectRef idx="0">
+            <a:schemeClr val="accent1"/>
+          </a:effectRef>
+          <a:fontRef idx="minor">
+            <a:schemeClr val="dk1"/>
+          </a:fontRef>
+        </dgm:style>
+      </dgm:prSet>
+      <dgm:spPr/>
+      <dgm:t>
+        <a:bodyPr/>
+        <a:lstStyle/>
+        <a:p>
+          <a:endParaRPr lang="pt-BR" sz="1400" b="1" dirty="0"/>
+        </a:p>
+      </dgm:t>
+    </dgm:pt>
+    <dgm:pt modelId="{181E5304-5E89-4CE3-A1FA-1A4445AF15C8}" type="parTrans" cxnId="{9DB33BD0-4DBA-4C3F-846F-F2711FE0E6BD}">
+      <dgm:prSet/>
+      <dgm:spPr/>
+      <dgm:t>
+        <a:bodyPr/>
+        <a:lstStyle/>
+        <a:p>
+          <a:endParaRPr lang="pt-BR"/>
+        </a:p>
+      </dgm:t>
+    </dgm:pt>
+    <dgm:pt modelId="{DEBEAAE4-E6F2-4848-9079-BE40B31BACCD}" type="sibTrans" cxnId="{9DB33BD0-4DBA-4C3F-846F-F2711FE0E6BD}">
+      <dgm:prSet/>
+      <dgm:spPr/>
+      <dgm:t>
+        <a:bodyPr/>
+        <a:lstStyle/>
+        <a:p>
+          <a:endParaRPr lang="pt-BR"/>
+        </a:p>
+      </dgm:t>
+    </dgm:pt>
+    <dgm:pt modelId="{59BF4FD9-4BF0-450F-A924-D7283EA0A3C2}">
+      <dgm:prSet phldrT="[Texto]" custT="1">
+        <dgm:style>
+          <a:lnRef idx="2">
+            <a:schemeClr val="accent1"/>
+          </a:lnRef>
+          <a:fillRef idx="1">
+            <a:schemeClr val="lt1"/>
+          </a:fillRef>
+          <a:effectRef idx="0">
+            <a:schemeClr val="accent1"/>
+          </a:effectRef>
+          <a:fontRef idx="minor">
+            <a:schemeClr val="dk1"/>
+          </a:fontRef>
+        </dgm:style>
+      </dgm:prSet>
+      <dgm:spPr/>
+      <dgm:t>
+        <a:bodyPr/>
+        <a:lstStyle/>
+        <a:p>
+          <a:pPr algn="l"/>
+          <a:endParaRPr lang="pt-BR" sz="1400" b="1" dirty="0"/>
+        </a:p>
+      </dgm:t>
+    </dgm:pt>
+    <dgm:pt modelId="{8761CF33-9B88-4BC0-8A8D-8E4B646981F2}" type="parTrans" cxnId="{4B0F930D-EE14-4620-9947-895E9A1529BF}">
+      <dgm:prSet/>
+      <dgm:spPr/>
+      <dgm:t>
+        <a:bodyPr/>
+        <a:lstStyle/>
+        <a:p>
+          <a:endParaRPr lang="pt-BR"/>
+        </a:p>
+      </dgm:t>
+    </dgm:pt>
+    <dgm:pt modelId="{9F8163B5-F294-45D7-AEAF-EA88EBB3B6A3}" type="sibTrans" cxnId="{4B0F930D-EE14-4620-9947-895E9A1529BF}">
+      <dgm:prSet/>
+      <dgm:spPr/>
+      <dgm:t>
+        <a:bodyPr/>
+        <a:lstStyle/>
+        <a:p>
+          <a:endParaRPr lang="pt-BR"/>
+        </a:p>
+      </dgm:t>
+    </dgm:pt>
+    <dgm:pt modelId="{0F3E3240-049E-4C85-83B0-4A38B3BAD305}">
+      <dgm:prSet phldrT="[Texto]" custT="1">
+        <dgm:style>
+          <a:lnRef idx="2">
+            <a:schemeClr val="accent1"/>
+          </a:lnRef>
+          <a:fillRef idx="1">
+            <a:schemeClr val="lt1"/>
+          </a:fillRef>
+          <a:effectRef idx="0">
+            <a:schemeClr val="accent1"/>
+          </a:effectRef>
+          <a:fontRef idx="minor">
+            <a:schemeClr val="dk1"/>
+          </a:fontRef>
+        </dgm:style>
+      </dgm:prSet>
+      <dgm:spPr/>
+      <dgm:t>
+        <a:bodyPr/>
+        <a:lstStyle/>
+        <a:p>
+          <a:endParaRPr lang="pt-BR" sz="1400" b="1" dirty="0"/>
+        </a:p>
+      </dgm:t>
+    </dgm:pt>
+    <dgm:pt modelId="{500CBC5A-72EC-4F1F-8BD7-22D81C693AA8}" type="parTrans" cxnId="{E5B78FEC-B1D9-4EC3-A03E-DD89AE2D8BBB}">
+      <dgm:prSet/>
+      <dgm:spPr/>
+      <dgm:t>
+        <a:bodyPr/>
+        <a:lstStyle/>
+        <a:p>
+          <a:endParaRPr lang="pt-BR"/>
+        </a:p>
+      </dgm:t>
+    </dgm:pt>
+    <dgm:pt modelId="{6817EB24-D370-4C5E-ABB4-525C433C69F0}" type="sibTrans" cxnId="{E5B78FEC-B1D9-4EC3-A03E-DD89AE2D8BBB}">
+      <dgm:prSet/>
+      <dgm:spPr/>
+      <dgm:t>
+        <a:bodyPr/>
+        <a:lstStyle/>
+        <a:p>
+          <a:endParaRPr lang="pt-BR"/>
+        </a:p>
+      </dgm:t>
+    </dgm:pt>
+    <dgm:pt modelId="{C5FC6C3C-ED92-4431-9B44-CD976E59FF5E}">
+      <dgm:prSet phldrT="[Texto]" custT="1">
+        <dgm:style>
+          <a:lnRef idx="2">
+            <a:schemeClr val="accent1"/>
+          </a:lnRef>
+          <a:fillRef idx="1">
+            <a:schemeClr val="lt1"/>
+          </a:fillRef>
+          <a:effectRef idx="0">
+            <a:schemeClr val="accent1"/>
+          </a:effectRef>
+          <a:fontRef idx="minor">
+            <a:schemeClr val="dk1"/>
+          </a:fontRef>
+        </dgm:style>
+      </dgm:prSet>
+      <dgm:spPr/>
+      <dgm:t>
+        <a:bodyPr/>
+        <a:lstStyle/>
+        <a:p>
+          <a:r>
+            <a:rPr lang="pt-BR" sz="1400" b="1" dirty="0" smtClean="0"/>
+            <a:t>Interação entre grupos</a:t>
+          </a:r>
+          <a:endParaRPr lang="pt-BR" sz="1400" b="1" dirty="0"/>
+        </a:p>
+      </dgm:t>
+    </dgm:pt>
+    <dgm:pt modelId="{AE0E9CC2-5345-4F36-A90C-AD2752E7E9E6}" type="parTrans" cxnId="{C8252A43-F89B-4ED8-9407-8C4E3235C497}">
+      <dgm:prSet/>
+      <dgm:spPr/>
+      <dgm:t>
+        <a:bodyPr/>
+        <a:lstStyle/>
+        <a:p>
+          <a:endParaRPr lang="pt-BR"/>
+        </a:p>
+      </dgm:t>
+    </dgm:pt>
+    <dgm:pt modelId="{28F32126-D00F-495F-BE9C-85E968D4121F}" type="sibTrans" cxnId="{C8252A43-F89B-4ED8-9407-8C4E3235C497}">
+      <dgm:prSet/>
+      <dgm:spPr/>
+      <dgm:t>
+        <a:bodyPr/>
+        <a:lstStyle/>
+        <a:p>
+          <a:endParaRPr lang="pt-BR"/>
+        </a:p>
+      </dgm:t>
+    </dgm:pt>
+    <dgm:pt modelId="{A7D226C9-5E92-4FD2-9426-D029994EEFDC}">
+      <dgm:prSet phldrT="[Texto]" custT="1">
+        <dgm:style>
+          <a:lnRef idx="2">
+            <a:schemeClr val="accent1"/>
+          </a:lnRef>
+          <a:fillRef idx="1">
+            <a:schemeClr val="lt1"/>
+          </a:fillRef>
+          <a:effectRef idx="0">
+            <a:schemeClr val="accent1"/>
+          </a:effectRef>
+          <a:fontRef idx="minor">
+            <a:schemeClr val="dk1"/>
+          </a:fontRef>
+        </dgm:style>
+      </dgm:prSet>
+      <dgm:spPr/>
+      <dgm:t>
+        <a:bodyPr/>
+        <a:lstStyle/>
+        <a:p>
+          <a:endParaRPr lang="pt-BR" sz="1400" b="1" dirty="0"/>
+        </a:p>
+      </dgm:t>
+    </dgm:pt>
+    <dgm:pt modelId="{416E4625-0C19-49C1-9768-BDBCCA30B93C}" type="parTrans" cxnId="{95E1E2D3-B64B-4AEA-BF04-D1CA2E013D44}">
+      <dgm:prSet/>
+      <dgm:spPr/>
+      <dgm:t>
+        <a:bodyPr/>
+        <a:lstStyle/>
+        <a:p>
+          <a:endParaRPr lang="pt-BR"/>
+        </a:p>
+      </dgm:t>
+    </dgm:pt>
+    <dgm:pt modelId="{618C3FCC-A047-4A59-B8AE-EB8EEF617890}" type="sibTrans" cxnId="{95E1E2D3-B64B-4AEA-BF04-D1CA2E013D44}">
+      <dgm:prSet/>
+      <dgm:spPr/>
+      <dgm:t>
+        <a:bodyPr/>
+        <a:lstStyle/>
+        <a:p>
+          <a:endParaRPr lang="pt-BR"/>
+        </a:p>
+      </dgm:t>
+    </dgm:pt>
+    <dgm:pt modelId="{30BC9797-C8E3-4728-AA34-A33AFEAA692E}">
+      <dgm:prSet phldrT="[Texto]" custT="1">
+        <dgm:style>
+          <a:lnRef idx="2">
+            <a:schemeClr val="accent1"/>
+          </a:lnRef>
+          <a:fillRef idx="1">
+            <a:schemeClr val="lt1"/>
+          </a:fillRef>
+          <a:effectRef idx="0">
+            <a:schemeClr val="accent1"/>
+          </a:effectRef>
+          <a:fontRef idx="minor">
+            <a:schemeClr val="dk1"/>
+          </a:fontRef>
+        </dgm:style>
+      </dgm:prSet>
+      <dgm:spPr/>
+      <dgm:t>
+        <a:bodyPr/>
+        <a:lstStyle/>
+        <a:p>
+          <a:endParaRPr lang="pt-BR" sz="1800" b="1" dirty="0"/>
+        </a:p>
+      </dgm:t>
+    </dgm:pt>
+    <dgm:pt modelId="{054B1F8E-E9AC-4A78-BB16-7D8497700B75}" type="sibTrans" cxnId="{D0D17C37-7497-44FA-8908-85838A8EB613}">
+      <dgm:prSet/>
+      <dgm:spPr/>
+      <dgm:t>
+        <a:bodyPr/>
+        <a:lstStyle/>
+        <a:p>
+          <a:endParaRPr lang="pt-BR"/>
+        </a:p>
+      </dgm:t>
+    </dgm:pt>
+    <dgm:pt modelId="{22B7AA6B-9EFA-4D2B-9167-284C1AC4B3BE}" type="parTrans" cxnId="{D0D17C37-7497-44FA-8908-85838A8EB613}">
       <dgm:prSet/>
       <dgm:spPr/>
       <dgm:t>
@@ -5792,17 +6287,31 @@
         <a:lstStyle/>
         <a:p>
           <a:pPr algn="l"/>
-          <a:endParaRPr lang="pt-BR" sz="1800" b="1" dirty="0"/>
+          <a:endParaRPr lang="pt-BR" sz="1400" b="1" dirty="0"/>
+        </a:p>
+      </dgm:t>
+    </dgm:pt>
+    <dgm:pt modelId="{1A383F36-FE35-43F6-9A56-87C1C2601885}" type="sibTrans" cxnId="{7A1F2110-9C05-4201-A75F-73284CDE0F86}">
+      <dgm:prSet/>
+      <dgm:spPr/>
+      <dgm:t>
+        <a:bodyPr/>
+        <a:lstStyle/>
+        <a:p>
+          <a:endParaRPr lang="pt-BR"/>
         </a:p>
       </dgm:t>
     </dgm:pt>
     <dgm:pt modelId="{4015142C-E082-4615-B7AB-FB0D2987A9AC}" type="parTrans" cxnId="{7A1F2110-9C05-4201-A75F-73284CDE0F86}">
       <dgm:prSet/>
       <dgm:spPr/>
-    </dgm:pt>
-    <dgm:pt modelId="{1A383F36-FE35-43F6-9A56-87C1C2601885}" type="sibTrans" cxnId="{7A1F2110-9C05-4201-A75F-73284CDE0F86}">
-      <dgm:prSet/>
-      <dgm:spPr/>
+      <dgm:t>
+        <a:bodyPr/>
+        <a:lstStyle/>
+        <a:p>
+          <a:endParaRPr lang="pt-BR"/>
+        </a:p>
+      </dgm:t>
     </dgm:pt>
     <dgm:pt modelId="{BCDBC707-4A93-4D55-A61A-79732B703027}" type="pres">
       <dgm:prSet presAssocID="{E253E697-B0C3-42D4-81FD-D3ABCA72938E}" presName="linearFlow" presStyleCnt="0">
@@ -5854,7 +6363,7 @@
       </dgm:t>
     </dgm:pt>
     <dgm:pt modelId="{A64C8272-FC1A-4572-A0B1-A3C36EACD2B6}" type="pres">
-      <dgm:prSet presAssocID="{4BA36FF7-0F0F-4341-A68C-01E8516603CD}" presName="desTx" presStyleLbl="fgAcc1" presStyleIdx="0" presStyleCnt="3">
+      <dgm:prSet presAssocID="{4BA36FF7-0F0F-4341-A68C-01E8516603CD}" presName="desTx" presStyleLbl="fgAcc1" presStyleIdx="0" presStyleCnt="3" custScaleX="164686" custScaleY="39969" custLinFactNeighborX="11056" custLinFactNeighborY="364">
         <dgm:presLayoutVars>
           <dgm:bulletEnabled val="1"/>
         </dgm:presLayoutVars>
@@ -5869,7 +6378,7 @@
       </dgm:t>
     </dgm:pt>
     <dgm:pt modelId="{330F8E89-32DF-4BC4-AED2-91D2D7CB94C5}" type="pres">
-      <dgm:prSet presAssocID="{579997AD-FA9A-4915-A323-8F17CA09514B}" presName="sibTrans" presStyleLbl="sibTrans2D1" presStyleIdx="0" presStyleCnt="2"/>
+      <dgm:prSet presAssocID="{579997AD-FA9A-4915-A323-8F17CA09514B}" presName="sibTrans" presStyleLbl="sibTrans2D1" presStyleIdx="0" presStyleCnt="2" custScaleX="147442" custScaleY="201821"/>
       <dgm:spPr/>
       <dgm:t>
         <a:bodyPr/>
@@ -5912,7 +6421,7 @@
       </dgm:t>
     </dgm:pt>
     <dgm:pt modelId="{D6C82472-F7A1-44F8-BE16-C0E2E40E0D6B}" type="pres">
-      <dgm:prSet presAssocID="{140DB818-E071-4B39-BEDA-37F84C79FBA2}" presName="parSh" presStyleLbl="node1" presStyleIdx="1" presStyleCnt="3"/>
+      <dgm:prSet presAssocID="{140DB818-E071-4B39-BEDA-37F84C79FBA2}" presName="parSh" presStyleLbl="node1" presStyleIdx="1" presStyleCnt="3" custScaleX="107759"/>
       <dgm:spPr/>
       <dgm:t>
         <a:bodyPr/>
@@ -5923,7 +6432,7 @@
       </dgm:t>
     </dgm:pt>
     <dgm:pt modelId="{3E47BC9E-87C0-4D93-83F4-A810B62AEF07}" type="pres">
-      <dgm:prSet presAssocID="{140DB818-E071-4B39-BEDA-37F84C79FBA2}" presName="desTx" presStyleLbl="fgAcc1" presStyleIdx="1" presStyleCnt="3">
+      <dgm:prSet presAssocID="{140DB818-E071-4B39-BEDA-37F84C79FBA2}" presName="desTx" presStyleLbl="fgAcc1" presStyleIdx="1" presStyleCnt="3" custScaleX="156074" custScaleY="39876" custLinFactNeighborX="3151" custLinFactNeighborY="273">
         <dgm:presLayoutVars>
           <dgm:bulletEnabled val="1"/>
         </dgm:presLayoutVars>
@@ -5938,7 +6447,7 @@
       </dgm:t>
     </dgm:pt>
     <dgm:pt modelId="{1390A124-BEDA-4A49-9B1B-0ED2FB571A6C}" type="pres">
-      <dgm:prSet presAssocID="{AAA7816F-0D18-434B-AF27-E1709A042EA5}" presName="sibTrans" presStyleLbl="sibTrans2D1" presStyleIdx="1" presStyleCnt="2"/>
+      <dgm:prSet presAssocID="{AAA7816F-0D18-434B-AF27-E1709A042EA5}" presName="sibTrans" presStyleLbl="sibTrans2D1" presStyleIdx="1" presStyleCnt="2" custScaleX="161748" custScaleY="200726"/>
       <dgm:spPr/>
       <dgm:t>
         <a:bodyPr/>
@@ -5992,7 +6501,7 @@
       </dgm:t>
     </dgm:pt>
     <dgm:pt modelId="{1993AEF3-68C8-4F83-9F1E-D1B7B5B4963C}" type="pres">
-      <dgm:prSet presAssocID="{AD7A2D0A-69C1-40D4-AC3C-50ACA39C45C1}" presName="desTx" presStyleLbl="fgAcc1" presStyleIdx="2" presStyleCnt="3">
+      <dgm:prSet presAssocID="{AD7A2D0A-69C1-40D4-AC3C-50ACA39C45C1}" presName="desTx" presStyleLbl="fgAcc1" presStyleIdx="2" presStyleCnt="3" custScaleX="142588" custScaleY="39578">
         <dgm:presLayoutVars>
           <dgm:bulletEnabled val="1"/>
         </dgm:presLayoutVars>
@@ -6008,28 +6517,48 @@
     </dgm:pt>
   </dgm:ptLst>
   <dgm:cxnLst>
+    <dgm:cxn modelId="{22BA4952-EA9D-42A7-ABA5-EAD0B5F9B167}" srcId="{4BA36FF7-0F0F-4341-A68C-01E8516603CD}" destId="{0F73E91A-24E8-44FC-8282-F39E528AC837}" srcOrd="3" destOrd="0" parTransId="{C1AA1994-3B2F-47C9-8F5B-A08CE6A5D095}" sibTransId="{F93555B6-77A8-4728-91CF-7AF5B0C7EE62}"/>
+    <dgm:cxn modelId="{82215399-8FEF-435E-B12E-B0BBF6350A2D}" srcId="{140DB818-E071-4B39-BEDA-37F84C79FBA2}" destId="{57884B04-88D4-4FB2-8678-5199DF429E6F}" srcOrd="0" destOrd="0" parTransId="{C4B27B1D-C2E0-4804-B643-F031B63B66D3}" sibTransId="{B8942B1F-0DA1-4630-8D8B-34A3B43C11D5}"/>
+    <dgm:cxn modelId="{9C9CCD84-152C-4BF0-AE56-02A77DCE9308}" type="presOf" srcId="{AD7A2D0A-69C1-40D4-AC3C-50ACA39C45C1}" destId="{944B484B-F688-4CFA-A4FB-08B237CA5903}" srcOrd="1" destOrd="0" presId="urn:microsoft.com/office/officeart/2005/8/layout/process3"/>
+    <dgm:cxn modelId="{BB53AC73-5473-4487-A280-CC415E72C20C}" srcId="{E253E697-B0C3-42D4-81FD-D3ABCA72938E}" destId="{140DB818-E071-4B39-BEDA-37F84C79FBA2}" srcOrd="1" destOrd="0" parTransId="{5D492640-F330-4177-9F25-0C2545064803}" sibTransId="{AAA7816F-0D18-434B-AF27-E1709A042EA5}"/>
+    <dgm:cxn modelId="{95E1E2D3-B64B-4AEA-BF04-D1CA2E013D44}" srcId="{AD7A2D0A-69C1-40D4-AC3C-50ACA39C45C1}" destId="{A7D226C9-5E92-4FD2-9426-D029994EEFDC}" srcOrd="3" destOrd="0" parTransId="{416E4625-0C19-49C1-9768-BDBCCA30B93C}" sibTransId="{618C3FCC-A047-4A59-B8AE-EB8EEF617890}"/>
+    <dgm:cxn modelId="{5A2ECE84-5973-469B-B8D7-72377C33E035}" type="presOf" srcId="{AAA7816F-0D18-434B-AF27-E1709A042EA5}" destId="{1390A124-BEDA-4A49-9B1B-0ED2FB571A6C}" srcOrd="0" destOrd="0" presId="urn:microsoft.com/office/officeart/2005/8/layout/process3"/>
+    <dgm:cxn modelId="{021B0986-616E-47A6-BC20-5C2A8AA71A81}" type="presOf" srcId="{E253E697-B0C3-42D4-81FD-D3ABCA72938E}" destId="{BCDBC707-4A93-4D55-A61A-79732B703027}" srcOrd="0" destOrd="0" presId="urn:microsoft.com/office/officeart/2005/8/layout/process3"/>
+    <dgm:cxn modelId="{4B0F930D-EE14-4620-9947-895E9A1529BF}" srcId="{4BA36FF7-0F0F-4341-A68C-01E8516603CD}" destId="{59BF4FD9-4BF0-450F-A924-D7283EA0A3C2}" srcOrd="1" destOrd="0" parTransId="{8761CF33-9B88-4BC0-8A8D-8E4B646981F2}" sibTransId="{9F8163B5-F294-45D7-AEAF-EA88EBB3B6A3}"/>
+    <dgm:cxn modelId="{70E001FD-178A-4D81-BB4B-147BB392D9CB}" type="presOf" srcId="{A7D226C9-5E92-4FD2-9426-D029994EEFDC}" destId="{1993AEF3-68C8-4F83-9F1E-D1B7B5B4963C}" srcOrd="0" destOrd="3" presId="urn:microsoft.com/office/officeart/2005/8/layout/process3"/>
+    <dgm:cxn modelId="{E3287FDC-8A55-45DA-AEE5-89AB63B59CE0}" srcId="{AD7A2D0A-69C1-40D4-AC3C-50ACA39C45C1}" destId="{EAE6F129-AF20-489F-B448-BFE264B615C1}" srcOrd="2" destOrd="0" parTransId="{C0D5B7C3-AA00-473E-8E71-2FD79A462FEE}" sibTransId="{401713F0-76B5-43A2-A4F5-305F4CA21957}"/>
+    <dgm:cxn modelId="{605658C6-069A-4135-B3FB-B8571120DFAF}" type="presOf" srcId="{4BA36FF7-0F0F-4341-A68C-01E8516603CD}" destId="{DADC7395-583C-4FD5-8691-3342B823E6CA}" srcOrd="1" destOrd="0" presId="urn:microsoft.com/office/officeart/2005/8/layout/process3"/>
+    <dgm:cxn modelId="{7DDFCDF5-FB4B-4B56-AB28-D717E8E38C18}" type="presOf" srcId="{AAA7816F-0D18-434B-AF27-E1709A042EA5}" destId="{A890346F-3222-4081-BF76-FED6671C2558}" srcOrd="1" destOrd="0" presId="urn:microsoft.com/office/officeart/2005/8/layout/process3"/>
+    <dgm:cxn modelId="{B365E08F-B81F-401D-9E99-497F8A61C238}" type="presOf" srcId="{C5FC6C3C-ED92-4431-9B44-CD976E59FF5E}" destId="{1993AEF3-68C8-4F83-9F1E-D1B7B5B4963C}" srcOrd="0" destOrd="4" presId="urn:microsoft.com/office/officeart/2005/8/layout/process3"/>
+    <dgm:cxn modelId="{F0F7D5BF-9EC9-43ED-84F4-D150E7AD87DD}" type="presOf" srcId="{F9D38618-21A9-472D-92B4-2079A7013EA4}" destId="{3E47BC9E-87C0-4D93-83F4-A810B62AEF07}" srcOrd="0" destOrd="1" presId="urn:microsoft.com/office/officeart/2005/8/layout/process3"/>
+    <dgm:cxn modelId="{7A1F2110-9C05-4201-A75F-73284CDE0F86}" srcId="{4BA36FF7-0F0F-4341-A68C-01E8516603CD}" destId="{AB2E5A07-628C-4E92-90B5-D0FC29CDD9C7}" srcOrd="4" destOrd="0" parTransId="{4015142C-E082-4615-B7AB-FB0D2987A9AC}" sibTransId="{1A383F36-FE35-43F6-9A56-87C1C2601885}"/>
+    <dgm:cxn modelId="{2E04EE15-0EFD-4A5E-96F9-C3FE50E596F5}" srcId="{4BA36FF7-0F0F-4341-A68C-01E8516603CD}" destId="{835444D0-9403-488B-8CF6-1BA423F14FF4}" srcOrd="2" destOrd="0" parTransId="{C29ED5FF-29B9-4D55-9C15-3D427BB84784}" sibTransId="{F0580B45-2587-4095-A289-2D6D62D7D0E2}"/>
+    <dgm:cxn modelId="{1BD557F6-3147-4A3E-96E1-8774CC36B89A}" srcId="{E253E697-B0C3-42D4-81FD-D3ABCA72938E}" destId="{AD7A2D0A-69C1-40D4-AC3C-50ACA39C45C1}" srcOrd="2" destOrd="0" parTransId="{B65DA3CC-30DF-4011-97FD-91E67EF19982}" sibTransId="{D8E3431A-1020-45BC-A3A1-D9601A2EED84}"/>
+    <dgm:cxn modelId="{D95A37CA-F51F-4A08-8D0B-184665F642AA}" type="presOf" srcId="{579997AD-FA9A-4915-A323-8F17CA09514B}" destId="{330F8E89-32DF-4BC4-AED2-91D2D7CB94C5}" srcOrd="0" destOrd="0" presId="urn:microsoft.com/office/officeart/2005/8/layout/process3"/>
+    <dgm:cxn modelId="{3B833AF1-554A-4115-83EE-25F9C4E2AEFD}" type="presOf" srcId="{B2D64904-4778-414A-935C-AFC992C15E50}" destId="{A64C8272-FC1A-4572-A0B1-A3C36EACD2B6}" srcOrd="0" destOrd="0" presId="urn:microsoft.com/office/officeart/2005/8/layout/process3"/>
+    <dgm:cxn modelId="{13DDD5AB-9265-4DB2-9E66-512CAA799786}" srcId="{E253E697-B0C3-42D4-81FD-D3ABCA72938E}" destId="{4BA36FF7-0F0F-4341-A68C-01E8516603CD}" srcOrd="0" destOrd="0" parTransId="{9FBCD112-267C-4316-B4DD-D2608637A18B}" sibTransId="{579997AD-FA9A-4915-A323-8F17CA09514B}"/>
+    <dgm:cxn modelId="{C8252A43-F89B-4ED8-9407-8C4E3235C497}" srcId="{AD7A2D0A-69C1-40D4-AC3C-50ACA39C45C1}" destId="{C5FC6C3C-ED92-4431-9B44-CD976E59FF5E}" srcOrd="4" destOrd="0" parTransId="{AE0E9CC2-5345-4F36-A90C-AD2752E7E9E6}" sibTransId="{28F32126-D00F-495F-BE9C-85E968D4121F}"/>
+    <dgm:cxn modelId="{99730F66-1996-4851-98CF-04F6604FC848}" type="presOf" srcId="{30BC9797-C8E3-4728-AA34-A33AFEAA692E}" destId="{3E47BC9E-87C0-4D93-83F4-A810B62AEF07}" srcOrd="0" destOrd="3" presId="urn:microsoft.com/office/officeart/2005/8/layout/process3"/>
+    <dgm:cxn modelId="{DEDC3CF2-2819-42A2-BCCA-5AD74688BCE7}" type="presOf" srcId="{EAE6F129-AF20-489F-B448-BFE264B615C1}" destId="{1993AEF3-68C8-4F83-9F1E-D1B7B5B4963C}" srcOrd="0" destOrd="2" presId="urn:microsoft.com/office/officeart/2005/8/layout/process3"/>
+    <dgm:cxn modelId="{2458B5BE-C8FA-424E-82B1-59249C8FD969}" type="presOf" srcId="{59BF4FD9-4BF0-450F-A924-D7283EA0A3C2}" destId="{A64C8272-FC1A-4572-A0B1-A3C36EACD2B6}" srcOrd="0" destOrd="1" presId="urn:microsoft.com/office/officeart/2005/8/layout/process3"/>
+    <dgm:cxn modelId="{5DDCBCED-AD9D-443E-B390-A89DFC1C749F}" type="presOf" srcId="{140DB818-E071-4B39-BEDA-37F84C79FBA2}" destId="{184053F0-8034-496C-9823-B7D238D8DC93}" srcOrd="0" destOrd="0" presId="urn:microsoft.com/office/officeart/2005/8/layout/process3"/>
+    <dgm:cxn modelId="{9DB33BD0-4DBA-4C3F-846F-F2711FE0E6BD}" srcId="{140DB818-E071-4B39-BEDA-37F84C79FBA2}" destId="{F9D38618-21A9-472D-92B4-2079A7013EA4}" srcOrd="1" destOrd="0" parTransId="{181E5304-5E89-4CE3-A1FA-1A4445AF15C8}" sibTransId="{DEBEAAE4-E6F2-4848-9079-BE40B31BACCD}"/>
+    <dgm:cxn modelId="{1797C3E7-363E-4D4F-BF7B-E725B7DA6E80}" type="presOf" srcId="{579997AD-FA9A-4915-A323-8F17CA09514B}" destId="{E703F4C6-A0E0-49AD-9FAC-F47DD1F01258}" srcOrd="1" destOrd="0" presId="urn:microsoft.com/office/officeart/2005/8/layout/process3"/>
+    <dgm:cxn modelId="{9BA353C9-342D-4AC1-B18F-375E8BA8C074}" type="presOf" srcId="{2CABE3B6-2EEA-4A99-BBE7-085383B9725D}" destId="{3E47BC9E-87C0-4D93-83F4-A810B62AEF07}" srcOrd="0" destOrd="2" presId="urn:microsoft.com/office/officeart/2005/8/layout/process3"/>
+    <dgm:cxn modelId="{D0D17C37-7497-44FA-8908-85838A8EB613}" srcId="{140DB818-E071-4B39-BEDA-37F84C79FBA2}" destId="{30BC9797-C8E3-4728-AA34-A33AFEAA692E}" srcOrd="3" destOrd="0" parTransId="{22B7AA6B-9EFA-4D2B-9167-284C1AC4B3BE}" sibTransId="{054B1F8E-E9AC-4A78-BB16-7D8497700B75}"/>
+    <dgm:cxn modelId="{E6108260-E385-432B-A806-C31C8E849437}" srcId="{4BA36FF7-0F0F-4341-A68C-01E8516603CD}" destId="{B2D64904-4778-414A-935C-AFC992C15E50}" srcOrd="0" destOrd="0" parTransId="{3886B039-ED5A-4C35-9224-7296F3AB00E8}" sibTransId="{F27A2EE6-AA94-4404-920A-4FEA4A59E153}"/>
+    <dgm:cxn modelId="{9C28426E-782A-4827-A1AF-DF19DEE0E663}" srcId="{140DB818-E071-4B39-BEDA-37F84C79FBA2}" destId="{2CABE3B6-2EEA-4A99-BBE7-085383B9725D}" srcOrd="2" destOrd="0" parTransId="{E50B1FFE-B27A-488D-9E1C-753288103707}" sibTransId="{4AC18B29-D66A-4290-B0B1-638894B89790}"/>
+    <dgm:cxn modelId="{E22A4332-4F38-4397-A0CA-E07AB4FDA400}" type="presOf" srcId="{AD7A2D0A-69C1-40D4-AC3C-50ACA39C45C1}" destId="{EA7354A6-04B1-4A5C-BE93-3D503C066108}" srcOrd="0" destOrd="0" presId="urn:microsoft.com/office/officeart/2005/8/layout/process3"/>
+    <dgm:cxn modelId="{E5B78FEC-B1D9-4EC3-A03E-DD89AE2D8BBB}" srcId="{AD7A2D0A-69C1-40D4-AC3C-50ACA39C45C1}" destId="{0F3E3240-049E-4C85-83B0-4A38B3BAD305}" srcOrd="1" destOrd="0" parTransId="{500CBC5A-72EC-4F1F-8BD7-22D81C693AA8}" sibTransId="{6817EB24-D370-4C5E-ABB4-525C433C69F0}"/>
+    <dgm:cxn modelId="{3E2D5840-5BEF-43B9-949A-04752B46AD4F}" type="presOf" srcId="{0F73E91A-24E8-44FC-8282-F39E528AC837}" destId="{A64C8272-FC1A-4572-A0B1-A3C36EACD2B6}" srcOrd="0" destOrd="3" presId="urn:microsoft.com/office/officeart/2005/8/layout/process3"/>
+    <dgm:cxn modelId="{7F41E571-0B1D-42DB-A0D6-32AC8948638C}" type="presOf" srcId="{AB2E5A07-628C-4E92-90B5-D0FC29CDD9C7}" destId="{A64C8272-FC1A-4572-A0B1-A3C36EACD2B6}" srcOrd="0" destOrd="4" presId="urn:microsoft.com/office/officeart/2005/8/layout/process3"/>
+    <dgm:cxn modelId="{9F5BFA76-CC6B-4880-BD6E-7917A3B8011E}" type="presOf" srcId="{0F3E3240-049E-4C85-83B0-4A38B3BAD305}" destId="{1993AEF3-68C8-4F83-9F1E-D1B7B5B4963C}" srcOrd="0" destOrd="1" presId="urn:microsoft.com/office/officeart/2005/8/layout/process3"/>
+    <dgm:cxn modelId="{56B5A9B6-E058-4348-883F-BE413F7AEF39}" type="presOf" srcId="{835444D0-9403-488B-8CF6-1BA423F14FF4}" destId="{A64C8272-FC1A-4572-A0B1-A3C36EACD2B6}" srcOrd="0" destOrd="2" presId="urn:microsoft.com/office/officeart/2005/8/layout/process3"/>
+    <dgm:cxn modelId="{AE01CECD-7460-4EE6-9855-462A6BAC54CD}" type="presOf" srcId="{21736AD5-ED16-41EE-9520-03DEC94C9DD9}" destId="{1993AEF3-68C8-4F83-9F1E-D1B7B5B4963C}" srcOrd="0" destOrd="0" presId="urn:microsoft.com/office/officeart/2005/8/layout/process3"/>
+    <dgm:cxn modelId="{625B97B1-48B9-4F79-AD12-9E967C7E5D25}" type="presOf" srcId="{57884B04-88D4-4FB2-8678-5199DF429E6F}" destId="{3E47BC9E-87C0-4D93-83F4-A810B62AEF07}" srcOrd="0" destOrd="0" presId="urn:microsoft.com/office/officeart/2005/8/layout/process3"/>
+    <dgm:cxn modelId="{D1284BD6-E3DA-48A8-BFF9-25C5710CED70}" type="presOf" srcId="{4BA36FF7-0F0F-4341-A68C-01E8516603CD}" destId="{209FD6B3-0ECB-4203-B962-7559934405BD}" srcOrd="0" destOrd="0" presId="urn:microsoft.com/office/officeart/2005/8/layout/process3"/>
+    <dgm:cxn modelId="{33D1B9A7-E56C-4778-97FB-A5B130BCA5C0}" srcId="{AD7A2D0A-69C1-40D4-AC3C-50ACA39C45C1}" destId="{21736AD5-ED16-41EE-9520-03DEC94C9DD9}" srcOrd="0" destOrd="0" parTransId="{9CB51E30-49E4-4E36-942B-179B5A0EC94C}" sibTransId="{DFDDDFD5-3525-4DBC-A81D-34093C1E23BA}"/>
     <dgm:cxn modelId="{C288C32A-3227-4782-B852-198321A78827}" type="presOf" srcId="{140DB818-E071-4B39-BEDA-37F84C79FBA2}" destId="{D6C82472-F7A1-44F8-BE16-C0E2E40E0D6B}" srcOrd="1" destOrd="0" presId="urn:microsoft.com/office/officeart/2005/8/layout/process3"/>
-    <dgm:cxn modelId="{021B0986-616E-47A6-BC20-5C2A8AA71A81}" type="presOf" srcId="{E253E697-B0C3-42D4-81FD-D3ABCA72938E}" destId="{BCDBC707-4A93-4D55-A61A-79732B703027}" srcOrd="0" destOrd="0" presId="urn:microsoft.com/office/officeart/2005/8/layout/process3"/>
-    <dgm:cxn modelId="{BB53AC73-5473-4487-A280-CC415E72C20C}" srcId="{E253E697-B0C3-42D4-81FD-D3ABCA72938E}" destId="{140DB818-E071-4B39-BEDA-37F84C79FBA2}" srcOrd="1" destOrd="0" parTransId="{5D492640-F330-4177-9F25-0C2545064803}" sibTransId="{AAA7816F-0D18-434B-AF27-E1709A042EA5}"/>
-    <dgm:cxn modelId="{82215399-8FEF-435E-B12E-B0BBF6350A2D}" srcId="{140DB818-E071-4B39-BEDA-37F84C79FBA2}" destId="{57884B04-88D4-4FB2-8678-5199DF429E6F}" srcOrd="0" destOrd="0" parTransId="{C4B27B1D-C2E0-4804-B643-F031B63B66D3}" sibTransId="{B8942B1F-0DA1-4630-8D8B-34A3B43C11D5}"/>
-    <dgm:cxn modelId="{E22A4332-4F38-4397-A0CA-E07AB4FDA400}" type="presOf" srcId="{AD7A2D0A-69C1-40D4-AC3C-50ACA39C45C1}" destId="{EA7354A6-04B1-4A5C-BE93-3D503C066108}" srcOrd="0" destOrd="0" presId="urn:microsoft.com/office/officeart/2005/8/layout/process3"/>
-    <dgm:cxn modelId="{1BD557F6-3147-4A3E-96E1-8774CC36B89A}" srcId="{E253E697-B0C3-42D4-81FD-D3ABCA72938E}" destId="{AD7A2D0A-69C1-40D4-AC3C-50ACA39C45C1}" srcOrd="2" destOrd="0" parTransId="{B65DA3CC-30DF-4011-97FD-91E67EF19982}" sibTransId="{D8E3431A-1020-45BC-A3A1-D9601A2EED84}"/>
-    <dgm:cxn modelId="{625B97B1-48B9-4F79-AD12-9E967C7E5D25}" type="presOf" srcId="{57884B04-88D4-4FB2-8678-5199DF429E6F}" destId="{3E47BC9E-87C0-4D93-83F4-A810B62AEF07}" srcOrd="0" destOrd="0" presId="urn:microsoft.com/office/officeart/2005/8/layout/process3"/>
-    <dgm:cxn modelId="{1797C3E7-363E-4D4F-BF7B-E725B7DA6E80}" type="presOf" srcId="{579997AD-FA9A-4915-A323-8F17CA09514B}" destId="{E703F4C6-A0E0-49AD-9FAC-F47DD1F01258}" srcOrd="1" destOrd="0" presId="urn:microsoft.com/office/officeart/2005/8/layout/process3"/>
-    <dgm:cxn modelId="{5DDCBCED-AD9D-443E-B390-A89DFC1C749F}" type="presOf" srcId="{140DB818-E071-4B39-BEDA-37F84C79FBA2}" destId="{184053F0-8034-496C-9823-B7D238D8DC93}" srcOrd="0" destOrd="0" presId="urn:microsoft.com/office/officeart/2005/8/layout/process3"/>
-    <dgm:cxn modelId="{605658C6-069A-4135-B3FB-B8571120DFAF}" type="presOf" srcId="{4BA36FF7-0F0F-4341-A68C-01E8516603CD}" destId="{DADC7395-583C-4FD5-8691-3342B823E6CA}" srcOrd="1" destOrd="0" presId="urn:microsoft.com/office/officeart/2005/8/layout/process3"/>
-    <dgm:cxn modelId="{D95A37CA-F51F-4A08-8D0B-184665F642AA}" type="presOf" srcId="{579997AD-FA9A-4915-A323-8F17CA09514B}" destId="{330F8E89-32DF-4BC4-AED2-91D2D7CB94C5}" srcOrd="0" destOrd="0" presId="urn:microsoft.com/office/officeart/2005/8/layout/process3"/>
-    <dgm:cxn modelId="{13DDD5AB-9265-4DB2-9E66-512CAA799786}" srcId="{E253E697-B0C3-42D4-81FD-D3ABCA72938E}" destId="{4BA36FF7-0F0F-4341-A68C-01E8516603CD}" srcOrd="0" destOrd="0" parTransId="{9FBCD112-267C-4316-B4DD-D2608637A18B}" sibTransId="{579997AD-FA9A-4915-A323-8F17CA09514B}"/>
-    <dgm:cxn modelId="{3B833AF1-554A-4115-83EE-25F9C4E2AEFD}" type="presOf" srcId="{B2D64904-4778-414A-935C-AFC992C15E50}" destId="{A64C8272-FC1A-4572-A0B1-A3C36EACD2B6}" srcOrd="0" destOrd="0" presId="urn:microsoft.com/office/officeart/2005/8/layout/process3"/>
-    <dgm:cxn modelId="{AE01CECD-7460-4EE6-9855-462A6BAC54CD}" type="presOf" srcId="{21736AD5-ED16-41EE-9520-03DEC94C9DD9}" destId="{1993AEF3-68C8-4F83-9F1E-D1B7B5B4963C}" srcOrd="0" destOrd="0" presId="urn:microsoft.com/office/officeart/2005/8/layout/process3"/>
-    <dgm:cxn modelId="{9C9CCD84-152C-4BF0-AE56-02A77DCE9308}" type="presOf" srcId="{AD7A2D0A-69C1-40D4-AC3C-50ACA39C45C1}" destId="{944B484B-F688-4CFA-A4FB-08B237CA5903}" srcOrd="1" destOrd="0" presId="urn:microsoft.com/office/officeart/2005/8/layout/process3"/>
-    <dgm:cxn modelId="{D1284BD6-E3DA-48A8-BFF9-25C5710CED70}" type="presOf" srcId="{4BA36FF7-0F0F-4341-A68C-01E8516603CD}" destId="{209FD6B3-0ECB-4203-B962-7559934405BD}" srcOrd="0" destOrd="0" presId="urn:microsoft.com/office/officeart/2005/8/layout/process3"/>
-    <dgm:cxn modelId="{7A1F2110-9C05-4201-A75F-73284CDE0F86}" srcId="{4BA36FF7-0F0F-4341-A68C-01E8516603CD}" destId="{AB2E5A07-628C-4E92-90B5-D0FC29CDD9C7}" srcOrd="1" destOrd="0" parTransId="{4015142C-E082-4615-B7AB-FB0D2987A9AC}" sibTransId="{1A383F36-FE35-43F6-9A56-87C1C2601885}"/>
-    <dgm:cxn modelId="{7DDFCDF5-FB4B-4B56-AB28-D717E8E38C18}" type="presOf" srcId="{AAA7816F-0D18-434B-AF27-E1709A042EA5}" destId="{A890346F-3222-4081-BF76-FED6671C2558}" srcOrd="1" destOrd="0" presId="urn:microsoft.com/office/officeart/2005/8/layout/process3"/>
-    <dgm:cxn modelId="{7F41E571-0B1D-42DB-A0D6-32AC8948638C}" type="presOf" srcId="{AB2E5A07-628C-4E92-90B5-D0FC29CDD9C7}" destId="{A64C8272-FC1A-4572-A0B1-A3C36EACD2B6}" srcOrd="0" destOrd="1" presId="urn:microsoft.com/office/officeart/2005/8/layout/process3"/>
-    <dgm:cxn modelId="{5A2ECE84-5973-469B-B8D7-72377C33E035}" type="presOf" srcId="{AAA7816F-0D18-434B-AF27-E1709A042EA5}" destId="{1390A124-BEDA-4A49-9B1B-0ED2FB571A6C}" srcOrd="0" destOrd="0" presId="urn:microsoft.com/office/officeart/2005/8/layout/process3"/>
-    <dgm:cxn modelId="{E6108260-E385-432B-A806-C31C8E849437}" srcId="{4BA36FF7-0F0F-4341-A68C-01E8516603CD}" destId="{B2D64904-4778-414A-935C-AFC992C15E50}" srcOrd="0" destOrd="0" parTransId="{3886B039-ED5A-4C35-9224-7296F3AB00E8}" sibTransId="{F27A2EE6-AA94-4404-920A-4FEA4A59E153}"/>
-    <dgm:cxn modelId="{33D1B9A7-E56C-4778-97FB-A5B130BCA5C0}" srcId="{AD7A2D0A-69C1-40D4-AC3C-50ACA39C45C1}" destId="{21736AD5-ED16-41EE-9520-03DEC94C9DD9}" srcOrd="0" destOrd="0" parTransId="{9CB51E30-49E4-4E36-942B-179B5A0EC94C}" sibTransId="{DFDDDFD5-3525-4DBC-A81D-34093C1E23BA}"/>
     <dgm:cxn modelId="{7A716225-B15F-42A3-B0B1-95F5DAF585E6}" type="presParOf" srcId="{BCDBC707-4A93-4D55-A61A-79732B703027}" destId="{53AF55CF-52F1-471D-BD6D-B6FBBCD8ED56}" srcOrd="0" destOrd="0" presId="urn:microsoft.com/office/officeart/2005/8/layout/process3"/>
     <dgm:cxn modelId="{AB11F588-8517-43F7-B26C-B53A5C95128F}" type="presParOf" srcId="{53AF55CF-52F1-471D-BD6D-B6FBBCD8ED56}" destId="{209FD6B3-0ECB-4203-B962-7559934405BD}" srcOrd="0" destOrd="0" presId="urn:microsoft.com/office/officeart/2005/8/layout/process3"/>
     <dgm:cxn modelId="{ECA7C0B7-4EAB-47E7-B4DA-234ACDCD8581}" type="presParOf" srcId="{53AF55CF-52F1-471D-BD6D-B6FBBCD8ED56}" destId="{DADC7395-583C-4FD5-8691-3342B823E6CA}" srcOrd="1" destOrd="0" presId="urn:microsoft.com/office/officeart/2005/8/layout/process3"/>
@@ -6051,7 +6580,7 @@
   <dgm:whole/>
   <dgm:extLst>
     <a:ext uri="http://schemas.microsoft.com/office/drawing/2008/diagram">
-      <dsp:dataModelExt xmlns:dsp="http://schemas.microsoft.com/office/drawing/2008/diagram" xmlns="" relId="rId6" minVer="http://schemas.openxmlformats.org/drawingml/2006/diagram"/>
+      <dsp:dataModelExt xmlns="" xmlns:dsp="http://schemas.microsoft.com/office/drawing/2008/diagram" relId="rId6" minVer="http://schemas.openxmlformats.org/drawingml/2006/diagram"/>
     </a:ext>
   </dgm:extLst>
 </dgm:dataModel>
@@ -6061,7 +6590,7 @@
 <dgm:dataModel xmlns:dgm="http://schemas.openxmlformats.org/drawingml/2006/diagram" xmlns:a="http://schemas.openxmlformats.org/drawingml/2006/main">
   <dgm:ptLst>
     <dgm:pt modelId="{09E1FA74-CAD4-4D8F-8C9F-47DB10A12E4C}" type="doc">
-      <dgm:prSet loTypeId="urn:microsoft.com/office/officeart/2008/layout/SquareAccentList" loCatId="list" qsTypeId="urn:microsoft.com/office/officeart/2005/8/quickstyle/simple1" qsCatId="simple" csTypeId="urn:microsoft.com/office/officeart/2005/8/colors/accent1_2" csCatId="accent1" phldr="0"/>
+      <dgm:prSet loTypeId="urn:microsoft.com/office/officeart/2008/layout/SquareAccentList" loCatId="list" qsTypeId="urn:microsoft.com/office/officeart/2005/8/quickstyle/simple1" qsCatId="simple" csTypeId="urn:microsoft.com/office/officeart/2005/8/colors/accent1_2" csCatId="accent1" phldr="1"/>
       <dgm:spPr/>
       <dgm:t>
         <a:bodyPr/>
@@ -6072,12 +6601,16 @@
       </dgm:t>
     </dgm:pt>
     <dgm:pt modelId="{B41D75AE-2A29-4277-8DBB-D5E9CED79C4D}">
-      <dgm:prSet phldrT="[Texto]" phldr="1"/>
+      <dgm:prSet phldrT="[Texto]"/>
       <dgm:spPr/>
       <dgm:t>
         <a:bodyPr/>
         <a:lstStyle/>
         <a:p>
+          <a:r>
+            <a:rPr lang="pt-BR" dirty="0" smtClean="0"/>
+            <a:t>Dificuldades</a:t>
+          </a:r>
           <a:endParaRPr lang="pt-BR" dirty="0"/>
         </a:p>
       </dgm:t>
@@ -6105,13 +6638,17 @@
       </dgm:t>
     </dgm:pt>
     <dgm:pt modelId="{B2A72572-DD94-49F3-9C74-F97F76DD77E8}">
-      <dgm:prSet phldrT="[Texto]" phldr="1"/>
+      <dgm:prSet phldrT="[Texto]"/>
       <dgm:spPr/>
       <dgm:t>
         <a:bodyPr/>
         <a:lstStyle/>
         <a:p>
-          <a:endParaRPr lang="pt-BR"/>
+          <a:r>
+            <a:rPr lang="pt-BR" dirty="0" smtClean="0"/>
+            <a:t>Controles atividades</a:t>
+          </a:r>
+          <a:endParaRPr lang="pt-BR" dirty="0"/>
         </a:p>
       </dgm:t>
     </dgm:pt>
@@ -6138,13 +6675,17 @@
       </dgm:t>
     </dgm:pt>
     <dgm:pt modelId="{8AB1D12E-E418-4915-8CED-6AB0C84761F4}">
-      <dgm:prSet phldrT="[Texto]" phldr="1"/>
+      <dgm:prSet phldrT="[Texto]"/>
       <dgm:spPr/>
       <dgm:t>
         <a:bodyPr/>
         <a:lstStyle/>
         <a:p>
-          <a:endParaRPr lang="pt-BR"/>
+          <a:r>
+            <a:rPr lang="pt-BR" dirty="0" smtClean="0"/>
+            <a:t>Manter históricos</a:t>
+          </a:r>
+          <a:endParaRPr lang="pt-BR" dirty="0"/>
         </a:p>
       </dgm:t>
     </dgm:pt>
@@ -6171,13 +6712,17 @@
       </dgm:t>
     </dgm:pt>
     <dgm:pt modelId="{AC6C1CB8-BE46-44FC-93D0-1A13ABC82896}">
-      <dgm:prSet phldrT="[Texto]" phldr="1"/>
+      <dgm:prSet phldrT="[Texto]"/>
       <dgm:spPr/>
       <dgm:t>
         <a:bodyPr/>
         <a:lstStyle/>
         <a:p>
-          <a:endParaRPr lang="pt-BR"/>
+          <a:r>
+            <a:rPr lang="pt-BR" dirty="0" smtClean="0"/>
+            <a:t>Fragmentação dos dados</a:t>
+          </a:r>
+          <a:endParaRPr lang="pt-BR" dirty="0"/>
         </a:p>
       </dgm:t>
     </dgm:pt>
@@ -6204,13 +6749,13 @@
       </dgm:t>
     </dgm:pt>
     <dgm:pt modelId="{AAC17C87-31E8-4276-B5AF-B8910E5CA9AA}">
-      <dgm:prSet phldrT="[Texto]" phldr="1"/>
+      <dgm:prSet phldrT="[Texto]"/>
       <dgm:spPr/>
       <dgm:t>
         <a:bodyPr/>
         <a:lstStyle/>
         <a:p>
-          <a:endParaRPr lang="pt-BR"/>
+          <a:endParaRPr lang="pt-BR" dirty="0"/>
         </a:p>
       </dgm:t>
     </dgm:pt>
@@ -6309,7 +6854,7 @@
         <a:bodyPr/>
         <a:lstStyle/>
         <a:p>
-          <a:endParaRPr lang="pt-BR"/>
+          <a:endParaRPr lang="pt-BR" dirty="0"/>
         </a:p>
       </dgm:t>
     </dgm:pt>
@@ -6685,7 +7230,7 @@
   <dgm:whole/>
   <dgm:extLst>
     <a:ext uri="http://schemas.microsoft.com/office/drawing/2008/diagram">
-      <dsp:dataModelExt xmlns:dsp="http://schemas.microsoft.com/office/drawing/2008/diagram" xmlns="" relId="rId6" minVer="http://schemas.openxmlformats.org/drawingml/2006/diagram"/>
+      <dsp:dataModelExt xmlns="" xmlns:dsp="http://schemas.microsoft.com/office/drawing/2008/diagram" relId="rId6" minVer="http://schemas.openxmlformats.org/drawingml/2006/diagram"/>
     </a:ext>
   </dgm:extLst>
 </dgm:dataModel>
@@ -7510,7 +8055,7 @@
   <dgm:whole/>
   <dgm:extLst>
     <a:ext uri="http://schemas.microsoft.com/office/drawing/2008/diagram">
-      <dsp:dataModelExt xmlns:dsp="http://schemas.microsoft.com/office/drawing/2008/diagram" xmlns="" relId="rId6" minVer="http://schemas.openxmlformats.org/drawingml/2006/diagram"/>
+      <dsp:dataModelExt xmlns="" xmlns:dsp="http://schemas.microsoft.com/office/drawing/2008/diagram" relId="rId6" minVer="http://schemas.openxmlformats.org/drawingml/2006/diagram"/>
     </a:ext>
   </dgm:extLst>
 </dgm:dataModel>
@@ -7992,7 +8537,7 @@
   <dgm:whole/>
   <dgm:extLst>
     <a:ext uri="http://schemas.microsoft.com/office/drawing/2008/diagram">
-      <dsp:dataModelExt xmlns:dsp="http://schemas.microsoft.com/office/drawing/2008/diagram" xmlns="" relId="rId6" minVer="http://schemas.openxmlformats.org/drawingml/2006/diagram"/>
+      <dsp:dataModelExt xmlns="" xmlns:dsp="http://schemas.microsoft.com/office/drawing/2008/diagram" relId="rId6" minVer="http://schemas.openxmlformats.org/drawingml/2006/diagram"/>
     </a:ext>
   </dgm:extLst>
 </dgm:dataModel>
@@ -8997,7 +9542,7 @@
   <dgm:whole/>
   <dgm:extLst>
     <a:ext uri="http://schemas.microsoft.com/office/drawing/2008/diagram">
-      <dsp:dataModelExt xmlns:dsp="http://schemas.microsoft.com/office/drawing/2008/diagram" xmlns="" relId="rId6" minVer="http://schemas.openxmlformats.org/drawingml/2006/diagram"/>
+      <dsp:dataModelExt xmlns="" xmlns:dsp="http://schemas.microsoft.com/office/drawing/2008/diagram" relId="rId6" minVer="http://schemas.openxmlformats.org/drawingml/2006/diagram"/>
     </a:ext>
   </dgm:extLst>
 </dgm:dataModel>
@@ -23372,7 +23917,7 @@
             <a:fld id="{229FDC3E-7424-49CF-AF38-AA35F4C77C8D}" type="datetimeFigureOut">
               <a:rPr lang="pt-BR" smtClean="0"/>
               <a:pPr/>
-              <a:t>03/06/2014</a:t>
+              <a:t>15/07/2014</a:t>
             </a:fld>
             <a:endParaRPr lang="pt-BR"/>
           </a:p>
@@ -23544,7 +24089,7 @@
             <a:fld id="{229FDC3E-7424-49CF-AF38-AA35F4C77C8D}" type="datetimeFigureOut">
               <a:rPr lang="pt-BR" smtClean="0"/>
               <a:pPr/>
-              <a:t>03/06/2014</a:t>
+              <a:t>15/07/2014</a:t>
             </a:fld>
             <a:endParaRPr lang="pt-BR"/>
           </a:p>
@@ -23721,7 +24266,7 @@
             <a:fld id="{229FDC3E-7424-49CF-AF38-AA35F4C77C8D}" type="datetimeFigureOut">
               <a:rPr lang="pt-BR" smtClean="0"/>
               <a:pPr/>
-              <a:t>03/06/2014</a:t>
+              <a:t>15/07/2014</a:t>
             </a:fld>
             <a:endParaRPr lang="pt-BR"/>
           </a:p>
@@ -23888,7 +24433,7 @@
             <a:fld id="{229FDC3E-7424-49CF-AF38-AA35F4C77C8D}" type="datetimeFigureOut">
               <a:rPr lang="pt-BR" smtClean="0"/>
               <a:pPr/>
-              <a:t>03/06/2014</a:t>
+              <a:t>15/07/2014</a:t>
             </a:fld>
             <a:endParaRPr lang="pt-BR"/>
           </a:p>
@@ -24124,7 +24669,7 @@
             <a:fld id="{229FDC3E-7424-49CF-AF38-AA35F4C77C8D}" type="datetimeFigureOut">
               <a:rPr lang="pt-BR" smtClean="0"/>
               <a:pPr/>
-              <a:t>03/06/2014</a:t>
+              <a:t>15/07/2014</a:t>
             </a:fld>
             <a:endParaRPr lang="pt-BR"/>
           </a:p>
@@ -24422,7 +24967,7 @@
             <a:fld id="{229FDC3E-7424-49CF-AF38-AA35F4C77C8D}" type="datetimeFigureOut">
               <a:rPr lang="pt-BR" smtClean="0"/>
               <a:pPr/>
-              <a:t>03/06/2014</a:t>
+              <a:t>15/07/2014</a:t>
             </a:fld>
             <a:endParaRPr lang="pt-BR"/>
           </a:p>
@@ -24808,7 +25353,7 @@
             <a:fld id="{229FDC3E-7424-49CF-AF38-AA35F4C77C8D}" type="datetimeFigureOut">
               <a:rPr lang="pt-BR" smtClean="0"/>
               <a:pPr/>
-              <a:t>03/06/2014</a:t>
+              <a:t>15/07/2014</a:t>
             </a:fld>
             <a:endParaRPr lang="pt-BR"/>
           </a:p>
@@ -24983,7 +25528,7 @@
             <a:fld id="{229FDC3E-7424-49CF-AF38-AA35F4C77C8D}" type="datetimeFigureOut">
               <a:rPr lang="pt-BR" smtClean="0"/>
               <a:pPr/>
-              <a:t>03/06/2014</a:t>
+              <a:t>15/07/2014</a:t>
             </a:fld>
             <a:endParaRPr lang="pt-BR"/>
           </a:p>
@@ -25075,7 +25620,7 @@
             <a:fld id="{229FDC3E-7424-49CF-AF38-AA35F4C77C8D}" type="datetimeFigureOut">
               <a:rPr lang="pt-BR" smtClean="0"/>
               <a:pPr/>
-              <a:t>03/06/2014</a:t>
+              <a:t>15/07/2014</a:t>
             </a:fld>
             <a:endParaRPr lang="pt-BR"/>
           </a:p>
@@ -25372,7 +25917,7 @@
             <a:fld id="{229FDC3E-7424-49CF-AF38-AA35F4C77C8D}" type="datetimeFigureOut">
               <a:rPr lang="pt-BR" smtClean="0"/>
               <a:pPr/>
-              <a:t>03/06/2014</a:t>
+              <a:t>15/07/2014</a:t>
             </a:fld>
             <a:endParaRPr lang="pt-BR"/>
           </a:p>
@@ -25508,7 +26053,7 @@
             <a:fld id="{229FDC3E-7424-49CF-AF38-AA35F4C77C8D}" type="datetimeFigureOut">
               <a:rPr lang="pt-BR" smtClean="0"/>
               <a:pPr/>
-              <a:t>03/06/2014</a:t>
+              <a:t>15/07/2014</a:t>
             </a:fld>
             <a:endParaRPr lang="pt-BR"/>
           </a:p>
@@ -25813,7 +26358,7 @@
             <a:fld id="{229FDC3E-7424-49CF-AF38-AA35F4C77C8D}" type="datetimeFigureOut">
               <a:rPr lang="pt-BR" smtClean="0"/>
               <a:pPr/>
-              <a:t>03/06/2014</a:t>
+              <a:t>15/07/2014</a:t>
             </a:fld>
             <a:endParaRPr lang="pt-BR"/>
           </a:p>
@@ -26578,7 +27123,7 @@
             <p:ph idx="1"/>
             <p:extLst>
               <p:ext uri="{D42A27DB-BD31-4B8C-83A1-F6EECF244321}">
-                <p14:modId xmlns="" xmlns:p14="http://schemas.microsoft.com/office/powerpoint/2010/main" val="2208909862"/>
+                <p14:modId xmlns:p14="http://schemas.microsoft.com/office/powerpoint/2010/main" xmlns="" val="2208909862"/>
               </p:ext>
             </p:extLst>
           </p:nvPr>
@@ -26934,7 +27479,7 @@
             <p:ph idx="1"/>
             <p:extLst>
               <p:ext uri="{D42A27DB-BD31-4B8C-83A1-F6EECF244321}">
-                <p14:modId xmlns="" xmlns:p14="http://schemas.microsoft.com/office/powerpoint/2010/main" val="2118870426"/>
+                <p14:modId xmlns:p14="http://schemas.microsoft.com/office/powerpoint/2010/main" xmlns="" val="2118870426"/>
               </p:ext>
             </p:extLst>
           </p:nvPr>
@@ -27014,7 +27559,7 @@
             <p:ph idx="1"/>
             <p:extLst>
               <p:ext uri="{D42A27DB-BD31-4B8C-83A1-F6EECF244321}">
-                <p14:modId xmlns="" xmlns:p14="http://schemas.microsoft.com/office/powerpoint/2010/main" val="736405372"/>
+                <p14:modId xmlns:p14="http://schemas.microsoft.com/office/powerpoint/2010/main" xmlns="" val="736405372"/>
               </p:ext>
             </p:extLst>
           </p:nvPr>

--- a/SAS/Planejamento/Docs/#3 - Apresentação do projeto.pptx
+++ b/SAS/Planejamento/Docs/#3 - Apresentação do projeto.pptx
@@ -5401,7 +5401,7 @@
   <dgm:whole/>
   <dgm:extLst>
     <a:ext uri="http://schemas.microsoft.com/office/drawing/2008/diagram">
-      <dsp:dataModelExt xmlns="" xmlns:dsp="http://schemas.microsoft.com/office/drawing/2008/diagram" relId="rId6" minVer="http://schemas.openxmlformats.org/drawingml/2006/diagram"/>
+      <dsp:dataModelExt xmlns:dsp="http://schemas.microsoft.com/office/drawing/2008/diagram" xmlns="" relId="rId6" minVer="http://schemas.openxmlformats.org/drawingml/2006/diagram"/>
     </a:ext>
   </dgm:extLst>
 </dgm:dataModel>
@@ -5444,10 +5444,18 @@
         <a:lstStyle/>
         <a:p>
           <a:r>
-            <a:rPr lang="pt-BR" sz="2400" b="1" dirty="0" smtClean="0"/>
+            <a:rPr lang="pt-BR" sz="2400" b="1" dirty="0" smtClean="0">
+              <a:solidFill>
+                <a:srgbClr val="00FFFF"/>
+              </a:solidFill>
+            </a:rPr>
             <a:t>Interligar </a:t>
           </a:r>
-          <a:endParaRPr lang="pt-BR" sz="2400" b="1" dirty="0"/>
+          <a:endParaRPr lang="pt-BR" sz="2400" b="1" dirty="0">
+            <a:solidFill>
+              <a:srgbClr val="00FFFF"/>
+            </a:solidFill>
+          </a:endParaRPr>
         </a:p>
       </dgm:t>
     </dgm:pt>
@@ -5512,10 +5520,18 @@
         <a:p>
           <a:pPr algn="l"/>
           <a:r>
-            <a:rPr lang="pt-BR" sz="1400" b="1" dirty="0" smtClean="0"/>
+            <a:rPr lang="pt-BR" sz="1600" b="1" dirty="0" smtClean="0">
+              <a:solidFill>
+                <a:srgbClr val="0070C0"/>
+              </a:solidFill>
+            </a:rPr>
             <a:t>Pastorais</a:t>
           </a:r>
-          <a:endParaRPr lang="pt-BR" sz="1400" b="1" dirty="0"/>
+          <a:endParaRPr lang="pt-BR" sz="1600" b="1" dirty="0">
+            <a:solidFill>
+              <a:srgbClr val="0070C0"/>
+            </a:solidFill>
+          </a:endParaRPr>
         </a:p>
       </dgm:t>
     </dgm:pt>
@@ -5565,10 +5581,18 @@
         <a:p>
           <a:pPr algn="l"/>
           <a:r>
-            <a:rPr lang="pt-BR" sz="2400" b="1" dirty="0" smtClean="0"/>
+            <a:rPr lang="pt-BR" sz="2400" b="1" dirty="0" smtClean="0">
+              <a:solidFill>
+                <a:srgbClr val="00FFFF"/>
+              </a:solidFill>
+            </a:rPr>
             <a:t>Padronizar</a:t>
           </a:r>
-          <a:endParaRPr lang="pt-BR" sz="2400" b="1" dirty="0"/>
+          <a:endParaRPr lang="pt-BR" sz="2400" b="1" dirty="0">
+            <a:solidFill>
+              <a:srgbClr val="00FFFF"/>
+            </a:solidFill>
+          </a:endParaRPr>
         </a:p>
       </dgm:t>
     </dgm:pt>
@@ -5632,10 +5656,18 @@
         <a:lstStyle/>
         <a:p>
           <a:r>
-            <a:rPr lang="pt-BR" sz="1400" b="1" dirty="0" smtClean="0"/>
+            <a:rPr lang="pt-BR" sz="1600" b="1" dirty="0" smtClean="0">
+              <a:solidFill>
+                <a:srgbClr val="0070C0"/>
+              </a:solidFill>
+            </a:rPr>
             <a:t>Emissão Documentos</a:t>
           </a:r>
-          <a:endParaRPr lang="pt-BR" sz="1400" b="1" dirty="0"/>
+          <a:endParaRPr lang="pt-BR" sz="1600" b="1" dirty="0">
+            <a:solidFill>
+              <a:srgbClr val="0070C0"/>
+            </a:solidFill>
+          </a:endParaRPr>
         </a:p>
       </dgm:t>
     </dgm:pt>
@@ -5684,10 +5716,18 @@
         <a:lstStyle/>
         <a:p>
           <a:r>
-            <a:rPr lang="pt-BR" sz="2400" b="1" dirty="0" smtClean="0"/>
+            <a:rPr lang="pt-BR" sz="2400" b="1" dirty="0" smtClean="0">
+              <a:solidFill>
+                <a:srgbClr val="00FFFF"/>
+              </a:solidFill>
+            </a:rPr>
             <a:t>Facilitar</a:t>
           </a:r>
-          <a:endParaRPr lang="pt-BR" sz="2400" b="1" dirty="0"/>
+          <a:endParaRPr lang="pt-BR" sz="2400" b="1" dirty="0">
+            <a:solidFill>
+              <a:srgbClr val="00FFFF"/>
+            </a:solidFill>
+          </a:endParaRPr>
         </a:p>
       </dgm:t>
     </dgm:pt>
@@ -5736,10 +5776,18 @@
         <a:lstStyle/>
         <a:p>
           <a:r>
-            <a:rPr lang="pt-BR" sz="1400" b="1" dirty="0" smtClean="0"/>
+            <a:rPr lang="pt-BR" sz="1600" b="1" dirty="0" smtClean="0">
+              <a:solidFill>
+                <a:srgbClr val="0070C0"/>
+              </a:solidFill>
+            </a:rPr>
             <a:t>Comunicação </a:t>
           </a:r>
-          <a:endParaRPr lang="pt-BR" sz="1400" b="1" dirty="0"/>
+          <a:endParaRPr lang="pt-BR" sz="1600" b="1" dirty="0">
+            <a:solidFill>
+              <a:srgbClr val="0070C0"/>
+            </a:solidFill>
+          </a:endParaRPr>
         </a:p>
       </dgm:t>
     </dgm:pt>
@@ -5755,6 +5803,441 @@
       </dgm:t>
     </dgm:pt>
     <dgm:pt modelId="{DFDDDFD5-3525-4DBC-A81D-34093C1E23BA}" type="sibTrans" cxnId="{33D1B9A7-E56C-4778-97FB-A5B130BCA5C0}">
+      <dgm:prSet/>
+      <dgm:spPr/>
+      <dgm:t>
+        <a:bodyPr/>
+        <a:lstStyle/>
+        <a:p>
+          <a:endParaRPr lang="pt-BR"/>
+        </a:p>
+      </dgm:t>
+    </dgm:pt>
+    <dgm:pt modelId="{835444D0-9403-488B-8CF6-1BA423F14FF4}">
+      <dgm:prSet phldrT="[Texto]" custT="1">
+        <dgm:style>
+          <a:lnRef idx="2">
+            <a:schemeClr val="accent1"/>
+          </a:lnRef>
+          <a:fillRef idx="1">
+            <a:schemeClr val="lt1"/>
+          </a:fillRef>
+          <a:effectRef idx="0">
+            <a:schemeClr val="accent1"/>
+          </a:effectRef>
+          <a:fontRef idx="minor">
+            <a:schemeClr val="dk1"/>
+          </a:fontRef>
+        </dgm:style>
+      </dgm:prSet>
+      <dgm:spPr/>
+      <dgm:t>
+        <a:bodyPr/>
+        <a:lstStyle/>
+        <a:p>
+          <a:pPr algn="l"/>
+          <a:r>
+            <a:rPr lang="pt-BR" sz="1600" b="1" dirty="0" smtClean="0">
+              <a:solidFill>
+                <a:srgbClr val="0070C0"/>
+              </a:solidFill>
+            </a:rPr>
+            <a:t>Compartilhamento de dados</a:t>
+          </a:r>
+          <a:endParaRPr lang="pt-BR" sz="1600" b="1" dirty="0">
+            <a:solidFill>
+              <a:srgbClr val="0070C0"/>
+            </a:solidFill>
+          </a:endParaRPr>
+        </a:p>
+      </dgm:t>
+    </dgm:pt>
+    <dgm:pt modelId="{C29ED5FF-29B9-4D55-9C15-3D427BB84784}" type="parTrans" cxnId="{2E04EE15-0EFD-4A5E-96F9-C3FE50E596F5}">
+      <dgm:prSet/>
+      <dgm:spPr/>
+      <dgm:t>
+        <a:bodyPr/>
+        <a:lstStyle/>
+        <a:p>
+          <a:endParaRPr lang="pt-BR"/>
+        </a:p>
+      </dgm:t>
+    </dgm:pt>
+    <dgm:pt modelId="{F0580B45-2587-4095-A289-2D6D62D7D0E2}" type="sibTrans" cxnId="{2E04EE15-0EFD-4A5E-96F9-C3FE50E596F5}">
+      <dgm:prSet/>
+      <dgm:spPr/>
+      <dgm:t>
+        <a:bodyPr/>
+        <a:lstStyle/>
+        <a:p>
+          <a:endParaRPr lang="pt-BR"/>
+        </a:p>
+      </dgm:t>
+    </dgm:pt>
+    <dgm:pt modelId="{0F73E91A-24E8-44FC-8282-F39E528AC837}">
+      <dgm:prSet phldrT="[Texto]" custT="1">
+        <dgm:style>
+          <a:lnRef idx="2">
+            <a:schemeClr val="accent1"/>
+          </a:lnRef>
+          <a:fillRef idx="1">
+            <a:schemeClr val="lt1"/>
+          </a:fillRef>
+          <a:effectRef idx="0">
+            <a:schemeClr val="accent1"/>
+          </a:effectRef>
+          <a:fontRef idx="minor">
+            <a:schemeClr val="dk1"/>
+          </a:fontRef>
+        </dgm:style>
+      </dgm:prSet>
+      <dgm:spPr/>
+      <dgm:t>
+        <a:bodyPr/>
+        <a:lstStyle/>
+        <a:p>
+          <a:pPr algn="l"/>
+          <a:endParaRPr lang="pt-BR" sz="1600" b="1" dirty="0">
+            <a:solidFill>
+              <a:srgbClr val="0070C0"/>
+            </a:solidFill>
+          </a:endParaRPr>
+        </a:p>
+      </dgm:t>
+    </dgm:pt>
+    <dgm:pt modelId="{C1AA1994-3B2F-47C9-8F5B-A08CE6A5D095}" type="parTrans" cxnId="{22BA4952-EA9D-42A7-ABA5-EAD0B5F9B167}">
+      <dgm:prSet/>
+      <dgm:spPr/>
+      <dgm:t>
+        <a:bodyPr/>
+        <a:lstStyle/>
+        <a:p>
+          <a:endParaRPr lang="pt-BR"/>
+        </a:p>
+      </dgm:t>
+    </dgm:pt>
+    <dgm:pt modelId="{F93555B6-77A8-4728-91CF-7AF5B0C7EE62}" type="sibTrans" cxnId="{22BA4952-EA9D-42A7-ABA5-EAD0B5F9B167}">
+      <dgm:prSet/>
+      <dgm:spPr/>
+      <dgm:t>
+        <a:bodyPr/>
+        <a:lstStyle/>
+        <a:p>
+          <a:endParaRPr lang="pt-BR"/>
+        </a:p>
+      </dgm:t>
+    </dgm:pt>
+    <dgm:pt modelId="{F9D38618-21A9-472D-92B4-2079A7013EA4}">
+      <dgm:prSet phldrT="[Texto]" custT="1">
+        <dgm:style>
+          <a:lnRef idx="2">
+            <a:schemeClr val="accent1"/>
+          </a:lnRef>
+          <a:fillRef idx="1">
+            <a:schemeClr val="lt1"/>
+          </a:fillRef>
+          <a:effectRef idx="0">
+            <a:schemeClr val="accent1"/>
+          </a:effectRef>
+          <a:fontRef idx="minor">
+            <a:schemeClr val="dk1"/>
+          </a:fontRef>
+        </dgm:style>
+      </dgm:prSet>
+      <dgm:spPr/>
+      <dgm:t>
+        <a:bodyPr/>
+        <a:lstStyle/>
+        <a:p>
+          <a:endParaRPr lang="pt-BR" sz="1600" b="1" dirty="0">
+            <a:solidFill>
+              <a:srgbClr val="0070C0"/>
+            </a:solidFill>
+          </a:endParaRPr>
+        </a:p>
+      </dgm:t>
+    </dgm:pt>
+    <dgm:pt modelId="{181E5304-5E89-4CE3-A1FA-1A4445AF15C8}" type="parTrans" cxnId="{9DB33BD0-4DBA-4C3F-846F-F2711FE0E6BD}">
+      <dgm:prSet/>
+      <dgm:spPr/>
+      <dgm:t>
+        <a:bodyPr/>
+        <a:lstStyle/>
+        <a:p>
+          <a:endParaRPr lang="pt-BR"/>
+        </a:p>
+      </dgm:t>
+    </dgm:pt>
+    <dgm:pt modelId="{DEBEAAE4-E6F2-4848-9079-BE40B31BACCD}" type="sibTrans" cxnId="{9DB33BD0-4DBA-4C3F-846F-F2711FE0E6BD}">
+      <dgm:prSet/>
+      <dgm:spPr/>
+      <dgm:t>
+        <a:bodyPr/>
+        <a:lstStyle/>
+        <a:p>
+          <a:endParaRPr lang="pt-BR"/>
+        </a:p>
+      </dgm:t>
+    </dgm:pt>
+    <dgm:pt modelId="{59BF4FD9-4BF0-450F-A924-D7283EA0A3C2}">
+      <dgm:prSet phldrT="[Texto]" custT="1">
+        <dgm:style>
+          <a:lnRef idx="2">
+            <a:schemeClr val="accent1"/>
+          </a:lnRef>
+          <a:fillRef idx="1">
+            <a:schemeClr val="lt1"/>
+          </a:fillRef>
+          <a:effectRef idx="0">
+            <a:schemeClr val="accent1"/>
+          </a:effectRef>
+          <a:fontRef idx="minor">
+            <a:schemeClr val="dk1"/>
+          </a:fontRef>
+        </dgm:style>
+      </dgm:prSet>
+      <dgm:spPr/>
+      <dgm:t>
+        <a:bodyPr/>
+        <a:lstStyle/>
+        <a:p>
+          <a:pPr algn="l"/>
+          <a:endParaRPr lang="pt-BR" sz="1600" b="1" dirty="0">
+            <a:solidFill>
+              <a:srgbClr val="0070C0"/>
+            </a:solidFill>
+          </a:endParaRPr>
+        </a:p>
+      </dgm:t>
+    </dgm:pt>
+    <dgm:pt modelId="{8761CF33-9B88-4BC0-8A8D-8E4B646981F2}" type="parTrans" cxnId="{4B0F930D-EE14-4620-9947-895E9A1529BF}">
+      <dgm:prSet/>
+      <dgm:spPr/>
+      <dgm:t>
+        <a:bodyPr/>
+        <a:lstStyle/>
+        <a:p>
+          <a:endParaRPr lang="pt-BR"/>
+        </a:p>
+      </dgm:t>
+    </dgm:pt>
+    <dgm:pt modelId="{9F8163B5-F294-45D7-AEAF-EA88EBB3B6A3}" type="sibTrans" cxnId="{4B0F930D-EE14-4620-9947-895E9A1529BF}">
+      <dgm:prSet/>
+      <dgm:spPr/>
+      <dgm:t>
+        <a:bodyPr/>
+        <a:lstStyle/>
+        <a:p>
+          <a:endParaRPr lang="pt-BR"/>
+        </a:p>
+      </dgm:t>
+    </dgm:pt>
+    <dgm:pt modelId="{0F3E3240-049E-4C85-83B0-4A38B3BAD305}">
+      <dgm:prSet phldrT="[Texto]" custT="1">
+        <dgm:style>
+          <a:lnRef idx="2">
+            <a:schemeClr val="accent1"/>
+          </a:lnRef>
+          <a:fillRef idx="1">
+            <a:schemeClr val="lt1"/>
+          </a:fillRef>
+          <a:effectRef idx="0">
+            <a:schemeClr val="accent1"/>
+          </a:effectRef>
+          <a:fontRef idx="minor">
+            <a:schemeClr val="dk1"/>
+          </a:fontRef>
+        </dgm:style>
+      </dgm:prSet>
+      <dgm:spPr/>
+      <dgm:t>
+        <a:bodyPr/>
+        <a:lstStyle/>
+        <a:p>
+          <a:endParaRPr lang="pt-BR" sz="1600" b="1" dirty="0">
+            <a:solidFill>
+              <a:srgbClr val="0070C0"/>
+            </a:solidFill>
+          </a:endParaRPr>
+        </a:p>
+      </dgm:t>
+    </dgm:pt>
+    <dgm:pt modelId="{500CBC5A-72EC-4F1F-8BD7-22D81C693AA8}" type="parTrans" cxnId="{E5B78FEC-B1D9-4EC3-A03E-DD89AE2D8BBB}">
+      <dgm:prSet/>
+      <dgm:spPr/>
+      <dgm:t>
+        <a:bodyPr/>
+        <a:lstStyle/>
+        <a:p>
+          <a:endParaRPr lang="pt-BR"/>
+        </a:p>
+      </dgm:t>
+    </dgm:pt>
+    <dgm:pt modelId="{6817EB24-D370-4C5E-ABB4-525C433C69F0}" type="sibTrans" cxnId="{E5B78FEC-B1D9-4EC3-A03E-DD89AE2D8BBB}">
+      <dgm:prSet/>
+      <dgm:spPr/>
+      <dgm:t>
+        <a:bodyPr/>
+        <a:lstStyle/>
+        <a:p>
+          <a:endParaRPr lang="pt-BR"/>
+        </a:p>
+      </dgm:t>
+    </dgm:pt>
+    <dgm:pt modelId="{A7D226C9-5E92-4FD2-9426-D029994EEFDC}">
+      <dgm:prSet phldrT="[Texto]" custT="1">
+        <dgm:style>
+          <a:lnRef idx="2">
+            <a:schemeClr val="accent1"/>
+          </a:lnRef>
+          <a:fillRef idx="1">
+            <a:schemeClr val="lt1"/>
+          </a:fillRef>
+          <a:effectRef idx="0">
+            <a:schemeClr val="accent1"/>
+          </a:effectRef>
+          <a:fontRef idx="minor">
+            <a:schemeClr val="dk1"/>
+          </a:fontRef>
+        </dgm:style>
+      </dgm:prSet>
+      <dgm:spPr/>
+      <dgm:t>
+        <a:bodyPr/>
+        <a:lstStyle/>
+        <a:p>
+          <a:endParaRPr lang="pt-BR" sz="1600" b="1" dirty="0">
+            <a:solidFill>
+              <a:srgbClr val="0070C0"/>
+            </a:solidFill>
+          </a:endParaRPr>
+        </a:p>
+      </dgm:t>
+    </dgm:pt>
+    <dgm:pt modelId="{416E4625-0C19-49C1-9768-BDBCCA30B93C}" type="parTrans" cxnId="{95E1E2D3-B64B-4AEA-BF04-D1CA2E013D44}">
+      <dgm:prSet/>
+      <dgm:spPr/>
+      <dgm:t>
+        <a:bodyPr/>
+        <a:lstStyle/>
+        <a:p>
+          <a:endParaRPr lang="pt-BR"/>
+        </a:p>
+      </dgm:t>
+    </dgm:pt>
+    <dgm:pt modelId="{618C3FCC-A047-4A59-B8AE-EB8EEF617890}" type="sibTrans" cxnId="{95E1E2D3-B64B-4AEA-BF04-D1CA2E013D44}">
+      <dgm:prSet/>
+      <dgm:spPr/>
+      <dgm:t>
+        <a:bodyPr/>
+        <a:lstStyle/>
+        <a:p>
+          <a:endParaRPr lang="pt-BR"/>
+        </a:p>
+      </dgm:t>
+    </dgm:pt>
+    <dgm:pt modelId="{30BC9797-C8E3-4728-AA34-A33AFEAA692E}">
+      <dgm:prSet phldrT="[Texto]" custT="1">
+        <dgm:style>
+          <a:lnRef idx="2">
+            <a:schemeClr val="accent1"/>
+          </a:lnRef>
+          <a:fillRef idx="1">
+            <a:schemeClr val="lt1"/>
+          </a:fillRef>
+          <a:effectRef idx="0">
+            <a:schemeClr val="accent1"/>
+          </a:effectRef>
+          <a:fontRef idx="minor">
+            <a:schemeClr val="dk1"/>
+          </a:fontRef>
+        </dgm:style>
+      </dgm:prSet>
+      <dgm:spPr/>
+      <dgm:t>
+        <a:bodyPr/>
+        <a:lstStyle/>
+        <a:p>
+          <a:endParaRPr lang="pt-BR" sz="1600" b="1" dirty="0">
+            <a:solidFill>
+              <a:srgbClr val="0070C0"/>
+            </a:solidFill>
+          </a:endParaRPr>
+        </a:p>
+      </dgm:t>
+    </dgm:pt>
+    <dgm:pt modelId="{054B1F8E-E9AC-4A78-BB16-7D8497700B75}" type="sibTrans" cxnId="{D0D17C37-7497-44FA-8908-85838A8EB613}">
+      <dgm:prSet/>
+      <dgm:spPr/>
+      <dgm:t>
+        <a:bodyPr/>
+        <a:lstStyle/>
+        <a:p>
+          <a:endParaRPr lang="pt-BR"/>
+        </a:p>
+      </dgm:t>
+    </dgm:pt>
+    <dgm:pt modelId="{22B7AA6B-9EFA-4D2B-9167-284C1AC4B3BE}" type="parTrans" cxnId="{D0D17C37-7497-44FA-8908-85838A8EB613}">
+      <dgm:prSet/>
+      <dgm:spPr/>
+      <dgm:t>
+        <a:bodyPr/>
+        <a:lstStyle/>
+        <a:p>
+          <a:endParaRPr lang="pt-BR"/>
+        </a:p>
+      </dgm:t>
+    </dgm:pt>
+    <dgm:pt modelId="{C5FC6C3C-ED92-4431-9B44-CD976E59FF5E}">
+      <dgm:prSet phldrT="[Texto]" custT="1">
+        <dgm:style>
+          <a:lnRef idx="2">
+            <a:schemeClr val="accent1"/>
+          </a:lnRef>
+          <a:fillRef idx="1">
+            <a:schemeClr val="lt1"/>
+          </a:fillRef>
+          <a:effectRef idx="0">
+            <a:schemeClr val="accent1"/>
+          </a:effectRef>
+          <a:fontRef idx="minor">
+            <a:schemeClr val="dk1"/>
+          </a:fontRef>
+        </dgm:style>
+      </dgm:prSet>
+      <dgm:spPr/>
+      <dgm:t>
+        <a:bodyPr/>
+        <a:lstStyle/>
+        <a:p>
+          <a:r>
+            <a:rPr lang="pt-BR" sz="1600" b="1" dirty="0" smtClean="0">
+              <a:solidFill>
+                <a:srgbClr val="0070C0"/>
+              </a:solidFill>
+            </a:rPr>
+            <a:t>Interação entre grupos</a:t>
+          </a:r>
+          <a:endParaRPr lang="pt-BR" sz="1600" b="1" dirty="0">
+            <a:solidFill>
+              <a:srgbClr val="0070C0"/>
+            </a:solidFill>
+          </a:endParaRPr>
+        </a:p>
+      </dgm:t>
+    </dgm:pt>
+    <dgm:pt modelId="{28F32126-D00F-495F-BE9C-85E968D4121F}" type="sibTrans" cxnId="{C8252A43-F89B-4ED8-9407-8C4E3235C497}">
+      <dgm:prSet/>
+      <dgm:spPr/>
+      <dgm:t>
+        <a:bodyPr/>
+        <a:lstStyle/>
+        <a:p>
+          <a:endParaRPr lang="pt-BR"/>
+        </a:p>
+      </dgm:t>
+    </dgm:pt>
+    <dgm:pt modelId="{AE0E9CC2-5345-4F36-A90C-AD2752E7E9E6}" type="parTrans" cxnId="{C8252A43-F89B-4ED8-9407-8C4E3235C497}">
       <dgm:prSet/>
       <dgm:spPr/>
       <dgm:t>
@@ -5788,14 +6271,22 @@
         <a:lstStyle/>
         <a:p>
           <a:r>
-            <a:rPr lang="pt-BR" sz="1400" b="1" dirty="0" smtClean="0"/>
+            <a:rPr lang="pt-BR" sz="1600" b="1" dirty="0" smtClean="0">
+              <a:solidFill>
+                <a:srgbClr val="0070C0"/>
+              </a:solidFill>
+            </a:rPr>
             <a:t>Registros de atividades</a:t>
           </a:r>
-          <a:endParaRPr lang="pt-BR" sz="1400" b="1" dirty="0"/>
+          <a:endParaRPr lang="pt-BR" sz="1600" b="1" dirty="0">
+            <a:solidFill>
+              <a:srgbClr val="0070C0"/>
+            </a:solidFill>
+          </a:endParaRPr>
         </a:p>
       </dgm:t>
     </dgm:pt>
-    <dgm:pt modelId="{C0D5B7C3-AA00-473E-8E71-2FD79A462FEE}" type="parTrans" cxnId="{E3287FDC-8A55-45DA-AEE5-89AB63B59CE0}">
+    <dgm:pt modelId="{401713F0-76B5-43A2-A4F5-305F4CA21957}" type="sibTrans" cxnId="{E3287FDC-8A55-45DA-AEE5-89AB63B59CE0}">
       <dgm:prSet/>
       <dgm:spPr/>
       <dgm:t>
@@ -5806,7 +6297,7 @@
         </a:p>
       </dgm:t>
     </dgm:pt>
-    <dgm:pt modelId="{401713F0-76B5-43A2-A4F5-305F4CA21957}" type="sibTrans" cxnId="{E3287FDC-8A55-45DA-AEE5-89AB63B59CE0}">
+    <dgm:pt modelId="{C0D5B7C3-AA00-473E-8E71-2FD79A462FEE}" type="parTrans" cxnId="{E3287FDC-8A55-45DA-AEE5-89AB63B59CE0}">
       <dgm:prSet/>
       <dgm:spPr/>
       <dgm:t>
@@ -5840,10 +6331,29 @@
         <a:lstStyle/>
         <a:p>
           <a:r>
-            <a:rPr lang="pt-BR" sz="1400" b="1" dirty="0" smtClean="0"/>
+            <a:rPr lang="pt-BR" sz="1600" b="1" dirty="0" smtClean="0">
+              <a:solidFill>
+                <a:srgbClr val="0070C0"/>
+              </a:solidFill>
+            </a:rPr>
             <a:t>Consultas</a:t>
           </a:r>
-          <a:endParaRPr lang="pt-BR" sz="1400" b="1" dirty="0"/>
+          <a:endParaRPr lang="pt-BR" sz="1600" b="1" dirty="0">
+            <a:solidFill>
+              <a:srgbClr val="0070C0"/>
+            </a:solidFill>
+          </a:endParaRPr>
+        </a:p>
+      </dgm:t>
+    </dgm:pt>
+    <dgm:pt modelId="{4AC18B29-D66A-4290-B0B1-638894B89790}" type="sibTrans" cxnId="{9C28426E-782A-4827-A1AF-DF19DEE0E663}">
+      <dgm:prSet/>
+      <dgm:spPr/>
+      <dgm:t>
+        <a:bodyPr/>
+        <a:lstStyle/>
+        <a:p>
+          <a:endParaRPr lang="pt-BR"/>
         </a:p>
       </dgm:t>
     </dgm:pt>
@@ -5858,18 +6368,7 @@
         </a:p>
       </dgm:t>
     </dgm:pt>
-    <dgm:pt modelId="{4AC18B29-D66A-4290-B0B1-638894B89790}" type="sibTrans" cxnId="{9C28426E-782A-4827-A1AF-DF19DEE0E663}">
-      <dgm:prSet/>
-      <dgm:spPr/>
-      <dgm:t>
-        <a:bodyPr/>
-        <a:lstStyle/>
-        <a:p>
-          <a:endParaRPr lang="pt-BR"/>
-        </a:p>
-      </dgm:t>
-    </dgm:pt>
-    <dgm:pt modelId="{835444D0-9403-488B-8CF6-1BA423F14FF4}">
+    <dgm:pt modelId="{33CF88AB-0BBD-45CE-A2E6-91DC37BEC598}">
       <dgm:prSet phldrT="[Texto]" custT="1">
         <dgm:style>
           <a:lnRef idx="2">
@@ -5892,37 +6391,23 @@
         <a:lstStyle/>
         <a:p>
           <a:pPr algn="l"/>
-          <a:r>
-            <a:rPr lang="pt-BR" sz="1400" b="1" dirty="0" smtClean="0"/>
-            <a:t>Compartilhamento de dados</a:t>
-          </a:r>
-          <a:endParaRPr lang="pt-BR" sz="1400" b="1" dirty="0"/>
+          <a:endParaRPr lang="pt-BR" sz="1600" b="1" dirty="0">
+            <a:solidFill>
+              <a:srgbClr val="0070C0"/>
+            </a:solidFill>
+          </a:endParaRPr>
         </a:p>
       </dgm:t>
     </dgm:pt>
-    <dgm:pt modelId="{C29ED5FF-29B9-4D55-9C15-3D427BB84784}" type="parTrans" cxnId="{2E04EE15-0EFD-4A5E-96F9-C3FE50E596F5}">
+    <dgm:pt modelId="{79CE13D7-ECCC-4341-8CA2-7CDC47245BC1}" type="parTrans" cxnId="{5A7F80D8-A330-410D-B489-3AC0ED203AA3}">
       <dgm:prSet/>
       <dgm:spPr/>
-      <dgm:t>
-        <a:bodyPr/>
-        <a:lstStyle/>
-        <a:p>
-          <a:endParaRPr lang="pt-BR"/>
-        </a:p>
-      </dgm:t>
-    </dgm:pt>
-    <dgm:pt modelId="{F0580B45-2587-4095-A289-2D6D62D7D0E2}" type="sibTrans" cxnId="{2E04EE15-0EFD-4A5E-96F9-C3FE50E596F5}">
+    </dgm:pt>
+    <dgm:pt modelId="{99324A83-CEE1-4535-BF17-0F2B7234D073}" type="sibTrans" cxnId="{5A7F80D8-A330-410D-B489-3AC0ED203AA3}">
       <dgm:prSet/>
       <dgm:spPr/>
-      <dgm:t>
-        <a:bodyPr/>
-        <a:lstStyle/>
-        <a:p>
-          <a:endParaRPr lang="pt-BR"/>
-        </a:p>
-      </dgm:t>
-    </dgm:pt>
-    <dgm:pt modelId="{0F73E91A-24E8-44FC-8282-F39E528AC837}">
+    </dgm:pt>
+    <dgm:pt modelId="{60103D0B-3A05-4853-92C2-7E00584C981E}">
       <dgm:prSet phldrT="[Texto]" custT="1">
         <dgm:style>
           <a:lnRef idx="2">
@@ -5944,34 +6429,23 @@
         <a:bodyPr/>
         <a:lstStyle/>
         <a:p>
-          <a:pPr algn="l"/>
-          <a:endParaRPr lang="pt-BR" sz="1400" b="1" dirty="0"/>
+          <a:endParaRPr lang="pt-BR" sz="1600" b="1" dirty="0">
+            <a:solidFill>
+              <a:srgbClr val="0070C0"/>
+            </a:solidFill>
+          </a:endParaRPr>
         </a:p>
       </dgm:t>
     </dgm:pt>
-    <dgm:pt modelId="{C1AA1994-3B2F-47C9-8F5B-A08CE6A5D095}" type="parTrans" cxnId="{22BA4952-EA9D-42A7-ABA5-EAD0B5F9B167}">
+    <dgm:pt modelId="{9D676AB5-9AAE-4AB8-977A-2D9DC18A4B46}" type="parTrans" cxnId="{8BF56599-6D59-4BFC-B288-4AEC63D44ED7}">
       <dgm:prSet/>
       <dgm:spPr/>
-      <dgm:t>
-        <a:bodyPr/>
-        <a:lstStyle/>
-        <a:p>
-          <a:endParaRPr lang="pt-BR"/>
-        </a:p>
-      </dgm:t>
-    </dgm:pt>
-    <dgm:pt modelId="{F93555B6-77A8-4728-91CF-7AF5B0C7EE62}" type="sibTrans" cxnId="{22BA4952-EA9D-42A7-ABA5-EAD0B5F9B167}">
+    </dgm:pt>
+    <dgm:pt modelId="{3973ABF2-8D4E-46DD-B1C6-ECA15BFC09CA}" type="sibTrans" cxnId="{8BF56599-6D59-4BFC-B288-4AEC63D44ED7}">
       <dgm:prSet/>
       <dgm:spPr/>
-      <dgm:t>
-        <a:bodyPr/>
-        <a:lstStyle/>
-        <a:p>
-          <a:endParaRPr lang="pt-BR"/>
-        </a:p>
-      </dgm:t>
-    </dgm:pt>
-    <dgm:pt modelId="{F9D38618-21A9-472D-92B4-2079A7013EA4}">
+    </dgm:pt>
+    <dgm:pt modelId="{688C900A-2766-45AF-8A4C-DE19E196DC40}">
       <dgm:prSet phldrT="[Texto]" custT="1">
         <dgm:style>
           <a:lnRef idx="2">
@@ -5993,325 +6467,21 @@
         <a:bodyPr/>
         <a:lstStyle/>
         <a:p>
-          <a:endParaRPr lang="pt-BR" sz="1400" b="1" dirty="0"/>
+          <a:endParaRPr lang="pt-BR" sz="1600" b="1" dirty="0">
+            <a:solidFill>
+              <a:srgbClr val="0070C0"/>
+            </a:solidFill>
+          </a:endParaRPr>
         </a:p>
       </dgm:t>
     </dgm:pt>
-    <dgm:pt modelId="{181E5304-5E89-4CE3-A1FA-1A4445AF15C8}" type="parTrans" cxnId="{9DB33BD0-4DBA-4C3F-846F-F2711FE0E6BD}">
+    <dgm:pt modelId="{AABFE4A9-F133-4497-AECC-317D9325C377}" type="parTrans" cxnId="{2FB88882-B04C-4261-9B07-D903DC9D9EA1}">
       <dgm:prSet/>
       <dgm:spPr/>
-      <dgm:t>
-        <a:bodyPr/>
-        <a:lstStyle/>
-        <a:p>
-          <a:endParaRPr lang="pt-BR"/>
-        </a:p>
-      </dgm:t>
-    </dgm:pt>
-    <dgm:pt modelId="{DEBEAAE4-E6F2-4848-9079-BE40B31BACCD}" type="sibTrans" cxnId="{9DB33BD0-4DBA-4C3F-846F-F2711FE0E6BD}">
+    </dgm:pt>
+    <dgm:pt modelId="{4E7F9570-3428-4185-B476-056063C25389}" type="sibTrans" cxnId="{2FB88882-B04C-4261-9B07-D903DC9D9EA1}">
       <dgm:prSet/>
       <dgm:spPr/>
-      <dgm:t>
-        <a:bodyPr/>
-        <a:lstStyle/>
-        <a:p>
-          <a:endParaRPr lang="pt-BR"/>
-        </a:p>
-      </dgm:t>
-    </dgm:pt>
-    <dgm:pt modelId="{59BF4FD9-4BF0-450F-A924-D7283EA0A3C2}">
-      <dgm:prSet phldrT="[Texto]" custT="1">
-        <dgm:style>
-          <a:lnRef idx="2">
-            <a:schemeClr val="accent1"/>
-          </a:lnRef>
-          <a:fillRef idx="1">
-            <a:schemeClr val="lt1"/>
-          </a:fillRef>
-          <a:effectRef idx="0">
-            <a:schemeClr val="accent1"/>
-          </a:effectRef>
-          <a:fontRef idx="minor">
-            <a:schemeClr val="dk1"/>
-          </a:fontRef>
-        </dgm:style>
-      </dgm:prSet>
-      <dgm:spPr/>
-      <dgm:t>
-        <a:bodyPr/>
-        <a:lstStyle/>
-        <a:p>
-          <a:pPr algn="l"/>
-          <a:endParaRPr lang="pt-BR" sz="1400" b="1" dirty="0"/>
-        </a:p>
-      </dgm:t>
-    </dgm:pt>
-    <dgm:pt modelId="{8761CF33-9B88-4BC0-8A8D-8E4B646981F2}" type="parTrans" cxnId="{4B0F930D-EE14-4620-9947-895E9A1529BF}">
-      <dgm:prSet/>
-      <dgm:spPr/>
-      <dgm:t>
-        <a:bodyPr/>
-        <a:lstStyle/>
-        <a:p>
-          <a:endParaRPr lang="pt-BR"/>
-        </a:p>
-      </dgm:t>
-    </dgm:pt>
-    <dgm:pt modelId="{9F8163B5-F294-45D7-AEAF-EA88EBB3B6A3}" type="sibTrans" cxnId="{4B0F930D-EE14-4620-9947-895E9A1529BF}">
-      <dgm:prSet/>
-      <dgm:spPr/>
-      <dgm:t>
-        <a:bodyPr/>
-        <a:lstStyle/>
-        <a:p>
-          <a:endParaRPr lang="pt-BR"/>
-        </a:p>
-      </dgm:t>
-    </dgm:pt>
-    <dgm:pt modelId="{0F3E3240-049E-4C85-83B0-4A38B3BAD305}">
-      <dgm:prSet phldrT="[Texto]" custT="1">
-        <dgm:style>
-          <a:lnRef idx="2">
-            <a:schemeClr val="accent1"/>
-          </a:lnRef>
-          <a:fillRef idx="1">
-            <a:schemeClr val="lt1"/>
-          </a:fillRef>
-          <a:effectRef idx="0">
-            <a:schemeClr val="accent1"/>
-          </a:effectRef>
-          <a:fontRef idx="minor">
-            <a:schemeClr val="dk1"/>
-          </a:fontRef>
-        </dgm:style>
-      </dgm:prSet>
-      <dgm:spPr/>
-      <dgm:t>
-        <a:bodyPr/>
-        <a:lstStyle/>
-        <a:p>
-          <a:endParaRPr lang="pt-BR" sz="1400" b="1" dirty="0"/>
-        </a:p>
-      </dgm:t>
-    </dgm:pt>
-    <dgm:pt modelId="{500CBC5A-72EC-4F1F-8BD7-22D81C693AA8}" type="parTrans" cxnId="{E5B78FEC-B1D9-4EC3-A03E-DD89AE2D8BBB}">
-      <dgm:prSet/>
-      <dgm:spPr/>
-      <dgm:t>
-        <a:bodyPr/>
-        <a:lstStyle/>
-        <a:p>
-          <a:endParaRPr lang="pt-BR"/>
-        </a:p>
-      </dgm:t>
-    </dgm:pt>
-    <dgm:pt modelId="{6817EB24-D370-4C5E-ABB4-525C433C69F0}" type="sibTrans" cxnId="{E5B78FEC-B1D9-4EC3-A03E-DD89AE2D8BBB}">
-      <dgm:prSet/>
-      <dgm:spPr/>
-      <dgm:t>
-        <a:bodyPr/>
-        <a:lstStyle/>
-        <a:p>
-          <a:endParaRPr lang="pt-BR"/>
-        </a:p>
-      </dgm:t>
-    </dgm:pt>
-    <dgm:pt modelId="{C5FC6C3C-ED92-4431-9B44-CD976E59FF5E}">
-      <dgm:prSet phldrT="[Texto]" custT="1">
-        <dgm:style>
-          <a:lnRef idx="2">
-            <a:schemeClr val="accent1"/>
-          </a:lnRef>
-          <a:fillRef idx="1">
-            <a:schemeClr val="lt1"/>
-          </a:fillRef>
-          <a:effectRef idx="0">
-            <a:schemeClr val="accent1"/>
-          </a:effectRef>
-          <a:fontRef idx="minor">
-            <a:schemeClr val="dk1"/>
-          </a:fontRef>
-        </dgm:style>
-      </dgm:prSet>
-      <dgm:spPr/>
-      <dgm:t>
-        <a:bodyPr/>
-        <a:lstStyle/>
-        <a:p>
-          <a:r>
-            <a:rPr lang="pt-BR" sz="1400" b="1" dirty="0" smtClean="0"/>
-            <a:t>Interação entre grupos</a:t>
-          </a:r>
-          <a:endParaRPr lang="pt-BR" sz="1400" b="1" dirty="0"/>
-        </a:p>
-      </dgm:t>
-    </dgm:pt>
-    <dgm:pt modelId="{AE0E9CC2-5345-4F36-A90C-AD2752E7E9E6}" type="parTrans" cxnId="{C8252A43-F89B-4ED8-9407-8C4E3235C497}">
-      <dgm:prSet/>
-      <dgm:spPr/>
-      <dgm:t>
-        <a:bodyPr/>
-        <a:lstStyle/>
-        <a:p>
-          <a:endParaRPr lang="pt-BR"/>
-        </a:p>
-      </dgm:t>
-    </dgm:pt>
-    <dgm:pt modelId="{28F32126-D00F-495F-BE9C-85E968D4121F}" type="sibTrans" cxnId="{C8252A43-F89B-4ED8-9407-8C4E3235C497}">
-      <dgm:prSet/>
-      <dgm:spPr/>
-      <dgm:t>
-        <a:bodyPr/>
-        <a:lstStyle/>
-        <a:p>
-          <a:endParaRPr lang="pt-BR"/>
-        </a:p>
-      </dgm:t>
-    </dgm:pt>
-    <dgm:pt modelId="{A7D226C9-5E92-4FD2-9426-D029994EEFDC}">
-      <dgm:prSet phldrT="[Texto]" custT="1">
-        <dgm:style>
-          <a:lnRef idx="2">
-            <a:schemeClr val="accent1"/>
-          </a:lnRef>
-          <a:fillRef idx="1">
-            <a:schemeClr val="lt1"/>
-          </a:fillRef>
-          <a:effectRef idx="0">
-            <a:schemeClr val="accent1"/>
-          </a:effectRef>
-          <a:fontRef idx="minor">
-            <a:schemeClr val="dk1"/>
-          </a:fontRef>
-        </dgm:style>
-      </dgm:prSet>
-      <dgm:spPr/>
-      <dgm:t>
-        <a:bodyPr/>
-        <a:lstStyle/>
-        <a:p>
-          <a:endParaRPr lang="pt-BR" sz="1400" b="1" dirty="0"/>
-        </a:p>
-      </dgm:t>
-    </dgm:pt>
-    <dgm:pt modelId="{416E4625-0C19-49C1-9768-BDBCCA30B93C}" type="parTrans" cxnId="{95E1E2D3-B64B-4AEA-BF04-D1CA2E013D44}">
-      <dgm:prSet/>
-      <dgm:spPr/>
-      <dgm:t>
-        <a:bodyPr/>
-        <a:lstStyle/>
-        <a:p>
-          <a:endParaRPr lang="pt-BR"/>
-        </a:p>
-      </dgm:t>
-    </dgm:pt>
-    <dgm:pt modelId="{618C3FCC-A047-4A59-B8AE-EB8EEF617890}" type="sibTrans" cxnId="{95E1E2D3-B64B-4AEA-BF04-D1CA2E013D44}">
-      <dgm:prSet/>
-      <dgm:spPr/>
-      <dgm:t>
-        <a:bodyPr/>
-        <a:lstStyle/>
-        <a:p>
-          <a:endParaRPr lang="pt-BR"/>
-        </a:p>
-      </dgm:t>
-    </dgm:pt>
-    <dgm:pt modelId="{30BC9797-C8E3-4728-AA34-A33AFEAA692E}">
-      <dgm:prSet phldrT="[Texto]" custT="1">
-        <dgm:style>
-          <a:lnRef idx="2">
-            <a:schemeClr val="accent1"/>
-          </a:lnRef>
-          <a:fillRef idx="1">
-            <a:schemeClr val="lt1"/>
-          </a:fillRef>
-          <a:effectRef idx="0">
-            <a:schemeClr val="accent1"/>
-          </a:effectRef>
-          <a:fontRef idx="minor">
-            <a:schemeClr val="dk1"/>
-          </a:fontRef>
-        </dgm:style>
-      </dgm:prSet>
-      <dgm:spPr/>
-      <dgm:t>
-        <a:bodyPr/>
-        <a:lstStyle/>
-        <a:p>
-          <a:endParaRPr lang="pt-BR" sz="1800" b="1" dirty="0"/>
-        </a:p>
-      </dgm:t>
-    </dgm:pt>
-    <dgm:pt modelId="{054B1F8E-E9AC-4A78-BB16-7D8497700B75}" type="sibTrans" cxnId="{D0D17C37-7497-44FA-8908-85838A8EB613}">
-      <dgm:prSet/>
-      <dgm:spPr/>
-      <dgm:t>
-        <a:bodyPr/>
-        <a:lstStyle/>
-        <a:p>
-          <a:endParaRPr lang="pt-BR"/>
-        </a:p>
-      </dgm:t>
-    </dgm:pt>
-    <dgm:pt modelId="{22B7AA6B-9EFA-4D2B-9167-284C1AC4B3BE}" type="parTrans" cxnId="{D0D17C37-7497-44FA-8908-85838A8EB613}">
-      <dgm:prSet/>
-      <dgm:spPr/>
-      <dgm:t>
-        <a:bodyPr/>
-        <a:lstStyle/>
-        <a:p>
-          <a:endParaRPr lang="pt-BR"/>
-        </a:p>
-      </dgm:t>
-    </dgm:pt>
-    <dgm:pt modelId="{AB2E5A07-628C-4E92-90B5-D0FC29CDD9C7}">
-      <dgm:prSet phldrT="[Texto]" custT="1">
-        <dgm:style>
-          <a:lnRef idx="2">
-            <a:schemeClr val="accent1"/>
-          </a:lnRef>
-          <a:fillRef idx="1">
-            <a:schemeClr val="lt1"/>
-          </a:fillRef>
-          <a:effectRef idx="0">
-            <a:schemeClr val="accent1"/>
-          </a:effectRef>
-          <a:fontRef idx="minor">
-            <a:schemeClr val="dk1"/>
-          </a:fontRef>
-        </dgm:style>
-      </dgm:prSet>
-      <dgm:spPr/>
-      <dgm:t>
-        <a:bodyPr/>
-        <a:lstStyle/>
-        <a:p>
-          <a:pPr algn="l"/>
-          <a:endParaRPr lang="pt-BR" sz="1400" b="1" dirty="0"/>
-        </a:p>
-      </dgm:t>
-    </dgm:pt>
-    <dgm:pt modelId="{1A383F36-FE35-43F6-9A56-87C1C2601885}" type="sibTrans" cxnId="{7A1F2110-9C05-4201-A75F-73284CDE0F86}">
-      <dgm:prSet/>
-      <dgm:spPr/>
-      <dgm:t>
-        <a:bodyPr/>
-        <a:lstStyle/>
-        <a:p>
-          <a:endParaRPr lang="pt-BR"/>
-        </a:p>
-      </dgm:t>
-    </dgm:pt>
-    <dgm:pt modelId="{4015142C-E082-4615-B7AB-FB0D2987A9AC}" type="parTrans" cxnId="{7A1F2110-9C05-4201-A75F-73284CDE0F86}">
-      <dgm:prSet/>
-      <dgm:spPr/>
-      <dgm:t>
-        <a:bodyPr/>
-        <a:lstStyle/>
-        <a:p>
-          <a:endParaRPr lang="pt-BR"/>
-        </a:p>
-      </dgm:t>
     </dgm:pt>
     <dgm:pt modelId="{BCDBC707-4A93-4D55-A61A-79732B703027}" type="pres">
       <dgm:prSet presAssocID="{E253E697-B0C3-42D4-81FD-D3ABCA72938E}" presName="linearFlow" presStyleCnt="0">
@@ -6352,7 +6522,7 @@
       </dgm:t>
     </dgm:pt>
     <dgm:pt modelId="{DADC7395-583C-4FD5-8691-3342B823E6CA}" type="pres">
-      <dgm:prSet presAssocID="{4BA36FF7-0F0F-4341-A68C-01E8516603CD}" presName="parSh" presStyleLbl="node1" presStyleIdx="0" presStyleCnt="3"/>
+      <dgm:prSet presAssocID="{4BA36FF7-0F0F-4341-A68C-01E8516603CD}" presName="parSh" presStyleLbl="node1" presStyleIdx="0" presStyleCnt="3" custScaleX="127307" custScaleY="165914"/>
       <dgm:spPr/>
       <dgm:t>
         <a:bodyPr/>
@@ -6363,7 +6533,7 @@
       </dgm:t>
     </dgm:pt>
     <dgm:pt modelId="{A64C8272-FC1A-4572-A0B1-A3C36EACD2B6}" type="pres">
-      <dgm:prSet presAssocID="{4BA36FF7-0F0F-4341-A68C-01E8516603CD}" presName="desTx" presStyleLbl="fgAcc1" presStyleIdx="0" presStyleCnt="3" custScaleX="164686" custScaleY="39969" custLinFactNeighborX="11056" custLinFactNeighborY="364">
+      <dgm:prSet presAssocID="{4BA36FF7-0F0F-4341-A68C-01E8516603CD}" presName="desTx" presStyleLbl="fgAcc1" presStyleIdx="0" presStyleCnt="3" custScaleX="161356" custScaleY="100000" custLinFactNeighborX="11056" custLinFactNeighborY="364">
         <dgm:presLayoutVars>
           <dgm:bulletEnabled val="1"/>
         </dgm:presLayoutVars>
@@ -6378,8 +6548,12 @@
       </dgm:t>
     </dgm:pt>
     <dgm:pt modelId="{330F8E89-32DF-4BC4-AED2-91D2D7CB94C5}" type="pres">
-      <dgm:prSet presAssocID="{579997AD-FA9A-4915-A323-8F17CA09514B}" presName="sibTrans" presStyleLbl="sibTrans2D1" presStyleIdx="0" presStyleCnt="2" custScaleX="147442" custScaleY="201821"/>
-      <dgm:spPr/>
+      <dgm:prSet presAssocID="{579997AD-FA9A-4915-A323-8F17CA09514B}" presName="sibTrans" presStyleLbl="sibTrans2D1" presStyleIdx="0" presStyleCnt="2" custScaleX="111184" custScaleY="163869" custLinFactNeighborX="-10758" custLinFactNeighborY="-39188"/>
+      <dgm:spPr>
+        <a:prstGeom prst="chevron">
+          <a:avLst/>
+        </a:prstGeom>
+      </dgm:spPr>
       <dgm:t>
         <a:bodyPr/>
         <a:lstStyle/>
@@ -6421,7 +6595,7 @@
       </dgm:t>
     </dgm:pt>
     <dgm:pt modelId="{D6C82472-F7A1-44F8-BE16-C0E2E40E0D6B}" type="pres">
-      <dgm:prSet presAssocID="{140DB818-E071-4B39-BEDA-37F84C79FBA2}" presName="parSh" presStyleLbl="node1" presStyleIdx="1" presStyleCnt="3" custScaleX="107759"/>
+      <dgm:prSet presAssocID="{140DB818-E071-4B39-BEDA-37F84C79FBA2}" presName="parSh" presStyleLbl="node1" presStyleIdx="1" presStyleCnt="3" custScaleX="126351" custScaleY="164421" custLinFactNeighborX="-1429" custLinFactNeighborY="1261"/>
       <dgm:spPr/>
       <dgm:t>
         <a:bodyPr/>
@@ -6432,7 +6606,7 @@
       </dgm:t>
     </dgm:pt>
     <dgm:pt modelId="{3E47BC9E-87C0-4D93-83F4-A810B62AEF07}" type="pres">
-      <dgm:prSet presAssocID="{140DB818-E071-4B39-BEDA-37F84C79FBA2}" presName="desTx" presStyleLbl="fgAcc1" presStyleIdx="1" presStyleCnt="3" custScaleX="156074" custScaleY="39876" custLinFactNeighborX="3151" custLinFactNeighborY="273">
+      <dgm:prSet presAssocID="{140DB818-E071-4B39-BEDA-37F84C79FBA2}" presName="desTx" presStyleLbl="fgAcc1" presStyleIdx="1" presStyleCnt="3" custScaleX="170443" custScaleY="100000" custLinFactNeighborX="12777" custLinFactNeighborY="273">
         <dgm:presLayoutVars>
           <dgm:bulletEnabled val="1"/>
         </dgm:presLayoutVars>
@@ -6447,8 +6621,12 @@
       </dgm:t>
     </dgm:pt>
     <dgm:pt modelId="{1390A124-BEDA-4A49-9B1B-0ED2FB571A6C}" type="pres">
-      <dgm:prSet presAssocID="{AAA7816F-0D18-434B-AF27-E1709A042EA5}" presName="sibTrans" presStyleLbl="sibTrans2D1" presStyleIdx="1" presStyleCnt="2" custScaleX="161748" custScaleY="200726"/>
-      <dgm:spPr/>
+      <dgm:prSet presAssocID="{AAA7816F-0D18-434B-AF27-E1709A042EA5}" presName="sibTrans" presStyleLbl="sibTrans2D1" presStyleIdx="1" presStyleCnt="2" custScaleX="116820" custScaleY="169591" custLinFactNeighborX="-5248" custLinFactNeighborY="-27163"/>
+      <dgm:spPr>
+        <a:prstGeom prst="chevron">
+          <a:avLst/>
+        </a:prstGeom>
+      </dgm:spPr>
       <dgm:t>
         <a:bodyPr/>
         <a:lstStyle/>
@@ -6490,7 +6668,7 @@
       </dgm:t>
     </dgm:pt>
     <dgm:pt modelId="{944B484B-F688-4CFA-A4FB-08B237CA5903}" type="pres">
-      <dgm:prSet presAssocID="{AD7A2D0A-69C1-40D4-AC3C-50ACA39C45C1}" presName="parSh" presStyleLbl="node1" presStyleIdx="2" presStyleCnt="3"/>
+      <dgm:prSet presAssocID="{AD7A2D0A-69C1-40D4-AC3C-50ACA39C45C1}" presName="parSh" presStyleLbl="node1" presStyleIdx="2" presStyleCnt="3" custScaleX="123869" custScaleY="160996" custLinFactNeighborX="-14986" custLinFactNeighborY="-247"/>
       <dgm:spPr/>
       <dgm:t>
         <a:bodyPr/>
@@ -6501,7 +6679,7 @@
       </dgm:t>
     </dgm:pt>
     <dgm:pt modelId="{1993AEF3-68C8-4F83-9F1E-D1B7B5B4963C}" type="pres">
-      <dgm:prSet presAssocID="{AD7A2D0A-69C1-40D4-AC3C-50ACA39C45C1}" presName="desTx" presStyleLbl="fgAcc1" presStyleIdx="2" presStyleCnt="3" custScaleX="142588" custScaleY="39578">
+      <dgm:prSet presAssocID="{AD7A2D0A-69C1-40D4-AC3C-50ACA39C45C1}" presName="desTx" presStyleLbl="fgAcc1" presStyleIdx="2" presStyleCnt="3" custScaleX="168558" custScaleY="100000">
         <dgm:presLayoutVars>
           <dgm:bulletEnabled val="1"/>
         </dgm:presLayoutVars>
@@ -6517,48 +6695,52 @@
     </dgm:pt>
   </dgm:ptLst>
   <dgm:cxnLst>
-    <dgm:cxn modelId="{22BA4952-EA9D-42A7-ABA5-EAD0B5F9B167}" srcId="{4BA36FF7-0F0F-4341-A68C-01E8516603CD}" destId="{0F73E91A-24E8-44FC-8282-F39E528AC837}" srcOrd="3" destOrd="0" parTransId="{C1AA1994-3B2F-47C9-8F5B-A08CE6A5D095}" sibTransId="{F93555B6-77A8-4728-91CF-7AF5B0C7EE62}"/>
-    <dgm:cxn modelId="{82215399-8FEF-435E-B12E-B0BBF6350A2D}" srcId="{140DB818-E071-4B39-BEDA-37F84C79FBA2}" destId="{57884B04-88D4-4FB2-8678-5199DF429E6F}" srcOrd="0" destOrd="0" parTransId="{C4B27B1D-C2E0-4804-B643-F031B63B66D3}" sibTransId="{B8942B1F-0DA1-4630-8D8B-34A3B43C11D5}"/>
+    <dgm:cxn modelId="{22BA4952-EA9D-42A7-ABA5-EAD0B5F9B167}" srcId="{4BA36FF7-0F0F-4341-A68C-01E8516603CD}" destId="{0F73E91A-24E8-44FC-8282-F39E528AC837}" srcOrd="4" destOrd="0" parTransId="{C1AA1994-3B2F-47C9-8F5B-A08CE6A5D095}" sibTransId="{F93555B6-77A8-4728-91CF-7AF5B0C7EE62}"/>
+    <dgm:cxn modelId="{82215399-8FEF-435E-B12E-B0BBF6350A2D}" srcId="{140DB818-E071-4B39-BEDA-37F84C79FBA2}" destId="{57884B04-88D4-4FB2-8678-5199DF429E6F}" srcOrd="1" destOrd="0" parTransId="{C4B27B1D-C2E0-4804-B643-F031B63B66D3}" sibTransId="{B8942B1F-0DA1-4630-8D8B-34A3B43C11D5}"/>
     <dgm:cxn modelId="{9C9CCD84-152C-4BF0-AE56-02A77DCE9308}" type="presOf" srcId="{AD7A2D0A-69C1-40D4-AC3C-50ACA39C45C1}" destId="{944B484B-F688-4CFA-A4FB-08B237CA5903}" srcOrd="1" destOrd="0" presId="urn:microsoft.com/office/officeart/2005/8/layout/process3"/>
     <dgm:cxn modelId="{BB53AC73-5473-4487-A280-CC415E72C20C}" srcId="{E253E697-B0C3-42D4-81FD-D3ABCA72938E}" destId="{140DB818-E071-4B39-BEDA-37F84C79FBA2}" srcOrd="1" destOrd="0" parTransId="{5D492640-F330-4177-9F25-0C2545064803}" sibTransId="{AAA7816F-0D18-434B-AF27-E1709A042EA5}"/>
-    <dgm:cxn modelId="{95E1E2D3-B64B-4AEA-BF04-D1CA2E013D44}" srcId="{AD7A2D0A-69C1-40D4-AC3C-50ACA39C45C1}" destId="{A7D226C9-5E92-4FD2-9426-D029994EEFDC}" srcOrd="3" destOrd="0" parTransId="{416E4625-0C19-49C1-9768-BDBCCA30B93C}" sibTransId="{618C3FCC-A047-4A59-B8AE-EB8EEF617890}"/>
+    <dgm:cxn modelId="{95E1E2D3-B64B-4AEA-BF04-D1CA2E013D44}" srcId="{AD7A2D0A-69C1-40D4-AC3C-50ACA39C45C1}" destId="{A7D226C9-5E92-4FD2-9426-D029994EEFDC}" srcOrd="4" destOrd="0" parTransId="{416E4625-0C19-49C1-9768-BDBCCA30B93C}" sibTransId="{618C3FCC-A047-4A59-B8AE-EB8EEF617890}"/>
     <dgm:cxn modelId="{5A2ECE84-5973-469B-B8D7-72377C33E035}" type="presOf" srcId="{AAA7816F-0D18-434B-AF27-E1709A042EA5}" destId="{1390A124-BEDA-4A49-9B1B-0ED2FB571A6C}" srcOrd="0" destOrd="0" presId="urn:microsoft.com/office/officeart/2005/8/layout/process3"/>
     <dgm:cxn modelId="{021B0986-616E-47A6-BC20-5C2A8AA71A81}" type="presOf" srcId="{E253E697-B0C3-42D4-81FD-D3ABCA72938E}" destId="{BCDBC707-4A93-4D55-A61A-79732B703027}" srcOrd="0" destOrd="0" presId="urn:microsoft.com/office/officeart/2005/8/layout/process3"/>
-    <dgm:cxn modelId="{4B0F930D-EE14-4620-9947-895E9A1529BF}" srcId="{4BA36FF7-0F0F-4341-A68C-01E8516603CD}" destId="{59BF4FD9-4BF0-450F-A924-D7283EA0A3C2}" srcOrd="1" destOrd="0" parTransId="{8761CF33-9B88-4BC0-8A8D-8E4B646981F2}" sibTransId="{9F8163B5-F294-45D7-AEAF-EA88EBB3B6A3}"/>
-    <dgm:cxn modelId="{70E001FD-178A-4D81-BB4B-147BB392D9CB}" type="presOf" srcId="{A7D226C9-5E92-4FD2-9426-D029994EEFDC}" destId="{1993AEF3-68C8-4F83-9F1E-D1B7B5B4963C}" srcOrd="0" destOrd="3" presId="urn:microsoft.com/office/officeart/2005/8/layout/process3"/>
-    <dgm:cxn modelId="{E3287FDC-8A55-45DA-AEE5-89AB63B59CE0}" srcId="{AD7A2D0A-69C1-40D4-AC3C-50ACA39C45C1}" destId="{EAE6F129-AF20-489F-B448-BFE264B615C1}" srcOrd="2" destOrd="0" parTransId="{C0D5B7C3-AA00-473E-8E71-2FD79A462FEE}" sibTransId="{401713F0-76B5-43A2-A4F5-305F4CA21957}"/>
+    <dgm:cxn modelId="{4B0F930D-EE14-4620-9947-895E9A1529BF}" srcId="{4BA36FF7-0F0F-4341-A68C-01E8516603CD}" destId="{59BF4FD9-4BF0-450F-A924-D7283EA0A3C2}" srcOrd="2" destOrd="0" parTransId="{8761CF33-9B88-4BC0-8A8D-8E4B646981F2}" sibTransId="{9F8163B5-F294-45D7-AEAF-EA88EBB3B6A3}"/>
+    <dgm:cxn modelId="{70E001FD-178A-4D81-BB4B-147BB392D9CB}" type="presOf" srcId="{A7D226C9-5E92-4FD2-9426-D029994EEFDC}" destId="{1993AEF3-68C8-4F83-9F1E-D1B7B5B4963C}" srcOrd="0" destOrd="4" presId="urn:microsoft.com/office/officeart/2005/8/layout/process3"/>
+    <dgm:cxn modelId="{E3287FDC-8A55-45DA-AEE5-89AB63B59CE0}" srcId="{AD7A2D0A-69C1-40D4-AC3C-50ACA39C45C1}" destId="{EAE6F129-AF20-489F-B448-BFE264B615C1}" srcOrd="3" destOrd="0" parTransId="{C0D5B7C3-AA00-473E-8E71-2FD79A462FEE}" sibTransId="{401713F0-76B5-43A2-A4F5-305F4CA21957}"/>
     <dgm:cxn modelId="{605658C6-069A-4135-B3FB-B8571120DFAF}" type="presOf" srcId="{4BA36FF7-0F0F-4341-A68C-01E8516603CD}" destId="{DADC7395-583C-4FD5-8691-3342B823E6CA}" srcOrd="1" destOrd="0" presId="urn:microsoft.com/office/officeart/2005/8/layout/process3"/>
     <dgm:cxn modelId="{7DDFCDF5-FB4B-4B56-AB28-D717E8E38C18}" type="presOf" srcId="{AAA7816F-0D18-434B-AF27-E1709A042EA5}" destId="{A890346F-3222-4081-BF76-FED6671C2558}" srcOrd="1" destOrd="0" presId="urn:microsoft.com/office/officeart/2005/8/layout/process3"/>
-    <dgm:cxn modelId="{B365E08F-B81F-401D-9E99-497F8A61C238}" type="presOf" srcId="{C5FC6C3C-ED92-4431-9B44-CD976E59FF5E}" destId="{1993AEF3-68C8-4F83-9F1E-D1B7B5B4963C}" srcOrd="0" destOrd="4" presId="urn:microsoft.com/office/officeart/2005/8/layout/process3"/>
-    <dgm:cxn modelId="{F0F7D5BF-9EC9-43ED-84F4-D150E7AD87DD}" type="presOf" srcId="{F9D38618-21A9-472D-92B4-2079A7013EA4}" destId="{3E47BC9E-87C0-4D93-83F4-A810B62AEF07}" srcOrd="0" destOrd="1" presId="urn:microsoft.com/office/officeart/2005/8/layout/process3"/>
-    <dgm:cxn modelId="{7A1F2110-9C05-4201-A75F-73284CDE0F86}" srcId="{4BA36FF7-0F0F-4341-A68C-01E8516603CD}" destId="{AB2E5A07-628C-4E92-90B5-D0FC29CDD9C7}" srcOrd="4" destOrd="0" parTransId="{4015142C-E082-4615-B7AB-FB0D2987A9AC}" sibTransId="{1A383F36-FE35-43F6-9A56-87C1C2601885}"/>
-    <dgm:cxn modelId="{2E04EE15-0EFD-4A5E-96F9-C3FE50E596F5}" srcId="{4BA36FF7-0F0F-4341-A68C-01E8516603CD}" destId="{835444D0-9403-488B-8CF6-1BA423F14FF4}" srcOrd="2" destOrd="0" parTransId="{C29ED5FF-29B9-4D55-9C15-3D427BB84784}" sibTransId="{F0580B45-2587-4095-A289-2D6D62D7D0E2}"/>
+    <dgm:cxn modelId="{B365E08F-B81F-401D-9E99-497F8A61C238}" type="presOf" srcId="{C5FC6C3C-ED92-4431-9B44-CD976E59FF5E}" destId="{1993AEF3-68C8-4F83-9F1E-D1B7B5B4963C}" srcOrd="0" destOrd="5" presId="urn:microsoft.com/office/officeart/2005/8/layout/process3"/>
+    <dgm:cxn modelId="{F0F7D5BF-9EC9-43ED-84F4-D150E7AD87DD}" type="presOf" srcId="{F9D38618-21A9-472D-92B4-2079A7013EA4}" destId="{3E47BC9E-87C0-4D93-83F4-A810B62AEF07}" srcOrd="0" destOrd="2" presId="urn:microsoft.com/office/officeart/2005/8/layout/process3"/>
+    <dgm:cxn modelId="{2E04EE15-0EFD-4A5E-96F9-C3FE50E596F5}" srcId="{4BA36FF7-0F0F-4341-A68C-01E8516603CD}" destId="{835444D0-9403-488B-8CF6-1BA423F14FF4}" srcOrd="3" destOrd="0" parTransId="{C29ED5FF-29B9-4D55-9C15-3D427BB84784}" sibTransId="{F0580B45-2587-4095-A289-2D6D62D7D0E2}"/>
     <dgm:cxn modelId="{1BD557F6-3147-4A3E-96E1-8774CC36B89A}" srcId="{E253E697-B0C3-42D4-81FD-D3ABCA72938E}" destId="{AD7A2D0A-69C1-40D4-AC3C-50ACA39C45C1}" srcOrd="2" destOrd="0" parTransId="{B65DA3CC-30DF-4011-97FD-91E67EF19982}" sibTransId="{D8E3431A-1020-45BC-A3A1-D9601A2EED84}"/>
     <dgm:cxn modelId="{D95A37CA-F51F-4A08-8D0B-184665F642AA}" type="presOf" srcId="{579997AD-FA9A-4915-A323-8F17CA09514B}" destId="{330F8E89-32DF-4BC4-AED2-91D2D7CB94C5}" srcOrd="0" destOrd="0" presId="urn:microsoft.com/office/officeart/2005/8/layout/process3"/>
-    <dgm:cxn modelId="{3B833AF1-554A-4115-83EE-25F9C4E2AEFD}" type="presOf" srcId="{B2D64904-4778-414A-935C-AFC992C15E50}" destId="{A64C8272-FC1A-4572-A0B1-A3C36EACD2B6}" srcOrd="0" destOrd="0" presId="urn:microsoft.com/office/officeart/2005/8/layout/process3"/>
+    <dgm:cxn modelId="{8BF56599-6D59-4BFC-B288-4AEC63D44ED7}" srcId="{140DB818-E071-4B39-BEDA-37F84C79FBA2}" destId="{60103D0B-3A05-4853-92C2-7E00584C981E}" srcOrd="0" destOrd="0" parTransId="{9D676AB5-9AAE-4AB8-977A-2D9DC18A4B46}" sibTransId="{3973ABF2-8D4E-46DD-B1C6-ECA15BFC09CA}"/>
+    <dgm:cxn modelId="{3B833AF1-554A-4115-83EE-25F9C4E2AEFD}" type="presOf" srcId="{B2D64904-4778-414A-935C-AFC992C15E50}" destId="{A64C8272-FC1A-4572-A0B1-A3C36EACD2B6}" srcOrd="0" destOrd="1" presId="urn:microsoft.com/office/officeart/2005/8/layout/process3"/>
     <dgm:cxn modelId="{13DDD5AB-9265-4DB2-9E66-512CAA799786}" srcId="{E253E697-B0C3-42D4-81FD-D3ABCA72938E}" destId="{4BA36FF7-0F0F-4341-A68C-01E8516603CD}" srcOrd="0" destOrd="0" parTransId="{9FBCD112-267C-4316-B4DD-D2608637A18B}" sibTransId="{579997AD-FA9A-4915-A323-8F17CA09514B}"/>
-    <dgm:cxn modelId="{C8252A43-F89B-4ED8-9407-8C4E3235C497}" srcId="{AD7A2D0A-69C1-40D4-AC3C-50ACA39C45C1}" destId="{C5FC6C3C-ED92-4431-9B44-CD976E59FF5E}" srcOrd="4" destOrd="0" parTransId="{AE0E9CC2-5345-4F36-A90C-AD2752E7E9E6}" sibTransId="{28F32126-D00F-495F-BE9C-85E968D4121F}"/>
-    <dgm:cxn modelId="{99730F66-1996-4851-98CF-04F6604FC848}" type="presOf" srcId="{30BC9797-C8E3-4728-AA34-A33AFEAA692E}" destId="{3E47BC9E-87C0-4D93-83F4-A810B62AEF07}" srcOrd="0" destOrd="3" presId="urn:microsoft.com/office/officeart/2005/8/layout/process3"/>
-    <dgm:cxn modelId="{DEDC3CF2-2819-42A2-BCCA-5AD74688BCE7}" type="presOf" srcId="{EAE6F129-AF20-489F-B448-BFE264B615C1}" destId="{1993AEF3-68C8-4F83-9F1E-D1B7B5B4963C}" srcOrd="0" destOrd="2" presId="urn:microsoft.com/office/officeart/2005/8/layout/process3"/>
-    <dgm:cxn modelId="{2458B5BE-C8FA-424E-82B1-59249C8FD969}" type="presOf" srcId="{59BF4FD9-4BF0-450F-A924-D7283EA0A3C2}" destId="{A64C8272-FC1A-4572-A0B1-A3C36EACD2B6}" srcOrd="0" destOrd="1" presId="urn:microsoft.com/office/officeart/2005/8/layout/process3"/>
+    <dgm:cxn modelId="{C8252A43-F89B-4ED8-9407-8C4E3235C497}" srcId="{AD7A2D0A-69C1-40D4-AC3C-50ACA39C45C1}" destId="{C5FC6C3C-ED92-4431-9B44-CD976E59FF5E}" srcOrd="5" destOrd="0" parTransId="{AE0E9CC2-5345-4F36-A90C-AD2752E7E9E6}" sibTransId="{28F32126-D00F-495F-BE9C-85E968D4121F}"/>
+    <dgm:cxn modelId="{99730F66-1996-4851-98CF-04F6604FC848}" type="presOf" srcId="{30BC9797-C8E3-4728-AA34-A33AFEAA692E}" destId="{3E47BC9E-87C0-4D93-83F4-A810B62AEF07}" srcOrd="0" destOrd="4" presId="urn:microsoft.com/office/officeart/2005/8/layout/process3"/>
+    <dgm:cxn modelId="{2FB88882-B04C-4261-9B07-D903DC9D9EA1}" srcId="{AD7A2D0A-69C1-40D4-AC3C-50ACA39C45C1}" destId="{688C900A-2766-45AF-8A4C-DE19E196DC40}" srcOrd="0" destOrd="0" parTransId="{AABFE4A9-F133-4497-AECC-317D9325C377}" sibTransId="{4E7F9570-3428-4185-B476-056063C25389}"/>
+    <dgm:cxn modelId="{B9C8DB53-DA93-4769-8D2C-0A351EF81B75}" type="presOf" srcId="{688C900A-2766-45AF-8A4C-DE19E196DC40}" destId="{1993AEF3-68C8-4F83-9F1E-D1B7B5B4963C}" srcOrd="0" destOrd="0" presId="urn:microsoft.com/office/officeart/2005/8/layout/process3"/>
+    <dgm:cxn modelId="{DEDC3CF2-2819-42A2-BCCA-5AD74688BCE7}" type="presOf" srcId="{EAE6F129-AF20-489F-B448-BFE264B615C1}" destId="{1993AEF3-68C8-4F83-9F1E-D1B7B5B4963C}" srcOrd="0" destOrd="3" presId="urn:microsoft.com/office/officeart/2005/8/layout/process3"/>
+    <dgm:cxn modelId="{2458B5BE-C8FA-424E-82B1-59249C8FD969}" type="presOf" srcId="{59BF4FD9-4BF0-450F-A924-D7283EA0A3C2}" destId="{A64C8272-FC1A-4572-A0B1-A3C36EACD2B6}" srcOrd="0" destOrd="2" presId="urn:microsoft.com/office/officeart/2005/8/layout/process3"/>
+    <dgm:cxn modelId="{5A7F80D8-A330-410D-B489-3AC0ED203AA3}" srcId="{4BA36FF7-0F0F-4341-A68C-01E8516603CD}" destId="{33CF88AB-0BBD-45CE-A2E6-91DC37BEC598}" srcOrd="0" destOrd="0" parTransId="{79CE13D7-ECCC-4341-8CA2-7CDC47245BC1}" sibTransId="{99324A83-CEE1-4535-BF17-0F2B7234D073}"/>
     <dgm:cxn modelId="{5DDCBCED-AD9D-443E-B390-A89DFC1C749F}" type="presOf" srcId="{140DB818-E071-4B39-BEDA-37F84C79FBA2}" destId="{184053F0-8034-496C-9823-B7D238D8DC93}" srcOrd="0" destOrd="0" presId="urn:microsoft.com/office/officeart/2005/8/layout/process3"/>
-    <dgm:cxn modelId="{9DB33BD0-4DBA-4C3F-846F-F2711FE0E6BD}" srcId="{140DB818-E071-4B39-BEDA-37F84C79FBA2}" destId="{F9D38618-21A9-472D-92B4-2079A7013EA4}" srcOrd="1" destOrd="0" parTransId="{181E5304-5E89-4CE3-A1FA-1A4445AF15C8}" sibTransId="{DEBEAAE4-E6F2-4848-9079-BE40B31BACCD}"/>
+    <dgm:cxn modelId="{9DB33BD0-4DBA-4C3F-846F-F2711FE0E6BD}" srcId="{140DB818-E071-4B39-BEDA-37F84C79FBA2}" destId="{F9D38618-21A9-472D-92B4-2079A7013EA4}" srcOrd="2" destOrd="0" parTransId="{181E5304-5E89-4CE3-A1FA-1A4445AF15C8}" sibTransId="{DEBEAAE4-E6F2-4848-9079-BE40B31BACCD}"/>
     <dgm:cxn modelId="{1797C3E7-363E-4D4F-BF7B-E725B7DA6E80}" type="presOf" srcId="{579997AD-FA9A-4915-A323-8F17CA09514B}" destId="{E703F4C6-A0E0-49AD-9FAC-F47DD1F01258}" srcOrd="1" destOrd="0" presId="urn:microsoft.com/office/officeart/2005/8/layout/process3"/>
-    <dgm:cxn modelId="{9BA353C9-342D-4AC1-B18F-375E8BA8C074}" type="presOf" srcId="{2CABE3B6-2EEA-4A99-BBE7-085383B9725D}" destId="{3E47BC9E-87C0-4D93-83F4-A810B62AEF07}" srcOrd="0" destOrd="2" presId="urn:microsoft.com/office/officeart/2005/8/layout/process3"/>
-    <dgm:cxn modelId="{D0D17C37-7497-44FA-8908-85838A8EB613}" srcId="{140DB818-E071-4B39-BEDA-37F84C79FBA2}" destId="{30BC9797-C8E3-4728-AA34-A33AFEAA692E}" srcOrd="3" destOrd="0" parTransId="{22B7AA6B-9EFA-4D2B-9167-284C1AC4B3BE}" sibTransId="{054B1F8E-E9AC-4A78-BB16-7D8497700B75}"/>
-    <dgm:cxn modelId="{E6108260-E385-432B-A806-C31C8E849437}" srcId="{4BA36FF7-0F0F-4341-A68C-01E8516603CD}" destId="{B2D64904-4778-414A-935C-AFC992C15E50}" srcOrd="0" destOrd="0" parTransId="{3886B039-ED5A-4C35-9224-7296F3AB00E8}" sibTransId="{F27A2EE6-AA94-4404-920A-4FEA4A59E153}"/>
-    <dgm:cxn modelId="{9C28426E-782A-4827-A1AF-DF19DEE0E663}" srcId="{140DB818-E071-4B39-BEDA-37F84C79FBA2}" destId="{2CABE3B6-2EEA-4A99-BBE7-085383B9725D}" srcOrd="2" destOrd="0" parTransId="{E50B1FFE-B27A-488D-9E1C-753288103707}" sibTransId="{4AC18B29-D66A-4290-B0B1-638894B89790}"/>
+    <dgm:cxn modelId="{EB3614E5-919E-4E58-970E-FE271235499F}" type="presOf" srcId="{60103D0B-3A05-4853-92C2-7E00584C981E}" destId="{3E47BC9E-87C0-4D93-83F4-A810B62AEF07}" srcOrd="0" destOrd="0" presId="urn:microsoft.com/office/officeart/2005/8/layout/process3"/>
+    <dgm:cxn modelId="{9BA353C9-342D-4AC1-B18F-375E8BA8C074}" type="presOf" srcId="{2CABE3B6-2EEA-4A99-BBE7-085383B9725D}" destId="{3E47BC9E-87C0-4D93-83F4-A810B62AEF07}" srcOrd="0" destOrd="3" presId="urn:microsoft.com/office/officeart/2005/8/layout/process3"/>
+    <dgm:cxn modelId="{D0D17C37-7497-44FA-8908-85838A8EB613}" srcId="{140DB818-E071-4B39-BEDA-37F84C79FBA2}" destId="{30BC9797-C8E3-4728-AA34-A33AFEAA692E}" srcOrd="4" destOrd="0" parTransId="{22B7AA6B-9EFA-4D2B-9167-284C1AC4B3BE}" sibTransId="{054B1F8E-E9AC-4A78-BB16-7D8497700B75}"/>
+    <dgm:cxn modelId="{E6108260-E385-432B-A806-C31C8E849437}" srcId="{4BA36FF7-0F0F-4341-A68C-01E8516603CD}" destId="{B2D64904-4778-414A-935C-AFC992C15E50}" srcOrd="1" destOrd="0" parTransId="{3886B039-ED5A-4C35-9224-7296F3AB00E8}" sibTransId="{F27A2EE6-AA94-4404-920A-4FEA4A59E153}"/>
+    <dgm:cxn modelId="{9C28426E-782A-4827-A1AF-DF19DEE0E663}" srcId="{140DB818-E071-4B39-BEDA-37F84C79FBA2}" destId="{2CABE3B6-2EEA-4A99-BBE7-085383B9725D}" srcOrd="3" destOrd="0" parTransId="{E50B1FFE-B27A-488D-9E1C-753288103707}" sibTransId="{4AC18B29-D66A-4290-B0B1-638894B89790}"/>
     <dgm:cxn modelId="{E22A4332-4F38-4397-A0CA-E07AB4FDA400}" type="presOf" srcId="{AD7A2D0A-69C1-40D4-AC3C-50ACA39C45C1}" destId="{EA7354A6-04B1-4A5C-BE93-3D503C066108}" srcOrd="0" destOrd="0" presId="urn:microsoft.com/office/officeart/2005/8/layout/process3"/>
-    <dgm:cxn modelId="{E5B78FEC-B1D9-4EC3-A03E-DD89AE2D8BBB}" srcId="{AD7A2D0A-69C1-40D4-AC3C-50ACA39C45C1}" destId="{0F3E3240-049E-4C85-83B0-4A38B3BAD305}" srcOrd="1" destOrd="0" parTransId="{500CBC5A-72EC-4F1F-8BD7-22D81C693AA8}" sibTransId="{6817EB24-D370-4C5E-ABB4-525C433C69F0}"/>
-    <dgm:cxn modelId="{3E2D5840-5BEF-43B9-949A-04752B46AD4F}" type="presOf" srcId="{0F73E91A-24E8-44FC-8282-F39E528AC837}" destId="{A64C8272-FC1A-4572-A0B1-A3C36EACD2B6}" srcOrd="0" destOrd="3" presId="urn:microsoft.com/office/officeart/2005/8/layout/process3"/>
-    <dgm:cxn modelId="{7F41E571-0B1D-42DB-A0D6-32AC8948638C}" type="presOf" srcId="{AB2E5A07-628C-4E92-90B5-D0FC29CDD9C7}" destId="{A64C8272-FC1A-4572-A0B1-A3C36EACD2B6}" srcOrd="0" destOrd="4" presId="urn:microsoft.com/office/officeart/2005/8/layout/process3"/>
-    <dgm:cxn modelId="{9F5BFA76-CC6B-4880-BD6E-7917A3B8011E}" type="presOf" srcId="{0F3E3240-049E-4C85-83B0-4A38B3BAD305}" destId="{1993AEF3-68C8-4F83-9F1E-D1B7B5B4963C}" srcOrd="0" destOrd="1" presId="urn:microsoft.com/office/officeart/2005/8/layout/process3"/>
-    <dgm:cxn modelId="{56B5A9B6-E058-4348-883F-BE413F7AEF39}" type="presOf" srcId="{835444D0-9403-488B-8CF6-1BA423F14FF4}" destId="{A64C8272-FC1A-4572-A0B1-A3C36EACD2B6}" srcOrd="0" destOrd="2" presId="urn:microsoft.com/office/officeart/2005/8/layout/process3"/>
-    <dgm:cxn modelId="{AE01CECD-7460-4EE6-9855-462A6BAC54CD}" type="presOf" srcId="{21736AD5-ED16-41EE-9520-03DEC94C9DD9}" destId="{1993AEF3-68C8-4F83-9F1E-D1B7B5B4963C}" srcOrd="0" destOrd="0" presId="urn:microsoft.com/office/officeart/2005/8/layout/process3"/>
-    <dgm:cxn modelId="{625B97B1-48B9-4F79-AD12-9E967C7E5D25}" type="presOf" srcId="{57884B04-88D4-4FB2-8678-5199DF429E6F}" destId="{3E47BC9E-87C0-4D93-83F4-A810B62AEF07}" srcOrd="0" destOrd="0" presId="urn:microsoft.com/office/officeart/2005/8/layout/process3"/>
+    <dgm:cxn modelId="{E5B78FEC-B1D9-4EC3-A03E-DD89AE2D8BBB}" srcId="{AD7A2D0A-69C1-40D4-AC3C-50ACA39C45C1}" destId="{0F3E3240-049E-4C85-83B0-4A38B3BAD305}" srcOrd="2" destOrd="0" parTransId="{500CBC5A-72EC-4F1F-8BD7-22D81C693AA8}" sibTransId="{6817EB24-D370-4C5E-ABB4-525C433C69F0}"/>
+    <dgm:cxn modelId="{3E2D5840-5BEF-43B9-949A-04752B46AD4F}" type="presOf" srcId="{0F73E91A-24E8-44FC-8282-F39E528AC837}" destId="{A64C8272-FC1A-4572-A0B1-A3C36EACD2B6}" srcOrd="0" destOrd="4" presId="urn:microsoft.com/office/officeart/2005/8/layout/process3"/>
+    <dgm:cxn modelId="{9F5BFA76-CC6B-4880-BD6E-7917A3B8011E}" type="presOf" srcId="{0F3E3240-049E-4C85-83B0-4A38B3BAD305}" destId="{1993AEF3-68C8-4F83-9F1E-D1B7B5B4963C}" srcOrd="0" destOrd="2" presId="urn:microsoft.com/office/officeart/2005/8/layout/process3"/>
+    <dgm:cxn modelId="{56B5A9B6-E058-4348-883F-BE413F7AEF39}" type="presOf" srcId="{835444D0-9403-488B-8CF6-1BA423F14FF4}" destId="{A64C8272-FC1A-4572-A0B1-A3C36EACD2B6}" srcOrd="0" destOrd="3" presId="urn:microsoft.com/office/officeart/2005/8/layout/process3"/>
+    <dgm:cxn modelId="{AE01CECD-7460-4EE6-9855-462A6BAC54CD}" type="presOf" srcId="{21736AD5-ED16-41EE-9520-03DEC94C9DD9}" destId="{1993AEF3-68C8-4F83-9F1E-D1B7B5B4963C}" srcOrd="0" destOrd="1" presId="urn:microsoft.com/office/officeart/2005/8/layout/process3"/>
+    <dgm:cxn modelId="{625B97B1-48B9-4F79-AD12-9E967C7E5D25}" type="presOf" srcId="{57884B04-88D4-4FB2-8678-5199DF429E6F}" destId="{3E47BC9E-87C0-4D93-83F4-A810B62AEF07}" srcOrd="0" destOrd="1" presId="urn:microsoft.com/office/officeart/2005/8/layout/process3"/>
     <dgm:cxn modelId="{D1284BD6-E3DA-48A8-BFF9-25C5710CED70}" type="presOf" srcId="{4BA36FF7-0F0F-4341-A68C-01E8516603CD}" destId="{209FD6B3-0ECB-4203-B962-7559934405BD}" srcOrd="0" destOrd="0" presId="urn:microsoft.com/office/officeart/2005/8/layout/process3"/>
-    <dgm:cxn modelId="{33D1B9A7-E56C-4778-97FB-A5B130BCA5C0}" srcId="{AD7A2D0A-69C1-40D4-AC3C-50ACA39C45C1}" destId="{21736AD5-ED16-41EE-9520-03DEC94C9DD9}" srcOrd="0" destOrd="0" parTransId="{9CB51E30-49E4-4E36-942B-179B5A0EC94C}" sibTransId="{DFDDDFD5-3525-4DBC-A81D-34093C1E23BA}"/>
+    <dgm:cxn modelId="{33D1B9A7-E56C-4778-97FB-A5B130BCA5C0}" srcId="{AD7A2D0A-69C1-40D4-AC3C-50ACA39C45C1}" destId="{21736AD5-ED16-41EE-9520-03DEC94C9DD9}" srcOrd="1" destOrd="0" parTransId="{9CB51E30-49E4-4E36-942B-179B5A0EC94C}" sibTransId="{DFDDDFD5-3525-4DBC-A81D-34093C1E23BA}"/>
     <dgm:cxn modelId="{C288C32A-3227-4782-B852-198321A78827}" type="presOf" srcId="{140DB818-E071-4B39-BEDA-37F84C79FBA2}" destId="{D6C82472-F7A1-44F8-BE16-C0E2E40E0D6B}" srcOrd="1" destOrd="0" presId="urn:microsoft.com/office/officeart/2005/8/layout/process3"/>
+    <dgm:cxn modelId="{C6B6160D-9D08-4B9D-9AB9-7BB0133CD700}" type="presOf" srcId="{33CF88AB-0BBD-45CE-A2E6-91DC37BEC598}" destId="{A64C8272-FC1A-4572-A0B1-A3C36EACD2B6}" srcOrd="0" destOrd="0" presId="urn:microsoft.com/office/officeart/2005/8/layout/process3"/>
     <dgm:cxn modelId="{7A716225-B15F-42A3-B0B1-95F5DAF585E6}" type="presParOf" srcId="{BCDBC707-4A93-4D55-A61A-79732B703027}" destId="{53AF55CF-52F1-471D-BD6D-B6FBBCD8ED56}" srcOrd="0" destOrd="0" presId="urn:microsoft.com/office/officeart/2005/8/layout/process3"/>
     <dgm:cxn modelId="{AB11F588-8517-43F7-B26C-B53A5C95128F}" type="presParOf" srcId="{53AF55CF-52F1-471D-BD6D-B6FBBCD8ED56}" destId="{209FD6B3-0ECB-4203-B962-7559934405BD}" srcOrd="0" destOrd="0" presId="urn:microsoft.com/office/officeart/2005/8/layout/process3"/>
     <dgm:cxn modelId="{ECA7C0B7-4EAB-47E7-B4DA-234ACDCD8581}" type="presParOf" srcId="{53AF55CF-52F1-471D-BD6D-B6FBBCD8ED56}" destId="{DADC7395-583C-4FD5-8691-3342B823E6CA}" srcOrd="1" destOrd="0" presId="urn:microsoft.com/office/officeart/2005/8/layout/process3"/>
@@ -6580,7 +6762,7 @@
   <dgm:whole/>
   <dgm:extLst>
     <a:ext uri="http://schemas.microsoft.com/office/drawing/2008/diagram">
-      <dsp:dataModelExt xmlns="" xmlns:dsp="http://schemas.microsoft.com/office/drawing/2008/diagram" relId="rId6" minVer="http://schemas.openxmlformats.org/drawingml/2006/diagram"/>
+      <dsp:dataModelExt xmlns:dsp="http://schemas.microsoft.com/office/drawing/2008/diagram" xmlns="" relId="rId6" minVer="http://schemas.openxmlformats.org/drawingml/2006/diagram"/>
     </a:ext>
   </dgm:extLst>
 </dgm:dataModel>
@@ -6590,7 +6772,7 @@
 <dgm:dataModel xmlns:dgm="http://schemas.openxmlformats.org/drawingml/2006/diagram" xmlns:a="http://schemas.openxmlformats.org/drawingml/2006/main">
   <dgm:ptLst>
     <dgm:pt modelId="{09E1FA74-CAD4-4D8F-8C9F-47DB10A12E4C}" type="doc">
-      <dgm:prSet loTypeId="urn:microsoft.com/office/officeart/2008/layout/SquareAccentList" loCatId="list" qsTypeId="urn:microsoft.com/office/officeart/2005/8/quickstyle/simple1" qsCatId="simple" csTypeId="urn:microsoft.com/office/officeart/2005/8/colors/accent1_2" csCatId="accent1" phldr="1"/>
+      <dgm:prSet loTypeId="urn:microsoft.com/office/officeart/2005/8/layout/target2" loCatId="relationship" qsTypeId="urn:microsoft.com/office/officeart/2005/8/quickstyle/3d8" qsCatId="3D" csTypeId="urn:microsoft.com/office/officeart/2005/8/colors/accent1_2" csCatId="accent1" phldr="1"/>
       <dgm:spPr/>
       <dgm:t>
         <a:bodyPr/>
@@ -6601,17 +6783,21 @@
       </dgm:t>
     </dgm:pt>
     <dgm:pt modelId="{B41D75AE-2A29-4277-8DBB-D5E9CED79C4D}">
-      <dgm:prSet phldrT="[Texto]"/>
+      <dgm:prSet phldrT="[Texto]" custT="1"/>
       <dgm:spPr/>
       <dgm:t>
         <a:bodyPr/>
         <a:lstStyle/>
         <a:p>
           <a:r>
-            <a:rPr lang="pt-BR" dirty="0" smtClean="0"/>
-            <a:t>Dificuldades</a:t>
+            <a:rPr lang="pt-BR" sz="4400" b="1" dirty="0" smtClean="0">
+              <a:latin typeface="+mn-lt"/>
+            </a:rPr>
+            <a:t>Cenário atual</a:t>
           </a:r>
-          <a:endParaRPr lang="pt-BR" dirty="0"/>
+          <a:endParaRPr lang="pt-BR" sz="4400" b="1" dirty="0">
+            <a:latin typeface="+mn-lt"/>
+          </a:endParaRPr>
         </a:p>
       </dgm:t>
     </dgm:pt>
@@ -6637,22 +6823,22 @@
         </a:p>
       </dgm:t>
     </dgm:pt>
-    <dgm:pt modelId="{B2A72572-DD94-49F3-9C74-F97F76DD77E8}">
-      <dgm:prSet phldrT="[Texto]"/>
+    <dgm:pt modelId="{3973E519-921D-4357-808F-65EA81567642}">
+      <dgm:prSet phldrT="[Texto]" custT="1"/>
       <dgm:spPr/>
       <dgm:t>
         <a:bodyPr/>
         <a:lstStyle/>
         <a:p>
           <a:r>
-            <a:rPr lang="pt-BR" dirty="0" smtClean="0"/>
-            <a:t>Controles atividades</a:t>
+            <a:rPr lang="pt-BR" sz="1600" b="1" smtClean="0"/>
+            <a:t>Fragmentação de  históricos de dados</a:t>
           </a:r>
-          <a:endParaRPr lang="pt-BR" dirty="0"/>
+          <a:endParaRPr lang="pt-BR" sz="1600" dirty="0"/>
         </a:p>
       </dgm:t>
     </dgm:pt>
-    <dgm:pt modelId="{BE5BBF08-CB6C-410D-95EE-BD5BF25A6309}" type="parTrans" cxnId="{60B80743-7E71-47A9-8589-B22F3F761233}">
+    <dgm:pt modelId="{74AF20CE-7799-4C8E-A894-EE0C2D449A5F}" type="parTrans" cxnId="{762F7717-D26E-4D1C-A6FD-498F6E1B02A3}">
       <dgm:prSet/>
       <dgm:spPr/>
       <dgm:t>
@@ -6663,7 +6849,7 @@
         </a:p>
       </dgm:t>
     </dgm:pt>
-    <dgm:pt modelId="{CFA313D8-C3A9-4765-881F-FD14965CDD61}" type="sibTrans" cxnId="{60B80743-7E71-47A9-8589-B22F3F761233}">
+    <dgm:pt modelId="{ED0B01CC-F5BD-4E3D-9811-96F476147302}" type="sibTrans" cxnId="{762F7717-D26E-4D1C-A6FD-498F6E1B02A3}">
       <dgm:prSet/>
       <dgm:spPr/>
       <dgm:t>
@@ -6674,22 +6860,22 @@
         </a:p>
       </dgm:t>
     </dgm:pt>
-    <dgm:pt modelId="{8AB1D12E-E418-4915-8CED-6AB0C84761F4}">
-      <dgm:prSet phldrT="[Texto]"/>
+    <dgm:pt modelId="{25E09C33-42FD-4F52-8CB0-452BF541B7EE}">
+      <dgm:prSet phldrT="[Texto]" custT="1"/>
       <dgm:spPr/>
       <dgm:t>
         <a:bodyPr/>
         <a:lstStyle/>
         <a:p>
           <a:r>
-            <a:rPr lang="pt-BR" dirty="0" smtClean="0"/>
-            <a:t>Manter históricos</a:t>
+            <a:rPr lang="pt-BR" sz="1600" b="1" dirty="0" smtClean="0"/>
+            <a:t>Consultas  com pouco ou nenhum sucesso</a:t>
           </a:r>
-          <a:endParaRPr lang="pt-BR" dirty="0"/>
+          <a:endParaRPr lang="pt-BR" sz="1600" b="1" dirty="0"/>
         </a:p>
       </dgm:t>
     </dgm:pt>
-    <dgm:pt modelId="{1BE8EC8D-27D7-49EA-907A-2F9B0ACF5DCA}" type="parTrans" cxnId="{8ABF67CD-DAC4-41A3-926E-140CF6F92A23}">
+    <dgm:pt modelId="{2E5C60CF-085B-4C66-A01B-83A3AF9AC5CE}" type="parTrans" cxnId="{2FFE2D2F-5254-486D-A83F-5A8A96275BDB}">
       <dgm:prSet/>
       <dgm:spPr/>
       <dgm:t>
@@ -6700,7 +6886,7 @@
         </a:p>
       </dgm:t>
     </dgm:pt>
-    <dgm:pt modelId="{293C271F-A78D-436A-A6CB-17A318394333}" type="sibTrans" cxnId="{8ABF67CD-DAC4-41A3-926E-140CF6F92A23}">
+    <dgm:pt modelId="{F9299BC1-DA27-4702-A02B-E2D61037A6E5}" type="sibTrans" cxnId="{2FFE2D2F-5254-486D-A83F-5A8A96275BDB}">
       <dgm:prSet/>
       <dgm:spPr/>
       <dgm:t>
@@ -6711,22 +6897,26 @@
         </a:p>
       </dgm:t>
     </dgm:pt>
-    <dgm:pt modelId="{AC6C1CB8-BE46-44FC-93D0-1A13ABC82896}">
-      <dgm:prSet phldrT="[Texto]"/>
+    <dgm:pt modelId="{22AB3F71-BC8F-4768-888B-F6E1856CFD5B}">
+      <dgm:prSet phldrT="[Texto]" custT="1"/>
       <dgm:spPr/>
       <dgm:t>
         <a:bodyPr/>
         <a:lstStyle/>
         <a:p>
           <a:r>
-            <a:rPr lang="pt-BR" dirty="0" smtClean="0"/>
-            <a:t>Fragmentação dos dados</a:t>
+            <a:rPr lang="pt-BR" sz="4400" b="1" dirty="0" smtClean="0">
+              <a:latin typeface="+mn-lt"/>
+            </a:rPr>
+            <a:t>Conseqüências</a:t>
           </a:r>
-          <a:endParaRPr lang="pt-BR" dirty="0"/>
+          <a:endParaRPr lang="pt-BR" sz="4400" b="1" dirty="0">
+            <a:latin typeface="+mn-lt"/>
+          </a:endParaRPr>
         </a:p>
       </dgm:t>
     </dgm:pt>
-    <dgm:pt modelId="{368D3FFA-1706-4155-9796-459F27FB3F7F}" type="parTrans" cxnId="{E985D23C-CEF3-49BA-B2AA-6039D6462C30}">
+    <dgm:pt modelId="{C9F02517-C147-4C66-A0F0-11E0F557FBA6}" type="sibTrans" cxnId="{47F9B3B4-FA63-45BD-B156-69D5C1732BE8}">
       <dgm:prSet/>
       <dgm:spPr/>
       <dgm:t>
@@ -6734,61 +6924,6 @@
         <a:lstStyle/>
         <a:p>
           <a:endParaRPr lang="pt-BR"/>
-        </a:p>
-      </dgm:t>
-    </dgm:pt>
-    <dgm:pt modelId="{47583708-E552-4706-B015-578F522A21EB}" type="sibTrans" cxnId="{E985D23C-CEF3-49BA-B2AA-6039D6462C30}">
-      <dgm:prSet/>
-      <dgm:spPr/>
-      <dgm:t>
-        <a:bodyPr/>
-        <a:lstStyle/>
-        <a:p>
-          <a:endParaRPr lang="pt-BR"/>
-        </a:p>
-      </dgm:t>
-    </dgm:pt>
-    <dgm:pt modelId="{AAC17C87-31E8-4276-B5AF-B8910E5CA9AA}">
-      <dgm:prSet phldrT="[Texto]"/>
-      <dgm:spPr/>
-      <dgm:t>
-        <a:bodyPr/>
-        <a:lstStyle/>
-        <a:p>
-          <a:endParaRPr lang="pt-BR" dirty="0"/>
-        </a:p>
-      </dgm:t>
-    </dgm:pt>
-    <dgm:pt modelId="{7EA781CD-E6A2-4979-963F-9C9A0A1B2730}" type="parTrans" cxnId="{3CFC8CA8-DC62-44AE-9367-B51D186B6958}">
-      <dgm:prSet/>
-      <dgm:spPr/>
-      <dgm:t>
-        <a:bodyPr/>
-        <a:lstStyle/>
-        <a:p>
-          <a:endParaRPr lang="pt-BR"/>
-        </a:p>
-      </dgm:t>
-    </dgm:pt>
-    <dgm:pt modelId="{B37090C3-402B-4158-91BD-832F4000D4BA}" type="sibTrans" cxnId="{3CFC8CA8-DC62-44AE-9367-B51D186B6958}">
-      <dgm:prSet/>
-      <dgm:spPr/>
-      <dgm:t>
-        <a:bodyPr/>
-        <a:lstStyle/>
-        <a:p>
-          <a:endParaRPr lang="pt-BR"/>
-        </a:p>
-      </dgm:t>
-    </dgm:pt>
-    <dgm:pt modelId="{22AB3F71-BC8F-4768-888B-F6E1856CFD5B}">
-      <dgm:prSet phldrT="[Texto]" phldr="1"/>
-      <dgm:spPr/>
-      <dgm:t>
-        <a:bodyPr/>
-        <a:lstStyle/>
-        <a:p>
-          <a:endParaRPr lang="pt-BR" dirty="0"/>
         </a:p>
       </dgm:t>
     </dgm:pt>
@@ -6803,7 +6938,22 @@
         </a:p>
       </dgm:t>
     </dgm:pt>
-    <dgm:pt modelId="{C9F02517-C147-4C66-A0F0-11E0F557FBA6}" type="sibTrans" cxnId="{47F9B3B4-FA63-45BD-B156-69D5C1732BE8}">
+    <dgm:pt modelId="{2B94917F-01CC-4A71-9A16-8FAE36546B5C}">
+      <dgm:prSet phldrT="[Texto]" custT="1"/>
+      <dgm:spPr/>
+      <dgm:t>
+        <a:bodyPr/>
+        <a:lstStyle/>
+        <a:p>
+          <a:r>
+            <a:rPr lang="pt-BR" sz="1600" b="1" dirty="0" smtClean="0"/>
+            <a:t>Dificuldades no controles de atividades</a:t>
+          </a:r>
+          <a:endParaRPr lang="pt-BR" sz="1600" b="1" dirty="0"/>
+        </a:p>
+      </dgm:t>
+    </dgm:pt>
+    <dgm:pt modelId="{417D8286-04D5-40B8-9DD8-FB9B660136A4}" type="parTrans" cxnId="{600AD4AE-0545-4933-B03C-C176DBDB557C}">
       <dgm:prSet/>
       <dgm:spPr/>
       <dgm:t>
@@ -6814,18 +6964,7 @@
         </a:p>
       </dgm:t>
     </dgm:pt>
-    <dgm:pt modelId="{3973E519-921D-4357-808F-65EA81567642}">
-      <dgm:prSet phldrT="[Texto]" phldr="1"/>
-      <dgm:spPr/>
-      <dgm:t>
-        <a:bodyPr/>
-        <a:lstStyle/>
-        <a:p>
-          <a:endParaRPr lang="pt-BR"/>
-        </a:p>
-      </dgm:t>
-    </dgm:pt>
-    <dgm:pt modelId="{74AF20CE-7799-4C8E-A894-EE0C2D449A5F}" type="parTrans" cxnId="{762F7717-D26E-4D1C-A6FD-498F6E1B02A3}">
+    <dgm:pt modelId="{9159FC4B-5B3E-42A2-871F-1D19B3560545}" type="sibTrans" cxnId="{600AD4AE-0545-4933-B03C-C176DBDB557C}">
       <dgm:prSet/>
       <dgm:spPr/>
       <dgm:t>
@@ -6836,7 +6975,22 @@
         </a:p>
       </dgm:t>
     </dgm:pt>
-    <dgm:pt modelId="{ED0B01CC-F5BD-4E3D-9811-96F476147302}" type="sibTrans" cxnId="{762F7717-D26E-4D1C-A6FD-498F6E1B02A3}">
+    <dgm:pt modelId="{1119A085-6F07-46C4-B85B-D1CE300590BF}">
+      <dgm:prSet phldrT="[Texto]" custT="1"/>
+      <dgm:spPr/>
+      <dgm:t>
+        <a:bodyPr/>
+        <a:lstStyle/>
+        <a:p>
+          <a:r>
+            <a:rPr lang="pt-BR" sz="1600" b="1" dirty="0" smtClean="0"/>
+            <a:t>Falta de uma base de dados referencia </a:t>
+          </a:r>
+          <a:endParaRPr lang="pt-BR" sz="1600" b="1" dirty="0"/>
+        </a:p>
+      </dgm:t>
+    </dgm:pt>
+    <dgm:pt modelId="{A201BA82-5ACD-41C4-A756-1020B1F24B4A}" type="parTrans" cxnId="{B2FC2E59-E0BF-4CD3-9D3D-E86B294BD972}">
       <dgm:prSet/>
       <dgm:spPr/>
       <dgm:t>
@@ -6847,18 +7001,7 @@
         </a:p>
       </dgm:t>
     </dgm:pt>
-    <dgm:pt modelId="{25E09C33-42FD-4F52-8CB0-452BF541B7EE}">
-      <dgm:prSet phldrT="[Texto]" phldr="1"/>
-      <dgm:spPr/>
-      <dgm:t>
-        <a:bodyPr/>
-        <a:lstStyle/>
-        <a:p>
-          <a:endParaRPr lang="pt-BR" dirty="0"/>
-        </a:p>
-      </dgm:t>
-    </dgm:pt>
-    <dgm:pt modelId="{2E5C60CF-085B-4C66-A01B-83A3AF9AC5CE}" type="parTrans" cxnId="{2FFE2D2F-5254-486D-A83F-5A8A96275BDB}">
+    <dgm:pt modelId="{5B1107D9-A94B-4373-8B80-400FA79466AA}" type="sibTrans" cxnId="{B2FC2E59-E0BF-4CD3-9D3D-E86B294BD972}">
       <dgm:prSet/>
       <dgm:spPr/>
       <dgm:t>
@@ -6869,7 +7012,22 @@
         </a:p>
       </dgm:t>
     </dgm:pt>
-    <dgm:pt modelId="{F9299BC1-DA27-4702-A02B-E2D61037A6E5}" type="sibTrans" cxnId="{2FFE2D2F-5254-486D-A83F-5A8A96275BDB}">
+    <dgm:pt modelId="{9386B31C-5E45-4E23-9545-29E102B9F75C}">
+      <dgm:prSet phldrT="[Texto]" custT="1"/>
+      <dgm:spPr/>
+      <dgm:t>
+        <a:bodyPr/>
+        <a:lstStyle/>
+        <a:p>
+          <a:r>
+            <a:rPr lang="pt-BR" sz="1600" b="1" dirty="0" smtClean="0"/>
+            <a:t>Excesso de processos manuais</a:t>
+          </a:r>
+          <a:endParaRPr lang="pt-BR" sz="1600" b="1" dirty="0"/>
+        </a:p>
+      </dgm:t>
+    </dgm:pt>
+    <dgm:pt modelId="{E5DE2FC0-1550-46BE-897B-AE2B5F4C4F50}" type="parTrans" cxnId="{4162AF35-F4B6-484B-85F5-7EA768BB9E8E}">
       <dgm:prSet/>
       <dgm:spPr/>
       <dgm:t>
@@ -6880,12 +7038,24 @@
         </a:p>
       </dgm:t>
     </dgm:pt>
-    <dgm:pt modelId="{2971BC93-77C3-4078-A105-8597E86CC05C}" type="pres">
-      <dgm:prSet presAssocID="{09E1FA74-CAD4-4D8F-8C9F-47DB10A12E4C}" presName="layout" presStyleCnt="0">
+    <dgm:pt modelId="{81D5BC8E-7E40-419C-B9FD-4110FCC5033E}" type="sibTrans" cxnId="{4162AF35-F4B6-484B-85F5-7EA768BB9E8E}">
+      <dgm:prSet/>
+      <dgm:spPr/>
+      <dgm:t>
+        <a:bodyPr/>
+        <a:lstStyle/>
+        <a:p>
+          <a:endParaRPr lang="pt-BR"/>
+        </a:p>
+      </dgm:t>
+    </dgm:pt>
+    <dgm:pt modelId="{FD0A912F-A5FF-4195-8F6E-F1107C247D33}" type="pres">
+      <dgm:prSet presAssocID="{09E1FA74-CAD4-4D8F-8C9F-47DB10A12E4C}" presName="Name0" presStyleCnt="0">
         <dgm:presLayoutVars>
-          <dgm:chMax/>
-          <dgm:chPref/>
+          <dgm:chMax val="3"/>
+          <dgm:chPref val="1"/>
           <dgm:dir/>
+          <dgm:animLvl val="lvl"/>
           <dgm:resizeHandles/>
         </dgm:presLayoutVars>
       </dgm:prSet>
@@ -6898,37 +7068,60 @@
         </a:p>
       </dgm:t>
     </dgm:pt>
-    <dgm:pt modelId="{1AE39575-5131-457E-87D9-250C20E4AF30}" type="pres">
-      <dgm:prSet presAssocID="{B41D75AE-2A29-4277-8DBB-D5E9CED79C4D}" presName="root" presStyleCnt="0">
+    <dgm:pt modelId="{773AB8ED-F4AA-404C-834D-C3DDB163AC49}" type="pres">
+      <dgm:prSet presAssocID="{09E1FA74-CAD4-4D8F-8C9F-47DB10A12E4C}" presName="outerBox" presStyleCnt="0"/>
+      <dgm:spPr/>
+      <dgm:t>
+        <a:bodyPr/>
+        <a:lstStyle/>
+        <a:p>
+          <a:endParaRPr lang="pt-BR"/>
+        </a:p>
+      </dgm:t>
+    </dgm:pt>
+    <dgm:pt modelId="{C26A6EA6-0081-4BE7-88AC-DA923A48049B}" type="pres">
+      <dgm:prSet presAssocID="{09E1FA74-CAD4-4D8F-8C9F-47DB10A12E4C}" presName="outerBoxParent" presStyleLbl="node1" presStyleIdx="0" presStyleCnt="2" custLinFactNeighborX="4069" custLinFactNeighborY="348"/>
+      <dgm:spPr/>
+      <dgm:t>
+        <a:bodyPr/>
+        <a:lstStyle/>
+        <a:p>
+          <a:endParaRPr lang="pt-BR"/>
+        </a:p>
+      </dgm:t>
+    </dgm:pt>
+    <dgm:pt modelId="{40631DF0-C0BD-4F09-8B85-05530F809995}" type="pres">
+      <dgm:prSet presAssocID="{09E1FA74-CAD4-4D8F-8C9F-47DB10A12E4C}" presName="outerBoxChildren" presStyleCnt="0"/>
+      <dgm:spPr/>
+      <dgm:t>
+        <a:bodyPr/>
+        <a:lstStyle/>
+        <a:p>
+          <a:endParaRPr lang="pt-BR"/>
+        </a:p>
+      </dgm:t>
+    </dgm:pt>
+    <dgm:pt modelId="{55454349-EAF4-470E-BBAA-D434698917ED}" type="pres">
+      <dgm:prSet presAssocID="{2B94917F-01CC-4A71-9A16-8FAE36546B5C}" presName="oChild" presStyleLbl="fgAcc1" presStyleIdx="0" presStyleCnt="5" custScaleX="214731" custScaleY="41769" custLinFactNeighborX="56977" custLinFactNeighborY="-22830">
         <dgm:presLayoutVars>
-          <dgm:chMax/>
-          <dgm:chPref/>
-        </dgm:presLayoutVars>
-      </dgm:prSet>
-      <dgm:spPr/>
-    </dgm:pt>
-    <dgm:pt modelId="{118FBAA4-28AC-4EB8-89A4-219E83C3BCBE}" type="pres">
-      <dgm:prSet presAssocID="{B41D75AE-2A29-4277-8DBB-D5E9CED79C4D}" presName="rootComposite" presStyleCnt="0">
-        <dgm:presLayoutVars/>
-      </dgm:prSet>
-      <dgm:spPr/>
-    </dgm:pt>
-    <dgm:pt modelId="{78E90345-FE91-47A7-8E8D-7EC91F8F325D}" type="pres">
-      <dgm:prSet presAssocID="{B41D75AE-2A29-4277-8DBB-D5E9CED79C4D}" presName="ParentAccent" presStyleLbl="alignNode1" presStyleIdx="0" presStyleCnt="2"/>
-      <dgm:spPr/>
-    </dgm:pt>
-    <dgm:pt modelId="{442AB41D-A8B9-4C81-AFE5-A9DDC7C501DB}" type="pres">
-      <dgm:prSet presAssocID="{B41D75AE-2A29-4277-8DBB-D5E9CED79C4D}" presName="ParentSmallAccent" presStyleLbl="fgAcc1" presStyleIdx="0" presStyleCnt="2"/>
-      <dgm:spPr/>
-    </dgm:pt>
-    <dgm:pt modelId="{F0A18B1E-4B8C-49D0-A2C5-B72A0992791A}" type="pres">
-      <dgm:prSet presAssocID="{B41D75AE-2A29-4277-8DBB-D5E9CED79C4D}" presName="Parent" presStyleLbl="revTx" presStyleIdx="0" presStyleCnt="8">
-        <dgm:presLayoutVars>
-          <dgm:chMax/>
-          <dgm:chPref val="4"/>
           <dgm:bulletEnabled val="1"/>
         </dgm:presLayoutVars>
       </dgm:prSet>
+      <dgm:spPr>
+        <a:prstGeom prst="flowChartDisplay">
+          <a:avLst/>
+        </a:prstGeom>
+      </dgm:spPr>
+      <dgm:t>
+        <a:bodyPr/>
+        <a:lstStyle/>
+        <a:p>
+          <a:endParaRPr lang="pt-BR"/>
+        </a:p>
+      </dgm:t>
+    </dgm:pt>
+    <dgm:pt modelId="{CA1FC550-1840-448D-BD3E-77FE09C2581F}" type="pres">
+      <dgm:prSet presAssocID="{9159FC4B-5B3E-42A2-871F-1D19B3560545}" presName="outerSibTrans" presStyleCnt="0"/>
       <dgm:spPr/>
       <dgm:t>
         <a:bodyPr/>
@@ -6938,36 +7131,27 @@
         </a:p>
       </dgm:t>
     </dgm:pt>
-    <dgm:pt modelId="{0FA6566D-FEDB-48F5-ABEA-024A465C109F}" type="pres">
-      <dgm:prSet presAssocID="{B41D75AE-2A29-4277-8DBB-D5E9CED79C4D}" presName="childShape" presStyleCnt="0">
+    <dgm:pt modelId="{10DC5E61-068F-4913-9663-325D256495C3}" type="pres">
+      <dgm:prSet presAssocID="{1119A085-6F07-46C4-B85B-D1CE300590BF}" presName="oChild" presStyleLbl="fgAcc1" presStyleIdx="1" presStyleCnt="5" custScaleX="214731" custScaleY="41769" custLinFactNeighborX="56977" custLinFactNeighborY="-12127">
         <dgm:presLayoutVars>
-          <dgm:chMax val="0"/>
-          <dgm:chPref val="0"/>
-        </dgm:presLayoutVars>
-      </dgm:prSet>
-      <dgm:spPr/>
-    </dgm:pt>
-    <dgm:pt modelId="{62A25A0F-804E-414B-B883-656CEF17090B}" type="pres">
-      <dgm:prSet presAssocID="{B2A72572-DD94-49F3-9C74-F97F76DD77E8}" presName="childComposite" presStyleCnt="0">
-        <dgm:presLayoutVars>
-          <dgm:chMax val="0"/>
-          <dgm:chPref val="0"/>
-        </dgm:presLayoutVars>
-      </dgm:prSet>
-      <dgm:spPr/>
-    </dgm:pt>
-    <dgm:pt modelId="{8A80B33F-319E-4097-BABE-6D06200B4059}" type="pres">
-      <dgm:prSet presAssocID="{B2A72572-DD94-49F3-9C74-F97F76DD77E8}" presName="ChildAccent" presStyleLbl="solidFgAcc1" presStyleIdx="0" presStyleCnt="6"/>
-      <dgm:spPr/>
-    </dgm:pt>
-    <dgm:pt modelId="{22C7BCBD-CEEE-4C3C-8575-8FCB6CDA438E}" type="pres">
-      <dgm:prSet presAssocID="{B2A72572-DD94-49F3-9C74-F97F76DD77E8}" presName="Child" presStyleLbl="revTx" presStyleIdx="1" presStyleCnt="8">
-        <dgm:presLayoutVars>
-          <dgm:chMax val="0"/>
-          <dgm:chPref val="0"/>
           <dgm:bulletEnabled val="1"/>
         </dgm:presLayoutVars>
       </dgm:prSet>
+      <dgm:spPr>
+        <a:prstGeom prst="flowChartDisplay">
+          <a:avLst/>
+        </a:prstGeom>
+      </dgm:spPr>
+      <dgm:t>
+        <a:bodyPr/>
+        <a:lstStyle/>
+        <a:p>
+          <a:endParaRPr lang="pt-BR"/>
+        </a:p>
+      </dgm:t>
+    </dgm:pt>
+    <dgm:pt modelId="{9D009C0A-DC49-4FB9-8035-CFE162EBF8B3}" type="pres">
+      <dgm:prSet presAssocID="{5B1107D9-A94B-4373-8B80-400FA79466AA}" presName="outerSibTrans" presStyleCnt="0"/>
       <dgm:spPr/>
       <dgm:t>
         <a:bodyPr/>
@@ -6977,27 +7161,27 @@
         </a:p>
       </dgm:t>
     </dgm:pt>
-    <dgm:pt modelId="{714E1039-AB1A-451F-B96D-3478333B02AD}" type="pres">
-      <dgm:prSet presAssocID="{8AB1D12E-E418-4915-8CED-6AB0C84761F4}" presName="childComposite" presStyleCnt="0">
+    <dgm:pt modelId="{F8CD597C-AF41-4911-8CDE-B209DEFA8EFC}" type="pres">
+      <dgm:prSet presAssocID="{9386B31C-5E45-4E23-9545-29E102B9F75C}" presName="oChild" presStyleLbl="fgAcc1" presStyleIdx="2" presStyleCnt="5" custScaleX="214731" custScaleY="41769" custLinFactNeighborX="56977" custLinFactNeighborY="-1424">
         <dgm:presLayoutVars>
-          <dgm:chMax val="0"/>
-          <dgm:chPref val="0"/>
-        </dgm:presLayoutVars>
-      </dgm:prSet>
-      <dgm:spPr/>
-    </dgm:pt>
-    <dgm:pt modelId="{FDEBDDC6-2C76-49BA-AA17-2EC6B30C86BD}" type="pres">
-      <dgm:prSet presAssocID="{8AB1D12E-E418-4915-8CED-6AB0C84761F4}" presName="ChildAccent" presStyleLbl="solidFgAcc1" presStyleIdx="1" presStyleCnt="6"/>
-      <dgm:spPr/>
-    </dgm:pt>
-    <dgm:pt modelId="{B93FB06B-349E-4C46-9386-C2A7693F919C}" type="pres">
-      <dgm:prSet presAssocID="{8AB1D12E-E418-4915-8CED-6AB0C84761F4}" presName="Child" presStyleLbl="revTx" presStyleIdx="2" presStyleCnt="8">
-        <dgm:presLayoutVars>
-          <dgm:chMax val="0"/>
-          <dgm:chPref val="0"/>
           <dgm:bulletEnabled val="1"/>
         </dgm:presLayoutVars>
       </dgm:prSet>
+      <dgm:spPr>
+        <a:prstGeom prst="flowChartDisplay">
+          <a:avLst/>
+        </a:prstGeom>
+      </dgm:spPr>
+      <dgm:t>
+        <a:bodyPr/>
+        <a:lstStyle/>
+        <a:p>
+          <a:endParaRPr lang="pt-BR"/>
+        </a:p>
+      </dgm:t>
+    </dgm:pt>
+    <dgm:pt modelId="{FF808A2F-0229-448C-A3CC-A68AD4541AE0}" type="pres">
+      <dgm:prSet presAssocID="{09E1FA74-CAD4-4D8F-8C9F-47DB10A12E4C}" presName="middleBox" presStyleCnt="0"/>
       <dgm:spPr/>
       <dgm:t>
         <a:bodyPr/>
@@ -7007,27 +7191,49 @@
         </a:p>
       </dgm:t>
     </dgm:pt>
-    <dgm:pt modelId="{5FAF6DA5-2465-4BF5-9700-5D88837B55E0}" type="pres">
-      <dgm:prSet presAssocID="{AC6C1CB8-BE46-44FC-93D0-1A13ABC82896}" presName="childComposite" presStyleCnt="0">
+    <dgm:pt modelId="{51DE05A1-F310-4AD4-BD2A-E814179084C5}" type="pres">
+      <dgm:prSet presAssocID="{09E1FA74-CAD4-4D8F-8C9F-47DB10A12E4C}" presName="middleBoxParent" presStyleLbl="node1" presStyleIdx="1" presStyleCnt="2" custScaleX="80419" custScaleY="103559" custLinFactNeighborX="10611" custLinFactNeighborY="3169"/>
+      <dgm:spPr/>
+      <dgm:t>
+        <a:bodyPr/>
+        <a:lstStyle/>
+        <a:p>
+          <a:endParaRPr lang="pt-BR"/>
+        </a:p>
+      </dgm:t>
+    </dgm:pt>
+    <dgm:pt modelId="{5A816AC3-B5D5-4277-8DF0-2E4895570095}" type="pres">
+      <dgm:prSet presAssocID="{09E1FA74-CAD4-4D8F-8C9F-47DB10A12E4C}" presName="middleBoxChildren" presStyleCnt="0"/>
+      <dgm:spPr/>
+      <dgm:t>
+        <a:bodyPr/>
+        <a:lstStyle/>
+        <a:p>
+          <a:endParaRPr lang="pt-BR"/>
+        </a:p>
+      </dgm:t>
+    </dgm:pt>
+    <dgm:pt modelId="{7FBFBAC4-2975-4795-ADC7-4B54CCBAEAB1}" type="pres">
+      <dgm:prSet presAssocID="{3973E519-921D-4357-808F-65EA81567642}" presName="mChild" presStyleLbl="fgAcc1" presStyleIdx="3" presStyleCnt="5" custScaleX="38307" custScaleY="71368" custLinFactX="19249" custLinFactNeighborX="100000" custLinFactNeighborY="-691">
         <dgm:presLayoutVars>
-          <dgm:chMax val="0"/>
-          <dgm:chPref val="0"/>
-        </dgm:presLayoutVars>
-      </dgm:prSet>
-      <dgm:spPr/>
-    </dgm:pt>
-    <dgm:pt modelId="{F1021B75-F18F-4829-9EBD-5BA808E16033}" type="pres">
-      <dgm:prSet presAssocID="{AC6C1CB8-BE46-44FC-93D0-1A13ABC82896}" presName="ChildAccent" presStyleLbl="solidFgAcc1" presStyleIdx="2" presStyleCnt="6"/>
-      <dgm:spPr/>
-    </dgm:pt>
-    <dgm:pt modelId="{3094B189-7DCD-4266-B46D-8752B3C3A89E}" type="pres">
-      <dgm:prSet presAssocID="{AC6C1CB8-BE46-44FC-93D0-1A13ABC82896}" presName="Child" presStyleLbl="revTx" presStyleIdx="3" presStyleCnt="8">
-        <dgm:presLayoutVars>
-          <dgm:chMax val="0"/>
-          <dgm:chPref val="0"/>
           <dgm:bulletEnabled val="1"/>
         </dgm:presLayoutVars>
       </dgm:prSet>
+      <dgm:spPr>
+        <a:prstGeom prst="flowChartDisplay">
+          <a:avLst/>
+        </a:prstGeom>
+      </dgm:spPr>
+      <dgm:t>
+        <a:bodyPr/>
+        <a:lstStyle/>
+        <a:p>
+          <a:endParaRPr lang="pt-BR"/>
+        </a:p>
+      </dgm:t>
+    </dgm:pt>
+    <dgm:pt modelId="{380C533E-C74C-4832-9E8A-669287DCE079}" type="pres">
+      <dgm:prSet presAssocID="{ED0B01CC-F5BD-4E3D-9811-96F476147302}" presName="middleSibTrans" presStyleCnt="0"/>
       <dgm:spPr/>
       <dgm:t>
         <a:bodyPr/>
@@ -7037,38 +7243,17 @@
         </a:p>
       </dgm:t>
     </dgm:pt>
-    <dgm:pt modelId="{4739CC76-1879-4428-9113-81461854485F}" type="pres">
-      <dgm:prSet presAssocID="{AAC17C87-31E8-4276-B5AF-B8910E5CA9AA}" presName="root" presStyleCnt="0">
+    <dgm:pt modelId="{C233A43E-286F-4E8D-BC0D-A6E7625559B2}" type="pres">
+      <dgm:prSet presAssocID="{25E09C33-42FD-4F52-8CB0-452BF541B7EE}" presName="mChild" presStyleLbl="fgAcc1" presStyleIdx="4" presStyleCnt="5" custScaleX="39061" custScaleY="71368" custLinFactX="18470" custLinFactNeighborX="100000" custLinFactNeighborY="-2763">
         <dgm:presLayoutVars>
-          <dgm:chMax/>
-          <dgm:chPref/>
-        </dgm:presLayoutVars>
-      </dgm:prSet>
-      <dgm:spPr/>
-    </dgm:pt>
-    <dgm:pt modelId="{1005F66E-C10C-47D4-A53B-66F12BDBC241}" type="pres">
-      <dgm:prSet presAssocID="{AAC17C87-31E8-4276-B5AF-B8910E5CA9AA}" presName="rootComposite" presStyleCnt="0">
-        <dgm:presLayoutVars/>
-      </dgm:prSet>
-      <dgm:spPr/>
-    </dgm:pt>
-    <dgm:pt modelId="{1101818C-F9E6-48B1-8106-9EDF7C77010F}" type="pres">
-      <dgm:prSet presAssocID="{AAC17C87-31E8-4276-B5AF-B8910E5CA9AA}" presName="ParentAccent" presStyleLbl="alignNode1" presStyleIdx="1" presStyleCnt="2"/>
-      <dgm:spPr/>
-    </dgm:pt>
-    <dgm:pt modelId="{84502440-DF3A-49DD-9E3E-7B520195C2F2}" type="pres">
-      <dgm:prSet presAssocID="{AAC17C87-31E8-4276-B5AF-B8910E5CA9AA}" presName="ParentSmallAccent" presStyleLbl="fgAcc1" presStyleIdx="1" presStyleCnt="2"/>
-      <dgm:spPr/>
-    </dgm:pt>
-    <dgm:pt modelId="{920C1E90-5036-40EE-8B7B-C03BC172C6F4}" type="pres">
-      <dgm:prSet presAssocID="{AAC17C87-31E8-4276-B5AF-B8910E5CA9AA}" presName="Parent" presStyleLbl="revTx" presStyleIdx="4" presStyleCnt="8">
-        <dgm:presLayoutVars>
-          <dgm:chMax/>
-          <dgm:chPref val="4"/>
           <dgm:bulletEnabled val="1"/>
         </dgm:presLayoutVars>
       </dgm:prSet>
-      <dgm:spPr/>
+      <dgm:spPr>
+        <a:prstGeom prst="flowChartDisplay">
+          <a:avLst/>
+        </a:prstGeom>
+      </dgm:spPr>
       <dgm:t>
         <a:bodyPr/>
         <a:lstStyle/>
@@ -7077,160 +7262,43 @@
         </a:p>
       </dgm:t>
     </dgm:pt>
-    <dgm:pt modelId="{8916CAB2-5D03-4865-BE99-9310931B985C}" type="pres">
-      <dgm:prSet presAssocID="{AAC17C87-31E8-4276-B5AF-B8910E5CA9AA}" presName="childShape" presStyleCnt="0">
-        <dgm:presLayoutVars>
-          <dgm:chMax val="0"/>
-          <dgm:chPref val="0"/>
-        </dgm:presLayoutVars>
-      </dgm:prSet>
-      <dgm:spPr/>
-    </dgm:pt>
-    <dgm:pt modelId="{108F68D3-5B08-4715-A9C5-FF97D1351BC4}" type="pres">
-      <dgm:prSet presAssocID="{22AB3F71-BC8F-4768-888B-F6E1856CFD5B}" presName="childComposite" presStyleCnt="0">
-        <dgm:presLayoutVars>
-          <dgm:chMax val="0"/>
-          <dgm:chPref val="0"/>
-        </dgm:presLayoutVars>
-      </dgm:prSet>
-      <dgm:spPr/>
-    </dgm:pt>
-    <dgm:pt modelId="{AC7AB7D7-9945-4B50-9E90-95E126A5DEAB}" type="pres">
-      <dgm:prSet presAssocID="{22AB3F71-BC8F-4768-888B-F6E1856CFD5B}" presName="ChildAccent" presStyleLbl="solidFgAcc1" presStyleIdx="3" presStyleCnt="6"/>
-      <dgm:spPr/>
-    </dgm:pt>
-    <dgm:pt modelId="{D13322E5-B7AE-4570-A9FC-84DF641F4452}" type="pres">
-      <dgm:prSet presAssocID="{22AB3F71-BC8F-4768-888B-F6E1856CFD5B}" presName="Child" presStyleLbl="revTx" presStyleIdx="5" presStyleCnt="8">
-        <dgm:presLayoutVars>
-          <dgm:chMax val="0"/>
-          <dgm:chPref val="0"/>
-          <dgm:bulletEnabled val="1"/>
-        </dgm:presLayoutVars>
-      </dgm:prSet>
-      <dgm:spPr/>
-      <dgm:t>
-        <a:bodyPr/>
-        <a:lstStyle/>
-        <a:p>
-          <a:endParaRPr lang="pt-BR"/>
-        </a:p>
-      </dgm:t>
-    </dgm:pt>
-    <dgm:pt modelId="{04D70E1E-E0BB-4881-94EE-5A0B1EA590AE}" type="pres">
-      <dgm:prSet presAssocID="{3973E519-921D-4357-808F-65EA81567642}" presName="childComposite" presStyleCnt="0">
-        <dgm:presLayoutVars>
-          <dgm:chMax val="0"/>
-          <dgm:chPref val="0"/>
-        </dgm:presLayoutVars>
-      </dgm:prSet>
-      <dgm:spPr/>
-    </dgm:pt>
-    <dgm:pt modelId="{51818F82-5864-453D-89E1-3C9A291A4AF3}" type="pres">
-      <dgm:prSet presAssocID="{3973E519-921D-4357-808F-65EA81567642}" presName="ChildAccent" presStyleLbl="solidFgAcc1" presStyleIdx="4" presStyleCnt="6"/>
-      <dgm:spPr/>
-    </dgm:pt>
-    <dgm:pt modelId="{37B72757-B95B-4606-93FF-4ADF0BB6D429}" type="pres">
-      <dgm:prSet presAssocID="{3973E519-921D-4357-808F-65EA81567642}" presName="Child" presStyleLbl="revTx" presStyleIdx="6" presStyleCnt="8">
-        <dgm:presLayoutVars>
-          <dgm:chMax val="0"/>
-          <dgm:chPref val="0"/>
-          <dgm:bulletEnabled val="1"/>
-        </dgm:presLayoutVars>
-      </dgm:prSet>
-      <dgm:spPr/>
-      <dgm:t>
-        <a:bodyPr/>
-        <a:lstStyle/>
-        <a:p>
-          <a:endParaRPr lang="pt-BR"/>
-        </a:p>
-      </dgm:t>
-    </dgm:pt>
-    <dgm:pt modelId="{FEBF50CC-C092-4B47-ACC4-1B61B3D473F4}" type="pres">
-      <dgm:prSet presAssocID="{25E09C33-42FD-4F52-8CB0-452BF541B7EE}" presName="childComposite" presStyleCnt="0">
-        <dgm:presLayoutVars>
-          <dgm:chMax val="0"/>
-          <dgm:chPref val="0"/>
-        </dgm:presLayoutVars>
-      </dgm:prSet>
-      <dgm:spPr/>
-    </dgm:pt>
-    <dgm:pt modelId="{EF37E1C5-C3F1-4532-9E9C-884D1DE44A7F}" type="pres">
-      <dgm:prSet presAssocID="{25E09C33-42FD-4F52-8CB0-452BF541B7EE}" presName="ChildAccent" presStyleLbl="solidFgAcc1" presStyleIdx="5" presStyleCnt="6"/>
-      <dgm:spPr/>
-    </dgm:pt>
-    <dgm:pt modelId="{310F8D48-7B6A-4438-922B-86FD094F44BF}" type="pres">
-      <dgm:prSet presAssocID="{25E09C33-42FD-4F52-8CB0-452BF541B7EE}" presName="Child" presStyleLbl="revTx" presStyleIdx="7" presStyleCnt="8">
-        <dgm:presLayoutVars>
-          <dgm:chMax val="0"/>
-          <dgm:chPref val="0"/>
-          <dgm:bulletEnabled val="1"/>
-        </dgm:presLayoutVars>
-      </dgm:prSet>
-      <dgm:spPr/>
-      <dgm:t>
-        <a:bodyPr/>
-        <a:lstStyle/>
-        <a:p>
-          <a:endParaRPr lang="pt-BR"/>
-        </a:p>
-      </dgm:t>
-    </dgm:pt>
   </dgm:ptLst>
   <dgm:cxnLst>
+    <dgm:cxn modelId="{426C3B10-AC34-460C-A304-941DA2997EEF}" type="presOf" srcId="{09E1FA74-CAD4-4D8F-8C9F-47DB10A12E4C}" destId="{FD0A912F-A5FF-4195-8F6E-F1107C247D33}" srcOrd="0" destOrd="0" presId="urn:microsoft.com/office/officeart/2005/8/layout/target2"/>
     <dgm:cxn modelId="{925D1D41-F295-4BF5-8F35-6B0283EB1660}" srcId="{09E1FA74-CAD4-4D8F-8C9F-47DB10A12E4C}" destId="{B41D75AE-2A29-4277-8DBB-D5E9CED79C4D}" srcOrd="0" destOrd="0" parTransId="{E4BA2DF7-CD16-40C5-8D39-63D87AB06BAE}" sibTransId="{49219BB6-AF08-4355-8AAC-CB63EB613BD5}"/>
-    <dgm:cxn modelId="{94F1B5B2-61A2-400D-A8C6-E55B5540F793}" type="presOf" srcId="{B41D75AE-2A29-4277-8DBB-D5E9CED79C4D}" destId="{F0A18B1E-4B8C-49D0-A2C5-B72A0992791A}" srcOrd="0" destOrd="0" presId="urn:microsoft.com/office/officeart/2008/layout/SquareAccentList"/>
-    <dgm:cxn modelId="{E985D23C-CEF3-49BA-B2AA-6039D6462C30}" srcId="{B41D75AE-2A29-4277-8DBB-D5E9CED79C4D}" destId="{AC6C1CB8-BE46-44FC-93D0-1A13ABC82896}" srcOrd="2" destOrd="0" parTransId="{368D3FFA-1706-4155-9796-459F27FB3F7F}" sibTransId="{47583708-E552-4706-B015-578F522A21EB}"/>
-    <dgm:cxn modelId="{8ABF67CD-DAC4-41A3-926E-140CF6F92A23}" srcId="{B41D75AE-2A29-4277-8DBB-D5E9CED79C4D}" destId="{8AB1D12E-E418-4915-8CED-6AB0C84761F4}" srcOrd="1" destOrd="0" parTransId="{1BE8EC8D-27D7-49EA-907A-2F9B0ACF5DCA}" sibTransId="{293C271F-A78D-436A-A6CB-17A318394333}"/>
-    <dgm:cxn modelId="{9A6ED448-CFA2-47B1-840B-9E2EC9DFCAC6}" type="presOf" srcId="{8AB1D12E-E418-4915-8CED-6AB0C84761F4}" destId="{B93FB06B-349E-4C46-9386-C2A7693F919C}" srcOrd="0" destOrd="0" presId="urn:microsoft.com/office/officeart/2008/layout/SquareAccentList"/>
-    <dgm:cxn modelId="{22916866-A373-422E-8CBF-39C46B6193BE}" type="presOf" srcId="{B2A72572-DD94-49F3-9C74-F97F76DD77E8}" destId="{22C7BCBD-CEEE-4C3C-8575-8FCB6CDA438E}" srcOrd="0" destOrd="0" presId="urn:microsoft.com/office/officeart/2008/layout/SquareAccentList"/>
-    <dgm:cxn modelId="{20432680-5755-4423-833B-CC830ADE86E0}" type="presOf" srcId="{AC6C1CB8-BE46-44FC-93D0-1A13ABC82896}" destId="{3094B189-7DCD-4266-B46D-8752B3C3A89E}" srcOrd="0" destOrd="0" presId="urn:microsoft.com/office/officeart/2008/layout/SquareAccentList"/>
-    <dgm:cxn modelId="{762F7717-D26E-4D1C-A6FD-498F6E1B02A3}" srcId="{AAC17C87-31E8-4276-B5AF-B8910E5CA9AA}" destId="{3973E519-921D-4357-808F-65EA81567642}" srcOrd="1" destOrd="0" parTransId="{74AF20CE-7799-4C8E-A894-EE0C2D449A5F}" sibTransId="{ED0B01CC-F5BD-4E3D-9811-96F476147302}"/>
-    <dgm:cxn modelId="{1F206E67-18A9-468B-81B0-CFC639595DB4}" type="presOf" srcId="{AAC17C87-31E8-4276-B5AF-B8910E5CA9AA}" destId="{920C1E90-5036-40EE-8B7B-C03BC172C6F4}" srcOrd="0" destOrd="0" presId="urn:microsoft.com/office/officeart/2008/layout/SquareAccentList"/>
-    <dgm:cxn modelId="{3CFC8CA8-DC62-44AE-9367-B51D186B6958}" srcId="{09E1FA74-CAD4-4D8F-8C9F-47DB10A12E4C}" destId="{AAC17C87-31E8-4276-B5AF-B8910E5CA9AA}" srcOrd="1" destOrd="0" parTransId="{7EA781CD-E6A2-4979-963F-9C9A0A1B2730}" sibTransId="{B37090C3-402B-4158-91BD-832F4000D4BA}"/>
-    <dgm:cxn modelId="{8AA5F746-7156-4DB2-A9F1-5EE035A94C1A}" type="presOf" srcId="{25E09C33-42FD-4F52-8CB0-452BF541B7EE}" destId="{310F8D48-7B6A-4438-922B-86FD094F44BF}" srcOrd="0" destOrd="0" presId="urn:microsoft.com/office/officeart/2008/layout/SquareAccentList"/>
-    <dgm:cxn modelId="{1DC85611-0410-4ED4-8902-8BD2FFC85606}" type="presOf" srcId="{3973E519-921D-4357-808F-65EA81567642}" destId="{37B72757-B95B-4606-93FF-4ADF0BB6D429}" srcOrd="0" destOrd="0" presId="urn:microsoft.com/office/officeart/2008/layout/SquareAccentList"/>
-    <dgm:cxn modelId="{72C0EA02-CE57-4BCE-9DFC-77D06D07A6E0}" type="presOf" srcId="{09E1FA74-CAD4-4D8F-8C9F-47DB10A12E4C}" destId="{2971BC93-77C3-4078-A105-8597E86CC05C}" srcOrd="0" destOrd="0" presId="urn:microsoft.com/office/officeart/2008/layout/SquareAccentList"/>
-    <dgm:cxn modelId="{81B1CFBD-C7CF-48AB-9083-40917936C34C}" type="presOf" srcId="{22AB3F71-BC8F-4768-888B-F6E1856CFD5B}" destId="{D13322E5-B7AE-4570-A9FC-84DF641F4452}" srcOrd="0" destOrd="0" presId="urn:microsoft.com/office/officeart/2008/layout/SquareAccentList"/>
-    <dgm:cxn modelId="{60B80743-7E71-47A9-8589-B22F3F761233}" srcId="{B41D75AE-2A29-4277-8DBB-D5E9CED79C4D}" destId="{B2A72572-DD94-49F3-9C74-F97F76DD77E8}" srcOrd="0" destOrd="0" parTransId="{BE5BBF08-CB6C-410D-95EE-BD5BF25A6309}" sibTransId="{CFA313D8-C3A9-4765-881F-FD14965CDD61}"/>
-    <dgm:cxn modelId="{2FFE2D2F-5254-486D-A83F-5A8A96275BDB}" srcId="{AAC17C87-31E8-4276-B5AF-B8910E5CA9AA}" destId="{25E09C33-42FD-4F52-8CB0-452BF541B7EE}" srcOrd="2" destOrd="0" parTransId="{2E5C60CF-085B-4C66-A01B-83A3AF9AC5CE}" sibTransId="{F9299BC1-DA27-4702-A02B-E2D61037A6E5}"/>
-    <dgm:cxn modelId="{47F9B3B4-FA63-45BD-B156-69D5C1732BE8}" srcId="{AAC17C87-31E8-4276-B5AF-B8910E5CA9AA}" destId="{22AB3F71-BC8F-4768-888B-F6E1856CFD5B}" srcOrd="0" destOrd="0" parTransId="{72548C30-62AA-4264-A91B-6E316ED2D1D5}" sibTransId="{C9F02517-C147-4C66-A0F0-11E0F557FBA6}"/>
-    <dgm:cxn modelId="{064285E3-34A1-4473-AFA2-984276405DD6}" type="presParOf" srcId="{2971BC93-77C3-4078-A105-8597E86CC05C}" destId="{1AE39575-5131-457E-87D9-250C20E4AF30}" srcOrd="0" destOrd="0" presId="urn:microsoft.com/office/officeart/2008/layout/SquareAccentList"/>
-    <dgm:cxn modelId="{6FBA1FB6-3AEF-4196-91D5-1E807F540EF6}" type="presParOf" srcId="{1AE39575-5131-457E-87D9-250C20E4AF30}" destId="{118FBAA4-28AC-4EB8-89A4-219E83C3BCBE}" srcOrd="0" destOrd="0" presId="urn:microsoft.com/office/officeart/2008/layout/SquareAccentList"/>
-    <dgm:cxn modelId="{C89C8E44-B260-4647-98D2-09067DCA96B7}" type="presParOf" srcId="{118FBAA4-28AC-4EB8-89A4-219E83C3BCBE}" destId="{78E90345-FE91-47A7-8E8D-7EC91F8F325D}" srcOrd="0" destOrd="0" presId="urn:microsoft.com/office/officeart/2008/layout/SquareAccentList"/>
-    <dgm:cxn modelId="{62B0852E-194D-4851-A725-4B11E4EB9B80}" type="presParOf" srcId="{118FBAA4-28AC-4EB8-89A4-219E83C3BCBE}" destId="{442AB41D-A8B9-4C81-AFE5-A9DDC7C501DB}" srcOrd="1" destOrd="0" presId="urn:microsoft.com/office/officeart/2008/layout/SquareAccentList"/>
-    <dgm:cxn modelId="{6CD04290-FCC8-4B09-8AA6-49294D463217}" type="presParOf" srcId="{118FBAA4-28AC-4EB8-89A4-219E83C3BCBE}" destId="{F0A18B1E-4B8C-49D0-A2C5-B72A0992791A}" srcOrd="2" destOrd="0" presId="urn:microsoft.com/office/officeart/2008/layout/SquareAccentList"/>
-    <dgm:cxn modelId="{05DFAC3D-505B-4515-ACD2-97604A8BE151}" type="presParOf" srcId="{1AE39575-5131-457E-87D9-250C20E4AF30}" destId="{0FA6566D-FEDB-48F5-ABEA-024A465C109F}" srcOrd="1" destOrd="0" presId="urn:microsoft.com/office/officeart/2008/layout/SquareAccentList"/>
-    <dgm:cxn modelId="{70D09C4E-D529-4E3B-8D21-E233E1ABF527}" type="presParOf" srcId="{0FA6566D-FEDB-48F5-ABEA-024A465C109F}" destId="{62A25A0F-804E-414B-B883-656CEF17090B}" srcOrd="0" destOrd="0" presId="urn:microsoft.com/office/officeart/2008/layout/SquareAccentList"/>
-    <dgm:cxn modelId="{3D22A1D3-A3A9-4474-A2D7-685D833743C9}" type="presParOf" srcId="{62A25A0F-804E-414B-B883-656CEF17090B}" destId="{8A80B33F-319E-4097-BABE-6D06200B4059}" srcOrd="0" destOrd="0" presId="urn:microsoft.com/office/officeart/2008/layout/SquareAccentList"/>
-    <dgm:cxn modelId="{18EB0A53-4332-4257-AB55-63DA3B0BFD82}" type="presParOf" srcId="{62A25A0F-804E-414B-B883-656CEF17090B}" destId="{22C7BCBD-CEEE-4C3C-8575-8FCB6CDA438E}" srcOrd="1" destOrd="0" presId="urn:microsoft.com/office/officeart/2008/layout/SquareAccentList"/>
-    <dgm:cxn modelId="{5823D72D-3540-4A8B-B387-7192795A683F}" type="presParOf" srcId="{0FA6566D-FEDB-48F5-ABEA-024A465C109F}" destId="{714E1039-AB1A-451F-B96D-3478333B02AD}" srcOrd="1" destOrd="0" presId="urn:microsoft.com/office/officeart/2008/layout/SquareAccentList"/>
-    <dgm:cxn modelId="{92CD0294-1722-4E79-BA90-97CD3DD70786}" type="presParOf" srcId="{714E1039-AB1A-451F-B96D-3478333B02AD}" destId="{FDEBDDC6-2C76-49BA-AA17-2EC6B30C86BD}" srcOrd="0" destOrd="0" presId="urn:microsoft.com/office/officeart/2008/layout/SquareAccentList"/>
-    <dgm:cxn modelId="{B0FF0511-8CA4-4F72-8C5B-73521FE41346}" type="presParOf" srcId="{714E1039-AB1A-451F-B96D-3478333B02AD}" destId="{B93FB06B-349E-4C46-9386-C2A7693F919C}" srcOrd="1" destOrd="0" presId="urn:microsoft.com/office/officeart/2008/layout/SquareAccentList"/>
-    <dgm:cxn modelId="{CA2B5D92-EB9C-44E3-B458-849C11F32090}" type="presParOf" srcId="{0FA6566D-FEDB-48F5-ABEA-024A465C109F}" destId="{5FAF6DA5-2465-4BF5-9700-5D88837B55E0}" srcOrd="2" destOrd="0" presId="urn:microsoft.com/office/officeart/2008/layout/SquareAccentList"/>
-    <dgm:cxn modelId="{07C6BB04-A71E-493F-B159-CE6831D71A16}" type="presParOf" srcId="{5FAF6DA5-2465-4BF5-9700-5D88837B55E0}" destId="{F1021B75-F18F-4829-9EBD-5BA808E16033}" srcOrd="0" destOrd="0" presId="urn:microsoft.com/office/officeart/2008/layout/SquareAccentList"/>
-    <dgm:cxn modelId="{6134D06E-0E1A-4949-8043-06C5BFC99124}" type="presParOf" srcId="{5FAF6DA5-2465-4BF5-9700-5D88837B55E0}" destId="{3094B189-7DCD-4266-B46D-8752B3C3A89E}" srcOrd="1" destOrd="0" presId="urn:microsoft.com/office/officeart/2008/layout/SquareAccentList"/>
-    <dgm:cxn modelId="{61B1DDD9-DF31-4FD2-BCD6-5D62F42D67C4}" type="presParOf" srcId="{2971BC93-77C3-4078-A105-8597E86CC05C}" destId="{4739CC76-1879-4428-9113-81461854485F}" srcOrd="1" destOrd="0" presId="urn:microsoft.com/office/officeart/2008/layout/SquareAccentList"/>
-    <dgm:cxn modelId="{6FEEADF2-9EB5-4C48-B124-CD57F8D27BCC}" type="presParOf" srcId="{4739CC76-1879-4428-9113-81461854485F}" destId="{1005F66E-C10C-47D4-A53B-66F12BDBC241}" srcOrd="0" destOrd="0" presId="urn:microsoft.com/office/officeart/2008/layout/SquareAccentList"/>
-    <dgm:cxn modelId="{7E03ACA1-154F-48C2-B69A-0E2F8CDA2A38}" type="presParOf" srcId="{1005F66E-C10C-47D4-A53B-66F12BDBC241}" destId="{1101818C-F9E6-48B1-8106-9EDF7C77010F}" srcOrd="0" destOrd="0" presId="urn:microsoft.com/office/officeart/2008/layout/SquareAccentList"/>
-    <dgm:cxn modelId="{51280580-404E-4448-BF68-076553029427}" type="presParOf" srcId="{1005F66E-C10C-47D4-A53B-66F12BDBC241}" destId="{84502440-DF3A-49DD-9E3E-7B520195C2F2}" srcOrd="1" destOrd="0" presId="urn:microsoft.com/office/officeart/2008/layout/SquareAccentList"/>
-    <dgm:cxn modelId="{136F5C26-E167-4D3C-ADC8-FCB42DE05201}" type="presParOf" srcId="{1005F66E-C10C-47D4-A53B-66F12BDBC241}" destId="{920C1E90-5036-40EE-8B7B-C03BC172C6F4}" srcOrd="2" destOrd="0" presId="urn:microsoft.com/office/officeart/2008/layout/SquareAccentList"/>
-    <dgm:cxn modelId="{E6E09298-BA97-40C7-A3C5-FCE9707378D8}" type="presParOf" srcId="{4739CC76-1879-4428-9113-81461854485F}" destId="{8916CAB2-5D03-4865-BE99-9310931B985C}" srcOrd="1" destOrd="0" presId="urn:microsoft.com/office/officeart/2008/layout/SquareAccentList"/>
-    <dgm:cxn modelId="{352A1B73-1A14-45E7-AF0D-E6FE052C2E41}" type="presParOf" srcId="{8916CAB2-5D03-4865-BE99-9310931B985C}" destId="{108F68D3-5B08-4715-A9C5-FF97D1351BC4}" srcOrd="0" destOrd="0" presId="urn:microsoft.com/office/officeart/2008/layout/SquareAccentList"/>
-    <dgm:cxn modelId="{113F84C5-6AEC-41EC-8D35-7ECDE1842C51}" type="presParOf" srcId="{108F68D3-5B08-4715-A9C5-FF97D1351BC4}" destId="{AC7AB7D7-9945-4B50-9E90-95E126A5DEAB}" srcOrd="0" destOrd="0" presId="urn:microsoft.com/office/officeart/2008/layout/SquareAccentList"/>
-    <dgm:cxn modelId="{B7E2B464-1FFC-427D-A39A-18B5E769EC8F}" type="presParOf" srcId="{108F68D3-5B08-4715-A9C5-FF97D1351BC4}" destId="{D13322E5-B7AE-4570-A9FC-84DF641F4452}" srcOrd="1" destOrd="0" presId="urn:microsoft.com/office/officeart/2008/layout/SquareAccentList"/>
-    <dgm:cxn modelId="{5813F726-CB40-47DA-B917-73D6F5146105}" type="presParOf" srcId="{8916CAB2-5D03-4865-BE99-9310931B985C}" destId="{04D70E1E-E0BB-4881-94EE-5A0B1EA590AE}" srcOrd="1" destOrd="0" presId="urn:microsoft.com/office/officeart/2008/layout/SquareAccentList"/>
-    <dgm:cxn modelId="{D8153181-E850-48CA-9A30-DAF70FF3041C}" type="presParOf" srcId="{04D70E1E-E0BB-4881-94EE-5A0B1EA590AE}" destId="{51818F82-5864-453D-89E1-3C9A291A4AF3}" srcOrd="0" destOrd="0" presId="urn:microsoft.com/office/officeart/2008/layout/SquareAccentList"/>
-    <dgm:cxn modelId="{A9E74956-7528-499A-8C6A-B67D7D05888D}" type="presParOf" srcId="{04D70E1E-E0BB-4881-94EE-5A0B1EA590AE}" destId="{37B72757-B95B-4606-93FF-4ADF0BB6D429}" srcOrd="1" destOrd="0" presId="urn:microsoft.com/office/officeart/2008/layout/SquareAccentList"/>
-    <dgm:cxn modelId="{C64494B5-2CD3-443E-8E20-4C084DE346B7}" type="presParOf" srcId="{8916CAB2-5D03-4865-BE99-9310931B985C}" destId="{FEBF50CC-C092-4B47-ACC4-1B61B3D473F4}" srcOrd="2" destOrd="0" presId="urn:microsoft.com/office/officeart/2008/layout/SquareAccentList"/>
-    <dgm:cxn modelId="{EF339190-358A-4B7A-9842-B5186CBA9698}" type="presParOf" srcId="{FEBF50CC-C092-4B47-ACC4-1B61B3D473F4}" destId="{EF37E1C5-C3F1-4532-9E9C-884D1DE44A7F}" srcOrd="0" destOrd="0" presId="urn:microsoft.com/office/officeart/2008/layout/SquareAccentList"/>
-    <dgm:cxn modelId="{4A2C66FD-EEEC-4FEB-9884-9EC7B80172AA}" type="presParOf" srcId="{FEBF50CC-C092-4B47-ACC4-1B61B3D473F4}" destId="{310F8D48-7B6A-4438-922B-86FD094F44BF}" srcOrd="1" destOrd="0" presId="urn:microsoft.com/office/officeart/2008/layout/SquareAccentList"/>
+    <dgm:cxn modelId="{B2FC2E59-E0BF-4CD3-9D3D-E86B294BD972}" srcId="{B41D75AE-2A29-4277-8DBB-D5E9CED79C4D}" destId="{1119A085-6F07-46C4-B85B-D1CE300590BF}" srcOrd="1" destOrd="0" parTransId="{A201BA82-5ACD-41C4-A756-1020B1F24B4A}" sibTransId="{5B1107D9-A94B-4373-8B80-400FA79466AA}"/>
+    <dgm:cxn modelId="{707FFF28-2F42-47B1-AF9C-ADF519D8B5EB}" type="presOf" srcId="{3973E519-921D-4357-808F-65EA81567642}" destId="{7FBFBAC4-2975-4795-ADC7-4B54CCBAEAB1}" srcOrd="0" destOrd="0" presId="urn:microsoft.com/office/officeart/2005/8/layout/target2"/>
+    <dgm:cxn modelId="{63AF8B90-41F1-4468-A6F5-BAA7319821CA}" type="presOf" srcId="{2B94917F-01CC-4A71-9A16-8FAE36546B5C}" destId="{55454349-EAF4-470E-BBAA-D434698917ED}" srcOrd="0" destOrd="0" presId="urn:microsoft.com/office/officeart/2005/8/layout/target2"/>
+    <dgm:cxn modelId="{762F7717-D26E-4D1C-A6FD-498F6E1B02A3}" srcId="{22AB3F71-BC8F-4768-888B-F6E1856CFD5B}" destId="{3973E519-921D-4357-808F-65EA81567642}" srcOrd="0" destOrd="0" parTransId="{74AF20CE-7799-4C8E-A894-EE0C2D449A5F}" sibTransId="{ED0B01CC-F5BD-4E3D-9811-96F476147302}"/>
+    <dgm:cxn modelId="{ABC03601-362A-489C-B301-16AAA4E2B732}" type="presOf" srcId="{B41D75AE-2A29-4277-8DBB-D5E9CED79C4D}" destId="{C26A6EA6-0081-4BE7-88AC-DA923A48049B}" srcOrd="0" destOrd="0" presId="urn:microsoft.com/office/officeart/2005/8/layout/target2"/>
+    <dgm:cxn modelId="{61055A83-F922-4350-9380-CFE46E9497BE}" type="presOf" srcId="{9386B31C-5E45-4E23-9545-29E102B9F75C}" destId="{F8CD597C-AF41-4911-8CDE-B209DEFA8EFC}" srcOrd="0" destOrd="0" presId="urn:microsoft.com/office/officeart/2005/8/layout/target2"/>
+    <dgm:cxn modelId="{2FFE2D2F-5254-486D-A83F-5A8A96275BDB}" srcId="{22AB3F71-BC8F-4768-888B-F6E1856CFD5B}" destId="{25E09C33-42FD-4F52-8CB0-452BF541B7EE}" srcOrd="1" destOrd="0" parTransId="{2E5C60CF-085B-4C66-A01B-83A3AF9AC5CE}" sibTransId="{F9299BC1-DA27-4702-A02B-E2D61037A6E5}"/>
+    <dgm:cxn modelId="{600AD4AE-0545-4933-B03C-C176DBDB557C}" srcId="{B41D75AE-2A29-4277-8DBB-D5E9CED79C4D}" destId="{2B94917F-01CC-4A71-9A16-8FAE36546B5C}" srcOrd="0" destOrd="0" parTransId="{417D8286-04D5-40B8-9DD8-FB9B660136A4}" sibTransId="{9159FC4B-5B3E-42A2-871F-1D19B3560545}"/>
+    <dgm:cxn modelId="{D407E21F-2FB2-486B-85B9-E1A242433F11}" type="presOf" srcId="{25E09C33-42FD-4F52-8CB0-452BF541B7EE}" destId="{C233A43E-286F-4E8D-BC0D-A6E7625559B2}" srcOrd="0" destOrd="0" presId="urn:microsoft.com/office/officeart/2005/8/layout/target2"/>
+    <dgm:cxn modelId="{5FB89280-146C-4EF7-B075-DCAA25CB7C0B}" type="presOf" srcId="{1119A085-6F07-46C4-B85B-D1CE300590BF}" destId="{10DC5E61-068F-4913-9663-325D256495C3}" srcOrd="0" destOrd="0" presId="urn:microsoft.com/office/officeart/2005/8/layout/target2"/>
+    <dgm:cxn modelId="{2C1BC967-8769-46FF-A481-D45F7FB44D2D}" type="presOf" srcId="{22AB3F71-BC8F-4768-888B-F6E1856CFD5B}" destId="{51DE05A1-F310-4AD4-BD2A-E814179084C5}" srcOrd="0" destOrd="0" presId="urn:microsoft.com/office/officeart/2005/8/layout/target2"/>
+    <dgm:cxn modelId="{4162AF35-F4B6-484B-85F5-7EA768BB9E8E}" srcId="{B41D75AE-2A29-4277-8DBB-D5E9CED79C4D}" destId="{9386B31C-5E45-4E23-9545-29E102B9F75C}" srcOrd="2" destOrd="0" parTransId="{E5DE2FC0-1550-46BE-897B-AE2B5F4C4F50}" sibTransId="{81D5BC8E-7E40-419C-B9FD-4110FCC5033E}"/>
+    <dgm:cxn modelId="{47F9B3B4-FA63-45BD-B156-69D5C1732BE8}" srcId="{09E1FA74-CAD4-4D8F-8C9F-47DB10A12E4C}" destId="{22AB3F71-BC8F-4768-888B-F6E1856CFD5B}" srcOrd="1" destOrd="0" parTransId="{72548C30-62AA-4264-A91B-6E316ED2D1D5}" sibTransId="{C9F02517-C147-4C66-A0F0-11E0F557FBA6}"/>
+    <dgm:cxn modelId="{16E8C1E6-70FB-4022-92B1-0898AD7615A5}" type="presParOf" srcId="{FD0A912F-A5FF-4195-8F6E-F1107C247D33}" destId="{773AB8ED-F4AA-404C-834D-C3DDB163AC49}" srcOrd="0" destOrd="0" presId="urn:microsoft.com/office/officeart/2005/8/layout/target2"/>
+    <dgm:cxn modelId="{B231CFE6-040F-4F36-934A-8F1C58DBB4C6}" type="presParOf" srcId="{773AB8ED-F4AA-404C-834D-C3DDB163AC49}" destId="{C26A6EA6-0081-4BE7-88AC-DA923A48049B}" srcOrd="0" destOrd="0" presId="urn:microsoft.com/office/officeart/2005/8/layout/target2"/>
+    <dgm:cxn modelId="{36F10470-1CAB-4D37-96B9-51BBDA2806A8}" type="presParOf" srcId="{773AB8ED-F4AA-404C-834D-C3DDB163AC49}" destId="{40631DF0-C0BD-4F09-8B85-05530F809995}" srcOrd="1" destOrd="0" presId="urn:microsoft.com/office/officeart/2005/8/layout/target2"/>
+    <dgm:cxn modelId="{73EA30D4-40F5-4F16-9D74-ED4E21CC4F9B}" type="presParOf" srcId="{40631DF0-C0BD-4F09-8B85-05530F809995}" destId="{55454349-EAF4-470E-BBAA-D434698917ED}" srcOrd="0" destOrd="0" presId="urn:microsoft.com/office/officeart/2005/8/layout/target2"/>
+    <dgm:cxn modelId="{145BBE44-2C13-4B57-B5A5-58B0FF55EB6C}" type="presParOf" srcId="{40631DF0-C0BD-4F09-8B85-05530F809995}" destId="{CA1FC550-1840-448D-BD3E-77FE09C2581F}" srcOrd="1" destOrd="0" presId="urn:microsoft.com/office/officeart/2005/8/layout/target2"/>
+    <dgm:cxn modelId="{B51EE98A-E32E-40C1-AD31-30FFF28B20A9}" type="presParOf" srcId="{40631DF0-C0BD-4F09-8B85-05530F809995}" destId="{10DC5E61-068F-4913-9663-325D256495C3}" srcOrd="2" destOrd="0" presId="urn:microsoft.com/office/officeart/2005/8/layout/target2"/>
+    <dgm:cxn modelId="{719B4C0A-542C-4C7E-8561-128DB40ACB43}" type="presParOf" srcId="{40631DF0-C0BD-4F09-8B85-05530F809995}" destId="{9D009C0A-DC49-4FB9-8035-CFE162EBF8B3}" srcOrd="3" destOrd="0" presId="urn:microsoft.com/office/officeart/2005/8/layout/target2"/>
+    <dgm:cxn modelId="{BBD6C3E4-8C6D-4277-B4F5-BCECE8531298}" type="presParOf" srcId="{40631DF0-C0BD-4F09-8B85-05530F809995}" destId="{F8CD597C-AF41-4911-8CDE-B209DEFA8EFC}" srcOrd="4" destOrd="0" presId="urn:microsoft.com/office/officeart/2005/8/layout/target2"/>
+    <dgm:cxn modelId="{805BE890-1EA1-4D90-BB01-CC71980433FF}" type="presParOf" srcId="{FD0A912F-A5FF-4195-8F6E-F1107C247D33}" destId="{FF808A2F-0229-448C-A3CC-A68AD4541AE0}" srcOrd="1" destOrd="0" presId="urn:microsoft.com/office/officeart/2005/8/layout/target2"/>
+    <dgm:cxn modelId="{D935850C-459A-4AB6-B2C0-1DCECEC76925}" type="presParOf" srcId="{FF808A2F-0229-448C-A3CC-A68AD4541AE0}" destId="{51DE05A1-F310-4AD4-BD2A-E814179084C5}" srcOrd="0" destOrd="0" presId="urn:microsoft.com/office/officeart/2005/8/layout/target2"/>
+    <dgm:cxn modelId="{9C0CEF6E-9D22-4A2B-A1B5-50D5ADBD7101}" type="presParOf" srcId="{FF808A2F-0229-448C-A3CC-A68AD4541AE0}" destId="{5A816AC3-B5D5-4277-8DF0-2E4895570095}" srcOrd="1" destOrd="0" presId="urn:microsoft.com/office/officeart/2005/8/layout/target2"/>
+    <dgm:cxn modelId="{EE4DF673-F193-44A3-95DE-75E30AC8B86C}" type="presParOf" srcId="{5A816AC3-B5D5-4277-8DF0-2E4895570095}" destId="{7FBFBAC4-2975-4795-ADC7-4B54CCBAEAB1}" srcOrd="0" destOrd="0" presId="urn:microsoft.com/office/officeart/2005/8/layout/target2"/>
+    <dgm:cxn modelId="{EC2304C4-090F-4230-82A8-07C04AF442A0}" type="presParOf" srcId="{5A816AC3-B5D5-4277-8DF0-2E4895570095}" destId="{380C533E-C74C-4832-9E8A-669287DCE079}" srcOrd="1" destOrd="0" presId="urn:microsoft.com/office/officeart/2005/8/layout/target2"/>
+    <dgm:cxn modelId="{1F7FE894-7401-479C-87E0-720078B3FA82}" type="presParOf" srcId="{5A816AC3-B5D5-4277-8DF0-2E4895570095}" destId="{C233A43E-286F-4E8D-BC0D-A6E7625559B2}" srcOrd="2" destOrd="0" presId="urn:microsoft.com/office/officeart/2005/8/layout/target2"/>
   </dgm:cxnLst>
   <dgm:bg/>
   <dgm:whole/>
   <dgm:extLst>
     <a:ext uri="http://schemas.microsoft.com/office/drawing/2008/diagram">
-      <dsp:dataModelExt xmlns="" xmlns:dsp="http://schemas.microsoft.com/office/drawing/2008/diagram" relId="rId6" minVer="http://schemas.openxmlformats.org/drawingml/2006/diagram"/>
+      <dsp:dataModelExt xmlns:dsp="http://schemas.microsoft.com/office/drawing/2008/diagram" xmlns="" relId="rId6" minVer="http://schemas.openxmlformats.org/drawingml/2006/diagram"/>
     </a:ext>
   </dgm:extLst>
 </dgm:dataModel>
@@ -7768,7 +7836,7 @@
       <dgm:spPr/>
     </dgm:pt>
     <dgm:pt modelId="{77351131-57DF-4AF2-A89D-95AF9C6149DC}" type="pres">
-      <dgm:prSet presAssocID="{7DFE07BF-9A88-4152-9E58-09C9E20DB3CE}" presName="childNode1" presStyleLbl="bgAcc1" presStyleIdx="0" presStyleCnt="3" custScaleY="78394">
+      <dgm:prSet presAssocID="{7DFE07BF-9A88-4152-9E58-09C9E20DB3CE}" presName="childNode1" presStyleLbl="bgAcc1" presStyleIdx="0" presStyleCnt="3" custScaleX="97209" custScaleY="78394" custLinFactNeighborX="5058" custLinFactNeighborY="11394">
         <dgm:presLayoutVars>
           <dgm:bulletEnabled val="1"/>
         </dgm:presLayoutVars>
@@ -7812,7 +7880,7 @@
       </dgm:t>
     </dgm:pt>
     <dgm:pt modelId="{168FD8A5-9BA3-47FA-8D32-ED60BCA98D24}" type="pres">
-      <dgm:prSet presAssocID="{7DFE07BF-9A88-4152-9E58-09C9E20DB3CE}" presName="parentNode1" presStyleLbl="node1" presStyleIdx="0" presStyleCnt="3" custScaleY="78394" custLinFactY="-100000" custLinFactNeighborX="-3813" custLinFactNeighborY="-135293">
+      <dgm:prSet presAssocID="{7DFE07BF-9A88-4152-9E58-09C9E20DB3CE}" presName="parentNode1" presStyleLbl="node1" presStyleIdx="0" presStyleCnt="3" custScaleY="127711" custLinFactY="-100000" custLinFactNeighborX="4390" custLinFactNeighborY="-128365">
         <dgm:presLayoutVars>
           <dgm:chMax val="1"/>
           <dgm:bulletEnabled val="1"/>
@@ -7855,7 +7923,7 @@
       <dgm:spPr/>
     </dgm:pt>
     <dgm:pt modelId="{0C27C69B-3C82-4A7E-9AEC-146B678149A2}" type="pres">
-      <dgm:prSet presAssocID="{3865D5FF-DA00-4906-B6F5-07C839464584}" presName="childNode2" presStyleLbl="bgAcc1" presStyleIdx="1" presStyleCnt="3" custScaleY="78394">
+      <dgm:prSet presAssocID="{3865D5FF-DA00-4906-B6F5-07C839464584}" presName="childNode2" presStyleLbl="bgAcc1" presStyleIdx="1" presStyleCnt="3" custScaleX="97209" custScaleY="78394" custLinFactNeighborX="10213" custLinFactNeighborY="5456">
         <dgm:presLayoutVars>
           <dgm:bulletEnabled val="1"/>
         </dgm:presLayoutVars>
@@ -7899,7 +7967,7 @@
       </dgm:t>
     </dgm:pt>
     <dgm:pt modelId="{85BA2879-403E-43AC-A59E-A90A5FACC251}" type="pres">
-      <dgm:prSet presAssocID="{3865D5FF-DA00-4906-B6F5-07C839464584}" presName="parentNode2" presStyleLbl="node1" presStyleIdx="1" presStyleCnt="3" custScaleY="78394" custLinFactNeighborX="-3651" custLinFactNeighborY="-1959">
+      <dgm:prSet presAssocID="{3865D5FF-DA00-4906-B6F5-07C839464584}" presName="parentNode2" presStyleLbl="node1" presStyleIdx="1" presStyleCnt="3" custScaleY="127711" custLinFactNeighborX="13574" custLinFactNeighborY="-8887">
         <dgm:presLayoutVars>
           <dgm:chMax val="0"/>
           <dgm:bulletEnabled val="1"/>
@@ -7938,7 +8006,7 @@
       <dgm:spPr/>
     </dgm:pt>
     <dgm:pt modelId="{AE566E9F-D101-4F88-9692-208EF2AE8557}" type="pres">
-      <dgm:prSet presAssocID="{F3A2DAB8-2AB9-419A-82D3-D743A16978C8}" presName="childNode1" presStyleLbl="bgAcc1" presStyleIdx="2" presStyleCnt="3" custScaleY="78394">
+      <dgm:prSet presAssocID="{F3A2DAB8-2AB9-419A-82D3-D743A16978C8}" presName="childNode1" presStyleLbl="bgAcc1" presStyleIdx="2" presStyleCnt="3" custScaleX="97209" custScaleY="78394" custLinFactNeighborX="4942" custLinFactNeighborY="11394">
         <dgm:presLayoutVars>
           <dgm:bulletEnabled val="1"/>
         </dgm:presLayoutVars>
@@ -7982,7 +8050,7 @@
       </dgm:t>
     </dgm:pt>
     <dgm:pt modelId="{301F9B7A-61FD-4D71-8D0E-DCB457B0DAC9}" type="pres">
-      <dgm:prSet presAssocID="{F3A2DAB8-2AB9-419A-82D3-D743A16978C8}" presName="parentNode1" presStyleLbl="node1" presStyleIdx="2" presStyleCnt="3" custScaleY="78394" custLinFactY="-100000" custLinFactNeighborX="-3490" custLinFactNeighborY="-135293">
+      <dgm:prSet presAssocID="{F3A2DAB8-2AB9-419A-82D3-D743A16978C8}" presName="parentNode1" presStyleLbl="node1" presStyleIdx="2" presStyleCnt="3" custScaleY="127711" custLinFactY="-100000" custLinFactNeighborX="7400" custLinFactNeighborY="-136879">
         <dgm:presLayoutVars>
           <dgm:chMax val="1"/>
           <dgm:bulletEnabled val="1"/>
@@ -8055,7 +8123,7 @@
   <dgm:whole/>
   <dgm:extLst>
     <a:ext uri="http://schemas.microsoft.com/office/drawing/2008/diagram">
-      <dsp:dataModelExt xmlns="" xmlns:dsp="http://schemas.microsoft.com/office/drawing/2008/diagram" relId="rId6" minVer="http://schemas.openxmlformats.org/drawingml/2006/diagram"/>
+      <dsp:dataModelExt xmlns:dsp="http://schemas.microsoft.com/office/drawing/2008/diagram" xmlns="" relId="rId6" minVer="http://schemas.openxmlformats.org/drawingml/2006/diagram"/>
     </a:ext>
   </dgm:extLst>
 </dgm:dataModel>
@@ -8537,7 +8605,7 @@
   <dgm:whole/>
   <dgm:extLst>
     <a:ext uri="http://schemas.microsoft.com/office/drawing/2008/diagram">
-      <dsp:dataModelExt xmlns="" xmlns:dsp="http://schemas.microsoft.com/office/drawing/2008/diagram" relId="rId6" minVer="http://schemas.openxmlformats.org/drawingml/2006/diagram"/>
+      <dsp:dataModelExt xmlns:dsp="http://schemas.microsoft.com/office/drawing/2008/diagram" xmlns="" relId="rId6" minVer="http://schemas.openxmlformats.org/drawingml/2006/diagram"/>
     </a:ext>
   </dgm:extLst>
 </dgm:dataModel>
@@ -9542,7 +9610,7 @@
   <dgm:whole/>
   <dgm:extLst>
     <a:ext uri="http://schemas.microsoft.com/office/drawing/2008/diagram">
-      <dsp:dataModelExt xmlns="" xmlns:dsp="http://schemas.microsoft.com/office/drawing/2008/diagram" relId="rId6" minVer="http://schemas.openxmlformats.org/drawingml/2006/diagram"/>
+      <dsp:dataModelExt xmlns:dsp="http://schemas.microsoft.com/office/drawing/2008/diagram" xmlns="" relId="rId6" minVer="http://schemas.openxmlformats.org/drawingml/2006/diagram"/>
     </a:ext>
   </dgm:extLst>
 </dgm:dataModel>
@@ -15893,17 +15961,17 @@
 </file>
 
 <file path=ppt/diagrams/layout3.xml><?xml version="1.0" encoding="utf-8"?>
-<dgm:layoutDef xmlns:dgm="http://schemas.openxmlformats.org/drawingml/2006/diagram" xmlns:a="http://schemas.openxmlformats.org/drawingml/2006/main" uniqueId="urn:microsoft.com/office/officeart/2008/layout/SquareAccentList">
+<dgm:layoutDef xmlns:dgm="http://schemas.openxmlformats.org/drawingml/2006/diagram" xmlns:a="http://schemas.openxmlformats.org/drawingml/2006/main" uniqueId="urn:microsoft.com/office/officeart/2005/8/layout/target2">
   <dgm:title val=""/>
   <dgm:desc val=""/>
   <dgm:catLst>
-    <dgm:cat type="list" pri="5500"/>
+    <dgm:cat type="relationship" pri="12000"/>
   </dgm:catLst>
   <dgm:sampData>
     <dgm:dataModel>
       <dgm:ptLst>
         <dgm:pt modelId="0" type="doc"/>
-        <dgm:pt modelId="10">
+        <dgm:pt modelId="1">
           <dgm:prSet phldr="1"/>
         </dgm:pt>
         <dgm:pt modelId="11">
@@ -15912,10 +15980,7 @@
         <dgm:pt modelId="12">
           <dgm:prSet phldr="1"/>
         </dgm:pt>
-        <dgm:pt modelId="13">
-          <dgm:prSet phldr="1"/>
-        </dgm:pt>
-        <dgm:pt modelId="20">
+        <dgm:pt modelId="2">
           <dgm:prSet phldr="1"/>
         </dgm:pt>
         <dgm:pt modelId="21">
@@ -15924,19 +15989,26 @@
         <dgm:pt modelId="22">
           <dgm:prSet phldr="1"/>
         </dgm:pt>
-        <dgm:pt modelId="23">
+        <dgm:pt modelId="3">
+          <dgm:prSet phldr="1"/>
+        </dgm:pt>
+        <dgm:pt modelId="31">
+          <dgm:prSet phldr="1"/>
+        </dgm:pt>
+        <dgm:pt modelId="32">
           <dgm:prSet phldr="1"/>
         </dgm:pt>
       </dgm:ptLst>
       <dgm:cxnLst>
-        <dgm:cxn modelId="1" srcId="0" destId="10" srcOrd="0" destOrd="0"/>
-        <dgm:cxn modelId="2" srcId="10" destId="11" srcOrd="0" destOrd="0"/>
-        <dgm:cxn modelId="3" srcId="10" destId="12" srcOrd="1" destOrd="0"/>
-        <dgm:cxn modelId="4" srcId="10" destId="13" srcOrd="2" destOrd="0"/>
-        <dgm:cxn modelId="5" srcId="0" destId="20" srcOrd="0" destOrd="0"/>
-        <dgm:cxn modelId="6" srcId="20" destId="21" srcOrd="0" destOrd="0"/>
-        <dgm:cxn modelId="7" srcId="20" destId="22" srcOrd="1" destOrd="0"/>
-        <dgm:cxn modelId="8" srcId="20" destId="23" srcOrd="2" destOrd="0"/>
+        <dgm:cxn modelId="4" srcId="0" destId="1" srcOrd="0" destOrd="0"/>
+        <dgm:cxn modelId="5" srcId="0" destId="2" srcOrd="1" destOrd="0"/>
+        <dgm:cxn modelId="6" srcId="0" destId="3" srcOrd="2" destOrd="0"/>
+        <dgm:cxn modelId="13" srcId="1" destId="11" srcOrd="0" destOrd="0"/>
+        <dgm:cxn modelId="14" srcId="1" destId="12" srcOrd="1" destOrd="0"/>
+        <dgm:cxn modelId="23" srcId="2" destId="21" srcOrd="0" destOrd="0"/>
+        <dgm:cxn modelId="24" srcId="2" destId="22" srcOrd="1" destOrd="0"/>
+        <dgm:cxn modelId="33" srcId="3" destId="31" srcOrd="0" destOrd="0"/>
+        <dgm:cxn modelId="34" srcId="3" destId="32" srcOrd="1" destOrd="0"/>
       </dgm:cxnLst>
       <dgm:bg/>
       <dgm:whole/>
@@ -15946,40 +16018,16 @@
     <dgm:dataModel>
       <dgm:ptLst>
         <dgm:pt modelId="0" type="doc"/>
-        <dgm:pt modelId="10">
-          <dgm:prSet phldr="1"/>
-        </dgm:pt>
-        <dgm:pt modelId="11">
-          <dgm:prSet phldr="1"/>
-        </dgm:pt>
-        <dgm:pt modelId="12">
-          <dgm:prSet phldr="1"/>
-        </dgm:pt>
-        <dgm:pt modelId="13">
-          <dgm:prSet phldr="1"/>
-        </dgm:pt>
-        <dgm:pt modelId="20">
-          <dgm:prSet phldr="1"/>
-        </dgm:pt>
-        <dgm:pt modelId="21">
-          <dgm:prSet phldr="1"/>
-        </dgm:pt>
-        <dgm:pt modelId="22">
-          <dgm:prSet phldr="1"/>
-        </dgm:pt>
-        <dgm:pt modelId="23">
-          <dgm:prSet phldr="1"/>
-        </dgm:pt>
+        <dgm:pt modelId="1"/>
+        <dgm:pt modelId="11"/>
+        <dgm:pt modelId="2"/>
+        <dgm:pt modelId="21"/>
       </dgm:ptLst>
       <dgm:cxnLst>
-        <dgm:cxn modelId="1" srcId="0" destId="10" srcOrd="0" destOrd="0"/>
-        <dgm:cxn modelId="2" srcId="10" destId="11" srcOrd="0" destOrd="0"/>
-        <dgm:cxn modelId="3" srcId="10" destId="12" srcOrd="1" destOrd="0"/>
-        <dgm:cxn modelId="4" srcId="10" destId="13" srcOrd="2" destOrd="0"/>
-        <dgm:cxn modelId="5" srcId="0" destId="20" srcOrd="0" destOrd="0"/>
-        <dgm:cxn modelId="6" srcId="20" destId="21" srcOrd="0" destOrd="0"/>
-        <dgm:cxn modelId="7" srcId="20" destId="22" srcOrd="1" destOrd="0"/>
-        <dgm:cxn modelId="8" srcId="20" destId="23" srcOrd="2" destOrd="0"/>
+        <dgm:cxn modelId="4" srcId="0" destId="1" srcOrd="0" destOrd="0"/>
+        <dgm:cxn modelId="5" srcId="0" destId="2" srcOrd="1" destOrd="0"/>
+        <dgm:cxn modelId="13" srcId="1" destId="11" srcOrd="0" destOrd="0"/>
+        <dgm:cxn modelId="23" srcId="2" destId="21" srcOrd="0" destOrd="0"/>
       </dgm:cxnLst>
       <dgm:bg/>
       <dgm:whole/>
@@ -15989,293 +16037,707 @@
     <dgm:dataModel>
       <dgm:ptLst>
         <dgm:pt modelId="0" type="doc"/>
-        <dgm:pt modelId="10">
-          <dgm:prSet phldr="1"/>
-        </dgm:pt>
-        <dgm:pt modelId="11">
-          <dgm:prSet phldr="1"/>
-        </dgm:pt>
-        <dgm:pt modelId="12">
-          <dgm:prSet phldr="1"/>
-        </dgm:pt>
-        <dgm:pt modelId="13">
-          <dgm:prSet phldr="1"/>
-        </dgm:pt>
-        <dgm:pt modelId="20">
-          <dgm:prSet phldr="1"/>
-        </dgm:pt>
-        <dgm:pt modelId="21">
-          <dgm:prSet phldr="1"/>
-        </dgm:pt>
-        <dgm:pt modelId="22">
-          <dgm:prSet phldr="1"/>
-        </dgm:pt>
-        <dgm:pt modelId="23">
-          <dgm:prSet phldr="1"/>
-        </dgm:pt>
+        <dgm:pt modelId="1"/>
+        <dgm:pt modelId="11"/>
+        <dgm:pt modelId="2"/>
+        <dgm:pt modelId="21"/>
+        <dgm:pt modelId="3"/>
+        <dgm:pt modelId="31"/>
+        <dgm:pt modelId="4"/>
+        <dgm:pt modelId="41"/>
       </dgm:ptLst>
       <dgm:cxnLst>
-        <dgm:cxn modelId="1" srcId="0" destId="10" srcOrd="0" destOrd="0"/>
-        <dgm:cxn modelId="2" srcId="10" destId="11" srcOrd="0" destOrd="0"/>
-        <dgm:cxn modelId="3" srcId="10" destId="12" srcOrd="1" destOrd="0"/>
-        <dgm:cxn modelId="4" srcId="10" destId="13" srcOrd="2" destOrd="0"/>
-        <dgm:cxn modelId="5" srcId="0" destId="20" srcOrd="0" destOrd="0"/>
-        <dgm:cxn modelId="6" srcId="20" destId="21" srcOrd="0" destOrd="0"/>
-        <dgm:cxn modelId="7" srcId="20" destId="22" srcOrd="1" destOrd="0"/>
-        <dgm:cxn modelId="8" srcId="20" destId="23" srcOrd="2" destOrd="0"/>
+        <dgm:cxn modelId="5" srcId="0" destId="1" srcOrd="0" destOrd="0"/>
+        <dgm:cxn modelId="6" srcId="0" destId="2" srcOrd="1" destOrd="0"/>
+        <dgm:cxn modelId="7" srcId="0" destId="3" srcOrd="2" destOrd="0"/>
+        <dgm:cxn modelId="8" srcId="0" destId="4" srcOrd="3" destOrd="0"/>
+        <dgm:cxn modelId="13" srcId="1" destId="11" srcOrd="0" destOrd="0"/>
+        <dgm:cxn modelId="23" srcId="2" destId="21" srcOrd="0" destOrd="0"/>
+        <dgm:cxn modelId="33" srcId="3" destId="31" srcOrd="0" destOrd="0"/>
+        <dgm:cxn modelId="43" srcId="4" destId="41" srcOrd="0" destOrd="0"/>
       </dgm:cxnLst>
       <dgm:bg/>
       <dgm:whole/>
     </dgm:dataModel>
   </dgm:clrData>
-  <dgm:layoutNode name="layout">
+  <dgm:layoutNode name="Name0">
     <dgm:varLst>
-      <dgm:chMax/>
-      <dgm:chPref/>
+      <dgm:chMax val="3"/>
+      <dgm:chPref val="1"/>
       <dgm:dir/>
+      <dgm:animLvl val="lvl"/>
       <dgm:resizeHandles/>
     </dgm:varLst>
-    <dgm:choose name="Name0">
-      <dgm:if name="Name1" func="var" arg="dir" op="equ" val="norm">
-        <dgm:alg type="hierChild">
-          <dgm:param type="linDir" val="fromL"/>
-          <dgm:param type="vertAlign" val="t"/>
-          <dgm:param type="nodeVertAlign" val="t"/>
-          <dgm:param type="horzAlign" val="ctr"/>
-          <dgm:param type="fallback" val="1D"/>
-        </dgm:alg>
-      </dgm:if>
-      <dgm:else name="Name2">
-        <dgm:alg type="hierChild">
-          <dgm:param type="linDir" val="fromR"/>
-          <dgm:param type="vertAlign" val="t"/>
-          <dgm:param type="nodeVertAlign" val="t"/>
-          <dgm:param type="horzAlign" val="ctr"/>
-          <dgm:param type="fallback" val="1D"/>
-        </dgm:alg>
-      </dgm:else>
-    </dgm:choose>
+    <dgm:alg type="composite">
+      <dgm:param type="horzAlign" val="none"/>
+      <dgm:param type="vertAlign" val="none"/>
+    </dgm:alg>
     <dgm:shape xmlns:r="http://schemas.openxmlformats.org/officeDocument/2006/relationships" r:blip="">
       <dgm:adjLst/>
     </dgm:shape>
     <dgm:presOf/>
-    <dgm:constrLst>
-      <dgm:constr type="primFontSz" for="des" forName="Parent" op="equ" val="65"/>
-      <dgm:constr type="primFontSz" for="des" forName="Child" op="equ" val="65"/>
-      <dgm:constr type="primFontSz" for="des" forName="Child" refType="primFontSz" refFor="des" refForName="Parent" op="lte"/>
-      <dgm:constr type="w" for="des" forName="rootComposite" refType="h" refFor="des" refForName="rootComposite" fact="3.0396"/>
-      <dgm:constr type="h" for="des" forName="rootComposite" refType="h"/>
-      <dgm:constr type="w" for="des" forName="childComposite" refType="w" refFor="des" refForName="rootComposite"/>
-      <dgm:constr type="h" for="des" forName="childComposite" refType="h" refFor="des" refForName="rootComposite" fact="0.5205"/>
-      <dgm:constr type="sibSp" refType="w" refFor="des" refForName="rootComposite" fact="0.05"/>
-      <dgm:constr type="sp" for="des" forName="root" refType="h" refFor="des" refForName="childComposite" fact="0.2855"/>
-    </dgm:constrLst>
+    <dgm:choose name="Name1">
+      <dgm:if name="Name2" func="var" arg="dir" op="equ" val="norm">
+        <dgm:choose name="Name3">
+          <dgm:if name="Name4" axis="ch ch" ptType="node node" st="1 1" cnt="1 0" func="cnt" op="gt" val="0">
+            <dgm:choose name="Name5">
+              <dgm:if name="Name6" axis="ch ch" ptType="node node" st="2 1" cnt="1 0" func="cnt" op="gt" val="0">
+                <dgm:constrLst>
+                  <dgm:constr type="primFontSz" for="des" forName="middleBoxParent" val="65"/>
+                  <dgm:constr type="primFontSz" for="des" forName="mChild" val="65"/>
+                  <dgm:constr type="primFontSz" for="des" forName="outerBoxParent" refType="primFontSz" refFor="des" refForName="middleBoxParent" op="equ"/>
+                  <dgm:constr type="primFontSz" for="des" forName="centerBoxParent" refType="primFontSz" refFor="des" refForName="middleBoxParent" op="equ"/>
+                  <dgm:constr type="primFontSz" for="des" forName="oChild" refType="primFontSz" refFor="des" refForName="mChild" op="equ"/>
+                  <dgm:constr type="primFontSz" for="des" forName="cChild" refType="primFontSz" refFor="des" refForName="mChild" op="equ"/>
+                  <dgm:constr type="l" for="ch" forName="outerBox"/>
+                  <dgm:constr type="t" for="ch" forName="outerBox"/>
+                  <dgm:constr type="w" for="ch" forName="outerBox" refType="w"/>
+                  <dgm:constr type="h" for="ch" forName="outerBox" refType="h"/>
+                  <dgm:constr type="l" for="ch" forName="middleBox" refType="w" fact="0.2"/>
+                  <dgm:constr type="t" for="ch" forName="middleBox" refType="h" fact="0.25"/>
+                  <dgm:constr type="w" for="ch" forName="middleBox" refType="w" fact="0.775"/>
+                  <dgm:constr type="h" for="ch" forName="middleBox" refType="h" fact="0.7"/>
+                  <dgm:constr type="l" for="ch" forName="centerBox" refType="w" fact="0.395"/>
+                  <dgm:constr type="t" for="ch" forName="centerBox" refType="h" fact="0.5"/>
+                  <dgm:constr type="w" for="ch" forName="centerBox" refType="w" fact="0.555"/>
+                  <dgm:constr type="h" for="ch" forName="centerBox" refType="h" fact="0.4"/>
+                  <dgm:constr type="userA" for="des" forName="outerSibTrans" refType="w"/>
+                  <dgm:constr type="userA" for="des" forName="middleSibTrans" refType="w"/>
+                  <dgm:constr type="userA" for="des" forName="centerSibTrans" refType="w"/>
+                </dgm:constrLst>
+              </dgm:if>
+              <dgm:else name="Name7">
+                <dgm:constrLst>
+                  <dgm:constr type="primFontSz" for="des" forName="middleBoxParent" val="65"/>
+                  <dgm:constr type="primFontSz" for="des" forName="mChild" val="65"/>
+                  <dgm:constr type="primFontSz" for="des" forName="outerBoxParent" refType="primFontSz" refFor="des" refForName="middleBoxParent" op="equ"/>
+                  <dgm:constr type="primFontSz" for="des" forName="centerBoxParent" refType="primFontSz" refFor="des" refForName="middleBoxParent" op="equ"/>
+                  <dgm:constr type="primFontSz" for="des" forName="oChild" refType="primFontSz" refFor="des" refForName="mChild" op="equ"/>
+                  <dgm:constr type="primFontSz" for="des" forName="cChild" refType="primFontSz" refFor="des" refForName="mChild" op="equ"/>
+                  <dgm:constr type="l" for="ch" forName="outerBox"/>
+                  <dgm:constr type="t" for="ch" forName="outerBox"/>
+                  <dgm:constr type="w" for="ch" forName="outerBox" refType="w"/>
+                  <dgm:constr type="h" for="ch" forName="outerBox" refType="h"/>
+                  <dgm:constr type="l" for="ch" forName="middleBox" refType="w" fact="0.2"/>
+                  <dgm:constr type="t" for="ch" forName="middleBox" refType="h" fact="0.25"/>
+                  <dgm:constr type="w" for="ch" forName="middleBox" refType="w" fact="0.775"/>
+                  <dgm:constr type="h" for="ch" forName="middleBox" refType="h" fact="0.7"/>
+                  <dgm:constr type="l" for="ch" forName="centerBox" refType="w" fact="0.225"/>
+                  <dgm:constr type="t" for="ch" forName="centerBox" refType="h" fact="0.5"/>
+                  <dgm:constr type="w" for="ch" forName="centerBox" refType="w" fact="0.725"/>
+                  <dgm:constr type="h" for="ch" forName="centerBox" refType="h" fact="0.4"/>
+                  <dgm:constr type="userA" for="des" forName="outerSibTrans" refType="w"/>
+                  <dgm:constr type="userA" for="des" forName="middleSibTrans" refType="w"/>
+                  <dgm:constr type="userA" for="des" forName="centerSibTrans" refType="w"/>
+                </dgm:constrLst>
+              </dgm:else>
+            </dgm:choose>
+          </dgm:if>
+          <dgm:else name="Name8">
+            <dgm:choose name="Name9">
+              <dgm:if name="Name10" axis="ch ch" ptType="node node" st="2 1" cnt="1 0" func="cnt" op="gt" val="0">
+                <dgm:constrLst>
+                  <dgm:constr type="primFontSz" for="des" forName="middleBoxParent" val="65"/>
+                  <dgm:constr type="primFontSz" for="des" forName="mChild" val="65"/>
+                  <dgm:constr type="primFontSz" for="des" forName="outerBoxParent" refType="primFontSz" refFor="des" refForName="middleBoxParent" op="equ"/>
+                  <dgm:constr type="primFontSz" for="des" forName="centerBoxParent" refType="primFontSz" refFor="des" refForName="middleBoxParent" op="equ"/>
+                  <dgm:constr type="primFontSz" for="des" forName="oChild" refType="primFontSz" refFor="des" refForName="mChild" op="equ"/>
+                  <dgm:constr type="primFontSz" for="des" forName="cChild" refType="primFontSz" refFor="des" refForName="mChild" op="equ"/>
+                  <dgm:constr type="l" for="ch" forName="outerBox"/>
+                  <dgm:constr type="t" for="ch" forName="outerBox"/>
+                  <dgm:constr type="w" for="ch" forName="outerBox" refType="w"/>
+                  <dgm:constr type="h" for="ch" forName="outerBox" refType="h"/>
+                  <dgm:constr type="l" for="ch" forName="middleBox" refType="w" fact="0.025"/>
+                  <dgm:constr type="t" for="ch" forName="middleBox" refType="h" fact="0.25"/>
+                  <dgm:constr type="w" for="ch" forName="middleBox" refType="w" fact="0.95"/>
+                  <dgm:constr type="h" for="ch" forName="middleBox" refType="h" fact="0.7"/>
+                  <dgm:constr type="l" for="ch" forName="centerBox" refType="w" fact="0.26"/>
+                  <dgm:constr type="t" for="ch" forName="centerBox" refType="h" fact="0.5"/>
+                  <dgm:constr type="w" for="ch" forName="centerBox" refType="w" fact="0.69"/>
+                  <dgm:constr type="h" for="ch" forName="centerBox" refType="h" fact="0.4"/>
+                  <dgm:constr type="userA" for="des" forName="outerSibTrans" refType="w"/>
+                  <dgm:constr type="userA" for="des" forName="middleSibTrans" refType="w"/>
+                  <dgm:constr type="userA" for="des" forName="centerSibTrans" refType="w"/>
+                </dgm:constrLst>
+              </dgm:if>
+              <dgm:else name="Name11">
+                <dgm:constrLst>
+                  <dgm:constr type="primFontSz" for="des" forName="middleBoxParent" val="65"/>
+                  <dgm:constr type="primFontSz" for="des" forName="mChild" val="65"/>
+                  <dgm:constr type="primFontSz" for="des" forName="outerBoxParent" refType="primFontSz" refFor="des" refForName="middleBoxParent" op="equ"/>
+                  <dgm:constr type="primFontSz" for="des" forName="centerBoxParent" refType="primFontSz" refFor="des" refForName="middleBoxParent" op="equ"/>
+                  <dgm:constr type="primFontSz" for="des" forName="oChild" refType="primFontSz" refFor="des" refForName="mChild" op="equ"/>
+                  <dgm:constr type="primFontSz" for="des" forName="cChild" refType="primFontSz" refFor="des" refForName="mChild" op="equ"/>
+                  <dgm:constr type="l" for="ch" forName="outerBox"/>
+                  <dgm:constr type="t" for="ch" forName="outerBox"/>
+                  <dgm:constr type="w" for="ch" forName="outerBox" refType="w"/>
+                  <dgm:constr type="h" for="ch" forName="outerBox" refType="h"/>
+                  <dgm:constr type="l" for="ch" forName="middleBox" refType="w" fact="0.025"/>
+                  <dgm:constr type="t" for="ch" forName="middleBox" refType="h" fact="0.25"/>
+                  <dgm:constr type="w" for="ch" forName="middleBox" refType="w" fact="0.95"/>
+                  <dgm:constr type="h" for="ch" forName="middleBox" refType="h" fact="0.7"/>
+                  <dgm:constr type="l" for="ch" forName="centerBox" refType="w" fact="0.05"/>
+                  <dgm:constr type="t" for="ch" forName="centerBox" refType="h" fact="0.5"/>
+                  <dgm:constr type="w" for="ch" forName="centerBox" refType="w" fact="0.9"/>
+                  <dgm:constr type="h" for="ch" forName="centerBox" refType="h" fact="0.4"/>
+                  <dgm:constr type="userA" for="des" forName="outerSibTrans" refType="w"/>
+                  <dgm:constr type="userA" for="des" forName="middleSibTrans" refType="w"/>
+                  <dgm:constr type="userA" for="des" forName="centerSibTrans" refType="w"/>
+                </dgm:constrLst>
+              </dgm:else>
+            </dgm:choose>
+          </dgm:else>
+        </dgm:choose>
+      </dgm:if>
+      <dgm:else name="Name12">
+        <dgm:choose name="Name13">
+          <dgm:if name="Name14" axis="ch ch" ptType="node node" st="1 1" cnt="1 0" func="cnt" op="gt" val="0">
+            <dgm:choose name="Name15">
+              <dgm:if name="Name16" axis="ch ch" ptType="node node" st="2 1" cnt="1 0" func="cnt" op="gt" val="0">
+                <dgm:constrLst>
+                  <dgm:constr type="primFontSz" for="des" forName="middleBoxParent" val="65"/>
+                  <dgm:constr type="primFontSz" for="des" forName="mChild" val="65"/>
+                  <dgm:constr type="primFontSz" for="des" forName="outerBoxParent" refType="primFontSz" refFor="des" refForName="middleBoxParent" op="equ"/>
+                  <dgm:constr type="primFontSz" for="des" forName="centerBoxParent" refType="primFontSz" refFor="des" refForName="middleBoxParent" op="equ"/>
+                  <dgm:constr type="primFontSz" for="des" forName="oChild" refType="primFontSz" refFor="des" refForName="mChild" op="equ"/>
+                  <dgm:constr type="primFontSz" for="des" forName="cChild" refType="primFontSz" refFor="des" refForName="mChild" op="equ"/>
+                  <dgm:constr type="l" for="ch" forName="outerBox"/>
+                  <dgm:constr type="t" for="ch" forName="outerBox"/>
+                  <dgm:constr type="w" for="ch" forName="outerBox" refType="w"/>
+                  <dgm:constr type="h" for="ch" forName="outerBox" refType="h"/>
+                  <dgm:constr type="l" for="ch" forName="middleBox" refType="w" fact="0.025"/>
+                  <dgm:constr type="t" for="ch" forName="middleBox" refType="h" fact="0.25"/>
+                  <dgm:constr type="w" for="ch" forName="middleBox" refType="w" fact="0.775"/>
+                  <dgm:constr type="h" for="ch" forName="middleBox" refType="h" fact="0.7"/>
+                  <dgm:constr type="l" for="ch" forName="centerBox" refType="w" fact="0.05"/>
+                  <dgm:constr type="t" for="ch" forName="centerBox" refType="h" fact="0.5"/>
+                  <dgm:constr type="w" for="ch" forName="centerBox" refType="w" fact="0.55"/>
+                  <dgm:constr type="h" for="ch" forName="centerBox" refType="h" fact="0.4"/>
+                  <dgm:constr type="userA" for="des" forName="outerSibTrans" refType="w"/>
+                  <dgm:constr type="userA" for="des" forName="middleSibTrans" refType="w"/>
+                  <dgm:constr type="userA" for="des" forName="centerSibTrans" refType="w"/>
+                </dgm:constrLst>
+              </dgm:if>
+              <dgm:else name="Name17">
+                <dgm:constrLst>
+                  <dgm:constr type="primFontSz" for="des" forName="middleBoxParent" val="65"/>
+                  <dgm:constr type="primFontSz" for="des" forName="mChild" val="65"/>
+                  <dgm:constr type="primFontSz" for="des" forName="outerBoxParent" refType="primFontSz" refFor="des" refForName="middleBoxParent" op="equ"/>
+                  <dgm:constr type="primFontSz" for="des" forName="centerBoxParent" refType="primFontSz" refFor="des" refForName="middleBoxParent" op="equ"/>
+                  <dgm:constr type="primFontSz" for="des" forName="oChild" refType="primFontSz" refFor="des" refForName="mChild" op="equ"/>
+                  <dgm:constr type="primFontSz" for="des" forName="cChild" refType="primFontSz" refFor="des" refForName="mChild" op="equ"/>
+                  <dgm:constr type="l" for="ch" forName="outerBox"/>
+                  <dgm:constr type="t" for="ch" forName="outerBox"/>
+                  <dgm:constr type="w" for="ch" forName="outerBox" refType="w"/>
+                  <dgm:constr type="h" for="ch" forName="outerBox" refType="h"/>
+                  <dgm:constr type="l" for="ch" forName="middleBox" refType="w" fact="0.025"/>
+                  <dgm:constr type="t" for="ch" forName="middleBox" refType="h" fact="0.25"/>
+                  <dgm:constr type="w" for="ch" forName="middleBox" refType="w" fact="0.775"/>
+                  <dgm:constr type="h" for="ch" forName="middleBox" refType="h" fact="0.7"/>
+                  <dgm:constr type="l" for="ch" forName="centerBox" refType="w" fact="0.05"/>
+                  <dgm:constr type="t" for="ch" forName="centerBox" refType="h" fact="0.5"/>
+                  <dgm:constr type="w" for="ch" forName="centerBox" refType="w" fact="0.725"/>
+                  <dgm:constr type="h" for="ch" forName="centerBox" refType="h" fact="0.4"/>
+                  <dgm:constr type="userA" for="des" forName="outerSibTrans" refType="w"/>
+                  <dgm:constr type="userA" for="des" forName="middleSibTrans" refType="w"/>
+                  <dgm:constr type="userA" for="des" forName="centerSibTrans" refType="w"/>
+                </dgm:constrLst>
+              </dgm:else>
+            </dgm:choose>
+          </dgm:if>
+          <dgm:else name="Name18">
+            <dgm:choose name="Name19">
+              <dgm:if name="Name20" axis="ch ch" ptType="node node" st="2 1" cnt="1 0" func="cnt" op="gt" val="0">
+                <dgm:constrLst>
+                  <dgm:constr type="primFontSz" for="des" forName="middleBoxParent" val="65"/>
+                  <dgm:constr type="primFontSz" for="des" forName="mChild" val="65"/>
+                  <dgm:constr type="primFontSz" for="des" forName="outerBoxParent" refType="primFontSz" refFor="des" refForName="middleBoxParent" op="equ"/>
+                  <dgm:constr type="primFontSz" for="des" forName="centerBoxParent" refType="primFontSz" refFor="des" refForName="middleBoxParent" op="equ"/>
+                  <dgm:constr type="primFontSz" for="des" forName="oChild" refType="primFontSz" refFor="des" refForName="mChild" op="equ"/>
+                  <dgm:constr type="primFontSz" for="des" forName="cChild" refType="primFontSz" refFor="des" refForName="mChild" op="equ"/>
+                  <dgm:constr type="l" for="ch" forName="outerBox"/>
+                  <dgm:constr type="t" for="ch" forName="outerBox"/>
+                  <dgm:constr type="w" for="ch" forName="outerBox" refType="w"/>
+                  <dgm:constr type="h" for="ch" forName="outerBox" refType="h"/>
+                  <dgm:constr type="l" for="ch" forName="middleBox" refType="w" fact="0.025"/>
+                  <dgm:constr type="t" for="ch" forName="middleBox" refType="h" fact="0.25"/>
+                  <dgm:constr type="w" for="ch" forName="middleBox" refType="w" fact="0.95"/>
+                  <dgm:constr type="h" for="ch" forName="middleBox" refType="h" fact="0.7"/>
+                  <dgm:constr type="l" for="ch" forName="centerBox" refType="w" fact="0.05"/>
+                  <dgm:constr type="t" for="ch" forName="centerBox" refType="h" fact="0.5"/>
+                  <dgm:constr type="w" for="ch" forName="centerBox" refType="w" fact="0.69"/>
+                  <dgm:constr type="h" for="ch" forName="centerBox" refType="h" fact="0.4"/>
+                  <dgm:constr type="userA" for="des" forName="outerSibTrans" refType="w"/>
+                  <dgm:constr type="userA" for="des" forName="middleSibTrans" refType="w"/>
+                  <dgm:constr type="userA" for="des" forName="centerSibTrans" refType="w"/>
+                </dgm:constrLst>
+              </dgm:if>
+              <dgm:else name="Name21">
+                <dgm:constrLst>
+                  <dgm:constr type="primFontSz" for="des" forName="middleBoxParent" val="65"/>
+                  <dgm:constr type="primFontSz" for="des" forName="mChild" val="65"/>
+                  <dgm:constr type="primFontSz" for="des" forName="outerBoxParent" refType="primFontSz" refFor="des" refForName="middleBoxParent" op="equ"/>
+                  <dgm:constr type="primFontSz" for="des" forName="centerBoxParent" refType="primFontSz" refFor="des" refForName="middleBoxParent" op="equ"/>
+                  <dgm:constr type="primFontSz" for="des" forName="oChild" refType="primFontSz" refFor="des" refForName="mChild" op="equ"/>
+                  <dgm:constr type="primFontSz" for="des" forName="cChild" refType="primFontSz" refFor="des" refForName="mChild" op="equ"/>
+                  <dgm:constr type="l" for="ch" forName="outerBox"/>
+                  <dgm:constr type="t" for="ch" forName="outerBox"/>
+                  <dgm:constr type="w" for="ch" forName="outerBox" refType="w"/>
+                  <dgm:constr type="h" for="ch" forName="outerBox" refType="h"/>
+                  <dgm:constr type="l" for="ch" forName="middleBox" refType="w" fact="0.025"/>
+                  <dgm:constr type="t" for="ch" forName="middleBox" refType="h" fact="0.25"/>
+                  <dgm:constr type="w" for="ch" forName="middleBox" refType="w" fact="0.95"/>
+                  <dgm:constr type="h" for="ch" forName="middleBox" refType="h" fact="0.7"/>
+                  <dgm:constr type="l" for="ch" forName="centerBox" refType="w" fact="0.05"/>
+                  <dgm:constr type="t" for="ch" forName="centerBox" refType="h" fact="0.5"/>
+                  <dgm:constr type="w" for="ch" forName="centerBox" refType="w" fact="0.9"/>
+                  <dgm:constr type="h" for="ch" forName="centerBox" refType="h" fact="0.4"/>
+                  <dgm:constr type="userA" for="des" forName="outerSibTrans" refType="w"/>
+                  <dgm:constr type="userA" for="des" forName="middleSibTrans" refType="w"/>
+                  <dgm:constr type="userA" for="des" forName="centerSibTrans" refType="w"/>
+                </dgm:constrLst>
+              </dgm:else>
+            </dgm:choose>
+          </dgm:else>
+        </dgm:choose>
+      </dgm:else>
+    </dgm:choose>
     <dgm:ruleLst/>
-    <dgm:forEach name="Name3" axis="ch">
-      <dgm:forEach name="Name4" axis="self" ptType="node" cnt="1">
-        <dgm:layoutNode name="root">
-          <dgm:varLst>
-            <dgm:chMax/>
-            <dgm:chPref/>
-          </dgm:varLst>
-          <dgm:alg type="hierRoot">
-            <dgm:param type="hierAlign" val="tL"/>
+    <dgm:choose name="Name22">
+      <dgm:if name="Name23" axis="root ch" ptType="all node" st="1 1" cnt="0 0" func="cnt" op="gte" val="1">
+        <dgm:layoutNode name="outerBox" styleLbl="node1">
+          <dgm:alg type="composite">
+            <dgm:param type="horzAlign" val="none"/>
+            <dgm:param type="vertAlign" val="none"/>
           </dgm:alg>
           <dgm:shape xmlns:r="http://schemas.openxmlformats.org/officeDocument/2006/relationships" r:blip="">
             <dgm:adjLst/>
           </dgm:shape>
           <dgm:presOf/>
-          <dgm:constrLst/>
+          <dgm:choose name="Name24">
+            <dgm:if name="Name25" axis="root ch" ptType="all node" st="1 1" cnt="0 0" func="cnt" op="gt" val="1">
+              <dgm:choose name="Name26">
+                <dgm:if name="Name27" func="var" arg="dir" op="equ" val="norm">
+                  <dgm:constrLst>
+                    <dgm:constr type="l" for="ch" forName="outerBoxParent"/>
+                    <dgm:constr type="t" for="ch" forName="outerBoxParent"/>
+                    <dgm:constr type="w" for="ch" forName="outerBoxParent" refType="w"/>
+                    <dgm:constr type="h" for="ch" forName="outerBoxParent" refType="h"/>
+                    <dgm:constr type="bMarg" for="ch" forName="outerBoxParent" refType="h" fact="2.2"/>
+                    <dgm:constr type="l" for="ch" forName="outerBoxChildren" refType="w" fact="0.025"/>
+                    <dgm:constr type="t" for="ch" forName="outerBoxChildren" refType="h" fact="0.25"/>
+                    <dgm:constr type="w" for="ch" forName="outerBoxChildren" refType="w" fact="0.15"/>
+                    <dgm:constr type="h" for="ch" forName="outerBoxChildren" refType="h" fact="0.7"/>
+                  </dgm:constrLst>
+                </dgm:if>
+                <dgm:else name="Name28">
+                  <dgm:constrLst>
+                    <dgm:constr type="l" for="ch" forName="outerBoxParent"/>
+                    <dgm:constr type="t" for="ch" forName="outerBoxParent"/>
+                    <dgm:constr type="w" for="ch" forName="outerBoxParent" refType="w"/>
+                    <dgm:constr type="h" for="ch" forName="outerBoxParent" refType="h"/>
+                    <dgm:constr type="bMarg" for="ch" forName="outerBoxParent" refType="h" fact="2.2"/>
+                    <dgm:constr type="l" for="ch" forName="outerBoxChildren" refType="w" fact="0.825"/>
+                    <dgm:constr type="t" for="ch" forName="outerBoxChildren" refType="h" fact="0.25"/>
+                    <dgm:constr type="w" for="ch" forName="outerBoxChildren" refType="w" fact="0.15"/>
+                    <dgm:constr type="h" for="ch" forName="outerBoxChildren" refType="h" fact="0.7"/>
+                  </dgm:constrLst>
+                </dgm:else>
+              </dgm:choose>
+            </dgm:if>
+            <dgm:else name="Name29">
+              <dgm:constrLst>
+                <dgm:constr type="l" for="ch" forName="outerBoxParent"/>
+                <dgm:constr type="t" for="ch" forName="outerBoxParent"/>
+                <dgm:constr type="w" for="ch" forName="outerBoxParent" refType="w"/>
+                <dgm:constr type="h" for="ch" forName="outerBoxParent" refType="h"/>
+                <dgm:constr type="bMarg" for="ch" forName="outerBoxParent" refType="h" fact="1.75"/>
+                <dgm:constr type="l" for="ch" forName="outerBoxChildren" refType="w" fact="0.025"/>
+                <dgm:constr type="t" for="ch" forName="outerBoxChildren" refType="h" fact="0.45"/>
+                <dgm:constr type="w" for="ch" forName="outerBoxChildren" refType="w" fact="0.95"/>
+                <dgm:constr type="h" for="ch" forName="outerBoxChildren" refType="h" fact="0.45"/>
+              </dgm:constrLst>
+            </dgm:else>
+          </dgm:choose>
           <dgm:ruleLst/>
-          <dgm:layoutNode name="rootComposite">
-            <dgm:varLst/>
-            <dgm:alg type="composite"/>
-            <dgm:shape xmlns:r="http://schemas.openxmlformats.org/officeDocument/2006/relationships" r:blip="">
-              <dgm:adjLst/>
+          <dgm:layoutNode name="outerBoxParent" styleLbl="node1">
+            <dgm:alg type="tx">
+              <dgm:param type="txAnchorVert" val="t"/>
+              <dgm:param type="parTxLTRAlign" val="l"/>
+              <dgm:param type="parTxRTLAlign" val="r"/>
+            </dgm:alg>
+            <dgm:shape xmlns:r="http://schemas.openxmlformats.org/officeDocument/2006/relationships" type="roundRect" r:blip="">
+              <dgm:adjLst>
+                <dgm:adj idx="1" val="0.085"/>
+              </dgm:adjLst>
             </dgm:shape>
-            <dgm:presOf axis="self" ptType="node" cnt="1"/>
-            <dgm:choose name="Name5">
-              <dgm:if name="Name6" func="var" arg="dir" op="equ" val="norm">
-                <dgm:constrLst>
-                  <dgm:constr type="l" for="ch" forName="Parent" refType="w" fact="0"/>
-                  <dgm:constr type="t" for="ch" forName="Parent" refType="h" fact="0"/>
-                  <dgm:constr type="w" for="ch" forName="Parent" refType="w"/>
-                  <dgm:constr type="h" for="ch" forName="Parent" refType="h" fact="0.6424"/>
-                  <dgm:constr type="l" for="ch" forName="ParentAccent" refType="w" fact="0"/>
-                  <dgm:constr type="b" for="ch" forName="ParentAccent" refType="h"/>
-                  <dgm:constr type="w" for="ch" forName="ParentAccent" refType="w"/>
-                  <dgm:constr type="h" for="ch" forName="ParentAccent" refType="h" fact="0.3576"/>
-                  <dgm:constr type="l" for="ch" forName="ParentSmallAccent" refType="w" fact="0"/>
-                  <dgm:constr type="b" for="ch" forName="ParentSmallAccent" refType="h"/>
-                  <dgm:constr type="w" for="ch" forName="ParentSmallAccent" refType="h" fact="0.2233"/>
-                  <dgm:constr type="h" for="ch" forName="ParentSmallAccent" refType="h" fact="0.2233"/>
-                </dgm:constrLst>
+            <dgm:presOf axis="ch" ptType="node" cnt="1"/>
+            <dgm:constrLst>
+              <dgm:constr type="tMarg" refType="primFontSz" fact="0.3"/>
+              <dgm:constr type="lMarg" refType="primFontSz" fact="0.3"/>
+              <dgm:constr type="rMarg" refType="primFontSz" fact="0.3"/>
+            </dgm:constrLst>
+            <dgm:ruleLst>
+              <dgm:rule type="primFontSz" val="5" fact="NaN" max="NaN"/>
+            </dgm:ruleLst>
+          </dgm:layoutNode>
+          <dgm:layoutNode name="outerBoxChildren">
+            <dgm:choose name="Name30">
+              <dgm:if name="Name31" axis="root ch" ptType="all node" st="1 1" cnt="0 0" func="cnt" op="gt" val="1">
+                <dgm:alg type="lin">
+                  <dgm:param type="linDir" val="fromT"/>
+                  <dgm:param type="vertAlign" val="t"/>
+                </dgm:alg>
               </dgm:if>
-              <dgm:else name="Name7">
-                <dgm:constrLst>
-                  <dgm:constr type="l" for="ch" forName="Parent" refType="w" fact="0"/>
-                  <dgm:constr type="t" for="ch" forName="Parent" refType="h" fact="0"/>
-                  <dgm:constr type="w" for="ch" forName="Parent" refType="w"/>
-                  <dgm:constr type="h" for="ch" forName="Parent" refType="h" fact="0.6424"/>
-                  <dgm:constr type="l" for="ch" forName="ParentAccent" refType="w" fact="0"/>
-                  <dgm:constr type="b" for="ch" forName="ParentAccent" refType="h"/>
-                  <dgm:constr type="w" for="ch" forName="ParentAccent" refType="w"/>
-                  <dgm:constr type="h" for="ch" forName="ParentAccent" refType="h" fact="0.3576"/>
-                  <dgm:constr type="r" for="ch" forName="ParentSmallAccent" refType="w"/>
-                  <dgm:constr type="b" for="ch" forName="ParentSmallAccent" refType="h"/>
-                  <dgm:constr type="w" for="ch" forName="ParentSmallAccent" refType="h" fact="0.2233"/>
-                  <dgm:constr type="h" for="ch" forName="ParentSmallAccent" refType="h" fact="0.2233"/>
-                </dgm:constrLst>
+              <dgm:else name="Name32">
+                <dgm:choose name="Name33">
+                  <dgm:if name="Name34" func="var" arg="dir" op="equ" val="norm">
+                    <dgm:alg type="lin">
+                      <dgm:param type="horzAlign" val="l"/>
+                    </dgm:alg>
+                  </dgm:if>
+                  <dgm:else name="Name35">
+                    <dgm:alg type="lin">
+                      <dgm:param type="linDir" val="fromR"/>
+                      <dgm:param type="horzAlign" val="r"/>
+                    </dgm:alg>
+                  </dgm:else>
+                </dgm:choose>
               </dgm:else>
             </dgm:choose>
-            <dgm:ruleLst/>
-            <dgm:layoutNode name="ParentAccent" styleLbl="alignNode1">
-              <dgm:alg type="sp"/>
-              <dgm:shape xmlns:r="http://schemas.openxmlformats.org/officeDocument/2006/relationships" type="rect" r:blip="">
-                <dgm:adjLst/>
-              </dgm:shape>
-              <dgm:presOf/>
-            </dgm:layoutNode>
-            <dgm:layoutNode name="ParentSmallAccent" styleLbl="fgAcc1">
-              <dgm:alg type="sp"/>
-              <dgm:shape xmlns:r="http://schemas.openxmlformats.org/officeDocument/2006/relationships" type="rect" r:blip="">
-                <dgm:adjLst/>
-              </dgm:shape>
-              <dgm:presOf/>
-            </dgm:layoutNode>
-            <dgm:layoutNode name="Parent" styleLbl="revTx">
-              <dgm:varLst>
-                <dgm:chMax/>
-                <dgm:chPref val="4"/>
-                <dgm:bulletEnabled val="1"/>
-              </dgm:varLst>
-              <dgm:choose name="Name8">
-                <dgm:if name="Name9" func="var" arg="dir" op="equ" val="norm">
-                  <dgm:alg type="tx">
-                    <dgm:param type="txAnchorVertCh" val="mid"/>
-                    <dgm:param type="parTxLTRAlign" val="l"/>
-                  </dgm:alg>
-                </dgm:if>
-                <dgm:else name="Name10">
-                  <dgm:alg type="tx">
-                    <dgm:param type="txAnchorVertCh" val="mid"/>
-                    <dgm:param type="parTxLTRAlign" val="r"/>
-                  </dgm:alg>
-                </dgm:else>
-              </dgm:choose>
-              <dgm:shape xmlns:r="http://schemas.openxmlformats.org/officeDocument/2006/relationships" type="rect" r:blip="">
-                <dgm:adjLst/>
-              </dgm:shape>
-              <dgm:presOf axis="self" ptType="node"/>
-              <dgm:constrLst>
-                <dgm:constr type="tMarg" refType="primFontSz" fact="0.1"/>
-                <dgm:constr type="bMarg" refType="primFontSz" fact="0.1"/>
-                <dgm:constr type="lMarg" refType="primFontSz" fact="0.15"/>
-                <dgm:constr type="rMarg" refType="primFontSz" fact="0.15"/>
-              </dgm:constrLst>
-              <dgm:ruleLst>
-                <dgm:rule type="primFontSz" val="5" fact="NaN" max="NaN"/>
-                <dgm:rule type="primFontSz" val="65" fact="NaN" max="NaN"/>
-              </dgm:ruleLst>
-            </dgm:layoutNode>
-          </dgm:layoutNode>
-          <dgm:layoutNode name="childShape">
-            <dgm:varLst>
-              <dgm:chMax val="0"/>
-              <dgm:chPref val="0"/>
-            </dgm:varLst>
-            <dgm:alg type="hierChild">
-              <dgm:param type="chAlign" val="r"/>
-              <dgm:param type="linDir" val="fromT"/>
-              <dgm:param type="fallback" val="2D"/>
-            </dgm:alg>
             <dgm:shape xmlns:r="http://schemas.openxmlformats.org/officeDocument/2006/relationships" r:blip="">
               <dgm:adjLst/>
             </dgm:shape>
             <dgm:presOf/>
-            <dgm:constrLst/>
+            <dgm:constrLst>
+              <dgm:constr type="w" for="ch" forName="oChild" refType="w"/>
+              <dgm:constr type="h" for="ch" forName="oChild" refType="h"/>
+            </dgm:constrLst>
             <dgm:ruleLst/>
-            <dgm:forEach name="Name11" axis="ch">
-              <dgm:forEach name="Name12" axis="self" ptType="node">
-                <dgm:layoutNode name="childComposite">
-                  <dgm:varLst>
-                    <dgm:chMax val="0"/>
-                    <dgm:chPref val="0"/>
-                  </dgm:varLst>
-                  <dgm:alg type="composite"/>
+            <dgm:forEach name="Name36" axis="ch ch" ptType="node node" st="1 1" cnt="1 0">
+              <dgm:layoutNode name="oChild" styleLbl="fgAcc1">
+                <dgm:varLst>
+                  <dgm:bulletEnabled val="1"/>
+                </dgm:varLst>
+                <dgm:alg type="tx"/>
+                <dgm:shape xmlns:r="http://schemas.openxmlformats.org/officeDocument/2006/relationships" type="roundRect" r:blip="">
+                  <dgm:adjLst>
+                    <dgm:adj idx="1" val="0.105"/>
+                  </dgm:adjLst>
+                </dgm:shape>
+                <dgm:presOf axis="desOrSelf" ptType="node"/>
+                <dgm:constrLst>
+                  <dgm:constr type="tMarg" refType="primFontSz" fact="0.3"/>
+                  <dgm:constr type="bMarg" refType="primFontSz" fact="0.3"/>
+                  <dgm:constr type="lMarg" refType="primFontSz" fact="0.3"/>
+                  <dgm:constr type="rMarg" refType="primFontSz" fact="0.3"/>
+                </dgm:constrLst>
+                <dgm:ruleLst>
+                  <dgm:rule type="primFontSz" val="5" fact="NaN" max="NaN"/>
+                </dgm:ruleLst>
+              </dgm:layoutNode>
+              <dgm:forEach name="Name37" axis="followSib" ptType="sibTrans" cnt="1">
+                <dgm:layoutNode name="outerSibTrans">
+                  <dgm:alg type="sp"/>
                   <dgm:shape xmlns:r="http://schemas.openxmlformats.org/officeDocument/2006/relationships" r:blip="">
                     <dgm:adjLst/>
                   </dgm:shape>
                   <dgm:presOf/>
-                  <dgm:choose name="Name13">
-                    <dgm:if name="Name14" func="var" arg="dir" op="equ" val="norm">
-                      <dgm:constrLst>
-                        <dgm:constr type="w" for="ch" forName="ChildAccent" refType="h" fact="0.429"/>
-                        <dgm:constr type="h" for="ch" forName="ChildAccent" refType="h" fact="0.429"/>
-                        <dgm:constr type="l" for="ch" forName="ChildAccent" refType="w" fact="0"/>
-                        <dgm:constr type="t" for="ch" forName="ChildAccent" refType="h" fact="0.2855"/>
-                        <dgm:constr type="w" for="ch" forName="Child" refType="w" fact="0.93"/>
-                        <dgm:constr type="h" for="ch" forName="Child" refType="h"/>
-                        <dgm:constr type="l" for="ch" forName="Child" refType="w" fact="0.07"/>
-                        <dgm:constr type="t" for="ch" forName="Child" refType="h" fact="0"/>
-                      </dgm:constrLst>
-                    </dgm:if>
-                    <dgm:else name="Name15">
-                      <dgm:constrLst>
-                        <dgm:constr type="w" for="ch" forName="ChildAccent" refType="h" fact="0.429"/>
-                        <dgm:constr type="h" for="ch" forName="ChildAccent" refType="h" fact="0.429"/>
-                        <dgm:constr type="r" for="ch" forName="ChildAccent" refType="w"/>
-                        <dgm:constr type="t" for="ch" forName="ChildAccent" refType="h" fact="0.2855"/>
-                        <dgm:constr type="w" for="ch" forName="Child" refType="w" fact="0.93"/>
-                        <dgm:constr type="h" for="ch" forName="Child" refType="h"/>
-                        <dgm:constr type="r" for="ch" forName="Child" refType="w" fact="0.93"/>
-                        <dgm:constr type="t" for="ch" forName="Child" refType="h" fact="0"/>
-                      </dgm:constrLst>
-                    </dgm:else>
-                  </dgm:choose>
+                  <dgm:constrLst>
+                    <dgm:constr type="userA"/>
+                    <dgm:constr type="w" refType="userA" fact="0.015"/>
+                    <dgm:constr type="h" refType="userA" fact="0.015"/>
+                  </dgm:constrLst>
                   <dgm:ruleLst/>
-                  <dgm:layoutNode name="ChildAccent" styleLbl="solidFgAcc1">
-                    <dgm:alg type="sp"/>
-                    <dgm:shape xmlns:r="http://schemas.openxmlformats.org/officeDocument/2006/relationships" type="rect" r:blip="">
-                      <dgm:adjLst/>
-                    </dgm:shape>
-                    <dgm:presOf/>
-                  </dgm:layoutNode>
-                  <dgm:layoutNode name="Child" styleLbl="revTx">
-                    <dgm:varLst>
-                      <dgm:chMax val="0"/>
-                      <dgm:chPref val="0"/>
-                      <dgm:bulletEnabled val="1"/>
-                    </dgm:varLst>
-                    <dgm:choose name="Name16">
-                      <dgm:if name="Name17" func="var" arg="dir" op="equ" val="norm">
-                        <dgm:alg type="tx">
-                          <dgm:param type="txAnchorVertCh" val="mid"/>
-                          <dgm:param type="parTxLTRAlign" val="l"/>
-                        </dgm:alg>
-                      </dgm:if>
-                      <dgm:else name="Name18">
-                        <dgm:alg type="tx">
-                          <dgm:param type="txAnchorVertCh" val="mid"/>
-                          <dgm:param type="parTxLTRAlign" val="r"/>
-                        </dgm:alg>
-                      </dgm:else>
-                    </dgm:choose>
-                    <dgm:shape xmlns:r="http://schemas.openxmlformats.org/officeDocument/2006/relationships" type="rect" r:blip="">
-                      <dgm:adjLst/>
-                    </dgm:shape>
-                    <dgm:presOf axis="desOrSelf" ptType="node node"/>
-                    <dgm:ruleLst>
-                      <dgm:rule type="primFontSz" val="5" fact="NaN" max="NaN"/>
-                    </dgm:ruleLst>
-                  </dgm:layoutNode>
                 </dgm:layoutNode>
               </dgm:forEach>
             </dgm:forEach>
           </dgm:layoutNode>
         </dgm:layoutNode>
-      </dgm:forEach>
-    </dgm:forEach>
+      </dgm:if>
+      <dgm:else name="Name38"/>
+    </dgm:choose>
+    <dgm:choose name="Name39">
+      <dgm:if name="Name40" axis="root ch" ptType="all node" st="1 1" cnt="0 0" func="cnt" op="gte" val="2">
+        <dgm:layoutNode name="middleBox">
+          <dgm:alg type="composite">
+            <dgm:param type="horzAlign" val="none"/>
+            <dgm:param type="vertAlign" val="none"/>
+          </dgm:alg>
+          <dgm:shape xmlns:r="http://schemas.openxmlformats.org/officeDocument/2006/relationships" r:blip="">
+            <dgm:adjLst/>
+          </dgm:shape>
+          <dgm:presOf/>
+          <dgm:choose name="Name41">
+            <dgm:if name="Name42" axis="root ch" ptType="all node" st="1 1" cnt="0 0" func="cnt" op="gt" val="2">
+              <dgm:choose name="Name43">
+                <dgm:if name="Name44" func="var" arg="dir" op="equ" val="norm">
+                  <dgm:constrLst>
+                    <dgm:constr type="l" for="ch" forName="middleBoxParent"/>
+                    <dgm:constr type="t" for="ch" forName="middleBoxParent"/>
+                    <dgm:constr type="w" for="ch" forName="middleBoxParent" refType="w"/>
+                    <dgm:constr type="h" for="ch" forName="middleBoxParent" refType="h"/>
+                    <dgm:constr type="bMarg" for="ch" forName="middleBoxParent" refType="h" fact="1.8"/>
+                    <dgm:constr type="l" for="ch" forName="middleBoxChildren" refType="w" fact="0.025"/>
+                    <dgm:constr type="t" for="ch" forName="middleBoxChildren" refType="h" fact="0.35"/>
+                    <dgm:constr type="w" for="ch" forName="middleBoxChildren" refType="w" fact="0.2"/>
+                    <dgm:constr type="h" for="ch" forName="middleBoxChildren" refType="h" fact="0.575"/>
+                  </dgm:constrLst>
+                </dgm:if>
+                <dgm:else name="Name45">
+                  <dgm:constrLst>
+                    <dgm:constr type="l" for="ch" forName="middleBoxParent"/>
+                    <dgm:constr type="t" for="ch" forName="middleBoxParent"/>
+                    <dgm:constr type="w" for="ch" forName="middleBoxParent" refType="w"/>
+                    <dgm:constr type="h" for="ch" forName="middleBoxParent" refType="h"/>
+                    <dgm:constr type="bMarg" for="ch" forName="middleBoxParent" refType="h" fact="1.8"/>
+                    <dgm:constr type="l" for="ch" forName="middleBoxChildren" refType="w" fact="0.775"/>
+                    <dgm:constr type="t" for="ch" forName="middleBoxChildren" refType="h" fact="0.35"/>
+                    <dgm:constr type="w" for="ch" forName="middleBoxChildren" refType="w" fact="0.2"/>
+                    <dgm:constr type="h" for="ch" forName="middleBoxChildren" refType="h" fact="0.575"/>
+                  </dgm:constrLst>
+                </dgm:else>
+              </dgm:choose>
+            </dgm:if>
+            <dgm:else name="Name46">
+              <dgm:constrLst>
+                <dgm:constr type="l" for="ch" forName="middleBoxParent"/>
+                <dgm:constr type="t" for="ch" forName="middleBoxParent"/>
+                <dgm:constr type="w" for="ch" forName="middleBoxParent" refType="w"/>
+                <dgm:constr type="h" for="ch" forName="middleBoxParent" refType="h"/>
+                <dgm:constr type="bMarg" for="ch" forName="middleBoxParent" refType="h" fact="1.8"/>
+                <dgm:constr type="l" for="ch" forName="middleBoxChildren" refType="w" fact="0.025"/>
+                <dgm:constr type="t" for="ch" forName="middleBoxChildren" refType="h" fact="0.45"/>
+                <dgm:constr type="w" for="ch" forName="middleBoxChildren" refType="w" fact="0.95"/>
+                <dgm:constr type="h" for="ch" forName="middleBoxChildren" refType="h" fact="0.45"/>
+              </dgm:constrLst>
+            </dgm:else>
+          </dgm:choose>
+          <dgm:ruleLst/>
+          <dgm:layoutNode name="middleBoxParent" styleLbl="node1">
+            <dgm:alg type="tx">
+              <dgm:param type="txAnchorVert" val="t"/>
+              <dgm:param type="parTxLTRAlign" val="l"/>
+              <dgm:param type="parTxRTLAlign" val="r"/>
+            </dgm:alg>
+            <dgm:shape xmlns:r="http://schemas.openxmlformats.org/officeDocument/2006/relationships" type="roundRect" r:blip="">
+              <dgm:adjLst>
+                <dgm:adj idx="1" val="0.105"/>
+              </dgm:adjLst>
+            </dgm:shape>
+            <dgm:presOf axis="ch" ptType="node" st="2" cnt="1"/>
+            <dgm:constrLst>
+              <dgm:constr type="tMarg" refType="primFontSz" fact="0.3"/>
+              <dgm:constr type="lMarg" refType="primFontSz" fact="0.3"/>
+              <dgm:constr type="rMarg" refType="primFontSz" fact="0.3"/>
+            </dgm:constrLst>
+            <dgm:ruleLst>
+              <dgm:rule type="primFontSz" val="5" fact="NaN" max="NaN"/>
+            </dgm:ruleLst>
+          </dgm:layoutNode>
+          <dgm:layoutNode name="middleBoxChildren">
+            <dgm:choose name="Name47">
+              <dgm:if name="Name48" axis="root ch" ptType="all node" st="1 1" cnt="0 0" func="cnt" op="gt" val="2">
+                <dgm:alg type="lin">
+                  <dgm:param type="linDir" val="fromT"/>
+                  <dgm:param type="vertAlign" val="t"/>
+                </dgm:alg>
+              </dgm:if>
+              <dgm:else name="Name49">
+                <dgm:choose name="Name50">
+                  <dgm:if name="Name51" func="var" arg="dir" op="equ" val="norm">
+                    <dgm:alg type="lin">
+                      <dgm:param type="horzAlign" val="l"/>
+                    </dgm:alg>
+                  </dgm:if>
+                  <dgm:else name="Name52">
+                    <dgm:alg type="lin">
+                      <dgm:param type="linDir" val="fromR"/>
+                      <dgm:param type="horzAlign" val="r"/>
+                    </dgm:alg>
+                  </dgm:else>
+                </dgm:choose>
+              </dgm:else>
+            </dgm:choose>
+            <dgm:shape xmlns:r="http://schemas.openxmlformats.org/officeDocument/2006/relationships" r:blip="">
+              <dgm:adjLst/>
+            </dgm:shape>
+            <dgm:presOf/>
+            <dgm:constrLst>
+              <dgm:constr type="w" for="ch" forName="mChild" refType="w"/>
+              <dgm:constr type="h" for="ch" forName="mChild" refType="h"/>
+            </dgm:constrLst>
+            <dgm:ruleLst/>
+            <dgm:forEach name="Name53" axis="ch ch" ptType="node node" st="2 1" cnt="1 0">
+              <dgm:layoutNode name="mChild" styleLbl="fgAcc1">
+                <dgm:varLst>
+                  <dgm:bulletEnabled val="1"/>
+                </dgm:varLst>
+                <dgm:alg type="tx"/>
+                <dgm:shape xmlns:r="http://schemas.openxmlformats.org/officeDocument/2006/relationships" type="roundRect" r:blip="">
+                  <dgm:adjLst>
+                    <dgm:adj idx="1" val="0.105"/>
+                  </dgm:adjLst>
+                </dgm:shape>
+                <dgm:presOf axis="desOrSelf" ptType="node"/>
+                <dgm:constrLst>
+                  <dgm:constr type="tMarg" refType="primFontSz" fact="0.3"/>
+                  <dgm:constr type="bMarg" refType="primFontSz" fact="0.3"/>
+                  <dgm:constr type="lMarg" refType="primFontSz" fact="0.3"/>
+                  <dgm:constr type="rMarg" refType="primFontSz" fact="0.3"/>
+                </dgm:constrLst>
+                <dgm:ruleLst>
+                  <dgm:rule type="primFontSz" val="5" fact="NaN" max="NaN"/>
+                </dgm:ruleLst>
+              </dgm:layoutNode>
+              <dgm:forEach name="Name54" axis="followSib" ptType="sibTrans" cnt="1">
+                <dgm:layoutNode name="middleSibTrans">
+                  <dgm:alg type="sp"/>
+                  <dgm:shape xmlns:r="http://schemas.openxmlformats.org/officeDocument/2006/relationships" r:blip="">
+                    <dgm:adjLst/>
+                  </dgm:shape>
+                  <dgm:presOf/>
+                  <dgm:constrLst>
+                    <dgm:constr type="userA"/>
+                    <dgm:constr type="w" refType="userA" fact="0.015"/>
+                    <dgm:constr type="h" refType="userA" fact="0.015"/>
+                  </dgm:constrLst>
+                  <dgm:ruleLst/>
+                </dgm:layoutNode>
+              </dgm:forEach>
+            </dgm:forEach>
+          </dgm:layoutNode>
+        </dgm:layoutNode>
+      </dgm:if>
+      <dgm:else name="Name55"/>
+    </dgm:choose>
+    <dgm:choose name="Name56">
+      <dgm:if name="Name57" axis="root ch" ptType="all node" st="1 1" cnt="0 0" func="cnt" op="gte" val="3">
+        <dgm:layoutNode name="centerBox">
+          <dgm:alg type="composite">
+            <dgm:param type="horzAlign" val="none"/>
+            <dgm:param type="vertAlign" val="none"/>
+          </dgm:alg>
+          <dgm:shape xmlns:r="http://schemas.openxmlformats.org/officeDocument/2006/relationships" r:blip="">
+            <dgm:adjLst/>
+          </dgm:shape>
+          <dgm:presOf/>
+          <dgm:choose name="Name58">
+            <dgm:if name="Name59" axis="ch ch" ptType="node node" st="3 1" cnt="1 0" func="cnt" op="gt" val="0">
+              <dgm:constrLst>
+                <dgm:constr type="l" for="ch" forName="centerBoxParent"/>
+                <dgm:constr type="t" for="ch" forName="centerBoxParent"/>
+                <dgm:constr type="w" for="ch" forName="centerBoxParent" refType="w"/>
+                <dgm:constr type="h" for="ch" forName="centerBoxParent" refType="h"/>
+                <dgm:constr type="bMarg" for="ch" forName="centerBoxParent" refType="h" fact="1.6"/>
+                <dgm:constr type="l" for="ch" forName="centerBoxChildren" refType="w" fact="0.025"/>
+                <dgm:constr type="t" for="ch" forName="centerBoxChildren" refType="h" fact="0.45"/>
+                <dgm:constr type="w" for="ch" forName="centerBoxChildren" refType="w" fact="0.95"/>
+                <dgm:constr type="h" for="ch" forName="centerBoxChildren" refType="h" fact="0.45"/>
+              </dgm:constrLst>
+            </dgm:if>
+            <dgm:else name="Name60">
+              <dgm:constrLst>
+                <dgm:constr type="l" for="ch" forName="centerBoxParent"/>
+                <dgm:constr type="t" for="ch" forName="centerBoxParent"/>
+                <dgm:constr type="w" for="ch" forName="centerBoxParent" refType="w"/>
+                <dgm:constr type="h" for="ch" forName="centerBoxParent" refType="h"/>
+              </dgm:constrLst>
+            </dgm:else>
+          </dgm:choose>
+          <dgm:ruleLst/>
+          <dgm:layoutNode name="centerBoxParent" styleLbl="node1">
+            <dgm:alg type="tx">
+              <dgm:param type="txAnchorVert" val="t"/>
+              <dgm:param type="parTxLTRAlign" val="l"/>
+              <dgm:param type="parTxRTLAlign" val="r"/>
+            </dgm:alg>
+            <dgm:shape xmlns:r="http://schemas.openxmlformats.org/officeDocument/2006/relationships" type="roundRect" r:blip="">
+              <dgm:adjLst>
+                <dgm:adj idx="1" val="0.105"/>
+              </dgm:adjLst>
+            </dgm:shape>
+            <dgm:presOf axis="ch" ptType="node" st="3" cnt="1"/>
+            <dgm:constrLst>
+              <dgm:constr type="tMarg" refType="primFontSz" fact="0.3"/>
+              <dgm:constr type="lMarg" refType="primFontSz" fact="0.3"/>
+              <dgm:constr type="rMarg" refType="primFontSz" fact="0.3"/>
+            </dgm:constrLst>
+            <dgm:ruleLst>
+              <dgm:rule type="primFontSz" val="5" fact="NaN" max="NaN"/>
+            </dgm:ruleLst>
+          </dgm:layoutNode>
+          <dgm:choose name="Name61">
+            <dgm:if name="Name62" axis="ch ch" ptType="node node" st="3 1" cnt="1 0" func="cnt" op="gt" val="0">
+              <dgm:layoutNode name="centerBoxChildren">
+                <dgm:choose name="Name63">
+                  <dgm:if name="Name64" func="var" arg="dir" op="equ" val="norm">
+                    <dgm:alg type="lin">
+                      <dgm:param type="horzAlign" val="l"/>
+                    </dgm:alg>
+                  </dgm:if>
+                  <dgm:else name="Name65">
+                    <dgm:alg type="lin">
+                      <dgm:param type="linDir" val="fromR"/>
+                      <dgm:param type="horzAlign" val="r"/>
+                    </dgm:alg>
+                  </dgm:else>
+                </dgm:choose>
+                <dgm:shape xmlns:r="http://schemas.openxmlformats.org/officeDocument/2006/relationships" r:blip="">
+                  <dgm:adjLst/>
+                </dgm:shape>
+                <dgm:presOf/>
+                <dgm:constrLst>
+                  <dgm:constr type="w" for="ch" forName="cChild" refType="w"/>
+                  <dgm:constr type="h" for="ch" forName="cChild" refType="h"/>
+                </dgm:constrLst>
+                <dgm:ruleLst/>
+                <dgm:forEach name="Name66" axis="ch ch" ptType="node node" st="3 1" cnt="1 0">
+                  <dgm:layoutNode name="cChild" styleLbl="fgAcc1">
+                    <dgm:varLst>
+                      <dgm:bulletEnabled val="1"/>
+                    </dgm:varLst>
+                    <dgm:alg type="tx"/>
+                    <dgm:shape xmlns:r="http://schemas.openxmlformats.org/officeDocument/2006/relationships" type="roundRect" r:blip="">
+                      <dgm:adjLst>
+                        <dgm:adj idx="1" val="0.105"/>
+                      </dgm:adjLst>
+                    </dgm:shape>
+                    <dgm:presOf axis="desOrSelf" ptType="node"/>
+                    <dgm:constrLst>
+                      <dgm:constr type="tMarg" refType="primFontSz" fact="0.3"/>
+                      <dgm:constr type="bMarg" refType="primFontSz" fact="0.3"/>
+                      <dgm:constr type="lMarg" refType="primFontSz" fact="0.3"/>
+                      <dgm:constr type="rMarg" refType="primFontSz" fact="0.3"/>
+                    </dgm:constrLst>
+                    <dgm:ruleLst>
+                      <dgm:rule type="primFontSz" val="5" fact="NaN" max="NaN"/>
+                    </dgm:ruleLst>
+                  </dgm:layoutNode>
+                  <dgm:forEach name="Name67" axis="followSib" ptType="sibTrans" cnt="1">
+                    <dgm:layoutNode name="centerSibTrans">
+                      <dgm:alg type="sp"/>
+                      <dgm:shape xmlns:r="http://schemas.openxmlformats.org/officeDocument/2006/relationships" r:blip="">
+                        <dgm:adjLst/>
+                      </dgm:shape>
+                      <dgm:presOf/>
+                      <dgm:constrLst>
+                        <dgm:constr type="userA"/>
+                        <dgm:constr type="w" refType="userA" fact="0.015"/>
+                        <dgm:constr type="h" refType="userA" fact="0.015"/>
+                      </dgm:constrLst>
+                      <dgm:ruleLst/>
+                    </dgm:layoutNode>
+                  </dgm:forEach>
+                </dgm:forEach>
+              </dgm:layoutNode>
+            </dgm:if>
+            <dgm:else name="Name68"/>
+          </dgm:choose>
+        </dgm:layoutNode>
+      </dgm:if>
+      <dgm:else name="Name69"/>
+    </dgm:choose>
   </dgm:layoutNode>
 </dgm:layoutDef>
 </file>
@@ -19440,31 +19902,41 @@
 </file>
 
 <file path=ppt/diagrams/quickStyle3.xml><?xml version="1.0" encoding="utf-8"?>
-<dgm:styleDef xmlns:dgm="http://schemas.openxmlformats.org/drawingml/2006/diagram" xmlns:a="http://schemas.openxmlformats.org/drawingml/2006/main" uniqueId="urn:microsoft.com/office/officeart/2005/8/quickstyle/simple1">
+<dgm:styleDef xmlns:dgm="http://schemas.openxmlformats.org/drawingml/2006/diagram" xmlns:a="http://schemas.openxmlformats.org/drawingml/2006/main" uniqueId="urn:microsoft.com/office/officeart/2005/8/quickstyle/3d8">
   <dgm:title val=""/>
   <dgm:desc val=""/>
   <dgm:catLst>
-    <dgm:cat type="simple" pri="10100"/>
+    <dgm:cat type="3D" pri="11800"/>
   </dgm:catLst>
   <dgm:scene3d>
-    <a:camera prst="orthographicFront"/>
-    <a:lightRig rig="threePt" dir="t"/>
+    <a:camera prst="perspectiveHeroicExtremeRightFacing" zoom="82000">
+      <a:rot lat="21300000" lon="20400000" rev="180000"/>
+    </a:camera>
+    <a:lightRig rig="morning" dir="t">
+      <a:rot lat="0" lon="0" rev="20400000"/>
+    </a:lightRig>
   </dgm:scene3d>
   <dgm:styleLbl name="node0">
     <dgm:scene3d>
       <a:camera prst="orthographicFront"/>
       <a:lightRig rig="threePt" dir="t"/>
     </dgm:scene3d>
-    <dgm:sp3d/>
+    <dgm:sp3d extrusionH="190500" prstMaterial="matte">
+      <a:bevelT w="120650" h="38100" prst="relaxedInset"/>
+      <a:bevelB w="120650" h="57150" prst="relaxedInset"/>
+      <a:contourClr>
+        <a:schemeClr val="bg1"/>
+      </a:contourClr>
+    </dgm:sp3d>
     <dgm:txPr/>
     <dgm:style>
-      <a:lnRef idx="2">
+      <a:lnRef idx="0">
         <a:scrgbClr r="0" g="0" b="0"/>
       </a:lnRef>
       <a:fillRef idx="1">
         <a:scrgbClr r="0" g="0" b="0"/>
       </a:fillRef>
-      <a:effectRef idx="0">
+      <a:effectRef idx="2">
         <a:scrgbClr r="0" g="0" b="0"/>
       </a:effectRef>
       <a:fontRef idx="minor">
@@ -19477,16 +19949,22 @@
       <a:camera prst="orthographicFront"/>
       <a:lightRig rig="threePt" dir="t"/>
     </dgm:scene3d>
-    <dgm:sp3d/>
+    <dgm:sp3d extrusionH="190500" prstMaterial="matte">
+      <a:bevelT w="120650" h="38100" prst="relaxedInset"/>
+      <a:bevelB w="120650" h="57150" prst="relaxedInset"/>
+      <a:contourClr>
+        <a:schemeClr val="bg1"/>
+      </a:contourClr>
+    </dgm:sp3d>
     <dgm:txPr/>
     <dgm:style>
-      <a:lnRef idx="2">
+      <a:lnRef idx="0">
         <a:scrgbClr r="0" g="0" b="0"/>
       </a:lnRef>
       <a:fillRef idx="1">
         <a:scrgbClr r="0" g="0" b="0"/>
       </a:fillRef>
-      <a:effectRef idx="0">
+      <a:effectRef idx="2">
         <a:scrgbClr r="0" g="0" b="0"/>
       </a:effectRef>
       <a:fontRef idx="minor">
@@ -19499,16 +19977,22 @@
       <a:camera prst="orthographicFront"/>
       <a:lightRig rig="threePt" dir="t"/>
     </dgm:scene3d>
-    <dgm:sp3d/>
+    <dgm:sp3d extrusionH="190500" prstMaterial="matte">
+      <a:bevelT w="120650" h="38100" prst="relaxedInset"/>
+      <a:bevelB w="120650" h="57150" prst="relaxedInset"/>
+      <a:contourClr>
+        <a:schemeClr val="bg1"/>
+      </a:contourClr>
+    </dgm:sp3d>
     <dgm:txPr/>
     <dgm:style>
-      <a:lnRef idx="2">
+      <a:lnRef idx="0">
         <a:scrgbClr r="0" g="0" b="0"/>
       </a:lnRef>
       <a:fillRef idx="1">
         <a:scrgbClr r="0" g="0" b="0"/>
       </a:fillRef>
-      <a:effectRef idx="0">
+      <a:effectRef idx="2">
         <a:scrgbClr r="0" g="0" b="0"/>
       </a:effectRef>
       <a:fontRef idx="minor">
@@ -19521,16 +20005,22 @@
       <a:camera prst="orthographicFront"/>
       <a:lightRig rig="threePt" dir="t"/>
     </dgm:scene3d>
-    <dgm:sp3d/>
+    <dgm:sp3d extrusionH="190500" prstMaterial="matte">
+      <a:bevelT w="120650" h="38100" prst="relaxedInset"/>
+      <a:bevelB w="120650" h="57150" prst="relaxedInset"/>
+      <a:contourClr>
+        <a:schemeClr val="bg1"/>
+      </a:contourClr>
+    </dgm:sp3d>
     <dgm:txPr/>
     <dgm:style>
-      <a:lnRef idx="2">
+      <a:lnRef idx="0">
         <a:scrgbClr r="0" g="0" b="0"/>
       </a:lnRef>
       <a:fillRef idx="1">
         <a:scrgbClr r="0" g="0" b="0"/>
       </a:fillRef>
-      <a:effectRef idx="0">
+      <a:effectRef idx="2">
         <a:scrgbClr r="0" g="0" b="0"/>
       </a:effectRef>
       <a:fontRef idx="minor">
@@ -19543,16 +20033,22 @@
       <a:camera prst="orthographicFront"/>
       <a:lightRig rig="threePt" dir="t"/>
     </dgm:scene3d>
-    <dgm:sp3d/>
+    <dgm:sp3d extrusionH="190500" prstMaterial="matte">
+      <a:bevelT w="120650" h="38100" prst="relaxedInset"/>
+      <a:bevelB w="120650" h="57150" prst="relaxedInset"/>
+      <a:contourClr>
+        <a:schemeClr val="bg1"/>
+      </a:contourClr>
+    </dgm:sp3d>
     <dgm:txPr/>
     <dgm:style>
-      <a:lnRef idx="2">
+      <a:lnRef idx="0">
         <a:scrgbClr r="0" g="0" b="0"/>
       </a:lnRef>
       <a:fillRef idx="1">
         <a:scrgbClr r="0" g="0" b="0"/>
       </a:fillRef>
-      <a:effectRef idx="0">
+      <a:effectRef idx="2">
         <a:scrgbClr r="0" g="0" b="0"/>
       </a:effectRef>
       <a:fontRef idx="minor">
@@ -19565,16 +20061,22 @@
       <a:camera prst="orthographicFront"/>
       <a:lightRig rig="threePt" dir="t"/>
     </dgm:scene3d>
-    <dgm:sp3d/>
+    <dgm:sp3d extrusionH="190500" prstMaterial="matte">
+      <a:bevelT w="120650" h="38100" prst="relaxedInset"/>
+      <a:bevelB w="120650" h="57150" prst="relaxedInset"/>
+      <a:contourClr>
+        <a:schemeClr val="bg1"/>
+      </a:contourClr>
+    </dgm:sp3d>
     <dgm:txPr/>
     <dgm:style>
-      <a:lnRef idx="2">
+      <a:lnRef idx="0">
         <a:scrgbClr r="0" g="0" b="0"/>
       </a:lnRef>
       <a:fillRef idx="1">
         <a:scrgbClr r="0" g="0" b="0"/>
       </a:fillRef>
-      <a:effectRef idx="0">
+      <a:effectRef idx="2">
         <a:scrgbClr r="0" g="0" b="0"/>
       </a:effectRef>
       <a:fontRef idx="minor">
@@ -19587,16 +20089,22 @@
       <a:camera prst="orthographicFront"/>
       <a:lightRig rig="threePt" dir="t"/>
     </dgm:scene3d>
-    <dgm:sp3d/>
+    <dgm:sp3d extrusionH="190500" prstMaterial="matte">
+      <a:bevelT w="120650" h="38100" prst="relaxedInset"/>
+      <a:bevelB w="120650" h="57150" prst="relaxedInset"/>
+      <a:contourClr>
+        <a:schemeClr val="bg1"/>
+      </a:contourClr>
+    </dgm:sp3d>
     <dgm:txPr/>
     <dgm:style>
-      <a:lnRef idx="2">
+      <a:lnRef idx="0">
         <a:scrgbClr r="0" g="0" b="0"/>
       </a:lnRef>
       <a:fillRef idx="1">
         <a:scrgbClr r="0" g="0" b="0"/>
       </a:fillRef>
-      <a:effectRef idx="0">
+      <a:effectRef idx="2">
         <a:scrgbClr r="0" g="0" b="0"/>
       </a:effectRef>
       <a:fontRef idx="minor">
@@ -19609,16 +20117,22 @@
       <a:camera prst="orthographicFront"/>
       <a:lightRig rig="threePt" dir="t"/>
     </dgm:scene3d>
-    <dgm:sp3d/>
+    <dgm:sp3d extrusionH="190500" prstMaterial="matte">
+      <a:bevelT w="120650" h="38100" prst="relaxedInset"/>
+      <a:bevelB w="120650" h="57150" prst="relaxedInset"/>
+      <a:contourClr>
+        <a:schemeClr val="bg1"/>
+      </a:contourClr>
+    </dgm:sp3d>
     <dgm:txPr/>
     <dgm:style>
-      <a:lnRef idx="2">
+      <a:lnRef idx="0">
         <a:scrgbClr r="0" g="0" b="0"/>
       </a:lnRef>
       <a:fillRef idx="1">
         <a:scrgbClr r="0" g="0" b="0"/>
       </a:fillRef>
-      <a:effectRef idx="0">
+      <a:effectRef idx="2">
         <a:scrgbClr r="0" g="0" b="0"/>
       </a:effectRef>
       <a:fontRef idx="minor">
@@ -19631,10 +20145,15 @@
       <a:camera prst="orthographicFront"/>
       <a:lightRig rig="threePt" dir="t"/>
     </dgm:scene3d>
-    <dgm:sp3d/>
+    <dgm:sp3d z="152400" extrusionH="63500" prstMaterial="matte">
+      <a:bevelT w="50800" h="19050" prst="relaxedInset"/>
+      <a:contourClr>
+        <a:schemeClr val="bg1"/>
+      </a:contourClr>
+    </dgm:sp3d>
     <dgm:txPr/>
     <dgm:style>
-      <a:lnRef idx="2">
+      <a:lnRef idx="0">
         <a:scrgbClr r="0" g="0" b="0"/>
       </a:lnRef>
       <a:fillRef idx="1">
@@ -19651,10 +20170,14 @@
       <a:camera prst="orthographicFront"/>
       <a:lightRig rig="threePt" dir="t"/>
     </dgm:scene3d>
-    <dgm:sp3d/>
+    <dgm:sp3d z="254000" extrusionH="63500" contourW="12700" prstMaterial="matte">
+      <a:contourClr>
+        <a:schemeClr val="lt1"/>
+      </a:contourClr>
+    </dgm:sp3d>
     <dgm:txPr/>
     <dgm:style>
-      <a:lnRef idx="2">
+      <a:lnRef idx="0">
         <a:scrgbClr r="0" g="0" b="0"/>
       </a:lnRef>
       <a:fillRef idx="1">
@@ -19671,10 +20194,15 @@
       <a:camera prst="orthographicFront"/>
       <a:lightRig rig="threePt" dir="t"/>
     </dgm:scene3d>
-    <dgm:sp3d/>
+    <dgm:sp3d z="-302400" extrusionH="63500" prstMaterial="matte">
+      <a:bevelT w="50800" h="19050" prst="relaxedInset"/>
+      <a:contourClr>
+        <a:schemeClr val="bg1"/>
+      </a:contourClr>
+    </dgm:sp3d>
     <dgm:txPr/>
     <dgm:style>
-      <a:lnRef idx="2">
+      <a:lnRef idx="0">
         <a:scrgbClr r="0" g="0" b="0"/>
       </a:lnRef>
       <a:fillRef idx="1">
@@ -19691,7 +20219,12 @@
       <a:camera prst="orthographicFront"/>
       <a:lightRig rig="threePt" dir="t"/>
     </dgm:scene3d>
-    <dgm:sp3d/>
+    <dgm:sp3d z="-60000" extrusionH="63500" prstMaterial="matte">
+      <a:bevelT w="50800" h="19050" prst="relaxedInset"/>
+      <a:contourClr>
+        <a:schemeClr val="bg1"/>
+      </a:contourClr>
+    </dgm:sp3d>
     <dgm:txPr/>
     <dgm:style>
       <a:lnRef idx="0">
@@ -19700,7 +20233,7 @@
       <a:fillRef idx="1">
         <a:scrgbClr r="0" g="0" b="0"/>
       </a:fillRef>
-      <a:effectRef idx="0">
+      <a:effectRef idx="2">
         <a:scrgbClr r="0" g="0" b="0"/>
       </a:effectRef>
       <a:fontRef idx="minor">
@@ -19713,7 +20246,12 @@
       <a:camera prst="orthographicFront"/>
       <a:lightRig rig="threePt" dir="t"/>
     </dgm:scene3d>
-    <dgm:sp3d/>
+    <dgm:sp3d z="63500" extrusionH="63500" prstMaterial="matte">
+      <a:bevelT w="50800" h="19050" prst="relaxedInset"/>
+      <a:contourClr>
+        <a:schemeClr val="bg1"/>
+      </a:contourClr>
+    </dgm:sp3d>
     <dgm:txPr/>
     <dgm:style>
       <a:lnRef idx="0">
@@ -19722,7 +20260,7 @@
       <a:fillRef idx="1">
         <a:scrgbClr r="0" g="0" b="0"/>
       </a:fillRef>
-      <a:effectRef idx="0">
+      <a:effectRef idx="2">
         <a:scrgbClr r="0" g="0" b="0"/>
       </a:effectRef>
       <a:fontRef idx="minor">
@@ -19735,7 +20273,12 @@
       <a:camera prst="orthographicFront"/>
       <a:lightRig rig="threePt" dir="t"/>
     </dgm:scene3d>
-    <dgm:sp3d/>
+    <dgm:sp3d z="-152000" extrusionH="63500" prstMaterial="matte">
+      <a:bevelT w="50800" h="19050" prst="relaxedInset"/>
+      <a:contourClr>
+        <a:schemeClr val="bg1"/>
+      </a:contourClr>
+    </dgm:sp3d>
     <dgm:txPr/>
     <dgm:style>
       <a:lnRef idx="0">
@@ -19744,7 +20287,7 @@
       <a:fillRef idx="1">
         <a:scrgbClr r="0" g="0" b="0"/>
       </a:fillRef>
-      <a:effectRef idx="0">
+      <a:effectRef idx="2">
         <a:scrgbClr r="0" g="0" b="0"/>
       </a:effectRef>
       <a:fontRef idx="minor">
@@ -19757,7 +20300,7 @@
       <a:camera prst="orthographicFront"/>
       <a:lightRig rig="threePt" dir="t"/>
     </dgm:scene3d>
-    <dgm:sp3d/>
+    <dgm:sp3d z="-40000" prstMaterial="matte"/>
     <dgm:txPr/>
     <dgm:style>
       <a:lnRef idx="1">
@@ -19777,7 +20320,7 @@
       <a:camera prst="orthographicFront"/>
       <a:lightRig rig="threePt" dir="t"/>
     </dgm:scene3d>
-    <dgm:sp3d/>
+    <dgm:sp3d z="127000" prstMaterial="matte"/>
     <dgm:txPr/>
     <dgm:style>
       <a:lnRef idx="2">
@@ -19797,16 +20340,22 @@
       <a:camera prst="orthographicFront"/>
       <a:lightRig rig="threePt" dir="t"/>
     </dgm:scene3d>
-    <dgm:sp3d/>
+    <dgm:sp3d extrusionH="190500" prstMaterial="matte">
+      <a:bevelT w="120650" h="38100" prst="relaxedInset"/>
+      <a:bevelB w="120650" h="57150" prst="relaxedInset"/>
+      <a:contourClr>
+        <a:schemeClr val="bg1"/>
+      </a:contourClr>
+    </dgm:sp3d>
     <dgm:txPr/>
     <dgm:style>
-      <a:lnRef idx="2">
+      <a:lnRef idx="0">
         <a:scrgbClr r="0" g="0" b="0"/>
       </a:lnRef>
       <a:fillRef idx="1">
         <a:scrgbClr r="0" g="0" b="0"/>
       </a:fillRef>
-      <a:effectRef idx="0">
+      <a:effectRef idx="2">
         <a:scrgbClr r="0" g="0" b="0"/>
       </a:effectRef>
       <a:fontRef idx="minor">
@@ -19819,16 +20368,22 @@
       <a:camera prst="orthographicFront"/>
       <a:lightRig rig="threePt" dir="t"/>
     </dgm:scene3d>
-    <dgm:sp3d/>
+    <dgm:sp3d extrusionH="190500" prstMaterial="matte">
+      <a:bevelT w="120650" h="38100" prst="relaxedInset"/>
+      <a:bevelB w="120650" h="57150" prst="relaxedInset"/>
+      <a:contourClr>
+        <a:schemeClr val="bg1"/>
+      </a:contourClr>
+    </dgm:sp3d>
     <dgm:txPr/>
     <dgm:style>
-      <a:lnRef idx="2">
+      <a:lnRef idx="0">
         <a:scrgbClr r="0" g="0" b="0"/>
       </a:lnRef>
       <a:fillRef idx="1">
         <a:scrgbClr r="0" g="0" b="0"/>
       </a:fillRef>
-      <a:effectRef idx="0">
+      <a:effectRef idx="2">
         <a:scrgbClr r="0" g="0" b="0"/>
       </a:effectRef>
       <a:fontRef idx="minor">
@@ -19841,16 +20396,22 @@
       <a:camera prst="orthographicFront"/>
       <a:lightRig rig="threePt" dir="t"/>
     </dgm:scene3d>
-    <dgm:sp3d/>
+    <dgm:sp3d extrusionH="190500" prstMaterial="matte">
+      <a:bevelT w="120650" h="38100" prst="relaxedInset"/>
+      <a:bevelB w="120650" h="57150" prst="relaxedInset"/>
+      <a:contourClr>
+        <a:schemeClr val="bg1"/>
+      </a:contourClr>
+    </dgm:sp3d>
     <dgm:txPr/>
     <dgm:style>
-      <a:lnRef idx="2">
+      <a:lnRef idx="0">
         <a:scrgbClr r="0" g="0" b="0"/>
       </a:lnRef>
       <a:fillRef idx="1">
         <a:scrgbClr r="0" g="0" b="0"/>
       </a:fillRef>
-      <a:effectRef idx="0">
+      <a:effectRef idx="2">
         <a:scrgbClr r="0" g="0" b="0"/>
       </a:effectRef>
       <a:fontRef idx="minor">
@@ -19863,16 +20424,22 @@
       <a:camera prst="orthographicFront"/>
       <a:lightRig rig="threePt" dir="t"/>
     </dgm:scene3d>
-    <dgm:sp3d/>
+    <dgm:sp3d extrusionH="190500" prstMaterial="matte">
+      <a:bevelT w="120650" h="38100" prst="relaxedInset"/>
+      <a:bevelB w="120650" h="57150" prst="relaxedInset"/>
+      <a:contourClr>
+        <a:schemeClr val="bg1"/>
+      </a:contourClr>
+    </dgm:sp3d>
     <dgm:txPr/>
     <dgm:style>
-      <a:lnRef idx="2">
+      <a:lnRef idx="0">
         <a:scrgbClr r="0" g="0" b="0"/>
       </a:lnRef>
       <a:fillRef idx="1">
         <a:scrgbClr r="0" g="0" b="0"/>
       </a:fillRef>
-      <a:effectRef idx="0">
+      <a:effectRef idx="2">
         <a:scrgbClr r="0" g="0" b="0"/>
       </a:effectRef>
       <a:fontRef idx="minor">
@@ -19880,21 +20447,26 @@
       </a:fontRef>
     </dgm:style>
   </dgm:styleLbl>
-  <dgm:styleLbl name="asst4">
+  <dgm:styleLbl name="parChTrans2D1">
     <dgm:scene3d>
       <a:camera prst="orthographicFront"/>
       <a:lightRig rig="threePt" dir="t"/>
     </dgm:scene3d>
-    <dgm:sp3d/>
+    <dgm:sp3d extrusionH="63500" prstMaterial="matte">
+      <a:bevelT w="50800" h="19050" prst="relaxedInset"/>
+      <a:contourClr>
+        <a:schemeClr val="bg1"/>
+      </a:contourClr>
+    </dgm:sp3d>
     <dgm:txPr/>
     <dgm:style>
-      <a:lnRef idx="2">
+      <a:lnRef idx="0">
         <a:scrgbClr r="0" g="0" b="0"/>
       </a:lnRef>
       <a:fillRef idx="1">
         <a:scrgbClr r="0" g="0" b="0"/>
       </a:fillRef>
-      <a:effectRef idx="0">
+      <a:effectRef idx="2">
         <a:scrgbClr r="0" g="0" b="0"/>
       </a:effectRef>
       <a:fontRef idx="minor">
@@ -19902,15 +20474,20 @@
       </a:fontRef>
     </dgm:style>
   </dgm:styleLbl>
-  <dgm:styleLbl name="parChTrans2D1">
+  <dgm:styleLbl name="parChTrans2D2">
     <dgm:scene3d>
       <a:camera prst="orthographicFront"/>
       <a:lightRig rig="threePt" dir="t"/>
     </dgm:scene3d>
-    <dgm:sp3d/>
+    <dgm:sp3d extrusionH="63500" prstMaterial="matte">
+      <a:bevelT w="50800" h="19050" prst="relaxedInset"/>
+      <a:contourClr>
+        <a:schemeClr val="bg1"/>
+      </a:contourClr>
+    </dgm:sp3d>
     <dgm:txPr/>
     <dgm:style>
-      <a:lnRef idx="2">
+      <a:lnRef idx="0">
         <a:scrgbClr r="0" g="0" b="0"/>
       </a:lnRef>
       <a:fillRef idx="1">
@@ -19924,21 +20501,24 @@
       </a:fontRef>
     </dgm:style>
   </dgm:styleLbl>
-  <dgm:styleLbl name="parChTrans2D2">
+  <dgm:styleLbl name="parChTrans2D3">
     <dgm:scene3d>
       <a:camera prst="orthographicFront"/>
       <a:lightRig rig="threePt" dir="t"/>
     </dgm:scene3d>
-    <dgm:sp3d/>
+    <dgm:sp3d z="60000" prstMaterial="flat">
+      <a:bevelT w="120900" h="88900"/>
+      <a:bevelB w="88900" h="31750" prst="angle"/>
+    </dgm:sp3d>
     <dgm:txPr/>
     <dgm:style>
-      <a:lnRef idx="2">
+      <a:lnRef idx="0">
         <a:scrgbClr r="0" g="0" b="0"/>
       </a:lnRef>
-      <a:fillRef idx="1">
+      <a:fillRef idx="3">
         <a:scrgbClr r="0" g="0" b="0"/>
       </a:fillRef>
-      <a:effectRef idx="0">
+      <a:effectRef idx="1">
         <a:scrgbClr r="0" g="0" b="0"/>
       </a:effectRef>
       <a:fontRef idx="minor">
@@ -19946,21 +20526,24 @@
       </a:fontRef>
     </dgm:style>
   </dgm:styleLbl>
-  <dgm:styleLbl name="parChTrans2D3">
+  <dgm:styleLbl name="parChTrans2D4">
     <dgm:scene3d>
       <a:camera prst="orthographicFront"/>
       <a:lightRig rig="threePt" dir="t"/>
     </dgm:scene3d>
-    <dgm:sp3d/>
+    <dgm:sp3d z="60000" prstMaterial="flat">
+      <a:bevelT w="120900" h="88900"/>
+      <a:bevelB w="88900" h="31750" prst="angle"/>
+    </dgm:sp3d>
     <dgm:txPr/>
     <dgm:style>
-      <a:lnRef idx="2">
+      <a:lnRef idx="0">
         <a:scrgbClr r="0" g="0" b="0"/>
       </a:lnRef>
-      <a:fillRef idx="1">
+      <a:fillRef idx="3">
         <a:scrgbClr r="0" g="0" b="0"/>
       </a:fillRef>
-      <a:effectRef idx="0">
+      <a:effectRef idx="1">
         <a:scrgbClr r="0" g="0" b="0"/>
       </a:effectRef>
       <a:fontRef idx="minor">
@@ -19968,21 +20551,511 @@
       </a:fontRef>
     </dgm:style>
   </dgm:styleLbl>
-  <dgm:styleLbl name="parChTrans2D4">
+  <dgm:styleLbl name="parChTrans1D1">
     <dgm:scene3d>
       <a:camera prst="orthographicFront"/>
       <a:lightRig rig="threePt" dir="t"/>
     </dgm:scene3d>
-    <dgm:sp3d/>
+    <dgm:sp3d z="-40000" prstMaterial="matte"/>
     <dgm:txPr/>
     <dgm:style>
       <a:lnRef idx="2">
         <a:scrgbClr r="0" g="0" b="0"/>
       </a:lnRef>
-      <a:fillRef idx="1">
+      <a:fillRef idx="0">
         <a:scrgbClr r="0" g="0" b="0"/>
       </a:fillRef>
       <a:effectRef idx="0">
+        <a:scrgbClr r="0" g="0" b="0"/>
+      </a:effectRef>
+      <a:fontRef idx="minor"/>
+    </dgm:style>
+  </dgm:styleLbl>
+  <dgm:styleLbl name="parChTrans1D2">
+    <dgm:scene3d>
+      <a:camera prst="orthographicFront"/>
+      <a:lightRig rig="threePt" dir="t"/>
+    </dgm:scene3d>
+    <dgm:sp3d z="-40000" prstMaterial="matte"/>
+    <dgm:txPr/>
+    <dgm:style>
+      <a:lnRef idx="2">
+        <a:scrgbClr r="0" g="0" b="0"/>
+      </a:lnRef>
+      <a:fillRef idx="0">
+        <a:scrgbClr r="0" g="0" b="0"/>
+      </a:fillRef>
+      <a:effectRef idx="0">
+        <a:scrgbClr r="0" g="0" b="0"/>
+      </a:effectRef>
+      <a:fontRef idx="minor"/>
+    </dgm:style>
+  </dgm:styleLbl>
+  <dgm:styleLbl name="parChTrans1D3">
+    <dgm:scene3d>
+      <a:camera prst="orthographicFront"/>
+      <a:lightRig rig="threePt" dir="t"/>
+    </dgm:scene3d>
+    <dgm:sp3d z="-40000" prstMaterial="matte"/>
+    <dgm:txPr/>
+    <dgm:style>
+      <a:lnRef idx="2">
+        <a:scrgbClr r="0" g="0" b="0"/>
+      </a:lnRef>
+      <a:fillRef idx="0">
+        <a:scrgbClr r="0" g="0" b="0"/>
+      </a:fillRef>
+      <a:effectRef idx="0">
+        <a:scrgbClr r="0" g="0" b="0"/>
+      </a:effectRef>
+      <a:fontRef idx="minor"/>
+    </dgm:style>
+  </dgm:styleLbl>
+  <dgm:styleLbl name="parChTrans1D4">
+    <dgm:scene3d>
+      <a:camera prst="orthographicFront"/>
+      <a:lightRig rig="threePt" dir="t"/>
+    </dgm:scene3d>
+    <dgm:sp3d z="-40000" prstMaterial="matte"/>
+    <dgm:txPr/>
+    <dgm:style>
+      <a:lnRef idx="2">
+        <a:scrgbClr r="0" g="0" b="0"/>
+      </a:lnRef>
+      <a:fillRef idx="0">
+        <a:scrgbClr r="0" g="0" b="0"/>
+      </a:fillRef>
+      <a:effectRef idx="0">
+        <a:scrgbClr r="0" g="0" b="0"/>
+      </a:effectRef>
+      <a:fontRef idx="minor"/>
+    </dgm:style>
+  </dgm:styleLbl>
+  <dgm:styleLbl name="fgAcc1">
+    <dgm:scene3d>
+      <a:camera prst="orthographicFront"/>
+      <a:lightRig rig="threePt" dir="t"/>
+    </dgm:scene3d>
+    <dgm:sp3d z="152400" extrusionH="63500" prstMaterial="matte">
+      <a:bevelT w="50800" h="19050" prst="relaxedInset"/>
+      <a:contourClr>
+        <a:schemeClr val="bg1"/>
+      </a:contourClr>
+    </dgm:sp3d>
+    <dgm:txPr/>
+    <dgm:style>
+      <a:lnRef idx="0">
+        <a:scrgbClr r="0" g="0" b="0"/>
+      </a:lnRef>
+      <a:fillRef idx="1">
+        <a:scrgbClr r="0" g="0" b="0"/>
+      </a:fillRef>
+      <a:effectRef idx="2">
+        <a:scrgbClr r="0" g="0" b="0"/>
+      </a:effectRef>
+      <a:fontRef idx="minor"/>
+    </dgm:style>
+  </dgm:styleLbl>
+  <dgm:styleLbl name="conFgAcc1">
+    <dgm:scene3d>
+      <a:camera prst="orthographicFront"/>
+      <a:lightRig rig="threePt" dir="t"/>
+    </dgm:scene3d>
+    <dgm:sp3d z="-152400" extrusionH="63500" prstMaterial="matte">
+      <a:bevelT w="44450" h="6350" prst="relaxedInset"/>
+      <a:contourClr>
+        <a:schemeClr val="bg1"/>
+      </a:contourClr>
+    </dgm:sp3d>
+    <dgm:txPr/>
+    <dgm:style>
+      <a:lnRef idx="0">
+        <a:scrgbClr r="0" g="0" b="0"/>
+      </a:lnRef>
+      <a:fillRef idx="1">
+        <a:scrgbClr r="0" g="0" b="0"/>
+      </a:fillRef>
+      <a:effectRef idx="0">
+        <a:scrgbClr r="0" g="0" b="0"/>
+      </a:effectRef>
+      <a:fontRef idx="minor"/>
+    </dgm:style>
+  </dgm:styleLbl>
+  <dgm:styleLbl name="alignAcc1">
+    <dgm:scene3d>
+      <a:camera prst="orthographicFront"/>
+      <a:lightRig rig="threePt" dir="t"/>
+    </dgm:scene3d>
+    <dgm:sp3d extrusionH="190500" prstMaterial="matte">
+      <a:bevelT w="120650" h="38100" prst="relaxedInset"/>
+      <a:bevelB w="120650" h="57150" prst="relaxedInset"/>
+      <a:contourClr>
+        <a:schemeClr val="bg1"/>
+      </a:contourClr>
+    </dgm:sp3d>
+    <dgm:txPr/>
+    <dgm:style>
+      <a:lnRef idx="0">
+        <a:scrgbClr r="0" g="0" b="0"/>
+      </a:lnRef>
+      <a:fillRef idx="1">
+        <a:scrgbClr r="0" g="0" b="0"/>
+      </a:fillRef>
+      <a:effectRef idx="2">
+        <a:scrgbClr r="0" g="0" b="0"/>
+      </a:effectRef>
+      <a:fontRef idx="minor"/>
+    </dgm:style>
+  </dgm:styleLbl>
+  <dgm:styleLbl name="trAlignAcc1">
+    <dgm:scene3d>
+      <a:camera prst="orthographicFront"/>
+      <a:lightRig rig="threePt" dir="t"/>
+    </dgm:scene3d>
+    <dgm:sp3d extrusionH="190500" prstMaterial="matte">
+      <a:bevelT w="120650" h="38100"/>
+      <a:bevelB w="120650" h="57150" prst="relaxedInset"/>
+      <a:contourClr>
+        <a:schemeClr val="bg1"/>
+      </a:contourClr>
+    </dgm:sp3d>
+    <dgm:txPr/>
+    <dgm:style>
+      <a:lnRef idx="0">
+        <a:scrgbClr r="0" g="0" b="0"/>
+      </a:lnRef>
+      <a:fillRef idx="1">
+        <a:scrgbClr r="0" g="0" b="0"/>
+      </a:fillRef>
+      <a:effectRef idx="2">
+        <a:scrgbClr r="0" g="0" b="0"/>
+      </a:effectRef>
+      <a:fontRef idx="minor"/>
+    </dgm:style>
+  </dgm:styleLbl>
+  <dgm:styleLbl name="bgAcc1">
+    <dgm:scene3d>
+      <a:camera prst="orthographicFront"/>
+      <a:lightRig rig="threePt" dir="t"/>
+    </dgm:scene3d>
+    <dgm:sp3d z="-152400" extrusionH="63500" prstMaterial="matte">
+      <a:bevelT w="44450" h="6350" prst="relaxedInset"/>
+      <a:contourClr>
+        <a:schemeClr val="bg1"/>
+      </a:contourClr>
+    </dgm:sp3d>
+    <dgm:txPr/>
+    <dgm:style>
+      <a:lnRef idx="0">
+        <a:scrgbClr r="0" g="0" b="0"/>
+      </a:lnRef>
+      <a:fillRef idx="1">
+        <a:scrgbClr r="0" g="0" b="0"/>
+      </a:fillRef>
+      <a:effectRef idx="0">
+        <a:scrgbClr r="0" g="0" b="0"/>
+      </a:effectRef>
+      <a:fontRef idx="minor"/>
+    </dgm:style>
+  </dgm:styleLbl>
+  <dgm:styleLbl name="solidFgAcc1">
+    <dgm:scene3d>
+      <a:camera prst="orthographicFront"/>
+      <a:lightRig rig="threePt" dir="t"/>
+    </dgm:scene3d>
+    <dgm:sp3d z="152400" extrusionH="63500" prstMaterial="matte">
+      <a:bevelT w="50800" h="19050" prst="relaxedInset"/>
+      <a:contourClr>
+        <a:schemeClr val="bg1"/>
+      </a:contourClr>
+    </dgm:sp3d>
+    <dgm:txPr/>
+    <dgm:style>
+      <a:lnRef idx="0">
+        <a:scrgbClr r="0" g="0" b="0"/>
+      </a:lnRef>
+      <a:fillRef idx="1">
+        <a:scrgbClr r="0" g="0" b="0"/>
+      </a:fillRef>
+      <a:effectRef idx="2">
+        <a:scrgbClr r="0" g="0" b="0"/>
+      </a:effectRef>
+      <a:fontRef idx="minor"/>
+    </dgm:style>
+  </dgm:styleLbl>
+  <dgm:styleLbl name="solidAlignAcc1">
+    <dgm:scene3d>
+      <a:camera prst="orthographicFront"/>
+      <a:lightRig rig="threePt" dir="t"/>
+    </dgm:scene3d>
+    <dgm:sp3d extrusionH="190500" prstMaterial="matte">
+      <a:bevelT w="120650" h="38100" prst="relaxedInset"/>
+      <a:bevelB w="120650" h="57150" prst="relaxedInset"/>
+      <a:contourClr>
+        <a:schemeClr val="bg1"/>
+      </a:contourClr>
+    </dgm:sp3d>
+    <dgm:txPr/>
+    <dgm:style>
+      <a:lnRef idx="0">
+        <a:scrgbClr r="0" g="0" b="0"/>
+      </a:lnRef>
+      <a:fillRef idx="1">
+        <a:scrgbClr r="0" g="0" b="0"/>
+      </a:fillRef>
+      <a:effectRef idx="2">
+        <a:scrgbClr r="0" g="0" b="0"/>
+      </a:effectRef>
+      <a:fontRef idx="minor"/>
+    </dgm:style>
+  </dgm:styleLbl>
+  <dgm:styleLbl name="solidBgAcc1">
+    <dgm:scene3d>
+      <a:camera prst="orthographicFront"/>
+      <a:lightRig rig="threePt" dir="t"/>
+    </dgm:scene3d>
+    <dgm:sp3d z="-152400" extrusionH="63500" prstMaterial="matte">
+      <a:bevelT w="44450" h="6350" prst="relaxedInset"/>
+      <a:contourClr>
+        <a:schemeClr val="bg1"/>
+      </a:contourClr>
+    </dgm:sp3d>
+    <dgm:txPr/>
+    <dgm:style>
+      <a:lnRef idx="0">
+        <a:scrgbClr r="0" g="0" b="0"/>
+      </a:lnRef>
+      <a:fillRef idx="1">
+        <a:scrgbClr r="0" g="0" b="0"/>
+      </a:fillRef>
+      <a:effectRef idx="0">
+        <a:scrgbClr r="0" g="0" b="0"/>
+      </a:effectRef>
+      <a:fontRef idx="minor"/>
+    </dgm:style>
+  </dgm:styleLbl>
+  <dgm:styleLbl name="fgAccFollowNode1">
+    <dgm:scene3d>
+      <a:camera prst="orthographicFront"/>
+      <a:lightRig rig="threePt" dir="t"/>
+    </dgm:scene3d>
+    <dgm:sp3d z="152400" extrusionH="63500" prstMaterial="matte">
+      <a:bevelT w="50800" h="19050" prst="relaxedInset"/>
+      <a:contourClr>
+        <a:schemeClr val="bg1"/>
+      </a:contourClr>
+    </dgm:sp3d>
+    <dgm:txPr/>
+    <dgm:style>
+      <a:lnRef idx="0">
+        <a:scrgbClr r="0" g="0" b="0"/>
+      </a:lnRef>
+      <a:fillRef idx="1">
+        <a:scrgbClr r="0" g="0" b="0"/>
+      </a:fillRef>
+      <a:effectRef idx="0">
+        <a:scrgbClr r="0" g="0" b="0"/>
+      </a:effectRef>
+      <a:fontRef idx="minor"/>
+    </dgm:style>
+  </dgm:styleLbl>
+  <dgm:styleLbl name="alignAccFollowNode1">
+    <dgm:scene3d>
+      <a:camera prst="orthographicFront"/>
+      <a:lightRig rig="threePt" dir="t"/>
+    </dgm:scene3d>
+    <dgm:sp3d extrusionH="190500" prstMaterial="matte">
+      <a:bevelT w="120650" h="38100" prst="relaxedInset"/>
+      <a:bevelB w="120650" h="57150" prst="relaxedInset"/>
+      <a:contourClr>
+        <a:schemeClr val="bg1"/>
+      </a:contourClr>
+    </dgm:sp3d>
+    <dgm:txPr/>
+    <dgm:style>
+      <a:lnRef idx="0">
+        <a:scrgbClr r="0" g="0" b="0"/>
+      </a:lnRef>
+      <a:fillRef idx="1">
+        <a:scrgbClr r="0" g="0" b="0"/>
+      </a:fillRef>
+      <a:effectRef idx="2">
+        <a:scrgbClr r="0" g="0" b="0"/>
+      </a:effectRef>
+      <a:fontRef idx="minor"/>
+    </dgm:style>
+  </dgm:styleLbl>
+  <dgm:styleLbl name="bgAccFollowNode1">
+    <dgm:scene3d>
+      <a:camera prst="orthographicFront"/>
+      <a:lightRig rig="threePt" dir="t"/>
+    </dgm:scene3d>
+    <dgm:sp3d z="-152400" extrusionH="63500" prstMaterial="matte">
+      <a:bevelT w="44450" h="6350" prst="relaxedInset"/>
+      <a:contourClr>
+        <a:schemeClr val="bg1"/>
+      </a:contourClr>
+    </dgm:sp3d>
+    <dgm:txPr/>
+    <dgm:style>
+      <a:lnRef idx="0">
+        <a:scrgbClr r="0" g="0" b="0"/>
+      </a:lnRef>
+      <a:fillRef idx="1">
+        <a:scrgbClr r="0" g="0" b="0"/>
+      </a:fillRef>
+      <a:effectRef idx="2">
+        <a:scrgbClr r="0" g="0" b="0"/>
+      </a:effectRef>
+      <a:fontRef idx="minor"/>
+    </dgm:style>
+  </dgm:styleLbl>
+  <dgm:styleLbl name="fgAcc0">
+    <dgm:scene3d>
+      <a:camera prst="orthographicFront"/>
+      <a:lightRig rig="threePt" dir="t"/>
+    </dgm:scene3d>
+    <dgm:sp3d z="152400" extrusionH="63500" prstMaterial="matte">
+      <a:bevelT w="50800" h="19050" prst="relaxedInset"/>
+      <a:contourClr>
+        <a:schemeClr val="bg1"/>
+      </a:contourClr>
+    </dgm:sp3d>
+    <dgm:txPr/>
+    <dgm:style>
+      <a:lnRef idx="0">
+        <a:scrgbClr r="0" g="0" b="0"/>
+      </a:lnRef>
+      <a:fillRef idx="1">
+        <a:scrgbClr r="0" g="0" b="0"/>
+      </a:fillRef>
+      <a:effectRef idx="0">
+        <a:scrgbClr r="0" g="0" b="0"/>
+      </a:effectRef>
+      <a:fontRef idx="minor"/>
+    </dgm:style>
+  </dgm:styleLbl>
+  <dgm:styleLbl name="fgAcc2">
+    <dgm:scene3d>
+      <a:camera prst="orthographicFront"/>
+      <a:lightRig rig="threePt" dir="t"/>
+    </dgm:scene3d>
+    <dgm:sp3d z="152400" extrusionH="63500" prstMaterial="matte">
+      <a:bevelT w="50800" h="19050" prst="relaxedInset"/>
+      <a:contourClr>
+        <a:schemeClr val="bg1"/>
+      </a:contourClr>
+    </dgm:sp3d>
+    <dgm:txPr/>
+    <dgm:style>
+      <a:lnRef idx="0">
+        <a:scrgbClr r="0" g="0" b="0"/>
+      </a:lnRef>
+      <a:fillRef idx="1">
+        <a:scrgbClr r="0" g="0" b="0"/>
+      </a:fillRef>
+      <a:effectRef idx="0">
+        <a:scrgbClr r="0" g="0" b="0"/>
+      </a:effectRef>
+      <a:fontRef idx="minor"/>
+    </dgm:style>
+  </dgm:styleLbl>
+  <dgm:styleLbl name="fgAcc3">
+    <dgm:scene3d>
+      <a:camera prst="orthographicFront"/>
+      <a:lightRig rig="threePt" dir="t"/>
+    </dgm:scene3d>
+    <dgm:sp3d z="152400" extrusionH="63500" prstMaterial="matte">
+      <a:bevelT w="50800" h="19050" prst="relaxedInset"/>
+      <a:contourClr>
+        <a:schemeClr val="bg1"/>
+      </a:contourClr>
+    </dgm:sp3d>
+    <dgm:txPr/>
+    <dgm:style>
+      <a:lnRef idx="0">
+        <a:scrgbClr r="0" g="0" b="0"/>
+      </a:lnRef>
+      <a:fillRef idx="1">
+        <a:scrgbClr r="0" g="0" b="0"/>
+      </a:fillRef>
+      <a:effectRef idx="0">
+        <a:scrgbClr r="0" g="0" b="0"/>
+      </a:effectRef>
+      <a:fontRef idx="minor"/>
+    </dgm:style>
+  </dgm:styleLbl>
+  <dgm:styleLbl name="fgAcc4">
+    <dgm:scene3d>
+      <a:camera prst="orthographicFront"/>
+      <a:lightRig rig="threePt" dir="t"/>
+    </dgm:scene3d>
+    <dgm:sp3d z="152400" extrusionH="63500" prstMaterial="matte">
+      <a:bevelT w="50800" h="19050" prst="relaxedInset"/>
+      <a:contourClr>
+        <a:schemeClr val="bg1"/>
+      </a:contourClr>
+    </dgm:sp3d>
+    <dgm:txPr/>
+    <dgm:style>
+      <a:lnRef idx="0">
+        <a:scrgbClr r="0" g="0" b="0"/>
+      </a:lnRef>
+      <a:fillRef idx="1">
+        <a:scrgbClr r="0" g="0" b="0"/>
+      </a:fillRef>
+      <a:effectRef idx="0">
+        <a:scrgbClr r="0" g="0" b="0"/>
+      </a:effectRef>
+      <a:fontRef idx="minor"/>
+    </dgm:style>
+  </dgm:styleLbl>
+  <dgm:styleLbl name="bgShp">
+    <dgm:scene3d>
+      <a:camera prst="orthographicFront"/>
+      <a:lightRig rig="threePt" dir="t"/>
+    </dgm:scene3d>
+    <dgm:sp3d z="-152400" extrusionH="63500" prstMaterial="matte">
+      <a:bevelT w="44450" h="6350" prst="relaxedInset"/>
+      <a:contourClr>
+        <a:schemeClr val="bg1"/>
+      </a:contourClr>
+    </dgm:sp3d>
+    <dgm:txPr/>
+    <dgm:style>
+      <a:lnRef idx="0">
+        <a:scrgbClr r="0" g="0" b="0"/>
+      </a:lnRef>
+      <a:fillRef idx="1">
+        <a:scrgbClr r="0" g="0" b="0"/>
+      </a:fillRef>
+      <a:effectRef idx="0">
+        <a:scrgbClr r="0" g="0" b="0"/>
+      </a:effectRef>
+      <a:fontRef idx="minor"/>
+    </dgm:style>
+  </dgm:styleLbl>
+  <dgm:styleLbl name="dkBgShp">
+    <dgm:scene3d>
+      <a:camera prst="orthographicFront"/>
+      <a:lightRig rig="threePt" dir="t"/>
+    </dgm:scene3d>
+    <dgm:sp3d extrusionH="190500" prstMaterial="matte">
+      <a:bevelT w="120650" h="38100" prst="relaxedInset"/>
+      <a:bevelB w="120650" h="57150" prst="relaxedInset"/>
+      <a:contourClr>
+        <a:schemeClr val="bg1"/>
+      </a:contourClr>
+    </dgm:sp3d>
+    <dgm:txPr/>
+    <dgm:style>
+      <a:lnRef idx="0">
+        <a:scrgbClr r="0" g="0" b="0"/>
+      </a:lnRef>
+      <a:fillRef idx="1">
+        <a:scrgbClr r="0" g="0" b="0"/>
+      </a:fillRef>
+      <a:effectRef idx="2">
         <a:scrgbClr r="0" g="0" b="0"/>
       </a:effectRef>
       <a:fontRef idx="minor">
@@ -19990,432 +21063,12 @@
       </a:fontRef>
     </dgm:style>
   </dgm:styleLbl>
-  <dgm:styleLbl name="parChTrans1D1">
-    <dgm:scene3d>
-      <a:camera prst="orthographicFront"/>
-      <a:lightRig rig="threePt" dir="t"/>
-    </dgm:scene3d>
-    <dgm:sp3d/>
-    <dgm:txPr/>
-    <dgm:style>
-      <a:lnRef idx="2">
-        <a:scrgbClr r="0" g="0" b="0"/>
-      </a:lnRef>
-      <a:fillRef idx="0">
-        <a:scrgbClr r="0" g="0" b="0"/>
-      </a:fillRef>
-      <a:effectRef idx="0">
-        <a:scrgbClr r="0" g="0" b="0"/>
-      </a:effectRef>
-      <a:fontRef idx="minor"/>
-    </dgm:style>
-  </dgm:styleLbl>
-  <dgm:styleLbl name="parChTrans1D2">
-    <dgm:scene3d>
-      <a:camera prst="orthographicFront"/>
-      <a:lightRig rig="threePt" dir="t"/>
-    </dgm:scene3d>
-    <dgm:sp3d/>
-    <dgm:txPr/>
-    <dgm:style>
-      <a:lnRef idx="2">
-        <a:scrgbClr r="0" g="0" b="0"/>
-      </a:lnRef>
-      <a:fillRef idx="0">
-        <a:scrgbClr r="0" g="0" b="0"/>
-      </a:fillRef>
-      <a:effectRef idx="0">
-        <a:scrgbClr r="0" g="0" b="0"/>
-      </a:effectRef>
-      <a:fontRef idx="minor"/>
-    </dgm:style>
-  </dgm:styleLbl>
-  <dgm:styleLbl name="parChTrans1D3">
-    <dgm:scene3d>
-      <a:camera prst="orthographicFront"/>
-      <a:lightRig rig="threePt" dir="t"/>
-    </dgm:scene3d>
-    <dgm:sp3d/>
-    <dgm:txPr/>
-    <dgm:style>
-      <a:lnRef idx="2">
-        <a:scrgbClr r="0" g="0" b="0"/>
-      </a:lnRef>
-      <a:fillRef idx="0">
-        <a:scrgbClr r="0" g="0" b="0"/>
-      </a:fillRef>
-      <a:effectRef idx="0">
-        <a:scrgbClr r="0" g="0" b="0"/>
-      </a:effectRef>
-      <a:fontRef idx="minor"/>
-    </dgm:style>
-  </dgm:styleLbl>
-  <dgm:styleLbl name="parChTrans1D4">
-    <dgm:scene3d>
-      <a:camera prst="orthographicFront"/>
-      <a:lightRig rig="threePt" dir="t"/>
-    </dgm:scene3d>
-    <dgm:sp3d/>
-    <dgm:txPr/>
-    <dgm:style>
-      <a:lnRef idx="2">
-        <a:scrgbClr r="0" g="0" b="0"/>
-      </a:lnRef>
-      <a:fillRef idx="0">
-        <a:scrgbClr r="0" g="0" b="0"/>
-      </a:fillRef>
-      <a:effectRef idx="0">
-        <a:scrgbClr r="0" g="0" b="0"/>
-      </a:effectRef>
-      <a:fontRef idx="minor"/>
-    </dgm:style>
-  </dgm:styleLbl>
-  <dgm:styleLbl name="fgAcc1">
-    <dgm:scene3d>
-      <a:camera prst="orthographicFront"/>
-      <a:lightRig rig="threePt" dir="t"/>
-    </dgm:scene3d>
-    <dgm:sp3d/>
-    <dgm:txPr/>
-    <dgm:style>
-      <a:lnRef idx="2">
-        <a:scrgbClr r="0" g="0" b="0"/>
-      </a:lnRef>
-      <a:fillRef idx="1">
-        <a:scrgbClr r="0" g="0" b="0"/>
-      </a:fillRef>
-      <a:effectRef idx="0">
-        <a:scrgbClr r="0" g="0" b="0"/>
-      </a:effectRef>
-      <a:fontRef idx="minor"/>
-    </dgm:style>
-  </dgm:styleLbl>
-  <dgm:styleLbl name="conFgAcc1">
-    <dgm:scene3d>
-      <a:camera prst="orthographicFront"/>
-      <a:lightRig rig="threePt" dir="t"/>
-    </dgm:scene3d>
-    <dgm:sp3d/>
-    <dgm:txPr/>
-    <dgm:style>
-      <a:lnRef idx="2">
-        <a:scrgbClr r="0" g="0" b="0"/>
-      </a:lnRef>
-      <a:fillRef idx="1">
-        <a:scrgbClr r="0" g="0" b="0"/>
-      </a:fillRef>
-      <a:effectRef idx="0">
-        <a:scrgbClr r="0" g="0" b="0"/>
-      </a:effectRef>
-      <a:fontRef idx="minor"/>
-    </dgm:style>
-  </dgm:styleLbl>
-  <dgm:styleLbl name="alignAcc1">
-    <dgm:scene3d>
-      <a:camera prst="orthographicFront"/>
-      <a:lightRig rig="threePt" dir="t"/>
-    </dgm:scene3d>
-    <dgm:sp3d/>
-    <dgm:txPr/>
-    <dgm:style>
-      <a:lnRef idx="2">
-        <a:scrgbClr r="0" g="0" b="0"/>
-      </a:lnRef>
-      <a:fillRef idx="1">
-        <a:scrgbClr r="0" g="0" b="0"/>
-      </a:fillRef>
-      <a:effectRef idx="0">
-        <a:scrgbClr r="0" g="0" b="0"/>
-      </a:effectRef>
-      <a:fontRef idx="minor"/>
-    </dgm:style>
-  </dgm:styleLbl>
-  <dgm:styleLbl name="trAlignAcc1">
-    <dgm:scene3d>
-      <a:camera prst="orthographicFront"/>
-      <a:lightRig rig="threePt" dir="t"/>
-    </dgm:scene3d>
-    <dgm:sp3d/>
-    <dgm:txPr/>
-    <dgm:style>
-      <a:lnRef idx="1">
-        <a:scrgbClr r="0" g="0" b="0"/>
-      </a:lnRef>
-      <a:fillRef idx="1">
-        <a:scrgbClr r="0" g="0" b="0"/>
-      </a:fillRef>
-      <a:effectRef idx="0">
-        <a:scrgbClr r="0" g="0" b="0"/>
-      </a:effectRef>
-      <a:fontRef idx="minor"/>
-    </dgm:style>
-  </dgm:styleLbl>
-  <dgm:styleLbl name="bgAcc1">
-    <dgm:scene3d>
-      <a:camera prst="orthographicFront"/>
-      <a:lightRig rig="threePt" dir="t"/>
-    </dgm:scene3d>
-    <dgm:sp3d/>
-    <dgm:txPr/>
-    <dgm:style>
-      <a:lnRef idx="2">
-        <a:scrgbClr r="0" g="0" b="0"/>
-      </a:lnRef>
-      <a:fillRef idx="1">
-        <a:scrgbClr r="0" g="0" b="0"/>
-      </a:fillRef>
-      <a:effectRef idx="0">
-        <a:scrgbClr r="0" g="0" b="0"/>
-      </a:effectRef>
-      <a:fontRef idx="minor"/>
-    </dgm:style>
-  </dgm:styleLbl>
-  <dgm:styleLbl name="solidFgAcc1">
-    <dgm:scene3d>
-      <a:camera prst="orthographicFront"/>
-      <a:lightRig rig="threePt" dir="t"/>
-    </dgm:scene3d>
-    <dgm:sp3d/>
-    <dgm:txPr/>
-    <dgm:style>
-      <a:lnRef idx="2">
-        <a:scrgbClr r="0" g="0" b="0"/>
-      </a:lnRef>
-      <a:fillRef idx="1">
-        <a:scrgbClr r="0" g="0" b="0"/>
-      </a:fillRef>
-      <a:effectRef idx="0">
-        <a:scrgbClr r="0" g="0" b="0"/>
-      </a:effectRef>
-      <a:fontRef idx="minor"/>
-    </dgm:style>
-  </dgm:styleLbl>
-  <dgm:styleLbl name="solidAlignAcc1">
-    <dgm:scene3d>
-      <a:camera prst="orthographicFront"/>
-      <a:lightRig rig="threePt" dir="t"/>
-    </dgm:scene3d>
-    <dgm:sp3d/>
-    <dgm:txPr/>
-    <dgm:style>
-      <a:lnRef idx="2">
-        <a:scrgbClr r="0" g="0" b="0"/>
-      </a:lnRef>
-      <a:fillRef idx="1">
-        <a:scrgbClr r="0" g="0" b="0"/>
-      </a:fillRef>
-      <a:effectRef idx="0">
-        <a:scrgbClr r="0" g="0" b="0"/>
-      </a:effectRef>
-      <a:fontRef idx="minor"/>
-    </dgm:style>
-  </dgm:styleLbl>
-  <dgm:styleLbl name="solidBgAcc1">
-    <dgm:scene3d>
-      <a:camera prst="orthographicFront"/>
-      <a:lightRig rig="threePt" dir="t"/>
-    </dgm:scene3d>
-    <dgm:sp3d/>
-    <dgm:txPr/>
-    <dgm:style>
-      <a:lnRef idx="2">
-        <a:scrgbClr r="0" g="0" b="0"/>
-      </a:lnRef>
-      <a:fillRef idx="1">
-        <a:scrgbClr r="0" g="0" b="0"/>
-      </a:fillRef>
-      <a:effectRef idx="0">
-        <a:scrgbClr r="0" g="0" b="0"/>
-      </a:effectRef>
-      <a:fontRef idx="minor"/>
-    </dgm:style>
-  </dgm:styleLbl>
-  <dgm:styleLbl name="fgAccFollowNode1">
-    <dgm:scene3d>
-      <a:camera prst="orthographicFront"/>
-      <a:lightRig rig="threePt" dir="t"/>
-    </dgm:scene3d>
-    <dgm:sp3d/>
-    <dgm:txPr/>
-    <dgm:style>
-      <a:lnRef idx="2">
-        <a:scrgbClr r="0" g="0" b="0"/>
-      </a:lnRef>
-      <a:fillRef idx="1">
-        <a:scrgbClr r="0" g="0" b="0"/>
-      </a:fillRef>
-      <a:effectRef idx="0">
-        <a:scrgbClr r="0" g="0" b="0"/>
-      </a:effectRef>
-      <a:fontRef idx="minor"/>
-    </dgm:style>
-  </dgm:styleLbl>
-  <dgm:styleLbl name="alignAccFollowNode1">
-    <dgm:scene3d>
-      <a:camera prst="orthographicFront"/>
-      <a:lightRig rig="threePt" dir="t"/>
-    </dgm:scene3d>
-    <dgm:sp3d/>
-    <dgm:txPr/>
-    <dgm:style>
-      <a:lnRef idx="2">
-        <a:scrgbClr r="0" g="0" b="0"/>
-      </a:lnRef>
-      <a:fillRef idx="1">
-        <a:scrgbClr r="0" g="0" b="0"/>
-      </a:fillRef>
-      <a:effectRef idx="0">
-        <a:scrgbClr r="0" g="0" b="0"/>
-      </a:effectRef>
-      <a:fontRef idx="minor"/>
-    </dgm:style>
-  </dgm:styleLbl>
-  <dgm:styleLbl name="bgAccFollowNode1">
-    <dgm:scene3d>
-      <a:camera prst="orthographicFront"/>
-      <a:lightRig rig="threePt" dir="t"/>
-    </dgm:scene3d>
-    <dgm:sp3d/>
-    <dgm:txPr/>
-    <dgm:style>
-      <a:lnRef idx="2">
-        <a:scrgbClr r="0" g="0" b="0"/>
-      </a:lnRef>
-      <a:fillRef idx="1">
-        <a:scrgbClr r="0" g="0" b="0"/>
-      </a:fillRef>
-      <a:effectRef idx="0">
-        <a:scrgbClr r="0" g="0" b="0"/>
-      </a:effectRef>
-      <a:fontRef idx="minor"/>
-    </dgm:style>
-  </dgm:styleLbl>
-  <dgm:styleLbl name="fgAcc0">
-    <dgm:scene3d>
-      <a:camera prst="orthographicFront"/>
-      <a:lightRig rig="threePt" dir="t"/>
-    </dgm:scene3d>
-    <dgm:sp3d/>
-    <dgm:txPr/>
-    <dgm:style>
-      <a:lnRef idx="2">
-        <a:scrgbClr r="0" g="0" b="0"/>
-      </a:lnRef>
-      <a:fillRef idx="1">
-        <a:scrgbClr r="0" g="0" b="0"/>
-      </a:fillRef>
-      <a:effectRef idx="0">
-        <a:scrgbClr r="0" g="0" b="0"/>
-      </a:effectRef>
-      <a:fontRef idx="minor"/>
-    </dgm:style>
-  </dgm:styleLbl>
-  <dgm:styleLbl name="fgAcc2">
-    <dgm:scene3d>
-      <a:camera prst="orthographicFront"/>
-      <a:lightRig rig="threePt" dir="t"/>
-    </dgm:scene3d>
-    <dgm:sp3d/>
-    <dgm:txPr/>
-    <dgm:style>
-      <a:lnRef idx="2">
-        <a:scrgbClr r="0" g="0" b="0"/>
-      </a:lnRef>
-      <a:fillRef idx="1">
-        <a:scrgbClr r="0" g="0" b="0"/>
-      </a:fillRef>
-      <a:effectRef idx="0">
-        <a:scrgbClr r="0" g="0" b="0"/>
-      </a:effectRef>
-      <a:fontRef idx="minor"/>
-    </dgm:style>
-  </dgm:styleLbl>
-  <dgm:styleLbl name="fgAcc3">
-    <dgm:scene3d>
-      <a:camera prst="orthographicFront"/>
-      <a:lightRig rig="threePt" dir="t"/>
-    </dgm:scene3d>
-    <dgm:sp3d/>
-    <dgm:txPr/>
-    <dgm:style>
-      <a:lnRef idx="2">
-        <a:scrgbClr r="0" g="0" b="0"/>
-      </a:lnRef>
-      <a:fillRef idx="1">
-        <a:scrgbClr r="0" g="0" b="0"/>
-      </a:fillRef>
-      <a:effectRef idx="0">
-        <a:scrgbClr r="0" g="0" b="0"/>
-      </a:effectRef>
-      <a:fontRef idx="minor"/>
-    </dgm:style>
-  </dgm:styleLbl>
-  <dgm:styleLbl name="fgAcc4">
-    <dgm:scene3d>
-      <a:camera prst="orthographicFront"/>
-      <a:lightRig rig="threePt" dir="t"/>
-    </dgm:scene3d>
-    <dgm:sp3d/>
-    <dgm:txPr/>
-    <dgm:style>
-      <a:lnRef idx="2">
-        <a:scrgbClr r="0" g="0" b="0"/>
-      </a:lnRef>
-      <a:fillRef idx="1">
-        <a:scrgbClr r="0" g="0" b="0"/>
-      </a:fillRef>
-      <a:effectRef idx="0">
-        <a:scrgbClr r="0" g="0" b="0"/>
-      </a:effectRef>
-      <a:fontRef idx="minor"/>
-    </dgm:style>
-  </dgm:styleLbl>
-  <dgm:styleLbl name="bgShp">
-    <dgm:scene3d>
-      <a:camera prst="orthographicFront"/>
-      <a:lightRig rig="threePt" dir="t"/>
-    </dgm:scene3d>
-    <dgm:sp3d/>
-    <dgm:txPr/>
-    <dgm:style>
-      <a:lnRef idx="0">
-        <a:scrgbClr r="0" g="0" b="0"/>
-      </a:lnRef>
-      <a:fillRef idx="1">
-        <a:scrgbClr r="0" g="0" b="0"/>
-      </a:fillRef>
-      <a:effectRef idx="0">
-        <a:scrgbClr r="0" g="0" b="0"/>
-      </a:effectRef>
-      <a:fontRef idx="minor"/>
-    </dgm:style>
-  </dgm:styleLbl>
-  <dgm:styleLbl name="dkBgShp">
-    <dgm:scene3d>
-      <a:camera prst="orthographicFront"/>
-      <a:lightRig rig="threePt" dir="t"/>
-    </dgm:scene3d>
-    <dgm:sp3d/>
-    <dgm:txPr/>
-    <dgm:style>
-      <a:lnRef idx="0">
-        <a:scrgbClr r="0" g="0" b="0"/>
-      </a:lnRef>
-      <a:fillRef idx="1">
-        <a:scrgbClr r="0" g="0" b="0"/>
-      </a:fillRef>
-      <a:effectRef idx="0">
-        <a:scrgbClr r="0" g="0" b="0"/>
-      </a:effectRef>
-      <a:fontRef idx="minor"/>
-    </dgm:style>
-  </dgm:styleLbl>
   <dgm:styleLbl name="trBgShp">
     <dgm:scene3d>
       <a:camera prst="orthographicFront"/>
       <a:lightRig rig="threePt" dir="t"/>
     </dgm:scene3d>
-    <dgm:sp3d/>
+    <dgm:sp3d z="-152400" prstMaterial="matte"/>
     <dgm:txPr/>
     <dgm:style>
       <a:lnRef idx="0">
@@ -20435,19 +21088,26 @@
       <a:camera prst="orthographicFront"/>
       <a:lightRig rig="threePt" dir="t"/>
     </dgm:scene3d>
-    <dgm:sp3d/>
+    <dgm:sp3d z="152400" extrusionH="63500" prstMaterial="matte">
+      <a:bevelT w="50800" h="19050" prst="relaxedInset"/>
+      <a:contourClr>
+        <a:schemeClr val="bg1"/>
+      </a:contourClr>
+    </dgm:sp3d>
     <dgm:txPr/>
     <dgm:style>
-      <a:lnRef idx="2">
+      <a:lnRef idx="0">
         <a:scrgbClr r="0" g="0" b="0"/>
       </a:lnRef>
       <a:fillRef idx="1">
         <a:scrgbClr r="0" g="0" b="0"/>
       </a:fillRef>
-      <a:effectRef idx="0">
+      <a:effectRef idx="2">
         <a:scrgbClr r="0" g="0" b="0"/>
       </a:effectRef>
-      <a:fontRef idx="minor"/>
+      <a:fontRef idx="minor">
+        <a:schemeClr val="lt1"/>
+      </a:fontRef>
     </dgm:style>
   </dgm:styleLbl>
   <dgm:styleLbl name="revTx">
@@ -23917,7 +24577,7 @@
             <a:fld id="{229FDC3E-7424-49CF-AF38-AA35F4C77C8D}" type="datetimeFigureOut">
               <a:rPr lang="pt-BR" smtClean="0"/>
               <a:pPr/>
-              <a:t>15/07/2014</a:t>
+              <a:t>18/07/2014</a:t>
             </a:fld>
             <a:endParaRPr lang="pt-BR"/>
           </a:p>
@@ -24089,7 +24749,7 @@
             <a:fld id="{229FDC3E-7424-49CF-AF38-AA35F4C77C8D}" type="datetimeFigureOut">
               <a:rPr lang="pt-BR" smtClean="0"/>
               <a:pPr/>
-              <a:t>15/07/2014</a:t>
+              <a:t>18/07/2014</a:t>
             </a:fld>
             <a:endParaRPr lang="pt-BR"/>
           </a:p>
@@ -24266,7 +24926,7 @@
             <a:fld id="{229FDC3E-7424-49CF-AF38-AA35F4C77C8D}" type="datetimeFigureOut">
               <a:rPr lang="pt-BR" smtClean="0"/>
               <a:pPr/>
-              <a:t>15/07/2014</a:t>
+              <a:t>18/07/2014</a:t>
             </a:fld>
             <a:endParaRPr lang="pt-BR"/>
           </a:p>
@@ -24433,7 +25093,7 @@
             <a:fld id="{229FDC3E-7424-49CF-AF38-AA35F4C77C8D}" type="datetimeFigureOut">
               <a:rPr lang="pt-BR" smtClean="0"/>
               <a:pPr/>
-              <a:t>15/07/2014</a:t>
+              <a:t>18/07/2014</a:t>
             </a:fld>
             <a:endParaRPr lang="pt-BR"/>
           </a:p>
@@ -24669,7 +25329,7 @@
             <a:fld id="{229FDC3E-7424-49CF-AF38-AA35F4C77C8D}" type="datetimeFigureOut">
               <a:rPr lang="pt-BR" smtClean="0"/>
               <a:pPr/>
-              <a:t>15/07/2014</a:t>
+              <a:t>18/07/2014</a:t>
             </a:fld>
             <a:endParaRPr lang="pt-BR"/>
           </a:p>
@@ -24967,7 +25627,7 @@
             <a:fld id="{229FDC3E-7424-49CF-AF38-AA35F4C77C8D}" type="datetimeFigureOut">
               <a:rPr lang="pt-BR" smtClean="0"/>
               <a:pPr/>
-              <a:t>15/07/2014</a:t>
+              <a:t>18/07/2014</a:t>
             </a:fld>
             <a:endParaRPr lang="pt-BR"/>
           </a:p>
@@ -25353,7 +26013,7 @@
             <a:fld id="{229FDC3E-7424-49CF-AF38-AA35F4C77C8D}" type="datetimeFigureOut">
               <a:rPr lang="pt-BR" smtClean="0"/>
               <a:pPr/>
-              <a:t>15/07/2014</a:t>
+              <a:t>18/07/2014</a:t>
             </a:fld>
             <a:endParaRPr lang="pt-BR"/>
           </a:p>
@@ -25528,7 +26188,7 @@
             <a:fld id="{229FDC3E-7424-49CF-AF38-AA35F4C77C8D}" type="datetimeFigureOut">
               <a:rPr lang="pt-BR" smtClean="0"/>
               <a:pPr/>
-              <a:t>15/07/2014</a:t>
+              <a:t>18/07/2014</a:t>
             </a:fld>
             <a:endParaRPr lang="pt-BR"/>
           </a:p>
@@ -25620,7 +26280,7 @@
             <a:fld id="{229FDC3E-7424-49CF-AF38-AA35F4C77C8D}" type="datetimeFigureOut">
               <a:rPr lang="pt-BR" smtClean="0"/>
               <a:pPr/>
-              <a:t>15/07/2014</a:t>
+              <a:t>18/07/2014</a:t>
             </a:fld>
             <a:endParaRPr lang="pt-BR"/>
           </a:p>
@@ -25917,7 +26577,7 @@
             <a:fld id="{229FDC3E-7424-49CF-AF38-AA35F4C77C8D}" type="datetimeFigureOut">
               <a:rPr lang="pt-BR" smtClean="0"/>
               <a:pPr/>
-              <a:t>15/07/2014</a:t>
+              <a:t>18/07/2014</a:t>
             </a:fld>
             <a:endParaRPr lang="pt-BR"/>
           </a:p>
@@ -26053,7 +26713,7 @@
             <a:fld id="{229FDC3E-7424-49CF-AF38-AA35F4C77C8D}" type="datetimeFigureOut">
               <a:rPr lang="pt-BR" smtClean="0"/>
               <a:pPr/>
-              <a:t>15/07/2014</a:t>
+              <a:t>18/07/2014</a:t>
             </a:fld>
             <a:endParaRPr lang="pt-BR"/>
           </a:p>
@@ -26358,7 +27018,7 @@
             <a:fld id="{229FDC3E-7424-49CF-AF38-AA35F4C77C8D}" type="datetimeFigureOut">
               <a:rPr lang="pt-BR" smtClean="0"/>
               <a:pPr/>
-              <a:t>15/07/2014</a:t>
+              <a:t>18/07/2014</a:t>
             </a:fld>
             <a:endParaRPr lang="pt-BR"/>
           </a:p>
@@ -27123,7 +27783,7 @@
             <p:ph idx="1"/>
             <p:extLst>
               <p:ext uri="{D42A27DB-BD31-4B8C-83A1-F6EECF244321}">
-                <p14:modId xmlns:p14="http://schemas.microsoft.com/office/powerpoint/2010/main" xmlns="" val="2208909862"/>
+                <p14:modId xmlns="" xmlns:p14="http://schemas.microsoft.com/office/powerpoint/2010/main" val="2208909862"/>
               </p:ext>
             </p:extLst>
           </p:nvPr>
@@ -27217,6 +27877,13 @@
   <p:clrMapOvr>
     <a:masterClrMapping/>
   </p:clrMapOvr>
+  <p:timing>
+    <p:tnLst>
+      <p:par>
+        <p:cTn id="1" dur="indefinite" restart="never" nodeType="tmRoot"/>
+      </p:par>
+    </p:tnLst>
+  </p:timing>
 </p:sld>
 </file>
 
@@ -27284,6 +27951,13 @@
   <p:clrMapOvr>
     <a:masterClrMapping/>
   </p:clrMapOvr>
+  <p:timing>
+    <p:tnLst>
+      <p:par>
+        <p:cTn id="1" dur="indefinite" restart="never" nodeType="tmRoot"/>
+      </p:par>
+    </p:tnLst>
+  </p:timing>
 </p:sld>
 </file>
 
@@ -27351,6 +28025,13 @@
   <p:clrMapOvr>
     <a:masterClrMapping/>
   </p:clrMapOvr>
+  <p:timing>
+    <p:tnLst>
+      <p:par>
+        <p:cTn id="1" dur="indefinite" restart="never" nodeType="tmRoot"/>
+      </p:par>
+    </p:tnLst>
+  </p:timing>
 </p:sld>
 </file>
 
@@ -27405,8 +28086,8 @@
           </p:nvPr>
         </p:nvGraphicFramePr>
         <p:xfrm>
-          <a:off x="457200" y="1484784"/>
-          <a:ext cx="8686800" cy="4883373"/>
+          <a:off x="457200" y="1428736"/>
+          <a:ext cx="8258204" cy="4939421"/>
         </p:xfrm>
         <a:graphic>
           <a:graphicData uri="http://schemas.openxmlformats.org/drawingml/2006/diagram">
@@ -27479,7 +28160,7 @@
             <p:ph idx="1"/>
             <p:extLst>
               <p:ext uri="{D42A27DB-BD31-4B8C-83A1-F6EECF244321}">
-                <p14:modId xmlns:p14="http://schemas.microsoft.com/office/powerpoint/2010/main" xmlns="" val="2118870426"/>
+                <p14:modId xmlns="" xmlns:p14="http://schemas.microsoft.com/office/powerpoint/2010/main" val="2118870426"/>
               </p:ext>
             </p:extLst>
           </p:nvPr>
@@ -27543,7 +28224,7 @@
           <a:p>
             <a:r>
               <a:rPr lang="pt-BR" dirty="0" smtClean="0"/>
-              <a:t>Descrição inicial do problema </a:t>
+              <a:t>Descrição geral do problema</a:t>
             </a:r>
             <a:endParaRPr lang="pt-BR" dirty="0"/>
           </a:p>
@@ -27559,14 +28240,14 @@
             <p:ph idx="1"/>
             <p:extLst>
               <p:ext uri="{D42A27DB-BD31-4B8C-83A1-F6EECF244321}">
-                <p14:modId xmlns:p14="http://schemas.microsoft.com/office/powerpoint/2010/main" xmlns="" val="736405372"/>
+                <p14:modId xmlns="" xmlns:p14="http://schemas.microsoft.com/office/powerpoint/2010/main" val="736405372"/>
               </p:ext>
             </p:extLst>
           </p:nvPr>
         </p:nvGraphicFramePr>
         <p:xfrm>
-          <a:off x="304800" y="1554163"/>
-          <a:ext cx="8686800" cy="4525962"/>
+          <a:off x="214282" y="1554162"/>
+          <a:ext cx="8929718" cy="5018109"/>
         </p:xfrm>
         <a:graphic>
           <a:graphicData uri="http://schemas.openxmlformats.org/drawingml/2006/diagram">
@@ -27579,6 +28260,13 @@
   <p:clrMapOvr>
     <a:masterClrMapping/>
   </p:clrMapOvr>
+  <p:timing>
+    <p:tnLst>
+      <p:par>
+        <p:cTn id="1" dur="indefinite" restart="never" nodeType="tmRoot"/>
+      </p:par>
+    </p:tnLst>
+  </p:timing>
 </p:sld>
 </file>
 
@@ -27646,6 +28334,13 @@
   <p:clrMapOvr>
     <a:masterClrMapping/>
   </p:clrMapOvr>
+  <p:timing>
+    <p:tnLst>
+      <p:par>
+        <p:cTn id="1" dur="indefinite" restart="never" nodeType="tmRoot"/>
+      </p:par>
+    </p:tnLst>
+  </p:timing>
 </p:sld>
 </file>
 
@@ -27713,6 +28408,13 @@
   <p:clrMapOvr>
     <a:masterClrMapping/>
   </p:clrMapOvr>
+  <p:timing>
+    <p:tnLst>
+      <p:par>
+        <p:cTn id="1" dur="indefinite" restart="never" nodeType="tmRoot"/>
+      </p:par>
+    </p:tnLst>
+  </p:timing>
 </p:sld>
 </file>
 
@@ -27780,6 +28482,13 @@
   <p:clrMapOvr>
     <a:masterClrMapping/>
   </p:clrMapOvr>
+  <p:timing>
+    <p:tnLst>
+      <p:par>
+        <p:cTn id="1" dur="indefinite" restart="never" nodeType="tmRoot"/>
+      </p:par>
+    </p:tnLst>
+  </p:timing>
 </p:sld>
 </file>
 
@@ -27847,6 +28556,13 @@
   <p:clrMapOvr>
     <a:masterClrMapping/>
   </p:clrMapOvr>
+  <p:timing>
+    <p:tnLst>
+      <p:par>
+        <p:cTn id="1" dur="indefinite" restart="never" nodeType="tmRoot"/>
+      </p:par>
+    </p:tnLst>
+  </p:timing>
 </p:sld>
 </file>
 

--- a/SAS/Planejamento/Docs/#3 - Apresentação do projeto.pptx
+++ b/SAS/Planejamento/Docs/#3 - Apresentação do projeto.pptx
@@ -7,18 +7,17 @@
   <p:sldIdLst>
     <p:sldId id="256" r:id="rId2"/>
     <p:sldId id="263" r:id="rId3"/>
-    <p:sldId id="264" r:id="rId4"/>
+    <p:sldId id="273" r:id="rId4"/>
     <p:sldId id="265" r:id="rId5"/>
-    <p:sldId id="266" r:id="rId6"/>
-    <p:sldId id="267" r:id="rId7"/>
-    <p:sldId id="268" r:id="rId8"/>
-    <p:sldId id="269" r:id="rId9"/>
-    <p:sldId id="260" r:id="rId10"/>
-    <p:sldId id="261" r:id="rId11"/>
-    <p:sldId id="257" r:id="rId12"/>
-    <p:sldId id="270" r:id="rId13"/>
-    <p:sldId id="271" r:id="rId14"/>
-    <p:sldId id="272" r:id="rId15"/>
+    <p:sldId id="269" r:id="rId6"/>
+    <p:sldId id="264" r:id="rId7"/>
+    <p:sldId id="274" r:id="rId8"/>
+    <p:sldId id="260" r:id="rId9"/>
+    <p:sldId id="261" r:id="rId10"/>
+    <p:sldId id="257" r:id="rId11"/>
+    <p:sldId id="270" r:id="rId12"/>
+    <p:sldId id="271" r:id="rId13"/>
+    <p:sldId id="272" r:id="rId14"/>
   </p:sldIdLst>
   <p:sldSz cx="9144000" cy="6858000" type="screen4x3"/>
   <p:notesSz cx="6858000" cy="9144000"/>
@@ -2362,20 +2361,428 @@
 </file>
 
 <file path=ppt/diagrams/colors4.xml><?xml version="1.0" encoding="utf-8"?>
-<dgm:colorsDef xmlns:dgm="http://schemas.openxmlformats.org/drawingml/2006/diagram" xmlns:a="http://schemas.openxmlformats.org/drawingml/2006/main" uniqueId="urn:microsoft.com/office/officeart/2005/8/colors/accent2_1">
+<dgm:colorsDef xmlns:dgm="http://schemas.openxmlformats.org/drawingml/2006/diagram" xmlns:a="http://schemas.openxmlformats.org/drawingml/2006/main" uniqueId="urn:microsoft.com/office/officeart/2005/8/colors/accent1_2">
   <dgm:title val=""/>
   <dgm:desc val=""/>
   <dgm:catLst>
-    <dgm:cat type="accent2" pri="11100"/>
+    <dgm:cat type="accent1" pri="11200"/>
   </dgm:catLst>
   <dgm:styleLbl name="node0">
     <dgm:fillClrLst meth="repeat">
+      <a:schemeClr val="accent1"/>
+    </dgm:fillClrLst>
+    <dgm:linClrLst meth="repeat">
       <a:schemeClr val="lt1"/>
-    </dgm:fillClrLst>
-    <dgm:linClrLst meth="repeat">
-      <a:schemeClr val="accent2">
+    </dgm:linClrLst>
+    <dgm:effectClrLst/>
+    <dgm:txLinClrLst/>
+    <dgm:txFillClrLst/>
+    <dgm:txEffectClrLst/>
+  </dgm:styleLbl>
+  <dgm:styleLbl name="alignNode1">
+    <dgm:fillClrLst meth="repeat">
+      <a:schemeClr val="accent1"/>
+    </dgm:fillClrLst>
+    <dgm:linClrLst meth="repeat">
+      <a:schemeClr val="accent1"/>
+    </dgm:linClrLst>
+    <dgm:effectClrLst/>
+    <dgm:txLinClrLst/>
+    <dgm:txFillClrLst/>
+    <dgm:txEffectClrLst/>
+  </dgm:styleLbl>
+  <dgm:styleLbl name="node1">
+    <dgm:fillClrLst meth="repeat">
+      <a:schemeClr val="accent1"/>
+    </dgm:fillClrLst>
+    <dgm:linClrLst meth="repeat">
+      <a:schemeClr val="lt1"/>
+    </dgm:linClrLst>
+    <dgm:effectClrLst/>
+    <dgm:txLinClrLst/>
+    <dgm:txFillClrLst/>
+    <dgm:txEffectClrLst/>
+  </dgm:styleLbl>
+  <dgm:styleLbl name="lnNode1">
+    <dgm:fillClrLst meth="repeat">
+      <a:schemeClr val="accent1"/>
+    </dgm:fillClrLst>
+    <dgm:linClrLst meth="repeat">
+      <a:schemeClr val="lt1"/>
+    </dgm:linClrLst>
+    <dgm:effectClrLst/>
+    <dgm:txLinClrLst/>
+    <dgm:txFillClrLst/>
+    <dgm:txEffectClrLst/>
+  </dgm:styleLbl>
+  <dgm:styleLbl name="vennNode1">
+    <dgm:fillClrLst meth="repeat">
+      <a:schemeClr val="accent1">
+        <a:alpha val="50000"/>
+      </a:schemeClr>
+    </dgm:fillClrLst>
+    <dgm:linClrLst meth="repeat">
+      <a:schemeClr val="lt1"/>
+    </dgm:linClrLst>
+    <dgm:effectClrLst/>
+    <dgm:txLinClrLst/>
+    <dgm:txFillClrLst/>
+    <dgm:txEffectClrLst/>
+  </dgm:styleLbl>
+  <dgm:styleLbl name="node2">
+    <dgm:fillClrLst meth="repeat">
+      <a:schemeClr val="accent1"/>
+    </dgm:fillClrLst>
+    <dgm:linClrLst meth="repeat">
+      <a:schemeClr val="lt1"/>
+    </dgm:linClrLst>
+    <dgm:effectClrLst/>
+    <dgm:txLinClrLst/>
+    <dgm:txFillClrLst/>
+    <dgm:txEffectClrLst/>
+  </dgm:styleLbl>
+  <dgm:styleLbl name="node3">
+    <dgm:fillClrLst meth="repeat">
+      <a:schemeClr val="accent1"/>
+    </dgm:fillClrLst>
+    <dgm:linClrLst meth="repeat">
+      <a:schemeClr val="lt1"/>
+    </dgm:linClrLst>
+    <dgm:effectClrLst/>
+    <dgm:txLinClrLst/>
+    <dgm:txFillClrLst/>
+    <dgm:txEffectClrLst/>
+  </dgm:styleLbl>
+  <dgm:styleLbl name="node4">
+    <dgm:fillClrLst meth="repeat">
+      <a:schemeClr val="accent1"/>
+    </dgm:fillClrLst>
+    <dgm:linClrLst meth="repeat">
+      <a:schemeClr val="lt1"/>
+    </dgm:linClrLst>
+    <dgm:effectClrLst/>
+    <dgm:txLinClrLst/>
+    <dgm:txFillClrLst/>
+    <dgm:txEffectClrLst/>
+  </dgm:styleLbl>
+  <dgm:styleLbl name="fgImgPlace1">
+    <dgm:fillClrLst meth="repeat">
+      <a:schemeClr val="accent1">
+        <a:tint val="50000"/>
+      </a:schemeClr>
+    </dgm:fillClrLst>
+    <dgm:linClrLst meth="repeat">
+      <a:schemeClr val="lt1"/>
+    </dgm:linClrLst>
+    <dgm:effectClrLst/>
+    <dgm:txLinClrLst/>
+    <dgm:txFillClrLst meth="repeat">
+      <a:schemeClr val="lt1"/>
+    </dgm:txFillClrLst>
+    <dgm:txEffectClrLst/>
+  </dgm:styleLbl>
+  <dgm:styleLbl name="alignImgPlace1">
+    <dgm:fillClrLst meth="repeat">
+      <a:schemeClr val="accent1">
+        <a:tint val="50000"/>
+      </a:schemeClr>
+    </dgm:fillClrLst>
+    <dgm:linClrLst meth="repeat">
+      <a:schemeClr val="lt1"/>
+    </dgm:linClrLst>
+    <dgm:effectClrLst/>
+    <dgm:txLinClrLst/>
+    <dgm:txFillClrLst meth="repeat">
+      <a:schemeClr val="lt1"/>
+    </dgm:txFillClrLst>
+    <dgm:txEffectClrLst/>
+  </dgm:styleLbl>
+  <dgm:styleLbl name="bgImgPlace1">
+    <dgm:fillClrLst meth="repeat">
+      <a:schemeClr val="accent1">
+        <a:tint val="50000"/>
+      </a:schemeClr>
+    </dgm:fillClrLst>
+    <dgm:linClrLst meth="repeat">
+      <a:schemeClr val="lt1"/>
+    </dgm:linClrLst>
+    <dgm:effectClrLst/>
+    <dgm:txLinClrLst/>
+    <dgm:txFillClrLst meth="repeat">
+      <a:schemeClr val="lt1"/>
+    </dgm:txFillClrLst>
+    <dgm:txEffectClrLst/>
+  </dgm:styleLbl>
+  <dgm:styleLbl name="sibTrans2D1">
+    <dgm:fillClrLst meth="repeat">
+      <a:schemeClr val="accent1">
+        <a:tint val="60000"/>
+      </a:schemeClr>
+    </dgm:fillClrLst>
+    <dgm:linClrLst meth="repeat">
+      <a:schemeClr val="accent1">
+        <a:tint val="60000"/>
+      </a:schemeClr>
+    </dgm:linClrLst>
+    <dgm:effectClrLst/>
+    <dgm:txLinClrLst/>
+    <dgm:txFillClrLst/>
+    <dgm:txEffectClrLst/>
+  </dgm:styleLbl>
+  <dgm:styleLbl name="fgSibTrans2D1">
+    <dgm:fillClrLst meth="repeat">
+      <a:schemeClr val="accent1">
+        <a:tint val="60000"/>
+      </a:schemeClr>
+    </dgm:fillClrLst>
+    <dgm:linClrLst meth="repeat">
+      <a:schemeClr val="accent1">
+        <a:tint val="60000"/>
+      </a:schemeClr>
+    </dgm:linClrLst>
+    <dgm:effectClrLst/>
+    <dgm:txLinClrLst/>
+    <dgm:txFillClrLst/>
+    <dgm:txEffectClrLst/>
+  </dgm:styleLbl>
+  <dgm:styleLbl name="bgSibTrans2D1">
+    <dgm:fillClrLst meth="repeat">
+      <a:schemeClr val="accent1">
+        <a:tint val="60000"/>
+      </a:schemeClr>
+    </dgm:fillClrLst>
+    <dgm:linClrLst meth="repeat">
+      <a:schemeClr val="accent1">
+        <a:tint val="60000"/>
+      </a:schemeClr>
+    </dgm:linClrLst>
+    <dgm:effectClrLst/>
+    <dgm:txLinClrLst/>
+    <dgm:txFillClrLst/>
+    <dgm:txEffectClrLst/>
+  </dgm:styleLbl>
+  <dgm:styleLbl name="sibTrans1D1">
+    <dgm:fillClrLst meth="repeat">
+      <a:schemeClr val="accent1"/>
+    </dgm:fillClrLst>
+    <dgm:linClrLst meth="repeat">
+      <a:schemeClr val="accent1"/>
+    </dgm:linClrLst>
+    <dgm:effectClrLst/>
+    <dgm:txLinClrLst/>
+    <dgm:txFillClrLst meth="repeat">
+      <a:schemeClr val="tx1"/>
+    </dgm:txFillClrLst>
+    <dgm:txEffectClrLst/>
+  </dgm:styleLbl>
+  <dgm:styleLbl name="callout">
+    <dgm:fillClrLst meth="repeat">
+      <a:schemeClr val="accent1"/>
+    </dgm:fillClrLst>
+    <dgm:linClrLst meth="repeat">
+      <a:schemeClr val="accent1">
+        <a:tint val="50000"/>
+      </a:schemeClr>
+    </dgm:linClrLst>
+    <dgm:effectClrLst/>
+    <dgm:txLinClrLst/>
+    <dgm:txFillClrLst meth="repeat">
+      <a:schemeClr val="tx1"/>
+    </dgm:txFillClrLst>
+    <dgm:txEffectClrLst/>
+  </dgm:styleLbl>
+  <dgm:styleLbl name="asst0">
+    <dgm:fillClrLst meth="repeat">
+      <a:schemeClr val="accent1"/>
+    </dgm:fillClrLst>
+    <dgm:linClrLst meth="repeat">
+      <a:schemeClr val="lt1"/>
+    </dgm:linClrLst>
+    <dgm:effectClrLst/>
+    <dgm:txLinClrLst/>
+    <dgm:txFillClrLst/>
+    <dgm:txEffectClrLst/>
+  </dgm:styleLbl>
+  <dgm:styleLbl name="asst1">
+    <dgm:fillClrLst meth="repeat">
+      <a:schemeClr val="accent1"/>
+    </dgm:fillClrLst>
+    <dgm:linClrLst meth="repeat">
+      <a:schemeClr val="lt1"/>
+    </dgm:linClrLst>
+    <dgm:effectClrLst/>
+    <dgm:txLinClrLst/>
+    <dgm:txFillClrLst/>
+    <dgm:txEffectClrLst/>
+  </dgm:styleLbl>
+  <dgm:styleLbl name="asst2">
+    <dgm:fillClrLst meth="repeat">
+      <a:schemeClr val="accent1"/>
+    </dgm:fillClrLst>
+    <dgm:linClrLst meth="repeat">
+      <a:schemeClr val="lt1"/>
+    </dgm:linClrLst>
+    <dgm:effectClrLst/>
+    <dgm:txLinClrLst/>
+    <dgm:txFillClrLst/>
+    <dgm:txEffectClrLst/>
+  </dgm:styleLbl>
+  <dgm:styleLbl name="asst3">
+    <dgm:fillClrLst meth="repeat">
+      <a:schemeClr val="accent1"/>
+    </dgm:fillClrLst>
+    <dgm:linClrLst meth="repeat">
+      <a:schemeClr val="lt1"/>
+    </dgm:linClrLst>
+    <dgm:effectClrLst/>
+    <dgm:txLinClrLst/>
+    <dgm:txFillClrLst/>
+    <dgm:txEffectClrLst/>
+  </dgm:styleLbl>
+  <dgm:styleLbl name="asst4">
+    <dgm:fillClrLst meth="repeat">
+      <a:schemeClr val="accent1"/>
+    </dgm:fillClrLst>
+    <dgm:linClrLst meth="repeat">
+      <a:schemeClr val="lt1"/>
+    </dgm:linClrLst>
+    <dgm:effectClrLst/>
+    <dgm:txLinClrLst/>
+    <dgm:txFillClrLst/>
+    <dgm:txEffectClrLst/>
+  </dgm:styleLbl>
+  <dgm:styleLbl name="parChTrans2D1">
+    <dgm:fillClrLst meth="repeat">
+      <a:schemeClr val="accent1">
+        <a:tint val="60000"/>
+      </a:schemeClr>
+    </dgm:fillClrLst>
+    <dgm:linClrLst meth="repeat">
+      <a:schemeClr val="accent1">
+        <a:tint val="60000"/>
+      </a:schemeClr>
+    </dgm:linClrLst>
+    <dgm:effectClrLst/>
+    <dgm:txLinClrLst/>
+    <dgm:txFillClrLst meth="repeat">
+      <a:schemeClr val="lt1"/>
+    </dgm:txFillClrLst>
+    <dgm:txEffectClrLst/>
+  </dgm:styleLbl>
+  <dgm:styleLbl name="parChTrans2D2">
+    <dgm:fillClrLst meth="repeat">
+      <a:schemeClr val="accent1"/>
+    </dgm:fillClrLst>
+    <dgm:linClrLst meth="repeat">
+      <a:schemeClr val="accent1"/>
+    </dgm:linClrLst>
+    <dgm:effectClrLst/>
+    <dgm:txLinClrLst/>
+    <dgm:txFillClrLst meth="repeat">
+      <a:schemeClr val="lt1"/>
+    </dgm:txFillClrLst>
+    <dgm:txEffectClrLst/>
+  </dgm:styleLbl>
+  <dgm:styleLbl name="parChTrans2D3">
+    <dgm:fillClrLst meth="repeat">
+      <a:schemeClr val="accent1"/>
+    </dgm:fillClrLst>
+    <dgm:linClrLst meth="repeat">
+      <a:schemeClr val="accent1"/>
+    </dgm:linClrLst>
+    <dgm:effectClrLst/>
+    <dgm:txLinClrLst/>
+    <dgm:txFillClrLst meth="repeat">
+      <a:schemeClr val="lt1"/>
+    </dgm:txFillClrLst>
+    <dgm:txEffectClrLst/>
+  </dgm:styleLbl>
+  <dgm:styleLbl name="parChTrans2D4">
+    <dgm:fillClrLst meth="repeat">
+      <a:schemeClr val="accent1"/>
+    </dgm:fillClrLst>
+    <dgm:linClrLst meth="repeat">
+      <a:schemeClr val="accent1"/>
+    </dgm:linClrLst>
+    <dgm:effectClrLst/>
+    <dgm:txLinClrLst/>
+    <dgm:txFillClrLst meth="repeat">
+      <a:schemeClr val="lt1"/>
+    </dgm:txFillClrLst>
+    <dgm:txEffectClrLst/>
+  </dgm:styleLbl>
+  <dgm:styleLbl name="parChTrans1D1">
+    <dgm:fillClrLst meth="repeat">
+      <a:schemeClr val="accent1"/>
+    </dgm:fillClrLst>
+    <dgm:linClrLst meth="repeat">
+      <a:schemeClr val="accent1">
+        <a:shade val="60000"/>
+      </a:schemeClr>
+    </dgm:linClrLst>
+    <dgm:effectClrLst/>
+    <dgm:txLinClrLst/>
+    <dgm:txFillClrLst meth="repeat">
+      <a:schemeClr val="tx1"/>
+    </dgm:txFillClrLst>
+    <dgm:txEffectClrLst/>
+  </dgm:styleLbl>
+  <dgm:styleLbl name="parChTrans1D2">
+    <dgm:fillClrLst meth="repeat">
+      <a:schemeClr val="accent1"/>
+    </dgm:fillClrLst>
+    <dgm:linClrLst meth="repeat">
+      <a:schemeClr val="accent1">
+        <a:shade val="60000"/>
+      </a:schemeClr>
+    </dgm:linClrLst>
+    <dgm:effectClrLst/>
+    <dgm:txLinClrLst/>
+    <dgm:txFillClrLst meth="repeat">
+      <a:schemeClr val="tx1"/>
+    </dgm:txFillClrLst>
+    <dgm:txEffectClrLst/>
+  </dgm:styleLbl>
+  <dgm:styleLbl name="parChTrans1D3">
+    <dgm:fillClrLst meth="repeat">
+      <a:schemeClr val="accent1"/>
+    </dgm:fillClrLst>
+    <dgm:linClrLst meth="repeat">
+      <a:schemeClr val="accent1">
         <a:shade val="80000"/>
       </a:schemeClr>
+    </dgm:linClrLst>
+    <dgm:effectClrLst/>
+    <dgm:txLinClrLst/>
+    <dgm:txFillClrLst meth="repeat">
+      <a:schemeClr val="tx1"/>
+    </dgm:txFillClrLst>
+    <dgm:txEffectClrLst/>
+  </dgm:styleLbl>
+  <dgm:styleLbl name="parChTrans1D4">
+    <dgm:fillClrLst meth="repeat">
+      <a:schemeClr val="accent1"/>
+    </dgm:fillClrLst>
+    <dgm:linClrLst meth="repeat">
+      <a:schemeClr val="accent1">
+        <a:shade val="80000"/>
+      </a:schemeClr>
+    </dgm:linClrLst>
+    <dgm:effectClrLst/>
+    <dgm:txLinClrLst/>
+    <dgm:txFillClrLst meth="repeat">
+      <a:schemeClr val="tx1"/>
+    </dgm:txFillClrLst>
+    <dgm:txEffectClrLst/>
+  </dgm:styleLbl>
+  <dgm:styleLbl name="fgAcc1">
+    <dgm:fillClrLst meth="repeat">
+      <a:schemeClr val="lt1">
+        <a:alpha val="90000"/>
+      </a:schemeClr>
+    </dgm:fillClrLst>
+    <dgm:linClrLst meth="repeat">
+      <a:schemeClr val="accent1"/>
     </dgm:linClrLst>
     <dgm:effectClrLst/>
     <dgm:txLinClrLst/>
@@ -2384,14 +2791,14 @@
     </dgm:txFillClrLst>
     <dgm:txEffectClrLst/>
   </dgm:styleLbl>
-  <dgm:styleLbl name="node1">
-    <dgm:fillClrLst meth="repeat">
-      <a:schemeClr val="lt1"/>
-    </dgm:fillClrLst>
-    <dgm:linClrLst meth="repeat">
-      <a:schemeClr val="accent2">
-        <a:shade val="80000"/>
+  <dgm:styleLbl name="conFgAcc1">
+    <dgm:fillClrLst meth="repeat">
+      <a:schemeClr val="lt1">
+        <a:alpha val="90000"/>
       </a:schemeClr>
+    </dgm:fillClrLst>
+    <dgm:linClrLst meth="repeat">
+      <a:schemeClr val="accent1"/>
     </dgm:linClrLst>
     <dgm:effectClrLst/>
     <dgm:txLinClrLst/>
@@ -2400,14 +2807,14 @@
     </dgm:txFillClrLst>
     <dgm:txEffectClrLst/>
   </dgm:styleLbl>
-  <dgm:styleLbl name="alignNode1">
-    <dgm:fillClrLst meth="repeat">
-      <a:schemeClr val="lt1"/>
-    </dgm:fillClrLst>
-    <dgm:linClrLst meth="repeat">
-      <a:schemeClr val="accent2">
-        <a:shade val="80000"/>
+  <dgm:styleLbl name="alignAcc1">
+    <dgm:fillClrLst meth="repeat">
+      <a:schemeClr val="lt1">
+        <a:alpha val="90000"/>
       </a:schemeClr>
+    </dgm:fillClrLst>
+    <dgm:linClrLst meth="repeat">
+      <a:schemeClr val="accent1"/>
     </dgm:linClrLst>
     <dgm:effectClrLst/>
     <dgm:txLinClrLst/>
@@ -2416,14 +2823,14 @@
     </dgm:txFillClrLst>
     <dgm:txEffectClrLst/>
   </dgm:styleLbl>
-  <dgm:styleLbl name="lnNode1">
-    <dgm:fillClrLst meth="repeat">
-      <a:schemeClr val="lt1"/>
-    </dgm:fillClrLst>
-    <dgm:linClrLst meth="repeat">
-      <a:schemeClr val="accent2">
-        <a:shade val="80000"/>
+  <dgm:styleLbl name="trAlignAcc1">
+    <dgm:fillClrLst meth="repeat">
+      <a:schemeClr val="lt1">
+        <a:alpha val="40000"/>
       </a:schemeClr>
+    </dgm:fillClrLst>
+    <dgm:linClrLst meth="repeat">
+      <a:schemeClr val="accent1"/>
     </dgm:linClrLst>
     <dgm:effectClrLst/>
     <dgm:txLinClrLst/>
@@ -2432,30 +2839,14 @@
     </dgm:txFillClrLst>
     <dgm:txEffectClrLst/>
   </dgm:styleLbl>
-  <dgm:styleLbl name="vennNode1">
+  <dgm:styleLbl name="bgAcc1">
     <dgm:fillClrLst meth="repeat">
       <a:schemeClr val="lt1">
-        <a:alpha val="50000"/>
+        <a:alpha val="90000"/>
       </a:schemeClr>
     </dgm:fillClrLst>
     <dgm:linClrLst meth="repeat">
-      <a:schemeClr val="accent2">
-        <a:shade val="80000"/>
-      </a:schemeClr>
-    </dgm:linClrLst>
-    <dgm:effectClrLst/>
-    <dgm:txLinClrLst/>
-    <dgm:txFillClrLst/>
-    <dgm:txEffectClrLst/>
-  </dgm:styleLbl>
-  <dgm:styleLbl name="node2">
-    <dgm:fillClrLst meth="repeat">
-      <a:schemeClr val="lt1"/>
-    </dgm:fillClrLst>
-    <dgm:linClrLst meth="repeat">
-      <a:schemeClr val="accent2">
-        <a:shade val="80000"/>
-      </a:schemeClr>
+      <a:schemeClr val="accent1"/>
     </dgm:linClrLst>
     <dgm:effectClrLst/>
     <dgm:txLinClrLst/>
@@ -2464,14 +2855,12 @@
     </dgm:txFillClrLst>
     <dgm:txEffectClrLst/>
   </dgm:styleLbl>
-  <dgm:styleLbl name="node3">
+  <dgm:styleLbl name="solidFgAcc1">
     <dgm:fillClrLst meth="repeat">
       <a:schemeClr val="lt1"/>
     </dgm:fillClrLst>
     <dgm:linClrLst meth="repeat">
-      <a:schemeClr val="accent2">
-        <a:shade val="80000"/>
-      </a:schemeClr>
+      <a:schemeClr val="accent1"/>
     </dgm:linClrLst>
     <dgm:effectClrLst/>
     <dgm:txLinClrLst/>
@@ -2480,14 +2869,12 @@
     </dgm:txFillClrLst>
     <dgm:txEffectClrLst/>
   </dgm:styleLbl>
-  <dgm:styleLbl name="node4">
+  <dgm:styleLbl name="solidAlignAcc1">
     <dgm:fillClrLst meth="repeat">
       <a:schemeClr val="lt1"/>
     </dgm:fillClrLst>
     <dgm:linClrLst meth="repeat">
-      <a:schemeClr val="accent2">
-        <a:shade val="80000"/>
-      </a:schemeClr>
+      <a:schemeClr val="accent1"/>
     </dgm:linClrLst>
     <dgm:effectClrLst/>
     <dgm:txLinClrLst/>
@@ -2496,16 +2883,168 @@
     </dgm:txFillClrLst>
     <dgm:txEffectClrLst/>
   </dgm:styleLbl>
-  <dgm:styleLbl name="fgImgPlace1">
-    <dgm:fillClrLst meth="repeat">
-      <a:schemeClr val="accent2">
+  <dgm:styleLbl name="solidBgAcc1">
+    <dgm:fillClrLst meth="repeat">
+      <a:schemeClr val="lt1"/>
+    </dgm:fillClrLst>
+    <dgm:linClrLst meth="repeat">
+      <a:schemeClr val="accent1"/>
+    </dgm:linClrLst>
+    <dgm:effectClrLst/>
+    <dgm:txLinClrLst/>
+    <dgm:txFillClrLst meth="repeat">
+      <a:schemeClr val="dk1"/>
+    </dgm:txFillClrLst>
+    <dgm:txEffectClrLst/>
+  </dgm:styleLbl>
+  <dgm:styleLbl name="fgAccFollowNode1">
+    <dgm:fillClrLst meth="repeat">
+      <a:schemeClr val="accent1">
+        <a:alpha val="90000"/>
         <a:tint val="40000"/>
       </a:schemeClr>
     </dgm:fillClrLst>
     <dgm:linClrLst meth="repeat">
-      <a:schemeClr val="accent2">
+      <a:schemeClr val="accent1">
+        <a:alpha val="90000"/>
+        <a:tint val="40000"/>
+      </a:schemeClr>
+    </dgm:linClrLst>
+    <dgm:effectClrLst/>
+    <dgm:txLinClrLst/>
+    <dgm:txFillClrLst meth="repeat">
+      <a:schemeClr val="dk1"/>
+    </dgm:txFillClrLst>
+    <dgm:txEffectClrLst/>
+  </dgm:styleLbl>
+  <dgm:styleLbl name="alignAccFollowNode1">
+    <dgm:fillClrLst meth="repeat">
+      <a:schemeClr val="accent1">
+        <a:alpha val="90000"/>
+        <a:tint val="40000"/>
+      </a:schemeClr>
+    </dgm:fillClrLst>
+    <dgm:linClrLst meth="repeat">
+      <a:schemeClr val="accent1">
+        <a:alpha val="90000"/>
+        <a:tint val="40000"/>
+      </a:schemeClr>
+    </dgm:linClrLst>
+    <dgm:effectClrLst/>
+    <dgm:txLinClrLst/>
+    <dgm:txFillClrLst meth="repeat">
+      <a:schemeClr val="dk1"/>
+    </dgm:txFillClrLst>
+    <dgm:txEffectClrLst/>
+  </dgm:styleLbl>
+  <dgm:styleLbl name="bgAccFollowNode1">
+    <dgm:fillClrLst meth="repeat">
+      <a:schemeClr val="accent1">
+        <a:alpha val="90000"/>
+        <a:tint val="40000"/>
+      </a:schemeClr>
+    </dgm:fillClrLst>
+    <dgm:linClrLst meth="repeat">
+      <a:schemeClr val="accent1">
+        <a:alpha val="90000"/>
+        <a:tint val="40000"/>
+      </a:schemeClr>
+    </dgm:linClrLst>
+    <dgm:effectClrLst/>
+    <dgm:txLinClrLst/>
+    <dgm:txFillClrLst meth="repeat">
+      <a:schemeClr val="dk1"/>
+    </dgm:txFillClrLst>
+    <dgm:txEffectClrLst/>
+  </dgm:styleLbl>
+  <dgm:styleLbl name="fgAcc0">
+    <dgm:fillClrLst meth="repeat">
+      <a:schemeClr val="lt1">
+        <a:alpha val="90000"/>
+      </a:schemeClr>
+    </dgm:fillClrLst>
+    <dgm:linClrLst meth="repeat">
+      <a:schemeClr val="accent1"/>
+    </dgm:linClrLst>
+    <dgm:effectClrLst/>
+    <dgm:txLinClrLst/>
+    <dgm:txFillClrLst meth="repeat">
+      <a:schemeClr val="dk1"/>
+    </dgm:txFillClrLst>
+    <dgm:txEffectClrLst/>
+  </dgm:styleLbl>
+  <dgm:styleLbl name="fgAcc2">
+    <dgm:fillClrLst meth="repeat">
+      <a:schemeClr val="lt1">
+        <a:alpha val="90000"/>
+      </a:schemeClr>
+    </dgm:fillClrLst>
+    <dgm:linClrLst meth="repeat">
+      <a:schemeClr val="accent1"/>
+    </dgm:linClrLst>
+    <dgm:effectClrLst/>
+    <dgm:txLinClrLst/>
+    <dgm:txFillClrLst meth="repeat">
+      <a:schemeClr val="dk1"/>
+    </dgm:txFillClrLst>
+    <dgm:txEffectClrLst/>
+  </dgm:styleLbl>
+  <dgm:styleLbl name="fgAcc3">
+    <dgm:fillClrLst meth="repeat">
+      <a:schemeClr val="lt1">
+        <a:alpha val="90000"/>
+      </a:schemeClr>
+    </dgm:fillClrLst>
+    <dgm:linClrLst meth="repeat">
+      <a:schemeClr val="accent1"/>
+    </dgm:linClrLst>
+    <dgm:effectClrLst/>
+    <dgm:txLinClrLst/>
+    <dgm:txFillClrLst meth="repeat">
+      <a:schemeClr val="dk1"/>
+    </dgm:txFillClrLst>
+    <dgm:txEffectClrLst/>
+  </dgm:styleLbl>
+  <dgm:styleLbl name="fgAcc4">
+    <dgm:fillClrLst meth="repeat">
+      <a:schemeClr val="lt1">
+        <a:alpha val="90000"/>
+      </a:schemeClr>
+    </dgm:fillClrLst>
+    <dgm:linClrLst meth="repeat">
+      <a:schemeClr val="accent1"/>
+    </dgm:linClrLst>
+    <dgm:effectClrLst/>
+    <dgm:txLinClrLst/>
+    <dgm:txFillClrLst meth="repeat">
+      <a:schemeClr val="dk1"/>
+    </dgm:txFillClrLst>
+    <dgm:txEffectClrLst/>
+  </dgm:styleLbl>
+  <dgm:styleLbl name="bgShp">
+    <dgm:fillClrLst meth="repeat">
+      <a:schemeClr val="accent1">
+        <a:tint val="40000"/>
+      </a:schemeClr>
+    </dgm:fillClrLst>
+    <dgm:linClrLst meth="repeat">
+      <a:schemeClr val="accent1"/>
+    </dgm:linClrLst>
+    <dgm:effectClrLst/>
+    <dgm:txLinClrLst/>
+    <dgm:txFillClrLst meth="repeat">
+      <a:schemeClr val="dk1"/>
+    </dgm:txFillClrLst>
+    <dgm:txEffectClrLst/>
+  </dgm:styleLbl>
+  <dgm:styleLbl name="dkBgShp">
+    <dgm:fillClrLst meth="repeat">
+      <a:schemeClr val="accent1">
         <a:shade val="80000"/>
       </a:schemeClr>
+    </dgm:fillClrLst>
+    <dgm:linClrLst meth="repeat">
+      <a:schemeClr val="accent1"/>
     </dgm:linClrLst>
     <dgm:effectClrLst/>
     <dgm:txLinClrLst/>
@@ -2514,16 +3053,15 @@
     </dgm:txFillClrLst>
     <dgm:txEffectClrLst/>
   </dgm:styleLbl>
-  <dgm:styleLbl name="alignImgPlace1">
-    <dgm:fillClrLst meth="repeat">
-      <a:schemeClr val="accent2">
-        <a:tint val="40000"/>
+  <dgm:styleLbl name="trBgShp">
+    <dgm:fillClrLst meth="repeat">
+      <a:schemeClr val="accent1">
+        <a:tint val="50000"/>
+        <a:alpha val="40000"/>
       </a:schemeClr>
     </dgm:fillClrLst>
     <dgm:linClrLst meth="repeat">
-      <a:schemeClr val="accent2">
-        <a:shade val="80000"/>
-      </a:schemeClr>
+      <a:schemeClr val="accent1"/>
     </dgm:linClrLst>
     <dgm:effectClrLst/>
     <dgm:txLinClrLst/>
@@ -2532,608 +3070,9 @@
     </dgm:txFillClrLst>
     <dgm:txEffectClrLst/>
   </dgm:styleLbl>
-  <dgm:styleLbl name="bgImgPlace1">
-    <dgm:fillClrLst meth="repeat">
-      <a:schemeClr val="accent2">
-        <a:tint val="40000"/>
-      </a:schemeClr>
-    </dgm:fillClrLst>
-    <dgm:linClrLst meth="repeat">
-      <a:schemeClr val="accent2">
-        <a:shade val="80000"/>
-      </a:schemeClr>
-    </dgm:linClrLst>
-    <dgm:effectClrLst/>
-    <dgm:txLinClrLst/>
-    <dgm:txFillClrLst meth="repeat">
-      <a:schemeClr val="lt1"/>
-    </dgm:txFillClrLst>
-    <dgm:txEffectClrLst/>
-  </dgm:styleLbl>
-  <dgm:styleLbl name="sibTrans2D1">
-    <dgm:fillClrLst meth="repeat">
-      <a:schemeClr val="accent2">
-        <a:tint val="60000"/>
-      </a:schemeClr>
-    </dgm:fillClrLst>
-    <dgm:linClrLst meth="repeat">
-      <a:schemeClr val="accent2">
-        <a:tint val="60000"/>
-      </a:schemeClr>
-    </dgm:linClrLst>
-    <dgm:effectClrLst/>
-    <dgm:txLinClrLst/>
-    <dgm:txFillClrLst meth="repeat">
-      <a:schemeClr val="dk1"/>
-    </dgm:txFillClrLst>
-    <dgm:txEffectClrLst/>
-  </dgm:styleLbl>
-  <dgm:styleLbl name="fgSibTrans2D1">
-    <dgm:fillClrLst meth="repeat">
-      <a:schemeClr val="accent2">
-        <a:tint val="60000"/>
-      </a:schemeClr>
-    </dgm:fillClrLst>
-    <dgm:linClrLst meth="repeat">
-      <a:schemeClr val="accent2">
-        <a:tint val="60000"/>
-      </a:schemeClr>
-    </dgm:linClrLst>
-    <dgm:effectClrLst/>
-    <dgm:txLinClrLst/>
-    <dgm:txFillClrLst meth="repeat">
-      <a:schemeClr val="dk1"/>
-    </dgm:txFillClrLst>
-    <dgm:txEffectClrLst/>
-  </dgm:styleLbl>
-  <dgm:styleLbl name="bgSibTrans2D1">
-    <dgm:fillClrLst meth="repeat">
-      <a:schemeClr val="accent2">
-        <a:tint val="60000"/>
-      </a:schemeClr>
-    </dgm:fillClrLst>
-    <dgm:linClrLst meth="repeat">
-      <a:schemeClr val="accent2">
-        <a:tint val="60000"/>
-      </a:schemeClr>
-    </dgm:linClrLst>
-    <dgm:effectClrLst/>
-    <dgm:txLinClrLst/>
-    <dgm:txFillClrLst meth="repeat">
-      <a:schemeClr val="dk1"/>
-    </dgm:txFillClrLst>
-    <dgm:txEffectClrLst/>
-  </dgm:styleLbl>
-  <dgm:styleLbl name="sibTrans1D1">
-    <dgm:fillClrLst meth="repeat">
-      <a:schemeClr val="accent2"/>
-    </dgm:fillClrLst>
-    <dgm:linClrLst meth="repeat">
-      <a:schemeClr val="accent2"/>
-    </dgm:linClrLst>
-    <dgm:effectClrLst/>
-    <dgm:txLinClrLst/>
-    <dgm:txFillClrLst meth="repeat">
-      <a:schemeClr val="tx1"/>
-    </dgm:txFillClrLst>
-    <dgm:txEffectClrLst/>
-  </dgm:styleLbl>
-  <dgm:styleLbl name="callout">
-    <dgm:fillClrLst meth="repeat">
-      <a:schemeClr val="accent2"/>
-    </dgm:fillClrLst>
-    <dgm:linClrLst meth="repeat">
-      <a:schemeClr val="accent2"/>
-    </dgm:linClrLst>
-    <dgm:effectClrLst/>
-    <dgm:txLinClrLst/>
-    <dgm:txFillClrLst meth="repeat">
-      <a:schemeClr val="tx1"/>
-    </dgm:txFillClrLst>
-    <dgm:txEffectClrLst/>
-  </dgm:styleLbl>
-  <dgm:styleLbl name="asst0">
-    <dgm:fillClrLst meth="repeat">
-      <a:schemeClr val="lt1"/>
-    </dgm:fillClrLst>
-    <dgm:linClrLst meth="repeat">
-      <a:schemeClr val="accent2">
-        <a:shade val="80000"/>
-      </a:schemeClr>
-    </dgm:linClrLst>
-    <dgm:effectClrLst/>
-    <dgm:txLinClrLst/>
-    <dgm:txFillClrLst meth="repeat">
-      <a:schemeClr val="dk1"/>
-    </dgm:txFillClrLst>
-    <dgm:txEffectClrLst/>
-  </dgm:styleLbl>
-  <dgm:styleLbl name="asst1">
-    <dgm:fillClrLst meth="repeat">
-      <a:schemeClr val="lt1"/>
-    </dgm:fillClrLst>
-    <dgm:linClrLst meth="repeat">
-      <a:schemeClr val="accent2">
-        <a:shade val="80000"/>
-      </a:schemeClr>
-    </dgm:linClrLst>
-    <dgm:effectClrLst/>
-    <dgm:txLinClrLst/>
-    <dgm:txFillClrLst meth="repeat">
-      <a:schemeClr val="dk1"/>
-    </dgm:txFillClrLst>
-    <dgm:txEffectClrLst/>
-  </dgm:styleLbl>
-  <dgm:styleLbl name="asst2">
-    <dgm:fillClrLst meth="repeat">
-      <a:schemeClr val="lt1"/>
-    </dgm:fillClrLst>
-    <dgm:linClrLst meth="repeat">
-      <a:schemeClr val="accent2">
-        <a:shade val="80000"/>
-      </a:schemeClr>
-    </dgm:linClrLst>
-    <dgm:effectClrLst/>
-    <dgm:txLinClrLst/>
-    <dgm:txFillClrLst meth="repeat">
-      <a:schemeClr val="dk1"/>
-    </dgm:txFillClrLst>
-    <dgm:txEffectClrLst/>
-  </dgm:styleLbl>
-  <dgm:styleLbl name="asst3">
-    <dgm:fillClrLst meth="repeat">
-      <a:schemeClr val="lt1"/>
-    </dgm:fillClrLst>
-    <dgm:linClrLst meth="repeat">
-      <a:schemeClr val="accent2">
-        <a:shade val="80000"/>
-      </a:schemeClr>
-    </dgm:linClrLst>
-    <dgm:effectClrLst/>
-    <dgm:txLinClrLst/>
-    <dgm:txFillClrLst meth="repeat">
-      <a:schemeClr val="dk1"/>
-    </dgm:txFillClrLst>
-    <dgm:txEffectClrLst/>
-  </dgm:styleLbl>
-  <dgm:styleLbl name="asst4">
-    <dgm:fillClrLst meth="repeat">
-      <a:schemeClr val="lt1"/>
-    </dgm:fillClrLst>
-    <dgm:linClrLst meth="repeat">
-      <a:schemeClr val="accent2">
-        <a:shade val="80000"/>
-      </a:schemeClr>
-    </dgm:linClrLst>
-    <dgm:effectClrLst/>
-    <dgm:txLinClrLst/>
-    <dgm:txFillClrLst meth="repeat">
-      <a:schemeClr val="dk1"/>
-    </dgm:txFillClrLst>
-    <dgm:txEffectClrLst/>
-  </dgm:styleLbl>
-  <dgm:styleLbl name="parChTrans2D1">
-    <dgm:fillClrLst meth="repeat">
-      <a:schemeClr val="accent2">
-        <a:tint val="60000"/>
-      </a:schemeClr>
-    </dgm:fillClrLst>
-    <dgm:linClrLst meth="repeat">
-      <a:schemeClr val="accent2">
-        <a:tint val="60000"/>
-      </a:schemeClr>
-    </dgm:linClrLst>
-    <dgm:effectClrLst/>
-    <dgm:txLinClrLst/>
-    <dgm:txFillClrLst/>
-    <dgm:txEffectClrLst/>
-  </dgm:styleLbl>
-  <dgm:styleLbl name="parChTrans2D2">
-    <dgm:fillClrLst meth="repeat">
-      <a:schemeClr val="accent2"/>
-    </dgm:fillClrLst>
-    <dgm:linClrLst meth="repeat">
-      <a:schemeClr val="accent2"/>
-    </dgm:linClrLst>
-    <dgm:effectClrLst/>
-    <dgm:txLinClrLst/>
-    <dgm:txFillClrLst/>
-    <dgm:txEffectClrLst/>
-  </dgm:styleLbl>
-  <dgm:styleLbl name="parChTrans2D3">
-    <dgm:fillClrLst meth="repeat">
-      <a:schemeClr val="accent2"/>
-    </dgm:fillClrLst>
-    <dgm:linClrLst meth="repeat">
-      <a:schemeClr val="accent2"/>
-    </dgm:linClrLst>
-    <dgm:effectClrLst/>
-    <dgm:txLinClrLst/>
-    <dgm:txFillClrLst/>
-    <dgm:txEffectClrLst/>
-  </dgm:styleLbl>
-  <dgm:styleLbl name="parChTrans2D4">
-    <dgm:fillClrLst meth="repeat">
-      <a:schemeClr val="accent2"/>
-    </dgm:fillClrLst>
-    <dgm:linClrLst meth="repeat">
-      <a:schemeClr val="accent2"/>
-    </dgm:linClrLst>
-    <dgm:effectClrLst/>
-    <dgm:txLinClrLst/>
-    <dgm:txFillClrLst meth="repeat">
-      <a:schemeClr val="lt1"/>
-    </dgm:txFillClrLst>
-    <dgm:txEffectClrLst/>
-  </dgm:styleLbl>
-  <dgm:styleLbl name="parChTrans1D1">
-    <dgm:fillClrLst meth="repeat">
-      <a:schemeClr val="accent2"/>
-    </dgm:fillClrLst>
-    <dgm:linClrLst meth="repeat">
-      <a:schemeClr val="accent2">
-        <a:shade val="60000"/>
-      </a:schemeClr>
-    </dgm:linClrLst>
-    <dgm:effectClrLst/>
-    <dgm:txLinClrLst/>
-    <dgm:txFillClrLst meth="repeat">
-      <a:schemeClr val="tx1"/>
-    </dgm:txFillClrLst>
-    <dgm:txEffectClrLst/>
-  </dgm:styleLbl>
-  <dgm:styleLbl name="parChTrans1D2">
-    <dgm:fillClrLst meth="repeat">
-      <a:schemeClr val="accent2"/>
-    </dgm:fillClrLst>
-    <dgm:linClrLst meth="repeat">
-      <a:schemeClr val="accent2">
-        <a:shade val="60000"/>
-      </a:schemeClr>
-    </dgm:linClrLst>
-    <dgm:effectClrLst/>
-    <dgm:txLinClrLst/>
-    <dgm:txFillClrLst meth="repeat">
-      <a:schemeClr val="tx1"/>
-    </dgm:txFillClrLst>
-    <dgm:txEffectClrLst/>
-  </dgm:styleLbl>
-  <dgm:styleLbl name="parChTrans1D3">
-    <dgm:fillClrLst meth="repeat">
-      <a:schemeClr val="accent2"/>
-    </dgm:fillClrLst>
-    <dgm:linClrLst meth="repeat">
-      <a:schemeClr val="accent2">
-        <a:shade val="80000"/>
-      </a:schemeClr>
-    </dgm:linClrLst>
-    <dgm:effectClrLst/>
-    <dgm:txLinClrLst/>
-    <dgm:txFillClrLst meth="repeat">
-      <a:schemeClr val="tx1"/>
-    </dgm:txFillClrLst>
-    <dgm:txEffectClrLst/>
-  </dgm:styleLbl>
-  <dgm:styleLbl name="parChTrans1D4">
-    <dgm:fillClrLst meth="repeat">
-      <a:schemeClr val="accent2"/>
-    </dgm:fillClrLst>
-    <dgm:linClrLst meth="repeat">
-      <a:schemeClr val="accent2">
-        <a:shade val="80000"/>
-      </a:schemeClr>
-    </dgm:linClrLst>
-    <dgm:effectClrLst/>
-    <dgm:txLinClrLst/>
-    <dgm:txFillClrLst meth="repeat">
-      <a:schemeClr val="tx1"/>
-    </dgm:txFillClrLst>
-    <dgm:txEffectClrLst/>
-  </dgm:styleLbl>
-  <dgm:styleLbl name="fgAcc1">
-    <dgm:fillClrLst meth="repeat">
-      <a:schemeClr val="accent2">
-        <a:alpha val="90000"/>
-        <a:tint val="40000"/>
-      </a:schemeClr>
-    </dgm:fillClrLst>
-    <dgm:linClrLst meth="repeat">
-      <a:schemeClr val="accent2"/>
-    </dgm:linClrLst>
-    <dgm:effectClrLst/>
-    <dgm:txLinClrLst/>
-    <dgm:txFillClrLst meth="repeat">
-      <a:schemeClr val="dk1"/>
-    </dgm:txFillClrLst>
-    <dgm:txEffectClrLst/>
-  </dgm:styleLbl>
-  <dgm:styleLbl name="conFgAcc1">
-    <dgm:fillClrLst meth="repeat">
-      <a:schemeClr val="accent2">
-        <a:alpha val="90000"/>
-        <a:tint val="40000"/>
-      </a:schemeClr>
-    </dgm:fillClrLst>
-    <dgm:linClrLst meth="repeat">
-      <a:schemeClr val="accent2"/>
-    </dgm:linClrLst>
-    <dgm:effectClrLst/>
-    <dgm:txLinClrLst/>
-    <dgm:txFillClrLst meth="repeat">
-      <a:schemeClr val="dk1"/>
-    </dgm:txFillClrLst>
-    <dgm:txEffectClrLst/>
-  </dgm:styleLbl>
-  <dgm:styleLbl name="alignAcc1">
-    <dgm:fillClrLst meth="repeat">
-      <a:schemeClr val="accent2">
-        <a:alpha val="90000"/>
-        <a:tint val="40000"/>
-      </a:schemeClr>
-    </dgm:fillClrLst>
-    <dgm:linClrLst meth="repeat">
-      <a:schemeClr val="accent2"/>
-    </dgm:linClrLst>
-    <dgm:effectClrLst/>
-    <dgm:txLinClrLst/>
-    <dgm:txFillClrLst meth="repeat">
-      <a:schemeClr val="dk1"/>
-    </dgm:txFillClrLst>
-    <dgm:txEffectClrLst/>
-  </dgm:styleLbl>
-  <dgm:styleLbl name="trAlignAcc1">
-    <dgm:fillClrLst meth="repeat">
-      <a:schemeClr val="accent2">
-        <a:alpha val="40000"/>
-        <a:tint val="40000"/>
-      </a:schemeClr>
-    </dgm:fillClrLst>
-    <dgm:linClrLst meth="repeat">
-      <a:schemeClr val="accent2"/>
-    </dgm:linClrLst>
-    <dgm:effectClrLst/>
-    <dgm:txLinClrLst/>
-    <dgm:txFillClrLst meth="repeat">
-      <a:schemeClr val="dk1"/>
-    </dgm:txFillClrLst>
-    <dgm:txEffectClrLst/>
-  </dgm:styleLbl>
-  <dgm:styleLbl name="bgAcc1">
-    <dgm:fillClrLst meth="repeat">
-      <a:schemeClr val="accent2">
-        <a:alpha val="90000"/>
-        <a:tint val="40000"/>
-      </a:schemeClr>
-    </dgm:fillClrLst>
-    <dgm:linClrLst meth="repeat">
-      <a:schemeClr val="accent2"/>
-    </dgm:linClrLst>
-    <dgm:effectClrLst/>
-    <dgm:txLinClrLst/>
-    <dgm:txFillClrLst meth="repeat">
-      <a:schemeClr val="dk1"/>
-    </dgm:txFillClrLst>
-    <dgm:txEffectClrLst/>
-  </dgm:styleLbl>
-  <dgm:styleLbl name="solidFgAcc1">
-    <dgm:fillClrLst meth="repeat">
-      <a:schemeClr val="lt1"/>
-    </dgm:fillClrLst>
-    <dgm:linClrLst meth="repeat">
-      <a:schemeClr val="accent2"/>
-    </dgm:linClrLst>
-    <dgm:effectClrLst/>
-    <dgm:txLinClrLst/>
-    <dgm:txFillClrLst meth="repeat">
-      <a:schemeClr val="dk1"/>
-    </dgm:txFillClrLst>
-    <dgm:txEffectClrLst/>
-  </dgm:styleLbl>
-  <dgm:styleLbl name="solidAlignAcc1">
-    <dgm:fillClrLst meth="repeat">
-      <a:schemeClr val="lt1"/>
-    </dgm:fillClrLst>
-    <dgm:linClrLst meth="repeat">
-      <a:schemeClr val="accent2"/>
-    </dgm:linClrLst>
-    <dgm:effectClrLst/>
-    <dgm:txLinClrLst/>
-    <dgm:txFillClrLst meth="repeat">
-      <a:schemeClr val="dk1"/>
-    </dgm:txFillClrLst>
-    <dgm:txEffectClrLst/>
-  </dgm:styleLbl>
-  <dgm:styleLbl name="solidBgAcc1">
-    <dgm:fillClrLst meth="repeat">
-      <a:schemeClr val="lt1"/>
-    </dgm:fillClrLst>
-    <dgm:linClrLst meth="repeat">
-      <a:schemeClr val="accent2"/>
-    </dgm:linClrLst>
-    <dgm:effectClrLst/>
-    <dgm:txLinClrLst/>
-    <dgm:txFillClrLst meth="repeat">
-      <a:schemeClr val="dk1"/>
-    </dgm:txFillClrLst>
-    <dgm:txEffectClrLst/>
-  </dgm:styleLbl>
-  <dgm:styleLbl name="fgAccFollowNode1">
-    <dgm:fillClrLst meth="repeat">
-      <a:schemeClr val="lt1">
-        <a:alpha val="90000"/>
-        <a:tint val="40000"/>
-      </a:schemeClr>
-    </dgm:fillClrLst>
-    <dgm:linClrLst meth="repeat">
-      <a:schemeClr val="accent2">
-        <a:alpha val="90000"/>
-      </a:schemeClr>
-    </dgm:linClrLst>
-    <dgm:effectClrLst/>
-    <dgm:txLinClrLst/>
-    <dgm:txFillClrLst meth="repeat">
-      <a:schemeClr val="dk1"/>
-    </dgm:txFillClrLst>
-    <dgm:txEffectClrLst/>
-  </dgm:styleLbl>
-  <dgm:styleLbl name="alignAccFollowNode1">
-    <dgm:fillClrLst meth="repeat">
-      <a:schemeClr val="lt1">
-        <a:alpha val="90000"/>
-        <a:tint val="40000"/>
-      </a:schemeClr>
-    </dgm:fillClrLst>
-    <dgm:linClrLst meth="repeat">
-      <a:schemeClr val="accent2">
-        <a:alpha val="90000"/>
-      </a:schemeClr>
-    </dgm:linClrLst>
-    <dgm:effectClrLst/>
-    <dgm:txLinClrLst/>
-    <dgm:txFillClrLst meth="repeat">
-      <a:schemeClr val="dk1"/>
-    </dgm:txFillClrLst>
-    <dgm:txEffectClrLst/>
-  </dgm:styleLbl>
-  <dgm:styleLbl name="bgAccFollowNode1">
-    <dgm:fillClrLst meth="repeat">
-      <a:schemeClr val="lt1">
-        <a:alpha val="90000"/>
-        <a:tint val="40000"/>
-      </a:schemeClr>
-    </dgm:fillClrLst>
-    <dgm:linClrLst meth="repeat">
-      <a:schemeClr val="accent2">
-        <a:alpha val="90000"/>
-      </a:schemeClr>
-    </dgm:linClrLst>
-    <dgm:effectClrLst/>
-    <dgm:txLinClrLst/>
-    <dgm:txFillClrLst meth="repeat">
-      <a:schemeClr val="dk1"/>
-    </dgm:txFillClrLst>
-    <dgm:txEffectClrLst/>
-  </dgm:styleLbl>
-  <dgm:styleLbl name="fgAcc0">
-    <dgm:fillClrLst meth="repeat">
-      <a:schemeClr val="accent2">
-        <a:alpha val="90000"/>
-        <a:tint val="40000"/>
-      </a:schemeClr>
-    </dgm:fillClrLst>
-    <dgm:linClrLst meth="repeat">
-      <a:schemeClr val="accent2"/>
-    </dgm:linClrLst>
-    <dgm:effectClrLst/>
-    <dgm:txLinClrLst/>
-    <dgm:txFillClrLst meth="repeat">
-      <a:schemeClr val="dk1"/>
-    </dgm:txFillClrLst>
-    <dgm:txEffectClrLst/>
-  </dgm:styleLbl>
-  <dgm:styleLbl name="fgAcc2">
-    <dgm:fillClrLst meth="repeat">
-      <a:schemeClr val="accent2">
-        <a:alpha val="90000"/>
-        <a:tint val="40000"/>
-      </a:schemeClr>
-    </dgm:fillClrLst>
-    <dgm:linClrLst meth="repeat">
-      <a:schemeClr val="accent2"/>
-    </dgm:linClrLst>
-    <dgm:effectClrLst/>
-    <dgm:txLinClrLst/>
-    <dgm:txFillClrLst meth="repeat">
-      <a:schemeClr val="dk1"/>
-    </dgm:txFillClrLst>
-    <dgm:txEffectClrLst/>
-  </dgm:styleLbl>
-  <dgm:styleLbl name="fgAcc3">
-    <dgm:fillClrLst meth="repeat">
-      <a:schemeClr val="accent2">
-        <a:alpha val="90000"/>
-        <a:tint val="40000"/>
-      </a:schemeClr>
-    </dgm:fillClrLst>
-    <dgm:linClrLst meth="repeat">
-      <a:schemeClr val="accent2"/>
-    </dgm:linClrLst>
-    <dgm:effectClrLst/>
-    <dgm:txLinClrLst/>
-    <dgm:txFillClrLst meth="repeat">
-      <a:schemeClr val="dk1"/>
-    </dgm:txFillClrLst>
-    <dgm:txEffectClrLst/>
-  </dgm:styleLbl>
-  <dgm:styleLbl name="fgAcc4">
-    <dgm:fillClrLst meth="repeat">
-      <a:schemeClr val="accent2">
-        <a:alpha val="90000"/>
-        <a:tint val="40000"/>
-      </a:schemeClr>
-    </dgm:fillClrLst>
-    <dgm:linClrLst meth="repeat">
-      <a:schemeClr val="accent2"/>
-    </dgm:linClrLst>
-    <dgm:effectClrLst/>
-    <dgm:txLinClrLst/>
-    <dgm:txFillClrLst meth="repeat">
-      <a:schemeClr val="dk1"/>
-    </dgm:txFillClrLst>
-    <dgm:txEffectClrLst/>
-  </dgm:styleLbl>
-  <dgm:styleLbl name="bgShp">
-    <dgm:fillClrLst meth="repeat">
-      <a:schemeClr val="accent2">
-        <a:tint val="40000"/>
-      </a:schemeClr>
-    </dgm:fillClrLst>
-    <dgm:linClrLst meth="repeat">
-      <a:schemeClr val="accent2"/>
-    </dgm:linClrLst>
-    <dgm:effectClrLst/>
-    <dgm:txLinClrLst/>
-    <dgm:txFillClrLst meth="repeat">
-      <a:schemeClr val="dk1"/>
-    </dgm:txFillClrLst>
-    <dgm:txEffectClrLst/>
-  </dgm:styleLbl>
-  <dgm:styleLbl name="dkBgShp">
-    <dgm:fillClrLst meth="repeat">
-      <a:schemeClr val="accent2">
-        <a:shade val="80000"/>
-      </a:schemeClr>
-    </dgm:fillClrLst>
-    <dgm:linClrLst meth="repeat">
-      <a:schemeClr val="accent2"/>
-    </dgm:linClrLst>
-    <dgm:effectClrLst/>
-    <dgm:txLinClrLst/>
-    <dgm:txFillClrLst meth="repeat">
-      <a:schemeClr val="lt1"/>
-    </dgm:txFillClrLst>
-    <dgm:txEffectClrLst/>
-  </dgm:styleLbl>
-  <dgm:styleLbl name="trBgShp">
-    <dgm:fillClrLst meth="repeat">
-      <a:schemeClr val="accent2">
-        <a:tint val="50000"/>
-        <a:alpha val="40000"/>
-      </a:schemeClr>
-    </dgm:fillClrLst>
-    <dgm:linClrLst meth="repeat">
-      <a:schemeClr val="accent2"/>
-    </dgm:linClrLst>
-    <dgm:effectClrLst/>
-    <dgm:txLinClrLst/>
-    <dgm:txFillClrLst meth="repeat">
-      <a:schemeClr val="lt1"/>
-    </dgm:txFillClrLst>
-    <dgm:txEffectClrLst/>
-  </dgm:styleLbl>
   <dgm:styleLbl name="fgShp">
     <dgm:fillClrLst meth="repeat">
-      <a:schemeClr val="accent2">
+      <a:schemeClr val="accent1">
         <a:tint val="60000"/>
       </a:schemeClr>
     </dgm:fillClrLst>
@@ -5401,13 +5340,549 @@
   <dgm:whole/>
   <dgm:extLst>
     <a:ext uri="http://schemas.microsoft.com/office/drawing/2008/diagram">
-      <dsp:dataModelExt xmlns:dsp="http://schemas.microsoft.com/office/drawing/2008/diagram" xmlns="" relId="rId6" minVer="http://schemas.openxmlformats.org/drawingml/2006/diagram"/>
+      <dsp:dataModelExt xmlns="" xmlns:dsp="http://schemas.microsoft.com/office/drawing/2008/diagram" relId="rId6" minVer="http://schemas.openxmlformats.org/drawingml/2006/diagram"/>
     </a:ext>
   </dgm:extLst>
 </dgm:dataModel>
 </file>
 
 <file path=ppt/diagrams/data2.xml><?xml version="1.0" encoding="utf-8"?>
+<dgm:dataModel xmlns:dgm="http://schemas.openxmlformats.org/drawingml/2006/diagram" xmlns:a="http://schemas.openxmlformats.org/drawingml/2006/main">
+  <dgm:ptLst>
+    <dgm:pt modelId="{09E1FA74-CAD4-4D8F-8C9F-47DB10A12E4C}" type="doc">
+      <dgm:prSet loTypeId="urn:microsoft.com/office/officeart/2005/8/layout/target2" loCatId="relationship" qsTypeId="urn:microsoft.com/office/officeart/2005/8/quickstyle/3d8" qsCatId="3D" csTypeId="urn:microsoft.com/office/officeart/2005/8/colors/accent1_2" csCatId="accent1" phldr="1"/>
+      <dgm:spPr/>
+      <dgm:t>
+        <a:bodyPr/>
+        <a:lstStyle/>
+        <a:p>
+          <a:endParaRPr lang="pt-BR"/>
+        </a:p>
+      </dgm:t>
+    </dgm:pt>
+    <dgm:pt modelId="{B41D75AE-2A29-4277-8DBB-D5E9CED79C4D}">
+      <dgm:prSet phldrT="[Texto]" custT="1"/>
+      <dgm:spPr/>
+      <dgm:t>
+        <a:bodyPr/>
+        <a:lstStyle/>
+        <a:p>
+          <a:r>
+            <a:rPr lang="pt-BR" sz="4400" b="1" dirty="0" smtClean="0">
+              <a:latin typeface="+mn-lt"/>
+            </a:rPr>
+            <a:t>Cenário atual</a:t>
+          </a:r>
+          <a:endParaRPr lang="pt-BR" sz="4400" b="1" dirty="0">
+            <a:latin typeface="+mn-lt"/>
+          </a:endParaRPr>
+        </a:p>
+      </dgm:t>
+    </dgm:pt>
+    <dgm:pt modelId="{E4BA2DF7-CD16-40C5-8D39-63D87AB06BAE}" type="parTrans" cxnId="{925D1D41-F295-4BF5-8F35-6B0283EB1660}">
+      <dgm:prSet/>
+      <dgm:spPr/>
+      <dgm:t>
+        <a:bodyPr/>
+        <a:lstStyle/>
+        <a:p>
+          <a:endParaRPr lang="pt-BR"/>
+        </a:p>
+      </dgm:t>
+    </dgm:pt>
+    <dgm:pt modelId="{49219BB6-AF08-4355-8AAC-CB63EB613BD5}" type="sibTrans" cxnId="{925D1D41-F295-4BF5-8F35-6B0283EB1660}">
+      <dgm:prSet/>
+      <dgm:spPr/>
+      <dgm:t>
+        <a:bodyPr/>
+        <a:lstStyle/>
+        <a:p>
+          <a:endParaRPr lang="pt-BR"/>
+        </a:p>
+      </dgm:t>
+    </dgm:pt>
+    <dgm:pt modelId="{3973E519-921D-4357-808F-65EA81567642}">
+      <dgm:prSet phldrT="[Texto]" custT="1"/>
+      <dgm:spPr/>
+      <dgm:t>
+        <a:bodyPr/>
+        <a:lstStyle/>
+        <a:p>
+          <a:r>
+            <a:rPr lang="pt-BR" sz="1600" b="1" smtClean="0"/>
+            <a:t>Fragmentação de  históricos de dados</a:t>
+          </a:r>
+          <a:endParaRPr lang="pt-BR" sz="1600" dirty="0"/>
+        </a:p>
+      </dgm:t>
+    </dgm:pt>
+    <dgm:pt modelId="{74AF20CE-7799-4C8E-A894-EE0C2D449A5F}" type="parTrans" cxnId="{762F7717-D26E-4D1C-A6FD-498F6E1B02A3}">
+      <dgm:prSet/>
+      <dgm:spPr/>
+      <dgm:t>
+        <a:bodyPr/>
+        <a:lstStyle/>
+        <a:p>
+          <a:endParaRPr lang="pt-BR"/>
+        </a:p>
+      </dgm:t>
+    </dgm:pt>
+    <dgm:pt modelId="{ED0B01CC-F5BD-4E3D-9811-96F476147302}" type="sibTrans" cxnId="{762F7717-D26E-4D1C-A6FD-498F6E1B02A3}">
+      <dgm:prSet/>
+      <dgm:spPr/>
+      <dgm:t>
+        <a:bodyPr/>
+        <a:lstStyle/>
+        <a:p>
+          <a:endParaRPr lang="pt-BR"/>
+        </a:p>
+      </dgm:t>
+    </dgm:pt>
+    <dgm:pt modelId="{25E09C33-42FD-4F52-8CB0-452BF541B7EE}">
+      <dgm:prSet phldrT="[Texto]" custT="1"/>
+      <dgm:spPr/>
+      <dgm:t>
+        <a:bodyPr/>
+        <a:lstStyle/>
+        <a:p>
+          <a:r>
+            <a:rPr lang="pt-BR" sz="1600" b="1" dirty="0" smtClean="0"/>
+            <a:t>Consultas  com pouco ou nenhum sucesso</a:t>
+          </a:r>
+          <a:endParaRPr lang="pt-BR" sz="1600" b="1" dirty="0"/>
+        </a:p>
+      </dgm:t>
+    </dgm:pt>
+    <dgm:pt modelId="{2E5C60CF-085B-4C66-A01B-83A3AF9AC5CE}" type="parTrans" cxnId="{2FFE2D2F-5254-486D-A83F-5A8A96275BDB}">
+      <dgm:prSet/>
+      <dgm:spPr/>
+      <dgm:t>
+        <a:bodyPr/>
+        <a:lstStyle/>
+        <a:p>
+          <a:endParaRPr lang="pt-BR"/>
+        </a:p>
+      </dgm:t>
+    </dgm:pt>
+    <dgm:pt modelId="{F9299BC1-DA27-4702-A02B-E2D61037A6E5}" type="sibTrans" cxnId="{2FFE2D2F-5254-486D-A83F-5A8A96275BDB}">
+      <dgm:prSet/>
+      <dgm:spPr/>
+      <dgm:t>
+        <a:bodyPr/>
+        <a:lstStyle/>
+        <a:p>
+          <a:endParaRPr lang="pt-BR"/>
+        </a:p>
+      </dgm:t>
+    </dgm:pt>
+    <dgm:pt modelId="{22AB3F71-BC8F-4768-888B-F6E1856CFD5B}">
+      <dgm:prSet phldrT="[Texto]" custT="1"/>
+      <dgm:spPr/>
+      <dgm:t>
+        <a:bodyPr/>
+        <a:lstStyle/>
+        <a:p>
+          <a:r>
+            <a:rPr lang="pt-BR" sz="4400" b="1" dirty="0" smtClean="0">
+              <a:latin typeface="+mn-lt"/>
+            </a:rPr>
+            <a:t>Conseqüências</a:t>
+          </a:r>
+          <a:endParaRPr lang="pt-BR" sz="4400" b="1" dirty="0">
+            <a:latin typeface="+mn-lt"/>
+          </a:endParaRPr>
+        </a:p>
+      </dgm:t>
+    </dgm:pt>
+    <dgm:pt modelId="{C9F02517-C147-4C66-A0F0-11E0F557FBA6}" type="sibTrans" cxnId="{47F9B3B4-FA63-45BD-B156-69D5C1732BE8}">
+      <dgm:prSet/>
+      <dgm:spPr/>
+      <dgm:t>
+        <a:bodyPr/>
+        <a:lstStyle/>
+        <a:p>
+          <a:endParaRPr lang="pt-BR"/>
+        </a:p>
+      </dgm:t>
+    </dgm:pt>
+    <dgm:pt modelId="{72548C30-62AA-4264-A91B-6E316ED2D1D5}" type="parTrans" cxnId="{47F9B3B4-FA63-45BD-B156-69D5C1732BE8}">
+      <dgm:prSet/>
+      <dgm:spPr/>
+      <dgm:t>
+        <a:bodyPr/>
+        <a:lstStyle/>
+        <a:p>
+          <a:endParaRPr lang="pt-BR"/>
+        </a:p>
+      </dgm:t>
+    </dgm:pt>
+    <dgm:pt modelId="{2B94917F-01CC-4A71-9A16-8FAE36546B5C}">
+      <dgm:prSet phldrT="[Texto]" custT="1"/>
+      <dgm:spPr/>
+      <dgm:t>
+        <a:bodyPr/>
+        <a:lstStyle/>
+        <a:p>
+          <a:r>
+            <a:rPr lang="pt-BR" sz="1600" b="1" dirty="0" smtClean="0"/>
+            <a:t>Dificuldades no controles de atividades</a:t>
+          </a:r>
+          <a:endParaRPr lang="pt-BR" sz="1600" b="1" dirty="0"/>
+        </a:p>
+      </dgm:t>
+    </dgm:pt>
+    <dgm:pt modelId="{417D8286-04D5-40B8-9DD8-FB9B660136A4}" type="parTrans" cxnId="{600AD4AE-0545-4933-B03C-C176DBDB557C}">
+      <dgm:prSet/>
+      <dgm:spPr/>
+      <dgm:t>
+        <a:bodyPr/>
+        <a:lstStyle/>
+        <a:p>
+          <a:endParaRPr lang="pt-BR"/>
+        </a:p>
+      </dgm:t>
+    </dgm:pt>
+    <dgm:pt modelId="{9159FC4B-5B3E-42A2-871F-1D19B3560545}" type="sibTrans" cxnId="{600AD4AE-0545-4933-B03C-C176DBDB557C}">
+      <dgm:prSet/>
+      <dgm:spPr/>
+      <dgm:t>
+        <a:bodyPr/>
+        <a:lstStyle/>
+        <a:p>
+          <a:endParaRPr lang="pt-BR"/>
+        </a:p>
+      </dgm:t>
+    </dgm:pt>
+    <dgm:pt modelId="{1119A085-6F07-46C4-B85B-D1CE300590BF}">
+      <dgm:prSet phldrT="[Texto]" custT="1"/>
+      <dgm:spPr/>
+      <dgm:t>
+        <a:bodyPr/>
+        <a:lstStyle/>
+        <a:p>
+          <a:r>
+            <a:rPr lang="pt-BR" sz="1600" b="1" dirty="0" smtClean="0"/>
+            <a:t>Falta de uma base de dados referencia </a:t>
+          </a:r>
+          <a:endParaRPr lang="pt-BR" sz="1600" b="1" dirty="0"/>
+        </a:p>
+      </dgm:t>
+    </dgm:pt>
+    <dgm:pt modelId="{A201BA82-5ACD-41C4-A756-1020B1F24B4A}" type="parTrans" cxnId="{B2FC2E59-E0BF-4CD3-9D3D-E86B294BD972}">
+      <dgm:prSet/>
+      <dgm:spPr/>
+      <dgm:t>
+        <a:bodyPr/>
+        <a:lstStyle/>
+        <a:p>
+          <a:endParaRPr lang="pt-BR"/>
+        </a:p>
+      </dgm:t>
+    </dgm:pt>
+    <dgm:pt modelId="{5B1107D9-A94B-4373-8B80-400FA79466AA}" type="sibTrans" cxnId="{B2FC2E59-E0BF-4CD3-9D3D-E86B294BD972}">
+      <dgm:prSet/>
+      <dgm:spPr/>
+      <dgm:t>
+        <a:bodyPr/>
+        <a:lstStyle/>
+        <a:p>
+          <a:endParaRPr lang="pt-BR"/>
+        </a:p>
+      </dgm:t>
+    </dgm:pt>
+    <dgm:pt modelId="{9386B31C-5E45-4E23-9545-29E102B9F75C}">
+      <dgm:prSet phldrT="[Texto]" custT="1"/>
+      <dgm:spPr/>
+      <dgm:t>
+        <a:bodyPr/>
+        <a:lstStyle/>
+        <a:p>
+          <a:r>
+            <a:rPr lang="pt-BR" sz="1600" b="1" dirty="0" smtClean="0"/>
+            <a:t>Excesso de processos manuais</a:t>
+          </a:r>
+          <a:endParaRPr lang="pt-BR" sz="1600" b="1" dirty="0"/>
+        </a:p>
+      </dgm:t>
+    </dgm:pt>
+    <dgm:pt modelId="{E5DE2FC0-1550-46BE-897B-AE2B5F4C4F50}" type="parTrans" cxnId="{4162AF35-F4B6-484B-85F5-7EA768BB9E8E}">
+      <dgm:prSet/>
+      <dgm:spPr/>
+      <dgm:t>
+        <a:bodyPr/>
+        <a:lstStyle/>
+        <a:p>
+          <a:endParaRPr lang="pt-BR"/>
+        </a:p>
+      </dgm:t>
+    </dgm:pt>
+    <dgm:pt modelId="{81D5BC8E-7E40-419C-B9FD-4110FCC5033E}" type="sibTrans" cxnId="{4162AF35-F4B6-484B-85F5-7EA768BB9E8E}">
+      <dgm:prSet/>
+      <dgm:spPr/>
+      <dgm:t>
+        <a:bodyPr/>
+        <a:lstStyle/>
+        <a:p>
+          <a:endParaRPr lang="pt-BR"/>
+        </a:p>
+      </dgm:t>
+    </dgm:pt>
+    <dgm:pt modelId="{FD0A912F-A5FF-4195-8F6E-F1107C247D33}" type="pres">
+      <dgm:prSet presAssocID="{09E1FA74-CAD4-4D8F-8C9F-47DB10A12E4C}" presName="Name0" presStyleCnt="0">
+        <dgm:presLayoutVars>
+          <dgm:chMax val="3"/>
+          <dgm:chPref val="1"/>
+          <dgm:dir/>
+          <dgm:animLvl val="lvl"/>
+          <dgm:resizeHandles/>
+        </dgm:presLayoutVars>
+      </dgm:prSet>
+      <dgm:spPr/>
+      <dgm:t>
+        <a:bodyPr/>
+        <a:lstStyle/>
+        <a:p>
+          <a:endParaRPr lang="pt-BR"/>
+        </a:p>
+      </dgm:t>
+    </dgm:pt>
+    <dgm:pt modelId="{773AB8ED-F4AA-404C-834D-C3DDB163AC49}" type="pres">
+      <dgm:prSet presAssocID="{09E1FA74-CAD4-4D8F-8C9F-47DB10A12E4C}" presName="outerBox" presStyleCnt="0"/>
+      <dgm:spPr/>
+      <dgm:t>
+        <a:bodyPr/>
+        <a:lstStyle/>
+        <a:p>
+          <a:endParaRPr lang="pt-BR"/>
+        </a:p>
+      </dgm:t>
+    </dgm:pt>
+    <dgm:pt modelId="{C26A6EA6-0081-4BE7-88AC-DA923A48049B}" type="pres">
+      <dgm:prSet presAssocID="{09E1FA74-CAD4-4D8F-8C9F-47DB10A12E4C}" presName="outerBoxParent" presStyleLbl="node1" presStyleIdx="0" presStyleCnt="2" custLinFactNeighborX="4069" custLinFactNeighborY="348"/>
+      <dgm:spPr/>
+      <dgm:t>
+        <a:bodyPr/>
+        <a:lstStyle/>
+        <a:p>
+          <a:endParaRPr lang="pt-BR"/>
+        </a:p>
+      </dgm:t>
+    </dgm:pt>
+    <dgm:pt modelId="{40631DF0-C0BD-4F09-8B85-05530F809995}" type="pres">
+      <dgm:prSet presAssocID="{09E1FA74-CAD4-4D8F-8C9F-47DB10A12E4C}" presName="outerBoxChildren" presStyleCnt="0"/>
+      <dgm:spPr/>
+      <dgm:t>
+        <a:bodyPr/>
+        <a:lstStyle/>
+        <a:p>
+          <a:endParaRPr lang="pt-BR"/>
+        </a:p>
+      </dgm:t>
+    </dgm:pt>
+    <dgm:pt modelId="{55454349-EAF4-470E-BBAA-D434698917ED}" type="pres">
+      <dgm:prSet presAssocID="{2B94917F-01CC-4A71-9A16-8FAE36546B5C}" presName="oChild" presStyleLbl="fgAcc1" presStyleIdx="0" presStyleCnt="5" custScaleX="214731" custScaleY="41769" custLinFactNeighborX="56977" custLinFactNeighborY="-22830">
+        <dgm:presLayoutVars>
+          <dgm:bulletEnabled val="1"/>
+        </dgm:presLayoutVars>
+      </dgm:prSet>
+      <dgm:spPr>
+        <a:prstGeom prst="flowChartDisplay">
+          <a:avLst/>
+        </a:prstGeom>
+      </dgm:spPr>
+      <dgm:t>
+        <a:bodyPr/>
+        <a:lstStyle/>
+        <a:p>
+          <a:endParaRPr lang="pt-BR"/>
+        </a:p>
+      </dgm:t>
+    </dgm:pt>
+    <dgm:pt modelId="{CA1FC550-1840-448D-BD3E-77FE09C2581F}" type="pres">
+      <dgm:prSet presAssocID="{9159FC4B-5B3E-42A2-871F-1D19B3560545}" presName="outerSibTrans" presStyleCnt="0"/>
+      <dgm:spPr/>
+      <dgm:t>
+        <a:bodyPr/>
+        <a:lstStyle/>
+        <a:p>
+          <a:endParaRPr lang="pt-BR"/>
+        </a:p>
+      </dgm:t>
+    </dgm:pt>
+    <dgm:pt modelId="{10DC5E61-068F-4913-9663-325D256495C3}" type="pres">
+      <dgm:prSet presAssocID="{1119A085-6F07-46C4-B85B-D1CE300590BF}" presName="oChild" presStyleLbl="fgAcc1" presStyleIdx="1" presStyleCnt="5" custScaleX="214731" custScaleY="41769" custLinFactNeighborX="56977" custLinFactNeighborY="-12127">
+        <dgm:presLayoutVars>
+          <dgm:bulletEnabled val="1"/>
+        </dgm:presLayoutVars>
+      </dgm:prSet>
+      <dgm:spPr>
+        <a:prstGeom prst="flowChartDisplay">
+          <a:avLst/>
+        </a:prstGeom>
+      </dgm:spPr>
+      <dgm:t>
+        <a:bodyPr/>
+        <a:lstStyle/>
+        <a:p>
+          <a:endParaRPr lang="pt-BR"/>
+        </a:p>
+      </dgm:t>
+    </dgm:pt>
+    <dgm:pt modelId="{9D009C0A-DC49-4FB9-8035-CFE162EBF8B3}" type="pres">
+      <dgm:prSet presAssocID="{5B1107D9-A94B-4373-8B80-400FA79466AA}" presName="outerSibTrans" presStyleCnt="0"/>
+      <dgm:spPr/>
+      <dgm:t>
+        <a:bodyPr/>
+        <a:lstStyle/>
+        <a:p>
+          <a:endParaRPr lang="pt-BR"/>
+        </a:p>
+      </dgm:t>
+    </dgm:pt>
+    <dgm:pt modelId="{F8CD597C-AF41-4911-8CDE-B209DEFA8EFC}" type="pres">
+      <dgm:prSet presAssocID="{9386B31C-5E45-4E23-9545-29E102B9F75C}" presName="oChild" presStyleLbl="fgAcc1" presStyleIdx="2" presStyleCnt="5" custScaleX="214731" custScaleY="41769" custLinFactNeighborX="56977" custLinFactNeighborY="-1424">
+        <dgm:presLayoutVars>
+          <dgm:bulletEnabled val="1"/>
+        </dgm:presLayoutVars>
+      </dgm:prSet>
+      <dgm:spPr>
+        <a:prstGeom prst="flowChartDisplay">
+          <a:avLst/>
+        </a:prstGeom>
+      </dgm:spPr>
+      <dgm:t>
+        <a:bodyPr/>
+        <a:lstStyle/>
+        <a:p>
+          <a:endParaRPr lang="pt-BR"/>
+        </a:p>
+      </dgm:t>
+    </dgm:pt>
+    <dgm:pt modelId="{FF808A2F-0229-448C-A3CC-A68AD4541AE0}" type="pres">
+      <dgm:prSet presAssocID="{09E1FA74-CAD4-4D8F-8C9F-47DB10A12E4C}" presName="middleBox" presStyleCnt="0"/>
+      <dgm:spPr/>
+      <dgm:t>
+        <a:bodyPr/>
+        <a:lstStyle/>
+        <a:p>
+          <a:endParaRPr lang="pt-BR"/>
+        </a:p>
+      </dgm:t>
+    </dgm:pt>
+    <dgm:pt modelId="{51DE05A1-F310-4AD4-BD2A-E814179084C5}" type="pres">
+      <dgm:prSet presAssocID="{09E1FA74-CAD4-4D8F-8C9F-47DB10A12E4C}" presName="middleBoxParent" presStyleLbl="node1" presStyleIdx="1" presStyleCnt="2" custScaleX="80419" custScaleY="103559" custLinFactNeighborX="10611" custLinFactNeighborY="3169"/>
+      <dgm:spPr/>
+      <dgm:t>
+        <a:bodyPr/>
+        <a:lstStyle/>
+        <a:p>
+          <a:endParaRPr lang="pt-BR"/>
+        </a:p>
+      </dgm:t>
+    </dgm:pt>
+    <dgm:pt modelId="{5A816AC3-B5D5-4277-8DF0-2E4895570095}" type="pres">
+      <dgm:prSet presAssocID="{09E1FA74-CAD4-4D8F-8C9F-47DB10A12E4C}" presName="middleBoxChildren" presStyleCnt="0"/>
+      <dgm:spPr/>
+      <dgm:t>
+        <a:bodyPr/>
+        <a:lstStyle/>
+        <a:p>
+          <a:endParaRPr lang="pt-BR"/>
+        </a:p>
+      </dgm:t>
+    </dgm:pt>
+    <dgm:pt modelId="{7FBFBAC4-2975-4795-ADC7-4B54CCBAEAB1}" type="pres">
+      <dgm:prSet presAssocID="{3973E519-921D-4357-808F-65EA81567642}" presName="mChild" presStyleLbl="fgAcc1" presStyleIdx="3" presStyleCnt="5" custScaleX="38307" custScaleY="71368" custLinFactX="19249" custLinFactNeighborX="100000" custLinFactNeighborY="-691">
+        <dgm:presLayoutVars>
+          <dgm:bulletEnabled val="1"/>
+        </dgm:presLayoutVars>
+      </dgm:prSet>
+      <dgm:spPr>
+        <a:prstGeom prst="flowChartDisplay">
+          <a:avLst/>
+        </a:prstGeom>
+      </dgm:spPr>
+      <dgm:t>
+        <a:bodyPr/>
+        <a:lstStyle/>
+        <a:p>
+          <a:endParaRPr lang="pt-BR"/>
+        </a:p>
+      </dgm:t>
+    </dgm:pt>
+    <dgm:pt modelId="{380C533E-C74C-4832-9E8A-669287DCE079}" type="pres">
+      <dgm:prSet presAssocID="{ED0B01CC-F5BD-4E3D-9811-96F476147302}" presName="middleSibTrans" presStyleCnt="0"/>
+      <dgm:spPr/>
+      <dgm:t>
+        <a:bodyPr/>
+        <a:lstStyle/>
+        <a:p>
+          <a:endParaRPr lang="pt-BR"/>
+        </a:p>
+      </dgm:t>
+    </dgm:pt>
+    <dgm:pt modelId="{C233A43E-286F-4E8D-BC0D-A6E7625559B2}" type="pres">
+      <dgm:prSet presAssocID="{25E09C33-42FD-4F52-8CB0-452BF541B7EE}" presName="mChild" presStyleLbl="fgAcc1" presStyleIdx="4" presStyleCnt="5" custScaleX="39061" custScaleY="71368" custLinFactX="18470" custLinFactNeighborX="100000" custLinFactNeighborY="-2763">
+        <dgm:presLayoutVars>
+          <dgm:bulletEnabled val="1"/>
+        </dgm:presLayoutVars>
+      </dgm:prSet>
+      <dgm:spPr>
+        <a:prstGeom prst="flowChartDisplay">
+          <a:avLst/>
+        </a:prstGeom>
+      </dgm:spPr>
+      <dgm:t>
+        <a:bodyPr/>
+        <a:lstStyle/>
+        <a:p>
+          <a:endParaRPr lang="pt-BR"/>
+        </a:p>
+      </dgm:t>
+    </dgm:pt>
+  </dgm:ptLst>
+  <dgm:cxnLst>
+    <dgm:cxn modelId="{47F9B3B4-FA63-45BD-B156-69D5C1732BE8}" srcId="{09E1FA74-CAD4-4D8F-8C9F-47DB10A12E4C}" destId="{22AB3F71-BC8F-4768-888B-F6E1856CFD5B}" srcOrd="1" destOrd="0" parTransId="{72548C30-62AA-4264-A91B-6E316ED2D1D5}" sibTransId="{C9F02517-C147-4C66-A0F0-11E0F557FBA6}"/>
+    <dgm:cxn modelId="{61055A83-F922-4350-9380-CFE46E9497BE}" type="presOf" srcId="{9386B31C-5E45-4E23-9545-29E102B9F75C}" destId="{F8CD597C-AF41-4911-8CDE-B209DEFA8EFC}" srcOrd="0" destOrd="0" presId="urn:microsoft.com/office/officeart/2005/8/layout/target2"/>
+    <dgm:cxn modelId="{ABC03601-362A-489C-B301-16AAA4E2B732}" type="presOf" srcId="{B41D75AE-2A29-4277-8DBB-D5E9CED79C4D}" destId="{C26A6EA6-0081-4BE7-88AC-DA923A48049B}" srcOrd="0" destOrd="0" presId="urn:microsoft.com/office/officeart/2005/8/layout/target2"/>
+    <dgm:cxn modelId="{762F7717-D26E-4D1C-A6FD-498F6E1B02A3}" srcId="{22AB3F71-BC8F-4768-888B-F6E1856CFD5B}" destId="{3973E519-921D-4357-808F-65EA81567642}" srcOrd="0" destOrd="0" parTransId="{74AF20CE-7799-4C8E-A894-EE0C2D449A5F}" sibTransId="{ED0B01CC-F5BD-4E3D-9811-96F476147302}"/>
+    <dgm:cxn modelId="{4162AF35-F4B6-484B-85F5-7EA768BB9E8E}" srcId="{B41D75AE-2A29-4277-8DBB-D5E9CED79C4D}" destId="{9386B31C-5E45-4E23-9545-29E102B9F75C}" srcOrd="2" destOrd="0" parTransId="{E5DE2FC0-1550-46BE-897B-AE2B5F4C4F50}" sibTransId="{81D5BC8E-7E40-419C-B9FD-4110FCC5033E}"/>
+    <dgm:cxn modelId="{925D1D41-F295-4BF5-8F35-6B0283EB1660}" srcId="{09E1FA74-CAD4-4D8F-8C9F-47DB10A12E4C}" destId="{B41D75AE-2A29-4277-8DBB-D5E9CED79C4D}" srcOrd="0" destOrd="0" parTransId="{E4BA2DF7-CD16-40C5-8D39-63D87AB06BAE}" sibTransId="{49219BB6-AF08-4355-8AAC-CB63EB613BD5}"/>
+    <dgm:cxn modelId="{B2FC2E59-E0BF-4CD3-9D3D-E86B294BD972}" srcId="{B41D75AE-2A29-4277-8DBB-D5E9CED79C4D}" destId="{1119A085-6F07-46C4-B85B-D1CE300590BF}" srcOrd="1" destOrd="0" parTransId="{A201BA82-5ACD-41C4-A756-1020B1F24B4A}" sibTransId="{5B1107D9-A94B-4373-8B80-400FA79466AA}"/>
+    <dgm:cxn modelId="{2C1BC967-8769-46FF-A481-D45F7FB44D2D}" type="presOf" srcId="{22AB3F71-BC8F-4768-888B-F6E1856CFD5B}" destId="{51DE05A1-F310-4AD4-BD2A-E814179084C5}" srcOrd="0" destOrd="0" presId="urn:microsoft.com/office/officeart/2005/8/layout/target2"/>
+    <dgm:cxn modelId="{5FB89280-146C-4EF7-B075-DCAA25CB7C0B}" type="presOf" srcId="{1119A085-6F07-46C4-B85B-D1CE300590BF}" destId="{10DC5E61-068F-4913-9663-325D256495C3}" srcOrd="0" destOrd="0" presId="urn:microsoft.com/office/officeart/2005/8/layout/target2"/>
+    <dgm:cxn modelId="{707FFF28-2F42-47B1-AF9C-ADF519D8B5EB}" type="presOf" srcId="{3973E519-921D-4357-808F-65EA81567642}" destId="{7FBFBAC4-2975-4795-ADC7-4B54CCBAEAB1}" srcOrd="0" destOrd="0" presId="urn:microsoft.com/office/officeart/2005/8/layout/target2"/>
+    <dgm:cxn modelId="{D407E21F-2FB2-486B-85B9-E1A242433F11}" type="presOf" srcId="{25E09C33-42FD-4F52-8CB0-452BF541B7EE}" destId="{C233A43E-286F-4E8D-BC0D-A6E7625559B2}" srcOrd="0" destOrd="0" presId="urn:microsoft.com/office/officeart/2005/8/layout/target2"/>
+    <dgm:cxn modelId="{600AD4AE-0545-4933-B03C-C176DBDB557C}" srcId="{B41D75AE-2A29-4277-8DBB-D5E9CED79C4D}" destId="{2B94917F-01CC-4A71-9A16-8FAE36546B5C}" srcOrd="0" destOrd="0" parTransId="{417D8286-04D5-40B8-9DD8-FB9B660136A4}" sibTransId="{9159FC4B-5B3E-42A2-871F-1D19B3560545}"/>
+    <dgm:cxn modelId="{63AF8B90-41F1-4468-A6F5-BAA7319821CA}" type="presOf" srcId="{2B94917F-01CC-4A71-9A16-8FAE36546B5C}" destId="{55454349-EAF4-470E-BBAA-D434698917ED}" srcOrd="0" destOrd="0" presId="urn:microsoft.com/office/officeart/2005/8/layout/target2"/>
+    <dgm:cxn modelId="{426C3B10-AC34-460C-A304-941DA2997EEF}" type="presOf" srcId="{09E1FA74-CAD4-4D8F-8C9F-47DB10A12E4C}" destId="{FD0A912F-A5FF-4195-8F6E-F1107C247D33}" srcOrd="0" destOrd="0" presId="urn:microsoft.com/office/officeart/2005/8/layout/target2"/>
+    <dgm:cxn modelId="{2FFE2D2F-5254-486D-A83F-5A8A96275BDB}" srcId="{22AB3F71-BC8F-4768-888B-F6E1856CFD5B}" destId="{25E09C33-42FD-4F52-8CB0-452BF541B7EE}" srcOrd="1" destOrd="0" parTransId="{2E5C60CF-085B-4C66-A01B-83A3AF9AC5CE}" sibTransId="{F9299BC1-DA27-4702-A02B-E2D61037A6E5}"/>
+    <dgm:cxn modelId="{16E8C1E6-70FB-4022-92B1-0898AD7615A5}" type="presParOf" srcId="{FD0A912F-A5FF-4195-8F6E-F1107C247D33}" destId="{773AB8ED-F4AA-404C-834D-C3DDB163AC49}" srcOrd="0" destOrd="0" presId="urn:microsoft.com/office/officeart/2005/8/layout/target2"/>
+    <dgm:cxn modelId="{B231CFE6-040F-4F36-934A-8F1C58DBB4C6}" type="presParOf" srcId="{773AB8ED-F4AA-404C-834D-C3DDB163AC49}" destId="{C26A6EA6-0081-4BE7-88AC-DA923A48049B}" srcOrd="0" destOrd="0" presId="urn:microsoft.com/office/officeart/2005/8/layout/target2"/>
+    <dgm:cxn modelId="{36F10470-1CAB-4D37-96B9-51BBDA2806A8}" type="presParOf" srcId="{773AB8ED-F4AA-404C-834D-C3DDB163AC49}" destId="{40631DF0-C0BD-4F09-8B85-05530F809995}" srcOrd="1" destOrd="0" presId="urn:microsoft.com/office/officeart/2005/8/layout/target2"/>
+    <dgm:cxn modelId="{73EA30D4-40F5-4F16-9D74-ED4E21CC4F9B}" type="presParOf" srcId="{40631DF0-C0BD-4F09-8B85-05530F809995}" destId="{55454349-EAF4-470E-BBAA-D434698917ED}" srcOrd="0" destOrd="0" presId="urn:microsoft.com/office/officeart/2005/8/layout/target2"/>
+    <dgm:cxn modelId="{145BBE44-2C13-4B57-B5A5-58B0FF55EB6C}" type="presParOf" srcId="{40631DF0-C0BD-4F09-8B85-05530F809995}" destId="{CA1FC550-1840-448D-BD3E-77FE09C2581F}" srcOrd="1" destOrd="0" presId="urn:microsoft.com/office/officeart/2005/8/layout/target2"/>
+    <dgm:cxn modelId="{B51EE98A-E32E-40C1-AD31-30FFF28B20A9}" type="presParOf" srcId="{40631DF0-C0BD-4F09-8B85-05530F809995}" destId="{10DC5E61-068F-4913-9663-325D256495C3}" srcOrd="2" destOrd="0" presId="urn:microsoft.com/office/officeart/2005/8/layout/target2"/>
+    <dgm:cxn modelId="{719B4C0A-542C-4C7E-8561-128DB40ACB43}" type="presParOf" srcId="{40631DF0-C0BD-4F09-8B85-05530F809995}" destId="{9D009C0A-DC49-4FB9-8035-CFE162EBF8B3}" srcOrd="3" destOrd="0" presId="urn:microsoft.com/office/officeart/2005/8/layout/target2"/>
+    <dgm:cxn modelId="{BBD6C3E4-8C6D-4277-B4F5-BCECE8531298}" type="presParOf" srcId="{40631DF0-C0BD-4F09-8B85-05530F809995}" destId="{F8CD597C-AF41-4911-8CDE-B209DEFA8EFC}" srcOrd="4" destOrd="0" presId="urn:microsoft.com/office/officeart/2005/8/layout/target2"/>
+    <dgm:cxn modelId="{805BE890-1EA1-4D90-BB01-CC71980433FF}" type="presParOf" srcId="{FD0A912F-A5FF-4195-8F6E-F1107C247D33}" destId="{FF808A2F-0229-448C-A3CC-A68AD4541AE0}" srcOrd="1" destOrd="0" presId="urn:microsoft.com/office/officeart/2005/8/layout/target2"/>
+    <dgm:cxn modelId="{D935850C-459A-4AB6-B2C0-1DCECEC76925}" type="presParOf" srcId="{FF808A2F-0229-448C-A3CC-A68AD4541AE0}" destId="{51DE05A1-F310-4AD4-BD2A-E814179084C5}" srcOrd="0" destOrd="0" presId="urn:microsoft.com/office/officeart/2005/8/layout/target2"/>
+    <dgm:cxn modelId="{9C0CEF6E-9D22-4A2B-A1B5-50D5ADBD7101}" type="presParOf" srcId="{FF808A2F-0229-448C-A3CC-A68AD4541AE0}" destId="{5A816AC3-B5D5-4277-8DF0-2E4895570095}" srcOrd="1" destOrd="0" presId="urn:microsoft.com/office/officeart/2005/8/layout/target2"/>
+    <dgm:cxn modelId="{EE4DF673-F193-44A3-95DE-75E30AC8B86C}" type="presParOf" srcId="{5A816AC3-B5D5-4277-8DF0-2E4895570095}" destId="{7FBFBAC4-2975-4795-ADC7-4B54CCBAEAB1}" srcOrd="0" destOrd="0" presId="urn:microsoft.com/office/officeart/2005/8/layout/target2"/>
+    <dgm:cxn modelId="{EC2304C4-090F-4230-82A8-07C04AF442A0}" type="presParOf" srcId="{5A816AC3-B5D5-4277-8DF0-2E4895570095}" destId="{380C533E-C74C-4832-9E8A-669287DCE079}" srcOrd="1" destOrd="0" presId="urn:microsoft.com/office/officeart/2005/8/layout/target2"/>
+    <dgm:cxn modelId="{1F7FE894-7401-479C-87E0-720078B3FA82}" type="presParOf" srcId="{5A816AC3-B5D5-4277-8DF0-2E4895570095}" destId="{C233A43E-286F-4E8D-BC0D-A6E7625559B2}" srcOrd="2" destOrd="0" presId="urn:microsoft.com/office/officeart/2005/8/layout/target2"/>
+  </dgm:cxnLst>
+  <dgm:bg/>
+  <dgm:whole/>
+  <dgm:extLst>
+    <a:ext uri="http://schemas.microsoft.com/office/drawing/2008/diagram">
+      <dsp:dataModelExt xmlns="" xmlns:dsp="http://schemas.microsoft.com/office/drawing/2008/diagram" relId="rId6" minVer="http://schemas.openxmlformats.org/drawingml/2006/diagram"/>
+    </a:ext>
+  </dgm:extLst>
+</dgm:dataModel>
+</file>
+
+<file path=ppt/diagrams/data3.xml><?xml version="1.0" encoding="utf-8"?>
 <dgm:dataModel xmlns:dgm="http://schemas.openxmlformats.org/drawingml/2006/diagram" xmlns:a="http://schemas.openxmlformats.org/drawingml/2006/main">
   <dgm:ptLst>
     <dgm:pt modelId="{E253E697-B0C3-42D4-81FD-D3ABCA72938E}" type="doc">
@@ -6695,52 +7170,52 @@
     </dgm:pt>
   </dgm:ptLst>
   <dgm:cxnLst>
-    <dgm:cxn modelId="{22BA4952-EA9D-42A7-ABA5-EAD0B5F9B167}" srcId="{4BA36FF7-0F0F-4341-A68C-01E8516603CD}" destId="{0F73E91A-24E8-44FC-8282-F39E528AC837}" srcOrd="4" destOrd="0" parTransId="{C1AA1994-3B2F-47C9-8F5B-A08CE6A5D095}" sibTransId="{F93555B6-77A8-4728-91CF-7AF5B0C7EE62}"/>
-    <dgm:cxn modelId="{82215399-8FEF-435E-B12E-B0BBF6350A2D}" srcId="{140DB818-E071-4B39-BEDA-37F84C79FBA2}" destId="{57884B04-88D4-4FB2-8678-5199DF429E6F}" srcOrd="1" destOrd="0" parTransId="{C4B27B1D-C2E0-4804-B643-F031B63B66D3}" sibTransId="{B8942B1F-0DA1-4630-8D8B-34A3B43C11D5}"/>
-    <dgm:cxn modelId="{9C9CCD84-152C-4BF0-AE56-02A77DCE9308}" type="presOf" srcId="{AD7A2D0A-69C1-40D4-AC3C-50ACA39C45C1}" destId="{944B484B-F688-4CFA-A4FB-08B237CA5903}" srcOrd="1" destOrd="0" presId="urn:microsoft.com/office/officeart/2005/8/layout/process3"/>
-    <dgm:cxn modelId="{BB53AC73-5473-4487-A280-CC415E72C20C}" srcId="{E253E697-B0C3-42D4-81FD-D3ABCA72938E}" destId="{140DB818-E071-4B39-BEDA-37F84C79FBA2}" srcOrd="1" destOrd="0" parTransId="{5D492640-F330-4177-9F25-0C2545064803}" sibTransId="{AAA7816F-0D18-434B-AF27-E1709A042EA5}"/>
-    <dgm:cxn modelId="{95E1E2D3-B64B-4AEA-BF04-D1CA2E013D44}" srcId="{AD7A2D0A-69C1-40D4-AC3C-50ACA39C45C1}" destId="{A7D226C9-5E92-4FD2-9426-D029994EEFDC}" srcOrd="4" destOrd="0" parTransId="{416E4625-0C19-49C1-9768-BDBCCA30B93C}" sibTransId="{618C3FCC-A047-4A59-B8AE-EB8EEF617890}"/>
-    <dgm:cxn modelId="{5A2ECE84-5973-469B-B8D7-72377C33E035}" type="presOf" srcId="{AAA7816F-0D18-434B-AF27-E1709A042EA5}" destId="{1390A124-BEDA-4A49-9B1B-0ED2FB571A6C}" srcOrd="0" destOrd="0" presId="urn:microsoft.com/office/officeart/2005/8/layout/process3"/>
-    <dgm:cxn modelId="{021B0986-616E-47A6-BC20-5C2A8AA71A81}" type="presOf" srcId="{E253E697-B0C3-42D4-81FD-D3ABCA72938E}" destId="{BCDBC707-4A93-4D55-A61A-79732B703027}" srcOrd="0" destOrd="0" presId="urn:microsoft.com/office/officeart/2005/8/layout/process3"/>
-    <dgm:cxn modelId="{4B0F930D-EE14-4620-9947-895E9A1529BF}" srcId="{4BA36FF7-0F0F-4341-A68C-01E8516603CD}" destId="{59BF4FD9-4BF0-450F-A924-D7283EA0A3C2}" srcOrd="2" destOrd="0" parTransId="{8761CF33-9B88-4BC0-8A8D-8E4B646981F2}" sibTransId="{9F8163B5-F294-45D7-AEAF-EA88EBB3B6A3}"/>
-    <dgm:cxn modelId="{70E001FD-178A-4D81-BB4B-147BB392D9CB}" type="presOf" srcId="{A7D226C9-5E92-4FD2-9426-D029994EEFDC}" destId="{1993AEF3-68C8-4F83-9F1E-D1B7B5B4963C}" srcOrd="0" destOrd="4" presId="urn:microsoft.com/office/officeart/2005/8/layout/process3"/>
-    <dgm:cxn modelId="{E3287FDC-8A55-45DA-AEE5-89AB63B59CE0}" srcId="{AD7A2D0A-69C1-40D4-AC3C-50ACA39C45C1}" destId="{EAE6F129-AF20-489F-B448-BFE264B615C1}" srcOrd="3" destOrd="0" parTransId="{C0D5B7C3-AA00-473E-8E71-2FD79A462FEE}" sibTransId="{401713F0-76B5-43A2-A4F5-305F4CA21957}"/>
-    <dgm:cxn modelId="{605658C6-069A-4135-B3FB-B8571120DFAF}" type="presOf" srcId="{4BA36FF7-0F0F-4341-A68C-01E8516603CD}" destId="{DADC7395-583C-4FD5-8691-3342B823E6CA}" srcOrd="1" destOrd="0" presId="urn:microsoft.com/office/officeart/2005/8/layout/process3"/>
-    <dgm:cxn modelId="{7DDFCDF5-FB4B-4B56-AB28-D717E8E38C18}" type="presOf" srcId="{AAA7816F-0D18-434B-AF27-E1709A042EA5}" destId="{A890346F-3222-4081-BF76-FED6671C2558}" srcOrd="1" destOrd="0" presId="urn:microsoft.com/office/officeart/2005/8/layout/process3"/>
-    <dgm:cxn modelId="{B365E08F-B81F-401D-9E99-497F8A61C238}" type="presOf" srcId="{C5FC6C3C-ED92-4431-9B44-CD976E59FF5E}" destId="{1993AEF3-68C8-4F83-9F1E-D1B7B5B4963C}" srcOrd="0" destOrd="5" presId="urn:microsoft.com/office/officeart/2005/8/layout/process3"/>
-    <dgm:cxn modelId="{F0F7D5BF-9EC9-43ED-84F4-D150E7AD87DD}" type="presOf" srcId="{F9D38618-21A9-472D-92B4-2079A7013EA4}" destId="{3E47BC9E-87C0-4D93-83F4-A810B62AEF07}" srcOrd="0" destOrd="2" presId="urn:microsoft.com/office/officeart/2005/8/layout/process3"/>
-    <dgm:cxn modelId="{2E04EE15-0EFD-4A5E-96F9-C3FE50E596F5}" srcId="{4BA36FF7-0F0F-4341-A68C-01E8516603CD}" destId="{835444D0-9403-488B-8CF6-1BA423F14FF4}" srcOrd="3" destOrd="0" parTransId="{C29ED5FF-29B9-4D55-9C15-3D427BB84784}" sibTransId="{F0580B45-2587-4095-A289-2D6D62D7D0E2}"/>
-    <dgm:cxn modelId="{1BD557F6-3147-4A3E-96E1-8774CC36B89A}" srcId="{E253E697-B0C3-42D4-81FD-D3ABCA72938E}" destId="{AD7A2D0A-69C1-40D4-AC3C-50ACA39C45C1}" srcOrd="2" destOrd="0" parTransId="{B65DA3CC-30DF-4011-97FD-91E67EF19982}" sibTransId="{D8E3431A-1020-45BC-A3A1-D9601A2EED84}"/>
-    <dgm:cxn modelId="{D95A37CA-F51F-4A08-8D0B-184665F642AA}" type="presOf" srcId="{579997AD-FA9A-4915-A323-8F17CA09514B}" destId="{330F8E89-32DF-4BC4-AED2-91D2D7CB94C5}" srcOrd="0" destOrd="0" presId="urn:microsoft.com/office/officeart/2005/8/layout/process3"/>
+    <dgm:cxn modelId="{625B97B1-48B9-4F79-AD12-9E967C7E5D25}" type="presOf" srcId="{57884B04-88D4-4FB2-8678-5199DF429E6F}" destId="{3E47BC9E-87C0-4D93-83F4-A810B62AEF07}" srcOrd="0" destOrd="1" presId="urn:microsoft.com/office/officeart/2005/8/layout/process3"/>
+    <dgm:cxn modelId="{C6B6160D-9D08-4B9D-9AB9-7BB0133CD700}" type="presOf" srcId="{33CF88AB-0BBD-45CE-A2E6-91DC37BEC598}" destId="{A64C8272-FC1A-4572-A0B1-A3C36EACD2B6}" srcOrd="0" destOrd="0" presId="urn:microsoft.com/office/officeart/2005/8/layout/process3"/>
+    <dgm:cxn modelId="{E5B78FEC-B1D9-4EC3-A03E-DD89AE2D8BBB}" srcId="{AD7A2D0A-69C1-40D4-AC3C-50ACA39C45C1}" destId="{0F3E3240-049E-4C85-83B0-4A38B3BAD305}" srcOrd="2" destOrd="0" parTransId="{500CBC5A-72EC-4F1F-8BD7-22D81C693AA8}" sibTransId="{6817EB24-D370-4C5E-ABB4-525C433C69F0}"/>
+    <dgm:cxn modelId="{5DDCBCED-AD9D-443E-B390-A89DFC1C749F}" type="presOf" srcId="{140DB818-E071-4B39-BEDA-37F84C79FBA2}" destId="{184053F0-8034-496C-9823-B7D238D8DC93}" srcOrd="0" destOrd="0" presId="urn:microsoft.com/office/officeart/2005/8/layout/process3"/>
     <dgm:cxn modelId="{8BF56599-6D59-4BFC-B288-4AEC63D44ED7}" srcId="{140DB818-E071-4B39-BEDA-37F84C79FBA2}" destId="{60103D0B-3A05-4853-92C2-7E00584C981E}" srcOrd="0" destOrd="0" parTransId="{9D676AB5-9AAE-4AB8-977A-2D9DC18A4B46}" sibTransId="{3973ABF2-8D4E-46DD-B1C6-ECA15BFC09CA}"/>
     <dgm:cxn modelId="{3B833AF1-554A-4115-83EE-25F9C4E2AEFD}" type="presOf" srcId="{B2D64904-4778-414A-935C-AFC992C15E50}" destId="{A64C8272-FC1A-4572-A0B1-A3C36EACD2B6}" srcOrd="0" destOrd="1" presId="urn:microsoft.com/office/officeart/2005/8/layout/process3"/>
-    <dgm:cxn modelId="{13DDD5AB-9265-4DB2-9E66-512CAA799786}" srcId="{E253E697-B0C3-42D4-81FD-D3ABCA72938E}" destId="{4BA36FF7-0F0F-4341-A68C-01E8516603CD}" srcOrd="0" destOrd="0" parTransId="{9FBCD112-267C-4316-B4DD-D2608637A18B}" sibTransId="{579997AD-FA9A-4915-A323-8F17CA09514B}"/>
+    <dgm:cxn modelId="{70E001FD-178A-4D81-BB4B-147BB392D9CB}" type="presOf" srcId="{A7D226C9-5E92-4FD2-9426-D029994EEFDC}" destId="{1993AEF3-68C8-4F83-9F1E-D1B7B5B4963C}" srcOrd="0" destOrd="4" presId="urn:microsoft.com/office/officeart/2005/8/layout/process3"/>
+    <dgm:cxn modelId="{9C9CCD84-152C-4BF0-AE56-02A77DCE9308}" type="presOf" srcId="{AD7A2D0A-69C1-40D4-AC3C-50ACA39C45C1}" destId="{944B484B-F688-4CFA-A4FB-08B237CA5903}" srcOrd="1" destOrd="0" presId="urn:microsoft.com/office/officeart/2005/8/layout/process3"/>
+    <dgm:cxn modelId="{9F5BFA76-CC6B-4880-BD6E-7917A3B8011E}" type="presOf" srcId="{0F3E3240-049E-4C85-83B0-4A38B3BAD305}" destId="{1993AEF3-68C8-4F83-9F1E-D1B7B5B4963C}" srcOrd="0" destOrd="2" presId="urn:microsoft.com/office/officeart/2005/8/layout/process3"/>
+    <dgm:cxn modelId="{7DDFCDF5-FB4B-4B56-AB28-D717E8E38C18}" type="presOf" srcId="{AAA7816F-0D18-434B-AF27-E1709A042EA5}" destId="{A890346F-3222-4081-BF76-FED6671C2558}" srcOrd="1" destOrd="0" presId="urn:microsoft.com/office/officeart/2005/8/layout/process3"/>
+    <dgm:cxn modelId="{99730F66-1996-4851-98CF-04F6604FC848}" type="presOf" srcId="{30BC9797-C8E3-4728-AA34-A33AFEAA692E}" destId="{3E47BC9E-87C0-4D93-83F4-A810B62AEF07}" srcOrd="0" destOrd="4" presId="urn:microsoft.com/office/officeart/2005/8/layout/process3"/>
+    <dgm:cxn modelId="{9C28426E-782A-4827-A1AF-DF19DEE0E663}" srcId="{140DB818-E071-4B39-BEDA-37F84C79FBA2}" destId="{2CABE3B6-2EEA-4A99-BBE7-085383B9725D}" srcOrd="3" destOrd="0" parTransId="{E50B1FFE-B27A-488D-9E1C-753288103707}" sibTransId="{4AC18B29-D66A-4290-B0B1-638894B89790}"/>
+    <dgm:cxn modelId="{DEDC3CF2-2819-42A2-BCCA-5AD74688BCE7}" type="presOf" srcId="{EAE6F129-AF20-489F-B448-BFE264B615C1}" destId="{1993AEF3-68C8-4F83-9F1E-D1B7B5B4963C}" srcOrd="0" destOrd="3" presId="urn:microsoft.com/office/officeart/2005/8/layout/process3"/>
+    <dgm:cxn modelId="{5A2ECE84-5973-469B-B8D7-72377C33E035}" type="presOf" srcId="{AAA7816F-0D18-434B-AF27-E1709A042EA5}" destId="{1390A124-BEDA-4A49-9B1B-0ED2FB571A6C}" srcOrd="0" destOrd="0" presId="urn:microsoft.com/office/officeart/2005/8/layout/process3"/>
+    <dgm:cxn modelId="{D1284BD6-E3DA-48A8-BFF9-25C5710CED70}" type="presOf" srcId="{4BA36FF7-0F0F-4341-A68C-01E8516603CD}" destId="{209FD6B3-0ECB-4203-B962-7559934405BD}" srcOrd="0" destOrd="0" presId="urn:microsoft.com/office/officeart/2005/8/layout/process3"/>
+    <dgm:cxn modelId="{B365E08F-B81F-401D-9E99-497F8A61C238}" type="presOf" srcId="{C5FC6C3C-ED92-4431-9B44-CD976E59FF5E}" destId="{1993AEF3-68C8-4F83-9F1E-D1B7B5B4963C}" srcOrd="0" destOrd="5" presId="urn:microsoft.com/office/officeart/2005/8/layout/process3"/>
+    <dgm:cxn modelId="{22BA4952-EA9D-42A7-ABA5-EAD0B5F9B167}" srcId="{4BA36FF7-0F0F-4341-A68C-01E8516603CD}" destId="{0F73E91A-24E8-44FC-8282-F39E528AC837}" srcOrd="4" destOrd="0" parTransId="{C1AA1994-3B2F-47C9-8F5B-A08CE6A5D095}" sibTransId="{F93555B6-77A8-4728-91CF-7AF5B0C7EE62}"/>
+    <dgm:cxn modelId="{C288C32A-3227-4782-B852-198321A78827}" type="presOf" srcId="{140DB818-E071-4B39-BEDA-37F84C79FBA2}" destId="{D6C82472-F7A1-44F8-BE16-C0E2E40E0D6B}" srcOrd="1" destOrd="0" presId="urn:microsoft.com/office/officeart/2005/8/layout/process3"/>
+    <dgm:cxn modelId="{1BD557F6-3147-4A3E-96E1-8774CC36B89A}" srcId="{E253E697-B0C3-42D4-81FD-D3ABCA72938E}" destId="{AD7A2D0A-69C1-40D4-AC3C-50ACA39C45C1}" srcOrd="2" destOrd="0" parTransId="{B65DA3CC-30DF-4011-97FD-91E67EF19982}" sibTransId="{D8E3431A-1020-45BC-A3A1-D9601A2EED84}"/>
     <dgm:cxn modelId="{C8252A43-F89B-4ED8-9407-8C4E3235C497}" srcId="{AD7A2D0A-69C1-40D4-AC3C-50ACA39C45C1}" destId="{C5FC6C3C-ED92-4431-9B44-CD976E59FF5E}" srcOrd="5" destOrd="0" parTransId="{AE0E9CC2-5345-4F36-A90C-AD2752E7E9E6}" sibTransId="{28F32126-D00F-495F-BE9C-85E968D4121F}"/>
-    <dgm:cxn modelId="{99730F66-1996-4851-98CF-04F6604FC848}" type="presOf" srcId="{30BC9797-C8E3-4728-AA34-A33AFEAA692E}" destId="{3E47BC9E-87C0-4D93-83F4-A810B62AEF07}" srcOrd="0" destOrd="4" presId="urn:microsoft.com/office/officeart/2005/8/layout/process3"/>
+    <dgm:cxn modelId="{D95A37CA-F51F-4A08-8D0B-184665F642AA}" type="presOf" srcId="{579997AD-FA9A-4915-A323-8F17CA09514B}" destId="{330F8E89-32DF-4BC4-AED2-91D2D7CB94C5}" srcOrd="0" destOrd="0" presId="urn:microsoft.com/office/officeart/2005/8/layout/process3"/>
+    <dgm:cxn modelId="{E22A4332-4F38-4397-A0CA-E07AB4FDA400}" type="presOf" srcId="{AD7A2D0A-69C1-40D4-AC3C-50ACA39C45C1}" destId="{EA7354A6-04B1-4A5C-BE93-3D503C066108}" srcOrd="0" destOrd="0" presId="urn:microsoft.com/office/officeart/2005/8/layout/process3"/>
+    <dgm:cxn modelId="{3E2D5840-5BEF-43B9-949A-04752B46AD4F}" type="presOf" srcId="{0F73E91A-24E8-44FC-8282-F39E528AC837}" destId="{A64C8272-FC1A-4572-A0B1-A3C36EACD2B6}" srcOrd="0" destOrd="4" presId="urn:microsoft.com/office/officeart/2005/8/layout/process3"/>
+    <dgm:cxn modelId="{33D1B9A7-E56C-4778-97FB-A5B130BCA5C0}" srcId="{AD7A2D0A-69C1-40D4-AC3C-50ACA39C45C1}" destId="{21736AD5-ED16-41EE-9520-03DEC94C9DD9}" srcOrd="1" destOrd="0" parTransId="{9CB51E30-49E4-4E36-942B-179B5A0EC94C}" sibTransId="{DFDDDFD5-3525-4DBC-A81D-34093C1E23BA}"/>
+    <dgm:cxn modelId="{2E04EE15-0EFD-4A5E-96F9-C3FE50E596F5}" srcId="{4BA36FF7-0F0F-4341-A68C-01E8516603CD}" destId="{835444D0-9403-488B-8CF6-1BA423F14FF4}" srcOrd="3" destOrd="0" parTransId="{C29ED5FF-29B9-4D55-9C15-3D427BB84784}" sibTransId="{F0580B45-2587-4095-A289-2D6D62D7D0E2}"/>
+    <dgm:cxn modelId="{605658C6-069A-4135-B3FB-B8571120DFAF}" type="presOf" srcId="{4BA36FF7-0F0F-4341-A68C-01E8516603CD}" destId="{DADC7395-583C-4FD5-8691-3342B823E6CA}" srcOrd="1" destOrd="0" presId="urn:microsoft.com/office/officeart/2005/8/layout/process3"/>
+    <dgm:cxn modelId="{82215399-8FEF-435E-B12E-B0BBF6350A2D}" srcId="{140DB818-E071-4B39-BEDA-37F84C79FBA2}" destId="{57884B04-88D4-4FB2-8678-5199DF429E6F}" srcOrd="1" destOrd="0" parTransId="{C4B27B1D-C2E0-4804-B643-F031B63B66D3}" sibTransId="{B8942B1F-0DA1-4630-8D8B-34A3B43C11D5}"/>
+    <dgm:cxn modelId="{2458B5BE-C8FA-424E-82B1-59249C8FD969}" type="presOf" srcId="{59BF4FD9-4BF0-450F-A924-D7283EA0A3C2}" destId="{A64C8272-FC1A-4572-A0B1-A3C36EACD2B6}" srcOrd="0" destOrd="2" presId="urn:microsoft.com/office/officeart/2005/8/layout/process3"/>
+    <dgm:cxn modelId="{D0D17C37-7497-44FA-8908-85838A8EB613}" srcId="{140DB818-E071-4B39-BEDA-37F84C79FBA2}" destId="{30BC9797-C8E3-4728-AA34-A33AFEAA692E}" srcOrd="4" destOrd="0" parTransId="{22B7AA6B-9EFA-4D2B-9167-284C1AC4B3BE}" sibTransId="{054B1F8E-E9AC-4A78-BB16-7D8497700B75}"/>
+    <dgm:cxn modelId="{1797C3E7-363E-4D4F-BF7B-E725B7DA6E80}" type="presOf" srcId="{579997AD-FA9A-4915-A323-8F17CA09514B}" destId="{E703F4C6-A0E0-49AD-9FAC-F47DD1F01258}" srcOrd="1" destOrd="0" presId="urn:microsoft.com/office/officeart/2005/8/layout/process3"/>
+    <dgm:cxn modelId="{4B0F930D-EE14-4620-9947-895E9A1529BF}" srcId="{4BA36FF7-0F0F-4341-A68C-01E8516603CD}" destId="{59BF4FD9-4BF0-450F-A924-D7283EA0A3C2}" srcOrd="2" destOrd="0" parTransId="{8761CF33-9B88-4BC0-8A8D-8E4B646981F2}" sibTransId="{9F8163B5-F294-45D7-AEAF-EA88EBB3B6A3}"/>
+    <dgm:cxn modelId="{95E1E2D3-B64B-4AEA-BF04-D1CA2E013D44}" srcId="{AD7A2D0A-69C1-40D4-AC3C-50ACA39C45C1}" destId="{A7D226C9-5E92-4FD2-9426-D029994EEFDC}" srcOrd="4" destOrd="0" parTransId="{416E4625-0C19-49C1-9768-BDBCCA30B93C}" sibTransId="{618C3FCC-A047-4A59-B8AE-EB8EEF617890}"/>
+    <dgm:cxn modelId="{F0F7D5BF-9EC9-43ED-84F4-D150E7AD87DD}" type="presOf" srcId="{F9D38618-21A9-472D-92B4-2079A7013EA4}" destId="{3E47BC9E-87C0-4D93-83F4-A810B62AEF07}" srcOrd="0" destOrd="2" presId="urn:microsoft.com/office/officeart/2005/8/layout/process3"/>
+    <dgm:cxn modelId="{56B5A9B6-E058-4348-883F-BE413F7AEF39}" type="presOf" srcId="{835444D0-9403-488B-8CF6-1BA423F14FF4}" destId="{A64C8272-FC1A-4572-A0B1-A3C36EACD2B6}" srcOrd="0" destOrd="3" presId="urn:microsoft.com/office/officeart/2005/8/layout/process3"/>
+    <dgm:cxn modelId="{EB3614E5-919E-4E58-970E-FE271235499F}" type="presOf" srcId="{60103D0B-3A05-4853-92C2-7E00584C981E}" destId="{3E47BC9E-87C0-4D93-83F4-A810B62AEF07}" srcOrd="0" destOrd="0" presId="urn:microsoft.com/office/officeart/2005/8/layout/process3"/>
+    <dgm:cxn modelId="{E6108260-E385-432B-A806-C31C8E849437}" srcId="{4BA36FF7-0F0F-4341-A68C-01E8516603CD}" destId="{B2D64904-4778-414A-935C-AFC992C15E50}" srcOrd="1" destOrd="0" parTransId="{3886B039-ED5A-4C35-9224-7296F3AB00E8}" sibTransId="{F27A2EE6-AA94-4404-920A-4FEA4A59E153}"/>
     <dgm:cxn modelId="{2FB88882-B04C-4261-9B07-D903DC9D9EA1}" srcId="{AD7A2D0A-69C1-40D4-AC3C-50ACA39C45C1}" destId="{688C900A-2766-45AF-8A4C-DE19E196DC40}" srcOrd="0" destOrd="0" parTransId="{AABFE4A9-F133-4497-AECC-317D9325C377}" sibTransId="{4E7F9570-3428-4185-B476-056063C25389}"/>
     <dgm:cxn modelId="{B9C8DB53-DA93-4769-8D2C-0A351EF81B75}" type="presOf" srcId="{688C900A-2766-45AF-8A4C-DE19E196DC40}" destId="{1993AEF3-68C8-4F83-9F1E-D1B7B5B4963C}" srcOrd="0" destOrd="0" presId="urn:microsoft.com/office/officeart/2005/8/layout/process3"/>
-    <dgm:cxn modelId="{DEDC3CF2-2819-42A2-BCCA-5AD74688BCE7}" type="presOf" srcId="{EAE6F129-AF20-489F-B448-BFE264B615C1}" destId="{1993AEF3-68C8-4F83-9F1E-D1B7B5B4963C}" srcOrd="0" destOrd="3" presId="urn:microsoft.com/office/officeart/2005/8/layout/process3"/>
-    <dgm:cxn modelId="{2458B5BE-C8FA-424E-82B1-59249C8FD969}" type="presOf" srcId="{59BF4FD9-4BF0-450F-A924-D7283EA0A3C2}" destId="{A64C8272-FC1A-4572-A0B1-A3C36EACD2B6}" srcOrd="0" destOrd="2" presId="urn:microsoft.com/office/officeart/2005/8/layout/process3"/>
+    <dgm:cxn modelId="{AE01CECD-7460-4EE6-9855-462A6BAC54CD}" type="presOf" srcId="{21736AD5-ED16-41EE-9520-03DEC94C9DD9}" destId="{1993AEF3-68C8-4F83-9F1E-D1B7B5B4963C}" srcOrd="0" destOrd="1" presId="urn:microsoft.com/office/officeart/2005/8/layout/process3"/>
+    <dgm:cxn modelId="{021B0986-616E-47A6-BC20-5C2A8AA71A81}" type="presOf" srcId="{E253E697-B0C3-42D4-81FD-D3ABCA72938E}" destId="{BCDBC707-4A93-4D55-A61A-79732B703027}" srcOrd="0" destOrd="0" presId="urn:microsoft.com/office/officeart/2005/8/layout/process3"/>
+    <dgm:cxn modelId="{E3287FDC-8A55-45DA-AEE5-89AB63B59CE0}" srcId="{AD7A2D0A-69C1-40D4-AC3C-50ACA39C45C1}" destId="{EAE6F129-AF20-489F-B448-BFE264B615C1}" srcOrd="3" destOrd="0" parTransId="{C0D5B7C3-AA00-473E-8E71-2FD79A462FEE}" sibTransId="{401713F0-76B5-43A2-A4F5-305F4CA21957}"/>
+    <dgm:cxn modelId="{9BA353C9-342D-4AC1-B18F-375E8BA8C074}" type="presOf" srcId="{2CABE3B6-2EEA-4A99-BBE7-085383B9725D}" destId="{3E47BC9E-87C0-4D93-83F4-A810B62AEF07}" srcOrd="0" destOrd="3" presId="urn:microsoft.com/office/officeart/2005/8/layout/process3"/>
     <dgm:cxn modelId="{5A7F80D8-A330-410D-B489-3AC0ED203AA3}" srcId="{4BA36FF7-0F0F-4341-A68C-01E8516603CD}" destId="{33CF88AB-0BBD-45CE-A2E6-91DC37BEC598}" srcOrd="0" destOrd="0" parTransId="{79CE13D7-ECCC-4341-8CA2-7CDC47245BC1}" sibTransId="{99324A83-CEE1-4535-BF17-0F2B7234D073}"/>
-    <dgm:cxn modelId="{5DDCBCED-AD9D-443E-B390-A89DFC1C749F}" type="presOf" srcId="{140DB818-E071-4B39-BEDA-37F84C79FBA2}" destId="{184053F0-8034-496C-9823-B7D238D8DC93}" srcOrd="0" destOrd="0" presId="urn:microsoft.com/office/officeart/2005/8/layout/process3"/>
+    <dgm:cxn modelId="{13DDD5AB-9265-4DB2-9E66-512CAA799786}" srcId="{E253E697-B0C3-42D4-81FD-D3ABCA72938E}" destId="{4BA36FF7-0F0F-4341-A68C-01E8516603CD}" srcOrd="0" destOrd="0" parTransId="{9FBCD112-267C-4316-B4DD-D2608637A18B}" sibTransId="{579997AD-FA9A-4915-A323-8F17CA09514B}"/>
     <dgm:cxn modelId="{9DB33BD0-4DBA-4C3F-846F-F2711FE0E6BD}" srcId="{140DB818-E071-4B39-BEDA-37F84C79FBA2}" destId="{F9D38618-21A9-472D-92B4-2079A7013EA4}" srcOrd="2" destOrd="0" parTransId="{181E5304-5E89-4CE3-A1FA-1A4445AF15C8}" sibTransId="{DEBEAAE4-E6F2-4848-9079-BE40B31BACCD}"/>
-    <dgm:cxn modelId="{1797C3E7-363E-4D4F-BF7B-E725B7DA6E80}" type="presOf" srcId="{579997AD-FA9A-4915-A323-8F17CA09514B}" destId="{E703F4C6-A0E0-49AD-9FAC-F47DD1F01258}" srcOrd="1" destOrd="0" presId="urn:microsoft.com/office/officeart/2005/8/layout/process3"/>
-    <dgm:cxn modelId="{EB3614E5-919E-4E58-970E-FE271235499F}" type="presOf" srcId="{60103D0B-3A05-4853-92C2-7E00584C981E}" destId="{3E47BC9E-87C0-4D93-83F4-A810B62AEF07}" srcOrd="0" destOrd="0" presId="urn:microsoft.com/office/officeart/2005/8/layout/process3"/>
-    <dgm:cxn modelId="{9BA353C9-342D-4AC1-B18F-375E8BA8C074}" type="presOf" srcId="{2CABE3B6-2EEA-4A99-BBE7-085383B9725D}" destId="{3E47BC9E-87C0-4D93-83F4-A810B62AEF07}" srcOrd="0" destOrd="3" presId="urn:microsoft.com/office/officeart/2005/8/layout/process3"/>
-    <dgm:cxn modelId="{D0D17C37-7497-44FA-8908-85838A8EB613}" srcId="{140DB818-E071-4B39-BEDA-37F84C79FBA2}" destId="{30BC9797-C8E3-4728-AA34-A33AFEAA692E}" srcOrd="4" destOrd="0" parTransId="{22B7AA6B-9EFA-4D2B-9167-284C1AC4B3BE}" sibTransId="{054B1F8E-E9AC-4A78-BB16-7D8497700B75}"/>
-    <dgm:cxn modelId="{E6108260-E385-432B-A806-C31C8E849437}" srcId="{4BA36FF7-0F0F-4341-A68C-01E8516603CD}" destId="{B2D64904-4778-414A-935C-AFC992C15E50}" srcOrd="1" destOrd="0" parTransId="{3886B039-ED5A-4C35-9224-7296F3AB00E8}" sibTransId="{F27A2EE6-AA94-4404-920A-4FEA4A59E153}"/>
-    <dgm:cxn modelId="{9C28426E-782A-4827-A1AF-DF19DEE0E663}" srcId="{140DB818-E071-4B39-BEDA-37F84C79FBA2}" destId="{2CABE3B6-2EEA-4A99-BBE7-085383B9725D}" srcOrd="3" destOrd="0" parTransId="{E50B1FFE-B27A-488D-9E1C-753288103707}" sibTransId="{4AC18B29-D66A-4290-B0B1-638894B89790}"/>
-    <dgm:cxn modelId="{E22A4332-4F38-4397-A0CA-E07AB4FDA400}" type="presOf" srcId="{AD7A2D0A-69C1-40D4-AC3C-50ACA39C45C1}" destId="{EA7354A6-04B1-4A5C-BE93-3D503C066108}" srcOrd="0" destOrd="0" presId="urn:microsoft.com/office/officeart/2005/8/layout/process3"/>
-    <dgm:cxn modelId="{E5B78FEC-B1D9-4EC3-A03E-DD89AE2D8BBB}" srcId="{AD7A2D0A-69C1-40D4-AC3C-50ACA39C45C1}" destId="{0F3E3240-049E-4C85-83B0-4A38B3BAD305}" srcOrd="2" destOrd="0" parTransId="{500CBC5A-72EC-4F1F-8BD7-22D81C693AA8}" sibTransId="{6817EB24-D370-4C5E-ABB4-525C433C69F0}"/>
-    <dgm:cxn modelId="{3E2D5840-5BEF-43B9-949A-04752B46AD4F}" type="presOf" srcId="{0F73E91A-24E8-44FC-8282-F39E528AC837}" destId="{A64C8272-FC1A-4572-A0B1-A3C36EACD2B6}" srcOrd="0" destOrd="4" presId="urn:microsoft.com/office/officeart/2005/8/layout/process3"/>
-    <dgm:cxn modelId="{9F5BFA76-CC6B-4880-BD6E-7917A3B8011E}" type="presOf" srcId="{0F3E3240-049E-4C85-83B0-4A38B3BAD305}" destId="{1993AEF3-68C8-4F83-9F1E-D1B7B5B4963C}" srcOrd="0" destOrd="2" presId="urn:microsoft.com/office/officeart/2005/8/layout/process3"/>
-    <dgm:cxn modelId="{56B5A9B6-E058-4348-883F-BE413F7AEF39}" type="presOf" srcId="{835444D0-9403-488B-8CF6-1BA423F14FF4}" destId="{A64C8272-FC1A-4572-A0B1-A3C36EACD2B6}" srcOrd="0" destOrd="3" presId="urn:microsoft.com/office/officeart/2005/8/layout/process3"/>
-    <dgm:cxn modelId="{AE01CECD-7460-4EE6-9855-462A6BAC54CD}" type="presOf" srcId="{21736AD5-ED16-41EE-9520-03DEC94C9DD9}" destId="{1993AEF3-68C8-4F83-9F1E-D1B7B5B4963C}" srcOrd="0" destOrd="1" presId="urn:microsoft.com/office/officeart/2005/8/layout/process3"/>
-    <dgm:cxn modelId="{625B97B1-48B9-4F79-AD12-9E967C7E5D25}" type="presOf" srcId="{57884B04-88D4-4FB2-8678-5199DF429E6F}" destId="{3E47BC9E-87C0-4D93-83F4-A810B62AEF07}" srcOrd="0" destOrd="1" presId="urn:microsoft.com/office/officeart/2005/8/layout/process3"/>
-    <dgm:cxn modelId="{D1284BD6-E3DA-48A8-BFF9-25C5710CED70}" type="presOf" srcId="{4BA36FF7-0F0F-4341-A68C-01E8516603CD}" destId="{209FD6B3-0ECB-4203-B962-7559934405BD}" srcOrd="0" destOrd="0" presId="urn:microsoft.com/office/officeart/2005/8/layout/process3"/>
-    <dgm:cxn modelId="{33D1B9A7-E56C-4778-97FB-A5B130BCA5C0}" srcId="{AD7A2D0A-69C1-40D4-AC3C-50ACA39C45C1}" destId="{21736AD5-ED16-41EE-9520-03DEC94C9DD9}" srcOrd="1" destOrd="0" parTransId="{9CB51E30-49E4-4E36-942B-179B5A0EC94C}" sibTransId="{DFDDDFD5-3525-4DBC-A81D-34093C1E23BA}"/>
-    <dgm:cxn modelId="{C288C32A-3227-4782-B852-198321A78827}" type="presOf" srcId="{140DB818-E071-4B39-BEDA-37F84C79FBA2}" destId="{D6C82472-F7A1-44F8-BE16-C0E2E40E0D6B}" srcOrd="1" destOrd="0" presId="urn:microsoft.com/office/officeart/2005/8/layout/process3"/>
-    <dgm:cxn modelId="{C6B6160D-9D08-4B9D-9AB9-7BB0133CD700}" type="presOf" srcId="{33CF88AB-0BBD-45CE-A2E6-91DC37BEC598}" destId="{A64C8272-FC1A-4572-A0B1-A3C36EACD2B6}" srcOrd="0" destOrd="0" presId="urn:microsoft.com/office/officeart/2005/8/layout/process3"/>
+    <dgm:cxn modelId="{BB53AC73-5473-4487-A280-CC415E72C20C}" srcId="{E253E697-B0C3-42D4-81FD-D3ABCA72938E}" destId="{140DB818-E071-4B39-BEDA-37F84C79FBA2}" srcOrd="1" destOrd="0" parTransId="{5D492640-F330-4177-9F25-0C2545064803}" sibTransId="{AAA7816F-0D18-434B-AF27-E1709A042EA5}"/>
     <dgm:cxn modelId="{7A716225-B15F-42A3-B0B1-95F5DAF585E6}" type="presParOf" srcId="{BCDBC707-4A93-4D55-A61A-79732B703027}" destId="{53AF55CF-52F1-471D-BD6D-B6FBBCD8ED56}" srcOrd="0" destOrd="0" presId="urn:microsoft.com/office/officeart/2005/8/layout/process3"/>
     <dgm:cxn modelId="{AB11F588-8517-43F7-B26C-B53A5C95128F}" type="presParOf" srcId="{53AF55CF-52F1-471D-BD6D-B6FBBCD8ED56}" destId="{209FD6B3-0ECB-4203-B962-7559934405BD}" srcOrd="0" destOrd="0" presId="urn:microsoft.com/office/officeart/2005/8/layout/process3"/>
     <dgm:cxn modelId="{ECA7C0B7-4EAB-47E7-B4DA-234ACDCD8581}" type="presParOf" srcId="{53AF55CF-52F1-471D-BD6D-B6FBBCD8ED56}" destId="{DADC7395-583C-4FD5-8691-3342B823E6CA}" srcOrd="1" destOrd="0" presId="urn:microsoft.com/office/officeart/2005/8/layout/process3"/>
@@ -6762,543 +7237,7 @@
   <dgm:whole/>
   <dgm:extLst>
     <a:ext uri="http://schemas.microsoft.com/office/drawing/2008/diagram">
-      <dsp:dataModelExt xmlns:dsp="http://schemas.microsoft.com/office/drawing/2008/diagram" xmlns="" relId="rId6" minVer="http://schemas.openxmlformats.org/drawingml/2006/diagram"/>
-    </a:ext>
-  </dgm:extLst>
-</dgm:dataModel>
-</file>
-
-<file path=ppt/diagrams/data3.xml><?xml version="1.0" encoding="utf-8"?>
-<dgm:dataModel xmlns:dgm="http://schemas.openxmlformats.org/drawingml/2006/diagram" xmlns:a="http://schemas.openxmlformats.org/drawingml/2006/main">
-  <dgm:ptLst>
-    <dgm:pt modelId="{09E1FA74-CAD4-4D8F-8C9F-47DB10A12E4C}" type="doc">
-      <dgm:prSet loTypeId="urn:microsoft.com/office/officeart/2005/8/layout/target2" loCatId="relationship" qsTypeId="urn:microsoft.com/office/officeart/2005/8/quickstyle/3d8" qsCatId="3D" csTypeId="urn:microsoft.com/office/officeart/2005/8/colors/accent1_2" csCatId="accent1" phldr="1"/>
-      <dgm:spPr/>
-      <dgm:t>
-        <a:bodyPr/>
-        <a:lstStyle/>
-        <a:p>
-          <a:endParaRPr lang="pt-BR"/>
-        </a:p>
-      </dgm:t>
-    </dgm:pt>
-    <dgm:pt modelId="{B41D75AE-2A29-4277-8DBB-D5E9CED79C4D}">
-      <dgm:prSet phldrT="[Texto]" custT="1"/>
-      <dgm:spPr/>
-      <dgm:t>
-        <a:bodyPr/>
-        <a:lstStyle/>
-        <a:p>
-          <a:r>
-            <a:rPr lang="pt-BR" sz="4400" b="1" dirty="0" smtClean="0">
-              <a:latin typeface="+mn-lt"/>
-            </a:rPr>
-            <a:t>Cenário atual</a:t>
-          </a:r>
-          <a:endParaRPr lang="pt-BR" sz="4400" b="1" dirty="0">
-            <a:latin typeface="+mn-lt"/>
-          </a:endParaRPr>
-        </a:p>
-      </dgm:t>
-    </dgm:pt>
-    <dgm:pt modelId="{E4BA2DF7-CD16-40C5-8D39-63D87AB06BAE}" type="parTrans" cxnId="{925D1D41-F295-4BF5-8F35-6B0283EB1660}">
-      <dgm:prSet/>
-      <dgm:spPr/>
-      <dgm:t>
-        <a:bodyPr/>
-        <a:lstStyle/>
-        <a:p>
-          <a:endParaRPr lang="pt-BR"/>
-        </a:p>
-      </dgm:t>
-    </dgm:pt>
-    <dgm:pt modelId="{49219BB6-AF08-4355-8AAC-CB63EB613BD5}" type="sibTrans" cxnId="{925D1D41-F295-4BF5-8F35-6B0283EB1660}">
-      <dgm:prSet/>
-      <dgm:spPr/>
-      <dgm:t>
-        <a:bodyPr/>
-        <a:lstStyle/>
-        <a:p>
-          <a:endParaRPr lang="pt-BR"/>
-        </a:p>
-      </dgm:t>
-    </dgm:pt>
-    <dgm:pt modelId="{3973E519-921D-4357-808F-65EA81567642}">
-      <dgm:prSet phldrT="[Texto]" custT="1"/>
-      <dgm:spPr/>
-      <dgm:t>
-        <a:bodyPr/>
-        <a:lstStyle/>
-        <a:p>
-          <a:r>
-            <a:rPr lang="pt-BR" sz="1600" b="1" smtClean="0"/>
-            <a:t>Fragmentação de  históricos de dados</a:t>
-          </a:r>
-          <a:endParaRPr lang="pt-BR" sz="1600" dirty="0"/>
-        </a:p>
-      </dgm:t>
-    </dgm:pt>
-    <dgm:pt modelId="{74AF20CE-7799-4C8E-A894-EE0C2D449A5F}" type="parTrans" cxnId="{762F7717-D26E-4D1C-A6FD-498F6E1B02A3}">
-      <dgm:prSet/>
-      <dgm:spPr/>
-      <dgm:t>
-        <a:bodyPr/>
-        <a:lstStyle/>
-        <a:p>
-          <a:endParaRPr lang="pt-BR"/>
-        </a:p>
-      </dgm:t>
-    </dgm:pt>
-    <dgm:pt modelId="{ED0B01CC-F5BD-4E3D-9811-96F476147302}" type="sibTrans" cxnId="{762F7717-D26E-4D1C-A6FD-498F6E1B02A3}">
-      <dgm:prSet/>
-      <dgm:spPr/>
-      <dgm:t>
-        <a:bodyPr/>
-        <a:lstStyle/>
-        <a:p>
-          <a:endParaRPr lang="pt-BR"/>
-        </a:p>
-      </dgm:t>
-    </dgm:pt>
-    <dgm:pt modelId="{25E09C33-42FD-4F52-8CB0-452BF541B7EE}">
-      <dgm:prSet phldrT="[Texto]" custT="1"/>
-      <dgm:spPr/>
-      <dgm:t>
-        <a:bodyPr/>
-        <a:lstStyle/>
-        <a:p>
-          <a:r>
-            <a:rPr lang="pt-BR" sz="1600" b="1" dirty="0" smtClean="0"/>
-            <a:t>Consultas  com pouco ou nenhum sucesso</a:t>
-          </a:r>
-          <a:endParaRPr lang="pt-BR" sz="1600" b="1" dirty="0"/>
-        </a:p>
-      </dgm:t>
-    </dgm:pt>
-    <dgm:pt modelId="{2E5C60CF-085B-4C66-A01B-83A3AF9AC5CE}" type="parTrans" cxnId="{2FFE2D2F-5254-486D-A83F-5A8A96275BDB}">
-      <dgm:prSet/>
-      <dgm:spPr/>
-      <dgm:t>
-        <a:bodyPr/>
-        <a:lstStyle/>
-        <a:p>
-          <a:endParaRPr lang="pt-BR"/>
-        </a:p>
-      </dgm:t>
-    </dgm:pt>
-    <dgm:pt modelId="{F9299BC1-DA27-4702-A02B-E2D61037A6E5}" type="sibTrans" cxnId="{2FFE2D2F-5254-486D-A83F-5A8A96275BDB}">
-      <dgm:prSet/>
-      <dgm:spPr/>
-      <dgm:t>
-        <a:bodyPr/>
-        <a:lstStyle/>
-        <a:p>
-          <a:endParaRPr lang="pt-BR"/>
-        </a:p>
-      </dgm:t>
-    </dgm:pt>
-    <dgm:pt modelId="{22AB3F71-BC8F-4768-888B-F6E1856CFD5B}">
-      <dgm:prSet phldrT="[Texto]" custT="1"/>
-      <dgm:spPr/>
-      <dgm:t>
-        <a:bodyPr/>
-        <a:lstStyle/>
-        <a:p>
-          <a:r>
-            <a:rPr lang="pt-BR" sz="4400" b="1" dirty="0" smtClean="0">
-              <a:latin typeface="+mn-lt"/>
-            </a:rPr>
-            <a:t>Conseqüências</a:t>
-          </a:r>
-          <a:endParaRPr lang="pt-BR" sz="4400" b="1" dirty="0">
-            <a:latin typeface="+mn-lt"/>
-          </a:endParaRPr>
-        </a:p>
-      </dgm:t>
-    </dgm:pt>
-    <dgm:pt modelId="{C9F02517-C147-4C66-A0F0-11E0F557FBA6}" type="sibTrans" cxnId="{47F9B3B4-FA63-45BD-B156-69D5C1732BE8}">
-      <dgm:prSet/>
-      <dgm:spPr/>
-      <dgm:t>
-        <a:bodyPr/>
-        <a:lstStyle/>
-        <a:p>
-          <a:endParaRPr lang="pt-BR"/>
-        </a:p>
-      </dgm:t>
-    </dgm:pt>
-    <dgm:pt modelId="{72548C30-62AA-4264-A91B-6E316ED2D1D5}" type="parTrans" cxnId="{47F9B3B4-FA63-45BD-B156-69D5C1732BE8}">
-      <dgm:prSet/>
-      <dgm:spPr/>
-      <dgm:t>
-        <a:bodyPr/>
-        <a:lstStyle/>
-        <a:p>
-          <a:endParaRPr lang="pt-BR"/>
-        </a:p>
-      </dgm:t>
-    </dgm:pt>
-    <dgm:pt modelId="{2B94917F-01CC-4A71-9A16-8FAE36546B5C}">
-      <dgm:prSet phldrT="[Texto]" custT="1"/>
-      <dgm:spPr/>
-      <dgm:t>
-        <a:bodyPr/>
-        <a:lstStyle/>
-        <a:p>
-          <a:r>
-            <a:rPr lang="pt-BR" sz="1600" b="1" dirty="0" smtClean="0"/>
-            <a:t>Dificuldades no controles de atividades</a:t>
-          </a:r>
-          <a:endParaRPr lang="pt-BR" sz="1600" b="1" dirty="0"/>
-        </a:p>
-      </dgm:t>
-    </dgm:pt>
-    <dgm:pt modelId="{417D8286-04D5-40B8-9DD8-FB9B660136A4}" type="parTrans" cxnId="{600AD4AE-0545-4933-B03C-C176DBDB557C}">
-      <dgm:prSet/>
-      <dgm:spPr/>
-      <dgm:t>
-        <a:bodyPr/>
-        <a:lstStyle/>
-        <a:p>
-          <a:endParaRPr lang="pt-BR"/>
-        </a:p>
-      </dgm:t>
-    </dgm:pt>
-    <dgm:pt modelId="{9159FC4B-5B3E-42A2-871F-1D19B3560545}" type="sibTrans" cxnId="{600AD4AE-0545-4933-B03C-C176DBDB557C}">
-      <dgm:prSet/>
-      <dgm:spPr/>
-      <dgm:t>
-        <a:bodyPr/>
-        <a:lstStyle/>
-        <a:p>
-          <a:endParaRPr lang="pt-BR"/>
-        </a:p>
-      </dgm:t>
-    </dgm:pt>
-    <dgm:pt modelId="{1119A085-6F07-46C4-B85B-D1CE300590BF}">
-      <dgm:prSet phldrT="[Texto]" custT="1"/>
-      <dgm:spPr/>
-      <dgm:t>
-        <a:bodyPr/>
-        <a:lstStyle/>
-        <a:p>
-          <a:r>
-            <a:rPr lang="pt-BR" sz="1600" b="1" dirty="0" smtClean="0"/>
-            <a:t>Falta de uma base de dados referencia </a:t>
-          </a:r>
-          <a:endParaRPr lang="pt-BR" sz="1600" b="1" dirty="0"/>
-        </a:p>
-      </dgm:t>
-    </dgm:pt>
-    <dgm:pt modelId="{A201BA82-5ACD-41C4-A756-1020B1F24B4A}" type="parTrans" cxnId="{B2FC2E59-E0BF-4CD3-9D3D-E86B294BD972}">
-      <dgm:prSet/>
-      <dgm:spPr/>
-      <dgm:t>
-        <a:bodyPr/>
-        <a:lstStyle/>
-        <a:p>
-          <a:endParaRPr lang="pt-BR"/>
-        </a:p>
-      </dgm:t>
-    </dgm:pt>
-    <dgm:pt modelId="{5B1107D9-A94B-4373-8B80-400FA79466AA}" type="sibTrans" cxnId="{B2FC2E59-E0BF-4CD3-9D3D-E86B294BD972}">
-      <dgm:prSet/>
-      <dgm:spPr/>
-      <dgm:t>
-        <a:bodyPr/>
-        <a:lstStyle/>
-        <a:p>
-          <a:endParaRPr lang="pt-BR"/>
-        </a:p>
-      </dgm:t>
-    </dgm:pt>
-    <dgm:pt modelId="{9386B31C-5E45-4E23-9545-29E102B9F75C}">
-      <dgm:prSet phldrT="[Texto]" custT="1"/>
-      <dgm:spPr/>
-      <dgm:t>
-        <a:bodyPr/>
-        <a:lstStyle/>
-        <a:p>
-          <a:r>
-            <a:rPr lang="pt-BR" sz="1600" b="1" dirty="0" smtClean="0"/>
-            <a:t>Excesso de processos manuais</a:t>
-          </a:r>
-          <a:endParaRPr lang="pt-BR" sz="1600" b="1" dirty="0"/>
-        </a:p>
-      </dgm:t>
-    </dgm:pt>
-    <dgm:pt modelId="{E5DE2FC0-1550-46BE-897B-AE2B5F4C4F50}" type="parTrans" cxnId="{4162AF35-F4B6-484B-85F5-7EA768BB9E8E}">
-      <dgm:prSet/>
-      <dgm:spPr/>
-      <dgm:t>
-        <a:bodyPr/>
-        <a:lstStyle/>
-        <a:p>
-          <a:endParaRPr lang="pt-BR"/>
-        </a:p>
-      </dgm:t>
-    </dgm:pt>
-    <dgm:pt modelId="{81D5BC8E-7E40-419C-B9FD-4110FCC5033E}" type="sibTrans" cxnId="{4162AF35-F4B6-484B-85F5-7EA768BB9E8E}">
-      <dgm:prSet/>
-      <dgm:spPr/>
-      <dgm:t>
-        <a:bodyPr/>
-        <a:lstStyle/>
-        <a:p>
-          <a:endParaRPr lang="pt-BR"/>
-        </a:p>
-      </dgm:t>
-    </dgm:pt>
-    <dgm:pt modelId="{FD0A912F-A5FF-4195-8F6E-F1107C247D33}" type="pres">
-      <dgm:prSet presAssocID="{09E1FA74-CAD4-4D8F-8C9F-47DB10A12E4C}" presName="Name0" presStyleCnt="0">
-        <dgm:presLayoutVars>
-          <dgm:chMax val="3"/>
-          <dgm:chPref val="1"/>
-          <dgm:dir/>
-          <dgm:animLvl val="lvl"/>
-          <dgm:resizeHandles/>
-        </dgm:presLayoutVars>
-      </dgm:prSet>
-      <dgm:spPr/>
-      <dgm:t>
-        <a:bodyPr/>
-        <a:lstStyle/>
-        <a:p>
-          <a:endParaRPr lang="pt-BR"/>
-        </a:p>
-      </dgm:t>
-    </dgm:pt>
-    <dgm:pt modelId="{773AB8ED-F4AA-404C-834D-C3DDB163AC49}" type="pres">
-      <dgm:prSet presAssocID="{09E1FA74-CAD4-4D8F-8C9F-47DB10A12E4C}" presName="outerBox" presStyleCnt="0"/>
-      <dgm:spPr/>
-      <dgm:t>
-        <a:bodyPr/>
-        <a:lstStyle/>
-        <a:p>
-          <a:endParaRPr lang="pt-BR"/>
-        </a:p>
-      </dgm:t>
-    </dgm:pt>
-    <dgm:pt modelId="{C26A6EA6-0081-4BE7-88AC-DA923A48049B}" type="pres">
-      <dgm:prSet presAssocID="{09E1FA74-CAD4-4D8F-8C9F-47DB10A12E4C}" presName="outerBoxParent" presStyleLbl="node1" presStyleIdx="0" presStyleCnt="2" custLinFactNeighborX="4069" custLinFactNeighborY="348"/>
-      <dgm:spPr/>
-      <dgm:t>
-        <a:bodyPr/>
-        <a:lstStyle/>
-        <a:p>
-          <a:endParaRPr lang="pt-BR"/>
-        </a:p>
-      </dgm:t>
-    </dgm:pt>
-    <dgm:pt modelId="{40631DF0-C0BD-4F09-8B85-05530F809995}" type="pres">
-      <dgm:prSet presAssocID="{09E1FA74-CAD4-4D8F-8C9F-47DB10A12E4C}" presName="outerBoxChildren" presStyleCnt="0"/>
-      <dgm:spPr/>
-      <dgm:t>
-        <a:bodyPr/>
-        <a:lstStyle/>
-        <a:p>
-          <a:endParaRPr lang="pt-BR"/>
-        </a:p>
-      </dgm:t>
-    </dgm:pt>
-    <dgm:pt modelId="{55454349-EAF4-470E-BBAA-D434698917ED}" type="pres">
-      <dgm:prSet presAssocID="{2B94917F-01CC-4A71-9A16-8FAE36546B5C}" presName="oChild" presStyleLbl="fgAcc1" presStyleIdx="0" presStyleCnt="5" custScaleX="214731" custScaleY="41769" custLinFactNeighborX="56977" custLinFactNeighborY="-22830">
-        <dgm:presLayoutVars>
-          <dgm:bulletEnabled val="1"/>
-        </dgm:presLayoutVars>
-      </dgm:prSet>
-      <dgm:spPr>
-        <a:prstGeom prst="flowChartDisplay">
-          <a:avLst/>
-        </a:prstGeom>
-      </dgm:spPr>
-      <dgm:t>
-        <a:bodyPr/>
-        <a:lstStyle/>
-        <a:p>
-          <a:endParaRPr lang="pt-BR"/>
-        </a:p>
-      </dgm:t>
-    </dgm:pt>
-    <dgm:pt modelId="{CA1FC550-1840-448D-BD3E-77FE09C2581F}" type="pres">
-      <dgm:prSet presAssocID="{9159FC4B-5B3E-42A2-871F-1D19B3560545}" presName="outerSibTrans" presStyleCnt="0"/>
-      <dgm:spPr/>
-      <dgm:t>
-        <a:bodyPr/>
-        <a:lstStyle/>
-        <a:p>
-          <a:endParaRPr lang="pt-BR"/>
-        </a:p>
-      </dgm:t>
-    </dgm:pt>
-    <dgm:pt modelId="{10DC5E61-068F-4913-9663-325D256495C3}" type="pres">
-      <dgm:prSet presAssocID="{1119A085-6F07-46C4-B85B-D1CE300590BF}" presName="oChild" presStyleLbl="fgAcc1" presStyleIdx="1" presStyleCnt="5" custScaleX="214731" custScaleY="41769" custLinFactNeighborX="56977" custLinFactNeighborY="-12127">
-        <dgm:presLayoutVars>
-          <dgm:bulletEnabled val="1"/>
-        </dgm:presLayoutVars>
-      </dgm:prSet>
-      <dgm:spPr>
-        <a:prstGeom prst="flowChartDisplay">
-          <a:avLst/>
-        </a:prstGeom>
-      </dgm:spPr>
-      <dgm:t>
-        <a:bodyPr/>
-        <a:lstStyle/>
-        <a:p>
-          <a:endParaRPr lang="pt-BR"/>
-        </a:p>
-      </dgm:t>
-    </dgm:pt>
-    <dgm:pt modelId="{9D009C0A-DC49-4FB9-8035-CFE162EBF8B3}" type="pres">
-      <dgm:prSet presAssocID="{5B1107D9-A94B-4373-8B80-400FA79466AA}" presName="outerSibTrans" presStyleCnt="0"/>
-      <dgm:spPr/>
-      <dgm:t>
-        <a:bodyPr/>
-        <a:lstStyle/>
-        <a:p>
-          <a:endParaRPr lang="pt-BR"/>
-        </a:p>
-      </dgm:t>
-    </dgm:pt>
-    <dgm:pt modelId="{F8CD597C-AF41-4911-8CDE-B209DEFA8EFC}" type="pres">
-      <dgm:prSet presAssocID="{9386B31C-5E45-4E23-9545-29E102B9F75C}" presName="oChild" presStyleLbl="fgAcc1" presStyleIdx="2" presStyleCnt="5" custScaleX="214731" custScaleY="41769" custLinFactNeighborX="56977" custLinFactNeighborY="-1424">
-        <dgm:presLayoutVars>
-          <dgm:bulletEnabled val="1"/>
-        </dgm:presLayoutVars>
-      </dgm:prSet>
-      <dgm:spPr>
-        <a:prstGeom prst="flowChartDisplay">
-          <a:avLst/>
-        </a:prstGeom>
-      </dgm:spPr>
-      <dgm:t>
-        <a:bodyPr/>
-        <a:lstStyle/>
-        <a:p>
-          <a:endParaRPr lang="pt-BR"/>
-        </a:p>
-      </dgm:t>
-    </dgm:pt>
-    <dgm:pt modelId="{FF808A2F-0229-448C-A3CC-A68AD4541AE0}" type="pres">
-      <dgm:prSet presAssocID="{09E1FA74-CAD4-4D8F-8C9F-47DB10A12E4C}" presName="middleBox" presStyleCnt="0"/>
-      <dgm:spPr/>
-      <dgm:t>
-        <a:bodyPr/>
-        <a:lstStyle/>
-        <a:p>
-          <a:endParaRPr lang="pt-BR"/>
-        </a:p>
-      </dgm:t>
-    </dgm:pt>
-    <dgm:pt modelId="{51DE05A1-F310-4AD4-BD2A-E814179084C5}" type="pres">
-      <dgm:prSet presAssocID="{09E1FA74-CAD4-4D8F-8C9F-47DB10A12E4C}" presName="middleBoxParent" presStyleLbl="node1" presStyleIdx="1" presStyleCnt="2" custScaleX="80419" custScaleY="103559" custLinFactNeighborX="10611" custLinFactNeighborY="3169"/>
-      <dgm:spPr/>
-      <dgm:t>
-        <a:bodyPr/>
-        <a:lstStyle/>
-        <a:p>
-          <a:endParaRPr lang="pt-BR"/>
-        </a:p>
-      </dgm:t>
-    </dgm:pt>
-    <dgm:pt modelId="{5A816AC3-B5D5-4277-8DF0-2E4895570095}" type="pres">
-      <dgm:prSet presAssocID="{09E1FA74-CAD4-4D8F-8C9F-47DB10A12E4C}" presName="middleBoxChildren" presStyleCnt="0"/>
-      <dgm:spPr/>
-      <dgm:t>
-        <a:bodyPr/>
-        <a:lstStyle/>
-        <a:p>
-          <a:endParaRPr lang="pt-BR"/>
-        </a:p>
-      </dgm:t>
-    </dgm:pt>
-    <dgm:pt modelId="{7FBFBAC4-2975-4795-ADC7-4B54CCBAEAB1}" type="pres">
-      <dgm:prSet presAssocID="{3973E519-921D-4357-808F-65EA81567642}" presName="mChild" presStyleLbl="fgAcc1" presStyleIdx="3" presStyleCnt="5" custScaleX="38307" custScaleY="71368" custLinFactX="19249" custLinFactNeighborX="100000" custLinFactNeighborY="-691">
-        <dgm:presLayoutVars>
-          <dgm:bulletEnabled val="1"/>
-        </dgm:presLayoutVars>
-      </dgm:prSet>
-      <dgm:spPr>
-        <a:prstGeom prst="flowChartDisplay">
-          <a:avLst/>
-        </a:prstGeom>
-      </dgm:spPr>
-      <dgm:t>
-        <a:bodyPr/>
-        <a:lstStyle/>
-        <a:p>
-          <a:endParaRPr lang="pt-BR"/>
-        </a:p>
-      </dgm:t>
-    </dgm:pt>
-    <dgm:pt modelId="{380C533E-C74C-4832-9E8A-669287DCE079}" type="pres">
-      <dgm:prSet presAssocID="{ED0B01CC-F5BD-4E3D-9811-96F476147302}" presName="middleSibTrans" presStyleCnt="0"/>
-      <dgm:spPr/>
-      <dgm:t>
-        <a:bodyPr/>
-        <a:lstStyle/>
-        <a:p>
-          <a:endParaRPr lang="pt-BR"/>
-        </a:p>
-      </dgm:t>
-    </dgm:pt>
-    <dgm:pt modelId="{C233A43E-286F-4E8D-BC0D-A6E7625559B2}" type="pres">
-      <dgm:prSet presAssocID="{25E09C33-42FD-4F52-8CB0-452BF541B7EE}" presName="mChild" presStyleLbl="fgAcc1" presStyleIdx="4" presStyleCnt="5" custScaleX="39061" custScaleY="71368" custLinFactX="18470" custLinFactNeighborX="100000" custLinFactNeighborY="-2763">
-        <dgm:presLayoutVars>
-          <dgm:bulletEnabled val="1"/>
-        </dgm:presLayoutVars>
-      </dgm:prSet>
-      <dgm:spPr>
-        <a:prstGeom prst="flowChartDisplay">
-          <a:avLst/>
-        </a:prstGeom>
-      </dgm:spPr>
-      <dgm:t>
-        <a:bodyPr/>
-        <a:lstStyle/>
-        <a:p>
-          <a:endParaRPr lang="pt-BR"/>
-        </a:p>
-      </dgm:t>
-    </dgm:pt>
-  </dgm:ptLst>
-  <dgm:cxnLst>
-    <dgm:cxn modelId="{426C3B10-AC34-460C-A304-941DA2997EEF}" type="presOf" srcId="{09E1FA74-CAD4-4D8F-8C9F-47DB10A12E4C}" destId="{FD0A912F-A5FF-4195-8F6E-F1107C247D33}" srcOrd="0" destOrd="0" presId="urn:microsoft.com/office/officeart/2005/8/layout/target2"/>
-    <dgm:cxn modelId="{925D1D41-F295-4BF5-8F35-6B0283EB1660}" srcId="{09E1FA74-CAD4-4D8F-8C9F-47DB10A12E4C}" destId="{B41D75AE-2A29-4277-8DBB-D5E9CED79C4D}" srcOrd="0" destOrd="0" parTransId="{E4BA2DF7-CD16-40C5-8D39-63D87AB06BAE}" sibTransId="{49219BB6-AF08-4355-8AAC-CB63EB613BD5}"/>
-    <dgm:cxn modelId="{B2FC2E59-E0BF-4CD3-9D3D-E86B294BD972}" srcId="{B41D75AE-2A29-4277-8DBB-D5E9CED79C4D}" destId="{1119A085-6F07-46C4-B85B-D1CE300590BF}" srcOrd="1" destOrd="0" parTransId="{A201BA82-5ACD-41C4-A756-1020B1F24B4A}" sibTransId="{5B1107D9-A94B-4373-8B80-400FA79466AA}"/>
-    <dgm:cxn modelId="{707FFF28-2F42-47B1-AF9C-ADF519D8B5EB}" type="presOf" srcId="{3973E519-921D-4357-808F-65EA81567642}" destId="{7FBFBAC4-2975-4795-ADC7-4B54CCBAEAB1}" srcOrd="0" destOrd="0" presId="urn:microsoft.com/office/officeart/2005/8/layout/target2"/>
-    <dgm:cxn modelId="{63AF8B90-41F1-4468-A6F5-BAA7319821CA}" type="presOf" srcId="{2B94917F-01CC-4A71-9A16-8FAE36546B5C}" destId="{55454349-EAF4-470E-BBAA-D434698917ED}" srcOrd="0" destOrd="0" presId="urn:microsoft.com/office/officeart/2005/8/layout/target2"/>
-    <dgm:cxn modelId="{762F7717-D26E-4D1C-A6FD-498F6E1B02A3}" srcId="{22AB3F71-BC8F-4768-888B-F6E1856CFD5B}" destId="{3973E519-921D-4357-808F-65EA81567642}" srcOrd="0" destOrd="0" parTransId="{74AF20CE-7799-4C8E-A894-EE0C2D449A5F}" sibTransId="{ED0B01CC-F5BD-4E3D-9811-96F476147302}"/>
-    <dgm:cxn modelId="{ABC03601-362A-489C-B301-16AAA4E2B732}" type="presOf" srcId="{B41D75AE-2A29-4277-8DBB-D5E9CED79C4D}" destId="{C26A6EA6-0081-4BE7-88AC-DA923A48049B}" srcOrd="0" destOrd="0" presId="urn:microsoft.com/office/officeart/2005/8/layout/target2"/>
-    <dgm:cxn modelId="{61055A83-F922-4350-9380-CFE46E9497BE}" type="presOf" srcId="{9386B31C-5E45-4E23-9545-29E102B9F75C}" destId="{F8CD597C-AF41-4911-8CDE-B209DEFA8EFC}" srcOrd="0" destOrd="0" presId="urn:microsoft.com/office/officeart/2005/8/layout/target2"/>
-    <dgm:cxn modelId="{2FFE2D2F-5254-486D-A83F-5A8A96275BDB}" srcId="{22AB3F71-BC8F-4768-888B-F6E1856CFD5B}" destId="{25E09C33-42FD-4F52-8CB0-452BF541B7EE}" srcOrd="1" destOrd="0" parTransId="{2E5C60CF-085B-4C66-A01B-83A3AF9AC5CE}" sibTransId="{F9299BC1-DA27-4702-A02B-E2D61037A6E5}"/>
-    <dgm:cxn modelId="{600AD4AE-0545-4933-B03C-C176DBDB557C}" srcId="{B41D75AE-2A29-4277-8DBB-D5E9CED79C4D}" destId="{2B94917F-01CC-4A71-9A16-8FAE36546B5C}" srcOrd="0" destOrd="0" parTransId="{417D8286-04D5-40B8-9DD8-FB9B660136A4}" sibTransId="{9159FC4B-5B3E-42A2-871F-1D19B3560545}"/>
-    <dgm:cxn modelId="{D407E21F-2FB2-486B-85B9-E1A242433F11}" type="presOf" srcId="{25E09C33-42FD-4F52-8CB0-452BF541B7EE}" destId="{C233A43E-286F-4E8D-BC0D-A6E7625559B2}" srcOrd="0" destOrd="0" presId="urn:microsoft.com/office/officeart/2005/8/layout/target2"/>
-    <dgm:cxn modelId="{5FB89280-146C-4EF7-B075-DCAA25CB7C0B}" type="presOf" srcId="{1119A085-6F07-46C4-B85B-D1CE300590BF}" destId="{10DC5E61-068F-4913-9663-325D256495C3}" srcOrd="0" destOrd="0" presId="urn:microsoft.com/office/officeart/2005/8/layout/target2"/>
-    <dgm:cxn modelId="{2C1BC967-8769-46FF-A481-D45F7FB44D2D}" type="presOf" srcId="{22AB3F71-BC8F-4768-888B-F6E1856CFD5B}" destId="{51DE05A1-F310-4AD4-BD2A-E814179084C5}" srcOrd="0" destOrd="0" presId="urn:microsoft.com/office/officeart/2005/8/layout/target2"/>
-    <dgm:cxn modelId="{4162AF35-F4B6-484B-85F5-7EA768BB9E8E}" srcId="{B41D75AE-2A29-4277-8DBB-D5E9CED79C4D}" destId="{9386B31C-5E45-4E23-9545-29E102B9F75C}" srcOrd="2" destOrd="0" parTransId="{E5DE2FC0-1550-46BE-897B-AE2B5F4C4F50}" sibTransId="{81D5BC8E-7E40-419C-B9FD-4110FCC5033E}"/>
-    <dgm:cxn modelId="{47F9B3B4-FA63-45BD-B156-69D5C1732BE8}" srcId="{09E1FA74-CAD4-4D8F-8C9F-47DB10A12E4C}" destId="{22AB3F71-BC8F-4768-888B-F6E1856CFD5B}" srcOrd="1" destOrd="0" parTransId="{72548C30-62AA-4264-A91B-6E316ED2D1D5}" sibTransId="{C9F02517-C147-4C66-A0F0-11E0F557FBA6}"/>
-    <dgm:cxn modelId="{16E8C1E6-70FB-4022-92B1-0898AD7615A5}" type="presParOf" srcId="{FD0A912F-A5FF-4195-8F6E-F1107C247D33}" destId="{773AB8ED-F4AA-404C-834D-C3DDB163AC49}" srcOrd="0" destOrd="0" presId="urn:microsoft.com/office/officeart/2005/8/layout/target2"/>
-    <dgm:cxn modelId="{B231CFE6-040F-4F36-934A-8F1C58DBB4C6}" type="presParOf" srcId="{773AB8ED-F4AA-404C-834D-C3DDB163AC49}" destId="{C26A6EA6-0081-4BE7-88AC-DA923A48049B}" srcOrd="0" destOrd="0" presId="urn:microsoft.com/office/officeart/2005/8/layout/target2"/>
-    <dgm:cxn modelId="{36F10470-1CAB-4D37-96B9-51BBDA2806A8}" type="presParOf" srcId="{773AB8ED-F4AA-404C-834D-C3DDB163AC49}" destId="{40631DF0-C0BD-4F09-8B85-05530F809995}" srcOrd="1" destOrd="0" presId="urn:microsoft.com/office/officeart/2005/8/layout/target2"/>
-    <dgm:cxn modelId="{73EA30D4-40F5-4F16-9D74-ED4E21CC4F9B}" type="presParOf" srcId="{40631DF0-C0BD-4F09-8B85-05530F809995}" destId="{55454349-EAF4-470E-BBAA-D434698917ED}" srcOrd="0" destOrd="0" presId="urn:microsoft.com/office/officeart/2005/8/layout/target2"/>
-    <dgm:cxn modelId="{145BBE44-2C13-4B57-B5A5-58B0FF55EB6C}" type="presParOf" srcId="{40631DF0-C0BD-4F09-8B85-05530F809995}" destId="{CA1FC550-1840-448D-BD3E-77FE09C2581F}" srcOrd="1" destOrd="0" presId="urn:microsoft.com/office/officeart/2005/8/layout/target2"/>
-    <dgm:cxn modelId="{B51EE98A-E32E-40C1-AD31-30FFF28B20A9}" type="presParOf" srcId="{40631DF0-C0BD-4F09-8B85-05530F809995}" destId="{10DC5E61-068F-4913-9663-325D256495C3}" srcOrd="2" destOrd="0" presId="urn:microsoft.com/office/officeart/2005/8/layout/target2"/>
-    <dgm:cxn modelId="{719B4C0A-542C-4C7E-8561-128DB40ACB43}" type="presParOf" srcId="{40631DF0-C0BD-4F09-8B85-05530F809995}" destId="{9D009C0A-DC49-4FB9-8035-CFE162EBF8B3}" srcOrd="3" destOrd="0" presId="urn:microsoft.com/office/officeart/2005/8/layout/target2"/>
-    <dgm:cxn modelId="{BBD6C3E4-8C6D-4277-B4F5-BCECE8531298}" type="presParOf" srcId="{40631DF0-C0BD-4F09-8B85-05530F809995}" destId="{F8CD597C-AF41-4911-8CDE-B209DEFA8EFC}" srcOrd="4" destOrd="0" presId="urn:microsoft.com/office/officeart/2005/8/layout/target2"/>
-    <dgm:cxn modelId="{805BE890-1EA1-4D90-BB01-CC71980433FF}" type="presParOf" srcId="{FD0A912F-A5FF-4195-8F6E-F1107C247D33}" destId="{FF808A2F-0229-448C-A3CC-A68AD4541AE0}" srcOrd="1" destOrd="0" presId="urn:microsoft.com/office/officeart/2005/8/layout/target2"/>
-    <dgm:cxn modelId="{D935850C-459A-4AB6-B2C0-1DCECEC76925}" type="presParOf" srcId="{FF808A2F-0229-448C-A3CC-A68AD4541AE0}" destId="{51DE05A1-F310-4AD4-BD2A-E814179084C5}" srcOrd="0" destOrd="0" presId="urn:microsoft.com/office/officeart/2005/8/layout/target2"/>
-    <dgm:cxn modelId="{9C0CEF6E-9D22-4A2B-A1B5-50D5ADBD7101}" type="presParOf" srcId="{FF808A2F-0229-448C-A3CC-A68AD4541AE0}" destId="{5A816AC3-B5D5-4277-8DF0-2E4895570095}" srcOrd="1" destOrd="0" presId="urn:microsoft.com/office/officeart/2005/8/layout/target2"/>
-    <dgm:cxn modelId="{EE4DF673-F193-44A3-95DE-75E30AC8B86C}" type="presParOf" srcId="{5A816AC3-B5D5-4277-8DF0-2E4895570095}" destId="{7FBFBAC4-2975-4795-ADC7-4B54CCBAEAB1}" srcOrd="0" destOrd="0" presId="urn:microsoft.com/office/officeart/2005/8/layout/target2"/>
-    <dgm:cxn modelId="{EC2304C4-090F-4230-82A8-07C04AF442A0}" type="presParOf" srcId="{5A816AC3-B5D5-4277-8DF0-2E4895570095}" destId="{380C533E-C74C-4832-9E8A-669287DCE079}" srcOrd="1" destOrd="0" presId="urn:microsoft.com/office/officeart/2005/8/layout/target2"/>
-    <dgm:cxn modelId="{1F7FE894-7401-479C-87E0-720078B3FA82}" type="presParOf" srcId="{5A816AC3-B5D5-4277-8DF0-2E4895570095}" destId="{C233A43E-286F-4E8D-BC0D-A6E7625559B2}" srcOrd="2" destOrd="0" presId="urn:microsoft.com/office/officeart/2005/8/layout/target2"/>
-  </dgm:cxnLst>
-  <dgm:bg/>
-  <dgm:whole/>
-  <dgm:extLst>
-    <a:ext uri="http://schemas.microsoft.com/office/drawing/2008/diagram">
-      <dsp:dataModelExt xmlns:dsp="http://schemas.microsoft.com/office/drawing/2008/diagram" xmlns="" relId="rId6" minVer="http://schemas.openxmlformats.org/drawingml/2006/diagram"/>
+      <dsp:dataModelExt xmlns="" xmlns:dsp="http://schemas.microsoft.com/office/drawing/2008/diagram" relId="rId6" minVer="http://schemas.openxmlformats.org/drawingml/2006/diagram"/>
     </a:ext>
   </dgm:extLst>
 </dgm:dataModel>
@@ -7308,7 +7247,7 @@
 <dgm:dataModel xmlns:dgm="http://schemas.openxmlformats.org/drawingml/2006/diagram" xmlns:a="http://schemas.openxmlformats.org/drawingml/2006/main">
   <dgm:ptLst>
     <dgm:pt modelId="{4412B91F-CF8D-4A42-83DF-7CDCCDA80F7D}" type="doc">
-      <dgm:prSet loTypeId="urn:microsoft.com/office/officeart/2005/8/layout/hProcess4" loCatId="process" qsTypeId="urn:microsoft.com/office/officeart/2005/8/quickstyle/3d1" qsCatId="3D" csTypeId="urn:microsoft.com/office/officeart/2005/8/colors/accent2_1" csCatId="accent2" phldr="1"/>
+      <dgm:prSet loTypeId="urn:microsoft.com/office/officeart/2005/8/layout/process3" loCatId="process" qsTypeId="urn:microsoft.com/office/officeart/2005/8/quickstyle/3d1" qsCatId="3D" csTypeId="urn:microsoft.com/office/officeart/2005/8/colors/accent1_2" csCatId="accent1" phldr="1"/>
       <dgm:spPr/>
       <dgm:t>
         <a:bodyPr/>
@@ -7319,40 +7258,21 @@
       </dgm:t>
     </dgm:pt>
     <dgm:pt modelId="{7DFE07BF-9A88-4152-9E58-09C9E20DB3CE}">
-      <dgm:prSet phldrT="[Texto]" custT="1">
-        <dgm:style>
-          <a:lnRef idx="0">
-            <a:schemeClr val="accent6"/>
-          </a:lnRef>
-          <a:fillRef idx="3">
-            <a:schemeClr val="accent6"/>
-          </a:fillRef>
-          <a:effectRef idx="3">
-            <a:schemeClr val="accent6"/>
-          </a:effectRef>
-          <a:fontRef idx="minor">
-            <a:schemeClr val="lt1"/>
-          </a:fontRef>
-        </dgm:style>
-      </dgm:prSet>
+      <dgm:prSet phldrT="[Texto]" custT="1"/>
       <dgm:spPr/>
       <dgm:t>
         <a:bodyPr/>
         <a:lstStyle/>
         <a:p>
           <a:r>
-            <a:rPr lang="pt-BR" sz="1600" b="1" dirty="0" smtClean="0">
-              <a:solidFill>
-                <a:srgbClr val="0070C0"/>
-              </a:solidFill>
-            </a:rPr>
-            <a:t>Base de dados </a:t>
+            <a:rPr lang="pt-BR" sz="2000" b="1" smtClean="0"/>
+            <a:t>Base </a:t>
           </a:r>
-          <a:endParaRPr lang="pt-BR" sz="1600" b="1" dirty="0">
-            <a:solidFill>
-              <a:srgbClr val="0070C0"/>
-            </a:solidFill>
-          </a:endParaRPr>
+          <a:r>
+            <a:rPr lang="pt-BR" sz="2000" b="1" dirty="0" smtClean="0"/>
+            <a:t>de dados </a:t>
+          </a:r>
+          <a:endParaRPr lang="pt-BR" sz="2000" b="1" dirty="0"/>
         </a:p>
       </dgm:t>
     </dgm:pt>
@@ -7379,40 +7299,17 @@
       </dgm:t>
     </dgm:pt>
     <dgm:pt modelId="{3865D5FF-DA00-4906-B6F5-07C839464584}">
-      <dgm:prSet phldrT="[Texto]" custT="1">
-        <dgm:style>
-          <a:lnRef idx="0">
-            <a:schemeClr val="accent6"/>
-          </a:lnRef>
-          <a:fillRef idx="3">
-            <a:schemeClr val="accent6"/>
-          </a:fillRef>
-          <a:effectRef idx="3">
-            <a:schemeClr val="accent6"/>
-          </a:effectRef>
-          <a:fontRef idx="minor">
-            <a:schemeClr val="lt1"/>
-          </a:fontRef>
-        </dgm:style>
-      </dgm:prSet>
+      <dgm:prSet phldrT="[Texto]" custT="1"/>
       <dgm:spPr/>
       <dgm:t>
         <a:bodyPr/>
         <a:lstStyle/>
         <a:p>
           <a:r>
-            <a:rPr lang="pt-BR" sz="1600" b="1" dirty="0" smtClean="0">
-              <a:solidFill>
-                <a:srgbClr val="0070C0"/>
-              </a:solidFill>
-            </a:rPr>
+            <a:rPr lang="pt-BR" sz="2000" b="1" dirty="0" smtClean="0"/>
             <a:t>Aplicação</a:t>
           </a:r>
-          <a:endParaRPr lang="pt-BR" sz="1600" b="1" dirty="0">
-            <a:solidFill>
-              <a:srgbClr val="0070C0"/>
-            </a:solidFill>
-          </a:endParaRPr>
+          <a:endParaRPr lang="pt-BR" sz="2000" b="1" dirty="0"/>
         </a:p>
       </dgm:t>
     </dgm:pt>
@@ -7439,40 +7336,17 @@
       </dgm:t>
     </dgm:pt>
     <dgm:pt modelId="{F3A2DAB8-2AB9-419A-82D3-D743A16978C8}">
-      <dgm:prSet phldrT="[Texto]" custT="1">
-        <dgm:style>
-          <a:lnRef idx="0">
-            <a:schemeClr val="accent6"/>
-          </a:lnRef>
-          <a:fillRef idx="3">
-            <a:schemeClr val="accent6"/>
-          </a:fillRef>
-          <a:effectRef idx="3">
-            <a:schemeClr val="accent6"/>
-          </a:effectRef>
-          <a:fontRef idx="minor">
-            <a:schemeClr val="lt1"/>
-          </a:fontRef>
-        </dgm:style>
-      </dgm:prSet>
+      <dgm:prSet phldrT="[Texto]" custT="1"/>
       <dgm:spPr/>
       <dgm:t>
         <a:bodyPr/>
         <a:lstStyle/>
         <a:p>
           <a:r>
-            <a:rPr lang="pt-BR" sz="1600" b="1" dirty="0" smtClean="0">
-              <a:solidFill>
-                <a:srgbClr val="0070C0"/>
-              </a:solidFill>
-            </a:rPr>
+            <a:rPr lang="pt-BR" sz="2000" b="1" dirty="0" smtClean="0"/>
             <a:t>Usuário</a:t>
           </a:r>
-          <a:endParaRPr lang="pt-BR" sz="1600" b="1" dirty="0">
-            <a:solidFill>
-              <a:srgbClr val="0070C0"/>
-            </a:solidFill>
-          </a:endParaRPr>
+          <a:endParaRPr lang="pt-BR" sz="2000" b="1" dirty="0"/>
         </a:p>
       </dgm:t>
     </dgm:pt>
@@ -7499,44 +7373,17 @@
       </dgm:t>
     </dgm:pt>
     <dgm:pt modelId="{2F3DF7DE-E5C9-4440-80D1-538313244BE6}">
-      <dgm:prSet phldrT="[Texto]" custT="1">
-        <dgm:style>
-          <a:lnRef idx="0">
-            <a:schemeClr val="accent6"/>
-          </a:lnRef>
-          <a:fillRef idx="3">
-            <a:schemeClr val="accent6"/>
-          </a:fillRef>
-          <a:effectRef idx="3">
-            <a:schemeClr val="accent6"/>
-          </a:effectRef>
-          <a:fontRef idx="minor">
-            <a:schemeClr val="lt1"/>
-          </a:fontRef>
-        </dgm:style>
-      </dgm:prSet>
+      <dgm:prSet phldrT="[Texto]" custT="1"/>
       <dgm:spPr/>
       <dgm:t>
         <a:bodyPr/>
         <a:lstStyle/>
         <a:p>
           <a:r>
-            <a:rPr lang="pt-BR" sz="1600" b="1" dirty="0" smtClean="0">
-              <a:solidFill>
-                <a:schemeClr val="bg1">
-                  <a:lumMod val="85000"/>
-                </a:schemeClr>
-              </a:solidFill>
-            </a:rPr>
+            <a:rPr lang="pt-BR" sz="2400" b="1" dirty="0" smtClean="0"/>
             <a:t>Processa de solicitações de usuário</a:t>
           </a:r>
-          <a:endParaRPr lang="pt-BR" sz="1600" b="1" dirty="0">
-            <a:solidFill>
-              <a:schemeClr val="bg1">
-                <a:lumMod val="85000"/>
-              </a:schemeClr>
-            </a:solidFill>
-          </a:endParaRPr>
+          <a:endParaRPr lang="pt-BR" sz="2400" b="1" dirty="0"/>
         </a:p>
       </dgm:t>
     </dgm:pt>
@@ -7562,35 +7409,74 @@
         </a:p>
       </dgm:t>
     </dgm:pt>
-    <dgm:pt modelId="{7F7E1F91-F6F4-48A9-B4FA-337B2EBD2C9A}">
-      <dgm:prSet phldrT="[Texto]" custT="1">
-        <dgm:style>
-          <a:lnRef idx="0">
-            <a:schemeClr val="accent6"/>
-          </a:lnRef>
-          <a:fillRef idx="3">
-            <a:schemeClr val="accent6"/>
-          </a:fillRef>
-          <a:effectRef idx="3">
-            <a:schemeClr val="accent6"/>
-          </a:effectRef>
-          <a:fontRef idx="minor">
-            <a:schemeClr val="lt1"/>
-          </a:fontRef>
-        </dgm:style>
-      </dgm:prSet>
+    <dgm:pt modelId="{80BADE98-2C43-40D5-937A-874A1B627145}">
+      <dgm:prSet phldrT="[Texto]" custT="1"/>
       <dgm:spPr/>
       <dgm:t>
         <a:bodyPr/>
         <a:lstStyle/>
         <a:p>
-          <a:endParaRPr lang="pt-BR" sz="1600" b="1" dirty="0">
+          <a:r>
+            <a:rPr lang="pt-BR" sz="2400" b="1" dirty="0" smtClean="0"/>
+            <a:t>Dispositivo de conexão com sistema</a:t>
+          </a:r>
+          <a:endParaRPr lang="pt-BR" sz="2400" b="1" dirty="0">
             <a:solidFill>
-              <a:schemeClr val="bg1">
-                <a:lumMod val="85000"/>
-              </a:schemeClr>
+              <a:srgbClr val="66FFFF"/>
             </a:solidFill>
           </a:endParaRPr>
+        </a:p>
+      </dgm:t>
+    </dgm:pt>
+    <dgm:pt modelId="{61694F4E-3BB3-4806-8315-F9C9DE55D766}" type="parTrans" cxnId="{81BAC1B0-D183-4179-9A55-029F538E675D}">
+      <dgm:prSet/>
+      <dgm:spPr/>
+      <dgm:t>
+        <a:bodyPr/>
+        <a:lstStyle/>
+        <a:p>
+          <a:endParaRPr lang="pt-BR"/>
+        </a:p>
+      </dgm:t>
+    </dgm:pt>
+    <dgm:pt modelId="{1B940CC1-D5C1-4465-A2E5-B629FA2D9A4E}" type="sibTrans" cxnId="{81BAC1B0-D183-4179-9A55-029F538E675D}">
+      <dgm:prSet/>
+      <dgm:spPr/>
+      <dgm:t>
+        <a:bodyPr/>
+        <a:lstStyle/>
+        <a:p>
+          <a:endParaRPr lang="pt-BR"/>
+        </a:p>
+      </dgm:t>
+    </dgm:pt>
+    <dgm:pt modelId="{7F7E1F91-F6F4-48A9-B4FA-337B2EBD2C9A}">
+      <dgm:prSet phldrT="[Texto]" custT="1"/>
+      <dgm:spPr/>
+      <dgm:t>
+        <a:bodyPr/>
+        <a:lstStyle/>
+        <a:p>
+          <a:r>
+            <a:rPr lang="pt-BR" sz="2400" b="1" dirty="0" smtClean="0"/>
+            <a:t>Ambiente de servidor de dados</a:t>
+          </a:r>
+          <a:endParaRPr lang="pt-BR" sz="2400" b="1" dirty="0">
+            <a:solidFill>
+              <a:srgbClr val="66FFFF"/>
+            </a:solidFill>
+          </a:endParaRPr>
+        </a:p>
+      </dgm:t>
+    </dgm:pt>
+    <dgm:pt modelId="{0FC519C8-F4CD-4D2A-B852-2C233866BAF3}" type="sibTrans" cxnId="{5CB851DE-B309-4D32-BF02-58D05478E534}">
+      <dgm:prSet/>
+      <dgm:spPr/>
+      <dgm:t>
+        <a:bodyPr/>
+        <a:lstStyle/>
+        <a:p>
+          <a:endParaRPr lang="pt-BR"/>
         </a:p>
       </dgm:t>
     </dgm:pt>
@@ -7605,201 +7491,8 @@
         </a:p>
       </dgm:t>
     </dgm:pt>
-    <dgm:pt modelId="{0FC519C8-F4CD-4D2A-B852-2C233866BAF3}" type="sibTrans" cxnId="{5CB851DE-B309-4D32-BF02-58D05478E534}">
-      <dgm:prSet/>
-      <dgm:spPr/>
-      <dgm:t>
-        <a:bodyPr/>
-        <a:lstStyle/>
-        <a:p>
-          <a:endParaRPr lang="pt-BR"/>
-        </a:p>
-      </dgm:t>
-    </dgm:pt>
-    <dgm:pt modelId="{1198010A-7CD9-47DF-8300-D5AB8FDF717B}">
-      <dgm:prSet phldrT="[Texto]" custT="1">
-        <dgm:style>
-          <a:lnRef idx="0">
-            <a:schemeClr val="accent6"/>
-          </a:lnRef>
-          <a:fillRef idx="3">
-            <a:schemeClr val="accent6"/>
-          </a:fillRef>
-          <a:effectRef idx="3">
-            <a:schemeClr val="accent6"/>
-          </a:effectRef>
-          <a:fontRef idx="minor">
-            <a:schemeClr val="lt1"/>
-          </a:fontRef>
-        </dgm:style>
-      </dgm:prSet>
-      <dgm:spPr/>
-      <dgm:t>
-        <a:bodyPr/>
-        <a:lstStyle/>
-        <a:p>
-          <a:r>
-            <a:rPr lang="pt-BR" sz="1600" b="1" dirty="0" smtClean="0">
-              <a:solidFill>
-                <a:schemeClr val="bg1">
-                  <a:lumMod val="85000"/>
-                </a:schemeClr>
-              </a:solidFill>
-            </a:rPr>
-            <a:t>Ambiente de servidor de dados</a:t>
-          </a:r>
-          <a:endParaRPr lang="pt-BR" sz="1600" b="1" dirty="0">
-            <a:solidFill>
-              <a:schemeClr val="bg1">
-                <a:lumMod val="85000"/>
-              </a:schemeClr>
-            </a:solidFill>
-          </a:endParaRPr>
-        </a:p>
-      </dgm:t>
-    </dgm:pt>
-    <dgm:pt modelId="{67755E1A-2705-4297-9986-0E390CA27394}" type="parTrans" cxnId="{BF29565E-C27D-4C89-8F7E-C084E8C699E7}">
-      <dgm:prSet/>
-      <dgm:spPr/>
-      <dgm:t>
-        <a:bodyPr/>
-        <a:lstStyle/>
-        <a:p>
-          <a:endParaRPr lang="pt-BR"/>
-        </a:p>
-      </dgm:t>
-    </dgm:pt>
-    <dgm:pt modelId="{0231FB8D-A362-4F4A-8E56-6DAC699F1D6F}" type="sibTrans" cxnId="{BF29565E-C27D-4C89-8F7E-C084E8C699E7}">
-      <dgm:prSet/>
-      <dgm:spPr/>
-      <dgm:t>
-        <a:bodyPr/>
-        <a:lstStyle/>
-        <a:p>
-          <a:endParaRPr lang="pt-BR"/>
-        </a:p>
-      </dgm:t>
-    </dgm:pt>
-    <dgm:pt modelId="{FFBB95A5-64CA-4277-8EC9-9A4877C06A11}">
-      <dgm:prSet phldrT="[Texto]" custT="1">
-        <dgm:style>
-          <a:lnRef idx="0">
-            <a:schemeClr val="accent6"/>
-          </a:lnRef>
-          <a:fillRef idx="3">
-            <a:schemeClr val="accent6"/>
-          </a:fillRef>
-          <a:effectRef idx="3">
-            <a:schemeClr val="accent6"/>
-          </a:effectRef>
-          <a:fontRef idx="minor">
-            <a:schemeClr val="lt1"/>
-          </a:fontRef>
-        </dgm:style>
-      </dgm:prSet>
-      <dgm:spPr/>
-      <dgm:t>
-        <a:bodyPr/>
-        <a:lstStyle/>
-        <a:p>
-          <a:r>
-            <a:rPr lang="pt-BR" sz="1600" b="1" dirty="0" smtClean="0">
-              <a:solidFill>
-                <a:schemeClr val="bg1">
-                  <a:lumMod val="85000"/>
-                </a:schemeClr>
-              </a:solidFill>
-            </a:rPr>
-            <a:t>Dispositivo de conexão com sistema</a:t>
-          </a:r>
-          <a:endParaRPr lang="pt-BR" sz="1600" b="1" dirty="0">
-            <a:solidFill>
-              <a:schemeClr val="bg1">
-                <a:lumMod val="85000"/>
-              </a:schemeClr>
-            </a:solidFill>
-          </a:endParaRPr>
-        </a:p>
-      </dgm:t>
-    </dgm:pt>
-    <dgm:pt modelId="{49EC4B80-42F4-4C68-8C02-F267FE81602E}" type="sibTrans" cxnId="{286DB79C-095B-4A03-8241-456F11CF2F5D}">
-      <dgm:prSet/>
-      <dgm:spPr/>
-      <dgm:t>
-        <a:bodyPr/>
-        <a:lstStyle/>
-        <a:p>
-          <a:endParaRPr lang="pt-BR"/>
-        </a:p>
-      </dgm:t>
-    </dgm:pt>
-    <dgm:pt modelId="{E5A1EA11-2B41-4DD3-8BF1-0CF84454CAE5}" type="parTrans" cxnId="{286DB79C-095B-4A03-8241-456F11CF2F5D}">
-      <dgm:prSet/>
-      <dgm:spPr/>
-      <dgm:t>
-        <a:bodyPr/>
-        <a:lstStyle/>
-        <a:p>
-          <a:endParaRPr lang="pt-BR"/>
-        </a:p>
-      </dgm:t>
-    </dgm:pt>
-    <dgm:pt modelId="{80BADE98-2C43-40D5-937A-874A1B627145}">
-      <dgm:prSet phldrT="[Texto]" custT="1">
-        <dgm:style>
-          <a:lnRef idx="0">
-            <a:schemeClr val="accent6"/>
-          </a:lnRef>
-          <a:fillRef idx="3">
-            <a:schemeClr val="accent6"/>
-          </a:fillRef>
-          <a:effectRef idx="3">
-            <a:schemeClr val="accent6"/>
-          </a:effectRef>
-          <a:fontRef idx="minor">
-            <a:schemeClr val="lt1"/>
-          </a:fontRef>
-        </dgm:style>
-      </dgm:prSet>
-      <dgm:spPr/>
-      <dgm:t>
-        <a:bodyPr/>
-        <a:lstStyle/>
-        <a:p>
-          <a:endParaRPr lang="pt-BR" sz="1600" b="1" dirty="0">
-            <a:solidFill>
-              <a:schemeClr val="bg1">
-                <a:lumMod val="85000"/>
-              </a:schemeClr>
-            </a:solidFill>
-          </a:endParaRPr>
-        </a:p>
-      </dgm:t>
-    </dgm:pt>
-    <dgm:pt modelId="{61694F4E-3BB3-4806-8315-F9C9DE55D766}" type="parTrans" cxnId="{81BAC1B0-D183-4179-9A55-029F538E675D}">
-      <dgm:prSet/>
-      <dgm:spPr/>
-      <dgm:t>
-        <a:bodyPr/>
-        <a:lstStyle/>
-        <a:p>
-          <a:endParaRPr lang="pt-BR"/>
-        </a:p>
-      </dgm:t>
-    </dgm:pt>
-    <dgm:pt modelId="{1B940CC1-D5C1-4465-A2E5-B629FA2D9A4E}" type="sibTrans" cxnId="{81BAC1B0-D183-4179-9A55-029F538E675D}">
-      <dgm:prSet/>
-      <dgm:spPr/>
-      <dgm:t>
-        <a:bodyPr/>
-        <a:lstStyle/>
-        <a:p>
-          <a:endParaRPr lang="pt-BR"/>
-        </a:p>
-      </dgm:t>
-    </dgm:pt>
-    <dgm:pt modelId="{50C663CD-616C-44EE-98F1-BB5FDDDEDCC8}" type="pres">
-      <dgm:prSet presAssocID="{4412B91F-CF8D-4A42-83DF-7CDCCDA80F7D}" presName="Name0" presStyleCnt="0">
+    <dgm:pt modelId="{CC0EE527-85CD-48F3-B644-D95743DA8B8E}" type="pres">
+      <dgm:prSet presAssocID="{4412B91F-CF8D-4A42-83DF-7CDCCDA80F7D}" presName="linearFlow" presStyleCnt="0">
         <dgm:presLayoutVars>
           <dgm:dir/>
           <dgm:animLvl val="lvl"/>
@@ -7815,45 +7508,24 @@
         </a:p>
       </dgm:t>
     </dgm:pt>
-    <dgm:pt modelId="{138CD9C0-127E-45DD-BA5D-F929D722FD16}" type="pres">
-      <dgm:prSet presAssocID="{4412B91F-CF8D-4A42-83DF-7CDCCDA80F7D}" presName="tSp" presStyleCnt="0"/>
+    <dgm:pt modelId="{77B2758C-7769-4628-AD70-3783AE199BD2}" type="pres">
+      <dgm:prSet presAssocID="{7DFE07BF-9A88-4152-9E58-09C9E20DB3CE}" presName="composite" presStyleCnt="0"/>
       <dgm:spPr/>
-    </dgm:pt>
-    <dgm:pt modelId="{EF0649EA-CFC7-443D-9E0B-71BBF1A268A7}" type="pres">
-      <dgm:prSet presAssocID="{4412B91F-CF8D-4A42-83DF-7CDCCDA80F7D}" presName="bSp" presStyleCnt="0"/>
-      <dgm:spPr/>
-    </dgm:pt>
-    <dgm:pt modelId="{2FA38D1F-3777-488A-AF41-E467FA0BCCBE}" type="pres">
-      <dgm:prSet presAssocID="{4412B91F-CF8D-4A42-83DF-7CDCCDA80F7D}" presName="process" presStyleCnt="0"/>
-      <dgm:spPr/>
-    </dgm:pt>
-    <dgm:pt modelId="{89DDC4F3-F3F3-4239-A83C-C491858470CF}" type="pres">
-      <dgm:prSet presAssocID="{7DFE07BF-9A88-4152-9E58-09C9E20DB3CE}" presName="composite1" presStyleCnt="0"/>
-      <dgm:spPr/>
-    </dgm:pt>
-    <dgm:pt modelId="{CE4C2E72-3724-46B2-B8A7-7325163EB628}" type="pres">
-      <dgm:prSet presAssocID="{7DFE07BF-9A88-4152-9E58-09C9E20DB3CE}" presName="dummyNode1" presStyleLbl="node1" presStyleIdx="0" presStyleCnt="3"/>
-      <dgm:spPr/>
-    </dgm:pt>
-    <dgm:pt modelId="{77351131-57DF-4AF2-A89D-95AF9C6149DC}" type="pres">
-      <dgm:prSet presAssocID="{7DFE07BF-9A88-4152-9E58-09C9E20DB3CE}" presName="childNode1" presStyleLbl="bgAcc1" presStyleIdx="0" presStyleCnt="3" custScaleX="97209" custScaleY="78394" custLinFactNeighborX="5058" custLinFactNeighborY="11394">
+      <dgm:t>
+        <a:bodyPr/>
+        <a:lstStyle/>
+        <a:p>
+          <a:endParaRPr lang="pt-BR"/>
+        </a:p>
+      </dgm:t>
+    </dgm:pt>
+    <dgm:pt modelId="{0135851C-059A-4F41-A717-89AAE1AEB50F}" type="pres">
+      <dgm:prSet presAssocID="{7DFE07BF-9A88-4152-9E58-09C9E20DB3CE}" presName="parTx" presStyleLbl="node1" presStyleIdx="0" presStyleCnt="3">
         <dgm:presLayoutVars>
+          <dgm:chMax val="0"/>
+          <dgm:chPref val="0"/>
           <dgm:bulletEnabled val="1"/>
         </dgm:presLayoutVars>
-        <dgm:style>
-          <a:lnRef idx="1">
-            <a:schemeClr val="accent3"/>
-          </a:lnRef>
-          <a:fillRef idx="3">
-            <a:schemeClr val="accent3"/>
-          </a:fillRef>
-          <a:effectRef idx="2">
-            <a:schemeClr val="accent3"/>
-          </a:effectRef>
-          <a:fontRef idx="minor">
-            <a:schemeClr val="lt1"/>
-          </a:fontRef>
-        </dgm:style>
       </dgm:prSet>
       <dgm:spPr/>
       <dgm:t>
@@ -7864,8 +7536,19 @@
         </a:p>
       </dgm:t>
     </dgm:pt>
-    <dgm:pt modelId="{CEA85225-BA33-4729-B542-7DD51242ADCB}" type="pres">
-      <dgm:prSet presAssocID="{7DFE07BF-9A88-4152-9E58-09C9E20DB3CE}" presName="childNode1tx" presStyleLbl="bgAcc1" presStyleIdx="0" presStyleCnt="3">
+    <dgm:pt modelId="{0485A0FB-C96E-42E5-BCAA-9C72A8F02D43}" type="pres">
+      <dgm:prSet presAssocID="{7DFE07BF-9A88-4152-9E58-09C9E20DB3CE}" presName="parSh" presStyleLbl="node1" presStyleIdx="0" presStyleCnt="3" custScaleX="118442" custScaleY="119776" custLinFactNeighborX="580" custLinFactNeighborY="-24051"/>
+      <dgm:spPr/>
+      <dgm:t>
+        <a:bodyPr/>
+        <a:lstStyle/>
+        <a:p>
+          <a:endParaRPr lang="pt-BR"/>
+        </a:p>
+      </dgm:t>
+    </dgm:pt>
+    <dgm:pt modelId="{01AD925A-7CA7-4489-9AE4-70C9408355AF}" type="pres">
+      <dgm:prSet presAssocID="{7DFE07BF-9A88-4152-9E58-09C9E20DB3CE}" presName="desTx" presStyleLbl="fgAcc1" presStyleIdx="0" presStyleCnt="3" custScaleX="123543">
         <dgm:presLayoutVars>
           <dgm:bulletEnabled val="1"/>
         </dgm:presLayoutVars>
@@ -7879,10 +7562,48 @@
         </a:p>
       </dgm:t>
     </dgm:pt>
-    <dgm:pt modelId="{168FD8A5-9BA3-47FA-8D32-ED60BCA98D24}" type="pres">
-      <dgm:prSet presAssocID="{7DFE07BF-9A88-4152-9E58-09C9E20DB3CE}" presName="parentNode1" presStyleLbl="node1" presStyleIdx="0" presStyleCnt="3" custScaleY="127711" custLinFactY="-100000" custLinFactNeighborX="4390" custLinFactNeighborY="-128365">
+    <dgm:pt modelId="{9986BED9-1E6C-4CA8-9EA5-87820C541D88}" type="pres">
+      <dgm:prSet presAssocID="{E68D9850-B3A4-4979-A4D0-E3D401A29AB5}" presName="sibTrans" presStyleLbl="sibTrans2D1" presStyleIdx="0" presStyleCnt="2" custScaleX="148110"/>
+      <dgm:spPr>
+        <a:prstGeom prst="leftRightArrow">
+          <a:avLst/>
+        </a:prstGeom>
+      </dgm:spPr>
+      <dgm:t>
+        <a:bodyPr/>
+        <a:lstStyle/>
+        <a:p>
+          <a:endParaRPr lang="pt-BR"/>
+        </a:p>
+      </dgm:t>
+    </dgm:pt>
+    <dgm:pt modelId="{E4A5A372-2D69-40DC-9020-A18D4ABB5405}" type="pres">
+      <dgm:prSet presAssocID="{E68D9850-B3A4-4979-A4D0-E3D401A29AB5}" presName="connTx" presStyleLbl="sibTrans2D1" presStyleIdx="0" presStyleCnt="2"/>
+      <dgm:spPr/>
+      <dgm:t>
+        <a:bodyPr/>
+        <a:lstStyle/>
+        <a:p>
+          <a:endParaRPr lang="pt-BR"/>
+        </a:p>
+      </dgm:t>
+    </dgm:pt>
+    <dgm:pt modelId="{906ED97C-B2A0-409A-ADD8-A528A71BF7A3}" type="pres">
+      <dgm:prSet presAssocID="{3865D5FF-DA00-4906-B6F5-07C839464584}" presName="composite" presStyleCnt="0"/>
+      <dgm:spPr/>
+      <dgm:t>
+        <a:bodyPr/>
+        <a:lstStyle/>
+        <a:p>
+          <a:endParaRPr lang="pt-BR"/>
+        </a:p>
+      </dgm:t>
+    </dgm:pt>
+    <dgm:pt modelId="{E0453C94-1B77-4126-81A7-EE21FDBFFF1D}" type="pres">
+      <dgm:prSet presAssocID="{3865D5FF-DA00-4906-B6F5-07C839464584}" presName="parTx" presStyleLbl="node1" presStyleIdx="0" presStyleCnt="3">
         <dgm:presLayoutVars>
-          <dgm:chMax val="1"/>
+          <dgm:chMax val="0"/>
+          <dgm:chPref val="0"/>
           <dgm:bulletEnabled val="1"/>
         </dgm:presLayoutVars>
       </dgm:prSet>
@@ -7895,53 +7616,8 @@
         </a:p>
       </dgm:t>
     </dgm:pt>
-    <dgm:pt modelId="{19E0FD0D-A5E1-4500-9E66-9120DFF7FD2E}" type="pres">
-      <dgm:prSet presAssocID="{7DFE07BF-9A88-4152-9E58-09C9E20DB3CE}" presName="connSite1" presStyleCnt="0"/>
-      <dgm:spPr/>
-    </dgm:pt>
-    <dgm:pt modelId="{BB47B8A7-A69A-47BA-8429-499D75D98923}" type="pres">
-      <dgm:prSet presAssocID="{E68D9850-B3A4-4979-A4D0-E3D401A29AB5}" presName="Name9" presStyleLbl="sibTrans2D1" presStyleIdx="0" presStyleCnt="2" custFlipVert="0" custFlipHor="0" custScaleX="1831" custScaleY="3418" custLinFactNeighborX="54407" custLinFactNeighborY="71931"/>
-      <dgm:spPr>
-        <a:prstGeom prst="mathMultiply">
-          <a:avLst/>
-        </a:prstGeom>
-      </dgm:spPr>
-      <dgm:t>
-        <a:bodyPr/>
-        <a:lstStyle/>
-        <a:p>
-          <a:endParaRPr lang="pt-BR"/>
-        </a:p>
-      </dgm:t>
-    </dgm:pt>
-    <dgm:pt modelId="{F416103B-C45A-486D-81AB-4454CBBAB63C}" type="pres">
-      <dgm:prSet presAssocID="{3865D5FF-DA00-4906-B6F5-07C839464584}" presName="composite2" presStyleCnt="0"/>
-      <dgm:spPr/>
-    </dgm:pt>
-    <dgm:pt modelId="{62D91DAE-84AE-4F97-8159-CA8D1E702613}" type="pres">
-      <dgm:prSet presAssocID="{3865D5FF-DA00-4906-B6F5-07C839464584}" presName="dummyNode2" presStyleLbl="node1" presStyleIdx="0" presStyleCnt="3"/>
-      <dgm:spPr/>
-    </dgm:pt>
-    <dgm:pt modelId="{0C27C69B-3C82-4A7E-9AEC-146B678149A2}" type="pres">
-      <dgm:prSet presAssocID="{3865D5FF-DA00-4906-B6F5-07C839464584}" presName="childNode2" presStyleLbl="bgAcc1" presStyleIdx="1" presStyleCnt="3" custScaleX="97209" custScaleY="78394" custLinFactNeighborX="10213" custLinFactNeighborY="5456">
-        <dgm:presLayoutVars>
-          <dgm:bulletEnabled val="1"/>
-        </dgm:presLayoutVars>
-        <dgm:style>
-          <a:lnRef idx="1">
-            <a:schemeClr val="accent3"/>
-          </a:lnRef>
-          <a:fillRef idx="3">
-            <a:schemeClr val="accent3"/>
-          </a:fillRef>
-          <a:effectRef idx="2">
-            <a:schemeClr val="accent3"/>
-          </a:effectRef>
-          <a:fontRef idx="minor">
-            <a:schemeClr val="lt1"/>
-          </a:fontRef>
-        </dgm:style>
-      </dgm:prSet>
+    <dgm:pt modelId="{6F0A5B10-B2E3-4C10-8EF4-E66809BE6F24}" type="pres">
+      <dgm:prSet presAssocID="{3865D5FF-DA00-4906-B6F5-07C839464584}" presName="parSh" presStyleLbl="node1" presStyleIdx="1" presStyleCnt="3" custScaleX="129382" custScaleY="119776" custLinFactNeighborX="-469" custLinFactNeighborY="-24051"/>
       <dgm:spPr/>
       <dgm:t>
         <a:bodyPr/>
@@ -7951,8 +7627,8 @@
         </a:p>
       </dgm:t>
     </dgm:pt>
-    <dgm:pt modelId="{39B7AE1B-7006-4AD9-AFC0-AD9AB09ED28C}" type="pres">
-      <dgm:prSet presAssocID="{3865D5FF-DA00-4906-B6F5-07C839464584}" presName="childNode2tx" presStyleLbl="bgAcc1" presStyleIdx="1" presStyleCnt="3">
+    <dgm:pt modelId="{F26C71D2-1B5B-43C3-9D83-12F332E90749}" type="pres">
+      <dgm:prSet presAssocID="{3865D5FF-DA00-4906-B6F5-07C839464584}" presName="desTx" presStyleLbl="fgAcc1" presStyleIdx="1" presStyleCnt="3" custScaleX="123543">
         <dgm:presLayoutVars>
           <dgm:bulletEnabled val="1"/>
         </dgm:presLayoutVars>
@@ -7966,10 +7642,48 @@
         </a:p>
       </dgm:t>
     </dgm:pt>
-    <dgm:pt modelId="{85BA2879-403E-43AC-A59E-A90A5FACC251}" type="pres">
-      <dgm:prSet presAssocID="{3865D5FF-DA00-4906-B6F5-07C839464584}" presName="parentNode2" presStyleLbl="node1" presStyleIdx="1" presStyleCnt="3" custScaleY="127711" custLinFactNeighborX="13574" custLinFactNeighborY="-8887">
+    <dgm:pt modelId="{6426DFE0-48C9-4067-B292-3D8AAA497A0A}" type="pres">
+      <dgm:prSet presAssocID="{CFF97A55-CF3E-4E1D-AF04-5A3631D6CB6D}" presName="sibTrans" presStyleLbl="sibTrans2D1" presStyleIdx="1" presStyleCnt="2" custScaleX="148110"/>
+      <dgm:spPr>
+        <a:prstGeom prst="leftRightArrow">
+          <a:avLst/>
+        </a:prstGeom>
+      </dgm:spPr>
+      <dgm:t>
+        <a:bodyPr/>
+        <a:lstStyle/>
+        <a:p>
+          <a:endParaRPr lang="pt-BR"/>
+        </a:p>
+      </dgm:t>
+    </dgm:pt>
+    <dgm:pt modelId="{ADB6516E-958F-4D77-964F-7E73D0745BE8}" type="pres">
+      <dgm:prSet presAssocID="{CFF97A55-CF3E-4E1D-AF04-5A3631D6CB6D}" presName="connTx" presStyleLbl="sibTrans2D1" presStyleIdx="1" presStyleCnt="2"/>
+      <dgm:spPr/>
+      <dgm:t>
+        <a:bodyPr/>
+        <a:lstStyle/>
+        <a:p>
+          <a:endParaRPr lang="pt-BR"/>
+        </a:p>
+      </dgm:t>
+    </dgm:pt>
+    <dgm:pt modelId="{0D45DB0F-EDEF-413D-91E9-7F959D14AE05}" type="pres">
+      <dgm:prSet presAssocID="{F3A2DAB8-2AB9-419A-82D3-D743A16978C8}" presName="composite" presStyleCnt="0"/>
+      <dgm:spPr/>
+      <dgm:t>
+        <a:bodyPr/>
+        <a:lstStyle/>
+        <a:p>
+          <a:endParaRPr lang="pt-BR"/>
+        </a:p>
+      </dgm:t>
+    </dgm:pt>
+    <dgm:pt modelId="{5F67B61D-1890-4707-AC93-F90C8402B758}" type="pres">
+      <dgm:prSet presAssocID="{F3A2DAB8-2AB9-419A-82D3-D743A16978C8}" presName="parTx" presStyleLbl="node1" presStyleIdx="1" presStyleCnt="3">
         <dgm:presLayoutVars>
           <dgm:chMax val="0"/>
+          <dgm:chPref val="0"/>
           <dgm:bulletEnabled val="1"/>
         </dgm:presLayoutVars>
       </dgm:prSet>
@@ -7982,12 +7696,8 @@
         </a:p>
       </dgm:t>
     </dgm:pt>
-    <dgm:pt modelId="{38974F4D-A258-43E3-9D7E-91A1D78BB4C2}" type="pres">
-      <dgm:prSet presAssocID="{3865D5FF-DA00-4906-B6F5-07C839464584}" presName="connSite2" presStyleCnt="0"/>
-      <dgm:spPr/>
-    </dgm:pt>
-    <dgm:pt modelId="{E5E8036A-476D-4F9C-9D7B-4ED08A33C842}" type="pres">
-      <dgm:prSet presAssocID="{CFF97A55-CF3E-4E1D-AF04-5A3631D6CB6D}" presName="Name18" presStyleLbl="sibTrans2D1" presStyleIdx="1" presStyleCnt="2" custFlipVert="1" custFlipHor="0" custScaleX="1337" custScaleY="18495" custLinFactNeighborX="-97296" custLinFactNeighborY="41388"/>
+    <dgm:pt modelId="{0C769A1E-767C-46A7-9C71-600FC05CC6D4}" type="pres">
+      <dgm:prSet presAssocID="{F3A2DAB8-2AB9-419A-82D3-D743A16978C8}" presName="parSh" presStyleLbl="node1" presStyleIdx="2" presStyleCnt="3" custScaleX="127427" custScaleY="119776" custLinFactNeighborX="-469" custLinFactNeighborY="-24051"/>
       <dgm:spPr/>
       <dgm:t>
         <a:bodyPr/>
@@ -7997,45 +7707,8 @@
         </a:p>
       </dgm:t>
     </dgm:pt>
-    <dgm:pt modelId="{AD1ED0EA-8DA3-4054-AB1B-26226A9CAF81}" type="pres">
-      <dgm:prSet presAssocID="{F3A2DAB8-2AB9-419A-82D3-D743A16978C8}" presName="composite1" presStyleCnt="0"/>
-      <dgm:spPr/>
-    </dgm:pt>
-    <dgm:pt modelId="{B1E2031A-7AD3-4EBE-A697-E6D795AD0EF2}" type="pres">
-      <dgm:prSet presAssocID="{F3A2DAB8-2AB9-419A-82D3-D743A16978C8}" presName="dummyNode1" presStyleLbl="node1" presStyleIdx="1" presStyleCnt="3"/>
-      <dgm:spPr/>
-    </dgm:pt>
-    <dgm:pt modelId="{AE566E9F-D101-4F88-9692-208EF2AE8557}" type="pres">
-      <dgm:prSet presAssocID="{F3A2DAB8-2AB9-419A-82D3-D743A16978C8}" presName="childNode1" presStyleLbl="bgAcc1" presStyleIdx="2" presStyleCnt="3" custScaleX="97209" custScaleY="78394" custLinFactNeighborX="4942" custLinFactNeighborY="11394">
-        <dgm:presLayoutVars>
-          <dgm:bulletEnabled val="1"/>
-        </dgm:presLayoutVars>
-        <dgm:style>
-          <a:lnRef idx="1">
-            <a:schemeClr val="accent3"/>
-          </a:lnRef>
-          <a:fillRef idx="3">
-            <a:schemeClr val="accent3"/>
-          </a:fillRef>
-          <a:effectRef idx="2">
-            <a:schemeClr val="accent3"/>
-          </a:effectRef>
-          <a:fontRef idx="minor">
-            <a:schemeClr val="lt1"/>
-          </a:fontRef>
-        </dgm:style>
-      </dgm:prSet>
-      <dgm:spPr/>
-      <dgm:t>
-        <a:bodyPr/>
-        <a:lstStyle/>
-        <a:p>
-          <a:endParaRPr lang="pt-BR"/>
-        </a:p>
-      </dgm:t>
-    </dgm:pt>
-    <dgm:pt modelId="{388BBD37-9C2B-4172-8678-CDF3BB968BFB}" type="pres">
-      <dgm:prSet presAssocID="{F3A2DAB8-2AB9-419A-82D3-D743A16978C8}" presName="childNode1tx" presStyleLbl="bgAcc1" presStyleIdx="2" presStyleCnt="3">
+    <dgm:pt modelId="{F28562CB-6812-4937-94DD-6D3F41B217CE}" type="pres">
+      <dgm:prSet presAssocID="{F3A2DAB8-2AB9-419A-82D3-D743A16978C8}" presName="desTx" presStyleLbl="fgAcc1" presStyleIdx="2" presStyleCnt="3" custScaleX="123543">
         <dgm:presLayoutVars>
           <dgm:bulletEnabled val="1"/>
         </dgm:presLayoutVars>
@@ -8049,81 +7722,50 @@
         </a:p>
       </dgm:t>
     </dgm:pt>
-    <dgm:pt modelId="{301F9B7A-61FD-4D71-8D0E-DCB457B0DAC9}" type="pres">
-      <dgm:prSet presAssocID="{F3A2DAB8-2AB9-419A-82D3-D743A16978C8}" presName="parentNode1" presStyleLbl="node1" presStyleIdx="2" presStyleCnt="3" custScaleY="127711" custLinFactY="-100000" custLinFactNeighborX="7400" custLinFactNeighborY="-136879">
-        <dgm:presLayoutVars>
-          <dgm:chMax val="1"/>
-          <dgm:bulletEnabled val="1"/>
-        </dgm:presLayoutVars>
-      </dgm:prSet>
-      <dgm:spPr/>
-      <dgm:t>
-        <a:bodyPr/>
-        <a:lstStyle/>
-        <a:p>
-          <a:endParaRPr lang="pt-BR"/>
-        </a:p>
-      </dgm:t>
-    </dgm:pt>
-    <dgm:pt modelId="{078A6A3C-B76D-4C3E-B6DC-01589DDA040C}" type="pres">
-      <dgm:prSet presAssocID="{F3A2DAB8-2AB9-419A-82D3-D743A16978C8}" presName="connSite1" presStyleCnt="0"/>
-      <dgm:spPr/>
-    </dgm:pt>
   </dgm:ptLst>
   <dgm:cxnLst>
-    <dgm:cxn modelId="{4696573D-7AAF-40C4-A299-E5634AF135CD}" type="presOf" srcId="{80BADE98-2C43-40D5-937A-874A1B627145}" destId="{388BBD37-9C2B-4172-8678-CDF3BB968BFB}" srcOrd="1" destOrd="0" presId="urn:microsoft.com/office/officeart/2005/8/layout/hProcess4"/>
-    <dgm:cxn modelId="{BF29565E-C27D-4C89-8F7E-C084E8C699E7}" srcId="{7DFE07BF-9A88-4152-9E58-09C9E20DB3CE}" destId="{1198010A-7CD9-47DF-8300-D5AB8FDF717B}" srcOrd="1" destOrd="0" parTransId="{67755E1A-2705-4297-9986-0E390CA27394}" sibTransId="{0231FB8D-A362-4F4A-8E56-6DAC699F1D6F}"/>
-    <dgm:cxn modelId="{D8151DDD-A87C-4D2A-AE89-DC88BEAD8F5E}" type="presOf" srcId="{1198010A-7CD9-47DF-8300-D5AB8FDF717B}" destId="{CEA85225-BA33-4729-B542-7DD51242ADCB}" srcOrd="1" destOrd="1" presId="urn:microsoft.com/office/officeart/2005/8/layout/hProcess4"/>
+    <dgm:cxn modelId="{2ABFC505-761D-4C13-A6CB-CE0854F9D0DE}" type="presOf" srcId="{3865D5FF-DA00-4906-B6F5-07C839464584}" destId="{6F0A5B10-B2E3-4C10-8EF4-E66809BE6F24}" srcOrd="1" destOrd="0" presId="urn:microsoft.com/office/officeart/2005/8/layout/process3"/>
+    <dgm:cxn modelId="{81BAC1B0-D183-4179-9A55-029F538E675D}" srcId="{F3A2DAB8-2AB9-419A-82D3-D743A16978C8}" destId="{80BADE98-2C43-40D5-937A-874A1B627145}" srcOrd="0" destOrd="0" parTransId="{61694F4E-3BB3-4806-8315-F9C9DE55D766}" sibTransId="{1B940CC1-D5C1-4465-A2E5-B629FA2D9A4E}"/>
+    <dgm:cxn modelId="{782E63EF-2A81-4D45-87AA-DB7355AC4F6C}" type="presOf" srcId="{7DFE07BF-9A88-4152-9E58-09C9E20DB3CE}" destId="{0485A0FB-C96E-42E5-BCAA-9C72A8F02D43}" srcOrd="1" destOrd="0" presId="urn:microsoft.com/office/officeart/2005/8/layout/process3"/>
+    <dgm:cxn modelId="{F0F87E19-8628-4C4C-8EFA-948B72ABC85D}" type="presOf" srcId="{4412B91F-CF8D-4A42-83DF-7CDCCDA80F7D}" destId="{CC0EE527-85CD-48F3-B644-D95743DA8B8E}" srcOrd="0" destOrd="0" presId="urn:microsoft.com/office/officeart/2005/8/layout/process3"/>
+    <dgm:cxn modelId="{63B84C71-06A5-460D-8652-797129A28122}" type="presOf" srcId="{E68D9850-B3A4-4979-A4D0-E3D401A29AB5}" destId="{E4A5A372-2D69-40DC-9020-A18D4ABB5405}" srcOrd="1" destOrd="0" presId="urn:microsoft.com/office/officeart/2005/8/layout/process3"/>
+    <dgm:cxn modelId="{F52A89F1-D611-4436-8916-14DEFBEAC79D}" srcId="{4412B91F-CF8D-4A42-83DF-7CDCCDA80F7D}" destId="{7DFE07BF-9A88-4152-9E58-09C9E20DB3CE}" srcOrd="0" destOrd="0" parTransId="{F2C6A117-64F1-4ED9-9C2B-9510107D76CB}" sibTransId="{E68D9850-B3A4-4979-A4D0-E3D401A29AB5}"/>
+    <dgm:cxn modelId="{4DDC4302-FA95-4815-9D86-E44346A96A9B}" type="presOf" srcId="{F3A2DAB8-2AB9-419A-82D3-D743A16978C8}" destId="{0C769A1E-767C-46A7-9C71-600FC05CC6D4}" srcOrd="1" destOrd="0" presId="urn:microsoft.com/office/officeart/2005/8/layout/process3"/>
+    <dgm:cxn modelId="{2C7BD933-2580-4498-859B-2952411ACC5F}" type="presOf" srcId="{7DFE07BF-9A88-4152-9E58-09C9E20DB3CE}" destId="{0135851C-059A-4F41-A717-89AAE1AEB50F}" srcOrd="0" destOrd="0" presId="urn:microsoft.com/office/officeart/2005/8/layout/process3"/>
+    <dgm:cxn modelId="{5CB851DE-B309-4D32-BF02-58D05478E534}" srcId="{7DFE07BF-9A88-4152-9E58-09C9E20DB3CE}" destId="{7F7E1F91-F6F4-48A9-B4FA-337B2EBD2C9A}" srcOrd="0" destOrd="0" parTransId="{0796D45F-4D57-413D-A4BB-33573B2F1CF3}" sibTransId="{0FC519C8-F4CD-4D2A-B852-2C233866BAF3}"/>
+    <dgm:cxn modelId="{C98F67F6-2098-448B-8A63-E2EF5CDFB1A0}" type="presOf" srcId="{E68D9850-B3A4-4979-A4D0-E3D401A29AB5}" destId="{9986BED9-1E6C-4CA8-9EA5-87820C541D88}" srcOrd="0" destOrd="0" presId="urn:microsoft.com/office/officeart/2005/8/layout/process3"/>
+    <dgm:cxn modelId="{6A637A3B-899C-4509-8ECC-0083D16EC93D}" type="presOf" srcId="{80BADE98-2C43-40D5-937A-874A1B627145}" destId="{F28562CB-6812-4937-94DD-6D3F41B217CE}" srcOrd="0" destOrd="0" presId="urn:microsoft.com/office/officeart/2005/8/layout/process3"/>
+    <dgm:cxn modelId="{53E53B73-2F4A-414E-A392-96DA5283A4BE}" type="presOf" srcId="{2F3DF7DE-E5C9-4440-80D1-538313244BE6}" destId="{F26C71D2-1B5B-43C3-9D83-12F332E90749}" srcOrd="0" destOrd="0" presId="urn:microsoft.com/office/officeart/2005/8/layout/process3"/>
+    <dgm:cxn modelId="{4A7FA099-9464-4ACD-A790-6102C1584AD1}" srcId="{4412B91F-CF8D-4A42-83DF-7CDCCDA80F7D}" destId="{F3A2DAB8-2AB9-419A-82D3-D743A16978C8}" srcOrd="2" destOrd="0" parTransId="{62C15E06-9F1B-4472-A7B4-FEFADBC7E807}" sibTransId="{401344D0-ED0B-4340-9FCD-FF07FE375E6C}"/>
+    <dgm:cxn modelId="{E685725A-434D-4735-82BC-F1784D89BEC7}" type="presOf" srcId="{F3A2DAB8-2AB9-419A-82D3-D743A16978C8}" destId="{5F67B61D-1890-4707-AC93-F90C8402B758}" srcOrd="0" destOrd="0" presId="urn:microsoft.com/office/officeart/2005/8/layout/process3"/>
     <dgm:cxn modelId="{C9D8935F-6C23-483A-8258-A9CABF3C76B0}" srcId="{4412B91F-CF8D-4A42-83DF-7CDCCDA80F7D}" destId="{3865D5FF-DA00-4906-B6F5-07C839464584}" srcOrd="1" destOrd="0" parTransId="{49FB8D0F-E70F-4A66-9F99-3E0F33864CA6}" sibTransId="{CFF97A55-CF3E-4E1D-AF04-5A3631D6CB6D}"/>
-    <dgm:cxn modelId="{A5D7F522-490D-4613-A205-B81A1D2FF7FB}" type="presOf" srcId="{F3A2DAB8-2AB9-419A-82D3-D743A16978C8}" destId="{301F9B7A-61FD-4D71-8D0E-DCB457B0DAC9}" srcOrd="0" destOrd="0" presId="urn:microsoft.com/office/officeart/2005/8/layout/hProcess4"/>
-    <dgm:cxn modelId="{CABFBE03-3760-43FE-A793-4570B6274A4D}" type="presOf" srcId="{2F3DF7DE-E5C9-4440-80D1-538313244BE6}" destId="{39B7AE1B-7006-4AD9-AFC0-AD9AB09ED28C}" srcOrd="1" destOrd="0" presId="urn:microsoft.com/office/officeart/2005/8/layout/hProcess4"/>
-    <dgm:cxn modelId="{E819844F-6C63-4A97-8468-0C16FFCB7637}" type="presOf" srcId="{2F3DF7DE-E5C9-4440-80D1-538313244BE6}" destId="{0C27C69B-3C82-4A7E-9AEC-146B678149A2}" srcOrd="0" destOrd="0" presId="urn:microsoft.com/office/officeart/2005/8/layout/hProcess4"/>
-    <dgm:cxn modelId="{5CB851DE-B309-4D32-BF02-58D05478E534}" srcId="{7DFE07BF-9A88-4152-9E58-09C9E20DB3CE}" destId="{7F7E1F91-F6F4-48A9-B4FA-337B2EBD2C9A}" srcOrd="0" destOrd="0" parTransId="{0796D45F-4D57-413D-A4BB-33573B2F1CF3}" sibTransId="{0FC519C8-F4CD-4D2A-B852-2C233866BAF3}"/>
-    <dgm:cxn modelId="{B4DEC388-DC62-483F-A05C-5555B345D4B2}" type="presOf" srcId="{7F7E1F91-F6F4-48A9-B4FA-337B2EBD2C9A}" destId="{77351131-57DF-4AF2-A89D-95AF9C6149DC}" srcOrd="0" destOrd="0" presId="urn:microsoft.com/office/officeart/2005/8/layout/hProcess4"/>
-    <dgm:cxn modelId="{9ED5A29A-4F56-4F4A-943D-8B8035CAB709}" type="presOf" srcId="{FFBB95A5-64CA-4277-8EC9-9A4877C06A11}" destId="{AE566E9F-D101-4F88-9692-208EF2AE8557}" srcOrd="0" destOrd="1" presId="urn:microsoft.com/office/officeart/2005/8/layout/hProcess4"/>
-    <dgm:cxn modelId="{286DB79C-095B-4A03-8241-456F11CF2F5D}" srcId="{F3A2DAB8-2AB9-419A-82D3-D743A16978C8}" destId="{FFBB95A5-64CA-4277-8EC9-9A4877C06A11}" srcOrd="1" destOrd="0" parTransId="{E5A1EA11-2B41-4DD3-8BF1-0CF84454CAE5}" sibTransId="{49EC4B80-42F4-4C68-8C02-F267FE81602E}"/>
-    <dgm:cxn modelId="{FCD6A96D-054B-4471-90ED-6EB5ED0EBFF9}" type="presOf" srcId="{CFF97A55-CF3E-4E1D-AF04-5A3631D6CB6D}" destId="{E5E8036A-476D-4F9C-9D7B-4ED08A33C842}" srcOrd="0" destOrd="0" presId="urn:microsoft.com/office/officeart/2005/8/layout/hProcess4"/>
-    <dgm:cxn modelId="{C730B313-4D1D-4229-8314-A3150E0294B1}" type="presOf" srcId="{E68D9850-B3A4-4979-A4D0-E3D401A29AB5}" destId="{BB47B8A7-A69A-47BA-8429-499D75D98923}" srcOrd="0" destOrd="0" presId="urn:microsoft.com/office/officeart/2005/8/layout/hProcess4"/>
-    <dgm:cxn modelId="{076FA099-FCD5-4C11-8A08-746949589EB9}" type="presOf" srcId="{FFBB95A5-64CA-4277-8EC9-9A4877C06A11}" destId="{388BBD37-9C2B-4172-8678-CDF3BB968BFB}" srcOrd="1" destOrd="1" presId="urn:microsoft.com/office/officeart/2005/8/layout/hProcess4"/>
-    <dgm:cxn modelId="{F52A89F1-D611-4436-8916-14DEFBEAC79D}" srcId="{4412B91F-CF8D-4A42-83DF-7CDCCDA80F7D}" destId="{7DFE07BF-9A88-4152-9E58-09C9E20DB3CE}" srcOrd="0" destOrd="0" parTransId="{F2C6A117-64F1-4ED9-9C2B-9510107D76CB}" sibTransId="{E68D9850-B3A4-4979-A4D0-E3D401A29AB5}"/>
-    <dgm:cxn modelId="{FD321DDD-0FBF-4119-B35F-BF41A6D1FACA}" type="presOf" srcId="{80BADE98-2C43-40D5-937A-874A1B627145}" destId="{AE566E9F-D101-4F88-9692-208EF2AE8557}" srcOrd="0" destOrd="0" presId="urn:microsoft.com/office/officeart/2005/8/layout/hProcess4"/>
-    <dgm:cxn modelId="{C03BE492-3E48-4B5B-B223-BD9B09A0499C}" type="presOf" srcId="{4412B91F-CF8D-4A42-83DF-7CDCCDA80F7D}" destId="{50C663CD-616C-44EE-98F1-BB5FDDDEDCC8}" srcOrd="0" destOrd="0" presId="urn:microsoft.com/office/officeart/2005/8/layout/hProcess4"/>
-    <dgm:cxn modelId="{4A7FA099-9464-4ACD-A790-6102C1584AD1}" srcId="{4412B91F-CF8D-4A42-83DF-7CDCCDA80F7D}" destId="{F3A2DAB8-2AB9-419A-82D3-D743A16978C8}" srcOrd="2" destOrd="0" parTransId="{62C15E06-9F1B-4472-A7B4-FEFADBC7E807}" sibTransId="{401344D0-ED0B-4340-9FCD-FF07FE375E6C}"/>
-    <dgm:cxn modelId="{66AF1316-005D-4157-AB49-7D09464E8313}" type="presOf" srcId="{7F7E1F91-F6F4-48A9-B4FA-337B2EBD2C9A}" destId="{CEA85225-BA33-4729-B542-7DD51242ADCB}" srcOrd="1" destOrd="0" presId="urn:microsoft.com/office/officeart/2005/8/layout/hProcess4"/>
+    <dgm:cxn modelId="{F7B76B57-E0F7-4B01-B1E4-456EB3A552E6}" type="presOf" srcId="{7F7E1F91-F6F4-48A9-B4FA-337B2EBD2C9A}" destId="{01AD925A-7CA7-4489-9AE4-70C9408355AF}" srcOrd="0" destOrd="0" presId="urn:microsoft.com/office/officeart/2005/8/layout/process3"/>
+    <dgm:cxn modelId="{54A84918-B1E5-42A4-934B-54B333BEFA14}" type="presOf" srcId="{3865D5FF-DA00-4906-B6F5-07C839464584}" destId="{E0453C94-1B77-4126-81A7-EE21FDBFFF1D}" srcOrd="0" destOrd="0" presId="urn:microsoft.com/office/officeart/2005/8/layout/process3"/>
+    <dgm:cxn modelId="{98AD3F7A-F57A-4E45-BC55-D4C0412273B8}" type="presOf" srcId="{CFF97A55-CF3E-4E1D-AF04-5A3631D6CB6D}" destId="{6426DFE0-48C9-4067-B292-3D8AAA497A0A}" srcOrd="0" destOrd="0" presId="urn:microsoft.com/office/officeart/2005/8/layout/process3"/>
     <dgm:cxn modelId="{D058A61E-2631-4792-87A9-3570D8D2DB0F}" srcId="{3865D5FF-DA00-4906-B6F5-07C839464584}" destId="{2F3DF7DE-E5C9-4440-80D1-538313244BE6}" srcOrd="0" destOrd="0" parTransId="{3C0BC7DD-F66C-4719-92AE-5E9E7825604D}" sibTransId="{4569B2FB-90CA-4536-9206-69C81C9FC0BD}"/>
-    <dgm:cxn modelId="{F6F5BFB7-87A2-418B-8A67-5193C4B8B5C2}" type="presOf" srcId="{3865D5FF-DA00-4906-B6F5-07C839464584}" destId="{85BA2879-403E-43AC-A59E-A90A5FACC251}" srcOrd="0" destOrd="0" presId="urn:microsoft.com/office/officeart/2005/8/layout/hProcess4"/>
-    <dgm:cxn modelId="{C9B3EE4E-01DF-4274-A896-B826614E44E8}" type="presOf" srcId="{1198010A-7CD9-47DF-8300-D5AB8FDF717B}" destId="{77351131-57DF-4AF2-A89D-95AF9C6149DC}" srcOrd="0" destOrd="1" presId="urn:microsoft.com/office/officeart/2005/8/layout/hProcess4"/>
-    <dgm:cxn modelId="{96F1515C-012C-4FBA-939B-73396FC64F01}" type="presOf" srcId="{7DFE07BF-9A88-4152-9E58-09C9E20DB3CE}" destId="{168FD8A5-9BA3-47FA-8D32-ED60BCA98D24}" srcOrd="0" destOrd="0" presId="urn:microsoft.com/office/officeart/2005/8/layout/hProcess4"/>
-    <dgm:cxn modelId="{81BAC1B0-D183-4179-9A55-029F538E675D}" srcId="{F3A2DAB8-2AB9-419A-82D3-D743A16978C8}" destId="{80BADE98-2C43-40D5-937A-874A1B627145}" srcOrd="0" destOrd="0" parTransId="{61694F4E-3BB3-4806-8315-F9C9DE55D766}" sibTransId="{1B940CC1-D5C1-4465-A2E5-B629FA2D9A4E}"/>
-    <dgm:cxn modelId="{DC8F0603-A30F-4881-8DB3-C28DAA5234EB}" type="presParOf" srcId="{50C663CD-616C-44EE-98F1-BB5FDDDEDCC8}" destId="{138CD9C0-127E-45DD-BA5D-F929D722FD16}" srcOrd="0" destOrd="0" presId="urn:microsoft.com/office/officeart/2005/8/layout/hProcess4"/>
-    <dgm:cxn modelId="{5A02F5F5-BF03-478E-AB04-0CF1957AA6B2}" type="presParOf" srcId="{50C663CD-616C-44EE-98F1-BB5FDDDEDCC8}" destId="{EF0649EA-CFC7-443D-9E0B-71BBF1A268A7}" srcOrd="1" destOrd="0" presId="urn:microsoft.com/office/officeart/2005/8/layout/hProcess4"/>
-    <dgm:cxn modelId="{28FB9728-D277-4EA0-9D1D-8BA739CBDE26}" type="presParOf" srcId="{50C663CD-616C-44EE-98F1-BB5FDDDEDCC8}" destId="{2FA38D1F-3777-488A-AF41-E467FA0BCCBE}" srcOrd="2" destOrd="0" presId="urn:microsoft.com/office/officeart/2005/8/layout/hProcess4"/>
-    <dgm:cxn modelId="{B58891CF-FDF0-4FBA-83A4-C8836AF099D3}" type="presParOf" srcId="{2FA38D1F-3777-488A-AF41-E467FA0BCCBE}" destId="{89DDC4F3-F3F3-4239-A83C-C491858470CF}" srcOrd="0" destOrd="0" presId="urn:microsoft.com/office/officeart/2005/8/layout/hProcess4"/>
-    <dgm:cxn modelId="{20E5F93C-D8B7-4EF2-A6EB-F905380C2A2E}" type="presParOf" srcId="{89DDC4F3-F3F3-4239-A83C-C491858470CF}" destId="{CE4C2E72-3724-46B2-B8A7-7325163EB628}" srcOrd="0" destOrd="0" presId="urn:microsoft.com/office/officeart/2005/8/layout/hProcess4"/>
-    <dgm:cxn modelId="{A8A1A255-3E87-4E10-8244-32B98B48A13D}" type="presParOf" srcId="{89DDC4F3-F3F3-4239-A83C-C491858470CF}" destId="{77351131-57DF-4AF2-A89D-95AF9C6149DC}" srcOrd="1" destOrd="0" presId="urn:microsoft.com/office/officeart/2005/8/layout/hProcess4"/>
-    <dgm:cxn modelId="{074878F7-E244-4FA3-B3B9-EA7B3A6B6D49}" type="presParOf" srcId="{89DDC4F3-F3F3-4239-A83C-C491858470CF}" destId="{CEA85225-BA33-4729-B542-7DD51242ADCB}" srcOrd="2" destOrd="0" presId="urn:microsoft.com/office/officeart/2005/8/layout/hProcess4"/>
-    <dgm:cxn modelId="{34AD79C7-7E88-4A7A-8ACD-164C172AA6DE}" type="presParOf" srcId="{89DDC4F3-F3F3-4239-A83C-C491858470CF}" destId="{168FD8A5-9BA3-47FA-8D32-ED60BCA98D24}" srcOrd="3" destOrd="0" presId="urn:microsoft.com/office/officeart/2005/8/layout/hProcess4"/>
-    <dgm:cxn modelId="{FE251607-E5BC-4965-A4D8-D06645C487EA}" type="presParOf" srcId="{89DDC4F3-F3F3-4239-A83C-C491858470CF}" destId="{19E0FD0D-A5E1-4500-9E66-9120DFF7FD2E}" srcOrd="4" destOrd="0" presId="urn:microsoft.com/office/officeart/2005/8/layout/hProcess4"/>
-    <dgm:cxn modelId="{AE90600B-7E71-40E5-BC8A-298E3EFBB91A}" type="presParOf" srcId="{2FA38D1F-3777-488A-AF41-E467FA0BCCBE}" destId="{BB47B8A7-A69A-47BA-8429-499D75D98923}" srcOrd="1" destOrd="0" presId="urn:microsoft.com/office/officeart/2005/8/layout/hProcess4"/>
-    <dgm:cxn modelId="{6ED4AE1D-981F-4F73-94B8-791A297085BA}" type="presParOf" srcId="{2FA38D1F-3777-488A-AF41-E467FA0BCCBE}" destId="{F416103B-C45A-486D-81AB-4454CBBAB63C}" srcOrd="2" destOrd="0" presId="urn:microsoft.com/office/officeart/2005/8/layout/hProcess4"/>
-    <dgm:cxn modelId="{272DBB41-C26A-47B9-91F6-7D3E6B81390A}" type="presParOf" srcId="{F416103B-C45A-486D-81AB-4454CBBAB63C}" destId="{62D91DAE-84AE-4F97-8159-CA8D1E702613}" srcOrd="0" destOrd="0" presId="urn:microsoft.com/office/officeart/2005/8/layout/hProcess4"/>
-    <dgm:cxn modelId="{C1ACCFE2-3AA6-4638-A840-E429ED6247E3}" type="presParOf" srcId="{F416103B-C45A-486D-81AB-4454CBBAB63C}" destId="{0C27C69B-3C82-4A7E-9AEC-146B678149A2}" srcOrd="1" destOrd="0" presId="urn:microsoft.com/office/officeart/2005/8/layout/hProcess4"/>
-    <dgm:cxn modelId="{653DF506-4E38-4B3F-94D9-1BFF43945A2D}" type="presParOf" srcId="{F416103B-C45A-486D-81AB-4454CBBAB63C}" destId="{39B7AE1B-7006-4AD9-AFC0-AD9AB09ED28C}" srcOrd="2" destOrd="0" presId="urn:microsoft.com/office/officeart/2005/8/layout/hProcess4"/>
-    <dgm:cxn modelId="{B705B85E-226F-4966-ACF6-7A7BCFDD84A6}" type="presParOf" srcId="{F416103B-C45A-486D-81AB-4454CBBAB63C}" destId="{85BA2879-403E-43AC-A59E-A90A5FACC251}" srcOrd="3" destOrd="0" presId="urn:microsoft.com/office/officeart/2005/8/layout/hProcess4"/>
-    <dgm:cxn modelId="{3D72DD0F-3B54-42F8-8D17-2142FC7E1173}" type="presParOf" srcId="{F416103B-C45A-486D-81AB-4454CBBAB63C}" destId="{38974F4D-A258-43E3-9D7E-91A1D78BB4C2}" srcOrd="4" destOrd="0" presId="urn:microsoft.com/office/officeart/2005/8/layout/hProcess4"/>
-    <dgm:cxn modelId="{6AC860F9-0BA5-429A-BB0A-5289735A89D0}" type="presParOf" srcId="{2FA38D1F-3777-488A-AF41-E467FA0BCCBE}" destId="{E5E8036A-476D-4F9C-9D7B-4ED08A33C842}" srcOrd="3" destOrd="0" presId="urn:microsoft.com/office/officeart/2005/8/layout/hProcess4"/>
-    <dgm:cxn modelId="{C1BFC66E-6ECF-461B-96C0-A759A0104FA5}" type="presParOf" srcId="{2FA38D1F-3777-488A-AF41-E467FA0BCCBE}" destId="{AD1ED0EA-8DA3-4054-AB1B-26226A9CAF81}" srcOrd="4" destOrd="0" presId="urn:microsoft.com/office/officeart/2005/8/layout/hProcess4"/>
-    <dgm:cxn modelId="{9FF93874-3B3D-4721-83B9-6AD37A0F30AF}" type="presParOf" srcId="{AD1ED0EA-8DA3-4054-AB1B-26226A9CAF81}" destId="{B1E2031A-7AD3-4EBE-A697-E6D795AD0EF2}" srcOrd="0" destOrd="0" presId="urn:microsoft.com/office/officeart/2005/8/layout/hProcess4"/>
-    <dgm:cxn modelId="{FFB91E53-196B-490F-88C8-8474006A981E}" type="presParOf" srcId="{AD1ED0EA-8DA3-4054-AB1B-26226A9CAF81}" destId="{AE566E9F-D101-4F88-9692-208EF2AE8557}" srcOrd="1" destOrd="0" presId="urn:microsoft.com/office/officeart/2005/8/layout/hProcess4"/>
-    <dgm:cxn modelId="{4D5BD235-974B-4C72-BFA4-21E26C5AA4FC}" type="presParOf" srcId="{AD1ED0EA-8DA3-4054-AB1B-26226A9CAF81}" destId="{388BBD37-9C2B-4172-8678-CDF3BB968BFB}" srcOrd="2" destOrd="0" presId="urn:microsoft.com/office/officeart/2005/8/layout/hProcess4"/>
-    <dgm:cxn modelId="{6CEAE914-EE42-441C-B146-2FD8B915137A}" type="presParOf" srcId="{AD1ED0EA-8DA3-4054-AB1B-26226A9CAF81}" destId="{301F9B7A-61FD-4D71-8D0E-DCB457B0DAC9}" srcOrd="3" destOrd="0" presId="urn:microsoft.com/office/officeart/2005/8/layout/hProcess4"/>
-    <dgm:cxn modelId="{08CC8A90-2B16-4068-9C57-EE0A8E9AAAF0}" type="presParOf" srcId="{AD1ED0EA-8DA3-4054-AB1B-26226A9CAF81}" destId="{078A6A3C-B76D-4C3E-B6DC-01589DDA040C}" srcOrd="4" destOrd="0" presId="urn:microsoft.com/office/officeart/2005/8/layout/hProcess4"/>
+    <dgm:cxn modelId="{97E23C99-380C-4A30-95A7-A9D36BE51A4C}" type="presOf" srcId="{CFF97A55-CF3E-4E1D-AF04-5A3631D6CB6D}" destId="{ADB6516E-958F-4D77-964F-7E73D0745BE8}" srcOrd="1" destOrd="0" presId="urn:microsoft.com/office/officeart/2005/8/layout/process3"/>
+    <dgm:cxn modelId="{EC7650D3-7D57-4DD6-BE23-B52713BBC6B1}" type="presParOf" srcId="{CC0EE527-85CD-48F3-B644-D95743DA8B8E}" destId="{77B2758C-7769-4628-AD70-3783AE199BD2}" srcOrd="0" destOrd="0" presId="urn:microsoft.com/office/officeart/2005/8/layout/process3"/>
+    <dgm:cxn modelId="{2DF3BF4C-E0CD-42D4-8AD5-D1292590E932}" type="presParOf" srcId="{77B2758C-7769-4628-AD70-3783AE199BD2}" destId="{0135851C-059A-4F41-A717-89AAE1AEB50F}" srcOrd="0" destOrd="0" presId="urn:microsoft.com/office/officeart/2005/8/layout/process3"/>
+    <dgm:cxn modelId="{4EA38216-8BA1-48E5-9623-3C6A04305534}" type="presParOf" srcId="{77B2758C-7769-4628-AD70-3783AE199BD2}" destId="{0485A0FB-C96E-42E5-BCAA-9C72A8F02D43}" srcOrd="1" destOrd="0" presId="urn:microsoft.com/office/officeart/2005/8/layout/process3"/>
+    <dgm:cxn modelId="{AB5C2BA3-7F61-4E7A-8AF7-B9D936D2C031}" type="presParOf" srcId="{77B2758C-7769-4628-AD70-3783AE199BD2}" destId="{01AD925A-7CA7-4489-9AE4-70C9408355AF}" srcOrd="2" destOrd="0" presId="urn:microsoft.com/office/officeart/2005/8/layout/process3"/>
+    <dgm:cxn modelId="{7BBDB6B6-0D43-4F7D-8F50-AC5EDD9D81BF}" type="presParOf" srcId="{CC0EE527-85CD-48F3-B644-D95743DA8B8E}" destId="{9986BED9-1E6C-4CA8-9EA5-87820C541D88}" srcOrd="1" destOrd="0" presId="urn:microsoft.com/office/officeart/2005/8/layout/process3"/>
+    <dgm:cxn modelId="{5DB03B75-183A-42EE-945E-8364F2F526D7}" type="presParOf" srcId="{9986BED9-1E6C-4CA8-9EA5-87820C541D88}" destId="{E4A5A372-2D69-40DC-9020-A18D4ABB5405}" srcOrd="0" destOrd="0" presId="urn:microsoft.com/office/officeart/2005/8/layout/process3"/>
+    <dgm:cxn modelId="{38BE3469-0A58-4506-A53F-F8EB203418EC}" type="presParOf" srcId="{CC0EE527-85CD-48F3-B644-D95743DA8B8E}" destId="{906ED97C-B2A0-409A-ADD8-A528A71BF7A3}" srcOrd="2" destOrd="0" presId="urn:microsoft.com/office/officeart/2005/8/layout/process3"/>
+    <dgm:cxn modelId="{687AD852-6C95-4B1C-8833-8963731E39CA}" type="presParOf" srcId="{906ED97C-B2A0-409A-ADD8-A528A71BF7A3}" destId="{E0453C94-1B77-4126-81A7-EE21FDBFFF1D}" srcOrd="0" destOrd="0" presId="urn:microsoft.com/office/officeart/2005/8/layout/process3"/>
+    <dgm:cxn modelId="{32815713-A1FD-4F62-AB1B-2369ED46F18A}" type="presParOf" srcId="{906ED97C-B2A0-409A-ADD8-A528A71BF7A3}" destId="{6F0A5B10-B2E3-4C10-8EF4-E66809BE6F24}" srcOrd="1" destOrd="0" presId="urn:microsoft.com/office/officeart/2005/8/layout/process3"/>
+    <dgm:cxn modelId="{B940317A-EAAE-42DE-8165-41A20E552A9B}" type="presParOf" srcId="{906ED97C-B2A0-409A-ADD8-A528A71BF7A3}" destId="{F26C71D2-1B5B-43C3-9D83-12F332E90749}" srcOrd="2" destOrd="0" presId="urn:microsoft.com/office/officeart/2005/8/layout/process3"/>
+    <dgm:cxn modelId="{36D47478-E41C-402A-94E0-4CDDC0775703}" type="presParOf" srcId="{CC0EE527-85CD-48F3-B644-D95743DA8B8E}" destId="{6426DFE0-48C9-4067-B292-3D8AAA497A0A}" srcOrd="3" destOrd="0" presId="urn:microsoft.com/office/officeart/2005/8/layout/process3"/>
+    <dgm:cxn modelId="{965942F9-DF44-4C2E-A3B8-762572D2B4DC}" type="presParOf" srcId="{6426DFE0-48C9-4067-B292-3D8AAA497A0A}" destId="{ADB6516E-958F-4D77-964F-7E73D0745BE8}" srcOrd="0" destOrd="0" presId="urn:microsoft.com/office/officeart/2005/8/layout/process3"/>
+    <dgm:cxn modelId="{D0522B67-679B-43E3-826C-26D2A48A4756}" type="presParOf" srcId="{CC0EE527-85CD-48F3-B644-D95743DA8B8E}" destId="{0D45DB0F-EDEF-413D-91E9-7F959D14AE05}" srcOrd="4" destOrd="0" presId="urn:microsoft.com/office/officeart/2005/8/layout/process3"/>
+    <dgm:cxn modelId="{F346597C-95BF-4D66-87A3-ACEBDF3C6141}" type="presParOf" srcId="{0D45DB0F-EDEF-413D-91E9-7F959D14AE05}" destId="{5F67B61D-1890-4707-AC93-F90C8402B758}" srcOrd="0" destOrd="0" presId="urn:microsoft.com/office/officeart/2005/8/layout/process3"/>
+    <dgm:cxn modelId="{1C51C91A-E0C8-45E7-8C98-13EFC525002F}" type="presParOf" srcId="{0D45DB0F-EDEF-413D-91E9-7F959D14AE05}" destId="{0C769A1E-767C-46A7-9C71-600FC05CC6D4}" srcOrd="1" destOrd="0" presId="urn:microsoft.com/office/officeart/2005/8/layout/process3"/>
+    <dgm:cxn modelId="{D232E98E-A71B-4F7A-B4F7-59C107CDD6A4}" type="presParOf" srcId="{0D45DB0F-EDEF-413D-91E9-7F959D14AE05}" destId="{F28562CB-6812-4937-94DD-6D3F41B217CE}" srcOrd="2" destOrd="0" presId="urn:microsoft.com/office/officeart/2005/8/layout/process3"/>
   </dgm:cxnLst>
   <dgm:bg/>
   <dgm:whole/>
   <dgm:extLst>
     <a:ext uri="http://schemas.microsoft.com/office/drawing/2008/diagram">
-      <dsp:dataModelExt xmlns:dsp="http://schemas.microsoft.com/office/drawing/2008/diagram" xmlns="" relId="rId6" minVer="http://schemas.openxmlformats.org/drawingml/2006/diagram"/>
+      <dsp:dataModelExt xmlns="" xmlns:dsp="http://schemas.microsoft.com/office/drawing/2008/diagram" relId="rId6" minVer="http://schemas.openxmlformats.org/drawingml/2006/diagram"/>
     </a:ext>
   </dgm:extLst>
 </dgm:dataModel>
@@ -8605,7 +8247,7 @@
   <dgm:whole/>
   <dgm:extLst>
     <a:ext uri="http://schemas.microsoft.com/office/drawing/2008/diagram">
-      <dsp:dataModelExt xmlns:dsp="http://schemas.microsoft.com/office/drawing/2008/diagram" xmlns="" relId="rId6" minVer="http://schemas.openxmlformats.org/drawingml/2006/diagram"/>
+      <dsp:dataModelExt xmlns="" xmlns:dsp="http://schemas.microsoft.com/office/drawing/2008/diagram" relId="rId6" minVer="http://schemas.openxmlformats.org/drawingml/2006/diagram"/>
     </a:ext>
   </dgm:extLst>
 </dgm:dataModel>
@@ -9610,7 +9252,7 @@
   <dgm:whole/>
   <dgm:extLst>
     <a:ext uri="http://schemas.microsoft.com/office/drawing/2008/diagram">
-      <dsp:dataModelExt xmlns:dsp="http://schemas.microsoft.com/office/drawing/2008/diagram" xmlns="" relId="rId6" minVer="http://schemas.openxmlformats.org/drawingml/2006/diagram"/>
+      <dsp:dataModelExt xmlns="" xmlns:dsp="http://schemas.microsoft.com/office/drawing/2008/diagram" relId="rId6" minVer="http://schemas.openxmlformats.org/drawingml/2006/diagram"/>
     </a:ext>
   </dgm:extLst>
 </dgm:dataModel>
@@ -15660,307 +15302,6 @@
 </file>
 
 <file path=ppt/diagrams/layout2.xml><?xml version="1.0" encoding="utf-8"?>
-<dgm:layoutDef xmlns:dgm="http://schemas.openxmlformats.org/drawingml/2006/diagram" xmlns:a="http://schemas.openxmlformats.org/drawingml/2006/main" uniqueId="urn:microsoft.com/office/officeart/2005/8/layout/process3">
-  <dgm:title val=""/>
-  <dgm:desc val=""/>
-  <dgm:catLst>
-    <dgm:cat type="process" pri="2000"/>
-  </dgm:catLst>
-  <dgm:sampData>
-    <dgm:dataModel>
-      <dgm:ptLst>
-        <dgm:pt modelId="0" type="doc"/>
-        <dgm:pt modelId="1">
-          <dgm:prSet phldr="1"/>
-        </dgm:pt>
-        <dgm:pt modelId="11">
-          <dgm:prSet phldr="1"/>
-        </dgm:pt>
-        <dgm:pt modelId="2">
-          <dgm:prSet phldr="1"/>
-        </dgm:pt>
-        <dgm:pt modelId="21">
-          <dgm:prSet phldr="1"/>
-        </dgm:pt>
-        <dgm:pt modelId="3">
-          <dgm:prSet phldr="1"/>
-        </dgm:pt>
-        <dgm:pt modelId="31">
-          <dgm:prSet phldr="1"/>
-        </dgm:pt>
-      </dgm:ptLst>
-      <dgm:cxnLst>
-        <dgm:cxn modelId="4" srcId="0" destId="1" srcOrd="0" destOrd="0"/>
-        <dgm:cxn modelId="5" srcId="0" destId="2" srcOrd="1" destOrd="0"/>
-        <dgm:cxn modelId="6" srcId="0" destId="3" srcOrd="3" destOrd="0"/>
-        <dgm:cxn modelId="12" srcId="1" destId="11" srcOrd="0" destOrd="0"/>
-        <dgm:cxn modelId="23" srcId="2" destId="21" srcOrd="0" destOrd="0"/>
-        <dgm:cxn modelId="34" srcId="3" destId="31" srcOrd="0" destOrd="0"/>
-      </dgm:cxnLst>
-      <dgm:bg/>
-      <dgm:whole/>
-    </dgm:dataModel>
-  </dgm:sampData>
-  <dgm:styleData>
-    <dgm:dataModel>
-      <dgm:ptLst>
-        <dgm:pt modelId="0" type="doc"/>
-        <dgm:pt modelId="1">
-          <dgm:prSet phldr="1"/>
-        </dgm:pt>
-        <dgm:pt modelId="11">
-          <dgm:prSet phldr="1"/>
-        </dgm:pt>
-        <dgm:pt modelId="2">
-          <dgm:prSet phldr="1"/>
-        </dgm:pt>
-        <dgm:pt modelId="21">
-          <dgm:prSet phldr="1"/>
-        </dgm:pt>
-      </dgm:ptLst>
-      <dgm:cxnLst>
-        <dgm:cxn modelId="4" srcId="0" destId="1" srcOrd="0" destOrd="0"/>
-        <dgm:cxn modelId="5" srcId="0" destId="2" srcOrd="1" destOrd="0"/>
-        <dgm:cxn modelId="13" srcId="1" destId="11" srcOrd="0" destOrd="0"/>
-        <dgm:cxn modelId="23" srcId="2" destId="21" srcOrd="0" destOrd="0"/>
-      </dgm:cxnLst>
-      <dgm:bg/>
-      <dgm:whole/>
-    </dgm:dataModel>
-  </dgm:styleData>
-  <dgm:clrData>
-    <dgm:dataModel>
-      <dgm:ptLst>
-        <dgm:pt modelId="0" type="doc"/>
-        <dgm:pt modelId="1">
-          <dgm:prSet phldr="1"/>
-        </dgm:pt>
-        <dgm:pt modelId="11">
-          <dgm:prSet phldr="1"/>
-        </dgm:pt>
-        <dgm:pt modelId="2">
-          <dgm:prSet phldr="1"/>
-        </dgm:pt>
-        <dgm:pt modelId="21">
-          <dgm:prSet phldr="1"/>
-        </dgm:pt>
-        <dgm:pt modelId="3">
-          <dgm:prSet phldr="1"/>
-        </dgm:pt>
-        <dgm:pt modelId="31">
-          <dgm:prSet phldr="1"/>
-        </dgm:pt>
-        <dgm:pt modelId="4">
-          <dgm:prSet phldr="1"/>
-        </dgm:pt>
-        <dgm:pt modelId="41">
-          <dgm:prSet phldr="1"/>
-        </dgm:pt>
-      </dgm:ptLst>
-      <dgm:cxnLst>
-        <dgm:cxn modelId="5" srcId="0" destId="1" srcOrd="0" destOrd="0"/>
-        <dgm:cxn modelId="6" srcId="0" destId="2" srcOrd="1" destOrd="0"/>
-        <dgm:cxn modelId="7" srcId="0" destId="3" srcOrd="2" destOrd="0"/>
-        <dgm:cxn modelId="8" srcId="0" destId="4" srcOrd="3" destOrd="0"/>
-        <dgm:cxn modelId="13" srcId="1" destId="11" srcOrd="0" destOrd="0"/>
-        <dgm:cxn modelId="23" srcId="2" destId="21" srcOrd="0" destOrd="0"/>
-        <dgm:cxn modelId="33" srcId="3" destId="31" srcOrd="0" destOrd="0"/>
-        <dgm:cxn modelId="43" srcId="4" destId="41" srcOrd="0" destOrd="0"/>
-      </dgm:cxnLst>
-      <dgm:bg/>
-      <dgm:whole/>
-    </dgm:dataModel>
-  </dgm:clrData>
-  <dgm:layoutNode name="linearFlow">
-    <dgm:varLst>
-      <dgm:dir/>
-      <dgm:animLvl val="lvl"/>
-      <dgm:resizeHandles val="exact"/>
-    </dgm:varLst>
-    <dgm:choose name="Name0">
-      <dgm:if name="Name1" func="var" arg="dir" op="equ" val="norm">
-        <dgm:alg type="lin"/>
-      </dgm:if>
-      <dgm:else name="Name2">
-        <dgm:alg type="lin">
-          <dgm:param type="linDir" val="fromR"/>
-        </dgm:alg>
-      </dgm:else>
-    </dgm:choose>
-    <dgm:shape xmlns:r="http://schemas.openxmlformats.org/officeDocument/2006/relationships" r:blip="">
-      <dgm:adjLst/>
-    </dgm:shape>
-    <dgm:presOf/>
-    <dgm:constrLst>
-      <dgm:constr type="w" for="ch" forName="composite" refType="w"/>
-      <dgm:constr type="w" for="ch" ptType="sibTrans" refType="w" refFor="ch" refForName="composite" fact="0.3333"/>
-      <dgm:constr type="w" for="des" forName="parTx"/>
-      <dgm:constr type="h" for="des" forName="parTx" op="equ"/>
-      <dgm:constr type="h" for="des" forName="parSh" op="equ"/>
-      <dgm:constr type="w" for="des" forName="desTx"/>
-      <dgm:constr type="h" for="des" forName="desTx" op="equ"/>
-      <dgm:constr type="w" for="des" forName="parSh"/>
-      <dgm:constr type="primFontSz" for="des" forName="parTx" val="65"/>
-      <dgm:constr type="secFontSz" for="des" forName="desTx" refType="primFontSz" refFor="des" refForName="parTx" op="equ"/>
-      <dgm:constr type="primFontSz" for="des" forName="connTx" refType="primFontSz" refFor="des" refForName="parTx" fact="0.8"/>
-      <dgm:constr type="primFontSz" for="des" forName="connTx" refType="primFontSz" refFor="des" refForName="parTx" op="lte" fact="0.8"/>
-      <dgm:constr type="h" for="des" forName="parTx" refType="primFontSz" refFor="des" refForName="parTx" fact="0.8"/>
-      <dgm:constr type="h" for="des" forName="parSh" refType="primFontSz" refFor="des" refForName="parTx" fact="1.2"/>
-      <dgm:constr type="h" for="des" forName="desTx" refType="primFontSz" refFor="des" refForName="parTx" fact="1.6"/>
-      <dgm:constr type="h" for="des" forName="parSh" refType="h" refFor="des" refForName="parTx" op="lte" fact="1.5"/>
-      <dgm:constr type="h" for="des" forName="parSh" refType="h" refFor="des" refForName="parTx" op="gte" fact="1.5"/>
-    </dgm:constrLst>
-    <dgm:ruleLst>
-      <dgm:rule type="w" for="ch" forName="composite" val="0" fact="NaN" max="NaN"/>
-      <dgm:rule type="primFontSz" for="des" forName="parTx" val="5" fact="NaN" max="NaN"/>
-    </dgm:ruleLst>
-    <dgm:forEach name="Name3" axis="ch" ptType="node">
-      <dgm:layoutNode name="composite">
-        <dgm:alg type="composite"/>
-        <dgm:shape xmlns:r="http://schemas.openxmlformats.org/officeDocument/2006/relationships" r:blip="">
-          <dgm:adjLst/>
-        </dgm:shape>
-        <dgm:presOf/>
-        <dgm:choose name="Name4">
-          <dgm:if name="Name5" func="var" arg="dir" op="equ" val="norm">
-            <dgm:constrLst>
-              <dgm:constr type="h" refType="w" fact="1000"/>
-              <dgm:constr type="l" for="ch" forName="parTx"/>
-              <dgm:constr type="w" for="ch" forName="parTx" refType="w" fact="0.83"/>
-              <dgm:constr type="t" for="ch" forName="parTx"/>
-              <dgm:constr type="l" for="ch" forName="parSh"/>
-              <dgm:constr type="w" for="ch" forName="parSh" refType="w" refFor="ch" refForName="parTx"/>
-              <dgm:constr type="t" for="ch" forName="parSh"/>
-              <dgm:constr type="l" for="ch" forName="desTx" refType="w" fact="0.17"/>
-              <dgm:constr type="w" for="ch" forName="desTx" refType="w" refFor="ch" refForName="parTx"/>
-              <dgm:constr type="t" for="ch" forName="desTx" refType="h" refFor="ch" refForName="parTx"/>
-            </dgm:constrLst>
-          </dgm:if>
-          <dgm:else name="Name6">
-            <dgm:constrLst>
-              <dgm:constr type="h" refType="w" fact="1000"/>
-              <dgm:constr type="l" for="ch" forName="parTx" refType="w" fact="0.17"/>
-              <dgm:constr type="w" for="ch" forName="parTx" refType="w" fact="0.83"/>
-              <dgm:constr type="t" for="ch" forName="parTx"/>
-              <dgm:constr type="l" for="ch" forName="parSh" refType="w" fact="0.15"/>
-              <dgm:constr type="w" for="ch" forName="parSh" refType="w" refFor="ch" refForName="parTx"/>
-              <dgm:constr type="t" for="ch" forName="parSh"/>
-              <dgm:constr type="l" for="ch" forName="desTx"/>
-              <dgm:constr type="w" for="ch" forName="desTx" refType="w" refFor="ch" refForName="parTx"/>
-              <dgm:constr type="t" for="ch" forName="desTx" refType="h" refFor="ch" refForName="parTx"/>
-            </dgm:constrLst>
-          </dgm:else>
-        </dgm:choose>
-        <dgm:ruleLst>
-          <dgm:rule type="h" val="INF" fact="NaN" max="NaN"/>
-        </dgm:ruleLst>
-        <dgm:layoutNode name="parTx">
-          <dgm:varLst>
-            <dgm:chMax val="0"/>
-            <dgm:chPref val="0"/>
-            <dgm:bulletEnabled val="1"/>
-          </dgm:varLst>
-          <dgm:alg type="tx">
-            <dgm:param type="parTxLTRAlign" val="l"/>
-            <dgm:param type="parTxRTLAlign" val="r"/>
-            <dgm:param type="txAnchorVert" val="t"/>
-          </dgm:alg>
-          <dgm:shape xmlns:r="http://schemas.openxmlformats.org/officeDocument/2006/relationships" type="rect" r:blip="" zOrderOff="1" hideGeom="1">
-            <dgm:adjLst>
-              <dgm:adj idx="1" val="0.1"/>
-            </dgm:adjLst>
-          </dgm:shape>
-          <dgm:presOf axis="self" ptType="node"/>
-          <dgm:constrLst>
-            <dgm:constr type="h" refType="w" op="lte" fact="0.4"/>
-            <dgm:constr type="bMarg" refType="primFontSz" fact="0.3"/>
-            <dgm:constr type="h"/>
-          </dgm:constrLst>
-          <dgm:ruleLst>
-            <dgm:rule type="h" val="INF" fact="NaN" max="NaN"/>
-          </dgm:ruleLst>
-        </dgm:layoutNode>
-        <dgm:layoutNode name="parSh">
-          <dgm:alg type="sp"/>
-          <dgm:shape xmlns:r="http://schemas.openxmlformats.org/officeDocument/2006/relationships" type="roundRect" r:blip="">
-            <dgm:adjLst>
-              <dgm:adj idx="1" val="0.1"/>
-            </dgm:adjLst>
-          </dgm:shape>
-          <dgm:presOf axis="self" ptType="node"/>
-          <dgm:constrLst>
-            <dgm:constr type="h"/>
-          </dgm:constrLst>
-          <dgm:ruleLst/>
-        </dgm:layoutNode>
-        <dgm:layoutNode name="desTx" styleLbl="fgAcc1">
-          <dgm:varLst>
-            <dgm:bulletEnabled val="1"/>
-          </dgm:varLst>
-          <dgm:alg type="tx">
-            <dgm:param type="stBulletLvl" val="1"/>
-          </dgm:alg>
-          <dgm:shape xmlns:r="http://schemas.openxmlformats.org/officeDocument/2006/relationships" type="roundRect" r:blip="">
-            <dgm:adjLst>
-              <dgm:adj idx="1" val="0.1"/>
-            </dgm:adjLst>
-          </dgm:shape>
-          <dgm:presOf axis="des" ptType="node"/>
-          <dgm:constrLst>
-            <dgm:constr type="secFontSz" val="65"/>
-            <dgm:constr type="primFontSz" refType="secFontSz"/>
-            <dgm:constr type="h"/>
-          </dgm:constrLst>
-          <dgm:ruleLst>
-            <dgm:rule type="h" val="INF" fact="NaN" max="NaN"/>
-          </dgm:ruleLst>
-        </dgm:layoutNode>
-      </dgm:layoutNode>
-      <dgm:forEach name="sibTransForEach" axis="followSib" ptType="sibTrans" cnt="1">
-        <dgm:layoutNode name="sibTrans">
-          <dgm:alg type="conn">
-            <dgm:param type="begPts" val="auto"/>
-            <dgm:param type="endPts" val="auto"/>
-            <dgm:param type="srcNode" val="parTx"/>
-            <dgm:param type="dstNode" val="parTx"/>
-          </dgm:alg>
-          <dgm:shape xmlns:r="http://schemas.openxmlformats.org/officeDocument/2006/relationships" type="conn" r:blip="">
-            <dgm:adjLst/>
-          </dgm:shape>
-          <dgm:presOf axis="self"/>
-          <dgm:constrLst>
-            <dgm:constr type="h" refType="w" fact="0.62"/>
-            <dgm:constr type="connDist"/>
-            <dgm:constr type="begPad" refType="connDist" fact="0.25"/>
-            <dgm:constr type="endPad" refType="connDist" fact="0.22"/>
-          </dgm:constrLst>
-          <dgm:ruleLst/>
-          <dgm:layoutNode name="connTx">
-            <dgm:alg type="tx">
-              <dgm:param type="autoTxRot" val="grav"/>
-            </dgm:alg>
-            <dgm:shape xmlns:r="http://schemas.openxmlformats.org/officeDocument/2006/relationships" type="conn" r:blip="" hideGeom="1">
-              <dgm:adjLst/>
-            </dgm:shape>
-            <dgm:presOf axis="self"/>
-            <dgm:constrLst>
-              <dgm:constr type="lMarg"/>
-              <dgm:constr type="rMarg"/>
-              <dgm:constr type="tMarg"/>
-              <dgm:constr type="bMarg"/>
-            </dgm:constrLst>
-            <dgm:ruleLst>
-              <dgm:rule type="primFontSz" val="5" fact="NaN" max="NaN"/>
-            </dgm:ruleLst>
-          </dgm:layoutNode>
-        </dgm:layoutNode>
-      </dgm:forEach>
-    </dgm:forEach>
-  </dgm:layoutNode>
-</dgm:layoutDef>
-</file>
-
-<file path=ppt/diagrams/layout3.xml><?xml version="1.0" encoding="utf-8"?>
 <dgm:layoutDef xmlns:dgm="http://schemas.openxmlformats.org/drawingml/2006/diagram" xmlns:a="http://schemas.openxmlformats.org/drawingml/2006/main" uniqueId="urn:microsoft.com/office/officeart/2005/8/layout/target2">
   <dgm:title val=""/>
   <dgm:desc val=""/>
@@ -16742,12 +16083,12 @@
 </dgm:layoutDef>
 </file>
 
-<file path=ppt/diagrams/layout4.xml><?xml version="1.0" encoding="utf-8"?>
-<dgm:layoutDef xmlns:dgm="http://schemas.openxmlformats.org/drawingml/2006/diagram" xmlns:a="http://schemas.openxmlformats.org/drawingml/2006/main" uniqueId="urn:microsoft.com/office/officeart/2005/8/layout/hProcess4">
+<file path=ppt/diagrams/layout3.xml><?xml version="1.0" encoding="utf-8"?>
+<dgm:layoutDef xmlns:dgm="http://schemas.openxmlformats.org/drawingml/2006/diagram" xmlns:a="http://schemas.openxmlformats.org/drawingml/2006/main" uniqueId="urn:microsoft.com/office/officeart/2005/8/layout/process3">
   <dgm:title val=""/>
   <dgm:desc val=""/>
   <dgm:catLst>
-    <dgm:cat type="process" pri="4000"/>
+    <dgm:cat type="process" pri="2000"/>
   </dgm:catLst>
   <dgm:sampData>
     <dgm:dataModel>
@@ -16759,16 +16100,10 @@
         <dgm:pt modelId="11">
           <dgm:prSet phldr="1"/>
         </dgm:pt>
-        <dgm:pt modelId="12">
-          <dgm:prSet phldr="1"/>
-        </dgm:pt>
         <dgm:pt modelId="2">
           <dgm:prSet phldr="1"/>
         </dgm:pt>
         <dgm:pt modelId="21">
-          <dgm:prSet phldr="1"/>
-        </dgm:pt>
-        <dgm:pt modelId="22">
           <dgm:prSet phldr="1"/>
         </dgm:pt>
         <dgm:pt modelId="3">
@@ -16777,20 +16112,14 @@
         <dgm:pt modelId="31">
           <dgm:prSet phldr="1"/>
         </dgm:pt>
-        <dgm:pt modelId="32">
-          <dgm:prSet phldr="1"/>
-        </dgm:pt>
       </dgm:ptLst>
       <dgm:cxnLst>
         <dgm:cxn modelId="4" srcId="0" destId="1" srcOrd="0" destOrd="0"/>
         <dgm:cxn modelId="5" srcId="0" destId="2" srcOrd="1" destOrd="0"/>
-        <dgm:cxn modelId="6" srcId="0" destId="3" srcOrd="2" destOrd="0"/>
-        <dgm:cxn modelId="13" srcId="1" destId="11" srcOrd="0" destOrd="0"/>
-        <dgm:cxn modelId="14" srcId="1" destId="12" srcOrd="1" destOrd="0"/>
+        <dgm:cxn modelId="6" srcId="0" destId="3" srcOrd="3" destOrd="0"/>
+        <dgm:cxn modelId="12" srcId="1" destId="11" srcOrd="0" destOrd="0"/>
         <dgm:cxn modelId="23" srcId="2" destId="21" srcOrd="0" destOrd="0"/>
-        <dgm:cxn modelId="24" srcId="2" destId="22" srcOrd="1" destOrd="0"/>
-        <dgm:cxn modelId="33" srcId="3" destId="31" srcOrd="0" destOrd="0"/>
-        <dgm:cxn modelId="34" srcId="3" destId="32" srcOrd="1" destOrd="0"/>
+        <dgm:cxn modelId="34" srcId="3" destId="31" srcOrd="0" destOrd="0"/>
       </dgm:cxnLst>
       <dgm:bg/>
       <dgm:whole/>
@@ -16800,10 +16129,18 @@
     <dgm:dataModel>
       <dgm:ptLst>
         <dgm:pt modelId="0" type="doc"/>
-        <dgm:pt modelId="1"/>
-        <dgm:pt modelId="11"/>
-        <dgm:pt modelId="2"/>
-        <dgm:pt modelId="21"/>
+        <dgm:pt modelId="1">
+          <dgm:prSet phldr="1"/>
+        </dgm:pt>
+        <dgm:pt modelId="11">
+          <dgm:prSet phldr="1"/>
+        </dgm:pt>
+        <dgm:pt modelId="2">
+          <dgm:prSet phldr="1"/>
+        </dgm:pt>
+        <dgm:pt modelId="21">
+          <dgm:prSet phldr="1"/>
+        </dgm:pt>
       </dgm:ptLst>
       <dgm:cxnLst>
         <dgm:cxn modelId="4" srcId="0" destId="1" srcOrd="0" destOrd="0"/>
@@ -16819,14 +16156,30 @@
     <dgm:dataModel>
       <dgm:ptLst>
         <dgm:pt modelId="0" type="doc"/>
-        <dgm:pt modelId="1"/>
-        <dgm:pt modelId="11"/>
-        <dgm:pt modelId="2"/>
-        <dgm:pt modelId="21"/>
-        <dgm:pt modelId="3"/>
-        <dgm:pt modelId="31"/>
-        <dgm:pt modelId="4"/>
-        <dgm:pt modelId="41"/>
+        <dgm:pt modelId="1">
+          <dgm:prSet phldr="1"/>
+        </dgm:pt>
+        <dgm:pt modelId="11">
+          <dgm:prSet phldr="1"/>
+        </dgm:pt>
+        <dgm:pt modelId="2">
+          <dgm:prSet phldr="1"/>
+        </dgm:pt>
+        <dgm:pt modelId="21">
+          <dgm:prSet phldr="1"/>
+        </dgm:pt>
+        <dgm:pt modelId="3">
+          <dgm:prSet phldr="1"/>
+        </dgm:pt>
+        <dgm:pt modelId="31">
+          <dgm:prSet phldr="1"/>
+        </dgm:pt>
+        <dgm:pt modelId="4">
+          <dgm:prSet phldr="1"/>
+        </dgm:pt>
+        <dgm:pt modelId="41">
+          <dgm:prSet phldr="1"/>
+        </dgm:pt>
       </dgm:ptLst>
       <dgm:cxnLst>
         <dgm:cxn modelId="5" srcId="0" destId="1" srcOrd="0" destOrd="0"/>
@@ -16842,446 +16195,492 @@
       <dgm:whole/>
     </dgm:dataModel>
   </dgm:clrData>
-  <dgm:layoutNode name="Name0">
+  <dgm:layoutNode name="linearFlow">
     <dgm:varLst>
       <dgm:dir/>
       <dgm:animLvl val="lvl"/>
       <dgm:resizeHandles val="exact"/>
     </dgm:varLst>
-    <dgm:alg type="composite"/>
+    <dgm:choose name="Name0">
+      <dgm:if name="Name1" func="var" arg="dir" op="equ" val="norm">
+        <dgm:alg type="lin"/>
+      </dgm:if>
+      <dgm:else name="Name2">
+        <dgm:alg type="lin">
+          <dgm:param type="linDir" val="fromR"/>
+        </dgm:alg>
+      </dgm:else>
+    </dgm:choose>
     <dgm:shape xmlns:r="http://schemas.openxmlformats.org/officeDocument/2006/relationships" r:blip="">
       <dgm:adjLst/>
     </dgm:shape>
     <dgm:presOf/>
     <dgm:constrLst>
-      <dgm:constr type="w" for="ch" forName="tSp" refType="w"/>
-      <dgm:constr type="h" for="ch" forName="tSp" refType="h" fact="0.15"/>
-      <dgm:constr type="l" for="ch" forName="tSp"/>
-      <dgm:constr type="t" for="ch" forName="tSp"/>
-      <dgm:constr type="w" for="ch" forName="bSp" refType="w"/>
-      <dgm:constr type="h" for="ch" forName="bSp" refType="h" fact="0.15"/>
-      <dgm:constr type="l" for="ch" forName="bSp"/>
-      <dgm:constr type="t" for="ch" forName="bSp" refType="h" fact="0.85"/>
-      <dgm:constr type="w" for="ch" forName="process" refType="w"/>
-      <dgm:constr type="h" for="ch" forName="process" refType="h" fact="0.7"/>
-      <dgm:constr type="l" for="ch" forName="process"/>
-      <dgm:constr type="t" for="ch" forName="process" refType="h" fact="0.15"/>
+      <dgm:constr type="w" for="ch" forName="composite" refType="w"/>
+      <dgm:constr type="w" for="ch" ptType="sibTrans" refType="w" refFor="ch" refForName="composite" fact="0.3333"/>
+      <dgm:constr type="w" for="des" forName="parTx"/>
+      <dgm:constr type="h" for="des" forName="parTx" op="equ"/>
+      <dgm:constr type="h" for="des" forName="parSh" op="equ"/>
+      <dgm:constr type="w" for="des" forName="desTx"/>
+      <dgm:constr type="h" for="des" forName="desTx" op="equ"/>
+      <dgm:constr type="w" for="des" forName="parSh"/>
+      <dgm:constr type="primFontSz" for="des" forName="parTx" val="65"/>
+      <dgm:constr type="secFontSz" for="des" forName="desTx" refType="primFontSz" refFor="des" refForName="parTx" op="equ"/>
+      <dgm:constr type="primFontSz" for="des" forName="connTx" refType="primFontSz" refFor="des" refForName="parTx" fact="0.8"/>
+      <dgm:constr type="primFontSz" for="des" forName="connTx" refType="primFontSz" refFor="des" refForName="parTx" op="lte" fact="0.8"/>
+      <dgm:constr type="h" for="des" forName="parTx" refType="primFontSz" refFor="des" refForName="parTx" fact="0.8"/>
+      <dgm:constr type="h" for="des" forName="parSh" refType="primFontSz" refFor="des" refForName="parTx" fact="1.2"/>
+      <dgm:constr type="h" for="des" forName="desTx" refType="primFontSz" refFor="des" refForName="parTx" fact="1.6"/>
+      <dgm:constr type="h" for="des" forName="parSh" refType="h" refFor="des" refForName="parTx" op="lte" fact="1.5"/>
+      <dgm:constr type="h" for="des" forName="parSh" refType="h" refFor="des" refForName="parTx" op="gte" fact="1.5"/>
     </dgm:constrLst>
-    <dgm:ruleLst/>
-    <dgm:layoutNode name="tSp">
-      <dgm:alg type="sp"/>
-      <dgm:shape xmlns:r="http://schemas.openxmlformats.org/officeDocument/2006/relationships" r:blip="">
-        <dgm:adjLst/>
-      </dgm:shape>
-      <dgm:presOf/>
-      <dgm:constrLst/>
-      <dgm:ruleLst/>
-    </dgm:layoutNode>
-    <dgm:layoutNode name="bSp">
-      <dgm:alg type="sp"/>
-      <dgm:shape xmlns:r="http://schemas.openxmlformats.org/officeDocument/2006/relationships" r:blip="">
-        <dgm:adjLst/>
-      </dgm:shape>
-      <dgm:presOf/>
-      <dgm:constrLst/>
-      <dgm:ruleLst/>
-    </dgm:layoutNode>
-    <dgm:layoutNode name="process">
-      <dgm:choose name="Name1">
-        <dgm:if name="Name2" func="var" arg="dir" op="equ" val="norm">
-          <dgm:alg type="lin">
-            <dgm:param type="linDir" val="fromL"/>
+    <dgm:ruleLst>
+      <dgm:rule type="w" for="ch" forName="composite" val="0" fact="NaN" max="NaN"/>
+      <dgm:rule type="primFontSz" for="des" forName="parTx" val="5" fact="NaN" max="NaN"/>
+    </dgm:ruleLst>
+    <dgm:forEach name="Name3" axis="ch" ptType="node">
+      <dgm:layoutNode name="composite">
+        <dgm:alg type="composite"/>
+        <dgm:shape xmlns:r="http://schemas.openxmlformats.org/officeDocument/2006/relationships" r:blip="">
+          <dgm:adjLst/>
+        </dgm:shape>
+        <dgm:presOf/>
+        <dgm:choose name="Name4">
+          <dgm:if name="Name5" func="var" arg="dir" op="equ" val="norm">
+            <dgm:constrLst>
+              <dgm:constr type="h" refType="w" fact="1000"/>
+              <dgm:constr type="l" for="ch" forName="parTx"/>
+              <dgm:constr type="w" for="ch" forName="parTx" refType="w" fact="0.83"/>
+              <dgm:constr type="t" for="ch" forName="parTx"/>
+              <dgm:constr type="l" for="ch" forName="parSh"/>
+              <dgm:constr type="w" for="ch" forName="parSh" refType="w" refFor="ch" refForName="parTx"/>
+              <dgm:constr type="t" for="ch" forName="parSh"/>
+              <dgm:constr type="l" for="ch" forName="desTx" refType="w" fact="0.17"/>
+              <dgm:constr type="w" for="ch" forName="desTx" refType="w" refFor="ch" refForName="parTx"/>
+              <dgm:constr type="t" for="ch" forName="desTx" refType="h" refFor="ch" refForName="parTx"/>
+            </dgm:constrLst>
+          </dgm:if>
+          <dgm:else name="Name6">
+            <dgm:constrLst>
+              <dgm:constr type="h" refType="w" fact="1000"/>
+              <dgm:constr type="l" for="ch" forName="parTx" refType="w" fact="0.17"/>
+              <dgm:constr type="w" for="ch" forName="parTx" refType="w" fact="0.83"/>
+              <dgm:constr type="t" for="ch" forName="parTx"/>
+              <dgm:constr type="l" for="ch" forName="parSh" refType="w" fact="0.15"/>
+              <dgm:constr type="w" for="ch" forName="parSh" refType="w" refFor="ch" refForName="parTx"/>
+              <dgm:constr type="t" for="ch" forName="parSh"/>
+              <dgm:constr type="l" for="ch" forName="desTx"/>
+              <dgm:constr type="w" for="ch" forName="desTx" refType="w" refFor="ch" refForName="parTx"/>
+              <dgm:constr type="t" for="ch" forName="desTx" refType="h" refFor="ch" refForName="parTx"/>
+            </dgm:constrLst>
+          </dgm:else>
+        </dgm:choose>
+        <dgm:ruleLst>
+          <dgm:rule type="h" val="INF" fact="NaN" max="NaN"/>
+        </dgm:ruleLst>
+        <dgm:layoutNode name="parTx">
+          <dgm:varLst>
+            <dgm:chMax val="0"/>
+            <dgm:chPref val="0"/>
+            <dgm:bulletEnabled val="1"/>
+          </dgm:varLst>
+          <dgm:alg type="tx">
+            <dgm:param type="parTxLTRAlign" val="l"/>
+            <dgm:param type="parTxRTLAlign" val="r"/>
+            <dgm:param type="txAnchorVert" val="t"/>
           </dgm:alg>
-        </dgm:if>
-        <dgm:else name="Name3">
-          <dgm:alg type="lin">
-            <dgm:param type="linDir" val="fromR"/>
+          <dgm:shape xmlns:r="http://schemas.openxmlformats.org/officeDocument/2006/relationships" type="rect" r:blip="" zOrderOff="1" hideGeom="1">
+            <dgm:adjLst>
+              <dgm:adj idx="1" val="0.1"/>
+            </dgm:adjLst>
+          </dgm:shape>
+          <dgm:presOf axis="self" ptType="node"/>
+          <dgm:constrLst>
+            <dgm:constr type="h" refType="w" op="lte" fact="0.4"/>
+            <dgm:constr type="bMarg" refType="primFontSz" fact="0.3"/>
+            <dgm:constr type="h"/>
+          </dgm:constrLst>
+          <dgm:ruleLst>
+            <dgm:rule type="h" val="INF" fact="NaN" max="NaN"/>
+          </dgm:ruleLst>
+        </dgm:layoutNode>
+        <dgm:layoutNode name="parSh">
+          <dgm:alg type="sp"/>
+          <dgm:shape xmlns:r="http://schemas.openxmlformats.org/officeDocument/2006/relationships" type="roundRect" r:blip="">
+            <dgm:adjLst>
+              <dgm:adj idx="1" val="0.1"/>
+            </dgm:adjLst>
+          </dgm:shape>
+          <dgm:presOf axis="self" ptType="node"/>
+          <dgm:constrLst>
+            <dgm:constr type="h"/>
+          </dgm:constrLst>
+          <dgm:ruleLst/>
+        </dgm:layoutNode>
+        <dgm:layoutNode name="desTx" styleLbl="fgAcc1">
+          <dgm:varLst>
+            <dgm:bulletEnabled val="1"/>
+          </dgm:varLst>
+          <dgm:alg type="tx">
+            <dgm:param type="stBulletLvl" val="1"/>
           </dgm:alg>
-        </dgm:else>
-      </dgm:choose>
-      <dgm:shape xmlns:r="http://schemas.openxmlformats.org/officeDocument/2006/relationships" r:blip="">
-        <dgm:adjLst/>
-      </dgm:shape>
-      <dgm:presOf/>
-      <dgm:constrLst>
-        <dgm:constr type="w" for="ch" forName="composite1" refType="w"/>
-        <dgm:constr type="w" for="ch" forName="composite2" refType="w" refFor="ch" refForName="composite1" op="equ"/>
-        <dgm:constr type="h" for="ch" forName="composite1" refType="h"/>
-        <dgm:constr type="h" for="ch" forName="composite2" refType="h" refFor="ch" refForName="composite1" op="equ"/>
-        <dgm:constr type="primFontSz" for="des" forName="parentNode1" val="65"/>
-        <dgm:constr type="primFontSz" for="des" forName="parentNode2" refType="primFontSz" refFor="des" refForName="parentNode1" op="equ"/>
-        <dgm:constr type="secFontSz" for="des" forName="childNode1tx" val="65"/>
-        <dgm:constr type="secFontSz" for="des" forName="childNode2tx" refType="secFontSz" refFor="des" refForName="childNode1tx" op="equ"/>
-        <dgm:constr type="w" for="des" ptType="sibTrans" refType="w" refFor="ch" refForName="composite1" op="equ" fact="0.05"/>
-      </dgm:constrLst>
-      <dgm:ruleLst/>
-      <dgm:forEach name="Name4" axis="ch" ptType="node" step="2">
-        <dgm:layoutNode name="composite1">
-          <dgm:alg type="composite">
-            <dgm:param type="ar" val="0.943"/>
+          <dgm:shape xmlns:r="http://schemas.openxmlformats.org/officeDocument/2006/relationships" type="roundRect" r:blip="">
+            <dgm:adjLst>
+              <dgm:adj idx="1" val="0.1"/>
+            </dgm:adjLst>
+          </dgm:shape>
+          <dgm:presOf axis="des" ptType="node"/>
+          <dgm:constrLst>
+            <dgm:constr type="secFontSz" val="65"/>
+            <dgm:constr type="primFontSz" refType="secFontSz"/>
+            <dgm:constr type="h"/>
+          </dgm:constrLst>
+          <dgm:ruleLst>
+            <dgm:rule type="h" val="INF" fact="NaN" max="NaN"/>
+          </dgm:ruleLst>
+        </dgm:layoutNode>
+      </dgm:layoutNode>
+      <dgm:forEach name="sibTransForEach" axis="followSib" ptType="sibTrans" cnt="1">
+        <dgm:layoutNode name="sibTrans">
+          <dgm:alg type="conn">
+            <dgm:param type="begPts" val="auto"/>
+            <dgm:param type="endPts" val="auto"/>
+            <dgm:param type="srcNode" val="parTx"/>
+            <dgm:param type="dstNode" val="parTx"/>
           </dgm:alg>
-          <dgm:shape xmlns:r="http://schemas.openxmlformats.org/officeDocument/2006/relationships" r:blip="">
+          <dgm:shape xmlns:r="http://schemas.openxmlformats.org/officeDocument/2006/relationships" type="conn" r:blip="">
             <dgm:adjLst/>
           </dgm:shape>
-          <dgm:presOf/>
-          <dgm:choose name="Name5">
-            <dgm:if name="Name6" func="var" arg="dir" op="equ" val="norm">
-              <dgm:constrLst>
-                <dgm:constr type="h" refType="w" fact="1.06"/>
-                <dgm:constr type="w" for="ch" forName="dummyNode1" refType="w"/>
-                <dgm:constr type="h" for="ch" forName="dummyNode1" refType="h"/>
-                <dgm:constr type="t" for="ch" forName="dummyNode1"/>
-                <dgm:constr type="l" for="ch" forName="dummyNode1"/>
-                <dgm:constr type="w" for="ch" forName="childNode1" refType="w" fact="0.9"/>
-                <dgm:constr type="h" for="ch" forName="childNode1" refType="h" fact="0.7"/>
-                <dgm:constr type="t" for="ch" forName="childNode1" refType="h" fact="0.15"/>
-                <dgm:constr type="l" for="ch" forName="childNode1"/>
-                <dgm:constr type="w" for="ch" forName="childNode1tx" refType="w" fact="0.9"/>
-                <dgm:constr type="h" for="ch" forName="childNode1tx" refType="h" fact="0.55"/>
-                <dgm:constr type="t" for="ch" forName="childNode1tx" refType="h" fact="0.15"/>
-                <dgm:constr type="l" for="ch" forName="childNode1tx"/>
-                <dgm:constr type="w" for="ch" forName="parentNode1" refType="w" fact="0.8"/>
-                <dgm:constr type="h" for="ch" forName="parentNode1" refType="h" fact="0.3"/>
-                <dgm:constr type="t" for="ch" forName="parentNode1" refType="h" fact="0.7"/>
-                <dgm:constr type="l" for="ch" forName="parentNode1" refType="w" fact="0.2"/>
-                <dgm:constr type="w" for="ch" forName="connSite1" refType="w" fact="0.01"/>
-                <dgm:constr type="h" for="ch" forName="connSite1" refType="h" fact="0.01"/>
-                <dgm:constr type="t" for="ch" forName="connSite1"/>
-                <dgm:constr type="l" for="ch" forName="connSite1" refType="w" fact="0.35"/>
-              </dgm:constrLst>
-            </dgm:if>
-            <dgm:else name="Name7">
-              <dgm:constrLst>
-                <dgm:constr type="h" refType="w" fact="1.06"/>
-                <dgm:constr type="w" for="ch" forName="dummyNode1" refType="w"/>
-                <dgm:constr type="h" for="ch" forName="dummyNode1" refType="h"/>
-                <dgm:constr type="t" for="ch" forName="dummyNode1"/>
-                <dgm:constr type="l" for="ch" forName="dummyNode1"/>
-                <dgm:constr type="w" for="ch" forName="childNode1" refType="w" fact="0.9"/>
-                <dgm:constr type="h" for="ch" forName="childNode1" refType="h" fact="0.7"/>
-                <dgm:constr type="t" for="ch" forName="childNode1" refType="h" fact="0.15"/>
-                <dgm:constr type="l" for="ch" forName="childNode1" refType="w" fact="0.1"/>
-                <dgm:constr type="w" for="ch" forName="childNode1tx" refType="w" fact="0.9"/>
-                <dgm:constr type="h" for="ch" forName="childNode1tx" refType="h" fact="0.55"/>
-                <dgm:constr type="t" for="ch" forName="childNode1tx" refType="h" fact="0.15"/>
-                <dgm:constr type="l" for="ch" forName="childNode1tx" refType="w" fact="0.1"/>
-                <dgm:constr type="w" for="ch" forName="parentNode1" refType="w" fact="0.8"/>
-                <dgm:constr type="h" for="ch" forName="parentNode1" refType="h" fact="0.3"/>
-                <dgm:constr type="t" for="ch" forName="parentNode1" refType="h" fact="0.7"/>
-                <dgm:constr type="l" for="ch" forName="parentNode1"/>
-                <dgm:constr type="w" for="ch" forName="connSite1" refType="w" fact="0.01"/>
-                <dgm:constr type="h" for="ch" forName="connSite1" refType="h" fact="0.01"/>
-                <dgm:constr type="t" for="ch" forName="connSite1"/>
-                <dgm:constr type="l" for="ch" forName="connSite1" refType="w" fact="0.65"/>
-              </dgm:constrLst>
-            </dgm:else>
-          </dgm:choose>
+          <dgm:presOf axis="self"/>
+          <dgm:constrLst>
+            <dgm:constr type="h" refType="w" fact="0.62"/>
+            <dgm:constr type="connDist"/>
+            <dgm:constr type="begPad" refType="connDist" fact="0.25"/>
+            <dgm:constr type="endPad" refType="connDist" fact="0.22"/>
+          </dgm:constrLst>
           <dgm:ruleLst/>
-          <dgm:layoutNode name="dummyNode1">
-            <dgm:alg type="sp"/>
-            <dgm:shape xmlns:r="http://schemas.openxmlformats.org/officeDocument/2006/relationships" type="rect" r:blip="" hideGeom="1">
+          <dgm:layoutNode name="connTx">
+            <dgm:alg type="tx">
+              <dgm:param type="autoTxRot" val="grav"/>
+            </dgm:alg>
+            <dgm:shape xmlns:r="http://schemas.openxmlformats.org/officeDocument/2006/relationships" type="conn" r:blip="" hideGeom="1">
               <dgm:adjLst/>
-            </dgm:shape>
-            <dgm:presOf/>
-            <dgm:constrLst/>
-            <dgm:ruleLst/>
-          </dgm:layoutNode>
-          <dgm:layoutNode name="childNode1" styleLbl="bgAcc1">
-            <dgm:varLst>
-              <dgm:bulletEnabled val="1"/>
-            </dgm:varLst>
-            <dgm:alg type="sp"/>
-            <dgm:shape xmlns:r="http://schemas.openxmlformats.org/officeDocument/2006/relationships" type="roundRect" r:blip="">
-              <dgm:adjLst>
-                <dgm:adj idx="1" val="0.1"/>
-              </dgm:adjLst>
-            </dgm:shape>
-            <dgm:presOf axis="des" ptType="node"/>
-            <dgm:constrLst/>
-            <dgm:ruleLst/>
-          </dgm:layoutNode>
-          <dgm:layoutNode name="childNode1tx" styleLbl="bgAcc1">
-            <dgm:varLst>
-              <dgm:bulletEnabled val="1"/>
-            </dgm:varLst>
-            <dgm:alg type="tx">
-              <dgm:param type="stBulletLvl" val="1"/>
-            </dgm:alg>
-            <dgm:shape xmlns:r="http://schemas.openxmlformats.org/officeDocument/2006/relationships" type="roundRect" r:blip="" hideGeom="1">
-              <dgm:adjLst>
-                <dgm:adj idx="1" val="0.1"/>
-              </dgm:adjLst>
-            </dgm:shape>
-            <dgm:presOf axis="des" ptType="node"/>
-            <dgm:constrLst>
-              <dgm:constr type="secFontSz" val="65"/>
-              <dgm:constr type="primFontSz" refType="secFontSz"/>
-              <dgm:constr type="tMarg" refType="secFontSz" fact="0.15"/>
-              <dgm:constr type="bMarg" refType="secFontSz" fact="0.15"/>
-              <dgm:constr type="lMarg" refType="secFontSz" fact="0.15"/>
-              <dgm:constr type="rMarg" refType="secFontSz" fact="0.15"/>
-            </dgm:constrLst>
-            <dgm:ruleLst>
-              <dgm:rule type="secFontSz" val="5" fact="NaN" max="NaN"/>
-            </dgm:ruleLst>
-          </dgm:layoutNode>
-          <dgm:layoutNode name="parentNode1" styleLbl="node1">
-            <dgm:varLst>
-              <dgm:chMax val="1"/>
-              <dgm:bulletEnabled val="1"/>
-            </dgm:varLst>
-            <dgm:alg type="tx"/>
-            <dgm:shape xmlns:r="http://schemas.openxmlformats.org/officeDocument/2006/relationships" type="roundRect" r:blip="">
-              <dgm:adjLst>
-                <dgm:adj idx="1" val="0.1"/>
-              </dgm:adjLst>
             </dgm:shape>
             <dgm:presOf axis="self"/>
             <dgm:constrLst>
-              <dgm:constr type="tMarg" refType="primFontSz" fact="0.1"/>
-              <dgm:constr type="bMarg" refType="primFontSz" fact="0.1"/>
-              <dgm:constr type="lMarg" refType="primFontSz" fact="0.15"/>
-              <dgm:constr type="rMarg" refType="primFontSz" fact="0.15"/>
+              <dgm:constr type="lMarg"/>
+              <dgm:constr type="rMarg"/>
+              <dgm:constr type="tMarg"/>
+              <dgm:constr type="bMarg"/>
             </dgm:constrLst>
             <dgm:ruleLst>
               <dgm:rule type="primFontSz" val="5" fact="NaN" max="NaN"/>
             </dgm:ruleLst>
           </dgm:layoutNode>
-          <dgm:layoutNode name="connSite1" moveWith="childNode1">
-            <dgm:alg type="sp"/>
-            <dgm:shape xmlns:r="http://schemas.openxmlformats.org/officeDocument/2006/relationships" r:blip="">
-              <dgm:adjLst/>
-            </dgm:shape>
-            <dgm:presOf/>
-            <dgm:constrLst/>
-            <dgm:ruleLst/>
-          </dgm:layoutNode>
         </dgm:layoutNode>
-        <dgm:forEach name="Name8" axis="followSib" ptType="sibTrans" cnt="1">
-          <dgm:layoutNode name="Name9">
-            <dgm:alg type="conn">
-              <dgm:param type="connRout" val="curve"/>
-              <dgm:param type="srcNode" val="parentNode1"/>
-              <dgm:param type="dstNode" val="connSite2"/>
-              <dgm:param type="begPts" val="bCtr"/>
-              <dgm:param type="endPts" val="bCtr"/>
+      </dgm:forEach>
+    </dgm:forEach>
+  </dgm:layoutNode>
+</dgm:layoutDef>
+</file>
+
+<file path=ppt/diagrams/layout4.xml><?xml version="1.0" encoding="utf-8"?>
+<dgm:layoutDef xmlns:dgm="http://schemas.openxmlformats.org/drawingml/2006/diagram" xmlns:a="http://schemas.openxmlformats.org/drawingml/2006/main" uniqueId="urn:microsoft.com/office/officeart/2005/8/layout/process3">
+  <dgm:title val=""/>
+  <dgm:desc val=""/>
+  <dgm:catLst>
+    <dgm:cat type="process" pri="2000"/>
+  </dgm:catLst>
+  <dgm:sampData>
+    <dgm:dataModel>
+      <dgm:ptLst>
+        <dgm:pt modelId="0" type="doc"/>
+        <dgm:pt modelId="1">
+          <dgm:prSet phldr="1"/>
+        </dgm:pt>
+        <dgm:pt modelId="11">
+          <dgm:prSet phldr="1"/>
+        </dgm:pt>
+        <dgm:pt modelId="2">
+          <dgm:prSet phldr="1"/>
+        </dgm:pt>
+        <dgm:pt modelId="21">
+          <dgm:prSet phldr="1"/>
+        </dgm:pt>
+        <dgm:pt modelId="3">
+          <dgm:prSet phldr="1"/>
+        </dgm:pt>
+        <dgm:pt modelId="31">
+          <dgm:prSet phldr="1"/>
+        </dgm:pt>
+      </dgm:ptLst>
+      <dgm:cxnLst>
+        <dgm:cxn modelId="4" srcId="0" destId="1" srcOrd="0" destOrd="0"/>
+        <dgm:cxn modelId="5" srcId="0" destId="2" srcOrd="1" destOrd="0"/>
+        <dgm:cxn modelId="6" srcId="0" destId="3" srcOrd="3" destOrd="0"/>
+        <dgm:cxn modelId="12" srcId="1" destId="11" srcOrd="0" destOrd="0"/>
+        <dgm:cxn modelId="23" srcId="2" destId="21" srcOrd="0" destOrd="0"/>
+        <dgm:cxn modelId="34" srcId="3" destId="31" srcOrd="0" destOrd="0"/>
+      </dgm:cxnLst>
+      <dgm:bg/>
+      <dgm:whole/>
+    </dgm:dataModel>
+  </dgm:sampData>
+  <dgm:styleData>
+    <dgm:dataModel>
+      <dgm:ptLst>
+        <dgm:pt modelId="0" type="doc"/>
+        <dgm:pt modelId="1">
+          <dgm:prSet phldr="1"/>
+        </dgm:pt>
+        <dgm:pt modelId="11">
+          <dgm:prSet phldr="1"/>
+        </dgm:pt>
+        <dgm:pt modelId="2">
+          <dgm:prSet phldr="1"/>
+        </dgm:pt>
+        <dgm:pt modelId="21">
+          <dgm:prSet phldr="1"/>
+        </dgm:pt>
+      </dgm:ptLst>
+      <dgm:cxnLst>
+        <dgm:cxn modelId="4" srcId="0" destId="1" srcOrd="0" destOrd="0"/>
+        <dgm:cxn modelId="5" srcId="0" destId="2" srcOrd="1" destOrd="0"/>
+        <dgm:cxn modelId="13" srcId="1" destId="11" srcOrd="0" destOrd="0"/>
+        <dgm:cxn modelId="23" srcId="2" destId="21" srcOrd="0" destOrd="0"/>
+      </dgm:cxnLst>
+      <dgm:bg/>
+      <dgm:whole/>
+    </dgm:dataModel>
+  </dgm:styleData>
+  <dgm:clrData>
+    <dgm:dataModel>
+      <dgm:ptLst>
+        <dgm:pt modelId="0" type="doc"/>
+        <dgm:pt modelId="1">
+          <dgm:prSet phldr="1"/>
+        </dgm:pt>
+        <dgm:pt modelId="11">
+          <dgm:prSet phldr="1"/>
+        </dgm:pt>
+        <dgm:pt modelId="2">
+          <dgm:prSet phldr="1"/>
+        </dgm:pt>
+        <dgm:pt modelId="21">
+          <dgm:prSet phldr="1"/>
+        </dgm:pt>
+        <dgm:pt modelId="3">
+          <dgm:prSet phldr="1"/>
+        </dgm:pt>
+        <dgm:pt modelId="31">
+          <dgm:prSet phldr="1"/>
+        </dgm:pt>
+        <dgm:pt modelId="4">
+          <dgm:prSet phldr="1"/>
+        </dgm:pt>
+        <dgm:pt modelId="41">
+          <dgm:prSet phldr="1"/>
+        </dgm:pt>
+      </dgm:ptLst>
+      <dgm:cxnLst>
+        <dgm:cxn modelId="5" srcId="0" destId="1" srcOrd="0" destOrd="0"/>
+        <dgm:cxn modelId="6" srcId="0" destId="2" srcOrd="1" destOrd="0"/>
+        <dgm:cxn modelId="7" srcId="0" destId="3" srcOrd="2" destOrd="0"/>
+        <dgm:cxn modelId="8" srcId="0" destId="4" srcOrd="3" destOrd="0"/>
+        <dgm:cxn modelId="13" srcId="1" destId="11" srcOrd="0" destOrd="0"/>
+        <dgm:cxn modelId="23" srcId="2" destId="21" srcOrd="0" destOrd="0"/>
+        <dgm:cxn modelId="33" srcId="3" destId="31" srcOrd="0" destOrd="0"/>
+        <dgm:cxn modelId="43" srcId="4" destId="41" srcOrd="0" destOrd="0"/>
+      </dgm:cxnLst>
+      <dgm:bg/>
+      <dgm:whole/>
+    </dgm:dataModel>
+  </dgm:clrData>
+  <dgm:layoutNode name="linearFlow">
+    <dgm:varLst>
+      <dgm:dir/>
+      <dgm:animLvl val="lvl"/>
+      <dgm:resizeHandles val="exact"/>
+    </dgm:varLst>
+    <dgm:choose name="Name0">
+      <dgm:if name="Name1" func="var" arg="dir" op="equ" val="norm">
+        <dgm:alg type="lin"/>
+      </dgm:if>
+      <dgm:else name="Name2">
+        <dgm:alg type="lin">
+          <dgm:param type="linDir" val="fromR"/>
+        </dgm:alg>
+      </dgm:else>
+    </dgm:choose>
+    <dgm:shape xmlns:r="http://schemas.openxmlformats.org/officeDocument/2006/relationships" r:blip="">
+      <dgm:adjLst/>
+    </dgm:shape>
+    <dgm:presOf/>
+    <dgm:constrLst>
+      <dgm:constr type="w" for="ch" forName="composite" refType="w"/>
+      <dgm:constr type="w" for="ch" ptType="sibTrans" refType="w" refFor="ch" refForName="composite" fact="0.3333"/>
+      <dgm:constr type="w" for="des" forName="parTx"/>
+      <dgm:constr type="h" for="des" forName="parTx" op="equ"/>
+      <dgm:constr type="h" for="des" forName="parSh" op="equ"/>
+      <dgm:constr type="w" for="des" forName="desTx"/>
+      <dgm:constr type="h" for="des" forName="desTx" op="equ"/>
+      <dgm:constr type="w" for="des" forName="parSh"/>
+      <dgm:constr type="primFontSz" for="des" forName="parTx" val="65"/>
+      <dgm:constr type="secFontSz" for="des" forName="desTx" refType="primFontSz" refFor="des" refForName="parTx" op="equ"/>
+      <dgm:constr type="primFontSz" for="des" forName="connTx" refType="primFontSz" refFor="des" refForName="parTx" fact="0.8"/>
+      <dgm:constr type="primFontSz" for="des" forName="connTx" refType="primFontSz" refFor="des" refForName="parTx" op="lte" fact="0.8"/>
+      <dgm:constr type="h" for="des" forName="parTx" refType="primFontSz" refFor="des" refForName="parTx" fact="0.8"/>
+      <dgm:constr type="h" for="des" forName="parSh" refType="primFontSz" refFor="des" refForName="parTx" fact="1.2"/>
+      <dgm:constr type="h" for="des" forName="desTx" refType="primFontSz" refFor="des" refForName="parTx" fact="1.6"/>
+      <dgm:constr type="h" for="des" forName="parSh" refType="h" refFor="des" refForName="parTx" op="lte" fact="1.5"/>
+      <dgm:constr type="h" for="des" forName="parSh" refType="h" refFor="des" refForName="parTx" op="gte" fact="1.5"/>
+    </dgm:constrLst>
+    <dgm:ruleLst>
+      <dgm:rule type="w" for="ch" forName="composite" val="0" fact="NaN" max="NaN"/>
+      <dgm:rule type="primFontSz" for="des" forName="parTx" val="5" fact="NaN" max="NaN"/>
+    </dgm:ruleLst>
+    <dgm:forEach name="Name3" axis="ch" ptType="node">
+      <dgm:layoutNode name="composite">
+        <dgm:alg type="composite"/>
+        <dgm:shape xmlns:r="http://schemas.openxmlformats.org/officeDocument/2006/relationships" r:blip="">
+          <dgm:adjLst/>
+        </dgm:shape>
+        <dgm:presOf/>
+        <dgm:choose name="Name4">
+          <dgm:if name="Name5" func="var" arg="dir" op="equ" val="norm">
+            <dgm:constrLst>
+              <dgm:constr type="h" refType="w" fact="1000"/>
+              <dgm:constr type="l" for="ch" forName="parTx"/>
+              <dgm:constr type="w" for="ch" forName="parTx" refType="w" fact="0.83"/>
+              <dgm:constr type="t" for="ch" forName="parTx"/>
+              <dgm:constr type="l" for="ch" forName="parSh"/>
+              <dgm:constr type="w" for="ch" forName="parSh" refType="w" refFor="ch" refForName="parTx"/>
+              <dgm:constr type="t" for="ch" forName="parSh"/>
+              <dgm:constr type="l" for="ch" forName="desTx" refType="w" fact="0.17"/>
+              <dgm:constr type="w" for="ch" forName="desTx" refType="w" refFor="ch" refForName="parTx"/>
+              <dgm:constr type="t" for="ch" forName="desTx" refType="h" refFor="ch" refForName="parTx"/>
+            </dgm:constrLst>
+          </dgm:if>
+          <dgm:else name="Name6">
+            <dgm:constrLst>
+              <dgm:constr type="h" refType="w" fact="1000"/>
+              <dgm:constr type="l" for="ch" forName="parTx" refType="w" fact="0.17"/>
+              <dgm:constr type="w" for="ch" forName="parTx" refType="w" fact="0.83"/>
+              <dgm:constr type="t" for="ch" forName="parTx"/>
+              <dgm:constr type="l" for="ch" forName="parSh" refType="w" fact="0.15"/>
+              <dgm:constr type="w" for="ch" forName="parSh" refType="w" refFor="ch" refForName="parTx"/>
+              <dgm:constr type="t" for="ch" forName="parSh"/>
+              <dgm:constr type="l" for="ch" forName="desTx"/>
+              <dgm:constr type="w" for="ch" forName="desTx" refType="w" refFor="ch" refForName="parTx"/>
+              <dgm:constr type="t" for="ch" forName="desTx" refType="h" refFor="ch" refForName="parTx"/>
+            </dgm:constrLst>
+          </dgm:else>
+        </dgm:choose>
+        <dgm:ruleLst>
+          <dgm:rule type="h" val="INF" fact="NaN" max="NaN"/>
+        </dgm:ruleLst>
+        <dgm:layoutNode name="parTx">
+          <dgm:varLst>
+            <dgm:chMax val="0"/>
+            <dgm:chPref val="0"/>
+            <dgm:bulletEnabled val="1"/>
+          </dgm:varLst>
+          <dgm:alg type="tx">
+            <dgm:param type="parTxLTRAlign" val="l"/>
+            <dgm:param type="parTxRTLAlign" val="r"/>
+            <dgm:param type="txAnchorVert" val="t"/>
+          </dgm:alg>
+          <dgm:shape xmlns:r="http://schemas.openxmlformats.org/officeDocument/2006/relationships" type="rect" r:blip="" zOrderOff="1" hideGeom="1">
+            <dgm:adjLst>
+              <dgm:adj idx="1" val="0.1"/>
+            </dgm:adjLst>
+          </dgm:shape>
+          <dgm:presOf axis="self" ptType="node"/>
+          <dgm:constrLst>
+            <dgm:constr type="h" refType="w" op="lte" fact="0.4"/>
+            <dgm:constr type="bMarg" refType="primFontSz" fact="0.3"/>
+            <dgm:constr type="h"/>
+          </dgm:constrLst>
+          <dgm:ruleLst>
+            <dgm:rule type="h" val="INF" fact="NaN" max="NaN"/>
+          </dgm:ruleLst>
+        </dgm:layoutNode>
+        <dgm:layoutNode name="parSh">
+          <dgm:alg type="sp"/>
+          <dgm:shape xmlns:r="http://schemas.openxmlformats.org/officeDocument/2006/relationships" type="roundRect" r:blip="">
+            <dgm:adjLst>
+              <dgm:adj idx="1" val="0.1"/>
+            </dgm:adjLst>
+          </dgm:shape>
+          <dgm:presOf axis="self" ptType="node"/>
+          <dgm:constrLst>
+            <dgm:constr type="h"/>
+          </dgm:constrLst>
+          <dgm:ruleLst/>
+        </dgm:layoutNode>
+        <dgm:layoutNode name="desTx" styleLbl="fgAcc1">
+          <dgm:varLst>
+            <dgm:bulletEnabled val="1"/>
+          </dgm:varLst>
+          <dgm:alg type="tx">
+            <dgm:param type="stBulletLvl" val="1"/>
+          </dgm:alg>
+          <dgm:shape xmlns:r="http://schemas.openxmlformats.org/officeDocument/2006/relationships" type="roundRect" r:blip="">
+            <dgm:adjLst>
+              <dgm:adj idx="1" val="0.1"/>
+            </dgm:adjLst>
+          </dgm:shape>
+          <dgm:presOf axis="des" ptType="node"/>
+          <dgm:constrLst>
+            <dgm:constr type="secFontSz" val="65"/>
+            <dgm:constr type="primFontSz" refType="secFontSz"/>
+            <dgm:constr type="h"/>
+          </dgm:constrLst>
+          <dgm:ruleLst>
+            <dgm:rule type="h" val="INF" fact="NaN" max="NaN"/>
+          </dgm:ruleLst>
+        </dgm:layoutNode>
+      </dgm:layoutNode>
+      <dgm:forEach name="sibTransForEach" axis="followSib" ptType="sibTrans" cnt="1">
+        <dgm:layoutNode name="sibTrans">
+          <dgm:alg type="conn">
+            <dgm:param type="begPts" val="auto"/>
+            <dgm:param type="endPts" val="auto"/>
+            <dgm:param type="srcNode" val="parTx"/>
+            <dgm:param type="dstNode" val="parTx"/>
+          </dgm:alg>
+          <dgm:shape xmlns:r="http://schemas.openxmlformats.org/officeDocument/2006/relationships" type="conn" r:blip="">
+            <dgm:adjLst/>
+          </dgm:shape>
+          <dgm:presOf axis="self"/>
+          <dgm:constrLst>
+            <dgm:constr type="h" refType="w" fact="0.62"/>
+            <dgm:constr type="connDist"/>
+            <dgm:constr type="begPad" refType="connDist" fact="0.25"/>
+            <dgm:constr type="endPad" refType="connDist" fact="0.22"/>
+          </dgm:constrLst>
+          <dgm:ruleLst/>
+          <dgm:layoutNode name="connTx">
+            <dgm:alg type="tx">
+              <dgm:param type="autoTxRot" val="grav"/>
             </dgm:alg>
-            <dgm:shape xmlns:r="http://schemas.openxmlformats.org/officeDocument/2006/relationships" type="conn" r:blip="" zOrderOff="-2">
+            <dgm:shape xmlns:r="http://schemas.openxmlformats.org/officeDocument/2006/relationships" type="conn" r:blip="" hideGeom="1">
               <dgm:adjLst/>
             </dgm:shape>
             <dgm:presOf axis="self"/>
-            <dgm:choose name="Name10">
-              <dgm:if name="Name11" func="var" arg="dir" op="equ" val="norm">
-                <dgm:constrLst>
-                  <dgm:constr type="h" refType="w" fact="0.35"/>
-                  <dgm:constr type="wArH" refType="h"/>
-                  <dgm:constr type="hArH" refType="h"/>
-                  <dgm:constr type="connDist"/>
-                  <dgm:constr type="diam" refType="connDist" fact="-1.15"/>
-                  <dgm:constr type="begPad"/>
-                  <dgm:constr type="endPad"/>
-                </dgm:constrLst>
-              </dgm:if>
-              <dgm:else name="Name12">
-                <dgm:constrLst>
-                  <dgm:constr type="h" refType="w" fact="0.35"/>
-                  <dgm:constr type="wArH" refType="h"/>
-                  <dgm:constr type="hArH" refType="h"/>
-                  <dgm:constr type="connDist"/>
-                  <dgm:constr type="diam" refType="connDist" fact="1.15"/>
-                  <dgm:constr type="begPad"/>
-                  <dgm:constr type="endPad"/>
-                </dgm:constrLst>
-              </dgm:else>
-            </dgm:choose>
-            <dgm:ruleLst/>
+            <dgm:constrLst>
+              <dgm:constr type="lMarg"/>
+              <dgm:constr type="rMarg"/>
+              <dgm:constr type="tMarg"/>
+              <dgm:constr type="bMarg"/>
+            </dgm:constrLst>
+            <dgm:ruleLst>
+              <dgm:rule type="primFontSz" val="5" fact="NaN" max="NaN"/>
+            </dgm:ruleLst>
           </dgm:layoutNode>
-        </dgm:forEach>
-        <dgm:forEach name="Name13" axis="followSib" ptType="node" cnt="1">
-          <dgm:layoutNode name="composite2">
-            <dgm:alg type="composite">
-              <dgm:param type="ar" val="0.943"/>
-            </dgm:alg>
-            <dgm:shape xmlns:r="http://schemas.openxmlformats.org/officeDocument/2006/relationships" r:blip="">
-              <dgm:adjLst/>
-            </dgm:shape>
-            <dgm:presOf/>
-            <dgm:choose name="Name14">
-              <dgm:if name="Name15" func="var" arg="dir" op="equ" val="norm">
-                <dgm:constrLst>
-                  <dgm:constr type="h" refType="w" fact="1.06"/>
-                  <dgm:constr type="w" for="ch" forName="dummyNode2" refType="w"/>
-                  <dgm:constr type="h" for="ch" forName="dummyNode2" refType="h"/>
-                  <dgm:constr type="t" for="ch" forName="dummyNode2"/>
-                  <dgm:constr type="l" for="ch" forName="dummyNode2"/>
-                  <dgm:constr type="w" for="ch" forName="childNode2" refType="w" fact="0.9"/>
-                  <dgm:constr type="h" for="ch" forName="childNode2" refType="h" fact="0.7"/>
-                  <dgm:constr type="t" for="ch" forName="childNode2" refType="h" fact="0.15"/>
-                  <dgm:constr type="l" for="ch" forName="childNode2"/>
-                  <dgm:constr type="w" for="ch" forName="childNode2tx" refType="w" fact="0.9"/>
-                  <dgm:constr type="h" for="ch" forName="childNode2tx" refType="h" fact="0.55"/>
-                  <dgm:constr type="t" for="ch" forName="childNode2tx" refType="h" fact="0.3"/>
-                  <dgm:constr type="l" for="ch" forName="childNode2tx"/>
-                  <dgm:constr type="w" for="ch" forName="parentNode2" refType="w" fact="0.8"/>
-                  <dgm:constr type="h" for="ch" forName="parentNode2" refType="h" fact="0.3"/>
-                  <dgm:constr type="t" for="ch" forName="parentNode2"/>
-                  <dgm:constr type="l" for="ch" forName="parentNode2" refType="w" fact="0.2"/>
-                  <dgm:constr type="w" for="ch" forName="connSite2" refType="w" fact="0.01"/>
-                  <dgm:constr type="h" for="ch" forName="connSite2" refType="h" fact="0.01"/>
-                  <dgm:constr type="t" for="ch" forName="connSite2" refType="h" fact="0.99"/>
-                  <dgm:constr type="l" for="ch" forName="connSite2" refType="w" fact="0.25"/>
-                </dgm:constrLst>
-              </dgm:if>
-              <dgm:else name="Name16">
-                <dgm:constrLst>
-                  <dgm:constr type="h" refType="w" fact="1.06"/>
-                  <dgm:constr type="w" for="ch" forName="dummyNode2" refType="w"/>
-                  <dgm:constr type="h" for="ch" forName="dummyNode2" refType="h"/>
-                  <dgm:constr type="t" for="ch" forName="dummyNode2"/>
-                  <dgm:constr type="l" for="ch" forName="dummyNode2"/>
-                  <dgm:constr type="w" for="ch" forName="childNode2" refType="w" fact="0.9"/>
-                  <dgm:constr type="h" for="ch" forName="childNode2" refType="h" fact="0.7"/>
-                  <dgm:constr type="t" for="ch" forName="childNode2" refType="h" fact="0.15"/>
-                  <dgm:constr type="l" for="ch" forName="childNode2" refType="w" fact="0.1"/>
-                  <dgm:constr type="w" for="ch" forName="childNode2tx" refType="w" fact="0.9"/>
-                  <dgm:constr type="h" for="ch" forName="childNode2tx" refType="h" fact="0.55"/>
-                  <dgm:constr type="t" for="ch" forName="childNode2tx" refType="h" fact="0.3"/>
-                  <dgm:constr type="l" for="ch" forName="childNode2tx" refType="w" fact="0.1"/>
-                  <dgm:constr type="w" for="ch" forName="parentNode2" refType="w" fact="0.8"/>
-                  <dgm:constr type="h" for="ch" forName="parentNode2" refType="h" fact="0.3"/>
-                  <dgm:constr type="t" for="ch" forName="parentNode2"/>
-                  <dgm:constr type="l" for="ch" forName="parentNode2"/>
-                  <dgm:constr type="w" for="ch" forName="connSite2" refType="w" fact="0.01"/>
-                  <dgm:constr type="h" for="ch" forName="connSite2" refType="h" fact="0.01"/>
-                  <dgm:constr type="t" for="ch" forName="connSite2" refType="h" fact="0.99"/>
-                  <dgm:constr type="l" for="ch" forName="connSite2" refType="w" fact="0.85"/>
-                </dgm:constrLst>
-              </dgm:else>
-            </dgm:choose>
-            <dgm:ruleLst/>
-            <dgm:layoutNode name="dummyNode2">
-              <dgm:alg type="sp"/>
-              <dgm:shape xmlns:r="http://schemas.openxmlformats.org/officeDocument/2006/relationships" type="rect" r:blip="" hideGeom="1">
-                <dgm:adjLst/>
-              </dgm:shape>
-              <dgm:presOf/>
-              <dgm:constrLst/>
-              <dgm:ruleLst/>
-            </dgm:layoutNode>
-            <dgm:layoutNode name="childNode2" styleLbl="bgAcc1">
-              <dgm:varLst>
-                <dgm:bulletEnabled val="1"/>
-              </dgm:varLst>
-              <dgm:alg type="sp"/>
-              <dgm:shape xmlns:r="http://schemas.openxmlformats.org/officeDocument/2006/relationships" type="roundRect" r:blip="">
-                <dgm:adjLst>
-                  <dgm:adj idx="1" val="0.1"/>
-                </dgm:adjLst>
-              </dgm:shape>
-              <dgm:presOf axis="des" ptType="node"/>
-              <dgm:constrLst/>
-              <dgm:ruleLst/>
-            </dgm:layoutNode>
-            <dgm:layoutNode name="childNode2tx" styleLbl="bgAcc1">
-              <dgm:varLst>
-                <dgm:bulletEnabled val="1"/>
-              </dgm:varLst>
-              <dgm:alg type="tx">
-                <dgm:param type="stBulletLvl" val="1"/>
-              </dgm:alg>
-              <dgm:shape xmlns:r="http://schemas.openxmlformats.org/officeDocument/2006/relationships" type="roundRect" r:blip="" hideGeom="1">
-                <dgm:adjLst>
-                  <dgm:adj idx="1" val="0.1"/>
-                </dgm:adjLst>
-              </dgm:shape>
-              <dgm:presOf axis="des" ptType="node"/>
-              <dgm:constrLst>
-                <dgm:constr type="secFontSz" val="65"/>
-                <dgm:constr type="primFontSz" refType="secFontSz"/>
-                <dgm:constr type="tMarg" refType="secFontSz" fact="0.15"/>
-                <dgm:constr type="bMarg" refType="secFontSz" fact="0.15"/>
-                <dgm:constr type="lMarg" refType="secFontSz" fact="0.15"/>
-                <dgm:constr type="rMarg" refType="secFontSz" fact="0.15"/>
-              </dgm:constrLst>
-              <dgm:ruleLst>
-                <dgm:rule type="secFontSz" val="5" fact="NaN" max="NaN"/>
-              </dgm:ruleLst>
-            </dgm:layoutNode>
-            <dgm:layoutNode name="parentNode2" styleLbl="node1">
-              <dgm:varLst>
-                <dgm:chMax val="0"/>
-                <dgm:bulletEnabled val="1"/>
-              </dgm:varLst>
-              <dgm:alg type="tx"/>
-              <dgm:shape xmlns:r="http://schemas.openxmlformats.org/officeDocument/2006/relationships" type="roundRect" r:blip="">
-                <dgm:adjLst>
-                  <dgm:adj idx="1" val="0.1"/>
-                </dgm:adjLst>
-              </dgm:shape>
-              <dgm:presOf axis="self"/>
-              <dgm:constrLst>
-                <dgm:constr type="tMarg" refType="primFontSz" fact="0.1"/>
-                <dgm:constr type="bMarg" refType="primFontSz" fact="0.1"/>
-                <dgm:constr type="lMarg" refType="primFontSz" fact="0.15"/>
-                <dgm:constr type="rMarg" refType="primFontSz" fact="0.15"/>
-              </dgm:constrLst>
-              <dgm:ruleLst>
-                <dgm:rule type="primFontSz" val="5" fact="NaN" max="NaN"/>
-              </dgm:ruleLst>
-            </dgm:layoutNode>
-            <dgm:layoutNode name="connSite2" moveWith="childNode2">
-              <dgm:alg type="sp"/>
-              <dgm:shape xmlns:r="http://schemas.openxmlformats.org/officeDocument/2006/relationships" r:blip="">
-                <dgm:adjLst/>
-              </dgm:shape>
-              <dgm:presOf/>
-              <dgm:constrLst/>
-              <dgm:ruleLst/>
-            </dgm:layoutNode>
-          </dgm:layoutNode>
-          <dgm:forEach name="Name17" axis="followSib" ptType="sibTrans" cnt="1">
-            <dgm:layoutNode name="Name18">
-              <dgm:alg type="conn">
-                <dgm:param type="connRout" val="curve"/>
-                <dgm:param type="srcNode" val="parentNode2"/>
-                <dgm:param type="dstNode" val="connSite1"/>
-                <dgm:param type="begPts" val="tCtr"/>
-                <dgm:param type="endPts" val="tCtr"/>
-              </dgm:alg>
-              <dgm:shape xmlns:r="http://schemas.openxmlformats.org/officeDocument/2006/relationships" type="conn" r:blip="" zOrderOff="-2">
-                <dgm:adjLst/>
-              </dgm:shape>
-              <dgm:presOf axis="self"/>
-              <dgm:choose name="Name19">
-                <dgm:if name="Name20" func="var" arg="dir" op="equ" val="norm">
-                  <dgm:constrLst>
-                    <dgm:constr type="h" refType="w" fact="0.35"/>
-                    <dgm:constr type="wArH" refType="h"/>
-                    <dgm:constr type="hArH" refType="h"/>
-                    <dgm:constr type="connDist"/>
-                    <dgm:constr type="diam" refType="connDist" fact="1.15"/>
-                    <dgm:constr type="begPad"/>
-                    <dgm:constr type="endPad"/>
-                  </dgm:constrLst>
-                </dgm:if>
-                <dgm:else name="Name21">
-                  <dgm:constrLst>
-                    <dgm:constr type="h" refType="w" fact="0.35"/>
-                    <dgm:constr type="wArH" refType="h"/>
-                    <dgm:constr type="hArH" refType="h"/>
-                    <dgm:constr type="connDist"/>
-                    <dgm:constr type="diam" refType="connDist" fact="-1.15"/>
-                    <dgm:constr type="begPad"/>
-                    <dgm:constr type="endPad"/>
-                  </dgm:constrLst>
-                </dgm:else>
-              </dgm:choose>
-              <dgm:ruleLst/>
-            </dgm:layoutNode>
-          </dgm:forEach>
-        </dgm:forEach>
+        </dgm:layoutNode>
       </dgm:forEach>
-    </dgm:layoutNode>
+    </dgm:forEach>
   </dgm:layoutNode>
 </dgm:layoutDef>
 </file>
@@ -18868,1040 +18267,6 @@
 </file>
 
 <file path=ppt/diagrams/quickStyle2.xml><?xml version="1.0" encoding="utf-8"?>
-<dgm:styleDef xmlns:dgm="http://schemas.openxmlformats.org/drawingml/2006/diagram" xmlns:a="http://schemas.openxmlformats.org/drawingml/2006/main" uniqueId="urn:microsoft.com/office/officeart/2005/8/quickstyle/simple1">
-  <dgm:title val=""/>
-  <dgm:desc val=""/>
-  <dgm:catLst>
-    <dgm:cat type="simple" pri="10100"/>
-  </dgm:catLst>
-  <dgm:scene3d>
-    <a:camera prst="orthographicFront"/>
-    <a:lightRig rig="threePt" dir="t"/>
-  </dgm:scene3d>
-  <dgm:styleLbl name="node0">
-    <dgm:scene3d>
-      <a:camera prst="orthographicFront"/>
-      <a:lightRig rig="threePt" dir="t"/>
-    </dgm:scene3d>
-    <dgm:sp3d/>
-    <dgm:txPr/>
-    <dgm:style>
-      <a:lnRef idx="2">
-        <a:scrgbClr r="0" g="0" b="0"/>
-      </a:lnRef>
-      <a:fillRef idx="1">
-        <a:scrgbClr r="0" g="0" b="0"/>
-      </a:fillRef>
-      <a:effectRef idx="0">
-        <a:scrgbClr r="0" g="0" b="0"/>
-      </a:effectRef>
-      <a:fontRef idx="minor">
-        <a:schemeClr val="lt1"/>
-      </a:fontRef>
-    </dgm:style>
-  </dgm:styleLbl>
-  <dgm:styleLbl name="lnNode1">
-    <dgm:scene3d>
-      <a:camera prst="orthographicFront"/>
-      <a:lightRig rig="threePt" dir="t"/>
-    </dgm:scene3d>
-    <dgm:sp3d/>
-    <dgm:txPr/>
-    <dgm:style>
-      <a:lnRef idx="2">
-        <a:scrgbClr r="0" g="0" b="0"/>
-      </a:lnRef>
-      <a:fillRef idx="1">
-        <a:scrgbClr r="0" g="0" b="0"/>
-      </a:fillRef>
-      <a:effectRef idx="0">
-        <a:scrgbClr r="0" g="0" b="0"/>
-      </a:effectRef>
-      <a:fontRef idx="minor">
-        <a:schemeClr val="lt1"/>
-      </a:fontRef>
-    </dgm:style>
-  </dgm:styleLbl>
-  <dgm:styleLbl name="vennNode1">
-    <dgm:scene3d>
-      <a:camera prst="orthographicFront"/>
-      <a:lightRig rig="threePt" dir="t"/>
-    </dgm:scene3d>
-    <dgm:sp3d/>
-    <dgm:txPr/>
-    <dgm:style>
-      <a:lnRef idx="2">
-        <a:scrgbClr r="0" g="0" b="0"/>
-      </a:lnRef>
-      <a:fillRef idx="1">
-        <a:scrgbClr r="0" g="0" b="0"/>
-      </a:fillRef>
-      <a:effectRef idx="0">
-        <a:scrgbClr r="0" g="0" b="0"/>
-      </a:effectRef>
-      <a:fontRef idx="minor">
-        <a:schemeClr val="tx1"/>
-      </a:fontRef>
-    </dgm:style>
-  </dgm:styleLbl>
-  <dgm:styleLbl name="alignNode1">
-    <dgm:scene3d>
-      <a:camera prst="orthographicFront"/>
-      <a:lightRig rig="threePt" dir="t"/>
-    </dgm:scene3d>
-    <dgm:sp3d/>
-    <dgm:txPr/>
-    <dgm:style>
-      <a:lnRef idx="2">
-        <a:scrgbClr r="0" g="0" b="0"/>
-      </a:lnRef>
-      <a:fillRef idx="1">
-        <a:scrgbClr r="0" g="0" b="0"/>
-      </a:fillRef>
-      <a:effectRef idx="0">
-        <a:scrgbClr r="0" g="0" b="0"/>
-      </a:effectRef>
-      <a:fontRef idx="minor">
-        <a:schemeClr val="lt1"/>
-      </a:fontRef>
-    </dgm:style>
-  </dgm:styleLbl>
-  <dgm:styleLbl name="node1">
-    <dgm:scene3d>
-      <a:camera prst="orthographicFront"/>
-      <a:lightRig rig="threePt" dir="t"/>
-    </dgm:scene3d>
-    <dgm:sp3d/>
-    <dgm:txPr/>
-    <dgm:style>
-      <a:lnRef idx="2">
-        <a:scrgbClr r="0" g="0" b="0"/>
-      </a:lnRef>
-      <a:fillRef idx="1">
-        <a:scrgbClr r="0" g="0" b="0"/>
-      </a:fillRef>
-      <a:effectRef idx="0">
-        <a:scrgbClr r="0" g="0" b="0"/>
-      </a:effectRef>
-      <a:fontRef idx="minor">
-        <a:schemeClr val="lt1"/>
-      </a:fontRef>
-    </dgm:style>
-  </dgm:styleLbl>
-  <dgm:styleLbl name="node2">
-    <dgm:scene3d>
-      <a:camera prst="orthographicFront"/>
-      <a:lightRig rig="threePt" dir="t"/>
-    </dgm:scene3d>
-    <dgm:sp3d/>
-    <dgm:txPr/>
-    <dgm:style>
-      <a:lnRef idx="2">
-        <a:scrgbClr r="0" g="0" b="0"/>
-      </a:lnRef>
-      <a:fillRef idx="1">
-        <a:scrgbClr r="0" g="0" b="0"/>
-      </a:fillRef>
-      <a:effectRef idx="0">
-        <a:scrgbClr r="0" g="0" b="0"/>
-      </a:effectRef>
-      <a:fontRef idx="minor">
-        <a:schemeClr val="lt1"/>
-      </a:fontRef>
-    </dgm:style>
-  </dgm:styleLbl>
-  <dgm:styleLbl name="node3">
-    <dgm:scene3d>
-      <a:camera prst="orthographicFront"/>
-      <a:lightRig rig="threePt" dir="t"/>
-    </dgm:scene3d>
-    <dgm:sp3d/>
-    <dgm:txPr/>
-    <dgm:style>
-      <a:lnRef idx="2">
-        <a:scrgbClr r="0" g="0" b="0"/>
-      </a:lnRef>
-      <a:fillRef idx="1">
-        <a:scrgbClr r="0" g="0" b="0"/>
-      </a:fillRef>
-      <a:effectRef idx="0">
-        <a:scrgbClr r="0" g="0" b="0"/>
-      </a:effectRef>
-      <a:fontRef idx="minor">
-        <a:schemeClr val="lt1"/>
-      </a:fontRef>
-    </dgm:style>
-  </dgm:styleLbl>
-  <dgm:styleLbl name="node4">
-    <dgm:scene3d>
-      <a:camera prst="orthographicFront"/>
-      <a:lightRig rig="threePt" dir="t"/>
-    </dgm:scene3d>
-    <dgm:sp3d/>
-    <dgm:txPr/>
-    <dgm:style>
-      <a:lnRef idx="2">
-        <a:scrgbClr r="0" g="0" b="0"/>
-      </a:lnRef>
-      <a:fillRef idx="1">
-        <a:scrgbClr r="0" g="0" b="0"/>
-      </a:fillRef>
-      <a:effectRef idx="0">
-        <a:scrgbClr r="0" g="0" b="0"/>
-      </a:effectRef>
-      <a:fontRef idx="minor">
-        <a:schemeClr val="lt1"/>
-      </a:fontRef>
-    </dgm:style>
-  </dgm:styleLbl>
-  <dgm:styleLbl name="fgImgPlace1">
-    <dgm:scene3d>
-      <a:camera prst="orthographicFront"/>
-      <a:lightRig rig="threePt" dir="t"/>
-    </dgm:scene3d>
-    <dgm:sp3d/>
-    <dgm:txPr/>
-    <dgm:style>
-      <a:lnRef idx="2">
-        <a:scrgbClr r="0" g="0" b="0"/>
-      </a:lnRef>
-      <a:fillRef idx="1">
-        <a:scrgbClr r="0" g="0" b="0"/>
-      </a:fillRef>
-      <a:effectRef idx="0">
-        <a:scrgbClr r="0" g="0" b="0"/>
-      </a:effectRef>
-      <a:fontRef idx="minor"/>
-    </dgm:style>
-  </dgm:styleLbl>
-  <dgm:styleLbl name="alignImgPlace1">
-    <dgm:scene3d>
-      <a:camera prst="orthographicFront"/>
-      <a:lightRig rig="threePt" dir="t"/>
-    </dgm:scene3d>
-    <dgm:sp3d/>
-    <dgm:txPr/>
-    <dgm:style>
-      <a:lnRef idx="2">
-        <a:scrgbClr r="0" g="0" b="0"/>
-      </a:lnRef>
-      <a:fillRef idx="1">
-        <a:scrgbClr r="0" g="0" b="0"/>
-      </a:fillRef>
-      <a:effectRef idx="0">
-        <a:scrgbClr r="0" g="0" b="0"/>
-      </a:effectRef>
-      <a:fontRef idx="minor"/>
-    </dgm:style>
-  </dgm:styleLbl>
-  <dgm:styleLbl name="bgImgPlace1">
-    <dgm:scene3d>
-      <a:camera prst="orthographicFront"/>
-      <a:lightRig rig="threePt" dir="t"/>
-    </dgm:scene3d>
-    <dgm:sp3d/>
-    <dgm:txPr/>
-    <dgm:style>
-      <a:lnRef idx="2">
-        <a:scrgbClr r="0" g="0" b="0"/>
-      </a:lnRef>
-      <a:fillRef idx="1">
-        <a:scrgbClr r="0" g="0" b="0"/>
-      </a:fillRef>
-      <a:effectRef idx="0">
-        <a:scrgbClr r="0" g="0" b="0"/>
-      </a:effectRef>
-      <a:fontRef idx="minor"/>
-    </dgm:style>
-  </dgm:styleLbl>
-  <dgm:styleLbl name="sibTrans2D1">
-    <dgm:scene3d>
-      <a:camera prst="orthographicFront"/>
-      <a:lightRig rig="threePt" dir="t"/>
-    </dgm:scene3d>
-    <dgm:sp3d/>
-    <dgm:txPr/>
-    <dgm:style>
-      <a:lnRef idx="0">
-        <a:scrgbClr r="0" g="0" b="0"/>
-      </a:lnRef>
-      <a:fillRef idx="1">
-        <a:scrgbClr r="0" g="0" b="0"/>
-      </a:fillRef>
-      <a:effectRef idx="0">
-        <a:scrgbClr r="0" g="0" b="0"/>
-      </a:effectRef>
-      <a:fontRef idx="minor">
-        <a:schemeClr val="lt1"/>
-      </a:fontRef>
-    </dgm:style>
-  </dgm:styleLbl>
-  <dgm:styleLbl name="fgSibTrans2D1">
-    <dgm:scene3d>
-      <a:camera prst="orthographicFront"/>
-      <a:lightRig rig="threePt" dir="t"/>
-    </dgm:scene3d>
-    <dgm:sp3d/>
-    <dgm:txPr/>
-    <dgm:style>
-      <a:lnRef idx="0">
-        <a:scrgbClr r="0" g="0" b="0"/>
-      </a:lnRef>
-      <a:fillRef idx="1">
-        <a:scrgbClr r="0" g="0" b="0"/>
-      </a:fillRef>
-      <a:effectRef idx="0">
-        <a:scrgbClr r="0" g="0" b="0"/>
-      </a:effectRef>
-      <a:fontRef idx="minor">
-        <a:schemeClr val="lt1"/>
-      </a:fontRef>
-    </dgm:style>
-  </dgm:styleLbl>
-  <dgm:styleLbl name="bgSibTrans2D1">
-    <dgm:scene3d>
-      <a:camera prst="orthographicFront"/>
-      <a:lightRig rig="threePt" dir="t"/>
-    </dgm:scene3d>
-    <dgm:sp3d/>
-    <dgm:txPr/>
-    <dgm:style>
-      <a:lnRef idx="0">
-        <a:scrgbClr r="0" g="0" b="0"/>
-      </a:lnRef>
-      <a:fillRef idx="1">
-        <a:scrgbClr r="0" g="0" b="0"/>
-      </a:fillRef>
-      <a:effectRef idx="0">
-        <a:scrgbClr r="0" g="0" b="0"/>
-      </a:effectRef>
-      <a:fontRef idx="minor">
-        <a:schemeClr val="lt1"/>
-      </a:fontRef>
-    </dgm:style>
-  </dgm:styleLbl>
-  <dgm:styleLbl name="sibTrans1D1">
-    <dgm:scene3d>
-      <a:camera prst="orthographicFront"/>
-      <a:lightRig rig="threePt" dir="t"/>
-    </dgm:scene3d>
-    <dgm:sp3d/>
-    <dgm:txPr/>
-    <dgm:style>
-      <a:lnRef idx="1">
-        <a:scrgbClr r="0" g="0" b="0"/>
-      </a:lnRef>
-      <a:fillRef idx="0">
-        <a:scrgbClr r="0" g="0" b="0"/>
-      </a:fillRef>
-      <a:effectRef idx="0">
-        <a:scrgbClr r="0" g="0" b="0"/>
-      </a:effectRef>
-      <a:fontRef idx="minor"/>
-    </dgm:style>
-  </dgm:styleLbl>
-  <dgm:styleLbl name="callout">
-    <dgm:scene3d>
-      <a:camera prst="orthographicFront"/>
-      <a:lightRig rig="threePt" dir="t"/>
-    </dgm:scene3d>
-    <dgm:sp3d/>
-    <dgm:txPr/>
-    <dgm:style>
-      <a:lnRef idx="2">
-        <a:scrgbClr r="0" g="0" b="0"/>
-      </a:lnRef>
-      <a:fillRef idx="1">
-        <a:scrgbClr r="0" g="0" b="0"/>
-      </a:fillRef>
-      <a:effectRef idx="0">
-        <a:scrgbClr r="0" g="0" b="0"/>
-      </a:effectRef>
-      <a:fontRef idx="minor"/>
-    </dgm:style>
-  </dgm:styleLbl>
-  <dgm:styleLbl name="asst0">
-    <dgm:scene3d>
-      <a:camera prst="orthographicFront"/>
-      <a:lightRig rig="threePt" dir="t"/>
-    </dgm:scene3d>
-    <dgm:sp3d/>
-    <dgm:txPr/>
-    <dgm:style>
-      <a:lnRef idx="2">
-        <a:scrgbClr r="0" g="0" b="0"/>
-      </a:lnRef>
-      <a:fillRef idx="1">
-        <a:scrgbClr r="0" g="0" b="0"/>
-      </a:fillRef>
-      <a:effectRef idx="0">
-        <a:scrgbClr r="0" g="0" b="0"/>
-      </a:effectRef>
-      <a:fontRef idx="minor">
-        <a:schemeClr val="lt1"/>
-      </a:fontRef>
-    </dgm:style>
-  </dgm:styleLbl>
-  <dgm:styleLbl name="asst1">
-    <dgm:scene3d>
-      <a:camera prst="orthographicFront"/>
-      <a:lightRig rig="threePt" dir="t"/>
-    </dgm:scene3d>
-    <dgm:sp3d/>
-    <dgm:txPr/>
-    <dgm:style>
-      <a:lnRef idx="2">
-        <a:scrgbClr r="0" g="0" b="0"/>
-      </a:lnRef>
-      <a:fillRef idx="1">
-        <a:scrgbClr r="0" g="0" b="0"/>
-      </a:fillRef>
-      <a:effectRef idx="0">
-        <a:scrgbClr r="0" g="0" b="0"/>
-      </a:effectRef>
-      <a:fontRef idx="minor">
-        <a:schemeClr val="lt1"/>
-      </a:fontRef>
-    </dgm:style>
-  </dgm:styleLbl>
-  <dgm:styleLbl name="asst2">
-    <dgm:scene3d>
-      <a:camera prst="orthographicFront"/>
-      <a:lightRig rig="threePt" dir="t"/>
-    </dgm:scene3d>
-    <dgm:sp3d/>
-    <dgm:txPr/>
-    <dgm:style>
-      <a:lnRef idx="2">
-        <a:scrgbClr r="0" g="0" b="0"/>
-      </a:lnRef>
-      <a:fillRef idx="1">
-        <a:scrgbClr r="0" g="0" b="0"/>
-      </a:fillRef>
-      <a:effectRef idx="0">
-        <a:scrgbClr r="0" g="0" b="0"/>
-      </a:effectRef>
-      <a:fontRef idx="minor">
-        <a:schemeClr val="lt1"/>
-      </a:fontRef>
-    </dgm:style>
-  </dgm:styleLbl>
-  <dgm:styleLbl name="asst3">
-    <dgm:scene3d>
-      <a:camera prst="orthographicFront"/>
-      <a:lightRig rig="threePt" dir="t"/>
-    </dgm:scene3d>
-    <dgm:sp3d/>
-    <dgm:txPr/>
-    <dgm:style>
-      <a:lnRef idx="2">
-        <a:scrgbClr r="0" g="0" b="0"/>
-      </a:lnRef>
-      <a:fillRef idx="1">
-        <a:scrgbClr r="0" g="0" b="0"/>
-      </a:fillRef>
-      <a:effectRef idx="0">
-        <a:scrgbClr r="0" g="0" b="0"/>
-      </a:effectRef>
-      <a:fontRef idx="minor">
-        <a:schemeClr val="lt1"/>
-      </a:fontRef>
-    </dgm:style>
-  </dgm:styleLbl>
-  <dgm:styleLbl name="asst4">
-    <dgm:scene3d>
-      <a:camera prst="orthographicFront"/>
-      <a:lightRig rig="threePt" dir="t"/>
-    </dgm:scene3d>
-    <dgm:sp3d/>
-    <dgm:txPr/>
-    <dgm:style>
-      <a:lnRef idx="2">
-        <a:scrgbClr r="0" g="0" b="0"/>
-      </a:lnRef>
-      <a:fillRef idx="1">
-        <a:scrgbClr r="0" g="0" b="0"/>
-      </a:fillRef>
-      <a:effectRef idx="0">
-        <a:scrgbClr r="0" g="0" b="0"/>
-      </a:effectRef>
-      <a:fontRef idx="minor">
-        <a:schemeClr val="lt1"/>
-      </a:fontRef>
-    </dgm:style>
-  </dgm:styleLbl>
-  <dgm:styleLbl name="parChTrans2D1">
-    <dgm:scene3d>
-      <a:camera prst="orthographicFront"/>
-      <a:lightRig rig="threePt" dir="t"/>
-    </dgm:scene3d>
-    <dgm:sp3d/>
-    <dgm:txPr/>
-    <dgm:style>
-      <a:lnRef idx="2">
-        <a:scrgbClr r="0" g="0" b="0"/>
-      </a:lnRef>
-      <a:fillRef idx="1">
-        <a:scrgbClr r="0" g="0" b="0"/>
-      </a:fillRef>
-      <a:effectRef idx="0">
-        <a:scrgbClr r="0" g="0" b="0"/>
-      </a:effectRef>
-      <a:fontRef idx="minor">
-        <a:schemeClr val="lt1"/>
-      </a:fontRef>
-    </dgm:style>
-  </dgm:styleLbl>
-  <dgm:styleLbl name="parChTrans2D2">
-    <dgm:scene3d>
-      <a:camera prst="orthographicFront"/>
-      <a:lightRig rig="threePt" dir="t"/>
-    </dgm:scene3d>
-    <dgm:sp3d/>
-    <dgm:txPr/>
-    <dgm:style>
-      <a:lnRef idx="2">
-        <a:scrgbClr r="0" g="0" b="0"/>
-      </a:lnRef>
-      <a:fillRef idx="1">
-        <a:scrgbClr r="0" g="0" b="0"/>
-      </a:fillRef>
-      <a:effectRef idx="0">
-        <a:scrgbClr r="0" g="0" b="0"/>
-      </a:effectRef>
-      <a:fontRef idx="minor">
-        <a:schemeClr val="lt1"/>
-      </a:fontRef>
-    </dgm:style>
-  </dgm:styleLbl>
-  <dgm:styleLbl name="parChTrans2D3">
-    <dgm:scene3d>
-      <a:camera prst="orthographicFront"/>
-      <a:lightRig rig="threePt" dir="t"/>
-    </dgm:scene3d>
-    <dgm:sp3d/>
-    <dgm:txPr/>
-    <dgm:style>
-      <a:lnRef idx="2">
-        <a:scrgbClr r="0" g="0" b="0"/>
-      </a:lnRef>
-      <a:fillRef idx="1">
-        <a:scrgbClr r="0" g="0" b="0"/>
-      </a:fillRef>
-      <a:effectRef idx="0">
-        <a:scrgbClr r="0" g="0" b="0"/>
-      </a:effectRef>
-      <a:fontRef idx="minor">
-        <a:schemeClr val="lt1"/>
-      </a:fontRef>
-    </dgm:style>
-  </dgm:styleLbl>
-  <dgm:styleLbl name="parChTrans2D4">
-    <dgm:scene3d>
-      <a:camera prst="orthographicFront"/>
-      <a:lightRig rig="threePt" dir="t"/>
-    </dgm:scene3d>
-    <dgm:sp3d/>
-    <dgm:txPr/>
-    <dgm:style>
-      <a:lnRef idx="2">
-        <a:scrgbClr r="0" g="0" b="0"/>
-      </a:lnRef>
-      <a:fillRef idx="1">
-        <a:scrgbClr r="0" g="0" b="0"/>
-      </a:fillRef>
-      <a:effectRef idx="0">
-        <a:scrgbClr r="0" g="0" b="0"/>
-      </a:effectRef>
-      <a:fontRef idx="minor">
-        <a:schemeClr val="lt1"/>
-      </a:fontRef>
-    </dgm:style>
-  </dgm:styleLbl>
-  <dgm:styleLbl name="parChTrans1D1">
-    <dgm:scene3d>
-      <a:camera prst="orthographicFront"/>
-      <a:lightRig rig="threePt" dir="t"/>
-    </dgm:scene3d>
-    <dgm:sp3d/>
-    <dgm:txPr/>
-    <dgm:style>
-      <a:lnRef idx="2">
-        <a:scrgbClr r="0" g="0" b="0"/>
-      </a:lnRef>
-      <a:fillRef idx="0">
-        <a:scrgbClr r="0" g="0" b="0"/>
-      </a:fillRef>
-      <a:effectRef idx="0">
-        <a:scrgbClr r="0" g="0" b="0"/>
-      </a:effectRef>
-      <a:fontRef idx="minor"/>
-    </dgm:style>
-  </dgm:styleLbl>
-  <dgm:styleLbl name="parChTrans1D2">
-    <dgm:scene3d>
-      <a:camera prst="orthographicFront"/>
-      <a:lightRig rig="threePt" dir="t"/>
-    </dgm:scene3d>
-    <dgm:sp3d/>
-    <dgm:txPr/>
-    <dgm:style>
-      <a:lnRef idx="2">
-        <a:scrgbClr r="0" g="0" b="0"/>
-      </a:lnRef>
-      <a:fillRef idx="0">
-        <a:scrgbClr r="0" g="0" b="0"/>
-      </a:fillRef>
-      <a:effectRef idx="0">
-        <a:scrgbClr r="0" g="0" b="0"/>
-      </a:effectRef>
-      <a:fontRef idx="minor"/>
-    </dgm:style>
-  </dgm:styleLbl>
-  <dgm:styleLbl name="parChTrans1D3">
-    <dgm:scene3d>
-      <a:camera prst="orthographicFront"/>
-      <a:lightRig rig="threePt" dir="t"/>
-    </dgm:scene3d>
-    <dgm:sp3d/>
-    <dgm:txPr/>
-    <dgm:style>
-      <a:lnRef idx="2">
-        <a:scrgbClr r="0" g="0" b="0"/>
-      </a:lnRef>
-      <a:fillRef idx="0">
-        <a:scrgbClr r="0" g="0" b="0"/>
-      </a:fillRef>
-      <a:effectRef idx="0">
-        <a:scrgbClr r="0" g="0" b="0"/>
-      </a:effectRef>
-      <a:fontRef idx="minor"/>
-    </dgm:style>
-  </dgm:styleLbl>
-  <dgm:styleLbl name="parChTrans1D4">
-    <dgm:scene3d>
-      <a:camera prst="orthographicFront"/>
-      <a:lightRig rig="threePt" dir="t"/>
-    </dgm:scene3d>
-    <dgm:sp3d/>
-    <dgm:txPr/>
-    <dgm:style>
-      <a:lnRef idx="2">
-        <a:scrgbClr r="0" g="0" b="0"/>
-      </a:lnRef>
-      <a:fillRef idx="0">
-        <a:scrgbClr r="0" g="0" b="0"/>
-      </a:fillRef>
-      <a:effectRef idx="0">
-        <a:scrgbClr r="0" g="0" b="0"/>
-      </a:effectRef>
-      <a:fontRef idx="minor"/>
-    </dgm:style>
-  </dgm:styleLbl>
-  <dgm:styleLbl name="fgAcc1">
-    <dgm:scene3d>
-      <a:camera prst="orthographicFront"/>
-      <a:lightRig rig="threePt" dir="t"/>
-    </dgm:scene3d>
-    <dgm:sp3d/>
-    <dgm:txPr/>
-    <dgm:style>
-      <a:lnRef idx="2">
-        <a:scrgbClr r="0" g="0" b="0"/>
-      </a:lnRef>
-      <a:fillRef idx="1">
-        <a:scrgbClr r="0" g="0" b="0"/>
-      </a:fillRef>
-      <a:effectRef idx="0">
-        <a:scrgbClr r="0" g="0" b="0"/>
-      </a:effectRef>
-      <a:fontRef idx="minor"/>
-    </dgm:style>
-  </dgm:styleLbl>
-  <dgm:styleLbl name="conFgAcc1">
-    <dgm:scene3d>
-      <a:camera prst="orthographicFront"/>
-      <a:lightRig rig="threePt" dir="t"/>
-    </dgm:scene3d>
-    <dgm:sp3d/>
-    <dgm:txPr/>
-    <dgm:style>
-      <a:lnRef idx="2">
-        <a:scrgbClr r="0" g="0" b="0"/>
-      </a:lnRef>
-      <a:fillRef idx="1">
-        <a:scrgbClr r="0" g="0" b="0"/>
-      </a:fillRef>
-      <a:effectRef idx="0">
-        <a:scrgbClr r="0" g="0" b="0"/>
-      </a:effectRef>
-      <a:fontRef idx="minor"/>
-    </dgm:style>
-  </dgm:styleLbl>
-  <dgm:styleLbl name="alignAcc1">
-    <dgm:scene3d>
-      <a:camera prst="orthographicFront"/>
-      <a:lightRig rig="threePt" dir="t"/>
-    </dgm:scene3d>
-    <dgm:sp3d/>
-    <dgm:txPr/>
-    <dgm:style>
-      <a:lnRef idx="2">
-        <a:scrgbClr r="0" g="0" b="0"/>
-      </a:lnRef>
-      <a:fillRef idx="1">
-        <a:scrgbClr r="0" g="0" b="0"/>
-      </a:fillRef>
-      <a:effectRef idx="0">
-        <a:scrgbClr r="0" g="0" b="0"/>
-      </a:effectRef>
-      <a:fontRef idx="minor"/>
-    </dgm:style>
-  </dgm:styleLbl>
-  <dgm:styleLbl name="trAlignAcc1">
-    <dgm:scene3d>
-      <a:camera prst="orthographicFront"/>
-      <a:lightRig rig="threePt" dir="t"/>
-    </dgm:scene3d>
-    <dgm:sp3d/>
-    <dgm:txPr/>
-    <dgm:style>
-      <a:lnRef idx="1">
-        <a:scrgbClr r="0" g="0" b="0"/>
-      </a:lnRef>
-      <a:fillRef idx="1">
-        <a:scrgbClr r="0" g="0" b="0"/>
-      </a:fillRef>
-      <a:effectRef idx="0">
-        <a:scrgbClr r="0" g="0" b="0"/>
-      </a:effectRef>
-      <a:fontRef idx="minor"/>
-    </dgm:style>
-  </dgm:styleLbl>
-  <dgm:styleLbl name="bgAcc1">
-    <dgm:scene3d>
-      <a:camera prst="orthographicFront"/>
-      <a:lightRig rig="threePt" dir="t"/>
-    </dgm:scene3d>
-    <dgm:sp3d/>
-    <dgm:txPr/>
-    <dgm:style>
-      <a:lnRef idx="2">
-        <a:scrgbClr r="0" g="0" b="0"/>
-      </a:lnRef>
-      <a:fillRef idx="1">
-        <a:scrgbClr r="0" g="0" b="0"/>
-      </a:fillRef>
-      <a:effectRef idx="0">
-        <a:scrgbClr r="0" g="0" b="0"/>
-      </a:effectRef>
-      <a:fontRef idx="minor"/>
-    </dgm:style>
-  </dgm:styleLbl>
-  <dgm:styleLbl name="solidFgAcc1">
-    <dgm:scene3d>
-      <a:camera prst="orthographicFront"/>
-      <a:lightRig rig="threePt" dir="t"/>
-    </dgm:scene3d>
-    <dgm:sp3d/>
-    <dgm:txPr/>
-    <dgm:style>
-      <a:lnRef idx="2">
-        <a:scrgbClr r="0" g="0" b="0"/>
-      </a:lnRef>
-      <a:fillRef idx="1">
-        <a:scrgbClr r="0" g="0" b="0"/>
-      </a:fillRef>
-      <a:effectRef idx="0">
-        <a:scrgbClr r="0" g="0" b="0"/>
-      </a:effectRef>
-      <a:fontRef idx="minor"/>
-    </dgm:style>
-  </dgm:styleLbl>
-  <dgm:styleLbl name="solidAlignAcc1">
-    <dgm:scene3d>
-      <a:camera prst="orthographicFront"/>
-      <a:lightRig rig="threePt" dir="t"/>
-    </dgm:scene3d>
-    <dgm:sp3d/>
-    <dgm:txPr/>
-    <dgm:style>
-      <a:lnRef idx="2">
-        <a:scrgbClr r="0" g="0" b="0"/>
-      </a:lnRef>
-      <a:fillRef idx="1">
-        <a:scrgbClr r="0" g="0" b="0"/>
-      </a:fillRef>
-      <a:effectRef idx="0">
-        <a:scrgbClr r="0" g="0" b="0"/>
-      </a:effectRef>
-      <a:fontRef idx="minor"/>
-    </dgm:style>
-  </dgm:styleLbl>
-  <dgm:styleLbl name="solidBgAcc1">
-    <dgm:scene3d>
-      <a:camera prst="orthographicFront"/>
-      <a:lightRig rig="threePt" dir="t"/>
-    </dgm:scene3d>
-    <dgm:sp3d/>
-    <dgm:txPr/>
-    <dgm:style>
-      <a:lnRef idx="2">
-        <a:scrgbClr r="0" g="0" b="0"/>
-      </a:lnRef>
-      <a:fillRef idx="1">
-        <a:scrgbClr r="0" g="0" b="0"/>
-      </a:fillRef>
-      <a:effectRef idx="0">
-        <a:scrgbClr r="0" g="0" b="0"/>
-      </a:effectRef>
-      <a:fontRef idx="minor"/>
-    </dgm:style>
-  </dgm:styleLbl>
-  <dgm:styleLbl name="fgAccFollowNode1">
-    <dgm:scene3d>
-      <a:camera prst="orthographicFront"/>
-      <a:lightRig rig="threePt" dir="t"/>
-    </dgm:scene3d>
-    <dgm:sp3d/>
-    <dgm:txPr/>
-    <dgm:style>
-      <a:lnRef idx="2">
-        <a:scrgbClr r="0" g="0" b="0"/>
-      </a:lnRef>
-      <a:fillRef idx="1">
-        <a:scrgbClr r="0" g="0" b="0"/>
-      </a:fillRef>
-      <a:effectRef idx="0">
-        <a:scrgbClr r="0" g="0" b="0"/>
-      </a:effectRef>
-      <a:fontRef idx="minor"/>
-    </dgm:style>
-  </dgm:styleLbl>
-  <dgm:styleLbl name="alignAccFollowNode1">
-    <dgm:scene3d>
-      <a:camera prst="orthographicFront"/>
-      <a:lightRig rig="threePt" dir="t"/>
-    </dgm:scene3d>
-    <dgm:sp3d/>
-    <dgm:txPr/>
-    <dgm:style>
-      <a:lnRef idx="2">
-        <a:scrgbClr r="0" g="0" b="0"/>
-      </a:lnRef>
-      <a:fillRef idx="1">
-        <a:scrgbClr r="0" g="0" b="0"/>
-      </a:fillRef>
-      <a:effectRef idx="0">
-        <a:scrgbClr r="0" g="0" b="0"/>
-      </a:effectRef>
-      <a:fontRef idx="minor"/>
-    </dgm:style>
-  </dgm:styleLbl>
-  <dgm:styleLbl name="bgAccFollowNode1">
-    <dgm:scene3d>
-      <a:camera prst="orthographicFront"/>
-      <a:lightRig rig="threePt" dir="t"/>
-    </dgm:scene3d>
-    <dgm:sp3d/>
-    <dgm:txPr/>
-    <dgm:style>
-      <a:lnRef idx="2">
-        <a:scrgbClr r="0" g="0" b="0"/>
-      </a:lnRef>
-      <a:fillRef idx="1">
-        <a:scrgbClr r="0" g="0" b="0"/>
-      </a:fillRef>
-      <a:effectRef idx="0">
-        <a:scrgbClr r="0" g="0" b="0"/>
-      </a:effectRef>
-      <a:fontRef idx="minor"/>
-    </dgm:style>
-  </dgm:styleLbl>
-  <dgm:styleLbl name="fgAcc0">
-    <dgm:scene3d>
-      <a:camera prst="orthographicFront"/>
-      <a:lightRig rig="threePt" dir="t"/>
-    </dgm:scene3d>
-    <dgm:sp3d/>
-    <dgm:txPr/>
-    <dgm:style>
-      <a:lnRef idx="2">
-        <a:scrgbClr r="0" g="0" b="0"/>
-      </a:lnRef>
-      <a:fillRef idx="1">
-        <a:scrgbClr r="0" g="0" b="0"/>
-      </a:fillRef>
-      <a:effectRef idx="0">
-        <a:scrgbClr r="0" g="0" b="0"/>
-      </a:effectRef>
-      <a:fontRef idx="minor"/>
-    </dgm:style>
-  </dgm:styleLbl>
-  <dgm:styleLbl name="fgAcc2">
-    <dgm:scene3d>
-      <a:camera prst="orthographicFront"/>
-      <a:lightRig rig="threePt" dir="t"/>
-    </dgm:scene3d>
-    <dgm:sp3d/>
-    <dgm:txPr/>
-    <dgm:style>
-      <a:lnRef idx="2">
-        <a:scrgbClr r="0" g="0" b="0"/>
-      </a:lnRef>
-      <a:fillRef idx="1">
-        <a:scrgbClr r="0" g="0" b="0"/>
-      </a:fillRef>
-      <a:effectRef idx="0">
-        <a:scrgbClr r="0" g="0" b="0"/>
-      </a:effectRef>
-      <a:fontRef idx="minor"/>
-    </dgm:style>
-  </dgm:styleLbl>
-  <dgm:styleLbl name="fgAcc3">
-    <dgm:scene3d>
-      <a:camera prst="orthographicFront"/>
-      <a:lightRig rig="threePt" dir="t"/>
-    </dgm:scene3d>
-    <dgm:sp3d/>
-    <dgm:txPr/>
-    <dgm:style>
-      <a:lnRef idx="2">
-        <a:scrgbClr r="0" g="0" b="0"/>
-      </a:lnRef>
-      <a:fillRef idx="1">
-        <a:scrgbClr r="0" g="0" b="0"/>
-      </a:fillRef>
-      <a:effectRef idx="0">
-        <a:scrgbClr r="0" g="0" b="0"/>
-      </a:effectRef>
-      <a:fontRef idx="minor"/>
-    </dgm:style>
-  </dgm:styleLbl>
-  <dgm:styleLbl name="fgAcc4">
-    <dgm:scene3d>
-      <a:camera prst="orthographicFront"/>
-      <a:lightRig rig="threePt" dir="t"/>
-    </dgm:scene3d>
-    <dgm:sp3d/>
-    <dgm:txPr/>
-    <dgm:style>
-      <a:lnRef idx="2">
-        <a:scrgbClr r="0" g="0" b="0"/>
-      </a:lnRef>
-      <a:fillRef idx="1">
-        <a:scrgbClr r="0" g="0" b="0"/>
-      </a:fillRef>
-      <a:effectRef idx="0">
-        <a:scrgbClr r="0" g="0" b="0"/>
-      </a:effectRef>
-      <a:fontRef idx="minor"/>
-    </dgm:style>
-  </dgm:styleLbl>
-  <dgm:styleLbl name="bgShp">
-    <dgm:scene3d>
-      <a:camera prst="orthographicFront"/>
-      <a:lightRig rig="threePt" dir="t"/>
-    </dgm:scene3d>
-    <dgm:sp3d/>
-    <dgm:txPr/>
-    <dgm:style>
-      <a:lnRef idx="0">
-        <a:scrgbClr r="0" g="0" b="0"/>
-      </a:lnRef>
-      <a:fillRef idx="1">
-        <a:scrgbClr r="0" g="0" b="0"/>
-      </a:fillRef>
-      <a:effectRef idx="0">
-        <a:scrgbClr r="0" g="0" b="0"/>
-      </a:effectRef>
-      <a:fontRef idx="minor"/>
-    </dgm:style>
-  </dgm:styleLbl>
-  <dgm:styleLbl name="dkBgShp">
-    <dgm:scene3d>
-      <a:camera prst="orthographicFront"/>
-      <a:lightRig rig="threePt" dir="t"/>
-    </dgm:scene3d>
-    <dgm:sp3d/>
-    <dgm:txPr/>
-    <dgm:style>
-      <a:lnRef idx="0">
-        <a:scrgbClr r="0" g="0" b="0"/>
-      </a:lnRef>
-      <a:fillRef idx="1">
-        <a:scrgbClr r="0" g="0" b="0"/>
-      </a:fillRef>
-      <a:effectRef idx="0">
-        <a:scrgbClr r="0" g="0" b="0"/>
-      </a:effectRef>
-      <a:fontRef idx="minor"/>
-    </dgm:style>
-  </dgm:styleLbl>
-  <dgm:styleLbl name="trBgShp">
-    <dgm:scene3d>
-      <a:camera prst="orthographicFront"/>
-      <a:lightRig rig="threePt" dir="t"/>
-    </dgm:scene3d>
-    <dgm:sp3d/>
-    <dgm:txPr/>
-    <dgm:style>
-      <a:lnRef idx="0">
-        <a:scrgbClr r="0" g="0" b="0"/>
-      </a:lnRef>
-      <a:fillRef idx="1">
-        <a:scrgbClr r="0" g="0" b="0"/>
-      </a:fillRef>
-      <a:effectRef idx="0">
-        <a:scrgbClr r="0" g="0" b="0"/>
-      </a:effectRef>
-      <a:fontRef idx="minor"/>
-    </dgm:style>
-  </dgm:styleLbl>
-  <dgm:styleLbl name="fgShp">
-    <dgm:scene3d>
-      <a:camera prst="orthographicFront"/>
-      <a:lightRig rig="threePt" dir="t"/>
-    </dgm:scene3d>
-    <dgm:sp3d/>
-    <dgm:txPr/>
-    <dgm:style>
-      <a:lnRef idx="2">
-        <a:scrgbClr r="0" g="0" b="0"/>
-      </a:lnRef>
-      <a:fillRef idx="1">
-        <a:scrgbClr r="0" g="0" b="0"/>
-      </a:fillRef>
-      <a:effectRef idx="0">
-        <a:scrgbClr r="0" g="0" b="0"/>
-      </a:effectRef>
-      <a:fontRef idx="minor"/>
-    </dgm:style>
-  </dgm:styleLbl>
-  <dgm:styleLbl name="revTx">
-    <dgm:scene3d>
-      <a:camera prst="orthographicFront"/>
-      <a:lightRig rig="threePt" dir="t"/>
-    </dgm:scene3d>
-    <dgm:sp3d/>
-    <dgm:txPr/>
-    <dgm:style>
-      <a:lnRef idx="0">
-        <a:scrgbClr r="0" g="0" b="0"/>
-      </a:lnRef>
-      <a:fillRef idx="0">
-        <a:scrgbClr r="0" g="0" b="0"/>
-      </a:fillRef>
-      <a:effectRef idx="0">
-        <a:scrgbClr r="0" g="0" b="0"/>
-      </a:effectRef>
-      <a:fontRef idx="minor"/>
-    </dgm:style>
-  </dgm:styleLbl>
-</dgm:styleDef>
-</file>
-
-<file path=ppt/diagrams/quickStyle3.xml><?xml version="1.0" encoding="utf-8"?>
 <dgm:styleDef xmlns:dgm="http://schemas.openxmlformats.org/drawingml/2006/diagram" xmlns:a="http://schemas.openxmlformats.org/drawingml/2006/main" uniqueId="urn:microsoft.com/office/officeart/2005/8/quickstyle/3d8">
   <dgm:title val=""/>
   <dgm:desc val=""/>
@@ -21108,6 +19473,1040 @@
       <a:fontRef idx="minor">
         <a:schemeClr val="lt1"/>
       </a:fontRef>
+    </dgm:style>
+  </dgm:styleLbl>
+  <dgm:styleLbl name="revTx">
+    <dgm:scene3d>
+      <a:camera prst="orthographicFront"/>
+      <a:lightRig rig="threePt" dir="t"/>
+    </dgm:scene3d>
+    <dgm:sp3d/>
+    <dgm:txPr/>
+    <dgm:style>
+      <a:lnRef idx="0">
+        <a:scrgbClr r="0" g="0" b="0"/>
+      </a:lnRef>
+      <a:fillRef idx="0">
+        <a:scrgbClr r="0" g="0" b="0"/>
+      </a:fillRef>
+      <a:effectRef idx="0">
+        <a:scrgbClr r="0" g="0" b="0"/>
+      </a:effectRef>
+      <a:fontRef idx="minor"/>
+    </dgm:style>
+  </dgm:styleLbl>
+</dgm:styleDef>
+</file>
+
+<file path=ppt/diagrams/quickStyle3.xml><?xml version="1.0" encoding="utf-8"?>
+<dgm:styleDef xmlns:dgm="http://schemas.openxmlformats.org/drawingml/2006/diagram" xmlns:a="http://schemas.openxmlformats.org/drawingml/2006/main" uniqueId="urn:microsoft.com/office/officeart/2005/8/quickstyle/simple1">
+  <dgm:title val=""/>
+  <dgm:desc val=""/>
+  <dgm:catLst>
+    <dgm:cat type="simple" pri="10100"/>
+  </dgm:catLst>
+  <dgm:scene3d>
+    <a:camera prst="orthographicFront"/>
+    <a:lightRig rig="threePt" dir="t"/>
+  </dgm:scene3d>
+  <dgm:styleLbl name="node0">
+    <dgm:scene3d>
+      <a:camera prst="orthographicFront"/>
+      <a:lightRig rig="threePt" dir="t"/>
+    </dgm:scene3d>
+    <dgm:sp3d/>
+    <dgm:txPr/>
+    <dgm:style>
+      <a:lnRef idx="2">
+        <a:scrgbClr r="0" g="0" b="0"/>
+      </a:lnRef>
+      <a:fillRef idx="1">
+        <a:scrgbClr r="0" g="0" b="0"/>
+      </a:fillRef>
+      <a:effectRef idx="0">
+        <a:scrgbClr r="0" g="0" b="0"/>
+      </a:effectRef>
+      <a:fontRef idx="minor">
+        <a:schemeClr val="lt1"/>
+      </a:fontRef>
+    </dgm:style>
+  </dgm:styleLbl>
+  <dgm:styleLbl name="lnNode1">
+    <dgm:scene3d>
+      <a:camera prst="orthographicFront"/>
+      <a:lightRig rig="threePt" dir="t"/>
+    </dgm:scene3d>
+    <dgm:sp3d/>
+    <dgm:txPr/>
+    <dgm:style>
+      <a:lnRef idx="2">
+        <a:scrgbClr r="0" g="0" b="0"/>
+      </a:lnRef>
+      <a:fillRef idx="1">
+        <a:scrgbClr r="0" g="0" b="0"/>
+      </a:fillRef>
+      <a:effectRef idx="0">
+        <a:scrgbClr r="0" g="0" b="0"/>
+      </a:effectRef>
+      <a:fontRef idx="minor">
+        <a:schemeClr val="lt1"/>
+      </a:fontRef>
+    </dgm:style>
+  </dgm:styleLbl>
+  <dgm:styleLbl name="vennNode1">
+    <dgm:scene3d>
+      <a:camera prst="orthographicFront"/>
+      <a:lightRig rig="threePt" dir="t"/>
+    </dgm:scene3d>
+    <dgm:sp3d/>
+    <dgm:txPr/>
+    <dgm:style>
+      <a:lnRef idx="2">
+        <a:scrgbClr r="0" g="0" b="0"/>
+      </a:lnRef>
+      <a:fillRef idx="1">
+        <a:scrgbClr r="0" g="0" b="0"/>
+      </a:fillRef>
+      <a:effectRef idx="0">
+        <a:scrgbClr r="0" g="0" b="0"/>
+      </a:effectRef>
+      <a:fontRef idx="minor">
+        <a:schemeClr val="tx1"/>
+      </a:fontRef>
+    </dgm:style>
+  </dgm:styleLbl>
+  <dgm:styleLbl name="alignNode1">
+    <dgm:scene3d>
+      <a:camera prst="orthographicFront"/>
+      <a:lightRig rig="threePt" dir="t"/>
+    </dgm:scene3d>
+    <dgm:sp3d/>
+    <dgm:txPr/>
+    <dgm:style>
+      <a:lnRef idx="2">
+        <a:scrgbClr r="0" g="0" b="0"/>
+      </a:lnRef>
+      <a:fillRef idx="1">
+        <a:scrgbClr r="0" g="0" b="0"/>
+      </a:fillRef>
+      <a:effectRef idx="0">
+        <a:scrgbClr r="0" g="0" b="0"/>
+      </a:effectRef>
+      <a:fontRef idx="minor">
+        <a:schemeClr val="lt1"/>
+      </a:fontRef>
+    </dgm:style>
+  </dgm:styleLbl>
+  <dgm:styleLbl name="node1">
+    <dgm:scene3d>
+      <a:camera prst="orthographicFront"/>
+      <a:lightRig rig="threePt" dir="t"/>
+    </dgm:scene3d>
+    <dgm:sp3d/>
+    <dgm:txPr/>
+    <dgm:style>
+      <a:lnRef idx="2">
+        <a:scrgbClr r="0" g="0" b="0"/>
+      </a:lnRef>
+      <a:fillRef idx="1">
+        <a:scrgbClr r="0" g="0" b="0"/>
+      </a:fillRef>
+      <a:effectRef idx="0">
+        <a:scrgbClr r="0" g="0" b="0"/>
+      </a:effectRef>
+      <a:fontRef idx="minor">
+        <a:schemeClr val="lt1"/>
+      </a:fontRef>
+    </dgm:style>
+  </dgm:styleLbl>
+  <dgm:styleLbl name="node2">
+    <dgm:scene3d>
+      <a:camera prst="orthographicFront"/>
+      <a:lightRig rig="threePt" dir="t"/>
+    </dgm:scene3d>
+    <dgm:sp3d/>
+    <dgm:txPr/>
+    <dgm:style>
+      <a:lnRef idx="2">
+        <a:scrgbClr r="0" g="0" b="0"/>
+      </a:lnRef>
+      <a:fillRef idx="1">
+        <a:scrgbClr r="0" g="0" b="0"/>
+      </a:fillRef>
+      <a:effectRef idx="0">
+        <a:scrgbClr r="0" g="0" b="0"/>
+      </a:effectRef>
+      <a:fontRef idx="minor">
+        <a:schemeClr val="lt1"/>
+      </a:fontRef>
+    </dgm:style>
+  </dgm:styleLbl>
+  <dgm:styleLbl name="node3">
+    <dgm:scene3d>
+      <a:camera prst="orthographicFront"/>
+      <a:lightRig rig="threePt" dir="t"/>
+    </dgm:scene3d>
+    <dgm:sp3d/>
+    <dgm:txPr/>
+    <dgm:style>
+      <a:lnRef idx="2">
+        <a:scrgbClr r="0" g="0" b="0"/>
+      </a:lnRef>
+      <a:fillRef idx="1">
+        <a:scrgbClr r="0" g="0" b="0"/>
+      </a:fillRef>
+      <a:effectRef idx="0">
+        <a:scrgbClr r="0" g="0" b="0"/>
+      </a:effectRef>
+      <a:fontRef idx="minor">
+        <a:schemeClr val="lt1"/>
+      </a:fontRef>
+    </dgm:style>
+  </dgm:styleLbl>
+  <dgm:styleLbl name="node4">
+    <dgm:scene3d>
+      <a:camera prst="orthographicFront"/>
+      <a:lightRig rig="threePt" dir="t"/>
+    </dgm:scene3d>
+    <dgm:sp3d/>
+    <dgm:txPr/>
+    <dgm:style>
+      <a:lnRef idx="2">
+        <a:scrgbClr r="0" g="0" b="0"/>
+      </a:lnRef>
+      <a:fillRef idx="1">
+        <a:scrgbClr r="0" g="0" b="0"/>
+      </a:fillRef>
+      <a:effectRef idx="0">
+        <a:scrgbClr r="0" g="0" b="0"/>
+      </a:effectRef>
+      <a:fontRef idx="minor">
+        <a:schemeClr val="lt1"/>
+      </a:fontRef>
+    </dgm:style>
+  </dgm:styleLbl>
+  <dgm:styleLbl name="fgImgPlace1">
+    <dgm:scene3d>
+      <a:camera prst="orthographicFront"/>
+      <a:lightRig rig="threePt" dir="t"/>
+    </dgm:scene3d>
+    <dgm:sp3d/>
+    <dgm:txPr/>
+    <dgm:style>
+      <a:lnRef idx="2">
+        <a:scrgbClr r="0" g="0" b="0"/>
+      </a:lnRef>
+      <a:fillRef idx="1">
+        <a:scrgbClr r="0" g="0" b="0"/>
+      </a:fillRef>
+      <a:effectRef idx="0">
+        <a:scrgbClr r="0" g="0" b="0"/>
+      </a:effectRef>
+      <a:fontRef idx="minor"/>
+    </dgm:style>
+  </dgm:styleLbl>
+  <dgm:styleLbl name="alignImgPlace1">
+    <dgm:scene3d>
+      <a:camera prst="orthographicFront"/>
+      <a:lightRig rig="threePt" dir="t"/>
+    </dgm:scene3d>
+    <dgm:sp3d/>
+    <dgm:txPr/>
+    <dgm:style>
+      <a:lnRef idx="2">
+        <a:scrgbClr r="0" g="0" b="0"/>
+      </a:lnRef>
+      <a:fillRef idx="1">
+        <a:scrgbClr r="0" g="0" b="0"/>
+      </a:fillRef>
+      <a:effectRef idx="0">
+        <a:scrgbClr r="0" g="0" b="0"/>
+      </a:effectRef>
+      <a:fontRef idx="minor"/>
+    </dgm:style>
+  </dgm:styleLbl>
+  <dgm:styleLbl name="bgImgPlace1">
+    <dgm:scene3d>
+      <a:camera prst="orthographicFront"/>
+      <a:lightRig rig="threePt" dir="t"/>
+    </dgm:scene3d>
+    <dgm:sp3d/>
+    <dgm:txPr/>
+    <dgm:style>
+      <a:lnRef idx="2">
+        <a:scrgbClr r="0" g="0" b="0"/>
+      </a:lnRef>
+      <a:fillRef idx="1">
+        <a:scrgbClr r="0" g="0" b="0"/>
+      </a:fillRef>
+      <a:effectRef idx="0">
+        <a:scrgbClr r="0" g="0" b="0"/>
+      </a:effectRef>
+      <a:fontRef idx="minor"/>
+    </dgm:style>
+  </dgm:styleLbl>
+  <dgm:styleLbl name="sibTrans2D1">
+    <dgm:scene3d>
+      <a:camera prst="orthographicFront"/>
+      <a:lightRig rig="threePt" dir="t"/>
+    </dgm:scene3d>
+    <dgm:sp3d/>
+    <dgm:txPr/>
+    <dgm:style>
+      <a:lnRef idx="0">
+        <a:scrgbClr r="0" g="0" b="0"/>
+      </a:lnRef>
+      <a:fillRef idx="1">
+        <a:scrgbClr r="0" g="0" b="0"/>
+      </a:fillRef>
+      <a:effectRef idx="0">
+        <a:scrgbClr r="0" g="0" b="0"/>
+      </a:effectRef>
+      <a:fontRef idx="minor">
+        <a:schemeClr val="lt1"/>
+      </a:fontRef>
+    </dgm:style>
+  </dgm:styleLbl>
+  <dgm:styleLbl name="fgSibTrans2D1">
+    <dgm:scene3d>
+      <a:camera prst="orthographicFront"/>
+      <a:lightRig rig="threePt" dir="t"/>
+    </dgm:scene3d>
+    <dgm:sp3d/>
+    <dgm:txPr/>
+    <dgm:style>
+      <a:lnRef idx="0">
+        <a:scrgbClr r="0" g="0" b="0"/>
+      </a:lnRef>
+      <a:fillRef idx="1">
+        <a:scrgbClr r="0" g="0" b="0"/>
+      </a:fillRef>
+      <a:effectRef idx="0">
+        <a:scrgbClr r="0" g="0" b="0"/>
+      </a:effectRef>
+      <a:fontRef idx="minor">
+        <a:schemeClr val="lt1"/>
+      </a:fontRef>
+    </dgm:style>
+  </dgm:styleLbl>
+  <dgm:styleLbl name="bgSibTrans2D1">
+    <dgm:scene3d>
+      <a:camera prst="orthographicFront"/>
+      <a:lightRig rig="threePt" dir="t"/>
+    </dgm:scene3d>
+    <dgm:sp3d/>
+    <dgm:txPr/>
+    <dgm:style>
+      <a:lnRef idx="0">
+        <a:scrgbClr r="0" g="0" b="0"/>
+      </a:lnRef>
+      <a:fillRef idx="1">
+        <a:scrgbClr r="0" g="0" b="0"/>
+      </a:fillRef>
+      <a:effectRef idx="0">
+        <a:scrgbClr r="0" g="0" b="0"/>
+      </a:effectRef>
+      <a:fontRef idx="minor">
+        <a:schemeClr val="lt1"/>
+      </a:fontRef>
+    </dgm:style>
+  </dgm:styleLbl>
+  <dgm:styleLbl name="sibTrans1D1">
+    <dgm:scene3d>
+      <a:camera prst="orthographicFront"/>
+      <a:lightRig rig="threePt" dir="t"/>
+    </dgm:scene3d>
+    <dgm:sp3d/>
+    <dgm:txPr/>
+    <dgm:style>
+      <a:lnRef idx="1">
+        <a:scrgbClr r="0" g="0" b="0"/>
+      </a:lnRef>
+      <a:fillRef idx="0">
+        <a:scrgbClr r="0" g="0" b="0"/>
+      </a:fillRef>
+      <a:effectRef idx="0">
+        <a:scrgbClr r="0" g="0" b="0"/>
+      </a:effectRef>
+      <a:fontRef idx="minor"/>
+    </dgm:style>
+  </dgm:styleLbl>
+  <dgm:styleLbl name="callout">
+    <dgm:scene3d>
+      <a:camera prst="orthographicFront"/>
+      <a:lightRig rig="threePt" dir="t"/>
+    </dgm:scene3d>
+    <dgm:sp3d/>
+    <dgm:txPr/>
+    <dgm:style>
+      <a:lnRef idx="2">
+        <a:scrgbClr r="0" g="0" b="0"/>
+      </a:lnRef>
+      <a:fillRef idx="1">
+        <a:scrgbClr r="0" g="0" b="0"/>
+      </a:fillRef>
+      <a:effectRef idx="0">
+        <a:scrgbClr r="0" g="0" b="0"/>
+      </a:effectRef>
+      <a:fontRef idx="minor"/>
+    </dgm:style>
+  </dgm:styleLbl>
+  <dgm:styleLbl name="asst0">
+    <dgm:scene3d>
+      <a:camera prst="orthographicFront"/>
+      <a:lightRig rig="threePt" dir="t"/>
+    </dgm:scene3d>
+    <dgm:sp3d/>
+    <dgm:txPr/>
+    <dgm:style>
+      <a:lnRef idx="2">
+        <a:scrgbClr r="0" g="0" b="0"/>
+      </a:lnRef>
+      <a:fillRef idx="1">
+        <a:scrgbClr r="0" g="0" b="0"/>
+      </a:fillRef>
+      <a:effectRef idx="0">
+        <a:scrgbClr r="0" g="0" b="0"/>
+      </a:effectRef>
+      <a:fontRef idx="minor">
+        <a:schemeClr val="lt1"/>
+      </a:fontRef>
+    </dgm:style>
+  </dgm:styleLbl>
+  <dgm:styleLbl name="asst1">
+    <dgm:scene3d>
+      <a:camera prst="orthographicFront"/>
+      <a:lightRig rig="threePt" dir="t"/>
+    </dgm:scene3d>
+    <dgm:sp3d/>
+    <dgm:txPr/>
+    <dgm:style>
+      <a:lnRef idx="2">
+        <a:scrgbClr r="0" g="0" b="0"/>
+      </a:lnRef>
+      <a:fillRef idx="1">
+        <a:scrgbClr r="0" g="0" b="0"/>
+      </a:fillRef>
+      <a:effectRef idx="0">
+        <a:scrgbClr r="0" g="0" b="0"/>
+      </a:effectRef>
+      <a:fontRef idx="minor">
+        <a:schemeClr val="lt1"/>
+      </a:fontRef>
+    </dgm:style>
+  </dgm:styleLbl>
+  <dgm:styleLbl name="asst2">
+    <dgm:scene3d>
+      <a:camera prst="orthographicFront"/>
+      <a:lightRig rig="threePt" dir="t"/>
+    </dgm:scene3d>
+    <dgm:sp3d/>
+    <dgm:txPr/>
+    <dgm:style>
+      <a:lnRef idx="2">
+        <a:scrgbClr r="0" g="0" b="0"/>
+      </a:lnRef>
+      <a:fillRef idx="1">
+        <a:scrgbClr r="0" g="0" b="0"/>
+      </a:fillRef>
+      <a:effectRef idx="0">
+        <a:scrgbClr r="0" g="0" b="0"/>
+      </a:effectRef>
+      <a:fontRef idx="minor">
+        <a:schemeClr val="lt1"/>
+      </a:fontRef>
+    </dgm:style>
+  </dgm:styleLbl>
+  <dgm:styleLbl name="asst3">
+    <dgm:scene3d>
+      <a:camera prst="orthographicFront"/>
+      <a:lightRig rig="threePt" dir="t"/>
+    </dgm:scene3d>
+    <dgm:sp3d/>
+    <dgm:txPr/>
+    <dgm:style>
+      <a:lnRef idx="2">
+        <a:scrgbClr r="0" g="0" b="0"/>
+      </a:lnRef>
+      <a:fillRef idx="1">
+        <a:scrgbClr r="0" g="0" b="0"/>
+      </a:fillRef>
+      <a:effectRef idx="0">
+        <a:scrgbClr r="0" g="0" b="0"/>
+      </a:effectRef>
+      <a:fontRef idx="minor">
+        <a:schemeClr val="lt1"/>
+      </a:fontRef>
+    </dgm:style>
+  </dgm:styleLbl>
+  <dgm:styleLbl name="asst4">
+    <dgm:scene3d>
+      <a:camera prst="orthographicFront"/>
+      <a:lightRig rig="threePt" dir="t"/>
+    </dgm:scene3d>
+    <dgm:sp3d/>
+    <dgm:txPr/>
+    <dgm:style>
+      <a:lnRef idx="2">
+        <a:scrgbClr r="0" g="0" b="0"/>
+      </a:lnRef>
+      <a:fillRef idx="1">
+        <a:scrgbClr r="0" g="0" b="0"/>
+      </a:fillRef>
+      <a:effectRef idx="0">
+        <a:scrgbClr r="0" g="0" b="0"/>
+      </a:effectRef>
+      <a:fontRef idx="minor">
+        <a:schemeClr val="lt1"/>
+      </a:fontRef>
+    </dgm:style>
+  </dgm:styleLbl>
+  <dgm:styleLbl name="parChTrans2D1">
+    <dgm:scene3d>
+      <a:camera prst="orthographicFront"/>
+      <a:lightRig rig="threePt" dir="t"/>
+    </dgm:scene3d>
+    <dgm:sp3d/>
+    <dgm:txPr/>
+    <dgm:style>
+      <a:lnRef idx="2">
+        <a:scrgbClr r="0" g="0" b="0"/>
+      </a:lnRef>
+      <a:fillRef idx="1">
+        <a:scrgbClr r="0" g="0" b="0"/>
+      </a:fillRef>
+      <a:effectRef idx="0">
+        <a:scrgbClr r="0" g="0" b="0"/>
+      </a:effectRef>
+      <a:fontRef idx="minor">
+        <a:schemeClr val="lt1"/>
+      </a:fontRef>
+    </dgm:style>
+  </dgm:styleLbl>
+  <dgm:styleLbl name="parChTrans2D2">
+    <dgm:scene3d>
+      <a:camera prst="orthographicFront"/>
+      <a:lightRig rig="threePt" dir="t"/>
+    </dgm:scene3d>
+    <dgm:sp3d/>
+    <dgm:txPr/>
+    <dgm:style>
+      <a:lnRef idx="2">
+        <a:scrgbClr r="0" g="0" b="0"/>
+      </a:lnRef>
+      <a:fillRef idx="1">
+        <a:scrgbClr r="0" g="0" b="0"/>
+      </a:fillRef>
+      <a:effectRef idx="0">
+        <a:scrgbClr r="0" g="0" b="0"/>
+      </a:effectRef>
+      <a:fontRef idx="minor">
+        <a:schemeClr val="lt1"/>
+      </a:fontRef>
+    </dgm:style>
+  </dgm:styleLbl>
+  <dgm:styleLbl name="parChTrans2D3">
+    <dgm:scene3d>
+      <a:camera prst="orthographicFront"/>
+      <a:lightRig rig="threePt" dir="t"/>
+    </dgm:scene3d>
+    <dgm:sp3d/>
+    <dgm:txPr/>
+    <dgm:style>
+      <a:lnRef idx="2">
+        <a:scrgbClr r="0" g="0" b="0"/>
+      </a:lnRef>
+      <a:fillRef idx="1">
+        <a:scrgbClr r="0" g="0" b="0"/>
+      </a:fillRef>
+      <a:effectRef idx="0">
+        <a:scrgbClr r="0" g="0" b="0"/>
+      </a:effectRef>
+      <a:fontRef idx="minor">
+        <a:schemeClr val="lt1"/>
+      </a:fontRef>
+    </dgm:style>
+  </dgm:styleLbl>
+  <dgm:styleLbl name="parChTrans2D4">
+    <dgm:scene3d>
+      <a:camera prst="orthographicFront"/>
+      <a:lightRig rig="threePt" dir="t"/>
+    </dgm:scene3d>
+    <dgm:sp3d/>
+    <dgm:txPr/>
+    <dgm:style>
+      <a:lnRef idx="2">
+        <a:scrgbClr r="0" g="0" b="0"/>
+      </a:lnRef>
+      <a:fillRef idx="1">
+        <a:scrgbClr r="0" g="0" b="0"/>
+      </a:fillRef>
+      <a:effectRef idx="0">
+        <a:scrgbClr r="0" g="0" b="0"/>
+      </a:effectRef>
+      <a:fontRef idx="minor">
+        <a:schemeClr val="lt1"/>
+      </a:fontRef>
+    </dgm:style>
+  </dgm:styleLbl>
+  <dgm:styleLbl name="parChTrans1D1">
+    <dgm:scene3d>
+      <a:camera prst="orthographicFront"/>
+      <a:lightRig rig="threePt" dir="t"/>
+    </dgm:scene3d>
+    <dgm:sp3d/>
+    <dgm:txPr/>
+    <dgm:style>
+      <a:lnRef idx="2">
+        <a:scrgbClr r="0" g="0" b="0"/>
+      </a:lnRef>
+      <a:fillRef idx="0">
+        <a:scrgbClr r="0" g="0" b="0"/>
+      </a:fillRef>
+      <a:effectRef idx="0">
+        <a:scrgbClr r="0" g="0" b="0"/>
+      </a:effectRef>
+      <a:fontRef idx="minor"/>
+    </dgm:style>
+  </dgm:styleLbl>
+  <dgm:styleLbl name="parChTrans1D2">
+    <dgm:scene3d>
+      <a:camera prst="orthographicFront"/>
+      <a:lightRig rig="threePt" dir="t"/>
+    </dgm:scene3d>
+    <dgm:sp3d/>
+    <dgm:txPr/>
+    <dgm:style>
+      <a:lnRef idx="2">
+        <a:scrgbClr r="0" g="0" b="0"/>
+      </a:lnRef>
+      <a:fillRef idx="0">
+        <a:scrgbClr r="0" g="0" b="0"/>
+      </a:fillRef>
+      <a:effectRef idx="0">
+        <a:scrgbClr r="0" g="0" b="0"/>
+      </a:effectRef>
+      <a:fontRef idx="minor"/>
+    </dgm:style>
+  </dgm:styleLbl>
+  <dgm:styleLbl name="parChTrans1D3">
+    <dgm:scene3d>
+      <a:camera prst="orthographicFront"/>
+      <a:lightRig rig="threePt" dir="t"/>
+    </dgm:scene3d>
+    <dgm:sp3d/>
+    <dgm:txPr/>
+    <dgm:style>
+      <a:lnRef idx="2">
+        <a:scrgbClr r="0" g="0" b="0"/>
+      </a:lnRef>
+      <a:fillRef idx="0">
+        <a:scrgbClr r="0" g="0" b="0"/>
+      </a:fillRef>
+      <a:effectRef idx="0">
+        <a:scrgbClr r="0" g="0" b="0"/>
+      </a:effectRef>
+      <a:fontRef idx="minor"/>
+    </dgm:style>
+  </dgm:styleLbl>
+  <dgm:styleLbl name="parChTrans1D4">
+    <dgm:scene3d>
+      <a:camera prst="orthographicFront"/>
+      <a:lightRig rig="threePt" dir="t"/>
+    </dgm:scene3d>
+    <dgm:sp3d/>
+    <dgm:txPr/>
+    <dgm:style>
+      <a:lnRef idx="2">
+        <a:scrgbClr r="0" g="0" b="0"/>
+      </a:lnRef>
+      <a:fillRef idx="0">
+        <a:scrgbClr r="0" g="0" b="0"/>
+      </a:fillRef>
+      <a:effectRef idx="0">
+        <a:scrgbClr r="0" g="0" b="0"/>
+      </a:effectRef>
+      <a:fontRef idx="minor"/>
+    </dgm:style>
+  </dgm:styleLbl>
+  <dgm:styleLbl name="fgAcc1">
+    <dgm:scene3d>
+      <a:camera prst="orthographicFront"/>
+      <a:lightRig rig="threePt" dir="t"/>
+    </dgm:scene3d>
+    <dgm:sp3d/>
+    <dgm:txPr/>
+    <dgm:style>
+      <a:lnRef idx="2">
+        <a:scrgbClr r="0" g="0" b="0"/>
+      </a:lnRef>
+      <a:fillRef idx="1">
+        <a:scrgbClr r="0" g="0" b="0"/>
+      </a:fillRef>
+      <a:effectRef idx="0">
+        <a:scrgbClr r="0" g="0" b="0"/>
+      </a:effectRef>
+      <a:fontRef idx="minor"/>
+    </dgm:style>
+  </dgm:styleLbl>
+  <dgm:styleLbl name="conFgAcc1">
+    <dgm:scene3d>
+      <a:camera prst="orthographicFront"/>
+      <a:lightRig rig="threePt" dir="t"/>
+    </dgm:scene3d>
+    <dgm:sp3d/>
+    <dgm:txPr/>
+    <dgm:style>
+      <a:lnRef idx="2">
+        <a:scrgbClr r="0" g="0" b="0"/>
+      </a:lnRef>
+      <a:fillRef idx="1">
+        <a:scrgbClr r="0" g="0" b="0"/>
+      </a:fillRef>
+      <a:effectRef idx="0">
+        <a:scrgbClr r="0" g="0" b="0"/>
+      </a:effectRef>
+      <a:fontRef idx="minor"/>
+    </dgm:style>
+  </dgm:styleLbl>
+  <dgm:styleLbl name="alignAcc1">
+    <dgm:scene3d>
+      <a:camera prst="orthographicFront"/>
+      <a:lightRig rig="threePt" dir="t"/>
+    </dgm:scene3d>
+    <dgm:sp3d/>
+    <dgm:txPr/>
+    <dgm:style>
+      <a:lnRef idx="2">
+        <a:scrgbClr r="0" g="0" b="0"/>
+      </a:lnRef>
+      <a:fillRef idx="1">
+        <a:scrgbClr r="0" g="0" b="0"/>
+      </a:fillRef>
+      <a:effectRef idx="0">
+        <a:scrgbClr r="0" g="0" b="0"/>
+      </a:effectRef>
+      <a:fontRef idx="minor"/>
+    </dgm:style>
+  </dgm:styleLbl>
+  <dgm:styleLbl name="trAlignAcc1">
+    <dgm:scene3d>
+      <a:camera prst="orthographicFront"/>
+      <a:lightRig rig="threePt" dir="t"/>
+    </dgm:scene3d>
+    <dgm:sp3d/>
+    <dgm:txPr/>
+    <dgm:style>
+      <a:lnRef idx="1">
+        <a:scrgbClr r="0" g="0" b="0"/>
+      </a:lnRef>
+      <a:fillRef idx="1">
+        <a:scrgbClr r="0" g="0" b="0"/>
+      </a:fillRef>
+      <a:effectRef idx="0">
+        <a:scrgbClr r="0" g="0" b="0"/>
+      </a:effectRef>
+      <a:fontRef idx="minor"/>
+    </dgm:style>
+  </dgm:styleLbl>
+  <dgm:styleLbl name="bgAcc1">
+    <dgm:scene3d>
+      <a:camera prst="orthographicFront"/>
+      <a:lightRig rig="threePt" dir="t"/>
+    </dgm:scene3d>
+    <dgm:sp3d/>
+    <dgm:txPr/>
+    <dgm:style>
+      <a:lnRef idx="2">
+        <a:scrgbClr r="0" g="0" b="0"/>
+      </a:lnRef>
+      <a:fillRef idx="1">
+        <a:scrgbClr r="0" g="0" b="0"/>
+      </a:fillRef>
+      <a:effectRef idx="0">
+        <a:scrgbClr r="0" g="0" b="0"/>
+      </a:effectRef>
+      <a:fontRef idx="minor"/>
+    </dgm:style>
+  </dgm:styleLbl>
+  <dgm:styleLbl name="solidFgAcc1">
+    <dgm:scene3d>
+      <a:camera prst="orthographicFront"/>
+      <a:lightRig rig="threePt" dir="t"/>
+    </dgm:scene3d>
+    <dgm:sp3d/>
+    <dgm:txPr/>
+    <dgm:style>
+      <a:lnRef idx="2">
+        <a:scrgbClr r="0" g="0" b="0"/>
+      </a:lnRef>
+      <a:fillRef idx="1">
+        <a:scrgbClr r="0" g="0" b="0"/>
+      </a:fillRef>
+      <a:effectRef idx="0">
+        <a:scrgbClr r="0" g="0" b="0"/>
+      </a:effectRef>
+      <a:fontRef idx="minor"/>
+    </dgm:style>
+  </dgm:styleLbl>
+  <dgm:styleLbl name="solidAlignAcc1">
+    <dgm:scene3d>
+      <a:camera prst="orthographicFront"/>
+      <a:lightRig rig="threePt" dir="t"/>
+    </dgm:scene3d>
+    <dgm:sp3d/>
+    <dgm:txPr/>
+    <dgm:style>
+      <a:lnRef idx="2">
+        <a:scrgbClr r="0" g="0" b="0"/>
+      </a:lnRef>
+      <a:fillRef idx="1">
+        <a:scrgbClr r="0" g="0" b="0"/>
+      </a:fillRef>
+      <a:effectRef idx="0">
+        <a:scrgbClr r="0" g="0" b="0"/>
+      </a:effectRef>
+      <a:fontRef idx="minor"/>
+    </dgm:style>
+  </dgm:styleLbl>
+  <dgm:styleLbl name="solidBgAcc1">
+    <dgm:scene3d>
+      <a:camera prst="orthographicFront"/>
+      <a:lightRig rig="threePt" dir="t"/>
+    </dgm:scene3d>
+    <dgm:sp3d/>
+    <dgm:txPr/>
+    <dgm:style>
+      <a:lnRef idx="2">
+        <a:scrgbClr r="0" g="0" b="0"/>
+      </a:lnRef>
+      <a:fillRef idx="1">
+        <a:scrgbClr r="0" g="0" b="0"/>
+      </a:fillRef>
+      <a:effectRef idx="0">
+        <a:scrgbClr r="0" g="0" b="0"/>
+      </a:effectRef>
+      <a:fontRef idx="minor"/>
+    </dgm:style>
+  </dgm:styleLbl>
+  <dgm:styleLbl name="fgAccFollowNode1">
+    <dgm:scene3d>
+      <a:camera prst="orthographicFront"/>
+      <a:lightRig rig="threePt" dir="t"/>
+    </dgm:scene3d>
+    <dgm:sp3d/>
+    <dgm:txPr/>
+    <dgm:style>
+      <a:lnRef idx="2">
+        <a:scrgbClr r="0" g="0" b="0"/>
+      </a:lnRef>
+      <a:fillRef idx="1">
+        <a:scrgbClr r="0" g="0" b="0"/>
+      </a:fillRef>
+      <a:effectRef idx="0">
+        <a:scrgbClr r="0" g="0" b="0"/>
+      </a:effectRef>
+      <a:fontRef idx="minor"/>
+    </dgm:style>
+  </dgm:styleLbl>
+  <dgm:styleLbl name="alignAccFollowNode1">
+    <dgm:scene3d>
+      <a:camera prst="orthographicFront"/>
+      <a:lightRig rig="threePt" dir="t"/>
+    </dgm:scene3d>
+    <dgm:sp3d/>
+    <dgm:txPr/>
+    <dgm:style>
+      <a:lnRef idx="2">
+        <a:scrgbClr r="0" g="0" b="0"/>
+      </a:lnRef>
+      <a:fillRef idx="1">
+        <a:scrgbClr r="0" g="0" b="0"/>
+      </a:fillRef>
+      <a:effectRef idx="0">
+        <a:scrgbClr r="0" g="0" b="0"/>
+      </a:effectRef>
+      <a:fontRef idx="minor"/>
+    </dgm:style>
+  </dgm:styleLbl>
+  <dgm:styleLbl name="bgAccFollowNode1">
+    <dgm:scene3d>
+      <a:camera prst="orthographicFront"/>
+      <a:lightRig rig="threePt" dir="t"/>
+    </dgm:scene3d>
+    <dgm:sp3d/>
+    <dgm:txPr/>
+    <dgm:style>
+      <a:lnRef idx="2">
+        <a:scrgbClr r="0" g="0" b="0"/>
+      </a:lnRef>
+      <a:fillRef idx="1">
+        <a:scrgbClr r="0" g="0" b="0"/>
+      </a:fillRef>
+      <a:effectRef idx="0">
+        <a:scrgbClr r="0" g="0" b="0"/>
+      </a:effectRef>
+      <a:fontRef idx="minor"/>
+    </dgm:style>
+  </dgm:styleLbl>
+  <dgm:styleLbl name="fgAcc0">
+    <dgm:scene3d>
+      <a:camera prst="orthographicFront"/>
+      <a:lightRig rig="threePt" dir="t"/>
+    </dgm:scene3d>
+    <dgm:sp3d/>
+    <dgm:txPr/>
+    <dgm:style>
+      <a:lnRef idx="2">
+        <a:scrgbClr r="0" g="0" b="0"/>
+      </a:lnRef>
+      <a:fillRef idx="1">
+        <a:scrgbClr r="0" g="0" b="0"/>
+      </a:fillRef>
+      <a:effectRef idx="0">
+        <a:scrgbClr r="0" g="0" b="0"/>
+      </a:effectRef>
+      <a:fontRef idx="minor"/>
+    </dgm:style>
+  </dgm:styleLbl>
+  <dgm:styleLbl name="fgAcc2">
+    <dgm:scene3d>
+      <a:camera prst="orthographicFront"/>
+      <a:lightRig rig="threePt" dir="t"/>
+    </dgm:scene3d>
+    <dgm:sp3d/>
+    <dgm:txPr/>
+    <dgm:style>
+      <a:lnRef idx="2">
+        <a:scrgbClr r="0" g="0" b="0"/>
+      </a:lnRef>
+      <a:fillRef idx="1">
+        <a:scrgbClr r="0" g="0" b="0"/>
+      </a:fillRef>
+      <a:effectRef idx="0">
+        <a:scrgbClr r="0" g="0" b="0"/>
+      </a:effectRef>
+      <a:fontRef idx="minor"/>
+    </dgm:style>
+  </dgm:styleLbl>
+  <dgm:styleLbl name="fgAcc3">
+    <dgm:scene3d>
+      <a:camera prst="orthographicFront"/>
+      <a:lightRig rig="threePt" dir="t"/>
+    </dgm:scene3d>
+    <dgm:sp3d/>
+    <dgm:txPr/>
+    <dgm:style>
+      <a:lnRef idx="2">
+        <a:scrgbClr r="0" g="0" b="0"/>
+      </a:lnRef>
+      <a:fillRef idx="1">
+        <a:scrgbClr r="0" g="0" b="0"/>
+      </a:fillRef>
+      <a:effectRef idx="0">
+        <a:scrgbClr r="0" g="0" b="0"/>
+      </a:effectRef>
+      <a:fontRef idx="minor"/>
+    </dgm:style>
+  </dgm:styleLbl>
+  <dgm:styleLbl name="fgAcc4">
+    <dgm:scene3d>
+      <a:camera prst="orthographicFront"/>
+      <a:lightRig rig="threePt" dir="t"/>
+    </dgm:scene3d>
+    <dgm:sp3d/>
+    <dgm:txPr/>
+    <dgm:style>
+      <a:lnRef idx="2">
+        <a:scrgbClr r="0" g="0" b="0"/>
+      </a:lnRef>
+      <a:fillRef idx="1">
+        <a:scrgbClr r="0" g="0" b="0"/>
+      </a:fillRef>
+      <a:effectRef idx="0">
+        <a:scrgbClr r="0" g="0" b="0"/>
+      </a:effectRef>
+      <a:fontRef idx="minor"/>
+    </dgm:style>
+  </dgm:styleLbl>
+  <dgm:styleLbl name="bgShp">
+    <dgm:scene3d>
+      <a:camera prst="orthographicFront"/>
+      <a:lightRig rig="threePt" dir="t"/>
+    </dgm:scene3d>
+    <dgm:sp3d/>
+    <dgm:txPr/>
+    <dgm:style>
+      <a:lnRef idx="0">
+        <a:scrgbClr r="0" g="0" b="0"/>
+      </a:lnRef>
+      <a:fillRef idx="1">
+        <a:scrgbClr r="0" g="0" b="0"/>
+      </a:fillRef>
+      <a:effectRef idx="0">
+        <a:scrgbClr r="0" g="0" b="0"/>
+      </a:effectRef>
+      <a:fontRef idx="minor"/>
+    </dgm:style>
+  </dgm:styleLbl>
+  <dgm:styleLbl name="dkBgShp">
+    <dgm:scene3d>
+      <a:camera prst="orthographicFront"/>
+      <a:lightRig rig="threePt" dir="t"/>
+    </dgm:scene3d>
+    <dgm:sp3d/>
+    <dgm:txPr/>
+    <dgm:style>
+      <a:lnRef idx="0">
+        <a:scrgbClr r="0" g="0" b="0"/>
+      </a:lnRef>
+      <a:fillRef idx="1">
+        <a:scrgbClr r="0" g="0" b="0"/>
+      </a:fillRef>
+      <a:effectRef idx="0">
+        <a:scrgbClr r="0" g="0" b="0"/>
+      </a:effectRef>
+      <a:fontRef idx="minor"/>
+    </dgm:style>
+  </dgm:styleLbl>
+  <dgm:styleLbl name="trBgShp">
+    <dgm:scene3d>
+      <a:camera prst="orthographicFront"/>
+      <a:lightRig rig="threePt" dir="t"/>
+    </dgm:scene3d>
+    <dgm:sp3d/>
+    <dgm:txPr/>
+    <dgm:style>
+      <a:lnRef idx="0">
+        <a:scrgbClr r="0" g="0" b="0"/>
+      </a:lnRef>
+      <a:fillRef idx="1">
+        <a:scrgbClr r="0" g="0" b="0"/>
+      </a:fillRef>
+      <a:effectRef idx="0">
+        <a:scrgbClr r="0" g="0" b="0"/>
+      </a:effectRef>
+      <a:fontRef idx="minor"/>
+    </dgm:style>
+  </dgm:styleLbl>
+  <dgm:styleLbl name="fgShp">
+    <dgm:scene3d>
+      <a:camera prst="orthographicFront"/>
+      <a:lightRig rig="threePt" dir="t"/>
+    </dgm:scene3d>
+    <dgm:sp3d/>
+    <dgm:txPr/>
+    <dgm:style>
+      <a:lnRef idx="2">
+        <a:scrgbClr r="0" g="0" b="0"/>
+      </a:lnRef>
+      <a:fillRef idx="1">
+        <a:scrgbClr r="0" g="0" b="0"/>
+      </a:fillRef>
+      <a:effectRef idx="0">
+        <a:scrgbClr r="0" g="0" b="0"/>
+      </a:effectRef>
+      <a:fontRef idx="minor"/>
     </dgm:style>
   </dgm:styleLbl>
   <dgm:styleLbl name="revTx">
@@ -24577,7 +23976,7 @@
             <a:fld id="{229FDC3E-7424-49CF-AF38-AA35F4C77C8D}" type="datetimeFigureOut">
               <a:rPr lang="pt-BR" smtClean="0"/>
               <a:pPr/>
-              <a:t>18/07/2014</a:t>
+              <a:t>21/07/2014</a:t>
             </a:fld>
             <a:endParaRPr lang="pt-BR"/>
           </a:p>
@@ -24749,7 +24148,7 @@
             <a:fld id="{229FDC3E-7424-49CF-AF38-AA35F4C77C8D}" type="datetimeFigureOut">
               <a:rPr lang="pt-BR" smtClean="0"/>
               <a:pPr/>
-              <a:t>18/07/2014</a:t>
+              <a:t>21/07/2014</a:t>
             </a:fld>
             <a:endParaRPr lang="pt-BR"/>
           </a:p>
@@ -24926,7 +24325,7 @@
             <a:fld id="{229FDC3E-7424-49CF-AF38-AA35F4C77C8D}" type="datetimeFigureOut">
               <a:rPr lang="pt-BR" smtClean="0"/>
               <a:pPr/>
-              <a:t>18/07/2014</a:t>
+              <a:t>21/07/2014</a:t>
             </a:fld>
             <a:endParaRPr lang="pt-BR"/>
           </a:p>
@@ -25093,7 +24492,7 @@
             <a:fld id="{229FDC3E-7424-49CF-AF38-AA35F4C77C8D}" type="datetimeFigureOut">
               <a:rPr lang="pt-BR" smtClean="0"/>
               <a:pPr/>
-              <a:t>18/07/2014</a:t>
+              <a:t>21/07/2014</a:t>
             </a:fld>
             <a:endParaRPr lang="pt-BR"/>
           </a:p>
@@ -25329,7 +24728,7 @@
             <a:fld id="{229FDC3E-7424-49CF-AF38-AA35F4C77C8D}" type="datetimeFigureOut">
               <a:rPr lang="pt-BR" smtClean="0"/>
               <a:pPr/>
-              <a:t>18/07/2014</a:t>
+              <a:t>21/07/2014</a:t>
             </a:fld>
             <a:endParaRPr lang="pt-BR"/>
           </a:p>
@@ -25627,7 +25026,7 @@
             <a:fld id="{229FDC3E-7424-49CF-AF38-AA35F4C77C8D}" type="datetimeFigureOut">
               <a:rPr lang="pt-BR" smtClean="0"/>
               <a:pPr/>
-              <a:t>18/07/2014</a:t>
+              <a:t>21/07/2014</a:t>
             </a:fld>
             <a:endParaRPr lang="pt-BR"/>
           </a:p>
@@ -26013,7 +25412,7 @@
             <a:fld id="{229FDC3E-7424-49CF-AF38-AA35F4C77C8D}" type="datetimeFigureOut">
               <a:rPr lang="pt-BR" smtClean="0"/>
               <a:pPr/>
-              <a:t>18/07/2014</a:t>
+              <a:t>21/07/2014</a:t>
             </a:fld>
             <a:endParaRPr lang="pt-BR"/>
           </a:p>
@@ -26188,7 +25587,7 @@
             <a:fld id="{229FDC3E-7424-49CF-AF38-AA35F4C77C8D}" type="datetimeFigureOut">
               <a:rPr lang="pt-BR" smtClean="0"/>
               <a:pPr/>
-              <a:t>18/07/2014</a:t>
+              <a:t>21/07/2014</a:t>
             </a:fld>
             <a:endParaRPr lang="pt-BR"/>
           </a:p>
@@ -26280,7 +25679,7 @@
             <a:fld id="{229FDC3E-7424-49CF-AF38-AA35F4C77C8D}" type="datetimeFigureOut">
               <a:rPr lang="pt-BR" smtClean="0"/>
               <a:pPr/>
-              <a:t>18/07/2014</a:t>
+              <a:t>21/07/2014</a:t>
             </a:fld>
             <a:endParaRPr lang="pt-BR"/>
           </a:p>
@@ -26577,7 +25976,7 @@
             <a:fld id="{229FDC3E-7424-49CF-AF38-AA35F4C77C8D}" type="datetimeFigureOut">
               <a:rPr lang="pt-BR" smtClean="0"/>
               <a:pPr/>
-              <a:t>18/07/2014</a:t>
+              <a:t>21/07/2014</a:t>
             </a:fld>
             <a:endParaRPr lang="pt-BR"/>
           </a:p>
@@ -26713,7 +26112,7 @@
             <a:fld id="{229FDC3E-7424-49CF-AF38-AA35F4C77C8D}" type="datetimeFigureOut">
               <a:rPr lang="pt-BR" smtClean="0"/>
               <a:pPr/>
-              <a:t>18/07/2014</a:t>
+              <a:t>21/07/2014</a:t>
             </a:fld>
             <a:endParaRPr lang="pt-BR"/>
           </a:p>
@@ -27018,7 +26417,7 @@
             <a:fld id="{229FDC3E-7424-49CF-AF38-AA35F4C77C8D}" type="datetimeFigureOut">
               <a:rPr lang="pt-BR" smtClean="0"/>
               <a:pPr/>
-              <a:t>18/07/2014</a:t>
+              <a:t>21/07/2014</a:t>
             </a:fld>
             <a:endParaRPr lang="pt-BR"/>
           </a:p>
@@ -27680,81 +27079,6 @@
             <p:ph type="title"/>
           </p:nvPr>
         </p:nvSpPr>
-        <p:spPr/>
-        <p:txBody>
-          <a:bodyPr/>
-          <a:lstStyle/>
-          <a:p>
-            <a:r>
-              <a:rPr lang="pt-BR" dirty="0" smtClean="0"/>
-              <a:t>Integração</a:t>
-            </a:r>
-            <a:endParaRPr lang="pt-BR" dirty="0"/>
-          </a:p>
-        </p:txBody>
-      </p:sp>
-      <p:graphicFrame>
-        <p:nvGraphicFramePr>
-          <p:cNvPr id="10" name="Espaço Reservado para Conteúdo 9"/>
-          <p:cNvGraphicFramePr>
-            <a:graphicFrameLocks noGrp="1"/>
-          </p:cNvGraphicFramePr>
-          <p:nvPr>
-            <p:ph idx="1"/>
-          </p:nvPr>
-        </p:nvGraphicFramePr>
-        <p:xfrm>
-          <a:off x="304800" y="1554163"/>
-          <a:ext cx="8686800" cy="4525962"/>
-        </p:xfrm>
-        <a:graphic>
-          <a:graphicData uri="http://schemas.openxmlformats.org/drawingml/2006/diagram">
-            <dgm:relIds xmlns:dgm="http://schemas.openxmlformats.org/drawingml/2006/diagram" xmlns:r="http://schemas.openxmlformats.org/officeDocument/2006/relationships" r:dm="rId2" r:lo="rId3" r:qs="rId4" r:cs="rId5"/>
-          </a:graphicData>
-        </a:graphic>
-      </p:graphicFrame>
-    </p:spTree>
-  </p:cSld>
-  <p:clrMapOvr>
-    <a:masterClrMapping/>
-  </p:clrMapOvr>
-  <p:timing>
-    <p:tnLst>
-      <p:par>
-        <p:cTn id="1" dur="indefinite" restart="never" nodeType="tmRoot"/>
-      </p:par>
-    </p:tnLst>
-  </p:timing>
-</p:sld>
-</file>
-
-<file path=ppt/slides/slide11.xml><?xml version="1.0" encoding="utf-8"?>
-<p:sld xmlns:a="http://schemas.openxmlformats.org/drawingml/2006/main" xmlns:r="http://schemas.openxmlformats.org/officeDocument/2006/relationships" xmlns:p="http://schemas.openxmlformats.org/presentationml/2006/main">
-  <p:cSld>
-    <p:spTree>
-      <p:nvGrpSpPr>
-        <p:cNvPr id="1" name=""/>
-        <p:cNvGrpSpPr/>
-        <p:nvPr/>
-      </p:nvGrpSpPr>
-      <p:grpSpPr>
-        <a:xfrm>
-          <a:off x="0" y="0"/>
-          <a:ext cx="0" cy="0"/>
-          <a:chOff x="0" y="0"/>
-          <a:chExt cx="0" cy="0"/>
-        </a:xfrm>
-      </p:grpSpPr>
-      <p:sp>
-        <p:nvSpPr>
-          <p:cNvPr id="2" name="Título 1"/>
-          <p:cNvSpPr>
-            <a:spLocks noGrp="1"/>
-          </p:cNvSpPr>
-          <p:nvPr>
-            <p:ph type="title"/>
-          </p:nvPr>
-        </p:nvSpPr>
         <p:spPr>
           <a:xfrm>
             <a:off x="457200" y="260648"/>
@@ -27783,7 +27107,7 @@
             <p:ph idx="1"/>
             <p:extLst>
               <p:ext uri="{D42A27DB-BD31-4B8C-83A1-F6EECF244321}">
-                <p14:modId xmlns="" xmlns:p14="http://schemas.microsoft.com/office/powerpoint/2010/main" val="2208909862"/>
+                <p14:modId xmlns:p14="http://schemas.microsoft.com/office/powerpoint/2010/main" xmlns="" val="2208909862"/>
               </p:ext>
             </p:extLst>
           </p:nvPr>
@@ -27813,7 +27137,7 @@
 </p:sld>
 </file>
 
-<file path=ppt/slides/slide12.xml><?xml version="1.0" encoding="utf-8"?>
+<file path=ppt/slides/slide11.xml><?xml version="1.0" encoding="utf-8"?>
 <p:sld xmlns:a="http://schemas.openxmlformats.org/drawingml/2006/main" xmlns:r="http://schemas.openxmlformats.org/officeDocument/2006/relationships" xmlns:p="http://schemas.openxmlformats.org/presentationml/2006/main">
   <p:cSld>
     <p:spTree>
@@ -27887,7 +27211,7 @@
 </p:sld>
 </file>
 
-<file path=ppt/slides/slide13.xml><?xml version="1.0" encoding="utf-8"?>
+<file path=ppt/slides/slide12.xml><?xml version="1.0" encoding="utf-8"?>
 <p:sld xmlns:a="http://schemas.openxmlformats.org/drawingml/2006/main" xmlns:r="http://schemas.openxmlformats.org/officeDocument/2006/relationships" xmlns:p="http://schemas.openxmlformats.org/presentationml/2006/main">
   <p:cSld>
     <p:spTree>
@@ -27961,7 +27285,7 @@
 </p:sld>
 </file>
 
-<file path=ppt/slides/slide14.xml><?xml version="1.0" encoding="utf-8"?>
+<file path=ppt/slides/slide13.xml><?xml version="1.0" encoding="utf-8"?>
 <p:sld xmlns:a="http://schemas.openxmlformats.org/drawingml/2006/main" xmlns:r="http://schemas.openxmlformats.org/officeDocument/2006/relationships" xmlns:p="http://schemas.openxmlformats.org/presentationml/2006/main">
   <p:cSld>
     <p:spTree>
@@ -28137,44 +27461,37 @@
             <p:ph type="title"/>
           </p:nvPr>
         </p:nvSpPr>
-        <p:spPr/>
+        <p:spPr>
+          <a:xfrm>
+            <a:off x="285720" y="928670"/>
+            <a:ext cx="8686800" cy="4429156"/>
+          </a:xfrm>
+        </p:spPr>
         <p:txBody>
-          <a:bodyPr/>
+          <a:bodyPr>
+            <a:noAutofit/>
+          </a:bodyPr>
           <a:lstStyle/>
           <a:p>
+            <a:pPr algn="ctr"/>
             <a:r>
-              <a:rPr lang="pt-BR" dirty="0" smtClean="0"/>
-              <a:t>pretensões </a:t>
+              <a:rPr lang="pt-BR" sz="12000" dirty="0" smtClean="0">
+                <a:solidFill>
+                  <a:srgbClr val="FF0000"/>
+                </a:solidFill>
+                <a:latin typeface="Bauhaus 93" pitchFamily="82" charset="0"/>
+              </a:rPr>
+              <a:t>O problema</a:t>
             </a:r>
-            <a:endParaRPr lang="pt-BR" dirty="0"/>
+            <a:endParaRPr lang="pt-BR" sz="12000" dirty="0">
+              <a:solidFill>
+                <a:srgbClr val="FF0000"/>
+              </a:solidFill>
+              <a:latin typeface="Bauhaus 93" pitchFamily="82" charset="0"/>
+            </a:endParaRPr>
           </a:p>
         </p:txBody>
       </p:sp>
-      <p:graphicFrame>
-        <p:nvGraphicFramePr>
-          <p:cNvPr id="6" name="Espaço Reservado para Conteúdo 5"/>
-          <p:cNvGraphicFramePr>
-            <a:graphicFrameLocks noGrp="1"/>
-          </p:cNvGraphicFramePr>
-          <p:nvPr>
-            <p:ph idx="1"/>
-            <p:extLst>
-              <p:ext uri="{D42A27DB-BD31-4B8C-83A1-F6EECF244321}">
-                <p14:modId xmlns="" xmlns:p14="http://schemas.microsoft.com/office/powerpoint/2010/main" val="2118870426"/>
-              </p:ext>
-            </p:extLst>
-          </p:nvPr>
-        </p:nvGraphicFramePr>
-        <p:xfrm>
-          <a:off x="304800" y="1554163"/>
-          <a:ext cx="8686800" cy="4525962"/>
-        </p:xfrm>
-        <a:graphic>
-          <a:graphicData uri="http://schemas.openxmlformats.org/drawingml/2006/diagram">
-            <dgm:relIds xmlns:dgm="http://schemas.openxmlformats.org/drawingml/2006/diagram" xmlns:r="http://schemas.openxmlformats.org/officeDocument/2006/relationships" r:dm="rId2" r:lo="rId3" r:qs="rId4" r:cs="rId5"/>
-          </a:graphicData>
-        </a:graphic>
-      </p:graphicFrame>
     </p:spTree>
   </p:cSld>
   <p:clrMapOvr>
@@ -28224,7 +27541,7 @@
           <a:p>
             <a:r>
               <a:rPr lang="pt-BR" dirty="0" smtClean="0"/>
-              <a:t>Descrição geral do problema</a:t>
+              <a:t>Visão geral</a:t>
             </a:r>
             <a:endParaRPr lang="pt-BR" dirty="0"/>
           </a:p>
@@ -28240,7 +27557,7 @@
             <p:ph idx="1"/>
             <p:extLst>
               <p:ext uri="{D42A27DB-BD31-4B8C-83A1-F6EECF244321}">
-                <p14:modId xmlns="" xmlns:p14="http://schemas.microsoft.com/office/powerpoint/2010/main" val="736405372"/>
+                <p14:modId xmlns:p14="http://schemas.microsoft.com/office/powerpoint/2010/main" xmlns="" val="736405372"/>
               </p:ext>
             </p:extLst>
           </p:nvPr>
@@ -28297,35 +27614,34 @@
             <p:ph type="title"/>
           </p:nvPr>
         </p:nvSpPr>
-        <p:spPr/>
+        <p:spPr>
+          <a:xfrm>
+            <a:off x="304800" y="571480"/>
+            <a:ext cx="8686800" cy="5500726"/>
+          </a:xfrm>
+        </p:spPr>
         <p:txBody>
-          <a:bodyPr/>
+          <a:bodyPr>
+            <a:noAutofit/>
+          </a:bodyPr>
           <a:lstStyle/>
           <a:p>
+            <a:pPr algn="ctr"/>
             <a:r>
-              <a:rPr lang="pt-BR" dirty="0" smtClean="0"/>
-              <a:t>?</a:t>
+              <a:rPr lang="pt-BR" sz="12000" dirty="0" smtClean="0">
+                <a:solidFill>
+                  <a:srgbClr val="00B050"/>
+                </a:solidFill>
+                <a:latin typeface="Bauhaus 93" pitchFamily="82" charset="0"/>
+              </a:rPr>
+              <a:t>Solução Proposta</a:t>
             </a:r>
-            <a:endParaRPr lang="pt-BR" dirty="0"/>
-          </a:p>
-        </p:txBody>
-      </p:sp>
-      <p:sp>
-        <p:nvSpPr>
-          <p:cNvPr id="3" name="Espaço Reservado para Conteúdo 2"/>
-          <p:cNvSpPr>
-            <a:spLocks noGrp="1"/>
-          </p:cNvSpPr>
-          <p:nvPr>
-            <p:ph idx="1"/>
-          </p:nvPr>
-        </p:nvSpPr>
-        <p:spPr/>
-        <p:txBody>
-          <a:bodyPr/>
-          <a:lstStyle/>
-          <a:p>
-            <a:endParaRPr lang="pt-BR"/>
+            <a:endParaRPr lang="pt-BR" sz="12000" dirty="0">
+              <a:solidFill>
+                <a:srgbClr val="00B050"/>
+              </a:solidFill>
+              <a:latin typeface="Bauhaus 93" pitchFamily="82" charset="0"/>
+            </a:endParaRPr>
           </a:p>
         </p:txBody>
       </p:sp>
@@ -28378,31 +27694,37 @@
           <a:p>
             <a:r>
               <a:rPr lang="pt-BR" dirty="0" smtClean="0"/>
-              <a:t>?</a:t>
+              <a:t>pretensões </a:t>
             </a:r>
             <a:endParaRPr lang="pt-BR" dirty="0"/>
           </a:p>
         </p:txBody>
       </p:sp>
-      <p:sp>
-        <p:nvSpPr>
-          <p:cNvPr id="3" name="Espaço Reservado para Conteúdo 2"/>
-          <p:cNvSpPr>
-            <a:spLocks noGrp="1"/>
-          </p:cNvSpPr>
+      <p:graphicFrame>
+        <p:nvGraphicFramePr>
+          <p:cNvPr id="6" name="Espaço Reservado para Conteúdo 5"/>
+          <p:cNvGraphicFramePr>
+            <a:graphicFrameLocks noGrp="1"/>
+          </p:cNvGraphicFramePr>
           <p:nvPr>
             <p:ph idx="1"/>
+            <p:extLst>
+              <p:ext uri="{D42A27DB-BD31-4B8C-83A1-F6EECF244321}">
+                <p14:modId xmlns:p14="http://schemas.microsoft.com/office/powerpoint/2010/main" xmlns="" val="2118870426"/>
+              </p:ext>
+            </p:extLst>
           </p:nvPr>
-        </p:nvSpPr>
-        <p:spPr/>
-        <p:txBody>
-          <a:bodyPr/>
-          <a:lstStyle/>
-          <a:p>
-            <a:endParaRPr lang="pt-BR"/>
-          </a:p>
-        </p:txBody>
-      </p:sp>
+        </p:nvGraphicFramePr>
+        <p:xfrm>
+          <a:off x="304800" y="1554163"/>
+          <a:ext cx="8686800" cy="4525962"/>
+        </p:xfrm>
+        <a:graphic>
+          <a:graphicData uri="http://schemas.openxmlformats.org/drawingml/2006/diagram">
+            <dgm:relIds xmlns:dgm="http://schemas.openxmlformats.org/drawingml/2006/diagram" xmlns:r="http://schemas.openxmlformats.org/officeDocument/2006/relationships" r:dm="rId2" r:lo="rId3" r:qs="rId4" r:cs="rId5"/>
+          </a:graphicData>
+        </a:graphic>
+      </p:graphicFrame>
     </p:spTree>
   </p:cSld>
   <p:clrMapOvr>
@@ -28450,33 +27772,41 @@
           <a:bodyPr/>
           <a:lstStyle/>
           <a:p>
-            <a:r>
-              <a:rPr lang="pt-BR" dirty="0" smtClean="0"/>
-              <a:t>?</a:t>
-            </a:r>
             <a:endParaRPr lang="pt-BR" dirty="0"/>
           </a:p>
         </p:txBody>
       </p:sp>
-      <p:sp>
-        <p:nvSpPr>
-          <p:cNvPr id="3" name="Espaço Reservado para Conteúdo 2"/>
-          <p:cNvSpPr>
-            <a:spLocks noGrp="1"/>
-          </p:cNvSpPr>
+      <p:pic>
+        <p:nvPicPr>
+          <p:cNvPr id="4" name="Espaço Reservado para Conteúdo 3" descr="H2fO1MKb-bando-de-dados-s-.png"/>
+          <p:cNvPicPr>
+            <a:picLocks noGrp="1" noChangeAspect="1"/>
+          </p:cNvPicPr>
           <p:nvPr>
             <p:ph idx="1"/>
           </p:nvPr>
-        </p:nvSpPr>
-        <p:spPr/>
-        <p:txBody>
-          <a:bodyPr/>
-          <a:lstStyle/>
-          <a:p>
-            <a:endParaRPr lang="pt-BR"/>
-          </a:p>
-        </p:txBody>
-      </p:sp>
+        </p:nvPicPr>
+        <p:blipFill>
+          <a:blip r:embed="rId2"/>
+          <a:stretch>
+            <a:fillRect/>
+          </a:stretch>
+        </p:blipFill>
+        <p:spPr>
+          <a:xfrm>
+            <a:off x="357158" y="1571612"/>
+            <a:ext cx="8480789" cy="4929222"/>
+          </a:xfrm>
+          <a:solidFill>
+            <a:schemeClr val="accent1"/>
+          </a:solidFill>
+          <a:effectLst>
+            <a:innerShdw blurRad="114300">
+              <a:prstClr val="black"/>
+            </a:innerShdw>
+          </a:effectLst>
+        </p:spPr>
+      </p:pic>
     </p:spTree>
   </p:cSld>
   <p:clrMapOvr>
@@ -28493,80 +27823,6 @@
 </file>
 
 <file path=ppt/slides/slide8.xml><?xml version="1.0" encoding="utf-8"?>
-<p:sld xmlns:a="http://schemas.openxmlformats.org/drawingml/2006/main" xmlns:r="http://schemas.openxmlformats.org/officeDocument/2006/relationships" xmlns:p="http://schemas.openxmlformats.org/presentationml/2006/main">
-  <p:cSld>
-    <p:spTree>
-      <p:nvGrpSpPr>
-        <p:cNvPr id="1" name=""/>
-        <p:cNvGrpSpPr/>
-        <p:nvPr/>
-      </p:nvGrpSpPr>
-      <p:grpSpPr>
-        <a:xfrm>
-          <a:off x="0" y="0"/>
-          <a:ext cx="0" cy="0"/>
-          <a:chOff x="0" y="0"/>
-          <a:chExt cx="0" cy="0"/>
-        </a:xfrm>
-      </p:grpSpPr>
-      <p:sp>
-        <p:nvSpPr>
-          <p:cNvPr id="2" name="Título 1"/>
-          <p:cNvSpPr>
-            <a:spLocks noGrp="1"/>
-          </p:cNvSpPr>
-          <p:nvPr>
-            <p:ph type="title"/>
-          </p:nvPr>
-        </p:nvSpPr>
-        <p:spPr/>
-        <p:txBody>
-          <a:bodyPr/>
-          <a:lstStyle/>
-          <a:p>
-            <a:r>
-              <a:rPr lang="pt-BR" dirty="0" smtClean="0"/>
-              <a:t>Solução Proposta</a:t>
-            </a:r>
-            <a:endParaRPr lang="pt-BR" dirty="0"/>
-          </a:p>
-        </p:txBody>
-      </p:sp>
-      <p:sp>
-        <p:nvSpPr>
-          <p:cNvPr id="3" name="Espaço Reservado para Conteúdo 2"/>
-          <p:cNvSpPr>
-            <a:spLocks noGrp="1"/>
-          </p:cNvSpPr>
-          <p:nvPr>
-            <p:ph idx="1"/>
-          </p:nvPr>
-        </p:nvSpPr>
-        <p:spPr/>
-        <p:txBody>
-          <a:bodyPr/>
-          <a:lstStyle/>
-          <a:p>
-            <a:endParaRPr lang="pt-BR"/>
-          </a:p>
-        </p:txBody>
-      </p:sp>
-    </p:spTree>
-  </p:cSld>
-  <p:clrMapOvr>
-    <a:masterClrMapping/>
-  </p:clrMapOvr>
-  <p:timing>
-    <p:tnLst>
-      <p:par>
-        <p:cTn id="1" dur="indefinite" restart="never" nodeType="tmRoot"/>
-      </p:par>
-    </p:tnLst>
-  </p:timing>
-</p:sld>
-</file>
-
-<file path=ppt/slides/slide9.xml><?xml version="1.0" encoding="utf-8"?>
 <p:sld xmlns:a="http://schemas.openxmlformats.org/drawingml/2006/main" xmlns:r="http://schemas.openxmlformats.org/officeDocument/2006/relationships" xmlns:p="http://schemas.openxmlformats.org/presentationml/2006/main">
   <p:cSld>
     <p:spTree>
@@ -28617,6 +27873,81 @@
           </p:nvPr>
         </p:nvGraphicFramePr>
         <p:xfrm>
+          <a:off x="285720" y="2071678"/>
+          <a:ext cx="8686800" cy="4525962"/>
+        </p:xfrm>
+        <a:graphic>
+          <a:graphicData uri="http://schemas.openxmlformats.org/drawingml/2006/diagram">
+            <dgm:relIds xmlns:dgm="http://schemas.openxmlformats.org/drawingml/2006/diagram" xmlns:r="http://schemas.openxmlformats.org/officeDocument/2006/relationships" r:dm="rId2" r:lo="rId3" r:qs="rId4" r:cs="rId5"/>
+          </a:graphicData>
+        </a:graphic>
+      </p:graphicFrame>
+    </p:spTree>
+  </p:cSld>
+  <p:clrMapOvr>
+    <a:masterClrMapping/>
+  </p:clrMapOvr>
+  <p:timing>
+    <p:tnLst>
+      <p:par>
+        <p:cTn id="1" dur="indefinite" restart="never" nodeType="tmRoot"/>
+      </p:par>
+    </p:tnLst>
+  </p:timing>
+</p:sld>
+</file>
+
+<file path=ppt/slides/slide9.xml><?xml version="1.0" encoding="utf-8"?>
+<p:sld xmlns:a="http://schemas.openxmlformats.org/drawingml/2006/main" xmlns:r="http://schemas.openxmlformats.org/officeDocument/2006/relationships" xmlns:p="http://schemas.openxmlformats.org/presentationml/2006/main">
+  <p:cSld>
+    <p:spTree>
+      <p:nvGrpSpPr>
+        <p:cNvPr id="1" name=""/>
+        <p:cNvGrpSpPr/>
+        <p:nvPr/>
+      </p:nvGrpSpPr>
+      <p:grpSpPr>
+        <a:xfrm>
+          <a:off x="0" y="0"/>
+          <a:ext cx="0" cy="0"/>
+          <a:chOff x="0" y="0"/>
+          <a:chExt cx="0" cy="0"/>
+        </a:xfrm>
+      </p:grpSpPr>
+      <p:sp>
+        <p:nvSpPr>
+          <p:cNvPr id="2" name="Título 1"/>
+          <p:cNvSpPr>
+            <a:spLocks noGrp="1"/>
+          </p:cNvSpPr>
+          <p:nvPr>
+            <p:ph type="title"/>
+          </p:nvPr>
+        </p:nvSpPr>
+        <p:spPr/>
+        <p:txBody>
+          <a:bodyPr/>
+          <a:lstStyle/>
+          <a:p>
+            <a:r>
+              <a:rPr lang="pt-BR" dirty="0" smtClean="0"/>
+              <a:t>Integração</a:t>
+            </a:r>
+            <a:endParaRPr lang="pt-BR" dirty="0"/>
+          </a:p>
+        </p:txBody>
+      </p:sp>
+      <p:graphicFrame>
+        <p:nvGraphicFramePr>
+          <p:cNvPr id="10" name="Espaço Reservado para Conteúdo 9"/>
+          <p:cNvGraphicFramePr>
+            <a:graphicFrameLocks noGrp="1"/>
+          </p:cNvGraphicFramePr>
+          <p:nvPr>
+            <p:ph idx="1"/>
+          </p:nvPr>
+        </p:nvGraphicFramePr>
+        <p:xfrm>
           <a:off x="304800" y="1554163"/>
           <a:ext cx="8686800" cy="4525962"/>
         </p:xfrm>
@@ -28626,82 +27957,6 @@
           </a:graphicData>
         </a:graphic>
       </p:graphicFrame>
-      <p:sp>
-        <p:nvSpPr>
-          <p:cNvPr id="14" name="Seta para a esquerda e para a direita 13"/>
-          <p:cNvSpPr/>
-          <p:nvPr/>
-        </p:nvSpPr>
-        <p:spPr>
-          <a:xfrm>
-            <a:off x="2555776" y="3573016"/>
-            <a:ext cx="936104" cy="548680"/>
-          </a:xfrm>
-          <a:prstGeom prst="leftRightArrow">
-            <a:avLst/>
-          </a:prstGeom>
-        </p:spPr>
-        <p:style>
-          <a:lnRef idx="0">
-            <a:schemeClr val="accent6"/>
-          </a:lnRef>
-          <a:fillRef idx="3">
-            <a:schemeClr val="accent6"/>
-          </a:fillRef>
-          <a:effectRef idx="3">
-            <a:schemeClr val="accent6"/>
-          </a:effectRef>
-          <a:fontRef idx="minor">
-            <a:schemeClr val="lt1"/>
-          </a:fontRef>
-        </p:style>
-        <p:txBody>
-          <a:bodyPr rtlCol="0" anchor="ctr"/>
-          <a:lstStyle/>
-          <a:p>
-            <a:pPr algn="ctr"/>
-            <a:endParaRPr lang="pt-BR"/>
-          </a:p>
-        </p:txBody>
-      </p:sp>
-      <p:sp>
-        <p:nvSpPr>
-          <p:cNvPr id="15" name="Seta para a esquerda e para a direita 14"/>
-          <p:cNvSpPr/>
-          <p:nvPr/>
-        </p:nvSpPr>
-        <p:spPr>
-          <a:xfrm>
-            <a:off x="5580112" y="3573016"/>
-            <a:ext cx="936104" cy="548680"/>
-          </a:xfrm>
-          <a:prstGeom prst="leftRightArrow">
-            <a:avLst/>
-          </a:prstGeom>
-        </p:spPr>
-        <p:style>
-          <a:lnRef idx="0">
-            <a:schemeClr val="accent6"/>
-          </a:lnRef>
-          <a:fillRef idx="3">
-            <a:schemeClr val="accent6"/>
-          </a:fillRef>
-          <a:effectRef idx="3">
-            <a:schemeClr val="accent6"/>
-          </a:effectRef>
-          <a:fontRef idx="minor">
-            <a:schemeClr val="lt1"/>
-          </a:fontRef>
-        </p:style>
-        <p:txBody>
-          <a:bodyPr rtlCol="0" anchor="ctr"/>
-          <a:lstStyle/>
-          <a:p>
-            <a:pPr algn="ctr"/>
-            <a:endParaRPr lang="pt-BR"/>
-          </a:p>
-        </p:txBody>
-      </p:sp>
     </p:spTree>
   </p:cSld>
   <p:clrMapOvr>
@@ -28828,7 +28083,7 @@
         <a:font script="Uigh" typeface="Microsoft Uighur"/>
       </a:minorFont>
     </a:fontScheme>
-    <a:fmtScheme name="Viagem">
+    <a:fmtScheme name="Escritório">
       <a:fillStyleLst>
         <a:solidFill>
           <a:schemeClr val="phClr"/>
@@ -28837,77 +28092,56 @@
           <a:gsLst>
             <a:gs pos="0">
               <a:schemeClr val="phClr">
-                <a:tint val="30000"/>
-                <a:satMod val="250000"/>
+                <a:tint val="50000"/>
+                <a:satMod val="300000"/>
               </a:schemeClr>
             </a:gs>
-            <a:gs pos="72000">
+            <a:gs pos="35000">
               <a:schemeClr val="phClr">
-                <a:tint val="75000"/>
-                <a:satMod val="210000"/>
+                <a:tint val="37000"/>
+                <a:satMod val="300000"/>
               </a:schemeClr>
             </a:gs>
             <a:gs pos="100000">
               <a:schemeClr val="phClr">
-                <a:tint val="85000"/>
-                <a:satMod val="210000"/>
+                <a:tint val="15000"/>
+                <a:satMod val="350000"/>
               </a:schemeClr>
             </a:gs>
           </a:gsLst>
-          <a:lin ang="5400000" scaled="1"/>
+          <a:lin ang="16200000" scaled="1"/>
         </a:gradFill>
         <a:gradFill rotWithShape="1">
           <a:gsLst>
             <a:gs pos="0">
               <a:schemeClr val="phClr">
-                <a:tint val="75000"/>
-                <a:shade val="85000"/>
-                <a:satMod val="230000"/>
-              </a:schemeClr>
-            </a:gs>
-            <a:gs pos="25000">
-              <a:schemeClr val="phClr">
-                <a:tint val="90000"/>
-                <a:shade val="70000"/>
-                <a:satMod val="220000"/>
-              </a:schemeClr>
-            </a:gs>
-            <a:gs pos="50000">
-              <a:schemeClr val="phClr">
-                <a:tint val="90000"/>
-                <a:shade val="58000"/>
-                <a:satMod val="225000"/>
-              </a:schemeClr>
-            </a:gs>
-            <a:gs pos="65000">
-              <a:schemeClr val="phClr">
-                <a:tint val="90000"/>
-                <a:shade val="58000"/>
-                <a:satMod val="225000"/>
+                <a:shade val="51000"/>
+                <a:satMod val="130000"/>
               </a:schemeClr>
             </a:gs>
             <a:gs pos="80000">
               <a:schemeClr val="phClr">
-                <a:tint val="90000"/>
-                <a:shade val="69000"/>
-                <a:satMod val="220000"/>
+                <a:shade val="93000"/>
+                <a:satMod val="130000"/>
               </a:schemeClr>
             </a:gs>
             <a:gs pos="100000">
               <a:schemeClr val="phClr">
-                <a:tint val="77000"/>
-                <a:shade val="80000"/>
-                <a:satMod val="230000"/>
+                <a:shade val="94000"/>
+                <a:satMod val="135000"/>
               </a:schemeClr>
             </a:gs>
           </a:gsLst>
-          <a:lin ang="5400000" scaled="1"/>
+          <a:lin ang="16200000" scaled="0"/>
         </a:gradFill>
       </a:fillStyleLst>
       <a:lnStyleLst>
-        <a:ln w="10000" cap="flat" cmpd="sng" algn="ctr">
+        <a:ln w="9525" cap="flat" cmpd="sng" algn="ctr">
           <a:solidFill>
-            <a:schemeClr val="phClr"/>
+            <a:schemeClr val="phClr">
+              <a:shade val="95000"/>
+              <a:satMod val="105000"/>
+            </a:schemeClr>
           </a:solidFill>
           <a:prstDash val="solid"/>
         </a:ln>
@@ -28927,18 +28161,27 @@
       <a:effectStyleLst>
         <a:effectStyle>
           <a:effectLst>
-            <a:outerShdw blurRad="76200" dist="50800" dir="5400000" rotWithShape="0">
-              <a:srgbClr val="4E3B30">
-                <a:alpha val="60000"/>
+            <a:outerShdw blurRad="40000" dist="20000" dir="5400000" rotWithShape="0">
+              <a:srgbClr val="000000">
+                <a:alpha val="38000"/>
               </a:srgbClr>
             </a:outerShdw>
           </a:effectLst>
         </a:effectStyle>
         <a:effectStyle>
           <a:effectLst>
-            <a:outerShdw blurRad="76200" dist="50800" dir="5400000" rotWithShape="0">
-              <a:srgbClr val="4E3B30">
-                <a:alpha val="60000"/>
+            <a:outerShdw blurRad="40000" dist="23000" dir="5400000" rotWithShape="0">
+              <a:srgbClr val="000000">
+                <a:alpha val="35000"/>
+              </a:srgbClr>
+            </a:outerShdw>
+          </a:effectLst>
+        </a:effectStyle>
+        <a:effectStyle>
+          <a:effectLst>
+            <a:outerShdw blurRad="40000" dist="23000" dir="5400000" rotWithShape="0">
+              <a:srgbClr val="000000">
+                <a:alpha val="35000"/>
               </a:srgbClr>
             </a:outerShdw>
           </a:effectLst>
@@ -28946,38 +28189,12 @@
             <a:camera prst="orthographicFront">
               <a:rot lat="0" lon="0" rev="0"/>
             </a:camera>
-            <a:lightRig rig="threePt" dir="tl">
-              <a:rot lat="0" lon="0" rev="0"/>
+            <a:lightRig rig="threePt" dir="t">
+              <a:rot lat="0" lon="0" rev="1200000"/>
             </a:lightRig>
           </a:scene3d>
-          <a:sp3d prstMaterial="metal">
-            <a:bevelT w="10000" h="10000"/>
-          </a:sp3d>
-        </a:effectStyle>
-        <a:effectStyle>
-          <a:effectLst>
-            <a:outerShdw blurRad="76200" dist="50800" dir="5400000" rotWithShape="0">
-              <a:srgbClr val="4E3B30">
-                <a:alpha val="60000"/>
-              </a:srgbClr>
-            </a:outerShdw>
-          </a:effectLst>
-          <a:scene3d>
-            <a:camera prst="obliqueTopLeft" fov="600000">
-              <a:rot lat="0" lon="0" rev="0"/>
-            </a:camera>
-            <a:lightRig rig="balanced" dir="t">
-              <a:rot lat="0" lon="0" rev="19200000"/>
-            </a:lightRig>
-          </a:scene3d>
-          <a:sp3d contourW="12700" prstMaterial="matte">
-            <a:bevelT w="60000" h="50800"/>
-            <a:contourClr>
-              <a:schemeClr val="phClr">
-                <a:shade val="60000"/>
-                <a:satMod val="110000"/>
-              </a:schemeClr>
-            </a:contourClr>
+          <a:sp3d>
+            <a:bevelT w="63500" h="25400"/>
           </a:sp3d>
         </a:effectStyle>
       </a:effectStyleLst>

--- a/SAS/Planejamento/Docs/#3 - Apresentação do projeto.pptx
+++ b/SAS/Planejamento/Docs/#3 - Apresentação do projeto.pptx
@@ -11,13 +11,12 @@
     <p:sldId id="265" r:id="rId5"/>
     <p:sldId id="269" r:id="rId6"/>
     <p:sldId id="264" r:id="rId7"/>
-    <p:sldId id="274" r:id="rId8"/>
-    <p:sldId id="260" r:id="rId9"/>
-    <p:sldId id="261" r:id="rId10"/>
-    <p:sldId id="257" r:id="rId11"/>
-    <p:sldId id="270" r:id="rId12"/>
-    <p:sldId id="271" r:id="rId13"/>
-    <p:sldId id="272" r:id="rId14"/>
+    <p:sldId id="260" r:id="rId8"/>
+    <p:sldId id="261" r:id="rId9"/>
+    <p:sldId id="257" r:id="rId10"/>
+    <p:sldId id="270" r:id="rId11"/>
+    <p:sldId id="271" r:id="rId12"/>
+    <p:sldId id="272" r:id="rId13"/>
   </p:sldIdLst>
   <p:sldSz cx="9144000" cy="6858000" type="screen4x3"/>
   <p:notesSz cx="6858000" cy="9144000"/>
@@ -3108,15 +3107,17 @@
 </file>
 
 <file path=ppt/diagrams/colors5.xml><?xml version="1.0" encoding="utf-8"?>
-<dgm:colorsDef xmlns:dgm="http://schemas.openxmlformats.org/drawingml/2006/diagram" xmlns:a="http://schemas.openxmlformats.org/drawingml/2006/main" uniqueId="urn:microsoft.com/office/officeart/2005/8/colors/accent1_2">
+<dgm:colorsDef xmlns:dgm="http://schemas.openxmlformats.org/drawingml/2006/diagram" xmlns:a="http://schemas.openxmlformats.org/drawingml/2006/main" uniqueId="urn:microsoft.com/office/officeart/2005/8/colors/accent2_5">
   <dgm:title val=""/>
   <dgm:desc val=""/>
   <dgm:catLst>
-    <dgm:cat type="accent1" pri="11200"/>
+    <dgm:cat type="accent2" pri="11500"/>
   </dgm:catLst>
   <dgm:styleLbl name="node0">
-    <dgm:fillClrLst meth="repeat">
-      <a:schemeClr val="accent1"/>
+    <dgm:fillClrLst meth="cycle">
+      <a:schemeClr val="accent2">
+        <a:alpha val="80000"/>
+      </a:schemeClr>
     </dgm:fillClrLst>
     <dgm:linClrLst meth="repeat">
       <a:schemeClr val="lt1"/>
@@ -3126,21 +3127,14 @@
     <dgm:txFillClrLst/>
     <dgm:txEffectClrLst/>
   </dgm:styleLbl>
-  <dgm:styleLbl name="alignNode1">
-    <dgm:fillClrLst meth="repeat">
-      <a:schemeClr val="accent1"/>
-    </dgm:fillClrLst>
-    <dgm:linClrLst meth="repeat">
-      <a:schemeClr val="accent1"/>
-    </dgm:linClrLst>
-    <dgm:effectClrLst/>
-    <dgm:txLinClrLst/>
-    <dgm:txFillClrLst/>
-    <dgm:txEffectClrLst/>
-  </dgm:styleLbl>
   <dgm:styleLbl name="node1">
-    <dgm:fillClrLst meth="repeat">
-      <a:schemeClr val="accent1"/>
+    <dgm:fillClrLst>
+      <a:schemeClr val="accent2">
+        <a:alpha val="90000"/>
+      </a:schemeClr>
+      <a:schemeClr val="accent2">
+        <a:alpha val="50000"/>
+      </a:schemeClr>
     </dgm:fillClrLst>
     <dgm:linClrLst meth="repeat">
       <a:schemeClr val="lt1"/>
@@ -3150,9 +3144,37 @@
     <dgm:txFillClrLst/>
     <dgm:txEffectClrLst/>
   </dgm:styleLbl>
+  <dgm:styleLbl name="alignNode1">
+    <dgm:fillClrLst>
+      <a:schemeClr val="accent2">
+        <a:alpha val="90000"/>
+      </a:schemeClr>
+      <a:schemeClr val="accent2">
+        <a:alpha val="50000"/>
+      </a:schemeClr>
+    </dgm:fillClrLst>
+    <dgm:linClrLst>
+      <a:schemeClr val="accent2">
+        <a:alpha val="90000"/>
+      </a:schemeClr>
+      <a:schemeClr val="accent2">
+        <a:alpha val="50000"/>
+      </a:schemeClr>
+    </dgm:linClrLst>
+    <dgm:effectClrLst/>
+    <dgm:txLinClrLst/>
+    <dgm:txFillClrLst/>
+    <dgm:txEffectClrLst/>
+  </dgm:styleLbl>
   <dgm:styleLbl name="lnNode1">
-    <dgm:fillClrLst meth="repeat">
-      <a:schemeClr val="accent1"/>
+    <dgm:fillClrLst>
+      <a:schemeClr val="accent2">
+        <a:shade val="90000"/>
+      </a:schemeClr>
+      <a:schemeClr val="accent2">
+        <a:alpha val="50000"/>
+        <a:tint val="50000"/>
+      </a:schemeClr>
     </dgm:fillClrLst>
     <dgm:linClrLst meth="repeat">
       <a:schemeClr val="lt1"/>
@@ -3163,10 +3185,14 @@
     <dgm:txEffectClrLst/>
   </dgm:styleLbl>
   <dgm:styleLbl name="vennNode1">
-    <dgm:fillClrLst meth="repeat">
-      <a:schemeClr val="accent1">
+    <dgm:fillClrLst>
+      <a:schemeClr val="accent2">
+        <a:shade val="80000"/>
         <a:alpha val="50000"/>
       </a:schemeClr>
+      <a:schemeClr val="accent2">
+        <a:alpha val="20000"/>
+      </a:schemeClr>
     </dgm:fillClrLst>
     <dgm:linClrLst meth="repeat">
       <a:schemeClr val="lt1"/>
@@ -3177,8 +3203,10 @@
     <dgm:txEffectClrLst/>
   </dgm:styleLbl>
   <dgm:styleLbl name="node2">
-    <dgm:fillClrLst meth="repeat">
-      <a:schemeClr val="accent1"/>
+    <dgm:fillClrLst>
+      <a:schemeClr val="accent2">
+        <a:alpha val="70000"/>
+      </a:schemeClr>
     </dgm:fillClrLst>
     <dgm:linClrLst meth="repeat">
       <a:schemeClr val="lt1"/>
@@ -3189,8 +3217,10 @@
     <dgm:txEffectClrLst/>
   </dgm:styleLbl>
   <dgm:styleLbl name="node3">
-    <dgm:fillClrLst meth="repeat">
-      <a:schemeClr val="accent1"/>
+    <dgm:fillClrLst>
+      <a:schemeClr val="accent2">
+        <a:alpha val="50000"/>
+      </a:schemeClr>
     </dgm:fillClrLst>
     <dgm:linClrLst meth="repeat">
       <a:schemeClr val="lt1"/>
@@ -3201,8 +3231,10 @@
     <dgm:txEffectClrLst/>
   </dgm:styleLbl>
   <dgm:styleLbl name="node4">
-    <dgm:fillClrLst meth="repeat">
-      <a:schemeClr val="accent1"/>
+    <dgm:fillClrLst>
+      <a:schemeClr val="accent2">
+        <a:alpha val="30000"/>
+      </a:schemeClr>
     </dgm:fillClrLst>
     <dgm:linClrLst meth="repeat">
       <a:schemeClr val="lt1"/>
@@ -3213,9 +3245,14 @@
     <dgm:txEffectClrLst/>
   </dgm:styleLbl>
   <dgm:styleLbl name="fgImgPlace1">
-    <dgm:fillClrLst meth="repeat">
-      <a:schemeClr val="accent1">
+    <dgm:fillClrLst>
+      <a:schemeClr val="accent2">
         <a:tint val="50000"/>
+        <a:alpha val="90000"/>
+      </a:schemeClr>
+      <a:schemeClr val="accent2">
+        <a:tint val="20000"/>
+        <a:alpha val="50000"/>
       </a:schemeClr>
     </dgm:fillClrLst>
     <dgm:linClrLst meth="repeat">
@@ -3229,9 +3266,12 @@
     <dgm:txEffectClrLst/>
   </dgm:styleLbl>
   <dgm:styleLbl name="alignImgPlace1">
-    <dgm:fillClrLst meth="repeat">
-      <a:schemeClr val="accent1">
+    <dgm:fillClrLst>
+      <a:schemeClr val="accent2">
         <a:tint val="50000"/>
+      </a:schemeClr>
+      <a:schemeClr val="accent2">
+        <a:tint val="20000"/>
       </a:schemeClr>
     </dgm:fillClrLst>
     <dgm:linClrLst meth="repeat">
@@ -3245,9 +3285,12 @@
     <dgm:txEffectClrLst/>
   </dgm:styleLbl>
   <dgm:styleLbl name="bgImgPlace1">
-    <dgm:fillClrLst meth="repeat">
-      <a:schemeClr val="accent1">
+    <dgm:fillClrLst>
+      <a:schemeClr val="accent2">
         <a:tint val="50000"/>
+      </a:schemeClr>
+      <a:schemeClr val="accent2">
+        <a:tint val="20000"/>
       </a:schemeClr>
     </dgm:fillClrLst>
     <dgm:linClrLst meth="repeat">
@@ -3261,15 +3304,21 @@
     <dgm:txEffectClrLst/>
   </dgm:styleLbl>
   <dgm:styleLbl name="sibTrans2D1">
-    <dgm:fillClrLst meth="repeat">
-      <a:schemeClr val="accent1">
-        <a:tint val="60000"/>
+    <dgm:fillClrLst>
+      <a:schemeClr val="accent2">
+        <a:shade val="90000"/>
       </a:schemeClr>
-    </dgm:fillClrLst>
-    <dgm:linClrLst meth="repeat">
-      <a:schemeClr val="accent1">
-        <a:tint val="60000"/>
+      <a:schemeClr val="accent2">
+        <a:tint val="50000"/>
       </a:schemeClr>
+    </dgm:fillClrLst>
+    <dgm:linClrLst>
+      <a:schemeClr val="accent2">
+        <a:shade val="90000"/>
+      </a:schemeClr>
+      <a:schemeClr val="accent2">
+        <a:tint val="50000"/>
+      </a:schemeClr>
     </dgm:linClrLst>
     <dgm:effectClrLst/>
     <dgm:txLinClrLst/>
@@ -3277,15 +3326,21 @@
     <dgm:txEffectClrLst/>
   </dgm:styleLbl>
   <dgm:styleLbl name="fgSibTrans2D1">
-    <dgm:fillClrLst meth="repeat">
-      <a:schemeClr val="accent1">
-        <a:tint val="60000"/>
+    <dgm:fillClrLst>
+      <a:schemeClr val="accent2">
+        <a:shade val="90000"/>
       </a:schemeClr>
-    </dgm:fillClrLst>
-    <dgm:linClrLst meth="repeat">
-      <a:schemeClr val="accent1">
-        <a:tint val="60000"/>
+      <a:schemeClr val="accent2">
+        <a:tint val="50000"/>
       </a:schemeClr>
+    </dgm:fillClrLst>
+    <dgm:linClrLst>
+      <a:schemeClr val="accent2">
+        <a:shade val="90000"/>
+      </a:schemeClr>
+      <a:schemeClr val="accent2">
+        <a:tint val="50000"/>
+      </a:schemeClr>
     </dgm:linClrLst>
     <dgm:effectClrLst/>
     <dgm:txLinClrLst/>
@@ -3293,15 +3348,21 @@
     <dgm:txEffectClrLst/>
   </dgm:styleLbl>
   <dgm:styleLbl name="bgSibTrans2D1">
-    <dgm:fillClrLst meth="repeat">
-      <a:schemeClr val="accent1">
-        <a:tint val="60000"/>
+    <dgm:fillClrLst>
+      <a:schemeClr val="accent2">
+        <a:shade val="90000"/>
       </a:schemeClr>
-    </dgm:fillClrLst>
-    <dgm:linClrLst meth="repeat">
-      <a:schemeClr val="accent1">
-        <a:tint val="60000"/>
+      <a:schemeClr val="accent2">
+        <a:tint val="50000"/>
       </a:schemeClr>
+    </dgm:fillClrLst>
+    <dgm:linClrLst>
+      <a:schemeClr val="accent2">
+        <a:shade val="90000"/>
+      </a:schemeClr>
+      <a:schemeClr val="accent2">
+        <a:tint val="50000"/>
+      </a:schemeClr>
     </dgm:linClrLst>
     <dgm:effectClrLst/>
     <dgm:txLinClrLst/>
@@ -3309,11 +3370,21 @@
     <dgm:txEffectClrLst/>
   </dgm:styleLbl>
   <dgm:styleLbl name="sibTrans1D1">
-    <dgm:fillClrLst meth="repeat">
-      <a:schemeClr val="accent1"/>
-    </dgm:fillClrLst>
-    <dgm:linClrLst meth="repeat">
-      <a:schemeClr val="accent1"/>
+    <dgm:fillClrLst>
+      <a:schemeClr val="accent2">
+        <a:shade val="90000"/>
+      </a:schemeClr>
+      <a:schemeClr val="accent2">
+        <a:tint val="50000"/>
+      </a:schemeClr>
+    </dgm:fillClrLst>
+    <dgm:linClrLst>
+      <a:schemeClr val="accent2">
+        <a:shade val="90000"/>
+      </a:schemeClr>
+      <a:schemeClr val="accent2">
+        <a:tint val="50000"/>
+      </a:schemeClr>
     </dgm:linClrLst>
     <dgm:effectClrLst/>
     <dgm:txLinClrLst/>
@@ -3324,12 +3395,10 @@
   </dgm:styleLbl>
   <dgm:styleLbl name="callout">
     <dgm:fillClrLst meth="repeat">
-      <a:schemeClr val="accent1"/>
+      <a:schemeClr val="accent2"/>
     </dgm:fillClrLst>
     <dgm:linClrLst meth="repeat">
-      <a:schemeClr val="accent1">
-        <a:tint val="50000"/>
-      </a:schemeClr>
+      <a:schemeClr val="accent2"/>
     </dgm:linClrLst>
     <dgm:effectClrLst/>
     <dgm:txLinClrLst/>
@@ -3340,7 +3409,9 @@
   </dgm:styleLbl>
   <dgm:styleLbl name="asst0">
     <dgm:fillClrLst meth="repeat">
-      <a:schemeClr val="accent1"/>
+      <a:schemeClr val="accent2">
+        <a:alpha val="90000"/>
+      </a:schemeClr>
     </dgm:fillClrLst>
     <dgm:linClrLst meth="repeat">
       <a:schemeClr val="lt1"/>
@@ -3352,7 +3423,9 @@
   </dgm:styleLbl>
   <dgm:styleLbl name="asst1">
     <dgm:fillClrLst meth="repeat">
-      <a:schemeClr val="accent1"/>
+      <a:schemeClr val="accent2">
+        <a:alpha val="90000"/>
+      </a:schemeClr>
     </dgm:fillClrLst>
     <dgm:linClrLst meth="repeat">
       <a:schemeClr val="lt1"/>
@@ -3363,8 +3436,10 @@
     <dgm:txEffectClrLst/>
   </dgm:styleLbl>
   <dgm:styleLbl name="asst2">
-    <dgm:fillClrLst meth="repeat">
-      <a:schemeClr val="accent1"/>
+    <dgm:fillClrLst>
+      <a:schemeClr val="accent2">
+        <a:alpha val="90000"/>
+      </a:schemeClr>
     </dgm:fillClrLst>
     <dgm:linClrLst meth="repeat">
       <a:schemeClr val="lt1"/>
@@ -3375,8 +3450,10 @@
     <dgm:txEffectClrLst/>
   </dgm:styleLbl>
   <dgm:styleLbl name="asst3">
-    <dgm:fillClrLst meth="repeat">
-      <a:schemeClr val="accent1"/>
+    <dgm:fillClrLst>
+      <a:schemeClr val="accent2">
+        <a:alpha val="70000"/>
+      </a:schemeClr>
     </dgm:fillClrLst>
     <dgm:linClrLst meth="repeat">
       <a:schemeClr val="lt1"/>
@@ -3387,8 +3464,10 @@
     <dgm:txEffectClrLst/>
   </dgm:styleLbl>
   <dgm:styleLbl name="asst4">
-    <dgm:fillClrLst meth="repeat">
-      <a:schemeClr val="accent1"/>
+    <dgm:fillClrLst>
+      <a:schemeClr val="accent2">
+        <a:alpha val="50000"/>
+      </a:schemeClr>
     </dgm:fillClrLst>
     <dgm:linClrLst meth="repeat">
       <a:schemeClr val="lt1"/>
@@ -3400,71 +3479,79 @@
   </dgm:styleLbl>
   <dgm:styleLbl name="parChTrans2D1">
     <dgm:fillClrLst meth="repeat">
-      <a:schemeClr val="accent1">
-        <a:tint val="60000"/>
+      <a:schemeClr val="accent2">
+        <a:shade val="80000"/>
       </a:schemeClr>
     </dgm:fillClrLst>
     <dgm:linClrLst meth="repeat">
-      <a:schemeClr val="accent1">
-        <a:tint val="60000"/>
+      <a:schemeClr val="accent2">
+        <a:shade val="80000"/>
       </a:schemeClr>
     </dgm:linClrLst>
     <dgm:effectClrLst/>
     <dgm:txLinClrLst/>
-    <dgm:txFillClrLst meth="repeat">
-      <a:schemeClr val="lt1"/>
-    </dgm:txFillClrLst>
+    <dgm:txFillClrLst/>
     <dgm:txEffectClrLst/>
   </dgm:styleLbl>
   <dgm:styleLbl name="parChTrans2D2">
     <dgm:fillClrLst meth="repeat">
-      <a:schemeClr val="accent1"/>
+      <a:schemeClr val="accent2">
+        <a:tint val="90000"/>
+      </a:schemeClr>
     </dgm:fillClrLst>
     <dgm:linClrLst meth="repeat">
-      <a:schemeClr val="accent1"/>
-    </dgm:linClrLst>
-    <dgm:effectClrLst/>
-    <dgm:txLinClrLst/>
-    <dgm:txFillClrLst meth="repeat">
-      <a:schemeClr val="lt1"/>
-    </dgm:txFillClrLst>
+      <a:schemeClr val="accent2">
+        <a:tint val="90000"/>
+      </a:schemeClr>
+    </dgm:linClrLst>
+    <dgm:effectClrLst/>
+    <dgm:txLinClrLst/>
+    <dgm:txFillClrLst/>
     <dgm:txEffectClrLst/>
   </dgm:styleLbl>
   <dgm:styleLbl name="parChTrans2D3">
     <dgm:fillClrLst meth="repeat">
-      <a:schemeClr val="accent1"/>
+      <a:schemeClr val="accent2">
+        <a:tint val="70000"/>
+      </a:schemeClr>
     </dgm:fillClrLst>
     <dgm:linClrLst meth="repeat">
-      <a:schemeClr val="accent1"/>
-    </dgm:linClrLst>
-    <dgm:effectClrLst/>
-    <dgm:txLinClrLst/>
-    <dgm:txFillClrLst meth="repeat">
-      <a:schemeClr val="lt1"/>
-    </dgm:txFillClrLst>
+      <a:schemeClr val="accent2">
+        <a:tint val="70000"/>
+      </a:schemeClr>
+    </dgm:linClrLst>
+    <dgm:effectClrLst/>
+    <dgm:txLinClrLst/>
+    <dgm:txFillClrLst/>
     <dgm:txEffectClrLst/>
   </dgm:styleLbl>
   <dgm:styleLbl name="parChTrans2D4">
     <dgm:fillClrLst meth="repeat">
-      <a:schemeClr val="accent1"/>
+      <a:schemeClr val="accent2">
+        <a:tint val="50000"/>
+      </a:schemeClr>
     </dgm:fillClrLst>
     <dgm:linClrLst meth="repeat">
-      <a:schemeClr val="accent1"/>
+      <a:schemeClr val="accent2">
+        <a:tint val="50000"/>
+      </a:schemeClr>
     </dgm:linClrLst>
     <dgm:effectClrLst/>
     <dgm:txLinClrLst/>
     <dgm:txFillClrLst meth="repeat">
-      <a:schemeClr val="lt1"/>
+      <a:schemeClr val="dk1"/>
     </dgm:txFillClrLst>
     <dgm:txEffectClrLst/>
   </dgm:styleLbl>
   <dgm:styleLbl name="parChTrans1D1">
     <dgm:fillClrLst meth="repeat">
-      <a:schemeClr val="accent1"/>
+      <a:schemeClr val="accent2">
+        <a:shade val="80000"/>
+      </a:schemeClr>
     </dgm:fillClrLst>
     <dgm:linClrLst meth="repeat">
-      <a:schemeClr val="accent1">
-        <a:shade val="60000"/>
+      <a:schemeClr val="accent2">
+        <a:shade val="80000"/>
       </a:schemeClr>
     </dgm:linClrLst>
     <dgm:effectClrLst/>
@@ -3476,11 +3563,13 @@
   </dgm:styleLbl>
   <dgm:styleLbl name="parChTrans1D2">
     <dgm:fillClrLst meth="repeat">
-      <a:schemeClr val="accent1"/>
+      <a:schemeClr val="accent2">
+        <a:tint val="90000"/>
+      </a:schemeClr>
     </dgm:fillClrLst>
     <dgm:linClrLst meth="repeat">
-      <a:schemeClr val="accent1">
-        <a:shade val="60000"/>
+      <a:schemeClr val="accent2">
+        <a:tint val="90000"/>
       </a:schemeClr>
     </dgm:linClrLst>
     <dgm:effectClrLst/>
@@ -3492,11 +3581,13 @@
   </dgm:styleLbl>
   <dgm:styleLbl name="parChTrans1D3">
     <dgm:fillClrLst meth="repeat">
-      <a:schemeClr val="accent1"/>
+      <a:schemeClr val="accent2">
+        <a:tint val="70000"/>
+      </a:schemeClr>
     </dgm:fillClrLst>
     <dgm:linClrLst meth="repeat">
-      <a:schemeClr val="accent1">
-        <a:shade val="80000"/>
+      <a:schemeClr val="accent2">
+        <a:tint val="70000"/>
       </a:schemeClr>
     </dgm:linClrLst>
     <dgm:effectClrLst/>
@@ -3508,11 +3599,13 @@
   </dgm:styleLbl>
   <dgm:styleLbl name="parChTrans1D4">
     <dgm:fillClrLst meth="repeat">
-      <a:schemeClr val="accent1"/>
+      <a:schemeClr val="accent2">
+        <a:tint val="50000"/>
+      </a:schemeClr>
     </dgm:fillClrLst>
     <dgm:linClrLst meth="repeat">
-      <a:schemeClr val="accent1">
-        <a:shade val="80000"/>
+      <a:schemeClr val="accent2">
+        <a:tint val="50000"/>
       </a:schemeClr>
     </dgm:linClrLst>
     <dgm:effectClrLst/>
@@ -3528,8 +3621,13 @@
         <a:alpha val="90000"/>
       </a:schemeClr>
     </dgm:fillClrLst>
-    <dgm:linClrLst meth="repeat">
-      <a:schemeClr val="accent1"/>
+    <dgm:linClrLst>
+      <a:schemeClr val="accent2">
+        <a:alpha val="90000"/>
+      </a:schemeClr>
+      <a:schemeClr val="accent2">
+        <a:alpha val="50000"/>
+      </a:schemeClr>
     </dgm:linClrLst>
     <dgm:effectClrLst/>
     <dgm:txLinClrLst/>
@@ -3544,8 +3642,13 @@
         <a:alpha val="90000"/>
       </a:schemeClr>
     </dgm:fillClrLst>
-    <dgm:linClrLst meth="repeat">
-      <a:schemeClr val="accent1"/>
+    <dgm:linClrLst>
+      <a:schemeClr val="accent2">
+        <a:alpha val="90000"/>
+      </a:schemeClr>
+      <a:schemeClr val="accent2">
+        <a:alpha val="50000"/>
+      </a:schemeClr>
     </dgm:linClrLst>
     <dgm:effectClrLst/>
     <dgm:txLinClrLst/>
@@ -3560,8 +3663,13 @@
         <a:alpha val="90000"/>
       </a:schemeClr>
     </dgm:fillClrLst>
-    <dgm:linClrLst meth="repeat">
-      <a:schemeClr val="accent1"/>
+    <dgm:linClrLst>
+      <a:schemeClr val="accent2">
+        <a:alpha val="90000"/>
+      </a:schemeClr>
+      <a:schemeClr val="accent2">
+        <a:alpha val="50000"/>
+      </a:schemeClr>
     </dgm:linClrLst>
     <dgm:effectClrLst/>
     <dgm:txLinClrLst/>
@@ -3576,8 +3684,13 @@
         <a:alpha val="40000"/>
       </a:schemeClr>
     </dgm:fillClrLst>
-    <dgm:linClrLst meth="repeat">
-      <a:schemeClr val="accent1"/>
+    <dgm:linClrLst>
+      <a:schemeClr val="accent2">
+        <a:alpha val="90000"/>
+      </a:schemeClr>
+      <a:schemeClr val="accent2">
+        <a:alpha val="50000"/>
+      </a:schemeClr>
     </dgm:linClrLst>
     <dgm:effectClrLst/>
     <dgm:txLinClrLst/>
@@ -3592,8 +3705,13 @@
         <a:alpha val="90000"/>
       </a:schemeClr>
     </dgm:fillClrLst>
-    <dgm:linClrLst meth="repeat">
-      <a:schemeClr val="accent1"/>
+    <dgm:linClrLst>
+      <a:schemeClr val="accent2">
+        <a:alpha val="90000"/>
+      </a:schemeClr>
+      <a:schemeClr val="accent2">
+        <a:alpha val="50000"/>
+      </a:schemeClr>
     </dgm:linClrLst>
     <dgm:effectClrLst/>
     <dgm:txLinClrLst/>
@@ -3606,8 +3724,13 @@
     <dgm:fillClrLst meth="repeat">
       <a:schemeClr val="lt1"/>
     </dgm:fillClrLst>
-    <dgm:linClrLst meth="repeat">
-      <a:schemeClr val="accent1"/>
+    <dgm:linClrLst>
+      <a:schemeClr val="accent2">
+        <a:alpha val="90000"/>
+      </a:schemeClr>
+      <a:schemeClr val="accent2">
+        <a:alpha val="50000"/>
+      </a:schemeClr>
     </dgm:linClrLst>
     <dgm:effectClrLst/>
     <dgm:txLinClrLst/>
@@ -3621,7 +3744,7 @@
       <a:schemeClr val="lt1"/>
     </dgm:fillClrLst>
     <dgm:linClrLst meth="repeat">
-      <a:schemeClr val="accent1"/>
+      <a:schemeClr val="accent2"/>
     </dgm:linClrLst>
     <dgm:effectClrLst/>
     <dgm:txLinClrLst/>
@@ -3635,7 +3758,7 @@
       <a:schemeClr val="lt1"/>
     </dgm:fillClrLst>
     <dgm:linClrLst meth="repeat">
-      <a:schemeClr val="accent1"/>
+      <a:schemeClr val="accent2"/>
     </dgm:linClrLst>
     <dgm:effectClrLst/>
     <dgm:txLinClrLst/>
@@ -3645,14 +3768,18 @@
     <dgm:txEffectClrLst/>
   </dgm:styleLbl>
   <dgm:styleLbl name="fgAccFollowNode1">
-    <dgm:fillClrLst meth="repeat">
-      <a:schemeClr val="accent1">
+    <dgm:fillClrLst>
+      <a:schemeClr val="accent2">
         <a:alpha val="90000"/>
         <a:tint val="40000"/>
       </a:schemeClr>
+      <a:schemeClr val="accent2">
+        <a:alpha val="50000"/>
+        <a:tint val="40000"/>
+      </a:schemeClr>
     </dgm:fillClrLst>
     <dgm:linClrLst meth="repeat">
-      <a:schemeClr val="accent1">
+      <a:schemeClr val="accent2">
         <a:alpha val="90000"/>
         <a:tint val="40000"/>
       </a:schemeClr>
@@ -3666,13 +3793,13 @@
   </dgm:styleLbl>
   <dgm:styleLbl name="alignAccFollowNode1">
     <dgm:fillClrLst meth="repeat">
-      <a:schemeClr val="accent1">
+      <a:schemeClr val="accent2">
         <a:alpha val="90000"/>
         <a:tint val="40000"/>
       </a:schemeClr>
     </dgm:fillClrLst>
     <dgm:linClrLst meth="repeat">
-      <a:schemeClr val="accent1">
+      <a:schemeClr val="accent2">
         <a:alpha val="90000"/>
         <a:tint val="40000"/>
       </a:schemeClr>
@@ -3686,16 +3813,13 @@
   </dgm:styleLbl>
   <dgm:styleLbl name="bgAccFollowNode1">
     <dgm:fillClrLst meth="repeat">
-      <a:schemeClr val="accent1">
+      <a:schemeClr val="accent2">
         <a:alpha val="90000"/>
         <a:tint val="40000"/>
       </a:schemeClr>
     </dgm:fillClrLst>
     <dgm:linClrLst meth="repeat">
-      <a:schemeClr val="accent1">
-        <a:alpha val="90000"/>
-        <a:tint val="40000"/>
-      </a:schemeClr>
+      <a:schemeClr val="lt1"/>
     </dgm:linClrLst>
     <dgm:effectClrLst/>
     <dgm:txLinClrLst/>
@@ -3711,7 +3835,9 @@
       </a:schemeClr>
     </dgm:fillClrLst>
     <dgm:linClrLst meth="repeat">
-      <a:schemeClr val="accent1"/>
+      <a:schemeClr val="accent2">
+        <a:shade val="80000"/>
+      </a:schemeClr>
     </dgm:linClrLst>
     <dgm:effectClrLst/>
     <dgm:txLinClrLst/>
@@ -3727,7 +3853,9 @@
       </a:schemeClr>
     </dgm:fillClrLst>
     <dgm:linClrLst meth="repeat">
-      <a:schemeClr val="accent1"/>
+      <a:schemeClr val="accent2">
+        <a:tint val="90000"/>
+      </a:schemeClr>
     </dgm:linClrLst>
     <dgm:effectClrLst/>
     <dgm:txLinClrLst/>
@@ -3743,7 +3871,9 @@
       </a:schemeClr>
     </dgm:fillClrLst>
     <dgm:linClrLst meth="repeat">
-      <a:schemeClr val="accent1"/>
+      <a:schemeClr val="accent2">
+        <a:tint val="70000"/>
+      </a:schemeClr>
     </dgm:linClrLst>
     <dgm:effectClrLst/>
     <dgm:txLinClrLst/>
@@ -3759,7 +3889,9 @@
       </a:schemeClr>
     </dgm:fillClrLst>
     <dgm:linClrLst meth="repeat">
-      <a:schemeClr val="accent1"/>
+      <a:schemeClr val="accent2">
+        <a:tint val="50000"/>
+      </a:schemeClr>
     </dgm:linClrLst>
     <dgm:effectClrLst/>
     <dgm:txLinClrLst/>
@@ -3770,12 +3902,12 @@
   </dgm:styleLbl>
   <dgm:styleLbl name="bgShp">
     <dgm:fillClrLst meth="repeat">
-      <a:schemeClr val="accent1">
+      <a:schemeClr val="accent2">
         <a:tint val="40000"/>
       </a:schemeClr>
     </dgm:fillClrLst>
     <dgm:linClrLst meth="repeat">
-      <a:schemeClr val="accent1"/>
+      <a:schemeClr val="dk1"/>
     </dgm:linClrLst>
     <dgm:effectClrLst/>
     <dgm:txLinClrLst/>
@@ -3786,12 +3918,12 @@
   </dgm:styleLbl>
   <dgm:styleLbl name="dkBgShp">
     <dgm:fillClrLst meth="repeat">
-      <a:schemeClr val="accent1">
-        <a:shade val="80000"/>
+      <a:schemeClr val="accent2">
+        <a:shade val="90000"/>
       </a:schemeClr>
     </dgm:fillClrLst>
     <dgm:linClrLst meth="repeat">
-      <a:schemeClr val="accent1"/>
+      <a:schemeClr val="dk1"/>
     </dgm:linClrLst>
     <dgm:effectClrLst/>
     <dgm:txLinClrLst/>
@@ -3802,13 +3934,13 @@
   </dgm:styleLbl>
   <dgm:styleLbl name="trBgShp">
     <dgm:fillClrLst meth="repeat">
-      <a:schemeClr val="accent1">
+      <a:schemeClr val="accent2">
         <a:tint val="50000"/>
         <a:alpha val="40000"/>
       </a:schemeClr>
     </dgm:fillClrLst>
     <dgm:linClrLst meth="repeat">
-      <a:schemeClr val="accent1"/>
+      <a:schemeClr val="accent2"/>
     </dgm:linClrLst>
     <dgm:effectClrLst/>
     <dgm:txLinClrLst/>
@@ -3819,8 +3951,8 @@
   </dgm:styleLbl>
   <dgm:styleLbl name="fgShp">
     <dgm:fillClrLst meth="repeat">
-      <a:schemeClr val="accent1">
-        <a:tint val="60000"/>
+      <a:schemeClr val="accent2">
+        <a:tint val="40000"/>
       </a:schemeClr>
     </dgm:fillClrLst>
     <dgm:linClrLst meth="repeat">
@@ -5340,7 +5472,7 @@
   <dgm:whole/>
   <dgm:extLst>
     <a:ext uri="http://schemas.microsoft.com/office/drawing/2008/diagram">
-      <dsp:dataModelExt xmlns="" xmlns:dsp="http://schemas.microsoft.com/office/drawing/2008/diagram" relId="rId6" minVer="http://schemas.openxmlformats.org/drawingml/2006/diagram"/>
+      <dsp:dataModelExt xmlns:dsp="http://schemas.microsoft.com/office/drawing/2008/diagram" xmlns="" relId="rId6" minVer="http://schemas.openxmlformats.org/drawingml/2006/diagram"/>
     </a:ext>
   </dgm:extLst>
 </dgm:dataModel>
@@ -5876,7 +6008,7 @@
   <dgm:whole/>
   <dgm:extLst>
     <a:ext uri="http://schemas.microsoft.com/office/drawing/2008/diagram">
-      <dsp:dataModelExt xmlns="" xmlns:dsp="http://schemas.microsoft.com/office/drawing/2008/diagram" relId="rId6" minVer="http://schemas.openxmlformats.org/drawingml/2006/diagram"/>
+      <dsp:dataModelExt xmlns:dsp="http://schemas.microsoft.com/office/drawing/2008/diagram" xmlns="" relId="rId6" minVer="http://schemas.openxmlformats.org/drawingml/2006/diagram"/>
     </a:ext>
   </dgm:extLst>
 </dgm:dataModel>
@@ -7237,7 +7369,7 @@
   <dgm:whole/>
   <dgm:extLst>
     <a:ext uri="http://schemas.microsoft.com/office/drawing/2008/diagram">
-      <dsp:dataModelExt xmlns="" xmlns:dsp="http://schemas.microsoft.com/office/drawing/2008/diagram" relId="rId6" minVer="http://schemas.openxmlformats.org/drawingml/2006/diagram"/>
+      <dsp:dataModelExt xmlns:dsp="http://schemas.microsoft.com/office/drawing/2008/diagram" xmlns="" relId="rId6" minVer="http://schemas.openxmlformats.org/drawingml/2006/diagram"/>
     </a:ext>
   </dgm:extLst>
 </dgm:dataModel>
@@ -7289,7 +7421,11 @@
     </dgm:pt>
     <dgm:pt modelId="{E68D9850-B3A4-4979-A4D0-E3D401A29AB5}" type="sibTrans" cxnId="{F52A89F1-D611-4436-8916-14DEFBEAC79D}">
       <dgm:prSet/>
-      <dgm:spPr/>
+      <dgm:spPr>
+        <a:solidFill>
+          <a:srgbClr val="00B0F0"/>
+        </a:solidFill>
+      </dgm:spPr>
       <dgm:t>
         <a:bodyPr/>
         <a:lstStyle/>
@@ -7326,7 +7462,11 @@
     </dgm:pt>
     <dgm:pt modelId="{CFF97A55-CF3E-4E1D-AF04-5A3631D6CB6D}" type="sibTrans" cxnId="{C9D8935F-6C23-483A-8258-A9CABF3C76B0}">
       <dgm:prSet/>
-      <dgm:spPr/>
+      <dgm:spPr>
+        <a:solidFill>
+          <a:srgbClr val="00B0F0"/>
+        </a:solidFill>
+      </dgm:spPr>
       <dgm:t>
         <a:bodyPr/>
         <a:lstStyle/>
@@ -7380,10 +7520,10 @@
         <a:lstStyle/>
         <a:p>
           <a:r>
-            <a:rPr lang="pt-BR" sz="2400" b="1" dirty="0" smtClean="0"/>
+            <a:rPr lang="pt-BR" sz="2000" b="1" dirty="0" smtClean="0"/>
             <a:t>Processa de solicitações de usuário</a:t>
           </a:r>
-          <a:endParaRPr lang="pt-BR" sz="2400" b="1" dirty="0"/>
+          <a:endParaRPr lang="pt-BR" sz="2000" b="1" dirty="0"/>
         </a:p>
       </dgm:t>
     </dgm:pt>
@@ -7417,10 +7557,10 @@
         <a:lstStyle/>
         <a:p>
           <a:r>
-            <a:rPr lang="pt-BR" sz="2400" b="1" dirty="0" smtClean="0"/>
+            <a:rPr lang="pt-BR" sz="2000" b="1" dirty="0" smtClean="0"/>
             <a:t>Dispositivo de conexão com sistema</a:t>
           </a:r>
-          <a:endParaRPr lang="pt-BR" sz="2400" b="1" dirty="0">
+          <a:endParaRPr lang="pt-BR" sz="2000" b="1" dirty="0">
             <a:solidFill>
               <a:srgbClr val="66FFFF"/>
             </a:solidFill>
@@ -7458,10 +7598,10 @@
         <a:lstStyle/>
         <a:p>
           <a:r>
-            <a:rPr lang="pt-BR" sz="2400" b="1" dirty="0" smtClean="0"/>
+            <a:rPr lang="pt-BR" sz="2000" b="1" dirty="0" smtClean="0"/>
             <a:t>Ambiente de servidor de dados</a:t>
           </a:r>
-          <a:endParaRPr lang="pt-BR" sz="2400" b="1" dirty="0">
+          <a:endParaRPr lang="pt-BR" sz="2000" b="1" dirty="0">
             <a:solidFill>
               <a:srgbClr val="66FFFF"/>
             </a:solidFill>
@@ -7537,7 +7677,7 @@
       </dgm:t>
     </dgm:pt>
     <dgm:pt modelId="{0485A0FB-C96E-42E5-BCAA-9C72A8F02D43}" type="pres">
-      <dgm:prSet presAssocID="{7DFE07BF-9A88-4152-9E58-09C9E20DB3CE}" presName="parSh" presStyleLbl="node1" presStyleIdx="0" presStyleCnt="3" custScaleX="118442" custScaleY="119776" custLinFactNeighborX="580" custLinFactNeighborY="-24051"/>
+      <dgm:prSet presAssocID="{7DFE07BF-9A88-4152-9E58-09C9E20DB3CE}" presName="parSh" presStyleLbl="node1" presStyleIdx="0" presStyleCnt="3" custScaleX="118442" custScaleY="236077" custLinFactNeighborX="580" custLinFactNeighborY="-24051"/>
       <dgm:spPr/>
       <dgm:t>
         <a:bodyPr/>
@@ -7548,7 +7688,7 @@
       </dgm:t>
     </dgm:pt>
     <dgm:pt modelId="{01AD925A-7CA7-4489-9AE4-70C9408355AF}" type="pres">
-      <dgm:prSet presAssocID="{7DFE07BF-9A88-4152-9E58-09C9E20DB3CE}" presName="desTx" presStyleLbl="fgAcc1" presStyleIdx="0" presStyleCnt="3" custScaleX="123543">
+      <dgm:prSet presAssocID="{7DFE07BF-9A88-4152-9E58-09C9E20DB3CE}" presName="desTx" presStyleLbl="fgAcc1" presStyleIdx="0" presStyleCnt="3" custScaleX="123543" custScaleY="150979">
         <dgm:presLayoutVars>
           <dgm:bulletEnabled val="1"/>
         </dgm:presLayoutVars>
@@ -7563,9 +7703,9 @@
       </dgm:t>
     </dgm:pt>
     <dgm:pt modelId="{9986BED9-1E6C-4CA8-9EA5-87820C541D88}" type="pres">
-      <dgm:prSet presAssocID="{E68D9850-B3A4-4979-A4D0-E3D401A29AB5}" presName="sibTrans" presStyleLbl="sibTrans2D1" presStyleIdx="0" presStyleCnt="2" custScaleX="148110"/>
+      <dgm:prSet presAssocID="{E68D9850-B3A4-4979-A4D0-E3D401A29AB5}" presName="sibTrans" presStyleLbl="sibTrans2D1" presStyleIdx="0" presStyleCnt="2" custScaleX="96916" custLinFactNeighborX="-12010" custLinFactNeighborY="-36455"/>
       <dgm:spPr>
-        <a:prstGeom prst="leftRightArrow">
+        <a:prstGeom prst="leftArrow">
           <a:avLst/>
         </a:prstGeom>
       </dgm:spPr>
@@ -7617,7 +7757,7 @@
       </dgm:t>
     </dgm:pt>
     <dgm:pt modelId="{6F0A5B10-B2E3-4C10-8EF4-E66809BE6F24}" type="pres">
-      <dgm:prSet presAssocID="{3865D5FF-DA00-4906-B6F5-07C839464584}" presName="parSh" presStyleLbl="node1" presStyleIdx="1" presStyleCnt="3" custScaleX="129382" custScaleY="119776" custLinFactNeighborX="-469" custLinFactNeighborY="-24051"/>
+      <dgm:prSet presAssocID="{3865D5FF-DA00-4906-B6F5-07C839464584}" presName="parSh" presStyleLbl="node1" presStyleIdx="1" presStyleCnt="3" custScaleX="129382" custScaleY="236478" custLinFactNeighborX="-469" custLinFactNeighborY="-24051"/>
       <dgm:spPr/>
       <dgm:t>
         <a:bodyPr/>
@@ -7628,7 +7768,7 @@
       </dgm:t>
     </dgm:pt>
     <dgm:pt modelId="{F26C71D2-1B5B-43C3-9D83-12F332E90749}" type="pres">
-      <dgm:prSet presAssocID="{3865D5FF-DA00-4906-B6F5-07C839464584}" presName="desTx" presStyleLbl="fgAcc1" presStyleIdx="1" presStyleCnt="3" custScaleX="123543">
+      <dgm:prSet presAssocID="{3865D5FF-DA00-4906-B6F5-07C839464584}" presName="desTx" presStyleLbl="fgAcc1" presStyleIdx="1" presStyleCnt="3" custScaleX="123543" custScaleY="155340">
         <dgm:presLayoutVars>
           <dgm:bulletEnabled val="1"/>
         </dgm:presLayoutVars>
@@ -7643,9 +7783,9 @@
       </dgm:t>
     </dgm:pt>
     <dgm:pt modelId="{6426DFE0-48C9-4067-B292-3D8AAA497A0A}" type="pres">
-      <dgm:prSet presAssocID="{CFF97A55-CF3E-4E1D-AF04-5A3631D6CB6D}" presName="sibTrans" presStyleLbl="sibTrans2D1" presStyleIdx="1" presStyleCnt="2" custScaleX="148110"/>
+      <dgm:prSet presAssocID="{CFF97A55-CF3E-4E1D-AF04-5A3631D6CB6D}" presName="sibTrans" presStyleLbl="sibTrans2D1" presStyleIdx="1" presStyleCnt="2" custScaleX="96916" custLinFactNeighborX="-311" custLinFactNeighborY="-48388"/>
       <dgm:spPr>
-        <a:prstGeom prst="leftRightArrow">
+        <a:prstGeom prst="leftArrow">
           <a:avLst/>
         </a:prstGeom>
       </dgm:spPr>
@@ -7697,7 +7837,7 @@
       </dgm:t>
     </dgm:pt>
     <dgm:pt modelId="{0C769A1E-767C-46A7-9C71-600FC05CC6D4}" type="pres">
-      <dgm:prSet presAssocID="{F3A2DAB8-2AB9-419A-82D3-D743A16978C8}" presName="parSh" presStyleLbl="node1" presStyleIdx="2" presStyleCnt="3" custScaleX="127427" custScaleY="119776" custLinFactNeighborX="-469" custLinFactNeighborY="-24051"/>
+      <dgm:prSet presAssocID="{F3A2DAB8-2AB9-419A-82D3-D743A16978C8}" presName="parSh" presStyleLbl="node1" presStyleIdx="2" presStyleCnt="3" custScaleX="127427" custScaleY="223911" custLinFactNeighborX="3846" custLinFactNeighborY="-28233"/>
       <dgm:spPr/>
       <dgm:t>
         <a:bodyPr/>
@@ -7708,7 +7848,7 @@
       </dgm:t>
     </dgm:pt>
     <dgm:pt modelId="{F28562CB-6812-4937-94DD-6D3F41B217CE}" type="pres">
-      <dgm:prSet presAssocID="{F3A2DAB8-2AB9-419A-82D3-D743A16978C8}" presName="desTx" presStyleLbl="fgAcc1" presStyleIdx="2" presStyleCnt="3" custScaleX="123543">
+      <dgm:prSet presAssocID="{F3A2DAB8-2AB9-419A-82D3-D743A16978C8}" presName="desTx" presStyleLbl="fgAcc1" presStyleIdx="2" presStyleCnt="3" custScaleX="123543" custScaleY="152060" custLinFactNeighborX="2604" custLinFactNeighborY="-1460">
         <dgm:presLayoutVars>
           <dgm:bulletEnabled val="1"/>
         </dgm:presLayoutVars>
@@ -7724,26 +7864,26 @@
     </dgm:pt>
   </dgm:ptLst>
   <dgm:cxnLst>
+    <dgm:cxn modelId="{782E63EF-2A81-4D45-87AA-DB7355AC4F6C}" type="presOf" srcId="{7DFE07BF-9A88-4152-9E58-09C9E20DB3CE}" destId="{0485A0FB-C96E-42E5-BCAA-9C72A8F02D43}" srcOrd="1" destOrd="0" presId="urn:microsoft.com/office/officeart/2005/8/layout/process3"/>
+    <dgm:cxn modelId="{4DDC4302-FA95-4815-9D86-E44346A96A9B}" type="presOf" srcId="{F3A2DAB8-2AB9-419A-82D3-D743A16978C8}" destId="{0C769A1E-767C-46A7-9C71-600FC05CC6D4}" srcOrd="1" destOrd="0" presId="urn:microsoft.com/office/officeart/2005/8/layout/process3"/>
+    <dgm:cxn modelId="{6A637A3B-899C-4509-8ECC-0083D16EC93D}" type="presOf" srcId="{80BADE98-2C43-40D5-937A-874A1B627145}" destId="{F28562CB-6812-4937-94DD-6D3F41B217CE}" srcOrd="0" destOrd="0" presId="urn:microsoft.com/office/officeart/2005/8/layout/process3"/>
+    <dgm:cxn modelId="{D058A61E-2631-4792-87A9-3570D8D2DB0F}" srcId="{3865D5FF-DA00-4906-B6F5-07C839464584}" destId="{2F3DF7DE-E5C9-4440-80D1-538313244BE6}" srcOrd="0" destOrd="0" parTransId="{3C0BC7DD-F66C-4719-92AE-5E9E7825604D}" sibTransId="{4569B2FB-90CA-4536-9206-69C81C9FC0BD}"/>
+    <dgm:cxn modelId="{53E53B73-2F4A-414E-A392-96DA5283A4BE}" type="presOf" srcId="{2F3DF7DE-E5C9-4440-80D1-538313244BE6}" destId="{F26C71D2-1B5B-43C3-9D83-12F332E90749}" srcOrd="0" destOrd="0" presId="urn:microsoft.com/office/officeart/2005/8/layout/process3"/>
+    <dgm:cxn modelId="{E685725A-434D-4735-82BC-F1784D89BEC7}" type="presOf" srcId="{F3A2DAB8-2AB9-419A-82D3-D743A16978C8}" destId="{5F67B61D-1890-4707-AC93-F90C8402B758}" srcOrd="0" destOrd="0" presId="urn:microsoft.com/office/officeart/2005/8/layout/process3"/>
+    <dgm:cxn modelId="{C98F67F6-2098-448B-8A63-E2EF5CDFB1A0}" type="presOf" srcId="{E68D9850-B3A4-4979-A4D0-E3D401A29AB5}" destId="{9986BED9-1E6C-4CA8-9EA5-87820C541D88}" srcOrd="0" destOrd="0" presId="urn:microsoft.com/office/officeart/2005/8/layout/process3"/>
+    <dgm:cxn modelId="{F52A89F1-D611-4436-8916-14DEFBEAC79D}" srcId="{4412B91F-CF8D-4A42-83DF-7CDCCDA80F7D}" destId="{7DFE07BF-9A88-4152-9E58-09C9E20DB3CE}" srcOrd="0" destOrd="0" parTransId="{F2C6A117-64F1-4ED9-9C2B-9510107D76CB}" sibTransId="{E68D9850-B3A4-4979-A4D0-E3D401A29AB5}"/>
+    <dgm:cxn modelId="{2C7BD933-2580-4498-859B-2952411ACC5F}" type="presOf" srcId="{7DFE07BF-9A88-4152-9E58-09C9E20DB3CE}" destId="{0135851C-059A-4F41-A717-89AAE1AEB50F}" srcOrd="0" destOrd="0" presId="urn:microsoft.com/office/officeart/2005/8/layout/process3"/>
+    <dgm:cxn modelId="{81BAC1B0-D183-4179-9A55-029F538E675D}" srcId="{F3A2DAB8-2AB9-419A-82D3-D743A16978C8}" destId="{80BADE98-2C43-40D5-937A-874A1B627145}" srcOrd="0" destOrd="0" parTransId="{61694F4E-3BB3-4806-8315-F9C9DE55D766}" sibTransId="{1B940CC1-D5C1-4465-A2E5-B629FA2D9A4E}"/>
+    <dgm:cxn modelId="{4A7FA099-9464-4ACD-A790-6102C1584AD1}" srcId="{4412B91F-CF8D-4A42-83DF-7CDCCDA80F7D}" destId="{F3A2DAB8-2AB9-419A-82D3-D743A16978C8}" srcOrd="2" destOrd="0" parTransId="{62C15E06-9F1B-4472-A7B4-FEFADBC7E807}" sibTransId="{401344D0-ED0B-4340-9FCD-FF07FE375E6C}"/>
     <dgm:cxn modelId="{2ABFC505-761D-4C13-A6CB-CE0854F9D0DE}" type="presOf" srcId="{3865D5FF-DA00-4906-B6F5-07C839464584}" destId="{6F0A5B10-B2E3-4C10-8EF4-E66809BE6F24}" srcOrd="1" destOrd="0" presId="urn:microsoft.com/office/officeart/2005/8/layout/process3"/>
-    <dgm:cxn modelId="{81BAC1B0-D183-4179-9A55-029F538E675D}" srcId="{F3A2DAB8-2AB9-419A-82D3-D743A16978C8}" destId="{80BADE98-2C43-40D5-937A-874A1B627145}" srcOrd="0" destOrd="0" parTransId="{61694F4E-3BB3-4806-8315-F9C9DE55D766}" sibTransId="{1B940CC1-D5C1-4465-A2E5-B629FA2D9A4E}"/>
-    <dgm:cxn modelId="{782E63EF-2A81-4D45-87AA-DB7355AC4F6C}" type="presOf" srcId="{7DFE07BF-9A88-4152-9E58-09C9E20DB3CE}" destId="{0485A0FB-C96E-42E5-BCAA-9C72A8F02D43}" srcOrd="1" destOrd="0" presId="urn:microsoft.com/office/officeart/2005/8/layout/process3"/>
+    <dgm:cxn modelId="{C9D8935F-6C23-483A-8258-A9CABF3C76B0}" srcId="{4412B91F-CF8D-4A42-83DF-7CDCCDA80F7D}" destId="{3865D5FF-DA00-4906-B6F5-07C839464584}" srcOrd="1" destOrd="0" parTransId="{49FB8D0F-E70F-4A66-9F99-3E0F33864CA6}" sibTransId="{CFF97A55-CF3E-4E1D-AF04-5A3631D6CB6D}"/>
+    <dgm:cxn modelId="{97E23C99-380C-4A30-95A7-A9D36BE51A4C}" type="presOf" srcId="{CFF97A55-CF3E-4E1D-AF04-5A3631D6CB6D}" destId="{ADB6516E-958F-4D77-964F-7E73D0745BE8}" srcOrd="1" destOrd="0" presId="urn:microsoft.com/office/officeart/2005/8/layout/process3"/>
+    <dgm:cxn modelId="{98AD3F7A-F57A-4E45-BC55-D4C0412273B8}" type="presOf" srcId="{CFF97A55-CF3E-4E1D-AF04-5A3631D6CB6D}" destId="{6426DFE0-48C9-4067-B292-3D8AAA497A0A}" srcOrd="0" destOrd="0" presId="urn:microsoft.com/office/officeart/2005/8/layout/process3"/>
+    <dgm:cxn modelId="{63B84C71-06A5-460D-8652-797129A28122}" type="presOf" srcId="{E68D9850-B3A4-4979-A4D0-E3D401A29AB5}" destId="{E4A5A372-2D69-40DC-9020-A18D4ABB5405}" srcOrd="1" destOrd="0" presId="urn:microsoft.com/office/officeart/2005/8/layout/process3"/>
+    <dgm:cxn modelId="{5CB851DE-B309-4D32-BF02-58D05478E534}" srcId="{7DFE07BF-9A88-4152-9E58-09C9E20DB3CE}" destId="{7F7E1F91-F6F4-48A9-B4FA-337B2EBD2C9A}" srcOrd="0" destOrd="0" parTransId="{0796D45F-4D57-413D-A4BB-33573B2F1CF3}" sibTransId="{0FC519C8-F4CD-4D2A-B852-2C233866BAF3}"/>
     <dgm:cxn modelId="{F0F87E19-8628-4C4C-8EFA-948B72ABC85D}" type="presOf" srcId="{4412B91F-CF8D-4A42-83DF-7CDCCDA80F7D}" destId="{CC0EE527-85CD-48F3-B644-D95743DA8B8E}" srcOrd="0" destOrd="0" presId="urn:microsoft.com/office/officeart/2005/8/layout/process3"/>
-    <dgm:cxn modelId="{63B84C71-06A5-460D-8652-797129A28122}" type="presOf" srcId="{E68D9850-B3A4-4979-A4D0-E3D401A29AB5}" destId="{E4A5A372-2D69-40DC-9020-A18D4ABB5405}" srcOrd="1" destOrd="0" presId="urn:microsoft.com/office/officeart/2005/8/layout/process3"/>
-    <dgm:cxn modelId="{F52A89F1-D611-4436-8916-14DEFBEAC79D}" srcId="{4412B91F-CF8D-4A42-83DF-7CDCCDA80F7D}" destId="{7DFE07BF-9A88-4152-9E58-09C9E20DB3CE}" srcOrd="0" destOrd="0" parTransId="{F2C6A117-64F1-4ED9-9C2B-9510107D76CB}" sibTransId="{E68D9850-B3A4-4979-A4D0-E3D401A29AB5}"/>
-    <dgm:cxn modelId="{4DDC4302-FA95-4815-9D86-E44346A96A9B}" type="presOf" srcId="{F3A2DAB8-2AB9-419A-82D3-D743A16978C8}" destId="{0C769A1E-767C-46A7-9C71-600FC05CC6D4}" srcOrd="1" destOrd="0" presId="urn:microsoft.com/office/officeart/2005/8/layout/process3"/>
-    <dgm:cxn modelId="{2C7BD933-2580-4498-859B-2952411ACC5F}" type="presOf" srcId="{7DFE07BF-9A88-4152-9E58-09C9E20DB3CE}" destId="{0135851C-059A-4F41-A717-89AAE1AEB50F}" srcOrd="0" destOrd="0" presId="urn:microsoft.com/office/officeart/2005/8/layout/process3"/>
-    <dgm:cxn modelId="{5CB851DE-B309-4D32-BF02-58D05478E534}" srcId="{7DFE07BF-9A88-4152-9E58-09C9E20DB3CE}" destId="{7F7E1F91-F6F4-48A9-B4FA-337B2EBD2C9A}" srcOrd="0" destOrd="0" parTransId="{0796D45F-4D57-413D-A4BB-33573B2F1CF3}" sibTransId="{0FC519C8-F4CD-4D2A-B852-2C233866BAF3}"/>
-    <dgm:cxn modelId="{C98F67F6-2098-448B-8A63-E2EF5CDFB1A0}" type="presOf" srcId="{E68D9850-B3A4-4979-A4D0-E3D401A29AB5}" destId="{9986BED9-1E6C-4CA8-9EA5-87820C541D88}" srcOrd="0" destOrd="0" presId="urn:microsoft.com/office/officeart/2005/8/layout/process3"/>
-    <dgm:cxn modelId="{6A637A3B-899C-4509-8ECC-0083D16EC93D}" type="presOf" srcId="{80BADE98-2C43-40D5-937A-874A1B627145}" destId="{F28562CB-6812-4937-94DD-6D3F41B217CE}" srcOrd="0" destOrd="0" presId="urn:microsoft.com/office/officeart/2005/8/layout/process3"/>
-    <dgm:cxn modelId="{53E53B73-2F4A-414E-A392-96DA5283A4BE}" type="presOf" srcId="{2F3DF7DE-E5C9-4440-80D1-538313244BE6}" destId="{F26C71D2-1B5B-43C3-9D83-12F332E90749}" srcOrd="0" destOrd="0" presId="urn:microsoft.com/office/officeart/2005/8/layout/process3"/>
-    <dgm:cxn modelId="{4A7FA099-9464-4ACD-A790-6102C1584AD1}" srcId="{4412B91F-CF8D-4A42-83DF-7CDCCDA80F7D}" destId="{F3A2DAB8-2AB9-419A-82D3-D743A16978C8}" srcOrd="2" destOrd="0" parTransId="{62C15E06-9F1B-4472-A7B4-FEFADBC7E807}" sibTransId="{401344D0-ED0B-4340-9FCD-FF07FE375E6C}"/>
-    <dgm:cxn modelId="{E685725A-434D-4735-82BC-F1784D89BEC7}" type="presOf" srcId="{F3A2DAB8-2AB9-419A-82D3-D743A16978C8}" destId="{5F67B61D-1890-4707-AC93-F90C8402B758}" srcOrd="0" destOrd="0" presId="urn:microsoft.com/office/officeart/2005/8/layout/process3"/>
-    <dgm:cxn modelId="{C9D8935F-6C23-483A-8258-A9CABF3C76B0}" srcId="{4412B91F-CF8D-4A42-83DF-7CDCCDA80F7D}" destId="{3865D5FF-DA00-4906-B6F5-07C839464584}" srcOrd="1" destOrd="0" parTransId="{49FB8D0F-E70F-4A66-9F99-3E0F33864CA6}" sibTransId="{CFF97A55-CF3E-4E1D-AF04-5A3631D6CB6D}"/>
+    <dgm:cxn modelId="{54A84918-B1E5-42A4-934B-54B333BEFA14}" type="presOf" srcId="{3865D5FF-DA00-4906-B6F5-07C839464584}" destId="{E0453C94-1B77-4126-81A7-EE21FDBFFF1D}" srcOrd="0" destOrd="0" presId="urn:microsoft.com/office/officeart/2005/8/layout/process3"/>
     <dgm:cxn modelId="{F7B76B57-E0F7-4B01-B1E4-456EB3A552E6}" type="presOf" srcId="{7F7E1F91-F6F4-48A9-B4FA-337B2EBD2C9A}" destId="{01AD925A-7CA7-4489-9AE4-70C9408355AF}" srcOrd="0" destOrd="0" presId="urn:microsoft.com/office/officeart/2005/8/layout/process3"/>
-    <dgm:cxn modelId="{54A84918-B1E5-42A4-934B-54B333BEFA14}" type="presOf" srcId="{3865D5FF-DA00-4906-B6F5-07C839464584}" destId="{E0453C94-1B77-4126-81A7-EE21FDBFFF1D}" srcOrd="0" destOrd="0" presId="urn:microsoft.com/office/officeart/2005/8/layout/process3"/>
-    <dgm:cxn modelId="{98AD3F7A-F57A-4E45-BC55-D4C0412273B8}" type="presOf" srcId="{CFF97A55-CF3E-4E1D-AF04-5A3631D6CB6D}" destId="{6426DFE0-48C9-4067-B292-3D8AAA497A0A}" srcOrd="0" destOrd="0" presId="urn:microsoft.com/office/officeart/2005/8/layout/process3"/>
-    <dgm:cxn modelId="{D058A61E-2631-4792-87A9-3570D8D2DB0F}" srcId="{3865D5FF-DA00-4906-B6F5-07C839464584}" destId="{2F3DF7DE-E5C9-4440-80D1-538313244BE6}" srcOrd="0" destOrd="0" parTransId="{3C0BC7DD-F66C-4719-92AE-5E9E7825604D}" sibTransId="{4569B2FB-90CA-4536-9206-69C81C9FC0BD}"/>
-    <dgm:cxn modelId="{97E23C99-380C-4A30-95A7-A9D36BE51A4C}" type="presOf" srcId="{CFF97A55-CF3E-4E1D-AF04-5A3631D6CB6D}" destId="{ADB6516E-958F-4D77-964F-7E73D0745BE8}" srcOrd="1" destOrd="0" presId="urn:microsoft.com/office/officeart/2005/8/layout/process3"/>
     <dgm:cxn modelId="{EC7650D3-7D57-4DD6-BE23-B52713BBC6B1}" type="presParOf" srcId="{CC0EE527-85CD-48F3-B644-D95743DA8B8E}" destId="{77B2758C-7769-4628-AD70-3783AE199BD2}" srcOrd="0" destOrd="0" presId="urn:microsoft.com/office/officeart/2005/8/layout/process3"/>
     <dgm:cxn modelId="{2DF3BF4C-E0CD-42D4-8AD5-D1292590E932}" type="presParOf" srcId="{77B2758C-7769-4628-AD70-3783AE199BD2}" destId="{0135851C-059A-4F41-A717-89AAE1AEB50F}" srcOrd="0" destOrd="0" presId="urn:microsoft.com/office/officeart/2005/8/layout/process3"/>
     <dgm:cxn modelId="{4EA38216-8BA1-48E5-9623-3C6A04305534}" type="presParOf" srcId="{77B2758C-7769-4628-AD70-3783AE199BD2}" destId="{0485A0FB-C96E-42E5-BCAA-9C72A8F02D43}" srcOrd="1" destOrd="0" presId="urn:microsoft.com/office/officeart/2005/8/layout/process3"/>
@@ -7765,7 +7905,7 @@
   <dgm:whole/>
   <dgm:extLst>
     <a:ext uri="http://schemas.microsoft.com/office/drawing/2008/diagram">
-      <dsp:dataModelExt xmlns="" xmlns:dsp="http://schemas.microsoft.com/office/drawing/2008/diagram" relId="rId6" minVer="http://schemas.openxmlformats.org/drawingml/2006/diagram"/>
+      <dsp:dataModelExt xmlns:dsp="http://schemas.microsoft.com/office/drawing/2008/diagram" xmlns="" relId="rId6" minVer="http://schemas.openxmlformats.org/drawingml/2006/diagram"/>
     </a:ext>
   </dgm:extLst>
 </dgm:dataModel>
@@ -7775,7 +7915,7 @@
 <dgm:dataModel xmlns:dgm="http://schemas.openxmlformats.org/drawingml/2006/diagram" xmlns:a="http://schemas.openxmlformats.org/drawingml/2006/main">
   <dgm:ptLst>
     <dgm:pt modelId="{D4F2E4FB-49BF-4721-8707-3457AAE0EB88}" type="doc">
-      <dgm:prSet loTypeId="urn:microsoft.com/office/officeart/2005/8/layout/radial5" loCatId="relationship" qsTypeId="urn:microsoft.com/office/officeart/2005/8/quickstyle/simple1" qsCatId="simple" csTypeId="urn:microsoft.com/office/officeart/2005/8/colors/accent1_2" csCatId="accent1" phldr="1"/>
+      <dgm:prSet loTypeId="urn:microsoft.com/office/officeart/2005/8/layout/radial1" loCatId="relationship" qsTypeId="urn:microsoft.com/office/officeart/2005/8/quickstyle/3d1" qsCatId="3D" csTypeId="urn:microsoft.com/office/officeart/2005/8/colors/accent2_5" csCatId="accent2" phldr="1"/>
       <dgm:spPr/>
       <dgm:t>
         <a:bodyPr/>
@@ -7793,10 +7933,18 @@
         <a:lstStyle/>
         <a:p>
           <a:r>
-            <a:rPr lang="pt-BR" sz="1400" dirty="0" smtClean="0"/>
+            <a:rPr lang="pt-BR" sz="2400" b="1" dirty="0" smtClean="0">
+              <a:solidFill>
+                <a:srgbClr val="FFFF00"/>
+              </a:solidFill>
+            </a:rPr>
             <a:t>Paróquia</a:t>
           </a:r>
-          <a:endParaRPr lang="pt-BR" sz="1400" dirty="0"/>
+          <a:endParaRPr lang="pt-BR" sz="2400" b="1" dirty="0">
+            <a:solidFill>
+              <a:srgbClr val="FFFF00"/>
+            </a:solidFill>
+          </a:endParaRPr>
         </a:p>
       </dgm:t>
     </dgm:pt>
@@ -7823,13 +7971,25 @@
       </dgm:t>
     </dgm:pt>
     <dgm:pt modelId="{47D5C472-6F40-4426-8E86-BCB2F2BD330B}">
-      <dgm:prSet phldrT="[Texto]" phldr="1" custT="1"/>
+      <dgm:prSet phldrT="[Texto]" custT="1"/>
       <dgm:spPr/>
       <dgm:t>
         <a:bodyPr/>
         <a:lstStyle/>
         <a:p>
-          <a:endParaRPr lang="pt-BR" sz="1400" dirty="0"/>
+          <a:r>
+            <a:rPr lang="pt-BR" sz="1800" b="1" dirty="0" smtClean="0">
+              <a:solidFill>
+                <a:srgbClr val="66FFFF"/>
+              </a:solidFill>
+            </a:rPr>
+            <a:t>Ação solidária</a:t>
+          </a:r>
+          <a:endParaRPr lang="pt-BR" sz="1800" b="1" dirty="0">
+            <a:solidFill>
+              <a:srgbClr val="66FFFF"/>
+            </a:solidFill>
+          </a:endParaRPr>
         </a:p>
       </dgm:t>
     </dgm:pt>
@@ -7856,13 +8016,25 @@
       </dgm:t>
     </dgm:pt>
     <dgm:pt modelId="{31E1C8DB-A788-4C7C-8E35-369521C571A2}">
-      <dgm:prSet phldrT="[Texto]" phldr="1" custT="1"/>
+      <dgm:prSet phldrT="[Texto]" custT="1"/>
       <dgm:spPr/>
       <dgm:t>
         <a:bodyPr/>
         <a:lstStyle/>
         <a:p>
-          <a:endParaRPr lang="pt-BR" sz="1400" dirty="0"/>
+          <a:r>
+            <a:rPr lang="pt-BR" sz="1800" b="1" dirty="0" smtClean="0">
+              <a:solidFill>
+                <a:srgbClr val="66FFFF"/>
+              </a:solidFill>
+            </a:rPr>
+            <a:t>Outros</a:t>
+          </a:r>
+          <a:endParaRPr lang="pt-BR" sz="1800" b="1" dirty="0">
+            <a:solidFill>
+              <a:srgbClr val="66FFFF"/>
+            </a:solidFill>
+          </a:endParaRPr>
         </a:p>
       </dgm:t>
     </dgm:pt>
@@ -7888,72 +8060,6 @@
         </a:p>
       </dgm:t>
     </dgm:pt>
-    <dgm:pt modelId="{597E7FEA-0A6D-4074-A2A0-EDBE84388C7A}">
-      <dgm:prSet phldrT="[Texto]" phldr="1" custT="1"/>
-      <dgm:spPr/>
-      <dgm:t>
-        <a:bodyPr/>
-        <a:lstStyle/>
-        <a:p>
-          <a:endParaRPr lang="pt-BR" sz="1400"/>
-        </a:p>
-      </dgm:t>
-    </dgm:pt>
-    <dgm:pt modelId="{C9CB2A3C-AA8A-4C63-ADAF-BB4A990106BF}" type="parTrans" cxnId="{DB098DF9-4AC3-48C4-BC74-3A1AFF298A39}">
-      <dgm:prSet/>
-      <dgm:spPr/>
-      <dgm:t>
-        <a:bodyPr/>
-        <a:lstStyle/>
-        <a:p>
-          <a:endParaRPr lang="pt-BR"/>
-        </a:p>
-      </dgm:t>
-    </dgm:pt>
-    <dgm:pt modelId="{78A577AF-6145-4A2C-8D9E-BB70A9BDA682}" type="sibTrans" cxnId="{DB098DF9-4AC3-48C4-BC74-3A1AFF298A39}">
-      <dgm:prSet/>
-      <dgm:spPr/>
-      <dgm:t>
-        <a:bodyPr/>
-        <a:lstStyle/>
-        <a:p>
-          <a:endParaRPr lang="pt-BR"/>
-        </a:p>
-      </dgm:t>
-    </dgm:pt>
-    <dgm:pt modelId="{E65E6258-30CC-439C-9E12-987FB207C0BA}">
-      <dgm:prSet phldrT="[Texto]" phldr="1" custT="1"/>
-      <dgm:spPr/>
-      <dgm:t>
-        <a:bodyPr/>
-        <a:lstStyle/>
-        <a:p>
-          <a:endParaRPr lang="pt-BR" sz="1400" dirty="0"/>
-        </a:p>
-      </dgm:t>
-    </dgm:pt>
-    <dgm:pt modelId="{88E727E9-53A4-4E95-A459-039A49E93B44}" type="parTrans" cxnId="{B7E99F65-BDD3-4DC8-BA59-474161888B08}">
-      <dgm:prSet/>
-      <dgm:spPr/>
-      <dgm:t>
-        <a:bodyPr/>
-        <a:lstStyle/>
-        <a:p>
-          <a:endParaRPr lang="pt-BR"/>
-        </a:p>
-      </dgm:t>
-    </dgm:pt>
-    <dgm:pt modelId="{C1A9E9C8-E1E8-41AC-8025-94E945EC2819}" type="sibTrans" cxnId="{B7E99F65-BDD3-4DC8-BA59-474161888B08}">
-      <dgm:prSet/>
-      <dgm:spPr/>
-      <dgm:t>
-        <a:bodyPr/>
-        <a:lstStyle/>
-        <a:p>
-          <a:endParaRPr lang="pt-BR"/>
-        </a:p>
-      </dgm:t>
-    </dgm:pt>
     <dgm:pt modelId="{600CB5D7-2D85-4AF5-BB05-4A1B86521FA2}">
       <dgm:prSet phldrT="[Texto]" custT="1"/>
       <dgm:spPr/>
@@ -7961,7 +8067,19 @@
         <a:bodyPr/>
         <a:lstStyle/>
         <a:p>
-          <a:endParaRPr lang="pt-BR" sz="1400" dirty="0"/>
+          <a:r>
+            <a:rPr lang="pt-BR" sz="1800" b="1" dirty="0" smtClean="0">
+              <a:solidFill>
+                <a:srgbClr val="66FFFF"/>
+              </a:solidFill>
+            </a:rPr>
+            <a:t>Catequese</a:t>
+          </a:r>
+          <a:endParaRPr lang="pt-BR" sz="1800" b="1" dirty="0">
+            <a:solidFill>
+              <a:srgbClr val="66FFFF"/>
+            </a:solidFill>
+          </a:endParaRPr>
         </a:p>
       </dgm:t>
     </dgm:pt>
@@ -7987,8 +8105,53 @@
         </a:p>
       </dgm:t>
     </dgm:pt>
-    <dgm:pt modelId="{6A9D9649-AA51-48D6-B507-7AEDD979430C}" type="pres">
-      <dgm:prSet presAssocID="{D4F2E4FB-49BF-4721-8707-3457AAE0EB88}" presName="Name0" presStyleCnt="0">
+    <dgm:pt modelId="{D9DDF621-EEE4-4358-AA21-46B98A42D9DB}">
+      <dgm:prSet phldrT="[Texto]" custT="1"/>
+      <dgm:spPr/>
+      <dgm:t>
+        <a:bodyPr/>
+        <a:lstStyle/>
+        <a:p>
+          <a:r>
+            <a:rPr lang="pt-BR" sz="1800" b="1" dirty="0" smtClean="0">
+              <a:solidFill>
+                <a:srgbClr val="66FFFF"/>
+              </a:solidFill>
+            </a:rPr>
+            <a:t>Pastoral familiar	</a:t>
+          </a:r>
+          <a:endParaRPr lang="pt-BR" sz="1800" b="1" dirty="0">
+            <a:solidFill>
+              <a:srgbClr val="66FFFF"/>
+            </a:solidFill>
+          </a:endParaRPr>
+        </a:p>
+      </dgm:t>
+    </dgm:pt>
+    <dgm:pt modelId="{DFD30755-1B35-4D9D-A38B-63A7E0D8C714}" type="sibTrans" cxnId="{C4940F3D-B9E6-4660-AB57-C285341B7D63}">
+      <dgm:prSet/>
+      <dgm:spPr/>
+      <dgm:t>
+        <a:bodyPr/>
+        <a:lstStyle/>
+        <a:p>
+          <a:endParaRPr lang="pt-BR"/>
+        </a:p>
+      </dgm:t>
+    </dgm:pt>
+    <dgm:pt modelId="{5A7674B0-C2E4-49D2-A32B-4525CF9180F8}" type="parTrans" cxnId="{C4940F3D-B9E6-4660-AB57-C285341B7D63}">
+      <dgm:prSet/>
+      <dgm:spPr/>
+      <dgm:t>
+        <a:bodyPr/>
+        <a:lstStyle/>
+        <a:p>
+          <a:endParaRPr lang="pt-BR"/>
+        </a:p>
+      </dgm:t>
+    </dgm:pt>
+    <dgm:pt modelId="{8BE509CE-6CEB-456E-98AB-071E9798BBE6}" type="pres">
+      <dgm:prSet presAssocID="{D4F2E4FB-49BF-4721-8707-3457AAE0EB88}" presName="cycle" presStyleCnt="0">
         <dgm:presLayoutVars>
           <dgm:chMax val="1"/>
           <dgm:dir/>
@@ -8005,8 +8168,8 @@
         </a:p>
       </dgm:t>
     </dgm:pt>
-    <dgm:pt modelId="{18F2EB1D-555E-470E-B78B-9F32BC1302F0}" type="pres">
-      <dgm:prSet presAssocID="{9ADEF162-76FA-4A3C-8220-3CD2B3D3023E}" presName="centerShape" presStyleLbl="node0" presStyleIdx="0" presStyleCnt="1" custScaleX="123220" custScaleY="126494"/>
+    <dgm:pt modelId="{BDE3E4C7-8057-4579-B356-D9461424C263}" type="pres">
+      <dgm:prSet presAssocID="{9ADEF162-76FA-4A3C-8220-3CD2B3D3023E}" presName="centerShape" presStyleLbl="node0" presStyleIdx="0" presStyleCnt="1" custScaleX="128855"/>
       <dgm:spPr/>
       <dgm:t>
         <a:bodyPr/>
@@ -8016,8 +8179,8 @@
         </a:p>
       </dgm:t>
     </dgm:pt>
-    <dgm:pt modelId="{D858E594-9B1F-454E-812B-1D569755D339}" type="pres">
-      <dgm:prSet presAssocID="{036DF210-BB24-491F-9B05-BED9EB97CCEA}" presName="parTrans" presStyleLbl="sibTrans2D1" presStyleIdx="0" presStyleCnt="5"/>
+    <dgm:pt modelId="{DB1550D9-ABF3-4F2B-8E67-E1CEA10516E4}" type="pres">
+      <dgm:prSet presAssocID="{036DF210-BB24-491F-9B05-BED9EB97CCEA}" presName="Name9" presStyleLbl="parChTrans1D2" presStyleIdx="0" presStyleCnt="4"/>
       <dgm:spPr/>
       <dgm:t>
         <a:bodyPr/>
@@ -8027,8 +8190,8 @@
         </a:p>
       </dgm:t>
     </dgm:pt>
-    <dgm:pt modelId="{2BEFA425-F024-4BD4-B31D-0FB6C45896F7}" type="pres">
-      <dgm:prSet presAssocID="{036DF210-BB24-491F-9B05-BED9EB97CCEA}" presName="connectorText" presStyleLbl="sibTrans2D1" presStyleIdx="0" presStyleCnt="5"/>
+    <dgm:pt modelId="{A552497F-8CAD-4CCB-B8F8-AB3728F01B66}" type="pres">
+      <dgm:prSet presAssocID="{036DF210-BB24-491F-9B05-BED9EB97CCEA}" presName="connTx" presStyleLbl="parChTrans1D2" presStyleIdx="0" presStyleCnt="4"/>
       <dgm:spPr/>
       <dgm:t>
         <a:bodyPr/>
@@ -8038,8 +8201,8 @@
         </a:p>
       </dgm:t>
     </dgm:pt>
-    <dgm:pt modelId="{E0159EA0-1A5D-476D-AD51-865243B2D714}" type="pres">
-      <dgm:prSet presAssocID="{47D5C472-6F40-4426-8E86-BCB2F2BD330B}" presName="node" presStyleLbl="node1" presStyleIdx="0" presStyleCnt="5">
+    <dgm:pt modelId="{1BA1A60B-DB91-42A4-8A23-386BD88E7249}" type="pres">
+      <dgm:prSet presAssocID="{47D5C472-6F40-4426-8E86-BCB2F2BD330B}" presName="node" presStyleLbl="node1" presStyleIdx="0" presStyleCnt="4" custScaleX="128855">
         <dgm:presLayoutVars>
           <dgm:bulletEnabled val="1"/>
         </dgm:presLayoutVars>
@@ -8053,8 +8216,8 @@
         </a:p>
       </dgm:t>
     </dgm:pt>
-    <dgm:pt modelId="{9D95D45C-9B20-4A4E-AD6C-37161FDE50AF}" type="pres">
-      <dgm:prSet presAssocID="{0F4EE5F8-CE65-4C01-BA1B-62373453CD4B}" presName="parTrans" presStyleLbl="sibTrans2D1" presStyleIdx="1" presStyleCnt="5"/>
+    <dgm:pt modelId="{5301AC84-2576-4645-A3A5-CD1FD68C0D58}" type="pres">
+      <dgm:prSet presAssocID="{0F4EE5F8-CE65-4C01-BA1B-62373453CD4B}" presName="Name9" presStyleLbl="parChTrans1D2" presStyleIdx="1" presStyleCnt="4"/>
       <dgm:spPr/>
       <dgm:t>
         <a:bodyPr/>
@@ -8064,8 +8227,8 @@
         </a:p>
       </dgm:t>
     </dgm:pt>
-    <dgm:pt modelId="{FFC83820-1F59-4B99-B0E5-5EF505EF981A}" type="pres">
-      <dgm:prSet presAssocID="{0F4EE5F8-CE65-4C01-BA1B-62373453CD4B}" presName="connectorText" presStyleLbl="sibTrans2D1" presStyleIdx="1" presStyleCnt="5"/>
+    <dgm:pt modelId="{8D407620-7228-4FAB-92D6-F90D099227B7}" type="pres">
+      <dgm:prSet presAssocID="{0F4EE5F8-CE65-4C01-BA1B-62373453CD4B}" presName="connTx" presStyleLbl="parChTrans1D2" presStyleIdx="1" presStyleCnt="4"/>
       <dgm:spPr/>
       <dgm:t>
         <a:bodyPr/>
@@ -8075,8 +8238,8 @@
         </a:p>
       </dgm:t>
     </dgm:pt>
-    <dgm:pt modelId="{892AB89D-9357-4946-A690-9AB770094366}" type="pres">
-      <dgm:prSet presAssocID="{600CB5D7-2D85-4AF5-BB05-4A1B86521FA2}" presName="node" presStyleLbl="node1" presStyleIdx="1" presStyleCnt="5">
+    <dgm:pt modelId="{EE3E81F8-67F5-4149-A111-7181108DA414}" type="pres">
+      <dgm:prSet presAssocID="{600CB5D7-2D85-4AF5-BB05-4A1B86521FA2}" presName="node" presStyleLbl="node1" presStyleIdx="1" presStyleCnt="4" custScaleX="128855" custRadScaleRad="143469" custRadScaleInc="973">
         <dgm:presLayoutVars>
           <dgm:bulletEnabled val="1"/>
         </dgm:presLayoutVars>
@@ -8090,8 +8253,8 @@
         </a:p>
       </dgm:t>
     </dgm:pt>
-    <dgm:pt modelId="{8F93543A-5059-4DE8-A2FC-A99D358C55C0}" type="pres">
-      <dgm:prSet presAssocID="{5CD5CAC8-AC56-4175-8B02-D9FDE7591724}" presName="parTrans" presStyleLbl="sibTrans2D1" presStyleIdx="2" presStyleCnt="5"/>
+    <dgm:pt modelId="{E257CB2D-EE0D-470B-B5D3-13291BA657E1}" type="pres">
+      <dgm:prSet presAssocID="{5CD5CAC8-AC56-4175-8B02-D9FDE7591724}" presName="Name9" presStyleLbl="parChTrans1D2" presStyleIdx="2" presStyleCnt="4"/>
       <dgm:spPr/>
       <dgm:t>
         <a:bodyPr/>
@@ -8101,8 +8264,8 @@
         </a:p>
       </dgm:t>
     </dgm:pt>
-    <dgm:pt modelId="{63B15D18-84CC-4B8C-A7B8-9D7C87C445EE}" type="pres">
-      <dgm:prSet presAssocID="{5CD5CAC8-AC56-4175-8B02-D9FDE7591724}" presName="connectorText" presStyleLbl="sibTrans2D1" presStyleIdx="2" presStyleCnt="5"/>
+    <dgm:pt modelId="{A093D335-C5E6-4F79-8A8C-0A4517C436AF}" type="pres">
+      <dgm:prSet presAssocID="{5CD5CAC8-AC56-4175-8B02-D9FDE7591724}" presName="connTx" presStyleLbl="parChTrans1D2" presStyleIdx="2" presStyleCnt="4"/>
       <dgm:spPr/>
       <dgm:t>
         <a:bodyPr/>
@@ -8112,8 +8275,8 @@
         </a:p>
       </dgm:t>
     </dgm:pt>
-    <dgm:pt modelId="{4AE6AAFA-D59A-4F35-A5E8-C6D2EC6BBFF0}" type="pres">
-      <dgm:prSet presAssocID="{31E1C8DB-A788-4C7C-8E35-369521C571A2}" presName="node" presStyleLbl="node1" presStyleIdx="2" presStyleCnt="5">
+    <dgm:pt modelId="{863E9C95-4D35-4D80-8FF7-E34BA1AF170C}" type="pres">
+      <dgm:prSet presAssocID="{31E1C8DB-A788-4C7C-8E35-369521C571A2}" presName="node" presStyleLbl="node1" presStyleIdx="2" presStyleCnt="4" custScaleX="128855">
         <dgm:presLayoutVars>
           <dgm:bulletEnabled val="1"/>
         </dgm:presLayoutVars>
@@ -8127,8 +8290,8 @@
         </a:p>
       </dgm:t>
     </dgm:pt>
-    <dgm:pt modelId="{D32B50BC-8F9A-4A06-941D-13004E7B3F17}" type="pres">
-      <dgm:prSet presAssocID="{C9CB2A3C-AA8A-4C63-ADAF-BB4A990106BF}" presName="parTrans" presStyleLbl="sibTrans2D1" presStyleIdx="3" presStyleCnt="5"/>
+    <dgm:pt modelId="{20417B74-94E5-4840-BF37-972B8D6C451B}" type="pres">
+      <dgm:prSet presAssocID="{5A7674B0-C2E4-49D2-A32B-4525CF9180F8}" presName="Name9" presStyleLbl="parChTrans1D2" presStyleIdx="3" presStyleCnt="4"/>
       <dgm:spPr/>
       <dgm:t>
         <a:bodyPr/>
@@ -8138,8 +8301,8 @@
         </a:p>
       </dgm:t>
     </dgm:pt>
-    <dgm:pt modelId="{DA7B04D8-8B81-4E5B-97E0-2DFA07EF08B4}" type="pres">
-      <dgm:prSet presAssocID="{C9CB2A3C-AA8A-4C63-ADAF-BB4A990106BF}" presName="connectorText" presStyleLbl="sibTrans2D1" presStyleIdx="3" presStyleCnt="5"/>
+    <dgm:pt modelId="{1385A504-9932-43FD-8475-43DF1EC07135}" type="pres">
+      <dgm:prSet presAssocID="{5A7674B0-C2E4-49D2-A32B-4525CF9180F8}" presName="connTx" presStyleLbl="parChTrans1D2" presStyleIdx="3" presStyleCnt="4"/>
       <dgm:spPr/>
       <dgm:t>
         <a:bodyPr/>
@@ -8149,8 +8312,8 @@
         </a:p>
       </dgm:t>
     </dgm:pt>
-    <dgm:pt modelId="{42C28B57-95B0-4561-B729-7C55DC80C4C3}" type="pres">
-      <dgm:prSet presAssocID="{597E7FEA-0A6D-4074-A2A0-EDBE84388C7A}" presName="node" presStyleLbl="node1" presStyleIdx="3" presStyleCnt="5">
+    <dgm:pt modelId="{6B362DF4-5D96-4089-A9F0-D02ED909FA49}" type="pres">
+      <dgm:prSet presAssocID="{D9DDF621-EEE4-4358-AA21-46B98A42D9DB}" presName="node" presStyleLbl="node1" presStyleIdx="3" presStyleCnt="4" custScaleX="128855" custRadScaleRad="139273" custRadScaleInc="-1002">
         <dgm:presLayoutVars>
           <dgm:bulletEnabled val="1"/>
         </dgm:presLayoutVars>
@@ -8164,90 +8327,46 @@
         </a:p>
       </dgm:t>
     </dgm:pt>
-    <dgm:pt modelId="{BED8CFF9-57DF-415B-BFD2-F23237B98D78}" type="pres">
-      <dgm:prSet presAssocID="{88E727E9-53A4-4E95-A459-039A49E93B44}" presName="parTrans" presStyleLbl="sibTrans2D1" presStyleIdx="4" presStyleCnt="5"/>
-      <dgm:spPr/>
-      <dgm:t>
-        <a:bodyPr/>
-        <a:lstStyle/>
-        <a:p>
-          <a:endParaRPr lang="pt-BR"/>
-        </a:p>
-      </dgm:t>
-    </dgm:pt>
-    <dgm:pt modelId="{30E14BBC-7822-4D38-BD74-0C71B2A3B30C}" type="pres">
-      <dgm:prSet presAssocID="{88E727E9-53A4-4E95-A459-039A49E93B44}" presName="connectorText" presStyleLbl="sibTrans2D1" presStyleIdx="4" presStyleCnt="5"/>
-      <dgm:spPr/>
-      <dgm:t>
-        <a:bodyPr/>
-        <a:lstStyle/>
-        <a:p>
-          <a:endParaRPr lang="pt-BR"/>
-        </a:p>
-      </dgm:t>
-    </dgm:pt>
-    <dgm:pt modelId="{AE23CEE4-5E78-4BF2-A4EC-856A2ACE758E}" type="pres">
-      <dgm:prSet presAssocID="{E65E6258-30CC-439C-9E12-987FB207C0BA}" presName="node" presStyleLbl="node1" presStyleIdx="4" presStyleCnt="5">
-        <dgm:presLayoutVars>
-          <dgm:bulletEnabled val="1"/>
-        </dgm:presLayoutVars>
-      </dgm:prSet>
-      <dgm:spPr/>
-      <dgm:t>
-        <a:bodyPr/>
-        <a:lstStyle/>
-        <a:p>
-          <a:endParaRPr lang="pt-BR"/>
-        </a:p>
-      </dgm:t>
-    </dgm:pt>
   </dgm:ptLst>
   <dgm:cxnLst>
-    <dgm:cxn modelId="{7366D01B-7B1A-4F7E-8897-A92969695C89}" type="presOf" srcId="{88E727E9-53A4-4E95-A459-039A49E93B44}" destId="{BED8CFF9-57DF-415B-BFD2-F23237B98D78}" srcOrd="0" destOrd="0" presId="urn:microsoft.com/office/officeart/2005/8/layout/radial5"/>
-    <dgm:cxn modelId="{23207EC2-56B0-44E0-A6C7-84051896C37C}" type="presOf" srcId="{036DF210-BB24-491F-9B05-BED9EB97CCEA}" destId="{D858E594-9B1F-454E-812B-1D569755D339}" srcOrd="0" destOrd="0" presId="urn:microsoft.com/office/officeart/2005/8/layout/radial5"/>
-    <dgm:cxn modelId="{622C7C39-11F8-4758-9549-8841122B7ED2}" type="presOf" srcId="{31E1C8DB-A788-4C7C-8E35-369521C571A2}" destId="{4AE6AAFA-D59A-4F35-A5E8-C6D2EC6BBFF0}" srcOrd="0" destOrd="0" presId="urn:microsoft.com/office/officeart/2005/8/layout/radial5"/>
-    <dgm:cxn modelId="{89D3A26C-01B0-47D3-9792-AD7AC1141C23}" type="presOf" srcId="{0F4EE5F8-CE65-4C01-BA1B-62373453CD4B}" destId="{9D95D45C-9B20-4A4E-AD6C-37161FDE50AF}" srcOrd="0" destOrd="0" presId="urn:microsoft.com/office/officeart/2005/8/layout/radial5"/>
-    <dgm:cxn modelId="{20E80264-2731-447C-89A6-6EF6F3B07D7B}" type="presOf" srcId="{C9CB2A3C-AA8A-4C63-ADAF-BB4A990106BF}" destId="{DA7B04D8-8B81-4E5B-97E0-2DFA07EF08B4}" srcOrd="1" destOrd="0" presId="urn:microsoft.com/office/officeart/2005/8/layout/radial5"/>
-    <dgm:cxn modelId="{742A00C4-D75C-4EB9-B6C7-8556F6BF3B40}" type="presOf" srcId="{88E727E9-53A4-4E95-A459-039A49E93B44}" destId="{30E14BBC-7822-4D38-BD74-0C71B2A3B30C}" srcOrd="1" destOrd="0" presId="urn:microsoft.com/office/officeart/2005/8/layout/radial5"/>
+    <dgm:cxn modelId="{7A131CEC-AD74-4E7B-AF0B-D802B9255906}" type="presOf" srcId="{0F4EE5F8-CE65-4C01-BA1B-62373453CD4B}" destId="{8D407620-7228-4FAB-92D6-F90D099227B7}" srcOrd="1" destOrd="0" presId="urn:microsoft.com/office/officeart/2005/8/layout/radial1"/>
+    <dgm:cxn modelId="{C4940F3D-B9E6-4660-AB57-C285341B7D63}" srcId="{9ADEF162-76FA-4A3C-8220-3CD2B3D3023E}" destId="{D9DDF621-EEE4-4358-AA21-46B98A42D9DB}" srcOrd="3" destOrd="0" parTransId="{5A7674B0-C2E4-49D2-A32B-4525CF9180F8}" sibTransId="{DFD30755-1B35-4D9D-A38B-63A7E0D8C714}"/>
+    <dgm:cxn modelId="{F195A791-DD89-4913-8E1E-8DC4F82B6DC9}" srcId="{9ADEF162-76FA-4A3C-8220-3CD2B3D3023E}" destId="{47D5C472-6F40-4426-8E86-BCB2F2BD330B}" srcOrd="0" destOrd="0" parTransId="{036DF210-BB24-491F-9B05-BED9EB97CCEA}" sibTransId="{8F34451D-735F-4913-B0FC-D3B45BB4B61F}"/>
+    <dgm:cxn modelId="{A9ED23A1-5786-470F-A5CA-C597776F03B2}" type="presOf" srcId="{0F4EE5F8-CE65-4C01-BA1B-62373453CD4B}" destId="{5301AC84-2576-4645-A3A5-CD1FD68C0D58}" srcOrd="0" destOrd="0" presId="urn:microsoft.com/office/officeart/2005/8/layout/radial1"/>
+    <dgm:cxn modelId="{0AB8AA39-130D-4082-8073-DCFF557B8490}" srcId="{D4F2E4FB-49BF-4721-8707-3457AAE0EB88}" destId="{9ADEF162-76FA-4A3C-8220-3CD2B3D3023E}" srcOrd="0" destOrd="0" parTransId="{70CEE8AE-1BA1-4498-BED4-2294652E694E}" sibTransId="{8D6656CE-2472-4600-8A8A-680BB044CFF5}"/>
+    <dgm:cxn modelId="{7116AD4E-9B35-4A15-BCB9-9754894B44B5}" type="presOf" srcId="{47D5C472-6F40-4426-8E86-BCB2F2BD330B}" destId="{1BA1A60B-DB91-42A4-8A23-386BD88E7249}" srcOrd="0" destOrd="0" presId="urn:microsoft.com/office/officeart/2005/8/layout/radial1"/>
+    <dgm:cxn modelId="{58D9E769-8B60-437B-82AB-95D055889FCB}" type="presOf" srcId="{31E1C8DB-A788-4C7C-8E35-369521C571A2}" destId="{863E9C95-4D35-4D80-8FF7-E34BA1AF170C}" srcOrd="0" destOrd="0" presId="urn:microsoft.com/office/officeart/2005/8/layout/radial1"/>
+    <dgm:cxn modelId="{0E34E0B0-FDA0-4F2B-989D-96317070AD80}" type="presOf" srcId="{036DF210-BB24-491F-9B05-BED9EB97CCEA}" destId="{A552497F-8CAD-4CCB-B8F8-AB3728F01B66}" srcOrd="1" destOrd="0" presId="urn:microsoft.com/office/officeart/2005/8/layout/radial1"/>
+    <dgm:cxn modelId="{684C4FA6-FF7E-459C-971A-CEFD6A9C674A}" type="presOf" srcId="{D4F2E4FB-49BF-4721-8707-3457AAE0EB88}" destId="{8BE509CE-6CEB-456E-98AB-071E9798BBE6}" srcOrd="0" destOrd="0" presId="urn:microsoft.com/office/officeart/2005/8/layout/radial1"/>
+    <dgm:cxn modelId="{A3234599-2A1F-4705-A7DB-C8EF644A84F6}" srcId="{9ADEF162-76FA-4A3C-8220-3CD2B3D3023E}" destId="{31E1C8DB-A788-4C7C-8E35-369521C571A2}" srcOrd="2" destOrd="0" parTransId="{5CD5CAC8-AC56-4175-8B02-D9FDE7591724}" sibTransId="{78634723-FA66-4AF5-9D17-D9106FB2D70F}"/>
+    <dgm:cxn modelId="{EFE5443B-C1A1-420B-AA4A-3C37A0C2170B}" type="presOf" srcId="{9ADEF162-76FA-4A3C-8220-3CD2B3D3023E}" destId="{BDE3E4C7-8057-4579-B356-D9461424C263}" srcOrd="0" destOrd="0" presId="urn:microsoft.com/office/officeart/2005/8/layout/radial1"/>
+    <dgm:cxn modelId="{E5B6E3AE-7725-47DD-B924-3D4DEBC6C3E8}" type="presOf" srcId="{600CB5D7-2D85-4AF5-BB05-4A1B86521FA2}" destId="{EE3E81F8-67F5-4149-A111-7181108DA414}" srcOrd="0" destOrd="0" presId="urn:microsoft.com/office/officeart/2005/8/layout/radial1"/>
+    <dgm:cxn modelId="{40D7AD9B-1C74-4622-AE60-25DFA28585FA}" type="presOf" srcId="{5CD5CAC8-AC56-4175-8B02-D9FDE7591724}" destId="{E257CB2D-EE0D-470B-B5D3-13291BA657E1}" srcOrd="0" destOrd="0" presId="urn:microsoft.com/office/officeart/2005/8/layout/radial1"/>
+    <dgm:cxn modelId="{E83101D7-79EF-4C85-A348-4E8BCDA37D54}" type="presOf" srcId="{5A7674B0-C2E4-49D2-A32B-4525CF9180F8}" destId="{20417B74-94E5-4840-BF37-972B8D6C451B}" srcOrd="0" destOrd="0" presId="urn:microsoft.com/office/officeart/2005/8/layout/radial1"/>
+    <dgm:cxn modelId="{455E97C9-913A-4497-86EE-9B936815079D}" type="presOf" srcId="{5CD5CAC8-AC56-4175-8B02-D9FDE7591724}" destId="{A093D335-C5E6-4F79-8A8C-0A4517C436AF}" srcOrd="1" destOrd="0" presId="urn:microsoft.com/office/officeart/2005/8/layout/radial1"/>
+    <dgm:cxn modelId="{AADACD72-7485-403B-B92C-22E4CC629A91}" type="presOf" srcId="{036DF210-BB24-491F-9B05-BED9EB97CCEA}" destId="{DB1550D9-ABF3-4F2B-8E67-E1CEA10516E4}" srcOrd="0" destOrd="0" presId="urn:microsoft.com/office/officeart/2005/8/layout/radial1"/>
+    <dgm:cxn modelId="{8FAEEB90-7557-49E8-873F-F881FC60DAFE}" type="presOf" srcId="{5A7674B0-C2E4-49D2-A32B-4525CF9180F8}" destId="{1385A504-9932-43FD-8475-43DF1EC07135}" srcOrd="1" destOrd="0" presId="urn:microsoft.com/office/officeart/2005/8/layout/radial1"/>
     <dgm:cxn modelId="{A2C98141-733B-400B-91DC-A4454889E5AA}" srcId="{9ADEF162-76FA-4A3C-8220-3CD2B3D3023E}" destId="{600CB5D7-2D85-4AF5-BB05-4A1B86521FA2}" srcOrd="1" destOrd="0" parTransId="{0F4EE5F8-CE65-4C01-BA1B-62373453CD4B}" sibTransId="{D8ED6D04-2132-4167-966C-2933CD0F8E51}"/>
-    <dgm:cxn modelId="{0AB8AA39-130D-4082-8073-DCFF557B8490}" srcId="{D4F2E4FB-49BF-4721-8707-3457AAE0EB88}" destId="{9ADEF162-76FA-4A3C-8220-3CD2B3D3023E}" srcOrd="0" destOrd="0" parTransId="{70CEE8AE-1BA1-4498-BED4-2294652E694E}" sibTransId="{8D6656CE-2472-4600-8A8A-680BB044CFF5}"/>
-    <dgm:cxn modelId="{7442BC64-C27B-46B2-8FDA-C8CB7A69BB78}" type="presOf" srcId="{5CD5CAC8-AC56-4175-8B02-D9FDE7591724}" destId="{63B15D18-84CC-4B8C-A7B8-9D7C87C445EE}" srcOrd="1" destOrd="0" presId="urn:microsoft.com/office/officeart/2005/8/layout/radial5"/>
-    <dgm:cxn modelId="{A3234599-2A1F-4705-A7DB-C8EF644A84F6}" srcId="{9ADEF162-76FA-4A3C-8220-3CD2B3D3023E}" destId="{31E1C8DB-A788-4C7C-8E35-369521C571A2}" srcOrd="2" destOrd="0" parTransId="{5CD5CAC8-AC56-4175-8B02-D9FDE7591724}" sibTransId="{78634723-FA66-4AF5-9D17-D9106FB2D70F}"/>
-    <dgm:cxn modelId="{E76B003B-3141-48DA-8297-E3AA243031E5}" type="presOf" srcId="{D4F2E4FB-49BF-4721-8707-3457AAE0EB88}" destId="{6A9D9649-AA51-48D6-B507-7AEDD979430C}" srcOrd="0" destOrd="0" presId="urn:microsoft.com/office/officeart/2005/8/layout/radial5"/>
-    <dgm:cxn modelId="{4D528558-CCA4-4766-9340-8DBA49C0C449}" type="presOf" srcId="{E65E6258-30CC-439C-9E12-987FB207C0BA}" destId="{AE23CEE4-5E78-4BF2-A4EC-856A2ACE758E}" srcOrd="0" destOrd="0" presId="urn:microsoft.com/office/officeart/2005/8/layout/radial5"/>
-    <dgm:cxn modelId="{28AC89FC-11D9-4755-B886-3A3759AAC780}" type="presOf" srcId="{036DF210-BB24-491F-9B05-BED9EB97CCEA}" destId="{2BEFA425-F024-4BD4-B31D-0FB6C45896F7}" srcOrd="1" destOrd="0" presId="urn:microsoft.com/office/officeart/2005/8/layout/radial5"/>
-    <dgm:cxn modelId="{8F72D950-79DD-429B-81A7-418362F720F6}" type="presOf" srcId="{600CB5D7-2D85-4AF5-BB05-4A1B86521FA2}" destId="{892AB89D-9357-4946-A690-9AB770094366}" srcOrd="0" destOrd="0" presId="urn:microsoft.com/office/officeart/2005/8/layout/radial5"/>
-    <dgm:cxn modelId="{F195A791-DD89-4913-8E1E-8DC4F82B6DC9}" srcId="{9ADEF162-76FA-4A3C-8220-3CD2B3D3023E}" destId="{47D5C472-6F40-4426-8E86-BCB2F2BD330B}" srcOrd="0" destOrd="0" parTransId="{036DF210-BB24-491F-9B05-BED9EB97CCEA}" sibTransId="{8F34451D-735F-4913-B0FC-D3B45BB4B61F}"/>
-    <dgm:cxn modelId="{6E4D8FAC-DF79-4656-AACF-B63351959842}" type="presOf" srcId="{C9CB2A3C-AA8A-4C63-ADAF-BB4A990106BF}" destId="{D32B50BC-8F9A-4A06-941D-13004E7B3F17}" srcOrd="0" destOrd="0" presId="urn:microsoft.com/office/officeart/2005/8/layout/radial5"/>
-    <dgm:cxn modelId="{B6EF3246-0AA5-4CF3-8B72-C7979057E203}" type="presOf" srcId="{9ADEF162-76FA-4A3C-8220-3CD2B3D3023E}" destId="{18F2EB1D-555E-470E-B78B-9F32BC1302F0}" srcOrd="0" destOrd="0" presId="urn:microsoft.com/office/officeart/2005/8/layout/radial5"/>
-    <dgm:cxn modelId="{B760B6A1-7F60-4ADC-BA75-CB0BE4EEDB34}" type="presOf" srcId="{5CD5CAC8-AC56-4175-8B02-D9FDE7591724}" destId="{8F93543A-5059-4DE8-A2FC-A99D358C55C0}" srcOrd="0" destOrd="0" presId="urn:microsoft.com/office/officeart/2005/8/layout/radial5"/>
-    <dgm:cxn modelId="{DB098DF9-4AC3-48C4-BC74-3A1AFF298A39}" srcId="{9ADEF162-76FA-4A3C-8220-3CD2B3D3023E}" destId="{597E7FEA-0A6D-4074-A2A0-EDBE84388C7A}" srcOrd="3" destOrd="0" parTransId="{C9CB2A3C-AA8A-4C63-ADAF-BB4A990106BF}" sibTransId="{78A577AF-6145-4A2C-8D9E-BB70A9BDA682}"/>
-    <dgm:cxn modelId="{CD189AED-CAFC-49C6-B708-4C84F713FF42}" type="presOf" srcId="{47D5C472-6F40-4426-8E86-BCB2F2BD330B}" destId="{E0159EA0-1A5D-476D-AD51-865243B2D714}" srcOrd="0" destOrd="0" presId="urn:microsoft.com/office/officeart/2005/8/layout/radial5"/>
-    <dgm:cxn modelId="{B076A0DE-C14B-4C8D-AC1B-44814383AFD4}" type="presOf" srcId="{597E7FEA-0A6D-4074-A2A0-EDBE84388C7A}" destId="{42C28B57-95B0-4561-B729-7C55DC80C4C3}" srcOrd="0" destOrd="0" presId="urn:microsoft.com/office/officeart/2005/8/layout/radial5"/>
-    <dgm:cxn modelId="{B7E99F65-BDD3-4DC8-BA59-474161888B08}" srcId="{9ADEF162-76FA-4A3C-8220-3CD2B3D3023E}" destId="{E65E6258-30CC-439C-9E12-987FB207C0BA}" srcOrd="4" destOrd="0" parTransId="{88E727E9-53A4-4E95-A459-039A49E93B44}" sibTransId="{C1A9E9C8-E1E8-41AC-8025-94E945EC2819}"/>
-    <dgm:cxn modelId="{CFD51472-FE86-49A1-902F-BA2DC34B29F5}" type="presOf" srcId="{0F4EE5F8-CE65-4C01-BA1B-62373453CD4B}" destId="{FFC83820-1F59-4B99-B0E5-5EF505EF981A}" srcOrd="1" destOrd="0" presId="urn:microsoft.com/office/officeart/2005/8/layout/radial5"/>
-    <dgm:cxn modelId="{D491739B-54EC-489C-A1A7-1DBEF4DF8E38}" type="presParOf" srcId="{6A9D9649-AA51-48D6-B507-7AEDD979430C}" destId="{18F2EB1D-555E-470E-B78B-9F32BC1302F0}" srcOrd="0" destOrd="0" presId="urn:microsoft.com/office/officeart/2005/8/layout/radial5"/>
-    <dgm:cxn modelId="{5AB7F0EB-EAF7-40B7-8C32-386285178AF5}" type="presParOf" srcId="{6A9D9649-AA51-48D6-B507-7AEDD979430C}" destId="{D858E594-9B1F-454E-812B-1D569755D339}" srcOrd="1" destOrd="0" presId="urn:microsoft.com/office/officeart/2005/8/layout/radial5"/>
-    <dgm:cxn modelId="{5E5AB94B-B50E-481F-A3CF-F462EDC78FD1}" type="presParOf" srcId="{D858E594-9B1F-454E-812B-1D569755D339}" destId="{2BEFA425-F024-4BD4-B31D-0FB6C45896F7}" srcOrd="0" destOrd="0" presId="urn:microsoft.com/office/officeart/2005/8/layout/radial5"/>
-    <dgm:cxn modelId="{6B7C6AAD-0141-4C9D-8D64-FC6F6ADA9CE6}" type="presParOf" srcId="{6A9D9649-AA51-48D6-B507-7AEDD979430C}" destId="{E0159EA0-1A5D-476D-AD51-865243B2D714}" srcOrd="2" destOrd="0" presId="urn:microsoft.com/office/officeart/2005/8/layout/radial5"/>
-    <dgm:cxn modelId="{7B38FD55-A5EA-45B4-98BA-37944428E1BB}" type="presParOf" srcId="{6A9D9649-AA51-48D6-B507-7AEDD979430C}" destId="{9D95D45C-9B20-4A4E-AD6C-37161FDE50AF}" srcOrd="3" destOrd="0" presId="urn:microsoft.com/office/officeart/2005/8/layout/radial5"/>
-    <dgm:cxn modelId="{5869A8F4-1E5F-4927-8C46-158F4E332014}" type="presParOf" srcId="{9D95D45C-9B20-4A4E-AD6C-37161FDE50AF}" destId="{FFC83820-1F59-4B99-B0E5-5EF505EF981A}" srcOrd="0" destOrd="0" presId="urn:microsoft.com/office/officeart/2005/8/layout/radial5"/>
-    <dgm:cxn modelId="{D5878A1E-2FAF-42E3-9F3C-1A872474F218}" type="presParOf" srcId="{6A9D9649-AA51-48D6-B507-7AEDD979430C}" destId="{892AB89D-9357-4946-A690-9AB770094366}" srcOrd="4" destOrd="0" presId="urn:microsoft.com/office/officeart/2005/8/layout/radial5"/>
-    <dgm:cxn modelId="{FE384528-8958-4B12-819A-58DD6AA6E9F3}" type="presParOf" srcId="{6A9D9649-AA51-48D6-B507-7AEDD979430C}" destId="{8F93543A-5059-4DE8-A2FC-A99D358C55C0}" srcOrd="5" destOrd="0" presId="urn:microsoft.com/office/officeart/2005/8/layout/radial5"/>
-    <dgm:cxn modelId="{99AE9AB9-86FB-455B-A147-63ED78F5DD8F}" type="presParOf" srcId="{8F93543A-5059-4DE8-A2FC-A99D358C55C0}" destId="{63B15D18-84CC-4B8C-A7B8-9D7C87C445EE}" srcOrd="0" destOrd="0" presId="urn:microsoft.com/office/officeart/2005/8/layout/radial5"/>
-    <dgm:cxn modelId="{9E10A2CD-4CA3-4F8B-A375-8245C75B1054}" type="presParOf" srcId="{6A9D9649-AA51-48D6-B507-7AEDD979430C}" destId="{4AE6AAFA-D59A-4F35-A5E8-C6D2EC6BBFF0}" srcOrd="6" destOrd="0" presId="urn:microsoft.com/office/officeart/2005/8/layout/radial5"/>
-    <dgm:cxn modelId="{E86A992F-CF49-422A-9A2B-382F2AB45ACB}" type="presParOf" srcId="{6A9D9649-AA51-48D6-B507-7AEDD979430C}" destId="{D32B50BC-8F9A-4A06-941D-13004E7B3F17}" srcOrd="7" destOrd="0" presId="urn:microsoft.com/office/officeart/2005/8/layout/radial5"/>
-    <dgm:cxn modelId="{80B1D6F9-B73E-4D73-8538-6B96B6369400}" type="presParOf" srcId="{D32B50BC-8F9A-4A06-941D-13004E7B3F17}" destId="{DA7B04D8-8B81-4E5B-97E0-2DFA07EF08B4}" srcOrd="0" destOrd="0" presId="urn:microsoft.com/office/officeart/2005/8/layout/radial5"/>
-    <dgm:cxn modelId="{F758910C-8DB2-4B35-A4D3-97A87E1632BB}" type="presParOf" srcId="{6A9D9649-AA51-48D6-B507-7AEDD979430C}" destId="{42C28B57-95B0-4561-B729-7C55DC80C4C3}" srcOrd="8" destOrd="0" presId="urn:microsoft.com/office/officeart/2005/8/layout/radial5"/>
-    <dgm:cxn modelId="{C540D912-04C5-46FA-B744-D65458050CBC}" type="presParOf" srcId="{6A9D9649-AA51-48D6-B507-7AEDD979430C}" destId="{BED8CFF9-57DF-415B-BFD2-F23237B98D78}" srcOrd="9" destOrd="0" presId="urn:microsoft.com/office/officeart/2005/8/layout/radial5"/>
-    <dgm:cxn modelId="{4AE9697D-2422-48EC-A14A-0247DC23964E}" type="presParOf" srcId="{BED8CFF9-57DF-415B-BFD2-F23237B98D78}" destId="{30E14BBC-7822-4D38-BD74-0C71B2A3B30C}" srcOrd="0" destOrd="0" presId="urn:microsoft.com/office/officeart/2005/8/layout/radial5"/>
-    <dgm:cxn modelId="{F5528EBD-8017-4221-8757-CD6217DFFA5C}" type="presParOf" srcId="{6A9D9649-AA51-48D6-B507-7AEDD979430C}" destId="{AE23CEE4-5E78-4BF2-A4EC-856A2ACE758E}" srcOrd="10" destOrd="0" presId="urn:microsoft.com/office/officeart/2005/8/layout/radial5"/>
+    <dgm:cxn modelId="{921CFC44-4A47-479B-8F0C-6065E48672F0}" type="presOf" srcId="{D9DDF621-EEE4-4358-AA21-46B98A42D9DB}" destId="{6B362DF4-5D96-4089-A9F0-D02ED909FA49}" srcOrd="0" destOrd="0" presId="urn:microsoft.com/office/officeart/2005/8/layout/radial1"/>
+    <dgm:cxn modelId="{40B80260-4F20-4EA7-8EFC-AE7AAD1D88F9}" type="presParOf" srcId="{8BE509CE-6CEB-456E-98AB-071E9798BBE6}" destId="{BDE3E4C7-8057-4579-B356-D9461424C263}" srcOrd="0" destOrd="0" presId="urn:microsoft.com/office/officeart/2005/8/layout/radial1"/>
+    <dgm:cxn modelId="{A12562E2-62D4-4899-998B-1592CB49944E}" type="presParOf" srcId="{8BE509CE-6CEB-456E-98AB-071E9798BBE6}" destId="{DB1550D9-ABF3-4F2B-8E67-E1CEA10516E4}" srcOrd="1" destOrd="0" presId="urn:microsoft.com/office/officeart/2005/8/layout/radial1"/>
+    <dgm:cxn modelId="{64DFAA21-F50A-4B9F-A6F4-4663370C86DF}" type="presParOf" srcId="{DB1550D9-ABF3-4F2B-8E67-E1CEA10516E4}" destId="{A552497F-8CAD-4CCB-B8F8-AB3728F01B66}" srcOrd="0" destOrd="0" presId="urn:microsoft.com/office/officeart/2005/8/layout/radial1"/>
+    <dgm:cxn modelId="{6F34DF68-E6F1-4B81-9E1D-C152781186CA}" type="presParOf" srcId="{8BE509CE-6CEB-456E-98AB-071E9798BBE6}" destId="{1BA1A60B-DB91-42A4-8A23-386BD88E7249}" srcOrd="2" destOrd="0" presId="urn:microsoft.com/office/officeart/2005/8/layout/radial1"/>
+    <dgm:cxn modelId="{D1902FAD-48C4-44BB-A8B2-946D3D8C9254}" type="presParOf" srcId="{8BE509CE-6CEB-456E-98AB-071E9798BBE6}" destId="{5301AC84-2576-4645-A3A5-CD1FD68C0D58}" srcOrd="3" destOrd="0" presId="urn:microsoft.com/office/officeart/2005/8/layout/radial1"/>
+    <dgm:cxn modelId="{92C6E13F-103B-4D4F-91B2-72388AD0908B}" type="presParOf" srcId="{5301AC84-2576-4645-A3A5-CD1FD68C0D58}" destId="{8D407620-7228-4FAB-92D6-F90D099227B7}" srcOrd="0" destOrd="0" presId="urn:microsoft.com/office/officeart/2005/8/layout/radial1"/>
+    <dgm:cxn modelId="{9930AE19-BB2B-4024-80AA-90782EEFF86A}" type="presParOf" srcId="{8BE509CE-6CEB-456E-98AB-071E9798BBE6}" destId="{EE3E81F8-67F5-4149-A111-7181108DA414}" srcOrd="4" destOrd="0" presId="urn:microsoft.com/office/officeart/2005/8/layout/radial1"/>
+    <dgm:cxn modelId="{D86DADC8-C4ED-49FD-9D45-B372DB253C9D}" type="presParOf" srcId="{8BE509CE-6CEB-456E-98AB-071E9798BBE6}" destId="{E257CB2D-EE0D-470B-B5D3-13291BA657E1}" srcOrd="5" destOrd="0" presId="urn:microsoft.com/office/officeart/2005/8/layout/radial1"/>
+    <dgm:cxn modelId="{31B1443A-9D87-4730-AEF1-99B46BC2C666}" type="presParOf" srcId="{E257CB2D-EE0D-470B-B5D3-13291BA657E1}" destId="{A093D335-C5E6-4F79-8A8C-0A4517C436AF}" srcOrd="0" destOrd="0" presId="urn:microsoft.com/office/officeart/2005/8/layout/radial1"/>
+    <dgm:cxn modelId="{AEEB47F5-D0A6-46C6-B10D-F1EC9E1A90FE}" type="presParOf" srcId="{8BE509CE-6CEB-456E-98AB-071E9798BBE6}" destId="{863E9C95-4D35-4D80-8FF7-E34BA1AF170C}" srcOrd="6" destOrd="0" presId="urn:microsoft.com/office/officeart/2005/8/layout/radial1"/>
+    <dgm:cxn modelId="{12488AC7-123E-4635-A0C1-FB6EE21A24E1}" type="presParOf" srcId="{8BE509CE-6CEB-456E-98AB-071E9798BBE6}" destId="{20417B74-94E5-4840-BF37-972B8D6C451B}" srcOrd="7" destOrd="0" presId="urn:microsoft.com/office/officeart/2005/8/layout/radial1"/>
+    <dgm:cxn modelId="{CB883620-2903-4F03-8C1A-59DCDA6BB8CD}" type="presParOf" srcId="{20417B74-94E5-4840-BF37-972B8D6C451B}" destId="{1385A504-9932-43FD-8475-43DF1EC07135}" srcOrd="0" destOrd="0" presId="urn:microsoft.com/office/officeart/2005/8/layout/radial1"/>
+    <dgm:cxn modelId="{F36DC51C-BED2-416B-886E-B95628CEBD28}" type="presParOf" srcId="{8BE509CE-6CEB-456E-98AB-071E9798BBE6}" destId="{6B362DF4-5D96-4089-A9F0-D02ED909FA49}" srcOrd="8" destOrd="0" presId="urn:microsoft.com/office/officeart/2005/8/layout/radial1"/>
   </dgm:cxnLst>
   <dgm:bg/>
   <dgm:whole/>
   <dgm:extLst>
     <a:ext uri="http://schemas.microsoft.com/office/drawing/2008/diagram">
-      <dsp:dataModelExt xmlns="" xmlns:dsp="http://schemas.microsoft.com/office/drawing/2008/diagram" relId="rId6" minVer="http://schemas.openxmlformats.org/drawingml/2006/diagram"/>
+      <dsp:dataModelExt xmlns:dsp="http://schemas.microsoft.com/office/drawing/2008/diagram" xmlns="" relId="rId6" minVer="http://schemas.openxmlformats.org/drawingml/2006/diagram"/>
     </a:ext>
   </dgm:extLst>
 </dgm:dataModel>
@@ -9252,7 +9371,7 @@
   <dgm:whole/>
   <dgm:extLst>
     <a:ext uri="http://schemas.microsoft.com/office/drawing/2008/diagram">
-      <dsp:dataModelExt xmlns="" xmlns:dsp="http://schemas.microsoft.com/office/drawing/2008/diagram" relId="rId6" minVer="http://schemas.openxmlformats.org/drawingml/2006/diagram"/>
+      <dsp:dataModelExt xmlns:dsp="http://schemas.microsoft.com/office/drawing/2008/diagram" xmlns="" relId="rId6" minVer="http://schemas.openxmlformats.org/drawingml/2006/diagram"/>
     </a:ext>
   </dgm:extLst>
 </dgm:dataModel>
@@ -16686,12 +16805,12 @@
 </file>
 
 <file path=ppt/diagrams/layout5.xml><?xml version="1.0" encoding="utf-8"?>
-<dgm:layoutDef xmlns:dgm="http://schemas.openxmlformats.org/drawingml/2006/diagram" xmlns:a="http://schemas.openxmlformats.org/drawingml/2006/main" uniqueId="urn:microsoft.com/office/officeart/2005/8/layout/radial5">
+<dgm:layoutDef xmlns:dgm="http://schemas.openxmlformats.org/drawingml/2006/diagram" xmlns:a="http://schemas.openxmlformats.org/drawingml/2006/main" uniqueId="urn:microsoft.com/office/officeart/2005/8/layout/radial1">
   <dgm:title val=""/>
   <dgm:desc val=""/>
   <dgm:catLst>
-    <dgm:cat type="relationship" pri="23000"/>
-    <dgm:cat type="cycle" pri="11000"/>
+    <dgm:cat type="relationship" pri="22000"/>
+    <dgm:cat type="cycle" pri="10000"/>
   </dgm:catLst>
   <dgm:sampData>
     <dgm:dataModel>
@@ -16768,22 +16887,33 @@
       <dgm:whole/>
     </dgm:dataModel>
   </dgm:clrData>
-  <dgm:layoutNode name="Name0">
+  <dgm:layoutNode name="cycle">
     <dgm:varLst>
       <dgm:chMax val="1"/>
       <dgm:dir/>
       <dgm:animLvl val="ctr"/>
       <dgm:resizeHandles val="exact"/>
     </dgm:varLst>
-    <dgm:choose name="Name1">
-      <dgm:if name="Name2" func="var" arg="dir" op="equ" val="norm">
-        <dgm:alg type="cycle">
-          <dgm:param type="stAng" val="0"/>
-          <dgm:param type="spanAng" val="360"/>
-          <dgm:param type="ctrShpMap" val="fNode"/>
-        </dgm:alg>
+    <dgm:choose name="Name0">
+      <dgm:if name="Name1" func="var" arg="dir" op="equ" val="norm">
+        <dgm:choose name="Name2">
+          <dgm:if name="Name3" axis="ch ch" ptType="node node" st="1 1" cnt="1 0" func="cnt" op="lte" val="1">
+            <dgm:alg type="cycle">
+              <dgm:param type="stAng" val="90"/>
+              <dgm:param type="spanAng" val="360"/>
+              <dgm:param type="ctrShpMap" val="fNode"/>
+            </dgm:alg>
+          </dgm:if>
+          <dgm:else name="Name4">
+            <dgm:alg type="cycle">
+              <dgm:param type="stAng" val="0"/>
+              <dgm:param type="spanAng" val="360"/>
+              <dgm:param type="ctrShpMap" val="fNode"/>
+            </dgm:alg>
+          </dgm:else>
+        </dgm:choose>
       </dgm:if>
-      <dgm:else name="Name3">
+      <dgm:else name="Name5">
         <dgm:alg type="cycle">
           <dgm:param type="stAng" val="0"/>
           <dgm:param type="spanAng" val="-360"/>
@@ -16797,50 +16927,16 @@
     <dgm:presOf/>
     <dgm:constrLst>
       <dgm:constr type="w" for="ch" forName="centerShape" refType="w"/>
-      <dgm:constr type="w" for="ch" forName="parTrans" refType="w" refFor="ch" refForName="centerShape" fact="0.4"/>
-      <dgm:constr type="w" for="ch" forName="node" refType="w" refFor="ch" refForName="centerShape" op="equ" fact="1.25"/>
-      <dgm:constr type="sp" refType="w" refFor="ch" refForName="centerShape" op="equ" fact="0.4"/>
+      <dgm:constr type="w" for="ch" forName="node" refType="w" refFor="ch" refForName="centerShape" op="equ"/>
+      <dgm:constr type="sp" refType="w" refFor="ch" refForName="node" fact="0.3"/>
       <dgm:constr type="sibSp" refType="w" refFor="ch" refForName="node" fact="0.3"/>
       <dgm:constr type="primFontSz" for="ch" forName="centerShape" val="65"/>
       <dgm:constr type="primFontSz" for="des" forName="node" op="equ" val="65"/>
-      <dgm:constr type="primFontSz" for="des" forName="node" refType="primFontSz" refFor="ch" refForName="centerShape" op="lte"/>
-      <dgm:constr type="primFontSz" for="des" forName="connectorText" op="equ" val="55"/>
-      <dgm:constr type="primFontSz" for="des" forName="connectorText" refType="primFontSz" refFor="ch" refForName="centerShape" op="lte" fact="0.8"/>
-      <dgm:constr type="primFontSz" for="des" forName="connectorText" refType="primFontSz" refFor="des" refForName="node" op="lte"/>
+      <dgm:constr type="primFontSz" for="des" forName="connTx" val="55"/>
+      <dgm:constr type="primFontSz" for="des" forName="connTx" refType="primFontSz" refFor="ch" refForName="centerShape" op="lte" fact="0.8"/>
     </dgm:constrLst>
-    <dgm:choose name="Name4">
-      <dgm:if name="Name5" axis="ch ch" ptType="node node" st="1 1" cnt="1 0" func="cnt" op="lte" val="6">
-        <dgm:ruleLst>
-          <dgm:rule type="w" for="ch" forName="node" val="NaN" fact="1" max="NaN"/>
-        </dgm:ruleLst>
-      </dgm:if>
-      <dgm:if name="Name6" axis="ch ch" ptType="node node" st="1 1" cnt="1 0" func="cnt" op="lte" val="8">
-        <dgm:ruleLst>
-          <dgm:rule type="w" for="ch" forName="node" val="NaN" fact="0.9" max="NaN"/>
-        </dgm:ruleLst>
-      </dgm:if>
-      <dgm:if name="Name7" axis="ch ch" ptType="node node" st="1 1" cnt="1 0" func="cnt" op="lte" val="10">
-        <dgm:ruleLst>
-          <dgm:rule type="w" for="ch" forName="node" val="NaN" fact="0.8" max="NaN"/>
-        </dgm:ruleLst>
-      </dgm:if>
-      <dgm:if name="Name8" axis="ch ch" ptType="node node" st="1 1" cnt="1 0" func="cnt" op="lte" val="12">
-        <dgm:ruleLst>
-          <dgm:rule type="w" for="ch" forName="node" val="NaN" fact="0.7" max="NaN"/>
-        </dgm:ruleLst>
-      </dgm:if>
-      <dgm:if name="Name9" axis="ch ch" ptType="node node" st="1 1" cnt="1 0" func="cnt" op="lte" val="14">
-        <dgm:ruleLst>
-          <dgm:rule type="w" for="ch" forName="node" val="NaN" fact="0.6" max="NaN"/>
-        </dgm:ruleLst>
-      </dgm:if>
-      <dgm:else name="Name10">
-        <dgm:ruleLst>
-          <dgm:rule type="w" for="ch" forName="node" val="NaN" fact="0.5" max="NaN"/>
-        </dgm:ruleLst>
-      </dgm:else>
-    </dgm:choose>
-    <dgm:forEach name="Name11" axis="ch" ptType="node" cnt="1">
+    <dgm:ruleLst/>
+    <dgm:forEach name="Name6" axis="ch" ptType="node" cnt="1">
       <dgm:layoutNode name="centerShape" styleLbl="node0">
         <dgm:alg type="tx"/>
         <dgm:shape xmlns:r="http://schemas.openxmlformats.org/officeDocument/2006/relationships" type="ellipse" r:blip="">
@@ -16849,51 +16945,64 @@
         <dgm:presOf axis="self"/>
         <dgm:constrLst>
           <dgm:constr type="h" refType="w"/>
-          <dgm:constr type="tMarg" refType="primFontSz" fact="0.1"/>
-          <dgm:constr type="bMarg" refType="primFontSz" fact="0.1"/>
-          <dgm:constr type="lMarg" refType="primFontSz" fact="0.1"/>
-          <dgm:constr type="rMarg" refType="primFontSz" fact="0.1"/>
+          <dgm:constr type="tMarg" refType="primFontSz" fact="0.05"/>
+          <dgm:constr type="bMarg" refType="primFontSz" fact="0.05"/>
+          <dgm:constr type="lMarg" refType="primFontSz" fact="0.05"/>
+          <dgm:constr type="rMarg" refType="primFontSz" fact="0.05"/>
         </dgm:constrLst>
         <dgm:ruleLst>
           <dgm:rule type="primFontSz" val="5" fact="NaN" max="NaN"/>
         </dgm:ruleLst>
       </dgm:layoutNode>
-      <dgm:forEach name="Name12" axis="ch">
-        <dgm:forEach name="Name13" axis="self" ptType="parTrans">
-          <dgm:layoutNode name="parTrans" styleLbl="sibTrans2D1">
+      <dgm:forEach name="Name7" axis="ch">
+        <dgm:forEach name="Name8" axis="self" ptType="parTrans">
+          <dgm:layoutNode name="Name9">
             <dgm:alg type="conn">
+              <dgm:param type="dim" val="1D"/>
               <dgm:param type="begPts" val="auto"/>
               <dgm:param type="endPts" val="auto"/>
+              <dgm:param type="begSty" val="noArr"/>
+              <dgm:param type="endSty" val="noArr"/>
             </dgm:alg>
             <dgm:shape xmlns:r="http://schemas.openxmlformats.org/officeDocument/2006/relationships" type="conn" r:blip="">
               <dgm:adjLst/>
             </dgm:shape>
             <dgm:presOf axis="self"/>
             <dgm:constrLst>
-              <dgm:constr type="h" refType="w" fact="0.85"/>
+              <dgm:constr type="connDist"/>
+              <dgm:constr type="userA" for="ch" refType="connDist"/>
+              <dgm:constr type="w" val="1"/>
+              <dgm:constr type="h" val="5"/>
+              <dgm:constr type="begPad"/>
+              <dgm:constr type="endPad"/>
             </dgm:constrLst>
             <dgm:ruleLst/>
-            <dgm:layoutNode name="connectorText">
+            <dgm:layoutNode name="connTx">
               <dgm:alg type="tx">
                 <dgm:param type="autoTxRot" val="grav"/>
               </dgm:alg>
-              <dgm:shape xmlns:r="http://schemas.openxmlformats.org/officeDocument/2006/relationships" type="conn" r:blip="" hideGeom="1">
+              <dgm:shape xmlns:r="http://schemas.openxmlformats.org/officeDocument/2006/relationships" type="rect" r:blip="" hideGeom="1">
                 <dgm:adjLst/>
               </dgm:shape>
               <dgm:presOf axis="self"/>
               <dgm:constrLst>
-                <dgm:constr type="lMarg"/>
-                <dgm:constr type="rMarg"/>
+                <dgm:constr type="userA"/>
+                <dgm:constr type="w" refType="userA" fact="0.05"/>
+                <dgm:constr type="h" refType="userA" fact="0.05"/>
+                <dgm:constr type="lMarg" val="1"/>
+                <dgm:constr type="rMarg" val="1"/>
                 <dgm:constr type="tMarg"/>
                 <dgm:constr type="bMarg"/>
               </dgm:constrLst>
               <dgm:ruleLst>
+                <dgm:rule type="w" val="NaN" fact="0.8" max="NaN"/>
+                <dgm:rule type="h" val="NaN" fact="1" max="NaN"/>
                 <dgm:rule type="primFontSz" val="5" fact="NaN" max="NaN"/>
               </dgm:ruleLst>
             </dgm:layoutNode>
           </dgm:layoutNode>
         </dgm:forEach>
-        <dgm:forEach name="Name14" axis="self" ptType="node">
+        <dgm:forEach name="Name10" axis="self" ptType="node">
           <dgm:layoutNode name="node" styleLbl="node1">
             <dgm:varLst>
               <dgm:bulletEnabled val="1"/>
@@ -16907,13 +17016,12 @@
             <dgm:presOf axis="desOrSelf" ptType="node"/>
             <dgm:constrLst>
               <dgm:constr type="h" refType="w"/>
-              <dgm:constr type="tMarg" refType="primFontSz" fact="0.1"/>
-              <dgm:constr type="bMarg" refType="primFontSz" fact="0.1"/>
-              <dgm:constr type="lMarg" refType="primFontSz" fact="0.1"/>
-              <dgm:constr type="rMarg" refType="primFontSz" fact="0.1"/>
+              <dgm:constr type="tMarg" refType="primFontSz" fact="0.05"/>
+              <dgm:constr type="bMarg" refType="primFontSz" fact="0.05"/>
+              <dgm:constr type="lMarg" refType="primFontSz" fact="0.05"/>
+              <dgm:constr type="rMarg" refType="primFontSz" fact="0.05"/>
             </dgm:constrLst>
             <dgm:ruleLst>
-              <dgm:rule type="w" val="INF" fact="NaN" max="NaN"/>
               <dgm:rule type="primFontSz" val="5" fact="NaN" max="NaN"/>
             </dgm:ruleLst>
           </dgm:layoutNode>
@@ -21650,11 +21758,11 @@
 </file>
 
 <file path=ppt/diagrams/quickStyle5.xml><?xml version="1.0" encoding="utf-8"?>
-<dgm:styleDef xmlns:dgm="http://schemas.openxmlformats.org/drawingml/2006/diagram" xmlns:a="http://schemas.openxmlformats.org/drawingml/2006/main" uniqueId="urn:microsoft.com/office/officeart/2005/8/quickstyle/simple1">
+<dgm:styleDef xmlns:dgm="http://schemas.openxmlformats.org/drawingml/2006/diagram" xmlns:a="http://schemas.openxmlformats.org/drawingml/2006/main" uniqueId="urn:microsoft.com/office/officeart/2005/8/quickstyle/3d1">
   <dgm:title val=""/>
   <dgm:desc val=""/>
   <dgm:catLst>
-    <dgm:cat type="simple" pri="10100"/>
+    <dgm:cat type="3D" pri="11100"/>
   </dgm:catLst>
   <dgm:scene3d>
     <a:camera prst="orthographicFront"/>
@@ -21663,18 +21771,21 @@
   <dgm:styleLbl name="node0">
     <dgm:scene3d>
       <a:camera prst="orthographicFront"/>
-      <a:lightRig rig="threePt" dir="t"/>
-    </dgm:scene3d>
-    <dgm:sp3d/>
-    <dgm:txPr/>
-    <dgm:style>
-      <a:lnRef idx="2">
-        <a:scrgbClr r="0" g="0" b="0"/>
-      </a:lnRef>
-      <a:fillRef idx="1">
-        <a:scrgbClr r="0" g="0" b="0"/>
-      </a:fillRef>
-      <a:effectRef idx="0">
+      <a:lightRig rig="flat" dir="t"/>
+    </dgm:scene3d>
+    <dgm:sp3d prstMaterial="plastic">
+      <a:bevelT w="120900" h="88900"/>
+      <a:bevelB w="88900" h="31750" prst="angle"/>
+    </dgm:sp3d>
+    <dgm:txPr/>
+    <dgm:style>
+      <a:lnRef idx="0">
+        <a:scrgbClr r="0" g="0" b="0"/>
+      </a:lnRef>
+      <a:fillRef idx="3">
+        <a:scrgbClr r="0" g="0" b="0"/>
+      </a:fillRef>
+      <a:effectRef idx="2">
         <a:scrgbClr r="0" g="0" b="0"/>
       </a:effectRef>
       <a:fontRef idx="minor">
@@ -21685,18 +21796,21 @@
   <dgm:styleLbl name="lnNode1">
     <dgm:scene3d>
       <a:camera prst="orthographicFront"/>
-      <a:lightRig rig="threePt" dir="t"/>
-    </dgm:scene3d>
-    <dgm:sp3d/>
-    <dgm:txPr/>
-    <dgm:style>
-      <a:lnRef idx="2">
-        <a:scrgbClr r="0" g="0" b="0"/>
-      </a:lnRef>
-      <a:fillRef idx="1">
-        <a:scrgbClr r="0" g="0" b="0"/>
-      </a:fillRef>
-      <a:effectRef idx="0">
+      <a:lightRig rig="flat" dir="t"/>
+    </dgm:scene3d>
+    <dgm:sp3d prstMaterial="plastic">
+      <a:bevelT w="120900" h="88900"/>
+      <a:bevelB w="88900" h="31750" prst="angle"/>
+    </dgm:sp3d>
+    <dgm:txPr/>
+    <dgm:style>
+      <a:lnRef idx="0">
+        <a:scrgbClr r="0" g="0" b="0"/>
+      </a:lnRef>
+      <a:fillRef idx="3">
+        <a:scrgbClr r="0" g="0" b="0"/>
+      </a:fillRef>
+      <a:effectRef idx="1">
         <a:scrgbClr r="0" g="0" b="0"/>
       </a:effectRef>
       <a:fontRef idx="minor">
@@ -21707,18 +21821,21 @@
   <dgm:styleLbl name="vennNode1">
     <dgm:scene3d>
       <a:camera prst="orthographicFront"/>
-      <a:lightRig rig="threePt" dir="t"/>
-    </dgm:scene3d>
-    <dgm:sp3d/>
-    <dgm:txPr/>
-    <dgm:style>
-      <a:lnRef idx="2">
+      <a:lightRig rig="flat" dir="t"/>
+    </dgm:scene3d>
+    <dgm:sp3d prstMaterial="plastic">
+      <a:bevelT w="120900" h="88900"/>
+      <a:bevelB w="88900" h="31750" prst="angle"/>
+    </dgm:sp3d>
+    <dgm:txPr/>
+    <dgm:style>
+      <a:lnRef idx="0">
         <a:scrgbClr r="0" g="0" b="0"/>
       </a:lnRef>
       <a:fillRef idx="1">
         <a:scrgbClr r="0" g="0" b="0"/>
       </a:fillRef>
-      <a:effectRef idx="0">
+      <a:effectRef idx="1">
         <a:scrgbClr r="0" g="0" b="0"/>
       </a:effectRef>
       <a:fontRef idx="minor">
@@ -21729,18 +21846,21 @@
   <dgm:styleLbl name="alignNode1">
     <dgm:scene3d>
       <a:camera prst="orthographicFront"/>
-      <a:lightRig rig="threePt" dir="t"/>
-    </dgm:scene3d>
-    <dgm:sp3d/>
-    <dgm:txPr/>
-    <dgm:style>
-      <a:lnRef idx="2">
-        <a:scrgbClr r="0" g="0" b="0"/>
-      </a:lnRef>
-      <a:fillRef idx="1">
-        <a:scrgbClr r="0" g="0" b="0"/>
-      </a:fillRef>
-      <a:effectRef idx="0">
+      <a:lightRig rig="flat" dir="t"/>
+    </dgm:scene3d>
+    <dgm:sp3d prstMaterial="plastic">
+      <a:bevelT w="120900" h="88900"/>
+      <a:bevelB w="88900" h="31750" prst="angle"/>
+    </dgm:sp3d>
+    <dgm:txPr/>
+    <dgm:style>
+      <a:lnRef idx="1">
+        <a:scrgbClr r="0" g="0" b="0"/>
+      </a:lnRef>
+      <a:fillRef idx="3">
+        <a:scrgbClr r="0" g="0" b="0"/>
+      </a:fillRef>
+      <a:effectRef idx="2">
         <a:scrgbClr r="0" g="0" b="0"/>
       </a:effectRef>
       <a:fontRef idx="minor">
@@ -21751,18 +21871,21 @@
   <dgm:styleLbl name="node1">
     <dgm:scene3d>
       <a:camera prst="orthographicFront"/>
-      <a:lightRig rig="threePt" dir="t"/>
-    </dgm:scene3d>
-    <dgm:sp3d/>
-    <dgm:txPr/>
-    <dgm:style>
-      <a:lnRef idx="2">
-        <a:scrgbClr r="0" g="0" b="0"/>
-      </a:lnRef>
-      <a:fillRef idx="1">
-        <a:scrgbClr r="0" g="0" b="0"/>
-      </a:fillRef>
-      <a:effectRef idx="0">
+      <a:lightRig rig="flat" dir="t"/>
+    </dgm:scene3d>
+    <dgm:sp3d prstMaterial="plastic">
+      <a:bevelT w="120900" h="88900"/>
+      <a:bevelB w="88900" h="31750" prst="angle"/>
+    </dgm:sp3d>
+    <dgm:txPr/>
+    <dgm:style>
+      <a:lnRef idx="0">
+        <a:scrgbClr r="0" g="0" b="0"/>
+      </a:lnRef>
+      <a:fillRef idx="3">
+        <a:scrgbClr r="0" g="0" b="0"/>
+      </a:fillRef>
+      <a:effectRef idx="2">
         <a:scrgbClr r="0" g="0" b="0"/>
       </a:effectRef>
       <a:fontRef idx="minor">
@@ -21773,18 +21896,21 @@
   <dgm:styleLbl name="node2">
     <dgm:scene3d>
       <a:camera prst="orthographicFront"/>
-      <a:lightRig rig="threePt" dir="t"/>
-    </dgm:scene3d>
-    <dgm:sp3d/>
-    <dgm:txPr/>
-    <dgm:style>
-      <a:lnRef idx="2">
-        <a:scrgbClr r="0" g="0" b="0"/>
-      </a:lnRef>
-      <a:fillRef idx="1">
-        <a:scrgbClr r="0" g="0" b="0"/>
-      </a:fillRef>
-      <a:effectRef idx="0">
+      <a:lightRig rig="flat" dir="t"/>
+    </dgm:scene3d>
+    <dgm:sp3d prstMaterial="plastic">
+      <a:bevelT w="120900" h="88900"/>
+      <a:bevelB w="88900" h="31750" prst="angle"/>
+    </dgm:sp3d>
+    <dgm:txPr/>
+    <dgm:style>
+      <a:lnRef idx="0">
+        <a:scrgbClr r="0" g="0" b="0"/>
+      </a:lnRef>
+      <a:fillRef idx="3">
+        <a:scrgbClr r="0" g="0" b="0"/>
+      </a:fillRef>
+      <a:effectRef idx="1">
         <a:scrgbClr r="0" g="0" b="0"/>
       </a:effectRef>
       <a:fontRef idx="minor">
@@ -21795,18 +21921,21 @@
   <dgm:styleLbl name="node3">
     <dgm:scene3d>
       <a:camera prst="orthographicFront"/>
-      <a:lightRig rig="threePt" dir="t"/>
-    </dgm:scene3d>
-    <dgm:sp3d/>
-    <dgm:txPr/>
-    <dgm:style>
-      <a:lnRef idx="2">
-        <a:scrgbClr r="0" g="0" b="0"/>
-      </a:lnRef>
-      <a:fillRef idx="1">
-        <a:scrgbClr r="0" g="0" b="0"/>
-      </a:fillRef>
-      <a:effectRef idx="0">
+      <a:lightRig rig="flat" dir="t"/>
+    </dgm:scene3d>
+    <dgm:sp3d prstMaterial="plastic">
+      <a:bevelT w="120900" h="88900"/>
+      <a:bevelB w="88900" h="31750" prst="angle"/>
+    </dgm:sp3d>
+    <dgm:txPr/>
+    <dgm:style>
+      <a:lnRef idx="0">
+        <a:scrgbClr r="0" g="0" b="0"/>
+      </a:lnRef>
+      <a:fillRef idx="3">
+        <a:scrgbClr r="0" g="0" b="0"/>
+      </a:fillRef>
+      <a:effectRef idx="1">
         <a:scrgbClr r="0" g="0" b="0"/>
       </a:effectRef>
       <a:fontRef idx="minor">
@@ -21817,18 +21946,21 @@
   <dgm:styleLbl name="node4">
     <dgm:scene3d>
       <a:camera prst="orthographicFront"/>
-      <a:lightRig rig="threePt" dir="t"/>
-    </dgm:scene3d>
-    <dgm:sp3d/>
-    <dgm:txPr/>
-    <dgm:style>
-      <a:lnRef idx="2">
-        <a:scrgbClr r="0" g="0" b="0"/>
-      </a:lnRef>
-      <a:fillRef idx="1">
-        <a:scrgbClr r="0" g="0" b="0"/>
-      </a:fillRef>
-      <a:effectRef idx="0">
+      <a:lightRig rig="flat" dir="t"/>
+    </dgm:scene3d>
+    <dgm:sp3d prstMaterial="plastic">
+      <a:bevelT w="120900" h="88900"/>
+      <a:bevelB w="88900" h="31750" prst="angle"/>
+    </dgm:sp3d>
+    <dgm:txPr/>
+    <dgm:style>
+      <a:lnRef idx="0">
+        <a:scrgbClr r="0" g="0" b="0"/>
+      </a:lnRef>
+      <a:fillRef idx="3">
+        <a:scrgbClr r="0" g="0" b="0"/>
+      </a:fillRef>
+      <a:effectRef idx="1">
         <a:scrgbClr r="0" g="0" b="0"/>
       </a:effectRef>
       <a:fontRef idx="minor">
@@ -21839,18 +21971,21 @@
   <dgm:styleLbl name="fgImgPlace1">
     <dgm:scene3d>
       <a:camera prst="orthographicFront"/>
-      <a:lightRig rig="threePt" dir="t"/>
-    </dgm:scene3d>
-    <dgm:sp3d/>
-    <dgm:txPr/>
-    <dgm:style>
-      <a:lnRef idx="2">
-        <a:scrgbClr r="0" g="0" b="0"/>
-      </a:lnRef>
-      <a:fillRef idx="1">
-        <a:scrgbClr r="0" g="0" b="0"/>
-      </a:fillRef>
-      <a:effectRef idx="0">
+      <a:lightRig rig="flat" dir="t"/>
+    </dgm:scene3d>
+    <dgm:sp3d z="127000" prstMaterial="plastic">
+      <a:bevelT w="88900" h="88900"/>
+      <a:bevelB w="88900" h="31750" prst="angle"/>
+    </dgm:sp3d>
+    <dgm:txPr/>
+    <dgm:style>
+      <a:lnRef idx="0">
+        <a:scrgbClr r="0" g="0" b="0"/>
+      </a:lnRef>
+      <a:fillRef idx="3">
+        <a:scrgbClr r="0" g="0" b="0"/>
+      </a:fillRef>
+      <a:effectRef idx="2">
         <a:scrgbClr r="0" g="0" b="0"/>
       </a:effectRef>
       <a:fontRef idx="minor"/>
@@ -21859,18 +21994,21 @@
   <dgm:styleLbl name="alignImgPlace1">
     <dgm:scene3d>
       <a:camera prst="orthographicFront"/>
-      <a:lightRig rig="threePt" dir="t"/>
-    </dgm:scene3d>
-    <dgm:sp3d/>
-    <dgm:txPr/>
-    <dgm:style>
-      <a:lnRef idx="2">
-        <a:scrgbClr r="0" g="0" b="0"/>
-      </a:lnRef>
-      <a:fillRef idx="1">
-        <a:scrgbClr r="0" g="0" b="0"/>
-      </a:fillRef>
-      <a:effectRef idx="0">
+      <a:lightRig rig="flat" dir="t"/>
+    </dgm:scene3d>
+    <dgm:sp3d prstMaterial="plastic">
+      <a:bevelT w="88900" h="88900"/>
+      <a:bevelB w="88900" h="31750" prst="angle"/>
+    </dgm:sp3d>
+    <dgm:txPr/>
+    <dgm:style>
+      <a:lnRef idx="0">
+        <a:scrgbClr r="0" g="0" b="0"/>
+      </a:lnRef>
+      <a:fillRef idx="3">
+        <a:scrgbClr r="0" g="0" b="0"/>
+      </a:fillRef>
+      <a:effectRef idx="2">
         <a:scrgbClr r="0" g="0" b="0"/>
       </a:effectRef>
       <a:fontRef idx="minor"/>
@@ -21879,18 +22017,21 @@
   <dgm:styleLbl name="bgImgPlace1">
     <dgm:scene3d>
       <a:camera prst="orthographicFront"/>
-      <a:lightRig rig="threePt" dir="t"/>
-    </dgm:scene3d>
-    <dgm:sp3d/>
-    <dgm:txPr/>
-    <dgm:style>
-      <a:lnRef idx="2">
-        <a:scrgbClr r="0" g="0" b="0"/>
-      </a:lnRef>
-      <a:fillRef idx="1">
-        <a:scrgbClr r="0" g="0" b="0"/>
-      </a:fillRef>
-      <a:effectRef idx="0">
+      <a:lightRig rig="flat" dir="t"/>
+    </dgm:scene3d>
+    <dgm:sp3d z="-190500" prstMaterial="plastic">
+      <a:bevelT w="88900" h="88900"/>
+      <a:bevelB w="88900" h="31750" prst="angle"/>
+    </dgm:sp3d>
+    <dgm:txPr/>
+    <dgm:style>
+      <a:lnRef idx="0">
+        <a:scrgbClr r="0" g="0" b="0"/>
+      </a:lnRef>
+      <a:fillRef idx="3">
+        <a:scrgbClr r="0" g="0" b="0"/>
+      </a:fillRef>
+      <a:effectRef idx="2">
         <a:scrgbClr r="0" g="0" b="0"/>
       </a:effectRef>
       <a:fontRef idx="minor"/>
@@ -21899,18 +22040,21 @@
   <dgm:styleLbl name="sibTrans2D1">
     <dgm:scene3d>
       <a:camera prst="orthographicFront"/>
-      <a:lightRig rig="threePt" dir="t"/>
-    </dgm:scene3d>
-    <dgm:sp3d/>
+      <a:lightRig rig="flat" dir="t"/>
+    </dgm:scene3d>
+    <dgm:sp3d z="-80000" prstMaterial="plastic">
+      <a:bevelT w="50800" h="50800"/>
+      <a:bevelB w="25400" h="25400" prst="angle"/>
+    </dgm:sp3d>
     <dgm:txPr/>
     <dgm:style>
       <a:lnRef idx="0">
         <a:scrgbClr r="0" g="0" b="0"/>
       </a:lnRef>
-      <a:fillRef idx="1">
-        <a:scrgbClr r="0" g="0" b="0"/>
-      </a:fillRef>
-      <a:effectRef idx="0">
+      <a:fillRef idx="3">
+        <a:scrgbClr r="0" g="0" b="0"/>
+      </a:fillRef>
+      <a:effectRef idx="2">
         <a:scrgbClr r="0" g="0" b="0"/>
       </a:effectRef>
       <a:fontRef idx="minor">
@@ -21921,18 +22065,21 @@
   <dgm:styleLbl name="fgSibTrans2D1">
     <dgm:scene3d>
       <a:camera prst="orthographicFront"/>
-      <a:lightRig rig="threePt" dir="t"/>
-    </dgm:scene3d>
-    <dgm:sp3d/>
+      <a:lightRig rig="flat" dir="t"/>
+    </dgm:scene3d>
+    <dgm:sp3d z="127000" prstMaterial="plastic">
+      <a:bevelT w="50800" h="50800"/>
+      <a:bevelB w="25400" h="25400" prst="angle"/>
+    </dgm:sp3d>
     <dgm:txPr/>
     <dgm:style>
       <a:lnRef idx="0">
         <a:scrgbClr r="0" g="0" b="0"/>
       </a:lnRef>
-      <a:fillRef idx="1">
-        <a:scrgbClr r="0" g="0" b="0"/>
-      </a:fillRef>
-      <a:effectRef idx="0">
+      <a:fillRef idx="3">
+        <a:scrgbClr r="0" g="0" b="0"/>
+      </a:fillRef>
+      <a:effectRef idx="2">
         <a:scrgbClr r="0" g="0" b="0"/>
       </a:effectRef>
       <a:fontRef idx="minor">
@@ -21943,18 +22090,21 @@
   <dgm:styleLbl name="bgSibTrans2D1">
     <dgm:scene3d>
       <a:camera prst="orthographicFront"/>
-      <a:lightRig rig="threePt" dir="t"/>
-    </dgm:scene3d>
-    <dgm:sp3d/>
+      <a:lightRig rig="flat" dir="t"/>
+    </dgm:scene3d>
+    <dgm:sp3d z="-190500" prstMaterial="plastic">
+      <a:bevelT w="50800" h="50800"/>
+      <a:bevelB w="25400" h="25400" prst="angle"/>
+    </dgm:sp3d>
     <dgm:txPr/>
     <dgm:style>
       <a:lnRef idx="0">
         <a:scrgbClr r="0" g="0" b="0"/>
       </a:lnRef>
-      <a:fillRef idx="1">
-        <a:scrgbClr r="0" g="0" b="0"/>
-      </a:fillRef>
-      <a:effectRef idx="0">
+      <a:fillRef idx="3">
+        <a:scrgbClr r="0" g="0" b="0"/>
+      </a:fillRef>
+      <a:effectRef idx="2">
         <a:scrgbClr r="0" g="0" b="0"/>
       </a:effectRef>
       <a:fontRef idx="minor">
@@ -21965,15 +22115,35 @@
   <dgm:styleLbl name="sibTrans1D1">
     <dgm:scene3d>
       <a:camera prst="orthographicFront"/>
+      <a:lightRig rig="flat" dir="t"/>
+    </dgm:scene3d>
+    <dgm:sp3d z="-40000" prstMaterial="matte"/>
+    <dgm:txPr/>
+    <dgm:style>
+      <a:lnRef idx="1">
+        <a:scrgbClr r="0" g="0" b="0"/>
+      </a:lnRef>
+      <a:fillRef idx="0">
+        <a:scrgbClr r="0" g="0" b="0"/>
+      </a:fillRef>
+      <a:effectRef idx="0">
+        <a:scrgbClr r="0" g="0" b="0"/>
+      </a:effectRef>
+      <a:fontRef idx="minor"/>
+    </dgm:style>
+  </dgm:styleLbl>
+  <dgm:styleLbl name="callout">
+    <dgm:scene3d>
+      <a:camera prst="orthographicFront"/>
       <a:lightRig rig="threePt" dir="t"/>
     </dgm:scene3d>
-    <dgm:sp3d/>
-    <dgm:txPr/>
-    <dgm:style>
-      <a:lnRef idx="1">
-        <a:scrgbClr r="0" g="0" b="0"/>
-      </a:lnRef>
-      <a:fillRef idx="0">
+    <dgm:sp3d z="127000" prstMaterial="matte"/>
+    <dgm:txPr/>
+    <dgm:style>
+      <a:lnRef idx="2">
+        <a:scrgbClr r="0" g="0" b="0"/>
+      </a:lnRef>
+      <a:fillRef idx="1">
         <a:scrgbClr r="0" g="0" b="0"/>
       </a:fillRef>
       <a:effectRef idx="0">
@@ -21982,41 +22152,24 @@
       <a:fontRef idx="minor"/>
     </dgm:style>
   </dgm:styleLbl>
-  <dgm:styleLbl name="callout">
-    <dgm:scene3d>
-      <a:camera prst="orthographicFront"/>
-      <a:lightRig rig="threePt" dir="t"/>
-    </dgm:scene3d>
-    <dgm:sp3d/>
-    <dgm:txPr/>
-    <dgm:style>
-      <a:lnRef idx="2">
-        <a:scrgbClr r="0" g="0" b="0"/>
-      </a:lnRef>
-      <a:fillRef idx="1">
-        <a:scrgbClr r="0" g="0" b="0"/>
-      </a:fillRef>
-      <a:effectRef idx="0">
-        <a:scrgbClr r="0" g="0" b="0"/>
-      </a:effectRef>
-      <a:fontRef idx="minor"/>
-    </dgm:style>
-  </dgm:styleLbl>
   <dgm:styleLbl name="asst0">
     <dgm:scene3d>
       <a:camera prst="orthographicFront"/>
-      <a:lightRig rig="threePt" dir="t"/>
-    </dgm:scene3d>
-    <dgm:sp3d/>
-    <dgm:txPr/>
-    <dgm:style>
-      <a:lnRef idx="2">
-        <a:scrgbClr r="0" g="0" b="0"/>
-      </a:lnRef>
-      <a:fillRef idx="1">
-        <a:scrgbClr r="0" g="0" b="0"/>
-      </a:fillRef>
-      <a:effectRef idx="0">
+      <a:lightRig rig="flat" dir="t"/>
+    </dgm:scene3d>
+    <dgm:sp3d prstMaterial="plastic">
+      <a:bevelT w="120900" h="88900"/>
+      <a:bevelB w="88900" h="31750" prst="angle"/>
+    </dgm:sp3d>
+    <dgm:txPr/>
+    <dgm:style>
+      <a:lnRef idx="0">
+        <a:scrgbClr r="0" g="0" b="0"/>
+      </a:lnRef>
+      <a:fillRef idx="3">
+        <a:scrgbClr r="0" g="0" b="0"/>
+      </a:fillRef>
+      <a:effectRef idx="1">
         <a:scrgbClr r="0" g="0" b="0"/>
       </a:effectRef>
       <a:fontRef idx="minor">
@@ -22027,18 +22180,21 @@
   <dgm:styleLbl name="asst1">
     <dgm:scene3d>
       <a:camera prst="orthographicFront"/>
-      <a:lightRig rig="threePt" dir="t"/>
-    </dgm:scene3d>
-    <dgm:sp3d/>
-    <dgm:txPr/>
-    <dgm:style>
-      <a:lnRef idx="2">
-        <a:scrgbClr r="0" g="0" b="0"/>
-      </a:lnRef>
-      <a:fillRef idx="1">
-        <a:scrgbClr r="0" g="0" b="0"/>
-      </a:fillRef>
-      <a:effectRef idx="0">
+      <a:lightRig rig="flat" dir="t"/>
+    </dgm:scene3d>
+    <dgm:sp3d prstMaterial="plastic">
+      <a:bevelT w="120900" h="88900"/>
+      <a:bevelB w="88900" h="31750" prst="angle"/>
+    </dgm:sp3d>
+    <dgm:txPr/>
+    <dgm:style>
+      <a:lnRef idx="0">
+        <a:scrgbClr r="0" g="0" b="0"/>
+      </a:lnRef>
+      <a:fillRef idx="3">
+        <a:scrgbClr r="0" g="0" b="0"/>
+      </a:fillRef>
+      <a:effectRef idx="1">
         <a:scrgbClr r="0" g="0" b="0"/>
       </a:effectRef>
       <a:fontRef idx="minor">
@@ -22049,18 +22205,21 @@
   <dgm:styleLbl name="asst2">
     <dgm:scene3d>
       <a:camera prst="orthographicFront"/>
-      <a:lightRig rig="threePt" dir="t"/>
-    </dgm:scene3d>
-    <dgm:sp3d/>
-    <dgm:txPr/>
-    <dgm:style>
-      <a:lnRef idx="2">
-        <a:scrgbClr r="0" g="0" b="0"/>
-      </a:lnRef>
-      <a:fillRef idx="1">
-        <a:scrgbClr r="0" g="0" b="0"/>
-      </a:fillRef>
-      <a:effectRef idx="0">
+      <a:lightRig rig="flat" dir="t"/>
+    </dgm:scene3d>
+    <dgm:sp3d prstMaterial="plastic">
+      <a:bevelT w="120900" h="88900"/>
+      <a:bevelB w="88900" h="31750" prst="angle"/>
+    </dgm:sp3d>
+    <dgm:txPr/>
+    <dgm:style>
+      <a:lnRef idx="0">
+        <a:scrgbClr r="0" g="0" b="0"/>
+      </a:lnRef>
+      <a:fillRef idx="3">
+        <a:scrgbClr r="0" g="0" b="0"/>
+      </a:fillRef>
+      <a:effectRef idx="1">
         <a:scrgbClr r="0" g="0" b="0"/>
       </a:effectRef>
       <a:fontRef idx="minor">
@@ -22071,18 +22230,21 @@
   <dgm:styleLbl name="asst3">
     <dgm:scene3d>
       <a:camera prst="orthographicFront"/>
-      <a:lightRig rig="threePt" dir="t"/>
-    </dgm:scene3d>
-    <dgm:sp3d/>
-    <dgm:txPr/>
-    <dgm:style>
-      <a:lnRef idx="2">
-        <a:scrgbClr r="0" g="0" b="0"/>
-      </a:lnRef>
-      <a:fillRef idx="1">
-        <a:scrgbClr r="0" g="0" b="0"/>
-      </a:fillRef>
-      <a:effectRef idx="0">
+      <a:lightRig rig="flat" dir="t"/>
+    </dgm:scene3d>
+    <dgm:sp3d prstMaterial="plastic">
+      <a:bevelT w="120900" h="88900"/>
+      <a:bevelB w="88900" h="31750" prst="angle"/>
+    </dgm:sp3d>
+    <dgm:txPr/>
+    <dgm:style>
+      <a:lnRef idx="0">
+        <a:scrgbClr r="0" g="0" b="0"/>
+      </a:lnRef>
+      <a:fillRef idx="3">
+        <a:scrgbClr r="0" g="0" b="0"/>
+      </a:fillRef>
+      <a:effectRef idx="1">
         <a:scrgbClr r="0" g="0" b="0"/>
       </a:effectRef>
       <a:fontRef idx="minor">
@@ -22090,21 +22252,24 @@
       </a:fontRef>
     </dgm:style>
   </dgm:styleLbl>
-  <dgm:styleLbl name="asst4">
-    <dgm:scene3d>
-      <a:camera prst="orthographicFront"/>
-      <a:lightRig rig="threePt" dir="t"/>
-    </dgm:scene3d>
-    <dgm:sp3d/>
-    <dgm:txPr/>
-    <dgm:style>
-      <a:lnRef idx="2">
-        <a:scrgbClr r="0" g="0" b="0"/>
-      </a:lnRef>
-      <a:fillRef idx="1">
-        <a:scrgbClr r="0" g="0" b="0"/>
-      </a:fillRef>
-      <a:effectRef idx="0">
+  <dgm:styleLbl name="parChTrans2D1">
+    <dgm:scene3d>
+      <a:camera prst="orthographicFront"/>
+      <a:lightRig rig="flat" dir="t"/>
+    </dgm:scene3d>
+    <dgm:sp3d z="-100000" prstMaterial="plastic">
+      <a:bevelT w="120900" h="88900"/>
+      <a:bevelB w="88900" h="31750" prst="angle"/>
+    </dgm:sp3d>
+    <dgm:txPr/>
+    <dgm:style>
+      <a:lnRef idx="0">
+        <a:scrgbClr r="0" g="0" b="0"/>
+      </a:lnRef>
+      <a:fillRef idx="3">
+        <a:scrgbClr r="0" g="0" b="0"/>
+      </a:fillRef>
+      <a:effectRef idx="1">
         <a:scrgbClr r="0" g="0" b="0"/>
       </a:effectRef>
       <a:fontRef idx="minor">
@@ -22112,21 +22277,24 @@
       </a:fontRef>
     </dgm:style>
   </dgm:styleLbl>
-  <dgm:styleLbl name="parChTrans2D1">
-    <dgm:scene3d>
-      <a:camera prst="orthographicFront"/>
-      <a:lightRig rig="threePt" dir="t"/>
-    </dgm:scene3d>
-    <dgm:sp3d/>
-    <dgm:txPr/>
-    <dgm:style>
-      <a:lnRef idx="2">
-        <a:scrgbClr r="0" g="0" b="0"/>
-      </a:lnRef>
-      <a:fillRef idx="1">
-        <a:scrgbClr r="0" g="0" b="0"/>
-      </a:fillRef>
-      <a:effectRef idx="0">
+  <dgm:styleLbl name="parChTrans2D2">
+    <dgm:scene3d>
+      <a:camera prst="orthographicFront"/>
+      <a:lightRig rig="flat" dir="t"/>
+    </dgm:scene3d>
+    <dgm:sp3d z="-60000" prstMaterial="plastic">
+      <a:bevelT w="120900" h="88900"/>
+      <a:bevelB w="88900" h="31750" prst="angle"/>
+    </dgm:sp3d>
+    <dgm:txPr/>
+    <dgm:style>
+      <a:lnRef idx="0">
+        <a:scrgbClr r="0" g="0" b="0"/>
+      </a:lnRef>
+      <a:fillRef idx="3">
+        <a:scrgbClr r="0" g="0" b="0"/>
+      </a:fillRef>
+      <a:effectRef idx="1">
         <a:scrgbClr r="0" g="0" b="0"/>
       </a:effectRef>
       <a:fontRef idx="minor">
@@ -22134,21 +22302,24 @@
       </a:fontRef>
     </dgm:style>
   </dgm:styleLbl>
-  <dgm:styleLbl name="parChTrans2D2">
-    <dgm:scene3d>
-      <a:camera prst="orthographicFront"/>
-      <a:lightRig rig="threePt" dir="t"/>
-    </dgm:scene3d>
-    <dgm:sp3d/>
-    <dgm:txPr/>
-    <dgm:style>
-      <a:lnRef idx="2">
-        <a:scrgbClr r="0" g="0" b="0"/>
-      </a:lnRef>
-      <a:fillRef idx="1">
-        <a:scrgbClr r="0" g="0" b="0"/>
-      </a:fillRef>
-      <a:effectRef idx="0">
+  <dgm:styleLbl name="parChTrans2D3">
+    <dgm:scene3d>
+      <a:camera prst="orthographicFront"/>
+      <a:lightRig rig="flat" dir="t"/>
+    </dgm:scene3d>
+    <dgm:sp3d z="-60000" prstMaterial="plastic">
+      <a:bevelT w="120900" h="88900"/>
+      <a:bevelB w="88900" h="31750" prst="angle"/>
+    </dgm:sp3d>
+    <dgm:txPr/>
+    <dgm:style>
+      <a:lnRef idx="0">
+        <a:scrgbClr r="0" g="0" b="0"/>
+      </a:lnRef>
+      <a:fillRef idx="3">
+        <a:scrgbClr r="0" g="0" b="0"/>
+      </a:fillRef>
+      <a:effectRef idx="1">
         <a:scrgbClr r="0" g="0" b="0"/>
       </a:effectRef>
       <a:fontRef idx="minor">
@@ -22156,21 +22327,24 @@
       </a:fontRef>
     </dgm:style>
   </dgm:styleLbl>
-  <dgm:styleLbl name="parChTrans2D3">
-    <dgm:scene3d>
-      <a:camera prst="orthographicFront"/>
-      <a:lightRig rig="threePt" dir="t"/>
-    </dgm:scene3d>
-    <dgm:sp3d/>
-    <dgm:txPr/>
-    <dgm:style>
-      <a:lnRef idx="2">
-        <a:scrgbClr r="0" g="0" b="0"/>
-      </a:lnRef>
-      <a:fillRef idx="1">
-        <a:scrgbClr r="0" g="0" b="0"/>
-      </a:fillRef>
-      <a:effectRef idx="0">
+  <dgm:styleLbl name="parChTrans2D4">
+    <dgm:scene3d>
+      <a:camera prst="orthographicFront"/>
+      <a:lightRig rig="flat" dir="t"/>
+    </dgm:scene3d>
+    <dgm:sp3d z="-60000" prstMaterial="plastic">
+      <a:bevelT w="120900" h="88900"/>
+      <a:bevelB w="88900" h="31750" prst="angle"/>
+    </dgm:sp3d>
+    <dgm:txPr/>
+    <dgm:style>
+      <a:lnRef idx="0">
+        <a:scrgbClr r="0" g="0" b="0"/>
+      </a:lnRef>
+      <a:fillRef idx="3">
+        <a:scrgbClr r="0" g="0" b="0"/>
+      </a:fillRef>
+      <a:effectRef idx="1">
         <a:scrgbClr r="0" g="0" b="0"/>
       </a:effectRef>
       <a:fontRef idx="minor">
@@ -22178,486 +22352,503 @@
       </a:fontRef>
     </dgm:style>
   </dgm:styleLbl>
-  <dgm:styleLbl name="parChTrans2D4">
-    <dgm:scene3d>
-      <a:camera prst="orthographicFront"/>
-      <a:lightRig rig="threePt" dir="t"/>
-    </dgm:scene3d>
-    <dgm:sp3d/>
+  <dgm:styleLbl name="parChTrans1D1">
+    <dgm:scene3d>
+      <a:camera prst="orthographicFront"/>
+      <a:lightRig rig="flat" dir="t"/>
+    </dgm:scene3d>
+    <dgm:sp3d prstMaterial="matte"/>
     <dgm:txPr/>
     <dgm:style>
       <a:lnRef idx="2">
         <a:scrgbClr r="0" g="0" b="0"/>
       </a:lnRef>
+      <a:fillRef idx="0">
+        <a:scrgbClr r="0" g="0" b="0"/>
+      </a:fillRef>
+      <a:effectRef idx="0">
+        <a:scrgbClr r="0" g="0" b="0"/>
+      </a:effectRef>
+      <a:fontRef idx="minor"/>
+    </dgm:style>
+  </dgm:styleLbl>
+  <dgm:styleLbl name="parChTrans1D2">
+    <dgm:scene3d>
+      <a:camera prst="orthographicFront"/>
+      <a:lightRig rig="flat" dir="t"/>
+    </dgm:scene3d>
+    <dgm:sp3d prstMaterial="matte"/>
+    <dgm:txPr/>
+    <dgm:style>
+      <a:lnRef idx="2">
+        <a:scrgbClr r="0" g="0" b="0"/>
+      </a:lnRef>
+      <a:fillRef idx="0">
+        <a:scrgbClr r="0" g="0" b="0"/>
+      </a:fillRef>
+      <a:effectRef idx="0">
+        <a:scrgbClr r="0" g="0" b="0"/>
+      </a:effectRef>
+      <a:fontRef idx="minor"/>
+    </dgm:style>
+  </dgm:styleLbl>
+  <dgm:styleLbl name="parChTrans1D3">
+    <dgm:scene3d>
+      <a:camera prst="orthographicFront"/>
+      <a:lightRig rig="flat" dir="t"/>
+    </dgm:scene3d>
+    <dgm:sp3d prstMaterial="matte"/>
+    <dgm:txPr/>
+    <dgm:style>
+      <a:lnRef idx="2">
+        <a:scrgbClr r="0" g="0" b="0"/>
+      </a:lnRef>
+      <a:fillRef idx="0">
+        <a:scrgbClr r="0" g="0" b="0"/>
+      </a:fillRef>
+      <a:effectRef idx="0">
+        <a:scrgbClr r="0" g="0" b="0"/>
+      </a:effectRef>
+      <a:fontRef idx="minor"/>
+    </dgm:style>
+  </dgm:styleLbl>
+  <dgm:styleLbl name="parChTrans1D4">
+    <dgm:scene3d>
+      <a:camera prst="orthographicFront"/>
+      <a:lightRig rig="flat" dir="t"/>
+    </dgm:scene3d>
+    <dgm:sp3d prstMaterial="matte"/>
+    <dgm:txPr/>
+    <dgm:style>
+      <a:lnRef idx="2">
+        <a:scrgbClr r="0" g="0" b="0"/>
+      </a:lnRef>
+      <a:fillRef idx="0">
+        <a:scrgbClr r="0" g="0" b="0"/>
+      </a:fillRef>
+      <a:effectRef idx="0">
+        <a:scrgbClr r="0" g="0" b="0"/>
+      </a:effectRef>
+      <a:fontRef idx="minor"/>
+    </dgm:style>
+  </dgm:styleLbl>
+  <dgm:styleLbl name="fgAcc1">
+    <dgm:scene3d>
+      <a:camera prst="orthographicFront"/>
+      <a:lightRig rig="flat" dir="t"/>
+    </dgm:scene3d>
+    <dgm:sp3d z="190500" extrusionH="12700" prstMaterial="plastic">
+      <a:bevelT w="50800" h="50800"/>
+    </dgm:sp3d>
+    <dgm:txPr/>
+    <dgm:style>
+      <a:lnRef idx="1">
+        <a:scrgbClr r="0" g="0" b="0"/>
+      </a:lnRef>
       <a:fillRef idx="1">
         <a:scrgbClr r="0" g="0" b="0"/>
       </a:fillRef>
+      <a:effectRef idx="2">
+        <a:scrgbClr r="0" g="0" b="0"/>
+      </a:effectRef>
+      <a:fontRef idx="minor"/>
+    </dgm:style>
+  </dgm:styleLbl>
+  <dgm:styleLbl name="conFgAcc1">
+    <dgm:scene3d>
+      <a:camera prst="orthographicFront"/>
+      <a:lightRig rig="flat" dir="t"/>
+    </dgm:scene3d>
+    <dgm:sp3d z="190500" extrusionH="12700" prstMaterial="plastic">
+      <a:bevelT w="50800" h="50800"/>
+    </dgm:sp3d>
+    <dgm:txPr/>
+    <dgm:style>
+      <a:lnRef idx="1">
+        <a:scrgbClr r="0" g="0" b="0"/>
+      </a:lnRef>
+      <a:fillRef idx="1">
+        <a:scrgbClr r="0" g="0" b="0"/>
+      </a:fillRef>
+      <a:effectRef idx="2">
+        <a:scrgbClr r="0" g="0" b="0"/>
+      </a:effectRef>
+      <a:fontRef idx="minor"/>
+    </dgm:style>
+  </dgm:styleLbl>
+  <dgm:styleLbl name="alignAcc1">
+    <dgm:scene3d>
+      <a:camera prst="orthographicFront"/>
+      <a:lightRig rig="flat" dir="t"/>
+    </dgm:scene3d>
+    <dgm:sp3d extrusionH="12700" prstMaterial="plastic">
+      <a:bevelT w="50800" h="50800"/>
+    </dgm:sp3d>
+    <dgm:txPr/>
+    <dgm:style>
+      <a:lnRef idx="1">
+        <a:scrgbClr r="0" g="0" b="0"/>
+      </a:lnRef>
+      <a:fillRef idx="1">
+        <a:scrgbClr r="0" g="0" b="0"/>
+      </a:fillRef>
+      <a:effectRef idx="2">
+        <a:scrgbClr r="0" g="0" b="0"/>
+      </a:effectRef>
+      <a:fontRef idx="minor"/>
+    </dgm:style>
+  </dgm:styleLbl>
+  <dgm:styleLbl name="trAlignAcc1">
+    <dgm:scene3d>
+      <a:camera prst="orthographicFront"/>
+      <a:lightRig rig="flat" dir="t"/>
+    </dgm:scene3d>
+    <dgm:sp3d extrusionH="12700" prstMaterial="plastic">
+      <a:bevelT w="50800" h="50800"/>
+    </dgm:sp3d>
+    <dgm:txPr/>
+    <dgm:style>
+      <a:lnRef idx="1">
+        <a:scrgbClr r="0" g="0" b="0"/>
+      </a:lnRef>
+      <a:fillRef idx="1">
+        <a:scrgbClr r="0" g="0" b="0"/>
+      </a:fillRef>
+      <a:effectRef idx="2">
+        <a:scrgbClr r="0" g="0" b="0"/>
+      </a:effectRef>
+      <a:fontRef idx="minor"/>
+    </dgm:style>
+  </dgm:styleLbl>
+  <dgm:styleLbl name="bgAcc1">
+    <dgm:scene3d>
+      <a:camera prst="orthographicFront"/>
+      <a:lightRig rig="flat" dir="t"/>
+    </dgm:scene3d>
+    <dgm:sp3d z="-190500" extrusionH="12700" prstMaterial="plastic">
+      <a:bevelT w="50800" h="50800"/>
+    </dgm:sp3d>
+    <dgm:txPr/>
+    <dgm:style>
+      <a:lnRef idx="1">
+        <a:scrgbClr r="0" g="0" b="0"/>
+      </a:lnRef>
+      <a:fillRef idx="1">
+        <a:scrgbClr r="0" g="0" b="0"/>
+      </a:fillRef>
+      <a:effectRef idx="2">
+        <a:scrgbClr r="0" g="0" b="0"/>
+      </a:effectRef>
+      <a:fontRef idx="minor"/>
+    </dgm:style>
+  </dgm:styleLbl>
+  <dgm:styleLbl name="solidFgAcc1">
+    <dgm:scene3d>
+      <a:camera prst="orthographicFront"/>
+      <a:lightRig rig="flat" dir="t"/>
+    </dgm:scene3d>
+    <dgm:sp3d z="190500" extrusionH="12700" prstMaterial="plastic">
+      <a:bevelT w="50800" h="50800"/>
+    </dgm:sp3d>
+    <dgm:txPr/>
+    <dgm:style>
+      <a:lnRef idx="1">
+        <a:scrgbClr r="0" g="0" b="0"/>
+      </a:lnRef>
+      <a:fillRef idx="1">
+        <a:scrgbClr r="0" g="0" b="0"/>
+      </a:fillRef>
+      <a:effectRef idx="2">
+        <a:scrgbClr r="0" g="0" b="0"/>
+      </a:effectRef>
+      <a:fontRef idx="minor"/>
+    </dgm:style>
+  </dgm:styleLbl>
+  <dgm:styleLbl name="solidAlignAcc1">
+    <dgm:scene3d>
+      <a:camera prst="orthographicFront"/>
+      <a:lightRig rig="flat" dir="t"/>
+    </dgm:scene3d>
+    <dgm:sp3d extrusionH="12700" prstMaterial="plastic">
+      <a:bevelT w="50800" h="50800"/>
+    </dgm:sp3d>
+    <dgm:txPr/>
+    <dgm:style>
+      <a:lnRef idx="1">
+        <a:scrgbClr r="0" g="0" b="0"/>
+      </a:lnRef>
+      <a:fillRef idx="1">
+        <a:scrgbClr r="0" g="0" b="0"/>
+      </a:fillRef>
+      <a:effectRef idx="2">
+        <a:scrgbClr r="0" g="0" b="0"/>
+      </a:effectRef>
+      <a:fontRef idx="minor"/>
+    </dgm:style>
+  </dgm:styleLbl>
+  <dgm:styleLbl name="solidBgAcc1">
+    <dgm:scene3d>
+      <a:camera prst="orthographicFront"/>
+      <a:lightRig rig="flat" dir="t"/>
+    </dgm:scene3d>
+    <dgm:sp3d z="-190500" extrusionH="12700" prstMaterial="plastic">
+      <a:bevelT w="50800" h="50800"/>
+    </dgm:sp3d>
+    <dgm:txPr/>
+    <dgm:style>
+      <a:lnRef idx="1">
+        <a:scrgbClr r="0" g="0" b="0"/>
+      </a:lnRef>
+      <a:fillRef idx="1">
+        <a:scrgbClr r="0" g="0" b="0"/>
+      </a:fillRef>
+      <a:effectRef idx="2">
+        <a:scrgbClr r="0" g="0" b="0"/>
+      </a:effectRef>
+      <a:fontRef idx="minor"/>
+    </dgm:style>
+  </dgm:styleLbl>
+  <dgm:styleLbl name="fgAccFollowNode1">
+    <dgm:scene3d>
+      <a:camera prst="orthographicFront"/>
+      <a:lightRig rig="flat" dir="t"/>
+    </dgm:scene3d>
+    <dgm:sp3d z="190500" extrusionH="12700" prstMaterial="plastic">
+      <a:bevelT w="50800" h="50800"/>
+    </dgm:sp3d>
+    <dgm:txPr/>
+    <dgm:style>
+      <a:lnRef idx="1">
+        <a:scrgbClr r="0" g="0" b="0"/>
+      </a:lnRef>
+      <a:fillRef idx="1">
+        <a:scrgbClr r="0" g="0" b="0"/>
+      </a:fillRef>
+      <a:effectRef idx="2">
+        <a:scrgbClr r="0" g="0" b="0"/>
+      </a:effectRef>
+      <a:fontRef idx="minor"/>
+    </dgm:style>
+  </dgm:styleLbl>
+  <dgm:styleLbl name="alignAccFollowNode1">
+    <dgm:scene3d>
+      <a:camera prst="orthographicFront"/>
+      <a:lightRig rig="flat" dir="t"/>
+    </dgm:scene3d>
+    <dgm:sp3d extrusionH="12700" prstMaterial="plastic">
+      <a:bevelT w="50800" h="50800"/>
+    </dgm:sp3d>
+    <dgm:txPr/>
+    <dgm:style>
+      <a:lnRef idx="1">
+        <a:scrgbClr r="0" g="0" b="0"/>
+      </a:lnRef>
+      <a:fillRef idx="1">
+        <a:scrgbClr r="0" g="0" b="0"/>
+      </a:fillRef>
+      <a:effectRef idx="2">
+        <a:scrgbClr r="0" g="0" b="0"/>
+      </a:effectRef>
+      <a:fontRef idx="minor"/>
+    </dgm:style>
+  </dgm:styleLbl>
+  <dgm:styleLbl name="bgAccFollowNode1">
+    <dgm:scene3d>
+      <a:camera prst="orthographicFront"/>
+      <a:lightRig rig="flat" dir="t"/>
+    </dgm:scene3d>
+    <dgm:sp3d z="-190500" extrusionH="12700" prstMaterial="plastic">
+      <a:bevelT w="50800" h="50800"/>
+    </dgm:sp3d>
+    <dgm:txPr/>
+    <dgm:style>
+      <a:lnRef idx="1">
+        <a:scrgbClr r="0" g="0" b="0"/>
+      </a:lnRef>
+      <a:fillRef idx="1">
+        <a:scrgbClr r="0" g="0" b="0"/>
+      </a:fillRef>
+      <a:effectRef idx="2">
+        <a:scrgbClr r="0" g="0" b="0"/>
+      </a:effectRef>
+      <a:fontRef idx="minor"/>
+    </dgm:style>
+  </dgm:styleLbl>
+  <dgm:styleLbl name="fgAcc0">
+    <dgm:scene3d>
+      <a:camera prst="orthographicFront"/>
+      <a:lightRig rig="flat" dir="t"/>
+    </dgm:scene3d>
+    <dgm:sp3d z="190500" extrusionH="12700" prstMaterial="plastic">
+      <a:bevelT w="50800" h="50800"/>
+    </dgm:sp3d>
+    <dgm:txPr/>
+    <dgm:style>
+      <a:lnRef idx="1">
+        <a:scrgbClr r="0" g="0" b="0"/>
+      </a:lnRef>
+      <a:fillRef idx="1">
+        <a:scrgbClr r="0" g="0" b="0"/>
+      </a:fillRef>
+      <a:effectRef idx="2">
+        <a:scrgbClr r="0" g="0" b="0"/>
+      </a:effectRef>
+      <a:fontRef idx="minor"/>
+    </dgm:style>
+  </dgm:styleLbl>
+  <dgm:styleLbl name="fgAcc2">
+    <dgm:scene3d>
+      <a:camera prst="orthographicFront"/>
+      <a:lightRig rig="flat" dir="t"/>
+    </dgm:scene3d>
+    <dgm:sp3d z="190500" extrusionH="12700" prstMaterial="plastic">
+      <a:bevelT w="50800" h="50800"/>
+    </dgm:sp3d>
+    <dgm:txPr/>
+    <dgm:style>
+      <a:lnRef idx="1">
+        <a:scrgbClr r="0" g="0" b="0"/>
+      </a:lnRef>
+      <a:fillRef idx="1">
+        <a:scrgbClr r="0" g="0" b="0"/>
+      </a:fillRef>
+      <a:effectRef idx="2">
+        <a:scrgbClr r="0" g="0" b="0"/>
+      </a:effectRef>
+      <a:fontRef idx="minor"/>
+    </dgm:style>
+  </dgm:styleLbl>
+  <dgm:styleLbl name="fgAcc3">
+    <dgm:scene3d>
+      <a:camera prst="orthographicFront"/>
+      <a:lightRig rig="flat" dir="t"/>
+    </dgm:scene3d>
+    <dgm:sp3d z="190500" extrusionH="12700" prstMaterial="plastic">
+      <a:bevelT w="50800" h="50800"/>
+    </dgm:sp3d>
+    <dgm:txPr/>
+    <dgm:style>
+      <a:lnRef idx="1">
+        <a:scrgbClr r="0" g="0" b="0"/>
+      </a:lnRef>
+      <a:fillRef idx="1">
+        <a:scrgbClr r="0" g="0" b="0"/>
+      </a:fillRef>
+      <a:effectRef idx="2">
+        <a:scrgbClr r="0" g="0" b="0"/>
+      </a:effectRef>
+      <a:fontRef idx="minor"/>
+    </dgm:style>
+  </dgm:styleLbl>
+  <dgm:styleLbl name="fgAcc4">
+    <dgm:scene3d>
+      <a:camera prst="orthographicFront"/>
+      <a:lightRig rig="flat" dir="t"/>
+    </dgm:scene3d>
+    <dgm:sp3d z="190500" extrusionH="12700" prstMaterial="plastic">
+      <a:bevelT w="50800" h="50800"/>
+    </dgm:sp3d>
+    <dgm:txPr/>
+    <dgm:style>
+      <a:lnRef idx="1">
+        <a:scrgbClr r="0" g="0" b="0"/>
+      </a:lnRef>
+      <a:fillRef idx="1">
+        <a:scrgbClr r="0" g="0" b="0"/>
+      </a:fillRef>
+      <a:effectRef idx="2">
+        <a:scrgbClr r="0" g="0" b="0"/>
+      </a:effectRef>
+      <a:fontRef idx="minor"/>
+    </dgm:style>
+  </dgm:styleLbl>
+  <dgm:styleLbl name="bgShp">
+    <dgm:scene3d>
+      <a:camera prst="orthographicFront"/>
+      <a:lightRig rig="flat" dir="t"/>
+    </dgm:scene3d>
+    <dgm:sp3d z="-190500" extrusionH="12700" prstMaterial="plastic">
+      <a:bevelT w="50800" h="50800"/>
+    </dgm:sp3d>
+    <dgm:txPr/>
+    <dgm:style>
+      <a:lnRef idx="0">
+        <a:scrgbClr r="0" g="0" b="0"/>
+      </a:lnRef>
+      <a:fillRef idx="3">
+        <a:scrgbClr r="0" g="0" b="0"/>
+      </a:fillRef>
       <a:effectRef idx="0">
+        <a:scrgbClr r="0" g="0" b="0"/>
+      </a:effectRef>
+      <a:fontRef idx="minor"/>
+    </dgm:style>
+  </dgm:styleLbl>
+  <dgm:styleLbl name="dkBgShp">
+    <dgm:scene3d>
+      <a:camera prst="orthographicFront"/>
+      <a:lightRig rig="flat" dir="t"/>
+    </dgm:scene3d>
+    <dgm:sp3d z="-190500" extrusionH="12700" prstMaterial="plastic">
+      <a:bevelT w="50800" h="50800"/>
+    </dgm:sp3d>
+    <dgm:txPr/>
+    <dgm:style>
+      <a:lnRef idx="0">
+        <a:scrgbClr r="0" g="0" b="0"/>
+      </a:lnRef>
+      <a:fillRef idx="2">
+        <a:scrgbClr r="0" g="0" b="0"/>
+      </a:fillRef>
+      <a:effectRef idx="0">
+        <a:scrgbClr r="0" g="0" b="0"/>
+      </a:effectRef>
+      <a:fontRef idx="minor"/>
+    </dgm:style>
+  </dgm:styleLbl>
+  <dgm:styleLbl name="trBgShp">
+    <dgm:scene3d>
+      <a:camera prst="orthographicFront"/>
+      <a:lightRig rig="flat" dir="t"/>
+    </dgm:scene3d>
+    <dgm:sp3d z="-190500" extrusionH="12700" prstMaterial="matte"/>
+    <dgm:txPr/>
+    <dgm:style>
+      <a:lnRef idx="0">
+        <a:scrgbClr r="0" g="0" b="0"/>
+      </a:lnRef>
+      <a:fillRef idx="1">
+        <a:scrgbClr r="0" g="0" b="0"/>
+      </a:fillRef>
+      <a:effectRef idx="0">
+        <a:scrgbClr r="0" g="0" b="0"/>
+      </a:effectRef>
+      <a:fontRef idx="minor"/>
+    </dgm:style>
+  </dgm:styleLbl>
+  <dgm:styleLbl name="fgShp">
+    <dgm:scene3d>
+      <a:camera prst="orthographicFront"/>
+      <a:lightRig rig="flat" dir="t"/>
+    </dgm:scene3d>
+    <dgm:sp3d z="190500" prstMaterial="plastic">
+      <a:bevelT w="120900" h="88900"/>
+      <a:bevelB w="88900" h="31750" prst="angle"/>
+    </dgm:sp3d>
+    <dgm:txPr/>
+    <dgm:style>
+      <a:lnRef idx="0">
+        <a:scrgbClr r="0" g="0" b="0"/>
+      </a:lnRef>
+      <a:fillRef idx="1">
+        <a:scrgbClr r="0" g="0" b="0"/>
+      </a:fillRef>
+      <a:effectRef idx="3">
         <a:scrgbClr r="0" g="0" b="0"/>
       </a:effectRef>
       <a:fontRef idx="minor">
         <a:schemeClr val="lt1"/>
       </a:fontRef>
-    </dgm:style>
-  </dgm:styleLbl>
-  <dgm:styleLbl name="parChTrans1D1">
-    <dgm:scene3d>
-      <a:camera prst="orthographicFront"/>
-      <a:lightRig rig="threePt" dir="t"/>
-    </dgm:scene3d>
-    <dgm:sp3d/>
-    <dgm:txPr/>
-    <dgm:style>
-      <a:lnRef idx="2">
-        <a:scrgbClr r="0" g="0" b="0"/>
-      </a:lnRef>
-      <a:fillRef idx="0">
-        <a:scrgbClr r="0" g="0" b="0"/>
-      </a:fillRef>
-      <a:effectRef idx="0">
-        <a:scrgbClr r="0" g="0" b="0"/>
-      </a:effectRef>
-      <a:fontRef idx="minor"/>
-    </dgm:style>
-  </dgm:styleLbl>
-  <dgm:styleLbl name="parChTrans1D2">
-    <dgm:scene3d>
-      <a:camera prst="orthographicFront"/>
-      <a:lightRig rig="threePt" dir="t"/>
-    </dgm:scene3d>
-    <dgm:sp3d/>
-    <dgm:txPr/>
-    <dgm:style>
-      <a:lnRef idx="2">
-        <a:scrgbClr r="0" g="0" b="0"/>
-      </a:lnRef>
-      <a:fillRef idx="0">
-        <a:scrgbClr r="0" g="0" b="0"/>
-      </a:fillRef>
-      <a:effectRef idx="0">
-        <a:scrgbClr r="0" g="0" b="0"/>
-      </a:effectRef>
-      <a:fontRef idx="minor"/>
-    </dgm:style>
-  </dgm:styleLbl>
-  <dgm:styleLbl name="parChTrans1D3">
-    <dgm:scene3d>
-      <a:camera prst="orthographicFront"/>
-      <a:lightRig rig="threePt" dir="t"/>
-    </dgm:scene3d>
-    <dgm:sp3d/>
-    <dgm:txPr/>
-    <dgm:style>
-      <a:lnRef idx="2">
-        <a:scrgbClr r="0" g="0" b="0"/>
-      </a:lnRef>
-      <a:fillRef idx="0">
-        <a:scrgbClr r="0" g="0" b="0"/>
-      </a:fillRef>
-      <a:effectRef idx="0">
-        <a:scrgbClr r="0" g="0" b="0"/>
-      </a:effectRef>
-      <a:fontRef idx="minor"/>
-    </dgm:style>
-  </dgm:styleLbl>
-  <dgm:styleLbl name="parChTrans1D4">
-    <dgm:scene3d>
-      <a:camera prst="orthographicFront"/>
-      <a:lightRig rig="threePt" dir="t"/>
-    </dgm:scene3d>
-    <dgm:sp3d/>
-    <dgm:txPr/>
-    <dgm:style>
-      <a:lnRef idx="2">
-        <a:scrgbClr r="0" g="0" b="0"/>
-      </a:lnRef>
-      <a:fillRef idx="0">
-        <a:scrgbClr r="0" g="0" b="0"/>
-      </a:fillRef>
-      <a:effectRef idx="0">
-        <a:scrgbClr r="0" g="0" b="0"/>
-      </a:effectRef>
-      <a:fontRef idx="minor"/>
-    </dgm:style>
-  </dgm:styleLbl>
-  <dgm:styleLbl name="fgAcc1">
-    <dgm:scene3d>
-      <a:camera prst="orthographicFront"/>
-      <a:lightRig rig="threePt" dir="t"/>
-    </dgm:scene3d>
-    <dgm:sp3d/>
-    <dgm:txPr/>
-    <dgm:style>
-      <a:lnRef idx="2">
-        <a:scrgbClr r="0" g="0" b="0"/>
-      </a:lnRef>
-      <a:fillRef idx="1">
-        <a:scrgbClr r="0" g="0" b="0"/>
-      </a:fillRef>
-      <a:effectRef idx="0">
-        <a:scrgbClr r="0" g="0" b="0"/>
-      </a:effectRef>
-      <a:fontRef idx="minor"/>
-    </dgm:style>
-  </dgm:styleLbl>
-  <dgm:styleLbl name="conFgAcc1">
-    <dgm:scene3d>
-      <a:camera prst="orthographicFront"/>
-      <a:lightRig rig="threePt" dir="t"/>
-    </dgm:scene3d>
-    <dgm:sp3d/>
-    <dgm:txPr/>
-    <dgm:style>
-      <a:lnRef idx="2">
-        <a:scrgbClr r="0" g="0" b="0"/>
-      </a:lnRef>
-      <a:fillRef idx="1">
-        <a:scrgbClr r="0" g="0" b="0"/>
-      </a:fillRef>
-      <a:effectRef idx="0">
-        <a:scrgbClr r="0" g="0" b="0"/>
-      </a:effectRef>
-      <a:fontRef idx="minor"/>
-    </dgm:style>
-  </dgm:styleLbl>
-  <dgm:styleLbl name="alignAcc1">
-    <dgm:scene3d>
-      <a:camera prst="orthographicFront"/>
-      <a:lightRig rig="threePt" dir="t"/>
-    </dgm:scene3d>
-    <dgm:sp3d/>
-    <dgm:txPr/>
-    <dgm:style>
-      <a:lnRef idx="2">
-        <a:scrgbClr r="0" g="0" b="0"/>
-      </a:lnRef>
-      <a:fillRef idx="1">
-        <a:scrgbClr r="0" g="0" b="0"/>
-      </a:fillRef>
-      <a:effectRef idx="0">
-        <a:scrgbClr r="0" g="0" b="0"/>
-      </a:effectRef>
-      <a:fontRef idx="minor"/>
-    </dgm:style>
-  </dgm:styleLbl>
-  <dgm:styleLbl name="trAlignAcc1">
-    <dgm:scene3d>
-      <a:camera prst="orthographicFront"/>
-      <a:lightRig rig="threePt" dir="t"/>
-    </dgm:scene3d>
-    <dgm:sp3d/>
-    <dgm:txPr/>
-    <dgm:style>
-      <a:lnRef idx="1">
-        <a:scrgbClr r="0" g="0" b="0"/>
-      </a:lnRef>
-      <a:fillRef idx="1">
-        <a:scrgbClr r="0" g="0" b="0"/>
-      </a:fillRef>
-      <a:effectRef idx="0">
-        <a:scrgbClr r="0" g="0" b="0"/>
-      </a:effectRef>
-      <a:fontRef idx="minor"/>
-    </dgm:style>
-  </dgm:styleLbl>
-  <dgm:styleLbl name="bgAcc1">
-    <dgm:scene3d>
-      <a:camera prst="orthographicFront"/>
-      <a:lightRig rig="threePt" dir="t"/>
-    </dgm:scene3d>
-    <dgm:sp3d/>
-    <dgm:txPr/>
-    <dgm:style>
-      <a:lnRef idx="2">
-        <a:scrgbClr r="0" g="0" b="0"/>
-      </a:lnRef>
-      <a:fillRef idx="1">
-        <a:scrgbClr r="0" g="0" b="0"/>
-      </a:fillRef>
-      <a:effectRef idx="0">
-        <a:scrgbClr r="0" g="0" b="0"/>
-      </a:effectRef>
-      <a:fontRef idx="minor"/>
-    </dgm:style>
-  </dgm:styleLbl>
-  <dgm:styleLbl name="solidFgAcc1">
-    <dgm:scene3d>
-      <a:camera prst="orthographicFront"/>
-      <a:lightRig rig="threePt" dir="t"/>
-    </dgm:scene3d>
-    <dgm:sp3d/>
-    <dgm:txPr/>
-    <dgm:style>
-      <a:lnRef idx="2">
-        <a:scrgbClr r="0" g="0" b="0"/>
-      </a:lnRef>
-      <a:fillRef idx="1">
-        <a:scrgbClr r="0" g="0" b="0"/>
-      </a:fillRef>
-      <a:effectRef idx="0">
-        <a:scrgbClr r="0" g="0" b="0"/>
-      </a:effectRef>
-      <a:fontRef idx="minor"/>
-    </dgm:style>
-  </dgm:styleLbl>
-  <dgm:styleLbl name="solidAlignAcc1">
-    <dgm:scene3d>
-      <a:camera prst="orthographicFront"/>
-      <a:lightRig rig="threePt" dir="t"/>
-    </dgm:scene3d>
-    <dgm:sp3d/>
-    <dgm:txPr/>
-    <dgm:style>
-      <a:lnRef idx="2">
-        <a:scrgbClr r="0" g="0" b="0"/>
-      </a:lnRef>
-      <a:fillRef idx="1">
-        <a:scrgbClr r="0" g="0" b="0"/>
-      </a:fillRef>
-      <a:effectRef idx="0">
-        <a:scrgbClr r="0" g="0" b="0"/>
-      </a:effectRef>
-      <a:fontRef idx="minor"/>
-    </dgm:style>
-  </dgm:styleLbl>
-  <dgm:styleLbl name="solidBgAcc1">
-    <dgm:scene3d>
-      <a:camera prst="orthographicFront"/>
-      <a:lightRig rig="threePt" dir="t"/>
-    </dgm:scene3d>
-    <dgm:sp3d/>
-    <dgm:txPr/>
-    <dgm:style>
-      <a:lnRef idx="2">
-        <a:scrgbClr r="0" g="0" b="0"/>
-      </a:lnRef>
-      <a:fillRef idx="1">
-        <a:scrgbClr r="0" g="0" b="0"/>
-      </a:fillRef>
-      <a:effectRef idx="0">
-        <a:scrgbClr r="0" g="0" b="0"/>
-      </a:effectRef>
-      <a:fontRef idx="minor"/>
-    </dgm:style>
-  </dgm:styleLbl>
-  <dgm:styleLbl name="fgAccFollowNode1">
-    <dgm:scene3d>
-      <a:camera prst="orthographicFront"/>
-      <a:lightRig rig="threePt" dir="t"/>
-    </dgm:scene3d>
-    <dgm:sp3d/>
-    <dgm:txPr/>
-    <dgm:style>
-      <a:lnRef idx="2">
-        <a:scrgbClr r="0" g="0" b="0"/>
-      </a:lnRef>
-      <a:fillRef idx="1">
-        <a:scrgbClr r="0" g="0" b="0"/>
-      </a:fillRef>
-      <a:effectRef idx="0">
-        <a:scrgbClr r="0" g="0" b="0"/>
-      </a:effectRef>
-      <a:fontRef idx="minor"/>
-    </dgm:style>
-  </dgm:styleLbl>
-  <dgm:styleLbl name="alignAccFollowNode1">
-    <dgm:scene3d>
-      <a:camera prst="orthographicFront"/>
-      <a:lightRig rig="threePt" dir="t"/>
-    </dgm:scene3d>
-    <dgm:sp3d/>
-    <dgm:txPr/>
-    <dgm:style>
-      <a:lnRef idx="2">
-        <a:scrgbClr r="0" g="0" b="0"/>
-      </a:lnRef>
-      <a:fillRef idx="1">
-        <a:scrgbClr r="0" g="0" b="0"/>
-      </a:fillRef>
-      <a:effectRef idx="0">
-        <a:scrgbClr r="0" g="0" b="0"/>
-      </a:effectRef>
-      <a:fontRef idx="minor"/>
-    </dgm:style>
-  </dgm:styleLbl>
-  <dgm:styleLbl name="bgAccFollowNode1">
-    <dgm:scene3d>
-      <a:camera prst="orthographicFront"/>
-      <a:lightRig rig="threePt" dir="t"/>
-    </dgm:scene3d>
-    <dgm:sp3d/>
-    <dgm:txPr/>
-    <dgm:style>
-      <a:lnRef idx="2">
-        <a:scrgbClr r="0" g="0" b="0"/>
-      </a:lnRef>
-      <a:fillRef idx="1">
-        <a:scrgbClr r="0" g="0" b="0"/>
-      </a:fillRef>
-      <a:effectRef idx="0">
-        <a:scrgbClr r="0" g="0" b="0"/>
-      </a:effectRef>
-      <a:fontRef idx="minor"/>
-    </dgm:style>
-  </dgm:styleLbl>
-  <dgm:styleLbl name="fgAcc0">
-    <dgm:scene3d>
-      <a:camera prst="orthographicFront"/>
-      <a:lightRig rig="threePt" dir="t"/>
-    </dgm:scene3d>
-    <dgm:sp3d/>
-    <dgm:txPr/>
-    <dgm:style>
-      <a:lnRef idx="2">
-        <a:scrgbClr r="0" g="0" b="0"/>
-      </a:lnRef>
-      <a:fillRef idx="1">
-        <a:scrgbClr r="0" g="0" b="0"/>
-      </a:fillRef>
-      <a:effectRef idx="0">
-        <a:scrgbClr r="0" g="0" b="0"/>
-      </a:effectRef>
-      <a:fontRef idx="minor"/>
-    </dgm:style>
-  </dgm:styleLbl>
-  <dgm:styleLbl name="fgAcc2">
-    <dgm:scene3d>
-      <a:camera prst="orthographicFront"/>
-      <a:lightRig rig="threePt" dir="t"/>
-    </dgm:scene3d>
-    <dgm:sp3d/>
-    <dgm:txPr/>
-    <dgm:style>
-      <a:lnRef idx="2">
-        <a:scrgbClr r="0" g="0" b="0"/>
-      </a:lnRef>
-      <a:fillRef idx="1">
-        <a:scrgbClr r="0" g="0" b="0"/>
-      </a:fillRef>
-      <a:effectRef idx="0">
-        <a:scrgbClr r="0" g="0" b="0"/>
-      </a:effectRef>
-      <a:fontRef idx="minor"/>
-    </dgm:style>
-  </dgm:styleLbl>
-  <dgm:styleLbl name="fgAcc3">
-    <dgm:scene3d>
-      <a:camera prst="orthographicFront"/>
-      <a:lightRig rig="threePt" dir="t"/>
-    </dgm:scene3d>
-    <dgm:sp3d/>
-    <dgm:txPr/>
-    <dgm:style>
-      <a:lnRef idx="2">
-        <a:scrgbClr r="0" g="0" b="0"/>
-      </a:lnRef>
-      <a:fillRef idx="1">
-        <a:scrgbClr r="0" g="0" b="0"/>
-      </a:fillRef>
-      <a:effectRef idx="0">
-        <a:scrgbClr r="0" g="0" b="0"/>
-      </a:effectRef>
-      <a:fontRef idx="minor"/>
-    </dgm:style>
-  </dgm:styleLbl>
-  <dgm:styleLbl name="fgAcc4">
-    <dgm:scene3d>
-      <a:camera prst="orthographicFront"/>
-      <a:lightRig rig="threePt" dir="t"/>
-    </dgm:scene3d>
-    <dgm:sp3d/>
-    <dgm:txPr/>
-    <dgm:style>
-      <a:lnRef idx="2">
-        <a:scrgbClr r="0" g="0" b="0"/>
-      </a:lnRef>
-      <a:fillRef idx="1">
-        <a:scrgbClr r="0" g="0" b="0"/>
-      </a:fillRef>
-      <a:effectRef idx="0">
-        <a:scrgbClr r="0" g="0" b="0"/>
-      </a:effectRef>
-      <a:fontRef idx="minor"/>
-    </dgm:style>
-  </dgm:styleLbl>
-  <dgm:styleLbl name="bgShp">
-    <dgm:scene3d>
-      <a:camera prst="orthographicFront"/>
-      <a:lightRig rig="threePt" dir="t"/>
-    </dgm:scene3d>
-    <dgm:sp3d/>
-    <dgm:txPr/>
-    <dgm:style>
-      <a:lnRef idx="0">
-        <a:scrgbClr r="0" g="0" b="0"/>
-      </a:lnRef>
-      <a:fillRef idx="1">
-        <a:scrgbClr r="0" g="0" b="0"/>
-      </a:fillRef>
-      <a:effectRef idx="0">
-        <a:scrgbClr r="0" g="0" b="0"/>
-      </a:effectRef>
-      <a:fontRef idx="minor"/>
-    </dgm:style>
-  </dgm:styleLbl>
-  <dgm:styleLbl name="dkBgShp">
-    <dgm:scene3d>
-      <a:camera prst="orthographicFront"/>
-      <a:lightRig rig="threePt" dir="t"/>
-    </dgm:scene3d>
-    <dgm:sp3d/>
-    <dgm:txPr/>
-    <dgm:style>
-      <a:lnRef idx="0">
-        <a:scrgbClr r="0" g="0" b="0"/>
-      </a:lnRef>
-      <a:fillRef idx="1">
-        <a:scrgbClr r="0" g="0" b="0"/>
-      </a:fillRef>
-      <a:effectRef idx="0">
-        <a:scrgbClr r="0" g="0" b="0"/>
-      </a:effectRef>
-      <a:fontRef idx="minor"/>
-    </dgm:style>
-  </dgm:styleLbl>
-  <dgm:styleLbl name="trBgShp">
-    <dgm:scene3d>
-      <a:camera prst="orthographicFront"/>
-      <a:lightRig rig="threePt" dir="t"/>
-    </dgm:scene3d>
-    <dgm:sp3d/>
-    <dgm:txPr/>
-    <dgm:style>
-      <a:lnRef idx="0">
-        <a:scrgbClr r="0" g="0" b="0"/>
-      </a:lnRef>
-      <a:fillRef idx="1">
-        <a:scrgbClr r="0" g="0" b="0"/>
-      </a:fillRef>
-      <a:effectRef idx="0">
-        <a:scrgbClr r="0" g="0" b="0"/>
-      </a:effectRef>
-      <a:fontRef idx="minor"/>
-    </dgm:style>
-  </dgm:styleLbl>
-  <dgm:styleLbl name="fgShp">
-    <dgm:scene3d>
-      <a:camera prst="orthographicFront"/>
-      <a:lightRig rig="threePt" dir="t"/>
-    </dgm:scene3d>
-    <dgm:sp3d/>
-    <dgm:txPr/>
-    <dgm:style>
-      <a:lnRef idx="2">
-        <a:scrgbClr r="0" g="0" b="0"/>
-      </a:lnRef>
-      <a:fillRef idx="1">
-        <a:scrgbClr r="0" g="0" b="0"/>
-      </a:fillRef>
-      <a:effectRef idx="0">
-        <a:scrgbClr r="0" g="0" b="0"/>
-      </a:effectRef>
-      <a:fontRef idx="minor"/>
     </dgm:style>
   </dgm:styleLbl>
   <dgm:styleLbl name="revTx">
@@ -23976,7 +24167,7 @@
             <a:fld id="{229FDC3E-7424-49CF-AF38-AA35F4C77C8D}" type="datetimeFigureOut">
               <a:rPr lang="pt-BR" smtClean="0"/>
               <a:pPr/>
-              <a:t>21/07/2014</a:t>
+              <a:t>22/07/2014</a:t>
             </a:fld>
             <a:endParaRPr lang="pt-BR"/>
           </a:p>
@@ -24148,7 +24339,7 @@
             <a:fld id="{229FDC3E-7424-49CF-AF38-AA35F4C77C8D}" type="datetimeFigureOut">
               <a:rPr lang="pt-BR" smtClean="0"/>
               <a:pPr/>
-              <a:t>21/07/2014</a:t>
+              <a:t>22/07/2014</a:t>
             </a:fld>
             <a:endParaRPr lang="pt-BR"/>
           </a:p>
@@ -24325,7 +24516,7 @@
             <a:fld id="{229FDC3E-7424-49CF-AF38-AA35F4C77C8D}" type="datetimeFigureOut">
               <a:rPr lang="pt-BR" smtClean="0"/>
               <a:pPr/>
-              <a:t>21/07/2014</a:t>
+              <a:t>22/07/2014</a:t>
             </a:fld>
             <a:endParaRPr lang="pt-BR"/>
           </a:p>
@@ -24492,7 +24683,7 @@
             <a:fld id="{229FDC3E-7424-49CF-AF38-AA35F4C77C8D}" type="datetimeFigureOut">
               <a:rPr lang="pt-BR" smtClean="0"/>
               <a:pPr/>
-              <a:t>21/07/2014</a:t>
+              <a:t>22/07/2014</a:t>
             </a:fld>
             <a:endParaRPr lang="pt-BR"/>
           </a:p>
@@ -24728,7 +24919,7 @@
             <a:fld id="{229FDC3E-7424-49CF-AF38-AA35F4C77C8D}" type="datetimeFigureOut">
               <a:rPr lang="pt-BR" smtClean="0"/>
               <a:pPr/>
-              <a:t>21/07/2014</a:t>
+              <a:t>22/07/2014</a:t>
             </a:fld>
             <a:endParaRPr lang="pt-BR"/>
           </a:p>
@@ -25026,7 +25217,7 @@
             <a:fld id="{229FDC3E-7424-49CF-AF38-AA35F4C77C8D}" type="datetimeFigureOut">
               <a:rPr lang="pt-BR" smtClean="0"/>
               <a:pPr/>
-              <a:t>21/07/2014</a:t>
+              <a:t>22/07/2014</a:t>
             </a:fld>
             <a:endParaRPr lang="pt-BR"/>
           </a:p>
@@ -25412,7 +25603,7 @@
             <a:fld id="{229FDC3E-7424-49CF-AF38-AA35F4C77C8D}" type="datetimeFigureOut">
               <a:rPr lang="pt-BR" smtClean="0"/>
               <a:pPr/>
-              <a:t>21/07/2014</a:t>
+              <a:t>22/07/2014</a:t>
             </a:fld>
             <a:endParaRPr lang="pt-BR"/>
           </a:p>
@@ -25587,7 +25778,7 @@
             <a:fld id="{229FDC3E-7424-49CF-AF38-AA35F4C77C8D}" type="datetimeFigureOut">
               <a:rPr lang="pt-BR" smtClean="0"/>
               <a:pPr/>
-              <a:t>21/07/2014</a:t>
+              <a:t>22/07/2014</a:t>
             </a:fld>
             <a:endParaRPr lang="pt-BR"/>
           </a:p>
@@ -25679,7 +25870,7 @@
             <a:fld id="{229FDC3E-7424-49CF-AF38-AA35F4C77C8D}" type="datetimeFigureOut">
               <a:rPr lang="pt-BR" smtClean="0"/>
               <a:pPr/>
-              <a:t>21/07/2014</a:t>
+              <a:t>22/07/2014</a:t>
             </a:fld>
             <a:endParaRPr lang="pt-BR"/>
           </a:p>
@@ -25976,7 +26167,7 @@
             <a:fld id="{229FDC3E-7424-49CF-AF38-AA35F4C77C8D}" type="datetimeFigureOut">
               <a:rPr lang="pt-BR" smtClean="0"/>
               <a:pPr/>
-              <a:t>21/07/2014</a:t>
+              <a:t>22/07/2014</a:t>
             </a:fld>
             <a:endParaRPr lang="pt-BR"/>
           </a:p>
@@ -26112,7 +26303,7 @@
             <a:fld id="{229FDC3E-7424-49CF-AF38-AA35F4C77C8D}" type="datetimeFigureOut">
               <a:rPr lang="pt-BR" smtClean="0"/>
               <a:pPr/>
-              <a:t>21/07/2014</a:t>
+              <a:t>22/07/2014</a:t>
             </a:fld>
             <a:endParaRPr lang="pt-BR"/>
           </a:p>
@@ -26417,7 +26608,7 @@
             <a:fld id="{229FDC3E-7424-49CF-AF38-AA35F4C77C8D}" type="datetimeFigureOut">
               <a:rPr lang="pt-BR" smtClean="0"/>
               <a:pPr/>
-              <a:t>21/07/2014</a:t>
+              <a:t>22/07/2014</a:t>
             </a:fld>
             <a:endParaRPr lang="pt-BR"/>
           </a:p>
@@ -27079,91 +27270,6 @@
             <p:ph type="title"/>
           </p:nvPr>
         </p:nvSpPr>
-        <p:spPr>
-          <a:xfrm>
-            <a:off x="457200" y="260648"/>
-            <a:ext cx="8686800" cy="838200"/>
-          </a:xfrm>
-        </p:spPr>
-        <p:txBody>
-          <a:bodyPr/>
-          <a:lstStyle/>
-          <a:p>
-            <a:r>
-              <a:rPr lang="pt-BR" dirty="0" smtClean="0"/>
-              <a:t>abrangência</a:t>
-            </a:r>
-            <a:endParaRPr lang="pt-BR" dirty="0"/>
-          </a:p>
-        </p:txBody>
-      </p:sp>
-      <p:graphicFrame>
-        <p:nvGraphicFramePr>
-          <p:cNvPr id="4" name="Espaço Reservado para Conteúdo 3"/>
-          <p:cNvGraphicFramePr>
-            <a:graphicFrameLocks noGrp="1"/>
-          </p:cNvGraphicFramePr>
-          <p:nvPr>
-            <p:ph idx="1"/>
-            <p:extLst>
-              <p:ext uri="{D42A27DB-BD31-4B8C-83A1-F6EECF244321}">
-                <p14:modId xmlns:p14="http://schemas.microsoft.com/office/powerpoint/2010/main" xmlns="" val="2208909862"/>
-              </p:ext>
-            </p:extLst>
-          </p:nvPr>
-        </p:nvGraphicFramePr>
-        <p:xfrm>
-          <a:off x="304800" y="1268761"/>
-          <a:ext cx="8686800" cy="5400599"/>
-        </p:xfrm>
-        <a:graphic>
-          <a:graphicData uri="http://schemas.openxmlformats.org/drawingml/2006/diagram">
-            <dgm:relIds xmlns:dgm="http://schemas.openxmlformats.org/drawingml/2006/diagram" xmlns:r="http://schemas.openxmlformats.org/officeDocument/2006/relationships" r:dm="rId2" r:lo="rId3" r:qs="rId4" r:cs="rId5"/>
-          </a:graphicData>
-        </a:graphic>
-      </p:graphicFrame>
-    </p:spTree>
-  </p:cSld>
-  <p:clrMapOvr>
-    <a:masterClrMapping/>
-  </p:clrMapOvr>
-  <p:timing>
-    <p:tnLst>
-      <p:par>
-        <p:cTn id="1" dur="indefinite" restart="never" nodeType="tmRoot"/>
-      </p:par>
-    </p:tnLst>
-  </p:timing>
-</p:sld>
-</file>
-
-<file path=ppt/slides/slide11.xml><?xml version="1.0" encoding="utf-8"?>
-<p:sld xmlns:a="http://schemas.openxmlformats.org/drawingml/2006/main" xmlns:r="http://schemas.openxmlformats.org/officeDocument/2006/relationships" xmlns:p="http://schemas.openxmlformats.org/presentationml/2006/main">
-  <p:cSld>
-    <p:spTree>
-      <p:nvGrpSpPr>
-        <p:cNvPr id="1" name=""/>
-        <p:cNvGrpSpPr/>
-        <p:nvPr/>
-      </p:nvGrpSpPr>
-      <p:grpSpPr>
-        <a:xfrm>
-          <a:off x="0" y="0"/>
-          <a:ext cx="0" cy="0"/>
-          <a:chOff x="0" y="0"/>
-          <a:chExt cx="0" cy="0"/>
-        </a:xfrm>
-      </p:grpSpPr>
-      <p:sp>
-        <p:nvSpPr>
-          <p:cNvPr id="2" name="Título 1"/>
-          <p:cNvSpPr>
-            <a:spLocks noGrp="1"/>
-          </p:cNvSpPr>
-          <p:nvPr>
-            <p:ph type="title"/>
-          </p:nvPr>
-        </p:nvSpPr>
         <p:spPr/>
         <p:txBody>
           <a:bodyPr/>
@@ -27211,7 +27317,7 @@
 </p:sld>
 </file>
 
-<file path=ppt/slides/slide12.xml><?xml version="1.0" encoding="utf-8"?>
+<file path=ppt/slides/slide11.xml><?xml version="1.0" encoding="utf-8"?>
 <p:sld xmlns:a="http://schemas.openxmlformats.org/drawingml/2006/main" xmlns:r="http://schemas.openxmlformats.org/officeDocument/2006/relationships" xmlns:p="http://schemas.openxmlformats.org/presentationml/2006/main">
   <p:cSld>
     <p:spTree>
@@ -27285,7 +27391,7 @@
 </p:sld>
 </file>
 
-<file path=ppt/slides/slide13.xml><?xml version="1.0" encoding="utf-8"?>
+<file path=ppt/slides/slide12.xml><?xml version="1.0" encoding="utf-8"?>
 <p:sld xmlns:a="http://schemas.openxmlformats.org/drawingml/2006/main" xmlns:r="http://schemas.openxmlformats.org/officeDocument/2006/relationships" xmlns:p="http://schemas.openxmlformats.org/presentationml/2006/main">
   <p:cSld>
     <p:spTree>
@@ -27557,7 +27663,7 @@
             <p:ph idx="1"/>
             <p:extLst>
               <p:ext uri="{D42A27DB-BD31-4B8C-83A1-F6EECF244321}">
-                <p14:modId xmlns:p14="http://schemas.microsoft.com/office/powerpoint/2010/main" xmlns="" val="736405372"/>
+                <p14:modId xmlns="" xmlns:p14="http://schemas.microsoft.com/office/powerpoint/2010/main" val="736405372"/>
               </p:ext>
             </p:extLst>
           </p:nvPr>
@@ -27710,7 +27816,7 @@
             <p:ph idx="1"/>
             <p:extLst>
               <p:ext uri="{D42A27DB-BD31-4B8C-83A1-F6EECF244321}">
-                <p14:modId xmlns:p14="http://schemas.microsoft.com/office/powerpoint/2010/main" xmlns="" val="2118870426"/>
+                <p14:modId xmlns="" xmlns:p14="http://schemas.microsoft.com/office/powerpoint/2010/main" val="2118870426"/>
               </p:ext>
             </p:extLst>
           </p:nvPr>
@@ -27772,39 +27878,72 @@
           <a:bodyPr/>
           <a:lstStyle/>
           <a:p>
+            <a:r>
+              <a:rPr lang="pt-BR" dirty="0" smtClean="0"/>
+              <a:t>Conceito funcional Da aplicação </a:t>
+            </a:r>
             <a:endParaRPr lang="pt-BR" dirty="0"/>
           </a:p>
         </p:txBody>
       </p:sp>
-      <p:pic>
-        <p:nvPicPr>
-          <p:cNvPr id="4" name="Espaço Reservado para Conteúdo 3" descr="H2fO1MKb-bando-de-dados-s-.png"/>
-          <p:cNvPicPr>
-            <a:picLocks noGrp="1" noChangeAspect="1"/>
-          </p:cNvPicPr>
+      <p:graphicFrame>
+        <p:nvGraphicFramePr>
+          <p:cNvPr id="4" name="Espaço Reservado para Conteúdo 3"/>
+          <p:cNvGraphicFramePr>
+            <a:graphicFrameLocks noGrp="1"/>
+          </p:cNvGraphicFramePr>
           <p:nvPr>
             <p:ph idx="1"/>
           </p:nvPr>
+        </p:nvGraphicFramePr>
+        <p:xfrm>
+          <a:off x="214282" y="3286124"/>
+          <a:ext cx="8686800" cy="3571876"/>
+        </p:xfrm>
+        <a:graphic>
+          <a:graphicData uri="http://schemas.openxmlformats.org/drawingml/2006/diagram">
+            <dgm:relIds xmlns:dgm="http://schemas.openxmlformats.org/drawingml/2006/diagram" xmlns:r="http://schemas.openxmlformats.org/officeDocument/2006/relationships" r:dm="rId2" r:lo="rId3" r:qs="rId4" r:cs="rId5"/>
+          </a:graphicData>
+        </a:graphic>
+      </p:graphicFrame>
+      <p:pic>
+        <p:nvPicPr>
+          <p:cNvPr id="5" name="Espaço Reservado para Conteúdo 5" descr="faq 4.png"/>
+          <p:cNvPicPr>
+            <a:picLocks noChangeAspect="1"/>
+          </p:cNvPicPr>
+          <p:nvPr/>
         </p:nvPicPr>
         <p:blipFill>
-          <a:blip r:embed="rId2"/>
+          <a:blip r:embed="rId6">
+            <a:clrChange>
+              <a:clrFrom>
+                <a:srgbClr val="FFFFFF"/>
+              </a:clrFrom>
+              <a:clrTo>
+                <a:srgbClr val="FFFFFF">
+                  <a:alpha val="0"/>
+                </a:srgbClr>
+              </a:clrTo>
+            </a:clrChange>
+          </a:blip>
+          <a:srcRect l="5738" t="22871" r="8197" b="31388"/>
           <a:stretch>
             <a:fillRect/>
           </a:stretch>
         </p:blipFill>
         <p:spPr>
           <a:xfrm>
-            <a:off x="357158" y="1571612"/>
-            <a:ext cx="8480789" cy="4929222"/>
+            <a:off x="214282" y="1500174"/>
+            <a:ext cx="8715436" cy="1857388"/>
           </a:xfrm>
-          <a:solidFill>
-            <a:schemeClr val="accent1"/>
-          </a:solidFill>
-          <a:effectLst>
-            <a:innerShdw blurRad="114300">
-              <a:prstClr val="black"/>
-            </a:innerShdw>
-          </a:effectLst>
+          <a:prstGeom prst="rect">
+            <a:avLst/>
+          </a:prstGeom>
+          <a:noFill/>
+          <a:ln>
+            <a:noFill/>
+          </a:ln>
         </p:spPr>
       </p:pic>
     </p:spTree>
@@ -27856,7 +27995,7 @@
           <a:p>
             <a:r>
               <a:rPr lang="pt-BR" dirty="0" smtClean="0"/>
-              <a:t>Conceito funcional Da aplicação </a:t>
+              <a:t>Integração</a:t>
             </a:r>
             <a:endParaRPr lang="pt-BR" dirty="0"/>
           </a:p>
@@ -27864,7 +28003,7 @@
       </p:sp>
       <p:graphicFrame>
         <p:nvGraphicFramePr>
-          <p:cNvPr id="4" name="Espaço Reservado para Conteúdo 3"/>
+          <p:cNvPr id="10" name="Espaço Reservado para Conteúdo 9"/>
           <p:cNvGraphicFramePr>
             <a:graphicFrameLocks noGrp="1"/>
           </p:cNvGraphicFramePr>
@@ -27873,8 +28012,8 @@
           </p:nvPr>
         </p:nvGraphicFramePr>
         <p:xfrm>
-          <a:off x="285720" y="2071678"/>
-          <a:ext cx="8686800" cy="4525962"/>
+          <a:off x="304800" y="1357298"/>
+          <a:ext cx="6696092" cy="5072098"/>
         </p:xfrm>
         <a:graphic>
           <a:graphicData uri="http://schemas.openxmlformats.org/drawingml/2006/diagram">
@@ -27882,6 +28021,159 @@
           </a:graphicData>
         </a:graphic>
       </p:graphicFrame>
+      <p:sp>
+        <p:nvSpPr>
+          <p:cNvPr id="6" name="Elipse 5"/>
+          <p:cNvSpPr/>
+          <p:nvPr/>
+        </p:nvSpPr>
+        <p:spPr>
+          <a:xfrm>
+            <a:off x="7072330" y="928670"/>
+            <a:ext cx="1857388" cy="1343028"/>
+          </a:xfrm>
+          <a:prstGeom prst="ellipse">
+            <a:avLst/>
+          </a:prstGeom>
+          <a:solidFill>
+            <a:schemeClr val="accent6">
+              <a:lumMod val="60000"/>
+              <a:lumOff val="40000"/>
+            </a:schemeClr>
+          </a:solidFill>
+        </p:spPr>
+        <p:style>
+          <a:lnRef idx="0">
+            <a:schemeClr val="accent6"/>
+          </a:lnRef>
+          <a:fillRef idx="3">
+            <a:schemeClr val="accent6"/>
+          </a:fillRef>
+          <a:effectRef idx="3">
+            <a:schemeClr val="accent6"/>
+          </a:effectRef>
+          <a:fontRef idx="minor">
+            <a:schemeClr val="lt1"/>
+          </a:fontRef>
+        </p:style>
+        <p:txBody>
+          <a:bodyPr rtlCol="0" anchor="ctr"/>
+          <a:lstStyle/>
+          <a:p>
+            <a:pPr algn="ctr"/>
+            <a:r>
+              <a:rPr lang="pt-BR" b="1" dirty="0" smtClean="0">
+                <a:solidFill>
+                  <a:schemeClr val="accent3">
+                    <a:lumMod val="20000"/>
+                    <a:lumOff val="80000"/>
+                  </a:schemeClr>
+                </a:solidFill>
+              </a:rPr>
+              <a:t>Outras</a:t>
+            </a:r>
+          </a:p>
+          <a:p>
+            <a:pPr algn="ctr"/>
+            <a:r>
+              <a:rPr lang="pt-BR" b="1" dirty="0" smtClean="0">
+                <a:solidFill>
+                  <a:schemeClr val="accent3">
+                    <a:lumMod val="20000"/>
+                    <a:lumOff val="80000"/>
+                  </a:schemeClr>
+                </a:solidFill>
+              </a:rPr>
+              <a:t>paróquias</a:t>
+            </a:r>
+            <a:endParaRPr lang="pt-BR" b="1" dirty="0">
+              <a:solidFill>
+                <a:schemeClr val="accent3">
+                  <a:lumMod val="20000"/>
+                  <a:lumOff val="80000"/>
+                </a:schemeClr>
+              </a:solidFill>
+            </a:endParaRPr>
+          </a:p>
+        </p:txBody>
+      </p:sp>
+      <p:cxnSp>
+        <p:nvCxnSpPr>
+          <p:cNvPr id="25" name="Conector de seta reta 24"/>
+          <p:cNvCxnSpPr/>
+          <p:nvPr/>
+        </p:nvCxnSpPr>
+        <p:spPr>
+          <a:xfrm flipV="1">
+            <a:off x="4500562" y="1928802"/>
+            <a:ext cx="2500330" cy="1428760"/>
+          </a:xfrm>
+          <a:prstGeom prst="straightConnector1">
+            <a:avLst/>
+          </a:prstGeom>
+          <a:ln>
+            <a:headEnd type="arrow"/>
+            <a:tailEnd type="arrow"/>
+          </a:ln>
+        </p:spPr>
+        <p:style>
+          <a:lnRef idx="2">
+            <a:schemeClr val="accent1"/>
+          </a:lnRef>
+          <a:fillRef idx="0">
+            <a:schemeClr val="accent1"/>
+          </a:fillRef>
+          <a:effectRef idx="1">
+            <a:schemeClr val="accent1"/>
+          </a:effectRef>
+          <a:fontRef idx="minor">
+            <a:schemeClr val="tx1"/>
+          </a:fontRef>
+        </p:style>
+      </p:cxnSp>
+      <p:sp>
+        <p:nvSpPr>
+          <p:cNvPr id="37" name="CaixaDeTexto 36"/>
+          <p:cNvSpPr txBox="1"/>
+          <p:nvPr/>
+        </p:nvSpPr>
+        <p:spPr>
+          <a:xfrm>
+            <a:off x="4786314" y="5929330"/>
+            <a:ext cx="4143404" cy="707886"/>
+          </a:xfrm>
+          <a:prstGeom prst="rect">
+            <a:avLst/>
+          </a:prstGeom>
+          <a:noFill/>
+        </p:spPr>
+        <p:txBody>
+          <a:bodyPr wrap="square" rtlCol="0">
+            <a:spAutoFit/>
+          </a:bodyPr>
+          <a:lstStyle/>
+          <a:p>
+            <a:pPr algn="just"/>
+            <a:r>
+              <a:rPr lang="pt-BR" sz="2000" b="1" dirty="0" smtClean="0">
+                <a:solidFill>
+                  <a:schemeClr val="accent1">
+                    <a:lumMod val="75000"/>
+                  </a:schemeClr>
+                </a:solidFill>
+              </a:rPr>
+              <a:t>A integração é ilimitada apenas deve-se avaliar sua viabilidade.</a:t>
+            </a:r>
+            <a:endParaRPr lang="pt-BR" sz="2000" b="1" dirty="0">
+              <a:solidFill>
+                <a:schemeClr val="accent1">
+                  <a:lumMod val="75000"/>
+                </a:schemeClr>
+              </a:solidFill>
+            </a:endParaRPr>
+          </a:p>
+        </p:txBody>
+      </p:sp>
     </p:spTree>
   </p:cSld>
   <p:clrMapOvr>
@@ -27924,14 +28216,19 @@
             <p:ph type="title"/>
           </p:nvPr>
         </p:nvSpPr>
-        <p:spPr/>
+        <p:spPr>
+          <a:xfrm>
+            <a:off x="457200" y="260648"/>
+            <a:ext cx="8686800" cy="838200"/>
+          </a:xfrm>
+        </p:spPr>
         <p:txBody>
           <a:bodyPr/>
           <a:lstStyle/>
           <a:p>
             <a:r>
               <a:rPr lang="pt-BR" dirty="0" smtClean="0"/>
-              <a:t>Integração</a:t>
+              <a:t>abrangência</a:t>
             </a:r>
             <a:endParaRPr lang="pt-BR" dirty="0"/>
           </a:p>
@@ -27939,17 +28236,22 @@
       </p:sp>
       <p:graphicFrame>
         <p:nvGraphicFramePr>
-          <p:cNvPr id="10" name="Espaço Reservado para Conteúdo 9"/>
+          <p:cNvPr id="4" name="Espaço Reservado para Conteúdo 3"/>
           <p:cNvGraphicFramePr>
             <a:graphicFrameLocks noGrp="1"/>
           </p:cNvGraphicFramePr>
           <p:nvPr>
             <p:ph idx="1"/>
+            <p:extLst>
+              <p:ext uri="{D42A27DB-BD31-4B8C-83A1-F6EECF244321}">
+                <p14:modId xmlns="" xmlns:p14="http://schemas.microsoft.com/office/powerpoint/2010/main" val="2208909862"/>
+              </p:ext>
+            </p:extLst>
           </p:nvPr>
         </p:nvGraphicFramePr>
         <p:xfrm>
-          <a:off x="304800" y="1554163"/>
-          <a:ext cx="8686800" cy="4525962"/>
+          <a:off x="304800" y="1268761"/>
+          <a:ext cx="8686800" cy="5400599"/>
         </p:xfrm>
         <a:graphic>
           <a:graphicData uri="http://schemas.openxmlformats.org/drawingml/2006/diagram">

--- a/SAS/Planejamento/Docs/#3 - Apresentação do projeto.pptx
+++ b/SAS/Planejamento/Docs/#3 - Apresentação do projeto.pptx
@@ -7848,7 +7848,7 @@
       </dgm:t>
     </dgm:pt>
     <dgm:pt modelId="{F28562CB-6812-4937-94DD-6D3F41B217CE}" type="pres">
-      <dgm:prSet presAssocID="{F3A2DAB8-2AB9-419A-82D3-D743A16978C8}" presName="desTx" presStyleLbl="fgAcc1" presStyleIdx="2" presStyleCnt="3" custScaleX="123543" custScaleY="152060" custLinFactNeighborX="2604" custLinFactNeighborY="-1460">
+      <dgm:prSet presAssocID="{F3A2DAB8-2AB9-419A-82D3-D743A16978C8}" presName="desTx" presStyleLbl="fgAcc1" presStyleIdx="2" presStyleCnt="3" custScaleX="123543" custScaleY="152060" custLinFactNeighborX="3917" custLinFactNeighborY="458">
         <dgm:presLayoutVars>
           <dgm:bulletEnabled val="1"/>
         </dgm:presLayoutVars>
@@ -8329,25 +8329,25 @@
     </dgm:pt>
   </dgm:ptLst>
   <dgm:cxnLst>
+    <dgm:cxn modelId="{8FAEEB90-7557-49E8-873F-F881FC60DAFE}" type="presOf" srcId="{5A7674B0-C2E4-49D2-A32B-4525CF9180F8}" destId="{1385A504-9932-43FD-8475-43DF1EC07135}" srcOrd="1" destOrd="0" presId="urn:microsoft.com/office/officeart/2005/8/layout/radial1"/>
+    <dgm:cxn modelId="{0E34E0B0-FDA0-4F2B-989D-96317070AD80}" type="presOf" srcId="{036DF210-BB24-491F-9B05-BED9EB97CCEA}" destId="{A552497F-8CAD-4CCB-B8F8-AB3728F01B66}" srcOrd="1" destOrd="0" presId="urn:microsoft.com/office/officeart/2005/8/layout/radial1"/>
+    <dgm:cxn modelId="{684C4FA6-FF7E-459C-971A-CEFD6A9C674A}" type="presOf" srcId="{D4F2E4FB-49BF-4721-8707-3457AAE0EB88}" destId="{8BE509CE-6CEB-456E-98AB-071E9798BBE6}" srcOrd="0" destOrd="0" presId="urn:microsoft.com/office/officeart/2005/8/layout/radial1"/>
+    <dgm:cxn modelId="{40D7AD9B-1C74-4622-AE60-25DFA28585FA}" type="presOf" srcId="{5CD5CAC8-AC56-4175-8B02-D9FDE7591724}" destId="{E257CB2D-EE0D-470B-B5D3-13291BA657E1}" srcOrd="0" destOrd="0" presId="urn:microsoft.com/office/officeart/2005/8/layout/radial1"/>
+    <dgm:cxn modelId="{921CFC44-4A47-479B-8F0C-6065E48672F0}" type="presOf" srcId="{D9DDF621-EEE4-4358-AA21-46B98A42D9DB}" destId="{6B362DF4-5D96-4089-A9F0-D02ED909FA49}" srcOrd="0" destOrd="0" presId="urn:microsoft.com/office/officeart/2005/8/layout/radial1"/>
+    <dgm:cxn modelId="{A9ED23A1-5786-470F-A5CA-C597776F03B2}" type="presOf" srcId="{0F4EE5F8-CE65-4C01-BA1B-62373453CD4B}" destId="{5301AC84-2576-4645-A3A5-CD1FD68C0D58}" srcOrd="0" destOrd="0" presId="urn:microsoft.com/office/officeart/2005/8/layout/radial1"/>
+    <dgm:cxn modelId="{A2C98141-733B-400B-91DC-A4454889E5AA}" srcId="{9ADEF162-76FA-4A3C-8220-3CD2B3D3023E}" destId="{600CB5D7-2D85-4AF5-BB05-4A1B86521FA2}" srcOrd="1" destOrd="0" parTransId="{0F4EE5F8-CE65-4C01-BA1B-62373453CD4B}" sibTransId="{D8ED6D04-2132-4167-966C-2933CD0F8E51}"/>
+    <dgm:cxn modelId="{58D9E769-8B60-437B-82AB-95D055889FCB}" type="presOf" srcId="{31E1C8DB-A788-4C7C-8E35-369521C571A2}" destId="{863E9C95-4D35-4D80-8FF7-E34BA1AF170C}" srcOrd="0" destOrd="0" presId="urn:microsoft.com/office/officeart/2005/8/layout/radial1"/>
+    <dgm:cxn modelId="{E83101D7-79EF-4C85-A348-4E8BCDA37D54}" type="presOf" srcId="{5A7674B0-C2E4-49D2-A32B-4525CF9180F8}" destId="{20417B74-94E5-4840-BF37-972B8D6C451B}" srcOrd="0" destOrd="0" presId="urn:microsoft.com/office/officeart/2005/8/layout/radial1"/>
+    <dgm:cxn modelId="{A3234599-2A1F-4705-A7DB-C8EF644A84F6}" srcId="{9ADEF162-76FA-4A3C-8220-3CD2B3D3023E}" destId="{31E1C8DB-A788-4C7C-8E35-369521C571A2}" srcOrd="2" destOrd="0" parTransId="{5CD5CAC8-AC56-4175-8B02-D9FDE7591724}" sibTransId="{78634723-FA66-4AF5-9D17-D9106FB2D70F}"/>
     <dgm:cxn modelId="{7A131CEC-AD74-4E7B-AF0B-D802B9255906}" type="presOf" srcId="{0F4EE5F8-CE65-4C01-BA1B-62373453CD4B}" destId="{8D407620-7228-4FAB-92D6-F90D099227B7}" srcOrd="1" destOrd="0" presId="urn:microsoft.com/office/officeart/2005/8/layout/radial1"/>
+    <dgm:cxn modelId="{0AB8AA39-130D-4082-8073-DCFF557B8490}" srcId="{D4F2E4FB-49BF-4721-8707-3457AAE0EB88}" destId="{9ADEF162-76FA-4A3C-8220-3CD2B3D3023E}" srcOrd="0" destOrd="0" parTransId="{70CEE8AE-1BA1-4498-BED4-2294652E694E}" sibTransId="{8D6656CE-2472-4600-8A8A-680BB044CFF5}"/>
     <dgm:cxn modelId="{C4940F3D-B9E6-4660-AB57-C285341B7D63}" srcId="{9ADEF162-76FA-4A3C-8220-3CD2B3D3023E}" destId="{D9DDF621-EEE4-4358-AA21-46B98A42D9DB}" srcOrd="3" destOrd="0" parTransId="{5A7674B0-C2E4-49D2-A32B-4525CF9180F8}" sibTransId="{DFD30755-1B35-4D9D-A38B-63A7E0D8C714}"/>
     <dgm:cxn modelId="{F195A791-DD89-4913-8E1E-8DC4F82B6DC9}" srcId="{9ADEF162-76FA-4A3C-8220-3CD2B3D3023E}" destId="{47D5C472-6F40-4426-8E86-BCB2F2BD330B}" srcOrd="0" destOrd="0" parTransId="{036DF210-BB24-491F-9B05-BED9EB97CCEA}" sibTransId="{8F34451D-735F-4913-B0FC-D3B45BB4B61F}"/>
-    <dgm:cxn modelId="{A9ED23A1-5786-470F-A5CA-C597776F03B2}" type="presOf" srcId="{0F4EE5F8-CE65-4C01-BA1B-62373453CD4B}" destId="{5301AC84-2576-4645-A3A5-CD1FD68C0D58}" srcOrd="0" destOrd="0" presId="urn:microsoft.com/office/officeart/2005/8/layout/radial1"/>
-    <dgm:cxn modelId="{0AB8AA39-130D-4082-8073-DCFF557B8490}" srcId="{D4F2E4FB-49BF-4721-8707-3457AAE0EB88}" destId="{9ADEF162-76FA-4A3C-8220-3CD2B3D3023E}" srcOrd="0" destOrd="0" parTransId="{70CEE8AE-1BA1-4498-BED4-2294652E694E}" sibTransId="{8D6656CE-2472-4600-8A8A-680BB044CFF5}"/>
+    <dgm:cxn modelId="{EFE5443B-C1A1-420B-AA4A-3C37A0C2170B}" type="presOf" srcId="{9ADEF162-76FA-4A3C-8220-3CD2B3D3023E}" destId="{BDE3E4C7-8057-4579-B356-D9461424C263}" srcOrd="0" destOrd="0" presId="urn:microsoft.com/office/officeart/2005/8/layout/radial1"/>
+    <dgm:cxn modelId="{AADACD72-7485-403B-B92C-22E4CC629A91}" type="presOf" srcId="{036DF210-BB24-491F-9B05-BED9EB97CCEA}" destId="{DB1550D9-ABF3-4F2B-8E67-E1CEA10516E4}" srcOrd="0" destOrd="0" presId="urn:microsoft.com/office/officeart/2005/8/layout/radial1"/>
     <dgm:cxn modelId="{7116AD4E-9B35-4A15-BCB9-9754894B44B5}" type="presOf" srcId="{47D5C472-6F40-4426-8E86-BCB2F2BD330B}" destId="{1BA1A60B-DB91-42A4-8A23-386BD88E7249}" srcOrd="0" destOrd="0" presId="urn:microsoft.com/office/officeart/2005/8/layout/radial1"/>
-    <dgm:cxn modelId="{58D9E769-8B60-437B-82AB-95D055889FCB}" type="presOf" srcId="{31E1C8DB-A788-4C7C-8E35-369521C571A2}" destId="{863E9C95-4D35-4D80-8FF7-E34BA1AF170C}" srcOrd="0" destOrd="0" presId="urn:microsoft.com/office/officeart/2005/8/layout/radial1"/>
-    <dgm:cxn modelId="{0E34E0B0-FDA0-4F2B-989D-96317070AD80}" type="presOf" srcId="{036DF210-BB24-491F-9B05-BED9EB97CCEA}" destId="{A552497F-8CAD-4CCB-B8F8-AB3728F01B66}" srcOrd="1" destOrd="0" presId="urn:microsoft.com/office/officeart/2005/8/layout/radial1"/>
-    <dgm:cxn modelId="{684C4FA6-FF7E-459C-971A-CEFD6A9C674A}" type="presOf" srcId="{D4F2E4FB-49BF-4721-8707-3457AAE0EB88}" destId="{8BE509CE-6CEB-456E-98AB-071E9798BBE6}" srcOrd="0" destOrd="0" presId="urn:microsoft.com/office/officeart/2005/8/layout/radial1"/>
-    <dgm:cxn modelId="{A3234599-2A1F-4705-A7DB-C8EF644A84F6}" srcId="{9ADEF162-76FA-4A3C-8220-3CD2B3D3023E}" destId="{31E1C8DB-A788-4C7C-8E35-369521C571A2}" srcOrd="2" destOrd="0" parTransId="{5CD5CAC8-AC56-4175-8B02-D9FDE7591724}" sibTransId="{78634723-FA66-4AF5-9D17-D9106FB2D70F}"/>
-    <dgm:cxn modelId="{EFE5443B-C1A1-420B-AA4A-3C37A0C2170B}" type="presOf" srcId="{9ADEF162-76FA-4A3C-8220-3CD2B3D3023E}" destId="{BDE3E4C7-8057-4579-B356-D9461424C263}" srcOrd="0" destOrd="0" presId="urn:microsoft.com/office/officeart/2005/8/layout/radial1"/>
     <dgm:cxn modelId="{E5B6E3AE-7725-47DD-B924-3D4DEBC6C3E8}" type="presOf" srcId="{600CB5D7-2D85-4AF5-BB05-4A1B86521FA2}" destId="{EE3E81F8-67F5-4149-A111-7181108DA414}" srcOrd="0" destOrd="0" presId="urn:microsoft.com/office/officeart/2005/8/layout/radial1"/>
-    <dgm:cxn modelId="{40D7AD9B-1C74-4622-AE60-25DFA28585FA}" type="presOf" srcId="{5CD5CAC8-AC56-4175-8B02-D9FDE7591724}" destId="{E257CB2D-EE0D-470B-B5D3-13291BA657E1}" srcOrd="0" destOrd="0" presId="urn:microsoft.com/office/officeart/2005/8/layout/radial1"/>
-    <dgm:cxn modelId="{E83101D7-79EF-4C85-A348-4E8BCDA37D54}" type="presOf" srcId="{5A7674B0-C2E4-49D2-A32B-4525CF9180F8}" destId="{20417B74-94E5-4840-BF37-972B8D6C451B}" srcOrd="0" destOrd="0" presId="urn:microsoft.com/office/officeart/2005/8/layout/radial1"/>
     <dgm:cxn modelId="{455E97C9-913A-4497-86EE-9B936815079D}" type="presOf" srcId="{5CD5CAC8-AC56-4175-8B02-D9FDE7591724}" destId="{A093D335-C5E6-4F79-8A8C-0A4517C436AF}" srcOrd="1" destOrd="0" presId="urn:microsoft.com/office/officeart/2005/8/layout/radial1"/>
-    <dgm:cxn modelId="{AADACD72-7485-403B-B92C-22E4CC629A91}" type="presOf" srcId="{036DF210-BB24-491F-9B05-BED9EB97CCEA}" destId="{DB1550D9-ABF3-4F2B-8E67-E1CEA10516E4}" srcOrd="0" destOrd="0" presId="urn:microsoft.com/office/officeart/2005/8/layout/radial1"/>
-    <dgm:cxn modelId="{8FAEEB90-7557-49E8-873F-F881FC60DAFE}" type="presOf" srcId="{5A7674B0-C2E4-49D2-A32B-4525CF9180F8}" destId="{1385A504-9932-43FD-8475-43DF1EC07135}" srcOrd="1" destOrd="0" presId="urn:microsoft.com/office/officeart/2005/8/layout/radial1"/>
-    <dgm:cxn modelId="{A2C98141-733B-400B-91DC-A4454889E5AA}" srcId="{9ADEF162-76FA-4A3C-8220-3CD2B3D3023E}" destId="{600CB5D7-2D85-4AF5-BB05-4A1B86521FA2}" srcOrd="1" destOrd="0" parTransId="{0F4EE5F8-CE65-4C01-BA1B-62373453CD4B}" sibTransId="{D8ED6D04-2132-4167-966C-2933CD0F8E51}"/>
-    <dgm:cxn modelId="{921CFC44-4A47-479B-8F0C-6065E48672F0}" type="presOf" srcId="{D9DDF621-EEE4-4358-AA21-46B98A42D9DB}" destId="{6B362DF4-5D96-4089-A9F0-D02ED909FA49}" srcOrd="0" destOrd="0" presId="urn:microsoft.com/office/officeart/2005/8/layout/radial1"/>
     <dgm:cxn modelId="{40B80260-4F20-4EA7-8EFC-AE7AAD1D88F9}" type="presParOf" srcId="{8BE509CE-6CEB-456E-98AB-071E9798BBE6}" destId="{BDE3E4C7-8057-4579-B356-D9461424C263}" srcOrd="0" destOrd="0" presId="urn:microsoft.com/office/officeart/2005/8/layout/radial1"/>
     <dgm:cxn modelId="{A12562E2-62D4-4899-998B-1592CB49944E}" type="presParOf" srcId="{8BE509CE-6CEB-456E-98AB-071E9798BBE6}" destId="{DB1550D9-ABF3-4F2B-8E67-E1CEA10516E4}" srcOrd="1" destOrd="0" presId="urn:microsoft.com/office/officeart/2005/8/layout/radial1"/>
     <dgm:cxn modelId="{64DFAA21-F50A-4B9F-A6F4-4663370C86DF}" type="presParOf" srcId="{DB1550D9-ABF3-4F2B-8E67-E1CEA10516E4}" destId="{A552497F-8CAD-4CCB-B8F8-AB3728F01B66}" srcOrd="0" destOrd="0" presId="urn:microsoft.com/office/officeart/2005/8/layout/radial1"/>
@@ -9392,8 +9392,8 @@
       </dsp:nvSpPr>
       <dsp:spPr>
         <a:xfrm rot="5400000">
-          <a:off x="5436808" y="-2189562"/>
-          <a:ext cx="940430" cy="5559552"/>
+          <a:off x="5139966" y="-2045637"/>
+          <a:ext cx="951224" cy="5285250"/>
         </a:xfrm>
         <a:prstGeom prst="round2SameRect">
           <a:avLst/>
@@ -9405,7 +9405,7 @@
             <a:alpha val="90000"/>
           </a:schemeClr>
         </a:solidFill>
-        <a:ln w="10000" cap="flat" cmpd="sng" algn="ctr">
+        <a:ln w="9525" cap="flat" cmpd="sng" algn="ctr">
           <a:solidFill>
             <a:schemeClr val="accent1">
               <a:alpha val="90000"/>
@@ -9419,9 +9419,9 @@
           <a:prstDash val="solid"/>
         </a:ln>
         <a:effectLst>
-          <a:outerShdw blurRad="76200" dist="50800" dir="5400000" rotWithShape="0">
-            <a:srgbClr val="4E3B30">
-              <a:alpha val="60000"/>
+          <a:outerShdw blurRad="40000" dist="23000" dir="5400000" rotWithShape="0">
+            <a:srgbClr val="000000">
+              <a:alpha val="35000"/>
             </a:srgbClr>
           </a:outerShdw>
         </a:effectLst>
@@ -9507,11 +9507,7 @@
           </a:pPr>
           <a:r>
             <a:rPr lang="pt-BR" sz="1600" kern="1200" dirty="0" smtClean="0"/>
-            <a:t>Ricardo  Design </a:t>
-          </a:r>
-          <a:r>
-            <a:rPr lang="pt-BR" sz="1600" kern="1200" dirty="0" smtClean="0"/>
-            <a:t>gráfico</a:t>
+            <a:t>Ricardo  Design gráfico</a:t>
           </a:r>
           <a:endParaRPr lang="pt-BR" sz="1600" kern="1200" dirty="0"/>
         </a:p>
@@ -9536,8 +9532,8 @@
         </a:p>
       </dsp:txBody>
       <dsp:txXfrm rot="5400000">
-        <a:off x="5436808" y="-2189562"/>
-        <a:ext cx="940430" cy="5559552"/>
+        <a:off x="5139966" y="-2045637"/>
+        <a:ext cx="951224" cy="5285250"/>
       </dsp:txXfrm>
     </dsp:sp>
     <dsp:sp modelId="{83285697-B771-41E8-BF80-D6B7B2E260A7}">
@@ -9548,7 +9544,7 @@
       <dsp:spPr>
         <a:xfrm>
           <a:off x="0" y="0"/>
-          <a:ext cx="3127248" cy="1175538"/>
+          <a:ext cx="2972953" cy="1189030"/>
         </a:xfrm>
         <a:prstGeom prst="roundRect">
           <a:avLst/>
@@ -9561,42 +9557,8 @@
                 <a:satOff val="0"/>
                 <a:lumOff val="0"/>
                 <a:alphaOff val="0"/>
-                <a:tint val="75000"/>
-                <a:shade val="85000"/>
-                <a:satMod val="230000"/>
-              </a:schemeClr>
-            </a:gs>
-            <a:gs pos="25000">
-              <a:schemeClr val="accent1">
-                <a:hueOff val="0"/>
-                <a:satOff val="0"/>
-                <a:lumOff val="0"/>
-                <a:alphaOff val="0"/>
-                <a:tint val="90000"/>
-                <a:shade val="70000"/>
-                <a:satMod val="220000"/>
-              </a:schemeClr>
-            </a:gs>
-            <a:gs pos="50000">
-              <a:schemeClr val="accent1">
-                <a:hueOff val="0"/>
-                <a:satOff val="0"/>
-                <a:lumOff val="0"/>
-                <a:alphaOff val="0"/>
-                <a:tint val="90000"/>
-                <a:shade val="58000"/>
-                <a:satMod val="225000"/>
-              </a:schemeClr>
-            </a:gs>
-            <a:gs pos="65000">
-              <a:schemeClr val="accent1">
-                <a:hueOff val="0"/>
-                <a:satOff val="0"/>
-                <a:lumOff val="0"/>
-                <a:alphaOff val="0"/>
-                <a:tint val="90000"/>
-                <a:shade val="58000"/>
-                <a:satMod val="225000"/>
+                <a:shade val="51000"/>
+                <a:satMod val="130000"/>
               </a:schemeClr>
             </a:gs>
             <a:gs pos="80000">
@@ -9605,9 +9567,8 @@
                 <a:satOff val="0"/>
                 <a:lumOff val="0"/>
                 <a:alphaOff val="0"/>
-                <a:tint val="90000"/>
-                <a:shade val="69000"/>
-                <a:satMod val="220000"/>
+                <a:shade val="93000"/>
+                <a:satMod val="130000"/>
               </a:schemeClr>
             </a:gs>
             <a:gs pos="100000">
@@ -9616,21 +9577,20 @@
                 <a:satOff val="0"/>
                 <a:lumOff val="0"/>
                 <a:alphaOff val="0"/>
-                <a:tint val="77000"/>
-                <a:shade val="80000"/>
-                <a:satMod val="230000"/>
+                <a:shade val="94000"/>
+                <a:satMod val="135000"/>
               </a:schemeClr>
             </a:gs>
           </a:gsLst>
-          <a:lin ang="5400000" scaled="1"/>
+          <a:lin ang="16200000" scaled="0"/>
         </a:gradFill>
         <a:ln>
           <a:noFill/>
         </a:ln>
         <a:effectLst>
-          <a:outerShdw blurRad="76200" dist="50800" dir="5400000" rotWithShape="0">
-            <a:srgbClr val="4E3B30">
-              <a:alpha val="60000"/>
+          <a:outerShdw blurRad="40000" dist="23000" dir="5400000" rotWithShape="0">
+            <a:srgbClr val="000000">
+              <a:alpha val="35000"/>
             </a:srgbClr>
           </a:outerShdw>
         </a:effectLst>
@@ -9691,7 +9651,7 @@
       </dsp:txBody>
       <dsp:txXfrm>
         <a:off x="0" y="0"/>
-        <a:ext cx="3127248" cy="1175538"/>
+        <a:ext cx="2972953" cy="1189030"/>
       </dsp:txXfrm>
     </dsp:sp>
     <dsp:sp modelId="{76D300D9-3977-4D02-95E9-3905CCACBD1B}">
@@ -9701,8 +9661,8 @@
       </dsp:nvSpPr>
       <dsp:spPr>
         <a:xfrm rot="5400000">
-          <a:off x="5436808" y="-955247"/>
-          <a:ext cx="940430" cy="5559552"/>
+          <a:off x="5139966" y="-797155"/>
+          <a:ext cx="951224" cy="5285250"/>
         </a:xfrm>
         <a:prstGeom prst="round2SameRect">
           <a:avLst/>
@@ -9714,7 +9674,7 @@
             <a:alpha val="90000"/>
           </a:schemeClr>
         </a:solidFill>
-        <a:ln w="10000" cap="flat" cmpd="sng" algn="ctr">
+        <a:ln w="9525" cap="flat" cmpd="sng" algn="ctr">
           <a:solidFill>
             <a:schemeClr val="accent1">
               <a:alpha val="90000"/>
@@ -9728,9 +9688,9 @@
           <a:prstDash val="solid"/>
         </a:ln>
         <a:effectLst>
-          <a:outerShdw blurRad="76200" dist="50800" dir="5400000" rotWithShape="0">
-            <a:srgbClr val="4E3B30">
-              <a:alpha val="60000"/>
+          <a:outerShdw blurRad="40000" dist="23000" dir="5400000" rotWithShape="0">
+            <a:srgbClr val="000000">
+              <a:alpha val="35000"/>
             </a:srgbClr>
           </a:outerShdw>
         </a:effectLst>
@@ -9780,8 +9740,8 @@
         </a:p>
       </dsp:txBody>
       <dsp:txXfrm rot="5400000">
-        <a:off x="5436808" y="-955247"/>
-        <a:ext cx="940430" cy="5559552"/>
+        <a:off x="5139966" y="-797155"/>
+        <a:ext cx="951224" cy="5285250"/>
       </dsp:txXfrm>
     </dsp:sp>
     <dsp:sp modelId="{1C4CF5AE-B0A9-4E79-99D0-8192DD361FD5}">
@@ -9791,8 +9751,8 @@
       </dsp:nvSpPr>
       <dsp:spPr>
         <a:xfrm>
-          <a:off x="0" y="1236759"/>
-          <a:ext cx="3127248" cy="1175538"/>
+          <a:off x="0" y="1250954"/>
+          <a:ext cx="2972953" cy="1189030"/>
         </a:xfrm>
         <a:prstGeom prst="roundRect">
           <a:avLst/>
@@ -9805,42 +9765,8 @@
                 <a:satOff val="0"/>
                 <a:lumOff val="0"/>
                 <a:alphaOff val="0"/>
-                <a:tint val="75000"/>
-                <a:shade val="85000"/>
-                <a:satMod val="230000"/>
-              </a:schemeClr>
-            </a:gs>
-            <a:gs pos="25000">
-              <a:schemeClr val="accent1">
-                <a:hueOff val="0"/>
-                <a:satOff val="0"/>
-                <a:lumOff val="0"/>
-                <a:alphaOff val="0"/>
-                <a:tint val="90000"/>
-                <a:shade val="70000"/>
-                <a:satMod val="220000"/>
-              </a:schemeClr>
-            </a:gs>
-            <a:gs pos="50000">
-              <a:schemeClr val="accent1">
-                <a:hueOff val="0"/>
-                <a:satOff val="0"/>
-                <a:lumOff val="0"/>
-                <a:alphaOff val="0"/>
-                <a:tint val="90000"/>
-                <a:shade val="58000"/>
-                <a:satMod val="225000"/>
-              </a:schemeClr>
-            </a:gs>
-            <a:gs pos="65000">
-              <a:schemeClr val="accent1">
-                <a:hueOff val="0"/>
-                <a:satOff val="0"/>
-                <a:lumOff val="0"/>
-                <a:alphaOff val="0"/>
-                <a:tint val="90000"/>
-                <a:shade val="58000"/>
-                <a:satMod val="225000"/>
+                <a:shade val="51000"/>
+                <a:satMod val="130000"/>
               </a:schemeClr>
             </a:gs>
             <a:gs pos="80000">
@@ -9849,9 +9775,8 @@
                 <a:satOff val="0"/>
                 <a:lumOff val="0"/>
                 <a:alphaOff val="0"/>
-                <a:tint val="90000"/>
-                <a:shade val="69000"/>
-                <a:satMod val="220000"/>
+                <a:shade val="93000"/>
+                <a:satMod val="130000"/>
               </a:schemeClr>
             </a:gs>
             <a:gs pos="100000">
@@ -9860,21 +9785,20 @@
                 <a:satOff val="0"/>
                 <a:lumOff val="0"/>
                 <a:alphaOff val="0"/>
-                <a:tint val="77000"/>
-                <a:shade val="80000"/>
-                <a:satMod val="230000"/>
+                <a:shade val="94000"/>
+                <a:satMod val="135000"/>
               </a:schemeClr>
             </a:gs>
           </a:gsLst>
-          <a:lin ang="5400000" scaled="1"/>
+          <a:lin ang="16200000" scaled="0"/>
         </a:gradFill>
         <a:ln>
           <a:noFill/>
         </a:ln>
         <a:effectLst>
-          <a:outerShdw blurRad="76200" dist="50800" dir="5400000" rotWithShape="0">
-            <a:srgbClr val="4E3B30">
-              <a:alpha val="60000"/>
+          <a:outerShdw blurRad="40000" dist="23000" dir="5400000" rotWithShape="0">
+            <a:srgbClr val="000000">
+              <a:alpha val="35000"/>
             </a:srgbClr>
           </a:outerShdw>
         </a:effectLst>
@@ -9934,8 +9858,8 @@
         </a:p>
       </dsp:txBody>
       <dsp:txXfrm>
-        <a:off x="0" y="1236759"/>
-        <a:ext cx="3127248" cy="1175538"/>
+        <a:off x="0" y="1250954"/>
+        <a:ext cx="2972953" cy="1189030"/>
       </dsp:txXfrm>
     </dsp:sp>
     <dsp:sp modelId="{7991AEF3-84F5-4F2F-9A87-D93011516A86}">
@@ -9945,8 +9869,8 @@
       </dsp:nvSpPr>
       <dsp:spPr>
         <a:xfrm rot="5400000">
-          <a:off x="5436808" y="279068"/>
-          <a:ext cx="940430" cy="5559552"/>
+          <a:off x="5139966" y="451326"/>
+          <a:ext cx="951224" cy="5285250"/>
         </a:xfrm>
         <a:prstGeom prst="round2SameRect">
           <a:avLst/>
@@ -9958,7 +9882,7 @@
             <a:alpha val="90000"/>
           </a:schemeClr>
         </a:solidFill>
-        <a:ln w="10000" cap="flat" cmpd="sng" algn="ctr">
+        <a:ln w="9525" cap="flat" cmpd="sng" algn="ctr">
           <a:solidFill>
             <a:schemeClr val="accent1">
               <a:alpha val="90000"/>
@@ -9972,9 +9896,9 @@
           <a:prstDash val="solid"/>
         </a:ln>
         <a:effectLst>
-          <a:outerShdw blurRad="76200" dist="50800" dir="5400000" rotWithShape="0">
-            <a:srgbClr val="4E3B30">
-              <a:alpha val="60000"/>
+          <a:outerShdw blurRad="40000" dist="23000" dir="5400000" rotWithShape="0">
+            <a:srgbClr val="000000">
+              <a:alpha val="35000"/>
             </a:srgbClr>
           </a:outerShdw>
         </a:effectLst>
@@ -10032,8 +9956,8 @@
         </a:p>
       </dsp:txBody>
       <dsp:txXfrm rot="5400000">
-        <a:off x="5436808" y="279068"/>
-        <a:ext cx="940430" cy="5559552"/>
+        <a:off x="5139966" y="451326"/>
+        <a:ext cx="951224" cy="5285250"/>
       </dsp:txXfrm>
     </dsp:sp>
     <dsp:sp modelId="{DE3A8CA3-F5E7-47D6-9409-0DAEFC3883C5}">
@@ -10043,8 +9967,8 @@
       </dsp:nvSpPr>
       <dsp:spPr>
         <a:xfrm>
-          <a:off x="0" y="2471074"/>
-          <a:ext cx="3127248" cy="1175538"/>
+          <a:off x="0" y="2499436"/>
+          <a:ext cx="2972953" cy="1189030"/>
         </a:xfrm>
         <a:prstGeom prst="roundRect">
           <a:avLst/>
@@ -10057,42 +9981,8 @@
                 <a:satOff val="0"/>
                 <a:lumOff val="0"/>
                 <a:alphaOff val="0"/>
-                <a:tint val="75000"/>
-                <a:shade val="85000"/>
-                <a:satMod val="230000"/>
-              </a:schemeClr>
-            </a:gs>
-            <a:gs pos="25000">
-              <a:schemeClr val="accent1">
-                <a:hueOff val="0"/>
-                <a:satOff val="0"/>
-                <a:lumOff val="0"/>
-                <a:alphaOff val="0"/>
-                <a:tint val="90000"/>
-                <a:shade val="70000"/>
-                <a:satMod val="220000"/>
-              </a:schemeClr>
-            </a:gs>
-            <a:gs pos="50000">
-              <a:schemeClr val="accent1">
-                <a:hueOff val="0"/>
-                <a:satOff val="0"/>
-                <a:lumOff val="0"/>
-                <a:alphaOff val="0"/>
-                <a:tint val="90000"/>
-                <a:shade val="58000"/>
-                <a:satMod val="225000"/>
-              </a:schemeClr>
-            </a:gs>
-            <a:gs pos="65000">
-              <a:schemeClr val="accent1">
-                <a:hueOff val="0"/>
-                <a:satOff val="0"/>
-                <a:lumOff val="0"/>
-                <a:alphaOff val="0"/>
-                <a:tint val="90000"/>
-                <a:shade val="58000"/>
-                <a:satMod val="225000"/>
+                <a:shade val="51000"/>
+                <a:satMod val="130000"/>
               </a:schemeClr>
             </a:gs>
             <a:gs pos="80000">
@@ -10101,9 +9991,8 @@
                 <a:satOff val="0"/>
                 <a:lumOff val="0"/>
                 <a:alphaOff val="0"/>
-                <a:tint val="90000"/>
-                <a:shade val="69000"/>
-                <a:satMod val="220000"/>
+                <a:shade val="93000"/>
+                <a:satMod val="130000"/>
               </a:schemeClr>
             </a:gs>
             <a:gs pos="100000">
@@ -10112,21 +10001,20 @@
                 <a:satOff val="0"/>
                 <a:lumOff val="0"/>
                 <a:alphaOff val="0"/>
-                <a:tint val="77000"/>
-                <a:shade val="80000"/>
-                <a:satMod val="230000"/>
+                <a:shade val="94000"/>
+                <a:satMod val="135000"/>
               </a:schemeClr>
             </a:gs>
           </a:gsLst>
-          <a:lin ang="5400000" scaled="1"/>
+          <a:lin ang="16200000" scaled="0"/>
         </a:gradFill>
         <a:ln>
           <a:noFill/>
         </a:ln>
         <a:effectLst>
-          <a:outerShdw blurRad="76200" dist="50800" dir="5400000" rotWithShape="0">
-            <a:srgbClr val="4E3B30">
-              <a:alpha val="60000"/>
+          <a:outerShdw blurRad="40000" dist="23000" dir="5400000" rotWithShape="0">
+            <a:srgbClr val="000000">
+              <a:alpha val="35000"/>
             </a:srgbClr>
           </a:outerShdw>
         </a:effectLst>
@@ -10186,8 +10074,8 @@
         </a:p>
       </dsp:txBody>
       <dsp:txXfrm>
-        <a:off x="0" y="2471074"/>
-        <a:ext cx="3127248" cy="1175538"/>
+        <a:off x="0" y="2499436"/>
+        <a:ext cx="2972953" cy="1189030"/>
       </dsp:txXfrm>
     </dsp:sp>
     <dsp:sp modelId="{232E8D04-E732-492E-A284-139D99DFE02C}">
@@ -10197,8 +10085,8 @@
       </dsp:nvSpPr>
       <dsp:spPr>
         <a:xfrm rot="5400000">
-          <a:off x="5436808" y="1513383"/>
-          <a:ext cx="940430" cy="5559552"/>
+          <a:off x="5139966" y="1699808"/>
+          <a:ext cx="951224" cy="5285250"/>
         </a:xfrm>
         <a:prstGeom prst="round2SameRect">
           <a:avLst/>
@@ -10210,7 +10098,7 @@
             <a:alpha val="90000"/>
           </a:schemeClr>
         </a:solidFill>
-        <a:ln w="10000" cap="flat" cmpd="sng" algn="ctr">
+        <a:ln w="9525" cap="flat" cmpd="sng" algn="ctr">
           <a:solidFill>
             <a:schemeClr val="accent1">
               <a:alpha val="90000"/>
@@ -10224,9 +10112,9 @@
           <a:prstDash val="solid"/>
         </a:ln>
         <a:effectLst>
-          <a:outerShdw blurRad="76200" dist="50800" dir="5400000" rotWithShape="0">
-            <a:srgbClr val="4E3B30">
-              <a:alpha val="60000"/>
+          <a:outerShdw blurRad="40000" dist="23000" dir="5400000" rotWithShape="0">
+            <a:srgbClr val="000000">
+              <a:alpha val="35000"/>
             </a:srgbClr>
           </a:outerShdw>
         </a:effectLst>
@@ -10280,8 +10168,8 @@
         </a:p>
       </dsp:txBody>
       <dsp:txXfrm rot="5400000">
-        <a:off x="5436808" y="1513383"/>
-        <a:ext cx="940430" cy="5559552"/>
+        <a:off x="5139966" y="1699808"/>
+        <a:ext cx="951224" cy="5285250"/>
       </dsp:txXfrm>
     </dsp:sp>
     <dsp:sp modelId="{F985ABD3-DA1F-4E90-952D-1C16820F198E}">
@@ -10291,8 +10179,8 @@
       </dsp:nvSpPr>
       <dsp:spPr>
         <a:xfrm>
-          <a:off x="0" y="3705390"/>
-          <a:ext cx="3127248" cy="1175538"/>
+          <a:off x="0" y="3747918"/>
+          <a:ext cx="2972953" cy="1189030"/>
         </a:xfrm>
         <a:prstGeom prst="roundRect">
           <a:avLst/>
@@ -10305,42 +10193,8 @@
                 <a:satOff val="0"/>
                 <a:lumOff val="0"/>
                 <a:alphaOff val="0"/>
-                <a:tint val="75000"/>
-                <a:shade val="85000"/>
-                <a:satMod val="230000"/>
-              </a:schemeClr>
-            </a:gs>
-            <a:gs pos="25000">
-              <a:schemeClr val="accent1">
-                <a:hueOff val="0"/>
-                <a:satOff val="0"/>
-                <a:lumOff val="0"/>
-                <a:alphaOff val="0"/>
-                <a:tint val="90000"/>
-                <a:shade val="70000"/>
-                <a:satMod val="220000"/>
-              </a:schemeClr>
-            </a:gs>
-            <a:gs pos="50000">
-              <a:schemeClr val="accent1">
-                <a:hueOff val="0"/>
-                <a:satOff val="0"/>
-                <a:lumOff val="0"/>
-                <a:alphaOff val="0"/>
-                <a:tint val="90000"/>
-                <a:shade val="58000"/>
-                <a:satMod val="225000"/>
-              </a:schemeClr>
-            </a:gs>
-            <a:gs pos="65000">
-              <a:schemeClr val="accent1">
-                <a:hueOff val="0"/>
-                <a:satOff val="0"/>
-                <a:lumOff val="0"/>
-                <a:alphaOff val="0"/>
-                <a:tint val="90000"/>
-                <a:shade val="58000"/>
-                <a:satMod val="225000"/>
+                <a:shade val="51000"/>
+                <a:satMod val="130000"/>
               </a:schemeClr>
             </a:gs>
             <a:gs pos="80000">
@@ -10349,9 +10203,8 @@
                 <a:satOff val="0"/>
                 <a:lumOff val="0"/>
                 <a:alphaOff val="0"/>
-                <a:tint val="90000"/>
-                <a:shade val="69000"/>
-                <a:satMod val="220000"/>
+                <a:shade val="93000"/>
+                <a:satMod val="130000"/>
               </a:schemeClr>
             </a:gs>
             <a:gs pos="100000">
@@ -10360,21 +10213,20 @@
                 <a:satOff val="0"/>
                 <a:lumOff val="0"/>
                 <a:alphaOff val="0"/>
-                <a:tint val="77000"/>
-                <a:shade val="80000"/>
-                <a:satMod val="230000"/>
+                <a:shade val="94000"/>
+                <a:satMod val="135000"/>
               </a:schemeClr>
             </a:gs>
           </a:gsLst>
-          <a:lin ang="5400000" scaled="1"/>
+          <a:lin ang="16200000" scaled="0"/>
         </a:gradFill>
         <a:ln>
           <a:noFill/>
         </a:ln>
         <a:effectLst>
-          <a:outerShdw blurRad="76200" dist="50800" dir="5400000" rotWithShape="0">
-            <a:srgbClr val="4E3B30">
-              <a:alpha val="60000"/>
+          <a:outerShdw blurRad="40000" dist="23000" dir="5400000" rotWithShape="0">
+            <a:srgbClr val="000000">
+              <a:alpha val="35000"/>
             </a:srgbClr>
           </a:outerShdw>
         </a:effectLst>
@@ -10434,8 +10286,8 @@
         </a:p>
       </dsp:txBody>
       <dsp:txXfrm>
-        <a:off x="0" y="3705390"/>
-        <a:ext cx="3127248" cy="1175538"/>
+        <a:off x="0" y="3747918"/>
+        <a:ext cx="2972953" cy="1189030"/>
       </dsp:txXfrm>
     </dsp:sp>
   </dsp:spTree>
@@ -10450,6 +10302,594 @@
       <dsp:cNvGrpSpPr/>
     </dsp:nvGrpSpPr>
     <dsp:grpSpPr/>
+    <dsp:sp modelId="{C26A6EA6-0081-4BE7-88AC-DA923A48049B}">
+      <dsp:nvSpPr>
+        <dsp:cNvPr id="0" name=""/>
+        <dsp:cNvSpPr/>
+      </dsp:nvSpPr>
+      <dsp:spPr>
+        <a:xfrm>
+          <a:off x="0" y="0"/>
+          <a:ext cx="8929718" cy="5018109"/>
+        </a:xfrm>
+        <a:prstGeom prst="roundRect">
+          <a:avLst>
+            <a:gd name="adj" fmla="val 8500"/>
+          </a:avLst>
+        </a:prstGeom>
+        <a:solidFill>
+          <a:schemeClr val="accent1">
+            <a:hueOff val="0"/>
+            <a:satOff val="0"/>
+            <a:lumOff val="0"/>
+            <a:alphaOff val="0"/>
+          </a:schemeClr>
+        </a:solidFill>
+        <a:ln>
+          <a:noFill/>
+        </a:ln>
+        <a:effectLst>
+          <a:outerShdw blurRad="40000" dist="23000" dir="5400000" rotWithShape="0">
+            <a:srgbClr val="000000">
+              <a:alpha val="35000"/>
+            </a:srgbClr>
+          </a:outerShdw>
+        </a:effectLst>
+        <a:sp3d extrusionH="190500" prstMaterial="matte">
+          <a:bevelT w="120650" h="38100" prst="relaxedInset"/>
+          <a:bevelB w="120650" h="57150" prst="relaxedInset"/>
+          <a:contourClr>
+            <a:schemeClr val="bg1"/>
+          </a:contourClr>
+        </a:sp3d>
+      </dsp:spPr>
+      <dsp:style>
+        <a:lnRef idx="0">
+          <a:scrgbClr r="0" g="0" b="0"/>
+        </a:lnRef>
+        <a:fillRef idx="1">
+          <a:scrgbClr r="0" g="0" b="0"/>
+        </a:fillRef>
+        <a:effectRef idx="2">
+          <a:scrgbClr r="0" g="0" b="0"/>
+        </a:effectRef>
+        <a:fontRef idx="minor">
+          <a:schemeClr val="lt1"/>
+        </a:fontRef>
+      </dsp:style>
+      <dsp:txBody>
+        <a:bodyPr spcFirstLastPara="0" vert="horz" wrap="square" lIns="167640" tIns="167640" rIns="167640" bIns="3894610" numCol="1" spcCol="1270" anchor="t" anchorCtr="0">
+          <a:noAutofit/>
+        </a:bodyPr>
+        <a:lstStyle/>
+        <a:p>
+          <a:pPr lvl="0" algn="l" defTabSz="1955800">
+            <a:lnSpc>
+              <a:spcPct val="90000"/>
+            </a:lnSpc>
+            <a:spcBef>
+              <a:spcPct val="0"/>
+            </a:spcBef>
+            <a:spcAft>
+              <a:spcPct val="35000"/>
+            </a:spcAft>
+          </a:pPr>
+          <a:r>
+            <a:rPr lang="pt-BR" sz="4400" b="1" kern="1200" dirty="0" smtClean="0">
+              <a:latin typeface="+mn-lt"/>
+            </a:rPr>
+            <a:t>Cenário atual</a:t>
+          </a:r>
+          <a:endParaRPr lang="pt-BR" sz="4400" b="1" kern="1200" dirty="0">
+            <a:latin typeface="+mn-lt"/>
+          </a:endParaRPr>
+        </a:p>
+      </dsp:txBody>
+      <dsp:txXfrm>
+        <a:off x="0" y="0"/>
+        <a:ext cx="8929718" cy="5018109"/>
+      </dsp:txXfrm>
+    </dsp:sp>
+    <dsp:sp modelId="{55454349-EAF4-470E-BBAA-D434698917ED}">
+      <dsp:nvSpPr>
+        <dsp:cNvPr id="0" name=""/>
+        <dsp:cNvSpPr/>
+      </dsp:nvSpPr>
+      <dsp:spPr>
+        <a:xfrm>
+          <a:off x="218039" y="1231532"/>
+          <a:ext cx="2876230" cy="1103272"/>
+        </a:xfrm>
+        <a:prstGeom prst="flowChartDisplay">
+          <a:avLst/>
+        </a:prstGeom>
+        <a:solidFill>
+          <a:schemeClr val="lt1">
+            <a:alpha val="90000"/>
+            <a:hueOff val="0"/>
+            <a:satOff val="0"/>
+            <a:lumOff val="0"/>
+            <a:alphaOff val="0"/>
+          </a:schemeClr>
+        </a:solidFill>
+        <a:ln>
+          <a:noFill/>
+        </a:ln>
+        <a:effectLst>
+          <a:outerShdw blurRad="40000" dist="23000" dir="5400000" rotWithShape="0">
+            <a:srgbClr val="000000">
+              <a:alpha val="35000"/>
+            </a:srgbClr>
+          </a:outerShdw>
+        </a:effectLst>
+        <a:sp3d z="152400" extrusionH="63500" prstMaterial="matte">
+          <a:bevelT w="50800" h="19050" prst="relaxedInset"/>
+          <a:contourClr>
+            <a:schemeClr val="bg1"/>
+          </a:contourClr>
+        </a:sp3d>
+      </dsp:spPr>
+      <dsp:style>
+        <a:lnRef idx="0">
+          <a:scrgbClr r="0" g="0" b="0"/>
+        </a:lnRef>
+        <a:fillRef idx="1">
+          <a:scrgbClr r="0" g="0" b="0"/>
+        </a:fillRef>
+        <a:effectRef idx="2">
+          <a:scrgbClr r="0" g="0" b="0"/>
+        </a:effectRef>
+        <a:fontRef idx="minor"/>
+      </dsp:style>
+      <dsp:txBody>
+        <a:bodyPr spcFirstLastPara="0" vert="horz" wrap="square" lIns="60960" tIns="60960" rIns="60960" bIns="60960" numCol="1" spcCol="1270" anchor="ctr" anchorCtr="0">
+          <a:noAutofit/>
+        </a:bodyPr>
+        <a:lstStyle/>
+        <a:p>
+          <a:pPr lvl="0" algn="ctr" defTabSz="711200">
+            <a:lnSpc>
+              <a:spcPct val="90000"/>
+            </a:lnSpc>
+            <a:spcBef>
+              <a:spcPct val="0"/>
+            </a:spcBef>
+            <a:spcAft>
+              <a:spcPct val="35000"/>
+            </a:spcAft>
+          </a:pPr>
+          <a:r>
+            <a:rPr lang="pt-BR" sz="1600" b="1" kern="1200" dirty="0" smtClean="0"/>
+            <a:t>Dificuldades no controles de atividades</a:t>
+          </a:r>
+          <a:endParaRPr lang="pt-BR" sz="1600" b="1" kern="1200" dirty="0"/>
+        </a:p>
+      </dsp:txBody>
+      <dsp:txXfrm>
+        <a:off x="218039" y="1231532"/>
+        <a:ext cx="2876230" cy="1103272"/>
+      </dsp:txXfrm>
+    </dsp:sp>
+    <dsp:sp modelId="{10DC5E61-068F-4913-9663-325D256495C3}">
+      <dsp:nvSpPr>
+        <dsp:cNvPr id="0" name=""/>
+        <dsp:cNvSpPr/>
+      </dsp:nvSpPr>
+      <dsp:spPr>
+        <a:xfrm>
+          <a:off x="218039" y="2446306"/>
+          <a:ext cx="2876230" cy="1103272"/>
+        </a:xfrm>
+        <a:prstGeom prst="flowChartDisplay">
+          <a:avLst/>
+        </a:prstGeom>
+        <a:solidFill>
+          <a:schemeClr val="lt1">
+            <a:alpha val="90000"/>
+            <a:hueOff val="0"/>
+            <a:satOff val="0"/>
+            <a:lumOff val="0"/>
+            <a:alphaOff val="0"/>
+          </a:schemeClr>
+        </a:solidFill>
+        <a:ln>
+          <a:noFill/>
+        </a:ln>
+        <a:effectLst>
+          <a:outerShdw blurRad="40000" dist="23000" dir="5400000" rotWithShape="0">
+            <a:srgbClr val="000000">
+              <a:alpha val="35000"/>
+            </a:srgbClr>
+          </a:outerShdw>
+        </a:effectLst>
+        <a:sp3d z="152400" extrusionH="63500" prstMaterial="matte">
+          <a:bevelT w="50800" h="19050" prst="relaxedInset"/>
+          <a:contourClr>
+            <a:schemeClr val="bg1"/>
+          </a:contourClr>
+        </a:sp3d>
+      </dsp:spPr>
+      <dsp:style>
+        <a:lnRef idx="0">
+          <a:scrgbClr r="0" g="0" b="0"/>
+        </a:lnRef>
+        <a:fillRef idx="1">
+          <a:scrgbClr r="0" g="0" b="0"/>
+        </a:fillRef>
+        <a:effectRef idx="2">
+          <a:scrgbClr r="0" g="0" b="0"/>
+        </a:effectRef>
+        <a:fontRef idx="minor"/>
+      </dsp:style>
+      <dsp:txBody>
+        <a:bodyPr spcFirstLastPara="0" vert="horz" wrap="square" lIns="60960" tIns="60960" rIns="60960" bIns="60960" numCol="1" spcCol="1270" anchor="ctr" anchorCtr="0">
+          <a:noAutofit/>
+        </a:bodyPr>
+        <a:lstStyle/>
+        <a:p>
+          <a:pPr lvl="0" algn="ctr" defTabSz="711200">
+            <a:lnSpc>
+              <a:spcPct val="90000"/>
+            </a:lnSpc>
+            <a:spcBef>
+              <a:spcPct val="0"/>
+            </a:spcBef>
+            <a:spcAft>
+              <a:spcPct val="35000"/>
+            </a:spcAft>
+          </a:pPr>
+          <a:r>
+            <a:rPr lang="pt-BR" sz="1600" b="1" kern="1200" dirty="0" smtClean="0"/>
+            <a:t>Falta de uma base de dados referencia </a:t>
+          </a:r>
+          <a:endParaRPr lang="pt-BR" sz="1600" b="1" kern="1200" dirty="0"/>
+        </a:p>
+      </dsp:txBody>
+      <dsp:txXfrm>
+        <a:off x="218039" y="2446306"/>
+        <a:ext cx="2876230" cy="1103272"/>
+      </dsp:txXfrm>
+    </dsp:sp>
+    <dsp:sp modelId="{F8CD597C-AF41-4911-8CDE-B209DEFA8EFC}">
+      <dsp:nvSpPr>
+        <dsp:cNvPr id="0" name=""/>
+        <dsp:cNvSpPr/>
+      </dsp:nvSpPr>
+      <dsp:spPr>
+        <a:xfrm>
+          <a:off x="218039" y="3661080"/>
+          <a:ext cx="2876230" cy="1103272"/>
+        </a:xfrm>
+        <a:prstGeom prst="flowChartDisplay">
+          <a:avLst/>
+        </a:prstGeom>
+        <a:solidFill>
+          <a:schemeClr val="lt1">
+            <a:alpha val="90000"/>
+            <a:hueOff val="0"/>
+            <a:satOff val="0"/>
+            <a:lumOff val="0"/>
+            <a:alphaOff val="0"/>
+          </a:schemeClr>
+        </a:solidFill>
+        <a:ln>
+          <a:noFill/>
+        </a:ln>
+        <a:effectLst>
+          <a:outerShdw blurRad="40000" dist="23000" dir="5400000" rotWithShape="0">
+            <a:srgbClr val="000000">
+              <a:alpha val="35000"/>
+            </a:srgbClr>
+          </a:outerShdw>
+        </a:effectLst>
+        <a:sp3d z="152400" extrusionH="63500" prstMaterial="matte">
+          <a:bevelT w="50800" h="19050" prst="relaxedInset"/>
+          <a:contourClr>
+            <a:schemeClr val="bg1"/>
+          </a:contourClr>
+        </a:sp3d>
+      </dsp:spPr>
+      <dsp:style>
+        <a:lnRef idx="0">
+          <a:scrgbClr r="0" g="0" b="0"/>
+        </a:lnRef>
+        <a:fillRef idx="1">
+          <a:scrgbClr r="0" g="0" b="0"/>
+        </a:fillRef>
+        <a:effectRef idx="2">
+          <a:scrgbClr r="0" g="0" b="0"/>
+        </a:effectRef>
+        <a:fontRef idx="minor"/>
+      </dsp:style>
+      <dsp:txBody>
+        <a:bodyPr spcFirstLastPara="0" vert="horz" wrap="square" lIns="60960" tIns="60960" rIns="60960" bIns="60960" numCol="1" spcCol="1270" anchor="ctr" anchorCtr="0">
+          <a:noAutofit/>
+        </a:bodyPr>
+        <a:lstStyle/>
+        <a:p>
+          <a:pPr lvl="0" algn="ctr" defTabSz="711200">
+            <a:lnSpc>
+              <a:spcPct val="90000"/>
+            </a:lnSpc>
+            <a:spcBef>
+              <a:spcPct val="0"/>
+            </a:spcBef>
+            <a:spcAft>
+              <a:spcPct val="35000"/>
+            </a:spcAft>
+          </a:pPr>
+          <a:r>
+            <a:rPr lang="pt-BR" sz="1600" b="1" kern="1200" dirty="0" smtClean="0"/>
+            <a:t>Excesso de processos manuais</a:t>
+          </a:r>
+          <a:endParaRPr lang="pt-BR" sz="1600" b="1" kern="1200" dirty="0"/>
+        </a:p>
+      </dsp:txBody>
+      <dsp:txXfrm>
+        <a:off x="218039" y="3661080"/>
+        <a:ext cx="2876230" cy="1103272"/>
+      </dsp:txXfrm>
+    </dsp:sp>
+    <dsp:sp modelId="{51DE05A1-F310-4AD4-BD2A-E814179084C5}">
+      <dsp:nvSpPr>
+        <dsp:cNvPr id="0" name=""/>
+        <dsp:cNvSpPr/>
+      </dsp:nvSpPr>
+      <dsp:spPr>
+        <a:xfrm>
+          <a:off x="3197835" y="1303335"/>
+          <a:ext cx="5565422" cy="3637692"/>
+        </a:xfrm>
+        <a:prstGeom prst="roundRect">
+          <a:avLst>
+            <a:gd name="adj" fmla="val 10500"/>
+          </a:avLst>
+        </a:prstGeom>
+        <a:solidFill>
+          <a:schemeClr val="accent1">
+            <a:hueOff val="0"/>
+            <a:satOff val="0"/>
+            <a:lumOff val="0"/>
+            <a:alphaOff val="0"/>
+          </a:schemeClr>
+        </a:solidFill>
+        <a:ln>
+          <a:noFill/>
+        </a:ln>
+        <a:effectLst>
+          <a:outerShdw blurRad="40000" dist="23000" dir="5400000" rotWithShape="0">
+            <a:srgbClr val="000000">
+              <a:alpha val="35000"/>
+            </a:srgbClr>
+          </a:outerShdw>
+        </a:effectLst>
+        <a:sp3d extrusionH="190500" prstMaterial="matte">
+          <a:bevelT w="120650" h="38100" prst="relaxedInset"/>
+          <a:bevelB w="120650" h="57150" prst="relaxedInset"/>
+          <a:contourClr>
+            <a:schemeClr val="bg1"/>
+          </a:contourClr>
+        </a:sp3d>
+      </dsp:spPr>
+      <dsp:style>
+        <a:lnRef idx="0">
+          <a:scrgbClr r="0" g="0" b="0"/>
+        </a:lnRef>
+        <a:fillRef idx="1">
+          <a:scrgbClr r="0" g="0" b="0"/>
+        </a:fillRef>
+        <a:effectRef idx="2">
+          <a:scrgbClr r="0" g="0" b="0"/>
+        </a:effectRef>
+        <a:fontRef idx="minor">
+          <a:schemeClr val="lt1"/>
+        </a:fontRef>
+      </dsp:style>
+      <dsp:txBody>
+        <a:bodyPr spcFirstLastPara="0" vert="horz" wrap="square" lIns="167640" tIns="167640" rIns="167640" bIns="2230549" numCol="1" spcCol="1270" anchor="t" anchorCtr="0">
+          <a:noAutofit/>
+        </a:bodyPr>
+        <a:lstStyle/>
+        <a:p>
+          <a:pPr lvl="0" algn="l" defTabSz="1955800">
+            <a:lnSpc>
+              <a:spcPct val="90000"/>
+            </a:lnSpc>
+            <a:spcBef>
+              <a:spcPct val="0"/>
+            </a:spcBef>
+            <a:spcAft>
+              <a:spcPct val="35000"/>
+            </a:spcAft>
+          </a:pPr>
+          <a:r>
+            <a:rPr lang="pt-BR" sz="4400" b="1" kern="1200" dirty="0" smtClean="0">
+              <a:latin typeface="+mn-lt"/>
+            </a:rPr>
+            <a:t>Conseqüências</a:t>
+          </a:r>
+          <a:endParaRPr lang="pt-BR" sz="4400" b="1" kern="1200" dirty="0">
+            <a:latin typeface="+mn-lt"/>
+          </a:endParaRPr>
+        </a:p>
+      </dsp:txBody>
+      <dsp:txXfrm>
+        <a:off x="3197835" y="1303335"/>
+        <a:ext cx="5565422" cy="3637692"/>
+      </dsp:txXfrm>
+    </dsp:sp>
+    <dsp:sp modelId="{7FBFBAC4-2975-4795-ADC7-4B54CCBAEAB1}">
+      <dsp:nvSpPr>
+        <dsp:cNvPr id="0" name=""/>
+        <dsp:cNvSpPr/>
+      </dsp:nvSpPr>
+      <dsp:spPr>
+        <a:xfrm>
+          <a:off x="3358429" y="3050602"/>
+          <a:ext cx="2518495" cy="1128117"/>
+        </a:xfrm>
+        <a:prstGeom prst="flowChartDisplay">
+          <a:avLst/>
+        </a:prstGeom>
+        <a:solidFill>
+          <a:schemeClr val="lt1">
+            <a:alpha val="90000"/>
+            <a:hueOff val="0"/>
+            <a:satOff val="0"/>
+            <a:lumOff val="0"/>
+            <a:alphaOff val="0"/>
+          </a:schemeClr>
+        </a:solidFill>
+        <a:ln>
+          <a:noFill/>
+        </a:ln>
+        <a:effectLst>
+          <a:outerShdw blurRad="40000" dist="23000" dir="5400000" rotWithShape="0">
+            <a:srgbClr val="000000">
+              <a:alpha val="35000"/>
+            </a:srgbClr>
+          </a:outerShdw>
+        </a:effectLst>
+        <a:sp3d z="152400" extrusionH="63500" prstMaterial="matte">
+          <a:bevelT w="50800" h="19050" prst="relaxedInset"/>
+          <a:contourClr>
+            <a:schemeClr val="bg1"/>
+          </a:contourClr>
+        </a:sp3d>
+      </dsp:spPr>
+      <dsp:style>
+        <a:lnRef idx="0">
+          <a:scrgbClr r="0" g="0" b="0"/>
+        </a:lnRef>
+        <a:fillRef idx="1">
+          <a:scrgbClr r="0" g="0" b="0"/>
+        </a:fillRef>
+        <a:effectRef idx="2">
+          <a:scrgbClr r="0" g="0" b="0"/>
+        </a:effectRef>
+        <a:fontRef idx="minor"/>
+      </dsp:style>
+      <dsp:txBody>
+        <a:bodyPr spcFirstLastPara="0" vert="horz" wrap="square" lIns="60960" tIns="60960" rIns="60960" bIns="60960" numCol="1" spcCol="1270" anchor="ctr" anchorCtr="0">
+          <a:noAutofit/>
+        </a:bodyPr>
+        <a:lstStyle/>
+        <a:p>
+          <a:pPr lvl="0" algn="ctr" defTabSz="711200">
+            <a:lnSpc>
+              <a:spcPct val="90000"/>
+            </a:lnSpc>
+            <a:spcBef>
+              <a:spcPct val="0"/>
+            </a:spcBef>
+            <a:spcAft>
+              <a:spcPct val="35000"/>
+            </a:spcAft>
+          </a:pPr>
+          <a:r>
+            <a:rPr lang="pt-BR" sz="1600" b="1" kern="1200" smtClean="0"/>
+            <a:t>Fragmentação de  históricos de dados</a:t>
+          </a:r>
+          <a:endParaRPr lang="pt-BR" sz="1600" kern="1200" dirty="0"/>
+        </a:p>
+      </dsp:txBody>
+      <dsp:txXfrm>
+        <a:off x="3358429" y="3050602"/>
+        <a:ext cx="2518495" cy="1128117"/>
+      </dsp:txXfrm>
+    </dsp:sp>
+    <dsp:sp modelId="{C233A43E-286F-4E8D-BC0D-A6E7625559B2}">
+      <dsp:nvSpPr>
+        <dsp:cNvPr id="0" name=""/>
+        <dsp:cNvSpPr/>
+      </dsp:nvSpPr>
+      <dsp:spPr>
+        <a:xfrm>
+          <a:off x="5959655" y="3017850"/>
+          <a:ext cx="2568067" cy="1128117"/>
+        </a:xfrm>
+        <a:prstGeom prst="flowChartDisplay">
+          <a:avLst/>
+        </a:prstGeom>
+        <a:solidFill>
+          <a:schemeClr val="lt1">
+            <a:alpha val="90000"/>
+            <a:hueOff val="0"/>
+            <a:satOff val="0"/>
+            <a:lumOff val="0"/>
+            <a:alphaOff val="0"/>
+          </a:schemeClr>
+        </a:solidFill>
+        <a:ln>
+          <a:noFill/>
+        </a:ln>
+        <a:effectLst>
+          <a:outerShdw blurRad="40000" dist="23000" dir="5400000" rotWithShape="0">
+            <a:srgbClr val="000000">
+              <a:alpha val="35000"/>
+            </a:srgbClr>
+          </a:outerShdw>
+        </a:effectLst>
+        <a:sp3d z="152400" extrusionH="63500" prstMaterial="matte">
+          <a:bevelT w="50800" h="19050" prst="relaxedInset"/>
+          <a:contourClr>
+            <a:schemeClr val="bg1"/>
+          </a:contourClr>
+        </a:sp3d>
+      </dsp:spPr>
+      <dsp:style>
+        <a:lnRef idx="0">
+          <a:scrgbClr r="0" g="0" b="0"/>
+        </a:lnRef>
+        <a:fillRef idx="1">
+          <a:scrgbClr r="0" g="0" b="0"/>
+        </a:fillRef>
+        <a:effectRef idx="2">
+          <a:scrgbClr r="0" g="0" b="0"/>
+        </a:effectRef>
+        <a:fontRef idx="minor"/>
+      </dsp:style>
+      <dsp:txBody>
+        <a:bodyPr spcFirstLastPara="0" vert="horz" wrap="square" lIns="60960" tIns="60960" rIns="60960" bIns="60960" numCol="1" spcCol="1270" anchor="ctr" anchorCtr="0">
+          <a:noAutofit/>
+        </a:bodyPr>
+        <a:lstStyle/>
+        <a:p>
+          <a:pPr lvl="0" algn="ctr" defTabSz="711200">
+            <a:lnSpc>
+              <a:spcPct val="90000"/>
+            </a:lnSpc>
+            <a:spcBef>
+              <a:spcPct val="0"/>
+            </a:spcBef>
+            <a:spcAft>
+              <a:spcPct val="35000"/>
+            </a:spcAft>
+          </a:pPr>
+          <a:r>
+            <a:rPr lang="pt-BR" sz="1600" b="1" kern="1200" dirty="0" smtClean="0"/>
+            <a:t>Consultas  com pouco ou nenhum sucesso</a:t>
+          </a:r>
+          <a:endParaRPr lang="pt-BR" sz="1600" b="1" kern="1200" dirty="0"/>
+        </a:p>
+      </dsp:txBody>
+      <dsp:txXfrm>
+        <a:off x="5959655" y="3017850"/>
+        <a:ext cx="2568067" cy="1128117"/>
+      </dsp:txXfrm>
+    </dsp:sp>
+  </dsp:spTree>
+</dsp:drawing>
+</file>
+
+<file path=ppt/diagrams/drawing3.xml><?xml version="1.0" encoding="utf-8"?>
+<dsp:drawing xmlns:dgm="http://schemas.openxmlformats.org/drawingml/2006/diagram" xmlns:a="http://schemas.openxmlformats.org/drawingml/2006/main" xmlns:dsp="http://schemas.microsoft.com/office/drawing/2008/diagram">
+  <dsp:spTree>
+    <dsp:nvGrpSpPr>
+      <dsp:cNvPr id="0" name=""/>
+      <dsp:cNvGrpSpPr/>
+    </dsp:nvGrpSpPr>
+    <dsp:grpSpPr/>
     <dsp:sp modelId="{DADC7395-583C-4FD5-8691-3342B823E6CA}">
       <dsp:nvSpPr>
         <dsp:cNvPr id="0" name=""/>
@@ -10457,8 +10897,8 @@
       </dsp:nvSpPr>
       <dsp:spPr>
         <a:xfrm>
-          <a:off x="4320" y="26889"/>
-          <a:ext cx="1964455" cy="2764800"/>
+          <a:off x="8551" y="439170"/>
+          <a:ext cx="1889506" cy="2453791"/>
         </a:xfrm>
         <a:prstGeom prst="roundRect">
           <a:avLst>
@@ -10469,75 +10909,45 @@
           <a:gsLst>
             <a:gs pos="0">
               <a:schemeClr val="accent6">
-                <a:tint val="75000"/>
-                <a:shade val="85000"/>
-                <a:satMod val="230000"/>
-              </a:schemeClr>
-            </a:gs>
-            <a:gs pos="25000">
-              <a:schemeClr val="accent6">
-                <a:tint val="90000"/>
-                <a:shade val="70000"/>
-                <a:satMod val="220000"/>
-              </a:schemeClr>
-            </a:gs>
-            <a:gs pos="50000">
-              <a:schemeClr val="accent6">
-                <a:tint val="90000"/>
-                <a:shade val="58000"/>
-                <a:satMod val="225000"/>
-              </a:schemeClr>
-            </a:gs>
-            <a:gs pos="65000">
-              <a:schemeClr val="accent6">
-                <a:tint val="90000"/>
-                <a:shade val="58000"/>
-                <a:satMod val="225000"/>
+                <a:shade val="51000"/>
+                <a:satMod val="130000"/>
               </a:schemeClr>
             </a:gs>
             <a:gs pos="80000">
               <a:schemeClr val="accent6">
-                <a:tint val="90000"/>
-                <a:shade val="69000"/>
-                <a:satMod val="220000"/>
+                <a:shade val="93000"/>
+                <a:satMod val="130000"/>
               </a:schemeClr>
             </a:gs>
             <a:gs pos="100000">
               <a:schemeClr val="accent6">
-                <a:tint val="77000"/>
-                <a:shade val="80000"/>
-                <a:satMod val="230000"/>
+                <a:shade val="94000"/>
+                <a:satMod val="135000"/>
               </a:schemeClr>
             </a:gs>
           </a:gsLst>
-          <a:lin ang="5400000" scaled="1"/>
+          <a:lin ang="16200000" scaled="0"/>
         </a:gradFill>
         <a:ln>
           <a:noFill/>
         </a:ln>
         <a:effectLst>
-          <a:outerShdw blurRad="76200" dist="50800" dir="5400000" rotWithShape="0">
-            <a:srgbClr val="4E3B30">
-              <a:alpha val="60000"/>
+          <a:outerShdw blurRad="40000" dist="23000" dir="5400000" rotWithShape="0">
+            <a:srgbClr val="000000">
+              <a:alpha val="35000"/>
             </a:srgbClr>
           </a:outerShdw>
         </a:effectLst>
         <a:scene3d>
-          <a:camera prst="obliqueTopLeft" fov="600000">
+          <a:camera prst="orthographicFront">
             <a:rot lat="0" lon="0" rev="0"/>
           </a:camera>
-          <a:lightRig rig="balanced" dir="t">
-            <a:rot lat="0" lon="0" rev="19200000"/>
+          <a:lightRig rig="threePt" dir="t">
+            <a:rot lat="0" lon="0" rev="1200000"/>
           </a:lightRig>
         </a:scene3d>
-        <a:sp3d contourW="12700" prstMaterial="matte">
-          <a:bevelT w="60000" h="50800"/>
-          <a:contourClr>
-            <a:schemeClr val="accent6">
-              <a:shade val="60000"/>
-              <a:satMod val="110000"/>
-            </a:schemeClr>
-          </a:contourClr>
+        <a:sp3d>
+          <a:bevelT w="63500" h="25400"/>
         </a:sp3d>
       </dsp:spPr>
       <dsp:style>
@@ -10572,15 +10982,23 @@
             </a:spcAft>
           </a:pPr>
           <a:r>
-            <a:rPr lang="pt-BR" sz="2400" b="1" kern="1200" dirty="0" smtClean="0"/>
+            <a:rPr lang="pt-BR" sz="2400" b="1" kern="1200" dirty="0" smtClean="0">
+              <a:solidFill>
+                <a:srgbClr val="00FFFF"/>
+              </a:solidFill>
+            </a:rPr>
             <a:t>Interligar </a:t>
           </a:r>
-          <a:endParaRPr lang="pt-BR" sz="2400" b="1" kern="1200" dirty="0"/>
+          <a:endParaRPr lang="pt-BR" sz="2400" b="1" kern="1200" dirty="0">
+            <a:solidFill>
+              <a:srgbClr val="00FFFF"/>
+            </a:solidFill>
+          </a:endParaRPr>
         </a:p>
       </dsp:txBody>
       <dsp:txXfrm>
-        <a:off x="4320" y="26889"/>
-        <a:ext cx="1964455" cy="785782"/>
+        <a:off x="8551" y="439170"/>
+        <a:ext cx="1889506" cy="985006"/>
       </dsp:txXfrm>
     </dsp:sp>
     <dsp:sp modelId="{A64C8272-FC1A-4572-A0B1-A3C36EACD2B6}">
@@ -10590,8 +11008,8 @@
       </dsp:nvSpPr>
       <dsp:spPr>
         <a:xfrm>
-          <a:off x="406678" y="812672"/>
-          <a:ext cx="1964455" cy="3686400"/>
+          <a:off x="223962" y="1294617"/>
+          <a:ext cx="2394865" cy="2802375"/>
         </a:xfrm>
         <a:prstGeom prst="roundRect">
           <a:avLst>
@@ -10624,12 +11042,31 @@
         </a:fontRef>
       </dsp:style>
       <dsp:txBody>
-        <a:bodyPr spcFirstLastPara="0" vert="horz" wrap="square" lIns="128016" tIns="128016" rIns="128016" bIns="128016" numCol="1" spcCol="1270" anchor="t" anchorCtr="0">
+        <a:bodyPr spcFirstLastPara="0" vert="horz" wrap="square" lIns="113792" tIns="113792" rIns="113792" bIns="113792" numCol="1" spcCol="1270" anchor="t" anchorCtr="0">
           <a:noAutofit/>
         </a:bodyPr>
         <a:lstStyle/>
         <a:p>
-          <a:pPr marL="171450" lvl="1" indent="-171450" algn="l" defTabSz="800100">
+          <a:pPr marL="171450" lvl="1" indent="-171450" algn="l" defTabSz="711200">
+            <a:lnSpc>
+              <a:spcPct val="90000"/>
+            </a:lnSpc>
+            <a:spcBef>
+              <a:spcPct val="0"/>
+            </a:spcBef>
+            <a:spcAft>
+              <a:spcPct val="15000"/>
+            </a:spcAft>
+            <a:buChar char="••"/>
+          </a:pPr>
+          <a:endParaRPr lang="pt-BR" sz="1600" b="1" kern="1200" dirty="0">
+            <a:solidFill>
+              <a:srgbClr val="0070C0"/>
+            </a:solidFill>
+          </a:endParaRPr>
+        </a:p>
+        <a:p>
+          <a:pPr marL="171450" lvl="1" indent="-171450" algn="l" defTabSz="711200">
             <a:lnSpc>
               <a:spcPct val="90000"/>
             </a:lnSpc>
@@ -10642,13 +11079,21 @@
             <a:buChar char="••"/>
           </a:pPr>
           <a:r>
-            <a:rPr lang="pt-BR" sz="1800" b="1" kern="1200" dirty="0" smtClean="0"/>
+            <a:rPr lang="pt-BR" sz="1600" b="1" kern="1200" dirty="0" smtClean="0">
+              <a:solidFill>
+                <a:srgbClr val="0070C0"/>
+              </a:solidFill>
+            </a:rPr>
             <a:t>Pastorais</a:t>
           </a:r>
-          <a:endParaRPr lang="pt-BR" sz="1800" b="1" kern="1200" dirty="0"/>
-        </a:p>
-        <a:p>
-          <a:pPr marL="171450" lvl="1" indent="-171450" algn="l" defTabSz="800100">
+          <a:endParaRPr lang="pt-BR" sz="1600" b="1" kern="1200" dirty="0">
+            <a:solidFill>
+              <a:srgbClr val="0070C0"/>
+            </a:solidFill>
+          </a:endParaRPr>
+        </a:p>
+        <a:p>
+          <a:pPr marL="171450" lvl="1" indent="-171450" algn="l" defTabSz="711200">
             <a:lnSpc>
               <a:spcPct val="90000"/>
             </a:lnSpc>
@@ -10660,12 +11105,62 @@
             </a:spcAft>
             <a:buChar char="••"/>
           </a:pPr>
-          <a:endParaRPr lang="pt-BR" sz="1800" b="1" kern="1200" dirty="0"/>
+          <a:endParaRPr lang="pt-BR" sz="1600" b="1" kern="1200" dirty="0">
+            <a:solidFill>
+              <a:srgbClr val="0070C0"/>
+            </a:solidFill>
+          </a:endParaRPr>
+        </a:p>
+        <a:p>
+          <a:pPr marL="171450" lvl="1" indent="-171450" algn="l" defTabSz="711200">
+            <a:lnSpc>
+              <a:spcPct val="90000"/>
+            </a:lnSpc>
+            <a:spcBef>
+              <a:spcPct val="0"/>
+            </a:spcBef>
+            <a:spcAft>
+              <a:spcPct val="15000"/>
+            </a:spcAft>
+            <a:buChar char="••"/>
+          </a:pPr>
+          <a:r>
+            <a:rPr lang="pt-BR" sz="1600" b="1" kern="1200" dirty="0" smtClean="0">
+              <a:solidFill>
+                <a:srgbClr val="0070C0"/>
+              </a:solidFill>
+            </a:rPr>
+            <a:t>Compartilhamento de dados</a:t>
+          </a:r>
+          <a:endParaRPr lang="pt-BR" sz="1600" b="1" kern="1200" dirty="0">
+            <a:solidFill>
+              <a:srgbClr val="0070C0"/>
+            </a:solidFill>
+          </a:endParaRPr>
+        </a:p>
+        <a:p>
+          <a:pPr marL="171450" lvl="1" indent="-171450" algn="l" defTabSz="711200">
+            <a:lnSpc>
+              <a:spcPct val="90000"/>
+            </a:lnSpc>
+            <a:spcBef>
+              <a:spcPct val="0"/>
+            </a:spcBef>
+            <a:spcAft>
+              <a:spcPct val="15000"/>
+            </a:spcAft>
+            <a:buChar char="••"/>
+          </a:pPr>
+          <a:endParaRPr lang="pt-BR" sz="1600" b="1" kern="1200" dirty="0">
+            <a:solidFill>
+              <a:srgbClr val="0070C0"/>
+            </a:solidFill>
+          </a:endParaRPr>
         </a:p>
       </dsp:txBody>
       <dsp:txXfrm>
-        <a:off x="406678" y="812672"/>
-        <a:ext cx="1964455" cy="3686400"/>
+        <a:off x="223962" y="1294617"/>
+        <a:ext cx="2394865" cy="2802375"/>
       </dsp:txXfrm>
     </dsp:sp>
     <dsp:sp modelId="{330F8E89-32DF-4BC4-AED2-91D2D7CB94C5}">
@@ -10674,89 +11169,56 @@
         <dsp:cNvSpPr/>
       </dsp:nvSpPr>
       <dsp:spPr>
-        <a:xfrm>
-          <a:off x="2266580" y="175234"/>
-          <a:ext cx="631345" cy="489092"/>
+        <a:xfrm rot="22739">
+          <a:off x="2086662" y="494277"/>
+          <a:ext cx="680444" cy="605538"/>
         </a:xfrm>
-        <a:prstGeom prst="rightArrow">
-          <a:avLst>
-            <a:gd name="adj1" fmla="val 60000"/>
-            <a:gd name="adj2" fmla="val 50000"/>
-          </a:avLst>
+        <a:prstGeom prst="chevron">
+          <a:avLst/>
         </a:prstGeom>
         <a:gradFill rotWithShape="1">
           <a:gsLst>
             <a:gs pos="0">
               <a:schemeClr val="accent6">
-                <a:tint val="75000"/>
-                <a:shade val="85000"/>
-                <a:satMod val="230000"/>
-              </a:schemeClr>
-            </a:gs>
-            <a:gs pos="25000">
-              <a:schemeClr val="accent6">
-                <a:tint val="90000"/>
-                <a:shade val="70000"/>
-                <a:satMod val="220000"/>
-              </a:schemeClr>
-            </a:gs>
-            <a:gs pos="50000">
-              <a:schemeClr val="accent6">
-                <a:tint val="90000"/>
-                <a:shade val="58000"/>
-                <a:satMod val="225000"/>
-              </a:schemeClr>
-            </a:gs>
-            <a:gs pos="65000">
-              <a:schemeClr val="accent6">
-                <a:tint val="90000"/>
-                <a:shade val="58000"/>
-                <a:satMod val="225000"/>
+                <a:shade val="51000"/>
+                <a:satMod val="130000"/>
               </a:schemeClr>
             </a:gs>
             <a:gs pos="80000">
               <a:schemeClr val="accent6">
-                <a:tint val="90000"/>
-                <a:shade val="69000"/>
-                <a:satMod val="220000"/>
+                <a:shade val="93000"/>
+                <a:satMod val="130000"/>
               </a:schemeClr>
             </a:gs>
             <a:gs pos="100000">
               <a:schemeClr val="accent6">
-                <a:tint val="77000"/>
-                <a:shade val="80000"/>
-                <a:satMod val="230000"/>
+                <a:shade val="94000"/>
+                <a:satMod val="135000"/>
               </a:schemeClr>
             </a:gs>
           </a:gsLst>
-          <a:lin ang="5400000" scaled="1"/>
+          <a:lin ang="16200000" scaled="0"/>
         </a:gradFill>
         <a:ln>
           <a:noFill/>
         </a:ln>
         <a:effectLst>
-          <a:outerShdw blurRad="76200" dist="50800" dir="5400000" rotWithShape="0">
-            <a:srgbClr val="4E3B30">
-              <a:alpha val="60000"/>
+          <a:outerShdw blurRad="40000" dist="23000" dir="5400000" rotWithShape="0">
+            <a:srgbClr val="000000">
+              <a:alpha val="35000"/>
             </a:srgbClr>
           </a:outerShdw>
         </a:effectLst>
         <a:scene3d>
-          <a:camera prst="obliqueTopLeft" fov="600000">
+          <a:camera prst="orthographicFront">
             <a:rot lat="0" lon="0" rev="0"/>
           </a:camera>
-          <a:lightRig rig="balanced" dir="t">
-            <a:rot lat="0" lon="0" rev="19200000"/>
+          <a:lightRig rig="threePt" dir="t">
+            <a:rot lat="0" lon="0" rev="1200000"/>
           </a:lightRig>
         </a:scene3d>
-        <a:sp3d contourW="12700" prstMaterial="matte">
-          <a:bevelT w="60000" h="50800"/>
-          <a:contourClr>
-            <a:schemeClr val="accent6">
-              <a:shade val="60000"/>
-              <a:satMod val="110000"/>
-            </a:schemeClr>
-          </a:contourClr>
+        <a:sp3d>
+          <a:bevelT w="63500" h="25400"/>
         </a:sp3d>
       </dsp:spPr>
       <dsp:style>
@@ -10779,7 +11241,7 @@
         </a:bodyPr>
         <a:lstStyle/>
         <a:p>
-          <a:pPr lvl="0" algn="ctr" defTabSz="977900">
+          <a:pPr lvl="0" algn="ctr" defTabSz="177800">
             <a:lnSpc>
               <a:spcPct val="90000"/>
             </a:lnSpc>
@@ -10790,12 +11252,12 @@
               <a:spcPct val="35000"/>
             </a:spcAft>
           </a:pPr>
-          <a:endParaRPr lang="pt-BR" sz="2200" kern="1200"/>
+          <a:endParaRPr lang="pt-BR" sz="400" kern="1200"/>
         </a:p>
       </dsp:txBody>
-      <dsp:txXfrm>
-        <a:off x="2266580" y="175234"/>
-        <a:ext cx="631345" cy="489092"/>
+      <dsp:txXfrm rot="22739">
+        <a:off x="2086662" y="494277"/>
+        <a:ext cx="680444" cy="605538"/>
       </dsp:txXfrm>
     </dsp:sp>
     <dsp:sp modelId="{D6C82472-F7A1-44F8-BE16-C0E2E40E0D6B}">
@@ -10805,8 +11267,8 @@
       </dsp:nvSpPr>
       <dsp:spPr>
         <a:xfrm>
-          <a:off x="3159993" y="26889"/>
-          <a:ext cx="1964455" cy="2764800"/>
+          <a:off x="3052747" y="463691"/>
+          <a:ext cx="1875317" cy="2409829"/>
         </a:xfrm>
         <a:prstGeom prst="roundRect">
           <a:avLst>
@@ -10817,75 +11279,45 @@
           <a:gsLst>
             <a:gs pos="0">
               <a:schemeClr val="accent6">
-                <a:tint val="75000"/>
-                <a:shade val="85000"/>
-                <a:satMod val="230000"/>
-              </a:schemeClr>
-            </a:gs>
-            <a:gs pos="25000">
-              <a:schemeClr val="accent6">
-                <a:tint val="90000"/>
-                <a:shade val="70000"/>
-                <a:satMod val="220000"/>
-              </a:schemeClr>
-            </a:gs>
-            <a:gs pos="50000">
-              <a:schemeClr val="accent6">
-                <a:tint val="90000"/>
-                <a:shade val="58000"/>
-                <a:satMod val="225000"/>
-              </a:schemeClr>
-            </a:gs>
-            <a:gs pos="65000">
-              <a:schemeClr val="accent6">
-                <a:tint val="90000"/>
-                <a:shade val="58000"/>
-                <a:satMod val="225000"/>
+                <a:shade val="51000"/>
+                <a:satMod val="130000"/>
               </a:schemeClr>
             </a:gs>
             <a:gs pos="80000">
               <a:schemeClr val="accent6">
-                <a:tint val="90000"/>
-                <a:shade val="69000"/>
-                <a:satMod val="220000"/>
+                <a:shade val="93000"/>
+                <a:satMod val="130000"/>
               </a:schemeClr>
             </a:gs>
             <a:gs pos="100000">
               <a:schemeClr val="accent6">
-                <a:tint val="77000"/>
-                <a:shade val="80000"/>
-                <a:satMod val="230000"/>
+                <a:shade val="94000"/>
+                <a:satMod val="135000"/>
               </a:schemeClr>
             </a:gs>
           </a:gsLst>
-          <a:lin ang="5400000" scaled="1"/>
+          <a:lin ang="16200000" scaled="0"/>
         </a:gradFill>
         <a:ln>
           <a:noFill/>
         </a:ln>
         <a:effectLst>
-          <a:outerShdw blurRad="76200" dist="50800" dir="5400000" rotWithShape="0">
-            <a:srgbClr val="4E3B30">
-              <a:alpha val="60000"/>
+          <a:outerShdw blurRad="40000" dist="23000" dir="5400000" rotWithShape="0">
+            <a:srgbClr val="000000">
+              <a:alpha val="35000"/>
             </a:srgbClr>
           </a:outerShdw>
         </a:effectLst>
         <a:scene3d>
-          <a:camera prst="obliqueTopLeft" fov="600000">
+          <a:camera prst="orthographicFront">
             <a:rot lat="0" lon="0" rev="0"/>
           </a:camera>
-          <a:lightRig rig="balanced" dir="t">
-            <a:rot lat="0" lon="0" rev="19200000"/>
+          <a:lightRig rig="threePt" dir="t">
+            <a:rot lat="0" lon="0" rev="1200000"/>
           </a:lightRig>
         </a:scene3d>
-        <a:sp3d contourW="12700" prstMaterial="matte">
-          <a:bevelT w="60000" h="50800"/>
-          <a:contourClr>
-            <a:schemeClr val="accent6">
-              <a:shade val="60000"/>
-              <a:satMod val="110000"/>
-            </a:schemeClr>
-          </a:contourClr>
+        <a:sp3d>
+          <a:bevelT w="63500" h="25400"/>
         </a:sp3d>
       </dsp:spPr>
       <dsp:style>
@@ -10920,15 +11352,23 @@
             </a:spcAft>
           </a:pPr>
           <a:r>
-            <a:rPr lang="pt-BR" sz="2400" b="1" kern="1200" dirty="0" smtClean="0"/>
+            <a:rPr lang="pt-BR" sz="2400" b="1" kern="1200" dirty="0" smtClean="0">
+              <a:solidFill>
+                <a:srgbClr val="00FFFF"/>
+              </a:solidFill>
+            </a:rPr>
             <a:t>Padronizar</a:t>
           </a:r>
-          <a:endParaRPr lang="pt-BR" sz="2400" b="1" kern="1200" dirty="0"/>
+          <a:endParaRPr lang="pt-BR" sz="2400" b="1" kern="1200" dirty="0">
+            <a:solidFill>
+              <a:srgbClr val="00FFFF"/>
+            </a:solidFill>
+          </a:endParaRPr>
         </a:p>
       </dsp:txBody>
       <dsp:txXfrm>
-        <a:off x="3159993" y="26889"/>
-        <a:ext cx="1964455" cy="785782"/>
+        <a:off x="3052747" y="463691"/>
+        <a:ext cx="1875317" cy="976142"/>
       </dsp:txXfrm>
     </dsp:sp>
     <dsp:sp modelId="{3E47BC9E-87C0-4D93-83F4-A810B62AEF07}">
@@ -10938,8 +11378,8 @@
       </dsp:nvSpPr>
       <dsp:spPr>
         <a:xfrm>
-          <a:off x="3562351" y="812672"/>
-          <a:ext cx="1964455" cy="3686400"/>
+          <a:off x="3240380" y="1286027"/>
+          <a:ext cx="2529736" cy="2802375"/>
         </a:xfrm>
         <a:prstGeom prst="roundRect">
           <a:avLst>
@@ -10972,12 +11412,31 @@
         </a:fontRef>
       </dsp:style>
       <dsp:txBody>
-        <a:bodyPr spcFirstLastPara="0" vert="horz" wrap="square" lIns="128016" tIns="128016" rIns="128016" bIns="128016" numCol="1" spcCol="1270" anchor="t" anchorCtr="0">
+        <a:bodyPr spcFirstLastPara="0" vert="horz" wrap="square" lIns="113792" tIns="113792" rIns="113792" bIns="113792" numCol="1" spcCol="1270" anchor="t" anchorCtr="0">
           <a:noAutofit/>
         </a:bodyPr>
         <a:lstStyle/>
         <a:p>
-          <a:pPr marL="171450" lvl="1" indent="-171450" algn="l" defTabSz="800100">
+          <a:pPr marL="171450" lvl="1" indent="-171450" algn="l" defTabSz="711200">
+            <a:lnSpc>
+              <a:spcPct val="90000"/>
+            </a:lnSpc>
+            <a:spcBef>
+              <a:spcPct val="0"/>
+            </a:spcBef>
+            <a:spcAft>
+              <a:spcPct val="15000"/>
+            </a:spcAft>
+            <a:buChar char="••"/>
+          </a:pPr>
+          <a:endParaRPr lang="pt-BR" sz="1600" b="1" kern="1200" dirty="0">
+            <a:solidFill>
+              <a:srgbClr val="0070C0"/>
+            </a:solidFill>
+          </a:endParaRPr>
+        </a:p>
+        <a:p>
+          <a:pPr marL="171450" lvl="1" indent="-171450" algn="l" defTabSz="711200">
             <a:lnSpc>
               <a:spcPct val="90000"/>
             </a:lnSpc>
@@ -10990,15 +11449,88 @@
             <a:buChar char="••"/>
           </a:pPr>
           <a:r>
-            <a:rPr lang="pt-BR" sz="1800" b="1" kern="1200" dirty="0" smtClean="0"/>
-            <a:t>?</a:t>
+            <a:rPr lang="pt-BR" sz="1600" b="1" kern="1200" dirty="0" smtClean="0">
+              <a:solidFill>
+                <a:srgbClr val="0070C0"/>
+              </a:solidFill>
+            </a:rPr>
+            <a:t>Emissão Documentos</a:t>
           </a:r>
-          <a:endParaRPr lang="pt-BR" sz="1800" b="1" kern="1200" dirty="0"/>
+          <a:endParaRPr lang="pt-BR" sz="1600" b="1" kern="1200" dirty="0">
+            <a:solidFill>
+              <a:srgbClr val="0070C0"/>
+            </a:solidFill>
+          </a:endParaRPr>
+        </a:p>
+        <a:p>
+          <a:pPr marL="171450" lvl="1" indent="-171450" algn="l" defTabSz="711200">
+            <a:lnSpc>
+              <a:spcPct val="90000"/>
+            </a:lnSpc>
+            <a:spcBef>
+              <a:spcPct val="0"/>
+            </a:spcBef>
+            <a:spcAft>
+              <a:spcPct val="15000"/>
+            </a:spcAft>
+            <a:buChar char="••"/>
+          </a:pPr>
+          <a:endParaRPr lang="pt-BR" sz="1600" b="1" kern="1200" dirty="0">
+            <a:solidFill>
+              <a:srgbClr val="0070C0"/>
+            </a:solidFill>
+          </a:endParaRPr>
+        </a:p>
+        <a:p>
+          <a:pPr marL="171450" lvl="1" indent="-171450" algn="l" defTabSz="711200">
+            <a:lnSpc>
+              <a:spcPct val="90000"/>
+            </a:lnSpc>
+            <a:spcBef>
+              <a:spcPct val="0"/>
+            </a:spcBef>
+            <a:spcAft>
+              <a:spcPct val="15000"/>
+            </a:spcAft>
+            <a:buChar char="••"/>
+          </a:pPr>
+          <a:r>
+            <a:rPr lang="pt-BR" sz="1600" b="1" kern="1200" dirty="0" smtClean="0">
+              <a:solidFill>
+                <a:srgbClr val="0070C0"/>
+              </a:solidFill>
+            </a:rPr>
+            <a:t>Consultas</a:t>
+          </a:r>
+          <a:endParaRPr lang="pt-BR" sz="1600" b="1" kern="1200" dirty="0">
+            <a:solidFill>
+              <a:srgbClr val="0070C0"/>
+            </a:solidFill>
+          </a:endParaRPr>
+        </a:p>
+        <a:p>
+          <a:pPr marL="171450" lvl="1" indent="-171450" algn="l" defTabSz="711200">
+            <a:lnSpc>
+              <a:spcPct val="90000"/>
+            </a:lnSpc>
+            <a:spcBef>
+              <a:spcPct val="0"/>
+            </a:spcBef>
+            <a:spcAft>
+              <a:spcPct val="15000"/>
+            </a:spcAft>
+            <a:buChar char="••"/>
+          </a:pPr>
+          <a:endParaRPr lang="pt-BR" sz="1600" b="1" kern="1200" dirty="0">
+            <a:solidFill>
+              <a:srgbClr val="0070C0"/>
+            </a:solidFill>
+          </a:endParaRPr>
         </a:p>
       </dsp:txBody>
       <dsp:txXfrm>
-        <a:off x="3562351" y="812672"/>
-        <a:ext cx="1964455" cy="3686400"/>
+        <a:off x="3240380" y="1286027"/>
+        <a:ext cx="2529736" cy="2802375"/>
       </dsp:txXfrm>
     </dsp:sp>
     <dsp:sp modelId="{1390A124-BEDA-4A49-9B1B-0ED2FB571A6C}">
@@ -11007,89 +11539,56 @@
         <dsp:cNvSpPr/>
       </dsp:nvSpPr>
       <dsp:spPr>
-        <a:xfrm>
-          <a:off x="5422252" y="175234"/>
-          <a:ext cx="631345" cy="489092"/>
+        <a:xfrm rot="21577761">
+          <a:off x="5115198" y="528470"/>
+          <a:ext cx="652373" cy="626682"/>
         </a:xfrm>
-        <a:prstGeom prst="rightArrow">
-          <a:avLst>
-            <a:gd name="adj1" fmla="val 60000"/>
-            <a:gd name="adj2" fmla="val 50000"/>
-          </a:avLst>
+        <a:prstGeom prst="chevron">
+          <a:avLst/>
         </a:prstGeom>
         <a:gradFill rotWithShape="1">
           <a:gsLst>
             <a:gs pos="0">
               <a:schemeClr val="accent6">
-                <a:tint val="75000"/>
-                <a:shade val="85000"/>
-                <a:satMod val="230000"/>
-              </a:schemeClr>
-            </a:gs>
-            <a:gs pos="25000">
-              <a:schemeClr val="accent6">
-                <a:tint val="90000"/>
-                <a:shade val="70000"/>
-                <a:satMod val="220000"/>
-              </a:schemeClr>
-            </a:gs>
-            <a:gs pos="50000">
-              <a:schemeClr val="accent6">
-                <a:tint val="90000"/>
-                <a:shade val="58000"/>
-                <a:satMod val="225000"/>
-              </a:schemeClr>
-            </a:gs>
-            <a:gs pos="65000">
-              <a:schemeClr val="accent6">
-                <a:tint val="90000"/>
-                <a:shade val="58000"/>
-                <a:satMod val="225000"/>
+                <a:shade val="51000"/>
+                <a:satMod val="130000"/>
               </a:schemeClr>
             </a:gs>
             <a:gs pos="80000">
               <a:schemeClr val="accent6">
-                <a:tint val="90000"/>
-                <a:shade val="69000"/>
-                <a:satMod val="220000"/>
+                <a:shade val="93000"/>
+                <a:satMod val="130000"/>
               </a:schemeClr>
             </a:gs>
             <a:gs pos="100000">
               <a:schemeClr val="accent6">
-                <a:tint val="77000"/>
-                <a:shade val="80000"/>
-                <a:satMod val="230000"/>
+                <a:shade val="94000"/>
+                <a:satMod val="135000"/>
               </a:schemeClr>
             </a:gs>
           </a:gsLst>
-          <a:lin ang="5400000" scaled="1"/>
+          <a:lin ang="16200000" scaled="0"/>
         </a:gradFill>
         <a:ln>
           <a:noFill/>
         </a:ln>
         <a:effectLst>
-          <a:outerShdw blurRad="76200" dist="50800" dir="5400000" rotWithShape="0">
-            <a:srgbClr val="4E3B30">
-              <a:alpha val="60000"/>
+          <a:outerShdw blurRad="40000" dist="23000" dir="5400000" rotWithShape="0">
+            <a:srgbClr val="000000">
+              <a:alpha val="35000"/>
             </a:srgbClr>
           </a:outerShdw>
         </a:effectLst>
         <a:scene3d>
-          <a:camera prst="obliqueTopLeft" fov="600000">
+          <a:camera prst="orthographicFront">
             <a:rot lat="0" lon="0" rev="0"/>
           </a:camera>
-          <a:lightRig rig="balanced" dir="t">
-            <a:rot lat="0" lon="0" rev="19200000"/>
+          <a:lightRig rig="threePt" dir="t">
+            <a:rot lat="0" lon="0" rev="1200000"/>
           </a:lightRig>
         </a:scene3d>
-        <a:sp3d contourW="12700" prstMaterial="matte">
-          <a:bevelT w="60000" h="50800"/>
-          <a:contourClr>
-            <a:schemeClr val="accent6">
-              <a:shade val="60000"/>
-              <a:satMod val="110000"/>
-            </a:schemeClr>
-          </a:contourClr>
+        <a:sp3d>
+          <a:bevelT w="63500" h="25400"/>
         </a:sp3d>
       </dsp:spPr>
       <dsp:style>
@@ -11112,7 +11611,7 @@
         </a:bodyPr>
         <a:lstStyle/>
         <a:p>
-          <a:pPr lvl="0" algn="ctr" defTabSz="977900">
+          <a:pPr lvl="0" algn="ctr" defTabSz="177800">
             <a:lnSpc>
               <a:spcPct val="90000"/>
             </a:lnSpc>
@@ -11123,12 +11622,12 @@
               <a:spcPct val="35000"/>
             </a:spcAft>
           </a:pPr>
-          <a:endParaRPr lang="pt-BR" sz="2200" kern="1200"/>
+          <a:endParaRPr lang="pt-BR" sz="400" kern="1200"/>
         </a:p>
       </dsp:txBody>
-      <dsp:txXfrm>
-        <a:off x="5422252" y="175234"/>
-        <a:ext cx="631345" cy="489092"/>
+      <dsp:txXfrm rot="21577761">
+        <a:off x="5115198" y="528470"/>
+        <a:ext cx="652373" cy="626682"/>
       </dsp:txXfrm>
     </dsp:sp>
     <dsp:sp modelId="{944B484B-F688-4CFA-A4FB-08B237CA5903}">
@@ -11138,8 +11637,8 @@
       </dsp:nvSpPr>
       <dsp:spPr>
         <a:xfrm>
-          <a:off x="6315665" y="26889"/>
-          <a:ext cx="1964455" cy="2764800"/>
+          <a:off x="5981709" y="455029"/>
+          <a:ext cx="1838479" cy="2310477"/>
         </a:xfrm>
         <a:prstGeom prst="roundRect">
           <a:avLst>
@@ -11150,75 +11649,45 @@
           <a:gsLst>
             <a:gs pos="0">
               <a:schemeClr val="accent6">
-                <a:tint val="75000"/>
-                <a:shade val="85000"/>
-                <a:satMod val="230000"/>
-              </a:schemeClr>
-            </a:gs>
-            <a:gs pos="25000">
-              <a:schemeClr val="accent6">
-                <a:tint val="90000"/>
-                <a:shade val="70000"/>
-                <a:satMod val="220000"/>
-              </a:schemeClr>
-            </a:gs>
-            <a:gs pos="50000">
-              <a:schemeClr val="accent6">
-                <a:tint val="90000"/>
-                <a:shade val="58000"/>
-                <a:satMod val="225000"/>
-              </a:schemeClr>
-            </a:gs>
-            <a:gs pos="65000">
-              <a:schemeClr val="accent6">
-                <a:tint val="90000"/>
-                <a:shade val="58000"/>
-                <a:satMod val="225000"/>
+                <a:shade val="51000"/>
+                <a:satMod val="130000"/>
               </a:schemeClr>
             </a:gs>
             <a:gs pos="80000">
               <a:schemeClr val="accent6">
-                <a:tint val="90000"/>
-                <a:shade val="69000"/>
-                <a:satMod val="220000"/>
+                <a:shade val="93000"/>
+                <a:satMod val="130000"/>
               </a:schemeClr>
             </a:gs>
             <a:gs pos="100000">
               <a:schemeClr val="accent6">
-                <a:tint val="77000"/>
-                <a:shade val="80000"/>
-                <a:satMod val="230000"/>
+                <a:shade val="94000"/>
+                <a:satMod val="135000"/>
               </a:schemeClr>
             </a:gs>
           </a:gsLst>
-          <a:lin ang="5400000" scaled="1"/>
+          <a:lin ang="16200000" scaled="0"/>
         </a:gradFill>
         <a:ln>
           <a:noFill/>
         </a:ln>
         <a:effectLst>
-          <a:outerShdw blurRad="76200" dist="50800" dir="5400000" rotWithShape="0">
-            <a:srgbClr val="4E3B30">
-              <a:alpha val="60000"/>
+          <a:outerShdw blurRad="40000" dist="23000" dir="5400000" rotWithShape="0">
+            <a:srgbClr val="000000">
+              <a:alpha val="35000"/>
             </a:srgbClr>
           </a:outerShdw>
         </a:effectLst>
         <a:scene3d>
-          <a:camera prst="obliqueTopLeft" fov="600000">
+          <a:camera prst="orthographicFront">
             <a:rot lat="0" lon="0" rev="0"/>
           </a:camera>
-          <a:lightRig rig="balanced" dir="t">
-            <a:rot lat="0" lon="0" rev="19200000"/>
+          <a:lightRig rig="threePt" dir="t">
+            <a:rot lat="0" lon="0" rev="1200000"/>
           </a:lightRig>
         </a:scene3d>
-        <a:sp3d contourW="12700" prstMaterial="matte">
-          <a:bevelT w="60000" h="50800"/>
-          <a:contourClr>
-            <a:schemeClr val="accent6">
-              <a:shade val="60000"/>
-              <a:satMod val="110000"/>
-            </a:schemeClr>
-          </a:contourClr>
+        <a:sp3d>
+          <a:bevelT w="63500" h="25400"/>
         </a:sp3d>
       </dsp:spPr>
       <dsp:style>
@@ -11253,15 +11722,23 @@
             </a:spcAft>
           </a:pPr>
           <a:r>
-            <a:rPr lang="pt-BR" sz="2400" b="1" kern="1200" dirty="0" smtClean="0"/>
+            <a:rPr lang="pt-BR" sz="2400" b="1" kern="1200" dirty="0" smtClean="0">
+              <a:solidFill>
+                <a:srgbClr val="00FFFF"/>
+              </a:solidFill>
+            </a:rPr>
             <a:t>Facilitar</a:t>
           </a:r>
-          <a:endParaRPr lang="pt-BR" sz="2400" b="1" kern="1200" dirty="0"/>
+          <a:endParaRPr lang="pt-BR" sz="2400" b="1" kern="1200" dirty="0">
+            <a:solidFill>
+              <a:srgbClr val="00FFFF"/>
+            </a:solidFill>
+          </a:endParaRPr>
         </a:p>
       </dsp:txBody>
       <dsp:txXfrm>
-        <a:off x="6315665" y="26889"/>
-        <a:ext cx="1964455" cy="785782"/>
+        <a:off x="5981709" y="455029"/>
+        <a:ext cx="1838479" cy="955809"/>
       </dsp:txXfrm>
     </dsp:sp>
     <dsp:sp modelId="{1993AEF3-68C8-4F83-9F1E-D1B7B5B4963C}">
@@ -11271,8 +11748,8 @@
       </dsp:nvSpPr>
       <dsp:spPr>
         <a:xfrm>
-          <a:off x="6718024" y="812672"/>
-          <a:ext cx="1964455" cy="3686400"/>
+          <a:off x="6176489" y="1265013"/>
+          <a:ext cx="2501758" cy="2802375"/>
         </a:xfrm>
         <a:prstGeom prst="roundRect">
           <a:avLst>
@@ -11305,1082 +11782,7 @@
         </a:fontRef>
       </dsp:style>
       <dsp:txBody>
-        <a:bodyPr spcFirstLastPara="0" vert="horz" wrap="square" lIns="99568" tIns="99568" rIns="99568" bIns="99568" numCol="1" spcCol="1270" anchor="t" anchorCtr="0">
-          <a:noAutofit/>
-        </a:bodyPr>
-        <a:lstStyle/>
-        <a:p>
-          <a:pPr marL="114300" lvl="1" indent="-114300" algn="l" defTabSz="622300">
-            <a:lnSpc>
-              <a:spcPct val="90000"/>
-            </a:lnSpc>
-            <a:spcBef>
-              <a:spcPct val="0"/>
-            </a:spcBef>
-            <a:spcAft>
-              <a:spcPct val="15000"/>
-            </a:spcAft>
-            <a:buChar char="••"/>
-          </a:pPr>
-          <a:r>
-            <a:rPr lang="pt-BR" sz="1400" b="1" kern="1200" dirty="0" smtClean="0"/>
-            <a:t>?</a:t>
-          </a:r>
-          <a:endParaRPr lang="pt-BR" sz="1400" b="1" kern="1200" dirty="0"/>
-        </a:p>
-      </dsp:txBody>
-      <dsp:txXfrm>
-        <a:off x="6718024" y="812672"/>
-        <a:ext cx="1964455" cy="3686400"/>
-      </dsp:txXfrm>
-    </dsp:sp>
-  </dsp:spTree>
-</dsp:drawing>
-</file>
-
-<file path=ppt/diagrams/drawing3.xml><?xml version="1.0" encoding="utf-8"?>
-<dsp:drawing xmlns:dgm="http://schemas.openxmlformats.org/drawingml/2006/diagram" xmlns:a="http://schemas.openxmlformats.org/drawingml/2006/main" xmlns:dsp="http://schemas.microsoft.com/office/drawing/2008/diagram">
-  <dsp:spTree>
-    <dsp:nvGrpSpPr>
-      <dsp:cNvPr id="0" name=""/>
-      <dsp:cNvGrpSpPr/>
-    </dsp:nvGrpSpPr>
-    <dsp:grpSpPr/>
-    <dsp:sp modelId="{78E90345-FE91-47A7-8E8D-7EC91F8F325D}">
-      <dsp:nvSpPr>
-        <dsp:cNvPr id="0" name=""/>
-        <dsp:cNvSpPr/>
-      </dsp:nvSpPr>
-      <dsp:spPr>
-        <a:xfrm>
-          <a:off x="5677" y="894390"/>
-          <a:ext cx="4231924" cy="497873"/>
-        </a:xfrm>
-        <a:prstGeom prst="rect">
-          <a:avLst/>
-        </a:prstGeom>
-        <a:solidFill>
-          <a:schemeClr val="accent1">
-            <a:hueOff val="0"/>
-            <a:satOff val="0"/>
-            <a:lumOff val="0"/>
-            <a:alphaOff val="0"/>
-          </a:schemeClr>
-        </a:solidFill>
-        <a:ln w="25400" cap="flat" cmpd="sng" algn="ctr">
-          <a:solidFill>
-            <a:schemeClr val="accent1">
-              <a:hueOff val="0"/>
-              <a:satOff val="0"/>
-              <a:lumOff val="0"/>
-              <a:alphaOff val="0"/>
-            </a:schemeClr>
-          </a:solidFill>
-          <a:prstDash val="solid"/>
-        </a:ln>
-        <a:effectLst/>
-      </dsp:spPr>
-      <dsp:style>
-        <a:lnRef idx="2">
-          <a:scrgbClr r="0" g="0" b="0"/>
-        </a:lnRef>
-        <a:fillRef idx="1">
-          <a:scrgbClr r="0" g="0" b="0"/>
-        </a:fillRef>
-        <a:effectRef idx="0">
-          <a:scrgbClr r="0" g="0" b="0"/>
-        </a:effectRef>
-        <a:fontRef idx="minor">
-          <a:schemeClr val="lt1"/>
-        </a:fontRef>
-      </dsp:style>
-    </dsp:sp>
-    <dsp:sp modelId="{442AB41D-A8B9-4C81-AFE5-A9DDC7C501DB}">
-      <dsp:nvSpPr>
-        <dsp:cNvPr id="0" name=""/>
-        <dsp:cNvSpPr/>
-      </dsp:nvSpPr>
-      <dsp:spPr>
-        <a:xfrm>
-          <a:off x="5677" y="1081371"/>
-          <a:ext cx="310892" cy="310892"/>
-        </a:xfrm>
-        <a:prstGeom prst="rect">
-          <a:avLst/>
-        </a:prstGeom>
-        <a:solidFill>
-          <a:schemeClr val="lt1">
-            <a:alpha val="90000"/>
-            <a:hueOff val="0"/>
-            <a:satOff val="0"/>
-            <a:lumOff val="0"/>
-            <a:alphaOff val="0"/>
-          </a:schemeClr>
-        </a:solidFill>
-        <a:ln w="25400" cap="flat" cmpd="sng" algn="ctr">
-          <a:solidFill>
-            <a:schemeClr val="accent1">
-              <a:hueOff val="0"/>
-              <a:satOff val="0"/>
-              <a:lumOff val="0"/>
-              <a:alphaOff val="0"/>
-            </a:schemeClr>
-          </a:solidFill>
-          <a:prstDash val="solid"/>
-        </a:ln>
-        <a:effectLst/>
-      </dsp:spPr>
-      <dsp:style>
-        <a:lnRef idx="2">
-          <a:scrgbClr r="0" g="0" b="0"/>
-        </a:lnRef>
-        <a:fillRef idx="1">
-          <a:scrgbClr r="0" g="0" b="0"/>
-        </a:fillRef>
-        <a:effectRef idx="0">
-          <a:scrgbClr r="0" g="0" b="0"/>
-        </a:effectRef>
-        <a:fontRef idx="minor"/>
-      </dsp:style>
-    </dsp:sp>
-    <dsp:sp modelId="{F0A18B1E-4B8C-49D0-A2C5-B72A0992791A}">
-      <dsp:nvSpPr>
-        <dsp:cNvPr id="0" name=""/>
-        <dsp:cNvSpPr/>
-      </dsp:nvSpPr>
-      <dsp:spPr>
-        <a:xfrm>
-          <a:off x="5677" y="0"/>
-          <a:ext cx="4231924" cy="894390"/>
-        </a:xfrm>
-        <a:prstGeom prst="rect">
-          <a:avLst/>
-        </a:prstGeom>
-        <a:noFill/>
-        <a:ln>
-          <a:noFill/>
-        </a:ln>
-        <a:effectLst/>
-      </dsp:spPr>
-      <dsp:style>
-        <a:lnRef idx="0">
-          <a:scrgbClr r="0" g="0" b="0"/>
-        </a:lnRef>
-        <a:fillRef idx="0">
-          <a:scrgbClr r="0" g="0" b="0"/>
-        </a:fillRef>
-        <a:effectRef idx="0">
-          <a:scrgbClr r="0" g="0" b="0"/>
-        </a:effectRef>
-        <a:fontRef idx="minor"/>
-      </dsp:style>
-      <dsp:txBody>
-        <a:bodyPr spcFirstLastPara="0" vert="horz" wrap="square" lIns="108585" tIns="72390" rIns="108585" bIns="72390" numCol="1" spcCol="1270" anchor="ctr" anchorCtr="0">
-          <a:noAutofit/>
-        </a:bodyPr>
-        <a:lstStyle/>
-        <a:p>
-          <a:pPr lvl="0" algn="l" defTabSz="2533650">
-            <a:lnSpc>
-              <a:spcPct val="90000"/>
-            </a:lnSpc>
-            <a:spcBef>
-              <a:spcPct val="0"/>
-            </a:spcBef>
-            <a:spcAft>
-              <a:spcPct val="35000"/>
-            </a:spcAft>
-          </a:pPr>
-          <a:endParaRPr lang="pt-BR" sz="5700" kern="1200" dirty="0"/>
-        </a:p>
-      </dsp:txBody>
-      <dsp:txXfrm>
-        <a:off x="5677" y="0"/>
-        <a:ext cx="4231924" cy="894390"/>
-      </dsp:txXfrm>
-    </dsp:sp>
-    <dsp:sp modelId="{8A80B33F-319E-4097-BABE-6D06200B4059}">
-      <dsp:nvSpPr>
-        <dsp:cNvPr id="0" name=""/>
-        <dsp:cNvSpPr/>
-      </dsp:nvSpPr>
-      <dsp:spPr>
-        <a:xfrm>
-          <a:off x="5677" y="1806052"/>
-          <a:ext cx="310884" cy="310884"/>
-        </a:xfrm>
-        <a:prstGeom prst="rect">
-          <a:avLst/>
-        </a:prstGeom>
-        <a:solidFill>
-          <a:schemeClr val="lt1">
-            <a:hueOff val="0"/>
-            <a:satOff val="0"/>
-            <a:lumOff val="0"/>
-            <a:alphaOff val="0"/>
-          </a:schemeClr>
-        </a:solidFill>
-        <a:ln w="25400" cap="flat" cmpd="sng" algn="ctr">
-          <a:solidFill>
-            <a:schemeClr val="accent1">
-              <a:hueOff val="0"/>
-              <a:satOff val="0"/>
-              <a:lumOff val="0"/>
-              <a:alphaOff val="0"/>
-            </a:schemeClr>
-          </a:solidFill>
-          <a:prstDash val="solid"/>
-        </a:ln>
-        <a:effectLst/>
-      </dsp:spPr>
-      <dsp:style>
-        <a:lnRef idx="2">
-          <a:scrgbClr r="0" g="0" b="0"/>
-        </a:lnRef>
-        <a:fillRef idx="1">
-          <a:scrgbClr r="0" g="0" b="0"/>
-        </a:fillRef>
-        <a:effectRef idx="0">
-          <a:scrgbClr r="0" g="0" b="0"/>
-        </a:effectRef>
-        <a:fontRef idx="minor"/>
-      </dsp:style>
-    </dsp:sp>
-    <dsp:sp modelId="{22C7BCBD-CEEE-4C3C-8575-8FCB6CDA438E}">
-      <dsp:nvSpPr>
-        <dsp:cNvPr id="0" name=""/>
-        <dsp:cNvSpPr/>
-      </dsp:nvSpPr>
-      <dsp:spPr>
-        <a:xfrm>
-          <a:off x="301911" y="1599157"/>
-          <a:ext cx="3935690" cy="724673"/>
-        </a:xfrm>
-        <a:prstGeom prst="rect">
-          <a:avLst/>
-        </a:prstGeom>
-        <a:noFill/>
-        <a:ln>
-          <a:noFill/>
-        </a:ln>
-        <a:effectLst/>
-      </dsp:spPr>
-      <dsp:style>
-        <a:lnRef idx="0">
-          <a:scrgbClr r="0" g="0" b="0"/>
-        </a:lnRef>
-        <a:fillRef idx="0">
-          <a:scrgbClr r="0" g="0" b="0"/>
-        </a:fillRef>
-        <a:effectRef idx="0">
-          <a:scrgbClr r="0" g="0" b="0"/>
-        </a:effectRef>
-        <a:fontRef idx="minor"/>
-      </dsp:style>
-      <dsp:txBody>
-        <a:bodyPr spcFirstLastPara="0" vert="horz" wrap="square" lIns="184912" tIns="184912" rIns="184912" bIns="184912" numCol="1" spcCol="1270" anchor="ctr" anchorCtr="0">
-          <a:noAutofit/>
-        </a:bodyPr>
-        <a:lstStyle/>
-        <a:p>
-          <a:pPr lvl="0" algn="l" defTabSz="1155700">
-            <a:lnSpc>
-              <a:spcPct val="90000"/>
-            </a:lnSpc>
-            <a:spcBef>
-              <a:spcPct val="0"/>
-            </a:spcBef>
-            <a:spcAft>
-              <a:spcPct val="35000"/>
-            </a:spcAft>
-          </a:pPr>
-          <a:endParaRPr lang="pt-BR" sz="2600" kern="1200"/>
-        </a:p>
-      </dsp:txBody>
-      <dsp:txXfrm>
-        <a:off x="301911" y="1599157"/>
-        <a:ext cx="3935690" cy="724673"/>
-      </dsp:txXfrm>
-    </dsp:sp>
-    <dsp:sp modelId="{FDEBDDC6-2C76-49BA-AA17-2EC6B30C86BD}">
-      <dsp:nvSpPr>
-        <dsp:cNvPr id="0" name=""/>
-        <dsp:cNvSpPr/>
-      </dsp:nvSpPr>
-      <dsp:spPr>
-        <a:xfrm>
-          <a:off x="5677" y="2530725"/>
-          <a:ext cx="310884" cy="310884"/>
-        </a:xfrm>
-        <a:prstGeom prst="rect">
-          <a:avLst/>
-        </a:prstGeom>
-        <a:solidFill>
-          <a:schemeClr val="lt1">
-            <a:hueOff val="0"/>
-            <a:satOff val="0"/>
-            <a:lumOff val="0"/>
-            <a:alphaOff val="0"/>
-          </a:schemeClr>
-        </a:solidFill>
-        <a:ln w="25400" cap="flat" cmpd="sng" algn="ctr">
-          <a:solidFill>
-            <a:schemeClr val="accent1">
-              <a:hueOff val="0"/>
-              <a:satOff val="0"/>
-              <a:lumOff val="0"/>
-              <a:alphaOff val="0"/>
-            </a:schemeClr>
-          </a:solidFill>
-          <a:prstDash val="solid"/>
-        </a:ln>
-        <a:effectLst/>
-      </dsp:spPr>
-      <dsp:style>
-        <a:lnRef idx="2">
-          <a:scrgbClr r="0" g="0" b="0"/>
-        </a:lnRef>
-        <a:fillRef idx="1">
-          <a:scrgbClr r="0" g="0" b="0"/>
-        </a:fillRef>
-        <a:effectRef idx="0">
-          <a:scrgbClr r="0" g="0" b="0"/>
-        </a:effectRef>
-        <a:fontRef idx="minor"/>
-      </dsp:style>
-    </dsp:sp>
-    <dsp:sp modelId="{B93FB06B-349E-4C46-9386-C2A7693F919C}">
-      <dsp:nvSpPr>
-        <dsp:cNvPr id="0" name=""/>
-        <dsp:cNvSpPr/>
-      </dsp:nvSpPr>
-      <dsp:spPr>
-        <a:xfrm>
-          <a:off x="301911" y="2323831"/>
-          <a:ext cx="3935690" cy="724673"/>
-        </a:xfrm>
-        <a:prstGeom prst="rect">
-          <a:avLst/>
-        </a:prstGeom>
-        <a:noFill/>
-        <a:ln>
-          <a:noFill/>
-        </a:ln>
-        <a:effectLst/>
-      </dsp:spPr>
-      <dsp:style>
-        <a:lnRef idx="0">
-          <a:scrgbClr r="0" g="0" b="0"/>
-        </a:lnRef>
-        <a:fillRef idx="0">
-          <a:scrgbClr r="0" g="0" b="0"/>
-        </a:fillRef>
-        <a:effectRef idx="0">
-          <a:scrgbClr r="0" g="0" b="0"/>
-        </a:effectRef>
-        <a:fontRef idx="minor"/>
-      </dsp:style>
-      <dsp:txBody>
-        <a:bodyPr spcFirstLastPara="0" vert="horz" wrap="square" lIns="184912" tIns="184912" rIns="184912" bIns="184912" numCol="1" spcCol="1270" anchor="ctr" anchorCtr="0">
-          <a:noAutofit/>
-        </a:bodyPr>
-        <a:lstStyle/>
-        <a:p>
-          <a:pPr lvl="0" algn="l" defTabSz="1155700">
-            <a:lnSpc>
-              <a:spcPct val="90000"/>
-            </a:lnSpc>
-            <a:spcBef>
-              <a:spcPct val="0"/>
-            </a:spcBef>
-            <a:spcAft>
-              <a:spcPct val="35000"/>
-            </a:spcAft>
-          </a:pPr>
-          <a:endParaRPr lang="pt-BR" sz="2600" kern="1200"/>
-        </a:p>
-      </dsp:txBody>
-      <dsp:txXfrm>
-        <a:off x="301911" y="2323831"/>
-        <a:ext cx="3935690" cy="724673"/>
-      </dsp:txXfrm>
-    </dsp:sp>
-    <dsp:sp modelId="{F1021B75-F18F-4829-9EBD-5BA808E16033}">
-      <dsp:nvSpPr>
-        <dsp:cNvPr id="0" name=""/>
-        <dsp:cNvSpPr/>
-      </dsp:nvSpPr>
-      <dsp:spPr>
-        <a:xfrm>
-          <a:off x="5677" y="3255398"/>
-          <a:ext cx="310884" cy="310884"/>
-        </a:xfrm>
-        <a:prstGeom prst="rect">
-          <a:avLst/>
-        </a:prstGeom>
-        <a:solidFill>
-          <a:schemeClr val="lt1">
-            <a:hueOff val="0"/>
-            <a:satOff val="0"/>
-            <a:lumOff val="0"/>
-            <a:alphaOff val="0"/>
-          </a:schemeClr>
-        </a:solidFill>
-        <a:ln w="25400" cap="flat" cmpd="sng" algn="ctr">
-          <a:solidFill>
-            <a:schemeClr val="accent1">
-              <a:hueOff val="0"/>
-              <a:satOff val="0"/>
-              <a:lumOff val="0"/>
-              <a:alphaOff val="0"/>
-            </a:schemeClr>
-          </a:solidFill>
-          <a:prstDash val="solid"/>
-        </a:ln>
-        <a:effectLst/>
-      </dsp:spPr>
-      <dsp:style>
-        <a:lnRef idx="2">
-          <a:scrgbClr r="0" g="0" b="0"/>
-        </a:lnRef>
-        <a:fillRef idx="1">
-          <a:scrgbClr r="0" g="0" b="0"/>
-        </a:fillRef>
-        <a:effectRef idx="0">
-          <a:scrgbClr r="0" g="0" b="0"/>
-        </a:effectRef>
-        <a:fontRef idx="minor"/>
-      </dsp:style>
-    </dsp:sp>
-    <dsp:sp modelId="{3094B189-7DCD-4266-B46D-8752B3C3A89E}">
-      <dsp:nvSpPr>
-        <dsp:cNvPr id="0" name=""/>
-        <dsp:cNvSpPr/>
-      </dsp:nvSpPr>
-      <dsp:spPr>
-        <a:xfrm>
-          <a:off x="301911" y="3048504"/>
-          <a:ext cx="3935690" cy="724673"/>
-        </a:xfrm>
-        <a:prstGeom prst="rect">
-          <a:avLst/>
-        </a:prstGeom>
-        <a:noFill/>
-        <a:ln>
-          <a:noFill/>
-        </a:ln>
-        <a:effectLst/>
-      </dsp:spPr>
-      <dsp:style>
-        <a:lnRef idx="0">
-          <a:scrgbClr r="0" g="0" b="0"/>
-        </a:lnRef>
-        <a:fillRef idx="0">
-          <a:scrgbClr r="0" g="0" b="0"/>
-        </a:fillRef>
-        <a:effectRef idx="0">
-          <a:scrgbClr r="0" g="0" b="0"/>
-        </a:effectRef>
-        <a:fontRef idx="minor"/>
-      </dsp:style>
-      <dsp:txBody>
-        <a:bodyPr spcFirstLastPara="0" vert="horz" wrap="square" lIns="184912" tIns="184912" rIns="184912" bIns="184912" numCol="1" spcCol="1270" anchor="ctr" anchorCtr="0">
-          <a:noAutofit/>
-        </a:bodyPr>
-        <a:lstStyle/>
-        <a:p>
-          <a:pPr lvl="0" algn="l" defTabSz="1155700">
-            <a:lnSpc>
-              <a:spcPct val="90000"/>
-            </a:lnSpc>
-            <a:spcBef>
-              <a:spcPct val="0"/>
-            </a:spcBef>
-            <a:spcAft>
-              <a:spcPct val="35000"/>
-            </a:spcAft>
-          </a:pPr>
-          <a:endParaRPr lang="pt-BR" sz="2600" kern="1200"/>
-        </a:p>
-      </dsp:txBody>
-      <dsp:txXfrm>
-        <a:off x="301911" y="3048504"/>
-        <a:ext cx="3935690" cy="724673"/>
-      </dsp:txXfrm>
-    </dsp:sp>
-    <dsp:sp modelId="{1101818C-F9E6-48B1-8106-9EDF7C77010F}">
-      <dsp:nvSpPr>
-        <dsp:cNvPr id="0" name=""/>
-        <dsp:cNvSpPr/>
-      </dsp:nvSpPr>
-      <dsp:spPr>
-        <a:xfrm>
-          <a:off x="4449198" y="894390"/>
-          <a:ext cx="4231924" cy="497873"/>
-        </a:xfrm>
-        <a:prstGeom prst="rect">
-          <a:avLst/>
-        </a:prstGeom>
-        <a:solidFill>
-          <a:schemeClr val="accent1">
-            <a:hueOff val="0"/>
-            <a:satOff val="0"/>
-            <a:lumOff val="0"/>
-            <a:alphaOff val="0"/>
-          </a:schemeClr>
-        </a:solidFill>
-        <a:ln w="25400" cap="flat" cmpd="sng" algn="ctr">
-          <a:solidFill>
-            <a:schemeClr val="accent1">
-              <a:hueOff val="0"/>
-              <a:satOff val="0"/>
-              <a:lumOff val="0"/>
-              <a:alphaOff val="0"/>
-            </a:schemeClr>
-          </a:solidFill>
-          <a:prstDash val="solid"/>
-        </a:ln>
-        <a:effectLst/>
-      </dsp:spPr>
-      <dsp:style>
-        <a:lnRef idx="2">
-          <a:scrgbClr r="0" g="0" b="0"/>
-        </a:lnRef>
-        <a:fillRef idx="1">
-          <a:scrgbClr r="0" g="0" b="0"/>
-        </a:fillRef>
-        <a:effectRef idx="0">
-          <a:scrgbClr r="0" g="0" b="0"/>
-        </a:effectRef>
-        <a:fontRef idx="minor">
-          <a:schemeClr val="lt1"/>
-        </a:fontRef>
-      </dsp:style>
-    </dsp:sp>
-    <dsp:sp modelId="{84502440-DF3A-49DD-9E3E-7B520195C2F2}">
-      <dsp:nvSpPr>
-        <dsp:cNvPr id="0" name=""/>
-        <dsp:cNvSpPr/>
-      </dsp:nvSpPr>
-      <dsp:spPr>
-        <a:xfrm>
-          <a:off x="4449198" y="1081371"/>
-          <a:ext cx="310892" cy="310892"/>
-        </a:xfrm>
-        <a:prstGeom prst="rect">
-          <a:avLst/>
-        </a:prstGeom>
-        <a:solidFill>
-          <a:schemeClr val="lt1">
-            <a:alpha val="90000"/>
-            <a:hueOff val="0"/>
-            <a:satOff val="0"/>
-            <a:lumOff val="0"/>
-            <a:alphaOff val="0"/>
-          </a:schemeClr>
-        </a:solidFill>
-        <a:ln w="25400" cap="flat" cmpd="sng" algn="ctr">
-          <a:solidFill>
-            <a:schemeClr val="accent1">
-              <a:hueOff val="0"/>
-              <a:satOff val="0"/>
-              <a:lumOff val="0"/>
-              <a:alphaOff val="0"/>
-            </a:schemeClr>
-          </a:solidFill>
-          <a:prstDash val="solid"/>
-        </a:ln>
-        <a:effectLst/>
-      </dsp:spPr>
-      <dsp:style>
-        <a:lnRef idx="2">
-          <a:scrgbClr r="0" g="0" b="0"/>
-        </a:lnRef>
-        <a:fillRef idx="1">
-          <a:scrgbClr r="0" g="0" b="0"/>
-        </a:fillRef>
-        <a:effectRef idx="0">
-          <a:scrgbClr r="0" g="0" b="0"/>
-        </a:effectRef>
-        <a:fontRef idx="minor"/>
-      </dsp:style>
-    </dsp:sp>
-    <dsp:sp modelId="{920C1E90-5036-40EE-8B7B-C03BC172C6F4}">
-      <dsp:nvSpPr>
-        <dsp:cNvPr id="0" name=""/>
-        <dsp:cNvSpPr/>
-      </dsp:nvSpPr>
-      <dsp:spPr>
-        <a:xfrm>
-          <a:off x="4449198" y="0"/>
-          <a:ext cx="4231924" cy="894390"/>
-        </a:xfrm>
-        <a:prstGeom prst="rect">
-          <a:avLst/>
-        </a:prstGeom>
-        <a:noFill/>
-        <a:ln>
-          <a:noFill/>
-        </a:ln>
-        <a:effectLst/>
-      </dsp:spPr>
-      <dsp:style>
-        <a:lnRef idx="0">
-          <a:scrgbClr r="0" g="0" b="0"/>
-        </a:lnRef>
-        <a:fillRef idx="0">
-          <a:scrgbClr r="0" g="0" b="0"/>
-        </a:fillRef>
-        <a:effectRef idx="0">
-          <a:scrgbClr r="0" g="0" b="0"/>
-        </a:effectRef>
-        <a:fontRef idx="minor"/>
-      </dsp:style>
-      <dsp:txBody>
-        <a:bodyPr spcFirstLastPara="0" vert="horz" wrap="square" lIns="108585" tIns="72390" rIns="108585" bIns="72390" numCol="1" spcCol="1270" anchor="ctr" anchorCtr="0">
-          <a:noAutofit/>
-        </a:bodyPr>
-        <a:lstStyle/>
-        <a:p>
-          <a:pPr lvl="0" algn="l" defTabSz="2533650">
-            <a:lnSpc>
-              <a:spcPct val="90000"/>
-            </a:lnSpc>
-            <a:spcBef>
-              <a:spcPct val="0"/>
-            </a:spcBef>
-            <a:spcAft>
-              <a:spcPct val="35000"/>
-            </a:spcAft>
-          </a:pPr>
-          <a:endParaRPr lang="pt-BR" sz="5700" kern="1200"/>
-        </a:p>
-      </dsp:txBody>
-      <dsp:txXfrm>
-        <a:off x="4449198" y="0"/>
-        <a:ext cx="4231924" cy="894390"/>
-      </dsp:txXfrm>
-    </dsp:sp>
-    <dsp:sp modelId="{AC7AB7D7-9945-4B50-9E90-95E126A5DEAB}">
-      <dsp:nvSpPr>
-        <dsp:cNvPr id="0" name=""/>
-        <dsp:cNvSpPr/>
-      </dsp:nvSpPr>
-      <dsp:spPr>
-        <a:xfrm>
-          <a:off x="4449198" y="1806052"/>
-          <a:ext cx="310884" cy="310884"/>
-        </a:xfrm>
-        <a:prstGeom prst="rect">
-          <a:avLst/>
-        </a:prstGeom>
-        <a:solidFill>
-          <a:schemeClr val="lt1">
-            <a:hueOff val="0"/>
-            <a:satOff val="0"/>
-            <a:lumOff val="0"/>
-            <a:alphaOff val="0"/>
-          </a:schemeClr>
-        </a:solidFill>
-        <a:ln w="25400" cap="flat" cmpd="sng" algn="ctr">
-          <a:solidFill>
-            <a:schemeClr val="accent1">
-              <a:hueOff val="0"/>
-              <a:satOff val="0"/>
-              <a:lumOff val="0"/>
-              <a:alphaOff val="0"/>
-            </a:schemeClr>
-          </a:solidFill>
-          <a:prstDash val="solid"/>
-        </a:ln>
-        <a:effectLst/>
-      </dsp:spPr>
-      <dsp:style>
-        <a:lnRef idx="2">
-          <a:scrgbClr r="0" g="0" b="0"/>
-        </a:lnRef>
-        <a:fillRef idx="1">
-          <a:scrgbClr r="0" g="0" b="0"/>
-        </a:fillRef>
-        <a:effectRef idx="0">
-          <a:scrgbClr r="0" g="0" b="0"/>
-        </a:effectRef>
-        <a:fontRef idx="minor"/>
-      </dsp:style>
-    </dsp:sp>
-    <dsp:sp modelId="{D13322E5-B7AE-4570-A9FC-84DF641F4452}">
-      <dsp:nvSpPr>
-        <dsp:cNvPr id="0" name=""/>
-        <dsp:cNvSpPr/>
-      </dsp:nvSpPr>
-      <dsp:spPr>
-        <a:xfrm>
-          <a:off x="4745432" y="1599157"/>
-          <a:ext cx="3935690" cy="724673"/>
-        </a:xfrm>
-        <a:prstGeom prst="rect">
-          <a:avLst/>
-        </a:prstGeom>
-        <a:noFill/>
-        <a:ln>
-          <a:noFill/>
-        </a:ln>
-        <a:effectLst/>
-      </dsp:spPr>
-      <dsp:style>
-        <a:lnRef idx="0">
-          <a:scrgbClr r="0" g="0" b="0"/>
-        </a:lnRef>
-        <a:fillRef idx="0">
-          <a:scrgbClr r="0" g="0" b="0"/>
-        </a:fillRef>
-        <a:effectRef idx="0">
-          <a:scrgbClr r="0" g="0" b="0"/>
-        </a:effectRef>
-        <a:fontRef idx="minor"/>
-      </dsp:style>
-      <dsp:txBody>
-        <a:bodyPr spcFirstLastPara="0" vert="horz" wrap="square" lIns="184912" tIns="184912" rIns="184912" bIns="184912" numCol="1" spcCol="1270" anchor="ctr" anchorCtr="0">
-          <a:noAutofit/>
-        </a:bodyPr>
-        <a:lstStyle/>
-        <a:p>
-          <a:pPr lvl="0" algn="l" defTabSz="1155700">
-            <a:lnSpc>
-              <a:spcPct val="90000"/>
-            </a:lnSpc>
-            <a:spcBef>
-              <a:spcPct val="0"/>
-            </a:spcBef>
-            <a:spcAft>
-              <a:spcPct val="35000"/>
-            </a:spcAft>
-          </a:pPr>
-          <a:endParaRPr lang="pt-BR" sz="2600" kern="1200" dirty="0"/>
-        </a:p>
-      </dsp:txBody>
-      <dsp:txXfrm>
-        <a:off x="4745432" y="1599157"/>
-        <a:ext cx="3935690" cy="724673"/>
-      </dsp:txXfrm>
-    </dsp:sp>
-    <dsp:sp modelId="{51818F82-5864-453D-89E1-3C9A291A4AF3}">
-      <dsp:nvSpPr>
-        <dsp:cNvPr id="0" name=""/>
-        <dsp:cNvSpPr/>
-      </dsp:nvSpPr>
-      <dsp:spPr>
-        <a:xfrm>
-          <a:off x="4449198" y="2530725"/>
-          <a:ext cx="310884" cy="310884"/>
-        </a:xfrm>
-        <a:prstGeom prst="rect">
-          <a:avLst/>
-        </a:prstGeom>
-        <a:solidFill>
-          <a:schemeClr val="lt1">
-            <a:hueOff val="0"/>
-            <a:satOff val="0"/>
-            <a:lumOff val="0"/>
-            <a:alphaOff val="0"/>
-          </a:schemeClr>
-        </a:solidFill>
-        <a:ln w="25400" cap="flat" cmpd="sng" algn="ctr">
-          <a:solidFill>
-            <a:schemeClr val="accent1">
-              <a:hueOff val="0"/>
-              <a:satOff val="0"/>
-              <a:lumOff val="0"/>
-              <a:alphaOff val="0"/>
-            </a:schemeClr>
-          </a:solidFill>
-          <a:prstDash val="solid"/>
-        </a:ln>
-        <a:effectLst/>
-      </dsp:spPr>
-      <dsp:style>
-        <a:lnRef idx="2">
-          <a:scrgbClr r="0" g="0" b="0"/>
-        </a:lnRef>
-        <a:fillRef idx="1">
-          <a:scrgbClr r="0" g="0" b="0"/>
-        </a:fillRef>
-        <a:effectRef idx="0">
-          <a:scrgbClr r="0" g="0" b="0"/>
-        </a:effectRef>
-        <a:fontRef idx="minor"/>
-      </dsp:style>
-    </dsp:sp>
-    <dsp:sp modelId="{37B72757-B95B-4606-93FF-4ADF0BB6D429}">
-      <dsp:nvSpPr>
-        <dsp:cNvPr id="0" name=""/>
-        <dsp:cNvSpPr/>
-      </dsp:nvSpPr>
-      <dsp:spPr>
-        <a:xfrm>
-          <a:off x="4745432" y="2323831"/>
-          <a:ext cx="3935690" cy="724673"/>
-        </a:xfrm>
-        <a:prstGeom prst="rect">
-          <a:avLst/>
-        </a:prstGeom>
-        <a:noFill/>
-        <a:ln>
-          <a:noFill/>
-        </a:ln>
-        <a:effectLst/>
-      </dsp:spPr>
-      <dsp:style>
-        <a:lnRef idx="0">
-          <a:scrgbClr r="0" g="0" b="0"/>
-        </a:lnRef>
-        <a:fillRef idx="0">
-          <a:scrgbClr r="0" g="0" b="0"/>
-        </a:fillRef>
-        <a:effectRef idx="0">
-          <a:scrgbClr r="0" g="0" b="0"/>
-        </a:effectRef>
-        <a:fontRef idx="minor"/>
-      </dsp:style>
-      <dsp:txBody>
-        <a:bodyPr spcFirstLastPara="0" vert="horz" wrap="square" lIns="184912" tIns="184912" rIns="184912" bIns="184912" numCol="1" spcCol="1270" anchor="ctr" anchorCtr="0">
-          <a:noAutofit/>
-        </a:bodyPr>
-        <a:lstStyle/>
-        <a:p>
-          <a:pPr lvl="0" algn="l" defTabSz="1155700">
-            <a:lnSpc>
-              <a:spcPct val="90000"/>
-            </a:lnSpc>
-            <a:spcBef>
-              <a:spcPct val="0"/>
-            </a:spcBef>
-            <a:spcAft>
-              <a:spcPct val="35000"/>
-            </a:spcAft>
-          </a:pPr>
-          <a:endParaRPr lang="pt-BR" sz="2600" kern="1200"/>
-        </a:p>
-      </dsp:txBody>
-      <dsp:txXfrm>
-        <a:off x="4745432" y="2323831"/>
-        <a:ext cx="3935690" cy="724673"/>
-      </dsp:txXfrm>
-    </dsp:sp>
-    <dsp:sp modelId="{EF37E1C5-C3F1-4532-9E9C-884D1DE44A7F}">
-      <dsp:nvSpPr>
-        <dsp:cNvPr id="0" name=""/>
-        <dsp:cNvSpPr/>
-      </dsp:nvSpPr>
-      <dsp:spPr>
-        <a:xfrm>
-          <a:off x="4449198" y="3255398"/>
-          <a:ext cx="310884" cy="310884"/>
-        </a:xfrm>
-        <a:prstGeom prst="rect">
-          <a:avLst/>
-        </a:prstGeom>
-        <a:solidFill>
-          <a:schemeClr val="lt1">
-            <a:hueOff val="0"/>
-            <a:satOff val="0"/>
-            <a:lumOff val="0"/>
-            <a:alphaOff val="0"/>
-          </a:schemeClr>
-        </a:solidFill>
-        <a:ln w="25400" cap="flat" cmpd="sng" algn="ctr">
-          <a:solidFill>
-            <a:schemeClr val="accent1">
-              <a:hueOff val="0"/>
-              <a:satOff val="0"/>
-              <a:lumOff val="0"/>
-              <a:alphaOff val="0"/>
-            </a:schemeClr>
-          </a:solidFill>
-          <a:prstDash val="solid"/>
-        </a:ln>
-        <a:effectLst/>
-      </dsp:spPr>
-      <dsp:style>
-        <a:lnRef idx="2">
-          <a:scrgbClr r="0" g="0" b="0"/>
-        </a:lnRef>
-        <a:fillRef idx="1">
-          <a:scrgbClr r="0" g="0" b="0"/>
-        </a:fillRef>
-        <a:effectRef idx="0">
-          <a:scrgbClr r="0" g="0" b="0"/>
-        </a:effectRef>
-        <a:fontRef idx="minor"/>
-      </dsp:style>
-    </dsp:sp>
-    <dsp:sp modelId="{310F8D48-7B6A-4438-922B-86FD094F44BF}">
-      <dsp:nvSpPr>
-        <dsp:cNvPr id="0" name=""/>
-        <dsp:cNvSpPr/>
-      </dsp:nvSpPr>
-      <dsp:spPr>
-        <a:xfrm>
-          <a:off x="4745432" y="3048504"/>
-          <a:ext cx="3935690" cy="724673"/>
-        </a:xfrm>
-        <a:prstGeom prst="rect">
-          <a:avLst/>
-        </a:prstGeom>
-        <a:noFill/>
-        <a:ln>
-          <a:noFill/>
-        </a:ln>
-        <a:effectLst/>
-      </dsp:spPr>
-      <dsp:style>
-        <a:lnRef idx="0">
-          <a:scrgbClr r="0" g="0" b="0"/>
-        </a:lnRef>
-        <a:fillRef idx="0">
-          <a:scrgbClr r="0" g="0" b="0"/>
-        </a:fillRef>
-        <a:effectRef idx="0">
-          <a:scrgbClr r="0" g="0" b="0"/>
-        </a:effectRef>
-        <a:fontRef idx="minor"/>
-      </dsp:style>
-      <dsp:txBody>
-        <a:bodyPr spcFirstLastPara="0" vert="horz" wrap="square" lIns="184912" tIns="184912" rIns="184912" bIns="184912" numCol="1" spcCol="1270" anchor="ctr" anchorCtr="0">
-          <a:noAutofit/>
-        </a:bodyPr>
-        <a:lstStyle/>
-        <a:p>
-          <a:pPr lvl="0" algn="l" defTabSz="1155700">
-            <a:lnSpc>
-              <a:spcPct val="90000"/>
-            </a:lnSpc>
-            <a:spcBef>
-              <a:spcPct val="0"/>
-            </a:spcBef>
-            <a:spcAft>
-              <a:spcPct val="35000"/>
-            </a:spcAft>
-          </a:pPr>
-          <a:endParaRPr lang="pt-BR" sz="2600" kern="1200"/>
-        </a:p>
-      </dsp:txBody>
-      <dsp:txXfrm>
-        <a:off x="4745432" y="3048504"/>
-        <a:ext cx="3935690" cy="724673"/>
-      </dsp:txXfrm>
-    </dsp:sp>
-  </dsp:spTree>
-</dsp:drawing>
-</file>
-
-<file path=ppt/diagrams/drawing4.xml><?xml version="1.0" encoding="utf-8"?>
-<dsp:drawing xmlns:dgm="http://schemas.openxmlformats.org/drawingml/2006/diagram" xmlns:a="http://schemas.openxmlformats.org/drawingml/2006/main" xmlns:dsp="http://schemas.microsoft.com/office/drawing/2008/diagram">
-  <dsp:spTree>
-    <dsp:nvGrpSpPr>
-      <dsp:cNvPr id="0" name=""/>
-      <dsp:cNvGrpSpPr/>
-    </dsp:nvGrpSpPr>
-    <dsp:grpSpPr/>
-    <dsp:sp modelId="{77351131-57DF-4AF2-A89D-95AF9C6149DC}">
-      <dsp:nvSpPr>
-        <dsp:cNvPr id="0" name=""/>
-        <dsp:cNvSpPr/>
-      </dsp:nvSpPr>
-      <dsp:spPr>
-        <a:xfrm>
-          <a:off x="3739" y="1495569"/>
-          <a:ext cx="2373731" cy="1534822"/>
-        </a:xfrm>
-        <a:prstGeom prst="roundRect">
-          <a:avLst>
-            <a:gd name="adj" fmla="val 10000"/>
-          </a:avLst>
-        </a:prstGeom>
-        <a:gradFill rotWithShape="1">
-          <a:gsLst>
-            <a:gs pos="0">
-              <a:schemeClr val="accent3">
-                <a:tint val="75000"/>
-                <a:shade val="85000"/>
-                <a:satMod val="230000"/>
-              </a:schemeClr>
-            </a:gs>
-            <a:gs pos="25000">
-              <a:schemeClr val="accent3">
-                <a:tint val="90000"/>
-                <a:shade val="70000"/>
-                <a:satMod val="220000"/>
-              </a:schemeClr>
-            </a:gs>
-            <a:gs pos="50000">
-              <a:schemeClr val="accent3">
-                <a:tint val="90000"/>
-                <a:shade val="58000"/>
-                <a:satMod val="225000"/>
-              </a:schemeClr>
-            </a:gs>
-            <a:gs pos="65000">
-              <a:schemeClr val="accent3">
-                <a:tint val="90000"/>
-                <a:shade val="58000"/>
-                <a:satMod val="225000"/>
-              </a:schemeClr>
-            </a:gs>
-            <a:gs pos="80000">
-              <a:schemeClr val="accent3">
-                <a:tint val="90000"/>
-                <a:shade val="69000"/>
-                <a:satMod val="220000"/>
-              </a:schemeClr>
-            </a:gs>
-            <a:gs pos="100000">
-              <a:schemeClr val="accent3">
-                <a:tint val="77000"/>
-                <a:shade val="80000"/>
-                <a:satMod val="230000"/>
-              </a:schemeClr>
-            </a:gs>
-          </a:gsLst>
-          <a:lin ang="5400000" scaled="1"/>
-        </a:gradFill>
-        <a:ln w="10000" cap="flat" cmpd="sng" algn="ctr">
-          <a:solidFill>
-            <a:schemeClr val="accent3"/>
-          </a:solidFill>
-          <a:prstDash val="solid"/>
-        </a:ln>
-        <a:effectLst>
-          <a:outerShdw blurRad="76200" dist="50800" dir="5400000" rotWithShape="0">
-            <a:srgbClr val="4E3B30">
-              <a:alpha val="60000"/>
-            </a:srgbClr>
-          </a:outerShdw>
-        </a:effectLst>
-        <a:scene3d>
-          <a:camera prst="orthographicFront"/>
-          <a:lightRig rig="flat" dir="t"/>
-        </a:scene3d>
-        <a:sp3d z="-190500" extrusionH="12700" prstMaterial="metal">
-          <a:bevelT w="10000" h="10000"/>
-        </a:sp3d>
-      </dsp:spPr>
-      <dsp:style>
-        <a:lnRef idx="1">
-          <a:schemeClr val="accent3"/>
-        </a:lnRef>
-        <a:fillRef idx="3">
-          <a:schemeClr val="accent3"/>
-        </a:fillRef>
-        <a:effectRef idx="2">
-          <a:schemeClr val="accent3"/>
-        </a:effectRef>
-        <a:fontRef idx="minor">
-          <a:schemeClr val="lt1"/>
-        </a:fontRef>
-      </dsp:style>
-      <dsp:txBody>
-        <a:bodyPr spcFirstLastPara="0" vert="horz" wrap="square" lIns="123825" tIns="123825" rIns="123825" bIns="123825" numCol="1" spcCol="1270" anchor="t" anchorCtr="0">
+        <a:bodyPr spcFirstLastPara="0" vert="horz" wrap="square" lIns="113792" tIns="113792" rIns="113792" bIns="113792" numCol="1" spcCol="1270" anchor="t" anchorCtr="0">
           <a:noAutofit/>
         </a:bodyPr>
         <a:lstStyle/>
@@ -12399,9 +11801,7 @@
           </a:pPr>
           <a:endParaRPr lang="pt-BR" sz="1600" b="1" kern="1200" dirty="0">
             <a:solidFill>
-              <a:schemeClr val="bg1">
-                <a:lumMod val="85000"/>
-              </a:schemeClr>
+              <a:srgbClr val="0070C0"/>
             </a:solidFill>
           </a:endParaRPr>
         </a:p>
@@ -12421,124 +11821,362 @@
           <a:r>
             <a:rPr lang="pt-BR" sz="1600" b="1" kern="1200" dirty="0" smtClean="0">
               <a:solidFill>
-                <a:schemeClr val="bg1">
-                  <a:lumMod val="85000"/>
-                </a:schemeClr>
+                <a:srgbClr val="0070C0"/>
               </a:solidFill>
             </a:rPr>
-            <a:t>Ambiente de servidor de dados</a:t>
+            <a:t>Comunicação </a:t>
           </a:r>
           <a:endParaRPr lang="pt-BR" sz="1600" b="1" kern="1200" dirty="0">
             <a:solidFill>
-              <a:schemeClr val="bg1">
-                <a:lumMod val="85000"/>
-              </a:schemeClr>
+              <a:srgbClr val="0070C0"/>
             </a:solidFill>
           </a:endParaRPr>
         </a:p>
+        <a:p>
+          <a:pPr marL="171450" lvl="1" indent="-171450" algn="l" defTabSz="711200">
+            <a:lnSpc>
+              <a:spcPct val="90000"/>
+            </a:lnSpc>
+            <a:spcBef>
+              <a:spcPct val="0"/>
+            </a:spcBef>
+            <a:spcAft>
+              <a:spcPct val="15000"/>
+            </a:spcAft>
+            <a:buChar char="••"/>
+          </a:pPr>
+          <a:endParaRPr lang="pt-BR" sz="1600" b="1" kern="1200" dirty="0">
+            <a:solidFill>
+              <a:srgbClr val="0070C0"/>
+            </a:solidFill>
+          </a:endParaRPr>
+        </a:p>
+        <a:p>
+          <a:pPr marL="171450" lvl="1" indent="-171450" algn="l" defTabSz="711200">
+            <a:lnSpc>
+              <a:spcPct val="90000"/>
+            </a:lnSpc>
+            <a:spcBef>
+              <a:spcPct val="0"/>
+            </a:spcBef>
+            <a:spcAft>
+              <a:spcPct val="15000"/>
+            </a:spcAft>
+            <a:buChar char="••"/>
+          </a:pPr>
+          <a:r>
+            <a:rPr lang="pt-BR" sz="1600" b="1" kern="1200" dirty="0" smtClean="0">
+              <a:solidFill>
+                <a:srgbClr val="0070C0"/>
+              </a:solidFill>
+            </a:rPr>
+            <a:t>Registros de atividades</a:t>
+          </a:r>
+          <a:endParaRPr lang="pt-BR" sz="1600" b="1" kern="1200" dirty="0">
+            <a:solidFill>
+              <a:srgbClr val="0070C0"/>
+            </a:solidFill>
+          </a:endParaRPr>
+        </a:p>
+        <a:p>
+          <a:pPr marL="171450" lvl="1" indent="-171450" algn="l" defTabSz="711200">
+            <a:lnSpc>
+              <a:spcPct val="90000"/>
+            </a:lnSpc>
+            <a:spcBef>
+              <a:spcPct val="0"/>
+            </a:spcBef>
+            <a:spcAft>
+              <a:spcPct val="15000"/>
+            </a:spcAft>
+            <a:buChar char="••"/>
+          </a:pPr>
+          <a:endParaRPr lang="pt-BR" sz="1600" b="1" kern="1200" dirty="0">
+            <a:solidFill>
+              <a:srgbClr val="0070C0"/>
+            </a:solidFill>
+          </a:endParaRPr>
+        </a:p>
+        <a:p>
+          <a:pPr marL="171450" lvl="1" indent="-171450" algn="l" defTabSz="711200">
+            <a:lnSpc>
+              <a:spcPct val="90000"/>
+            </a:lnSpc>
+            <a:spcBef>
+              <a:spcPct val="0"/>
+            </a:spcBef>
+            <a:spcAft>
+              <a:spcPct val="15000"/>
+            </a:spcAft>
+            <a:buChar char="••"/>
+          </a:pPr>
+          <a:r>
+            <a:rPr lang="pt-BR" sz="1600" b="1" kern="1200" dirty="0" smtClean="0">
+              <a:solidFill>
+                <a:srgbClr val="0070C0"/>
+              </a:solidFill>
+            </a:rPr>
+            <a:t>Interação entre grupos</a:t>
+          </a:r>
+          <a:endParaRPr lang="pt-BR" sz="1600" b="1" kern="1200" dirty="0">
+            <a:solidFill>
+              <a:srgbClr val="0070C0"/>
+            </a:solidFill>
+          </a:endParaRPr>
+        </a:p>
       </dsp:txBody>
       <dsp:txXfrm>
-        <a:off x="3739" y="1495569"/>
-        <a:ext cx="2373731" cy="1205932"/>
+        <a:off x="6176489" y="1265013"/>
+        <a:ext cx="2501758" cy="2802375"/>
       </dsp:txXfrm>
     </dsp:sp>
-    <dsp:sp modelId="{BB47B8A7-A69A-47BA-8429-499D75D98923}">
+  </dsp:spTree>
+</dsp:drawing>
+</file>
+
+<file path=ppt/diagrams/drawing4.xml><?xml version="1.0" encoding="utf-8"?>
+<dsp:drawing xmlns:dgm="http://schemas.openxmlformats.org/drawingml/2006/diagram" xmlns:a="http://schemas.openxmlformats.org/drawingml/2006/main" xmlns:dsp="http://schemas.microsoft.com/office/drawing/2008/diagram">
+  <dsp:spTree>
+    <dsp:nvGrpSpPr>
+      <dsp:cNvPr id="0" name=""/>
+      <dsp:cNvGrpSpPr/>
+    </dsp:nvGrpSpPr>
+    <dsp:grpSpPr/>
+    <dsp:sp modelId="{0485A0FB-C96E-42E5-BCAA-9C72A8F02D43}">
       <dsp:nvSpPr>
         <dsp:cNvPr id="0" name=""/>
         <dsp:cNvSpPr/>
       </dsp:nvSpPr>
       <dsp:spPr>
         <a:xfrm>
-          <a:off x="5131256" y="4463843"/>
-          <a:ext cx="66552" cy="124236"/>
+          <a:off x="13409" y="417612"/>
+          <a:ext cx="1997327" cy="1223823"/>
         </a:xfrm>
-        <a:prstGeom prst="mathMultiply">
-          <a:avLst/>
+        <a:prstGeom prst="roundRect">
+          <a:avLst>
+            <a:gd name="adj" fmla="val 10000"/>
+          </a:avLst>
         </a:prstGeom>
         <a:gradFill rotWithShape="0">
           <a:gsLst>
             <a:gs pos="0">
-              <a:schemeClr val="accent2">
-                <a:tint val="60000"/>
+              <a:schemeClr val="accent1">
                 <a:hueOff val="0"/>
                 <a:satOff val="0"/>
                 <a:lumOff val="0"/>
                 <a:alphaOff val="0"/>
-                <a:tint val="75000"/>
-                <a:shade val="85000"/>
-                <a:satMod val="230000"/>
+                <a:shade val="51000"/>
+                <a:satMod val="130000"/>
               </a:schemeClr>
             </a:gs>
-            <a:gs pos="25000">
-              <a:schemeClr val="accent2">
-                <a:tint val="60000"/>
+            <a:gs pos="80000">
+              <a:schemeClr val="accent1">
                 <a:hueOff val="0"/>
                 <a:satOff val="0"/>
                 <a:lumOff val="0"/>
                 <a:alphaOff val="0"/>
-                <a:tint val="90000"/>
-                <a:shade val="70000"/>
-                <a:satMod val="220000"/>
+                <a:shade val="93000"/>
+                <a:satMod val="130000"/>
               </a:schemeClr>
             </a:gs>
-            <a:gs pos="50000">
-              <a:schemeClr val="accent2">
-                <a:tint val="60000"/>
+            <a:gs pos="100000">
+              <a:schemeClr val="accent1">
                 <a:hueOff val="0"/>
                 <a:satOff val="0"/>
                 <a:lumOff val="0"/>
                 <a:alphaOff val="0"/>
-                <a:tint val="90000"/>
-                <a:shade val="58000"/>
-                <a:satMod val="225000"/>
-              </a:schemeClr>
-            </a:gs>
-            <a:gs pos="65000">
-              <a:schemeClr val="accent2">
-                <a:tint val="60000"/>
-                <a:hueOff val="0"/>
-                <a:satOff val="0"/>
-                <a:lumOff val="0"/>
-                <a:alphaOff val="0"/>
-                <a:tint val="90000"/>
-                <a:shade val="58000"/>
-                <a:satMod val="225000"/>
-              </a:schemeClr>
-            </a:gs>
-            <a:gs pos="80000">
-              <a:schemeClr val="accent2">
-                <a:tint val="60000"/>
-                <a:hueOff val="0"/>
-                <a:satOff val="0"/>
-                <a:lumOff val="0"/>
-                <a:alphaOff val="0"/>
-                <a:tint val="90000"/>
-                <a:shade val="69000"/>
-                <a:satMod val="220000"/>
-              </a:schemeClr>
-            </a:gs>
-            <a:gs pos="100000">
-              <a:schemeClr val="accent2">
-                <a:tint val="60000"/>
-                <a:hueOff val="0"/>
-                <a:satOff val="0"/>
-                <a:lumOff val="0"/>
-                <a:alphaOff val="0"/>
-                <a:tint val="77000"/>
-                <a:shade val="80000"/>
-                <a:satMod val="230000"/>
+                <a:shade val="94000"/>
+                <a:satMod val="135000"/>
               </a:schemeClr>
             </a:gs>
           </a:gsLst>
-          <a:lin ang="5400000" scaled="1"/>
+          <a:lin ang="16200000" scaled="0"/>
         </a:gradFill>
         <a:ln>
           <a:noFill/>
         </a:ln>
         <a:effectLst>
-          <a:outerShdw blurRad="76200" dist="50800" dir="5400000" rotWithShape="0">
-            <a:srgbClr val="4E3B30">
-              <a:alpha val="60000"/>
+          <a:outerShdw blurRad="40000" dist="23000" dir="5400000" rotWithShape="0">
+            <a:srgbClr val="000000">
+              <a:alpha val="35000"/>
+            </a:srgbClr>
+          </a:outerShdw>
+        </a:effectLst>
+        <a:scene3d>
+          <a:camera prst="orthographicFront"/>
+          <a:lightRig rig="flat" dir="t"/>
+        </a:scene3d>
+        <a:sp3d prstMaterial="plastic">
+          <a:bevelT w="120900" h="88900"/>
+          <a:bevelB w="88900" h="31750" prst="angle"/>
+        </a:sp3d>
+      </dsp:spPr>
+      <dsp:style>
+        <a:lnRef idx="0">
+          <a:scrgbClr r="0" g="0" b="0"/>
+        </a:lnRef>
+        <a:fillRef idx="3">
+          <a:scrgbClr r="0" g="0" b="0"/>
+        </a:fillRef>
+        <a:effectRef idx="2">
+          <a:scrgbClr r="0" g="0" b="0"/>
+        </a:effectRef>
+        <a:fontRef idx="minor">
+          <a:schemeClr val="lt1"/>
+        </a:fontRef>
+      </dsp:style>
+      <dsp:txBody>
+        <a:bodyPr spcFirstLastPara="0" vert="horz" wrap="square" lIns="142240" tIns="142240" rIns="142240" bIns="76200" numCol="1" spcCol="1270" anchor="t" anchorCtr="0">
+          <a:noAutofit/>
+        </a:bodyPr>
+        <a:lstStyle/>
+        <a:p>
+          <a:pPr lvl="0" algn="l" defTabSz="889000">
+            <a:lnSpc>
+              <a:spcPct val="90000"/>
+            </a:lnSpc>
+            <a:spcBef>
+              <a:spcPct val="0"/>
+            </a:spcBef>
+            <a:spcAft>
+              <a:spcPct val="35000"/>
+            </a:spcAft>
+          </a:pPr>
+          <a:r>
+            <a:rPr lang="pt-BR" sz="2000" b="1" kern="1200" smtClean="0"/>
+            <a:t>Base </a:t>
+          </a:r>
+          <a:r>
+            <a:rPr lang="pt-BR" sz="2000" b="1" kern="1200" dirty="0" smtClean="0"/>
+            <a:t>de dados </a:t>
+          </a:r>
+          <a:endParaRPr lang="pt-BR" sz="2000" b="1" kern="1200" dirty="0"/>
+        </a:p>
+      </dsp:txBody>
+      <dsp:txXfrm>
+        <a:off x="13409" y="417612"/>
+        <a:ext cx="1997327" cy="815882"/>
+      </dsp:txXfrm>
+    </dsp:sp>
+    <dsp:sp modelId="{01AD925A-7CA7-4489-9AE4-70C9408355AF}">
+      <dsp:nvSpPr>
+        <dsp:cNvPr id="0" name=""/>
+        <dsp:cNvSpPr/>
+      </dsp:nvSpPr>
+      <dsp:spPr>
+        <a:xfrm>
+          <a:off x="306012" y="877226"/>
+          <a:ext cx="2083347" cy="2152356"/>
+        </a:xfrm>
+        <a:prstGeom prst="roundRect">
+          <a:avLst>
+            <a:gd name="adj" fmla="val 10000"/>
+          </a:avLst>
+        </a:prstGeom>
+        <a:solidFill>
+          <a:schemeClr val="lt1">
+            <a:alpha val="90000"/>
+            <a:hueOff val="0"/>
+            <a:satOff val="0"/>
+            <a:lumOff val="0"/>
+            <a:alphaOff val="0"/>
+          </a:schemeClr>
+        </a:solidFill>
+        <a:ln w="9525" cap="flat" cmpd="sng" algn="ctr">
+          <a:solidFill>
+            <a:schemeClr val="accent1">
+              <a:hueOff val="0"/>
+              <a:satOff val="0"/>
+              <a:lumOff val="0"/>
+              <a:alphaOff val="0"/>
+            </a:schemeClr>
+          </a:solidFill>
+          <a:prstDash val="solid"/>
+        </a:ln>
+        <a:effectLst>
+          <a:outerShdw blurRad="40000" dist="23000" dir="5400000" rotWithShape="0">
+            <a:srgbClr val="000000">
+              <a:alpha val="35000"/>
+            </a:srgbClr>
+          </a:outerShdw>
+        </a:effectLst>
+        <a:scene3d>
+          <a:camera prst="orthographicFront"/>
+          <a:lightRig rig="flat" dir="t"/>
+        </a:scene3d>
+        <a:sp3d z="190500" extrusionH="12700" prstMaterial="plastic">
+          <a:bevelT w="50800" h="50800"/>
+        </a:sp3d>
+      </dsp:spPr>
+      <dsp:style>
+        <a:lnRef idx="1">
+          <a:scrgbClr r="0" g="0" b="0"/>
+        </a:lnRef>
+        <a:fillRef idx="1">
+          <a:scrgbClr r="0" g="0" b="0"/>
+        </a:fillRef>
+        <a:effectRef idx="2">
+          <a:scrgbClr r="0" g="0" b="0"/>
+        </a:effectRef>
+        <a:fontRef idx="minor"/>
+      </dsp:style>
+      <dsp:txBody>
+        <a:bodyPr spcFirstLastPara="0" vert="horz" wrap="square" lIns="142240" tIns="142240" rIns="142240" bIns="142240" numCol="1" spcCol="1270" anchor="t" anchorCtr="0">
+          <a:noAutofit/>
+        </a:bodyPr>
+        <a:lstStyle/>
+        <a:p>
+          <a:pPr marL="228600" lvl="1" indent="-228600" algn="l" defTabSz="889000">
+            <a:lnSpc>
+              <a:spcPct val="90000"/>
+            </a:lnSpc>
+            <a:spcBef>
+              <a:spcPct val="0"/>
+            </a:spcBef>
+            <a:spcAft>
+              <a:spcPct val="15000"/>
+            </a:spcAft>
+            <a:buChar char="••"/>
+          </a:pPr>
+          <a:r>
+            <a:rPr lang="pt-BR" sz="2000" b="1" kern="1200" dirty="0" smtClean="0"/>
+            <a:t>Ambiente de servidor de dados</a:t>
+          </a:r>
+          <a:endParaRPr lang="pt-BR" sz="2000" b="1" kern="1200" dirty="0">
+            <a:solidFill>
+              <a:srgbClr val="66FFFF"/>
+            </a:solidFill>
+          </a:endParaRPr>
+        </a:p>
+      </dsp:txBody>
+      <dsp:txXfrm>
+        <a:off x="306012" y="877226"/>
+        <a:ext cx="2083347" cy="2152356"/>
+      </dsp:txXfrm>
+    </dsp:sp>
+    <dsp:sp modelId="{9986BED9-1E6C-4CA8-9EA5-87820C541D88}">
+      <dsp:nvSpPr>
+        <dsp:cNvPr id="0" name=""/>
+        <dsp:cNvSpPr/>
+      </dsp:nvSpPr>
+      <dsp:spPr>
+        <a:xfrm rot="21583160">
+          <a:off x="2214567" y="455038"/>
+          <a:ext cx="538259" cy="419848"/>
+        </a:xfrm>
+        <a:prstGeom prst="leftArrow">
+          <a:avLst/>
+        </a:prstGeom>
+        <a:solidFill>
+          <a:srgbClr val="00B0F0"/>
+        </a:solidFill>
+        <a:ln>
+          <a:noFill/>
+        </a:ln>
+        <a:effectLst>
+          <a:outerShdw blurRad="40000" dist="23000" dir="5400000" rotWithShape="0">
+            <a:srgbClr val="000000">
+              <a:alpha val="35000"/>
             </a:srgbClr>
           </a:outerShdw>
         </a:effectLst>
@@ -12565,76 +12203,88 @@
           <a:schemeClr val="lt1"/>
         </a:fontRef>
       </dsp:style>
+      <dsp:txBody>
+        <a:bodyPr spcFirstLastPara="0" vert="horz" wrap="square" lIns="0" tIns="0" rIns="0" bIns="0" numCol="1" spcCol="1270" anchor="ctr" anchorCtr="0">
+          <a:noAutofit/>
+        </a:bodyPr>
+        <a:lstStyle/>
+        <a:p>
+          <a:pPr lvl="0" algn="ctr" defTabSz="444500">
+            <a:lnSpc>
+              <a:spcPct val="90000"/>
+            </a:lnSpc>
+            <a:spcBef>
+              <a:spcPct val="0"/>
+            </a:spcBef>
+            <a:spcAft>
+              <a:spcPct val="35000"/>
+            </a:spcAft>
+          </a:pPr>
+          <a:endParaRPr lang="pt-BR" sz="1000" kern="1200"/>
+        </a:p>
+      </dsp:txBody>
+      <dsp:txXfrm rot="21583160">
+        <a:off x="2214567" y="455038"/>
+        <a:ext cx="538259" cy="419848"/>
+      </dsp:txXfrm>
     </dsp:sp>
-    <dsp:sp modelId="{168FD8A5-9BA3-47FA-8D32-ED60BCA98D24}">
+    <dsp:sp modelId="{6F0A5B10-B2E3-4C10-8EF4-E66809BE6F24}">
       <dsp:nvSpPr>
         <dsp:cNvPr id="0" name=""/>
         <dsp:cNvSpPr/>
       </dsp:nvSpPr>
       <dsp:spPr>
         <a:xfrm>
-          <a:off x="450782" y="938731"/>
-          <a:ext cx="2109983" cy="657781"/>
+          <a:off x="3058625" y="401550"/>
+          <a:ext cx="2181812" cy="1225901"/>
         </a:xfrm>
         <a:prstGeom prst="roundRect">
           <a:avLst>
             <a:gd name="adj" fmla="val 10000"/>
           </a:avLst>
         </a:prstGeom>
-        <a:gradFill rotWithShape="1">
+        <a:gradFill rotWithShape="0">
           <a:gsLst>
             <a:gs pos="0">
-              <a:schemeClr val="accent6">
-                <a:tint val="75000"/>
-                <a:shade val="85000"/>
-                <a:satMod val="230000"/>
-              </a:schemeClr>
-            </a:gs>
-            <a:gs pos="25000">
-              <a:schemeClr val="accent6">
-                <a:tint val="90000"/>
-                <a:shade val="70000"/>
-                <a:satMod val="220000"/>
-              </a:schemeClr>
-            </a:gs>
-            <a:gs pos="50000">
-              <a:schemeClr val="accent6">
-                <a:tint val="90000"/>
-                <a:shade val="58000"/>
-                <a:satMod val="225000"/>
-              </a:schemeClr>
-            </a:gs>
-            <a:gs pos="65000">
-              <a:schemeClr val="accent6">
-                <a:tint val="90000"/>
-                <a:shade val="58000"/>
-                <a:satMod val="225000"/>
+              <a:schemeClr val="accent1">
+                <a:hueOff val="0"/>
+                <a:satOff val="0"/>
+                <a:lumOff val="0"/>
+                <a:alphaOff val="0"/>
+                <a:shade val="51000"/>
+                <a:satMod val="130000"/>
               </a:schemeClr>
             </a:gs>
             <a:gs pos="80000">
-              <a:schemeClr val="accent6">
-                <a:tint val="90000"/>
-                <a:shade val="69000"/>
-                <a:satMod val="220000"/>
+              <a:schemeClr val="accent1">
+                <a:hueOff val="0"/>
+                <a:satOff val="0"/>
+                <a:lumOff val="0"/>
+                <a:alphaOff val="0"/>
+                <a:shade val="93000"/>
+                <a:satMod val="130000"/>
               </a:schemeClr>
             </a:gs>
             <a:gs pos="100000">
-              <a:schemeClr val="accent6">
-                <a:tint val="77000"/>
-                <a:shade val="80000"/>
-                <a:satMod val="230000"/>
+              <a:schemeClr val="accent1">
+                <a:hueOff val="0"/>
+                <a:satOff val="0"/>
+                <a:lumOff val="0"/>
+                <a:alphaOff val="0"/>
+                <a:shade val="94000"/>
+                <a:satMod val="135000"/>
               </a:schemeClr>
             </a:gs>
           </a:gsLst>
-          <a:lin ang="5400000" scaled="1"/>
+          <a:lin ang="16200000" scaled="0"/>
         </a:gradFill>
         <a:ln>
           <a:noFill/>
         </a:ln>
         <a:effectLst>
-          <a:outerShdw blurRad="76200" dist="50800" dir="5400000" rotWithShape="0">
-            <a:srgbClr val="4E3B30">
-              <a:alpha val="60000"/>
+          <a:outerShdw blurRad="40000" dist="23000" dir="5400000" rotWithShape="0">
+            <a:srgbClr val="000000">
+              <a:alpha val="35000"/>
             </a:srgbClr>
           </a:outerShdw>
         </a:effectLst>
@@ -12642,37 +12292,32 @@
           <a:camera prst="orthographicFront"/>
           <a:lightRig rig="flat" dir="t"/>
         </a:scene3d>
-        <a:sp3d contourW="12700" prstMaterial="matte">
-          <a:bevelT w="60000" h="50800"/>
-          <a:contourClr>
-            <a:schemeClr val="accent6">
-              <a:shade val="60000"/>
-              <a:satMod val="110000"/>
-            </a:schemeClr>
-          </a:contourClr>
+        <a:sp3d prstMaterial="plastic">
+          <a:bevelT w="120900" h="88900"/>
+          <a:bevelB w="88900" h="31750" prst="angle"/>
         </a:sp3d>
       </dsp:spPr>
       <dsp:style>
         <a:lnRef idx="0">
-          <a:schemeClr val="accent6"/>
+          <a:scrgbClr r="0" g="0" b="0"/>
         </a:lnRef>
         <a:fillRef idx="3">
-          <a:schemeClr val="accent6"/>
+          <a:scrgbClr r="0" g="0" b="0"/>
         </a:fillRef>
-        <a:effectRef idx="3">
-          <a:schemeClr val="accent6"/>
+        <a:effectRef idx="2">
+          <a:scrgbClr r="0" g="0" b="0"/>
         </a:effectRef>
         <a:fontRef idx="minor">
           <a:schemeClr val="lt1"/>
         </a:fontRef>
       </dsp:style>
       <dsp:txBody>
-        <a:bodyPr spcFirstLastPara="0" vert="horz" wrap="square" lIns="30480" tIns="20320" rIns="30480" bIns="20320" numCol="1" spcCol="1270" anchor="ctr" anchorCtr="0">
+        <a:bodyPr spcFirstLastPara="0" vert="horz" wrap="square" lIns="142240" tIns="142240" rIns="142240" bIns="76200" numCol="1" spcCol="1270" anchor="t" anchorCtr="0">
           <a:noAutofit/>
         </a:bodyPr>
         <a:lstStyle/>
         <a:p>
-          <a:pPr lvl="0" algn="ctr" defTabSz="711200">
+          <a:pPr lvl="0" algn="l" defTabSz="889000">
             <a:lnSpc>
               <a:spcPct val="90000"/>
             </a:lnSpc>
@@ -12684,97 +12329,56 @@
             </a:spcAft>
           </a:pPr>
           <a:r>
-            <a:rPr lang="pt-BR" sz="1600" b="1" kern="1200" dirty="0" smtClean="0">
-              <a:solidFill>
-                <a:srgbClr val="0070C0"/>
-              </a:solidFill>
-            </a:rPr>
-            <a:t>Base de dados </a:t>
+            <a:rPr lang="pt-BR" sz="2000" b="1" kern="1200" dirty="0" smtClean="0"/>
+            <a:t>Aplicação</a:t>
           </a:r>
-          <a:endParaRPr lang="pt-BR" sz="1600" b="1" kern="1200" dirty="0">
-            <a:solidFill>
-              <a:srgbClr val="0070C0"/>
-            </a:solidFill>
-          </a:endParaRPr>
+          <a:endParaRPr lang="pt-BR" sz="2000" b="1" kern="1200" dirty="0"/>
         </a:p>
       </dsp:txBody>
       <dsp:txXfrm>
-        <a:off x="450782" y="938731"/>
-        <a:ext cx="2109983" cy="657781"/>
+        <a:off x="3058625" y="401550"/>
+        <a:ext cx="2181812" cy="817267"/>
       </dsp:txXfrm>
     </dsp:sp>
-    <dsp:sp modelId="{0C27C69B-3C82-4A7E-9AEC-146B678149A2}">
+    <dsp:sp modelId="{F26C71D2-1B5B-43C3-9D83-12F332E90749}">
       <dsp:nvSpPr>
         <dsp:cNvPr id="0" name=""/>
         <dsp:cNvSpPr/>
       </dsp:nvSpPr>
       <dsp:spPr>
         <a:xfrm>
-          <a:off x="3024660" y="1495569"/>
-          <a:ext cx="2373731" cy="1534822"/>
+          <a:off x="3461160" y="831118"/>
+          <a:ext cx="2083347" cy="2214527"/>
         </a:xfrm>
         <a:prstGeom prst="roundRect">
           <a:avLst>
             <a:gd name="adj" fmla="val 10000"/>
           </a:avLst>
         </a:prstGeom>
-        <a:gradFill rotWithShape="1">
-          <a:gsLst>
-            <a:gs pos="0">
-              <a:schemeClr val="accent3">
-                <a:tint val="75000"/>
-                <a:shade val="85000"/>
-                <a:satMod val="230000"/>
-              </a:schemeClr>
-            </a:gs>
-            <a:gs pos="25000">
-              <a:schemeClr val="accent3">
-                <a:tint val="90000"/>
-                <a:shade val="70000"/>
-                <a:satMod val="220000"/>
-              </a:schemeClr>
-            </a:gs>
-            <a:gs pos="50000">
-              <a:schemeClr val="accent3">
-                <a:tint val="90000"/>
-                <a:shade val="58000"/>
-                <a:satMod val="225000"/>
-              </a:schemeClr>
-            </a:gs>
-            <a:gs pos="65000">
-              <a:schemeClr val="accent3">
-                <a:tint val="90000"/>
-                <a:shade val="58000"/>
-                <a:satMod val="225000"/>
-              </a:schemeClr>
-            </a:gs>
-            <a:gs pos="80000">
-              <a:schemeClr val="accent3">
-                <a:tint val="90000"/>
-                <a:shade val="69000"/>
-                <a:satMod val="220000"/>
-              </a:schemeClr>
-            </a:gs>
-            <a:gs pos="100000">
-              <a:schemeClr val="accent3">
-                <a:tint val="77000"/>
-                <a:shade val="80000"/>
-                <a:satMod val="230000"/>
-              </a:schemeClr>
-            </a:gs>
-          </a:gsLst>
-          <a:lin ang="5400000" scaled="1"/>
-        </a:gradFill>
-        <a:ln w="10000" cap="flat" cmpd="sng" algn="ctr">
+        <a:solidFill>
+          <a:schemeClr val="lt1">
+            <a:alpha val="90000"/>
+            <a:hueOff val="0"/>
+            <a:satOff val="0"/>
+            <a:lumOff val="0"/>
+            <a:alphaOff val="0"/>
+          </a:schemeClr>
+        </a:solidFill>
+        <a:ln w="9525" cap="flat" cmpd="sng" algn="ctr">
           <a:solidFill>
-            <a:schemeClr val="accent3"/>
+            <a:schemeClr val="accent1">
+              <a:hueOff val="0"/>
+              <a:satOff val="0"/>
+              <a:lumOff val="0"/>
+              <a:alphaOff val="0"/>
+            </a:schemeClr>
           </a:solidFill>
           <a:prstDash val="solid"/>
         </a:ln>
         <a:effectLst>
-          <a:outerShdw blurRad="76200" dist="50800" dir="5400000" rotWithShape="0">
-            <a:srgbClr val="4E3B30">
-              <a:alpha val="60000"/>
+          <a:outerShdw blurRad="40000" dist="23000" dir="5400000" rotWithShape="0">
+            <a:srgbClr val="000000">
+              <a:alpha val="35000"/>
             </a:srgbClr>
           </a:outerShdw>
         </a:effectLst>
@@ -12782,31 +12386,29 @@
           <a:camera prst="orthographicFront"/>
           <a:lightRig rig="flat" dir="t"/>
         </a:scene3d>
-        <a:sp3d z="-190500" extrusionH="12700" prstMaterial="metal">
-          <a:bevelT w="10000" h="10000"/>
+        <a:sp3d z="190500" extrusionH="12700" prstMaterial="plastic">
+          <a:bevelT w="50800" h="50800"/>
         </a:sp3d>
       </dsp:spPr>
       <dsp:style>
         <a:lnRef idx="1">
-          <a:schemeClr val="accent3"/>
+          <a:scrgbClr r="0" g="0" b="0"/>
         </a:lnRef>
-        <a:fillRef idx="3">
-          <a:schemeClr val="accent3"/>
+        <a:fillRef idx="1">
+          <a:scrgbClr r="0" g="0" b="0"/>
         </a:fillRef>
         <a:effectRef idx="2">
-          <a:schemeClr val="accent3"/>
+          <a:scrgbClr r="0" g="0" b="0"/>
         </a:effectRef>
-        <a:fontRef idx="minor">
-          <a:schemeClr val="lt1"/>
-        </a:fontRef>
+        <a:fontRef idx="minor"/>
       </dsp:style>
       <dsp:txBody>
-        <a:bodyPr spcFirstLastPara="0" vert="horz" wrap="square" lIns="123825" tIns="123825" rIns="123825" bIns="123825" numCol="1" spcCol="1270" anchor="t" anchorCtr="0">
+        <a:bodyPr spcFirstLastPara="0" vert="horz" wrap="square" lIns="142240" tIns="142240" rIns="142240" bIns="142240" numCol="1" spcCol="1270" anchor="t" anchorCtr="0">
           <a:noAutofit/>
         </a:bodyPr>
         <a:lstStyle/>
         <a:p>
-          <a:pPr marL="171450" lvl="1" indent="-171450" algn="l" defTabSz="711200">
+          <a:pPr marL="228600" lvl="1" indent="-228600" algn="l" defTabSz="889000">
             <a:lnSpc>
               <a:spcPct val="90000"/>
             </a:lnSpc>
@@ -12819,132 +12421,40 @@
             <a:buChar char="••"/>
           </a:pPr>
           <a:r>
-            <a:rPr lang="pt-BR" sz="1600" b="1" kern="1200" dirty="0" smtClean="0">
-              <a:solidFill>
-                <a:schemeClr val="bg1">
-                  <a:lumMod val="85000"/>
-                </a:schemeClr>
-              </a:solidFill>
-            </a:rPr>
+            <a:rPr lang="pt-BR" sz="2000" b="1" kern="1200" dirty="0" smtClean="0"/>
             <a:t>Processa de solicitações de usuário</a:t>
           </a:r>
-          <a:endParaRPr lang="pt-BR" sz="1600" b="1" kern="1200" dirty="0">
-            <a:solidFill>
-              <a:schemeClr val="bg1">
-                <a:lumMod val="85000"/>
-              </a:schemeClr>
-            </a:solidFill>
-          </a:endParaRPr>
+          <a:endParaRPr lang="pt-BR" sz="2000" b="1" kern="1200" dirty="0"/>
         </a:p>
       </dsp:txBody>
       <dsp:txXfrm>
-        <a:off x="3024660" y="1824460"/>
-        <a:ext cx="2373731" cy="1205932"/>
+        <a:off x="3461160" y="831118"/>
+        <a:ext cx="2083347" cy="2214527"/>
       </dsp:txXfrm>
     </dsp:sp>
-    <dsp:sp modelId="{E5E8036A-476D-4F9C-9D7B-4ED08A33C842}">
+    <dsp:sp modelId="{6426DFE0-48C9-4067-B292-3D8AAA497A0A}">
       <dsp:nvSpPr>
         <dsp:cNvPr id="0" name=""/>
         <dsp:cNvSpPr/>
       </dsp:nvSpPr>
       <dsp:spPr>
-        <a:xfrm flipV="1">
-          <a:off x="2841986" y="2561983"/>
-          <a:ext cx="40045" cy="553960"/>
+        <a:xfrm rot="21583495">
+          <a:off x="5508784" y="389279"/>
+          <a:ext cx="537341" cy="419848"/>
         </a:xfrm>
-        <a:prstGeom prst="leftCircularArrow">
-          <a:avLst>
-            <a:gd name="adj1" fmla="val 2688"/>
-            <a:gd name="adj2" fmla="val 327245"/>
-            <a:gd name="adj3" fmla="val 19397459"/>
-            <a:gd name="adj4" fmla="val 12475726"/>
-            <a:gd name="adj5" fmla="val 3136"/>
-          </a:avLst>
+        <a:prstGeom prst="leftArrow">
+          <a:avLst/>
         </a:prstGeom>
-        <a:gradFill rotWithShape="0">
-          <a:gsLst>
-            <a:gs pos="0">
-              <a:schemeClr val="accent2">
-                <a:tint val="60000"/>
-                <a:hueOff val="0"/>
-                <a:satOff val="0"/>
-                <a:lumOff val="0"/>
-                <a:alphaOff val="0"/>
-                <a:tint val="75000"/>
-                <a:shade val="85000"/>
-                <a:satMod val="230000"/>
-              </a:schemeClr>
-            </a:gs>
-            <a:gs pos="25000">
-              <a:schemeClr val="accent2">
-                <a:tint val="60000"/>
-                <a:hueOff val="0"/>
-                <a:satOff val="0"/>
-                <a:lumOff val="0"/>
-                <a:alphaOff val="0"/>
-                <a:tint val="90000"/>
-                <a:shade val="70000"/>
-                <a:satMod val="220000"/>
-              </a:schemeClr>
-            </a:gs>
-            <a:gs pos="50000">
-              <a:schemeClr val="accent2">
-                <a:tint val="60000"/>
-                <a:hueOff val="0"/>
-                <a:satOff val="0"/>
-                <a:lumOff val="0"/>
-                <a:alphaOff val="0"/>
-                <a:tint val="90000"/>
-                <a:shade val="58000"/>
-                <a:satMod val="225000"/>
-              </a:schemeClr>
-            </a:gs>
-            <a:gs pos="65000">
-              <a:schemeClr val="accent2">
-                <a:tint val="60000"/>
-                <a:hueOff val="0"/>
-                <a:satOff val="0"/>
-                <a:lumOff val="0"/>
-                <a:alphaOff val="0"/>
-                <a:tint val="90000"/>
-                <a:shade val="58000"/>
-                <a:satMod val="225000"/>
-              </a:schemeClr>
-            </a:gs>
-            <a:gs pos="80000">
-              <a:schemeClr val="accent2">
-                <a:tint val="60000"/>
-                <a:hueOff val="0"/>
-                <a:satOff val="0"/>
-                <a:lumOff val="0"/>
-                <a:alphaOff val="0"/>
-                <a:tint val="90000"/>
-                <a:shade val="69000"/>
-                <a:satMod val="220000"/>
-              </a:schemeClr>
-            </a:gs>
-            <a:gs pos="100000">
-              <a:schemeClr val="accent2">
-                <a:tint val="60000"/>
-                <a:hueOff val="0"/>
-                <a:satOff val="0"/>
-                <a:lumOff val="0"/>
-                <a:alphaOff val="0"/>
-                <a:tint val="77000"/>
-                <a:shade val="80000"/>
-                <a:satMod val="230000"/>
-              </a:schemeClr>
-            </a:gs>
-          </a:gsLst>
-          <a:lin ang="5400000" scaled="1"/>
-        </a:gradFill>
+        <a:solidFill>
+          <a:srgbClr val="00B0F0"/>
+        </a:solidFill>
         <a:ln>
           <a:noFill/>
         </a:ln>
         <a:effectLst>
-          <a:outerShdw blurRad="76200" dist="50800" dir="5400000" rotWithShape="0">
-            <a:srgbClr val="4E3B30">
-              <a:alpha val="60000"/>
+          <a:outerShdw blurRad="40000" dist="23000" dir="5400000" rotWithShape="0">
+            <a:srgbClr val="000000">
+              <a:alpha val="35000"/>
             </a:srgbClr>
           </a:outerShdw>
         </a:effectLst>
@@ -12971,76 +12481,88 @@
           <a:schemeClr val="lt1"/>
         </a:fontRef>
       </dsp:style>
+      <dsp:txBody>
+        <a:bodyPr spcFirstLastPara="0" vert="horz" wrap="square" lIns="0" tIns="0" rIns="0" bIns="0" numCol="1" spcCol="1270" anchor="ctr" anchorCtr="0">
+          <a:noAutofit/>
+        </a:bodyPr>
+        <a:lstStyle/>
+        <a:p>
+          <a:pPr lvl="0" algn="ctr" defTabSz="444500">
+            <a:lnSpc>
+              <a:spcPct val="90000"/>
+            </a:lnSpc>
+            <a:spcBef>
+              <a:spcPct val="0"/>
+            </a:spcBef>
+            <a:spcAft>
+              <a:spcPct val="35000"/>
+            </a:spcAft>
+          </a:pPr>
+          <a:endParaRPr lang="pt-BR" sz="1000" kern="1200"/>
+        </a:p>
+      </dsp:txBody>
+      <dsp:txXfrm rot="21583495">
+        <a:off x="5508784" y="389279"/>
+        <a:ext cx="537341" cy="419848"/>
+      </dsp:txXfrm>
     </dsp:sp>
-    <dsp:sp modelId="{85BA2879-403E-43AC-A59E-A90A5FACC251}">
+    <dsp:sp modelId="{0C769A1E-767C-46A7-9C71-600FC05CC6D4}">
       <dsp:nvSpPr>
         <dsp:cNvPr id="0" name=""/>
         <dsp:cNvSpPr/>
       </dsp:nvSpPr>
       <dsp:spPr>
         <a:xfrm>
-          <a:off x="3475120" y="938736"/>
-          <a:ext cx="2109983" cy="657781"/>
+          <a:off x="6286538" y="407847"/>
+          <a:ext cx="2148844" cy="1160754"/>
         </a:xfrm>
         <a:prstGeom prst="roundRect">
           <a:avLst>
             <a:gd name="adj" fmla="val 10000"/>
           </a:avLst>
         </a:prstGeom>
-        <a:gradFill rotWithShape="1">
+        <a:gradFill rotWithShape="0">
           <a:gsLst>
             <a:gs pos="0">
-              <a:schemeClr val="accent6">
-                <a:tint val="75000"/>
-                <a:shade val="85000"/>
-                <a:satMod val="230000"/>
-              </a:schemeClr>
-            </a:gs>
-            <a:gs pos="25000">
-              <a:schemeClr val="accent6">
-                <a:tint val="90000"/>
-                <a:shade val="70000"/>
-                <a:satMod val="220000"/>
-              </a:schemeClr>
-            </a:gs>
-            <a:gs pos="50000">
-              <a:schemeClr val="accent6">
-                <a:tint val="90000"/>
-                <a:shade val="58000"/>
-                <a:satMod val="225000"/>
-              </a:schemeClr>
-            </a:gs>
-            <a:gs pos="65000">
-              <a:schemeClr val="accent6">
-                <a:tint val="90000"/>
-                <a:shade val="58000"/>
-                <a:satMod val="225000"/>
+              <a:schemeClr val="accent1">
+                <a:hueOff val="0"/>
+                <a:satOff val="0"/>
+                <a:lumOff val="0"/>
+                <a:alphaOff val="0"/>
+                <a:shade val="51000"/>
+                <a:satMod val="130000"/>
               </a:schemeClr>
             </a:gs>
             <a:gs pos="80000">
-              <a:schemeClr val="accent6">
-                <a:tint val="90000"/>
-                <a:shade val="69000"/>
-                <a:satMod val="220000"/>
+              <a:schemeClr val="accent1">
+                <a:hueOff val="0"/>
+                <a:satOff val="0"/>
+                <a:lumOff val="0"/>
+                <a:alphaOff val="0"/>
+                <a:shade val="93000"/>
+                <a:satMod val="130000"/>
               </a:schemeClr>
             </a:gs>
             <a:gs pos="100000">
-              <a:schemeClr val="accent6">
-                <a:tint val="77000"/>
-                <a:shade val="80000"/>
-                <a:satMod val="230000"/>
+              <a:schemeClr val="accent1">
+                <a:hueOff val="0"/>
+                <a:satOff val="0"/>
+                <a:lumOff val="0"/>
+                <a:alphaOff val="0"/>
+                <a:shade val="94000"/>
+                <a:satMod val="135000"/>
               </a:schemeClr>
             </a:gs>
           </a:gsLst>
-          <a:lin ang="5400000" scaled="1"/>
+          <a:lin ang="16200000" scaled="0"/>
         </a:gradFill>
         <a:ln>
           <a:noFill/>
         </a:ln>
         <a:effectLst>
-          <a:outerShdw blurRad="76200" dist="50800" dir="5400000" rotWithShape="0">
-            <a:srgbClr val="4E3B30">
-              <a:alpha val="60000"/>
+          <a:outerShdw blurRad="40000" dist="23000" dir="5400000" rotWithShape="0">
+            <a:srgbClr val="000000">
+              <a:alpha val="35000"/>
             </a:srgbClr>
           </a:outerShdw>
         </a:effectLst>
@@ -13048,37 +12570,32 @@
           <a:camera prst="orthographicFront"/>
           <a:lightRig rig="flat" dir="t"/>
         </a:scene3d>
-        <a:sp3d contourW="12700" prstMaterial="matte">
-          <a:bevelT w="60000" h="50800"/>
-          <a:contourClr>
-            <a:schemeClr val="accent6">
-              <a:shade val="60000"/>
-              <a:satMod val="110000"/>
-            </a:schemeClr>
-          </a:contourClr>
+        <a:sp3d prstMaterial="plastic">
+          <a:bevelT w="120900" h="88900"/>
+          <a:bevelB w="88900" h="31750" prst="angle"/>
         </a:sp3d>
       </dsp:spPr>
       <dsp:style>
         <a:lnRef idx="0">
-          <a:schemeClr val="accent6"/>
+          <a:scrgbClr r="0" g="0" b="0"/>
         </a:lnRef>
         <a:fillRef idx="3">
-          <a:schemeClr val="accent6"/>
+          <a:scrgbClr r="0" g="0" b="0"/>
         </a:fillRef>
-        <a:effectRef idx="3">
-          <a:schemeClr val="accent6"/>
+        <a:effectRef idx="2">
+          <a:scrgbClr r="0" g="0" b="0"/>
         </a:effectRef>
         <a:fontRef idx="minor">
           <a:schemeClr val="lt1"/>
         </a:fontRef>
       </dsp:style>
       <dsp:txBody>
-        <a:bodyPr spcFirstLastPara="0" vert="horz" wrap="square" lIns="30480" tIns="20320" rIns="30480" bIns="20320" numCol="1" spcCol="1270" anchor="ctr" anchorCtr="0">
+        <a:bodyPr spcFirstLastPara="0" vert="horz" wrap="square" lIns="142240" tIns="142240" rIns="142240" bIns="76200" numCol="1" spcCol="1270" anchor="t" anchorCtr="0">
           <a:noAutofit/>
         </a:bodyPr>
         <a:lstStyle/>
         <a:p>
-          <a:pPr lvl="0" algn="ctr" defTabSz="711200">
+          <a:pPr lvl="0" algn="l" defTabSz="889000">
             <a:lnSpc>
               <a:spcPct val="90000"/>
             </a:lnSpc>
@@ -13090,97 +12607,56 @@
             </a:spcAft>
           </a:pPr>
           <a:r>
-            <a:rPr lang="pt-BR" sz="1600" b="1" kern="1200" dirty="0" smtClean="0">
-              <a:solidFill>
-                <a:srgbClr val="0070C0"/>
-              </a:solidFill>
-            </a:rPr>
-            <a:t>Aplicação</a:t>
+            <a:rPr lang="pt-BR" sz="2000" b="1" kern="1200" dirty="0" smtClean="0"/>
+            <a:t>Usuário</a:t>
           </a:r>
-          <a:endParaRPr lang="pt-BR" sz="1600" b="1" kern="1200" dirty="0">
-            <a:solidFill>
-              <a:srgbClr val="0070C0"/>
-            </a:solidFill>
-          </a:endParaRPr>
+          <a:endParaRPr lang="pt-BR" sz="2000" b="1" kern="1200" dirty="0"/>
         </a:p>
       </dsp:txBody>
       <dsp:txXfrm>
-        <a:off x="3475120" y="938736"/>
-        <a:ext cx="2109983" cy="657781"/>
+        <a:off x="6286538" y="407847"/>
+        <a:ext cx="2148844" cy="773836"/>
       </dsp:txXfrm>
     </dsp:sp>
-    <dsp:sp modelId="{AE566E9F-D101-4F88-9692-208EF2AE8557}">
+    <dsp:sp modelId="{F28562CB-6812-4937-94DD-6D3F41B217CE}">
       <dsp:nvSpPr>
         <dsp:cNvPr id="0" name=""/>
         <dsp:cNvSpPr/>
       </dsp:nvSpPr>
       <dsp:spPr>
         <a:xfrm>
-          <a:off x="6045580" y="1495569"/>
-          <a:ext cx="2373731" cy="1534822"/>
+          <a:off x="6603452" y="856430"/>
+          <a:ext cx="2083347" cy="2167767"/>
         </a:xfrm>
         <a:prstGeom prst="roundRect">
           <a:avLst>
             <a:gd name="adj" fmla="val 10000"/>
           </a:avLst>
         </a:prstGeom>
-        <a:gradFill rotWithShape="1">
-          <a:gsLst>
-            <a:gs pos="0">
-              <a:schemeClr val="accent3">
-                <a:tint val="75000"/>
-                <a:shade val="85000"/>
-                <a:satMod val="230000"/>
-              </a:schemeClr>
-            </a:gs>
-            <a:gs pos="25000">
-              <a:schemeClr val="accent3">
-                <a:tint val="90000"/>
-                <a:shade val="70000"/>
-                <a:satMod val="220000"/>
-              </a:schemeClr>
-            </a:gs>
-            <a:gs pos="50000">
-              <a:schemeClr val="accent3">
-                <a:tint val="90000"/>
-                <a:shade val="58000"/>
-                <a:satMod val="225000"/>
-              </a:schemeClr>
-            </a:gs>
-            <a:gs pos="65000">
-              <a:schemeClr val="accent3">
-                <a:tint val="90000"/>
-                <a:shade val="58000"/>
-                <a:satMod val="225000"/>
-              </a:schemeClr>
-            </a:gs>
-            <a:gs pos="80000">
-              <a:schemeClr val="accent3">
-                <a:tint val="90000"/>
-                <a:shade val="69000"/>
-                <a:satMod val="220000"/>
-              </a:schemeClr>
-            </a:gs>
-            <a:gs pos="100000">
-              <a:schemeClr val="accent3">
-                <a:tint val="77000"/>
-                <a:shade val="80000"/>
-                <a:satMod val="230000"/>
-              </a:schemeClr>
-            </a:gs>
-          </a:gsLst>
-          <a:lin ang="5400000" scaled="1"/>
-        </a:gradFill>
-        <a:ln w="10000" cap="flat" cmpd="sng" algn="ctr">
+        <a:solidFill>
+          <a:schemeClr val="lt1">
+            <a:alpha val="90000"/>
+            <a:hueOff val="0"/>
+            <a:satOff val="0"/>
+            <a:lumOff val="0"/>
+            <a:alphaOff val="0"/>
+          </a:schemeClr>
+        </a:solidFill>
+        <a:ln w="9525" cap="flat" cmpd="sng" algn="ctr">
           <a:solidFill>
-            <a:schemeClr val="accent3"/>
+            <a:schemeClr val="accent1">
+              <a:hueOff val="0"/>
+              <a:satOff val="0"/>
+              <a:lumOff val="0"/>
+              <a:alphaOff val="0"/>
+            </a:schemeClr>
           </a:solidFill>
           <a:prstDash val="solid"/>
         </a:ln>
         <a:effectLst>
-          <a:outerShdw blurRad="76200" dist="50800" dir="5400000" rotWithShape="0">
-            <a:srgbClr val="4E3B30">
-              <a:alpha val="60000"/>
+          <a:outerShdw blurRad="40000" dist="23000" dir="5400000" rotWithShape="0">
+            <a:srgbClr val="000000">
+              <a:alpha val="35000"/>
             </a:srgbClr>
           </a:outerShdw>
         </a:effectLst>
@@ -13188,52 +12664,29 @@
           <a:camera prst="orthographicFront"/>
           <a:lightRig rig="flat" dir="t"/>
         </a:scene3d>
-        <a:sp3d z="-190500" extrusionH="12700" prstMaterial="metal">
-          <a:bevelT w="10000" h="10000"/>
+        <a:sp3d z="190500" extrusionH="12700" prstMaterial="plastic">
+          <a:bevelT w="50800" h="50800"/>
         </a:sp3d>
       </dsp:spPr>
       <dsp:style>
         <a:lnRef idx="1">
-          <a:schemeClr val="accent3"/>
+          <a:scrgbClr r="0" g="0" b="0"/>
         </a:lnRef>
-        <a:fillRef idx="3">
-          <a:schemeClr val="accent3"/>
+        <a:fillRef idx="1">
+          <a:scrgbClr r="0" g="0" b="0"/>
         </a:fillRef>
         <a:effectRef idx="2">
-          <a:schemeClr val="accent3"/>
+          <a:scrgbClr r="0" g="0" b="0"/>
         </a:effectRef>
-        <a:fontRef idx="minor">
-          <a:schemeClr val="lt1"/>
-        </a:fontRef>
+        <a:fontRef idx="minor"/>
       </dsp:style>
       <dsp:txBody>
-        <a:bodyPr spcFirstLastPara="0" vert="horz" wrap="square" lIns="123825" tIns="123825" rIns="123825" bIns="123825" numCol="1" spcCol="1270" anchor="t" anchorCtr="0">
+        <a:bodyPr spcFirstLastPara="0" vert="horz" wrap="square" lIns="142240" tIns="142240" rIns="142240" bIns="142240" numCol="1" spcCol="1270" anchor="t" anchorCtr="0">
           <a:noAutofit/>
         </a:bodyPr>
         <a:lstStyle/>
         <a:p>
-          <a:pPr marL="171450" lvl="1" indent="-171450" algn="l" defTabSz="711200">
-            <a:lnSpc>
-              <a:spcPct val="90000"/>
-            </a:lnSpc>
-            <a:spcBef>
-              <a:spcPct val="0"/>
-            </a:spcBef>
-            <a:spcAft>
-              <a:spcPct val="15000"/>
-            </a:spcAft>
-            <a:buChar char="••"/>
-          </a:pPr>
-          <a:endParaRPr lang="pt-BR" sz="1600" b="1" kern="1200" dirty="0">
-            <a:solidFill>
-              <a:schemeClr val="bg1">
-                <a:lumMod val="85000"/>
-              </a:schemeClr>
-            </a:solidFill>
-          </a:endParaRPr>
-        </a:p>
-        <a:p>
-          <a:pPr marL="171450" lvl="1" indent="-171450" algn="l" defTabSz="711200">
+          <a:pPr marL="228600" lvl="1" indent="-228600" algn="l" defTabSz="889000">
             <a:lnSpc>
               <a:spcPct val="90000"/>
             </a:lnSpc>
@@ -13246,164 +12699,19 @@
             <a:buChar char="••"/>
           </a:pPr>
           <a:r>
-            <a:rPr lang="pt-BR" sz="1600" b="1" kern="1200" dirty="0" smtClean="0">
-              <a:solidFill>
-                <a:schemeClr val="bg1">
-                  <a:lumMod val="85000"/>
-                </a:schemeClr>
-              </a:solidFill>
-            </a:rPr>
+            <a:rPr lang="pt-BR" sz="2000" b="1" kern="1200" dirty="0" smtClean="0"/>
             <a:t>Dispositivo de conexão com sistema</a:t>
           </a:r>
-          <a:endParaRPr lang="pt-BR" sz="1600" b="1" kern="1200" dirty="0">
+          <a:endParaRPr lang="pt-BR" sz="2000" b="1" kern="1200" dirty="0">
             <a:solidFill>
-              <a:schemeClr val="bg1">
-                <a:lumMod val="85000"/>
-              </a:schemeClr>
+              <a:srgbClr val="66FFFF"/>
             </a:solidFill>
           </a:endParaRPr>
         </a:p>
       </dsp:txBody>
       <dsp:txXfrm>
-        <a:off x="6045580" y="1495569"/>
-        <a:ext cx="2373731" cy="1205932"/>
-      </dsp:txXfrm>
-    </dsp:sp>
-    <dsp:sp modelId="{301F9B7A-61FD-4D71-8D0E-DCB457B0DAC9}">
-      <dsp:nvSpPr>
-        <dsp:cNvPr id="0" name=""/>
-        <dsp:cNvSpPr/>
-      </dsp:nvSpPr>
-      <dsp:spPr>
-        <a:xfrm>
-          <a:off x="6499438" y="938731"/>
-          <a:ext cx="2109983" cy="657781"/>
-        </a:xfrm>
-        <a:prstGeom prst="roundRect">
-          <a:avLst>
-            <a:gd name="adj" fmla="val 10000"/>
-          </a:avLst>
-        </a:prstGeom>
-        <a:gradFill rotWithShape="1">
-          <a:gsLst>
-            <a:gs pos="0">
-              <a:schemeClr val="accent6">
-                <a:tint val="75000"/>
-                <a:shade val="85000"/>
-                <a:satMod val="230000"/>
-              </a:schemeClr>
-            </a:gs>
-            <a:gs pos="25000">
-              <a:schemeClr val="accent6">
-                <a:tint val="90000"/>
-                <a:shade val="70000"/>
-                <a:satMod val="220000"/>
-              </a:schemeClr>
-            </a:gs>
-            <a:gs pos="50000">
-              <a:schemeClr val="accent6">
-                <a:tint val="90000"/>
-                <a:shade val="58000"/>
-                <a:satMod val="225000"/>
-              </a:schemeClr>
-            </a:gs>
-            <a:gs pos="65000">
-              <a:schemeClr val="accent6">
-                <a:tint val="90000"/>
-                <a:shade val="58000"/>
-                <a:satMod val="225000"/>
-              </a:schemeClr>
-            </a:gs>
-            <a:gs pos="80000">
-              <a:schemeClr val="accent6">
-                <a:tint val="90000"/>
-                <a:shade val="69000"/>
-                <a:satMod val="220000"/>
-              </a:schemeClr>
-            </a:gs>
-            <a:gs pos="100000">
-              <a:schemeClr val="accent6">
-                <a:tint val="77000"/>
-                <a:shade val="80000"/>
-                <a:satMod val="230000"/>
-              </a:schemeClr>
-            </a:gs>
-          </a:gsLst>
-          <a:lin ang="5400000" scaled="1"/>
-        </a:gradFill>
-        <a:ln>
-          <a:noFill/>
-        </a:ln>
-        <a:effectLst>
-          <a:outerShdw blurRad="76200" dist="50800" dir="5400000" rotWithShape="0">
-            <a:srgbClr val="4E3B30">
-              <a:alpha val="60000"/>
-            </a:srgbClr>
-          </a:outerShdw>
-        </a:effectLst>
-        <a:scene3d>
-          <a:camera prst="orthographicFront"/>
-          <a:lightRig rig="flat" dir="t"/>
-        </a:scene3d>
-        <a:sp3d contourW="12700" prstMaterial="matte">
-          <a:bevelT w="60000" h="50800"/>
-          <a:contourClr>
-            <a:schemeClr val="accent6">
-              <a:shade val="60000"/>
-              <a:satMod val="110000"/>
-            </a:schemeClr>
-          </a:contourClr>
-        </a:sp3d>
-      </dsp:spPr>
-      <dsp:style>
-        <a:lnRef idx="0">
-          <a:schemeClr val="accent6"/>
-        </a:lnRef>
-        <a:fillRef idx="3">
-          <a:schemeClr val="accent6"/>
-        </a:fillRef>
-        <a:effectRef idx="3">
-          <a:schemeClr val="accent6"/>
-        </a:effectRef>
-        <a:fontRef idx="minor">
-          <a:schemeClr val="lt1"/>
-        </a:fontRef>
-      </dsp:style>
-      <dsp:txBody>
-        <a:bodyPr spcFirstLastPara="0" vert="horz" wrap="square" lIns="30480" tIns="20320" rIns="30480" bIns="20320" numCol="1" spcCol="1270" anchor="ctr" anchorCtr="0">
-          <a:noAutofit/>
-        </a:bodyPr>
-        <a:lstStyle/>
-        <a:p>
-          <a:pPr lvl="0" algn="ctr" defTabSz="711200">
-            <a:lnSpc>
-              <a:spcPct val="90000"/>
-            </a:lnSpc>
-            <a:spcBef>
-              <a:spcPct val="0"/>
-            </a:spcBef>
-            <a:spcAft>
-              <a:spcPct val="35000"/>
-            </a:spcAft>
-          </a:pPr>
-          <a:r>
-            <a:rPr lang="pt-BR" sz="1600" b="1" kern="1200" dirty="0" smtClean="0">
-              <a:solidFill>
-                <a:srgbClr val="0070C0"/>
-              </a:solidFill>
-            </a:rPr>
-            <a:t>Usuário</a:t>
-          </a:r>
-          <a:endParaRPr lang="pt-BR" sz="1600" b="1" kern="1200" dirty="0">
-            <a:solidFill>
-              <a:srgbClr val="0070C0"/>
-            </a:solidFill>
-          </a:endParaRPr>
-        </a:p>
-      </dsp:txBody>
-      <dsp:txXfrm>
-        <a:off x="6499438" y="938731"/>
-        <a:ext cx="2109983" cy="657781"/>
+        <a:off x="6603452" y="856430"/>
+        <a:ext cx="2083347" cy="2167767"/>
       </dsp:txXfrm>
     </dsp:sp>
   </dsp:spTree>
@@ -13418,48 +12726,84 @@
       <dsp:cNvGrpSpPr/>
     </dsp:nvGrpSpPr>
     <dsp:grpSpPr/>
-    <dsp:sp modelId="{18F2EB1D-555E-470E-B78B-9F32BC1302F0}">
+    <dsp:sp modelId="{BDE3E4C7-8057-4579-B356-D9461424C263}">
       <dsp:nvSpPr>
         <dsp:cNvPr id="0" name=""/>
         <dsp:cNvSpPr/>
       </dsp:nvSpPr>
       <dsp:spPr>
         <a:xfrm>
-          <a:off x="3555504" y="1625330"/>
-          <a:ext cx="1575790" cy="1617659"/>
+          <a:off x="2448279" y="1837770"/>
+          <a:ext cx="1799532" cy="1396556"/>
         </a:xfrm>
         <a:prstGeom prst="ellipse">
           <a:avLst/>
         </a:prstGeom>
-        <a:solidFill>
-          <a:schemeClr val="accent1">
-            <a:hueOff val="0"/>
-            <a:satOff val="0"/>
-            <a:lumOff val="0"/>
-            <a:alphaOff val="0"/>
-          </a:schemeClr>
-        </a:solidFill>
-        <a:ln w="25400" cap="flat" cmpd="sng" algn="ctr">
-          <a:solidFill>
-            <a:schemeClr val="lt1">
-              <a:hueOff val="0"/>
-              <a:satOff val="0"/>
-              <a:lumOff val="0"/>
-              <a:alphaOff val="0"/>
-            </a:schemeClr>
-          </a:solidFill>
-          <a:prstDash val="solid"/>
+        <a:gradFill rotWithShape="0">
+          <a:gsLst>
+            <a:gs pos="0">
+              <a:schemeClr val="accent2">
+                <a:alpha val="80000"/>
+                <a:hueOff val="0"/>
+                <a:satOff val="0"/>
+                <a:lumOff val="0"/>
+                <a:alphaOff val="0"/>
+                <a:shade val="51000"/>
+                <a:satMod val="130000"/>
+              </a:schemeClr>
+            </a:gs>
+            <a:gs pos="80000">
+              <a:schemeClr val="accent2">
+                <a:alpha val="80000"/>
+                <a:hueOff val="0"/>
+                <a:satOff val="0"/>
+                <a:lumOff val="0"/>
+                <a:alphaOff val="0"/>
+                <a:shade val="93000"/>
+                <a:satMod val="130000"/>
+              </a:schemeClr>
+            </a:gs>
+            <a:gs pos="100000">
+              <a:schemeClr val="accent2">
+                <a:alpha val="80000"/>
+                <a:hueOff val="0"/>
+                <a:satOff val="0"/>
+                <a:lumOff val="0"/>
+                <a:alphaOff val="0"/>
+                <a:shade val="94000"/>
+                <a:satMod val="135000"/>
+              </a:schemeClr>
+            </a:gs>
+          </a:gsLst>
+          <a:lin ang="16200000" scaled="0"/>
+        </a:gradFill>
+        <a:ln>
+          <a:noFill/>
         </a:ln>
-        <a:effectLst/>
+        <a:effectLst>
+          <a:outerShdw blurRad="40000" dist="23000" dir="5400000" rotWithShape="0">
+            <a:srgbClr val="000000">
+              <a:alpha val="35000"/>
+            </a:srgbClr>
+          </a:outerShdw>
+        </a:effectLst>
+        <a:scene3d>
+          <a:camera prst="orthographicFront"/>
+          <a:lightRig rig="flat" dir="t"/>
+        </a:scene3d>
+        <a:sp3d prstMaterial="plastic">
+          <a:bevelT w="120900" h="88900"/>
+          <a:bevelB w="88900" h="31750" prst="angle"/>
+        </a:sp3d>
       </dsp:spPr>
       <dsp:style>
-        <a:lnRef idx="2">
+        <a:lnRef idx="0">
           <a:scrgbClr r="0" g="0" b="0"/>
         </a:lnRef>
-        <a:fillRef idx="1">
+        <a:fillRef idx="3">
           <a:scrgbClr r="0" g="0" b="0"/>
         </a:fillRef>
-        <a:effectRef idx="0">
+        <a:effectRef idx="2">
           <a:scrgbClr r="0" g="0" b="0"/>
         </a:effectRef>
         <a:fontRef idx="minor">
@@ -13467,12 +12811,12 @@
         </a:fontRef>
       </dsp:style>
       <dsp:txBody>
-        <a:bodyPr spcFirstLastPara="0" vert="horz" wrap="square" lIns="17780" tIns="17780" rIns="17780" bIns="17780" numCol="1" spcCol="1270" anchor="ctr" anchorCtr="0">
+        <a:bodyPr spcFirstLastPara="0" vert="horz" wrap="square" lIns="15240" tIns="15240" rIns="15240" bIns="15240" numCol="1" spcCol="1270" anchor="ctr" anchorCtr="0">
           <a:noAutofit/>
         </a:bodyPr>
         <a:lstStyle/>
         <a:p>
-          <a:pPr lvl="0" algn="ctr" defTabSz="622300">
+          <a:pPr lvl="0" algn="ctr" defTabSz="1066800">
             <a:lnSpc>
               <a:spcPct val="90000"/>
             </a:lnSpc>
@@ -13484,68 +12828,91 @@
             </a:spcAft>
           </a:pPr>
           <a:r>
-            <a:rPr lang="pt-BR" sz="1400" kern="1200" dirty="0" smtClean="0"/>
+            <a:rPr lang="pt-BR" sz="2400" b="1" kern="1200" dirty="0" smtClean="0">
+              <a:solidFill>
+                <a:srgbClr val="FFFF00"/>
+              </a:solidFill>
+            </a:rPr>
             <a:t>Paróquia</a:t>
           </a:r>
-          <a:endParaRPr lang="pt-BR" sz="1400" kern="1200" dirty="0"/>
+          <a:endParaRPr lang="pt-BR" sz="2400" b="1" kern="1200" dirty="0">
+            <a:solidFill>
+              <a:srgbClr val="FFFF00"/>
+            </a:solidFill>
+          </a:endParaRPr>
         </a:p>
       </dsp:txBody>
       <dsp:txXfrm>
-        <a:off x="3555504" y="1625330"/>
-        <a:ext cx="1575790" cy="1617659"/>
+        <a:off x="2448279" y="1837770"/>
+        <a:ext cx="1799532" cy="1396556"/>
       </dsp:txXfrm>
     </dsp:sp>
-    <dsp:sp modelId="{D858E594-9B1F-454E-812B-1D569755D339}">
+    <dsp:sp modelId="{DB1550D9-ABF3-4F2B-8E67-E1CEA10516E4}">
       <dsp:nvSpPr>
         <dsp:cNvPr id="0" name=""/>
         <dsp:cNvSpPr/>
       </dsp:nvSpPr>
       <dsp:spPr>
         <a:xfrm rot="16200000">
-          <a:off x="4252145" y="1240913"/>
-          <a:ext cx="182509" cy="434806"/>
+          <a:off x="3137067" y="1608021"/>
+          <a:ext cx="421957" cy="37541"/>
         </a:xfrm>
-        <a:prstGeom prst="rightArrow">
-          <a:avLst>
-            <a:gd name="adj1" fmla="val 60000"/>
-            <a:gd name="adj2" fmla="val 50000"/>
-          </a:avLst>
-        </a:prstGeom>
-        <a:solidFill>
-          <a:schemeClr val="accent1">
-            <a:tint val="60000"/>
-            <a:hueOff val="0"/>
-            <a:satOff val="0"/>
-            <a:lumOff val="0"/>
-            <a:alphaOff val="0"/>
-          </a:schemeClr>
-        </a:solidFill>
-        <a:ln>
-          <a:noFill/>
+        <a:custGeom>
+          <a:avLst/>
+          <a:gdLst/>
+          <a:ahLst/>
+          <a:cxnLst/>
+          <a:rect l="0" t="0" r="0" b="0"/>
+          <a:pathLst>
+            <a:path>
+              <a:moveTo>
+                <a:pt x="0" y="18770"/>
+              </a:moveTo>
+              <a:lnTo>
+                <a:pt x="421957" y="18770"/>
+              </a:lnTo>
+            </a:path>
+          </a:pathLst>
+        </a:custGeom>
+        <a:noFill/>
+        <a:ln w="25400" cap="flat" cmpd="sng" algn="ctr">
+          <a:solidFill>
+            <a:schemeClr val="accent2">
+              <a:tint val="90000"/>
+              <a:hueOff val="0"/>
+              <a:satOff val="0"/>
+              <a:lumOff val="0"/>
+              <a:alphaOff val="0"/>
+            </a:schemeClr>
+          </a:solidFill>
+          <a:prstDash val="solid"/>
         </a:ln>
         <a:effectLst/>
+        <a:scene3d>
+          <a:camera prst="orthographicFront"/>
+          <a:lightRig rig="flat" dir="t"/>
+        </a:scene3d>
+        <a:sp3d prstMaterial="matte"/>
       </dsp:spPr>
       <dsp:style>
-        <a:lnRef idx="0">
+        <a:lnRef idx="2">
           <a:scrgbClr r="0" g="0" b="0"/>
         </a:lnRef>
-        <a:fillRef idx="1">
+        <a:fillRef idx="0">
           <a:scrgbClr r="0" g="0" b="0"/>
         </a:fillRef>
         <a:effectRef idx="0">
           <a:scrgbClr r="0" g="0" b="0"/>
         </a:effectRef>
-        <a:fontRef idx="minor">
-          <a:schemeClr val="lt1"/>
-        </a:fontRef>
+        <a:fontRef idx="minor"/>
       </dsp:style>
       <dsp:txBody>
-        <a:bodyPr spcFirstLastPara="0" vert="horz" wrap="square" lIns="0" tIns="0" rIns="0" bIns="0" numCol="1" spcCol="1270" anchor="ctr" anchorCtr="0">
+        <a:bodyPr spcFirstLastPara="0" vert="horz" wrap="square" lIns="12700" tIns="0" rIns="12700" bIns="0" numCol="1" spcCol="1270" anchor="ctr" anchorCtr="0">
           <a:noAutofit/>
         </a:bodyPr>
         <a:lstStyle/>
         <a:p>
-          <a:pPr lvl="0" algn="ctr" defTabSz="844550">
+          <a:pPr lvl="0" algn="ctr" defTabSz="222250">
             <a:lnSpc>
               <a:spcPct val="90000"/>
             </a:lnSpc>
@@ -13556,56 +12923,92 @@
               <a:spcPct val="35000"/>
             </a:spcAft>
           </a:pPr>
-          <a:endParaRPr lang="pt-BR" sz="1900" kern="1200"/>
+          <a:endParaRPr lang="pt-BR" sz="500" kern="1200"/>
         </a:p>
       </dsp:txBody>
       <dsp:txXfrm rot="16200000">
-        <a:off x="4252145" y="1240913"/>
-        <a:ext cx="182509" cy="434806"/>
+        <a:off x="3337497" y="1616243"/>
+        <a:ext cx="21097" cy="21097"/>
       </dsp:txXfrm>
     </dsp:sp>
-    <dsp:sp modelId="{E0159EA0-1A5D-476D-AD51-865243B2D714}">
+    <dsp:sp modelId="{1BA1A60B-DB91-42A4-8A23-386BD88E7249}">
       <dsp:nvSpPr>
         <dsp:cNvPr id="0" name=""/>
         <dsp:cNvSpPr/>
       </dsp:nvSpPr>
       <dsp:spPr>
         <a:xfrm>
-          <a:off x="3703978" y="2130"/>
-          <a:ext cx="1278842" cy="1278842"/>
+          <a:off x="2448279" y="19257"/>
+          <a:ext cx="1799532" cy="1396556"/>
         </a:xfrm>
         <a:prstGeom prst="ellipse">
           <a:avLst/>
         </a:prstGeom>
-        <a:solidFill>
-          <a:schemeClr val="accent1">
-            <a:hueOff val="0"/>
-            <a:satOff val="0"/>
-            <a:lumOff val="0"/>
-            <a:alphaOff val="0"/>
-          </a:schemeClr>
-        </a:solidFill>
-        <a:ln w="25400" cap="flat" cmpd="sng" algn="ctr">
-          <a:solidFill>
-            <a:schemeClr val="lt1">
-              <a:hueOff val="0"/>
-              <a:satOff val="0"/>
-              <a:lumOff val="0"/>
-              <a:alphaOff val="0"/>
-            </a:schemeClr>
-          </a:solidFill>
-          <a:prstDash val="solid"/>
+        <a:gradFill rotWithShape="0">
+          <a:gsLst>
+            <a:gs pos="0">
+              <a:schemeClr val="accent2">
+                <a:alpha val="90000"/>
+                <a:hueOff val="0"/>
+                <a:satOff val="0"/>
+                <a:lumOff val="0"/>
+                <a:alphaOff val="0"/>
+                <a:shade val="51000"/>
+                <a:satMod val="130000"/>
+              </a:schemeClr>
+            </a:gs>
+            <a:gs pos="80000">
+              <a:schemeClr val="accent2">
+                <a:alpha val="90000"/>
+                <a:hueOff val="0"/>
+                <a:satOff val="0"/>
+                <a:lumOff val="0"/>
+                <a:alphaOff val="0"/>
+                <a:shade val="93000"/>
+                <a:satMod val="130000"/>
+              </a:schemeClr>
+            </a:gs>
+            <a:gs pos="100000">
+              <a:schemeClr val="accent2">
+                <a:alpha val="90000"/>
+                <a:hueOff val="0"/>
+                <a:satOff val="0"/>
+                <a:lumOff val="0"/>
+                <a:alphaOff val="0"/>
+                <a:shade val="94000"/>
+                <a:satMod val="135000"/>
+              </a:schemeClr>
+            </a:gs>
+          </a:gsLst>
+          <a:lin ang="16200000" scaled="0"/>
+        </a:gradFill>
+        <a:ln>
+          <a:noFill/>
         </a:ln>
-        <a:effectLst/>
+        <a:effectLst>
+          <a:outerShdw blurRad="40000" dist="23000" dir="5400000" rotWithShape="0">
+            <a:srgbClr val="000000">
+              <a:alpha val="35000"/>
+            </a:srgbClr>
+          </a:outerShdw>
+        </a:effectLst>
+        <a:scene3d>
+          <a:camera prst="orthographicFront"/>
+          <a:lightRig rig="flat" dir="t"/>
+        </a:scene3d>
+        <a:sp3d prstMaterial="plastic">
+          <a:bevelT w="120900" h="88900"/>
+          <a:bevelB w="88900" h="31750" prst="angle"/>
+        </a:sp3d>
       </dsp:spPr>
       <dsp:style>
-        <a:lnRef idx="2">
+        <a:lnRef idx="0">
           <a:scrgbClr r="0" g="0" b="0"/>
         </a:lnRef>
-        <a:fillRef idx="1">
+        <a:fillRef idx="3">
           <a:scrgbClr r="0" g="0" b="0"/>
         </a:fillRef>
-        <a:effectRef idx="0">
+        <a:effectRef idx="2">
           <a:scrgbClr r="0" g="0" b="0"/>
         </a:effectRef>
         <a:fontRef idx="minor">
@@ -13613,12 +13016,12 @@
         </a:fontRef>
       </dsp:style>
       <dsp:txBody>
-        <a:bodyPr spcFirstLastPara="0" vert="horz" wrap="square" lIns="17780" tIns="17780" rIns="17780" bIns="17780" numCol="1" spcCol="1270" anchor="ctr" anchorCtr="0">
+        <a:bodyPr spcFirstLastPara="0" vert="horz" wrap="square" lIns="11430" tIns="11430" rIns="11430" bIns="11430" numCol="1" spcCol="1270" anchor="ctr" anchorCtr="0">
           <a:noAutofit/>
         </a:bodyPr>
         <a:lstStyle/>
         <a:p>
-          <a:pPr lvl="0" algn="ctr" defTabSz="622300">
+          <a:pPr lvl="0" algn="ctr" defTabSz="800100">
             <a:lnSpc>
               <a:spcPct val="90000"/>
             </a:lnSpc>
@@ -13629,65 +13032,92 @@
               <a:spcPct val="35000"/>
             </a:spcAft>
           </a:pPr>
-          <a:endParaRPr lang="pt-BR" sz="1400" kern="1200" dirty="0"/>
+          <a:r>
+            <a:rPr lang="pt-BR" sz="1800" b="1" kern="1200" dirty="0" smtClean="0">
+              <a:solidFill>
+                <a:srgbClr val="66FFFF"/>
+              </a:solidFill>
+            </a:rPr>
+            <a:t>Ação solidária</a:t>
+          </a:r>
+          <a:endParaRPr lang="pt-BR" sz="1800" b="1" kern="1200" dirty="0">
+            <a:solidFill>
+              <a:srgbClr val="66FFFF"/>
+            </a:solidFill>
+          </a:endParaRPr>
         </a:p>
       </dsp:txBody>
       <dsp:txXfrm>
-        <a:off x="3703978" y="2130"/>
-        <a:ext cx="1278842" cy="1278842"/>
+        <a:off x="2448279" y="19257"/>
+        <a:ext cx="1799532" cy="1396556"/>
       </dsp:txXfrm>
     </dsp:sp>
-    <dsp:sp modelId="{9D95D45C-9B20-4A4E-AD6C-37161FDE50AF}">
+    <dsp:sp modelId="{5301AC84-2576-4645-A3A5-CD1FD68C0D58}">
       <dsp:nvSpPr>
         <dsp:cNvPr id="0" name=""/>
         <dsp:cNvSpPr/>
       </dsp:nvSpPr>
       <dsp:spPr>
-        <a:xfrm rot="20520000">
-          <a:off x="5165881" y="1918229"/>
-          <a:ext cx="192581" cy="434806"/>
+        <a:xfrm rot="27995">
+          <a:off x="4247751" y="2527247"/>
+          <a:ext cx="648868" cy="37541"/>
         </a:xfrm>
-        <a:prstGeom prst="rightArrow">
-          <a:avLst>
-            <a:gd name="adj1" fmla="val 60000"/>
-            <a:gd name="adj2" fmla="val 50000"/>
-          </a:avLst>
-        </a:prstGeom>
-        <a:solidFill>
-          <a:schemeClr val="accent1">
-            <a:tint val="60000"/>
-            <a:hueOff val="0"/>
-            <a:satOff val="0"/>
-            <a:lumOff val="0"/>
-            <a:alphaOff val="0"/>
-          </a:schemeClr>
-        </a:solidFill>
-        <a:ln>
-          <a:noFill/>
+        <a:custGeom>
+          <a:avLst/>
+          <a:gdLst/>
+          <a:ahLst/>
+          <a:cxnLst/>
+          <a:rect l="0" t="0" r="0" b="0"/>
+          <a:pathLst>
+            <a:path>
+              <a:moveTo>
+                <a:pt x="0" y="18770"/>
+              </a:moveTo>
+              <a:lnTo>
+                <a:pt x="648868" y="18770"/>
+              </a:lnTo>
+            </a:path>
+          </a:pathLst>
+        </a:custGeom>
+        <a:noFill/>
+        <a:ln w="25400" cap="flat" cmpd="sng" algn="ctr">
+          <a:solidFill>
+            <a:schemeClr val="accent2">
+              <a:tint val="90000"/>
+              <a:hueOff val="0"/>
+              <a:satOff val="0"/>
+              <a:lumOff val="0"/>
+              <a:alphaOff val="0"/>
+            </a:schemeClr>
+          </a:solidFill>
+          <a:prstDash val="solid"/>
         </a:ln>
         <a:effectLst/>
+        <a:scene3d>
+          <a:camera prst="orthographicFront"/>
+          <a:lightRig rig="flat" dir="t"/>
+        </a:scene3d>
+        <a:sp3d prstMaterial="matte"/>
       </dsp:spPr>
       <dsp:style>
-        <a:lnRef idx="0">
+        <a:lnRef idx="2">
           <a:scrgbClr r="0" g="0" b="0"/>
         </a:lnRef>
-        <a:fillRef idx="1">
+        <a:fillRef idx="0">
           <a:scrgbClr r="0" g="0" b="0"/>
         </a:fillRef>
         <a:effectRef idx="0">
           <a:scrgbClr r="0" g="0" b="0"/>
         </a:effectRef>
-        <a:fontRef idx="minor">
-          <a:schemeClr val="lt1"/>
-        </a:fontRef>
+        <a:fontRef idx="minor"/>
       </dsp:style>
       <dsp:txBody>
-        <a:bodyPr spcFirstLastPara="0" vert="horz" wrap="square" lIns="0" tIns="0" rIns="0" bIns="0" numCol="1" spcCol="1270" anchor="ctr" anchorCtr="0">
+        <a:bodyPr spcFirstLastPara="0" vert="horz" wrap="square" lIns="12700" tIns="0" rIns="12700" bIns="0" numCol="1" spcCol="1270" anchor="ctr" anchorCtr="0">
           <a:noAutofit/>
         </a:bodyPr>
         <a:lstStyle/>
         <a:p>
-          <a:pPr lvl="0" algn="ctr" defTabSz="844550">
+          <a:pPr lvl="0" algn="ctr" defTabSz="222250">
             <a:lnSpc>
               <a:spcPct val="90000"/>
             </a:lnSpc>
@@ -13698,56 +13128,92 @@
               <a:spcPct val="35000"/>
             </a:spcAft>
           </a:pPr>
-          <a:endParaRPr lang="pt-BR" sz="1900" kern="1200"/>
+          <a:endParaRPr lang="pt-BR" sz="500" kern="1200"/>
         </a:p>
       </dsp:txBody>
-      <dsp:txXfrm rot="20520000">
-        <a:off x="5165881" y="1918229"/>
-        <a:ext cx="192581" cy="434806"/>
+      <dsp:txXfrm rot="27995">
+        <a:off x="4555964" y="2529796"/>
+        <a:ext cx="32443" cy="32443"/>
       </dsp:txXfrm>
     </dsp:sp>
-    <dsp:sp modelId="{892AB89D-9357-4946-A690-9AB770094366}">
+    <dsp:sp modelId="{EE3E81F8-67F5-4149-A111-7181108DA414}">
       <dsp:nvSpPr>
         <dsp:cNvPr id="0" name=""/>
         <dsp:cNvSpPr/>
       </dsp:nvSpPr>
       <dsp:spPr>
         <a:xfrm>
-          <a:off x="5408849" y="1240792"/>
-          <a:ext cx="1278842" cy="1278842"/>
+          <a:off x="4896559" y="1857708"/>
+          <a:ext cx="1799532" cy="1396556"/>
         </a:xfrm>
         <a:prstGeom prst="ellipse">
           <a:avLst/>
         </a:prstGeom>
-        <a:solidFill>
-          <a:schemeClr val="accent1">
-            <a:hueOff val="0"/>
-            <a:satOff val="0"/>
-            <a:lumOff val="0"/>
-            <a:alphaOff val="0"/>
-          </a:schemeClr>
-        </a:solidFill>
-        <a:ln w="25400" cap="flat" cmpd="sng" algn="ctr">
-          <a:solidFill>
-            <a:schemeClr val="lt1">
-              <a:hueOff val="0"/>
-              <a:satOff val="0"/>
-              <a:lumOff val="0"/>
-              <a:alphaOff val="0"/>
-            </a:schemeClr>
-          </a:solidFill>
-          <a:prstDash val="solid"/>
+        <a:gradFill rotWithShape="0">
+          <a:gsLst>
+            <a:gs pos="0">
+              <a:schemeClr val="accent2">
+                <a:alpha val="90000"/>
+                <a:hueOff val="0"/>
+                <a:satOff val="0"/>
+                <a:lumOff val="0"/>
+                <a:alphaOff val="-13333"/>
+                <a:shade val="51000"/>
+                <a:satMod val="130000"/>
+              </a:schemeClr>
+            </a:gs>
+            <a:gs pos="80000">
+              <a:schemeClr val="accent2">
+                <a:alpha val="90000"/>
+                <a:hueOff val="0"/>
+                <a:satOff val="0"/>
+                <a:lumOff val="0"/>
+                <a:alphaOff val="-13333"/>
+                <a:shade val="93000"/>
+                <a:satMod val="130000"/>
+              </a:schemeClr>
+            </a:gs>
+            <a:gs pos="100000">
+              <a:schemeClr val="accent2">
+                <a:alpha val="90000"/>
+                <a:hueOff val="0"/>
+                <a:satOff val="0"/>
+                <a:lumOff val="0"/>
+                <a:alphaOff val="-13333"/>
+                <a:shade val="94000"/>
+                <a:satMod val="135000"/>
+              </a:schemeClr>
+            </a:gs>
+          </a:gsLst>
+          <a:lin ang="16200000" scaled="0"/>
+        </a:gradFill>
+        <a:ln>
+          <a:noFill/>
         </a:ln>
-        <a:effectLst/>
+        <a:effectLst>
+          <a:outerShdw blurRad="40000" dist="23000" dir="5400000" rotWithShape="0">
+            <a:srgbClr val="000000">
+              <a:alpha val="35000"/>
+            </a:srgbClr>
+          </a:outerShdw>
+        </a:effectLst>
+        <a:scene3d>
+          <a:camera prst="orthographicFront"/>
+          <a:lightRig rig="flat" dir="t"/>
+        </a:scene3d>
+        <a:sp3d prstMaterial="plastic">
+          <a:bevelT w="120900" h="88900"/>
+          <a:bevelB w="88900" h="31750" prst="angle"/>
+        </a:sp3d>
       </dsp:spPr>
       <dsp:style>
-        <a:lnRef idx="2">
+        <a:lnRef idx="0">
           <a:scrgbClr r="0" g="0" b="0"/>
         </a:lnRef>
-        <a:fillRef idx="1">
+        <a:fillRef idx="3">
           <a:scrgbClr r="0" g="0" b="0"/>
         </a:fillRef>
-        <a:effectRef idx="0">
+        <a:effectRef idx="2">
           <a:scrgbClr r="0" g="0" b="0"/>
         </a:effectRef>
         <a:fontRef idx="minor">
@@ -13755,12 +13221,12 @@
         </a:fontRef>
       </dsp:style>
       <dsp:txBody>
-        <a:bodyPr spcFirstLastPara="0" vert="horz" wrap="square" lIns="17780" tIns="17780" rIns="17780" bIns="17780" numCol="1" spcCol="1270" anchor="ctr" anchorCtr="0">
+        <a:bodyPr spcFirstLastPara="0" vert="horz" wrap="square" lIns="11430" tIns="11430" rIns="11430" bIns="11430" numCol="1" spcCol="1270" anchor="ctr" anchorCtr="0">
           <a:noAutofit/>
         </a:bodyPr>
         <a:lstStyle/>
         <a:p>
-          <a:pPr lvl="0" algn="ctr" defTabSz="622300">
+          <a:pPr lvl="0" algn="ctr" defTabSz="800100">
             <a:lnSpc>
               <a:spcPct val="90000"/>
             </a:lnSpc>
@@ -13771,65 +13237,92 @@
               <a:spcPct val="35000"/>
             </a:spcAft>
           </a:pPr>
-          <a:endParaRPr lang="pt-BR" sz="1400" kern="1200" dirty="0"/>
+          <a:r>
+            <a:rPr lang="pt-BR" sz="1800" b="1" kern="1200" dirty="0" smtClean="0">
+              <a:solidFill>
+                <a:srgbClr val="66FFFF"/>
+              </a:solidFill>
+            </a:rPr>
+            <a:t>Catequese</a:t>
+          </a:r>
+          <a:endParaRPr lang="pt-BR" sz="1800" b="1" kern="1200" dirty="0">
+            <a:solidFill>
+              <a:srgbClr val="66FFFF"/>
+            </a:solidFill>
+          </a:endParaRPr>
         </a:p>
       </dsp:txBody>
       <dsp:txXfrm>
-        <a:off x="5408849" y="1240792"/>
-        <a:ext cx="1278842" cy="1278842"/>
+        <a:off x="4896559" y="1857708"/>
+        <a:ext cx="1799532" cy="1396556"/>
       </dsp:txXfrm>
     </dsp:sp>
-    <dsp:sp modelId="{8F93543A-5059-4DE8-A2FC-A99D358C55C0}">
+    <dsp:sp modelId="{E257CB2D-EE0D-470B-B5D3-13291BA657E1}">
       <dsp:nvSpPr>
         <dsp:cNvPr id="0" name=""/>
         <dsp:cNvSpPr/>
       </dsp:nvSpPr>
       <dsp:spPr>
-        <a:xfrm rot="3240000">
-          <a:off x="4821518" y="3003138"/>
-          <a:ext cx="186441" cy="434806"/>
+        <a:xfrm rot="5400000">
+          <a:off x="3137067" y="3426534"/>
+          <a:ext cx="421957" cy="37541"/>
         </a:xfrm>
-        <a:prstGeom prst="rightArrow">
-          <a:avLst>
-            <a:gd name="adj1" fmla="val 60000"/>
-            <a:gd name="adj2" fmla="val 50000"/>
-          </a:avLst>
-        </a:prstGeom>
-        <a:solidFill>
-          <a:schemeClr val="accent1">
-            <a:tint val="60000"/>
-            <a:hueOff val="0"/>
-            <a:satOff val="0"/>
-            <a:lumOff val="0"/>
-            <a:alphaOff val="0"/>
-          </a:schemeClr>
-        </a:solidFill>
-        <a:ln>
-          <a:noFill/>
+        <a:custGeom>
+          <a:avLst/>
+          <a:gdLst/>
+          <a:ahLst/>
+          <a:cxnLst/>
+          <a:rect l="0" t="0" r="0" b="0"/>
+          <a:pathLst>
+            <a:path>
+              <a:moveTo>
+                <a:pt x="0" y="18770"/>
+              </a:moveTo>
+              <a:lnTo>
+                <a:pt x="421957" y="18770"/>
+              </a:lnTo>
+            </a:path>
+          </a:pathLst>
+        </a:custGeom>
+        <a:noFill/>
+        <a:ln w="25400" cap="flat" cmpd="sng" algn="ctr">
+          <a:solidFill>
+            <a:schemeClr val="accent2">
+              <a:tint val="90000"/>
+              <a:hueOff val="0"/>
+              <a:satOff val="0"/>
+              <a:lumOff val="0"/>
+              <a:alphaOff val="0"/>
+            </a:schemeClr>
+          </a:solidFill>
+          <a:prstDash val="solid"/>
         </a:ln>
         <a:effectLst/>
+        <a:scene3d>
+          <a:camera prst="orthographicFront"/>
+          <a:lightRig rig="flat" dir="t"/>
+        </a:scene3d>
+        <a:sp3d prstMaterial="matte"/>
       </dsp:spPr>
       <dsp:style>
-        <a:lnRef idx="0">
+        <a:lnRef idx="2">
           <a:scrgbClr r="0" g="0" b="0"/>
         </a:lnRef>
-        <a:fillRef idx="1">
+        <a:fillRef idx="0">
           <a:scrgbClr r="0" g="0" b="0"/>
         </a:fillRef>
         <a:effectRef idx="0">
           <a:scrgbClr r="0" g="0" b="0"/>
         </a:effectRef>
-        <a:fontRef idx="minor">
-          <a:schemeClr val="lt1"/>
-        </a:fontRef>
+        <a:fontRef idx="minor"/>
       </dsp:style>
       <dsp:txBody>
-        <a:bodyPr spcFirstLastPara="0" vert="horz" wrap="square" lIns="0" tIns="0" rIns="0" bIns="0" numCol="1" spcCol="1270" anchor="ctr" anchorCtr="0">
+        <a:bodyPr spcFirstLastPara="0" vert="horz" wrap="square" lIns="12700" tIns="0" rIns="12700" bIns="0" numCol="1" spcCol="1270" anchor="ctr" anchorCtr="0">
           <a:noAutofit/>
         </a:bodyPr>
         <a:lstStyle/>
         <a:p>
-          <a:pPr lvl="0" algn="ctr" defTabSz="844550">
+          <a:pPr lvl="0" algn="ctr" defTabSz="222250">
             <a:lnSpc>
               <a:spcPct val="90000"/>
             </a:lnSpc>
@@ -13840,56 +13333,92 @@
               <a:spcPct val="35000"/>
             </a:spcAft>
           </a:pPr>
-          <a:endParaRPr lang="pt-BR" sz="1900" kern="1200"/>
+          <a:endParaRPr lang="pt-BR" sz="500" kern="1200"/>
         </a:p>
       </dsp:txBody>
-      <dsp:txXfrm rot="3240000">
-        <a:off x="4821518" y="3003138"/>
-        <a:ext cx="186441" cy="434806"/>
+      <dsp:txXfrm rot="5400000">
+        <a:off x="3337497" y="3434756"/>
+        <a:ext cx="21097" cy="21097"/>
       </dsp:txXfrm>
     </dsp:sp>
-    <dsp:sp modelId="{4AE6AAFA-D59A-4F35-A5E8-C6D2EC6BBFF0}">
+    <dsp:sp modelId="{863E9C95-4D35-4D80-8FF7-E34BA1AF170C}">
       <dsp:nvSpPr>
         <dsp:cNvPr id="0" name=""/>
         <dsp:cNvSpPr/>
       </dsp:nvSpPr>
       <dsp:spPr>
         <a:xfrm>
-          <a:off x="4757647" y="3244988"/>
-          <a:ext cx="1278842" cy="1278842"/>
+          <a:off x="2448279" y="3656284"/>
+          <a:ext cx="1799532" cy="1396556"/>
         </a:xfrm>
         <a:prstGeom prst="ellipse">
           <a:avLst/>
         </a:prstGeom>
-        <a:solidFill>
-          <a:schemeClr val="accent1">
-            <a:hueOff val="0"/>
-            <a:satOff val="0"/>
-            <a:lumOff val="0"/>
-            <a:alphaOff val="0"/>
-          </a:schemeClr>
-        </a:solidFill>
-        <a:ln w="25400" cap="flat" cmpd="sng" algn="ctr">
-          <a:solidFill>
-            <a:schemeClr val="lt1">
-              <a:hueOff val="0"/>
-              <a:satOff val="0"/>
-              <a:lumOff val="0"/>
-              <a:alphaOff val="0"/>
-            </a:schemeClr>
-          </a:solidFill>
-          <a:prstDash val="solid"/>
+        <a:gradFill rotWithShape="0">
+          <a:gsLst>
+            <a:gs pos="0">
+              <a:schemeClr val="accent2">
+                <a:alpha val="90000"/>
+                <a:hueOff val="0"/>
+                <a:satOff val="0"/>
+                <a:lumOff val="0"/>
+                <a:alphaOff val="-26667"/>
+                <a:shade val="51000"/>
+                <a:satMod val="130000"/>
+              </a:schemeClr>
+            </a:gs>
+            <a:gs pos="80000">
+              <a:schemeClr val="accent2">
+                <a:alpha val="90000"/>
+                <a:hueOff val="0"/>
+                <a:satOff val="0"/>
+                <a:lumOff val="0"/>
+                <a:alphaOff val="-26667"/>
+                <a:shade val="93000"/>
+                <a:satMod val="130000"/>
+              </a:schemeClr>
+            </a:gs>
+            <a:gs pos="100000">
+              <a:schemeClr val="accent2">
+                <a:alpha val="90000"/>
+                <a:hueOff val="0"/>
+                <a:satOff val="0"/>
+                <a:lumOff val="0"/>
+                <a:alphaOff val="-26667"/>
+                <a:shade val="94000"/>
+                <a:satMod val="135000"/>
+              </a:schemeClr>
+            </a:gs>
+          </a:gsLst>
+          <a:lin ang="16200000" scaled="0"/>
+        </a:gradFill>
+        <a:ln>
+          <a:noFill/>
         </a:ln>
-        <a:effectLst/>
+        <a:effectLst>
+          <a:outerShdw blurRad="40000" dist="23000" dir="5400000" rotWithShape="0">
+            <a:srgbClr val="000000">
+              <a:alpha val="35000"/>
+            </a:srgbClr>
+          </a:outerShdw>
+        </a:effectLst>
+        <a:scene3d>
+          <a:camera prst="orthographicFront"/>
+          <a:lightRig rig="flat" dir="t"/>
+        </a:scene3d>
+        <a:sp3d prstMaterial="plastic">
+          <a:bevelT w="120900" h="88900"/>
+          <a:bevelB w="88900" h="31750" prst="angle"/>
+        </a:sp3d>
       </dsp:spPr>
       <dsp:style>
-        <a:lnRef idx="2">
+        <a:lnRef idx="0">
           <a:scrgbClr r="0" g="0" b="0"/>
         </a:lnRef>
-        <a:fillRef idx="1">
+        <a:fillRef idx="3">
           <a:scrgbClr r="0" g="0" b="0"/>
         </a:fillRef>
-        <a:effectRef idx="0">
+        <a:effectRef idx="2">
           <a:scrgbClr r="0" g="0" b="0"/>
         </a:effectRef>
         <a:fontRef idx="minor">
@@ -13897,12 +13426,12 @@
         </a:fontRef>
       </dsp:style>
       <dsp:txBody>
-        <a:bodyPr spcFirstLastPara="0" vert="horz" wrap="square" lIns="17780" tIns="17780" rIns="17780" bIns="17780" numCol="1" spcCol="1270" anchor="ctr" anchorCtr="0">
+        <a:bodyPr spcFirstLastPara="0" vert="horz" wrap="square" lIns="11430" tIns="11430" rIns="11430" bIns="11430" numCol="1" spcCol="1270" anchor="ctr" anchorCtr="0">
           <a:noAutofit/>
         </a:bodyPr>
         <a:lstStyle/>
         <a:p>
-          <a:pPr lvl="0" algn="ctr" defTabSz="622300">
+          <a:pPr lvl="0" algn="ctr" defTabSz="800100">
             <a:lnSpc>
               <a:spcPct val="90000"/>
             </a:lnSpc>
@@ -13913,65 +13442,92 @@
               <a:spcPct val="35000"/>
             </a:spcAft>
           </a:pPr>
-          <a:endParaRPr lang="pt-BR" sz="1400" kern="1200" dirty="0"/>
+          <a:r>
+            <a:rPr lang="pt-BR" sz="1800" b="1" kern="1200" dirty="0" smtClean="0">
+              <a:solidFill>
+                <a:srgbClr val="66FFFF"/>
+              </a:solidFill>
+            </a:rPr>
+            <a:t>Outros</a:t>
+          </a:r>
+          <a:endParaRPr lang="pt-BR" sz="1800" b="1" kern="1200" dirty="0">
+            <a:solidFill>
+              <a:srgbClr val="66FFFF"/>
+            </a:solidFill>
+          </a:endParaRPr>
         </a:p>
       </dsp:txBody>
       <dsp:txXfrm>
-        <a:off x="4757647" y="3244988"/>
-        <a:ext cx="1278842" cy="1278842"/>
+        <a:off x="2448279" y="3656284"/>
+        <a:ext cx="1799532" cy="1396556"/>
       </dsp:txXfrm>
     </dsp:sp>
-    <dsp:sp modelId="{D32B50BC-8F9A-4A06-941D-13004E7B3F17}">
+    <dsp:sp modelId="{20417B74-94E5-4840-BF37-972B8D6C451B}">
       <dsp:nvSpPr>
         <dsp:cNvPr id="0" name=""/>
         <dsp:cNvSpPr/>
       </dsp:nvSpPr>
       <dsp:spPr>
-        <a:xfrm rot="7560000">
-          <a:off x="3678839" y="3003138"/>
-          <a:ext cx="186441" cy="434806"/>
+        <a:xfrm rot="10772014">
+          <a:off x="1799472" y="2527244"/>
+          <a:ext cx="648868" cy="37541"/>
         </a:xfrm>
-        <a:prstGeom prst="rightArrow">
-          <a:avLst>
-            <a:gd name="adj1" fmla="val 60000"/>
-            <a:gd name="adj2" fmla="val 50000"/>
-          </a:avLst>
-        </a:prstGeom>
-        <a:solidFill>
-          <a:schemeClr val="accent1">
-            <a:tint val="60000"/>
-            <a:hueOff val="0"/>
-            <a:satOff val="0"/>
-            <a:lumOff val="0"/>
-            <a:alphaOff val="0"/>
-          </a:schemeClr>
-        </a:solidFill>
-        <a:ln>
-          <a:noFill/>
+        <a:custGeom>
+          <a:avLst/>
+          <a:gdLst/>
+          <a:ahLst/>
+          <a:cxnLst/>
+          <a:rect l="0" t="0" r="0" b="0"/>
+          <a:pathLst>
+            <a:path>
+              <a:moveTo>
+                <a:pt x="0" y="18770"/>
+              </a:moveTo>
+              <a:lnTo>
+                <a:pt x="648868" y="18770"/>
+              </a:lnTo>
+            </a:path>
+          </a:pathLst>
+        </a:custGeom>
+        <a:noFill/>
+        <a:ln w="25400" cap="flat" cmpd="sng" algn="ctr">
+          <a:solidFill>
+            <a:schemeClr val="accent2">
+              <a:tint val="90000"/>
+              <a:hueOff val="0"/>
+              <a:satOff val="0"/>
+              <a:lumOff val="0"/>
+              <a:alphaOff val="0"/>
+            </a:schemeClr>
+          </a:solidFill>
+          <a:prstDash val="solid"/>
         </a:ln>
         <a:effectLst/>
+        <a:scene3d>
+          <a:camera prst="orthographicFront"/>
+          <a:lightRig rig="flat" dir="t"/>
+        </a:scene3d>
+        <a:sp3d prstMaterial="matte"/>
       </dsp:spPr>
       <dsp:style>
-        <a:lnRef idx="0">
+        <a:lnRef idx="2">
           <a:scrgbClr r="0" g="0" b="0"/>
         </a:lnRef>
-        <a:fillRef idx="1">
+        <a:fillRef idx="0">
           <a:scrgbClr r="0" g="0" b="0"/>
         </a:fillRef>
         <a:effectRef idx="0">
           <a:scrgbClr r="0" g="0" b="0"/>
         </a:effectRef>
-        <a:fontRef idx="minor">
-          <a:schemeClr val="lt1"/>
-        </a:fontRef>
+        <a:fontRef idx="minor"/>
       </dsp:style>
       <dsp:txBody>
-        <a:bodyPr spcFirstLastPara="0" vert="horz" wrap="square" lIns="0" tIns="0" rIns="0" bIns="0" numCol="1" spcCol="1270" anchor="ctr" anchorCtr="0">
+        <a:bodyPr spcFirstLastPara="0" vert="horz" wrap="square" lIns="12700" tIns="0" rIns="12700" bIns="0" numCol="1" spcCol="1270" anchor="ctr" anchorCtr="0">
           <a:noAutofit/>
         </a:bodyPr>
         <a:lstStyle/>
         <a:p>
-          <a:pPr lvl="0" algn="ctr" defTabSz="844550">
+          <a:pPr lvl="0" algn="ctr" defTabSz="222250">
             <a:lnSpc>
               <a:spcPct val="90000"/>
             </a:lnSpc>
@@ -13982,56 +13538,92 @@
               <a:spcPct val="35000"/>
             </a:spcAft>
           </a:pPr>
-          <a:endParaRPr lang="pt-BR" sz="1900" kern="1200"/>
+          <a:endParaRPr lang="pt-BR" sz="500" kern="1200"/>
         </a:p>
       </dsp:txBody>
-      <dsp:txXfrm rot="7560000">
-        <a:off x="3678839" y="3003138"/>
-        <a:ext cx="186441" cy="434806"/>
+      <dsp:txXfrm rot="10772014">
+        <a:off x="2107684" y="2529792"/>
+        <a:ext cx="32443" cy="32443"/>
       </dsp:txXfrm>
     </dsp:sp>
-    <dsp:sp modelId="{42C28B57-95B0-4561-B729-7C55DC80C4C3}">
+    <dsp:sp modelId="{6B362DF4-5D96-4089-A9F0-D02ED909FA49}">
       <dsp:nvSpPr>
         <dsp:cNvPr id="0" name=""/>
         <dsp:cNvSpPr/>
       </dsp:nvSpPr>
       <dsp:spPr>
         <a:xfrm>
-          <a:off x="2650310" y="3244988"/>
-          <a:ext cx="1278842" cy="1278842"/>
+          <a:off x="0" y="1857702"/>
+          <a:ext cx="1799532" cy="1396556"/>
         </a:xfrm>
         <a:prstGeom prst="ellipse">
           <a:avLst/>
         </a:prstGeom>
-        <a:solidFill>
-          <a:schemeClr val="accent1">
-            <a:hueOff val="0"/>
-            <a:satOff val="0"/>
-            <a:lumOff val="0"/>
-            <a:alphaOff val="0"/>
-          </a:schemeClr>
-        </a:solidFill>
-        <a:ln w="25400" cap="flat" cmpd="sng" algn="ctr">
-          <a:solidFill>
-            <a:schemeClr val="lt1">
-              <a:hueOff val="0"/>
-              <a:satOff val="0"/>
-              <a:lumOff val="0"/>
-              <a:alphaOff val="0"/>
-            </a:schemeClr>
-          </a:solidFill>
-          <a:prstDash val="solid"/>
+        <a:gradFill rotWithShape="0">
+          <a:gsLst>
+            <a:gs pos="0">
+              <a:schemeClr val="accent2">
+                <a:alpha val="90000"/>
+                <a:hueOff val="0"/>
+                <a:satOff val="0"/>
+                <a:lumOff val="0"/>
+                <a:alphaOff val="-40000"/>
+                <a:shade val="51000"/>
+                <a:satMod val="130000"/>
+              </a:schemeClr>
+            </a:gs>
+            <a:gs pos="80000">
+              <a:schemeClr val="accent2">
+                <a:alpha val="90000"/>
+                <a:hueOff val="0"/>
+                <a:satOff val="0"/>
+                <a:lumOff val="0"/>
+                <a:alphaOff val="-40000"/>
+                <a:shade val="93000"/>
+                <a:satMod val="130000"/>
+              </a:schemeClr>
+            </a:gs>
+            <a:gs pos="100000">
+              <a:schemeClr val="accent2">
+                <a:alpha val="90000"/>
+                <a:hueOff val="0"/>
+                <a:satOff val="0"/>
+                <a:lumOff val="0"/>
+                <a:alphaOff val="-40000"/>
+                <a:shade val="94000"/>
+                <a:satMod val="135000"/>
+              </a:schemeClr>
+            </a:gs>
+          </a:gsLst>
+          <a:lin ang="16200000" scaled="0"/>
+        </a:gradFill>
+        <a:ln>
+          <a:noFill/>
         </a:ln>
-        <a:effectLst/>
+        <a:effectLst>
+          <a:outerShdw blurRad="40000" dist="23000" dir="5400000" rotWithShape="0">
+            <a:srgbClr val="000000">
+              <a:alpha val="35000"/>
+            </a:srgbClr>
+          </a:outerShdw>
+        </a:effectLst>
+        <a:scene3d>
+          <a:camera prst="orthographicFront"/>
+          <a:lightRig rig="flat" dir="t"/>
+        </a:scene3d>
+        <a:sp3d prstMaterial="plastic">
+          <a:bevelT w="120900" h="88900"/>
+          <a:bevelB w="88900" h="31750" prst="angle"/>
+        </a:sp3d>
       </dsp:spPr>
       <dsp:style>
-        <a:lnRef idx="2">
+        <a:lnRef idx="0">
           <a:scrgbClr r="0" g="0" b="0"/>
         </a:lnRef>
-        <a:fillRef idx="1">
+        <a:fillRef idx="3">
           <a:scrgbClr r="0" g="0" b="0"/>
         </a:fillRef>
-        <a:effectRef idx="0">
+        <a:effectRef idx="2">
           <a:scrgbClr r="0" g="0" b="0"/>
         </a:effectRef>
         <a:fontRef idx="minor">
@@ -14039,12 +13631,12 @@
         </a:fontRef>
       </dsp:style>
       <dsp:txBody>
-        <a:bodyPr spcFirstLastPara="0" vert="horz" wrap="square" lIns="17780" tIns="17780" rIns="17780" bIns="17780" numCol="1" spcCol="1270" anchor="ctr" anchorCtr="0">
+        <a:bodyPr spcFirstLastPara="0" vert="horz" wrap="square" lIns="11430" tIns="11430" rIns="11430" bIns="11430" numCol="1" spcCol="1270" anchor="ctr" anchorCtr="0">
           <a:noAutofit/>
         </a:bodyPr>
         <a:lstStyle/>
         <a:p>
-          <a:pPr lvl="0" algn="ctr" defTabSz="622300">
+          <a:pPr lvl="0" algn="ctr" defTabSz="800100">
             <a:lnSpc>
               <a:spcPct val="90000"/>
             </a:lnSpc>
@@ -14055,154 +13647,24 @@
               <a:spcPct val="35000"/>
             </a:spcAft>
           </a:pPr>
-          <a:endParaRPr lang="pt-BR" sz="1400" kern="1200"/>
+          <a:r>
+            <a:rPr lang="pt-BR" sz="1800" b="1" kern="1200" dirty="0" smtClean="0">
+              <a:solidFill>
+                <a:srgbClr val="66FFFF"/>
+              </a:solidFill>
+            </a:rPr>
+            <a:t>Pastoral familiar	</a:t>
+          </a:r>
+          <a:endParaRPr lang="pt-BR" sz="1800" b="1" kern="1200" dirty="0">
+            <a:solidFill>
+              <a:srgbClr val="66FFFF"/>
+            </a:solidFill>
+          </a:endParaRPr>
         </a:p>
       </dsp:txBody>
       <dsp:txXfrm>
-        <a:off x="2650310" y="3244988"/>
-        <a:ext cx="1278842" cy="1278842"/>
-      </dsp:txXfrm>
-    </dsp:sp>
-    <dsp:sp modelId="{BED8CFF9-57DF-415B-BFD2-F23237B98D78}">
-      <dsp:nvSpPr>
-        <dsp:cNvPr id="0" name=""/>
-        <dsp:cNvSpPr/>
-      </dsp:nvSpPr>
-      <dsp:spPr>
-        <a:xfrm rot="11880000">
-          <a:off x="3328336" y="1918229"/>
-          <a:ext cx="192581" cy="434806"/>
-        </a:xfrm>
-        <a:prstGeom prst="rightArrow">
-          <a:avLst>
-            <a:gd name="adj1" fmla="val 60000"/>
-            <a:gd name="adj2" fmla="val 50000"/>
-          </a:avLst>
-        </a:prstGeom>
-        <a:solidFill>
-          <a:schemeClr val="accent1">
-            <a:tint val="60000"/>
-            <a:hueOff val="0"/>
-            <a:satOff val="0"/>
-            <a:lumOff val="0"/>
-            <a:alphaOff val="0"/>
-          </a:schemeClr>
-        </a:solidFill>
-        <a:ln>
-          <a:noFill/>
-        </a:ln>
-        <a:effectLst/>
-      </dsp:spPr>
-      <dsp:style>
-        <a:lnRef idx="0">
-          <a:scrgbClr r="0" g="0" b="0"/>
-        </a:lnRef>
-        <a:fillRef idx="1">
-          <a:scrgbClr r="0" g="0" b="0"/>
-        </a:fillRef>
-        <a:effectRef idx="0">
-          <a:scrgbClr r="0" g="0" b="0"/>
-        </a:effectRef>
-        <a:fontRef idx="minor">
-          <a:schemeClr val="lt1"/>
-        </a:fontRef>
-      </dsp:style>
-      <dsp:txBody>
-        <a:bodyPr spcFirstLastPara="0" vert="horz" wrap="square" lIns="0" tIns="0" rIns="0" bIns="0" numCol="1" spcCol="1270" anchor="ctr" anchorCtr="0">
-          <a:noAutofit/>
-        </a:bodyPr>
-        <a:lstStyle/>
-        <a:p>
-          <a:pPr lvl="0" algn="ctr" defTabSz="844550">
-            <a:lnSpc>
-              <a:spcPct val="90000"/>
-            </a:lnSpc>
-            <a:spcBef>
-              <a:spcPct val="0"/>
-            </a:spcBef>
-            <a:spcAft>
-              <a:spcPct val="35000"/>
-            </a:spcAft>
-          </a:pPr>
-          <a:endParaRPr lang="pt-BR" sz="1900" kern="1200"/>
-        </a:p>
-      </dsp:txBody>
-      <dsp:txXfrm rot="11880000">
-        <a:off x="3328336" y="1918229"/>
-        <a:ext cx="192581" cy="434806"/>
-      </dsp:txXfrm>
-    </dsp:sp>
-    <dsp:sp modelId="{AE23CEE4-5E78-4BF2-A4EC-856A2ACE758E}">
-      <dsp:nvSpPr>
-        <dsp:cNvPr id="0" name=""/>
-        <dsp:cNvSpPr/>
-      </dsp:nvSpPr>
-      <dsp:spPr>
-        <a:xfrm>
-          <a:off x="1999107" y="1240792"/>
-          <a:ext cx="1278842" cy="1278842"/>
-        </a:xfrm>
-        <a:prstGeom prst="ellipse">
-          <a:avLst/>
-        </a:prstGeom>
-        <a:solidFill>
-          <a:schemeClr val="accent1">
-            <a:hueOff val="0"/>
-            <a:satOff val="0"/>
-            <a:lumOff val="0"/>
-            <a:alphaOff val="0"/>
-          </a:schemeClr>
-        </a:solidFill>
-        <a:ln w="25400" cap="flat" cmpd="sng" algn="ctr">
-          <a:solidFill>
-            <a:schemeClr val="lt1">
-              <a:hueOff val="0"/>
-              <a:satOff val="0"/>
-              <a:lumOff val="0"/>
-              <a:alphaOff val="0"/>
-            </a:schemeClr>
-          </a:solidFill>
-          <a:prstDash val="solid"/>
-        </a:ln>
-        <a:effectLst/>
-      </dsp:spPr>
-      <dsp:style>
-        <a:lnRef idx="2">
-          <a:scrgbClr r="0" g="0" b="0"/>
-        </a:lnRef>
-        <a:fillRef idx="1">
-          <a:scrgbClr r="0" g="0" b="0"/>
-        </a:fillRef>
-        <a:effectRef idx="0">
-          <a:scrgbClr r="0" g="0" b="0"/>
-        </a:effectRef>
-        <a:fontRef idx="minor">
-          <a:schemeClr val="lt1"/>
-        </a:fontRef>
-      </dsp:style>
-      <dsp:txBody>
-        <a:bodyPr spcFirstLastPara="0" vert="horz" wrap="square" lIns="17780" tIns="17780" rIns="17780" bIns="17780" numCol="1" spcCol="1270" anchor="ctr" anchorCtr="0">
-          <a:noAutofit/>
-        </a:bodyPr>
-        <a:lstStyle/>
-        <a:p>
-          <a:pPr lvl="0" algn="ctr" defTabSz="622300">
-            <a:lnSpc>
-              <a:spcPct val="90000"/>
-            </a:lnSpc>
-            <a:spcBef>
-              <a:spcPct val="0"/>
-            </a:spcBef>
-            <a:spcAft>
-              <a:spcPct val="35000"/>
-            </a:spcAft>
-          </a:pPr>
-          <a:endParaRPr lang="pt-BR" sz="1400" kern="1200" dirty="0"/>
-        </a:p>
-      </dsp:txBody>
-      <dsp:txXfrm>
-        <a:off x="1999107" y="1240792"/>
-        <a:ext cx="1278842" cy="1278842"/>
+        <a:off x="0" y="1857702"/>
+        <a:ext cx="1799532" cy="1396556"/>
       </dsp:txXfrm>
     </dsp:sp>
   </dsp:spTree>
@@ -14234,35 +13696,38 @@
           <a:gsLst>
             <a:gs pos="0">
               <a:schemeClr val="accent6">
-                <a:tint val="30000"/>
-                <a:satMod val="250000"/>
+                <a:tint val="50000"/>
+                <a:satMod val="300000"/>
               </a:schemeClr>
             </a:gs>
-            <a:gs pos="72000">
+            <a:gs pos="35000">
               <a:schemeClr val="accent6">
-                <a:tint val="75000"/>
-                <a:satMod val="210000"/>
+                <a:tint val="37000"/>
+                <a:satMod val="300000"/>
               </a:schemeClr>
             </a:gs>
             <a:gs pos="100000">
               <a:schemeClr val="accent6">
-                <a:tint val="85000"/>
-                <a:satMod val="210000"/>
+                <a:tint val="15000"/>
+                <a:satMod val="350000"/>
               </a:schemeClr>
             </a:gs>
           </a:gsLst>
-          <a:lin ang="5400000" scaled="1"/>
+          <a:lin ang="16200000" scaled="1"/>
         </a:gradFill>
-        <a:ln w="10000" cap="flat" cmpd="sng" algn="ctr">
+        <a:ln w="9525" cap="flat" cmpd="sng" algn="ctr">
           <a:solidFill>
-            <a:schemeClr val="accent6"/>
+            <a:schemeClr val="accent6">
+              <a:shade val="95000"/>
+              <a:satMod val="105000"/>
+            </a:schemeClr>
           </a:solidFill>
           <a:prstDash val="solid"/>
         </a:ln>
         <a:effectLst>
-          <a:outerShdw blurRad="76200" dist="50800" dir="5400000" rotWithShape="0">
-            <a:srgbClr val="4E3B30">
-              <a:alpha val="60000"/>
+          <a:outerShdw blurRad="40000" dist="20000" dir="5400000" rotWithShape="0">
+            <a:srgbClr val="000000">
+              <a:alpha val="38000"/>
             </a:srgbClr>
           </a:outerShdw>
         </a:effectLst>
@@ -14307,9 +13772,9 @@
           <a:noFill/>
         </a:ln>
         <a:effectLst>
-          <a:outerShdw blurRad="76200" dist="50800" dir="5400000" rotWithShape="0">
-            <a:srgbClr val="4E3B30">
-              <a:alpha val="60000"/>
+          <a:outerShdw blurRad="40000" dist="23000" dir="5400000" rotWithShape="0">
+            <a:srgbClr val="000000">
+              <a:alpha val="35000"/>
             </a:srgbClr>
           </a:outerShdw>
         </a:effectLst>
@@ -14317,14 +13782,8 @@
           <a:camera prst="orthographicFront"/>
           <a:lightRig rig="flat" dir="t"/>
         </a:scene3d>
-        <a:sp3d contourW="12700" prstMaterial="matte">
-          <a:bevelT w="60000" h="50800"/>
-          <a:contourClr>
-            <a:schemeClr val="accent6">
-              <a:shade val="60000"/>
-              <a:satMod val="110000"/>
-            </a:schemeClr>
-          </a:contourClr>
+        <a:sp3d>
+          <a:bevelT w="63500" h="25400"/>
         </a:sp3d>
       </dsp:spPr>
       <dsp:style>
@@ -14395,35 +13854,38 @@
           <a:gsLst>
             <a:gs pos="0">
               <a:schemeClr val="accent6">
-                <a:tint val="30000"/>
-                <a:satMod val="250000"/>
+                <a:tint val="50000"/>
+                <a:satMod val="300000"/>
               </a:schemeClr>
             </a:gs>
-            <a:gs pos="72000">
+            <a:gs pos="35000">
               <a:schemeClr val="accent6">
-                <a:tint val="75000"/>
-                <a:satMod val="210000"/>
+                <a:tint val="37000"/>
+                <a:satMod val="300000"/>
               </a:schemeClr>
             </a:gs>
             <a:gs pos="100000">
               <a:schemeClr val="accent6">
-                <a:tint val="85000"/>
-                <a:satMod val="210000"/>
+                <a:tint val="15000"/>
+                <a:satMod val="350000"/>
               </a:schemeClr>
             </a:gs>
           </a:gsLst>
-          <a:lin ang="5400000" scaled="1"/>
+          <a:lin ang="16200000" scaled="1"/>
         </a:gradFill>
-        <a:ln w="10000" cap="flat" cmpd="sng" algn="ctr">
+        <a:ln w="9525" cap="flat" cmpd="sng" algn="ctr">
           <a:solidFill>
-            <a:schemeClr val="accent6"/>
+            <a:schemeClr val="accent6">
+              <a:shade val="95000"/>
+              <a:satMod val="105000"/>
+            </a:schemeClr>
           </a:solidFill>
           <a:prstDash val="solid"/>
         </a:ln>
         <a:effectLst>
-          <a:outerShdw blurRad="76200" dist="50800" dir="5400000" rotWithShape="0">
-            <a:srgbClr val="4E3B30">
-              <a:alpha val="60000"/>
+          <a:outerShdw blurRad="40000" dist="20000" dir="5400000" rotWithShape="0">
+            <a:srgbClr val="000000">
+              <a:alpha val="38000"/>
             </a:srgbClr>
           </a:outerShdw>
         </a:effectLst>
@@ -14468,9 +13930,9 @@
           <a:noFill/>
         </a:ln>
         <a:effectLst>
-          <a:outerShdw blurRad="76200" dist="50800" dir="5400000" rotWithShape="0">
-            <a:srgbClr val="4E3B30">
-              <a:alpha val="60000"/>
+          <a:outerShdw blurRad="40000" dist="23000" dir="5400000" rotWithShape="0">
+            <a:srgbClr val="000000">
+              <a:alpha val="35000"/>
             </a:srgbClr>
           </a:outerShdw>
         </a:effectLst>
@@ -14478,14 +13940,8 @@
           <a:camera prst="orthographicFront"/>
           <a:lightRig rig="flat" dir="t"/>
         </a:scene3d>
-        <a:sp3d contourW="12700" prstMaterial="matte">
-          <a:bevelT w="60000" h="50800"/>
-          <a:contourClr>
-            <a:schemeClr val="accent6">
-              <a:shade val="60000"/>
-              <a:satMod val="110000"/>
-            </a:schemeClr>
-          </a:contourClr>
+        <a:sp3d>
+          <a:bevelT w="63500" h="25400"/>
         </a:sp3d>
       </dsp:spPr>
       <dsp:style>
@@ -14556,35 +14012,38 @@
           <a:gsLst>
             <a:gs pos="0">
               <a:schemeClr val="accent6">
-                <a:tint val="30000"/>
-                <a:satMod val="250000"/>
+                <a:tint val="50000"/>
+                <a:satMod val="300000"/>
               </a:schemeClr>
             </a:gs>
-            <a:gs pos="72000">
+            <a:gs pos="35000">
               <a:schemeClr val="accent6">
-                <a:tint val="75000"/>
-                <a:satMod val="210000"/>
+                <a:tint val="37000"/>
+                <a:satMod val="300000"/>
               </a:schemeClr>
             </a:gs>
             <a:gs pos="100000">
               <a:schemeClr val="accent6">
-                <a:tint val="85000"/>
-                <a:satMod val="210000"/>
+                <a:tint val="15000"/>
+                <a:satMod val="350000"/>
               </a:schemeClr>
             </a:gs>
           </a:gsLst>
-          <a:lin ang="5400000" scaled="1"/>
+          <a:lin ang="16200000" scaled="1"/>
         </a:gradFill>
-        <a:ln w="10000" cap="flat" cmpd="sng" algn="ctr">
+        <a:ln w="9525" cap="flat" cmpd="sng" algn="ctr">
           <a:solidFill>
-            <a:schemeClr val="accent6"/>
+            <a:schemeClr val="accent6">
+              <a:shade val="95000"/>
+              <a:satMod val="105000"/>
+            </a:schemeClr>
           </a:solidFill>
           <a:prstDash val="solid"/>
         </a:ln>
         <a:effectLst>
-          <a:outerShdw blurRad="76200" dist="50800" dir="5400000" rotWithShape="0">
-            <a:srgbClr val="4E3B30">
-              <a:alpha val="60000"/>
+          <a:outerShdw blurRad="40000" dist="20000" dir="5400000" rotWithShape="0">
+            <a:srgbClr val="000000">
+              <a:alpha val="38000"/>
             </a:srgbClr>
           </a:outerShdw>
         </a:effectLst>
@@ -14629,9 +14088,9 @@
           <a:noFill/>
         </a:ln>
         <a:effectLst>
-          <a:outerShdw blurRad="76200" dist="50800" dir="5400000" rotWithShape="0">
-            <a:srgbClr val="4E3B30">
-              <a:alpha val="60000"/>
+          <a:outerShdw blurRad="40000" dist="23000" dir="5400000" rotWithShape="0">
+            <a:srgbClr val="000000">
+              <a:alpha val="35000"/>
             </a:srgbClr>
           </a:outerShdw>
         </a:effectLst>
@@ -14639,14 +14098,8 @@
           <a:camera prst="orthographicFront"/>
           <a:lightRig rig="flat" dir="t"/>
         </a:scene3d>
-        <a:sp3d contourW="12700" prstMaterial="matte">
-          <a:bevelT w="60000" h="50800"/>
-          <a:contourClr>
-            <a:schemeClr val="accent6">
-              <a:shade val="60000"/>
-              <a:satMod val="110000"/>
-            </a:schemeClr>
-          </a:contourClr>
+        <a:sp3d>
+          <a:bevelT w="63500" h="25400"/>
         </a:sp3d>
       </dsp:spPr>
       <dsp:style>
@@ -14717,35 +14170,38 @@
           <a:gsLst>
             <a:gs pos="0">
               <a:schemeClr val="accent6">
-                <a:tint val="30000"/>
-                <a:satMod val="250000"/>
+                <a:tint val="50000"/>
+                <a:satMod val="300000"/>
               </a:schemeClr>
             </a:gs>
-            <a:gs pos="72000">
+            <a:gs pos="35000">
               <a:schemeClr val="accent6">
-                <a:tint val="75000"/>
-                <a:satMod val="210000"/>
+                <a:tint val="37000"/>
+                <a:satMod val="300000"/>
               </a:schemeClr>
             </a:gs>
             <a:gs pos="100000">
               <a:schemeClr val="accent6">
-                <a:tint val="85000"/>
-                <a:satMod val="210000"/>
+                <a:tint val="15000"/>
+                <a:satMod val="350000"/>
               </a:schemeClr>
             </a:gs>
           </a:gsLst>
-          <a:lin ang="5400000" scaled="1"/>
+          <a:lin ang="16200000" scaled="1"/>
         </a:gradFill>
-        <a:ln w="10000" cap="flat" cmpd="sng" algn="ctr">
+        <a:ln w="9525" cap="flat" cmpd="sng" algn="ctr">
           <a:solidFill>
-            <a:schemeClr val="accent6"/>
+            <a:schemeClr val="accent6">
+              <a:shade val="95000"/>
+              <a:satMod val="105000"/>
+            </a:schemeClr>
           </a:solidFill>
           <a:prstDash val="solid"/>
         </a:ln>
         <a:effectLst>
-          <a:outerShdw blurRad="76200" dist="50800" dir="5400000" rotWithShape="0">
-            <a:srgbClr val="4E3B30">
-              <a:alpha val="60000"/>
+          <a:outerShdw blurRad="40000" dist="20000" dir="5400000" rotWithShape="0">
+            <a:srgbClr val="000000">
+              <a:alpha val="38000"/>
             </a:srgbClr>
           </a:outerShdw>
         </a:effectLst>
@@ -14790,9 +14246,9 @@
           <a:noFill/>
         </a:ln>
         <a:effectLst>
-          <a:outerShdw blurRad="76200" dist="50800" dir="5400000" rotWithShape="0">
-            <a:srgbClr val="4E3B30">
-              <a:alpha val="60000"/>
+          <a:outerShdw blurRad="40000" dist="23000" dir="5400000" rotWithShape="0">
+            <a:srgbClr val="000000">
+              <a:alpha val="35000"/>
             </a:srgbClr>
           </a:outerShdw>
         </a:effectLst>
@@ -14800,14 +14256,8 @@
           <a:camera prst="orthographicFront"/>
           <a:lightRig rig="flat" dir="t"/>
         </a:scene3d>
-        <a:sp3d contourW="12700" prstMaterial="matte">
-          <a:bevelT w="60000" h="50800"/>
-          <a:contourClr>
-            <a:schemeClr val="accent6">
-              <a:shade val="60000"/>
-              <a:satMod val="110000"/>
-            </a:schemeClr>
-          </a:contourClr>
+        <a:sp3d>
+          <a:bevelT w="63500" h="25400"/>
         </a:sp3d>
       </dsp:spPr>
       <dsp:style>
@@ -14878,35 +14328,38 @@
           <a:gsLst>
             <a:gs pos="0">
               <a:schemeClr val="accent6">
-                <a:tint val="30000"/>
-                <a:satMod val="250000"/>
+                <a:tint val="50000"/>
+                <a:satMod val="300000"/>
               </a:schemeClr>
             </a:gs>
-            <a:gs pos="72000">
+            <a:gs pos="35000">
               <a:schemeClr val="accent6">
-                <a:tint val="75000"/>
-                <a:satMod val="210000"/>
+                <a:tint val="37000"/>
+                <a:satMod val="300000"/>
               </a:schemeClr>
             </a:gs>
             <a:gs pos="100000">
               <a:schemeClr val="accent6">
-                <a:tint val="85000"/>
-                <a:satMod val="210000"/>
+                <a:tint val="15000"/>
+                <a:satMod val="350000"/>
               </a:schemeClr>
             </a:gs>
           </a:gsLst>
-          <a:lin ang="5400000" scaled="1"/>
+          <a:lin ang="16200000" scaled="1"/>
         </a:gradFill>
-        <a:ln w="10000" cap="flat" cmpd="sng" algn="ctr">
+        <a:ln w="9525" cap="flat" cmpd="sng" algn="ctr">
           <a:solidFill>
-            <a:schemeClr val="accent6"/>
+            <a:schemeClr val="accent6">
+              <a:shade val="95000"/>
+              <a:satMod val="105000"/>
+            </a:schemeClr>
           </a:solidFill>
           <a:prstDash val="solid"/>
         </a:ln>
         <a:effectLst>
-          <a:outerShdw blurRad="76200" dist="50800" dir="5400000" rotWithShape="0">
-            <a:srgbClr val="4E3B30">
-              <a:alpha val="60000"/>
+          <a:outerShdw blurRad="40000" dist="20000" dir="5400000" rotWithShape="0">
+            <a:srgbClr val="000000">
+              <a:alpha val="38000"/>
             </a:srgbClr>
           </a:outerShdw>
         </a:effectLst>
@@ -14951,9 +14404,9 @@
           <a:noFill/>
         </a:ln>
         <a:effectLst>
-          <a:outerShdw blurRad="76200" dist="50800" dir="5400000" rotWithShape="0">
-            <a:srgbClr val="4E3B30">
-              <a:alpha val="60000"/>
+          <a:outerShdw blurRad="40000" dist="23000" dir="5400000" rotWithShape="0">
+            <a:srgbClr val="000000">
+              <a:alpha val="35000"/>
             </a:srgbClr>
           </a:outerShdw>
         </a:effectLst>
@@ -14961,14 +14414,8 @@
           <a:camera prst="orthographicFront"/>
           <a:lightRig rig="flat" dir="t"/>
         </a:scene3d>
-        <a:sp3d contourW="12700" prstMaterial="matte">
-          <a:bevelT w="60000" h="50800"/>
-          <a:contourClr>
-            <a:schemeClr val="accent6">
-              <a:shade val="60000"/>
-              <a:satMod val="110000"/>
-            </a:schemeClr>
-          </a:contourClr>
+        <a:sp3d>
+          <a:bevelT w="63500" h="25400"/>
         </a:sp3d>
       </dsp:spPr>
       <dsp:style>
@@ -15039,35 +14486,38 @@
           <a:gsLst>
             <a:gs pos="0">
               <a:schemeClr val="accent6">
-                <a:tint val="30000"/>
-                <a:satMod val="250000"/>
+                <a:tint val="50000"/>
+                <a:satMod val="300000"/>
               </a:schemeClr>
             </a:gs>
-            <a:gs pos="72000">
+            <a:gs pos="35000">
               <a:schemeClr val="accent6">
-                <a:tint val="75000"/>
-                <a:satMod val="210000"/>
+                <a:tint val="37000"/>
+                <a:satMod val="300000"/>
               </a:schemeClr>
             </a:gs>
             <a:gs pos="100000">
               <a:schemeClr val="accent6">
-                <a:tint val="85000"/>
-                <a:satMod val="210000"/>
+                <a:tint val="15000"/>
+                <a:satMod val="350000"/>
               </a:schemeClr>
             </a:gs>
           </a:gsLst>
-          <a:lin ang="5400000" scaled="1"/>
+          <a:lin ang="16200000" scaled="1"/>
         </a:gradFill>
-        <a:ln w="10000" cap="flat" cmpd="sng" algn="ctr">
+        <a:ln w="9525" cap="flat" cmpd="sng" algn="ctr">
           <a:solidFill>
-            <a:schemeClr val="accent6"/>
+            <a:schemeClr val="accent6">
+              <a:shade val="95000"/>
+              <a:satMod val="105000"/>
+            </a:schemeClr>
           </a:solidFill>
           <a:prstDash val="solid"/>
         </a:ln>
         <a:effectLst>
-          <a:outerShdw blurRad="76200" dist="50800" dir="5400000" rotWithShape="0">
-            <a:srgbClr val="4E3B30">
-              <a:alpha val="60000"/>
+          <a:outerShdw blurRad="40000" dist="20000" dir="5400000" rotWithShape="0">
+            <a:srgbClr val="000000">
+              <a:alpha val="38000"/>
             </a:srgbClr>
           </a:outerShdw>
         </a:effectLst>
@@ -15112,9 +14562,9 @@
           <a:noFill/>
         </a:ln>
         <a:effectLst>
-          <a:outerShdw blurRad="76200" dist="50800" dir="5400000" rotWithShape="0">
-            <a:srgbClr val="4E3B30">
-              <a:alpha val="60000"/>
+          <a:outerShdw blurRad="40000" dist="23000" dir="5400000" rotWithShape="0">
+            <a:srgbClr val="000000">
+              <a:alpha val="35000"/>
             </a:srgbClr>
           </a:outerShdw>
         </a:effectLst>
@@ -15122,14 +14572,8 @@
           <a:camera prst="orthographicFront"/>
           <a:lightRig rig="flat" dir="t"/>
         </a:scene3d>
-        <a:sp3d contourW="12700" prstMaterial="matte">
-          <a:bevelT w="60000" h="50800"/>
-          <a:contourClr>
-            <a:schemeClr val="accent6">
-              <a:shade val="60000"/>
-              <a:satMod val="110000"/>
-            </a:schemeClr>
-          </a:contourClr>
+        <a:sp3d>
+          <a:bevelT w="63500" h="25400"/>
         </a:sp3d>
       </dsp:spPr>
       <dsp:style>
@@ -24167,7 +23611,7 @@
             <a:fld id="{229FDC3E-7424-49CF-AF38-AA35F4C77C8D}" type="datetimeFigureOut">
               <a:rPr lang="pt-BR" smtClean="0"/>
               <a:pPr/>
-              <a:t>22/07/2014</a:t>
+              <a:t>24/07/2014</a:t>
             </a:fld>
             <a:endParaRPr lang="pt-BR"/>
           </a:p>
@@ -24339,7 +23783,7 @@
             <a:fld id="{229FDC3E-7424-49CF-AF38-AA35F4C77C8D}" type="datetimeFigureOut">
               <a:rPr lang="pt-BR" smtClean="0"/>
               <a:pPr/>
-              <a:t>22/07/2014</a:t>
+              <a:t>24/07/2014</a:t>
             </a:fld>
             <a:endParaRPr lang="pt-BR"/>
           </a:p>
@@ -24516,7 +23960,7 @@
             <a:fld id="{229FDC3E-7424-49CF-AF38-AA35F4C77C8D}" type="datetimeFigureOut">
               <a:rPr lang="pt-BR" smtClean="0"/>
               <a:pPr/>
-              <a:t>22/07/2014</a:t>
+              <a:t>24/07/2014</a:t>
             </a:fld>
             <a:endParaRPr lang="pt-BR"/>
           </a:p>
@@ -24683,7 +24127,7 @@
             <a:fld id="{229FDC3E-7424-49CF-AF38-AA35F4C77C8D}" type="datetimeFigureOut">
               <a:rPr lang="pt-BR" smtClean="0"/>
               <a:pPr/>
-              <a:t>22/07/2014</a:t>
+              <a:t>24/07/2014</a:t>
             </a:fld>
             <a:endParaRPr lang="pt-BR"/>
           </a:p>
@@ -24919,7 +24363,7 @@
             <a:fld id="{229FDC3E-7424-49CF-AF38-AA35F4C77C8D}" type="datetimeFigureOut">
               <a:rPr lang="pt-BR" smtClean="0"/>
               <a:pPr/>
-              <a:t>22/07/2014</a:t>
+              <a:t>24/07/2014</a:t>
             </a:fld>
             <a:endParaRPr lang="pt-BR"/>
           </a:p>
@@ -25217,7 +24661,7 @@
             <a:fld id="{229FDC3E-7424-49CF-AF38-AA35F4C77C8D}" type="datetimeFigureOut">
               <a:rPr lang="pt-BR" smtClean="0"/>
               <a:pPr/>
-              <a:t>22/07/2014</a:t>
+              <a:t>24/07/2014</a:t>
             </a:fld>
             <a:endParaRPr lang="pt-BR"/>
           </a:p>
@@ -25603,7 +25047,7 @@
             <a:fld id="{229FDC3E-7424-49CF-AF38-AA35F4C77C8D}" type="datetimeFigureOut">
               <a:rPr lang="pt-BR" smtClean="0"/>
               <a:pPr/>
-              <a:t>22/07/2014</a:t>
+              <a:t>24/07/2014</a:t>
             </a:fld>
             <a:endParaRPr lang="pt-BR"/>
           </a:p>
@@ -25778,7 +25222,7 @@
             <a:fld id="{229FDC3E-7424-49CF-AF38-AA35F4C77C8D}" type="datetimeFigureOut">
               <a:rPr lang="pt-BR" smtClean="0"/>
               <a:pPr/>
-              <a:t>22/07/2014</a:t>
+              <a:t>24/07/2014</a:t>
             </a:fld>
             <a:endParaRPr lang="pt-BR"/>
           </a:p>
@@ -25870,7 +25314,7 @@
             <a:fld id="{229FDC3E-7424-49CF-AF38-AA35F4C77C8D}" type="datetimeFigureOut">
               <a:rPr lang="pt-BR" smtClean="0"/>
               <a:pPr/>
-              <a:t>22/07/2014</a:t>
+              <a:t>24/07/2014</a:t>
             </a:fld>
             <a:endParaRPr lang="pt-BR"/>
           </a:p>
@@ -26167,7 +25611,7 @@
             <a:fld id="{229FDC3E-7424-49CF-AF38-AA35F4C77C8D}" type="datetimeFigureOut">
               <a:rPr lang="pt-BR" smtClean="0"/>
               <a:pPr/>
-              <a:t>22/07/2014</a:t>
+              <a:t>24/07/2014</a:t>
             </a:fld>
             <a:endParaRPr lang="pt-BR"/>
           </a:p>
@@ -26303,7 +25747,7 @@
             <a:fld id="{229FDC3E-7424-49CF-AF38-AA35F4C77C8D}" type="datetimeFigureOut">
               <a:rPr lang="pt-BR" smtClean="0"/>
               <a:pPr/>
-              <a:t>22/07/2014</a:t>
+              <a:t>24/07/2014</a:t>
             </a:fld>
             <a:endParaRPr lang="pt-BR"/>
           </a:p>
@@ -26608,7 +26052,7 @@
             <a:fld id="{229FDC3E-7424-49CF-AF38-AA35F4C77C8D}" type="datetimeFigureOut">
               <a:rPr lang="pt-BR" smtClean="0"/>
               <a:pPr/>
-              <a:t>22/07/2014</a:t>
+              <a:t>24/07/2014</a:t>
             </a:fld>
             <a:endParaRPr lang="pt-BR"/>
           </a:p>
@@ -27663,7 +27107,7 @@
             <p:ph idx="1"/>
             <p:extLst>
               <p:ext uri="{D42A27DB-BD31-4B8C-83A1-F6EECF244321}">
-                <p14:modId xmlns="" xmlns:p14="http://schemas.microsoft.com/office/powerpoint/2010/main" val="736405372"/>
+                <p14:modId xmlns:p14="http://schemas.microsoft.com/office/powerpoint/2010/main" xmlns="" val="736405372"/>
               </p:ext>
             </p:extLst>
           </p:nvPr>
@@ -27816,7 +27260,7 @@
             <p:ph idx="1"/>
             <p:extLst>
               <p:ext uri="{D42A27DB-BD31-4B8C-83A1-F6EECF244321}">
-                <p14:modId xmlns="" xmlns:p14="http://schemas.microsoft.com/office/powerpoint/2010/main" val="2118870426"/>
+                <p14:modId xmlns:p14="http://schemas.microsoft.com/office/powerpoint/2010/main" xmlns="" val="2118870426"/>
               </p:ext>
             </p:extLst>
           </p:nvPr>
@@ -27915,7 +27359,7 @@
           <p:nvPr/>
         </p:nvPicPr>
         <p:blipFill>
-          <a:blip r:embed="rId6">
+          <a:blip r:embed="rId7" cstate="print">
             <a:clrChange>
               <a:clrFrom>
                 <a:srgbClr val="FFFFFF"/>
@@ -28105,8 +27549,8 @@
         </p:nvCxnSpPr>
         <p:spPr>
           <a:xfrm flipV="1">
-            <a:off x="4500562" y="1928802"/>
-            <a:ext cx="2500330" cy="1428760"/>
+            <a:off x="4860032" y="2060848"/>
+            <a:ext cx="2016224" cy="1080120"/>
           </a:xfrm>
           <a:prstGeom prst="straightConnector1">
             <a:avLst/>
@@ -28244,7 +27688,7 @@
             <p:ph idx="1"/>
             <p:extLst>
               <p:ext uri="{D42A27DB-BD31-4B8C-83A1-F6EECF244321}">
-                <p14:modId xmlns="" xmlns:p14="http://schemas.microsoft.com/office/powerpoint/2010/main" val="2208909862"/>
+                <p14:modId xmlns:p14="http://schemas.microsoft.com/office/powerpoint/2010/main" xmlns="" val="2208909862"/>
               </p:ext>
             </p:extLst>
           </p:nvPr>

--- a/SAS/Planejamento/Docs/#3 - Apresentação do projeto.pptx
+++ b/SAS/Planejamento/Docs/#3 - Apresentação do projeto.pptx
@@ -13,10 +13,9 @@
     <p:sldId id="264" r:id="rId7"/>
     <p:sldId id="260" r:id="rId8"/>
     <p:sldId id="261" r:id="rId9"/>
-    <p:sldId id="257" r:id="rId10"/>
-    <p:sldId id="270" r:id="rId11"/>
-    <p:sldId id="271" r:id="rId12"/>
-    <p:sldId id="272" r:id="rId13"/>
+    <p:sldId id="270" r:id="rId10"/>
+    <p:sldId id="271" r:id="rId11"/>
+    <p:sldId id="272" r:id="rId12"/>
   </p:sldIdLst>
   <p:sldSz cx="9144000" cy="6858000" type="screen4x3"/>
   <p:notesSz cx="6858000" cy="9144000"/>
@@ -3986,753 +3985,6 @@
 </dgm:colorsDef>
 </file>
 
-<file path=ppt/diagrams/colors6.xml><?xml version="1.0" encoding="utf-8"?>
-<dgm:colorsDef xmlns:dgm="http://schemas.openxmlformats.org/drawingml/2006/diagram" xmlns:a="http://schemas.openxmlformats.org/drawingml/2006/main" uniqueId="urn:microsoft.com/office/officeart/2005/8/colors/accent1_2">
-  <dgm:title val=""/>
-  <dgm:desc val=""/>
-  <dgm:catLst>
-    <dgm:cat type="accent1" pri="11200"/>
-  </dgm:catLst>
-  <dgm:styleLbl name="node0">
-    <dgm:fillClrLst meth="repeat">
-      <a:schemeClr val="accent1"/>
-    </dgm:fillClrLst>
-    <dgm:linClrLst meth="repeat">
-      <a:schemeClr val="lt1"/>
-    </dgm:linClrLst>
-    <dgm:effectClrLst/>
-    <dgm:txLinClrLst/>
-    <dgm:txFillClrLst/>
-    <dgm:txEffectClrLst/>
-  </dgm:styleLbl>
-  <dgm:styleLbl name="alignNode1">
-    <dgm:fillClrLst meth="repeat">
-      <a:schemeClr val="accent1"/>
-    </dgm:fillClrLst>
-    <dgm:linClrLst meth="repeat">
-      <a:schemeClr val="accent1"/>
-    </dgm:linClrLst>
-    <dgm:effectClrLst/>
-    <dgm:txLinClrLst/>
-    <dgm:txFillClrLst/>
-    <dgm:txEffectClrLst/>
-  </dgm:styleLbl>
-  <dgm:styleLbl name="node1">
-    <dgm:fillClrLst meth="repeat">
-      <a:schemeClr val="accent1"/>
-    </dgm:fillClrLst>
-    <dgm:linClrLst meth="repeat">
-      <a:schemeClr val="lt1"/>
-    </dgm:linClrLst>
-    <dgm:effectClrLst/>
-    <dgm:txLinClrLst/>
-    <dgm:txFillClrLst/>
-    <dgm:txEffectClrLst/>
-  </dgm:styleLbl>
-  <dgm:styleLbl name="lnNode1">
-    <dgm:fillClrLst meth="repeat">
-      <a:schemeClr val="accent1"/>
-    </dgm:fillClrLst>
-    <dgm:linClrLst meth="repeat">
-      <a:schemeClr val="lt1"/>
-    </dgm:linClrLst>
-    <dgm:effectClrLst/>
-    <dgm:txLinClrLst/>
-    <dgm:txFillClrLst/>
-    <dgm:txEffectClrLst/>
-  </dgm:styleLbl>
-  <dgm:styleLbl name="vennNode1">
-    <dgm:fillClrLst meth="repeat">
-      <a:schemeClr val="accent1">
-        <a:alpha val="50000"/>
-      </a:schemeClr>
-    </dgm:fillClrLst>
-    <dgm:linClrLst meth="repeat">
-      <a:schemeClr val="lt1"/>
-    </dgm:linClrLst>
-    <dgm:effectClrLst/>
-    <dgm:txLinClrLst/>
-    <dgm:txFillClrLst/>
-    <dgm:txEffectClrLst/>
-  </dgm:styleLbl>
-  <dgm:styleLbl name="node2">
-    <dgm:fillClrLst meth="repeat">
-      <a:schemeClr val="accent1"/>
-    </dgm:fillClrLst>
-    <dgm:linClrLst meth="repeat">
-      <a:schemeClr val="lt1"/>
-    </dgm:linClrLst>
-    <dgm:effectClrLst/>
-    <dgm:txLinClrLst/>
-    <dgm:txFillClrLst/>
-    <dgm:txEffectClrLst/>
-  </dgm:styleLbl>
-  <dgm:styleLbl name="node3">
-    <dgm:fillClrLst meth="repeat">
-      <a:schemeClr val="accent1"/>
-    </dgm:fillClrLst>
-    <dgm:linClrLst meth="repeat">
-      <a:schemeClr val="lt1"/>
-    </dgm:linClrLst>
-    <dgm:effectClrLst/>
-    <dgm:txLinClrLst/>
-    <dgm:txFillClrLst/>
-    <dgm:txEffectClrLst/>
-  </dgm:styleLbl>
-  <dgm:styleLbl name="node4">
-    <dgm:fillClrLst meth="repeat">
-      <a:schemeClr val="accent1"/>
-    </dgm:fillClrLst>
-    <dgm:linClrLst meth="repeat">
-      <a:schemeClr val="lt1"/>
-    </dgm:linClrLst>
-    <dgm:effectClrLst/>
-    <dgm:txLinClrLst/>
-    <dgm:txFillClrLst/>
-    <dgm:txEffectClrLst/>
-  </dgm:styleLbl>
-  <dgm:styleLbl name="fgImgPlace1">
-    <dgm:fillClrLst meth="repeat">
-      <a:schemeClr val="accent1">
-        <a:tint val="50000"/>
-      </a:schemeClr>
-    </dgm:fillClrLst>
-    <dgm:linClrLst meth="repeat">
-      <a:schemeClr val="lt1"/>
-    </dgm:linClrLst>
-    <dgm:effectClrLst/>
-    <dgm:txLinClrLst/>
-    <dgm:txFillClrLst meth="repeat">
-      <a:schemeClr val="lt1"/>
-    </dgm:txFillClrLst>
-    <dgm:txEffectClrLst/>
-  </dgm:styleLbl>
-  <dgm:styleLbl name="alignImgPlace1">
-    <dgm:fillClrLst meth="repeat">
-      <a:schemeClr val="accent1">
-        <a:tint val="50000"/>
-      </a:schemeClr>
-    </dgm:fillClrLst>
-    <dgm:linClrLst meth="repeat">
-      <a:schemeClr val="lt1"/>
-    </dgm:linClrLst>
-    <dgm:effectClrLst/>
-    <dgm:txLinClrLst/>
-    <dgm:txFillClrLst meth="repeat">
-      <a:schemeClr val="lt1"/>
-    </dgm:txFillClrLst>
-    <dgm:txEffectClrLst/>
-  </dgm:styleLbl>
-  <dgm:styleLbl name="bgImgPlace1">
-    <dgm:fillClrLst meth="repeat">
-      <a:schemeClr val="accent1">
-        <a:tint val="50000"/>
-      </a:schemeClr>
-    </dgm:fillClrLst>
-    <dgm:linClrLst meth="repeat">
-      <a:schemeClr val="lt1"/>
-    </dgm:linClrLst>
-    <dgm:effectClrLst/>
-    <dgm:txLinClrLst/>
-    <dgm:txFillClrLst meth="repeat">
-      <a:schemeClr val="lt1"/>
-    </dgm:txFillClrLst>
-    <dgm:txEffectClrLst/>
-  </dgm:styleLbl>
-  <dgm:styleLbl name="sibTrans2D1">
-    <dgm:fillClrLst meth="repeat">
-      <a:schemeClr val="accent1">
-        <a:tint val="60000"/>
-      </a:schemeClr>
-    </dgm:fillClrLst>
-    <dgm:linClrLst meth="repeat">
-      <a:schemeClr val="accent1">
-        <a:tint val="60000"/>
-      </a:schemeClr>
-    </dgm:linClrLst>
-    <dgm:effectClrLst/>
-    <dgm:txLinClrLst/>
-    <dgm:txFillClrLst/>
-    <dgm:txEffectClrLst/>
-  </dgm:styleLbl>
-  <dgm:styleLbl name="fgSibTrans2D1">
-    <dgm:fillClrLst meth="repeat">
-      <a:schemeClr val="accent1">
-        <a:tint val="60000"/>
-      </a:schemeClr>
-    </dgm:fillClrLst>
-    <dgm:linClrLst meth="repeat">
-      <a:schemeClr val="accent1">
-        <a:tint val="60000"/>
-      </a:schemeClr>
-    </dgm:linClrLst>
-    <dgm:effectClrLst/>
-    <dgm:txLinClrLst/>
-    <dgm:txFillClrLst/>
-    <dgm:txEffectClrLst/>
-  </dgm:styleLbl>
-  <dgm:styleLbl name="bgSibTrans2D1">
-    <dgm:fillClrLst meth="repeat">
-      <a:schemeClr val="accent1">
-        <a:tint val="60000"/>
-      </a:schemeClr>
-    </dgm:fillClrLst>
-    <dgm:linClrLst meth="repeat">
-      <a:schemeClr val="accent1">
-        <a:tint val="60000"/>
-      </a:schemeClr>
-    </dgm:linClrLst>
-    <dgm:effectClrLst/>
-    <dgm:txLinClrLst/>
-    <dgm:txFillClrLst/>
-    <dgm:txEffectClrLst/>
-  </dgm:styleLbl>
-  <dgm:styleLbl name="sibTrans1D1">
-    <dgm:fillClrLst meth="repeat">
-      <a:schemeClr val="accent1"/>
-    </dgm:fillClrLst>
-    <dgm:linClrLst meth="repeat">
-      <a:schemeClr val="accent1"/>
-    </dgm:linClrLst>
-    <dgm:effectClrLst/>
-    <dgm:txLinClrLst/>
-    <dgm:txFillClrLst meth="repeat">
-      <a:schemeClr val="tx1"/>
-    </dgm:txFillClrLst>
-    <dgm:txEffectClrLst/>
-  </dgm:styleLbl>
-  <dgm:styleLbl name="callout">
-    <dgm:fillClrLst meth="repeat">
-      <a:schemeClr val="accent1"/>
-    </dgm:fillClrLst>
-    <dgm:linClrLst meth="repeat">
-      <a:schemeClr val="accent1">
-        <a:tint val="50000"/>
-      </a:schemeClr>
-    </dgm:linClrLst>
-    <dgm:effectClrLst/>
-    <dgm:txLinClrLst/>
-    <dgm:txFillClrLst meth="repeat">
-      <a:schemeClr val="tx1"/>
-    </dgm:txFillClrLst>
-    <dgm:txEffectClrLst/>
-  </dgm:styleLbl>
-  <dgm:styleLbl name="asst0">
-    <dgm:fillClrLst meth="repeat">
-      <a:schemeClr val="accent1"/>
-    </dgm:fillClrLst>
-    <dgm:linClrLst meth="repeat">
-      <a:schemeClr val="lt1"/>
-    </dgm:linClrLst>
-    <dgm:effectClrLst/>
-    <dgm:txLinClrLst/>
-    <dgm:txFillClrLst/>
-    <dgm:txEffectClrLst/>
-  </dgm:styleLbl>
-  <dgm:styleLbl name="asst1">
-    <dgm:fillClrLst meth="repeat">
-      <a:schemeClr val="accent1"/>
-    </dgm:fillClrLst>
-    <dgm:linClrLst meth="repeat">
-      <a:schemeClr val="lt1"/>
-    </dgm:linClrLst>
-    <dgm:effectClrLst/>
-    <dgm:txLinClrLst/>
-    <dgm:txFillClrLst/>
-    <dgm:txEffectClrLst/>
-  </dgm:styleLbl>
-  <dgm:styleLbl name="asst2">
-    <dgm:fillClrLst meth="repeat">
-      <a:schemeClr val="accent1"/>
-    </dgm:fillClrLst>
-    <dgm:linClrLst meth="repeat">
-      <a:schemeClr val="lt1"/>
-    </dgm:linClrLst>
-    <dgm:effectClrLst/>
-    <dgm:txLinClrLst/>
-    <dgm:txFillClrLst/>
-    <dgm:txEffectClrLst/>
-  </dgm:styleLbl>
-  <dgm:styleLbl name="asst3">
-    <dgm:fillClrLst meth="repeat">
-      <a:schemeClr val="accent1"/>
-    </dgm:fillClrLst>
-    <dgm:linClrLst meth="repeat">
-      <a:schemeClr val="lt1"/>
-    </dgm:linClrLst>
-    <dgm:effectClrLst/>
-    <dgm:txLinClrLst/>
-    <dgm:txFillClrLst/>
-    <dgm:txEffectClrLst/>
-  </dgm:styleLbl>
-  <dgm:styleLbl name="asst4">
-    <dgm:fillClrLst meth="repeat">
-      <a:schemeClr val="accent1"/>
-    </dgm:fillClrLst>
-    <dgm:linClrLst meth="repeat">
-      <a:schemeClr val="lt1"/>
-    </dgm:linClrLst>
-    <dgm:effectClrLst/>
-    <dgm:txLinClrLst/>
-    <dgm:txFillClrLst/>
-    <dgm:txEffectClrLst/>
-  </dgm:styleLbl>
-  <dgm:styleLbl name="parChTrans2D1">
-    <dgm:fillClrLst meth="repeat">
-      <a:schemeClr val="accent1">
-        <a:tint val="60000"/>
-      </a:schemeClr>
-    </dgm:fillClrLst>
-    <dgm:linClrLst meth="repeat">
-      <a:schemeClr val="accent1">
-        <a:tint val="60000"/>
-      </a:schemeClr>
-    </dgm:linClrLst>
-    <dgm:effectClrLst/>
-    <dgm:txLinClrLst/>
-    <dgm:txFillClrLst meth="repeat">
-      <a:schemeClr val="lt1"/>
-    </dgm:txFillClrLst>
-    <dgm:txEffectClrLst/>
-  </dgm:styleLbl>
-  <dgm:styleLbl name="parChTrans2D2">
-    <dgm:fillClrLst meth="repeat">
-      <a:schemeClr val="accent1"/>
-    </dgm:fillClrLst>
-    <dgm:linClrLst meth="repeat">
-      <a:schemeClr val="accent1"/>
-    </dgm:linClrLst>
-    <dgm:effectClrLst/>
-    <dgm:txLinClrLst/>
-    <dgm:txFillClrLst meth="repeat">
-      <a:schemeClr val="lt1"/>
-    </dgm:txFillClrLst>
-    <dgm:txEffectClrLst/>
-  </dgm:styleLbl>
-  <dgm:styleLbl name="parChTrans2D3">
-    <dgm:fillClrLst meth="repeat">
-      <a:schemeClr val="accent1"/>
-    </dgm:fillClrLst>
-    <dgm:linClrLst meth="repeat">
-      <a:schemeClr val="accent1"/>
-    </dgm:linClrLst>
-    <dgm:effectClrLst/>
-    <dgm:txLinClrLst/>
-    <dgm:txFillClrLst meth="repeat">
-      <a:schemeClr val="lt1"/>
-    </dgm:txFillClrLst>
-    <dgm:txEffectClrLst/>
-  </dgm:styleLbl>
-  <dgm:styleLbl name="parChTrans2D4">
-    <dgm:fillClrLst meth="repeat">
-      <a:schemeClr val="accent1"/>
-    </dgm:fillClrLst>
-    <dgm:linClrLst meth="repeat">
-      <a:schemeClr val="accent1"/>
-    </dgm:linClrLst>
-    <dgm:effectClrLst/>
-    <dgm:txLinClrLst/>
-    <dgm:txFillClrLst meth="repeat">
-      <a:schemeClr val="lt1"/>
-    </dgm:txFillClrLst>
-    <dgm:txEffectClrLst/>
-  </dgm:styleLbl>
-  <dgm:styleLbl name="parChTrans1D1">
-    <dgm:fillClrLst meth="repeat">
-      <a:schemeClr val="accent1"/>
-    </dgm:fillClrLst>
-    <dgm:linClrLst meth="repeat">
-      <a:schemeClr val="accent1">
-        <a:shade val="60000"/>
-      </a:schemeClr>
-    </dgm:linClrLst>
-    <dgm:effectClrLst/>
-    <dgm:txLinClrLst/>
-    <dgm:txFillClrLst meth="repeat">
-      <a:schemeClr val="tx1"/>
-    </dgm:txFillClrLst>
-    <dgm:txEffectClrLst/>
-  </dgm:styleLbl>
-  <dgm:styleLbl name="parChTrans1D2">
-    <dgm:fillClrLst meth="repeat">
-      <a:schemeClr val="accent1"/>
-    </dgm:fillClrLst>
-    <dgm:linClrLst meth="repeat">
-      <a:schemeClr val="accent1">
-        <a:shade val="60000"/>
-      </a:schemeClr>
-    </dgm:linClrLst>
-    <dgm:effectClrLst/>
-    <dgm:txLinClrLst/>
-    <dgm:txFillClrLst meth="repeat">
-      <a:schemeClr val="tx1"/>
-    </dgm:txFillClrLst>
-    <dgm:txEffectClrLst/>
-  </dgm:styleLbl>
-  <dgm:styleLbl name="parChTrans1D3">
-    <dgm:fillClrLst meth="repeat">
-      <a:schemeClr val="accent1"/>
-    </dgm:fillClrLst>
-    <dgm:linClrLst meth="repeat">
-      <a:schemeClr val="accent1">
-        <a:shade val="80000"/>
-      </a:schemeClr>
-    </dgm:linClrLst>
-    <dgm:effectClrLst/>
-    <dgm:txLinClrLst/>
-    <dgm:txFillClrLst meth="repeat">
-      <a:schemeClr val="tx1"/>
-    </dgm:txFillClrLst>
-    <dgm:txEffectClrLst/>
-  </dgm:styleLbl>
-  <dgm:styleLbl name="parChTrans1D4">
-    <dgm:fillClrLst meth="repeat">
-      <a:schemeClr val="accent1"/>
-    </dgm:fillClrLst>
-    <dgm:linClrLst meth="repeat">
-      <a:schemeClr val="accent1">
-        <a:shade val="80000"/>
-      </a:schemeClr>
-    </dgm:linClrLst>
-    <dgm:effectClrLst/>
-    <dgm:txLinClrLst/>
-    <dgm:txFillClrLst meth="repeat">
-      <a:schemeClr val="tx1"/>
-    </dgm:txFillClrLst>
-    <dgm:txEffectClrLst/>
-  </dgm:styleLbl>
-  <dgm:styleLbl name="fgAcc1">
-    <dgm:fillClrLst meth="repeat">
-      <a:schemeClr val="lt1">
-        <a:alpha val="90000"/>
-      </a:schemeClr>
-    </dgm:fillClrLst>
-    <dgm:linClrLst meth="repeat">
-      <a:schemeClr val="accent1"/>
-    </dgm:linClrLst>
-    <dgm:effectClrLst/>
-    <dgm:txLinClrLst/>
-    <dgm:txFillClrLst meth="repeat">
-      <a:schemeClr val="dk1"/>
-    </dgm:txFillClrLst>
-    <dgm:txEffectClrLst/>
-  </dgm:styleLbl>
-  <dgm:styleLbl name="conFgAcc1">
-    <dgm:fillClrLst meth="repeat">
-      <a:schemeClr val="lt1">
-        <a:alpha val="90000"/>
-      </a:schemeClr>
-    </dgm:fillClrLst>
-    <dgm:linClrLst meth="repeat">
-      <a:schemeClr val="accent1"/>
-    </dgm:linClrLst>
-    <dgm:effectClrLst/>
-    <dgm:txLinClrLst/>
-    <dgm:txFillClrLst meth="repeat">
-      <a:schemeClr val="dk1"/>
-    </dgm:txFillClrLst>
-    <dgm:txEffectClrLst/>
-  </dgm:styleLbl>
-  <dgm:styleLbl name="alignAcc1">
-    <dgm:fillClrLst meth="repeat">
-      <a:schemeClr val="lt1">
-        <a:alpha val="90000"/>
-      </a:schemeClr>
-    </dgm:fillClrLst>
-    <dgm:linClrLst meth="repeat">
-      <a:schemeClr val="accent1"/>
-    </dgm:linClrLst>
-    <dgm:effectClrLst/>
-    <dgm:txLinClrLst/>
-    <dgm:txFillClrLst meth="repeat">
-      <a:schemeClr val="dk1"/>
-    </dgm:txFillClrLst>
-    <dgm:txEffectClrLst/>
-  </dgm:styleLbl>
-  <dgm:styleLbl name="trAlignAcc1">
-    <dgm:fillClrLst meth="repeat">
-      <a:schemeClr val="lt1">
-        <a:alpha val="40000"/>
-      </a:schemeClr>
-    </dgm:fillClrLst>
-    <dgm:linClrLst meth="repeat">
-      <a:schemeClr val="accent1"/>
-    </dgm:linClrLst>
-    <dgm:effectClrLst/>
-    <dgm:txLinClrLst/>
-    <dgm:txFillClrLst meth="repeat">
-      <a:schemeClr val="dk1"/>
-    </dgm:txFillClrLst>
-    <dgm:txEffectClrLst/>
-  </dgm:styleLbl>
-  <dgm:styleLbl name="bgAcc1">
-    <dgm:fillClrLst meth="repeat">
-      <a:schemeClr val="lt1">
-        <a:alpha val="90000"/>
-      </a:schemeClr>
-    </dgm:fillClrLst>
-    <dgm:linClrLst meth="repeat">
-      <a:schemeClr val="accent1"/>
-    </dgm:linClrLst>
-    <dgm:effectClrLst/>
-    <dgm:txLinClrLst/>
-    <dgm:txFillClrLst meth="repeat">
-      <a:schemeClr val="dk1"/>
-    </dgm:txFillClrLst>
-    <dgm:txEffectClrLst/>
-  </dgm:styleLbl>
-  <dgm:styleLbl name="solidFgAcc1">
-    <dgm:fillClrLst meth="repeat">
-      <a:schemeClr val="lt1"/>
-    </dgm:fillClrLst>
-    <dgm:linClrLst meth="repeat">
-      <a:schemeClr val="accent1"/>
-    </dgm:linClrLst>
-    <dgm:effectClrLst/>
-    <dgm:txLinClrLst/>
-    <dgm:txFillClrLst meth="repeat">
-      <a:schemeClr val="dk1"/>
-    </dgm:txFillClrLst>
-    <dgm:txEffectClrLst/>
-  </dgm:styleLbl>
-  <dgm:styleLbl name="solidAlignAcc1">
-    <dgm:fillClrLst meth="repeat">
-      <a:schemeClr val="lt1"/>
-    </dgm:fillClrLst>
-    <dgm:linClrLst meth="repeat">
-      <a:schemeClr val="accent1"/>
-    </dgm:linClrLst>
-    <dgm:effectClrLst/>
-    <dgm:txLinClrLst/>
-    <dgm:txFillClrLst meth="repeat">
-      <a:schemeClr val="dk1"/>
-    </dgm:txFillClrLst>
-    <dgm:txEffectClrLst/>
-  </dgm:styleLbl>
-  <dgm:styleLbl name="solidBgAcc1">
-    <dgm:fillClrLst meth="repeat">
-      <a:schemeClr val="lt1"/>
-    </dgm:fillClrLst>
-    <dgm:linClrLst meth="repeat">
-      <a:schemeClr val="accent1"/>
-    </dgm:linClrLst>
-    <dgm:effectClrLst/>
-    <dgm:txLinClrLst/>
-    <dgm:txFillClrLst meth="repeat">
-      <a:schemeClr val="dk1"/>
-    </dgm:txFillClrLst>
-    <dgm:txEffectClrLst/>
-  </dgm:styleLbl>
-  <dgm:styleLbl name="fgAccFollowNode1">
-    <dgm:fillClrLst meth="repeat">
-      <a:schemeClr val="accent1">
-        <a:alpha val="90000"/>
-        <a:tint val="40000"/>
-      </a:schemeClr>
-    </dgm:fillClrLst>
-    <dgm:linClrLst meth="repeat">
-      <a:schemeClr val="accent1">
-        <a:alpha val="90000"/>
-        <a:tint val="40000"/>
-      </a:schemeClr>
-    </dgm:linClrLst>
-    <dgm:effectClrLst/>
-    <dgm:txLinClrLst/>
-    <dgm:txFillClrLst meth="repeat">
-      <a:schemeClr val="dk1"/>
-    </dgm:txFillClrLst>
-    <dgm:txEffectClrLst/>
-  </dgm:styleLbl>
-  <dgm:styleLbl name="alignAccFollowNode1">
-    <dgm:fillClrLst meth="repeat">
-      <a:schemeClr val="accent1">
-        <a:alpha val="90000"/>
-        <a:tint val="40000"/>
-      </a:schemeClr>
-    </dgm:fillClrLst>
-    <dgm:linClrLst meth="repeat">
-      <a:schemeClr val="accent1">
-        <a:alpha val="90000"/>
-        <a:tint val="40000"/>
-      </a:schemeClr>
-    </dgm:linClrLst>
-    <dgm:effectClrLst/>
-    <dgm:txLinClrLst/>
-    <dgm:txFillClrLst meth="repeat">
-      <a:schemeClr val="dk1"/>
-    </dgm:txFillClrLst>
-    <dgm:txEffectClrLst/>
-  </dgm:styleLbl>
-  <dgm:styleLbl name="bgAccFollowNode1">
-    <dgm:fillClrLst meth="repeat">
-      <a:schemeClr val="accent1">
-        <a:alpha val="90000"/>
-        <a:tint val="40000"/>
-      </a:schemeClr>
-    </dgm:fillClrLst>
-    <dgm:linClrLst meth="repeat">
-      <a:schemeClr val="accent1">
-        <a:alpha val="90000"/>
-        <a:tint val="40000"/>
-      </a:schemeClr>
-    </dgm:linClrLst>
-    <dgm:effectClrLst/>
-    <dgm:txLinClrLst/>
-    <dgm:txFillClrLst meth="repeat">
-      <a:schemeClr val="dk1"/>
-    </dgm:txFillClrLst>
-    <dgm:txEffectClrLst/>
-  </dgm:styleLbl>
-  <dgm:styleLbl name="fgAcc0">
-    <dgm:fillClrLst meth="repeat">
-      <a:schemeClr val="lt1">
-        <a:alpha val="90000"/>
-      </a:schemeClr>
-    </dgm:fillClrLst>
-    <dgm:linClrLst meth="repeat">
-      <a:schemeClr val="accent1"/>
-    </dgm:linClrLst>
-    <dgm:effectClrLst/>
-    <dgm:txLinClrLst/>
-    <dgm:txFillClrLst meth="repeat">
-      <a:schemeClr val="dk1"/>
-    </dgm:txFillClrLst>
-    <dgm:txEffectClrLst/>
-  </dgm:styleLbl>
-  <dgm:styleLbl name="fgAcc2">
-    <dgm:fillClrLst meth="repeat">
-      <a:schemeClr val="lt1">
-        <a:alpha val="90000"/>
-      </a:schemeClr>
-    </dgm:fillClrLst>
-    <dgm:linClrLst meth="repeat">
-      <a:schemeClr val="accent1"/>
-    </dgm:linClrLst>
-    <dgm:effectClrLst/>
-    <dgm:txLinClrLst/>
-    <dgm:txFillClrLst meth="repeat">
-      <a:schemeClr val="dk1"/>
-    </dgm:txFillClrLst>
-    <dgm:txEffectClrLst/>
-  </dgm:styleLbl>
-  <dgm:styleLbl name="fgAcc3">
-    <dgm:fillClrLst meth="repeat">
-      <a:schemeClr val="lt1">
-        <a:alpha val="90000"/>
-      </a:schemeClr>
-    </dgm:fillClrLst>
-    <dgm:linClrLst meth="repeat">
-      <a:schemeClr val="accent1"/>
-    </dgm:linClrLst>
-    <dgm:effectClrLst/>
-    <dgm:txLinClrLst/>
-    <dgm:txFillClrLst meth="repeat">
-      <a:schemeClr val="dk1"/>
-    </dgm:txFillClrLst>
-    <dgm:txEffectClrLst/>
-  </dgm:styleLbl>
-  <dgm:styleLbl name="fgAcc4">
-    <dgm:fillClrLst meth="repeat">
-      <a:schemeClr val="lt1">
-        <a:alpha val="90000"/>
-      </a:schemeClr>
-    </dgm:fillClrLst>
-    <dgm:linClrLst meth="repeat">
-      <a:schemeClr val="accent1"/>
-    </dgm:linClrLst>
-    <dgm:effectClrLst/>
-    <dgm:txLinClrLst/>
-    <dgm:txFillClrLst meth="repeat">
-      <a:schemeClr val="dk1"/>
-    </dgm:txFillClrLst>
-    <dgm:txEffectClrLst/>
-  </dgm:styleLbl>
-  <dgm:styleLbl name="bgShp">
-    <dgm:fillClrLst meth="repeat">
-      <a:schemeClr val="accent1">
-        <a:tint val="40000"/>
-      </a:schemeClr>
-    </dgm:fillClrLst>
-    <dgm:linClrLst meth="repeat">
-      <a:schemeClr val="accent1"/>
-    </dgm:linClrLst>
-    <dgm:effectClrLst/>
-    <dgm:txLinClrLst/>
-    <dgm:txFillClrLst meth="repeat">
-      <a:schemeClr val="dk1"/>
-    </dgm:txFillClrLst>
-    <dgm:txEffectClrLst/>
-  </dgm:styleLbl>
-  <dgm:styleLbl name="dkBgShp">
-    <dgm:fillClrLst meth="repeat">
-      <a:schemeClr val="accent1">
-        <a:shade val="80000"/>
-      </a:schemeClr>
-    </dgm:fillClrLst>
-    <dgm:linClrLst meth="repeat">
-      <a:schemeClr val="accent1"/>
-    </dgm:linClrLst>
-    <dgm:effectClrLst/>
-    <dgm:txLinClrLst/>
-    <dgm:txFillClrLst meth="repeat">
-      <a:schemeClr val="lt1"/>
-    </dgm:txFillClrLst>
-    <dgm:txEffectClrLst/>
-  </dgm:styleLbl>
-  <dgm:styleLbl name="trBgShp">
-    <dgm:fillClrLst meth="repeat">
-      <a:schemeClr val="accent1">
-        <a:tint val="50000"/>
-        <a:alpha val="40000"/>
-      </a:schemeClr>
-    </dgm:fillClrLst>
-    <dgm:linClrLst meth="repeat">
-      <a:schemeClr val="accent1"/>
-    </dgm:linClrLst>
-    <dgm:effectClrLst/>
-    <dgm:txLinClrLst/>
-    <dgm:txFillClrLst meth="repeat">
-      <a:schemeClr val="lt1"/>
-    </dgm:txFillClrLst>
-    <dgm:txEffectClrLst/>
-  </dgm:styleLbl>
-  <dgm:styleLbl name="fgShp">
-    <dgm:fillClrLst meth="repeat">
-      <a:schemeClr val="accent1">
-        <a:tint val="60000"/>
-      </a:schemeClr>
-    </dgm:fillClrLst>
-    <dgm:linClrLst meth="repeat">
-      <a:schemeClr val="lt1"/>
-    </dgm:linClrLst>
-    <dgm:effectClrLst/>
-    <dgm:txLinClrLst/>
-    <dgm:txFillClrLst meth="repeat">
-      <a:schemeClr val="dk1"/>
-    </dgm:txFillClrLst>
-    <dgm:txEffectClrLst/>
-  </dgm:styleLbl>
-  <dgm:styleLbl name="revTx">
-    <dgm:fillClrLst meth="repeat">
-      <a:schemeClr val="lt1">
-        <a:alpha val="0"/>
-      </a:schemeClr>
-    </dgm:fillClrLst>
-    <dgm:linClrLst meth="repeat">
-      <a:schemeClr val="dk1">
-        <a:alpha val="0"/>
-      </a:schemeClr>
-    </dgm:linClrLst>
-    <dgm:effectClrLst/>
-    <dgm:txLinClrLst/>
-    <dgm:txFillClrLst meth="repeat">
-      <a:schemeClr val="tx1"/>
-    </dgm:txFillClrLst>
-    <dgm:txEffectClrLst/>
-  </dgm:styleLbl>
-</dgm:colorsDef>
-</file>
-
 <file path=ppt/diagrams/data1.xml><?xml version="1.0" encoding="utf-8"?>
 <dgm:dataModel xmlns:dgm="http://schemas.openxmlformats.org/drawingml/2006/diagram" xmlns:a="http://schemas.openxmlformats.org/drawingml/2006/main">
   <dgm:ptLst>
@@ -7009,10 +6261,24 @@
     <dgm:pt modelId="{79CE13D7-ECCC-4341-8CA2-7CDC47245BC1}" type="parTrans" cxnId="{5A7F80D8-A330-410D-B489-3AC0ED203AA3}">
       <dgm:prSet/>
       <dgm:spPr/>
+      <dgm:t>
+        <a:bodyPr/>
+        <a:lstStyle/>
+        <a:p>
+          <a:endParaRPr lang="pt-BR"/>
+        </a:p>
+      </dgm:t>
     </dgm:pt>
     <dgm:pt modelId="{99324A83-CEE1-4535-BF17-0F2B7234D073}" type="sibTrans" cxnId="{5A7F80D8-A330-410D-B489-3AC0ED203AA3}">
       <dgm:prSet/>
       <dgm:spPr/>
+      <dgm:t>
+        <a:bodyPr/>
+        <a:lstStyle/>
+        <a:p>
+          <a:endParaRPr lang="pt-BR"/>
+        </a:p>
+      </dgm:t>
     </dgm:pt>
     <dgm:pt modelId="{60103D0B-3A05-4853-92C2-7E00584C981E}">
       <dgm:prSet phldrT="[Texto]" custT="1">
@@ -7047,10 +6313,24 @@
     <dgm:pt modelId="{9D676AB5-9AAE-4AB8-977A-2D9DC18A4B46}" type="parTrans" cxnId="{8BF56599-6D59-4BFC-B288-4AEC63D44ED7}">
       <dgm:prSet/>
       <dgm:spPr/>
+      <dgm:t>
+        <a:bodyPr/>
+        <a:lstStyle/>
+        <a:p>
+          <a:endParaRPr lang="pt-BR"/>
+        </a:p>
+      </dgm:t>
     </dgm:pt>
     <dgm:pt modelId="{3973ABF2-8D4E-46DD-B1C6-ECA15BFC09CA}" type="sibTrans" cxnId="{8BF56599-6D59-4BFC-B288-4AEC63D44ED7}">
       <dgm:prSet/>
       <dgm:spPr/>
+      <dgm:t>
+        <a:bodyPr/>
+        <a:lstStyle/>
+        <a:p>
+          <a:endParaRPr lang="pt-BR"/>
+        </a:p>
+      </dgm:t>
     </dgm:pt>
     <dgm:pt modelId="{688C900A-2766-45AF-8A4C-DE19E196DC40}">
       <dgm:prSet phldrT="[Texto]" custT="1">
@@ -7085,10 +6365,24 @@
     <dgm:pt modelId="{AABFE4A9-F133-4497-AECC-317D9325C377}" type="parTrans" cxnId="{2FB88882-B04C-4261-9B07-D903DC9D9EA1}">
       <dgm:prSet/>
       <dgm:spPr/>
+      <dgm:t>
+        <a:bodyPr/>
+        <a:lstStyle/>
+        <a:p>
+          <a:endParaRPr lang="pt-BR"/>
+        </a:p>
+      </dgm:t>
     </dgm:pt>
     <dgm:pt modelId="{4E7F9570-3428-4185-B476-056063C25389}" type="sibTrans" cxnId="{2FB88882-B04C-4261-9B07-D903DC9D9EA1}">
       <dgm:prSet/>
       <dgm:spPr/>
+      <dgm:t>
+        <a:bodyPr/>
+        <a:lstStyle/>
+        <a:p>
+          <a:endParaRPr lang="pt-BR"/>
+        </a:p>
+      </dgm:t>
     </dgm:pt>
     <dgm:pt modelId="{BCDBC707-4A93-4D55-A61A-79732B703027}" type="pres">
       <dgm:prSet presAssocID="{E253E697-B0C3-42D4-81FD-D3ABCA72938E}" presName="linearFlow" presStyleCnt="0">
@@ -7275,7 +6569,7 @@
       </dgm:t>
     </dgm:pt>
     <dgm:pt modelId="{944B484B-F688-4CFA-A4FB-08B237CA5903}" type="pres">
-      <dgm:prSet presAssocID="{AD7A2D0A-69C1-40D4-AC3C-50ACA39C45C1}" presName="parSh" presStyleLbl="node1" presStyleIdx="2" presStyleCnt="3" custScaleX="123869" custScaleY="160996" custLinFactNeighborX="-14986" custLinFactNeighborY="-247"/>
+      <dgm:prSet presAssocID="{AD7A2D0A-69C1-40D4-AC3C-50ACA39C45C1}" presName="parSh" presStyleLbl="node1" presStyleIdx="2" presStyleCnt="3" custScaleX="139961" custScaleY="160996" custLinFactNeighborX="-3006" custLinFactNeighborY="3086"/>
       <dgm:spPr/>
       <dgm:t>
         <a:bodyPr/>
@@ -7378,8 +6672,8 @@
 <file path=ppt/diagrams/data4.xml><?xml version="1.0" encoding="utf-8"?>
 <dgm:dataModel xmlns:dgm="http://schemas.openxmlformats.org/drawingml/2006/diagram" xmlns:a="http://schemas.openxmlformats.org/drawingml/2006/main">
   <dgm:ptLst>
-    <dgm:pt modelId="{4412B91F-CF8D-4A42-83DF-7CDCCDA80F7D}" type="doc">
-      <dgm:prSet loTypeId="urn:microsoft.com/office/officeart/2005/8/layout/process3" loCatId="process" qsTypeId="urn:microsoft.com/office/officeart/2005/8/quickstyle/3d1" qsCatId="3D" csTypeId="urn:microsoft.com/office/officeart/2005/8/colors/accent1_2" csCatId="accent1" phldr="1"/>
+    <dgm:pt modelId="{17668F56-AE2A-4124-A17A-A96390DB3F17}" type="doc">
+      <dgm:prSet loTypeId="urn:microsoft.com/office/officeart/2005/8/layout/process3" loCatId="process" qsTypeId="urn:microsoft.com/office/officeart/2005/8/quickstyle/simple1" qsCatId="simple" csTypeId="urn:microsoft.com/office/officeart/2005/8/colors/accent1_2" csCatId="accent1" phldr="1"/>
       <dgm:spPr/>
       <dgm:t>
         <a:bodyPr/>
@@ -7389,26 +6683,26 @@
         </a:p>
       </dgm:t>
     </dgm:pt>
-    <dgm:pt modelId="{7DFE07BF-9A88-4152-9E58-09C9E20DB3CE}">
-      <dgm:prSet phldrT="[Texto]" custT="1"/>
-      <dgm:spPr/>
+    <dgm:pt modelId="{C16ABEF8-E848-417C-8FA5-B492FE1F7FB9}">
+      <dgm:prSet phldrT="[Texto]"/>
+      <dgm:spPr>
+        <a:ln>
+          <a:noFill/>
+        </a:ln>
+      </dgm:spPr>
       <dgm:t>
         <a:bodyPr/>
         <a:lstStyle/>
         <a:p>
           <a:r>
-            <a:rPr lang="pt-BR" sz="2000" b="1" smtClean="0"/>
-            <a:t>Base </a:t>
+            <a:rPr lang="pt-BR" b="1" dirty="0" smtClean="0"/>
+            <a:t>Base de dados </a:t>
           </a:r>
-          <a:r>
-            <a:rPr lang="pt-BR" sz="2000" b="1" dirty="0" smtClean="0"/>
-            <a:t>de dados </a:t>
-          </a:r>
-          <a:endParaRPr lang="pt-BR" sz="2000" b="1" dirty="0"/>
+          <a:endParaRPr lang="pt-BR" dirty="0"/>
         </a:p>
       </dgm:t>
     </dgm:pt>
-    <dgm:pt modelId="{F2C6A117-64F1-4ED9-9C2B-9510107D76CB}" type="parTrans" cxnId="{F52A89F1-D611-4436-8916-14DEFBEAC79D}">
+    <dgm:pt modelId="{46058FA2-A610-45FB-B887-91EC4BDB8F49}" type="parTrans" cxnId="{0FD82281-F3CC-4D1C-A915-A1A978CADAC8}">
       <dgm:prSet/>
       <dgm:spPr/>
       <dgm:t>
@@ -7419,12 +6713,30 @@
         </a:p>
       </dgm:t>
     </dgm:pt>
-    <dgm:pt modelId="{E68D9850-B3A4-4979-A4D0-E3D401A29AB5}" type="sibTrans" cxnId="{F52A89F1-D611-4436-8916-14DEFBEAC79D}">
-      <dgm:prSet/>
+    <dgm:pt modelId="{4BDEBA7B-61F9-43B3-A62F-2F678E691A02}" type="sibTrans" cxnId="{0FD82281-F3CC-4D1C-A915-A1A978CADAC8}">
+      <dgm:prSet>
+        <dgm:style>
+          <a:lnRef idx="0">
+            <a:schemeClr val="accent6"/>
+          </a:lnRef>
+          <a:fillRef idx="3">
+            <a:schemeClr val="accent6"/>
+          </a:fillRef>
+          <a:effectRef idx="3">
+            <a:schemeClr val="accent6"/>
+          </a:effectRef>
+          <a:fontRef idx="minor">
+            <a:schemeClr val="lt1"/>
+          </a:fontRef>
+        </dgm:style>
+      </dgm:prSet>
       <dgm:spPr>
         <a:solidFill>
-          <a:srgbClr val="00B0F0"/>
+          <a:srgbClr val="0070C0"/>
         </a:solidFill>
+        <a:ln>
+          <a:noFill/>
+        </a:ln>
       </dgm:spPr>
       <dgm:t>
         <a:bodyPr/>
@@ -7434,22 +6746,30 @@
         </a:p>
       </dgm:t>
     </dgm:pt>
-    <dgm:pt modelId="{3865D5FF-DA00-4906-B6F5-07C839464584}">
-      <dgm:prSet phldrT="[Texto]" custT="1"/>
-      <dgm:spPr/>
+    <dgm:pt modelId="{7A9FA5F5-97D3-42CA-9AA8-9D9A6D1A77F6}">
+      <dgm:prSet phldrT="[Texto]"/>
+      <dgm:spPr>
+        <a:ln>
+          <a:noFill/>
+        </a:ln>
+      </dgm:spPr>
       <dgm:t>
         <a:bodyPr/>
         <a:lstStyle/>
         <a:p>
           <a:r>
-            <a:rPr lang="pt-BR" sz="2000" b="1" dirty="0" smtClean="0"/>
-            <a:t>Aplicação</a:t>
+            <a:rPr lang="pt-BR" b="1" dirty="0" smtClean="0"/>
+            <a:t>Ambiente de servidor de dados</a:t>
           </a:r>
-          <a:endParaRPr lang="pt-BR" sz="2000" b="1" dirty="0"/>
+          <a:endParaRPr lang="pt-BR" b="1" dirty="0">
+            <a:solidFill>
+              <a:srgbClr val="66FFFF"/>
+            </a:solidFill>
+          </a:endParaRPr>
         </a:p>
       </dgm:t>
     </dgm:pt>
-    <dgm:pt modelId="{49FB8D0F-E70F-4A66-9F99-3E0F33864CA6}" type="parTrans" cxnId="{C9D8935F-6C23-483A-8258-A9CABF3C76B0}">
+    <dgm:pt modelId="{E98A708B-6B6C-4AC2-B0CF-F19DB9F8E954}" type="parTrans" cxnId="{66AB3D1C-2238-4342-86F4-F26A9C0BDFC8}">
       <dgm:prSet/>
       <dgm:spPr/>
       <dgm:t>
@@ -7460,37 +6780,7 @@
         </a:p>
       </dgm:t>
     </dgm:pt>
-    <dgm:pt modelId="{CFF97A55-CF3E-4E1D-AF04-5A3631D6CB6D}" type="sibTrans" cxnId="{C9D8935F-6C23-483A-8258-A9CABF3C76B0}">
-      <dgm:prSet/>
-      <dgm:spPr>
-        <a:solidFill>
-          <a:srgbClr val="00B0F0"/>
-        </a:solidFill>
-      </dgm:spPr>
-      <dgm:t>
-        <a:bodyPr/>
-        <a:lstStyle/>
-        <a:p>
-          <a:endParaRPr lang="pt-BR"/>
-        </a:p>
-      </dgm:t>
-    </dgm:pt>
-    <dgm:pt modelId="{F3A2DAB8-2AB9-419A-82D3-D743A16978C8}">
-      <dgm:prSet phldrT="[Texto]" custT="1"/>
-      <dgm:spPr/>
-      <dgm:t>
-        <a:bodyPr/>
-        <a:lstStyle/>
-        <a:p>
-          <a:r>
-            <a:rPr lang="pt-BR" sz="2000" b="1" dirty="0" smtClean="0"/>
-            <a:t>Usuário</a:t>
-          </a:r>
-          <a:endParaRPr lang="pt-BR" sz="2000" b="1" dirty="0"/>
-        </a:p>
-      </dgm:t>
-    </dgm:pt>
-    <dgm:pt modelId="{62C15E06-9F1B-4472-A7B4-FEFADBC7E807}" type="parTrans" cxnId="{4A7FA099-9464-4ACD-A790-6102C1584AD1}">
+    <dgm:pt modelId="{B321C894-1276-4EB7-AE6D-25EDA5B39B98}" type="sibTrans" cxnId="{66AB3D1C-2238-4342-86F4-F26A9C0BDFC8}">
       <dgm:prSet/>
       <dgm:spPr/>
       <dgm:t>
@@ -7501,7 +6791,26 @@
         </a:p>
       </dgm:t>
     </dgm:pt>
-    <dgm:pt modelId="{401344D0-ED0B-4340-9FCD-FF07FE375E6C}" type="sibTrans" cxnId="{4A7FA099-9464-4ACD-A790-6102C1584AD1}">
+    <dgm:pt modelId="{ECEE356E-FA05-427A-9E20-F2837DFA1627}">
+      <dgm:prSet phldrT="[Texto]"/>
+      <dgm:spPr>
+        <a:ln>
+          <a:noFill/>
+        </a:ln>
+      </dgm:spPr>
+      <dgm:t>
+        <a:bodyPr/>
+        <a:lstStyle/>
+        <a:p>
+          <a:r>
+            <a:rPr lang="pt-BR" b="1" dirty="0" smtClean="0"/>
+            <a:t>Aplicação</a:t>
+          </a:r>
+          <a:endParaRPr lang="pt-BR" b="1" dirty="0"/>
+        </a:p>
+      </dgm:t>
+    </dgm:pt>
+    <dgm:pt modelId="{79A456E6-B79C-4DD3-8B23-875CEE1E8C26}" type="parTrans" cxnId="{C1201BA3-669E-4A2F-9AF5-D81C4512E8F3}">
       <dgm:prSet/>
       <dgm:spPr/>
       <dgm:t>
@@ -7512,22 +6821,67 @@
         </a:p>
       </dgm:t>
     </dgm:pt>
-    <dgm:pt modelId="{2F3DF7DE-E5C9-4440-80D1-538313244BE6}">
-      <dgm:prSet phldrT="[Texto]" custT="1"/>
-      <dgm:spPr/>
+    <dgm:pt modelId="{C967144E-A94C-4241-9A1C-481EB5577E8F}" type="sibTrans" cxnId="{C1201BA3-669E-4A2F-9AF5-D81C4512E8F3}">
+      <dgm:prSet>
+        <dgm:style>
+          <a:lnRef idx="0">
+            <a:schemeClr val="accent6"/>
+          </a:lnRef>
+          <a:fillRef idx="3">
+            <a:schemeClr val="accent6"/>
+          </a:fillRef>
+          <a:effectRef idx="3">
+            <a:schemeClr val="accent6"/>
+          </a:effectRef>
+          <a:fontRef idx="minor">
+            <a:schemeClr val="lt1"/>
+          </a:fontRef>
+        </dgm:style>
+      </dgm:prSet>
+      <dgm:spPr>
+        <a:solidFill>
+          <a:srgbClr val="0070C0"/>
+        </a:solidFill>
+        <a:ln>
+          <a:noFill/>
+        </a:ln>
+      </dgm:spPr>
       <dgm:t>
         <a:bodyPr/>
         <a:lstStyle/>
         <a:p>
-          <a:r>
-            <a:rPr lang="pt-BR" sz="2000" b="1" dirty="0" smtClean="0"/>
-            <a:t>Processa de solicitações de usuário</a:t>
-          </a:r>
-          <a:endParaRPr lang="pt-BR" sz="2000" b="1" dirty="0"/>
+          <a:endParaRPr lang="pt-BR"/>
         </a:p>
       </dgm:t>
     </dgm:pt>
-    <dgm:pt modelId="{3C0BC7DD-F66C-4719-92AE-5E9E7825604D}" type="parTrans" cxnId="{D058A61E-2631-4792-87A9-3570D8D2DB0F}">
+    <dgm:pt modelId="{4C53B25C-4685-44EB-A349-0B0EC92BF120}">
+      <dgm:prSet phldrT="[Texto]"/>
+      <dgm:spPr>
+        <a:ln>
+          <a:noFill/>
+        </a:ln>
+      </dgm:spPr>
+      <dgm:t>
+        <a:bodyPr/>
+        <a:lstStyle/>
+        <a:p>
+          <a:r>
+            <a:rPr lang="pt-BR" b="1" dirty="0" smtClean="0"/>
+            <a:t>Processa </a:t>
+          </a:r>
+          <a:r>
+            <a:rPr lang="pt-BR" b="1" dirty="0" smtClean="0"/>
+            <a:t> </a:t>
+          </a:r>
+          <a:r>
+            <a:rPr lang="pt-BR" b="1" dirty="0" smtClean="0"/>
+            <a:t>solicitações de usuário</a:t>
+          </a:r>
+          <a:endParaRPr lang="pt-BR" b="1" dirty="0"/>
+        </a:p>
+      </dgm:t>
+    </dgm:pt>
+    <dgm:pt modelId="{0C9FEE23-EC63-4D66-B685-56D8918D21F8}" type="parTrans" cxnId="{77042336-2A80-4C72-A862-AFC2266F4977}">
       <dgm:prSet/>
       <dgm:spPr/>
       <dgm:t>
@@ -7538,7 +6892,7 @@
         </a:p>
       </dgm:t>
     </dgm:pt>
-    <dgm:pt modelId="{4569B2FB-90CA-4536-9206-69C81C9FC0BD}" type="sibTrans" cxnId="{D058A61E-2631-4792-87A9-3570D8D2DB0F}">
+    <dgm:pt modelId="{0967D9C0-DF7B-45F5-9A54-EDFD9C8E832F}" type="sibTrans" cxnId="{77042336-2A80-4C72-A862-AFC2266F4977}">
       <dgm:prSet/>
       <dgm:spPr/>
       <dgm:t>
@@ -7549,18 +6903,63 @@
         </a:p>
       </dgm:t>
     </dgm:pt>
-    <dgm:pt modelId="{80BADE98-2C43-40D5-937A-874A1B627145}">
-      <dgm:prSet phldrT="[Texto]" custT="1"/>
+    <dgm:pt modelId="{B30E3C43-9243-4344-9ED5-E1D083B46497}">
+      <dgm:prSet phldrT="[Texto]"/>
+      <dgm:spPr>
+        <a:ln>
+          <a:noFill/>
+        </a:ln>
+      </dgm:spPr>
+      <dgm:t>
+        <a:bodyPr/>
+        <a:lstStyle/>
+        <a:p>
+          <a:r>
+            <a:rPr lang="pt-BR" b="1" dirty="0" smtClean="0"/>
+            <a:t>Usuário</a:t>
+          </a:r>
+          <a:endParaRPr lang="pt-BR" b="1" dirty="0"/>
+        </a:p>
+      </dgm:t>
+    </dgm:pt>
+    <dgm:pt modelId="{F081CC61-FD65-471E-9591-32280DB58606}" type="parTrans" cxnId="{DDDDC400-8283-4A8F-BCE0-9B579D96A7B6}">
+      <dgm:prSet/>
       <dgm:spPr/>
       <dgm:t>
         <a:bodyPr/>
         <a:lstStyle/>
         <a:p>
+          <a:endParaRPr lang="pt-BR"/>
+        </a:p>
+      </dgm:t>
+    </dgm:pt>
+    <dgm:pt modelId="{346FCF0D-0DF1-4F27-95F5-B6B2AF6AFE22}" type="sibTrans" cxnId="{DDDDC400-8283-4A8F-BCE0-9B579D96A7B6}">
+      <dgm:prSet/>
+      <dgm:spPr/>
+      <dgm:t>
+        <a:bodyPr/>
+        <a:lstStyle/>
+        <a:p>
+          <a:endParaRPr lang="pt-BR"/>
+        </a:p>
+      </dgm:t>
+    </dgm:pt>
+    <dgm:pt modelId="{FF756F11-E5F8-4E62-9C2F-E22A745235CF}">
+      <dgm:prSet phldrT="[Texto]"/>
+      <dgm:spPr>
+        <a:ln>
+          <a:noFill/>
+        </a:ln>
+      </dgm:spPr>
+      <dgm:t>
+        <a:bodyPr/>
+        <a:lstStyle/>
+        <a:p>
           <a:r>
-            <a:rPr lang="pt-BR" sz="2000" b="1" dirty="0" smtClean="0"/>
+            <a:rPr lang="pt-BR" b="1" dirty="0" smtClean="0"/>
             <a:t>Dispositivo de conexão com sistema</a:t>
           </a:r>
-          <a:endParaRPr lang="pt-BR" sz="2000" b="1" dirty="0">
+          <a:endParaRPr lang="pt-BR" b="1" dirty="0">
             <a:solidFill>
               <a:srgbClr val="66FFFF"/>
             </a:solidFill>
@@ -7568,7 +6967,7 @@
         </a:p>
       </dgm:t>
     </dgm:pt>
-    <dgm:pt modelId="{61694F4E-3BB3-4806-8315-F9C9DE55D766}" type="parTrans" cxnId="{81BAC1B0-D183-4179-9A55-029F538E675D}">
+    <dgm:pt modelId="{126DBAE5-E6F7-4B1A-8BD2-CB834E3FE2B1}" type="parTrans" cxnId="{7A00A180-6CB1-4BB7-AE65-5F1140B1D22F}">
       <dgm:prSet/>
       <dgm:spPr/>
       <dgm:t>
@@ -7579,7 +6978,7 @@
         </a:p>
       </dgm:t>
     </dgm:pt>
-    <dgm:pt modelId="{1B940CC1-D5C1-4465-A2E5-B629FA2D9A4E}" type="sibTrans" cxnId="{81BAC1B0-D183-4179-9A55-029F538E675D}">
+    <dgm:pt modelId="{2982B5E7-2B25-40EE-8AB8-7873717E3526}" type="sibTrans" cxnId="{7A00A180-6CB1-4BB7-AE65-5F1140B1D22F}">
       <dgm:prSet/>
       <dgm:spPr/>
       <dgm:t>
@@ -7590,49 +6989,8 @@
         </a:p>
       </dgm:t>
     </dgm:pt>
-    <dgm:pt modelId="{7F7E1F91-F6F4-48A9-B4FA-337B2EBD2C9A}">
-      <dgm:prSet phldrT="[Texto]" custT="1"/>
-      <dgm:spPr/>
-      <dgm:t>
-        <a:bodyPr/>
-        <a:lstStyle/>
-        <a:p>
-          <a:r>
-            <a:rPr lang="pt-BR" sz="2000" b="1" dirty="0" smtClean="0"/>
-            <a:t>Ambiente de servidor de dados</a:t>
-          </a:r>
-          <a:endParaRPr lang="pt-BR" sz="2000" b="1" dirty="0">
-            <a:solidFill>
-              <a:srgbClr val="66FFFF"/>
-            </a:solidFill>
-          </a:endParaRPr>
-        </a:p>
-      </dgm:t>
-    </dgm:pt>
-    <dgm:pt modelId="{0FC519C8-F4CD-4D2A-B852-2C233866BAF3}" type="sibTrans" cxnId="{5CB851DE-B309-4D32-BF02-58D05478E534}">
-      <dgm:prSet/>
-      <dgm:spPr/>
-      <dgm:t>
-        <a:bodyPr/>
-        <a:lstStyle/>
-        <a:p>
-          <a:endParaRPr lang="pt-BR"/>
-        </a:p>
-      </dgm:t>
-    </dgm:pt>
-    <dgm:pt modelId="{0796D45F-4D57-413D-A4BB-33573B2F1CF3}" type="parTrans" cxnId="{5CB851DE-B309-4D32-BF02-58D05478E534}">
-      <dgm:prSet/>
-      <dgm:spPr/>
-      <dgm:t>
-        <a:bodyPr/>
-        <a:lstStyle/>
-        <a:p>
-          <a:endParaRPr lang="pt-BR"/>
-        </a:p>
-      </dgm:t>
-    </dgm:pt>
-    <dgm:pt modelId="{CC0EE527-85CD-48F3-B644-D95743DA8B8E}" type="pres">
-      <dgm:prSet presAssocID="{4412B91F-CF8D-4A42-83DF-7CDCCDA80F7D}" presName="linearFlow" presStyleCnt="0">
+    <dgm:pt modelId="{0B759DC6-B548-4231-9430-441E15BB6EED}" type="pres">
+      <dgm:prSet presAssocID="{17668F56-AE2A-4124-A17A-A96390DB3F17}" presName="linearFlow" presStyleCnt="0">
         <dgm:presLayoutVars>
           <dgm:dir/>
           <dgm:animLvl val="lvl"/>
@@ -7648,19 +7006,12 @@
         </a:p>
       </dgm:t>
     </dgm:pt>
-    <dgm:pt modelId="{77B2758C-7769-4628-AD70-3783AE199BD2}" type="pres">
-      <dgm:prSet presAssocID="{7DFE07BF-9A88-4152-9E58-09C9E20DB3CE}" presName="composite" presStyleCnt="0"/>
+    <dgm:pt modelId="{BA33D4E3-1D33-4C18-90D2-A8A2229BFA15}" type="pres">
+      <dgm:prSet presAssocID="{C16ABEF8-E848-417C-8FA5-B492FE1F7FB9}" presName="composite" presStyleCnt="0"/>
       <dgm:spPr/>
-      <dgm:t>
-        <a:bodyPr/>
-        <a:lstStyle/>
-        <a:p>
-          <a:endParaRPr lang="pt-BR"/>
-        </a:p>
-      </dgm:t>
     </dgm:pt>
-    <dgm:pt modelId="{0135851C-059A-4F41-A717-89AAE1AEB50F}" type="pres">
-      <dgm:prSet presAssocID="{7DFE07BF-9A88-4152-9E58-09C9E20DB3CE}" presName="parTx" presStyleLbl="node1" presStyleIdx="0" presStyleCnt="3">
+    <dgm:pt modelId="{FBBAD53A-80EB-42C6-9C37-FAA5BBCC6BAE}" type="pres">
+      <dgm:prSet presAssocID="{C16ABEF8-E848-417C-8FA5-B492FE1F7FB9}" presName="parTx" presStyleLbl="node1" presStyleIdx="0" presStyleCnt="3">
         <dgm:presLayoutVars>
           <dgm:chMax val="0"/>
           <dgm:chPref val="0"/>
@@ -7676,8 +7027,8 @@
         </a:p>
       </dgm:t>
     </dgm:pt>
-    <dgm:pt modelId="{0485A0FB-C96E-42E5-BCAA-9C72A8F02D43}" type="pres">
-      <dgm:prSet presAssocID="{7DFE07BF-9A88-4152-9E58-09C9E20DB3CE}" presName="parSh" presStyleLbl="node1" presStyleIdx="0" presStyleCnt="3" custScaleX="118442" custScaleY="236077" custLinFactNeighborX="580" custLinFactNeighborY="-24051"/>
+    <dgm:pt modelId="{23A81FDC-FE23-46E1-83D8-467212E5D635}" type="pres">
+      <dgm:prSet presAssocID="{C16ABEF8-E848-417C-8FA5-B492FE1F7FB9}" presName="parSh" presStyleLbl="node1" presStyleIdx="0" presStyleCnt="3" custScaleX="112568" custScaleY="139303" custLinFactNeighborX="580" custLinFactNeighborY="-24051"/>
       <dgm:spPr/>
       <dgm:t>
         <a:bodyPr/>
@@ -7687,8 +7038,8 @@
         </a:p>
       </dgm:t>
     </dgm:pt>
-    <dgm:pt modelId="{01AD925A-7CA7-4489-9AE4-70C9408355AF}" type="pres">
-      <dgm:prSet presAssocID="{7DFE07BF-9A88-4152-9E58-09C9E20DB3CE}" presName="desTx" presStyleLbl="fgAcc1" presStyleIdx="0" presStyleCnt="3" custScaleX="123543" custScaleY="150979">
+    <dgm:pt modelId="{1783A185-A351-47B7-938E-04682AAF5F45}" type="pres">
+      <dgm:prSet presAssocID="{C16ABEF8-E848-417C-8FA5-B492FE1F7FB9}" presName="desTx" presStyleLbl="fgAcc1" presStyleIdx="0" presStyleCnt="3" custScaleX="123543" custScaleY="126841" custLinFactNeighborX="-9876" custLinFactNeighborY="1514">
         <dgm:presLayoutVars>
           <dgm:bulletEnabled val="1"/>
         </dgm:presLayoutVars>
@@ -7702,8 +7053,8 @@
         </a:p>
       </dgm:t>
     </dgm:pt>
-    <dgm:pt modelId="{9986BED9-1E6C-4CA8-9EA5-87820C541D88}" type="pres">
-      <dgm:prSet presAssocID="{E68D9850-B3A4-4979-A4D0-E3D401A29AB5}" presName="sibTrans" presStyleLbl="sibTrans2D1" presStyleIdx="0" presStyleCnt="2" custScaleX="96916" custLinFactNeighborX="-12010" custLinFactNeighborY="-36455"/>
+    <dgm:pt modelId="{0D8DDBC3-04F3-45D7-8C4C-0A1114F238CC}" type="pres">
+      <dgm:prSet presAssocID="{4BDEBA7B-61F9-43B3-A62F-2F678E691A02}" presName="sibTrans" presStyleLbl="sibTrans2D1" presStyleIdx="0" presStyleCnt="2" custLinFactNeighborX="-4476" custLinFactNeighborY="-33190"/>
       <dgm:spPr>
         <a:prstGeom prst="leftArrow">
           <a:avLst/>
@@ -7717,8 +7068,8 @@
         </a:p>
       </dgm:t>
     </dgm:pt>
-    <dgm:pt modelId="{E4A5A372-2D69-40DC-9020-A18D4ABB5405}" type="pres">
-      <dgm:prSet presAssocID="{E68D9850-B3A4-4979-A4D0-E3D401A29AB5}" presName="connTx" presStyleLbl="sibTrans2D1" presStyleIdx="0" presStyleCnt="2"/>
+    <dgm:pt modelId="{B01027DF-4A5F-4C4B-A625-E85C559612D3}" type="pres">
+      <dgm:prSet presAssocID="{4BDEBA7B-61F9-43B3-A62F-2F678E691A02}" presName="connTx" presStyleLbl="sibTrans2D1" presStyleIdx="0" presStyleCnt="2"/>
       <dgm:spPr/>
       <dgm:t>
         <a:bodyPr/>
@@ -7728,19 +7079,12 @@
         </a:p>
       </dgm:t>
     </dgm:pt>
-    <dgm:pt modelId="{906ED97C-B2A0-409A-ADD8-A528A71BF7A3}" type="pres">
-      <dgm:prSet presAssocID="{3865D5FF-DA00-4906-B6F5-07C839464584}" presName="composite" presStyleCnt="0"/>
+    <dgm:pt modelId="{1471994D-FB1F-4030-B220-6B5968F2A650}" type="pres">
+      <dgm:prSet presAssocID="{ECEE356E-FA05-427A-9E20-F2837DFA1627}" presName="composite" presStyleCnt="0"/>
       <dgm:spPr/>
-      <dgm:t>
-        <a:bodyPr/>
-        <a:lstStyle/>
-        <a:p>
-          <a:endParaRPr lang="pt-BR"/>
-        </a:p>
-      </dgm:t>
     </dgm:pt>
-    <dgm:pt modelId="{E0453C94-1B77-4126-81A7-EE21FDBFFF1D}" type="pres">
-      <dgm:prSet presAssocID="{3865D5FF-DA00-4906-B6F5-07C839464584}" presName="parTx" presStyleLbl="node1" presStyleIdx="0" presStyleCnt="3">
+    <dgm:pt modelId="{CF4FC547-A8FC-45D1-8306-2CEB8C7DAC1C}" type="pres">
+      <dgm:prSet presAssocID="{ECEE356E-FA05-427A-9E20-F2837DFA1627}" presName="parTx" presStyleLbl="node1" presStyleIdx="0" presStyleCnt="3" custScaleX="129382" custScaleY="236478" custLinFactNeighborX="-469" custLinFactNeighborY="-24051">
         <dgm:presLayoutVars>
           <dgm:chMax val="0"/>
           <dgm:chPref val="0"/>
@@ -7756,8 +7100,8 @@
         </a:p>
       </dgm:t>
     </dgm:pt>
-    <dgm:pt modelId="{6F0A5B10-B2E3-4C10-8EF4-E66809BE6F24}" type="pres">
-      <dgm:prSet presAssocID="{3865D5FF-DA00-4906-B6F5-07C839464584}" presName="parSh" presStyleLbl="node1" presStyleIdx="1" presStyleCnt="3" custScaleX="129382" custScaleY="236478" custLinFactNeighborX="-469" custLinFactNeighborY="-24051"/>
+    <dgm:pt modelId="{D9CF8E2C-C537-4466-ABF3-2D697D4B73B4}" type="pres">
+      <dgm:prSet presAssocID="{ECEE356E-FA05-427A-9E20-F2837DFA1627}" presName="parSh" presStyleLbl="node1" presStyleIdx="1" presStyleCnt="3" custScaleX="106221" custScaleY="147759" custLinFactNeighborX="-350" custLinFactNeighborY="-21200"/>
       <dgm:spPr/>
       <dgm:t>
         <a:bodyPr/>
@@ -7767,8 +7111,8 @@
         </a:p>
       </dgm:t>
     </dgm:pt>
-    <dgm:pt modelId="{F26C71D2-1B5B-43C3-9D83-12F332E90749}" type="pres">
-      <dgm:prSet presAssocID="{3865D5FF-DA00-4906-B6F5-07C839464584}" presName="desTx" presStyleLbl="fgAcc1" presStyleIdx="1" presStyleCnt="3" custScaleX="123543" custScaleY="155340">
+    <dgm:pt modelId="{19F101B7-1293-49A5-B6A7-13A570F8EC9D}" type="pres">
+      <dgm:prSet presAssocID="{ECEE356E-FA05-427A-9E20-F2837DFA1627}" presName="desTx" presStyleLbl="fgAcc1" presStyleIdx="1" presStyleCnt="3" custScaleX="123543" custScaleY="123380">
         <dgm:presLayoutVars>
           <dgm:bulletEnabled val="1"/>
         </dgm:presLayoutVars>
@@ -7782,8 +7126,8 @@
         </a:p>
       </dgm:t>
     </dgm:pt>
-    <dgm:pt modelId="{6426DFE0-48C9-4067-B292-3D8AAA497A0A}" type="pres">
-      <dgm:prSet presAssocID="{CFF97A55-CF3E-4E1D-AF04-5A3631D6CB6D}" presName="sibTrans" presStyleLbl="sibTrans2D1" presStyleIdx="1" presStyleCnt="2" custScaleX="96916" custLinFactNeighborX="-311" custLinFactNeighborY="-48388"/>
+    <dgm:pt modelId="{99D445AC-4F8A-47EC-8411-131EBEC8B388}" type="pres">
+      <dgm:prSet presAssocID="{C967144E-A94C-4241-9A1C-481EB5577E8F}" presName="sibTrans" presStyleLbl="sibTrans2D1" presStyleIdx="1" presStyleCnt="2" custScaleX="96916" custLinFactNeighborX="-4547" custLinFactNeighborY="-38068"/>
       <dgm:spPr>
         <a:prstGeom prst="leftArrow">
           <a:avLst/>
@@ -7797,8 +7141,8 @@
         </a:p>
       </dgm:t>
     </dgm:pt>
-    <dgm:pt modelId="{ADB6516E-958F-4D77-964F-7E73D0745BE8}" type="pres">
-      <dgm:prSet presAssocID="{CFF97A55-CF3E-4E1D-AF04-5A3631D6CB6D}" presName="connTx" presStyleLbl="sibTrans2D1" presStyleIdx="1" presStyleCnt="2"/>
+    <dgm:pt modelId="{2121DAC1-0984-44AB-9C7E-3AD35F013B4E}" type="pres">
+      <dgm:prSet presAssocID="{C967144E-A94C-4241-9A1C-481EB5577E8F}" presName="connTx" presStyleLbl="sibTrans2D1" presStyleIdx="1" presStyleCnt="2"/>
       <dgm:spPr/>
       <dgm:t>
         <a:bodyPr/>
@@ -7808,19 +7152,12 @@
         </a:p>
       </dgm:t>
     </dgm:pt>
-    <dgm:pt modelId="{0D45DB0F-EDEF-413D-91E9-7F959D14AE05}" type="pres">
-      <dgm:prSet presAssocID="{F3A2DAB8-2AB9-419A-82D3-D743A16978C8}" presName="composite" presStyleCnt="0"/>
+    <dgm:pt modelId="{9F98E6EE-7A4F-499E-A455-E9C3E61340B7}" type="pres">
+      <dgm:prSet presAssocID="{B30E3C43-9243-4344-9ED5-E1D083B46497}" presName="composite" presStyleCnt="0"/>
       <dgm:spPr/>
-      <dgm:t>
-        <a:bodyPr/>
-        <a:lstStyle/>
-        <a:p>
-          <a:endParaRPr lang="pt-BR"/>
-        </a:p>
-      </dgm:t>
     </dgm:pt>
-    <dgm:pt modelId="{5F67B61D-1890-4707-AC93-F90C8402B758}" type="pres">
-      <dgm:prSet presAssocID="{F3A2DAB8-2AB9-419A-82D3-D743A16978C8}" presName="parTx" presStyleLbl="node1" presStyleIdx="1" presStyleCnt="3">
+    <dgm:pt modelId="{2724F979-74B3-40B4-899B-556EA12866B3}" type="pres">
+      <dgm:prSet presAssocID="{B30E3C43-9243-4344-9ED5-E1D083B46497}" presName="parTx" presStyleLbl="node1" presStyleIdx="1" presStyleCnt="3" custScaleX="127427" custScaleY="223911" custLinFactNeighborX="3846" custLinFactNeighborY="-28233">
         <dgm:presLayoutVars>
           <dgm:chMax val="0"/>
           <dgm:chPref val="0"/>
@@ -7836,8 +7173,8 @@
         </a:p>
       </dgm:t>
     </dgm:pt>
-    <dgm:pt modelId="{0C769A1E-767C-46A7-9C71-600FC05CC6D4}" type="pres">
-      <dgm:prSet presAssocID="{F3A2DAB8-2AB9-419A-82D3-D743A16978C8}" presName="parSh" presStyleLbl="node1" presStyleIdx="2" presStyleCnt="3" custScaleX="127427" custScaleY="223911" custLinFactNeighborX="3846" custLinFactNeighborY="-28233"/>
+    <dgm:pt modelId="{E3EB19EC-0F94-4E9B-9DC0-EA9F269A84F3}" type="pres">
+      <dgm:prSet presAssocID="{B30E3C43-9243-4344-9ED5-E1D083B46497}" presName="parSh" presStyleLbl="node1" presStyleIdx="2" presStyleCnt="3" custScaleY="147648" custLinFactNeighborX="465" custLinFactNeighborY="-21172"/>
       <dgm:spPr/>
       <dgm:t>
         <a:bodyPr/>
@@ -7847,8 +7184,8 @@
         </a:p>
       </dgm:t>
     </dgm:pt>
-    <dgm:pt modelId="{F28562CB-6812-4937-94DD-6D3F41B217CE}" type="pres">
-      <dgm:prSet presAssocID="{F3A2DAB8-2AB9-419A-82D3-D743A16978C8}" presName="desTx" presStyleLbl="fgAcc1" presStyleIdx="2" presStyleCnt="3" custScaleX="123543" custScaleY="152060" custLinFactNeighborX="3917" custLinFactNeighborY="458">
+    <dgm:pt modelId="{D3586C2A-A6CA-4EF7-ABFF-52B7F857613F}" type="pres">
+      <dgm:prSet presAssocID="{B30E3C43-9243-4344-9ED5-E1D083B46497}" presName="desTx" presStyleLbl="fgAcc1" presStyleIdx="2" presStyleCnt="3" custScaleX="123543" custScaleY="123547" custLinFactNeighborX="4" custLinFactNeighborY="-2521">
         <dgm:presLayoutVars>
           <dgm:bulletEnabled val="1"/>
         </dgm:presLayoutVars>
@@ -7864,42 +7201,42 @@
     </dgm:pt>
   </dgm:ptLst>
   <dgm:cxnLst>
-    <dgm:cxn modelId="{782E63EF-2A81-4D45-87AA-DB7355AC4F6C}" type="presOf" srcId="{7DFE07BF-9A88-4152-9E58-09C9E20DB3CE}" destId="{0485A0FB-C96E-42E5-BCAA-9C72A8F02D43}" srcOrd="1" destOrd="0" presId="urn:microsoft.com/office/officeart/2005/8/layout/process3"/>
-    <dgm:cxn modelId="{4DDC4302-FA95-4815-9D86-E44346A96A9B}" type="presOf" srcId="{F3A2DAB8-2AB9-419A-82D3-D743A16978C8}" destId="{0C769A1E-767C-46A7-9C71-600FC05CC6D4}" srcOrd="1" destOrd="0" presId="urn:microsoft.com/office/officeart/2005/8/layout/process3"/>
-    <dgm:cxn modelId="{6A637A3B-899C-4509-8ECC-0083D16EC93D}" type="presOf" srcId="{80BADE98-2C43-40D5-937A-874A1B627145}" destId="{F28562CB-6812-4937-94DD-6D3F41B217CE}" srcOrd="0" destOrd="0" presId="urn:microsoft.com/office/officeart/2005/8/layout/process3"/>
-    <dgm:cxn modelId="{D058A61E-2631-4792-87A9-3570D8D2DB0F}" srcId="{3865D5FF-DA00-4906-B6F5-07C839464584}" destId="{2F3DF7DE-E5C9-4440-80D1-538313244BE6}" srcOrd="0" destOrd="0" parTransId="{3C0BC7DD-F66C-4719-92AE-5E9E7825604D}" sibTransId="{4569B2FB-90CA-4536-9206-69C81C9FC0BD}"/>
-    <dgm:cxn modelId="{53E53B73-2F4A-414E-A392-96DA5283A4BE}" type="presOf" srcId="{2F3DF7DE-E5C9-4440-80D1-538313244BE6}" destId="{F26C71D2-1B5B-43C3-9D83-12F332E90749}" srcOrd="0" destOrd="0" presId="urn:microsoft.com/office/officeart/2005/8/layout/process3"/>
-    <dgm:cxn modelId="{E685725A-434D-4735-82BC-F1784D89BEC7}" type="presOf" srcId="{F3A2DAB8-2AB9-419A-82D3-D743A16978C8}" destId="{5F67B61D-1890-4707-AC93-F90C8402B758}" srcOrd="0" destOrd="0" presId="urn:microsoft.com/office/officeart/2005/8/layout/process3"/>
-    <dgm:cxn modelId="{C98F67F6-2098-448B-8A63-E2EF5CDFB1A0}" type="presOf" srcId="{E68D9850-B3A4-4979-A4D0-E3D401A29AB5}" destId="{9986BED9-1E6C-4CA8-9EA5-87820C541D88}" srcOrd="0" destOrd="0" presId="urn:microsoft.com/office/officeart/2005/8/layout/process3"/>
-    <dgm:cxn modelId="{F52A89F1-D611-4436-8916-14DEFBEAC79D}" srcId="{4412B91F-CF8D-4A42-83DF-7CDCCDA80F7D}" destId="{7DFE07BF-9A88-4152-9E58-09C9E20DB3CE}" srcOrd="0" destOrd="0" parTransId="{F2C6A117-64F1-4ED9-9C2B-9510107D76CB}" sibTransId="{E68D9850-B3A4-4979-A4D0-E3D401A29AB5}"/>
-    <dgm:cxn modelId="{2C7BD933-2580-4498-859B-2952411ACC5F}" type="presOf" srcId="{7DFE07BF-9A88-4152-9E58-09C9E20DB3CE}" destId="{0135851C-059A-4F41-A717-89AAE1AEB50F}" srcOrd="0" destOrd="0" presId="urn:microsoft.com/office/officeart/2005/8/layout/process3"/>
-    <dgm:cxn modelId="{81BAC1B0-D183-4179-9A55-029F538E675D}" srcId="{F3A2DAB8-2AB9-419A-82D3-D743A16978C8}" destId="{80BADE98-2C43-40D5-937A-874A1B627145}" srcOrd="0" destOrd="0" parTransId="{61694F4E-3BB3-4806-8315-F9C9DE55D766}" sibTransId="{1B940CC1-D5C1-4465-A2E5-B629FA2D9A4E}"/>
-    <dgm:cxn modelId="{4A7FA099-9464-4ACD-A790-6102C1584AD1}" srcId="{4412B91F-CF8D-4A42-83DF-7CDCCDA80F7D}" destId="{F3A2DAB8-2AB9-419A-82D3-D743A16978C8}" srcOrd="2" destOrd="0" parTransId="{62C15E06-9F1B-4472-A7B4-FEFADBC7E807}" sibTransId="{401344D0-ED0B-4340-9FCD-FF07FE375E6C}"/>
-    <dgm:cxn modelId="{2ABFC505-761D-4C13-A6CB-CE0854F9D0DE}" type="presOf" srcId="{3865D5FF-DA00-4906-B6F5-07C839464584}" destId="{6F0A5B10-B2E3-4C10-8EF4-E66809BE6F24}" srcOrd="1" destOrd="0" presId="urn:microsoft.com/office/officeart/2005/8/layout/process3"/>
-    <dgm:cxn modelId="{C9D8935F-6C23-483A-8258-A9CABF3C76B0}" srcId="{4412B91F-CF8D-4A42-83DF-7CDCCDA80F7D}" destId="{3865D5FF-DA00-4906-B6F5-07C839464584}" srcOrd="1" destOrd="0" parTransId="{49FB8D0F-E70F-4A66-9F99-3E0F33864CA6}" sibTransId="{CFF97A55-CF3E-4E1D-AF04-5A3631D6CB6D}"/>
-    <dgm:cxn modelId="{97E23C99-380C-4A30-95A7-A9D36BE51A4C}" type="presOf" srcId="{CFF97A55-CF3E-4E1D-AF04-5A3631D6CB6D}" destId="{ADB6516E-958F-4D77-964F-7E73D0745BE8}" srcOrd="1" destOrd="0" presId="urn:microsoft.com/office/officeart/2005/8/layout/process3"/>
-    <dgm:cxn modelId="{98AD3F7A-F57A-4E45-BC55-D4C0412273B8}" type="presOf" srcId="{CFF97A55-CF3E-4E1D-AF04-5A3631D6CB6D}" destId="{6426DFE0-48C9-4067-B292-3D8AAA497A0A}" srcOrd="0" destOrd="0" presId="urn:microsoft.com/office/officeart/2005/8/layout/process3"/>
-    <dgm:cxn modelId="{63B84C71-06A5-460D-8652-797129A28122}" type="presOf" srcId="{E68D9850-B3A4-4979-A4D0-E3D401A29AB5}" destId="{E4A5A372-2D69-40DC-9020-A18D4ABB5405}" srcOrd="1" destOrd="0" presId="urn:microsoft.com/office/officeart/2005/8/layout/process3"/>
-    <dgm:cxn modelId="{5CB851DE-B309-4D32-BF02-58D05478E534}" srcId="{7DFE07BF-9A88-4152-9E58-09C9E20DB3CE}" destId="{7F7E1F91-F6F4-48A9-B4FA-337B2EBD2C9A}" srcOrd="0" destOrd="0" parTransId="{0796D45F-4D57-413D-A4BB-33573B2F1CF3}" sibTransId="{0FC519C8-F4CD-4D2A-B852-2C233866BAF3}"/>
-    <dgm:cxn modelId="{F0F87E19-8628-4C4C-8EFA-948B72ABC85D}" type="presOf" srcId="{4412B91F-CF8D-4A42-83DF-7CDCCDA80F7D}" destId="{CC0EE527-85CD-48F3-B644-D95743DA8B8E}" srcOrd="0" destOrd="0" presId="urn:microsoft.com/office/officeart/2005/8/layout/process3"/>
-    <dgm:cxn modelId="{54A84918-B1E5-42A4-934B-54B333BEFA14}" type="presOf" srcId="{3865D5FF-DA00-4906-B6F5-07C839464584}" destId="{E0453C94-1B77-4126-81A7-EE21FDBFFF1D}" srcOrd="0" destOrd="0" presId="urn:microsoft.com/office/officeart/2005/8/layout/process3"/>
-    <dgm:cxn modelId="{F7B76B57-E0F7-4B01-B1E4-456EB3A552E6}" type="presOf" srcId="{7F7E1F91-F6F4-48A9-B4FA-337B2EBD2C9A}" destId="{01AD925A-7CA7-4489-9AE4-70C9408355AF}" srcOrd="0" destOrd="0" presId="urn:microsoft.com/office/officeart/2005/8/layout/process3"/>
-    <dgm:cxn modelId="{EC7650D3-7D57-4DD6-BE23-B52713BBC6B1}" type="presParOf" srcId="{CC0EE527-85CD-48F3-B644-D95743DA8B8E}" destId="{77B2758C-7769-4628-AD70-3783AE199BD2}" srcOrd="0" destOrd="0" presId="urn:microsoft.com/office/officeart/2005/8/layout/process3"/>
-    <dgm:cxn modelId="{2DF3BF4C-E0CD-42D4-8AD5-D1292590E932}" type="presParOf" srcId="{77B2758C-7769-4628-AD70-3783AE199BD2}" destId="{0135851C-059A-4F41-A717-89AAE1AEB50F}" srcOrd="0" destOrd="0" presId="urn:microsoft.com/office/officeart/2005/8/layout/process3"/>
-    <dgm:cxn modelId="{4EA38216-8BA1-48E5-9623-3C6A04305534}" type="presParOf" srcId="{77B2758C-7769-4628-AD70-3783AE199BD2}" destId="{0485A0FB-C96E-42E5-BCAA-9C72A8F02D43}" srcOrd="1" destOrd="0" presId="urn:microsoft.com/office/officeart/2005/8/layout/process3"/>
-    <dgm:cxn modelId="{AB5C2BA3-7F61-4E7A-8AF7-B9D936D2C031}" type="presParOf" srcId="{77B2758C-7769-4628-AD70-3783AE199BD2}" destId="{01AD925A-7CA7-4489-9AE4-70C9408355AF}" srcOrd="2" destOrd="0" presId="urn:microsoft.com/office/officeart/2005/8/layout/process3"/>
-    <dgm:cxn modelId="{7BBDB6B6-0D43-4F7D-8F50-AC5EDD9D81BF}" type="presParOf" srcId="{CC0EE527-85CD-48F3-B644-D95743DA8B8E}" destId="{9986BED9-1E6C-4CA8-9EA5-87820C541D88}" srcOrd="1" destOrd="0" presId="urn:microsoft.com/office/officeart/2005/8/layout/process3"/>
-    <dgm:cxn modelId="{5DB03B75-183A-42EE-945E-8364F2F526D7}" type="presParOf" srcId="{9986BED9-1E6C-4CA8-9EA5-87820C541D88}" destId="{E4A5A372-2D69-40DC-9020-A18D4ABB5405}" srcOrd="0" destOrd="0" presId="urn:microsoft.com/office/officeart/2005/8/layout/process3"/>
-    <dgm:cxn modelId="{38BE3469-0A58-4506-A53F-F8EB203418EC}" type="presParOf" srcId="{CC0EE527-85CD-48F3-B644-D95743DA8B8E}" destId="{906ED97C-B2A0-409A-ADD8-A528A71BF7A3}" srcOrd="2" destOrd="0" presId="urn:microsoft.com/office/officeart/2005/8/layout/process3"/>
-    <dgm:cxn modelId="{687AD852-6C95-4B1C-8833-8963731E39CA}" type="presParOf" srcId="{906ED97C-B2A0-409A-ADD8-A528A71BF7A3}" destId="{E0453C94-1B77-4126-81A7-EE21FDBFFF1D}" srcOrd="0" destOrd="0" presId="urn:microsoft.com/office/officeart/2005/8/layout/process3"/>
-    <dgm:cxn modelId="{32815713-A1FD-4F62-AB1B-2369ED46F18A}" type="presParOf" srcId="{906ED97C-B2A0-409A-ADD8-A528A71BF7A3}" destId="{6F0A5B10-B2E3-4C10-8EF4-E66809BE6F24}" srcOrd="1" destOrd="0" presId="urn:microsoft.com/office/officeart/2005/8/layout/process3"/>
-    <dgm:cxn modelId="{B940317A-EAAE-42DE-8165-41A20E552A9B}" type="presParOf" srcId="{906ED97C-B2A0-409A-ADD8-A528A71BF7A3}" destId="{F26C71D2-1B5B-43C3-9D83-12F332E90749}" srcOrd="2" destOrd="0" presId="urn:microsoft.com/office/officeart/2005/8/layout/process3"/>
-    <dgm:cxn modelId="{36D47478-E41C-402A-94E0-4CDDC0775703}" type="presParOf" srcId="{CC0EE527-85CD-48F3-B644-D95743DA8B8E}" destId="{6426DFE0-48C9-4067-B292-3D8AAA497A0A}" srcOrd="3" destOrd="0" presId="urn:microsoft.com/office/officeart/2005/8/layout/process3"/>
-    <dgm:cxn modelId="{965942F9-DF44-4C2E-A3B8-762572D2B4DC}" type="presParOf" srcId="{6426DFE0-48C9-4067-B292-3D8AAA497A0A}" destId="{ADB6516E-958F-4D77-964F-7E73D0745BE8}" srcOrd="0" destOrd="0" presId="urn:microsoft.com/office/officeart/2005/8/layout/process3"/>
-    <dgm:cxn modelId="{D0522B67-679B-43E3-826C-26D2A48A4756}" type="presParOf" srcId="{CC0EE527-85CD-48F3-B644-D95743DA8B8E}" destId="{0D45DB0F-EDEF-413D-91E9-7F959D14AE05}" srcOrd="4" destOrd="0" presId="urn:microsoft.com/office/officeart/2005/8/layout/process3"/>
-    <dgm:cxn modelId="{F346597C-95BF-4D66-87A3-ACEBDF3C6141}" type="presParOf" srcId="{0D45DB0F-EDEF-413D-91E9-7F959D14AE05}" destId="{5F67B61D-1890-4707-AC93-F90C8402B758}" srcOrd="0" destOrd="0" presId="urn:microsoft.com/office/officeart/2005/8/layout/process3"/>
-    <dgm:cxn modelId="{1C51C91A-E0C8-45E7-8C98-13EFC525002F}" type="presParOf" srcId="{0D45DB0F-EDEF-413D-91E9-7F959D14AE05}" destId="{0C769A1E-767C-46A7-9C71-600FC05CC6D4}" srcOrd="1" destOrd="0" presId="urn:microsoft.com/office/officeart/2005/8/layout/process3"/>
-    <dgm:cxn modelId="{D232E98E-A71B-4F7A-B4F7-59C107CDD6A4}" type="presParOf" srcId="{0D45DB0F-EDEF-413D-91E9-7F959D14AE05}" destId="{F28562CB-6812-4937-94DD-6D3F41B217CE}" srcOrd="2" destOrd="0" presId="urn:microsoft.com/office/officeart/2005/8/layout/process3"/>
+    <dgm:cxn modelId="{7A00A180-6CB1-4BB7-AE65-5F1140B1D22F}" srcId="{B30E3C43-9243-4344-9ED5-E1D083B46497}" destId="{FF756F11-E5F8-4E62-9C2F-E22A745235CF}" srcOrd="0" destOrd="0" parTransId="{126DBAE5-E6F7-4B1A-8BD2-CB834E3FE2B1}" sibTransId="{2982B5E7-2B25-40EE-8AB8-7873717E3526}"/>
+    <dgm:cxn modelId="{77042336-2A80-4C72-A862-AFC2266F4977}" srcId="{ECEE356E-FA05-427A-9E20-F2837DFA1627}" destId="{4C53B25C-4685-44EB-A349-0B0EC92BF120}" srcOrd="0" destOrd="0" parTransId="{0C9FEE23-EC63-4D66-B685-56D8918D21F8}" sibTransId="{0967D9C0-DF7B-45F5-9A54-EDFD9C8E832F}"/>
+    <dgm:cxn modelId="{DDDDC400-8283-4A8F-BCE0-9B579D96A7B6}" srcId="{17668F56-AE2A-4124-A17A-A96390DB3F17}" destId="{B30E3C43-9243-4344-9ED5-E1D083B46497}" srcOrd="2" destOrd="0" parTransId="{F081CC61-FD65-471E-9591-32280DB58606}" sibTransId="{346FCF0D-0DF1-4F27-95F5-B6B2AF6AFE22}"/>
+    <dgm:cxn modelId="{17416FE1-8B32-42EC-8389-645AFBDC7652}" type="presOf" srcId="{7A9FA5F5-97D3-42CA-9AA8-9D9A6D1A77F6}" destId="{1783A185-A351-47B7-938E-04682AAF5F45}" srcOrd="0" destOrd="0" presId="urn:microsoft.com/office/officeart/2005/8/layout/process3"/>
+    <dgm:cxn modelId="{0FD82281-F3CC-4D1C-A915-A1A978CADAC8}" srcId="{17668F56-AE2A-4124-A17A-A96390DB3F17}" destId="{C16ABEF8-E848-417C-8FA5-B492FE1F7FB9}" srcOrd="0" destOrd="0" parTransId="{46058FA2-A610-45FB-B887-91EC4BDB8F49}" sibTransId="{4BDEBA7B-61F9-43B3-A62F-2F678E691A02}"/>
+    <dgm:cxn modelId="{2CE711B7-BF95-4395-98F2-4FDBE054CE41}" type="presOf" srcId="{B30E3C43-9243-4344-9ED5-E1D083B46497}" destId="{2724F979-74B3-40B4-899B-556EA12866B3}" srcOrd="0" destOrd="0" presId="urn:microsoft.com/office/officeart/2005/8/layout/process3"/>
+    <dgm:cxn modelId="{AD5EDAD9-1B4A-468B-A594-A62EB877B67A}" type="presOf" srcId="{FF756F11-E5F8-4E62-9C2F-E22A745235CF}" destId="{D3586C2A-A6CA-4EF7-ABFF-52B7F857613F}" srcOrd="0" destOrd="0" presId="urn:microsoft.com/office/officeart/2005/8/layout/process3"/>
+    <dgm:cxn modelId="{3B9E9611-C1FD-47C4-9299-058AA391448F}" type="presOf" srcId="{4C53B25C-4685-44EB-A349-0B0EC92BF120}" destId="{19F101B7-1293-49A5-B6A7-13A570F8EC9D}" srcOrd="0" destOrd="0" presId="urn:microsoft.com/office/officeart/2005/8/layout/process3"/>
+    <dgm:cxn modelId="{62166DA0-DC6B-4823-AA2C-2F41BD87B6B3}" type="presOf" srcId="{ECEE356E-FA05-427A-9E20-F2837DFA1627}" destId="{D9CF8E2C-C537-4466-ABF3-2D697D4B73B4}" srcOrd="1" destOrd="0" presId="urn:microsoft.com/office/officeart/2005/8/layout/process3"/>
+    <dgm:cxn modelId="{03164786-D0F0-4B17-9575-037DEEEC95C5}" type="presOf" srcId="{4BDEBA7B-61F9-43B3-A62F-2F678E691A02}" destId="{B01027DF-4A5F-4C4B-A625-E85C559612D3}" srcOrd="1" destOrd="0" presId="urn:microsoft.com/office/officeart/2005/8/layout/process3"/>
+    <dgm:cxn modelId="{66AB3D1C-2238-4342-86F4-F26A9C0BDFC8}" srcId="{C16ABEF8-E848-417C-8FA5-B492FE1F7FB9}" destId="{7A9FA5F5-97D3-42CA-9AA8-9D9A6D1A77F6}" srcOrd="0" destOrd="0" parTransId="{E98A708B-6B6C-4AC2-B0CF-F19DB9F8E954}" sibTransId="{B321C894-1276-4EB7-AE6D-25EDA5B39B98}"/>
+    <dgm:cxn modelId="{C656FC51-A0D2-4D66-9645-960803B19601}" type="presOf" srcId="{17668F56-AE2A-4124-A17A-A96390DB3F17}" destId="{0B759DC6-B548-4231-9430-441E15BB6EED}" srcOrd="0" destOrd="0" presId="urn:microsoft.com/office/officeart/2005/8/layout/process3"/>
+    <dgm:cxn modelId="{2E9C5A57-B428-4933-A0FC-2F1E69EACD81}" type="presOf" srcId="{B30E3C43-9243-4344-9ED5-E1D083B46497}" destId="{E3EB19EC-0F94-4E9B-9DC0-EA9F269A84F3}" srcOrd="1" destOrd="0" presId="urn:microsoft.com/office/officeart/2005/8/layout/process3"/>
+    <dgm:cxn modelId="{789719B4-7767-4DC1-9076-AAA2BFC36FB3}" type="presOf" srcId="{C967144E-A94C-4241-9A1C-481EB5577E8F}" destId="{2121DAC1-0984-44AB-9C7E-3AD35F013B4E}" srcOrd="1" destOrd="0" presId="urn:microsoft.com/office/officeart/2005/8/layout/process3"/>
+    <dgm:cxn modelId="{853F0FB5-A6AA-40C3-83E8-346D30E4C2A9}" type="presOf" srcId="{ECEE356E-FA05-427A-9E20-F2837DFA1627}" destId="{CF4FC547-A8FC-45D1-8306-2CEB8C7DAC1C}" srcOrd="0" destOrd="0" presId="urn:microsoft.com/office/officeart/2005/8/layout/process3"/>
+    <dgm:cxn modelId="{8FEC9881-9DAC-4A11-9F54-B9C4E56D60CF}" type="presOf" srcId="{C16ABEF8-E848-417C-8FA5-B492FE1F7FB9}" destId="{FBBAD53A-80EB-42C6-9C37-FAA5BBCC6BAE}" srcOrd="0" destOrd="0" presId="urn:microsoft.com/office/officeart/2005/8/layout/process3"/>
+    <dgm:cxn modelId="{5F983790-4A17-4C89-96E6-E4E8A5A1D8F0}" type="presOf" srcId="{C967144E-A94C-4241-9A1C-481EB5577E8F}" destId="{99D445AC-4F8A-47EC-8411-131EBEC8B388}" srcOrd="0" destOrd="0" presId="urn:microsoft.com/office/officeart/2005/8/layout/process3"/>
+    <dgm:cxn modelId="{B6F82A97-30A1-4EB1-97EF-17057766AEF6}" type="presOf" srcId="{4BDEBA7B-61F9-43B3-A62F-2F678E691A02}" destId="{0D8DDBC3-04F3-45D7-8C4C-0A1114F238CC}" srcOrd="0" destOrd="0" presId="urn:microsoft.com/office/officeart/2005/8/layout/process3"/>
+    <dgm:cxn modelId="{E381CC4E-469C-4307-9094-2105333E7C58}" type="presOf" srcId="{C16ABEF8-E848-417C-8FA5-B492FE1F7FB9}" destId="{23A81FDC-FE23-46E1-83D8-467212E5D635}" srcOrd="1" destOrd="0" presId="urn:microsoft.com/office/officeart/2005/8/layout/process3"/>
+    <dgm:cxn modelId="{C1201BA3-669E-4A2F-9AF5-D81C4512E8F3}" srcId="{17668F56-AE2A-4124-A17A-A96390DB3F17}" destId="{ECEE356E-FA05-427A-9E20-F2837DFA1627}" srcOrd="1" destOrd="0" parTransId="{79A456E6-B79C-4DD3-8B23-875CEE1E8C26}" sibTransId="{C967144E-A94C-4241-9A1C-481EB5577E8F}"/>
+    <dgm:cxn modelId="{5DF140FD-2590-4740-8A8F-67081FEC07EC}" type="presParOf" srcId="{0B759DC6-B548-4231-9430-441E15BB6EED}" destId="{BA33D4E3-1D33-4C18-90D2-A8A2229BFA15}" srcOrd="0" destOrd="0" presId="urn:microsoft.com/office/officeart/2005/8/layout/process3"/>
+    <dgm:cxn modelId="{1DD64AAE-19C1-4D6C-8111-225057C83F48}" type="presParOf" srcId="{BA33D4E3-1D33-4C18-90D2-A8A2229BFA15}" destId="{FBBAD53A-80EB-42C6-9C37-FAA5BBCC6BAE}" srcOrd="0" destOrd="0" presId="urn:microsoft.com/office/officeart/2005/8/layout/process3"/>
+    <dgm:cxn modelId="{AF147B84-4A53-490A-B0AF-B04C381F7818}" type="presParOf" srcId="{BA33D4E3-1D33-4C18-90D2-A8A2229BFA15}" destId="{23A81FDC-FE23-46E1-83D8-467212E5D635}" srcOrd="1" destOrd="0" presId="urn:microsoft.com/office/officeart/2005/8/layout/process3"/>
+    <dgm:cxn modelId="{C07268E9-8F5F-49B3-81C7-A7147DFB713D}" type="presParOf" srcId="{BA33D4E3-1D33-4C18-90D2-A8A2229BFA15}" destId="{1783A185-A351-47B7-938E-04682AAF5F45}" srcOrd="2" destOrd="0" presId="urn:microsoft.com/office/officeart/2005/8/layout/process3"/>
+    <dgm:cxn modelId="{1680F91C-D203-4817-BF2C-24C5C0E27178}" type="presParOf" srcId="{0B759DC6-B548-4231-9430-441E15BB6EED}" destId="{0D8DDBC3-04F3-45D7-8C4C-0A1114F238CC}" srcOrd="1" destOrd="0" presId="urn:microsoft.com/office/officeart/2005/8/layout/process3"/>
+    <dgm:cxn modelId="{B2A2C99D-E3EA-4FD3-A30C-692A91C36135}" type="presParOf" srcId="{0D8DDBC3-04F3-45D7-8C4C-0A1114F238CC}" destId="{B01027DF-4A5F-4C4B-A625-E85C559612D3}" srcOrd="0" destOrd="0" presId="urn:microsoft.com/office/officeart/2005/8/layout/process3"/>
+    <dgm:cxn modelId="{D1C784BA-2F02-47C5-8116-0367D5144550}" type="presParOf" srcId="{0B759DC6-B548-4231-9430-441E15BB6EED}" destId="{1471994D-FB1F-4030-B220-6B5968F2A650}" srcOrd="2" destOrd="0" presId="urn:microsoft.com/office/officeart/2005/8/layout/process3"/>
+    <dgm:cxn modelId="{55DF398F-A1AA-4673-9C3B-B3CFC6410D76}" type="presParOf" srcId="{1471994D-FB1F-4030-B220-6B5968F2A650}" destId="{CF4FC547-A8FC-45D1-8306-2CEB8C7DAC1C}" srcOrd="0" destOrd="0" presId="urn:microsoft.com/office/officeart/2005/8/layout/process3"/>
+    <dgm:cxn modelId="{B4B4F1CA-1A18-4E44-91ED-BB0FF4B0A6BE}" type="presParOf" srcId="{1471994D-FB1F-4030-B220-6B5968F2A650}" destId="{D9CF8E2C-C537-4466-ABF3-2D697D4B73B4}" srcOrd="1" destOrd="0" presId="urn:microsoft.com/office/officeart/2005/8/layout/process3"/>
+    <dgm:cxn modelId="{ABAD5952-2796-4EDB-9B32-C239369FCAF1}" type="presParOf" srcId="{1471994D-FB1F-4030-B220-6B5968F2A650}" destId="{19F101B7-1293-49A5-B6A7-13A570F8EC9D}" srcOrd="2" destOrd="0" presId="urn:microsoft.com/office/officeart/2005/8/layout/process3"/>
+    <dgm:cxn modelId="{66D5F791-FFF3-450C-9997-05E0D211B511}" type="presParOf" srcId="{0B759DC6-B548-4231-9430-441E15BB6EED}" destId="{99D445AC-4F8A-47EC-8411-131EBEC8B388}" srcOrd="3" destOrd="0" presId="urn:microsoft.com/office/officeart/2005/8/layout/process3"/>
+    <dgm:cxn modelId="{0C7C4313-F68A-4C9F-908C-1AF7CD8606F9}" type="presParOf" srcId="{99D445AC-4F8A-47EC-8411-131EBEC8B388}" destId="{2121DAC1-0984-44AB-9C7E-3AD35F013B4E}" srcOrd="0" destOrd="0" presId="urn:microsoft.com/office/officeart/2005/8/layout/process3"/>
+    <dgm:cxn modelId="{48766FB5-7DED-4091-B62B-EB744688D93B}" type="presParOf" srcId="{0B759DC6-B548-4231-9430-441E15BB6EED}" destId="{9F98E6EE-7A4F-499E-A455-E9C3E61340B7}" srcOrd="4" destOrd="0" presId="urn:microsoft.com/office/officeart/2005/8/layout/process3"/>
+    <dgm:cxn modelId="{1882588C-706A-40DE-9058-7DB8D20499EB}" type="presParOf" srcId="{9F98E6EE-7A4F-499E-A455-E9C3E61340B7}" destId="{2724F979-74B3-40B4-899B-556EA12866B3}" srcOrd="0" destOrd="0" presId="urn:microsoft.com/office/officeart/2005/8/layout/process3"/>
+    <dgm:cxn modelId="{14631C50-ED4A-4729-B8D3-91CEAF3F1D62}" type="presParOf" srcId="{9F98E6EE-7A4F-499E-A455-E9C3E61340B7}" destId="{E3EB19EC-0F94-4E9B-9DC0-EA9F269A84F3}" srcOrd="1" destOrd="0" presId="urn:microsoft.com/office/officeart/2005/8/layout/process3"/>
+    <dgm:cxn modelId="{06815137-3E0B-470C-B4FF-FC74D97275CE}" type="presParOf" srcId="{9F98E6EE-7A4F-499E-A455-E9C3E61340B7}" destId="{D3586C2A-A6CA-4EF7-ABFF-52B7F857613F}" srcOrd="2" destOrd="0" presId="urn:microsoft.com/office/officeart/2005/8/layout/process3"/>
   </dgm:cxnLst>
   <dgm:bg/>
   <dgm:whole/>
@@ -8028,7 +7365,7 @@
                 <a:srgbClr val="66FFFF"/>
               </a:solidFill>
             </a:rPr>
-            <a:t>Outros</a:t>
+            <a:t>?</a:t>
           </a:r>
           <a:endParaRPr lang="pt-BR" sz="1800" b="1" dirty="0">
             <a:solidFill>
@@ -8170,7 +7507,11 @@
     </dgm:pt>
     <dgm:pt modelId="{BDE3E4C7-8057-4579-B356-D9461424C263}" type="pres">
       <dgm:prSet presAssocID="{9ADEF162-76FA-4A3C-8220-3CD2B3D3023E}" presName="centerShape" presStyleLbl="node0" presStyleIdx="0" presStyleCnt="1" custScaleX="128855"/>
-      <dgm:spPr/>
+      <dgm:spPr>
+        <a:prstGeom prst="hexagon">
+          <a:avLst/>
+        </a:prstGeom>
+      </dgm:spPr>
       <dgm:t>
         <a:bodyPr/>
         <a:lstStyle/>
@@ -8361,1011 +7702,6 @@
     <dgm:cxn modelId="{12488AC7-123E-4635-A0C1-FB6EE21A24E1}" type="presParOf" srcId="{8BE509CE-6CEB-456E-98AB-071E9798BBE6}" destId="{20417B74-94E5-4840-BF37-972B8D6C451B}" srcOrd="7" destOrd="0" presId="urn:microsoft.com/office/officeart/2005/8/layout/radial1"/>
     <dgm:cxn modelId="{CB883620-2903-4F03-8C1A-59DCDA6BB8CD}" type="presParOf" srcId="{20417B74-94E5-4840-BF37-972B8D6C451B}" destId="{1385A504-9932-43FD-8475-43DF1EC07135}" srcOrd="0" destOrd="0" presId="urn:microsoft.com/office/officeart/2005/8/layout/radial1"/>
     <dgm:cxn modelId="{F36DC51C-BED2-416B-886E-B95628CEBD28}" type="presParOf" srcId="{8BE509CE-6CEB-456E-98AB-071E9798BBE6}" destId="{6B362DF4-5D96-4089-A9F0-D02ED909FA49}" srcOrd="8" destOrd="0" presId="urn:microsoft.com/office/officeart/2005/8/layout/radial1"/>
-  </dgm:cxnLst>
-  <dgm:bg/>
-  <dgm:whole/>
-  <dgm:extLst>
-    <a:ext uri="http://schemas.microsoft.com/office/drawing/2008/diagram">
-      <dsp:dataModelExt xmlns:dsp="http://schemas.microsoft.com/office/drawing/2008/diagram" xmlns="" relId="rId6" minVer="http://schemas.openxmlformats.org/drawingml/2006/diagram"/>
-    </a:ext>
-  </dgm:extLst>
-</dgm:dataModel>
-</file>
-
-<file path=ppt/diagrams/data6.xml><?xml version="1.0" encoding="utf-8"?>
-<dgm:dataModel xmlns:dgm="http://schemas.openxmlformats.org/drawingml/2006/diagram" xmlns:a="http://schemas.openxmlformats.org/drawingml/2006/main">
-  <dgm:ptLst>
-    <dgm:pt modelId="{739AC528-84CD-4C4C-9AAA-944987E13663}" type="doc">
-      <dgm:prSet loTypeId="urn:microsoft.com/office/officeart/2005/8/layout/list1" loCatId="list" qsTypeId="urn:microsoft.com/office/officeart/2005/8/quickstyle/3d1" qsCatId="3D" csTypeId="urn:microsoft.com/office/officeart/2005/8/colors/accent1_2" csCatId="accent1" phldr="1"/>
-      <dgm:spPr/>
-      <dgm:t>
-        <a:bodyPr/>
-        <a:lstStyle/>
-        <a:p>
-          <a:endParaRPr lang="pt-BR"/>
-        </a:p>
-      </dgm:t>
-    </dgm:pt>
-    <dgm:pt modelId="{64726959-BFCF-468E-8583-201CF07ACAB4}">
-      <dgm:prSet phldrT="[Texto]">
-        <dgm:style>
-          <a:lnRef idx="0">
-            <a:schemeClr val="accent6"/>
-          </a:lnRef>
-          <a:fillRef idx="3">
-            <a:schemeClr val="accent6"/>
-          </a:fillRef>
-          <a:effectRef idx="3">
-            <a:schemeClr val="accent6"/>
-          </a:effectRef>
-          <a:fontRef idx="minor">
-            <a:schemeClr val="lt1"/>
-          </a:fontRef>
-        </dgm:style>
-      </dgm:prSet>
-      <dgm:spPr>
-        <a:solidFill>
-          <a:srgbClr val="92D050"/>
-        </a:solidFill>
-      </dgm:spPr>
-      <dgm:t>
-        <a:bodyPr/>
-        <a:lstStyle/>
-        <a:p>
-          <a:r>
-            <a:rPr lang="pt-BR" b="1" smtClean="0">
-              <a:solidFill>
-                <a:srgbClr val="0070C0"/>
-              </a:solidFill>
-            </a:rPr>
-            <a:t>Dinamização de registro de atividades</a:t>
-          </a:r>
-          <a:endParaRPr lang="pt-BR" b="1" dirty="0">
-            <a:solidFill>
-              <a:srgbClr val="0070C0"/>
-            </a:solidFill>
-          </a:endParaRPr>
-        </a:p>
-      </dgm:t>
-    </dgm:pt>
-    <dgm:pt modelId="{1621746A-50DC-494D-BB5D-7D8ADC851307}" type="parTrans" cxnId="{B7B87462-1DAB-4820-9D8D-39215A0FD83D}">
-      <dgm:prSet/>
-      <dgm:spPr/>
-      <dgm:t>
-        <a:bodyPr/>
-        <a:lstStyle/>
-        <a:p>
-          <a:endParaRPr lang="pt-BR"/>
-        </a:p>
-      </dgm:t>
-    </dgm:pt>
-    <dgm:pt modelId="{8835803B-4868-4BFF-8B3A-814A6D4954C8}" type="sibTrans" cxnId="{B7B87462-1DAB-4820-9D8D-39215A0FD83D}">
-      <dgm:prSet/>
-      <dgm:spPr/>
-      <dgm:t>
-        <a:bodyPr/>
-        <a:lstStyle/>
-        <a:p>
-          <a:endParaRPr lang="pt-BR"/>
-        </a:p>
-      </dgm:t>
-    </dgm:pt>
-    <dgm:pt modelId="{EBE94DE7-18A9-4985-A440-D262D93A6316}">
-      <dgm:prSet phldrT="[Texto]">
-        <dgm:style>
-          <a:lnRef idx="0">
-            <a:schemeClr val="accent6"/>
-          </a:lnRef>
-          <a:fillRef idx="3">
-            <a:schemeClr val="accent6"/>
-          </a:fillRef>
-          <a:effectRef idx="3">
-            <a:schemeClr val="accent6"/>
-          </a:effectRef>
-          <a:fontRef idx="minor">
-            <a:schemeClr val="lt1"/>
-          </a:fontRef>
-        </dgm:style>
-      </dgm:prSet>
-      <dgm:spPr>
-        <a:solidFill>
-          <a:srgbClr val="92D050"/>
-        </a:solidFill>
-      </dgm:spPr>
-      <dgm:t>
-        <a:bodyPr/>
-        <a:lstStyle/>
-        <a:p>
-          <a:r>
-            <a:rPr lang="pt-BR" b="1" smtClean="0">
-              <a:solidFill>
-                <a:srgbClr val="0070C0"/>
-              </a:solidFill>
-            </a:rPr>
-            <a:t> Acesso web em dispositivos moveis</a:t>
-          </a:r>
-          <a:endParaRPr lang="pt-BR" b="1" dirty="0">
-            <a:solidFill>
-              <a:srgbClr val="0070C0"/>
-            </a:solidFill>
-          </a:endParaRPr>
-        </a:p>
-      </dgm:t>
-    </dgm:pt>
-    <dgm:pt modelId="{7151D90C-DDED-45CE-9D5D-F45918DF7AF3}" type="parTrans" cxnId="{98F30085-95A3-4899-83ED-263051B4121C}">
-      <dgm:prSet/>
-      <dgm:spPr/>
-      <dgm:t>
-        <a:bodyPr/>
-        <a:lstStyle/>
-        <a:p>
-          <a:endParaRPr lang="pt-BR"/>
-        </a:p>
-      </dgm:t>
-    </dgm:pt>
-    <dgm:pt modelId="{11D717CD-56AA-45FC-9323-4DF14FDC4A6F}" type="sibTrans" cxnId="{98F30085-95A3-4899-83ED-263051B4121C}">
-      <dgm:prSet/>
-      <dgm:spPr/>
-      <dgm:t>
-        <a:bodyPr/>
-        <a:lstStyle/>
-        <a:p>
-          <a:endParaRPr lang="pt-BR"/>
-        </a:p>
-      </dgm:t>
-    </dgm:pt>
-    <dgm:pt modelId="{22558875-04DE-48A8-8D08-7DF713D16D36}">
-      <dgm:prSet phldrT="[Texto]">
-        <dgm:style>
-          <a:lnRef idx="0">
-            <a:schemeClr val="accent6"/>
-          </a:lnRef>
-          <a:fillRef idx="3">
-            <a:schemeClr val="accent6"/>
-          </a:fillRef>
-          <a:effectRef idx="3">
-            <a:schemeClr val="accent6"/>
-          </a:effectRef>
-          <a:fontRef idx="minor">
-            <a:schemeClr val="lt1"/>
-          </a:fontRef>
-        </dgm:style>
-      </dgm:prSet>
-      <dgm:spPr>
-        <a:solidFill>
-          <a:srgbClr val="92D050"/>
-        </a:solidFill>
-      </dgm:spPr>
-      <dgm:t>
-        <a:bodyPr/>
-        <a:lstStyle/>
-        <a:p>
-          <a:r>
-            <a:rPr lang="pt-BR" b="1" smtClean="0">
-              <a:solidFill>
-                <a:srgbClr val="0070C0"/>
-              </a:solidFill>
-            </a:rPr>
-            <a:t>Trabalho em grupo em ambiente multiusuário</a:t>
-          </a:r>
-          <a:endParaRPr lang="pt-BR" b="1" dirty="0">
-            <a:solidFill>
-              <a:srgbClr val="0070C0"/>
-            </a:solidFill>
-          </a:endParaRPr>
-        </a:p>
-      </dgm:t>
-    </dgm:pt>
-    <dgm:pt modelId="{AEADCE07-7102-4416-8E67-31648F62FFBE}" type="parTrans" cxnId="{4650B4FA-5E46-4507-BF35-61AB090D393E}">
-      <dgm:prSet/>
-      <dgm:spPr/>
-      <dgm:t>
-        <a:bodyPr/>
-        <a:lstStyle/>
-        <a:p>
-          <a:endParaRPr lang="pt-BR"/>
-        </a:p>
-      </dgm:t>
-    </dgm:pt>
-    <dgm:pt modelId="{6C26663C-5E0F-469C-A84B-4E7D60C2ACED}" type="sibTrans" cxnId="{4650B4FA-5E46-4507-BF35-61AB090D393E}">
-      <dgm:prSet/>
-      <dgm:spPr/>
-      <dgm:t>
-        <a:bodyPr/>
-        <a:lstStyle/>
-        <a:p>
-          <a:endParaRPr lang="pt-BR"/>
-        </a:p>
-      </dgm:t>
-    </dgm:pt>
-    <dgm:pt modelId="{C0424938-EAAD-4AFD-89AA-F9DAA339B8CE}">
-      <dgm:prSet phldrT="[Texto]">
-        <dgm:style>
-          <a:lnRef idx="0">
-            <a:schemeClr val="accent6"/>
-          </a:lnRef>
-          <a:fillRef idx="3">
-            <a:schemeClr val="accent6"/>
-          </a:fillRef>
-          <a:effectRef idx="3">
-            <a:schemeClr val="accent6"/>
-          </a:effectRef>
-          <a:fontRef idx="minor">
-            <a:schemeClr val="lt1"/>
-          </a:fontRef>
-        </dgm:style>
-      </dgm:prSet>
-      <dgm:spPr>
-        <a:solidFill>
-          <a:srgbClr val="92D050"/>
-        </a:solidFill>
-      </dgm:spPr>
-      <dgm:t>
-        <a:bodyPr/>
-        <a:lstStyle/>
-        <a:p>
-          <a:r>
-            <a:rPr lang="pt-BR" b="1" dirty="0" smtClean="0">
-              <a:solidFill>
-                <a:srgbClr val="0070C0"/>
-              </a:solidFill>
-            </a:rPr>
-            <a:t>Controles acadêmicos  </a:t>
-          </a:r>
-          <a:endParaRPr lang="pt-BR" b="1" dirty="0">
-            <a:solidFill>
-              <a:srgbClr val="0070C0"/>
-            </a:solidFill>
-          </a:endParaRPr>
-        </a:p>
-      </dgm:t>
-    </dgm:pt>
-    <dgm:pt modelId="{D85B5D0B-0237-4236-B15A-3AC15A4C8D6A}" type="parTrans" cxnId="{F9C7EEAC-7918-45CA-816F-B33C04B8B070}">
-      <dgm:prSet/>
-      <dgm:spPr/>
-      <dgm:t>
-        <a:bodyPr/>
-        <a:lstStyle/>
-        <a:p>
-          <a:endParaRPr lang="pt-BR"/>
-        </a:p>
-      </dgm:t>
-    </dgm:pt>
-    <dgm:pt modelId="{EBF62A40-6125-4DD5-8EDA-1F45E06B9030}" type="sibTrans" cxnId="{F9C7EEAC-7918-45CA-816F-B33C04B8B070}">
-      <dgm:prSet/>
-      <dgm:spPr/>
-      <dgm:t>
-        <a:bodyPr/>
-        <a:lstStyle/>
-        <a:p>
-          <a:endParaRPr lang="pt-BR"/>
-        </a:p>
-      </dgm:t>
-    </dgm:pt>
-    <dgm:pt modelId="{B682214D-3E19-400B-B148-C04F02C27327}">
-      <dgm:prSet phldrT="[Texto]">
-        <dgm:style>
-          <a:lnRef idx="0">
-            <a:schemeClr val="accent6"/>
-          </a:lnRef>
-          <a:fillRef idx="3">
-            <a:schemeClr val="accent6"/>
-          </a:fillRef>
-          <a:effectRef idx="3">
-            <a:schemeClr val="accent6"/>
-          </a:effectRef>
-          <a:fontRef idx="minor">
-            <a:schemeClr val="lt1"/>
-          </a:fontRef>
-        </dgm:style>
-      </dgm:prSet>
-      <dgm:spPr>
-        <a:solidFill>
-          <a:srgbClr val="92D050"/>
-        </a:solidFill>
-      </dgm:spPr>
-      <dgm:t>
-        <a:bodyPr/>
-        <a:lstStyle/>
-        <a:p>
-          <a:r>
-            <a:rPr lang="pt-BR" b="1" smtClean="0">
-              <a:solidFill>
-                <a:srgbClr val="0070C0"/>
-              </a:solidFill>
-            </a:rPr>
-            <a:t>Controles financeiros</a:t>
-          </a:r>
-          <a:endParaRPr lang="pt-BR" b="1" dirty="0">
-            <a:solidFill>
-              <a:srgbClr val="0070C0"/>
-            </a:solidFill>
-          </a:endParaRPr>
-        </a:p>
-      </dgm:t>
-    </dgm:pt>
-    <dgm:pt modelId="{328229DF-DAE6-431B-9EB1-E273DFF5EA70}" type="parTrans" cxnId="{E7BB10A8-4E7A-44F2-865F-A7389730AEBC}">
-      <dgm:prSet/>
-      <dgm:spPr/>
-      <dgm:t>
-        <a:bodyPr/>
-        <a:lstStyle/>
-        <a:p>
-          <a:endParaRPr lang="pt-BR"/>
-        </a:p>
-      </dgm:t>
-    </dgm:pt>
-    <dgm:pt modelId="{4037F445-FC2C-47AE-89AE-E418F2282E02}" type="sibTrans" cxnId="{E7BB10A8-4E7A-44F2-865F-A7389730AEBC}">
-      <dgm:prSet/>
-      <dgm:spPr/>
-      <dgm:t>
-        <a:bodyPr/>
-        <a:lstStyle/>
-        <a:p>
-          <a:endParaRPr lang="pt-BR"/>
-        </a:p>
-      </dgm:t>
-    </dgm:pt>
-    <dgm:pt modelId="{34E518D1-49BF-45FE-BD69-68CCC11C553D}">
-      <dgm:prSet phldrT="[Texto]">
-        <dgm:style>
-          <a:lnRef idx="0">
-            <a:schemeClr val="accent6"/>
-          </a:lnRef>
-          <a:fillRef idx="3">
-            <a:schemeClr val="accent6"/>
-          </a:fillRef>
-          <a:effectRef idx="3">
-            <a:schemeClr val="accent6"/>
-          </a:effectRef>
-          <a:fontRef idx="minor">
-            <a:schemeClr val="lt1"/>
-          </a:fontRef>
-        </dgm:style>
-      </dgm:prSet>
-      <dgm:spPr>
-        <a:solidFill>
-          <a:srgbClr val="92D050"/>
-        </a:solidFill>
-      </dgm:spPr>
-      <dgm:t>
-        <a:bodyPr/>
-        <a:lstStyle/>
-        <a:p>
-          <a:r>
-            <a:rPr lang="pt-BR" b="1" smtClean="0">
-              <a:solidFill>
-                <a:srgbClr val="0070C0"/>
-              </a:solidFill>
-            </a:rPr>
-            <a:t>Controle de contas a pagar</a:t>
-          </a:r>
-          <a:endParaRPr lang="pt-BR" b="1" dirty="0">
-            <a:solidFill>
-              <a:srgbClr val="0070C0"/>
-            </a:solidFill>
-          </a:endParaRPr>
-        </a:p>
-      </dgm:t>
-    </dgm:pt>
-    <dgm:pt modelId="{6E148B5F-7DF9-4BF6-BE15-08EA16D770D4}" type="parTrans" cxnId="{492DC469-18AA-4F1C-B5CB-83AA42592B95}">
-      <dgm:prSet/>
-      <dgm:spPr/>
-      <dgm:t>
-        <a:bodyPr/>
-        <a:lstStyle/>
-        <a:p>
-          <a:endParaRPr lang="pt-BR"/>
-        </a:p>
-      </dgm:t>
-    </dgm:pt>
-    <dgm:pt modelId="{23E81CB5-6F0A-42EB-ADC8-9150ECA984D5}" type="sibTrans" cxnId="{492DC469-18AA-4F1C-B5CB-83AA42592B95}">
-      <dgm:prSet/>
-      <dgm:spPr/>
-      <dgm:t>
-        <a:bodyPr/>
-        <a:lstStyle/>
-        <a:p>
-          <a:endParaRPr lang="pt-BR"/>
-        </a:p>
-      </dgm:t>
-    </dgm:pt>
-    <dgm:pt modelId="{5C305753-02C2-4005-B25D-F75DD4B08137}" type="pres">
-      <dgm:prSet presAssocID="{739AC528-84CD-4C4C-9AAA-944987E13663}" presName="linear" presStyleCnt="0">
-        <dgm:presLayoutVars>
-          <dgm:dir/>
-          <dgm:animLvl val="lvl"/>
-          <dgm:resizeHandles val="exact"/>
-        </dgm:presLayoutVars>
-      </dgm:prSet>
-      <dgm:spPr/>
-      <dgm:t>
-        <a:bodyPr/>
-        <a:lstStyle/>
-        <a:p>
-          <a:endParaRPr lang="pt-BR"/>
-        </a:p>
-      </dgm:t>
-    </dgm:pt>
-    <dgm:pt modelId="{B34D6D7E-5F2E-4AC9-BD73-0DDE9F8BB618}" type="pres">
-      <dgm:prSet presAssocID="{64726959-BFCF-468E-8583-201CF07ACAB4}" presName="parentLin" presStyleCnt="0"/>
-      <dgm:spPr/>
-      <dgm:t>
-        <a:bodyPr/>
-        <a:lstStyle/>
-        <a:p>
-          <a:endParaRPr lang="pt-BR"/>
-        </a:p>
-      </dgm:t>
-    </dgm:pt>
-    <dgm:pt modelId="{5CF09D25-445D-4024-9E09-27B9086F12C2}" type="pres">
-      <dgm:prSet presAssocID="{64726959-BFCF-468E-8583-201CF07ACAB4}" presName="parentLeftMargin" presStyleLbl="node1" presStyleIdx="0" presStyleCnt="6"/>
-      <dgm:spPr/>
-      <dgm:t>
-        <a:bodyPr/>
-        <a:lstStyle/>
-        <a:p>
-          <a:endParaRPr lang="pt-BR"/>
-        </a:p>
-      </dgm:t>
-    </dgm:pt>
-    <dgm:pt modelId="{B171C0C5-1265-474F-9A24-5267C4DEA6BB}" type="pres">
-      <dgm:prSet presAssocID="{64726959-BFCF-468E-8583-201CF07ACAB4}" presName="parentText" presStyleLbl="node1" presStyleIdx="0" presStyleCnt="6" custLinFactNeighborY="-7461">
-        <dgm:presLayoutVars>
-          <dgm:chMax val="0"/>
-          <dgm:bulletEnabled val="1"/>
-        </dgm:presLayoutVars>
-      </dgm:prSet>
-      <dgm:spPr/>
-      <dgm:t>
-        <a:bodyPr/>
-        <a:lstStyle/>
-        <a:p>
-          <a:endParaRPr lang="pt-BR"/>
-        </a:p>
-      </dgm:t>
-    </dgm:pt>
-    <dgm:pt modelId="{7AD01FD0-F69D-4BCE-A896-8ABB35BAACA9}" type="pres">
-      <dgm:prSet presAssocID="{64726959-BFCF-468E-8583-201CF07ACAB4}" presName="negativeSpace" presStyleCnt="0"/>
-      <dgm:spPr/>
-      <dgm:t>
-        <a:bodyPr/>
-        <a:lstStyle/>
-        <a:p>
-          <a:endParaRPr lang="pt-BR"/>
-        </a:p>
-      </dgm:t>
-    </dgm:pt>
-    <dgm:pt modelId="{AA8514B8-7EBB-4287-ACDB-81BB8EE3A65E}" type="pres">
-      <dgm:prSet presAssocID="{64726959-BFCF-468E-8583-201CF07ACAB4}" presName="childText" presStyleLbl="conFgAcc1" presStyleIdx="0" presStyleCnt="6">
-        <dgm:presLayoutVars>
-          <dgm:bulletEnabled val="1"/>
-        </dgm:presLayoutVars>
-        <dgm:style>
-          <a:lnRef idx="1">
-            <a:schemeClr val="accent6"/>
-          </a:lnRef>
-          <a:fillRef idx="2">
-            <a:schemeClr val="accent6"/>
-          </a:fillRef>
-          <a:effectRef idx="1">
-            <a:schemeClr val="accent6"/>
-          </a:effectRef>
-          <a:fontRef idx="minor">
-            <a:schemeClr val="dk1"/>
-          </a:fontRef>
-        </dgm:style>
-      </dgm:prSet>
-      <dgm:spPr/>
-      <dgm:t>
-        <a:bodyPr/>
-        <a:lstStyle/>
-        <a:p>
-          <a:endParaRPr lang="pt-BR"/>
-        </a:p>
-      </dgm:t>
-    </dgm:pt>
-    <dgm:pt modelId="{5F326BF0-420D-4866-A2BD-614369AB09BD}" type="pres">
-      <dgm:prSet presAssocID="{8835803B-4868-4BFF-8B3A-814A6D4954C8}" presName="spaceBetweenRectangles" presStyleCnt="0"/>
-      <dgm:spPr/>
-      <dgm:t>
-        <a:bodyPr/>
-        <a:lstStyle/>
-        <a:p>
-          <a:endParaRPr lang="pt-BR"/>
-        </a:p>
-      </dgm:t>
-    </dgm:pt>
-    <dgm:pt modelId="{170F142A-5E5C-46E4-829F-5448D761498F}" type="pres">
-      <dgm:prSet presAssocID="{EBE94DE7-18A9-4985-A440-D262D93A6316}" presName="parentLin" presStyleCnt="0"/>
-      <dgm:spPr/>
-      <dgm:t>
-        <a:bodyPr/>
-        <a:lstStyle/>
-        <a:p>
-          <a:endParaRPr lang="pt-BR"/>
-        </a:p>
-      </dgm:t>
-    </dgm:pt>
-    <dgm:pt modelId="{62A2C154-6AB5-4321-A742-C06A0E020873}" type="pres">
-      <dgm:prSet presAssocID="{EBE94DE7-18A9-4985-A440-D262D93A6316}" presName="parentLeftMargin" presStyleLbl="node1" presStyleIdx="0" presStyleCnt="6"/>
-      <dgm:spPr/>
-      <dgm:t>
-        <a:bodyPr/>
-        <a:lstStyle/>
-        <a:p>
-          <a:endParaRPr lang="pt-BR"/>
-        </a:p>
-      </dgm:t>
-    </dgm:pt>
-    <dgm:pt modelId="{9939078C-FCDB-4354-9260-A7140D211969}" type="pres">
-      <dgm:prSet presAssocID="{EBE94DE7-18A9-4985-A440-D262D93A6316}" presName="parentText" presStyleLbl="node1" presStyleIdx="1" presStyleCnt="6" custLinFactNeighborY="-7461">
-        <dgm:presLayoutVars>
-          <dgm:chMax val="0"/>
-          <dgm:bulletEnabled val="1"/>
-        </dgm:presLayoutVars>
-      </dgm:prSet>
-      <dgm:spPr/>
-      <dgm:t>
-        <a:bodyPr/>
-        <a:lstStyle/>
-        <a:p>
-          <a:endParaRPr lang="pt-BR"/>
-        </a:p>
-      </dgm:t>
-    </dgm:pt>
-    <dgm:pt modelId="{6402AF25-A1ED-4143-822D-2DE397E15ECF}" type="pres">
-      <dgm:prSet presAssocID="{EBE94DE7-18A9-4985-A440-D262D93A6316}" presName="negativeSpace" presStyleCnt="0"/>
-      <dgm:spPr/>
-      <dgm:t>
-        <a:bodyPr/>
-        <a:lstStyle/>
-        <a:p>
-          <a:endParaRPr lang="pt-BR"/>
-        </a:p>
-      </dgm:t>
-    </dgm:pt>
-    <dgm:pt modelId="{122429B3-75B2-4400-B819-CC67C8478699}" type="pres">
-      <dgm:prSet presAssocID="{EBE94DE7-18A9-4985-A440-D262D93A6316}" presName="childText" presStyleLbl="conFgAcc1" presStyleIdx="1" presStyleCnt="6">
-        <dgm:presLayoutVars>
-          <dgm:bulletEnabled val="1"/>
-        </dgm:presLayoutVars>
-        <dgm:style>
-          <a:lnRef idx="1">
-            <a:schemeClr val="accent6"/>
-          </a:lnRef>
-          <a:fillRef idx="2">
-            <a:schemeClr val="accent6"/>
-          </a:fillRef>
-          <a:effectRef idx="1">
-            <a:schemeClr val="accent6"/>
-          </a:effectRef>
-          <a:fontRef idx="minor">
-            <a:schemeClr val="dk1"/>
-          </a:fontRef>
-        </dgm:style>
-      </dgm:prSet>
-      <dgm:spPr/>
-      <dgm:t>
-        <a:bodyPr/>
-        <a:lstStyle/>
-        <a:p>
-          <a:endParaRPr lang="pt-BR"/>
-        </a:p>
-      </dgm:t>
-    </dgm:pt>
-    <dgm:pt modelId="{32DA1C74-5B5F-427E-8C8D-CACF3F061A44}" type="pres">
-      <dgm:prSet presAssocID="{11D717CD-56AA-45FC-9323-4DF14FDC4A6F}" presName="spaceBetweenRectangles" presStyleCnt="0"/>
-      <dgm:spPr/>
-      <dgm:t>
-        <a:bodyPr/>
-        <a:lstStyle/>
-        <a:p>
-          <a:endParaRPr lang="pt-BR"/>
-        </a:p>
-      </dgm:t>
-    </dgm:pt>
-    <dgm:pt modelId="{849981CC-C8B4-4BA1-B450-ED50D8A4886D}" type="pres">
-      <dgm:prSet presAssocID="{22558875-04DE-48A8-8D08-7DF713D16D36}" presName="parentLin" presStyleCnt="0"/>
-      <dgm:spPr/>
-      <dgm:t>
-        <a:bodyPr/>
-        <a:lstStyle/>
-        <a:p>
-          <a:endParaRPr lang="pt-BR"/>
-        </a:p>
-      </dgm:t>
-    </dgm:pt>
-    <dgm:pt modelId="{7CCD4125-60BB-4322-B726-7F91B5CDFF30}" type="pres">
-      <dgm:prSet presAssocID="{22558875-04DE-48A8-8D08-7DF713D16D36}" presName="parentLeftMargin" presStyleLbl="node1" presStyleIdx="1" presStyleCnt="6"/>
-      <dgm:spPr/>
-      <dgm:t>
-        <a:bodyPr/>
-        <a:lstStyle/>
-        <a:p>
-          <a:endParaRPr lang="pt-BR"/>
-        </a:p>
-      </dgm:t>
-    </dgm:pt>
-    <dgm:pt modelId="{D78DBF14-3A29-4E42-B56E-7380E92A6552}" type="pres">
-      <dgm:prSet presAssocID="{22558875-04DE-48A8-8D08-7DF713D16D36}" presName="parentText" presStyleLbl="node1" presStyleIdx="2" presStyleCnt="6" custLinFactNeighborY="-7461">
-        <dgm:presLayoutVars>
-          <dgm:chMax val="0"/>
-          <dgm:bulletEnabled val="1"/>
-        </dgm:presLayoutVars>
-      </dgm:prSet>
-      <dgm:spPr/>
-      <dgm:t>
-        <a:bodyPr/>
-        <a:lstStyle/>
-        <a:p>
-          <a:endParaRPr lang="pt-BR"/>
-        </a:p>
-      </dgm:t>
-    </dgm:pt>
-    <dgm:pt modelId="{91B10306-6E6E-43CB-B07F-95D2F566D304}" type="pres">
-      <dgm:prSet presAssocID="{22558875-04DE-48A8-8D08-7DF713D16D36}" presName="negativeSpace" presStyleCnt="0"/>
-      <dgm:spPr/>
-      <dgm:t>
-        <a:bodyPr/>
-        <a:lstStyle/>
-        <a:p>
-          <a:endParaRPr lang="pt-BR"/>
-        </a:p>
-      </dgm:t>
-    </dgm:pt>
-    <dgm:pt modelId="{06A3C85D-CDEB-4A13-9986-AD53F22D8EA9}" type="pres">
-      <dgm:prSet presAssocID="{22558875-04DE-48A8-8D08-7DF713D16D36}" presName="childText" presStyleLbl="conFgAcc1" presStyleIdx="2" presStyleCnt="6">
-        <dgm:presLayoutVars>
-          <dgm:bulletEnabled val="1"/>
-        </dgm:presLayoutVars>
-        <dgm:style>
-          <a:lnRef idx="1">
-            <a:schemeClr val="accent6"/>
-          </a:lnRef>
-          <a:fillRef idx="2">
-            <a:schemeClr val="accent6"/>
-          </a:fillRef>
-          <a:effectRef idx="1">
-            <a:schemeClr val="accent6"/>
-          </a:effectRef>
-          <a:fontRef idx="minor">
-            <a:schemeClr val="dk1"/>
-          </a:fontRef>
-        </dgm:style>
-      </dgm:prSet>
-      <dgm:spPr/>
-      <dgm:t>
-        <a:bodyPr/>
-        <a:lstStyle/>
-        <a:p>
-          <a:endParaRPr lang="pt-BR"/>
-        </a:p>
-      </dgm:t>
-    </dgm:pt>
-    <dgm:pt modelId="{80A60F21-F2F5-418D-853F-D7EBBA576D8F}" type="pres">
-      <dgm:prSet presAssocID="{6C26663C-5E0F-469C-A84B-4E7D60C2ACED}" presName="spaceBetweenRectangles" presStyleCnt="0"/>
-      <dgm:spPr/>
-      <dgm:t>
-        <a:bodyPr/>
-        <a:lstStyle/>
-        <a:p>
-          <a:endParaRPr lang="pt-BR"/>
-        </a:p>
-      </dgm:t>
-    </dgm:pt>
-    <dgm:pt modelId="{A9AF5B02-C771-4CE1-AF38-8D7E7F443749}" type="pres">
-      <dgm:prSet presAssocID="{C0424938-EAAD-4AFD-89AA-F9DAA339B8CE}" presName="parentLin" presStyleCnt="0"/>
-      <dgm:spPr/>
-      <dgm:t>
-        <a:bodyPr/>
-        <a:lstStyle/>
-        <a:p>
-          <a:endParaRPr lang="pt-BR"/>
-        </a:p>
-      </dgm:t>
-    </dgm:pt>
-    <dgm:pt modelId="{3572EF4A-4D38-4BBD-9DE4-D188D70E2CAD}" type="pres">
-      <dgm:prSet presAssocID="{C0424938-EAAD-4AFD-89AA-F9DAA339B8CE}" presName="parentLeftMargin" presStyleLbl="node1" presStyleIdx="2" presStyleCnt="6"/>
-      <dgm:spPr/>
-      <dgm:t>
-        <a:bodyPr/>
-        <a:lstStyle/>
-        <a:p>
-          <a:endParaRPr lang="pt-BR"/>
-        </a:p>
-      </dgm:t>
-    </dgm:pt>
-    <dgm:pt modelId="{6C17C5F1-150A-491F-92CE-A1BE931BB55D}" type="pres">
-      <dgm:prSet presAssocID="{C0424938-EAAD-4AFD-89AA-F9DAA339B8CE}" presName="parentText" presStyleLbl="node1" presStyleIdx="3" presStyleCnt="6">
-        <dgm:presLayoutVars>
-          <dgm:chMax val="0"/>
-          <dgm:bulletEnabled val="1"/>
-        </dgm:presLayoutVars>
-      </dgm:prSet>
-      <dgm:spPr/>
-      <dgm:t>
-        <a:bodyPr/>
-        <a:lstStyle/>
-        <a:p>
-          <a:endParaRPr lang="pt-BR"/>
-        </a:p>
-      </dgm:t>
-    </dgm:pt>
-    <dgm:pt modelId="{D97F3F94-0B46-4D37-A8E1-1DAC68B681CD}" type="pres">
-      <dgm:prSet presAssocID="{C0424938-EAAD-4AFD-89AA-F9DAA339B8CE}" presName="negativeSpace" presStyleCnt="0"/>
-      <dgm:spPr/>
-      <dgm:t>
-        <a:bodyPr/>
-        <a:lstStyle/>
-        <a:p>
-          <a:endParaRPr lang="pt-BR"/>
-        </a:p>
-      </dgm:t>
-    </dgm:pt>
-    <dgm:pt modelId="{BC58E8B0-740A-43C6-B230-1401E78D7A5B}" type="pres">
-      <dgm:prSet presAssocID="{C0424938-EAAD-4AFD-89AA-F9DAA339B8CE}" presName="childText" presStyleLbl="conFgAcc1" presStyleIdx="3" presStyleCnt="6">
-        <dgm:presLayoutVars>
-          <dgm:bulletEnabled val="1"/>
-        </dgm:presLayoutVars>
-        <dgm:style>
-          <a:lnRef idx="1">
-            <a:schemeClr val="accent6"/>
-          </a:lnRef>
-          <a:fillRef idx="2">
-            <a:schemeClr val="accent6"/>
-          </a:fillRef>
-          <a:effectRef idx="1">
-            <a:schemeClr val="accent6"/>
-          </a:effectRef>
-          <a:fontRef idx="minor">
-            <a:schemeClr val="dk1"/>
-          </a:fontRef>
-        </dgm:style>
-      </dgm:prSet>
-      <dgm:spPr/>
-      <dgm:t>
-        <a:bodyPr/>
-        <a:lstStyle/>
-        <a:p>
-          <a:endParaRPr lang="pt-BR"/>
-        </a:p>
-      </dgm:t>
-    </dgm:pt>
-    <dgm:pt modelId="{61A1A8FC-AD23-4E2F-A533-544CD04D1CA9}" type="pres">
-      <dgm:prSet presAssocID="{EBF62A40-6125-4DD5-8EDA-1F45E06B9030}" presName="spaceBetweenRectangles" presStyleCnt="0"/>
-      <dgm:spPr/>
-      <dgm:t>
-        <a:bodyPr/>
-        <a:lstStyle/>
-        <a:p>
-          <a:endParaRPr lang="pt-BR"/>
-        </a:p>
-      </dgm:t>
-    </dgm:pt>
-    <dgm:pt modelId="{74BE06AF-D1B6-41E2-B7D7-F20A5E34FB20}" type="pres">
-      <dgm:prSet presAssocID="{B682214D-3E19-400B-B148-C04F02C27327}" presName="parentLin" presStyleCnt="0"/>
-      <dgm:spPr/>
-      <dgm:t>
-        <a:bodyPr/>
-        <a:lstStyle/>
-        <a:p>
-          <a:endParaRPr lang="pt-BR"/>
-        </a:p>
-      </dgm:t>
-    </dgm:pt>
-    <dgm:pt modelId="{846A3F17-1641-4BB9-AC38-13C0E8AB7383}" type="pres">
-      <dgm:prSet presAssocID="{B682214D-3E19-400B-B148-C04F02C27327}" presName="parentLeftMargin" presStyleLbl="node1" presStyleIdx="3" presStyleCnt="6"/>
-      <dgm:spPr/>
-      <dgm:t>
-        <a:bodyPr/>
-        <a:lstStyle/>
-        <a:p>
-          <a:endParaRPr lang="pt-BR"/>
-        </a:p>
-      </dgm:t>
-    </dgm:pt>
-    <dgm:pt modelId="{231A70AB-9760-4FFF-B875-5D31C52D60AE}" type="pres">
-      <dgm:prSet presAssocID="{B682214D-3E19-400B-B148-C04F02C27327}" presName="parentText" presStyleLbl="node1" presStyleIdx="4" presStyleCnt="6">
-        <dgm:presLayoutVars>
-          <dgm:chMax val="0"/>
-          <dgm:bulletEnabled val="1"/>
-        </dgm:presLayoutVars>
-      </dgm:prSet>
-      <dgm:spPr/>
-      <dgm:t>
-        <a:bodyPr/>
-        <a:lstStyle/>
-        <a:p>
-          <a:endParaRPr lang="pt-BR"/>
-        </a:p>
-      </dgm:t>
-    </dgm:pt>
-    <dgm:pt modelId="{8C9EB15F-97BA-48C2-B233-1F99DD2283F3}" type="pres">
-      <dgm:prSet presAssocID="{B682214D-3E19-400B-B148-C04F02C27327}" presName="negativeSpace" presStyleCnt="0"/>
-      <dgm:spPr/>
-      <dgm:t>
-        <a:bodyPr/>
-        <a:lstStyle/>
-        <a:p>
-          <a:endParaRPr lang="pt-BR"/>
-        </a:p>
-      </dgm:t>
-    </dgm:pt>
-    <dgm:pt modelId="{7D8B9C6D-02C3-420B-906C-B43C36EE3306}" type="pres">
-      <dgm:prSet presAssocID="{B682214D-3E19-400B-B148-C04F02C27327}" presName="childText" presStyleLbl="conFgAcc1" presStyleIdx="4" presStyleCnt="6">
-        <dgm:presLayoutVars>
-          <dgm:bulletEnabled val="1"/>
-        </dgm:presLayoutVars>
-        <dgm:style>
-          <a:lnRef idx="1">
-            <a:schemeClr val="accent6"/>
-          </a:lnRef>
-          <a:fillRef idx="2">
-            <a:schemeClr val="accent6"/>
-          </a:fillRef>
-          <a:effectRef idx="1">
-            <a:schemeClr val="accent6"/>
-          </a:effectRef>
-          <a:fontRef idx="minor">
-            <a:schemeClr val="dk1"/>
-          </a:fontRef>
-        </dgm:style>
-      </dgm:prSet>
-      <dgm:spPr/>
-      <dgm:t>
-        <a:bodyPr/>
-        <a:lstStyle/>
-        <a:p>
-          <a:endParaRPr lang="pt-BR"/>
-        </a:p>
-      </dgm:t>
-    </dgm:pt>
-    <dgm:pt modelId="{27077A43-AF2C-4BB7-B135-57882141D0A7}" type="pres">
-      <dgm:prSet presAssocID="{4037F445-FC2C-47AE-89AE-E418F2282E02}" presName="spaceBetweenRectangles" presStyleCnt="0"/>
-      <dgm:spPr/>
-      <dgm:t>
-        <a:bodyPr/>
-        <a:lstStyle/>
-        <a:p>
-          <a:endParaRPr lang="pt-BR"/>
-        </a:p>
-      </dgm:t>
-    </dgm:pt>
-    <dgm:pt modelId="{211C6EE7-56DB-4520-8C76-4F6B73CA2F85}" type="pres">
-      <dgm:prSet presAssocID="{34E518D1-49BF-45FE-BD69-68CCC11C553D}" presName="parentLin" presStyleCnt="0"/>
-      <dgm:spPr/>
-      <dgm:t>
-        <a:bodyPr/>
-        <a:lstStyle/>
-        <a:p>
-          <a:endParaRPr lang="pt-BR"/>
-        </a:p>
-      </dgm:t>
-    </dgm:pt>
-    <dgm:pt modelId="{390F44BF-71AC-4D9F-BF5E-075FA28FE010}" type="pres">
-      <dgm:prSet presAssocID="{34E518D1-49BF-45FE-BD69-68CCC11C553D}" presName="parentLeftMargin" presStyleLbl="node1" presStyleIdx="4" presStyleCnt="6"/>
-      <dgm:spPr/>
-      <dgm:t>
-        <a:bodyPr/>
-        <a:lstStyle/>
-        <a:p>
-          <a:endParaRPr lang="pt-BR"/>
-        </a:p>
-      </dgm:t>
-    </dgm:pt>
-    <dgm:pt modelId="{029B9D8C-4A77-4645-9520-CB1F079C0081}" type="pres">
-      <dgm:prSet presAssocID="{34E518D1-49BF-45FE-BD69-68CCC11C553D}" presName="parentText" presStyleLbl="node1" presStyleIdx="5" presStyleCnt="6">
-        <dgm:presLayoutVars>
-          <dgm:chMax val="0"/>
-          <dgm:bulletEnabled val="1"/>
-        </dgm:presLayoutVars>
-      </dgm:prSet>
-      <dgm:spPr/>
-      <dgm:t>
-        <a:bodyPr/>
-        <a:lstStyle/>
-        <a:p>
-          <a:endParaRPr lang="pt-BR"/>
-        </a:p>
-      </dgm:t>
-    </dgm:pt>
-    <dgm:pt modelId="{B327A79A-4795-4643-80F9-37F2D55457DE}" type="pres">
-      <dgm:prSet presAssocID="{34E518D1-49BF-45FE-BD69-68CCC11C553D}" presName="negativeSpace" presStyleCnt="0"/>
-      <dgm:spPr/>
-      <dgm:t>
-        <a:bodyPr/>
-        <a:lstStyle/>
-        <a:p>
-          <a:endParaRPr lang="pt-BR"/>
-        </a:p>
-      </dgm:t>
-    </dgm:pt>
-    <dgm:pt modelId="{338DDB9A-A6BB-4D1C-8303-E07E7D076CB7}" type="pres">
-      <dgm:prSet presAssocID="{34E518D1-49BF-45FE-BD69-68CCC11C553D}" presName="childText" presStyleLbl="conFgAcc1" presStyleIdx="5" presStyleCnt="6">
-        <dgm:presLayoutVars>
-          <dgm:bulletEnabled val="1"/>
-        </dgm:presLayoutVars>
-        <dgm:style>
-          <a:lnRef idx="1">
-            <a:schemeClr val="accent6"/>
-          </a:lnRef>
-          <a:fillRef idx="2">
-            <a:schemeClr val="accent6"/>
-          </a:fillRef>
-          <a:effectRef idx="1">
-            <a:schemeClr val="accent6"/>
-          </a:effectRef>
-          <a:fontRef idx="minor">
-            <a:schemeClr val="dk1"/>
-          </a:fontRef>
-        </dgm:style>
-      </dgm:prSet>
-      <dgm:spPr/>
-      <dgm:t>
-        <a:bodyPr/>
-        <a:lstStyle/>
-        <a:p>
-          <a:endParaRPr lang="pt-BR"/>
-        </a:p>
-      </dgm:t>
-    </dgm:pt>
-  </dgm:ptLst>
-  <dgm:cxnLst>
-    <dgm:cxn modelId="{B7B87462-1DAB-4820-9D8D-39215A0FD83D}" srcId="{739AC528-84CD-4C4C-9AAA-944987E13663}" destId="{64726959-BFCF-468E-8583-201CF07ACAB4}" srcOrd="0" destOrd="0" parTransId="{1621746A-50DC-494D-BB5D-7D8ADC851307}" sibTransId="{8835803B-4868-4BFF-8B3A-814A6D4954C8}"/>
-    <dgm:cxn modelId="{7E93702C-2125-4942-BCFA-451032FA8C07}" type="presOf" srcId="{22558875-04DE-48A8-8D08-7DF713D16D36}" destId="{D78DBF14-3A29-4E42-B56E-7380E92A6552}" srcOrd="1" destOrd="0" presId="urn:microsoft.com/office/officeart/2005/8/layout/list1"/>
-    <dgm:cxn modelId="{BC163CB6-4CBD-44DB-AD17-AFC4FDDC684C}" type="presOf" srcId="{EBE94DE7-18A9-4985-A440-D262D93A6316}" destId="{62A2C154-6AB5-4321-A742-C06A0E020873}" srcOrd="0" destOrd="0" presId="urn:microsoft.com/office/officeart/2005/8/layout/list1"/>
-    <dgm:cxn modelId="{E7BB10A8-4E7A-44F2-865F-A7389730AEBC}" srcId="{739AC528-84CD-4C4C-9AAA-944987E13663}" destId="{B682214D-3E19-400B-B148-C04F02C27327}" srcOrd="4" destOrd="0" parTransId="{328229DF-DAE6-431B-9EB1-E273DFF5EA70}" sibTransId="{4037F445-FC2C-47AE-89AE-E418F2282E02}"/>
-    <dgm:cxn modelId="{4650B4FA-5E46-4507-BF35-61AB090D393E}" srcId="{739AC528-84CD-4C4C-9AAA-944987E13663}" destId="{22558875-04DE-48A8-8D08-7DF713D16D36}" srcOrd="2" destOrd="0" parTransId="{AEADCE07-7102-4416-8E67-31648F62FFBE}" sibTransId="{6C26663C-5E0F-469C-A84B-4E7D60C2ACED}"/>
-    <dgm:cxn modelId="{265C6533-7DF8-4BF6-8C28-3C782A037CF3}" type="presOf" srcId="{B682214D-3E19-400B-B148-C04F02C27327}" destId="{846A3F17-1641-4BB9-AC38-13C0E8AB7383}" srcOrd="0" destOrd="0" presId="urn:microsoft.com/office/officeart/2005/8/layout/list1"/>
-    <dgm:cxn modelId="{F9C7EEAC-7918-45CA-816F-B33C04B8B070}" srcId="{739AC528-84CD-4C4C-9AAA-944987E13663}" destId="{C0424938-EAAD-4AFD-89AA-F9DAA339B8CE}" srcOrd="3" destOrd="0" parTransId="{D85B5D0B-0237-4236-B15A-3AC15A4C8D6A}" sibTransId="{EBF62A40-6125-4DD5-8EDA-1F45E06B9030}"/>
-    <dgm:cxn modelId="{09CDA0F1-41AD-4AA3-BABC-AB3C68FE1F20}" type="presOf" srcId="{B682214D-3E19-400B-B148-C04F02C27327}" destId="{231A70AB-9760-4FFF-B875-5D31C52D60AE}" srcOrd="1" destOrd="0" presId="urn:microsoft.com/office/officeart/2005/8/layout/list1"/>
-    <dgm:cxn modelId="{1842B81B-6CE1-4E7A-B9A2-8AECFE2C9FD1}" type="presOf" srcId="{34E518D1-49BF-45FE-BD69-68CCC11C553D}" destId="{029B9D8C-4A77-4645-9520-CB1F079C0081}" srcOrd="1" destOrd="0" presId="urn:microsoft.com/office/officeart/2005/8/layout/list1"/>
-    <dgm:cxn modelId="{DC3681F8-CC97-4E15-8231-5EBA82EFEFD3}" type="presOf" srcId="{22558875-04DE-48A8-8D08-7DF713D16D36}" destId="{7CCD4125-60BB-4322-B726-7F91B5CDFF30}" srcOrd="0" destOrd="0" presId="urn:microsoft.com/office/officeart/2005/8/layout/list1"/>
-    <dgm:cxn modelId="{D6B9F938-FD89-4765-A5F4-595BA2C69F68}" type="presOf" srcId="{34E518D1-49BF-45FE-BD69-68CCC11C553D}" destId="{390F44BF-71AC-4D9F-BF5E-075FA28FE010}" srcOrd="0" destOrd="0" presId="urn:microsoft.com/office/officeart/2005/8/layout/list1"/>
-    <dgm:cxn modelId="{08B77D2D-50A3-4665-B5BC-776198A4C49D}" type="presOf" srcId="{64726959-BFCF-468E-8583-201CF07ACAB4}" destId="{5CF09D25-445D-4024-9E09-27B9086F12C2}" srcOrd="0" destOrd="0" presId="urn:microsoft.com/office/officeart/2005/8/layout/list1"/>
-    <dgm:cxn modelId="{492DC469-18AA-4F1C-B5CB-83AA42592B95}" srcId="{739AC528-84CD-4C4C-9AAA-944987E13663}" destId="{34E518D1-49BF-45FE-BD69-68CCC11C553D}" srcOrd="5" destOrd="0" parTransId="{6E148B5F-7DF9-4BF6-BE15-08EA16D770D4}" sibTransId="{23E81CB5-6F0A-42EB-ADC8-9150ECA984D5}"/>
-    <dgm:cxn modelId="{0E9F3CED-8870-48EB-AC03-616E89BB9C2E}" type="presOf" srcId="{64726959-BFCF-468E-8583-201CF07ACAB4}" destId="{B171C0C5-1265-474F-9A24-5267C4DEA6BB}" srcOrd="1" destOrd="0" presId="urn:microsoft.com/office/officeart/2005/8/layout/list1"/>
-    <dgm:cxn modelId="{E58C8AA9-859D-436C-829F-177A8BC2DA06}" type="presOf" srcId="{C0424938-EAAD-4AFD-89AA-F9DAA339B8CE}" destId="{6C17C5F1-150A-491F-92CE-A1BE931BB55D}" srcOrd="1" destOrd="0" presId="urn:microsoft.com/office/officeart/2005/8/layout/list1"/>
-    <dgm:cxn modelId="{0E348F8C-122A-48CD-A8DB-40A9364F57F3}" type="presOf" srcId="{EBE94DE7-18A9-4985-A440-D262D93A6316}" destId="{9939078C-FCDB-4354-9260-A7140D211969}" srcOrd="1" destOrd="0" presId="urn:microsoft.com/office/officeart/2005/8/layout/list1"/>
-    <dgm:cxn modelId="{917C61F7-4EFA-4F87-8A86-AA04AD093EB6}" type="presOf" srcId="{C0424938-EAAD-4AFD-89AA-F9DAA339B8CE}" destId="{3572EF4A-4D38-4BBD-9DE4-D188D70E2CAD}" srcOrd="0" destOrd="0" presId="urn:microsoft.com/office/officeart/2005/8/layout/list1"/>
-    <dgm:cxn modelId="{98F30085-95A3-4899-83ED-263051B4121C}" srcId="{739AC528-84CD-4C4C-9AAA-944987E13663}" destId="{EBE94DE7-18A9-4985-A440-D262D93A6316}" srcOrd="1" destOrd="0" parTransId="{7151D90C-DDED-45CE-9D5D-F45918DF7AF3}" sibTransId="{11D717CD-56AA-45FC-9323-4DF14FDC4A6F}"/>
-    <dgm:cxn modelId="{81B323AF-A255-4CEA-BAE8-041C43CF3A80}" type="presOf" srcId="{739AC528-84CD-4C4C-9AAA-944987E13663}" destId="{5C305753-02C2-4005-B25D-F75DD4B08137}" srcOrd="0" destOrd="0" presId="urn:microsoft.com/office/officeart/2005/8/layout/list1"/>
-    <dgm:cxn modelId="{5CEE8E5E-6F76-4967-8862-364C72A0F09D}" type="presParOf" srcId="{5C305753-02C2-4005-B25D-F75DD4B08137}" destId="{B34D6D7E-5F2E-4AC9-BD73-0DDE9F8BB618}" srcOrd="0" destOrd="0" presId="urn:microsoft.com/office/officeart/2005/8/layout/list1"/>
-    <dgm:cxn modelId="{49AB42FC-D96F-419C-AA12-35C9654D957E}" type="presParOf" srcId="{B34D6D7E-5F2E-4AC9-BD73-0DDE9F8BB618}" destId="{5CF09D25-445D-4024-9E09-27B9086F12C2}" srcOrd="0" destOrd="0" presId="urn:microsoft.com/office/officeart/2005/8/layout/list1"/>
-    <dgm:cxn modelId="{16B0EBB0-1939-4496-898C-63BE915DB1B6}" type="presParOf" srcId="{B34D6D7E-5F2E-4AC9-BD73-0DDE9F8BB618}" destId="{B171C0C5-1265-474F-9A24-5267C4DEA6BB}" srcOrd="1" destOrd="0" presId="urn:microsoft.com/office/officeart/2005/8/layout/list1"/>
-    <dgm:cxn modelId="{2FD301FF-C00C-4AFC-81D5-C410F3287342}" type="presParOf" srcId="{5C305753-02C2-4005-B25D-F75DD4B08137}" destId="{7AD01FD0-F69D-4BCE-A896-8ABB35BAACA9}" srcOrd="1" destOrd="0" presId="urn:microsoft.com/office/officeart/2005/8/layout/list1"/>
-    <dgm:cxn modelId="{E81504CA-AF73-46C1-AFC0-55171DBAF7E4}" type="presParOf" srcId="{5C305753-02C2-4005-B25D-F75DD4B08137}" destId="{AA8514B8-7EBB-4287-ACDB-81BB8EE3A65E}" srcOrd="2" destOrd="0" presId="urn:microsoft.com/office/officeart/2005/8/layout/list1"/>
-    <dgm:cxn modelId="{3AC328DC-47FD-41B1-892F-5168C44700A1}" type="presParOf" srcId="{5C305753-02C2-4005-B25D-F75DD4B08137}" destId="{5F326BF0-420D-4866-A2BD-614369AB09BD}" srcOrd="3" destOrd="0" presId="urn:microsoft.com/office/officeart/2005/8/layout/list1"/>
-    <dgm:cxn modelId="{38E7EA4E-F92F-441F-8EBA-49E4E223DAF4}" type="presParOf" srcId="{5C305753-02C2-4005-B25D-F75DD4B08137}" destId="{170F142A-5E5C-46E4-829F-5448D761498F}" srcOrd="4" destOrd="0" presId="urn:microsoft.com/office/officeart/2005/8/layout/list1"/>
-    <dgm:cxn modelId="{E5576BAD-9FA2-453D-815A-AC1A6BA949B6}" type="presParOf" srcId="{170F142A-5E5C-46E4-829F-5448D761498F}" destId="{62A2C154-6AB5-4321-A742-C06A0E020873}" srcOrd="0" destOrd="0" presId="urn:microsoft.com/office/officeart/2005/8/layout/list1"/>
-    <dgm:cxn modelId="{87746917-4099-4021-8686-D8E2AE8BB2CE}" type="presParOf" srcId="{170F142A-5E5C-46E4-829F-5448D761498F}" destId="{9939078C-FCDB-4354-9260-A7140D211969}" srcOrd="1" destOrd="0" presId="urn:microsoft.com/office/officeart/2005/8/layout/list1"/>
-    <dgm:cxn modelId="{91503F7C-0C47-4E50-BBA6-D1791F2EDB54}" type="presParOf" srcId="{5C305753-02C2-4005-B25D-F75DD4B08137}" destId="{6402AF25-A1ED-4143-822D-2DE397E15ECF}" srcOrd="5" destOrd="0" presId="urn:microsoft.com/office/officeart/2005/8/layout/list1"/>
-    <dgm:cxn modelId="{BB2D810A-FEE8-42D8-B3AA-6D892BED142B}" type="presParOf" srcId="{5C305753-02C2-4005-B25D-F75DD4B08137}" destId="{122429B3-75B2-4400-B819-CC67C8478699}" srcOrd="6" destOrd="0" presId="urn:microsoft.com/office/officeart/2005/8/layout/list1"/>
-    <dgm:cxn modelId="{5E39AEE9-5501-4B78-8CE9-4A329CCAB536}" type="presParOf" srcId="{5C305753-02C2-4005-B25D-F75DD4B08137}" destId="{32DA1C74-5B5F-427E-8C8D-CACF3F061A44}" srcOrd="7" destOrd="0" presId="urn:microsoft.com/office/officeart/2005/8/layout/list1"/>
-    <dgm:cxn modelId="{EDB8F007-0FE6-41D6-8FB2-F481FE2E5D81}" type="presParOf" srcId="{5C305753-02C2-4005-B25D-F75DD4B08137}" destId="{849981CC-C8B4-4BA1-B450-ED50D8A4886D}" srcOrd="8" destOrd="0" presId="urn:microsoft.com/office/officeart/2005/8/layout/list1"/>
-    <dgm:cxn modelId="{E2CA3B05-BB89-4684-A41D-D66DC320A110}" type="presParOf" srcId="{849981CC-C8B4-4BA1-B450-ED50D8A4886D}" destId="{7CCD4125-60BB-4322-B726-7F91B5CDFF30}" srcOrd="0" destOrd="0" presId="urn:microsoft.com/office/officeart/2005/8/layout/list1"/>
-    <dgm:cxn modelId="{EB5C052D-8605-4F9D-96F9-FD1C9EC188D8}" type="presParOf" srcId="{849981CC-C8B4-4BA1-B450-ED50D8A4886D}" destId="{D78DBF14-3A29-4E42-B56E-7380E92A6552}" srcOrd="1" destOrd="0" presId="urn:microsoft.com/office/officeart/2005/8/layout/list1"/>
-    <dgm:cxn modelId="{6110C8D9-011C-4EBE-A844-8BCEC6679E72}" type="presParOf" srcId="{5C305753-02C2-4005-B25D-F75DD4B08137}" destId="{91B10306-6E6E-43CB-B07F-95D2F566D304}" srcOrd="9" destOrd="0" presId="urn:microsoft.com/office/officeart/2005/8/layout/list1"/>
-    <dgm:cxn modelId="{DAE746B5-7CF4-40F1-B056-DD038006954F}" type="presParOf" srcId="{5C305753-02C2-4005-B25D-F75DD4B08137}" destId="{06A3C85D-CDEB-4A13-9986-AD53F22D8EA9}" srcOrd="10" destOrd="0" presId="urn:microsoft.com/office/officeart/2005/8/layout/list1"/>
-    <dgm:cxn modelId="{7F53C315-70DB-4C70-9110-F543703C8625}" type="presParOf" srcId="{5C305753-02C2-4005-B25D-F75DD4B08137}" destId="{80A60F21-F2F5-418D-853F-D7EBBA576D8F}" srcOrd="11" destOrd="0" presId="urn:microsoft.com/office/officeart/2005/8/layout/list1"/>
-    <dgm:cxn modelId="{527E9B72-2C32-4D7A-9141-37A49C6CA6F8}" type="presParOf" srcId="{5C305753-02C2-4005-B25D-F75DD4B08137}" destId="{A9AF5B02-C771-4CE1-AF38-8D7E7F443749}" srcOrd="12" destOrd="0" presId="urn:microsoft.com/office/officeart/2005/8/layout/list1"/>
-    <dgm:cxn modelId="{ACD74D6E-F954-42CF-83A8-A27B663A7EA1}" type="presParOf" srcId="{A9AF5B02-C771-4CE1-AF38-8D7E7F443749}" destId="{3572EF4A-4D38-4BBD-9DE4-D188D70E2CAD}" srcOrd="0" destOrd="0" presId="urn:microsoft.com/office/officeart/2005/8/layout/list1"/>
-    <dgm:cxn modelId="{9F2DEFA9-2136-4492-A38F-3A957EEB0FD1}" type="presParOf" srcId="{A9AF5B02-C771-4CE1-AF38-8D7E7F443749}" destId="{6C17C5F1-150A-491F-92CE-A1BE931BB55D}" srcOrd="1" destOrd="0" presId="urn:microsoft.com/office/officeart/2005/8/layout/list1"/>
-    <dgm:cxn modelId="{B68C9834-D03A-4B12-AD62-5E916AD0F202}" type="presParOf" srcId="{5C305753-02C2-4005-B25D-F75DD4B08137}" destId="{D97F3F94-0B46-4D37-A8E1-1DAC68B681CD}" srcOrd="13" destOrd="0" presId="urn:microsoft.com/office/officeart/2005/8/layout/list1"/>
-    <dgm:cxn modelId="{BBDFEAF1-9EF8-451F-A2D5-20C316236A23}" type="presParOf" srcId="{5C305753-02C2-4005-B25D-F75DD4B08137}" destId="{BC58E8B0-740A-43C6-B230-1401E78D7A5B}" srcOrd="14" destOrd="0" presId="urn:microsoft.com/office/officeart/2005/8/layout/list1"/>
-    <dgm:cxn modelId="{35989019-3D0C-4151-8803-33F32D0AF139}" type="presParOf" srcId="{5C305753-02C2-4005-B25D-F75DD4B08137}" destId="{61A1A8FC-AD23-4E2F-A533-544CD04D1CA9}" srcOrd="15" destOrd="0" presId="urn:microsoft.com/office/officeart/2005/8/layout/list1"/>
-    <dgm:cxn modelId="{64C94016-3BFE-4C52-8B68-3598BAB7ED6F}" type="presParOf" srcId="{5C305753-02C2-4005-B25D-F75DD4B08137}" destId="{74BE06AF-D1B6-41E2-B7D7-F20A5E34FB20}" srcOrd="16" destOrd="0" presId="urn:microsoft.com/office/officeart/2005/8/layout/list1"/>
-    <dgm:cxn modelId="{A877C959-689A-4AB3-A85E-F26FFBEA4BAB}" type="presParOf" srcId="{74BE06AF-D1B6-41E2-B7D7-F20A5E34FB20}" destId="{846A3F17-1641-4BB9-AC38-13C0E8AB7383}" srcOrd="0" destOrd="0" presId="urn:microsoft.com/office/officeart/2005/8/layout/list1"/>
-    <dgm:cxn modelId="{925AC7F5-B033-4067-8A44-35A1BB0C8B9F}" type="presParOf" srcId="{74BE06AF-D1B6-41E2-B7D7-F20A5E34FB20}" destId="{231A70AB-9760-4FFF-B875-5D31C52D60AE}" srcOrd="1" destOrd="0" presId="urn:microsoft.com/office/officeart/2005/8/layout/list1"/>
-    <dgm:cxn modelId="{75CDC6C9-D17C-4E5C-95FD-99E229AA088F}" type="presParOf" srcId="{5C305753-02C2-4005-B25D-F75DD4B08137}" destId="{8C9EB15F-97BA-48C2-B233-1F99DD2283F3}" srcOrd="17" destOrd="0" presId="urn:microsoft.com/office/officeart/2005/8/layout/list1"/>
-    <dgm:cxn modelId="{40EBBCDD-6E9B-412C-A2E4-98FF50E57A85}" type="presParOf" srcId="{5C305753-02C2-4005-B25D-F75DD4B08137}" destId="{7D8B9C6D-02C3-420B-906C-B43C36EE3306}" srcOrd="18" destOrd="0" presId="urn:microsoft.com/office/officeart/2005/8/layout/list1"/>
-    <dgm:cxn modelId="{6FF547C4-FF28-42B1-B537-FADB4AD5F9AC}" type="presParOf" srcId="{5C305753-02C2-4005-B25D-F75DD4B08137}" destId="{27077A43-AF2C-4BB7-B135-57882141D0A7}" srcOrd="19" destOrd="0" presId="urn:microsoft.com/office/officeart/2005/8/layout/list1"/>
-    <dgm:cxn modelId="{4AE42CFD-7165-4AAC-AB6A-E3E43C82BF90}" type="presParOf" srcId="{5C305753-02C2-4005-B25D-F75DD4B08137}" destId="{211C6EE7-56DB-4520-8C76-4F6B73CA2F85}" srcOrd="20" destOrd="0" presId="urn:microsoft.com/office/officeart/2005/8/layout/list1"/>
-    <dgm:cxn modelId="{939F922E-46B9-4AB4-96A1-CA04EA4964F6}" type="presParOf" srcId="{211C6EE7-56DB-4520-8C76-4F6B73CA2F85}" destId="{390F44BF-71AC-4D9F-BF5E-075FA28FE010}" srcOrd="0" destOrd="0" presId="urn:microsoft.com/office/officeart/2005/8/layout/list1"/>
-    <dgm:cxn modelId="{80A1A168-C10C-448B-9763-055B267C4B5E}" type="presParOf" srcId="{211C6EE7-56DB-4520-8C76-4F6B73CA2F85}" destId="{029B9D8C-4A77-4645-9520-CB1F079C0081}" srcOrd="1" destOrd="0" presId="urn:microsoft.com/office/officeart/2005/8/layout/list1"/>
-    <dgm:cxn modelId="{547AB6DE-747B-442B-AC76-AA050F0C99A4}" type="presParOf" srcId="{5C305753-02C2-4005-B25D-F75DD4B08137}" destId="{B327A79A-4795-4643-80F9-37F2D55457DE}" srcOrd="21" destOrd="0" presId="urn:microsoft.com/office/officeart/2005/8/layout/list1"/>
-    <dgm:cxn modelId="{6BBD468D-B441-42EF-967F-A8A1C37D42CF}" type="presParOf" srcId="{5C305753-02C2-4005-B25D-F75DD4B08137}" destId="{338DDB9A-A6BB-4D1C-8303-E07E7D076CB7}" srcOrd="22" destOrd="0" presId="urn:microsoft.com/office/officeart/2005/8/layout/list1"/>
   </dgm:cxnLst>
   <dgm:bg/>
   <dgm:whole/>
@@ -10897,8 +9233,8 @@
       </dsp:nvSpPr>
       <dsp:spPr>
         <a:xfrm>
-          <a:off x="8551" y="439170"/>
-          <a:ext cx="1889506" cy="2453791"/>
+          <a:off x="9378" y="443677"/>
+          <a:ext cx="1869357" cy="2427625"/>
         </a:xfrm>
         <a:prstGeom prst="roundRect">
           <a:avLst>
@@ -10997,8 +9333,8 @@
         </a:p>
       </dsp:txBody>
       <dsp:txXfrm>
-        <a:off x="8551" y="439170"/>
-        <a:ext cx="1889506" cy="985006"/>
+        <a:off x="9378" y="443677"/>
+        <a:ext cx="1869357" cy="974502"/>
       </dsp:txXfrm>
     </dsp:sp>
     <dsp:sp modelId="{A64C8272-FC1A-4572-A0B1-A3C36EACD2B6}">
@@ -11008,8 +9344,8 @@
       </dsp:nvSpPr>
       <dsp:spPr>
         <a:xfrm>
-          <a:off x="223962" y="1294617"/>
-          <a:ext cx="2394865" cy="2802375"/>
+          <a:off x="222491" y="1290110"/>
+          <a:ext cx="2369328" cy="2802375"/>
         </a:xfrm>
         <a:prstGeom prst="roundRect">
           <a:avLst>
@@ -11159,8 +9495,8 @@
         </a:p>
       </dsp:txBody>
       <dsp:txXfrm>
-        <a:off x="223962" y="1294617"/>
-        <a:ext cx="2394865" cy="2802375"/>
+        <a:off x="222491" y="1290110"/>
+        <a:ext cx="2369328" cy="2802375"/>
       </dsp:txXfrm>
     </dsp:sp>
     <dsp:sp modelId="{330F8E89-32DF-4BC4-AED2-91D2D7CB94C5}">
@@ -11170,8 +9506,8 @@
       </dsp:nvSpPr>
       <dsp:spPr>
         <a:xfrm rot="22739">
-          <a:off x="2086662" y="494277"/>
-          <a:ext cx="680444" cy="605538"/>
+          <a:off x="2065328" y="498196"/>
+          <a:ext cx="673188" cy="599081"/>
         </a:xfrm>
         <a:prstGeom prst="chevron">
           <a:avLst/>
@@ -11256,8 +9592,8 @@
         </a:p>
       </dsp:txBody>
       <dsp:txXfrm rot="22739">
-        <a:off x="2086662" y="494277"/>
-        <a:ext cx="680444" cy="605538"/>
+        <a:off x="2065328" y="498196"/>
+        <a:ext cx="673188" cy="599081"/>
       </dsp:txXfrm>
     </dsp:sp>
     <dsp:sp modelId="{D6C82472-F7A1-44F8-BE16-C0E2E40E0D6B}">
@@ -11267,8 +9603,8 @@
       </dsp:nvSpPr>
       <dsp:spPr>
         <a:xfrm>
-          <a:off x="3052747" y="463691"/>
-          <a:ext cx="1875317" cy="2409829"/>
+          <a:off x="3021112" y="467936"/>
+          <a:ext cx="1855319" cy="2384131"/>
         </a:xfrm>
         <a:prstGeom prst="roundRect">
           <a:avLst>
@@ -11367,8 +9703,8 @@
         </a:p>
       </dsp:txBody>
       <dsp:txXfrm>
-        <a:off x="3052747" y="463691"/>
-        <a:ext cx="1875317" cy="976142"/>
+        <a:off x="3021112" y="467936"/>
+        <a:ext cx="1855319" cy="965733"/>
       </dsp:txXfrm>
     </dsp:sp>
     <dsp:sp modelId="{3E47BC9E-87C0-4D93-83F4-A810B62AEF07}">
@@ -11378,8 +9714,8 @@
       </dsp:nvSpPr>
       <dsp:spPr>
         <a:xfrm>
-          <a:off x="3240380" y="1286027"/>
-          <a:ext cx="2529736" cy="2802375"/>
+          <a:off x="3206744" y="1281585"/>
+          <a:ext cx="2502760" cy="2802375"/>
         </a:xfrm>
         <a:prstGeom prst="roundRect">
           <a:avLst>
@@ -11529,8 +9865,8 @@
         </a:p>
       </dsp:txBody>
       <dsp:txXfrm>
-        <a:off x="3240380" y="1286027"/>
-        <a:ext cx="2529736" cy="2802375"/>
+        <a:off x="3206744" y="1281585"/>
+        <a:ext cx="2502760" cy="2802375"/>
       </dsp:txXfrm>
     </dsp:sp>
     <dsp:sp modelId="{1390A124-BEDA-4A49-9B1B-0ED2FB571A6C}">
@@ -11539,9 +9875,9 @@
         <dsp:cNvSpPr/>
       </dsp:nvSpPr>
       <dsp:spPr>
-        <a:xfrm rot="21577761">
-          <a:off x="5115198" y="528470"/>
-          <a:ext cx="652373" cy="626682"/>
+        <a:xfrm rot="31352">
+          <a:off x="5087947" y="555553"/>
+          <a:ext cx="737416" cy="620000"/>
         </a:xfrm>
         <a:prstGeom prst="chevron">
           <a:avLst/>
@@ -11625,9 +9961,9 @@
           <a:endParaRPr lang="pt-BR" sz="400" kern="1200"/>
         </a:p>
       </dsp:txBody>
-      <dsp:txXfrm rot="21577761">
-        <a:off x="5115198" y="528470"/>
-        <a:ext cx="652373" cy="626682"/>
+      <dsp:txXfrm rot="31352">
+        <a:off x="5087947" y="555553"/>
+        <a:ext cx="737416" cy="620000"/>
       </dsp:txXfrm>
     </dsp:sp>
     <dsp:sp modelId="{944B484B-F688-4CFA-A4FB-08B237CA5903}">
@@ -11637,8 +9973,8 @@
       </dsp:nvSpPr>
       <dsp:spPr>
         <a:xfrm>
-          <a:off x="5981709" y="455029"/>
-          <a:ext cx="1838479" cy="2310477"/>
+          <a:off x="6067404" y="506689"/>
+          <a:ext cx="2055167" cy="2285840"/>
         </a:xfrm>
         <a:prstGeom prst="roundRect">
           <a:avLst>
@@ -11737,8 +10073,8 @@
         </a:p>
       </dsp:txBody>
       <dsp:txXfrm>
-        <a:off x="5981709" y="455029"/>
-        <a:ext cx="1838479" cy="955809"/>
+        <a:off x="6067404" y="506689"/>
+        <a:ext cx="2055167" cy="945616"/>
       </dsp:txXfrm>
     </dsp:sp>
     <dsp:sp modelId="{1993AEF3-68C8-4F83-9F1E-D1B7B5B4963C}">
@@ -11748,8 +10084,8 @@
       </dsp:nvSpPr>
       <dsp:spPr>
         <a:xfrm>
-          <a:off x="6176489" y="1265013"/>
-          <a:ext cx="2501758" cy="2802375"/>
+          <a:off x="6202340" y="1260713"/>
+          <a:ext cx="2475081" cy="2802375"/>
         </a:xfrm>
         <a:prstGeom prst="roundRect">
           <a:avLst>
@@ -11926,8 +10262,8 @@
         </a:p>
       </dsp:txBody>
       <dsp:txXfrm>
-        <a:off x="6176489" y="1265013"/>
-        <a:ext cx="2501758" cy="2802375"/>
+        <a:off x="6202340" y="1260713"/>
+        <a:ext cx="2475081" cy="2802375"/>
       </dsp:txXfrm>
     </dsp:sp>
   </dsp:spTree>
@@ -11942,83 +10278,43 @@
       <dsp:cNvGrpSpPr/>
     </dsp:nvGrpSpPr>
     <dsp:grpSpPr/>
-    <dsp:sp modelId="{0485A0FB-C96E-42E5-BCAA-9C72A8F02D43}">
+    <dsp:sp modelId="{23A81FDC-FE23-46E1-83D8-467212E5D635}">
       <dsp:nvSpPr>
         <dsp:cNvPr id="0" name=""/>
         <dsp:cNvSpPr/>
       </dsp:nvSpPr>
       <dsp:spPr>
         <a:xfrm>
-          <a:off x="13409" y="417612"/>
-          <a:ext cx="1997327" cy="1223823"/>
+          <a:off x="11980" y="921402"/>
+          <a:ext cx="1965322" cy="1083220"/>
         </a:xfrm>
         <a:prstGeom prst="roundRect">
           <a:avLst>
             <a:gd name="adj" fmla="val 10000"/>
           </a:avLst>
         </a:prstGeom>
-        <a:gradFill rotWithShape="0">
-          <a:gsLst>
-            <a:gs pos="0">
-              <a:schemeClr val="accent1">
-                <a:hueOff val="0"/>
-                <a:satOff val="0"/>
-                <a:lumOff val="0"/>
-                <a:alphaOff val="0"/>
-                <a:shade val="51000"/>
-                <a:satMod val="130000"/>
-              </a:schemeClr>
-            </a:gs>
-            <a:gs pos="80000">
-              <a:schemeClr val="accent1">
-                <a:hueOff val="0"/>
-                <a:satOff val="0"/>
-                <a:lumOff val="0"/>
-                <a:alphaOff val="0"/>
-                <a:shade val="93000"/>
-                <a:satMod val="130000"/>
-              </a:schemeClr>
-            </a:gs>
-            <a:gs pos="100000">
-              <a:schemeClr val="accent1">
-                <a:hueOff val="0"/>
-                <a:satOff val="0"/>
-                <a:lumOff val="0"/>
-                <a:alphaOff val="0"/>
-                <a:shade val="94000"/>
-                <a:satMod val="135000"/>
-              </a:schemeClr>
-            </a:gs>
-          </a:gsLst>
-          <a:lin ang="16200000" scaled="0"/>
-        </a:gradFill>
-        <a:ln>
+        <a:solidFill>
+          <a:schemeClr val="accent1">
+            <a:hueOff val="0"/>
+            <a:satOff val="0"/>
+            <a:lumOff val="0"/>
+            <a:alphaOff val="0"/>
+          </a:schemeClr>
+        </a:solidFill>
+        <a:ln w="25400" cap="flat" cmpd="sng" algn="ctr">
           <a:noFill/>
+          <a:prstDash val="solid"/>
         </a:ln>
-        <a:effectLst>
-          <a:outerShdw blurRad="40000" dist="23000" dir="5400000" rotWithShape="0">
-            <a:srgbClr val="000000">
-              <a:alpha val="35000"/>
-            </a:srgbClr>
-          </a:outerShdw>
-        </a:effectLst>
-        <a:scene3d>
-          <a:camera prst="orthographicFront"/>
-          <a:lightRig rig="flat" dir="t"/>
-        </a:scene3d>
-        <a:sp3d prstMaterial="plastic">
-          <a:bevelT w="120900" h="88900"/>
-          <a:bevelB w="88900" h="31750" prst="angle"/>
-        </a:sp3d>
+        <a:effectLst/>
       </dsp:spPr>
       <dsp:style>
-        <a:lnRef idx="0">
+        <a:lnRef idx="2">
           <a:scrgbClr r="0" g="0" b="0"/>
         </a:lnRef>
-        <a:fillRef idx="3">
+        <a:fillRef idx="1">
           <a:scrgbClr r="0" g="0" b="0"/>
         </a:fillRef>
-        <a:effectRef idx="2">
+        <a:effectRef idx="0">
           <a:scrgbClr r="0" g="0" b="0"/>
         </a:effectRef>
         <a:fontRef idx="minor">
@@ -12026,12 +10322,12 @@
         </a:fontRef>
       </dsp:style>
       <dsp:txBody>
-        <a:bodyPr spcFirstLastPara="0" vert="horz" wrap="square" lIns="142240" tIns="142240" rIns="142240" bIns="76200" numCol="1" spcCol="1270" anchor="t" anchorCtr="0">
+        <a:bodyPr spcFirstLastPara="0" vert="horz" wrap="square" lIns="128016" tIns="128016" rIns="128016" bIns="68580" numCol="1" spcCol="1270" anchor="t" anchorCtr="0">
           <a:noAutofit/>
         </a:bodyPr>
         <a:lstStyle/>
         <a:p>
-          <a:pPr lvl="0" algn="l" defTabSz="889000">
+          <a:pPr lvl="0" algn="l" defTabSz="800100">
             <a:lnSpc>
               <a:spcPct val="90000"/>
             </a:lnSpc>
@@ -12043,30 +10339,26 @@
             </a:spcAft>
           </a:pPr>
           <a:r>
-            <a:rPr lang="pt-BR" sz="2000" b="1" kern="1200" smtClean="0"/>
-            <a:t>Base </a:t>
+            <a:rPr lang="pt-BR" sz="1800" b="1" kern="1200" dirty="0" smtClean="0"/>
+            <a:t>Base de dados </a:t>
           </a:r>
-          <a:r>
-            <a:rPr lang="pt-BR" sz="2000" b="1" kern="1200" dirty="0" smtClean="0"/>
-            <a:t>de dados </a:t>
-          </a:r>
-          <a:endParaRPr lang="pt-BR" sz="2000" b="1" kern="1200" dirty="0"/>
+          <a:endParaRPr lang="pt-BR" sz="1800" kern="1200" dirty="0"/>
         </a:p>
       </dsp:txBody>
       <dsp:txXfrm>
-        <a:off x="13409" y="417612"/>
-        <a:ext cx="1997327" cy="815882"/>
+        <a:off x="11980" y="921402"/>
+        <a:ext cx="1965322" cy="722146"/>
       </dsp:txXfrm>
     </dsp:sp>
-    <dsp:sp modelId="{01AD925A-7CA7-4489-9AE4-70C9408355AF}">
+    <dsp:sp modelId="{1783A185-A351-47B7-938E-04682AAF5F45}">
       <dsp:nvSpPr>
         <dsp:cNvPr id="0" name=""/>
         <dsp:cNvSpPr/>
       </dsp:nvSpPr>
       <dsp:spPr>
         <a:xfrm>
-          <a:off x="306012" y="877226"/>
-          <a:ext cx="2083347" cy="2152356"/>
+          <a:off x="91216" y="1656186"/>
+          <a:ext cx="2156934" cy="1315087"/>
         </a:xfrm>
         <a:prstGeom prst="roundRect">
           <a:avLst>
@@ -12082,51 +10374,31 @@
             <a:alphaOff val="0"/>
           </a:schemeClr>
         </a:solidFill>
-        <a:ln w="9525" cap="flat" cmpd="sng" algn="ctr">
-          <a:solidFill>
-            <a:schemeClr val="accent1">
-              <a:hueOff val="0"/>
-              <a:satOff val="0"/>
-              <a:lumOff val="0"/>
-              <a:alphaOff val="0"/>
-            </a:schemeClr>
-          </a:solidFill>
+        <a:ln w="25400" cap="flat" cmpd="sng" algn="ctr">
+          <a:noFill/>
           <a:prstDash val="solid"/>
         </a:ln>
-        <a:effectLst>
-          <a:outerShdw blurRad="40000" dist="23000" dir="5400000" rotWithShape="0">
-            <a:srgbClr val="000000">
-              <a:alpha val="35000"/>
-            </a:srgbClr>
-          </a:outerShdw>
-        </a:effectLst>
-        <a:scene3d>
-          <a:camera prst="orthographicFront"/>
-          <a:lightRig rig="flat" dir="t"/>
-        </a:scene3d>
-        <a:sp3d z="190500" extrusionH="12700" prstMaterial="plastic">
-          <a:bevelT w="50800" h="50800"/>
-        </a:sp3d>
+        <a:effectLst/>
       </dsp:spPr>
       <dsp:style>
-        <a:lnRef idx="1">
+        <a:lnRef idx="2">
           <a:scrgbClr r="0" g="0" b="0"/>
         </a:lnRef>
         <a:fillRef idx="1">
           <a:scrgbClr r="0" g="0" b="0"/>
         </a:fillRef>
-        <a:effectRef idx="2">
+        <a:effectRef idx="0">
           <a:scrgbClr r="0" g="0" b="0"/>
         </a:effectRef>
         <a:fontRef idx="minor"/>
       </dsp:style>
       <dsp:txBody>
-        <a:bodyPr spcFirstLastPara="0" vert="horz" wrap="square" lIns="142240" tIns="142240" rIns="142240" bIns="142240" numCol="1" spcCol="1270" anchor="t" anchorCtr="0">
+        <a:bodyPr spcFirstLastPara="0" vert="horz" wrap="square" lIns="128016" tIns="128016" rIns="128016" bIns="128016" numCol="1" spcCol="1270" anchor="t" anchorCtr="0">
           <a:noAutofit/>
         </a:bodyPr>
         <a:lstStyle/>
         <a:p>
-          <a:pPr marL="228600" lvl="1" indent="-228600" algn="l" defTabSz="889000">
+          <a:pPr marL="171450" lvl="1" indent="-171450" algn="l" defTabSz="800100">
             <a:lnSpc>
               <a:spcPct val="90000"/>
             </a:lnSpc>
@@ -12139,10 +10411,10 @@
             <a:buChar char="••"/>
           </a:pPr>
           <a:r>
-            <a:rPr lang="pt-BR" sz="2000" b="1" kern="1200" dirty="0" smtClean="0"/>
+            <a:rPr lang="pt-BR" sz="1800" b="1" kern="1200" dirty="0" smtClean="0"/>
             <a:t>Ambiente de servidor de dados</a:t>
           </a:r>
-          <a:endParaRPr lang="pt-BR" sz="2000" b="1" kern="1200" dirty="0">
+          <a:endParaRPr lang="pt-BR" sz="1800" b="1" kern="1200" dirty="0">
             <a:solidFill>
               <a:srgbClr val="66FFFF"/>
             </a:solidFill>
@@ -12150,25 +10422,25 @@
         </a:p>
       </dsp:txBody>
       <dsp:txXfrm>
-        <a:off x="306012" y="877226"/>
-        <a:ext cx="2083347" cy="2152356"/>
+        <a:off x="91216" y="1656186"/>
+        <a:ext cx="2156934" cy="1315087"/>
       </dsp:txXfrm>
     </dsp:sp>
-    <dsp:sp modelId="{9986BED9-1E6C-4CA8-9EA5-87820C541D88}">
+    <dsp:sp modelId="{0D8DDBC3-04F3-45D7-8C4C-0A1114F238CC}">
       <dsp:nvSpPr>
         <dsp:cNvPr id="0" name=""/>
         <dsp:cNvSpPr/>
       </dsp:nvSpPr>
       <dsp:spPr>
-        <a:xfrm rot="21583160">
-          <a:off x="2214567" y="455038"/>
-          <a:ext cx="538259" cy="419848"/>
+        <a:xfrm rot="41298">
+          <a:off x="2234840" y="939715"/>
+          <a:ext cx="603319" cy="434678"/>
         </a:xfrm>
         <a:prstGeom prst="leftArrow">
           <a:avLst/>
         </a:prstGeom>
         <a:solidFill>
-          <a:srgbClr val="00B0F0"/>
+          <a:srgbClr val="0070C0"/>
         </a:solidFill>
         <a:ln>
           <a:noFill/>
@@ -12181,23 +10453,26 @@
           </a:outerShdw>
         </a:effectLst>
         <a:scene3d>
-          <a:camera prst="orthographicFront"/>
-          <a:lightRig rig="flat" dir="t"/>
+          <a:camera prst="orthographicFront">
+            <a:rot lat="0" lon="0" rev="0"/>
+          </a:camera>
+          <a:lightRig rig="threePt" dir="t">
+            <a:rot lat="0" lon="0" rev="1200000"/>
+          </a:lightRig>
         </a:scene3d>
-        <a:sp3d z="-80000" prstMaterial="plastic">
-          <a:bevelT w="50800" h="50800"/>
-          <a:bevelB w="25400" h="25400" prst="angle"/>
+        <a:sp3d>
+          <a:bevelT w="63500" h="25400"/>
         </a:sp3d>
       </dsp:spPr>
       <dsp:style>
         <a:lnRef idx="0">
-          <a:scrgbClr r="0" g="0" b="0"/>
+          <a:schemeClr val="accent6"/>
         </a:lnRef>
         <a:fillRef idx="3">
-          <a:scrgbClr r="0" g="0" b="0"/>
+          <a:schemeClr val="accent6"/>
         </a:fillRef>
-        <a:effectRef idx="2">
-          <a:scrgbClr r="0" g="0" b="0"/>
+        <a:effectRef idx="3">
+          <a:schemeClr val="accent6"/>
         </a:effectRef>
         <a:fontRef idx="minor">
           <a:schemeClr val="lt1"/>
@@ -12209,7 +10484,7 @@
         </a:bodyPr>
         <a:lstStyle/>
         <a:p>
-          <a:pPr lvl="0" algn="ctr" defTabSz="444500">
+          <a:pPr lvl="0" algn="ctr" defTabSz="622300">
             <a:lnSpc>
               <a:spcPct val="90000"/>
             </a:lnSpc>
@@ -12220,91 +10495,51 @@
               <a:spcPct val="35000"/>
             </a:spcAft>
           </a:pPr>
-          <a:endParaRPr lang="pt-BR" sz="1000" kern="1200"/>
+          <a:endParaRPr lang="pt-BR" sz="1400" kern="1200"/>
         </a:p>
       </dsp:txBody>
-      <dsp:txXfrm rot="21583160">
-        <a:off x="2214567" y="455038"/>
-        <a:ext cx="538259" cy="419848"/>
+      <dsp:txXfrm rot="41298">
+        <a:off x="2234840" y="939715"/>
+        <a:ext cx="603319" cy="434678"/>
       </dsp:txXfrm>
     </dsp:sp>
-    <dsp:sp modelId="{6F0A5B10-B2E3-4C10-8EF4-E66809BE6F24}">
+    <dsp:sp modelId="{D9CF8E2C-C537-4466-ABF3-2D697D4B73B4}">
       <dsp:nvSpPr>
         <dsp:cNvPr id="0" name=""/>
         <dsp:cNvSpPr/>
       </dsp:nvSpPr>
       <dsp:spPr>
         <a:xfrm>
-          <a:off x="3058625" y="401550"/>
-          <a:ext cx="2181812" cy="1225901"/>
+          <a:off x="3115559" y="936104"/>
+          <a:ext cx="1854510" cy="1148973"/>
         </a:xfrm>
         <a:prstGeom prst="roundRect">
           <a:avLst>
             <a:gd name="adj" fmla="val 10000"/>
           </a:avLst>
         </a:prstGeom>
-        <a:gradFill rotWithShape="0">
-          <a:gsLst>
-            <a:gs pos="0">
-              <a:schemeClr val="accent1">
-                <a:hueOff val="0"/>
-                <a:satOff val="0"/>
-                <a:lumOff val="0"/>
-                <a:alphaOff val="0"/>
-                <a:shade val="51000"/>
-                <a:satMod val="130000"/>
-              </a:schemeClr>
-            </a:gs>
-            <a:gs pos="80000">
-              <a:schemeClr val="accent1">
-                <a:hueOff val="0"/>
-                <a:satOff val="0"/>
-                <a:lumOff val="0"/>
-                <a:alphaOff val="0"/>
-                <a:shade val="93000"/>
-                <a:satMod val="130000"/>
-              </a:schemeClr>
-            </a:gs>
-            <a:gs pos="100000">
-              <a:schemeClr val="accent1">
-                <a:hueOff val="0"/>
-                <a:satOff val="0"/>
-                <a:lumOff val="0"/>
-                <a:alphaOff val="0"/>
-                <a:shade val="94000"/>
-                <a:satMod val="135000"/>
-              </a:schemeClr>
-            </a:gs>
-          </a:gsLst>
-          <a:lin ang="16200000" scaled="0"/>
-        </a:gradFill>
-        <a:ln>
+        <a:solidFill>
+          <a:schemeClr val="accent1">
+            <a:hueOff val="0"/>
+            <a:satOff val="0"/>
+            <a:lumOff val="0"/>
+            <a:alphaOff val="0"/>
+          </a:schemeClr>
+        </a:solidFill>
+        <a:ln w="25400" cap="flat" cmpd="sng" algn="ctr">
           <a:noFill/>
+          <a:prstDash val="solid"/>
         </a:ln>
-        <a:effectLst>
-          <a:outerShdw blurRad="40000" dist="23000" dir="5400000" rotWithShape="0">
-            <a:srgbClr val="000000">
-              <a:alpha val="35000"/>
-            </a:srgbClr>
-          </a:outerShdw>
-        </a:effectLst>
-        <a:scene3d>
-          <a:camera prst="orthographicFront"/>
-          <a:lightRig rig="flat" dir="t"/>
-        </a:scene3d>
-        <a:sp3d prstMaterial="plastic">
-          <a:bevelT w="120900" h="88900"/>
-          <a:bevelB w="88900" h="31750" prst="angle"/>
-        </a:sp3d>
+        <a:effectLst/>
       </dsp:spPr>
       <dsp:style>
-        <a:lnRef idx="0">
+        <a:lnRef idx="2">
           <a:scrgbClr r="0" g="0" b="0"/>
         </a:lnRef>
-        <a:fillRef idx="3">
+        <a:fillRef idx="1">
           <a:scrgbClr r="0" g="0" b="0"/>
         </a:fillRef>
-        <a:effectRef idx="2">
+        <a:effectRef idx="0">
           <a:scrgbClr r="0" g="0" b="0"/>
         </a:effectRef>
         <a:fontRef idx="minor">
@@ -12312,12 +10547,12 @@
         </a:fontRef>
       </dsp:style>
       <dsp:txBody>
-        <a:bodyPr spcFirstLastPara="0" vert="horz" wrap="square" lIns="142240" tIns="142240" rIns="142240" bIns="76200" numCol="1" spcCol="1270" anchor="t" anchorCtr="0">
+        <a:bodyPr spcFirstLastPara="0" vert="horz" wrap="square" lIns="128016" tIns="128016" rIns="128016" bIns="68580" numCol="1" spcCol="1270" anchor="t" anchorCtr="0">
           <a:noAutofit/>
         </a:bodyPr>
         <a:lstStyle/>
         <a:p>
-          <a:pPr lvl="0" algn="l" defTabSz="889000">
+          <a:pPr lvl="0" algn="l" defTabSz="800100">
             <a:lnSpc>
               <a:spcPct val="90000"/>
             </a:lnSpc>
@@ -12329,26 +10564,26 @@
             </a:spcAft>
           </a:pPr>
           <a:r>
-            <a:rPr lang="pt-BR" sz="2000" b="1" kern="1200" dirty="0" smtClean="0"/>
+            <a:rPr lang="pt-BR" sz="1800" b="1" kern="1200" dirty="0" smtClean="0"/>
             <a:t>Aplicação</a:t>
           </a:r>
-          <a:endParaRPr lang="pt-BR" sz="2000" b="1" kern="1200" dirty="0"/>
+          <a:endParaRPr lang="pt-BR" sz="1800" b="1" kern="1200" dirty="0"/>
         </a:p>
       </dsp:txBody>
       <dsp:txXfrm>
-        <a:off x="3058625" y="401550"/>
-        <a:ext cx="2181812" cy="817267"/>
+        <a:off x="3115559" y="936104"/>
+        <a:ext cx="1854510" cy="765982"/>
       </dsp:txXfrm>
     </dsp:sp>
-    <dsp:sp modelId="{F26C71D2-1B5B-43C3-9D83-12F332E90749}">
+    <dsp:sp modelId="{19F101B7-1293-49A5-B6A7-13A570F8EC9D}">
       <dsp:nvSpPr>
         <dsp:cNvPr id="0" name=""/>
         <dsp:cNvSpPr/>
       </dsp:nvSpPr>
       <dsp:spPr>
         <a:xfrm>
-          <a:off x="3461160" y="831118"/>
-          <a:ext cx="2083347" cy="2214527"/>
+          <a:off x="3328051" y="1683840"/>
+          <a:ext cx="2156934" cy="1279203"/>
         </a:xfrm>
         <a:prstGeom prst="roundRect">
           <a:avLst>
@@ -12364,51 +10599,31 @@
             <a:alphaOff val="0"/>
           </a:schemeClr>
         </a:solidFill>
-        <a:ln w="9525" cap="flat" cmpd="sng" algn="ctr">
-          <a:solidFill>
-            <a:schemeClr val="accent1">
-              <a:hueOff val="0"/>
-              <a:satOff val="0"/>
-              <a:lumOff val="0"/>
-              <a:alphaOff val="0"/>
-            </a:schemeClr>
-          </a:solidFill>
+        <a:ln w="25400" cap="flat" cmpd="sng" algn="ctr">
+          <a:noFill/>
           <a:prstDash val="solid"/>
         </a:ln>
-        <a:effectLst>
-          <a:outerShdw blurRad="40000" dist="23000" dir="5400000" rotWithShape="0">
-            <a:srgbClr val="000000">
-              <a:alpha val="35000"/>
-            </a:srgbClr>
-          </a:outerShdw>
-        </a:effectLst>
-        <a:scene3d>
-          <a:camera prst="orthographicFront"/>
-          <a:lightRig rig="flat" dir="t"/>
-        </a:scene3d>
-        <a:sp3d z="190500" extrusionH="12700" prstMaterial="plastic">
-          <a:bevelT w="50800" h="50800"/>
-        </a:sp3d>
+        <a:effectLst/>
       </dsp:spPr>
       <dsp:style>
-        <a:lnRef idx="1">
+        <a:lnRef idx="2">
           <a:scrgbClr r="0" g="0" b="0"/>
         </a:lnRef>
         <a:fillRef idx="1">
           <a:scrgbClr r="0" g="0" b="0"/>
         </a:fillRef>
-        <a:effectRef idx="2">
+        <a:effectRef idx="0">
           <a:scrgbClr r="0" g="0" b="0"/>
         </a:effectRef>
         <a:fontRef idx="minor"/>
       </dsp:style>
       <dsp:txBody>
-        <a:bodyPr spcFirstLastPara="0" vert="horz" wrap="square" lIns="142240" tIns="142240" rIns="142240" bIns="142240" numCol="1" spcCol="1270" anchor="t" anchorCtr="0">
+        <a:bodyPr spcFirstLastPara="0" vert="horz" wrap="square" lIns="128016" tIns="128016" rIns="128016" bIns="128016" numCol="1" spcCol="1270" anchor="t" anchorCtr="0">
           <a:noAutofit/>
         </a:bodyPr>
         <a:lstStyle/>
         <a:p>
-          <a:pPr marL="228600" lvl="1" indent="-228600" algn="l" defTabSz="889000">
+          <a:pPr marL="171450" lvl="1" indent="-171450" algn="l" defTabSz="800100">
             <a:lnSpc>
               <a:spcPct val="90000"/>
             </a:lnSpc>
@@ -12421,32 +10636,40 @@
             <a:buChar char="••"/>
           </a:pPr>
           <a:r>
-            <a:rPr lang="pt-BR" sz="2000" b="1" kern="1200" dirty="0" smtClean="0"/>
-            <a:t>Processa de solicitações de usuário</a:t>
+            <a:rPr lang="pt-BR" sz="1800" b="1" kern="1200" dirty="0" smtClean="0"/>
+            <a:t>Processa </a:t>
           </a:r>
-          <a:endParaRPr lang="pt-BR" sz="2000" b="1" kern="1200" dirty="0"/>
+          <a:r>
+            <a:rPr lang="pt-BR" sz="1800" b="1" kern="1200" dirty="0" smtClean="0"/>
+            <a:t> </a:t>
+          </a:r>
+          <a:r>
+            <a:rPr lang="pt-BR" sz="1800" b="1" kern="1200" dirty="0" smtClean="0"/>
+            <a:t>solicitações de usuário</a:t>
+          </a:r>
+          <a:endParaRPr lang="pt-BR" sz="1800" b="1" kern="1200" dirty="0"/>
         </a:p>
       </dsp:txBody>
       <dsp:txXfrm>
-        <a:off x="3461160" y="831118"/>
-        <a:ext cx="2083347" cy="2214527"/>
+        <a:off x="3328051" y="1683840"/>
+        <a:ext cx="2156934" cy="1279203"/>
       </dsp:txXfrm>
     </dsp:sp>
-    <dsp:sp modelId="{6426DFE0-48C9-4067-B292-3D8AAA497A0A}">
+    <dsp:sp modelId="{99D445AC-4F8A-47EC-8411-131EBEC8B388}">
       <dsp:nvSpPr>
         <dsp:cNvPr id="0" name=""/>
         <dsp:cNvSpPr/>
       </dsp:nvSpPr>
       <dsp:spPr>
-        <a:xfrm rot="21583495">
-          <a:off x="5508784" y="389279"/>
-          <a:ext cx="537341" cy="419848"/>
+        <a:xfrm rot="21599674">
+          <a:off x="5256605" y="936135"/>
+          <a:ext cx="628779" cy="434678"/>
         </a:xfrm>
         <a:prstGeom prst="leftArrow">
           <a:avLst/>
         </a:prstGeom>
         <a:solidFill>
-          <a:srgbClr val="00B0F0"/>
+          <a:srgbClr val="0070C0"/>
         </a:solidFill>
         <a:ln>
           <a:noFill/>
@@ -12459,23 +10682,26 @@
           </a:outerShdw>
         </a:effectLst>
         <a:scene3d>
-          <a:camera prst="orthographicFront"/>
-          <a:lightRig rig="flat" dir="t"/>
+          <a:camera prst="orthographicFront">
+            <a:rot lat="0" lon="0" rev="0"/>
+          </a:camera>
+          <a:lightRig rig="threePt" dir="t">
+            <a:rot lat="0" lon="0" rev="1200000"/>
+          </a:lightRig>
         </a:scene3d>
-        <a:sp3d z="-80000" prstMaterial="plastic">
-          <a:bevelT w="50800" h="50800"/>
-          <a:bevelB w="25400" h="25400" prst="angle"/>
+        <a:sp3d>
+          <a:bevelT w="63500" h="25400"/>
         </a:sp3d>
       </dsp:spPr>
       <dsp:style>
         <a:lnRef idx="0">
-          <a:scrgbClr r="0" g="0" b="0"/>
+          <a:schemeClr val="accent6"/>
         </a:lnRef>
         <a:fillRef idx="3">
-          <a:scrgbClr r="0" g="0" b="0"/>
+          <a:schemeClr val="accent6"/>
         </a:fillRef>
-        <a:effectRef idx="2">
-          <a:scrgbClr r="0" g="0" b="0"/>
+        <a:effectRef idx="3">
+          <a:schemeClr val="accent6"/>
         </a:effectRef>
         <a:fontRef idx="minor">
           <a:schemeClr val="lt1"/>
@@ -12487,7 +10713,7 @@
         </a:bodyPr>
         <a:lstStyle/>
         <a:p>
-          <a:pPr lvl="0" algn="ctr" defTabSz="444500">
+          <a:pPr lvl="0" algn="ctr" defTabSz="622300">
             <a:lnSpc>
               <a:spcPct val="90000"/>
             </a:lnSpc>
@@ -12498,91 +10724,51 @@
               <a:spcPct val="35000"/>
             </a:spcAft>
           </a:pPr>
-          <a:endParaRPr lang="pt-BR" sz="1000" kern="1200"/>
+          <a:endParaRPr lang="pt-BR" sz="1400" kern="1200"/>
         </a:p>
       </dsp:txBody>
-      <dsp:txXfrm rot="21583495">
-        <a:off x="5508784" y="389279"/>
-        <a:ext cx="537341" cy="419848"/>
+      <dsp:txXfrm rot="21599674">
+        <a:off x="5256605" y="936135"/>
+        <a:ext cx="628779" cy="434678"/>
       </dsp:txXfrm>
     </dsp:sp>
-    <dsp:sp modelId="{0C769A1E-767C-46A7-9C71-600FC05CC6D4}">
+    <dsp:sp modelId="{E3EB19EC-0F94-4E9B-9DC0-EA9F269A84F3}">
       <dsp:nvSpPr>
         <dsp:cNvPr id="0" name=""/>
         <dsp:cNvSpPr/>
       </dsp:nvSpPr>
       <dsp:spPr>
         <a:xfrm>
-          <a:off x="6286538" y="407847"/>
-          <a:ext cx="2148844" cy="1160754"/>
+          <a:off x="6194198" y="936104"/>
+          <a:ext cx="1745897" cy="1148110"/>
         </a:xfrm>
         <a:prstGeom prst="roundRect">
           <a:avLst>
             <a:gd name="adj" fmla="val 10000"/>
           </a:avLst>
         </a:prstGeom>
-        <a:gradFill rotWithShape="0">
-          <a:gsLst>
-            <a:gs pos="0">
-              <a:schemeClr val="accent1">
-                <a:hueOff val="0"/>
-                <a:satOff val="0"/>
-                <a:lumOff val="0"/>
-                <a:alphaOff val="0"/>
-                <a:shade val="51000"/>
-                <a:satMod val="130000"/>
-              </a:schemeClr>
-            </a:gs>
-            <a:gs pos="80000">
-              <a:schemeClr val="accent1">
-                <a:hueOff val="0"/>
-                <a:satOff val="0"/>
-                <a:lumOff val="0"/>
-                <a:alphaOff val="0"/>
-                <a:shade val="93000"/>
-                <a:satMod val="130000"/>
-              </a:schemeClr>
-            </a:gs>
-            <a:gs pos="100000">
-              <a:schemeClr val="accent1">
-                <a:hueOff val="0"/>
-                <a:satOff val="0"/>
-                <a:lumOff val="0"/>
-                <a:alphaOff val="0"/>
-                <a:shade val="94000"/>
-                <a:satMod val="135000"/>
-              </a:schemeClr>
-            </a:gs>
-          </a:gsLst>
-          <a:lin ang="16200000" scaled="0"/>
-        </a:gradFill>
-        <a:ln>
+        <a:solidFill>
+          <a:schemeClr val="accent1">
+            <a:hueOff val="0"/>
+            <a:satOff val="0"/>
+            <a:lumOff val="0"/>
+            <a:alphaOff val="0"/>
+          </a:schemeClr>
+        </a:solidFill>
+        <a:ln w="25400" cap="flat" cmpd="sng" algn="ctr">
           <a:noFill/>
+          <a:prstDash val="solid"/>
         </a:ln>
-        <a:effectLst>
-          <a:outerShdw blurRad="40000" dist="23000" dir="5400000" rotWithShape="0">
-            <a:srgbClr val="000000">
-              <a:alpha val="35000"/>
-            </a:srgbClr>
-          </a:outerShdw>
-        </a:effectLst>
-        <a:scene3d>
-          <a:camera prst="orthographicFront"/>
-          <a:lightRig rig="flat" dir="t"/>
-        </a:scene3d>
-        <a:sp3d prstMaterial="plastic">
-          <a:bevelT w="120900" h="88900"/>
-          <a:bevelB w="88900" h="31750" prst="angle"/>
-        </a:sp3d>
+        <a:effectLst/>
       </dsp:spPr>
       <dsp:style>
-        <a:lnRef idx="0">
+        <a:lnRef idx="2">
           <a:scrgbClr r="0" g="0" b="0"/>
         </a:lnRef>
-        <a:fillRef idx="3">
+        <a:fillRef idx="1">
           <a:scrgbClr r="0" g="0" b="0"/>
         </a:fillRef>
-        <a:effectRef idx="2">
+        <a:effectRef idx="0">
           <a:scrgbClr r="0" g="0" b="0"/>
         </a:effectRef>
         <a:fontRef idx="minor">
@@ -12590,12 +10776,12 @@
         </a:fontRef>
       </dsp:style>
       <dsp:txBody>
-        <a:bodyPr spcFirstLastPara="0" vert="horz" wrap="square" lIns="142240" tIns="142240" rIns="142240" bIns="76200" numCol="1" spcCol="1270" anchor="t" anchorCtr="0">
+        <a:bodyPr spcFirstLastPara="0" vert="horz" wrap="square" lIns="128016" tIns="128016" rIns="128016" bIns="68580" numCol="1" spcCol="1270" anchor="t" anchorCtr="0">
           <a:noAutofit/>
         </a:bodyPr>
         <a:lstStyle/>
         <a:p>
-          <a:pPr lvl="0" algn="l" defTabSz="889000">
+          <a:pPr lvl="0" algn="l" defTabSz="800100">
             <a:lnSpc>
               <a:spcPct val="90000"/>
             </a:lnSpc>
@@ -12607,26 +10793,26 @@
             </a:spcAft>
           </a:pPr>
           <a:r>
-            <a:rPr lang="pt-BR" sz="2000" b="1" kern="1200" dirty="0" smtClean="0"/>
+            <a:rPr lang="pt-BR" sz="1800" b="1" kern="1200" dirty="0" smtClean="0"/>
             <a:t>Usuário</a:t>
           </a:r>
-          <a:endParaRPr lang="pt-BR" sz="2000" b="1" kern="1200" dirty="0"/>
+          <a:endParaRPr lang="pt-BR" sz="1800" b="1" kern="1200" dirty="0"/>
         </a:p>
       </dsp:txBody>
       <dsp:txXfrm>
-        <a:off x="6286538" y="407847"/>
-        <a:ext cx="2148844" cy="773836"/>
+        <a:off x="6194198" y="936104"/>
+        <a:ext cx="1745897" cy="765407"/>
       </dsp:txXfrm>
     </dsp:sp>
-    <dsp:sp modelId="{F28562CB-6812-4937-94DD-6D3F41B217CE}">
+    <dsp:sp modelId="{D3586C2A-A6CA-4EF7-ABFF-52B7F857613F}">
       <dsp:nvSpPr>
         <dsp:cNvPr id="0" name=""/>
         <dsp:cNvSpPr/>
       </dsp:nvSpPr>
       <dsp:spPr>
         <a:xfrm>
-          <a:off x="6603452" y="856430"/>
-          <a:ext cx="2083347" cy="2167767"/>
+          <a:off x="6338224" y="1656188"/>
+          <a:ext cx="2156934" cy="1280935"/>
         </a:xfrm>
         <a:prstGeom prst="roundRect">
           <a:avLst>
@@ -12642,51 +10828,31 @@
             <a:alphaOff val="0"/>
           </a:schemeClr>
         </a:solidFill>
-        <a:ln w="9525" cap="flat" cmpd="sng" algn="ctr">
-          <a:solidFill>
-            <a:schemeClr val="accent1">
-              <a:hueOff val="0"/>
-              <a:satOff val="0"/>
-              <a:lumOff val="0"/>
-              <a:alphaOff val="0"/>
-            </a:schemeClr>
-          </a:solidFill>
+        <a:ln w="25400" cap="flat" cmpd="sng" algn="ctr">
+          <a:noFill/>
           <a:prstDash val="solid"/>
         </a:ln>
-        <a:effectLst>
-          <a:outerShdw blurRad="40000" dist="23000" dir="5400000" rotWithShape="0">
-            <a:srgbClr val="000000">
-              <a:alpha val="35000"/>
-            </a:srgbClr>
-          </a:outerShdw>
-        </a:effectLst>
-        <a:scene3d>
-          <a:camera prst="orthographicFront"/>
-          <a:lightRig rig="flat" dir="t"/>
-        </a:scene3d>
-        <a:sp3d z="190500" extrusionH="12700" prstMaterial="plastic">
-          <a:bevelT w="50800" h="50800"/>
-        </a:sp3d>
+        <a:effectLst/>
       </dsp:spPr>
       <dsp:style>
-        <a:lnRef idx="1">
+        <a:lnRef idx="2">
           <a:scrgbClr r="0" g="0" b="0"/>
         </a:lnRef>
         <a:fillRef idx="1">
           <a:scrgbClr r="0" g="0" b="0"/>
         </a:fillRef>
-        <a:effectRef idx="2">
+        <a:effectRef idx="0">
           <a:scrgbClr r="0" g="0" b="0"/>
         </a:effectRef>
         <a:fontRef idx="minor"/>
       </dsp:style>
       <dsp:txBody>
-        <a:bodyPr spcFirstLastPara="0" vert="horz" wrap="square" lIns="142240" tIns="142240" rIns="142240" bIns="142240" numCol="1" spcCol="1270" anchor="t" anchorCtr="0">
+        <a:bodyPr spcFirstLastPara="0" vert="horz" wrap="square" lIns="128016" tIns="128016" rIns="128016" bIns="128016" numCol="1" spcCol="1270" anchor="t" anchorCtr="0">
           <a:noAutofit/>
         </a:bodyPr>
         <a:lstStyle/>
         <a:p>
-          <a:pPr marL="228600" lvl="1" indent="-228600" algn="l" defTabSz="889000">
+          <a:pPr marL="171450" lvl="1" indent="-171450" algn="l" defTabSz="800100">
             <a:lnSpc>
               <a:spcPct val="90000"/>
             </a:lnSpc>
@@ -12699,10 +10865,10 @@
             <a:buChar char="••"/>
           </a:pPr>
           <a:r>
-            <a:rPr lang="pt-BR" sz="2000" b="1" kern="1200" dirty="0" smtClean="0"/>
+            <a:rPr lang="pt-BR" sz="1800" b="1" kern="1200" dirty="0" smtClean="0"/>
             <a:t>Dispositivo de conexão com sistema</a:t>
           </a:r>
-          <a:endParaRPr lang="pt-BR" sz="2000" b="1" kern="1200" dirty="0">
+          <a:endParaRPr lang="pt-BR" sz="1800" b="1" kern="1200" dirty="0">
             <a:solidFill>
               <a:srgbClr val="66FFFF"/>
             </a:solidFill>
@@ -12710,8 +10876,8 @@
         </a:p>
       </dsp:txBody>
       <dsp:txXfrm>
-        <a:off x="6603452" y="856430"/>
-        <a:ext cx="2083347" cy="2167767"/>
+        <a:off x="6338224" y="1656188"/>
+        <a:ext cx="2156934" cy="1280935"/>
       </dsp:txXfrm>
     </dsp:sp>
   </dsp:spTree>
@@ -12736,7 +10902,7 @@
           <a:off x="2448279" y="1837770"/>
           <a:ext cx="1799532" cy="1396556"/>
         </a:xfrm>
-        <a:prstGeom prst="ellipse">
+        <a:prstGeom prst="hexagon">
           <a:avLst/>
         </a:prstGeom>
         <a:gradFill rotWithShape="0">
@@ -13448,7 +11614,7 @@
                 <a:srgbClr val="66FFFF"/>
               </a:solidFill>
             </a:rPr>
-            <a:t>Outros</a:t>
+            <a:t>?</a:t>
           </a:r>
           <a:endParaRPr lang="pt-BR" sz="1800" b="1" kern="1200" dirty="0">
             <a:solidFill>
@@ -13665,966 +11831,6 @@
       <dsp:txXfrm>
         <a:off x="0" y="1857702"/>
         <a:ext cx="1799532" cy="1396556"/>
-      </dsp:txXfrm>
-    </dsp:sp>
-  </dsp:spTree>
-</dsp:drawing>
-</file>
-
-<file path=ppt/diagrams/drawing6.xml><?xml version="1.0" encoding="utf-8"?>
-<dsp:drawing xmlns:dgm="http://schemas.openxmlformats.org/drawingml/2006/diagram" xmlns:a="http://schemas.openxmlformats.org/drawingml/2006/main" xmlns:dsp="http://schemas.microsoft.com/office/drawing/2008/diagram">
-  <dsp:spTree>
-    <dsp:nvGrpSpPr>
-      <dsp:cNvPr id="0" name=""/>
-      <dsp:cNvGrpSpPr/>
-    </dsp:nvGrpSpPr>
-    <dsp:grpSpPr/>
-    <dsp:sp modelId="{AA8514B8-7EBB-4287-ACDB-81BB8EE3A65E}">
-      <dsp:nvSpPr>
-        <dsp:cNvPr id="0" name=""/>
-        <dsp:cNvSpPr/>
-      </dsp:nvSpPr>
-      <dsp:spPr>
-        <a:xfrm>
-          <a:off x="0" y="327899"/>
-          <a:ext cx="8686800" cy="504000"/>
-        </a:xfrm>
-        <a:prstGeom prst="rect">
-          <a:avLst/>
-        </a:prstGeom>
-        <a:gradFill rotWithShape="1">
-          <a:gsLst>
-            <a:gs pos="0">
-              <a:schemeClr val="accent6">
-                <a:tint val="50000"/>
-                <a:satMod val="300000"/>
-              </a:schemeClr>
-            </a:gs>
-            <a:gs pos="35000">
-              <a:schemeClr val="accent6">
-                <a:tint val="37000"/>
-                <a:satMod val="300000"/>
-              </a:schemeClr>
-            </a:gs>
-            <a:gs pos="100000">
-              <a:schemeClr val="accent6">
-                <a:tint val="15000"/>
-                <a:satMod val="350000"/>
-              </a:schemeClr>
-            </a:gs>
-          </a:gsLst>
-          <a:lin ang="16200000" scaled="1"/>
-        </a:gradFill>
-        <a:ln w="9525" cap="flat" cmpd="sng" algn="ctr">
-          <a:solidFill>
-            <a:schemeClr val="accent6">
-              <a:shade val="95000"/>
-              <a:satMod val="105000"/>
-            </a:schemeClr>
-          </a:solidFill>
-          <a:prstDash val="solid"/>
-        </a:ln>
-        <a:effectLst>
-          <a:outerShdw blurRad="40000" dist="20000" dir="5400000" rotWithShape="0">
-            <a:srgbClr val="000000">
-              <a:alpha val="38000"/>
-            </a:srgbClr>
-          </a:outerShdw>
-        </a:effectLst>
-        <a:scene3d>
-          <a:camera prst="orthographicFront"/>
-          <a:lightRig rig="flat" dir="t"/>
-        </a:scene3d>
-        <a:sp3d z="190500" extrusionH="12700"/>
-      </dsp:spPr>
-      <dsp:style>
-        <a:lnRef idx="1">
-          <a:schemeClr val="accent6"/>
-        </a:lnRef>
-        <a:fillRef idx="2">
-          <a:schemeClr val="accent6"/>
-        </a:fillRef>
-        <a:effectRef idx="1">
-          <a:schemeClr val="accent6"/>
-        </a:effectRef>
-        <a:fontRef idx="minor">
-          <a:schemeClr val="dk1"/>
-        </a:fontRef>
-      </dsp:style>
-    </dsp:sp>
-    <dsp:sp modelId="{B171C0C5-1265-474F-9A24-5267C4DEA6BB}">
-      <dsp:nvSpPr>
-        <dsp:cNvPr id="0" name=""/>
-        <dsp:cNvSpPr/>
-      </dsp:nvSpPr>
-      <dsp:spPr>
-        <a:xfrm>
-          <a:off x="434340" y="0"/>
-          <a:ext cx="6080760" cy="590400"/>
-        </a:xfrm>
-        <a:prstGeom prst="roundRect">
-          <a:avLst/>
-        </a:prstGeom>
-        <a:solidFill>
-          <a:srgbClr val="92D050"/>
-        </a:solidFill>
-        <a:ln>
-          <a:noFill/>
-        </a:ln>
-        <a:effectLst>
-          <a:outerShdw blurRad="40000" dist="23000" dir="5400000" rotWithShape="0">
-            <a:srgbClr val="000000">
-              <a:alpha val="35000"/>
-            </a:srgbClr>
-          </a:outerShdw>
-        </a:effectLst>
-        <a:scene3d>
-          <a:camera prst="orthographicFront"/>
-          <a:lightRig rig="flat" dir="t"/>
-        </a:scene3d>
-        <a:sp3d>
-          <a:bevelT w="63500" h="25400"/>
-        </a:sp3d>
-      </dsp:spPr>
-      <dsp:style>
-        <a:lnRef idx="0">
-          <a:schemeClr val="accent6"/>
-        </a:lnRef>
-        <a:fillRef idx="3">
-          <a:schemeClr val="accent6"/>
-        </a:fillRef>
-        <a:effectRef idx="3">
-          <a:schemeClr val="accent6"/>
-        </a:effectRef>
-        <a:fontRef idx="minor">
-          <a:schemeClr val="lt1"/>
-        </a:fontRef>
-      </dsp:style>
-      <dsp:txBody>
-        <a:bodyPr spcFirstLastPara="0" vert="horz" wrap="square" lIns="229838" tIns="0" rIns="229838" bIns="0" numCol="1" spcCol="1270" anchor="ctr" anchorCtr="0">
-          <a:noAutofit/>
-        </a:bodyPr>
-        <a:lstStyle/>
-        <a:p>
-          <a:pPr lvl="0" algn="l" defTabSz="889000">
-            <a:lnSpc>
-              <a:spcPct val="90000"/>
-            </a:lnSpc>
-            <a:spcBef>
-              <a:spcPct val="0"/>
-            </a:spcBef>
-            <a:spcAft>
-              <a:spcPct val="35000"/>
-            </a:spcAft>
-          </a:pPr>
-          <a:r>
-            <a:rPr lang="pt-BR" sz="2000" b="1" kern="1200" smtClean="0">
-              <a:solidFill>
-                <a:srgbClr val="0070C0"/>
-              </a:solidFill>
-            </a:rPr>
-            <a:t>Dinamização de registro de atividades</a:t>
-          </a:r>
-          <a:endParaRPr lang="pt-BR" sz="2000" b="1" kern="1200" dirty="0">
-            <a:solidFill>
-              <a:srgbClr val="0070C0"/>
-            </a:solidFill>
-          </a:endParaRPr>
-        </a:p>
-      </dsp:txBody>
-      <dsp:txXfrm>
-        <a:off x="434340" y="0"/>
-        <a:ext cx="6080760" cy="590400"/>
-      </dsp:txXfrm>
-    </dsp:sp>
-    <dsp:sp modelId="{122429B3-75B2-4400-B819-CC67C8478699}">
-      <dsp:nvSpPr>
-        <dsp:cNvPr id="0" name=""/>
-        <dsp:cNvSpPr/>
-      </dsp:nvSpPr>
-      <dsp:spPr>
-        <a:xfrm>
-          <a:off x="0" y="1235099"/>
-          <a:ext cx="8686800" cy="504000"/>
-        </a:xfrm>
-        <a:prstGeom prst="rect">
-          <a:avLst/>
-        </a:prstGeom>
-        <a:gradFill rotWithShape="1">
-          <a:gsLst>
-            <a:gs pos="0">
-              <a:schemeClr val="accent6">
-                <a:tint val="50000"/>
-                <a:satMod val="300000"/>
-              </a:schemeClr>
-            </a:gs>
-            <a:gs pos="35000">
-              <a:schemeClr val="accent6">
-                <a:tint val="37000"/>
-                <a:satMod val="300000"/>
-              </a:schemeClr>
-            </a:gs>
-            <a:gs pos="100000">
-              <a:schemeClr val="accent6">
-                <a:tint val="15000"/>
-                <a:satMod val="350000"/>
-              </a:schemeClr>
-            </a:gs>
-          </a:gsLst>
-          <a:lin ang="16200000" scaled="1"/>
-        </a:gradFill>
-        <a:ln w="9525" cap="flat" cmpd="sng" algn="ctr">
-          <a:solidFill>
-            <a:schemeClr val="accent6">
-              <a:shade val="95000"/>
-              <a:satMod val="105000"/>
-            </a:schemeClr>
-          </a:solidFill>
-          <a:prstDash val="solid"/>
-        </a:ln>
-        <a:effectLst>
-          <a:outerShdw blurRad="40000" dist="20000" dir="5400000" rotWithShape="0">
-            <a:srgbClr val="000000">
-              <a:alpha val="38000"/>
-            </a:srgbClr>
-          </a:outerShdw>
-        </a:effectLst>
-        <a:scene3d>
-          <a:camera prst="orthographicFront"/>
-          <a:lightRig rig="flat" dir="t"/>
-        </a:scene3d>
-        <a:sp3d z="190500" extrusionH="12700"/>
-      </dsp:spPr>
-      <dsp:style>
-        <a:lnRef idx="1">
-          <a:schemeClr val="accent6"/>
-        </a:lnRef>
-        <a:fillRef idx="2">
-          <a:schemeClr val="accent6"/>
-        </a:fillRef>
-        <a:effectRef idx="1">
-          <a:schemeClr val="accent6"/>
-        </a:effectRef>
-        <a:fontRef idx="minor">
-          <a:schemeClr val="dk1"/>
-        </a:fontRef>
-      </dsp:style>
-    </dsp:sp>
-    <dsp:sp modelId="{9939078C-FCDB-4354-9260-A7140D211969}">
-      <dsp:nvSpPr>
-        <dsp:cNvPr id="0" name=""/>
-        <dsp:cNvSpPr/>
-      </dsp:nvSpPr>
-      <dsp:spPr>
-        <a:xfrm>
-          <a:off x="434340" y="895849"/>
-          <a:ext cx="6080760" cy="590400"/>
-        </a:xfrm>
-        <a:prstGeom prst="roundRect">
-          <a:avLst/>
-        </a:prstGeom>
-        <a:solidFill>
-          <a:srgbClr val="92D050"/>
-        </a:solidFill>
-        <a:ln>
-          <a:noFill/>
-        </a:ln>
-        <a:effectLst>
-          <a:outerShdw blurRad="40000" dist="23000" dir="5400000" rotWithShape="0">
-            <a:srgbClr val="000000">
-              <a:alpha val="35000"/>
-            </a:srgbClr>
-          </a:outerShdw>
-        </a:effectLst>
-        <a:scene3d>
-          <a:camera prst="orthographicFront"/>
-          <a:lightRig rig="flat" dir="t"/>
-        </a:scene3d>
-        <a:sp3d>
-          <a:bevelT w="63500" h="25400"/>
-        </a:sp3d>
-      </dsp:spPr>
-      <dsp:style>
-        <a:lnRef idx="0">
-          <a:schemeClr val="accent6"/>
-        </a:lnRef>
-        <a:fillRef idx="3">
-          <a:schemeClr val="accent6"/>
-        </a:fillRef>
-        <a:effectRef idx="3">
-          <a:schemeClr val="accent6"/>
-        </a:effectRef>
-        <a:fontRef idx="minor">
-          <a:schemeClr val="lt1"/>
-        </a:fontRef>
-      </dsp:style>
-      <dsp:txBody>
-        <a:bodyPr spcFirstLastPara="0" vert="horz" wrap="square" lIns="229838" tIns="0" rIns="229838" bIns="0" numCol="1" spcCol="1270" anchor="ctr" anchorCtr="0">
-          <a:noAutofit/>
-        </a:bodyPr>
-        <a:lstStyle/>
-        <a:p>
-          <a:pPr lvl="0" algn="l" defTabSz="889000">
-            <a:lnSpc>
-              <a:spcPct val="90000"/>
-            </a:lnSpc>
-            <a:spcBef>
-              <a:spcPct val="0"/>
-            </a:spcBef>
-            <a:spcAft>
-              <a:spcPct val="35000"/>
-            </a:spcAft>
-          </a:pPr>
-          <a:r>
-            <a:rPr lang="pt-BR" sz="2000" b="1" kern="1200" smtClean="0">
-              <a:solidFill>
-                <a:srgbClr val="0070C0"/>
-              </a:solidFill>
-            </a:rPr>
-            <a:t> Acesso web em dispositivos moveis</a:t>
-          </a:r>
-          <a:endParaRPr lang="pt-BR" sz="2000" b="1" kern="1200" dirty="0">
-            <a:solidFill>
-              <a:srgbClr val="0070C0"/>
-            </a:solidFill>
-          </a:endParaRPr>
-        </a:p>
-      </dsp:txBody>
-      <dsp:txXfrm>
-        <a:off x="434340" y="895849"/>
-        <a:ext cx="6080760" cy="590400"/>
-      </dsp:txXfrm>
-    </dsp:sp>
-    <dsp:sp modelId="{06A3C85D-CDEB-4A13-9986-AD53F22D8EA9}">
-      <dsp:nvSpPr>
-        <dsp:cNvPr id="0" name=""/>
-        <dsp:cNvSpPr/>
-      </dsp:nvSpPr>
-      <dsp:spPr>
-        <a:xfrm>
-          <a:off x="0" y="2142299"/>
-          <a:ext cx="8686800" cy="504000"/>
-        </a:xfrm>
-        <a:prstGeom prst="rect">
-          <a:avLst/>
-        </a:prstGeom>
-        <a:gradFill rotWithShape="1">
-          <a:gsLst>
-            <a:gs pos="0">
-              <a:schemeClr val="accent6">
-                <a:tint val="50000"/>
-                <a:satMod val="300000"/>
-              </a:schemeClr>
-            </a:gs>
-            <a:gs pos="35000">
-              <a:schemeClr val="accent6">
-                <a:tint val="37000"/>
-                <a:satMod val="300000"/>
-              </a:schemeClr>
-            </a:gs>
-            <a:gs pos="100000">
-              <a:schemeClr val="accent6">
-                <a:tint val="15000"/>
-                <a:satMod val="350000"/>
-              </a:schemeClr>
-            </a:gs>
-          </a:gsLst>
-          <a:lin ang="16200000" scaled="1"/>
-        </a:gradFill>
-        <a:ln w="9525" cap="flat" cmpd="sng" algn="ctr">
-          <a:solidFill>
-            <a:schemeClr val="accent6">
-              <a:shade val="95000"/>
-              <a:satMod val="105000"/>
-            </a:schemeClr>
-          </a:solidFill>
-          <a:prstDash val="solid"/>
-        </a:ln>
-        <a:effectLst>
-          <a:outerShdw blurRad="40000" dist="20000" dir="5400000" rotWithShape="0">
-            <a:srgbClr val="000000">
-              <a:alpha val="38000"/>
-            </a:srgbClr>
-          </a:outerShdw>
-        </a:effectLst>
-        <a:scene3d>
-          <a:camera prst="orthographicFront"/>
-          <a:lightRig rig="flat" dir="t"/>
-        </a:scene3d>
-        <a:sp3d z="190500" extrusionH="12700"/>
-      </dsp:spPr>
-      <dsp:style>
-        <a:lnRef idx="1">
-          <a:schemeClr val="accent6"/>
-        </a:lnRef>
-        <a:fillRef idx="2">
-          <a:schemeClr val="accent6"/>
-        </a:fillRef>
-        <a:effectRef idx="1">
-          <a:schemeClr val="accent6"/>
-        </a:effectRef>
-        <a:fontRef idx="minor">
-          <a:schemeClr val="dk1"/>
-        </a:fontRef>
-      </dsp:style>
-    </dsp:sp>
-    <dsp:sp modelId="{D78DBF14-3A29-4E42-B56E-7380E92A6552}">
-      <dsp:nvSpPr>
-        <dsp:cNvPr id="0" name=""/>
-        <dsp:cNvSpPr/>
-      </dsp:nvSpPr>
-      <dsp:spPr>
-        <a:xfrm>
-          <a:off x="434340" y="1803049"/>
-          <a:ext cx="6080760" cy="590400"/>
-        </a:xfrm>
-        <a:prstGeom prst="roundRect">
-          <a:avLst/>
-        </a:prstGeom>
-        <a:solidFill>
-          <a:srgbClr val="92D050"/>
-        </a:solidFill>
-        <a:ln>
-          <a:noFill/>
-        </a:ln>
-        <a:effectLst>
-          <a:outerShdw blurRad="40000" dist="23000" dir="5400000" rotWithShape="0">
-            <a:srgbClr val="000000">
-              <a:alpha val="35000"/>
-            </a:srgbClr>
-          </a:outerShdw>
-        </a:effectLst>
-        <a:scene3d>
-          <a:camera prst="orthographicFront"/>
-          <a:lightRig rig="flat" dir="t"/>
-        </a:scene3d>
-        <a:sp3d>
-          <a:bevelT w="63500" h="25400"/>
-        </a:sp3d>
-      </dsp:spPr>
-      <dsp:style>
-        <a:lnRef idx="0">
-          <a:schemeClr val="accent6"/>
-        </a:lnRef>
-        <a:fillRef idx="3">
-          <a:schemeClr val="accent6"/>
-        </a:fillRef>
-        <a:effectRef idx="3">
-          <a:schemeClr val="accent6"/>
-        </a:effectRef>
-        <a:fontRef idx="minor">
-          <a:schemeClr val="lt1"/>
-        </a:fontRef>
-      </dsp:style>
-      <dsp:txBody>
-        <a:bodyPr spcFirstLastPara="0" vert="horz" wrap="square" lIns="229838" tIns="0" rIns="229838" bIns="0" numCol="1" spcCol="1270" anchor="ctr" anchorCtr="0">
-          <a:noAutofit/>
-        </a:bodyPr>
-        <a:lstStyle/>
-        <a:p>
-          <a:pPr lvl="0" algn="l" defTabSz="889000">
-            <a:lnSpc>
-              <a:spcPct val="90000"/>
-            </a:lnSpc>
-            <a:spcBef>
-              <a:spcPct val="0"/>
-            </a:spcBef>
-            <a:spcAft>
-              <a:spcPct val="35000"/>
-            </a:spcAft>
-          </a:pPr>
-          <a:r>
-            <a:rPr lang="pt-BR" sz="2000" b="1" kern="1200" smtClean="0">
-              <a:solidFill>
-                <a:srgbClr val="0070C0"/>
-              </a:solidFill>
-            </a:rPr>
-            <a:t>Trabalho em grupo em ambiente multiusuário</a:t>
-          </a:r>
-          <a:endParaRPr lang="pt-BR" sz="2000" b="1" kern="1200" dirty="0">
-            <a:solidFill>
-              <a:srgbClr val="0070C0"/>
-            </a:solidFill>
-          </a:endParaRPr>
-        </a:p>
-      </dsp:txBody>
-      <dsp:txXfrm>
-        <a:off x="434340" y="1803049"/>
-        <a:ext cx="6080760" cy="590400"/>
-      </dsp:txXfrm>
-    </dsp:sp>
-    <dsp:sp modelId="{BC58E8B0-740A-43C6-B230-1401E78D7A5B}">
-      <dsp:nvSpPr>
-        <dsp:cNvPr id="0" name=""/>
-        <dsp:cNvSpPr/>
-      </dsp:nvSpPr>
-      <dsp:spPr>
-        <a:xfrm>
-          <a:off x="0" y="3049499"/>
-          <a:ext cx="8686800" cy="504000"/>
-        </a:xfrm>
-        <a:prstGeom prst="rect">
-          <a:avLst/>
-        </a:prstGeom>
-        <a:gradFill rotWithShape="1">
-          <a:gsLst>
-            <a:gs pos="0">
-              <a:schemeClr val="accent6">
-                <a:tint val="50000"/>
-                <a:satMod val="300000"/>
-              </a:schemeClr>
-            </a:gs>
-            <a:gs pos="35000">
-              <a:schemeClr val="accent6">
-                <a:tint val="37000"/>
-                <a:satMod val="300000"/>
-              </a:schemeClr>
-            </a:gs>
-            <a:gs pos="100000">
-              <a:schemeClr val="accent6">
-                <a:tint val="15000"/>
-                <a:satMod val="350000"/>
-              </a:schemeClr>
-            </a:gs>
-          </a:gsLst>
-          <a:lin ang="16200000" scaled="1"/>
-        </a:gradFill>
-        <a:ln w="9525" cap="flat" cmpd="sng" algn="ctr">
-          <a:solidFill>
-            <a:schemeClr val="accent6">
-              <a:shade val="95000"/>
-              <a:satMod val="105000"/>
-            </a:schemeClr>
-          </a:solidFill>
-          <a:prstDash val="solid"/>
-        </a:ln>
-        <a:effectLst>
-          <a:outerShdw blurRad="40000" dist="20000" dir="5400000" rotWithShape="0">
-            <a:srgbClr val="000000">
-              <a:alpha val="38000"/>
-            </a:srgbClr>
-          </a:outerShdw>
-        </a:effectLst>
-        <a:scene3d>
-          <a:camera prst="orthographicFront"/>
-          <a:lightRig rig="flat" dir="t"/>
-        </a:scene3d>
-        <a:sp3d z="190500" extrusionH="12700"/>
-      </dsp:spPr>
-      <dsp:style>
-        <a:lnRef idx="1">
-          <a:schemeClr val="accent6"/>
-        </a:lnRef>
-        <a:fillRef idx="2">
-          <a:schemeClr val="accent6"/>
-        </a:fillRef>
-        <a:effectRef idx="1">
-          <a:schemeClr val="accent6"/>
-        </a:effectRef>
-        <a:fontRef idx="minor">
-          <a:schemeClr val="dk1"/>
-        </a:fontRef>
-      </dsp:style>
-    </dsp:sp>
-    <dsp:sp modelId="{6C17C5F1-150A-491F-92CE-A1BE931BB55D}">
-      <dsp:nvSpPr>
-        <dsp:cNvPr id="0" name=""/>
-        <dsp:cNvSpPr/>
-      </dsp:nvSpPr>
-      <dsp:spPr>
-        <a:xfrm>
-          <a:off x="434340" y="2754299"/>
-          <a:ext cx="6080760" cy="590400"/>
-        </a:xfrm>
-        <a:prstGeom prst="roundRect">
-          <a:avLst/>
-        </a:prstGeom>
-        <a:solidFill>
-          <a:srgbClr val="92D050"/>
-        </a:solidFill>
-        <a:ln>
-          <a:noFill/>
-        </a:ln>
-        <a:effectLst>
-          <a:outerShdw blurRad="40000" dist="23000" dir="5400000" rotWithShape="0">
-            <a:srgbClr val="000000">
-              <a:alpha val="35000"/>
-            </a:srgbClr>
-          </a:outerShdw>
-        </a:effectLst>
-        <a:scene3d>
-          <a:camera prst="orthographicFront"/>
-          <a:lightRig rig="flat" dir="t"/>
-        </a:scene3d>
-        <a:sp3d>
-          <a:bevelT w="63500" h="25400"/>
-        </a:sp3d>
-      </dsp:spPr>
-      <dsp:style>
-        <a:lnRef idx="0">
-          <a:schemeClr val="accent6"/>
-        </a:lnRef>
-        <a:fillRef idx="3">
-          <a:schemeClr val="accent6"/>
-        </a:fillRef>
-        <a:effectRef idx="3">
-          <a:schemeClr val="accent6"/>
-        </a:effectRef>
-        <a:fontRef idx="minor">
-          <a:schemeClr val="lt1"/>
-        </a:fontRef>
-      </dsp:style>
-      <dsp:txBody>
-        <a:bodyPr spcFirstLastPara="0" vert="horz" wrap="square" lIns="229838" tIns="0" rIns="229838" bIns="0" numCol="1" spcCol="1270" anchor="ctr" anchorCtr="0">
-          <a:noAutofit/>
-        </a:bodyPr>
-        <a:lstStyle/>
-        <a:p>
-          <a:pPr lvl="0" algn="l" defTabSz="889000">
-            <a:lnSpc>
-              <a:spcPct val="90000"/>
-            </a:lnSpc>
-            <a:spcBef>
-              <a:spcPct val="0"/>
-            </a:spcBef>
-            <a:spcAft>
-              <a:spcPct val="35000"/>
-            </a:spcAft>
-          </a:pPr>
-          <a:r>
-            <a:rPr lang="pt-BR" sz="2000" b="1" kern="1200" dirty="0" smtClean="0">
-              <a:solidFill>
-                <a:srgbClr val="0070C0"/>
-              </a:solidFill>
-            </a:rPr>
-            <a:t>Controles acadêmicos  </a:t>
-          </a:r>
-          <a:endParaRPr lang="pt-BR" sz="2000" b="1" kern="1200" dirty="0">
-            <a:solidFill>
-              <a:srgbClr val="0070C0"/>
-            </a:solidFill>
-          </a:endParaRPr>
-        </a:p>
-      </dsp:txBody>
-      <dsp:txXfrm>
-        <a:off x="434340" y="2754299"/>
-        <a:ext cx="6080760" cy="590400"/>
-      </dsp:txXfrm>
-    </dsp:sp>
-    <dsp:sp modelId="{7D8B9C6D-02C3-420B-906C-B43C36EE3306}">
-      <dsp:nvSpPr>
-        <dsp:cNvPr id="0" name=""/>
-        <dsp:cNvSpPr/>
-      </dsp:nvSpPr>
-      <dsp:spPr>
-        <a:xfrm>
-          <a:off x="0" y="3956699"/>
-          <a:ext cx="8686800" cy="504000"/>
-        </a:xfrm>
-        <a:prstGeom prst="rect">
-          <a:avLst/>
-        </a:prstGeom>
-        <a:gradFill rotWithShape="1">
-          <a:gsLst>
-            <a:gs pos="0">
-              <a:schemeClr val="accent6">
-                <a:tint val="50000"/>
-                <a:satMod val="300000"/>
-              </a:schemeClr>
-            </a:gs>
-            <a:gs pos="35000">
-              <a:schemeClr val="accent6">
-                <a:tint val="37000"/>
-                <a:satMod val="300000"/>
-              </a:schemeClr>
-            </a:gs>
-            <a:gs pos="100000">
-              <a:schemeClr val="accent6">
-                <a:tint val="15000"/>
-                <a:satMod val="350000"/>
-              </a:schemeClr>
-            </a:gs>
-          </a:gsLst>
-          <a:lin ang="16200000" scaled="1"/>
-        </a:gradFill>
-        <a:ln w="9525" cap="flat" cmpd="sng" algn="ctr">
-          <a:solidFill>
-            <a:schemeClr val="accent6">
-              <a:shade val="95000"/>
-              <a:satMod val="105000"/>
-            </a:schemeClr>
-          </a:solidFill>
-          <a:prstDash val="solid"/>
-        </a:ln>
-        <a:effectLst>
-          <a:outerShdw blurRad="40000" dist="20000" dir="5400000" rotWithShape="0">
-            <a:srgbClr val="000000">
-              <a:alpha val="38000"/>
-            </a:srgbClr>
-          </a:outerShdw>
-        </a:effectLst>
-        <a:scene3d>
-          <a:camera prst="orthographicFront"/>
-          <a:lightRig rig="flat" dir="t"/>
-        </a:scene3d>
-        <a:sp3d z="190500" extrusionH="12700"/>
-      </dsp:spPr>
-      <dsp:style>
-        <a:lnRef idx="1">
-          <a:schemeClr val="accent6"/>
-        </a:lnRef>
-        <a:fillRef idx="2">
-          <a:schemeClr val="accent6"/>
-        </a:fillRef>
-        <a:effectRef idx="1">
-          <a:schemeClr val="accent6"/>
-        </a:effectRef>
-        <a:fontRef idx="minor">
-          <a:schemeClr val="dk1"/>
-        </a:fontRef>
-      </dsp:style>
-    </dsp:sp>
-    <dsp:sp modelId="{231A70AB-9760-4FFF-B875-5D31C52D60AE}">
-      <dsp:nvSpPr>
-        <dsp:cNvPr id="0" name=""/>
-        <dsp:cNvSpPr/>
-      </dsp:nvSpPr>
-      <dsp:spPr>
-        <a:xfrm>
-          <a:off x="434340" y="3661499"/>
-          <a:ext cx="6080760" cy="590400"/>
-        </a:xfrm>
-        <a:prstGeom prst="roundRect">
-          <a:avLst/>
-        </a:prstGeom>
-        <a:solidFill>
-          <a:srgbClr val="92D050"/>
-        </a:solidFill>
-        <a:ln>
-          <a:noFill/>
-        </a:ln>
-        <a:effectLst>
-          <a:outerShdw blurRad="40000" dist="23000" dir="5400000" rotWithShape="0">
-            <a:srgbClr val="000000">
-              <a:alpha val="35000"/>
-            </a:srgbClr>
-          </a:outerShdw>
-        </a:effectLst>
-        <a:scene3d>
-          <a:camera prst="orthographicFront"/>
-          <a:lightRig rig="flat" dir="t"/>
-        </a:scene3d>
-        <a:sp3d>
-          <a:bevelT w="63500" h="25400"/>
-        </a:sp3d>
-      </dsp:spPr>
-      <dsp:style>
-        <a:lnRef idx="0">
-          <a:schemeClr val="accent6"/>
-        </a:lnRef>
-        <a:fillRef idx="3">
-          <a:schemeClr val="accent6"/>
-        </a:fillRef>
-        <a:effectRef idx="3">
-          <a:schemeClr val="accent6"/>
-        </a:effectRef>
-        <a:fontRef idx="minor">
-          <a:schemeClr val="lt1"/>
-        </a:fontRef>
-      </dsp:style>
-      <dsp:txBody>
-        <a:bodyPr spcFirstLastPara="0" vert="horz" wrap="square" lIns="229838" tIns="0" rIns="229838" bIns="0" numCol="1" spcCol="1270" anchor="ctr" anchorCtr="0">
-          <a:noAutofit/>
-        </a:bodyPr>
-        <a:lstStyle/>
-        <a:p>
-          <a:pPr lvl="0" algn="l" defTabSz="889000">
-            <a:lnSpc>
-              <a:spcPct val="90000"/>
-            </a:lnSpc>
-            <a:spcBef>
-              <a:spcPct val="0"/>
-            </a:spcBef>
-            <a:spcAft>
-              <a:spcPct val="35000"/>
-            </a:spcAft>
-          </a:pPr>
-          <a:r>
-            <a:rPr lang="pt-BR" sz="2000" b="1" kern="1200" smtClean="0">
-              <a:solidFill>
-                <a:srgbClr val="0070C0"/>
-              </a:solidFill>
-            </a:rPr>
-            <a:t>Controles financeiros</a:t>
-          </a:r>
-          <a:endParaRPr lang="pt-BR" sz="2000" b="1" kern="1200" dirty="0">
-            <a:solidFill>
-              <a:srgbClr val="0070C0"/>
-            </a:solidFill>
-          </a:endParaRPr>
-        </a:p>
-      </dsp:txBody>
-      <dsp:txXfrm>
-        <a:off x="434340" y="3661499"/>
-        <a:ext cx="6080760" cy="590400"/>
-      </dsp:txXfrm>
-    </dsp:sp>
-    <dsp:sp modelId="{338DDB9A-A6BB-4D1C-8303-E07E7D076CB7}">
-      <dsp:nvSpPr>
-        <dsp:cNvPr id="0" name=""/>
-        <dsp:cNvSpPr/>
-      </dsp:nvSpPr>
-      <dsp:spPr>
-        <a:xfrm>
-          <a:off x="0" y="4863899"/>
-          <a:ext cx="8686800" cy="504000"/>
-        </a:xfrm>
-        <a:prstGeom prst="rect">
-          <a:avLst/>
-        </a:prstGeom>
-        <a:gradFill rotWithShape="1">
-          <a:gsLst>
-            <a:gs pos="0">
-              <a:schemeClr val="accent6">
-                <a:tint val="50000"/>
-                <a:satMod val="300000"/>
-              </a:schemeClr>
-            </a:gs>
-            <a:gs pos="35000">
-              <a:schemeClr val="accent6">
-                <a:tint val="37000"/>
-                <a:satMod val="300000"/>
-              </a:schemeClr>
-            </a:gs>
-            <a:gs pos="100000">
-              <a:schemeClr val="accent6">
-                <a:tint val="15000"/>
-                <a:satMod val="350000"/>
-              </a:schemeClr>
-            </a:gs>
-          </a:gsLst>
-          <a:lin ang="16200000" scaled="1"/>
-        </a:gradFill>
-        <a:ln w="9525" cap="flat" cmpd="sng" algn="ctr">
-          <a:solidFill>
-            <a:schemeClr val="accent6">
-              <a:shade val="95000"/>
-              <a:satMod val="105000"/>
-            </a:schemeClr>
-          </a:solidFill>
-          <a:prstDash val="solid"/>
-        </a:ln>
-        <a:effectLst>
-          <a:outerShdw blurRad="40000" dist="20000" dir="5400000" rotWithShape="0">
-            <a:srgbClr val="000000">
-              <a:alpha val="38000"/>
-            </a:srgbClr>
-          </a:outerShdw>
-        </a:effectLst>
-        <a:scene3d>
-          <a:camera prst="orthographicFront"/>
-          <a:lightRig rig="flat" dir="t"/>
-        </a:scene3d>
-        <a:sp3d z="190500" extrusionH="12700"/>
-      </dsp:spPr>
-      <dsp:style>
-        <a:lnRef idx="1">
-          <a:schemeClr val="accent6"/>
-        </a:lnRef>
-        <a:fillRef idx="2">
-          <a:schemeClr val="accent6"/>
-        </a:fillRef>
-        <a:effectRef idx="1">
-          <a:schemeClr val="accent6"/>
-        </a:effectRef>
-        <a:fontRef idx="minor">
-          <a:schemeClr val="dk1"/>
-        </a:fontRef>
-      </dsp:style>
-    </dsp:sp>
-    <dsp:sp modelId="{029B9D8C-4A77-4645-9520-CB1F079C0081}">
-      <dsp:nvSpPr>
-        <dsp:cNvPr id="0" name=""/>
-        <dsp:cNvSpPr/>
-      </dsp:nvSpPr>
-      <dsp:spPr>
-        <a:xfrm>
-          <a:off x="434340" y="4568699"/>
-          <a:ext cx="6080760" cy="590400"/>
-        </a:xfrm>
-        <a:prstGeom prst="roundRect">
-          <a:avLst/>
-        </a:prstGeom>
-        <a:solidFill>
-          <a:srgbClr val="92D050"/>
-        </a:solidFill>
-        <a:ln>
-          <a:noFill/>
-        </a:ln>
-        <a:effectLst>
-          <a:outerShdw blurRad="40000" dist="23000" dir="5400000" rotWithShape="0">
-            <a:srgbClr val="000000">
-              <a:alpha val="35000"/>
-            </a:srgbClr>
-          </a:outerShdw>
-        </a:effectLst>
-        <a:scene3d>
-          <a:camera prst="orthographicFront"/>
-          <a:lightRig rig="flat" dir="t"/>
-        </a:scene3d>
-        <a:sp3d>
-          <a:bevelT w="63500" h="25400"/>
-        </a:sp3d>
-      </dsp:spPr>
-      <dsp:style>
-        <a:lnRef idx="0">
-          <a:schemeClr val="accent6"/>
-        </a:lnRef>
-        <a:fillRef idx="3">
-          <a:schemeClr val="accent6"/>
-        </a:fillRef>
-        <a:effectRef idx="3">
-          <a:schemeClr val="accent6"/>
-        </a:effectRef>
-        <a:fontRef idx="minor">
-          <a:schemeClr val="lt1"/>
-        </a:fontRef>
-      </dsp:style>
-      <dsp:txBody>
-        <a:bodyPr spcFirstLastPara="0" vert="horz" wrap="square" lIns="229838" tIns="0" rIns="229838" bIns="0" numCol="1" spcCol="1270" anchor="ctr" anchorCtr="0">
-          <a:noAutofit/>
-        </a:bodyPr>
-        <a:lstStyle/>
-        <a:p>
-          <a:pPr lvl="0" algn="l" defTabSz="889000">
-            <a:lnSpc>
-              <a:spcPct val="90000"/>
-            </a:lnSpc>
-            <a:spcBef>
-              <a:spcPct val="0"/>
-            </a:spcBef>
-            <a:spcAft>
-              <a:spcPct val="35000"/>
-            </a:spcAft>
-          </a:pPr>
-          <a:r>
-            <a:rPr lang="pt-BR" sz="2000" b="1" kern="1200" smtClean="0">
-              <a:solidFill>
-                <a:srgbClr val="0070C0"/>
-              </a:solidFill>
-            </a:rPr>
-            <a:t>Controle de contas a pagar</a:t>
-          </a:r>
-          <a:endParaRPr lang="pt-BR" sz="2000" b="1" kern="1200" dirty="0">
-            <a:solidFill>
-              <a:srgbClr val="0070C0"/>
-            </a:solidFill>
-          </a:endParaRPr>
-        </a:p>
-      </dsp:txBody>
-      <dsp:txXfrm>
-        <a:off x="434340" y="4568699"/>
-        <a:ext cx="6080760" cy="590400"/>
       </dsp:txXfrm>
     </dsp:sp>
   </dsp:spTree>
@@ -16476,231 +13682,6 @@
 </dgm:layoutDef>
 </file>
 
-<file path=ppt/diagrams/layout6.xml><?xml version="1.0" encoding="utf-8"?>
-<dgm:layoutDef xmlns:dgm="http://schemas.openxmlformats.org/drawingml/2006/diagram" xmlns:a="http://schemas.openxmlformats.org/drawingml/2006/main" uniqueId="urn:microsoft.com/office/officeart/2005/8/layout/list1">
-  <dgm:title val=""/>
-  <dgm:desc val=""/>
-  <dgm:catLst>
-    <dgm:cat type="list" pri="4000"/>
-  </dgm:catLst>
-  <dgm:sampData>
-    <dgm:dataModel>
-      <dgm:ptLst>
-        <dgm:pt modelId="0" type="doc"/>
-        <dgm:pt modelId="1">
-          <dgm:prSet phldr="1"/>
-        </dgm:pt>
-        <dgm:pt modelId="2">
-          <dgm:prSet phldr="1"/>
-        </dgm:pt>
-        <dgm:pt modelId="3">
-          <dgm:prSet phldr="1"/>
-        </dgm:pt>
-      </dgm:ptLst>
-      <dgm:cxnLst>
-        <dgm:cxn modelId="4" srcId="0" destId="1" srcOrd="0" destOrd="0"/>
-        <dgm:cxn modelId="5" srcId="0" destId="2" srcOrd="1" destOrd="0"/>
-        <dgm:cxn modelId="6" srcId="0" destId="3" srcOrd="2" destOrd="0"/>
-      </dgm:cxnLst>
-      <dgm:bg/>
-      <dgm:whole/>
-    </dgm:dataModel>
-  </dgm:sampData>
-  <dgm:styleData>
-    <dgm:dataModel>
-      <dgm:ptLst>
-        <dgm:pt modelId="0" type="doc"/>
-        <dgm:pt modelId="1"/>
-        <dgm:pt modelId="2"/>
-      </dgm:ptLst>
-      <dgm:cxnLst>
-        <dgm:cxn modelId="4" srcId="0" destId="1" srcOrd="0" destOrd="0"/>
-        <dgm:cxn modelId="5" srcId="0" destId="2" srcOrd="1" destOrd="0"/>
-      </dgm:cxnLst>
-      <dgm:bg/>
-      <dgm:whole/>
-    </dgm:dataModel>
-  </dgm:styleData>
-  <dgm:clrData>
-    <dgm:dataModel>
-      <dgm:ptLst>
-        <dgm:pt modelId="0" type="doc"/>
-        <dgm:pt modelId="1"/>
-        <dgm:pt modelId="2"/>
-        <dgm:pt modelId="3"/>
-        <dgm:pt modelId="4"/>
-      </dgm:ptLst>
-      <dgm:cxnLst>
-        <dgm:cxn modelId="5" srcId="0" destId="1" srcOrd="0" destOrd="0"/>
-        <dgm:cxn modelId="6" srcId="0" destId="2" srcOrd="1" destOrd="0"/>
-        <dgm:cxn modelId="7" srcId="0" destId="3" srcOrd="2" destOrd="0"/>
-        <dgm:cxn modelId="8" srcId="0" destId="4" srcOrd="3" destOrd="0"/>
-      </dgm:cxnLst>
-      <dgm:bg/>
-      <dgm:whole/>
-    </dgm:dataModel>
-  </dgm:clrData>
-  <dgm:layoutNode name="linear">
-    <dgm:varLst>
-      <dgm:dir/>
-      <dgm:animLvl val="lvl"/>
-      <dgm:resizeHandles val="exact"/>
-    </dgm:varLst>
-    <dgm:choose name="Name0">
-      <dgm:if name="Name1" func="var" arg="dir" op="equ" val="norm">
-        <dgm:alg type="lin">
-          <dgm:param type="linDir" val="fromT"/>
-          <dgm:param type="vertAlign" val="mid"/>
-          <dgm:param type="horzAlign" val="l"/>
-          <dgm:param type="nodeHorzAlign" val="l"/>
-        </dgm:alg>
-      </dgm:if>
-      <dgm:else name="Name2">
-        <dgm:alg type="lin">
-          <dgm:param type="linDir" val="fromT"/>
-          <dgm:param type="vertAlign" val="mid"/>
-          <dgm:param type="horzAlign" val="r"/>
-          <dgm:param type="nodeHorzAlign" val="r"/>
-        </dgm:alg>
-      </dgm:else>
-    </dgm:choose>
-    <dgm:shape xmlns:r="http://schemas.openxmlformats.org/officeDocument/2006/relationships" r:blip="">
-      <dgm:adjLst/>
-    </dgm:shape>
-    <dgm:presOf/>
-    <dgm:constrLst>
-      <dgm:constr type="w" for="ch" forName="parentLin" refType="w"/>
-      <dgm:constr type="h" for="ch" forName="parentLin" val="INF"/>
-      <dgm:constr type="w" for="des" forName="parentLeftMargin" refType="w" fact="0.05"/>
-      <dgm:constr type="w" for="des" forName="parentText" refType="w" fact="0.7"/>
-      <dgm:constr type="h" for="des" forName="parentText" refType="primFontSz" refFor="des" refForName="parentText" fact="0.82"/>
-      <dgm:constr type="h" for="ch" forName="negativeSpace" refType="primFontSz" refFor="des" refForName="parentText" fact="-0.41"/>
-      <dgm:constr type="h" for="ch" forName="negativeSpace" refType="h" refFor="des" refForName="parentText" op="lte" fact="-0.82"/>
-      <dgm:constr type="h" for="ch" forName="negativeSpace" refType="h" refFor="des" refForName="parentText" op="gte" fact="-0.82"/>
-      <dgm:constr type="w" for="ch" forName="childText" refType="w"/>
-      <dgm:constr type="h" for="ch" forName="childText" refType="primFontSz" refFor="des" refForName="parentText" fact="0.7"/>
-      <dgm:constr type="primFontSz" for="des" forName="parentText" val="65"/>
-      <dgm:constr type="primFontSz" for="ch" forName="childText" refType="primFontSz" refFor="des" refForName="parentText"/>
-      <dgm:constr type="tMarg" for="ch" forName="childText" refType="primFontSz" refFor="des" refForName="parentText" fact="1.64"/>
-      <dgm:constr type="tMarg" for="ch" forName="childText" refType="h" refFor="des" refForName="parentText" op="lte" fact="3.28"/>
-      <dgm:constr type="tMarg" for="ch" forName="childText" refType="h" refFor="des" refForName="parentText" op="gte" fact="3.28"/>
-      <dgm:constr type="lMarg" for="ch" forName="childText" refType="w" fact="0.22"/>
-      <dgm:constr type="rMarg" for="ch" forName="childText" refType="lMarg" refFor="ch" refForName="childText"/>
-      <dgm:constr type="lMarg" for="des" forName="parentText" refType="w" fact="0.075"/>
-      <dgm:constr type="rMarg" for="des" forName="parentText" refType="lMarg" refFor="des" refForName="parentText"/>
-      <dgm:constr type="h" for="ch" forName="spaceBetweenRectangles" refType="primFontSz" refFor="des" refForName="parentText" fact="0.15"/>
-    </dgm:constrLst>
-    <dgm:ruleLst>
-      <dgm:rule type="primFontSz" for="des" forName="parentText" val="5" fact="NaN" max="NaN"/>
-    </dgm:ruleLst>
-    <dgm:forEach name="Name3" axis="ch" ptType="node">
-      <dgm:layoutNode name="parentLin">
-        <dgm:choose name="Name4">
-          <dgm:if name="Name5" func="var" arg="dir" op="equ" val="norm">
-            <dgm:alg type="lin">
-              <dgm:param type="linDir" val="fromL"/>
-              <dgm:param type="horzAlign" val="l"/>
-              <dgm:param type="nodeHorzAlign" val="l"/>
-            </dgm:alg>
-          </dgm:if>
-          <dgm:else name="Name6">
-            <dgm:alg type="lin">
-              <dgm:param type="linDir" val="fromR"/>
-              <dgm:param type="horzAlign" val="r"/>
-              <dgm:param type="nodeHorzAlign" val="r"/>
-            </dgm:alg>
-          </dgm:else>
-        </dgm:choose>
-        <dgm:shape xmlns:r="http://schemas.openxmlformats.org/officeDocument/2006/relationships" r:blip="">
-          <dgm:adjLst/>
-        </dgm:shape>
-        <dgm:presOf/>
-        <dgm:constrLst/>
-        <dgm:ruleLst/>
-        <dgm:layoutNode name="parentLeftMargin">
-          <dgm:alg type="sp"/>
-          <dgm:shape xmlns:r="http://schemas.openxmlformats.org/officeDocument/2006/relationships" type="rect" r:blip="" hideGeom="1">
-            <dgm:adjLst/>
-          </dgm:shape>
-          <dgm:presOf axis="self"/>
-          <dgm:constrLst>
-            <dgm:constr type="h"/>
-          </dgm:constrLst>
-          <dgm:ruleLst/>
-        </dgm:layoutNode>
-        <dgm:layoutNode name="parentText" styleLbl="node1">
-          <dgm:varLst>
-            <dgm:chMax val="0"/>
-            <dgm:bulletEnabled val="1"/>
-          </dgm:varLst>
-          <dgm:choose name="Name7">
-            <dgm:if name="Name8" func="var" arg="dir" op="equ" val="norm">
-              <dgm:alg type="tx">
-                <dgm:param type="parTxLTRAlign" val="l"/>
-                <dgm:param type="parTxRTLAlign" val="l"/>
-              </dgm:alg>
-            </dgm:if>
-            <dgm:else name="Name9">
-              <dgm:alg type="tx">
-                <dgm:param type="parTxLTRAlign" val="r"/>
-                <dgm:param type="parTxRTLAlign" val="r"/>
-              </dgm:alg>
-            </dgm:else>
-          </dgm:choose>
-          <dgm:shape xmlns:r="http://schemas.openxmlformats.org/officeDocument/2006/relationships" type="roundRect" r:blip="">
-            <dgm:adjLst/>
-          </dgm:shape>
-          <dgm:presOf axis="self" ptType="node"/>
-          <dgm:constrLst>
-            <dgm:constr type="tMarg"/>
-            <dgm:constr type="bMarg"/>
-          </dgm:constrLst>
-          <dgm:ruleLst/>
-        </dgm:layoutNode>
-      </dgm:layoutNode>
-      <dgm:layoutNode name="negativeSpace">
-        <dgm:alg type="sp"/>
-        <dgm:shape xmlns:r="http://schemas.openxmlformats.org/officeDocument/2006/relationships" r:blip="">
-          <dgm:adjLst/>
-        </dgm:shape>
-        <dgm:presOf/>
-        <dgm:constrLst/>
-        <dgm:ruleLst/>
-      </dgm:layoutNode>
-      <dgm:layoutNode name="childText" styleLbl="conFgAcc1">
-        <dgm:varLst>
-          <dgm:bulletEnabled val="1"/>
-        </dgm:varLst>
-        <dgm:alg type="tx">
-          <dgm:param type="stBulletLvl" val="1"/>
-        </dgm:alg>
-        <dgm:shape xmlns:r="http://schemas.openxmlformats.org/officeDocument/2006/relationships" type="rect" r:blip="" zOrderOff="-2">
-          <dgm:adjLst/>
-        </dgm:shape>
-        <dgm:presOf axis="des" ptType="node"/>
-        <dgm:constrLst>
-          <dgm:constr type="secFontSz" refType="primFontSz"/>
-        </dgm:constrLst>
-        <dgm:ruleLst>
-          <dgm:rule type="h" val="INF" fact="NaN" max="NaN"/>
-        </dgm:ruleLst>
-      </dgm:layoutNode>
-      <dgm:forEach name="Name10" axis="followSib" ptType="sibTrans" cnt="1">
-        <dgm:layoutNode name="spaceBetweenRectangles">
-          <dgm:alg type="sp"/>
-          <dgm:shape xmlns:r="http://schemas.openxmlformats.org/officeDocument/2006/relationships" r:blip="">
-            <dgm:adjLst/>
-          </dgm:shape>
-          <dgm:presOf/>
-          <dgm:constrLst/>
-          <dgm:ruleLst/>
-        </dgm:layoutNode>
-      </dgm:forEach>
-    </dgm:forEach>
-  </dgm:layoutNode>
-</dgm:layoutDef>
-</file>
-
 <file path=ppt/diagrams/quickStyle1.xml><?xml version="1.0" encoding="utf-8"?>
 <dgm:styleDef xmlns:dgm="http://schemas.openxmlformats.org/drawingml/2006/diagram" xmlns:a="http://schemas.openxmlformats.org/drawingml/2006/main" uniqueId="urn:microsoft.com/office/officeart/2005/8/quickstyle/3d1">
   <dgm:title val=""/>
@@ -20085,11 +17066,11 @@
 </file>
 
 <file path=ppt/diagrams/quickStyle4.xml><?xml version="1.0" encoding="utf-8"?>
-<dgm:styleDef xmlns:dgm="http://schemas.openxmlformats.org/drawingml/2006/diagram" xmlns:a="http://schemas.openxmlformats.org/drawingml/2006/main" uniqueId="urn:microsoft.com/office/officeart/2005/8/quickstyle/3d1">
+<dgm:styleDef xmlns:dgm="http://schemas.openxmlformats.org/drawingml/2006/diagram" xmlns:a="http://schemas.openxmlformats.org/drawingml/2006/main" uniqueId="urn:microsoft.com/office/officeart/2005/8/quickstyle/simple1">
   <dgm:title val=""/>
   <dgm:desc val=""/>
   <dgm:catLst>
-    <dgm:cat type="3D" pri="11100"/>
+    <dgm:cat type="simple" pri="10100"/>
   </dgm:catLst>
   <dgm:scene3d>
     <a:camera prst="orthographicFront"/>
@@ -20098,21 +17079,18 @@
   <dgm:styleLbl name="node0">
     <dgm:scene3d>
       <a:camera prst="orthographicFront"/>
-      <a:lightRig rig="flat" dir="t"/>
-    </dgm:scene3d>
-    <dgm:sp3d prstMaterial="plastic">
-      <a:bevelT w="120900" h="88900"/>
-      <a:bevelB w="88900" h="31750" prst="angle"/>
-    </dgm:sp3d>
-    <dgm:txPr/>
-    <dgm:style>
-      <a:lnRef idx="0">
-        <a:scrgbClr r="0" g="0" b="0"/>
-      </a:lnRef>
-      <a:fillRef idx="3">
-        <a:scrgbClr r="0" g="0" b="0"/>
-      </a:fillRef>
-      <a:effectRef idx="2">
+      <a:lightRig rig="threePt" dir="t"/>
+    </dgm:scene3d>
+    <dgm:sp3d/>
+    <dgm:txPr/>
+    <dgm:style>
+      <a:lnRef idx="2">
+        <a:scrgbClr r="0" g="0" b="0"/>
+      </a:lnRef>
+      <a:fillRef idx="1">
+        <a:scrgbClr r="0" g="0" b="0"/>
+      </a:fillRef>
+      <a:effectRef idx="0">
         <a:scrgbClr r="0" g="0" b="0"/>
       </a:effectRef>
       <a:fontRef idx="minor">
@@ -20123,21 +17101,18 @@
   <dgm:styleLbl name="lnNode1">
     <dgm:scene3d>
       <a:camera prst="orthographicFront"/>
-      <a:lightRig rig="flat" dir="t"/>
-    </dgm:scene3d>
-    <dgm:sp3d prstMaterial="plastic">
-      <a:bevelT w="120900" h="88900"/>
-      <a:bevelB w="88900" h="31750" prst="angle"/>
-    </dgm:sp3d>
-    <dgm:txPr/>
-    <dgm:style>
-      <a:lnRef idx="0">
-        <a:scrgbClr r="0" g="0" b="0"/>
-      </a:lnRef>
-      <a:fillRef idx="3">
-        <a:scrgbClr r="0" g="0" b="0"/>
-      </a:fillRef>
-      <a:effectRef idx="1">
+      <a:lightRig rig="threePt" dir="t"/>
+    </dgm:scene3d>
+    <dgm:sp3d/>
+    <dgm:txPr/>
+    <dgm:style>
+      <a:lnRef idx="2">
+        <a:scrgbClr r="0" g="0" b="0"/>
+      </a:lnRef>
+      <a:fillRef idx="1">
+        <a:scrgbClr r="0" g="0" b="0"/>
+      </a:fillRef>
+      <a:effectRef idx="0">
         <a:scrgbClr r="0" g="0" b="0"/>
       </a:effectRef>
       <a:fontRef idx="minor">
@@ -20148,21 +17123,18 @@
   <dgm:styleLbl name="vennNode1">
     <dgm:scene3d>
       <a:camera prst="orthographicFront"/>
-      <a:lightRig rig="flat" dir="t"/>
-    </dgm:scene3d>
-    <dgm:sp3d prstMaterial="plastic">
-      <a:bevelT w="120900" h="88900"/>
-      <a:bevelB w="88900" h="31750" prst="angle"/>
-    </dgm:sp3d>
-    <dgm:txPr/>
-    <dgm:style>
-      <a:lnRef idx="0">
+      <a:lightRig rig="threePt" dir="t"/>
+    </dgm:scene3d>
+    <dgm:sp3d/>
+    <dgm:txPr/>
+    <dgm:style>
+      <a:lnRef idx="2">
         <a:scrgbClr r="0" g="0" b="0"/>
       </a:lnRef>
       <a:fillRef idx="1">
         <a:scrgbClr r="0" g="0" b="0"/>
       </a:fillRef>
-      <a:effectRef idx="1">
+      <a:effectRef idx="0">
         <a:scrgbClr r="0" g="0" b="0"/>
       </a:effectRef>
       <a:fontRef idx="minor">
@@ -20173,21 +17145,18 @@
   <dgm:styleLbl name="alignNode1">
     <dgm:scene3d>
       <a:camera prst="orthographicFront"/>
-      <a:lightRig rig="flat" dir="t"/>
-    </dgm:scene3d>
-    <dgm:sp3d prstMaterial="plastic">
-      <a:bevelT w="120900" h="88900"/>
-      <a:bevelB w="88900" h="31750" prst="angle"/>
-    </dgm:sp3d>
-    <dgm:txPr/>
-    <dgm:style>
-      <a:lnRef idx="1">
-        <a:scrgbClr r="0" g="0" b="0"/>
-      </a:lnRef>
-      <a:fillRef idx="3">
-        <a:scrgbClr r="0" g="0" b="0"/>
-      </a:fillRef>
-      <a:effectRef idx="2">
+      <a:lightRig rig="threePt" dir="t"/>
+    </dgm:scene3d>
+    <dgm:sp3d/>
+    <dgm:txPr/>
+    <dgm:style>
+      <a:lnRef idx="2">
+        <a:scrgbClr r="0" g="0" b="0"/>
+      </a:lnRef>
+      <a:fillRef idx="1">
+        <a:scrgbClr r="0" g="0" b="0"/>
+      </a:fillRef>
+      <a:effectRef idx="0">
         <a:scrgbClr r="0" g="0" b="0"/>
       </a:effectRef>
       <a:fontRef idx="minor">
@@ -20198,21 +17167,18 @@
   <dgm:styleLbl name="node1">
     <dgm:scene3d>
       <a:camera prst="orthographicFront"/>
-      <a:lightRig rig="flat" dir="t"/>
-    </dgm:scene3d>
-    <dgm:sp3d prstMaterial="plastic">
-      <a:bevelT w="120900" h="88900"/>
-      <a:bevelB w="88900" h="31750" prst="angle"/>
-    </dgm:sp3d>
-    <dgm:txPr/>
-    <dgm:style>
-      <a:lnRef idx="0">
-        <a:scrgbClr r="0" g="0" b="0"/>
-      </a:lnRef>
-      <a:fillRef idx="3">
-        <a:scrgbClr r="0" g="0" b="0"/>
-      </a:fillRef>
-      <a:effectRef idx="2">
+      <a:lightRig rig="threePt" dir="t"/>
+    </dgm:scene3d>
+    <dgm:sp3d/>
+    <dgm:txPr/>
+    <dgm:style>
+      <a:lnRef idx="2">
+        <a:scrgbClr r="0" g="0" b="0"/>
+      </a:lnRef>
+      <a:fillRef idx="1">
+        <a:scrgbClr r="0" g="0" b="0"/>
+      </a:fillRef>
+      <a:effectRef idx="0">
         <a:scrgbClr r="0" g="0" b="0"/>
       </a:effectRef>
       <a:fontRef idx="minor">
@@ -20223,21 +17189,18 @@
   <dgm:styleLbl name="node2">
     <dgm:scene3d>
       <a:camera prst="orthographicFront"/>
-      <a:lightRig rig="flat" dir="t"/>
-    </dgm:scene3d>
-    <dgm:sp3d prstMaterial="plastic">
-      <a:bevelT w="120900" h="88900"/>
-      <a:bevelB w="88900" h="31750" prst="angle"/>
-    </dgm:sp3d>
-    <dgm:txPr/>
-    <dgm:style>
-      <a:lnRef idx="0">
-        <a:scrgbClr r="0" g="0" b="0"/>
-      </a:lnRef>
-      <a:fillRef idx="3">
-        <a:scrgbClr r="0" g="0" b="0"/>
-      </a:fillRef>
-      <a:effectRef idx="1">
+      <a:lightRig rig="threePt" dir="t"/>
+    </dgm:scene3d>
+    <dgm:sp3d/>
+    <dgm:txPr/>
+    <dgm:style>
+      <a:lnRef idx="2">
+        <a:scrgbClr r="0" g="0" b="0"/>
+      </a:lnRef>
+      <a:fillRef idx="1">
+        <a:scrgbClr r="0" g="0" b="0"/>
+      </a:fillRef>
+      <a:effectRef idx="0">
         <a:scrgbClr r="0" g="0" b="0"/>
       </a:effectRef>
       <a:fontRef idx="minor">
@@ -20248,21 +17211,18 @@
   <dgm:styleLbl name="node3">
     <dgm:scene3d>
       <a:camera prst="orthographicFront"/>
-      <a:lightRig rig="flat" dir="t"/>
-    </dgm:scene3d>
-    <dgm:sp3d prstMaterial="plastic">
-      <a:bevelT w="120900" h="88900"/>
-      <a:bevelB w="88900" h="31750" prst="angle"/>
-    </dgm:sp3d>
-    <dgm:txPr/>
-    <dgm:style>
-      <a:lnRef idx="0">
-        <a:scrgbClr r="0" g="0" b="0"/>
-      </a:lnRef>
-      <a:fillRef idx="3">
-        <a:scrgbClr r="0" g="0" b="0"/>
-      </a:fillRef>
-      <a:effectRef idx="1">
+      <a:lightRig rig="threePt" dir="t"/>
+    </dgm:scene3d>
+    <dgm:sp3d/>
+    <dgm:txPr/>
+    <dgm:style>
+      <a:lnRef idx="2">
+        <a:scrgbClr r="0" g="0" b="0"/>
+      </a:lnRef>
+      <a:fillRef idx="1">
+        <a:scrgbClr r="0" g="0" b="0"/>
+      </a:fillRef>
+      <a:effectRef idx="0">
         <a:scrgbClr r="0" g="0" b="0"/>
       </a:effectRef>
       <a:fontRef idx="minor">
@@ -20273,21 +17233,18 @@
   <dgm:styleLbl name="node4">
     <dgm:scene3d>
       <a:camera prst="orthographicFront"/>
-      <a:lightRig rig="flat" dir="t"/>
-    </dgm:scene3d>
-    <dgm:sp3d prstMaterial="plastic">
-      <a:bevelT w="120900" h="88900"/>
-      <a:bevelB w="88900" h="31750" prst="angle"/>
-    </dgm:sp3d>
-    <dgm:txPr/>
-    <dgm:style>
-      <a:lnRef idx="0">
-        <a:scrgbClr r="0" g="0" b="0"/>
-      </a:lnRef>
-      <a:fillRef idx="3">
-        <a:scrgbClr r="0" g="0" b="0"/>
-      </a:fillRef>
-      <a:effectRef idx="1">
+      <a:lightRig rig="threePt" dir="t"/>
+    </dgm:scene3d>
+    <dgm:sp3d/>
+    <dgm:txPr/>
+    <dgm:style>
+      <a:lnRef idx="2">
+        <a:scrgbClr r="0" g="0" b="0"/>
+      </a:lnRef>
+      <a:fillRef idx="1">
+        <a:scrgbClr r="0" g="0" b="0"/>
+      </a:fillRef>
+      <a:effectRef idx="0">
         <a:scrgbClr r="0" g="0" b="0"/>
       </a:effectRef>
       <a:fontRef idx="minor">
@@ -20298,90 +17255,78 @@
   <dgm:styleLbl name="fgImgPlace1">
     <dgm:scene3d>
       <a:camera prst="orthographicFront"/>
-      <a:lightRig rig="flat" dir="t"/>
-    </dgm:scene3d>
-    <dgm:sp3d z="127000" prstMaterial="plastic">
-      <a:bevelT w="88900" h="88900"/>
-      <a:bevelB w="88900" h="31750" prst="angle"/>
-    </dgm:sp3d>
+      <a:lightRig rig="threePt" dir="t"/>
+    </dgm:scene3d>
+    <dgm:sp3d/>
+    <dgm:txPr/>
+    <dgm:style>
+      <a:lnRef idx="2">
+        <a:scrgbClr r="0" g="0" b="0"/>
+      </a:lnRef>
+      <a:fillRef idx="1">
+        <a:scrgbClr r="0" g="0" b="0"/>
+      </a:fillRef>
+      <a:effectRef idx="0">
+        <a:scrgbClr r="0" g="0" b="0"/>
+      </a:effectRef>
+      <a:fontRef idx="minor"/>
+    </dgm:style>
+  </dgm:styleLbl>
+  <dgm:styleLbl name="alignImgPlace1">
+    <dgm:scene3d>
+      <a:camera prst="orthographicFront"/>
+      <a:lightRig rig="threePt" dir="t"/>
+    </dgm:scene3d>
+    <dgm:sp3d/>
+    <dgm:txPr/>
+    <dgm:style>
+      <a:lnRef idx="2">
+        <a:scrgbClr r="0" g="0" b="0"/>
+      </a:lnRef>
+      <a:fillRef idx="1">
+        <a:scrgbClr r="0" g="0" b="0"/>
+      </a:fillRef>
+      <a:effectRef idx="0">
+        <a:scrgbClr r="0" g="0" b="0"/>
+      </a:effectRef>
+      <a:fontRef idx="minor"/>
+    </dgm:style>
+  </dgm:styleLbl>
+  <dgm:styleLbl name="bgImgPlace1">
+    <dgm:scene3d>
+      <a:camera prst="orthographicFront"/>
+      <a:lightRig rig="threePt" dir="t"/>
+    </dgm:scene3d>
+    <dgm:sp3d/>
+    <dgm:txPr/>
+    <dgm:style>
+      <a:lnRef idx="2">
+        <a:scrgbClr r="0" g="0" b="0"/>
+      </a:lnRef>
+      <a:fillRef idx="1">
+        <a:scrgbClr r="0" g="0" b="0"/>
+      </a:fillRef>
+      <a:effectRef idx="0">
+        <a:scrgbClr r="0" g="0" b="0"/>
+      </a:effectRef>
+      <a:fontRef idx="minor"/>
+    </dgm:style>
+  </dgm:styleLbl>
+  <dgm:styleLbl name="sibTrans2D1">
+    <dgm:scene3d>
+      <a:camera prst="orthographicFront"/>
+      <a:lightRig rig="threePt" dir="t"/>
+    </dgm:scene3d>
+    <dgm:sp3d/>
     <dgm:txPr/>
     <dgm:style>
       <a:lnRef idx="0">
         <a:scrgbClr r="0" g="0" b="0"/>
       </a:lnRef>
-      <a:fillRef idx="3">
-        <a:scrgbClr r="0" g="0" b="0"/>
-      </a:fillRef>
-      <a:effectRef idx="2">
-        <a:scrgbClr r="0" g="0" b="0"/>
-      </a:effectRef>
-      <a:fontRef idx="minor"/>
-    </dgm:style>
-  </dgm:styleLbl>
-  <dgm:styleLbl name="alignImgPlace1">
-    <dgm:scene3d>
-      <a:camera prst="orthographicFront"/>
-      <a:lightRig rig="flat" dir="t"/>
-    </dgm:scene3d>
-    <dgm:sp3d prstMaterial="plastic">
-      <a:bevelT w="88900" h="88900"/>
-      <a:bevelB w="88900" h="31750" prst="angle"/>
-    </dgm:sp3d>
-    <dgm:txPr/>
-    <dgm:style>
-      <a:lnRef idx="0">
-        <a:scrgbClr r="0" g="0" b="0"/>
-      </a:lnRef>
-      <a:fillRef idx="3">
-        <a:scrgbClr r="0" g="0" b="0"/>
-      </a:fillRef>
-      <a:effectRef idx="2">
-        <a:scrgbClr r="0" g="0" b="0"/>
-      </a:effectRef>
-      <a:fontRef idx="minor"/>
-    </dgm:style>
-  </dgm:styleLbl>
-  <dgm:styleLbl name="bgImgPlace1">
-    <dgm:scene3d>
-      <a:camera prst="orthographicFront"/>
-      <a:lightRig rig="flat" dir="t"/>
-    </dgm:scene3d>
-    <dgm:sp3d z="-190500" prstMaterial="plastic">
-      <a:bevelT w="88900" h="88900"/>
-      <a:bevelB w="88900" h="31750" prst="angle"/>
-    </dgm:sp3d>
-    <dgm:txPr/>
-    <dgm:style>
-      <a:lnRef idx="0">
-        <a:scrgbClr r="0" g="0" b="0"/>
-      </a:lnRef>
-      <a:fillRef idx="3">
-        <a:scrgbClr r="0" g="0" b="0"/>
-      </a:fillRef>
-      <a:effectRef idx="2">
-        <a:scrgbClr r="0" g="0" b="0"/>
-      </a:effectRef>
-      <a:fontRef idx="minor"/>
-    </dgm:style>
-  </dgm:styleLbl>
-  <dgm:styleLbl name="sibTrans2D1">
-    <dgm:scene3d>
-      <a:camera prst="orthographicFront"/>
-      <a:lightRig rig="flat" dir="t"/>
-    </dgm:scene3d>
-    <dgm:sp3d z="-80000" prstMaterial="plastic">
-      <a:bevelT w="50800" h="50800"/>
-      <a:bevelB w="25400" h="25400" prst="angle"/>
-    </dgm:sp3d>
-    <dgm:txPr/>
-    <dgm:style>
-      <a:lnRef idx="0">
-        <a:scrgbClr r="0" g="0" b="0"/>
-      </a:lnRef>
-      <a:fillRef idx="3">
-        <a:scrgbClr r="0" g="0" b="0"/>
-      </a:fillRef>
-      <a:effectRef idx="2">
+      <a:fillRef idx="1">
+        <a:scrgbClr r="0" g="0" b="0"/>
+      </a:fillRef>
+      <a:effectRef idx="0">
         <a:scrgbClr r="0" g="0" b="0"/>
       </a:effectRef>
       <a:fontRef idx="minor">
@@ -20392,21 +17337,18 @@
   <dgm:styleLbl name="fgSibTrans2D1">
     <dgm:scene3d>
       <a:camera prst="orthographicFront"/>
-      <a:lightRig rig="flat" dir="t"/>
-    </dgm:scene3d>
-    <dgm:sp3d z="127000" prstMaterial="plastic">
-      <a:bevelT w="50800" h="50800"/>
-      <a:bevelB w="25400" h="25400" prst="angle"/>
-    </dgm:sp3d>
+      <a:lightRig rig="threePt" dir="t"/>
+    </dgm:scene3d>
+    <dgm:sp3d/>
     <dgm:txPr/>
     <dgm:style>
       <a:lnRef idx="0">
         <a:scrgbClr r="0" g="0" b="0"/>
       </a:lnRef>
-      <a:fillRef idx="3">
-        <a:scrgbClr r="0" g="0" b="0"/>
-      </a:fillRef>
-      <a:effectRef idx="2">
+      <a:fillRef idx="1">
+        <a:scrgbClr r="0" g="0" b="0"/>
+      </a:fillRef>
+      <a:effectRef idx="0">
         <a:scrgbClr r="0" g="0" b="0"/>
       </a:effectRef>
       <a:fontRef idx="minor">
@@ -20417,21 +17359,18 @@
   <dgm:styleLbl name="bgSibTrans2D1">
     <dgm:scene3d>
       <a:camera prst="orthographicFront"/>
-      <a:lightRig rig="flat" dir="t"/>
-    </dgm:scene3d>
-    <dgm:sp3d z="-190500" prstMaterial="plastic">
-      <a:bevelT w="50800" h="50800"/>
-      <a:bevelB w="25400" h="25400" prst="angle"/>
-    </dgm:sp3d>
+      <a:lightRig rig="threePt" dir="t"/>
+    </dgm:scene3d>
+    <dgm:sp3d/>
     <dgm:txPr/>
     <dgm:style>
       <a:lnRef idx="0">
         <a:scrgbClr r="0" g="0" b="0"/>
       </a:lnRef>
-      <a:fillRef idx="3">
-        <a:scrgbClr r="0" g="0" b="0"/>
-      </a:fillRef>
-      <a:effectRef idx="2">
+      <a:fillRef idx="1">
+        <a:scrgbClr r="0" g="0" b="0"/>
+      </a:fillRef>
+      <a:effectRef idx="0">
         <a:scrgbClr r="0" g="0" b="0"/>
       </a:effectRef>
       <a:fontRef idx="minor">
@@ -20442,9 +17381,9 @@
   <dgm:styleLbl name="sibTrans1D1">
     <dgm:scene3d>
       <a:camera prst="orthographicFront"/>
-      <a:lightRig rig="flat" dir="t"/>
-    </dgm:scene3d>
-    <dgm:sp3d z="-40000" prstMaterial="matte"/>
+      <a:lightRig rig="threePt" dir="t"/>
+    </dgm:scene3d>
+    <dgm:sp3d/>
     <dgm:txPr/>
     <dgm:style>
       <a:lnRef idx="1">
@@ -20464,7 +17403,7 @@
       <a:camera prst="orthographicFront"/>
       <a:lightRig rig="threePt" dir="t"/>
     </dgm:scene3d>
-    <dgm:sp3d z="127000" prstMaterial="matte"/>
+    <dgm:sp3d/>
     <dgm:txPr/>
     <dgm:style>
       <a:lnRef idx="2">
@@ -20482,21 +17421,18 @@
   <dgm:styleLbl name="asst0">
     <dgm:scene3d>
       <a:camera prst="orthographicFront"/>
-      <a:lightRig rig="flat" dir="t"/>
-    </dgm:scene3d>
-    <dgm:sp3d prstMaterial="plastic">
-      <a:bevelT w="120900" h="88900"/>
-      <a:bevelB w="88900" h="31750" prst="angle"/>
-    </dgm:sp3d>
-    <dgm:txPr/>
-    <dgm:style>
-      <a:lnRef idx="0">
-        <a:scrgbClr r="0" g="0" b="0"/>
-      </a:lnRef>
-      <a:fillRef idx="3">
-        <a:scrgbClr r="0" g="0" b="0"/>
-      </a:fillRef>
-      <a:effectRef idx="1">
+      <a:lightRig rig="threePt" dir="t"/>
+    </dgm:scene3d>
+    <dgm:sp3d/>
+    <dgm:txPr/>
+    <dgm:style>
+      <a:lnRef idx="2">
+        <a:scrgbClr r="0" g="0" b="0"/>
+      </a:lnRef>
+      <a:fillRef idx="1">
+        <a:scrgbClr r="0" g="0" b="0"/>
+      </a:fillRef>
+      <a:effectRef idx="0">
         <a:scrgbClr r="0" g="0" b="0"/>
       </a:effectRef>
       <a:fontRef idx="minor">
@@ -20507,21 +17443,18 @@
   <dgm:styleLbl name="asst1">
     <dgm:scene3d>
       <a:camera prst="orthographicFront"/>
-      <a:lightRig rig="flat" dir="t"/>
-    </dgm:scene3d>
-    <dgm:sp3d prstMaterial="plastic">
-      <a:bevelT w="120900" h="88900"/>
-      <a:bevelB w="88900" h="31750" prst="angle"/>
-    </dgm:sp3d>
-    <dgm:txPr/>
-    <dgm:style>
-      <a:lnRef idx="0">
-        <a:scrgbClr r="0" g="0" b="0"/>
-      </a:lnRef>
-      <a:fillRef idx="3">
-        <a:scrgbClr r="0" g="0" b="0"/>
-      </a:fillRef>
-      <a:effectRef idx="1">
+      <a:lightRig rig="threePt" dir="t"/>
+    </dgm:scene3d>
+    <dgm:sp3d/>
+    <dgm:txPr/>
+    <dgm:style>
+      <a:lnRef idx="2">
+        <a:scrgbClr r="0" g="0" b="0"/>
+      </a:lnRef>
+      <a:fillRef idx="1">
+        <a:scrgbClr r="0" g="0" b="0"/>
+      </a:fillRef>
+      <a:effectRef idx="0">
         <a:scrgbClr r="0" g="0" b="0"/>
       </a:effectRef>
       <a:fontRef idx="minor">
@@ -20532,21 +17465,18 @@
   <dgm:styleLbl name="asst2">
     <dgm:scene3d>
       <a:camera prst="orthographicFront"/>
-      <a:lightRig rig="flat" dir="t"/>
-    </dgm:scene3d>
-    <dgm:sp3d prstMaterial="plastic">
-      <a:bevelT w="120900" h="88900"/>
-      <a:bevelB w="88900" h="31750" prst="angle"/>
-    </dgm:sp3d>
-    <dgm:txPr/>
-    <dgm:style>
-      <a:lnRef idx="0">
-        <a:scrgbClr r="0" g="0" b="0"/>
-      </a:lnRef>
-      <a:fillRef idx="3">
-        <a:scrgbClr r="0" g="0" b="0"/>
-      </a:fillRef>
-      <a:effectRef idx="1">
+      <a:lightRig rig="threePt" dir="t"/>
+    </dgm:scene3d>
+    <dgm:sp3d/>
+    <dgm:txPr/>
+    <dgm:style>
+      <a:lnRef idx="2">
+        <a:scrgbClr r="0" g="0" b="0"/>
+      </a:lnRef>
+      <a:fillRef idx="1">
+        <a:scrgbClr r="0" g="0" b="0"/>
+      </a:fillRef>
+      <a:effectRef idx="0">
         <a:scrgbClr r="0" g="0" b="0"/>
       </a:effectRef>
       <a:fontRef idx="minor">
@@ -20557,21 +17487,18 @@
   <dgm:styleLbl name="asst3">
     <dgm:scene3d>
       <a:camera prst="orthographicFront"/>
-      <a:lightRig rig="flat" dir="t"/>
-    </dgm:scene3d>
-    <dgm:sp3d prstMaterial="plastic">
-      <a:bevelT w="120900" h="88900"/>
-      <a:bevelB w="88900" h="31750" prst="angle"/>
-    </dgm:sp3d>
-    <dgm:txPr/>
-    <dgm:style>
-      <a:lnRef idx="0">
-        <a:scrgbClr r="0" g="0" b="0"/>
-      </a:lnRef>
-      <a:fillRef idx="3">
-        <a:scrgbClr r="0" g="0" b="0"/>
-      </a:fillRef>
-      <a:effectRef idx="1">
+      <a:lightRig rig="threePt" dir="t"/>
+    </dgm:scene3d>
+    <dgm:sp3d/>
+    <dgm:txPr/>
+    <dgm:style>
+      <a:lnRef idx="2">
+        <a:scrgbClr r="0" g="0" b="0"/>
+      </a:lnRef>
+      <a:fillRef idx="1">
+        <a:scrgbClr r="0" g="0" b="0"/>
+      </a:fillRef>
+      <a:effectRef idx="0">
         <a:scrgbClr r="0" g="0" b="0"/>
       </a:effectRef>
       <a:fontRef idx="minor">
@@ -20579,24 +17506,21 @@
       </a:fontRef>
     </dgm:style>
   </dgm:styleLbl>
-  <dgm:styleLbl name="parChTrans2D1">
-    <dgm:scene3d>
-      <a:camera prst="orthographicFront"/>
-      <a:lightRig rig="flat" dir="t"/>
-    </dgm:scene3d>
-    <dgm:sp3d z="-100000" prstMaterial="plastic">
-      <a:bevelT w="120900" h="88900"/>
-      <a:bevelB w="88900" h="31750" prst="angle"/>
-    </dgm:sp3d>
-    <dgm:txPr/>
-    <dgm:style>
-      <a:lnRef idx="0">
-        <a:scrgbClr r="0" g="0" b="0"/>
-      </a:lnRef>
-      <a:fillRef idx="3">
-        <a:scrgbClr r="0" g="0" b="0"/>
-      </a:fillRef>
-      <a:effectRef idx="1">
+  <dgm:styleLbl name="asst4">
+    <dgm:scene3d>
+      <a:camera prst="orthographicFront"/>
+      <a:lightRig rig="threePt" dir="t"/>
+    </dgm:scene3d>
+    <dgm:sp3d/>
+    <dgm:txPr/>
+    <dgm:style>
+      <a:lnRef idx="2">
+        <a:scrgbClr r="0" g="0" b="0"/>
+      </a:lnRef>
+      <a:fillRef idx="1">
+        <a:scrgbClr r="0" g="0" b="0"/>
+      </a:fillRef>
+      <a:effectRef idx="0">
         <a:scrgbClr r="0" g="0" b="0"/>
       </a:effectRef>
       <a:fontRef idx="minor">
@@ -20604,24 +17528,21 @@
       </a:fontRef>
     </dgm:style>
   </dgm:styleLbl>
-  <dgm:styleLbl name="parChTrans2D2">
-    <dgm:scene3d>
-      <a:camera prst="orthographicFront"/>
-      <a:lightRig rig="flat" dir="t"/>
-    </dgm:scene3d>
-    <dgm:sp3d z="-60000" prstMaterial="plastic">
-      <a:bevelT w="120900" h="88900"/>
-      <a:bevelB w="88900" h="31750" prst="angle"/>
-    </dgm:sp3d>
-    <dgm:txPr/>
-    <dgm:style>
-      <a:lnRef idx="0">
-        <a:scrgbClr r="0" g="0" b="0"/>
-      </a:lnRef>
-      <a:fillRef idx="3">
-        <a:scrgbClr r="0" g="0" b="0"/>
-      </a:fillRef>
-      <a:effectRef idx="1">
+  <dgm:styleLbl name="parChTrans2D1">
+    <dgm:scene3d>
+      <a:camera prst="orthographicFront"/>
+      <a:lightRig rig="threePt" dir="t"/>
+    </dgm:scene3d>
+    <dgm:sp3d/>
+    <dgm:txPr/>
+    <dgm:style>
+      <a:lnRef idx="2">
+        <a:scrgbClr r="0" g="0" b="0"/>
+      </a:lnRef>
+      <a:fillRef idx="1">
+        <a:scrgbClr r="0" g="0" b="0"/>
+      </a:fillRef>
+      <a:effectRef idx="0">
         <a:scrgbClr r="0" g="0" b="0"/>
       </a:effectRef>
       <a:fontRef idx="minor">
@@ -20629,24 +17550,21 @@
       </a:fontRef>
     </dgm:style>
   </dgm:styleLbl>
-  <dgm:styleLbl name="parChTrans2D3">
-    <dgm:scene3d>
-      <a:camera prst="orthographicFront"/>
-      <a:lightRig rig="flat" dir="t"/>
-    </dgm:scene3d>
-    <dgm:sp3d z="-60000" prstMaterial="plastic">
-      <a:bevelT w="120900" h="88900"/>
-      <a:bevelB w="88900" h="31750" prst="angle"/>
-    </dgm:sp3d>
-    <dgm:txPr/>
-    <dgm:style>
-      <a:lnRef idx="0">
-        <a:scrgbClr r="0" g="0" b="0"/>
-      </a:lnRef>
-      <a:fillRef idx="3">
-        <a:scrgbClr r="0" g="0" b="0"/>
-      </a:fillRef>
-      <a:effectRef idx="1">
+  <dgm:styleLbl name="parChTrans2D2">
+    <dgm:scene3d>
+      <a:camera prst="orthographicFront"/>
+      <a:lightRig rig="threePt" dir="t"/>
+    </dgm:scene3d>
+    <dgm:sp3d/>
+    <dgm:txPr/>
+    <dgm:style>
+      <a:lnRef idx="2">
+        <a:scrgbClr r="0" g="0" b="0"/>
+      </a:lnRef>
+      <a:fillRef idx="1">
+        <a:scrgbClr r="0" g="0" b="0"/>
+      </a:fillRef>
+      <a:effectRef idx="0">
         <a:scrgbClr r="0" g="0" b="0"/>
       </a:effectRef>
       <a:fontRef idx="minor">
@@ -20654,24 +17572,21 @@
       </a:fontRef>
     </dgm:style>
   </dgm:styleLbl>
-  <dgm:styleLbl name="parChTrans2D4">
-    <dgm:scene3d>
-      <a:camera prst="orthographicFront"/>
-      <a:lightRig rig="flat" dir="t"/>
-    </dgm:scene3d>
-    <dgm:sp3d z="-60000" prstMaterial="plastic">
-      <a:bevelT w="120900" h="88900"/>
-      <a:bevelB w="88900" h="31750" prst="angle"/>
-    </dgm:sp3d>
-    <dgm:txPr/>
-    <dgm:style>
-      <a:lnRef idx="0">
-        <a:scrgbClr r="0" g="0" b="0"/>
-      </a:lnRef>
-      <a:fillRef idx="3">
-        <a:scrgbClr r="0" g="0" b="0"/>
-      </a:fillRef>
-      <a:effectRef idx="1">
+  <dgm:styleLbl name="parChTrans2D3">
+    <dgm:scene3d>
+      <a:camera prst="orthographicFront"/>
+      <a:lightRig rig="threePt" dir="t"/>
+    </dgm:scene3d>
+    <dgm:sp3d/>
+    <dgm:txPr/>
+    <dgm:style>
+      <a:lnRef idx="2">
+        <a:scrgbClr r="0" g="0" b="0"/>
+      </a:lnRef>
+      <a:fillRef idx="1">
+        <a:scrgbClr r="0" g="0" b="0"/>
+      </a:fillRef>
+      <a:effectRef idx="0">
         <a:scrgbClr r="0" g="0" b="0"/>
       </a:effectRef>
       <a:fontRef idx="minor">
@@ -20679,503 +17594,486 @@
       </a:fontRef>
     </dgm:style>
   </dgm:styleLbl>
-  <dgm:styleLbl name="parChTrans1D1">
-    <dgm:scene3d>
-      <a:camera prst="orthographicFront"/>
-      <a:lightRig rig="flat" dir="t"/>
-    </dgm:scene3d>
-    <dgm:sp3d prstMaterial="matte"/>
+  <dgm:styleLbl name="parChTrans2D4">
+    <dgm:scene3d>
+      <a:camera prst="orthographicFront"/>
+      <a:lightRig rig="threePt" dir="t"/>
+    </dgm:scene3d>
+    <dgm:sp3d/>
     <dgm:txPr/>
     <dgm:style>
       <a:lnRef idx="2">
         <a:scrgbClr r="0" g="0" b="0"/>
       </a:lnRef>
-      <a:fillRef idx="0">
+      <a:fillRef idx="1">
         <a:scrgbClr r="0" g="0" b="0"/>
       </a:fillRef>
       <a:effectRef idx="0">
-        <a:scrgbClr r="0" g="0" b="0"/>
-      </a:effectRef>
-      <a:fontRef idx="minor"/>
-    </dgm:style>
-  </dgm:styleLbl>
-  <dgm:styleLbl name="parChTrans1D2">
-    <dgm:scene3d>
-      <a:camera prst="orthographicFront"/>
-      <a:lightRig rig="flat" dir="t"/>
-    </dgm:scene3d>
-    <dgm:sp3d prstMaterial="matte"/>
-    <dgm:txPr/>
-    <dgm:style>
-      <a:lnRef idx="2">
-        <a:scrgbClr r="0" g="0" b="0"/>
-      </a:lnRef>
-      <a:fillRef idx="0">
-        <a:scrgbClr r="0" g="0" b="0"/>
-      </a:fillRef>
-      <a:effectRef idx="0">
-        <a:scrgbClr r="0" g="0" b="0"/>
-      </a:effectRef>
-      <a:fontRef idx="minor"/>
-    </dgm:style>
-  </dgm:styleLbl>
-  <dgm:styleLbl name="parChTrans1D3">
-    <dgm:scene3d>
-      <a:camera prst="orthographicFront"/>
-      <a:lightRig rig="flat" dir="t"/>
-    </dgm:scene3d>
-    <dgm:sp3d prstMaterial="matte"/>
-    <dgm:txPr/>
-    <dgm:style>
-      <a:lnRef idx="2">
-        <a:scrgbClr r="0" g="0" b="0"/>
-      </a:lnRef>
-      <a:fillRef idx="0">
-        <a:scrgbClr r="0" g="0" b="0"/>
-      </a:fillRef>
-      <a:effectRef idx="0">
-        <a:scrgbClr r="0" g="0" b="0"/>
-      </a:effectRef>
-      <a:fontRef idx="minor"/>
-    </dgm:style>
-  </dgm:styleLbl>
-  <dgm:styleLbl name="parChTrans1D4">
-    <dgm:scene3d>
-      <a:camera prst="orthographicFront"/>
-      <a:lightRig rig="flat" dir="t"/>
-    </dgm:scene3d>
-    <dgm:sp3d prstMaterial="matte"/>
-    <dgm:txPr/>
-    <dgm:style>
-      <a:lnRef idx="2">
-        <a:scrgbClr r="0" g="0" b="0"/>
-      </a:lnRef>
-      <a:fillRef idx="0">
-        <a:scrgbClr r="0" g="0" b="0"/>
-      </a:fillRef>
-      <a:effectRef idx="0">
-        <a:scrgbClr r="0" g="0" b="0"/>
-      </a:effectRef>
-      <a:fontRef idx="minor"/>
-    </dgm:style>
-  </dgm:styleLbl>
-  <dgm:styleLbl name="fgAcc1">
-    <dgm:scene3d>
-      <a:camera prst="orthographicFront"/>
-      <a:lightRig rig="flat" dir="t"/>
-    </dgm:scene3d>
-    <dgm:sp3d z="190500" extrusionH="12700" prstMaterial="plastic">
-      <a:bevelT w="50800" h="50800"/>
-    </dgm:sp3d>
-    <dgm:txPr/>
-    <dgm:style>
-      <a:lnRef idx="1">
-        <a:scrgbClr r="0" g="0" b="0"/>
-      </a:lnRef>
-      <a:fillRef idx="1">
-        <a:scrgbClr r="0" g="0" b="0"/>
-      </a:fillRef>
-      <a:effectRef idx="2">
-        <a:scrgbClr r="0" g="0" b="0"/>
-      </a:effectRef>
-      <a:fontRef idx="minor"/>
-    </dgm:style>
-  </dgm:styleLbl>
-  <dgm:styleLbl name="conFgAcc1">
-    <dgm:scene3d>
-      <a:camera prst="orthographicFront"/>
-      <a:lightRig rig="flat" dir="t"/>
-    </dgm:scene3d>
-    <dgm:sp3d z="190500" extrusionH="12700" prstMaterial="plastic">
-      <a:bevelT w="50800" h="50800"/>
-    </dgm:sp3d>
-    <dgm:txPr/>
-    <dgm:style>
-      <a:lnRef idx="1">
-        <a:scrgbClr r="0" g="0" b="0"/>
-      </a:lnRef>
-      <a:fillRef idx="1">
-        <a:scrgbClr r="0" g="0" b="0"/>
-      </a:fillRef>
-      <a:effectRef idx="2">
-        <a:scrgbClr r="0" g="0" b="0"/>
-      </a:effectRef>
-      <a:fontRef idx="minor"/>
-    </dgm:style>
-  </dgm:styleLbl>
-  <dgm:styleLbl name="alignAcc1">
-    <dgm:scene3d>
-      <a:camera prst="orthographicFront"/>
-      <a:lightRig rig="flat" dir="t"/>
-    </dgm:scene3d>
-    <dgm:sp3d extrusionH="12700" prstMaterial="plastic">
-      <a:bevelT w="50800" h="50800"/>
-    </dgm:sp3d>
-    <dgm:txPr/>
-    <dgm:style>
-      <a:lnRef idx="1">
-        <a:scrgbClr r="0" g="0" b="0"/>
-      </a:lnRef>
-      <a:fillRef idx="1">
-        <a:scrgbClr r="0" g="0" b="0"/>
-      </a:fillRef>
-      <a:effectRef idx="2">
-        <a:scrgbClr r="0" g="0" b="0"/>
-      </a:effectRef>
-      <a:fontRef idx="minor"/>
-    </dgm:style>
-  </dgm:styleLbl>
-  <dgm:styleLbl name="trAlignAcc1">
-    <dgm:scene3d>
-      <a:camera prst="orthographicFront"/>
-      <a:lightRig rig="flat" dir="t"/>
-    </dgm:scene3d>
-    <dgm:sp3d extrusionH="12700" prstMaterial="plastic">
-      <a:bevelT w="50800" h="50800"/>
-    </dgm:sp3d>
-    <dgm:txPr/>
-    <dgm:style>
-      <a:lnRef idx="1">
-        <a:scrgbClr r="0" g="0" b="0"/>
-      </a:lnRef>
-      <a:fillRef idx="1">
-        <a:scrgbClr r="0" g="0" b="0"/>
-      </a:fillRef>
-      <a:effectRef idx="2">
-        <a:scrgbClr r="0" g="0" b="0"/>
-      </a:effectRef>
-      <a:fontRef idx="minor"/>
-    </dgm:style>
-  </dgm:styleLbl>
-  <dgm:styleLbl name="bgAcc1">
-    <dgm:scene3d>
-      <a:camera prst="orthographicFront"/>
-      <a:lightRig rig="flat" dir="t"/>
-    </dgm:scene3d>
-    <dgm:sp3d z="-190500" extrusionH="12700" prstMaterial="plastic">
-      <a:bevelT w="50800" h="50800"/>
-    </dgm:sp3d>
-    <dgm:txPr/>
-    <dgm:style>
-      <a:lnRef idx="1">
-        <a:scrgbClr r="0" g="0" b="0"/>
-      </a:lnRef>
-      <a:fillRef idx="1">
-        <a:scrgbClr r="0" g="0" b="0"/>
-      </a:fillRef>
-      <a:effectRef idx="2">
-        <a:scrgbClr r="0" g="0" b="0"/>
-      </a:effectRef>
-      <a:fontRef idx="minor"/>
-    </dgm:style>
-  </dgm:styleLbl>
-  <dgm:styleLbl name="solidFgAcc1">
-    <dgm:scene3d>
-      <a:camera prst="orthographicFront"/>
-      <a:lightRig rig="flat" dir="t"/>
-    </dgm:scene3d>
-    <dgm:sp3d z="190500" extrusionH="12700" prstMaterial="plastic">
-      <a:bevelT w="50800" h="50800"/>
-    </dgm:sp3d>
-    <dgm:txPr/>
-    <dgm:style>
-      <a:lnRef idx="1">
-        <a:scrgbClr r="0" g="0" b="0"/>
-      </a:lnRef>
-      <a:fillRef idx="1">
-        <a:scrgbClr r="0" g="0" b="0"/>
-      </a:fillRef>
-      <a:effectRef idx="2">
-        <a:scrgbClr r="0" g="0" b="0"/>
-      </a:effectRef>
-      <a:fontRef idx="minor"/>
-    </dgm:style>
-  </dgm:styleLbl>
-  <dgm:styleLbl name="solidAlignAcc1">
-    <dgm:scene3d>
-      <a:camera prst="orthographicFront"/>
-      <a:lightRig rig="flat" dir="t"/>
-    </dgm:scene3d>
-    <dgm:sp3d extrusionH="12700" prstMaterial="plastic">
-      <a:bevelT w="50800" h="50800"/>
-    </dgm:sp3d>
-    <dgm:txPr/>
-    <dgm:style>
-      <a:lnRef idx="1">
-        <a:scrgbClr r="0" g="0" b="0"/>
-      </a:lnRef>
-      <a:fillRef idx="1">
-        <a:scrgbClr r="0" g="0" b="0"/>
-      </a:fillRef>
-      <a:effectRef idx="2">
-        <a:scrgbClr r="0" g="0" b="0"/>
-      </a:effectRef>
-      <a:fontRef idx="minor"/>
-    </dgm:style>
-  </dgm:styleLbl>
-  <dgm:styleLbl name="solidBgAcc1">
-    <dgm:scene3d>
-      <a:camera prst="orthographicFront"/>
-      <a:lightRig rig="flat" dir="t"/>
-    </dgm:scene3d>
-    <dgm:sp3d z="-190500" extrusionH="12700" prstMaterial="plastic">
-      <a:bevelT w="50800" h="50800"/>
-    </dgm:sp3d>
-    <dgm:txPr/>
-    <dgm:style>
-      <a:lnRef idx="1">
-        <a:scrgbClr r="0" g="0" b="0"/>
-      </a:lnRef>
-      <a:fillRef idx="1">
-        <a:scrgbClr r="0" g="0" b="0"/>
-      </a:fillRef>
-      <a:effectRef idx="2">
-        <a:scrgbClr r="0" g="0" b="0"/>
-      </a:effectRef>
-      <a:fontRef idx="minor"/>
-    </dgm:style>
-  </dgm:styleLbl>
-  <dgm:styleLbl name="fgAccFollowNode1">
-    <dgm:scene3d>
-      <a:camera prst="orthographicFront"/>
-      <a:lightRig rig="flat" dir="t"/>
-    </dgm:scene3d>
-    <dgm:sp3d z="190500" extrusionH="12700" prstMaterial="plastic">
-      <a:bevelT w="50800" h="50800"/>
-    </dgm:sp3d>
-    <dgm:txPr/>
-    <dgm:style>
-      <a:lnRef idx="1">
-        <a:scrgbClr r="0" g="0" b="0"/>
-      </a:lnRef>
-      <a:fillRef idx="1">
-        <a:scrgbClr r="0" g="0" b="0"/>
-      </a:fillRef>
-      <a:effectRef idx="2">
-        <a:scrgbClr r="0" g="0" b="0"/>
-      </a:effectRef>
-      <a:fontRef idx="minor"/>
-    </dgm:style>
-  </dgm:styleLbl>
-  <dgm:styleLbl name="alignAccFollowNode1">
-    <dgm:scene3d>
-      <a:camera prst="orthographicFront"/>
-      <a:lightRig rig="flat" dir="t"/>
-    </dgm:scene3d>
-    <dgm:sp3d extrusionH="12700" prstMaterial="plastic">
-      <a:bevelT w="50800" h="50800"/>
-    </dgm:sp3d>
-    <dgm:txPr/>
-    <dgm:style>
-      <a:lnRef idx="1">
-        <a:scrgbClr r="0" g="0" b="0"/>
-      </a:lnRef>
-      <a:fillRef idx="1">
-        <a:scrgbClr r="0" g="0" b="0"/>
-      </a:fillRef>
-      <a:effectRef idx="2">
-        <a:scrgbClr r="0" g="0" b="0"/>
-      </a:effectRef>
-      <a:fontRef idx="minor"/>
-    </dgm:style>
-  </dgm:styleLbl>
-  <dgm:styleLbl name="bgAccFollowNode1">
-    <dgm:scene3d>
-      <a:camera prst="orthographicFront"/>
-      <a:lightRig rig="flat" dir="t"/>
-    </dgm:scene3d>
-    <dgm:sp3d z="-190500" extrusionH="12700" prstMaterial="plastic">
-      <a:bevelT w="50800" h="50800"/>
-    </dgm:sp3d>
-    <dgm:txPr/>
-    <dgm:style>
-      <a:lnRef idx="1">
-        <a:scrgbClr r="0" g="0" b="0"/>
-      </a:lnRef>
-      <a:fillRef idx="1">
-        <a:scrgbClr r="0" g="0" b="0"/>
-      </a:fillRef>
-      <a:effectRef idx="2">
-        <a:scrgbClr r="0" g="0" b="0"/>
-      </a:effectRef>
-      <a:fontRef idx="minor"/>
-    </dgm:style>
-  </dgm:styleLbl>
-  <dgm:styleLbl name="fgAcc0">
-    <dgm:scene3d>
-      <a:camera prst="orthographicFront"/>
-      <a:lightRig rig="flat" dir="t"/>
-    </dgm:scene3d>
-    <dgm:sp3d z="190500" extrusionH="12700" prstMaterial="plastic">
-      <a:bevelT w="50800" h="50800"/>
-    </dgm:sp3d>
-    <dgm:txPr/>
-    <dgm:style>
-      <a:lnRef idx="1">
-        <a:scrgbClr r="0" g="0" b="0"/>
-      </a:lnRef>
-      <a:fillRef idx="1">
-        <a:scrgbClr r="0" g="0" b="0"/>
-      </a:fillRef>
-      <a:effectRef idx="2">
-        <a:scrgbClr r="0" g="0" b="0"/>
-      </a:effectRef>
-      <a:fontRef idx="minor"/>
-    </dgm:style>
-  </dgm:styleLbl>
-  <dgm:styleLbl name="fgAcc2">
-    <dgm:scene3d>
-      <a:camera prst="orthographicFront"/>
-      <a:lightRig rig="flat" dir="t"/>
-    </dgm:scene3d>
-    <dgm:sp3d z="190500" extrusionH="12700" prstMaterial="plastic">
-      <a:bevelT w="50800" h="50800"/>
-    </dgm:sp3d>
-    <dgm:txPr/>
-    <dgm:style>
-      <a:lnRef idx="1">
-        <a:scrgbClr r="0" g="0" b="0"/>
-      </a:lnRef>
-      <a:fillRef idx="1">
-        <a:scrgbClr r="0" g="0" b="0"/>
-      </a:fillRef>
-      <a:effectRef idx="2">
-        <a:scrgbClr r="0" g="0" b="0"/>
-      </a:effectRef>
-      <a:fontRef idx="minor"/>
-    </dgm:style>
-  </dgm:styleLbl>
-  <dgm:styleLbl name="fgAcc3">
-    <dgm:scene3d>
-      <a:camera prst="orthographicFront"/>
-      <a:lightRig rig="flat" dir="t"/>
-    </dgm:scene3d>
-    <dgm:sp3d z="190500" extrusionH="12700" prstMaterial="plastic">
-      <a:bevelT w="50800" h="50800"/>
-    </dgm:sp3d>
-    <dgm:txPr/>
-    <dgm:style>
-      <a:lnRef idx="1">
-        <a:scrgbClr r="0" g="0" b="0"/>
-      </a:lnRef>
-      <a:fillRef idx="1">
-        <a:scrgbClr r="0" g="0" b="0"/>
-      </a:fillRef>
-      <a:effectRef idx="2">
-        <a:scrgbClr r="0" g="0" b="0"/>
-      </a:effectRef>
-      <a:fontRef idx="minor"/>
-    </dgm:style>
-  </dgm:styleLbl>
-  <dgm:styleLbl name="fgAcc4">
-    <dgm:scene3d>
-      <a:camera prst="orthographicFront"/>
-      <a:lightRig rig="flat" dir="t"/>
-    </dgm:scene3d>
-    <dgm:sp3d z="190500" extrusionH="12700" prstMaterial="plastic">
-      <a:bevelT w="50800" h="50800"/>
-    </dgm:sp3d>
-    <dgm:txPr/>
-    <dgm:style>
-      <a:lnRef idx="1">
-        <a:scrgbClr r="0" g="0" b="0"/>
-      </a:lnRef>
-      <a:fillRef idx="1">
-        <a:scrgbClr r="0" g="0" b="0"/>
-      </a:fillRef>
-      <a:effectRef idx="2">
-        <a:scrgbClr r="0" g="0" b="0"/>
-      </a:effectRef>
-      <a:fontRef idx="minor"/>
-    </dgm:style>
-  </dgm:styleLbl>
-  <dgm:styleLbl name="bgShp">
-    <dgm:scene3d>
-      <a:camera prst="orthographicFront"/>
-      <a:lightRig rig="flat" dir="t"/>
-    </dgm:scene3d>
-    <dgm:sp3d z="-190500" extrusionH="12700" prstMaterial="plastic">
-      <a:bevelT w="50800" h="50800"/>
-    </dgm:sp3d>
-    <dgm:txPr/>
-    <dgm:style>
-      <a:lnRef idx="0">
-        <a:scrgbClr r="0" g="0" b="0"/>
-      </a:lnRef>
-      <a:fillRef idx="3">
-        <a:scrgbClr r="0" g="0" b="0"/>
-      </a:fillRef>
-      <a:effectRef idx="0">
-        <a:scrgbClr r="0" g="0" b="0"/>
-      </a:effectRef>
-      <a:fontRef idx="minor"/>
-    </dgm:style>
-  </dgm:styleLbl>
-  <dgm:styleLbl name="dkBgShp">
-    <dgm:scene3d>
-      <a:camera prst="orthographicFront"/>
-      <a:lightRig rig="flat" dir="t"/>
-    </dgm:scene3d>
-    <dgm:sp3d z="-190500" extrusionH="12700" prstMaterial="plastic">
-      <a:bevelT w="50800" h="50800"/>
-    </dgm:sp3d>
-    <dgm:txPr/>
-    <dgm:style>
-      <a:lnRef idx="0">
-        <a:scrgbClr r="0" g="0" b="0"/>
-      </a:lnRef>
-      <a:fillRef idx="2">
-        <a:scrgbClr r="0" g="0" b="0"/>
-      </a:fillRef>
-      <a:effectRef idx="0">
-        <a:scrgbClr r="0" g="0" b="0"/>
-      </a:effectRef>
-      <a:fontRef idx="minor"/>
-    </dgm:style>
-  </dgm:styleLbl>
-  <dgm:styleLbl name="trBgShp">
-    <dgm:scene3d>
-      <a:camera prst="orthographicFront"/>
-      <a:lightRig rig="flat" dir="t"/>
-    </dgm:scene3d>
-    <dgm:sp3d z="-190500" extrusionH="12700" prstMaterial="matte"/>
-    <dgm:txPr/>
-    <dgm:style>
-      <a:lnRef idx="0">
-        <a:scrgbClr r="0" g="0" b="0"/>
-      </a:lnRef>
-      <a:fillRef idx="1">
-        <a:scrgbClr r="0" g="0" b="0"/>
-      </a:fillRef>
-      <a:effectRef idx="0">
-        <a:scrgbClr r="0" g="0" b="0"/>
-      </a:effectRef>
-      <a:fontRef idx="minor"/>
-    </dgm:style>
-  </dgm:styleLbl>
-  <dgm:styleLbl name="fgShp">
-    <dgm:scene3d>
-      <a:camera prst="orthographicFront"/>
-      <a:lightRig rig="flat" dir="t"/>
-    </dgm:scene3d>
-    <dgm:sp3d z="190500" prstMaterial="plastic">
-      <a:bevelT w="120900" h="88900"/>
-      <a:bevelB w="88900" h="31750" prst="angle"/>
-    </dgm:sp3d>
-    <dgm:txPr/>
-    <dgm:style>
-      <a:lnRef idx="0">
-        <a:scrgbClr r="0" g="0" b="0"/>
-      </a:lnRef>
-      <a:fillRef idx="1">
-        <a:scrgbClr r="0" g="0" b="0"/>
-      </a:fillRef>
-      <a:effectRef idx="3">
         <a:scrgbClr r="0" g="0" b="0"/>
       </a:effectRef>
       <a:fontRef idx="minor">
         <a:schemeClr val="lt1"/>
       </a:fontRef>
+    </dgm:style>
+  </dgm:styleLbl>
+  <dgm:styleLbl name="parChTrans1D1">
+    <dgm:scene3d>
+      <a:camera prst="orthographicFront"/>
+      <a:lightRig rig="threePt" dir="t"/>
+    </dgm:scene3d>
+    <dgm:sp3d/>
+    <dgm:txPr/>
+    <dgm:style>
+      <a:lnRef idx="2">
+        <a:scrgbClr r="0" g="0" b="0"/>
+      </a:lnRef>
+      <a:fillRef idx="0">
+        <a:scrgbClr r="0" g="0" b="0"/>
+      </a:fillRef>
+      <a:effectRef idx="0">
+        <a:scrgbClr r="0" g="0" b="0"/>
+      </a:effectRef>
+      <a:fontRef idx="minor"/>
+    </dgm:style>
+  </dgm:styleLbl>
+  <dgm:styleLbl name="parChTrans1D2">
+    <dgm:scene3d>
+      <a:camera prst="orthographicFront"/>
+      <a:lightRig rig="threePt" dir="t"/>
+    </dgm:scene3d>
+    <dgm:sp3d/>
+    <dgm:txPr/>
+    <dgm:style>
+      <a:lnRef idx="2">
+        <a:scrgbClr r="0" g="0" b="0"/>
+      </a:lnRef>
+      <a:fillRef idx="0">
+        <a:scrgbClr r="0" g="0" b="0"/>
+      </a:fillRef>
+      <a:effectRef idx="0">
+        <a:scrgbClr r="0" g="0" b="0"/>
+      </a:effectRef>
+      <a:fontRef idx="minor"/>
+    </dgm:style>
+  </dgm:styleLbl>
+  <dgm:styleLbl name="parChTrans1D3">
+    <dgm:scene3d>
+      <a:camera prst="orthographicFront"/>
+      <a:lightRig rig="threePt" dir="t"/>
+    </dgm:scene3d>
+    <dgm:sp3d/>
+    <dgm:txPr/>
+    <dgm:style>
+      <a:lnRef idx="2">
+        <a:scrgbClr r="0" g="0" b="0"/>
+      </a:lnRef>
+      <a:fillRef idx="0">
+        <a:scrgbClr r="0" g="0" b="0"/>
+      </a:fillRef>
+      <a:effectRef idx="0">
+        <a:scrgbClr r="0" g="0" b="0"/>
+      </a:effectRef>
+      <a:fontRef idx="minor"/>
+    </dgm:style>
+  </dgm:styleLbl>
+  <dgm:styleLbl name="parChTrans1D4">
+    <dgm:scene3d>
+      <a:camera prst="orthographicFront"/>
+      <a:lightRig rig="threePt" dir="t"/>
+    </dgm:scene3d>
+    <dgm:sp3d/>
+    <dgm:txPr/>
+    <dgm:style>
+      <a:lnRef idx="2">
+        <a:scrgbClr r="0" g="0" b="0"/>
+      </a:lnRef>
+      <a:fillRef idx="0">
+        <a:scrgbClr r="0" g="0" b="0"/>
+      </a:fillRef>
+      <a:effectRef idx="0">
+        <a:scrgbClr r="0" g="0" b="0"/>
+      </a:effectRef>
+      <a:fontRef idx="minor"/>
+    </dgm:style>
+  </dgm:styleLbl>
+  <dgm:styleLbl name="fgAcc1">
+    <dgm:scene3d>
+      <a:camera prst="orthographicFront"/>
+      <a:lightRig rig="threePt" dir="t"/>
+    </dgm:scene3d>
+    <dgm:sp3d/>
+    <dgm:txPr/>
+    <dgm:style>
+      <a:lnRef idx="2">
+        <a:scrgbClr r="0" g="0" b="0"/>
+      </a:lnRef>
+      <a:fillRef idx="1">
+        <a:scrgbClr r="0" g="0" b="0"/>
+      </a:fillRef>
+      <a:effectRef idx="0">
+        <a:scrgbClr r="0" g="0" b="0"/>
+      </a:effectRef>
+      <a:fontRef idx="minor"/>
+    </dgm:style>
+  </dgm:styleLbl>
+  <dgm:styleLbl name="conFgAcc1">
+    <dgm:scene3d>
+      <a:camera prst="orthographicFront"/>
+      <a:lightRig rig="threePt" dir="t"/>
+    </dgm:scene3d>
+    <dgm:sp3d/>
+    <dgm:txPr/>
+    <dgm:style>
+      <a:lnRef idx="2">
+        <a:scrgbClr r="0" g="0" b="0"/>
+      </a:lnRef>
+      <a:fillRef idx="1">
+        <a:scrgbClr r="0" g="0" b="0"/>
+      </a:fillRef>
+      <a:effectRef idx="0">
+        <a:scrgbClr r="0" g="0" b="0"/>
+      </a:effectRef>
+      <a:fontRef idx="minor"/>
+    </dgm:style>
+  </dgm:styleLbl>
+  <dgm:styleLbl name="alignAcc1">
+    <dgm:scene3d>
+      <a:camera prst="orthographicFront"/>
+      <a:lightRig rig="threePt" dir="t"/>
+    </dgm:scene3d>
+    <dgm:sp3d/>
+    <dgm:txPr/>
+    <dgm:style>
+      <a:lnRef idx="2">
+        <a:scrgbClr r="0" g="0" b="0"/>
+      </a:lnRef>
+      <a:fillRef idx="1">
+        <a:scrgbClr r="0" g="0" b="0"/>
+      </a:fillRef>
+      <a:effectRef idx="0">
+        <a:scrgbClr r="0" g="0" b="0"/>
+      </a:effectRef>
+      <a:fontRef idx="minor"/>
+    </dgm:style>
+  </dgm:styleLbl>
+  <dgm:styleLbl name="trAlignAcc1">
+    <dgm:scene3d>
+      <a:camera prst="orthographicFront"/>
+      <a:lightRig rig="threePt" dir="t"/>
+    </dgm:scene3d>
+    <dgm:sp3d/>
+    <dgm:txPr/>
+    <dgm:style>
+      <a:lnRef idx="1">
+        <a:scrgbClr r="0" g="0" b="0"/>
+      </a:lnRef>
+      <a:fillRef idx="1">
+        <a:scrgbClr r="0" g="0" b="0"/>
+      </a:fillRef>
+      <a:effectRef idx="0">
+        <a:scrgbClr r="0" g="0" b="0"/>
+      </a:effectRef>
+      <a:fontRef idx="minor"/>
+    </dgm:style>
+  </dgm:styleLbl>
+  <dgm:styleLbl name="bgAcc1">
+    <dgm:scene3d>
+      <a:camera prst="orthographicFront"/>
+      <a:lightRig rig="threePt" dir="t"/>
+    </dgm:scene3d>
+    <dgm:sp3d/>
+    <dgm:txPr/>
+    <dgm:style>
+      <a:lnRef idx="2">
+        <a:scrgbClr r="0" g="0" b="0"/>
+      </a:lnRef>
+      <a:fillRef idx="1">
+        <a:scrgbClr r="0" g="0" b="0"/>
+      </a:fillRef>
+      <a:effectRef idx="0">
+        <a:scrgbClr r="0" g="0" b="0"/>
+      </a:effectRef>
+      <a:fontRef idx="minor"/>
+    </dgm:style>
+  </dgm:styleLbl>
+  <dgm:styleLbl name="solidFgAcc1">
+    <dgm:scene3d>
+      <a:camera prst="orthographicFront"/>
+      <a:lightRig rig="threePt" dir="t"/>
+    </dgm:scene3d>
+    <dgm:sp3d/>
+    <dgm:txPr/>
+    <dgm:style>
+      <a:lnRef idx="2">
+        <a:scrgbClr r="0" g="0" b="0"/>
+      </a:lnRef>
+      <a:fillRef idx="1">
+        <a:scrgbClr r="0" g="0" b="0"/>
+      </a:fillRef>
+      <a:effectRef idx="0">
+        <a:scrgbClr r="0" g="0" b="0"/>
+      </a:effectRef>
+      <a:fontRef idx="minor"/>
+    </dgm:style>
+  </dgm:styleLbl>
+  <dgm:styleLbl name="solidAlignAcc1">
+    <dgm:scene3d>
+      <a:camera prst="orthographicFront"/>
+      <a:lightRig rig="threePt" dir="t"/>
+    </dgm:scene3d>
+    <dgm:sp3d/>
+    <dgm:txPr/>
+    <dgm:style>
+      <a:lnRef idx="2">
+        <a:scrgbClr r="0" g="0" b="0"/>
+      </a:lnRef>
+      <a:fillRef idx="1">
+        <a:scrgbClr r="0" g="0" b="0"/>
+      </a:fillRef>
+      <a:effectRef idx="0">
+        <a:scrgbClr r="0" g="0" b="0"/>
+      </a:effectRef>
+      <a:fontRef idx="minor"/>
+    </dgm:style>
+  </dgm:styleLbl>
+  <dgm:styleLbl name="solidBgAcc1">
+    <dgm:scene3d>
+      <a:camera prst="orthographicFront"/>
+      <a:lightRig rig="threePt" dir="t"/>
+    </dgm:scene3d>
+    <dgm:sp3d/>
+    <dgm:txPr/>
+    <dgm:style>
+      <a:lnRef idx="2">
+        <a:scrgbClr r="0" g="0" b="0"/>
+      </a:lnRef>
+      <a:fillRef idx="1">
+        <a:scrgbClr r="0" g="0" b="0"/>
+      </a:fillRef>
+      <a:effectRef idx="0">
+        <a:scrgbClr r="0" g="0" b="0"/>
+      </a:effectRef>
+      <a:fontRef idx="minor"/>
+    </dgm:style>
+  </dgm:styleLbl>
+  <dgm:styleLbl name="fgAccFollowNode1">
+    <dgm:scene3d>
+      <a:camera prst="orthographicFront"/>
+      <a:lightRig rig="threePt" dir="t"/>
+    </dgm:scene3d>
+    <dgm:sp3d/>
+    <dgm:txPr/>
+    <dgm:style>
+      <a:lnRef idx="2">
+        <a:scrgbClr r="0" g="0" b="0"/>
+      </a:lnRef>
+      <a:fillRef idx="1">
+        <a:scrgbClr r="0" g="0" b="0"/>
+      </a:fillRef>
+      <a:effectRef idx="0">
+        <a:scrgbClr r="0" g="0" b="0"/>
+      </a:effectRef>
+      <a:fontRef idx="minor"/>
+    </dgm:style>
+  </dgm:styleLbl>
+  <dgm:styleLbl name="alignAccFollowNode1">
+    <dgm:scene3d>
+      <a:camera prst="orthographicFront"/>
+      <a:lightRig rig="threePt" dir="t"/>
+    </dgm:scene3d>
+    <dgm:sp3d/>
+    <dgm:txPr/>
+    <dgm:style>
+      <a:lnRef idx="2">
+        <a:scrgbClr r="0" g="0" b="0"/>
+      </a:lnRef>
+      <a:fillRef idx="1">
+        <a:scrgbClr r="0" g="0" b="0"/>
+      </a:fillRef>
+      <a:effectRef idx="0">
+        <a:scrgbClr r="0" g="0" b="0"/>
+      </a:effectRef>
+      <a:fontRef idx="minor"/>
+    </dgm:style>
+  </dgm:styleLbl>
+  <dgm:styleLbl name="bgAccFollowNode1">
+    <dgm:scene3d>
+      <a:camera prst="orthographicFront"/>
+      <a:lightRig rig="threePt" dir="t"/>
+    </dgm:scene3d>
+    <dgm:sp3d/>
+    <dgm:txPr/>
+    <dgm:style>
+      <a:lnRef idx="2">
+        <a:scrgbClr r="0" g="0" b="0"/>
+      </a:lnRef>
+      <a:fillRef idx="1">
+        <a:scrgbClr r="0" g="0" b="0"/>
+      </a:fillRef>
+      <a:effectRef idx="0">
+        <a:scrgbClr r="0" g="0" b="0"/>
+      </a:effectRef>
+      <a:fontRef idx="minor"/>
+    </dgm:style>
+  </dgm:styleLbl>
+  <dgm:styleLbl name="fgAcc0">
+    <dgm:scene3d>
+      <a:camera prst="orthographicFront"/>
+      <a:lightRig rig="threePt" dir="t"/>
+    </dgm:scene3d>
+    <dgm:sp3d/>
+    <dgm:txPr/>
+    <dgm:style>
+      <a:lnRef idx="2">
+        <a:scrgbClr r="0" g="0" b="0"/>
+      </a:lnRef>
+      <a:fillRef idx="1">
+        <a:scrgbClr r="0" g="0" b="0"/>
+      </a:fillRef>
+      <a:effectRef idx="0">
+        <a:scrgbClr r="0" g="0" b="0"/>
+      </a:effectRef>
+      <a:fontRef idx="minor"/>
+    </dgm:style>
+  </dgm:styleLbl>
+  <dgm:styleLbl name="fgAcc2">
+    <dgm:scene3d>
+      <a:camera prst="orthographicFront"/>
+      <a:lightRig rig="threePt" dir="t"/>
+    </dgm:scene3d>
+    <dgm:sp3d/>
+    <dgm:txPr/>
+    <dgm:style>
+      <a:lnRef idx="2">
+        <a:scrgbClr r="0" g="0" b="0"/>
+      </a:lnRef>
+      <a:fillRef idx="1">
+        <a:scrgbClr r="0" g="0" b="0"/>
+      </a:fillRef>
+      <a:effectRef idx="0">
+        <a:scrgbClr r="0" g="0" b="0"/>
+      </a:effectRef>
+      <a:fontRef idx="minor"/>
+    </dgm:style>
+  </dgm:styleLbl>
+  <dgm:styleLbl name="fgAcc3">
+    <dgm:scene3d>
+      <a:camera prst="orthographicFront"/>
+      <a:lightRig rig="threePt" dir="t"/>
+    </dgm:scene3d>
+    <dgm:sp3d/>
+    <dgm:txPr/>
+    <dgm:style>
+      <a:lnRef idx="2">
+        <a:scrgbClr r="0" g="0" b="0"/>
+      </a:lnRef>
+      <a:fillRef idx="1">
+        <a:scrgbClr r="0" g="0" b="0"/>
+      </a:fillRef>
+      <a:effectRef idx="0">
+        <a:scrgbClr r="0" g="0" b="0"/>
+      </a:effectRef>
+      <a:fontRef idx="minor"/>
+    </dgm:style>
+  </dgm:styleLbl>
+  <dgm:styleLbl name="fgAcc4">
+    <dgm:scene3d>
+      <a:camera prst="orthographicFront"/>
+      <a:lightRig rig="threePt" dir="t"/>
+    </dgm:scene3d>
+    <dgm:sp3d/>
+    <dgm:txPr/>
+    <dgm:style>
+      <a:lnRef idx="2">
+        <a:scrgbClr r="0" g="0" b="0"/>
+      </a:lnRef>
+      <a:fillRef idx="1">
+        <a:scrgbClr r="0" g="0" b="0"/>
+      </a:fillRef>
+      <a:effectRef idx="0">
+        <a:scrgbClr r="0" g="0" b="0"/>
+      </a:effectRef>
+      <a:fontRef idx="minor"/>
+    </dgm:style>
+  </dgm:styleLbl>
+  <dgm:styleLbl name="bgShp">
+    <dgm:scene3d>
+      <a:camera prst="orthographicFront"/>
+      <a:lightRig rig="threePt" dir="t"/>
+    </dgm:scene3d>
+    <dgm:sp3d/>
+    <dgm:txPr/>
+    <dgm:style>
+      <a:lnRef idx="0">
+        <a:scrgbClr r="0" g="0" b="0"/>
+      </a:lnRef>
+      <a:fillRef idx="1">
+        <a:scrgbClr r="0" g="0" b="0"/>
+      </a:fillRef>
+      <a:effectRef idx="0">
+        <a:scrgbClr r="0" g="0" b="0"/>
+      </a:effectRef>
+      <a:fontRef idx="minor"/>
+    </dgm:style>
+  </dgm:styleLbl>
+  <dgm:styleLbl name="dkBgShp">
+    <dgm:scene3d>
+      <a:camera prst="orthographicFront"/>
+      <a:lightRig rig="threePt" dir="t"/>
+    </dgm:scene3d>
+    <dgm:sp3d/>
+    <dgm:txPr/>
+    <dgm:style>
+      <a:lnRef idx="0">
+        <a:scrgbClr r="0" g="0" b="0"/>
+      </a:lnRef>
+      <a:fillRef idx="1">
+        <a:scrgbClr r="0" g="0" b="0"/>
+      </a:fillRef>
+      <a:effectRef idx="0">
+        <a:scrgbClr r="0" g="0" b="0"/>
+      </a:effectRef>
+      <a:fontRef idx="minor"/>
+    </dgm:style>
+  </dgm:styleLbl>
+  <dgm:styleLbl name="trBgShp">
+    <dgm:scene3d>
+      <a:camera prst="orthographicFront"/>
+      <a:lightRig rig="threePt" dir="t"/>
+    </dgm:scene3d>
+    <dgm:sp3d/>
+    <dgm:txPr/>
+    <dgm:style>
+      <a:lnRef idx="0">
+        <a:scrgbClr r="0" g="0" b="0"/>
+      </a:lnRef>
+      <a:fillRef idx="1">
+        <a:scrgbClr r="0" g="0" b="0"/>
+      </a:fillRef>
+      <a:effectRef idx="0">
+        <a:scrgbClr r="0" g="0" b="0"/>
+      </a:effectRef>
+      <a:fontRef idx="minor"/>
+    </dgm:style>
+  </dgm:styleLbl>
+  <dgm:styleLbl name="fgShp">
+    <dgm:scene3d>
+      <a:camera prst="orthographicFront"/>
+      <a:lightRig rig="threePt" dir="t"/>
+    </dgm:scene3d>
+    <dgm:sp3d/>
+    <dgm:txPr/>
+    <dgm:style>
+      <a:lnRef idx="2">
+        <a:scrgbClr r="0" g="0" b="0"/>
+      </a:lnRef>
+      <a:fillRef idx="1">
+        <a:scrgbClr r="0" g="0" b="0"/>
+      </a:fillRef>
+      <a:effectRef idx="0">
+        <a:scrgbClr r="0" g="0" b="0"/>
+      </a:effectRef>
+      <a:fontRef idx="minor"/>
     </dgm:style>
   </dgm:styleLbl>
   <dgm:styleLbl name="revTx">
@@ -21202,1123 +18100,6 @@
 </file>
 
 <file path=ppt/diagrams/quickStyle5.xml><?xml version="1.0" encoding="utf-8"?>
-<dgm:styleDef xmlns:dgm="http://schemas.openxmlformats.org/drawingml/2006/diagram" xmlns:a="http://schemas.openxmlformats.org/drawingml/2006/main" uniqueId="urn:microsoft.com/office/officeart/2005/8/quickstyle/3d1">
-  <dgm:title val=""/>
-  <dgm:desc val=""/>
-  <dgm:catLst>
-    <dgm:cat type="3D" pri="11100"/>
-  </dgm:catLst>
-  <dgm:scene3d>
-    <a:camera prst="orthographicFront"/>
-    <a:lightRig rig="threePt" dir="t"/>
-  </dgm:scene3d>
-  <dgm:styleLbl name="node0">
-    <dgm:scene3d>
-      <a:camera prst="orthographicFront"/>
-      <a:lightRig rig="flat" dir="t"/>
-    </dgm:scene3d>
-    <dgm:sp3d prstMaterial="plastic">
-      <a:bevelT w="120900" h="88900"/>
-      <a:bevelB w="88900" h="31750" prst="angle"/>
-    </dgm:sp3d>
-    <dgm:txPr/>
-    <dgm:style>
-      <a:lnRef idx="0">
-        <a:scrgbClr r="0" g="0" b="0"/>
-      </a:lnRef>
-      <a:fillRef idx="3">
-        <a:scrgbClr r="0" g="0" b="0"/>
-      </a:fillRef>
-      <a:effectRef idx="2">
-        <a:scrgbClr r="0" g="0" b="0"/>
-      </a:effectRef>
-      <a:fontRef idx="minor">
-        <a:schemeClr val="lt1"/>
-      </a:fontRef>
-    </dgm:style>
-  </dgm:styleLbl>
-  <dgm:styleLbl name="lnNode1">
-    <dgm:scene3d>
-      <a:camera prst="orthographicFront"/>
-      <a:lightRig rig="flat" dir="t"/>
-    </dgm:scene3d>
-    <dgm:sp3d prstMaterial="plastic">
-      <a:bevelT w="120900" h="88900"/>
-      <a:bevelB w="88900" h="31750" prst="angle"/>
-    </dgm:sp3d>
-    <dgm:txPr/>
-    <dgm:style>
-      <a:lnRef idx="0">
-        <a:scrgbClr r="0" g="0" b="0"/>
-      </a:lnRef>
-      <a:fillRef idx="3">
-        <a:scrgbClr r="0" g="0" b="0"/>
-      </a:fillRef>
-      <a:effectRef idx="1">
-        <a:scrgbClr r="0" g="0" b="0"/>
-      </a:effectRef>
-      <a:fontRef idx="minor">
-        <a:schemeClr val="lt1"/>
-      </a:fontRef>
-    </dgm:style>
-  </dgm:styleLbl>
-  <dgm:styleLbl name="vennNode1">
-    <dgm:scene3d>
-      <a:camera prst="orthographicFront"/>
-      <a:lightRig rig="flat" dir="t"/>
-    </dgm:scene3d>
-    <dgm:sp3d prstMaterial="plastic">
-      <a:bevelT w="120900" h="88900"/>
-      <a:bevelB w="88900" h="31750" prst="angle"/>
-    </dgm:sp3d>
-    <dgm:txPr/>
-    <dgm:style>
-      <a:lnRef idx="0">
-        <a:scrgbClr r="0" g="0" b="0"/>
-      </a:lnRef>
-      <a:fillRef idx="1">
-        <a:scrgbClr r="0" g="0" b="0"/>
-      </a:fillRef>
-      <a:effectRef idx="1">
-        <a:scrgbClr r="0" g="0" b="0"/>
-      </a:effectRef>
-      <a:fontRef idx="minor">
-        <a:schemeClr val="tx1"/>
-      </a:fontRef>
-    </dgm:style>
-  </dgm:styleLbl>
-  <dgm:styleLbl name="alignNode1">
-    <dgm:scene3d>
-      <a:camera prst="orthographicFront"/>
-      <a:lightRig rig="flat" dir="t"/>
-    </dgm:scene3d>
-    <dgm:sp3d prstMaterial="plastic">
-      <a:bevelT w="120900" h="88900"/>
-      <a:bevelB w="88900" h="31750" prst="angle"/>
-    </dgm:sp3d>
-    <dgm:txPr/>
-    <dgm:style>
-      <a:lnRef idx="1">
-        <a:scrgbClr r="0" g="0" b="0"/>
-      </a:lnRef>
-      <a:fillRef idx="3">
-        <a:scrgbClr r="0" g="0" b="0"/>
-      </a:fillRef>
-      <a:effectRef idx="2">
-        <a:scrgbClr r="0" g="0" b="0"/>
-      </a:effectRef>
-      <a:fontRef idx="minor">
-        <a:schemeClr val="lt1"/>
-      </a:fontRef>
-    </dgm:style>
-  </dgm:styleLbl>
-  <dgm:styleLbl name="node1">
-    <dgm:scene3d>
-      <a:camera prst="orthographicFront"/>
-      <a:lightRig rig="flat" dir="t"/>
-    </dgm:scene3d>
-    <dgm:sp3d prstMaterial="plastic">
-      <a:bevelT w="120900" h="88900"/>
-      <a:bevelB w="88900" h="31750" prst="angle"/>
-    </dgm:sp3d>
-    <dgm:txPr/>
-    <dgm:style>
-      <a:lnRef idx="0">
-        <a:scrgbClr r="0" g="0" b="0"/>
-      </a:lnRef>
-      <a:fillRef idx="3">
-        <a:scrgbClr r="0" g="0" b="0"/>
-      </a:fillRef>
-      <a:effectRef idx="2">
-        <a:scrgbClr r="0" g="0" b="0"/>
-      </a:effectRef>
-      <a:fontRef idx="minor">
-        <a:schemeClr val="lt1"/>
-      </a:fontRef>
-    </dgm:style>
-  </dgm:styleLbl>
-  <dgm:styleLbl name="node2">
-    <dgm:scene3d>
-      <a:camera prst="orthographicFront"/>
-      <a:lightRig rig="flat" dir="t"/>
-    </dgm:scene3d>
-    <dgm:sp3d prstMaterial="plastic">
-      <a:bevelT w="120900" h="88900"/>
-      <a:bevelB w="88900" h="31750" prst="angle"/>
-    </dgm:sp3d>
-    <dgm:txPr/>
-    <dgm:style>
-      <a:lnRef idx="0">
-        <a:scrgbClr r="0" g="0" b="0"/>
-      </a:lnRef>
-      <a:fillRef idx="3">
-        <a:scrgbClr r="0" g="0" b="0"/>
-      </a:fillRef>
-      <a:effectRef idx="1">
-        <a:scrgbClr r="0" g="0" b="0"/>
-      </a:effectRef>
-      <a:fontRef idx="minor">
-        <a:schemeClr val="lt1"/>
-      </a:fontRef>
-    </dgm:style>
-  </dgm:styleLbl>
-  <dgm:styleLbl name="node3">
-    <dgm:scene3d>
-      <a:camera prst="orthographicFront"/>
-      <a:lightRig rig="flat" dir="t"/>
-    </dgm:scene3d>
-    <dgm:sp3d prstMaterial="plastic">
-      <a:bevelT w="120900" h="88900"/>
-      <a:bevelB w="88900" h="31750" prst="angle"/>
-    </dgm:sp3d>
-    <dgm:txPr/>
-    <dgm:style>
-      <a:lnRef idx="0">
-        <a:scrgbClr r="0" g="0" b="0"/>
-      </a:lnRef>
-      <a:fillRef idx="3">
-        <a:scrgbClr r="0" g="0" b="0"/>
-      </a:fillRef>
-      <a:effectRef idx="1">
-        <a:scrgbClr r="0" g="0" b="0"/>
-      </a:effectRef>
-      <a:fontRef idx="minor">
-        <a:schemeClr val="lt1"/>
-      </a:fontRef>
-    </dgm:style>
-  </dgm:styleLbl>
-  <dgm:styleLbl name="node4">
-    <dgm:scene3d>
-      <a:camera prst="orthographicFront"/>
-      <a:lightRig rig="flat" dir="t"/>
-    </dgm:scene3d>
-    <dgm:sp3d prstMaterial="plastic">
-      <a:bevelT w="120900" h="88900"/>
-      <a:bevelB w="88900" h="31750" prst="angle"/>
-    </dgm:sp3d>
-    <dgm:txPr/>
-    <dgm:style>
-      <a:lnRef idx="0">
-        <a:scrgbClr r="0" g="0" b="0"/>
-      </a:lnRef>
-      <a:fillRef idx="3">
-        <a:scrgbClr r="0" g="0" b="0"/>
-      </a:fillRef>
-      <a:effectRef idx="1">
-        <a:scrgbClr r="0" g="0" b="0"/>
-      </a:effectRef>
-      <a:fontRef idx="minor">
-        <a:schemeClr val="lt1"/>
-      </a:fontRef>
-    </dgm:style>
-  </dgm:styleLbl>
-  <dgm:styleLbl name="fgImgPlace1">
-    <dgm:scene3d>
-      <a:camera prst="orthographicFront"/>
-      <a:lightRig rig="flat" dir="t"/>
-    </dgm:scene3d>
-    <dgm:sp3d z="127000" prstMaterial="plastic">
-      <a:bevelT w="88900" h="88900"/>
-      <a:bevelB w="88900" h="31750" prst="angle"/>
-    </dgm:sp3d>
-    <dgm:txPr/>
-    <dgm:style>
-      <a:lnRef idx="0">
-        <a:scrgbClr r="0" g="0" b="0"/>
-      </a:lnRef>
-      <a:fillRef idx="3">
-        <a:scrgbClr r="0" g="0" b="0"/>
-      </a:fillRef>
-      <a:effectRef idx="2">
-        <a:scrgbClr r="0" g="0" b="0"/>
-      </a:effectRef>
-      <a:fontRef idx="minor"/>
-    </dgm:style>
-  </dgm:styleLbl>
-  <dgm:styleLbl name="alignImgPlace1">
-    <dgm:scene3d>
-      <a:camera prst="orthographicFront"/>
-      <a:lightRig rig="flat" dir="t"/>
-    </dgm:scene3d>
-    <dgm:sp3d prstMaterial="plastic">
-      <a:bevelT w="88900" h="88900"/>
-      <a:bevelB w="88900" h="31750" prst="angle"/>
-    </dgm:sp3d>
-    <dgm:txPr/>
-    <dgm:style>
-      <a:lnRef idx="0">
-        <a:scrgbClr r="0" g="0" b="0"/>
-      </a:lnRef>
-      <a:fillRef idx="3">
-        <a:scrgbClr r="0" g="0" b="0"/>
-      </a:fillRef>
-      <a:effectRef idx="2">
-        <a:scrgbClr r="0" g="0" b="0"/>
-      </a:effectRef>
-      <a:fontRef idx="minor"/>
-    </dgm:style>
-  </dgm:styleLbl>
-  <dgm:styleLbl name="bgImgPlace1">
-    <dgm:scene3d>
-      <a:camera prst="orthographicFront"/>
-      <a:lightRig rig="flat" dir="t"/>
-    </dgm:scene3d>
-    <dgm:sp3d z="-190500" prstMaterial="plastic">
-      <a:bevelT w="88900" h="88900"/>
-      <a:bevelB w="88900" h="31750" prst="angle"/>
-    </dgm:sp3d>
-    <dgm:txPr/>
-    <dgm:style>
-      <a:lnRef idx="0">
-        <a:scrgbClr r="0" g="0" b="0"/>
-      </a:lnRef>
-      <a:fillRef idx="3">
-        <a:scrgbClr r="0" g="0" b="0"/>
-      </a:fillRef>
-      <a:effectRef idx="2">
-        <a:scrgbClr r="0" g="0" b="0"/>
-      </a:effectRef>
-      <a:fontRef idx="minor"/>
-    </dgm:style>
-  </dgm:styleLbl>
-  <dgm:styleLbl name="sibTrans2D1">
-    <dgm:scene3d>
-      <a:camera prst="orthographicFront"/>
-      <a:lightRig rig="flat" dir="t"/>
-    </dgm:scene3d>
-    <dgm:sp3d z="-80000" prstMaterial="plastic">
-      <a:bevelT w="50800" h="50800"/>
-      <a:bevelB w="25400" h="25400" prst="angle"/>
-    </dgm:sp3d>
-    <dgm:txPr/>
-    <dgm:style>
-      <a:lnRef idx="0">
-        <a:scrgbClr r="0" g="0" b="0"/>
-      </a:lnRef>
-      <a:fillRef idx="3">
-        <a:scrgbClr r="0" g="0" b="0"/>
-      </a:fillRef>
-      <a:effectRef idx="2">
-        <a:scrgbClr r="0" g="0" b="0"/>
-      </a:effectRef>
-      <a:fontRef idx="minor">
-        <a:schemeClr val="lt1"/>
-      </a:fontRef>
-    </dgm:style>
-  </dgm:styleLbl>
-  <dgm:styleLbl name="fgSibTrans2D1">
-    <dgm:scene3d>
-      <a:camera prst="orthographicFront"/>
-      <a:lightRig rig="flat" dir="t"/>
-    </dgm:scene3d>
-    <dgm:sp3d z="127000" prstMaterial="plastic">
-      <a:bevelT w="50800" h="50800"/>
-      <a:bevelB w="25400" h="25400" prst="angle"/>
-    </dgm:sp3d>
-    <dgm:txPr/>
-    <dgm:style>
-      <a:lnRef idx="0">
-        <a:scrgbClr r="0" g="0" b="0"/>
-      </a:lnRef>
-      <a:fillRef idx="3">
-        <a:scrgbClr r="0" g="0" b="0"/>
-      </a:fillRef>
-      <a:effectRef idx="2">
-        <a:scrgbClr r="0" g="0" b="0"/>
-      </a:effectRef>
-      <a:fontRef idx="minor">
-        <a:schemeClr val="lt1"/>
-      </a:fontRef>
-    </dgm:style>
-  </dgm:styleLbl>
-  <dgm:styleLbl name="bgSibTrans2D1">
-    <dgm:scene3d>
-      <a:camera prst="orthographicFront"/>
-      <a:lightRig rig="flat" dir="t"/>
-    </dgm:scene3d>
-    <dgm:sp3d z="-190500" prstMaterial="plastic">
-      <a:bevelT w="50800" h="50800"/>
-      <a:bevelB w="25400" h="25400" prst="angle"/>
-    </dgm:sp3d>
-    <dgm:txPr/>
-    <dgm:style>
-      <a:lnRef idx="0">
-        <a:scrgbClr r="0" g="0" b="0"/>
-      </a:lnRef>
-      <a:fillRef idx="3">
-        <a:scrgbClr r="0" g="0" b="0"/>
-      </a:fillRef>
-      <a:effectRef idx="2">
-        <a:scrgbClr r="0" g="0" b="0"/>
-      </a:effectRef>
-      <a:fontRef idx="minor">
-        <a:schemeClr val="lt1"/>
-      </a:fontRef>
-    </dgm:style>
-  </dgm:styleLbl>
-  <dgm:styleLbl name="sibTrans1D1">
-    <dgm:scene3d>
-      <a:camera prst="orthographicFront"/>
-      <a:lightRig rig="flat" dir="t"/>
-    </dgm:scene3d>
-    <dgm:sp3d z="-40000" prstMaterial="matte"/>
-    <dgm:txPr/>
-    <dgm:style>
-      <a:lnRef idx="1">
-        <a:scrgbClr r="0" g="0" b="0"/>
-      </a:lnRef>
-      <a:fillRef idx="0">
-        <a:scrgbClr r="0" g="0" b="0"/>
-      </a:fillRef>
-      <a:effectRef idx="0">
-        <a:scrgbClr r="0" g="0" b="0"/>
-      </a:effectRef>
-      <a:fontRef idx="minor"/>
-    </dgm:style>
-  </dgm:styleLbl>
-  <dgm:styleLbl name="callout">
-    <dgm:scene3d>
-      <a:camera prst="orthographicFront"/>
-      <a:lightRig rig="threePt" dir="t"/>
-    </dgm:scene3d>
-    <dgm:sp3d z="127000" prstMaterial="matte"/>
-    <dgm:txPr/>
-    <dgm:style>
-      <a:lnRef idx="2">
-        <a:scrgbClr r="0" g="0" b="0"/>
-      </a:lnRef>
-      <a:fillRef idx="1">
-        <a:scrgbClr r="0" g="0" b="0"/>
-      </a:fillRef>
-      <a:effectRef idx="0">
-        <a:scrgbClr r="0" g="0" b="0"/>
-      </a:effectRef>
-      <a:fontRef idx="minor"/>
-    </dgm:style>
-  </dgm:styleLbl>
-  <dgm:styleLbl name="asst0">
-    <dgm:scene3d>
-      <a:camera prst="orthographicFront"/>
-      <a:lightRig rig="flat" dir="t"/>
-    </dgm:scene3d>
-    <dgm:sp3d prstMaterial="plastic">
-      <a:bevelT w="120900" h="88900"/>
-      <a:bevelB w="88900" h="31750" prst="angle"/>
-    </dgm:sp3d>
-    <dgm:txPr/>
-    <dgm:style>
-      <a:lnRef idx="0">
-        <a:scrgbClr r="0" g="0" b="0"/>
-      </a:lnRef>
-      <a:fillRef idx="3">
-        <a:scrgbClr r="0" g="0" b="0"/>
-      </a:fillRef>
-      <a:effectRef idx="1">
-        <a:scrgbClr r="0" g="0" b="0"/>
-      </a:effectRef>
-      <a:fontRef idx="minor">
-        <a:schemeClr val="lt1"/>
-      </a:fontRef>
-    </dgm:style>
-  </dgm:styleLbl>
-  <dgm:styleLbl name="asst1">
-    <dgm:scene3d>
-      <a:camera prst="orthographicFront"/>
-      <a:lightRig rig="flat" dir="t"/>
-    </dgm:scene3d>
-    <dgm:sp3d prstMaterial="plastic">
-      <a:bevelT w="120900" h="88900"/>
-      <a:bevelB w="88900" h="31750" prst="angle"/>
-    </dgm:sp3d>
-    <dgm:txPr/>
-    <dgm:style>
-      <a:lnRef idx="0">
-        <a:scrgbClr r="0" g="0" b="0"/>
-      </a:lnRef>
-      <a:fillRef idx="3">
-        <a:scrgbClr r="0" g="0" b="0"/>
-      </a:fillRef>
-      <a:effectRef idx="1">
-        <a:scrgbClr r="0" g="0" b="0"/>
-      </a:effectRef>
-      <a:fontRef idx="minor">
-        <a:schemeClr val="lt1"/>
-      </a:fontRef>
-    </dgm:style>
-  </dgm:styleLbl>
-  <dgm:styleLbl name="asst2">
-    <dgm:scene3d>
-      <a:camera prst="orthographicFront"/>
-      <a:lightRig rig="flat" dir="t"/>
-    </dgm:scene3d>
-    <dgm:sp3d prstMaterial="plastic">
-      <a:bevelT w="120900" h="88900"/>
-      <a:bevelB w="88900" h="31750" prst="angle"/>
-    </dgm:sp3d>
-    <dgm:txPr/>
-    <dgm:style>
-      <a:lnRef idx="0">
-        <a:scrgbClr r="0" g="0" b="0"/>
-      </a:lnRef>
-      <a:fillRef idx="3">
-        <a:scrgbClr r="0" g="0" b="0"/>
-      </a:fillRef>
-      <a:effectRef idx="1">
-        <a:scrgbClr r="0" g="0" b="0"/>
-      </a:effectRef>
-      <a:fontRef idx="minor">
-        <a:schemeClr val="lt1"/>
-      </a:fontRef>
-    </dgm:style>
-  </dgm:styleLbl>
-  <dgm:styleLbl name="asst3">
-    <dgm:scene3d>
-      <a:camera prst="orthographicFront"/>
-      <a:lightRig rig="flat" dir="t"/>
-    </dgm:scene3d>
-    <dgm:sp3d prstMaterial="plastic">
-      <a:bevelT w="120900" h="88900"/>
-      <a:bevelB w="88900" h="31750" prst="angle"/>
-    </dgm:sp3d>
-    <dgm:txPr/>
-    <dgm:style>
-      <a:lnRef idx="0">
-        <a:scrgbClr r="0" g="0" b="0"/>
-      </a:lnRef>
-      <a:fillRef idx="3">
-        <a:scrgbClr r="0" g="0" b="0"/>
-      </a:fillRef>
-      <a:effectRef idx="1">
-        <a:scrgbClr r="0" g="0" b="0"/>
-      </a:effectRef>
-      <a:fontRef idx="minor">
-        <a:schemeClr val="lt1"/>
-      </a:fontRef>
-    </dgm:style>
-  </dgm:styleLbl>
-  <dgm:styleLbl name="parChTrans2D1">
-    <dgm:scene3d>
-      <a:camera prst="orthographicFront"/>
-      <a:lightRig rig="flat" dir="t"/>
-    </dgm:scene3d>
-    <dgm:sp3d z="-100000" prstMaterial="plastic">
-      <a:bevelT w="120900" h="88900"/>
-      <a:bevelB w="88900" h="31750" prst="angle"/>
-    </dgm:sp3d>
-    <dgm:txPr/>
-    <dgm:style>
-      <a:lnRef idx="0">
-        <a:scrgbClr r="0" g="0" b="0"/>
-      </a:lnRef>
-      <a:fillRef idx="3">
-        <a:scrgbClr r="0" g="0" b="0"/>
-      </a:fillRef>
-      <a:effectRef idx="1">
-        <a:scrgbClr r="0" g="0" b="0"/>
-      </a:effectRef>
-      <a:fontRef idx="minor">
-        <a:schemeClr val="lt1"/>
-      </a:fontRef>
-    </dgm:style>
-  </dgm:styleLbl>
-  <dgm:styleLbl name="parChTrans2D2">
-    <dgm:scene3d>
-      <a:camera prst="orthographicFront"/>
-      <a:lightRig rig="flat" dir="t"/>
-    </dgm:scene3d>
-    <dgm:sp3d z="-60000" prstMaterial="plastic">
-      <a:bevelT w="120900" h="88900"/>
-      <a:bevelB w="88900" h="31750" prst="angle"/>
-    </dgm:sp3d>
-    <dgm:txPr/>
-    <dgm:style>
-      <a:lnRef idx="0">
-        <a:scrgbClr r="0" g="0" b="0"/>
-      </a:lnRef>
-      <a:fillRef idx="3">
-        <a:scrgbClr r="0" g="0" b="0"/>
-      </a:fillRef>
-      <a:effectRef idx="1">
-        <a:scrgbClr r="0" g="0" b="0"/>
-      </a:effectRef>
-      <a:fontRef idx="minor">
-        <a:schemeClr val="lt1"/>
-      </a:fontRef>
-    </dgm:style>
-  </dgm:styleLbl>
-  <dgm:styleLbl name="parChTrans2D3">
-    <dgm:scene3d>
-      <a:camera prst="orthographicFront"/>
-      <a:lightRig rig="flat" dir="t"/>
-    </dgm:scene3d>
-    <dgm:sp3d z="-60000" prstMaterial="plastic">
-      <a:bevelT w="120900" h="88900"/>
-      <a:bevelB w="88900" h="31750" prst="angle"/>
-    </dgm:sp3d>
-    <dgm:txPr/>
-    <dgm:style>
-      <a:lnRef idx="0">
-        <a:scrgbClr r="0" g="0" b="0"/>
-      </a:lnRef>
-      <a:fillRef idx="3">
-        <a:scrgbClr r="0" g="0" b="0"/>
-      </a:fillRef>
-      <a:effectRef idx="1">
-        <a:scrgbClr r="0" g="0" b="0"/>
-      </a:effectRef>
-      <a:fontRef idx="minor">
-        <a:schemeClr val="lt1"/>
-      </a:fontRef>
-    </dgm:style>
-  </dgm:styleLbl>
-  <dgm:styleLbl name="parChTrans2D4">
-    <dgm:scene3d>
-      <a:camera prst="orthographicFront"/>
-      <a:lightRig rig="flat" dir="t"/>
-    </dgm:scene3d>
-    <dgm:sp3d z="-60000" prstMaterial="plastic">
-      <a:bevelT w="120900" h="88900"/>
-      <a:bevelB w="88900" h="31750" prst="angle"/>
-    </dgm:sp3d>
-    <dgm:txPr/>
-    <dgm:style>
-      <a:lnRef idx="0">
-        <a:scrgbClr r="0" g="0" b="0"/>
-      </a:lnRef>
-      <a:fillRef idx="3">
-        <a:scrgbClr r="0" g="0" b="0"/>
-      </a:fillRef>
-      <a:effectRef idx="1">
-        <a:scrgbClr r="0" g="0" b="0"/>
-      </a:effectRef>
-      <a:fontRef idx="minor">
-        <a:schemeClr val="lt1"/>
-      </a:fontRef>
-    </dgm:style>
-  </dgm:styleLbl>
-  <dgm:styleLbl name="parChTrans1D1">
-    <dgm:scene3d>
-      <a:camera prst="orthographicFront"/>
-      <a:lightRig rig="flat" dir="t"/>
-    </dgm:scene3d>
-    <dgm:sp3d prstMaterial="matte"/>
-    <dgm:txPr/>
-    <dgm:style>
-      <a:lnRef idx="2">
-        <a:scrgbClr r="0" g="0" b="0"/>
-      </a:lnRef>
-      <a:fillRef idx="0">
-        <a:scrgbClr r="0" g="0" b="0"/>
-      </a:fillRef>
-      <a:effectRef idx="0">
-        <a:scrgbClr r="0" g="0" b="0"/>
-      </a:effectRef>
-      <a:fontRef idx="minor"/>
-    </dgm:style>
-  </dgm:styleLbl>
-  <dgm:styleLbl name="parChTrans1D2">
-    <dgm:scene3d>
-      <a:camera prst="orthographicFront"/>
-      <a:lightRig rig="flat" dir="t"/>
-    </dgm:scene3d>
-    <dgm:sp3d prstMaterial="matte"/>
-    <dgm:txPr/>
-    <dgm:style>
-      <a:lnRef idx="2">
-        <a:scrgbClr r="0" g="0" b="0"/>
-      </a:lnRef>
-      <a:fillRef idx="0">
-        <a:scrgbClr r="0" g="0" b="0"/>
-      </a:fillRef>
-      <a:effectRef idx="0">
-        <a:scrgbClr r="0" g="0" b="0"/>
-      </a:effectRef>
-      <a:fontRef idx="minor"/>
-    </dgm:style>
-  </dgm:styleLbl>
-  <dgm:styleLbl name="parChTrans1D3">
-    <dgm:scene3d>
-      <a:camera prst="orthographicFront"/>
-      <a:lightRig rig="flat" dir="t"/>
-    </dgm:scene3d>
-    <dgm:sp3d prstMaterial="matte"/>
-    <dgm:txPr/>
-    <dgm:style>
-      <a:lnRef idx="2">
-        <a:scrgbClr r="0" g="0" b="0"/>
-      </a:lnRef>
-      <a:fillRef idx="0">
-        <a:scrgbClr r="0" g="0" b="0"/>
-      </a:fillRef>
-      <a:effectRef idx="0">
-        <a:scrgbClr r="0" g="0" b="0"/>
-      </a:effectRef>
-      <a:fontRef idx="minor"/>
-    </dgm:style>
-  </dgm:styleLbl>
-  <dgm:styleLbl name="parChTrans1D4">
-    <dgm:scene3d>
-      <a:camera prst="orthographicFront"/>
-      <a:lightRig rig="flat" dir="t"/>
-    </dgm:scene3d>
-    <dgm:sp3d prstMaterial="matte"/>
-    <dgm:txPr/>
-    <dgm:style>
-      <a:lnRef idx="2">
-        <a:scrgbClr r="0" g="0" b="0"/>
-      </a:lnRef>
-      <a:fillRef idx="0">
-        <a:scrgbClr r="0" g="0" b="0"/>
-      </a:fillRef>
-      <a:effectRef idx="0">
-        <a:scrgbClr r="0" g="0" b="0"/>
-      </a:effectRef>
-      <a:fontRef idx="minor"/>
-    </dgm:style>
-  </dgm:styleLbl>
-  <dgm:styleLbl name="fgAcc1">
-    <dgm:scene3d>
-      <a:camera prst="orthographicFront"/>
-      <a:lightRig rig="flat" dir="t"/>
-    </dgm:scene3d>
-    <dgm:sp3d z="190500" extrusionH="12700" prstMaterial="plastic">
-      <a:bevelT w="50800" h="50800"/>
-    </dgm:sp3d>
-    <dgm:txPr/>
-    <dgm:style>
-      <a:lnRef idx="1">
-        <a:scrgbClr r="0" g="0" b="0"/>
-      </a:lnRef>
-      <a:fillRef idx="1">
-        <a:scrgbClr r="0" g="0" b="0"/>
-      </a:fillRef>
-      <a:effectRef idx="2">
-        <a:scrgbClr r="0" g="0" b="0"/>
-      </a:effectRef>
-      <a:fontRef idx="minor"/>
-    </dgm:style>
-  </dgm:styleLbl>
-  <dgm:styleLbl name="conFgAcc1">
-    <dgm:scene3d>
-      <a:camera prst="orthographicFront"/>
-      <a:lightRig rig="flat" dir="t"/>
-    </dgm:scene3d>
-    <dgm:sp3d z="190500" extrusionH="12700" prstMaterial="plastic">
-      <a:bevelT w="50800" h="50800"/>
-    </dgm:sp3d>
-    <dgm:txPr/>
-    <dgm:style>
-      <a:lnRef idx="1">
-        <a:scrgbClr r="0" g="0" b="0"/>
-      </a:lnRef>
-      <a:fillRef idx="1">
-        <a:scrgbClr r="0" g="0" b="0"/>
-      </a:fillRef>
-      <a:effectRef idx="2">
-        <a:scrgbClr r="0" g="0" b="0"/>
-      </a:effectRef>
-      <a:fontRef idx="minor"/>
-    </dgm:style>
-  </dgm:styleLbl>
-  <dgm:styleLbl name="alignAcc1">
-    <dgm:scene3d>
-      <a:camera prst="orthographicFront"/>
-      <a:lightRig rig="flat" dir="t"/>
-    </dgm:scene3d>
-    <dgm:sp3d extrusionH="12700" prstMaterial="plastic">
-      <a:bevelT w="50800" h="50800"/>
-    </dgm:sp3d>
-    <dgm:txPr/>
-    <dgm:style>
-      <a:lnRef idx="1">
-        <a:scrgbClr r="0" g="0" b="0"/>
-      </a:lnRef>
-      <a:fillRef idx="1">
-        <a:scrgbClr r="0" g="0" b="0"/>
-      </a:fillRef>
-      <a:effectRef idx="2">
-        <a:scrgbClr r="0" g="0" b="0"/>
-      </a:effectRef>
-      <a:fontRef idx="minor"/>
-    </dgm:style>
-  </dgm:styleLbl>
-  <dgm:styleLbl name="trAlignAcc1">
-    <dgm:scene3d>
-      <a:camera prst="orthographicFront"/>
-      <a:lightRig rig="flat" dir="t"/>
-    </dgm:scene3d>
-    <dgm:sp3d extrusionH="12700" prstMaterial="plastic">
-      <a:bevelT w="50800" h="50800"/>
-    </dgm:sp3d>
-    <dgm:txPr/>
-    <dgm:style>
-      <a:lnRef idx="1">
-        <a:scrgbClr r="0" g="0" b="0"/>
-      </a:lnRef>
-      <a:fillRef idx="1">
-        <a:scrgbClr r="0" g="0" b="0"/>
-      </a:fillRef>
-      <a:effectRef idx="2">
-        <a:scrgbClr r="0" g="0" b="0"/>
-      </a:effectRef>
-      <a:fontRef idx="minor"/>
-    </dgm:style>
-  </dgm:styleLbl>
-  <dgm:styleLbl name="bgAcc1">
-    <dgm:scene3d>
-      <a:camera prst="orthographicFront"/>
-      <a:lightRig rig="flat" dir="t"/>
-    </dgm:scene3d>
-    <dgm:sp3d z="-190500" extrusionH="12700" prstMaterial="plastic">
-      <a:bevelT w="50800" h="50800"/>
-    </dgm:sp3d>
-    <dgm:txPr/>
-    <dgm:style>
-      <a:lnRef idx="1">
-        <a:scrgbClr r="0" g="0" b="0"/>
-      </a:lnRef>
-      <a:fillRef idx="1">
-        <a:scrgbClr r="0" g="0" b="0"/>
-      </a:fillRef>
-      <a:effectRef idx="2">
-        <a:scrgbClr r="0" g="0" b="0"/>
-      </a:effectRef>
-      <a:fontRef idx="minor"/>
-    </dgm:style>
-  </dgm:styleLbl>
-  <dgm:styleLbl name="solidFgAcc1">
-    <dgm:scene3d>
-      <a:camera prst="orthographicFront"/>
-      <a:lightRig rig="flat" dir="t"/>
-    </dgm:scene3d>
-    <dgm:sp3d z="190500" extrusionH="12700" prstMaterial="plastic">
-      <a:bevelT w="50800" h="50800"/>
-    </dgm:sp3d>
-    <dgm:txPr/>
-    <dgm:style>
-      <a:lnRef idx="1">
-        <a:scrgbClr r="0" g="0" b="0"/>
-      </a:lnRef>
-      <a:fillRef idx="1">
-        <a:scrgbClr r="0" g="0" b="0"/>
-      </a:fillRef>
-      <a:effectRef idx="2">
-        <a:scrgbClr r="0" g="0" b="0"/>
-      </a:effectRef>
-      <a:fontRef idx="minor"/>
-    </dgm:style>
-  </dgm:styleLbl>
-  <dgm:styleLbl name="solidAlignAcc1">
-    <dgm:scene3d>
-      <a:camera prst="orthographicFront"/>
-      <a:lightRig rig="flat" dir="t"/>
-    </dgm:scene3d>
-    <dgm:sp3d extrusionH="12700" prstMaterial="plastic">
-      <a:bevelT w="50800" h="50800"/>
-    </dgm:sp3d>
-    <dgm:txPr/>
-    <dgm:style>
-      <a:lnRef idx="1">
-        <a:scrgbClr r="0" g="0" b="0"/>
-      </a:lnRef>
-      <a:fillRef idx="1">
-        <a:scrgbClr r="0" g="0" b="0"/>
-      </a:fillRef>
-      <a:effectRef idx="2">
-        <a:scrgbClr r="0" g="0" b="0"/>
-      </a:effectRef>
-      <a:fontRef idx="minor"/>
-    </dgm:style>
-  </dgm:styleLbl>
-  <dgm:styleLbl name="solidBgAcc1">
-    <dgm:scene3d>
-      <a:camera prst="orthographicFront"/>
-      <a:lightRig rig="flat" dir="t"/>
-    </dgm:scene3d>
-    <dgm:sp3d z="-190500" extrusionH="12700" prstMaterial="plastic">
-      <a:bevelT w="50800" h="50800"/>
-    </dgm:sp3d>
-    <dgm:txPr/>
-    <dgm:style>
-      <a:lnRef idx="1">
-        <a:scrgbClr r="0" g="0" b="0"/>
-      </a:lnRef>
-      <a:fillRef idx="1">
-        <a:scrgbClr r="0" g="0" b="0"/>
-      </a:fillRef>
-      <a:effectRef idx="2">
-        <a:scrgbClr r="0" g="0" b="0"/>
-      </a:effectRef>
-      <a:fontRef idx="minor"/>
-    </dgm:style>
-  </dgm:styleLbl>
-  <dgm:styleLbl name="fgAccFollowNode1">
-    <dgm:scene3d>
-      <a:camera prst="orthographicFront"/>
-      <a:lightRig rig="flat" dir="t"/>
-    </dgm:scene3d>
-    <dgm:sp3d z="190500" extrusionH="12700" prstMaterial="plastic">
-      <a:bevelT w="50800" h="50800"/>
-    </dgm:sp3d>
-    <dgm:txPr/>
-    <dgm:style>
-      <a:lnRef idx="1">
-        <a:scrgbClr r="0" g="0" b="0"/>
-      </a:lnRef>
-      <a:fillRef idx="1">
-        <a:scrgbClr r="0" g="0" b="0"/>
-      </a:fillRef>
-      <a:effectRef idx="2">
-        <a:scrgbClr r="0" g="0" b="0"/>
-      </a:effectRef>
-      <a:fontRef idx="minor"/>
-    </dgm:style>
-  </dgm:styleLbl>
-  <dgm:styleLbl name="alignAccFollowNode1">
-    <dgm:scene3d>
-      <a:camera prst="orthographicFront"/>
-      <a:lightRig rig="flat" dir="t"/>
-    </dgm:scene3d>
-    <dgm:sp3d extrusionH="12700" prstMaterial="plastic">
-      <a:bevelT w="50800" h="50800"/>
-    </dgm:sp3d>
-    <dgm:txPr/>
-    <dgm:style>
-      <a:lnRef idx="1">
-        <a:scrgbClr r="0" g="0" b="0"/>
-      </a:lnRef>
-      <a:fillRef idx="1">
-        <a:scrgbClr r="0" g="0" b="0"/>
-      </a:fillRef>
-      <a:effectRef idx="2">
-        <a:scrgbClr r="0" g="0" b="0"/>
-      </a:effectRef>
-      <a:fontRef idx="minor"/>
-    </dgm:style>
-  </dgm:styleLbl>
-  <dgm:styleLbl name="bgAccFollowNode1">
-    <dgm:scene3d>
-      <a:camera prst="orthographicFront"/>
-      <a:lightRig rig="flat" dir="t"/>
-    </dgm:scene3d>
-    <dgm:sp3d z="-190500" extrusionH="12700" prstMaterial="plastic">
-      <a:bevelT w="50800" h="50800"/>
-    </dgm:sp3d>
-    <dgm:txPr/>
-    <dgm:style>
-      <a:lnRef idx="1">
-        <a:scrgbClr r="0" g="0" b="0"/>
-      </a:lnRef>
-      <a:fillRef idx="1">
-        <a:scrgbClr r="0" g="0" b="0"/>
-      </a:fillRef>
-      <a:effectRef idx="2">
-        <a:scrgbClr r="0" g="0" b="0"/>
-      </a:effectRef>
-      <a:fontRef idx="minor"/>
-    </dgm:style>
-  </dgm:styleLbl>
-  <dgm:styleLbl name="fgAcc0">
-    <dgm:scene3d>
-      <a:camera prst="orthographicFront"/>
-      <a:lightRig rig="flat" dir="t"/>
-    </dgm:scene3d>
-    <dgm:sp3d z="190500" extrusionH="12700" prstMaterial="plastic">
-      <a:bevelT w="50800" h="50800"/>
-    </dgm:sp3d>
-    <dgm:txPr/>
-    <dgm:style>
-      <a:lnRef idx="1">
-        <a:scrgbClr r="0" g="0" b="0"/>
-      </a:lnRef>
-      <a:fillRef idx="1">
-        <a:scrgbClr r="0" g="0" b="0"/>
-      </a:fillRef>
-      <a:effectRef idx="2">
-        <a:scrgbClr r="0" g="0" b="0"/>
-      </a:effectRef>
-      <a:fontRef idx="minor"/>
-    </dgm:style>
-  </dgm:styleLbl>
-  <dgm:styleLbl name="fgAcc2">
-    <dgm:scene3d>
-      <a:camera prst="orthographicFront"/>
-      <a:lightRig rig="flat" dir="t"/>
-    </dgm:scene3d>
-    <dgm:sp3d z="190500" extrusionH="12700" prstMaterial="plastic">
-      <a:bevelT w="50800" h="50800"/>
-    </dgm:sp3d>
-    <dgm:txPr/>
-    <dgm:style>
-      <a:lnRef idx="1">
-        <a:scrgbClr r="0" g="0" b="0"/>
-      </a:lnRef>
-      <a:fillRef idx="1">
-        <a:scrgbClr r="0" g="0" b="0"/>
-      </a:fillRef>
-      <a:effectRef idx="2">
-        <a:scrgbClr r="0" g="0" b="0"/>
-      </a:effectRef>
-      <a:fontRef idx="minor"/>
-    </dgm:style>
-  </dgm:styleLbl>
-  <dgm:styleLbl name="fgAcc3">
-    <dgm:scene3d>
-      <a:camera prst="orthographicFront"/>
-      <a:lightRig rig="flat" dir="t"/>
-    </dgm:scene3d>
-    <dgm:sp3d z="190500" extrusionH="12700" prstMaterial="plastic">
-      <a:bevelT w="50800" h="50800"/>
-    </dgm:sp3d>
-    <dgm:txPr/>
-    <dgm:style>
-      <a:lnRef idx="1">
-        <a:scrgbClr r="0" g="0" b="0"/>
-      </a:lnRef>
-      <a:fillRef idx="1">
-        <a:scrgbClr r="0" g="0" b="0"/>
-      </a:fillRef>
-      <a:effectRef idx="2">
-        <a:scrgbClr r="0" g="0" b="0"/>
-      </a:effectRef>
-      <a:fontRef idx="minor"/>
-    </dgm:style>
-  </dgm:styleLbl>
-  <dgm:styleLbl name="fgAcc4">
-    <dgm:scene3d>
-      <a:camera prst="orthographicFront"/>
-      <a:lightRig rig="flat" dir="t"/>
-    </dgm:scene3d>
-    <dgm:sp3d z="190500" extrusionH="12700" prstMaterial="plastic">
-      <a:bevelT w="50800" h="50800"/>
-    </dgm:sp3d>
-    <dgm:txPr/>
-    <dgm:style>
-      <a:lnRef idx="1">
-        <a:scrgbClr r="0" g="0" b="0"/>
-      </a:lnRef>
-      <a:fillRef idx="1">
-        <a:scrgbClr r="0" g="0" b="0"/>
-      </a:fillRef>
-      <a:effectRef idx="2">
-        <a:scrgbClr r="0" g="0" b="0"/>
-      </a:effectRef>
-      <a:fontRef idx="minor"/>
-    </dgm:style>
-  </dgm:styleLbl>
-  <dgm:styleLbl name="bgShp">
-    <dgm:scene3d>
-      <a:camera prst="orthographicFront"/>
-      <a:lightRig rig="flat" dir="t"/>
-    </dgm:scene3d>
-    <dgm:sp3d z="-190500" extrusionH="12700" prstMaterial="plastic">
-      <a:bevelT w="50800" h="50800"/>
-    </dgm:sp3d>
-    <dgm:txPr/>
-    <dgm:style>
-      <a:lnRef idx="0">
-        <a:scrgbClr r="0" g="0" b="0"/>
-      </a:lnRef>
-      <a:fillRef idx="3">
-        <a:scrgbClr r="0" g="0" b="0"/>
-      </a:fillRef>
-      <a:effectRef idx="0">
-        <a:scrgbClr r="0" g="0" b="0"/>
-      </a:effectRef>
-      <a:fontRef idx="minor"/>
-    </dgm:style>
-  </dgm:styleLbl>
-  <dgm:styleLbl name="dkBgShp">
-    <dgm:scene3d>
-      <a:camera prst="orthographicFront"/>
-      <a:lightRig rig="flat" dir="t"/>
-    </dgm:scene3d>
-    <dgm:sp3d z="-190500" extrusionH="12700" prstMaterial="plastic">
-      <a:bevelT w="50800" h="50800"/>
-    </dgm:sp3d>
-    <dgm:txPr/>
-    <dgm:style>
-      <a:lnRef idx="0">
-        <a:scrgbClr r="0" g="0" b="0"/>
-      </a:lnRef>
-      <a:fillRef idx="2">
-        <a:scrgbClr r="0" g="0" b="0"/>
-      </a:fillRef>
-      <a:effectRef idx="0">
-        <a:scrgbClr r="0" g="0" b="0"/>
-      </a:effectRef>
-      <a:fontRef idx="minor"/>
-    </dgm:style>
-  </dgm:styleLbl>
-  <dgm:styleLbl name="trBgShp">
-    <dgm:scene3d>
-      <a:camera prst="orthographicFront"/>
-      <a:lightRig rig="flat" dir="t"/>
-    </dgm:scene3d>
-    <dgm:sp3d z="-190500" extrusionH="12700" prstMaterial="matte"/>
-    <dgm:txPr/>
-    <dgm:style>
-      <a:lnRef idx="0">
-        <a:scrgbClr r="0" g="0" b="0"/>
-      </a:lnRef>
-      <a:fillRef idx="1">
-        <a:scrgbClr r="0" g="0" b="0"/>
-      </a:fillRef>
-      <a:effectRef idx="0">
-        <a:scrgbClr r="0" g="0" b="0"/>
-      </a:effectRef>
-      <a:fontRef idx="minor"/>
-    </dgm:style>
-  </dgm:styleLbl>
-  <dgm:styleLbl name="fgShp">
-    <dgm:scene3d>
-      <a:camera prst="orthographicFront"/>
-      <a:lightRig rig="flat" dir="t"/>
-    </dgm:scene3d>
-    <dgm:sp3d z="190500" prstMaterial="plastic">
-      <a:bevelT w="120900" h="88900"/>
-      <a:bevelB w="88900" h="31750" prst="angle"/>
-    </dgm:sp3d>
-    <dgm:txPr/>
-    <dgm:style>
-      <a:lnRef idx="0">
-        <a:scrgbClr r="0" g="0" b="0"/>
-      </a:lnRef>
-      <a:fillRef idx="1">
-        <a:scrgbClr r="0" g="0" b="0"/>
-      </a:fillRef>
-      <a:effectRef idx="3">
-        <a:scrgbClr r="0" g="0" b="0"/>
-      </a:effectRef>
-      <a:fontRef idx="minor">
-        <a:schemeClr val="lt1"/>
-      </a:fontRef>
-    </dgm:style>
-  </dgm:styleLbl>
-  <dgm:styleLbl name="revTx">
-    <dgm:scene3d>
-      <a:camera prst="orthographicFront"/>
-      <a:lightRig rig="threePt" dir="t"/>
-    </dgm:scene3d>
-    <dgm:sp3d/>
-    <dgm:txPr/>
-    <dgm:style>
-      <a:lnRef idx="0">
-        <a:scrgbClr r="0" g="0" b="0"/>
-      </a:lnRef>
-      <a:fillRef idx="0">
-        <a:scrgbClr r="0" g="0" b="0"/>
-      </a:fillRef>
-      <a:effectRef idx="0">
-        <a:scrgbClr r="0" g="0" b="0"/>
-      </a:effectRef>
-      <a:fontRef idx="minor"/>
-    </dgm:style>
-  </dgm:styleLbl>
-</dgm:styleDef>
-</file>
-
-<file path=ppt/diagrams/quickStyle6.xml><?xml version="1.0" encoding="utf-8"?>
 <dgm:styleDef xmlns:dgm="http://schemas.openxmlformats.org/drawingml/2006/diagram" xmlns:a="http://schemas.openxmlformats.org/drawingml/2006/main" uniqueId="urn:microsoft.com/office/officeart/2005/8/quickstyle/3d1">
   <dgm:title val=""/>
   <dgm:desc val=""/>
@@ -23611,7 +19392,7 @@
             <a:fld id="{229FDC3E-7424-49CF-AF38-AA35F4C77C8D}" type="datetimeFigureOut">
               <a:rPr lang="pt-BR" smtClean="0"/>
               <a:pPr/>
-              <a:t>24/07/2014</a:t>
+              <a:t>25/07/2014</a:t>
             </a:fld>
             <a:endParaRPr lang="pt-BR"/>
           </a:p>
@@ -23783,7 +19564,7 @@
             <a:fld id="{229FDC3E-7424-49CF-AF38-AA35F4C77C8D}" type="datetimeFigureOut">
               <a:rPr lang="pt-BR" smtClean="0"/>
               <a:pPr/>
-              <a:t>24/07/2014</a:t>
+              <a:t>25/07/2014</a:t>
             </a:fld>
             <a:endParaRPr lang="pt-BR"/>
           </a:p>
@@ -23960,7 +19741,7 @@
             <a:fld id="{229FDC3E-7424-49CF-AF38-AA35F4C77C8D}" type="datetimeFigureOut">
               <a:rPr lang="pt-BR" smtClean="0"/>
               <a:pPr/>
-              <a:t>24/07/2014</a:t>
+              <a:t>25/07/2014</a:t>
             </a:fld>
             <a:endParaRPr lang="pt-BR"/>
           </a:p>
@@ -24127,7 +19908,7 @@
             <a:fld id="{229FDC3E-7424-49CF-AF38-AA35F4C77C8D}" type="datetimeFigureOut">
               <a:rPr lang="pt-BR" smtClean="0"/>
               <a:pPr/>
-              <a:t>24/07/2014</a:t>
+              <a:t>25/07/2014</a:t>
             </a:fld>
             <a:endParaRPr lang="pt-BR"/>
           </a:p>
@@ -24363,7 +20144,7 @@
             <a:fld id="{229FDC3E-7424-49CF-AF38-AA35F4C77C8D}" type="datetimeFigureOut">
               <a:rPr lang="pt-BR" smtClean="0"/>
               <a:pPr/>
-              <a:t>24/07/2014</a:t>
+              <a:t>25/07/2014</a:t>
             </a:fld>
             <a:endParaRPr lang="pt-BR"/>
           </a:p>
@@ -24661,7 +20442,7 @@
             <a:fld id="{229FDC3E-7424-49CF-AF38-AA35F4C77C8D}" type="datetimeFigureOut">
               <a:rPr lang="pt-BR" smtClean="0"/>
               <a:pPr/>
-              <a:t>24/07/2014</a:t>
+              <a:t>25/07/2014</a:t>
             </a:fld>
             <a:endParaRPr lang="pt-BR"/>
           </a:p>
@@ -25047,7 +20828,7 @@
             <a:fld id="{229FDC3E-7424-49CF-AF38-AA35F4C77C8D}" type="datetimeFigureOut">
               <a:rPr lang="pt-BR" smtClean="0"/>
               <a:pPr/>
-              <a:t>24/07/2014</a:t>
+              <a:t>25/07/2014</a:t>
             </a:fld>
             <a:endParaRPr lang="pt-BR"/>
           </a:p>
@@ -25222,7 +21003,7 @@
             <a:fld id="{229FDC3E-7424-49CF-AF38-AA35F4C77C8D}" type="datetimeFigureOut">
               <a:rPr lang="pt-BR" smtClean="0"/>
               <a:pPr/>
-              <a:t>24/07/2014</a:t>
+              <a:t>25/07/2014</a:t>
             </a:fld>
             <a:endParaRPr lang="pt-BR"/>
           </a:p>
@@ -25314,7 +21095,7 @@
             <a:fld id="{229FDC3E-7424-49CF-AF38-AA35F4C77C8D}" type="datetimeFigureOut">
               <a:rPr lang="pt-BR" smtClean="0"/>
               <a:pPr/>
-              <a:t>24/07/2014</a:t>
+              <a:t>25/07/2014</a:t>
             </a:fld>
             <a:endParaRPr lang="pt-BR"/>
           </a:p>
@@ -25611,7 +21392,7 @@
             <a:fld id="{229FDC3E-7424-49CF-AF38-AA35F4C77C8D}" type="datetimeFigureOut">
               <a:rPr lang="pt-BR" smtClean="0"/>
               <a:pPr/>
-              <a:t>24/07/2014</a:t>
+              <a:t>25/07/2014</a:t>
             </a:fld>
             <a:endParaRPr lang="pt-BR"/>
           </a:p>
@@ -25747,7 +21528,7 @@
             <a:fld id="{229FDC3E-7424-49CF-AF38-AA35F4C77C8D}" type="datetimeFigureOut">
               <a:rPr lang="pt-BR" smtClean="0"/>
               <a:pPr/>
-              <a:t>24/07/2014</a:t>
+              <a:t>25/07/2014</a:t>
             </a:fld>
             <a:endParaRPr lang="pt-BR"/>
           </a:p>
@@ -26052,7 +21833,7 @@
             <a:fld id="{229FDC3E-7424-49CF-AF38-AA35F4C77C8D}" type="datetimeFigureOut">
               <a:rPr lang="pt-BR" smtClean="0"/>
               <a:pPr/>
-              <a:t>24/07/2014</a:t>
+              <a:t>25/07/2014</a:t>
             </a:fld>
             <a:endParaRPr lang="pt-BR"/>
           </a:p>
@@ -26721,7 +22502,7 @@
           <a:p>
             <a:r>
               <a:rPr lang="pt-BR" dirty="0" smtClean="0"/>
-              <a:t>Mobilidade</a:t>
+              <a:t>Facilidade de manutenção</a:t>
             </a:r>
             <a:endParaRPr lang="pt-BR" dirty="0"/>
           </a:p>
@@ -26762,80 +22543,6 @@
 </file>
 
 <file path=ppt/slides/slide11.xml><?xml version="1.0" encoding="utf-8"?>
-<p:sld xmlns:a="http://schemas.openxmlformats.org/drawingml/2006/main" xmlns:r="http://schemas.openxmlformats.org/officeDocument/2006/relationships" xmlns:p="http://schemas.openxmlformats.org/presentationml/2006/main">
-  <p:cSld>
-    <p:spTree>
-      <p:nvGrpSpPr>
-        <p:cNvPr id="1" name=""/>
-        <p:cNvGrpSpPr/>
-        <p:nvPr/>
-      </p:nvGrpSpPr>
-      <p:grpSpPr>
-        <a:xfrm>
-          <a:off x="0" y="0"/>
-          <a:ext cx="0" cy="0"/>
-          <a:chOff x="0" y="0"/>
-          <a:chExt cx="0" cy="0"/>
-        </a:xfrm>
-      </p:grpSpPr>
-      <p:sp>
-        <p:nvSpPr>
-          <p:cNvPr id="2" name="Título 1"/>
-          <p:cNvSpPr>
-            <a:spLocks noGrp="1"/>
-          </p:cNvSpPr>
-          <p:nvPr>
-            <p:ph type="title"/>
-          </p:nvPr>
-        </p:nvSpPr>
-        <p:spPr/>
-        <p:txBody>
-          <a:bodyPr/>
-          <a:lstStyle/>
-          <a:p>
-            <a:r>
-              <a:rPr lang="pt-BR" dirty="0" smtClean="0"/>
-              <a:t>Facilidade de manutenção</a:t>
-            </a:r>
-            <a:endParaRPr lang="pt-BR" dirty="0"/>
-          </a:p>
-        </p:txBody>
-      </p:sp>
-      <p:sp>
-        <p:nvSpPr>
-          <p:cNvPr id="3" name="Espaço Reservado para Conteúdo 2"/>
-          <p:cNvSpPr>
-            <a:spLocks noGrp="1"/>
-          </p:cNvSpPr>
-          <p:nvPr>
-            <p:ph idx="1"/>
-          </p:nvPr>
-        </p:nvSpPr>
-        <p:spPr/>
-        <p:txBody>
-          <a:bodyPr/>
-          <a:lstStyle/>
-          <a:p>
-            <a:endParaRPr lang="pt-BR"/>
-          </a:p>
-        </p:txBody>
-      </p:sp>
-    </p:spTree>
-  </p:cSld>
-  <p:clrMapOvr>
-    <a:masterClrMapping/>
-  </p:clrMapOvr>
-  <p:timing>
-    <p:tnLst>
-      <p:par>
-        <p:cTn id="1" dur="indefinite" restart="never" nodeType="tmRoot"/>
-      </p:par>
-    </p:tnLst>
-  </p:timing>
-</p:sld>
-</file>
-
-<file path=ppt/slides/slide12.xml><?xml version="1.0" encoding="utf-8"?>
 <p:sld xmlns:a="http://schemas.openxmlformats.org/drawingml/2006/main" xmlns:r="http://schemas.openxmlformats.org/officeDocument/2006/relationships" xmlns:p="http://schemas.openxmlformats.org/presentationml/2006/main">
   <p:cSld>
     <p:spTree>
@@ -27307,6 +23014,22 @@
           <a:chExt cx="0" cy="0"/>
         </a:xfrm>
       </p:grpSpPr>
+      <p:graphicFrame>
+        <p:nvGraphicFramePr>
+          <p:cNvPr id="4" name="Diagrama 3"/>
+          <p:cNvGraphicFramePr/>
+          <p:nvPr/>
+        </p:nvGraphicFramePr>
+        <p:xfrm>
+          <a:off x="395536" y="2492896"/>
+          <a:ext cx="8496944" cy="4064000"/>
+        </p:xfrm>
+        <a:graphic>
+          <a:graphicData uri="http://schemas.openxmlformats.org/drawingml/2006/diagram">
+            <dgm:relIds xmlns:dgm="http://schemas.openxmlformats.org/drawingml/2006/diagram" xmlns:r="http://schemas.openxmlformats.org/officeDocument/2006/relationships" r:dm="rId2" r:lo="rId3" r:qs="rId4" r:cs="rId5"/>
+          </a:graphicData>
+        </a:graphic>
+      </p:graphicFrame>
       <p:sp>
         <p:nvSpPr>
           <p:cNvPr id="2" name="Título 1"/>
@@ -27330,26 +23053,6 @@
           </a:p>
         </p:txBody>
       </p:sp>
-      <p:graphicFrame>
-        <p:nvGraphicFramePr>
-          <p:cNvPr id="4" name="Espaço Reservado para Conteúdo 3"/>
-          <p:cNvGraphicFramePr>
-            <a:graphicFrameLocks noGrp="1"/>
-          </p:cNvGraphicFramePr>
-          <p:nvPr>
-            <p:ph idx="1"/>
-          </p:nvPr>
-        </p:nvGraphicFramePr>
-        <p:xfrm>
-          <a:off x="214282" y="3286124"/>
-          <a:ext cx="8686800" cy="3571876"/>
-        </p:xfrm>
-        <a:graphic>
-          <a:graphicData uri="http://schemas.openxmlformats.org/drawingml/2006/diagram">
-            <dgm:relIds xmlns:dgm="http://schemas.openxmlformats.org/drawingml/2006/diagram" xmlns:r="http://schemas.openxmlformats.org/officeDocument/2006/relationships" r:dm="rId2" r:lo="rId3" r:qs="rId4" r:cs="rId5"/>
-          </a:graphicData>
-        </a:graphic>
-      </p:graphicFrame>
       <p:pic>
         <p:nvPicPr>
           <p:cNvPr id="5" name="Espaço Reservado para Conteúdo 5" descr="faq 4.png"/>
@@ -27378,8 +23081,8 @@
         </p:blipFill>
         <p:spPr>
           <a:xfrm>
-            <a:off x="214282" y="1500174"/>
-            <a:ext cx="8715436" cy="1857388"/>
+            <a:off x="251520" y="1412776"/>
+            <a:ext cx="8715436" cy="1872208"/>
           </a:xfrm>
           <a:prstGeom prst="rect">
             <a:avLst/>
@@ -27583,7 +23286,7 @@
         </p:nvSpPr>
         <p:spPr>
           <a:xfrm>
-            <a:off x="4786314" y="5929330"/>
+            <a:off x="4786314" y="5877272"/>
             <a:ext cx="4143404" cy="707886"/>
           </a:xfrm>
           <a:prstGeom prst="rect">
@@ -27660,49 +23363,38 @@
             <p:ph type="title"/>
           </p:nvPr>
         </p:nvSpPr>
-        <p:spPr>
-          <a:xfrm>
-            <a:off x="457200" y="260648"/>
-            <a:ext cx="8686800" cy="838200"/>
-          </a:xfrm>
-        </p:spPr>
+        <p:spPr/>
         <p:txBody>
           <a:bodyPr/>
           <a:lstStyle/>
           <a:p>
             <a:r>
               <a:rPr lang="pt-BR" dirty="0" smtClean="0"/>
-              <a:t>abrangência</a:t>
+              <a:t>Mobilidade</a:t>
             </a:r>
             <a:endParaRPr lang="pt-BR" dirty="0"/>
           </a:p>
         </p:txBody>
       </p:sp>
-      <p:graphicFrame>
-        <p:nvGraphicFramePr>
-          <p:cNvPr id="4" name="Espaço Reservado para Conteúdo 3"/>
-          <p:cNvGraphicFramePr>
-            <a:graphicFrameLocks noGrp="1"/>
-          </p:cNvGraphicFramePr>
+      <p:sp>
+        <p:nvSpPr>
+          <p:cNvPr id="3" name="Espaço Reservado para Conteúdo 2"/>
+          <p:cNvSpPr>
+            <a:spLocks noGrp="1"/>
+          </p:cNvSpPr>
           <p:nvPr>
             <p:ph idx="1"/>
-            <p:extLst>
-              <p:ext uri="{D42A27DB-BD31-4B8C-83A1-F6EECF244321}">
-                <p14:modId xmlns:p14="http://schemas.microsoft.com/office/powerpoint/2010/main" xmlns="" val="2208909862"/>
-              </p:ext>
-            </p:extLst>
           </p:nvPr>
-        </p:nvGraphicFramePr>
-        <p:xfrm>
-          <a:off x="304800" y="1268761"/>
-          <a:ext cx="8686800" cy="5400599"/>
-        </p:xfrm>
-        <a:graphic>
-          <a:graphicData uri="http://schemas.openxmlformats.org/drawingml/2006/diagram">
-            <dgm:relIds xmlns:dgm="http://schemas.openxmlformats.org/drawingml/2006/diagram" xmlns:r="http://schemas.openxmlformats.org/officeDocument/2006/relationships" r:dm="rId2" r:lo="rId3" r:qs="rId4" r:cs="rId5"/>
-          </a:graphicData>
-        </a:graphic>
-      </p:graphicFrame>
+        </p:nvSpPr>
+        <p:spPr/>
+        <p:txBody>
+          <a:bodyPr/>
+          <a:lstStyle/>
+          <a:p>
+            <a:endParaRPr lang="pt-BR"/>
+          </a:p>
+        </p:txBody>
+      </p:sp>
     </p:spTree>
   </p:cSld>
   <p:clrMapOvr>
@@ -27983,7 +23675,45 @@
       </a:bgFillStyleLst>
     </a:fmtScheme>
   </a:themeElements>
-  <a:objectDefaults/>
+  <a:objectDefaults>
+    <a:spDef>
+      <a:spPr>
+        <a:solidFill>
+          <a:schemeClr val="accent6">
+            <a:lumMod val="60000"/>
+            <a:lumOff val="40000"/>
+          </a:schemeClr>
+        </a:solidFill>
+      </a:spPr>
+      <a:bodyPr rtlCol="0" anchor="ctr"/>
+      <a:lstStyle>
+        <a:defPPr algn="ctr">
+          <a:defRPr b="1" dirty="0" smtClean="0">
+            <a:solidFill>
+              <a:schemeClr val="accent3">
+                <a:lumMod val="20000"/>
+                <a:lumOff val="80000"/>
+              </a:schemeClr>
+            </a:solidFill>
+          </a:defRPr>
+        </a:defPPr>
+      </a:lstStyle>
+      <a:style>
+        <a:lnRef idx="0">
+          <a:schemeClr val="accent6"/>
+        </a:lnRef>
+        <a:fillRef idx="3">
+          <a:schemeClr val="accent6"/>
+        </a:fillRef>
+        <a:effectRef idx="3">
+          <a:schemeClr val="accent6"/>
+        </a:effectRef>
+        <a:fontRef idx="minor">
+          <a:schemeClr val="lt1"/>
+        </a:fontRef>
+      </a:style>
+    </a:spDef>
+  </a:objectDefaults>
   <a:extraClrSchemeLst/>
 </a:theme>
 </file>
--- a/SAS/Planejamento/Docs/#3 - Apresentação do projeto.pptx
+++ b/SAS/Planejamento/Docs/#3 - Apresentação do projeto.pptx
@@ -4206,7 +4206,15 @@
             <a:rPr lang="pt-BR" sz="1600" dirty="0" err="1" smtClean="0"/>
             <a:t>TICs</a:t>
           </a:r>
-          <a:endParaRPr lang="pt-BR" sz="1600" dirty="0"/>
+          <a:r>
+            <a:rPr lang="pt-BR" sz="1600" dirty="0" smtClean="0"/>
+            <a:t> (</a:t>
+          </a:r>
+          <a:r>
+            <a:rPr lang="pt-BR" sz="800" dirty="0" smtClean="0"/>
+            <a:t>Tecnologias da Informação e Comunicação colaborativas)</a:t>
+          </a:r>
+          <a:endParaRPr lang="pt-BR" sz="800" dirty="0"/>
         </a:p>
       </dgm:t>
     </dgm:pt>
@@ -6867,15 +6875,7 @@
         <a:p>
           <a:r>
             <a:rPr lang="pt-BR" b="1" dirty="0" smtClean="0"/>
-            <a:t>Processa </a:t>
-          </a:r>
-          <a:r>
-            <a:rPr lang="pt-BR" b="1" dirty="0" smtClean="0"/>
-            <a:t> </a:t>
-          </a:r>
-          <a:r>
-            <a:rPr lang="pt-BR" b="1" dirty="0" smtClean="0"/>
-            <a:t>solicitações de usuário</a:t>
+            <a:t>Processa  solicitações de usuário</a:t>
           </a:r>
           <a:endParaRPr lang="pt-BR" b="1" dirty="0"/>
         </a:p>
@@ -8500,7 +8500,15 @@
             <a:rPr lang="pt-BR" sz="1600" kern="1200" dirty="0" err="1" smtClean="0"/>
             <a:t>TICs</a:t>
           </a:r>
-          <a:endParaRPr lang="pt-BR" sz="1600" kern="1200" dirty="0"/>
+          <a:r>
+            <a:rPr lang="pt-BR" sz="1600" kern="1200" dirty="0" smtClean="0"/>
+            <a:t> (</a:t>
+          </a:r>
+          <a:r>
+            <a:rPr lang="pt-BR" sz="800" kern="1200" dirty="0" smtClean="0"/>
+            <a:t>Tecnologias da Informação e Comunicação colaborativas)</a:t>
+          </a:r>
+          <a:endParaRPr lang="pt-BR" sz="800" kern="1200" dirty="0"/>
         </a:p>
       </dsp:txBody>
       <dsp:txXfrm rot="5400000">
@@ -10637,15 +10645,7 @@
           </a:pPr>
           <a:r>
             <a:rPr lang="pt-BR" sz="1800" b="1" kern="1200" dirty="0" smtClean="0"/>
-            <a:t>Processa </a:t>
-          </a:r>
-          <a:r>
-            <a:rPr lang="pt-BR" sz="1800" b="1" kern="1200" dirty="0" smtClean="0"/>
-            <a:t> </a:t>
-          </a:r>
-          <a:r>
-            <a:rPr lang="pt-BR" sz="1800" b="1" kern="1200" dirty="0" smtClean="0"/>
-            <a:t>solicitações de usuário</a:t>
+            <a:t>Processa  solicitações de usuário</a:t>
           </a:r>
           <a:endParaRPr lang="pt-BR" sz="1800" b="1" kern="1200" dirty="0"/>
         </a:p>
@@ -19392,7 +19392,7 @@
             <a:fld id="{229FDC3E-7424-49CF-AF38-AA35F4C77C8D}" type="datetimeFigureOut">
               <a:rPr lang="pt-BR" smtClean="0"/>
               <a:pPr/>
-              <a:t>25/07/2014</a:t>
+              <a:t>26/07/2014</a:t>
             </a:fld>
             <a:endParaRPr lang="pt-BR"/>
           </a:p>
@@ -19564,7 +19564,7 @@
             <a:fld id="{229FDC3E-7424-49CF-AF38-AA35F4C77C8D}" type="datetimeFigureOut">
               <a:rPr lang="pt-BR" smtClean="0"/>
               <a:pPr/>
-              <a:t>25/07/2014</a:t>
+              <a:t>26/07/2014</a:t>
             </a:fld>
             <a:endParaRPr lang="pt-BR"/>
           </a:p>
@@ -19741,7 +19741,7 @@
             <a:fld id="{229FDC3E-7424-49CF-AF38-AA35F4C77C8D}" type="datetimeFigureOut">
               <a:rPr lang="pt-BR" smtClean="0"/>
               <a:pPr/>
-              <a:t>25/07/2014</a:t>
+              <a:t>26/07/2014</a:t>
             </a:fld>
             <a:endParaRPr lang="pt-BR"/>
           </a:p>
@@ -19908,7 +19908,7 @@
             <a:fld id="{229FDC3E-7424-49CF-AF38-AA35F4C77C8D}" type="datetimeFigureOut">
               <a:rPr lang="pt-BR" smtClean="0"/>
               <a:pPr/>
-              <a:t>25/07/2014</a:t>
+              <a:t>26/07/2014</a:t>
             </a:fld>
             <a:endParaRPr lang="pt-BR"/>
           </a:p>
@@ -20144,7 +20144,7 @@
             <a:fld id="{229FDC3E-7424-49CF-AF38-AA35F4C77C8D}" type="datetimeFigureOut">
               <a:rPr lang="pt-BR" smtClean="0"/>
               <a:pPr/>
-              <a:t>25/07/2014</a:t>
+              <a:t>26/07/2014</a:t>
             </a:fld>
             <a:endParaRPr lang="pt-BR"/>
           </a:p>
@@ -20442,7 +20442,7 @@
             <a:fld id="{229FDC3E-7424-49CF-AF38-AA35F4C77C8D}" type="datetimeFigureOut">
               <a:rPr lang="pt-BR" smtClean="0"/>
               <a:pPr/>
-              <a:t>25/07/2014</a:t>
+              <a:t>26/07/2014</a:t>
             </a:fld>
             <a:endParaRPr lang="pt-BR"/>
           </a:p>
@@ -20828,7 +20828,7 @@
             <a:fld id="{229FDC3E-7424-49CF-AF38-AA35F4C77C8D}" type="datetimeFigureOut">
               <a:rPr lang="pt-BR" smtClean="0"/>
               <a:pPr/>
-              <a:t>25/07/2014</a:t>
+              <a:t>26/07/2014</a:t>
             </a:fld>
             <a:endParaRPr lang="pt-BR"/>
           </a:p>
@@ -21003,7 +21003,7 @@
             <a:fld id="{229FDC3E-7424-49CF-AF38-AA35F4C77C8D}" type="datetimeFigureOut">
               <a:rPr lang="pt-BR" smtClean="0"/>
               <a:pPr/>
-              <a:t>25/07/2014</a:t>
+              <a:t>26/07/2014</a:t>
             </a:fld>
             <a:endParaRPr lang="pt-BR"/>
           </a:p>
@@ -21095,7 +21095,7 @@
             <a:fld id="{229FDC3E-7424-49CF-AF38-AA35F4C77C8D}" type="datetimeFigureOut">
               <a:rPr lang="pt-BR" smtClean="0"/>
               <a:pPr/>
-              <a:t>25/07/2014</a:t>
+              <a:t>26/07/2014</a:t>
             </a:fld>
             <a:endParaRPr lang="pt-BR"/>
           </a:p>
@@ -21392,7 +21392,7 @@
             <a:fld id="{229FDC3E-7424-49CF-AF38-AA35F4C77C8D}" type="datetimeFigureOut">
               <a:rPr lang="pt-BR" smtClean="0"/>
               <a:pPr/>
-              <a:t>25/07/2014</a:t>
+              <a:t>26/07/2014</a:t>
             </a:fld>
             <a:endParaRPr lang="pt-BR"/>
           </a:p>
@@ -21528,7 +21528,7 @@
             <a:fld id="{229FDC3E-7424-49CF-AF38-AA35F4C77C8D}" type="datetimeFigureOut">
               <a:rPr lang="pt-BR" smtClean="0"/>
               <a:pPr/>
-              <a:t>25/07/2014</a:t>
+              <a:t>26/07/2014</a:t>
             </a:fld>
             <a:endParaRPr lang="pt-BR"/>
           </a:p>
@@ -21833,7 +21833,7 @@
             <a:fld id="{229FDC3E-7424-49CF-AF38-AA35F4C77C8D}" type="datetimeFigureOut">
               <a:rPr lang="pt-BR" smtClean="0"/>
               <a:pPr/>
-              <a:t>25/07/2014</a:t>
+              <a:t>26/07/2014</a:t>
             </a:fld>
             <a:endParaRPr lang="pt-BR"/>
           </a:p>
@@ -22502,27 +22502,544 @@
           <a:p>
             <a:r>
               <a:rPr lang="pt-BR" dirty="0" smtClean="0"/>
-              <a:t>Facilidade de manutenção</a:t>
+              <a:t>manutenção</a:t>
             </a:r>
             <a:endParaRPr lang="pt-BR" dirty="0"/>
           </a:p>
         </p:txBody>
       </p:sp>
+      <p:pic>
+        <p:nvPicPr>
+          <p:cNvPr id="7" name="Espaço Reservado para Conteúdo 5" descr="faq 4.png"/>
+          <p:cNvPicPr>
+            <a:picLocks noChangeAspect="1"/>
+          </p:cNvPicPr>
+          <p:nvPr/>
+        </p:nvPicPr>
+        <p:blipFill>
+          <a:blip r:embed="rId2" cstate="print">
+            <a:clrChange>
+              <a:clrFrom>
+                <a:srgbClr val="FFFFFF"/>
+              </a:clrFrom>
+              <a:clrTo>
+                <a:srgbClr val="FFFFFF">
+                  <a:alpha val="0"/>
+                </a:srgbClr>
+              </a:clrTo>
+            </a:clrChange>
+          </a:blip>
+          <a:srcRect l="5738" t="22871" r="44314" b="31388"/>
+          <a:stretch>
+            <a:fillRect/>
+          </a:stretch>
+        </p:blipFill>
+        <p:spPr>
+          <a:xfrm>
+            <a:off x="683568" y="1700808"/>
+            <a:ext cx="4680520" cy="3240360"/>
+          </a:xfrm>
+          <a:prstGeom prst="rect">
+            <a:avLst/>
+          </a:prstGeom>
+          <a:noFill/>
+          <a:ln>
+            <a:noFill/>
+          </a:ln>
+          <a:effectLst>
+            <a:softEdge rad="12700"/>
+          </a:effectLst>
+        </p:spPr>
+      </p:pic>
       <p:sp>
         <p:nvSpPr>
-          <p:cNvPr id="3" name="Espaço Reservado para Conteúdo 2"/>
-          <p:cNvSpPr>
-            <a:spLocks noGrp="1"/>
-          </p:cNvSpPr>
-          <p:nvPr>
-            <p:ph idx="1"/>
-          </p:nvPr>
+          <p:cNvPr id="10" name="Elipse 9"/>
+          <p:cNvSpPr/>
+          <p:nvPr/>
         </p:nvSpPr>
-        <p:spPr/>
+        <p:spPr>
+          <a:xfrm>
+            <a:off x="395536" y="1484784"/>
+            <a:ext cx="5688632" cy="4032448"/>
+          </a:xfrm>
+          <a:prstGeom prst="ellipse">
+            <a:avLst/>
+          </a:prstGeom>
+          <a:noFill/>
+          <a:ln w="76200">
+            <a:solidFill>
+              <a:srgbClr val="FF0000"/>
+            </a:solidFill>
+          </a:ln>
+        </p:spPr>
+        <p:style>
+          <a:lnRef idx="0">
+            <a:schemeClr val="accent6"/>
+          </a:lnRef>
+          <a:fillRef idx="3">
+            <a:schemeClr val="accent6"/>
+          </a:fillRef>
+          <a:effectRef idx="3">
+            <a:schemeClr val="accent6"/>
+          </a:effectRef>
+          <a:fontRef idx="minor">
+            <a:schemeClr val="lt1"/>
+          </a:fontRef>
+        </p:style>
         <p:txBody>
-          <a:bodyPr/>
+          <a:bodyPr rtlCol="0" anchor="ctr"/>
           <a:lstStyle/>
           <a:p>
+            <a:pPr algn="ctr"/>
+            <a:endParaRPr lang="pt-BR" b="1" dirty="0" smtClean="0">
+              <a:solidFill>
+                <a:schemeClr val="accent3">
+                  <a:lumMod val="20000"/>
+                  <a:lumOff val="80000"/>
+                </a:schemeClr>
+              </a:solidFill>
+            </a:endParaRPr>
+          </a:p>
+        </p:txBody>
+      </p:sp>
+      <p:sp>
+        <p:nvSpPr>
+          <p:cNvPr id="14" name="CaixaDeTexto 13"/>
+          <p:cNvSpPr txBox="1"/>
+          <p:nvPr/>
+        </p:nvSpPr>
+        <p:spPr>
+          <a:xfrm>
+            <a:off x="251520" y="2924944"/>
+            <a:ext cx="2775039" cy="1077218"/>
+          </a:xfrm>
+          <a:prstGeom prst="rect">
+            <a:avLst/>
+          </a:prstGeom>
+          <a:noFill/>
+          <a:ln>
+            <a:noFill/>
+          </a:ln>
+        </p:spPr>
+        <p:txBody>
+          <a:bodyPr wrap="square" rtlCol="0">
+            <a:spAutoFit/>
+          </a:bodyPr>
+          <a:lstStyle/>
+          <a:p>
+            <a:pPr algn="ctr"/>
+            <a:r>
+              <a:rPr lang="pt-BR" sz="3200" b="1" dirty="0" smtClean="0">
+                <a:ln w="18415" cmpd="sng">
+                  <a:solidFill>
+                    <a:srgbClr val="FFFFFF"/>
+                  </a:solidFill>
+                  <a:prstDash val="solid"/>
+                </a:ln>
+                <a:solidFill>
+                  <a:srgbClr val="FFFF00"/>
+                </a:solidFill>
+                <a:effectLst>
+                  <a:outerShdw blurRad="63500" dir="3600000" algn="tl" rotWithShape="0">
+                    <a:srgbClr val="000000">
+                      <a:alpha val="70000"/>
+                    </a:srgbClr>
+                  </a:outerShdw>
+                </a:effectLst>
+                <a:latin typeface="Comic Sans MS" pitchFamily="66" charset="0"/>
+                <a:cs typeface="Aharoni" pitchFamily="2" charset="-79"/>
+              </a:rPr>
+              <a:t>Base de dados </a:t>
+            </a:r>
+            <a:endParaRPr lang="pt-BR" sz="3200" b="1" dirty="0">
+              <a:ln w="18415" cmpd="sng">
+                <a:solidFill>
+                  <a:srgbClr val="FFFFFF"/>
+                </a:solidFill>
+                <a:prstDash val="solid"/>
+              </a:ln>
+              <a:solidFill>
+                <a:srgbClr val="FFFF00"/>
+              </a:solidFill>
+              <a:effectLst>
+                <a:outerShdw blurRad="63500" dir="3600000" algn="tl" rotWithShape="0">
+                  <a:srgbClr val="000000">
+                    <a:alpha val="70000"/>
+                  </a:srgbClr>
+                </a:outerShdw>
+              </a:effectLst>
+              <a:latin typeface="Comic Sans MS" pitchFamily="66" charset="0"/>
+              <a:cs typeface="Aharoni" pitchFamily="2" charset="-79"/>
+            </a:endParaRPr>
+          </a:p>
+        </p:txBody>
+      </p:sp>
+      <p:sp>
+        <p:nvSpPr>
+          <p:cNvPr id="15" name="CaixaDeTexto 14"/>
+          <p:cNvSpPr txBox="1"/>
+          <p:nvPr/>
+        </p:nvSpPr>
+        <p:spPr>
+          <a:xfrm>
+            <a:off x="3491880" y="3140968"/>
+            <a:ext cx="2016224" cy="584775"/>
+          </a:xfrm>
+          <a:prstGeom prst="rect">
+            <a:avLst/>
+          </a:prstGeom>
+          <a:noFill/>
+          <a:ln>
+            <a:noFill/>
+          </a:ln>
+        </p:spPr>
+        <p:txBody>
+          <a:bodyPr wrap="square" rtlCol="0">
+            <a:spAutoFit/>
+          </a:bodyPr>
+          <a:lstStyle/>
+          <a:p>
+            <a:pPr algn="ctr"/>
+            <a:r>
+              <a:rPr lang="pt-BR" sz="3200" b="1" dirty="0" smtClean="0">
+                <a:ln w="18415" cmpd="sng">
+                  <a:solidFill>
+                    <a:srgbClr val="FFFFFF"/>
+                  </a:solidFill>
+                  <a:prstDash val="solid"/>
+                </a:ln>
+                <a:solidFill>
+                  <a:srgbClr val="FFFF00"/>
+                </a:solidFill>
+                <a:effectLst>
+                  <a:outerShdw blurRad="63500" dir="3600000" algn="tl" rotWithShape="0">
+                    <a:srgbClr val="000000">
+                      <a:alpha val="70000"/>
+                    </a:srgbClr>
+                  </a:outerShdw>
+                </a:effectLst>
+                <a:latin typeface="Comic Sans MS" pitchFamily="66" charset="0"/>
+                <a:cs typeface="Aharoni" pitchFamily="2" charset="-79"/>
+              </a:rPr>
+              <a:t>Aplicação</a:t>
+            </a:r>
+            <a:endParaRPr lang="pt-BR" sz="3200" b="1" dirty="0">
+              <a:ln w="18415" cmpd="sng">
+                <a:solidFill>
+                  <a:srgbClr val="FFFFFF"/>
+                </a:solidFill>
+                <a:prstDash val="solid"/>
+              </a:ln>
+              <a:solidFill>
+                <a:srgbClr val="FFFF00"/>
+              </a:solidFill>
+              <a:effectLst>
+                <a:outerShdw blurRad="63500" dir="3600000" algn="tl" rotWithShape="0">
+                  <a:srgbClr val="000000">
+                    <a:alpha val="70000"/>
+                  </a:srgbClr>
+                </a:outerShdw>
+              </a:effectLst>
+              <a:latin typeface="Comic Sans MS" pitchFamily="66" charset="0"/>
+              <a:cs typeface="Aharoni" pitchFamily="2" charset="-79"/>
+            </a:endParaRPr>
+          </a:p>
+        </p:txBody>
+      </p:sp>
+      <p:pic>
+        <p:nvPicPr>
+          <p:cNvPr id="8" name="Espaço Reservado para Conteúdo 5" descr="faq 4.png"/>
+          <p:cNvPicPr>
+            <a:picLocks noChangeAspect="1"/>
+          </p:cNvPicPr>
+          <p:nvPr/>
+        </p:nvPicPr>
+        <p:blipFill>
+          <a:blip r:embed="rId2" cstate="print">
+            <a:clrChange>
+              <a:clrFrom>
+                <a:srgbClr val="FFFFFF"/>
+              </a:clrFrom>
+              <a:clrTo>
+                <a:srgbClr val="FFFFFF">
+                  <a:alpha val="0"/>
+                </a:srgbClr>
+              </a:clrTo>
+            </a:clrChange>
+          </a:blip>
+          <a:srcRect l="62732" t="26307" r="10130" b="34051"/>
+          <a:stretch>
+            <a:fillRect/>
+          </a:stretch>
+        </p:blipFill>
+        <p:spPr>
+          <a:xfrm>
+            <a:off x="7956376" y="2420888"/>
+            <a:ext cx="944763" cy="1052736"/>
+          </a:xfrm>
+          <a:prstGeom prst="rect">
+            <a:avLst/>
+          </a:prstGeom>
+          <a:noFill/>
+          <a:ln>
+            <a:noFill/>
+          </a:ln>
+          <a:effectLst>
+            <a:softEdge rad="12700"/>
+          </a:effectLst>
+        </p:spPr>
+      </p:pic>
+      <p:pic>
+        <p:nvPicPr>
+          <p:cNvPr id="9" name="Espaço Reservado para Conteúdo 5" descr="faq 4.png"/>
+          <p:cNvPicPr>
+            <a:picLocks noChangeAspect="1"/>
+          </p:cNvPicPr>
+          <p:nvPr/>
+        </p:nvPicPr>
+        <p:blipFill>
+          <a:blip r:embed="rId2" cstate="print">
+            <a:clrChange>
+              <a:clrFrom>
+                <a:srgbClr val="FFFFFF"/>
+              </a:clrFrom>
+              <a:clrTo>
+                <a:srgbClr val="FFFFFF">
+                  <a:alpha val="0"/>
+                </a:srgbClr>
+              </a:clrTo>
+            </a:clrChange>
+          </a:blip>
+          <a:srcRect l="62732" t="26307" r="10130" b="34051"/>
+          <a:stretch>
+            <a:fillRect/>
+          </a:stretch>
+        </p:blipFill>
+        <p:spPr>
+          <a:xfrm>
+            <a:off x="7092280" y="1268760"/>
+            <a:ext cx="944763" cy="1052736"/>
+          </a:xfrm>
+          <a:prstGeom prst="rect">
+            <a:avLst/>
+          </a:prstGeom>
+          <a:noFill/>
+          <a:ln>
+            <a:noFill/>
+          </a:ln>
+          <a:effectLst>
+            <a:softEdge rad="12700"/>
+          </a:effectLst>
+        </p:spPr>
+      </p:pic>
+      <p:pic>
+        <p:nvPicPr>
+          <p:cNvPr id="11" name="Espaço Reservado para Conteúdo 5" descr="faq 4.png"/>
+          <p:cNvPicPr>
+            <a:picLocks noChangeAspect="1"/>
+          </p:cNvPicPr>
+          <p:nvPr/>
+        </p:nvPicPr>
+        <p:blipFill>
+          <a:blip r:embed="rId2" cstate="print">
+            <a:clrChange>
+              <a:clrFrom>
+                <a:srgbClr val="FFFFFF"/>
+              </a:clrFrom>
+              <a:clrTo>
+                <a:srgbClr val="FFFFFF">
+                  <a:alpha val="0"/>
+                </a:srgbClr>
+              </a:clrTo>
+            </a:clrChange>
+          </a:blip>
+          <a:srcRect l="62732" t="26307" r="10130" b="34051"/>
+          <a:stretch>
+            <a:fillRect/>
+          </a:stretch>
+        </p:blipFill>
+        <p:spPr>
+          <a:xfrm>
+            <a:off x="7092280" y="4725144"/>
+            <a:ext cx="944763" cy="1052736"/>
+          </a:xfrm>
+          <a:prstGeom prst="rect">
+            <a:avLst/>
+          </a:prstGeom>
+          <a:noFill/>
+          <a:ln>
+            <a:noFill/>
+          </a:ln>
+          <a:effectLst>
+            <a:softEdge rad="12700"/>
+          </a:effectLst>
+        </p:spPr>
+      </p:pic>
+      <p:pic>
+        <p:nvPicPr>
+          <p:cNvPr id="12" name="Espaço Reservado para Conteúdo 5" descr="faq 4.png"/>
+          <p:cNvPicPr>
+            <a:picLocks noChangeAspect="1"/>
+          </p:cNvPicPr>
+          <p:nvPr/>
+        </p:nvPicPr>
+        <p:blipFill>
+          <a:blip r:embed="rId2" cstate="print">
+            <a:clrChange>
+              <a:clrFrom>
+                <a:srgbClr val="FFFFFF"/>
+              </a:clrFrom>
+              <a:clrTo>
+                <a:srgbClr val="FFFFFF">
+                  <a:alpha val="0"/>
+                </a:srgbClr>
+              </a:clrTo>
+            </a:clrChange>
+          </a:blip>
+          <a:srcRect l="62732" t="26307" r="10130" b="34051"/>
+          <a:stretch>
+            <a:fillRect/>
+          </a:stretch>
+        </p:blipFill>
+        <p:spPr>
+          <a:xfrm>
+            <a:off x="7956376" y="3717032"/>
+            <a:ext cx="944763" cy="1052736"/>
+          </a:xfrm>
+          <a:prstGeom prst="rect">
+            <a:avLst/>
+          </a:prstGeom>
+          <a:noFill/>
+          <a:ln>
+            <a:noFill/>
+          </a:ln>
+          <a:effectLst>
+            <a:softEdge rad="12700"/>
+          </a:effectLst>
+        </p:spPr>
+      </p:pic>
+      <p:sp>
+        <p:nvSpPr>
+          <p:cNvPr id="19" name="Arco 18"/>
+          <p:cNvSpPr/>
+          <p:nvPr/>
+        </p:nvSpPr>
+        <p:spPr>
+          <a:xfrm>
+            <a:off x="4914037" y="2420887"/>
+            <a:ext cx="1458162" cy="2232249"/>
+          </a:xfrm>
+          <a:prstGeom prst="arc">
+            <a:avLst>
+              <a:gd name="adj1" fmla="val 17521235"/>
+              <a:gd name="adj2" fmla="val 3943273"/>
+            </a:avLst>
+          </a:prstGeom>
+          <a:ln w="38100"/>
+        </p:spPr>
+        <p:style>
+          <a:lnRef idx="1">
+            <a:schemeClr val="accent1"/>
+          </a:lnRef>
+          <a:fillRef idx="0">
+            <a:schemeClr val="accent1"/>
+          </a:fillRef>
+          <a:effectRef idx="0">
+            <a:schemeClr val="accent1"/>
+          </a:effectRef>
+          <a:fontRef idx="minor">
+            <a:schemeClr val="tx1"/>
+          </a:fontRef>
+        </p:style>
+        <p:txBody>
+          <a:bodyPr rtlCol="0" anchor="ctr"/>
+          <a:lstStyle/>
+          <a:p>
+            <a:pPr algn="ctr"/>
+            <a:endParaRPr lang="pt-BR"/>
+          </a:p>
+        </p:txBody>
+      </p:sp>
+      <p:sp>
+        <p:nvSpPr>
+          <p:cNvPr id="21" name="Arco 20"/>
+          <p:cNvSpPr/>
+          <p:nvPr/>
+        </p:nvSpPr>
+        <p:spPr>
+          <a:xfrm>
+            <a:off x="4878033" y="2150857"/>
+            <a:ext cx="1782198" cy="2790311"/>
+          </a:xfrm>
+          <a:prstGeom prst="arc">
+            <a:avLst>
+              <a:gd name="adj1" fmla="val 17108996"/>
+              <a:gd name="adj2" fmla="val 4335599"/>
+            </a:avLst>
+          </a:prstGeom>
+          <a:ln w="38100"/>
+        </p:spPr>
+        <p:style>
+          <a:lnRef idx="1">
+            <a:schemeClr val="accent1"/>
+          </a:lnRef>
+          <a:fillRef idx="0">
+            <a:schemeClr val="accent1"/>
+          </a:fillRef>
+          <a:effectRef idx="0">
+            <a:schemeClr val="accent1"/>
+          </a:effectRef>
+          <a:fontRef idx="minor">
+            <a:schemeClr val="tx1"/>
+          </a:fontRef>
+        </p:style>
+        <p:txBody>
+          <a:bodyPr rtlCol="0" anchor="ctr"/>
+          <a:lstStyle/>
+          <a:p>
+            <a:pPr algn="ctr"/>
+            <a:endParaRPr lang="pt-BR"/>
+          </a:p>
+        </p:txBody>
+      </p:sp>
+      <p:sp>
+        <p:nvSpPr>
+          <p:cNvPr id="22" name="Arco 21"/>
+          <p:cNvSpPr/>
+          <p:nvPr/>
+        </p:nvSpPr>
+        <p:spPr>
+          <a:xfrm>
+            <a:off x="4788024" y="1880826"/>
+            <a:ext cx="2160240" cy="3348374"/>
+          </a:xfrm>
+          <a:prstGeom prst="arc">
+            <a:avLst>
+              <a:gd name="adj1" fmla="val 16782102"/>
+              <a:gd name="adj2" fmla="val 4855251"/>
+            </a:avLst>
+          </a:prstGeom>
+          <a:ln w="38100"/>
+        </p:spPr>
+        <p:style>
+          <a:lnRef idx="1">
+            <a:schemeClr val="accent1"/>
+          </a:lnRef>
+          <a:fillRef idx="0">
+            <a:schemeClr val="accent1"/>
+          </a:fillRef>
+          <a:effectRef idx="0">
+            <a:schemeClr val="accent1"/>
+          </a:effectRef>
+          <a:fontRef idx="minor">
+            <a:schemeClr val="tx1"/>
+          </a:fontRef>
+        </p:style>
+        <p:txBody>
+          <a:bodyPr rtlCol="0" anchor="ctr"/>
+          <a:lstStyle/>
+          <a:p>
+            <a:pPr algn="ctr"/>
             <a:endParaRPr lang="pt-BR"/>
           </a:p>
         </p:txBody>
@@ -22814,7 +23331,7 @@
             <p:ph idx="1"/>
             <p:extLst>
               <p:ext uri="{D42A27DB-BD31-4B8C-83A1-F6EECF244321}">
-                <p14:modId xmlns:p14="http://schemas.microsoft.com/office/powerpoint/2010/main" xmlns="" val="736405372"/>
+                <p14:modId xmlns="" xmlns:p14="http://schemas.microsoft.com/office/powerpoint/2010/main" val="736405372"/>
               </p:ext>
             </p:extLst>
           </p:nvPr>
@@ -22967,7 +23484,7 @@
             <p:ph idx="1"/>
             <p:extLst>
               <p:ext uri="{D42A27DB-BD31-4B8C-83A1-F6EECF244321}">
-                <p14:modId xmlns:p14="http://schemas.microsoft.com/office/powerpoint/2010/main" xmlns="" val="2118870426"/>
+                <p14:modId xmlns="" xmlns:p14="http://schemas.microsoft.com/office/powerpoint/2010/main" val="2118870426"/>
               </p:ext>
             </p:extLst>
           </p:nvPr>
@@ -23369,29 +23886,94 @@
           <a:lstStyle/>
           <a:p>
             <a:r>
-              <a:rPr lang="pt-BR" dirty="0" smtClean="0"/>
-              <a:t>Mobilidade</a:t>
+              <a:rPr lang="pt-BR" dirty="0" err="1" smtClean="0"/>
+              <a:t>asessibildade</a:t>
             </a:r>
             <a:endParaRPr lang="pt-BR" dirty="0"/>
           </a:p>
         </p:txBody>
       </p:sp>
+      <p:pic>
+        <p:nvPicPr>
+          <p:cNvPr id="4" name="Espaço Reservado para Conteúdo 7" descr="Tried-Cloud-Computing.jpg"/>
+          <p:cNvPicPr>
+            <a:picLocks noChangeAspect="1"/>
+          </p:cNvPicPr>
+          <p:nvPr/>
+        </p:nvPicPr>
+        <p:blipFill>
+          <a:blip r:embed="rId2" cstate="print"/>
+          <a:stretch>
+            <a:fillRect/>
+          </a:stretch>
+        </p:blipFill>
+        <p:spPr>
+          <a:xfrm>
+            <a:off x="467544" y="1340768"/>
+            <a:ext cx="8352928" cy="4680520"/>
+          </a:xfrm>
+          <a:prstGeom prst="ellipse">
+            <a:avLst/>
+          </a:prstGeom>
+          <a:ln>
+            <a:noFill/>
+          </a:ln>
+        </p:spPr>
+        <p:style>
+          <a:lnRef idx="2">
+            <a:schemeClr val="dk1"/>
+          </a:lnRef>
+          <a:fillRef idx="1">
+            <a:schemeClr val="lt1"/>
+          </a:fillRef>
+          <a:effectRef idx="0">
+            <a:schemeClr val="dk1"/>
+          </a:effectRef>
+          <a:fontRef idx="minor">
+            <a:schemeClr val="dk1"/>
+          </a:fontRef>
+        </p:style>
+      </p:pic>
       <p:sp>
         <p:nvSpPr>
-          <p:cNvPr id="3" name="Espaço Reservado para Conteúdo 2"/>
-          <p:cNvSpPr>
-            <a:spLocks noGrp="1"/>
-          </p:cNvSpPr>
-          <p:nvPr>
-            <p:ph idx="1"/>
-          </p:nvPr>
+          <p:cNvPr id="9" name="CaixaDeTexto 8"/>
+          <p:cNvSpPr txBox="1"/>
+          <p:nvPr/>
         </p:nvSpPr>
-        <p:spPr/>
+        <p:spPr>
+          <a:xfrm>
+            <a:off x="251520" y="6237312"/>
+            <a:ext cx="8678198" cy="400110"/>
+          </a:xfrm>
+          <a:prstGeom prst="rect">
+            <a:avLst/>
+          </a:prstGeom>
+          <a:noFill/>
+        </p:spPr>
         <p:txBody>
-          <a:bodyPr/>
+          <a:bodyPr wrap="square" rtlCol="0">
+            <a:spAutoFit/>
+          </a:bodyPr>
           <a:lstStyle/>
           <a:p>
-            <a:endParaRPr lang="pt-BR"/>
+            <a:pPr algn="ctr"/>
+            <a:r>
+              <a:rPr lang="pt-BR" sz="2000" b="1" dirty="0" smtClean="0">
+                <a:solidFill>
+                  <a:schemeClr val="accent1">
+                    <a:lumMod val="75000"/>
+                  </a:schemeClr>
+                </a:solidFill>
+              </a:rPr>
+              <a:t>A Mobilidade  é muito importante para a vida útil do software</a:t>
+            </a:r>
+            <a:endParaRPr lang="pt-BR" sz="2000" b="1" dirty="0">
+              <a:solidFill>
+                <a:schemeClr val="accent1">
+                  <a:lumMod val="75000"/>
+                </a:schemeClr>
+              </a:solidFill>
+            </a:endParaRPr>
           </a:p>
         </p:txBody>
       </p:sp>

--- a/SAS/Planejamento/Docs/#3 - Apresentação do projeto.pptx
+++ b/SAS/Planejamento/Docs/#3 - Apresentação do projeto.pptx
@@ -16,6 +16,8 @@
     <p:sldId id="270" r:id="rId10"/>
     <p:sldId id="271" r:id="rId11"/>
     <p:sldId id="272" r:id="rId12"/>
+    <p:sldId id="274" r:id="rId13"/>
+    <p:sldId id="275" r:id="rId14"/>
   </p:sldIdLst>
   <p:sldSz cx="9144000" cy="6858000" type="screen4x3"/>
   <p:notesSz cx="6858000" cy="9144000"/>
@@ -3985,6 +3987,753 @@
 </dgm:colorsDef>
 </file>
 
+<file path=ppt/diagrams/colors6.xml><?xml version="1.0" encoding="utf-8"?>
+<dgm:colorsDef xmlns:dgm="http://schemas.openxmlformats.org/drawingml/2006/diagram" xmlns:a="http://schemas.openxmlformats.org/drawingml/2006/main" uniqueId="urn:microsoft.com/office/officeart/2005/8/colors/accent1_2">
+  <dgm:title val=""/>
+  <dgm:desc val=""/>
+  <dgm:catLst>
+    <dgm:cat type="accent1" pri="11200"/>
+  </dgm:catLst>
+  <dgm:styleLbl name="node0">
+    <dgm:fillClrLst meth="repeat">
+      <a:schemeClr val="accent1"/>
+    </dgm:fillClrLst>
+    <dgm:linClrLst meth="repeat">
+      <a:schemeClr val="lt1"/>
+    </dgm:linClrLst>
+    <dgm:effectClrLst/>
+    <dgm:txLinClrLst/>
+    <dgm:txFillClrLst/>
+    <dgm:txEffectClrLst/>
+  </dgm:styleLbl>
+  <dgm:styleLbl name="alignNode1">
+    <dgm:fillClrLst meth="repeat">
+      <a:schemeClr val="accent1"/>
+    </dgm:fillClrLst>
+    <dgm:linClrLst meth="repeat">
+      <a:schemeClr val="accent1"/>
+    </dgm:linClrLst>
+    <dgm:effectClrLst/>
+    <dgm:txLinClrLst/>
+    <dgm:txFillClrLst/>
+    <dgm:txEffectClrLst/>
+  </dgm:styleLbl>
+  <dgm:styleLbl name="node1">
+    <dgm:fillClrLst meth="repeat">
+      <a:schemeClr val="accent1"/>
+    </dgm:fillClrLst>
+    <dgm:linClrLst meth="repeat">
+      <a:schemeClr val="lt1"/>
+    </dgm:linClrLst>
+    <dgm:effectClrLst/>
+    <dgm:txLinClrLst/>
+    <dgm:txFillClrLst/>
+    <dgm:txEffectClrLst/>
+  </dgm:styleLbl>
+  <dgm:styleLbl name="lnNode1">
+    <dgm:fillClrLst meth="repeat">
+      <a:schemeClr val="accent1"/>
+    </dgm:fillClrLst>
+    <dgm:linClrLst meth="repeat">
+      <a:schemeClr val="lt1"/>
+    </dgm:linClrLst>
+    <dgm:effectClrLst/>
+    <dgm:txLinClrLst/>
+    <dgm:txFillClrLst/>
+    <dgm:txEffectClrLst/>
+  </dgm:styleLbl>
+  <dgm:styleLbl name="vennNode1">
+    <dgm:fillClrLst meth="repeat">
+      <a:schemeClr val="accent1">
+        <a:alpha val="50000"/>
+      </a:schemeClr>
+    </dgm:fillClrLst>
+    <dgm:linClrLst meth="repeat">
+      <a:schemeClr val="lt1"/>
+    </dgm:linClrLst>
+    <dgm:effectClrLst/>
+    <dgm:txLinClrLst/>
+    <dgm:txFillClrLst/>
+    <dgm:txEffectClrLst/>
+  </dgm:styleLbl>
+  <dgm:styleLbl name="node2">
+    <dgm:fillClrLst meth="repeat">
+      <a:schemeClr val="accent1"/>
+    </dgm:fillClrLst>
+    <dgm:linClrLst meth="repeat">
+      <a:schemeClr val="lt1"/>
+    </dgm:linClrLst>
+    <dgm:effectClrLst/>
+    <dgm:txLinClrLst/>
+    <dgm:txFillClrLst/>
+    <dgm:txEffectClrLst/>
+  </dgm:styleLbl>
+  <dgm:styleLbl name="node3">
+    <dgm:fillClrLst meth="repeat">
+      <a:schemeClr val="accent1"/>
+    </dgm:fillClrLst>
+    <dgm:linClrLst meth="repeat">
+      <a:schemeClr val="lt1"/>
+    </dgm:linClrLst>
+    <dgm:effectClrLst/>
+    <dgm:txLinClrLst/>
+    <dgm:txFillClrLst/>
+    <dgm:txEffectClrLst/>
+  </dgm:styleLbl>
+  <dgm:styleLbl name="node4">
+    <dgm:fillClrLst meth="repeat">
+      <a:schemeClr val="accent1"/>
+    </dgm:fillClrLst>
+    <dgm:linClrLst meth="repeat">
+      <a:schemeClr val="lt1"/>
+    </dgm:linClrLst>
+    <dgm:effectClrLst/>
+    <dgm:txLinClrLst/>
+    <dgm:txFillClrLst/>
+    <dgm:txEffectClrLst/>
+  </dgm:styleLbl>
+  <dgm:styleLbl name="fgImgPlace1">
+    <dgm:fillClrLst meth="repeat">
+      <a:schemeClr val="accent1">
+        <a:tint val="50000"/>
+      </a:schemeClr>
+    </dgm:fillClrLst>
+    <dgm:linClrLst meth="repeat">
+      <a:schemeClr val="lt1"/>
+    </dgm:linClrLst>
+    <dgm:effectClrLst/>
+    <dgm:txLinClrLst/>
+    <dgm:txFillClrLst meth="repeat">
+      <a:schemeClr val="lt1"/>
+    </dgm:txFillClrLst>
+    <dgm:txEffectClrLst/>
+  </dgm:styleLbl>
+  <dgm:styleLbl name="alignImgPlace1">
+    <dgm:fillClrLst meth="repeat">
+      <a:schemeClr val="accent1">
+        <a:tint val="50000"/>
+      </a:schemeClr>
+    </dgm:fillClrLst>
+    <dgm:linClrLst meth="repeat">
+      <a:schemeClr val="lt1"/>
+    </dgm:linClrLst>
+    <dgm:effectClrLst/>
+    <dgm:txLinClrLst/>
+    <dgm:txFillClrLst meth="repeat">
+      <a:schemeClr val="lt1"/>
+    </dgm:txFillClrLst>
+    <dgm:txEffectClrLst/>
+  </dgm:styleLbl>
+  <dgm:styleLbl name="bgImgPlace1">
+    <dgm:fillClrLst meth="repeat">
+      <a:schemeClr val="accent1">
+        <a:tint val="50000"/>
+      </a:schemeClr>
+    </dgm:fillClrLst>
+    <dgm:linClrLst meth="repeat">
+      <a:schemeClr val="lt1"/>
+    </dgm:linClrLst>
+    <dgm:effectClrLst/>
+    <dgm:txLinClrLst/>
+    <dgm:txFillClrLst meth="repeat">
+      <a:schemeClr val="lt1"/>
+    </dgm:txFillClrLst>
+    <dgm:txEffectClrLst/>
+  </dgm:styleLbl>
+  <dgm:styleLbl name="sibTrans2D1">
+    <dgm:fillClrLst meth="repeat">
+      <a:schemeClr val="accent1">
+        <a:tint val="60000"/>
+      </a:schemeClr>
+    </dgm:fillClrLst>
+    <dgm:linClrLst meth="repeat">
+      <a:schemeClr val="accent1">
+        <a:tint val="60000"/>
+      </a:schemeClr>
+    </dgm:linClrLst>
+    <dgm:effectClrLst/>
+    <dgm:txLinClrLst/>
+    <dgm:txFillClrLst/>
+    <dgm:txEffectClrLst/>
+  </dgm:styleLbl>
+  <dgm:styleLbl name="fgSibTrans2D1">
+    <dgm:fillClrLst meth="repeat">
+      <a:schemeClr val="accent1">
+        <a:tint val="60000"/>
+      </a:schemeClr>
+    </dgm:fillClrLst>
+    <dgm:linClrLst meth="repeat">
+      <a:schemeClr val="accent1">
+        <a:tint val="60000"/>
+      </a:schemeClr>
+    </dgm:linClrLst>
+    <dgm:effectClrLst/>
+    <dgm:txLinClrLst/>
+    <dgm:txFillClrLst/>
+    <dgm:txEffectClrLst/>
+  </dgm:styleLbl>
+  <dgm:styleLbl name="bgSibTrans2D1">
+    <dgm:fillClrLst meth="repeat">
+      <a:schemeClr val="accent1">
+        <a:tint val="60000"/>
+      </a:schemeClr>
+    </dgm:fillClrLst>
+    <dgm:linClrLst meth="repeat">
+      <a:schemeClr val="accent1">
+        <a:tint val="60000"/>
+      </a:schemeClr>
+    </dgm:linClrLst>
+    <dgm:effectClrLst/>
+    <dgm:txLinClrLst/>
+    <dgm:txFillClrLst/>
+    <dgm:txEffectClrLst/>
+  </dgm:styleLbl>
+  <dgm:styleLbl name="sibTrans1D1">
+    <dgm:fillClrLst meth="repeat">
+      <a:schemeClr val="accent1"/>
+    </dgm:fillClrLst>
+    <dgm:linClrLst meth="repeat">
+      <a:schemeClr val="accent1"/>
+    </dgm:linClrLst>
+    <dgm:effectClrLst/>
+    <dgm:txLinClrLst/>
+    <dgm:txFillClrLst meth="repeat">
+      <a:schemeClr val="tx1"/>
+    </dgm:txFillClrLst>
+    <dgm:txEffectClrLst/>
+  </dgm:styleLbl>
+  <dgm:styleLbl name="callout">
+    <dgm:fillClrLst meth="repeat">
+      <a:schemeClr val="accent1"/>
+    </dgm:fillClrLst>
+    <dgm:linClrLst meth="repeat">
+      <a:schemeClr val="accent1">
+        <a:tint val="50000"/>
+      </a:schemeClr>
+    </dgm:linClrLst>
+    <dgm:effectClrLst/>
+    <dgm:txLinClrLst/>
+    <dgm:txFillClrLst meth="repeat">
+      <a:schemeClr val="tx1"/>
+    </dgm:txFillClrLst>
+    <dgm:txEffectClrLst/>
+  </dgm:styleLbl>
+  <dgm:styleLbl name="asst0">
+    <dgm:fillClrLst meth="repeat">
+      <a:schemeClr val="accent1"/>
+    </dgm:fillClrLst>
+    <dgm:linClrLst meth="repeat">
+      <a:schemeClr val="lt1"/>
+    </dgm:linClrLst>
+    <dgm:effectClrLst/>
+    <dgm:txLinClrLst/>
+    <dgm:txFillClrLst/>
+    <dgm:txEffectClrLst/>
+  </dgm:styleLbl>
+  <dgm:styleLbl name="asst1">
+    <dgm:fillClrLst meth="repeat">
+      <a:schemeClr val="accent1"/>
+    </dgm:fillClrLst>
+    <dgm:linClrLst meth="repeat">
+      <a:schemeClr val="lt1"/>
+    </dgm:linClrLst>
+    <dgm:effectClrLst/>
+    <dgm:txLinClrLst/>
+    <dgm:txFillClrLst/>
+    <dgm:txEffectClrLst/>
+  </dgm:styleLbl>
+  <dgm:styleLbl name="asst2">
+    <dgm:fillClrLst meth="repeat">
+      <a:schemeClr val="accent1"/>
+    </dgm:fillClrLst>
+    <dgm:linClrLst meth="repeat">
+      <a:schemeClr val="lt1"/>
+    </dgm:linClrLst>
+    <dgm:effectClrLst/>
+    <dgm:txLinClrLst/>
+    <dgm:txFillClrLst/>
+    <dgm:txEffectClrLst/>
+  </dgm:styleLbl>
+  <dgm:styleLbl name="asst3">
+    <dgm:fillClrLst meth="repeat">
+      <a:schemeClr val="accent1"/>
+    </dgm:fillClrLst>
+    <dgm:linClrLst meth="repeat">
+      <a:schemeClr val="lt1"/>
+    </dgm:linClrLst>
+    <dgm:effectClrLst/>
+    <dgm:txLinClrLst/>
+    <dgm:txFillClrLst/>
+    <dgm:txEffectClrLst/>
+  </dgm:styleLbl>
+  <dgm:styleLbl name="asst4">
+    <dgm:fillClrLst meth="repeat">
+      <a:schemeClr val="accent1"/>
+    </dgm:fillClrLst>
+    <dgm:linClrLst meth="repeat">
+      <a:schemeClr val="lt1"/>
+    </dgm:linClrLst>
+    <dgm:effectClrLst/>
+    <dgm:txLinClrLst/>
+    <dgm:txFillClrLst/>
+    <dgm:txEffectClrLst/>
+  </dgm:styleLbl>
+  <dgm:styleLbl name="parChTrans2D1">
+    <dgm:fillClrLst meth="repeat">
+      <a:schemeClr val="accent1">
+        <a:tint val="60000"/>
+      </a:schemeClr>
+    </dgm:fillClrLst>
+    <dgm:linClrLst meth="repeat">
+      <a:schemeClr val="accent1">
+        <a:tint val="60000"/>
+      </a:schemeClr>
+    </dgm:linClrLst>
+    <dgm:effectClrLst/>
+    <dgm:txLinClrLst/>
+    <dgm:txFillClrLst meth="repeat">
+      <a:schemeClr val="lt1"/>
+    </dgm:txFillClrLst>
+    <dgm:txEffectClrLst/>
+  </dgm:styleLbl>
+  <dgm:styleLbl name="parChTrans2D2">
+    <dgm:fillClrLst meth="repeat">
+      <a:schemeClr val="accent1"/>
+    </dgm:fillClrLst>
+    <dgm:linClrLst meth="repeat">
+      <a:schemeClr val="accent1"/>
+    </dgm:linClrLst>
+    <dgm:effectClrLst/>
+    <dgm:txLinClrLst/>
+    <dgm:txFillClrLst meth="repeat">
+      <a:schemeClr val="lt1"/>
+    </dgm:txFillClrLst>
+    <dgm:txEffectClrLst/>
+  </dgm:styleLbl>
+  <dgm:styleLbl name="parChTrans2D3">
+    <dgm:fillClrLst meth="repeat">
+      <a:schemeClr val="accent1"/>
+    </dgm:fillClrLst>
+    <dgm:linClrLst meth="repeat">
+      <a:schemeClr val="accent1"/>
+    </dgm:linClrLst>
+    <dgm:effectClrLst/>
+    <dgm:txLinClrLst/>
+    <dgm:txFillClrLst meth="repeat">
+      <a:schemeClr val="lt1"/>
+    </dgm:txFillClrLst>
+    <dgm:txEffectClrLst/>
+  </dgm:styleLbl>
+  <dgm:styleLbl name="parChTrans2D4">
+    <dgm:fillClrLst meth="repeat">
+      <a:schemeClr val="accent1"/>
+    </dgm:fillClrLst>
+    <dgm:linClrLst meth="repeat">
+      <a:schemeClr val="accent1"/>
+    </dgm:linClrLst>
+    <dgm:effectClrLst/>
+    <dgm:txLinClrLst/>
+    <dgm:txFillClrLst meth="repeat">
+      <a:schemeClr val="lt1"/>
+    </dgm:txFillClrLst>
+    <dgm:txEffectClrLst/>
+  </dgm:styleLbl>
+  <dgm:styleLbl name="parChTrans1D1">
+    <dgm:fillClrLst meth="repeat">
+      <a:schemeClr val="accent1"/>
+    </dgm:fillClrLst>
+    <dgm:linClrLst meth="repeat">
+      <a:schemeClr val="accent1">
+        <a:shade val="60000"/>
+      </a:schemeClr>
+    </dgm:linClrLst>
+    <dgm:effectClrLst/>
+    <dgm:txLinClrLst/>
+    <dgm:txFillClrLst meth="repeat">
+      <a:schemeClr val="tx1"/>
+    </dgm:txFillClrLst>
+    <dgm:txEffectClrLst/>
+  </dgm:styleLbl>
+  <dgm:styleLbl name="parChTrans1D2">
+    <dgm:fillClrLst meth="repeat">
+      <a:schemeClr val="accent1"/>
+    </dgm:fillClrLst>
+    <dgm:linClrLst meth="repeat">
+      <a:schemeClr val="accent1">
+        <a:shade val="60000"/>
+      </a:schemeClr>
+    </dgm:linClrLst>
+    <dgm:effectClrLst/>
+    <dgm:txLinClrLst/>
+    <dgm:txFillClrLst meth="repeat">
+      <a:schemeClr val="tx1"/>
+    </dgm:txFillClrLst>
+    <dgm:txEffectClrLst/>
+  </dgm:styleLbl>
+  <dgm:styleLbl name="parChTrans1D3">
+    <dgm:fillClrLst meth="repeat">
+      <a:schemeClr val="accent1"/>
+    </dgm:fillClrLst>
+    <dgm:linClrLst meth="repeat">
+      <a:schemeClr val="accent1">
+        <a:shade val="80000"/>
+      </a:schemeClr>
+    </dgm:linClrLst>
+    <dgm:effectClrLst/>
+    <dgm:txLinClrLst/>
+    <dgm:txFillClrLst meth="repeat">
+      <a:schemeClr val="tx1"/>
+    </dgm:txFillClrLst>
+    <dgm:txEffectClrLst/>
+  </dgm:styleLbl>
+  <dgm:styleLbl name="parChTrans1D4">
+    <dgm:fillClrLst meth="repeat">
+      <a:schemeClr val="accent1"/>
+    </dgm:fillClrLst>
+    <dgm:linClrLst meth="repeat">
+      <a:schemeClr val="accent1">
+        <a:shade val="80000"/>
+      </a:schemeClr>
+    </dgm:linClrLst>
+    <dgm:effectClrLst/>
+    <dgm:txLinClrLst/>
+    <dgm:txFillClrLst meth="repeat">
+      <a:schemeClr val="tx1"/>
+    </dgm:txFillClrLst>
+    <dgm:txEffectClrLst/>
+  </dgm:styleLbl>
+  <dgm:styleLbl name="fgAcc1">
+    <dgm:fillClrLst meth="repeat">
+      <a:schemeClr val="lt1">
+        <a:alpha val="90000"/>
+      </a:schemeClr>
+    </dgm:fillClrLst>
+    <dgm:linClrLst meth="repeat">
+      <a:schemeClr val="accent1"/>
+    </dgm:linClrLst>
+    <dgm:effectClrLst/>
+    <dgm:txLinClrLst/>
+    <dgm:txFillClrLst meth="repeat">
+      <a:schemeClr val="dk1"/>
+    </dgm:txFillClrLst>
+    <dgm:txEffectClrLst/>
+  </dgm:styleLbl>
+  <dgm:styleLbl name="conFgAcc1">
+    <dgm:fillClrLst meth="repeat">
+      <a:schemeClr val="lt1">
+        <a:alpha val="90000"/>
+      </a:schemeClr>
+    </dgm:fillClrLst>
+    <dgm:linClrLst meth="repeat">
+      <a:schemeClr val="accent1"/>
+    </dgm:linClrLst>
+    <dgm:effectClrLst/>
+    <dgm:txLinClrLst/>
+    <dgm:txFillClrLst meth="repeat">
+      <a:schemeClr val="dk1"/>
+    </dgm:txFillClrLst>
+    <dgm:txEffectClrLst/>
+  </dgm:styleLbl>
+  <dgm:styleLbl name="alignAcc1">
+    <dgm:fillClrLst meth="repeat">
+      <a:schemeClr val="lt1">
+        <a:alpha val="90000"/>
+      </a:schemeClr>
+    </dgm:fillClrLst>
+    <dgm:linClrLst meth="repeat">
+      <a:schemeClr val="accent1"/>
+    </dgm:linClrLst>
+    <dgm:effectClrLst/>
+    <dgm:txLinClrLst/>
+    <dgm:txFillClrLst meth="repeat">
+      <a:schemeClr val="dk1"/>
+    </dgm:txFillClrLst>
+    <dgm:txEffectClrLst/>
+  </dgm:styleLbl>
+  <dgm:styleLbl name="trAlignAcc1">
+    <dgm:fillClrLst meth="repeat">
+      <a:schemeClr val="lt1">
+        <a:alpha val="40000"/>
+      </a:schemeClr>
+    </dgm:fillClrLst>
+    <dgm:linClrLst meth="repeat">
+      <a:schemeClr val="accent1"/>
+    </dgm:linClrLst>
+    <dgm:effectClrLst/>
+    <dgm:txLinClrLst/>
+    <dgm:txFillClrLst meth="repeat">
+      <a:schemeClr val="dk1"/>
+    </dgm:txFillClrLst>
+    <dgm:txEffectClrLst/>
+  </dgm:styleLbl>
+  <dgm:styleLbl name="bgAcc1">
+    <dgm:fillClrLst meth="repeat">
+      <a:schemeClr val="lt1">
+        <a:alpha val="90000"/>
+      </a:schemeClr>
+    </dgm:fillClrLst>
+    <dgm:linClrLst meth="repeat">
+      <a:schemeClr val="accent1"/>
+    </dgm:linClrLst>
+    <dgm:effectClrLst/>
+    <dgm:txLinClrLst/>
+    <dgm:txFillClrLst meth="repeat">
+      <a:schemeClr val="dk1"/>
+    </dgm:txFillClrLst>
+    <dgm:txEffectClrLst/>
+  </dgm:styleLbl>
+  <dgm:styleLbl name="solidFgAcc1">
+    <dgm:fillClrLst meth="repeat">
+      <a:schemeClr val="lt1"/>
+    </dgm:fillClrLst>
+    <dgm:linClrLst meth="repeat">
+      <a:schemeClr val="accent1"/>
+    </dgm:linClrLst>
+    <dgm:effectClrLst/>
+    <dgm:txLinClrLst/>
+    <dgm:txFillClrLst meth="repeat">
+      <a:schemeClr val="dk1"/>
+    </dgm:txFillClrLst>
+    <dgm:txEffectClrLst/>
+  </dgm:styleLbl>
+  <dgm:styleLbl name="solidAlignAcc1">
+    <dgm:fillClrLst meth="repeat">
+      <a:schemeClr val="lt1"/>
+    </dgm:fillClrLst>
+    <dgm:linClrLst meth="repeat">
+      <a:schemeClr val="accent1"/>
+    </dgm:linClrLst>
+    <dgm:effectClrLst/>
+    <dgm:txLinClrLst/>
+    <dgm:txFillClrLst meth="repeat">
+      <a:schemeClr val="dk1"/>
+    </dgm:txFillClrLst>
+    <dgm:txEffectClrLst/>
+  </dgm:styleLbl>
+  <dgm:styleLbl name="solidBgAcc1">
+    <dgm:fillClrLst meth="repeat">
+      <a:schemeClr val="lt1"/>
+    </dgm:fillClrLst>
+    <dgm:linClrLst meth="repeat">
+      <a:schemeClr val="accent1"/>
+    </dgm:linClrLst>
+    <dgm:effectClrLst/>
+    <dgm:txLinClrLst/>
+    <dgm:txFillClrLst meth="repeat">
+      <a:schemeClr val="dk1"/>
+    </dgm:txFillClrLst>
+    <dgm:txEffectClrLst/>
+  </dgm:styleLbl>
+  <dgm:styleLbl name="fgAccFollowNode1">
+    <dgm:fillClrLst meth="repeat">
+      <a:schemeClr val="accent1">
+        <a:alpha val="90000"/>
+        <a:tint val="40000"/>
+      </a:schemeClr>
+    </dgm:fillClrLst>
+    <dgm:linClrLst meth="repeat">
+      <a:schemeClr val="accent1">
+        <a:alpha val="90000"/>
+        <a:tint val="40000"/>
+      </a:schemeClr>
+    </dgm:linClrLst>
+    <dgm:effectClrLst/>
+    <dgm:txLinClrLst/>
+    <dgm:txFillClrLst meth="repeat">
+      <a:schemeClr val="dk1"/>
+    </dgm:txFillClrLst>
+    <dgm:txEffectClrLst/>
+  </dgm:styleLbl>
+  <dgm:styleLbl name="alignAccFollowNode1">
+    <dgm:fillClrLst meth="repeat">
+      <a:schemeClr val="accent1">
+        <a:alpha val="90000"/>
+        <a:tint val="40000"/>
+      </a:schemeClr>
+    </dgm:fillClrLst>
+    <dgm:linClrLst meth="repeat">
+      <a:schemeClr val="accent1">
+        <a:alpha val="90000"/>
+        <a:tint val="40000"/>
+      </a:schemeClr>
+    </dgm:linClrLst>
+    <dgm:effectClrLst/>
+    <dgm:txLinClrLst/>
+    <dgm:txFillClrLst meth="repeat">
+      <a:schemeClr val="dk1"/>
+    </dgm:txFillClrLst>
+    <dgm:txEffectClrLst/>
+  </dgm:styleLbl>
+  <dgm:styleLbl name="bgAccFollowNode1">
+    <dgm:fillClrLst meth="repeat">
+      <a:schemeClr val="accent1">
+        <a:alpha val="90000"/>
+        <a:tint val="40000"/>
+      </a:schemeClr>
+    </dgm:fillClrLst>
+    <dgm:linClrLst meth="repeat">
+      <a:schemeClr val="accent1">
+        <a:alpha val="90000"/>
+        <a:tint val="40000"/>
+      </a:schemeClr>
+    </dgm:linClrLst>
+    <dgm:effectClrLst/>
+    <dgm:txLinClrLst/>
+    <dgm:txFillClrLst meth="repeat">
+      <a:schemeClr val="dk1"/>
+    </dgm:txFillClrLst>
+    <dgm:txEffectClrLst/>
+  </dgm:styleLbl>
+  <dgm:styleLbl name="fgAcc0">
+    <dgm:fillClrLst meth="repeat">
+      <a:schemeClr val="lt1">
+        <a:alpha val="90000"/>
+      </a:schemeClr>
+    </dgm:fillClrLst>
+    <dgm:linClrLst meth="repeat">
+      <a:schemeClr val="accent1"/>
+    </dgm:linClrLst>
+    <dgm:effectClrLst/>
+    <dgm:txLinClrLst/>
+    <dgm:txFillClrLst meth="repeat">
+      <a:schemeClr val="dk1"/>
+    </dgm:txFillClrLst>
+    <dgm:txEffectClrLst/>
+  </dgm:styleLbl>
+  <dgm:styleLbl name="fgAcc2">
+    <dgm:fillClrLst meth="repeat">
+      <a:schemeClr val="lt1">
+        <a:alpha val="90000"/>
+      </a:schemeClr>
+    </dgm:fillClrLst>
+    <dgm:linClrLst meth="repeat">
+      <a:schemeClr val="accent1"/>
+    </dgm:linClrLst>
+    <dgm:effectClrLst/>
+    <dgm:txLinClrLst/>
+    <dgm:txFillClrLst meth="repeat">
+      <a:schemeClr val="dk1"/>
+    </dgm:txFillClrLst>
+    <dgm:txEffectClrLst/>
+  </dgm:styleLbl>
+  <dgm:styleLbl name="fgAcc3">
+    <dgm:fillClrLst meth="repeat">
+      <a:schemeClr val="lt1">
+        <a:alpha val="90000"/>
+      </a:schemeClr>
+    </dgm:fillClrLst>
+    <dgm:linClrLst meth="repeat">
+      <a:schemeClr val="accent1"/>
+    </dgm:linClrLst>
+    <dgm:effectClrLst/>
+    <dgm:txLinClrLst/>
+    <dgm:txFillClrLst meth="repeat">
+      <a:schemeClr val="dk1"/>
+    </dgm:txFillClrLst>
+    <dgm:txEffectClrLst/>
+  </dgm:styleLbl>
+  <dgm:styleLbl name="fgAcc4">
+    <dgm:fillClrLst meth="repeat">
+      <a:schemeClr val="lt1">
+        <a:alpha val="90000"/>
+      </a:schemeClr>
+    </dgm:fillClrLst>
+    <dgm:linClrLst meth="repeat">
+      <a:schemeClr val="accent1"/>
+    </dgm:linClrLst>
+    <dgm:effectClrLst/>
+    <dgm:txLinClrLst/>
+    <dgm:txFillClrLst meth="repeat">
+      <a:schemeClr val="dk1"/>
+    </dgm:txFillClrLst>
+    <dgm:txEffectClrLst/>
+  </dgm:styleLbl>
+  <dgm:styleLbl name="bgShp">
+    <dgm:fillClrLst meth="repeat">
+      <a:schemeClr val="accent1">
+        <a:tint val="40000"/>
+      </a:schemeClr>
+    </dgm:fillClrLst>
+    <dgm:linClrLst meth="repeat">
+      <a:schemeClr val="accent1"/>
+    </dgm:linClrLst>
+    <dgm:effectClrLst/>
+    <dgm:txLinClrLst/>
+    <dgm:txFillClrLst meth="repeat">
+      <a:schemeClr val="dk1"/>
+    </dgm:txFillClrLst>
+    <dgm:txEffectClrLst/>
+  </dgm:styleLbl>
+  <dgm:styleLbl name="dkBgShp">
+    <dgm:fillClrLst meth="repeat">
+      <a:schemeClr val="accent1">
+        <a:shade val="80000"/>
+      </a:schemeClr>
+    </dgm:fillClrLst>
+    <dgm:linClrLst meth="repeat">
+      <a:schemeClr val="accent1"/>
+    </dgm:linClrLst>
+    <dgm:effectClrLst/>
+    <dgm:txLinClrLst/>
+    <dgm:txFillClrLst meth="repeat">
+      <a:schemeClr val="lt1"/>
+    </dgm:txFillClrLst>
+    <dgm:txEffectClrLst/>
+  </dgm:styleLbl>
+  <dgm:styleLbl name="trBgShp">
+    <dgm:fillClrLst meth="repeat">
+      <a:schemeClr val="accent1">
+        <a:tint val="50000"/>
+        <a:alpha val="40000"/>
+      </a:schemeClr>
+    </dgm:fillClrLst>
+    <dgm:linClrLst meth="repeat">
+      <a:schemeClr val="accent1"/>
+    </dgm:linClrLst>
+    <dgm:effectClrLst/>
+    <dgm:txLinClrLst/>
+    <dgm:txFillClrLst meth="repeat">
+      <a:schemeClr val="lt1"/>
+    </dgm:txFillClrLst>
+    <dgm:txEffectClrLst/>
+  </dgm:styleLbl>
+  <dgm:styleLbl name="fgShp">
+    <dgm:fillClrLst meth="repeat">
+      <a:schemeClr val="accent1">
+        <a:tint val="60000"/>
+      </a:schemeClr>
+    </dgm:fillClrLst>
+    <dgm:linClrLst meth="repeat">
+      <a:schemeClr val="lt1"/>
+    </dgm:linClrLst>
+    <dgm:effectClrLst/>
+    <dgm:txLinClrLst/>
+    <dgm:txFillClrLst meth="repeat">
+      <a:schemeClr val="dk1"/>
+    </dgm:txFillClrLst>
+    <dgm:txEffectClrLst/>
+  </dgm:styleLbl>
+  <dgm:styleLbl name="revTx">
+    <dgm:fillClrLst meth="repeat">
+      <a:schemeClr val="lt1">
+        <a:alpha val="0"/>
+      </a:schemeClr>
+    </dgm:fillClrLst>
+    <dgm:linClrLst meth="repeat">
+      <a:schemeClr val="dk1">
+        <a:alpha val="0"/>
+      </a:schemeClr>
+    </dgm:linClrLst>
+    <dgm:effectClrLst/>
+    <dgm:txLinClrLst/>
+    <dgm:txFillClrLst meth="repeat">
+      <a:schemeClr val="tx1"/>
+    </dgm:txFillClrLst>
+    <dgm:txEffectClrLst/>
+  </dgm:styleLbl>
+</dgm:colorsDef>
+</file>
+
 <file path=ppt/diagrams/data1.xml><?xml version="1.0" encoding="utf-8"?>
 <dgm:dataModel xmlns:dgm="http://schemas.openxmlformats.org/drawingml/2006/diagram" xmlns:a="http://schemas.openxmlformats.org/drawingml/2006/main">
   <dgm:ptLst>
@@ -7320,7 +8069,15 @@
                 <a:srgbClr val="66FFFF"/>
               </a:solidFill>
             </a:rPr>
-            <a:t>Ação solidária</a:t>
+            <a:t>Ação </a:t>
+          </a:r>
+          <a:r>
+            <a:rPr lang="pt-BR" sz="1800" b="1" dirty="0" smtClean="0">
+              <a:solidFill>
+                <a:srgbClr val="66FFFF"/>
+              </a:solidFill>
+            </a:rPr>
+            <a:t>solidária</a:t>
           </a:r>
           <a:endParaRPr lang="pt-BR" sz="1800" b="1" dirty="0">
             <a:solidFill>
@@ -7543,7 +8300,7 @@
       </dgm:t>
     </dgm:pt>
     <dgm:pt modelId="{1BA1A60B-DB91-42A4-8A23-386BD88E7249}" type="pres">
-      <dgm:prSet presAssocID="{47D5C472-6F40-4426-8E86-BCB2F2BD330B}" presName="node" presStyleLbl="node1" presStyleIdx="0" presStyleCnt="4" custScaleX="128855">
+      <dgm:prSet presAssocID="{47D5C472-6F40-4426-8E86-BCB2F2BD330B}" presName="node" presStyleLbl="node1" presStyleIdx="0" presStyleCnt="4" custScaleX="152257" custScaleY="105955">
         <dgm:presLayoutVars>
           <dgm:bulletEnabled val="1"/>
         </dgm:presLayoutVars>
@@ -7580,7 +8337,7 @@
       </dgm:t>
     </dgm:pt>
     <dgm:pt modelId="{EE3E81F8-67F5-4149-A111-7181108DA414}" type="pres">
-      <dgm:prSet presAssocID="{600CB5D7-2D85-4AF5-BB05-4A1B86521FA2}" presName="node" presStyleLbl="node1" presStyleIdx="1" presStyleCnt="4" custScaleX="128855" custRadScaleRad="143469" custRadScaleInc="973">
+      <dgm:prSet presAssocID="{600CB5D7-2D85-4AF5-BB05-4A1B86521FA2}" presName="node" presStyleLbl="node1" presStyleIdx="1" presStyleCnt="4" custScaleX="152257" custScaleY="105955" custRadScaleRad="143469" custRadScaleInc="973">
         <dgm:presLayoutVars>
           <dgm:bulletEnabled val="1"/>
         </dgm:presLayoutVars>
@@ -7617,7 +8374,7 @@
       </dgm:t>
     </dgm:pt>
     <dgm:pt modelId="{863E9C95-4D35-4D80-8FF7-E34BA1AF170C}" type="pres">
-      <dgm:prSet presAssocID="{31E1C8DB-A788-4C7C-8E35-369521C571A2}" presName="node" presStyleLbl="node1" presStyleIdx="2" presStyleCnt="4" custScaleX="128855">
+      <dgm:prSet presAssocID="{31E1C8DB-A788-4C7C-8E35-369521C571A2}" presName="node" presStyleLbl="node1" presStyleIdx="2" presStyleCnt="4" custScaleX="152257" custScaleY="105955">
         <dgm:presLayoutVars>
           <dgm:bulletEnabled val="1"/>
         </dgm:presLayoutVars>
@@ -7654,7 +8411,7 @@
       </dgm:t>
     </dgm:pt>
     <dgm:pt modelId="{6B362DF4-5D96-4089-A9F0-D02ED909FA49}" type="pres">
-      <dgm:prSet presAssocID="{D9DDF621-EEE4-4358-AA21-46B98A42D9DB}" presName="node" presStyleLbl="node1" presStyleIdx="3" presStyleCnt="4" custScaleX="128855" custRadScaleRad="139273" custRadScaleInc="-1002">
+      <dgm:prSet presAssocID="{D9DDF621-EEE4-4358-AA21-46B98A42D9DB}" presName="node" presStyleLbl="node1" presStyleIdx="3" presStyleCnt="4" custScaleX="152257" custScaleY="105955" custRadScaleRad="139273" custRadScaleInc="-1002">
         <dgm:presLayoutVars>
           <dgm:bulletEnabled val="1"/>
         </dgm:presLayoutVars>
@@ -7704,6 +8461,404 @@
     <dgm:cxn modelId="{F36DC51C-BED2-416B-886E-B95628CEBD28}" type="presParOf" srcId="{8BE509CE-6CEB-456E-98AB-071E9798BBE6}" destId="{6B362DF4-5D96-4089-A9F0-D02ED909FA49}" srcOrd="8" destOrd="0" presId="urn:microsoft.com/office/officeart/2005/8/layout/radial1"/>
   </dgm:cxnLst>
   <dgm:bg/>
+  <dgm:whole/>
+  <dgm:extLst>
+    <a:ext uri="http://schemas.microsoft.com/office/drawing/2008/diagram">
+      <dsp:dataModelExt xmlns:dsp="http://schemas.microsoft.com/office/drawing/2008/diagram" xmlns="" relId="rId6" minVer="http://schemas.openxmlformats.org/drawingml/2006/diagram"/>
+    </a:ext>
+  </dgm:extLst>
+</dgm:dataModel>
+</file>
+
+<file path=ppt/diagrams/data6.xml><?xml version="1.0" encoding="utf-8"?>
+<dgm:dataModel xmlns:dgm="http://schemas.openxmlformats.org/drawingml/2006/diagram" xmlns:a="http://schemas.openxmlformats.org/drawingml/2006/main">
+  <dgm:ptLst>
+    <dgm:pt modelId="{3E4ED2F2-A3E8-47C5-BA91-AED1308C8FF3}" type="doc">
+      <dgm:prSet loTypeId="urn:microsoft.com/office/officeart/2005/8/layout/target2" loCatId="relationship" qsTypeId="urn:microsoft.com/office/officeart/2005/8/quickstyle/simple4" qsCatId="simple" csTypeId="urn:microsoft.com/office/officeart/2005/8/colors/accent1_2" csCatId="accent1" phldr="1"/>
+      <dgm:spPr/>
+      <dgm:t>
+        <a:bodyPr/>
+        <a:lstStyle/>
+        <a:p>
+          <a:endParaRPr lang="pt-BR"/>
+        </a:p>
+      </dgm:t>
+    </dgm:pt>
+    <dgm:pt modelId="{1DA86C11-8CA3-4AA2-A042-09A2289F4E13}">
+      <dgm:prSet phldrT="[Texto]" custT="1"/>
+      <dgm:spPr>
+        <a:solidFill>
+          <a:srgbClr val="FFFF00">
+            <a:alpha val="60000"/>
+          </a:srgbClr>
+        </a:solidFill>
+      </dgm:spPr>
+      <dgm:t>
+        <a:bodyPr/>
+        <a:lstStyle/>
+        <a:p>
+          <a:r>
+            <a:rPr lang="pt-BR" sz="2800" b="1" dirty="0" smtClean="0">
+              <a:solidFill>
+                <a:srgbClr val="0070C0"/>
+              </a:solidFill>
+            </a:rPr>
+            <a:t>Definição de prioridades</a:t>
+          </a:r>
+          <a:endParaRPr lang="pt-BR" sz="2800" b="1" dirty="0">
+            <a:solidFill>
+              <a:srgbClr val="0070C0"/>
+            </a:solidFill>
+          </a:endParaRPr>
+        </a:p>
+      </dgm:t>
+    </dgm:pt>
+    <dgm:pt modelId="{2CAED43C-82C5-4150-B919-1CCF0E6D7DC1}" type="parTrans" cxnId="{EBD4AA4C-05B1-41E5-A281-795E4A10E3E4}">
+      <dgm:prSet/>
+      <dgm:spPr/>
+      <dgm:t>
+        <a:bodyPr/>
+        <a:lstStyle/>
+        <a:p>
+          <a:endParaRPr lang="pt-BR">
+            <a:solidFill>
+              <a:srgbClr val="0070C0"/>
+            </a:solidFill>
+          </a:endParaRPr>
+        </a:p>
+      </dgm:t>
+    </dgm:pt>
+    <dgm:pt modelId="{3C3F4FB9-4276-4EE9-9BDF-A9368B211898}" type="sibTrans" cxnId="{EBD4AA4C-05B1-41E5-A281-795E4A10E3E4}">
+      <dgm:prSet/>
+      <dgm:spPr/>
+      <dgm:t>
+        <a:bodyPr/>
+        <a:lstStyle/>
+        <a:p>
+          <a:endParaRPr lang="pt-BR">
+            <a:solidFill>
+              <a:srgbClr val="0070C0"/>
+            </a:solidFill>
+          </a:endParaRPr>
+        </a:p>
+      </dgm:t>
+    </dgm:pt>
+    <dgm:pt modelId="{739AECDE-E94B-4D11-AA8C-D58C5CF681FD}">
+      <dgm:prSet phldrT="[Texto]" custT="1"/>
+      <dgm:spPr>
+        <a:solidFill>
+          <a:schemeClr val="bg2">
+            <a:lumMod val="75000"/>
+            <a:alpha val="73000"/>
+          </a:schemeClr>
+        </a:solidFill>
+      </dgm:spPr>
+      <dgm:t>
+        <a:bodyPr/>
+        <a:lstStyle/>
+        <a:p>
+          <a:r>
+            <a:rPr lang="pt-BR" sz="2800" b="1" dirty="0" smtClean="0">
+              <a:solidFill>
+                <a:srgbClr val="0070C0"/>
+              </a:solidFill>
+            </a:rPr>
+            <a:t>Levantamento de requisitos</a:t>
+          </a:r>
+          <a:endParaRPr lang="pt-BR" sz="2800" b="1" dirty="0">
+            <a:solidFill>
+              <a:srgbClr val="0070C0"/>
+            </a:solidFill>
+          </a:endParaRPr>
+        </a:p>
+      </dgm:t>
+    </dgm:pt>
+    <dgm:pt modelId="{650874EA-331B-437B-B54A-755EB1832498}" type="sibTrans" cxnId="{89FA397B-416E-46EF-94D1-E9ADCBAA5713}">
+      <dgm:prSet/>
+      <dgm:spPr/>
+      <dgm:t>
+        <a:bodyPr/>
+        <a:lstStyle/>
+        <a:p>
+          <a:endParaRPr lang="pt-BR">
+            <a:solidFill>
+              <a:srgbClr val="0070C0"/>
+            </a:solidFill>
+          </a:endParaRPr>
+        </a:p>
+      </dgm:t>
+    </dgm:pt>
+    <dgm:pt modelId="{B58315DD-E020-425B-9F97-FF79DE85AD56}" type="parTrans" cxnId="{89FA397B-416E-46EF-94D1-E9ADCBAA5713}">
+      <dgm:prSet/>
+      <dgm:spPr/>
+      <dgm:t>
+        <a:bodyPr/>
+        <a:lstStyle/>
+        <a:p>
+          <a:endParaRPr lang="pt-BR">
+            <a:solidFill>
+              <a:srgbClr val="0070C0"/>
+            </a:solidFill>
+          </a:endParaRPr>
+        </a:p>
+      </dgm:t>
+    </dgm:pt>
+    <dgm:pt modelId="{5B380CA8-4093-4FD0-863D-E1BF341A4BEB}">
+      <dgm:prSet phldrT="[Texto]" custT="1">
+        <dgm:style>
+          <a:lnRef idx="2">
+            <a:schemeClr val="dk1"/>
+          </a:lnRef>
+          <a:fillRef idx="1">
+            <a:schemeClr val="lt1"/>
+          </a:fillRef>
+          <a:effectRef idx="0">
+            <a:schemeClr val="dk1"/>
+          </a:effectRef>
+          <a:fontRef idx="minor">
+            <a:schemeClr val="dk1"/>
+          </a:fontRef>
+        </dgm:style>
+      </dgm:prSet>
+      <dgm:spPr>
+        <a:solidFill>
+          <a:srgbClr val="92D050"/>
+        </a:solidFill>
+        <a:ln>
+          <a:noFill/>
+        </a:ln>
+      </dgm:spPr>
+      <dgm:t>
+        <a:bodyPr/>
+        <a:lstStyle/>
+        <a:p>
+          <a:pPr algn="l"/>
+          <a:r>
+            <a:rPr lang="pt-BR" sz="2800" b="1" dirty="0" smtClean="0">
+              <a:ln>
+                <a:noFill/>
+              </a:ln>
+              <a:solidFill>
+                <a:srgbClr val="0070C0"/>
+              </a:solidFill>
+            </a:rPr>
+            <a:t>Implantação</a:t>
+          </a:r>
+          <a:endParaRPr lang="pt-BR" sz="2800" b="1" dirty="0">
+            <a:ln>
+              <a:noFill/>
+            </a:ln>
+            <a:solidFill>
+              <a:srgbClr val="0070C0"/>
+            </a:solidFill>
+          </a:endParaRPr>
+        </a:p>
+      </dgm:t>
+    </dgm:pt>
+    <dgm:pt modelId="{DCAAF5DC-3676-4007-A488-A27996C42B1C}" type="sibTrans" cxnId="{BEAAB964-3195-49BC-8273-2A6A94D14748}">
+      <dgm:prSet/>
+      <dgm:spPr/>
+      <dgm:t>
+        <a:bodyPr/>
+        <a:lstStyle/>
+        <a:p>
+          <a:endParaRPr lang="pt-BR">
+            <a:solidFill>
+              <a:srgbClr val="0070C0"/>
+            </a:solidFill>
+          </a:endParaRPr>
+        </a:p>
+      </dgm:t>
+    </dgm:pt>
+    <dgm:pt modelId="{C71BBCE6-1187-48E3-A442-D8C6CA8C80F7}" type="parTrans" cxnId="{BEAAB964-3195-49BC-8273-2A6A94D14748}">
+      <dgm:prSet/>
+      <dgm:spPr/>
+      <dgm:t>
+        <a:bodyPr/>
+        <a:lstStyle/>
+        <a:p>
+          <a:endParaRPr lang="pt-BR">
+            <a:solidFill>
+              <a:srgbClr val="0070C0"/>
+            </a:solidFill>
+          </a:endParaRPr>
+        </a:p>
+      </dgm:t>
+    </dgm:pt>
+    <dgm:pt modelId="{AC7D8D23-9AC6-4056-A009-8945278C5E72}">
+      <dgm:prSet phldrT="[Texto]" custT="1"/>
+      <dgm:spPr>
+        <a:solidFill>
+          <a:srgbClr val="92D050">
+            <a:alpha val="16000"/>
+          </a:srgbClr>
+        </a:solidFill>
+      </dgm:spPr>
+      <dgm:t>
+        <a:bodyPr/>
+        <a:lstStyle/>
+        <a:p>
+          <a:r>
+            <a:rPr lang="pt-BR" sz="2800" dirty="0" smtClean="0">
+              <a:solidFill>
+                <a:srgbClr val="0070C0"/>
+              </a:solidFill>
+            </a:rPr>
+            <a:t>Implementação e testes</a:t>
+          </a:r>
+          <a:endParaRPr lang="pt-BR" sz="2800" dirty="0">
+            <a:solidFill>
+              <a:srgbClr val="0070C0"/>
+            </a:solidFill>
+          </a:endParaRPr>
+        </a:p>
+      </dgm:t>
+    </dgm:pt>
+    <dgm:pt modelId="{0353549A-A293-44A7-BD8A-ED293D781E8D}" type="sibTrans" cxnId="{BE3EC83D-65FD-4035-A3CE-80978A958845}">
+      <dgm:prSet/>
+      <dgm:spPr/>
+      <dgm:t>
+        <a:bodyPr/>
+        <a:lstStyle/>
+        <a:p>
+          <a:endParaRPr lang="pt-BR">
+            <a:solidFill>
+              <a:srgbClr val="0070C0"/>
+            </a:solidFill>
+          </a:endParaRPr>
+        </a:p>
+      </dgm:t>
+    </dgm:pt>
+    <dgm:pt modelId="{8A0B7240-85EE-4B37-AE7E-AAB97977EFDC}" type="parTrans" cxnId="{BE3EC83D-65FD-4035-A3CE-80978A958845}">
+      <dgm:prSet/>
+      <dgm:spPr/>
+      <dgm:t>
+        <a:bodyPr/>
+        <a:lstStyle/>
+        <a:p>
+          <a:endParaRPr lang="pt-BR">
+            <a:solidFill>
+              <a:srgbClr val="0070C0"/>
+            </a:solidFill>
+          </a:endParaRPr>
+        </a:p>
+      </dgm:t>
+    </dgm:pt>
+    <dgm:pt modelId="{C11E69DD-059A-446D-A3E7-EA7D3E171AB4}" type="pres">
+      <dgm:prSet presAssocID="{3E4ED2F2-A3E8-47C5-BA91-AED1308C8FF3}" presName="Name0" presStyleCnt="0">
+        <dgm:presLayoutVars>
+          <dgm:chMax val="3"/>
+          <dgm:chPref val="1"/>
+          <dgm:dir/>
+          <dgm:animLvl val="lvl"/>
+          <dgm:resizeHandles/>
+        </dgm:presLayoutVars>
+      </dgm:prSet>
+      <dgm:spPr/>
+    </dgm:pt>
+    <dgm:pt modelId="{2B6AC8B6-71B7-4299-A28B-7BD909FD3A40}" type="pres">
+      <dgm:prSet presAssocID="{3E4ED2F2-A3E8-47C5-BA91-AED1308C8FF3}" presName="outerBox" presStyleCnt="0"/>
+      <dgm:spPr/>
+    </dgm:pt>
+    <dgm:pt modelId="{2FD25B6F-15E0-4C30-B17E-A32B9E41E9E8}" type="pres">
+      <dgm:prSet presAssocID="{3E4ED2F2-A3E8-47C5-BA91-AED1308C8FF3}" presName="outerBoxParent" presStyleLbl="node1" presStyleIdx="0" presStyleCnt="3"/>
+      <dgm:spPr/>
+      <dgm:t>
+        <a:bodyPr/>
+        <a:lstStyle/>
+        <a:p>
+          <a:endParaRPr lang="pt-BR"/>
+        </a:p>
+      </dgm:t>
+    </dgm:pt>
+    <dgm:pt modelId="{42069A4F-00D7-412F-A199-E1501CE72545}" type="pres">
+      <dgm:prSet presAssocID="{3E4ED2F2-A3E8-47C5-BA91-AED1308C8FF3}" presName="outerBoxChildren" presStyleCnt="0"/>
+      <dgm:spPr/>
+    </dgm:pt>
+    <dgm:pt modelId="{108B1506-02FA-48FC-A18F-A6836ABCC4B2}" type="pres">
+      <dgm:prSet presAssocID="{3E4ED2F2-A3E8-47C5-BA91-AED1308C8FF3}" presName="middleBox" presStyleCnt="0"/>
+      <dgm:spPr/>
+    </dgm:pt>
+    <dgm:pt modelId="{8CAC4BC3-D3D8-40C5-819F-5E9D292997AB}" type="pres">
+      <dgm:prSet presAssocID="{3E4ED2F2-A3E8-47C5-BA91-AED1308C8FF3}" presName="middleBoxParent" presStyleLbl="node1" presStyleIdx="1" presStyleCnt="3" custLinFactNeighborX="-660" custLinFactNeighborY="558"/>
+      <dgm:spPr/>
+      <dgm:t>
+        <a:bodyPr/>
+        <a:lstStyle/>
+        <a:p>
+          <a:endParaRPr lang="pt-BR"/>
+        </a:p>
+      </dgm:t>
+    </dgm:pt>
+    <dgm:pt modelId="{28FEBAFD-7D0B-401A-909F-B8A8C27E7BFA}" type="pres">
+      <dgm:prSet presAssocID="{3E4ED2F2-A3E8-47C5-BA91-AED1308C8FF3}" presName="middleBoxChildren" presStyleCnt="0"/>
+      <dgm:spPr/>
+    </dgm:pt>
+    <dgm:pt modelId="{E1B5E8C4-C802-4EB8-AC59-7261234C440F}" type="pres">
+      <dgm:prSet presAssocID="{3E4ED2F2-A3E8-47C5-BA91-AED1308C8FF3}" presName="centerBox" presStyleCnt="0"/>
+      <dgm:spPr/>
+    </dgm:pt>
+    <dgm:pt modelId="{9D7FF7BA-C039-4248-B8FB-E63C06C26FC2}" type="pres">
+      <dgm:prSet presAssocID="{3E4ED2F2-A3E8-47C5-BA91-AED1308C8FF3}" presName="centerBoxParent" presStyleLbl="node1" presStyleIdx="2" presStyleCnt="3"/>
+      <dgm:spPr/>
+      <dgm:t>
+        <a:bodyPr/>
+        <a:lstStyle/>
+        <a:p>
+          <a:endParaRPr lang="pt-BR"/>
+        </a:p>
+      </dgm:t>
+    </dgm:pt>
+    <dgm:pt modelId="{F1B120FA-8539-425B-BA70-DC4491949A84}" type="pres">
+      <dgm:prSet presAssocID="{3E4ED2F2-A3E8-47C5-BA91-AED1308C8FF3}" presName="centerBoxChildren" presStyleCnt="0"/>
+      <dgm:spPr/>
+    </dgm:pt>
+    <dgm:pt modelId="{EB951706-D3F9-426E-87B5-C94417183B45}" type="pres">
+      <dgm:prSet presAssocID="{5B380CA8-4093-4FD0-863D-E1BF341A4BEB}" presName="cChild" presStyleLbl="fgAcc1" presStyleIdx="0" presStyleCnt="1">
+        <dgm:presLayoutVars>
+          <dgm:bulletEnabled val="1"/>
+        </dgm:presLayoutVars>
+      </dgm:prSet>
+      <dgm:spPr/>
+      <dgm:t>
+        <a:bodyPr/>
+        <a:lstStyle/>
+        <a:p>
+          <a:endParaRPr lang="pt-BR"/>
+        </a:p>
+      </dgm:t>
+    </dgm:pt>
+  </dgm:ptLst>
+  <dgm:cxnLst>
+    <dgm:cxn modelId="{51B241AB-5B2E-4717-B0E5-14CA2E785DF6}" type="presOf" srcId="{1DA86C11-8CA3-4AA2-A042-09A2289F4E13}" destId="{2FD25B6F-15E0-4C30-B17E-A32B9E41E9E8}" srcOrd="0" destOrd="0" presId="urn:microsoft.com/office/officeart/2005/8/layout/target2"/>
+    <dgm:cxn modelId="{BE3EC83D-65FD-4035-A3CE-80978A958845}" srcId="{3E4ED2F2-A3E8-47C5-BA91-AED1308C8FF3}" destId="{AC7D8D23-9AC6-4056-A009-8945278C5E72}" srcOrd="2" destOrd="0" parTransId="{8A0B7240-85EE-4B37-AE7E-AAB97977EFDC}" sibTransId="{0353549A-A293-44A7-BD8A-ED293D781E8D}"/>
+    <dgm:cxn modelId="{EBD4AA4C-05B1-41E5-A281-795E4A10E3E4}" srcId="{3E4ED2F2-A3E8-47C5-BA91-AED1308C8FF3}" destId="{1DA86C11-8CA3-4AA2-A042-09A2289F4E13}" srcOrd="0" destOrd="0" parTransId="{2CAED43C-82C5-4150-B919-1CCF0E6D7DC1}" sibTransId="{3C3F4FB9-4276-4EE9-9BDF-A9368B211898}"/>
+    <dgm:cxn modelId="{BEAAB964-3195-49BC-8273-2A6A94D14748}" srcId="{AC7D8D23-9AC6-4056-A009-8945278C5E72}" destId="{5B380CA8-4093-4FD0-863D-E1BF341A4BEB}" srcOrd="0" destOrd="0" parTransId="{C71BBCE6-1187-48E3-A442-D8C6CA8C80F7}" sibTransId="{DCAAF5DC-3676-4007-A488-A27996C42B1C}"/>
+    <dgm:cxn modelId="{A71AA9C5-E513-4310-8922-1A7266F11B4C}" type="presOf" srcId="{5B380CA8-4093-4FD0-863D-E1BF341A4BEB}" destId="{EB951706-D3F9-426E-87B5-C94417183B45}" srcOrd="0" destOrd="0" presId="urn:microsoft.com/office/officeart/2005/8/layout/target2"/>
+    <dgm:cxn modelId="{89FA397B-416E-46EF-94D1-E9ADCBAA5713}" srcId="{3E4ED2F2-A3E8-47C5-BA91-AED1308C8FF3}" destId="{739AECDE-E94B-4D11-AA8C-D58C5CF681FD}" srcOrd="1" destOrd="0" parTransId="{B58315DD-E020-425B-9F97-FF79DE85AD56}" sibTransId="{650874EA-331B-437B-B54A-755EB1832498}"/>
+    <dgm:cxn modelId="{6434B3D9-26D1-4A66-AB3A-A5975A54F15B}" type="presOf" srcId="{739AECDE-E94B-4D11-AA8C-D58C5CF681FD}" destId="{8CAC4BC3-D3D8-40C5-819F-5E9D292997AB}" srcOrd="0" destOrd="0" presId="urn:microsoft.com/office/officeart/2005/8/layout/target2"/>
+    <dgm:cxn modelId="{7884764B-7A26-4AA1-A838-003E647114C7}" type="presOf" srcId="{3E4ED2F2-A3E8-47C5-BA91-AED1308C8FF3}" destId="{C11E69DD-059A-446D-A3E7-EA7D3E171AB4}" srcOrd="0" destOrd="0" presId="urn:microsoft.com/office/officeart/2005/8/layout/target2"/>
+    <dgm:cxn modelId="{7EFD796C-E102-4A8C-9B5F-53E311840589}" type="presOf" srcId="{AC7D8D23-9AC6-4056-A009-8945278C5E72}" destId="{9D7FF7BA-C039-4248-B8FB-E63C06C26FC2}" srcOrd="0" destOrd="0" presId="urn:microsoft.com/office/officeart/2005/8/layout/target2"/>
+    <dgm:cxn modelId="{3D2DE2BC-DC75-403D-BB23-D6686C78D09E}" type="presParOf" srcId="{C11E69DD-059A-446D-A3E7-EA7D3E171AB4}" destId="{2B6AC8B6-71B7-4299-A28B-7BD909FD3A40}" srcOrd="0" destOrd="0" presId="urn:microsoft.com/office/officeart/2005/8/layout/target2"/>
+    <dgm:cxn modelId="{5CA18592-9CB1-44C8-A89C-C1325CC68959}" type="presParOf" srcId="{2B6AC8B6-71B7-4299-A28B-7BD909FD3A40}" destId="{2FD25B6F-15E0-4C30-B17E-A32B9E41E9E8}" srcOrd="0" destOrd="0" presId="urn:microsoft.com/office/officeart/2005/8/layout/target2"/>
+    <dgm:cxn modelId="{D9A102B7-D257-49B9-9B84-82D42F9290BF}" type="presParOf" srcId="{2B6AC8B6-71B7-4299-A28B-7BD909FD3A40}" destId="{42069A4F-00D7-412F-A199-E1501CE72545}" srcOrd="1" destOrd="0" presId="urn:microsoft.com/office/officeart/2005/8/layout/target2"/>
+    <dgm:cxn modelId="{F5D78CD0-7942-4E26-B021-5AE8B8F90B73}" type="presParOf" srcId="{C11E69DD-059A-446D-A3E7-EA7D3E171AB4}" destId="{108B1506-02FA-48FC-A18F-A6836ABCC4B2}" srcOrd="1" destOrd="0" presId="urn:microsoft.com/office/officeart/2005/8/layout/target2"/>
+    <dgm:cxn modelId="{096211E9-1807-47F5-821F-3BA8E5D0E60E}" type="presParOf" srcId="{108B1506-02FA-48FC-A18F-A6836ABCC4B2}" destId="{8CAC4BC3-D3D8-40C5-819F-5E9D292997AB}" srcOrd="0" destOrd="0" presId="urn:microsoft.com/office/officeart/2005/8/layout/target2"/>
+    <dgm:cxn modelId="{CEDC088F-74A0-4758-9AF6-3EBCD22001B4}" type="presParOf" srcId="{108B1506-02FA-48FC-A18F-A6836ABCC4B2}" destId="{28FEBAFD-7D0B-401A-909F-B8A8C27E7BFA}" srcOrd="1" destOrd="0" presId="urn:microsoft.com/office/officeart/2005/8/layout/target2"/>
+    <dgm:cxn modelId="{320B8B97-8DA0-4670-917E-AAABD0CD1A38}" type="presParOf" srcId="{C11E69DD-059A-446D-A3E7-EA7D3E171AB4}" destId="{E1B5E8C4-C802-4EB8-AC59-7261234C440F}" srcOrd="2" destOrd="0" presId="urn:microsoft.com/office/officeart/2005/8/layout/target2"/>
+    <dgm:cxn modelId="{8AD3674F-F807-4699-854A-856A0B4F2430}" type="presParOf" srcId="{E1B5E8C4-C802-4EB8-AC59-7261234C440F}" destId="{9D7FF7BA-C039-4248-B8FB-E63C06C26FC2}" srcOrd="0" destOrd="0" presId="urn:microsoft.com/office/officeart/2005/8/layout/target2"/>
+    <dgm:cxn modelId="{F84C3BCE-E916-40D6-9182-5E9D4BF4FF9F}" type="presParOf" srcId="{E1B5E8C4-C802-4EB8-AC59-7261234C440F}" destId="{F1B120FA-8539-425B-BA70-DC4491949A84}" srcOrd="1" destOrd="0" presId="urn:microsoft.com/office/officeart/2005/8/layout/target2"/>
+    <dgm:cxn modelId="{6A606D71-64B9-40FA-A197-2F0C3EB5034E}" type="presParOf" srcId="{F1B120FA-8539-425B-BA70-DC4491949A84}" destId="{EB951706-D3F9-426E-87B5-C94417183B45}" srcOrd="0" destOrd="0" presId="urn:microsoft.com/office/officeart/2005/8/layout/target2"/>
+  </dgm:cxnLst>
+  <dgm:bg>
+    <a:effectLst>
+      <a:outerShdw blurRad="50800" dist="38100" dir="2700000" algn="tl" rotWithShape="0">
+        <a:prstClr val="black">
+          <a:alpha val="40000"/>
+        </a:prstClr>
+      </a:outerShdw>
+    </a:effectLst>
+  </dgm:bg>
   <dgm:whole/>
   <dgm:extLst>
     <a:ext uri="http://schemas.microsoft.com/office/drawing/2008/diagram">
@@ -11020,8 +12175,8 @@
       </dsp:nvSpPr>
       <dsp:spPr>
         <a:xfrm rot="16200000">
-          <a:off x="3137067" y="1608021"/>
-          <a:ext cx="421957" cy="37541"/>
+          <a:off x="3157858" y="1628812"/>
+          <a:ext cx="380374" cy="37541"/>
         </a:xfrm>
         <a:custGeom>
           <a:avLst/>
@@ -11035,7 +12190,7 @@
                 <a:pt x="0" y="18770"/>
               </a:moveTo>
               <a:lnTo>
-                <a:pt x="421957" y="18770"/>
+                <a:pt x="380374" y="18770"/>
               </a:lnTo>
             </a:path>
           </a:pathLst>
@@ -11093,8 +12248,8 @@
         </a:p>
       </dsp:txBody>
       <dsp:txXfrm rot="16200000">
-        <a:off x="3337497" y="1616243"/>
-        <a:ext cx="21097" cy="21097"/>
+        <a:off x="3338536" y="1638074"/>
+        <a:ext cx="19018" cy="19018"/>
       </dsp:txXfrm>
     </dsp:sp>
     <dsp:sp modelId="{1BA1A60B-DB91-42A4-8A23-386BD88E7249}">
@@ -11104,8 +12259,8 @@
       </dsp:nvSpPr>
       <dsp:spPr>
         <a:xfrm>
-          <a:off x="2448279" y="19257"/>
-          <a:ext cx="1799532" cy="1396556"/>
+          <a:off x="2284868" y="-22324"/>
+          <a:ext cx="2126354" cy="1479720"/>
         </a:xfrm>
         <a:prstGeom prst="ellipse">
           <a:avLst/>
@@ -11204,7 +12359,15 @@
                 <a:srgbClr val="66FFFF"/>
               </a:solidFill>
             </a:rPr>
-            <a:t>Ação solidária</a:t>
+            <a:t>Ação </a:t>
+          </a:r>
+          <a:r>
+            <a:rPr lang="pt-BR" sz="1800" b="1" kern="1200" dirty="0" smtClean="0">
+              <a:solidFill>
+                <a:srgbClr val="66FFFF"/>
+              </a:solidFill>
+            </a:rPr>
+            <a:t>solidária</a:t>
           </a:r>
           <a:endParaRPr lang="pt-BR" sz="1800" b="1" kern="1200" dirty="0">
             <a:solidFill>
@@ -11214,8 +12377,8 @@
         </a:p>
       </dsp:txBody>
       <dsp:txXfrm>
-        <a:off x="2448279" y="19257"/>
-        <a:ext cx="1799532" cy="1396556"/>
+        <a:off x="2284868" y="-22324"/>
+        <a:ext cx="2126354" cy="1479720"/>
       </dsp:txXfrm>
     </dsp:sp>
     <dsp:sp modelId="{5301AC84-2576-4645-A3A5-CD1FD68C0D58}">
@@ -11224,9 +12387,9 @@
         <dsp:cNvSpPr/>
       </dsp:nvSpPr>
       <dsp:spPr>
-        <a:xfrm rot="27995">
-          <a:off x="4247751" y="2527247"/>
-          <a:ext cx="648868" cy="37541"/>
+        <a:xfrm rot="29997">
+          <a:off x="4247749" y="2526534"/>
+          <a:ext cx="322078" cy="37541"/>
         </a:xfrm>
         <a:custGeom>
           <a:avLst/>
@@ -11240,7 +12403,7 @@
                 <a:pt x="0" y="18770"/>
               </a:moveTo>
               <a:lnTo>
-                <a:pt x="648868" y="18770"/>
+                <a:pt x="322078" y="18770"/>
               </a:lnTo>
             </a:path>
           </a:pathLst>
@@ -11297,9 +12460,9 @@
           <a:endParaRPr lang="pt-BR" sz="500" kern="1200"/>
         </a:p>
       </dsp:txBody>
-      <dsp:txXfrm rot="27995">
-        <a:off x="4555964" y="2529796"/>
-        <a:ext cx="32443" cy="32443"/>
+      <dsp:txXfrm rot="29997">
+        <a:off x="4400736" y="2537253"/>
+        <a:ext cx="16103" cy="16103"/>
       </dsp:txXfrm>
     </dsp:sp>
     <dsp:sp modelId="{EE3E81F8-67F5-4149-A111-7181108DA414}">
@@ -11309,8 +12472,8 @@
       </dsp:nvSpPr>
       <dsp:spPr>
         <a:xfrm>
-          <a:off x="4896559" y="1857708"/>
-          <a:ext cx="1799532" cy="1396556"/>
+          <a:off x="4569737" y="1816126"/>
+          <a:ext cx="2126354" cy="1479720"/>
         </a:xfrm>
         <a:prstGeom prst="ellipse">
           <a:avLst/>
@@ -11419,8 +12582,8 @@
         </a:p>
       </dsp:txBody>
       <dsp:txXfrm>
-        <a:off x="4896559" y="1857708"/>
-        <a:ext cx="1799532" cy="1396556"/>
+        <a:off x="4569737" y="1816126"/>
+        <a:ext cx="2126354" cy="1479720"/>
       </dsp:txXfrm>
     </dsp:sp>
     <dsp:sp modelId="{E257CB2D-EE0D-470B-B5D3-13291BA657E1}">
@@ -11430,8 +12593,8 @@
       </dsp:nvSpPr>
       <dsp:spPr>
         <a:xfrm rot="5400000">
-          <a:off x="3137067" y="3426534"/>
-          <a:ext cx="421957" cy="37541"/>
+          <a:off x="3157858" y="3405743"/>
+          <a:ext cx="380374" cy="37541"/>
         </a:xfrm>
         <a:custGeom>
           <a:avLst/>
@@ -11445,7 +12608,7 @@
                 <a:pt x="0" y="18770"/>
               </a:moveTo>
               <a:lnTo>
-                <a:pt x="421957" y="18770"/>
+                <a:pt x="380374" y="18770"/>
               </a:lnTo>
             </a:path>
           </a:pathLst>
@@ -11503,8 +12666,8 @@
         </a:p>
       </dsp:txBody>
       <dsp:txXfrm rot="5400000">
-        <a:off x="3337497" y="3434756"/>
-        <a:ext cx="21097" cy="21097"/>
+        <a:off x="3338536" y="3415004"/>
+        <a:ext cx="19018" cy="19018"/>
       </dsp:txXfrm>
     </dsp:sp>
     <dsp:sp modelId="{863E9C95-4D35-4D80-8FF7-E34BA1AF170C}">
@@ -11514,8 +12677,8 @@
       </dsp:nvSpPr>
       <dsp:spPr>
         <a:xfrm>
-          <a:off x="2448279" y="3656284"/>
-          <a:ext cx="1799532" cy="1396556"/>
+          <a:off x="2284868" y="3614701"/>
+          <a:ext cx="2126354" cy="1479720"/>
         </a:xfrm>
         <a:prstGeom prst="ellipse">
           <a:avLst/>
@@ -11624,8 +12787,8 @@
         </a:p>
       </dsp:txBody>
       <dsp:txXfrm>
-        <a:off x="2448279" y="3656284"/>
-        <a:ext cx="1799532" cy="1396556"/>
+        <a:off x="2284868" y="3614701"/>
+        <a:ext cx="2126354" cy="1479720"/>
       </dsp:txXfrm>
     </dsp:sp>
     <dsp:sp modelId="{20417B74-94E5-4840-BF37-972B8D6C451B}">
@@ -11634,9 +12797,9 @@
         <dsp:cNvSpPr/>
       </dsp:nvSpPr>
       <dsp:spPr>
-        <a:xfrm rot="10772014">
-          <a:off x="1799472" y="2527244"/>
-          <a:ext cx="648868" cy="37541"/>
+        <a:xfrm rot="10770013">
+          <a:off x="2126264" y="2526531"/>
+          <a:ext cx="322078" cy="37541"/>
         </a:xfrm>
         <a:custGeom>
           <a:avLst/>
@@ -11650,7 +12813,7 @@
                 <a:pt x="0" y="18770"/>
               </a:moveTo>
               <a:lnTo>
-                <a:pt x="648868" y="18770"/>
+                <a:pt x="322078" y="18770"/>
               </a:lnTo>
             </a:path>
           </a:pathLst>
@@ -11707,9 +12870,9 @@
           <a:endParaRPr lang="pt-BR" sz="500" kern="1200"/>
         </a:p>
       </dsp:txBody>
-      <dsp:txXfrm rot="10772014">
-        <a:off x="2107684" y="2529792"/>
-        <a:ext cx="32443" cy="32443"/>
+      <dsp:txXfrm rot="10770013">
+        <a:off x="2279251" y="2537250"/>
+        <a:ext cx="16103" cy="16103"/>
       </dsp:txXfrm>
     </dsp:sp>
     <dsp:sp modelId="{6B362DF4-5D96-4089-A9F0-D02ED909FA49}">
@@ -11719,8 +12882,8 @@
       </dsp:nvSpPr>
       <dsp:spPr>
         <a:xfrm>
-          <a:off x="0" y="1857702"/>
-          <a:ext cx="1799532" cy="1396556"/>
+          <a:off x="0" y="1816119"/>
+          <a:ext cx="2126354" cy="1479720"/>
         </a:xfrm>
         <a:prstGeom prst="ellipse">
           <a:avLst/>
@@ -11829,8 +12992,348 @@
         </a:p>
       </dsp:txBody>
       <dsp:txXfrm>
-        <a:off x="0" y="1857702"/>
-        <a:ext cx="1799532" cy="1396556"/>
+        <a:off x="0" y="1816119"/>
+        <a:ext cx="2126354" cy="1479720"/>
+      </dsp:txXfrm>
+    </dsp:sp>
+  </dsp:spTree>
+</dsp:drawing>
+</file>
+
+<file path=ppt/diagrams/drawing6.xml><?xml version="1.0" encoding="utf-8"?>
+<dsp:drawing xmlns:dgm="http://schemas.openxmlformats.org/drawingml/2006/diagram" xmlns:a="http://schemas.openxmlformats.org/drawingml/2006/main" xmlns:dsp="http://schemas.microsoft.com/office/drawing/2008/diagram">
+  <dsp:spTree>
+    <dsp:nvGrpSpPr>
+      <dsp:cNvPr id="0" name=""/>
+      <dsp:cNvGrpSpPr/>
+    </dsp:nvGrpSpPr>
+    <dsp:grpSpPr/>
+    <dsp:sp modelId="{2FD25B6F-15E0-4C30-B17E-A32B9E41E9E8}">
+      <dsp:nvSpPr>
+        <dsp:cNvPr id="0" name=""/>
+        <dsp:cNvSpPr/>
+      </dsp:nvSpPr>
+      <dsp:spPr>
+        <a:xfrm>
+          <a:off x="0" y="0"/>
+          <a:ext cx="8686800" cy="5115197"/>
+        </a:xfrm>
+        <a:prstGeom prst="roundRect">
+          <a:avLst>
+            <a:gd name="adj" fmla="val 8500"/>
+          </a:avLst>
+        </a:prstGeom>
+        <a:solidFill>
+          <a:srgbClr val="FFFF00">
+            <a:alpha val="60000"/>
+          </a:srgbClr>
+        </a:solidFill>
+        <a:ln>
+          <a:noFill/>
+        </a:ln>
+        <a:effectLst>
+          <a:outerShdw blurRad="40000" dist="23000" dir="5400000" rotWithShape="0">
+            <a:srgbClr val="000000">
+              <a:alpha val="35000"/>
+            </a:srgbClr>
+          </a:outerShdw>
+        </a:effectLst>
+      </dsp:spPr>
+      <dsp:style>
+        <a:lnRef idx="0">
+          <a:scrgbClr r="0" g="0" b="0"/>
+        </a:lnRef>
+        <a:fillRef idx="3">
+          <a:scrgbClr r="0" g="0" b="0"/>
+        </a:fillRef>
+        <a:effectRef idx="2">
+          <a:scrgbClr r="0" g="0" b="0"/>
+        </a:effectRef>
+        <a:fontRef idx="minor">
+          <a:schemeClr val="lt1"/>
+        </a:fontRef>
+      </dsp:style>
+      <dsp:txBody>
+        <a:bodyPr spcFirstLastPara="0" vert="horz" wrap="square" lIns="106680" tIns="106680" rIns="106680" bIns="3969961" numCol="1" spcCol="1270" anchor="t" anchorCtr="0">
+          <a:noAutofit/>
+        </a:bodyPr>
+        <a:lstStyle/>
+        <a:p>
+          <a:pPr lvl="0" algn="l" defTabSz="1244600">
+            <a:lnSpc>
+              <a:spcPct val="90000"/>
+            </a:lnSpc>
+            <a:spcBef>
+              <a:spcPct val="0"/>
+            </a:spcBef>
+            <a:spcAft>
+              <a:spcPct val="35000"/>
+            </a:spcAft>
+          </a:pPr>
+          <a:r>
+            <a:rPr lang="pt-BR" sz="2800" b="1" kern="1200" dirty="0" smtClean="0">
+              <a:solidFill>
+                <a:srgbClr val="0070C0"/>
+              </a:solidFill>
+            </a:rPr>
+            <a:t>Definição de prioridades</a:t>
+          </a:r>
+          <a:endParaRPr lang="pt-BR" sz="2800" b="1" kern="1200" dirty="0">
+            <a:solidFill>
+              <a:srgbClr val="0070C0"/>
+            </a:solidFill>
+          </a:endParaRPr>
+        </a:p>
+      </dsp:txBody>
+      <dsp:txXfrm>
+        <a:off x="0" y="0"/>
+        <a:ext cx="8686800" cy="5115197"/>
+      </dsp:txXfrm>
+    </dsp:sp>
+    <dsp:sp modelId="{8CAC4BC3-D3D8-40C5-819F-5E9D292997AB}">
+      <dsp:nvSpPr>
+        <dsp:cNvPr id="0" name=""/>
+        <dsp:cNvSpPr/>
+      </dsp:nvSpPr>
+      <dsp:spPr>
+        <a:xfrm>
+          <a:off x="162703" y="1298779"/>
+          <a:ext cx="8252460" cy="3580637"/>
+        </a:xfrm>
+        <a:prstGeom prst="roundRect">
+          <a:avLst>
+            <a:gd name="adj" fmla="val 10500"/>
+          </a:avLst>
+        </a:prstGeom>
+        <a:solidFill>
+          <a:schemeClr val="bg2">
+            <a:lumMod val="75000"/>
+            <a:alpha val="73000"/>
+          </a:schemeClr>
+        </a:solidFill>
+        <a:ln>
+          <a:noFill/>
+        </a:ln>
+        <a:effectLst>
+          <a:outerShdw blurRad="40000" dist="23000" dir="5400000" rotWithShape="0">
+            <a:srgbClr val="000000">
+              <a:alpha val="35000"/>
+            </a:srgbClr>
+          </a:outerShdw>
+        </a:effectLst>
+      </dsp:spPr>
+      <dsp:style>
+        <a:lnRef idx="0">
+          <a:scrgbClr r="0" g="0" b="0"/>
+        </a:lnRef>
+        <a:fillRef idx="3">
+          <a:scrgbClr r="0" g="0" b="0"/>
+        </a:fillRef>
+        <a:effectRef idx="2">
+          <a:scrgbClr r="0" g="0" b="0"/>
+        </a:effectRef>
+        <a:fontRef idx="minor">
+          <a:schemeClr val="lt1"/>
+        </a:fontRef>
+      </dsp:style>
+      <dsp:txBody>
+        <a:bodyPr spcFirstLastPara="0" vert="horz" wrap="square" lIns="106680" tIns="106680" rIns="106680" bIns="2273705" numCol="1" spcCol="1270" anchor="t" anchorCtr="0">
+          <a:noAutofit/>
+        </a:bodyPr>
+        <a:lstStyle/>
+        <a:p>
+          <a:pPr lvl="0" algn="l" defTabSz="1244600">
+            <a:lnSpc>
+              <a:spcPct val="90000"/>
+            </a:lnSpc>
+            <a:spcBef>
+              <a:spcPct val="0"/>
+            </a:spcBef>
+            <a:spcAft>
+              <a:spcPct val="35000"/>
+            </a:spcAft>
+          </a:pPr>
+          <a:r>
+            <a:rPr lang="pt-BR" sz="2800" b="1" kern="1200" dirty="0" smtClean="0">
+              <a:solidFill>
+                <a:srgbClr val="0070C0"/>
+              </a:solidFill>
+            </a:rPr>
+            <a:t>Levantamento de requisitos</a:t>
+          </a:r>
+          <a:endParaRPr lang="pt-BR" sz="2800" b="1" kern="1200" dirty="0">
+            <a:solidFill>
+              <a:srgbClr val="0070C0"/>
+            </a:solidFill>
+          </a:endParaRPr>
+        </a:p>
+      </dsp:txBody>
+      <dsp:txXfrm>
+        <a:off x="162703" y="1298779"/>
+        <a:ext cx="8252460" cy="3580637"/>
+      </dsp:txXfrm>
+    </dsp:sp>
+    <dsp:sp modelId="{9D7FF7BA-C039-4248-B8FB-E63C06C26FC2}">
+      <dsp:nvSpPr>
+        <dsp:cNvPr id="0" name=""/>
+        <dsp:cNvSpPr/>
+      </dsp:nvSpPr>
+      <dsp:spPr>
+        <a:xfrm>
+          <a:off x="434340" y="2557598"/>
+          <a:ext cx="7818120" cy="2046078"/>
+        </a:xfrm>
+        <a:prstGeom prst="roundRect">
+          <a:avLst>
+            <a:gd name="adj" fmla="val 10500"/>
+          </a:avLst>
+        </a:prstGeom>
+        <a:solidFill>
+          <a:srgbClr val="92D050">
+            <a:alpha val="16000"/>
+          </a:srgbClr>
+        </a:solidFill>
+        <a:ln>
+          <a:noFill/>
+        </a:ln>
+        <a:effectLst>
+          <a:outerShdw blurRad="40000" dist="23000" dir="5400000" rotWithShape="0">
+            <a:srgbClr val="000000">
+              <a:alpha val="35000"/>
+            </a:srgbClr>
+          </a:outerShdw>
+        </a:effectLst>
+      </dsp:spPr>
+      <dsp:style>
+        <a:lnRef idx="0">
+          <a:scrgbClr r="0" g="0" b="0"/>
+        </a:lnRef>
+        <a:fillRef idx="3">
+          <a:scrgbClr r="0" g="0" b="0"/>
+        </a:fillRef>
+        <a:effectRef idx="2">
+          <a:scrgbClr r="0" g="0" b="0"/>
+        </a:effectRef>
+        <a:fontRef idx="minor">
+          <a:schemeClr val="lt1"/>
+        </a:fontRef>
+      </dsp:style>
+      <dsp:txBody>
+        <a:bodyPr spcFirstLastPara="0" vert="horz" wrap="square" lIns="106680" tIns="106680" rIns="106680" bIns="1154898" numCol="1" spcCol="1270" anchor="t" anchorCtr="0">
+          <a:noAutofit/>
+        </a:bodyPr>
+        <a:lstStyle/>
+        <a:p>
+          <a:pPr lvl="0" algn="l" defTabSz="1244600">
+            <a:lnSpc>
+              <a:spcPct val="90000"/>
+            </a:lnSpc>
+            <a:spcBef>
+              <a:spcPct val="0"/>
+            </a:spcBef>
+            <a:spcAft>
+              <a:spcPct val="35000"/>
+            </a:spcAft>
+          </a:pPr>
+          <a:r>
+            <a:rPr lang="pt-BR" sz="2800" kern="1200" dirty="0" smtClean="0">
+              <a:solidFill>
+                <a:srgbClr val="0070C0"/>
+              </a:solidFill>
+            </a:rPr>
+            <a:t>Implementação e testes</a:t>
+          </a:r>
+          <a:endParaRPr lang="pt-BR" sz="2800" kern="1200" dirty="0">
+            <a:solidFill>
+              <a:srgbClr val="0070C0"/>
+            </a:solidFill>
+          </a:endParaRPr>
+        </a:p>
+      </dsp:txBody>
+      <dsp:txXfrm>
+        <a:off x="434340" y="2557598"/>
+        <a:ext cx="7818120" cy="2046078"/>
+      </dsp:txXfrm>
+    </dsp:sp>
+    <dsp:sp modelId="{EB951706-D3F9-426E-87B5-C94417183B45}">
+      <dsp:nvSpPr>
+        <dsp:cNvPr id="0" name=""/>
+        <dsp:cNvSpPr/>
+      </dsp:nvSpPr>
+      <dsp:spPr>
+        <a:xfrm>
+          <a:off x="629793" y="3478333"/>
+          <a:ext cx="7427214" cy="920735"/>
+        </a:xfrm>
+        <a:prstGeom prst="roundRect">
+          <a:avLst>
+            <a:gd name="adj" fmla="val 10500"/>
+          </a:avLst>
+        </a:prstGeom>
+        <a:solidFill>
+          <a:srgbClr val="92D050"/>
+        </a:solidFill>
+        <a:ln w="25400" cap="flat" cmpd="sng" algn="ctr">
+          <a:noFill/>
+          <a:prstDash val="solid"/>
+        </a:ln>
+        <a:effectLst/>
+      </dsp:spPr>
+      <dsp:style>
+        <a:lnRef idx="2">
+          <a:schemeClr val="dk1"/>
+        </a:lnRef>
+        <a:fillRef idx="1">
+          <a:schemeClr val="lt1"/>
+        </a:fillRef>
+        <a:effectRef idx="0">
+          <a:schemeClr val="dk1"/>
+        </a:effectRef>
+        <a:fontRef idx="minor">
+          <a:schemeClr val="dk1"/>
+        </a:fontRef>
+      </dsp:style>
+      <dsp:txBody>
+        <a:bodyPr spcFirstLastPara="0" vert="horz" wrap="square" lIns="106680" tIns="106680" rIns="106680" bIns="106680" numCol="1" spcCol="1270" anchor="ctr" anchorCtr="0">
+          <a:noAutofit/>
+        </a:bodyPr>
+        <a:lstStyle/>
+        <a:p>
+          <a:pPr lvl="0" algn="l" defTabSz="1244600">
+            <a:lnSpc>
+              <a:spcPct val="90000"/>
+            </a:lnSpc>
+            <a:spcBef>
+              <a:spcPct val="0"/>
+            </a:spcBef>
+            <a:spcAft>
+              <a:spcPct val="35000"/>
+            </a:spcAft>
+          </a:pPr>
+          <a:r>
+            <a:rPr lang="pt-BR" sz="2800" b="1" kern="1200" dirty="0" smtClean="0">
+              <a:ln>
+                <a:noFill/>
+              </a:ln>
+              <a:solidFill>
+                <a:srgbClr val="0070C0"/>
+              </a:solidFill>
+            </a:rPr>
+            <a:t>Implantação</a:t>
+          </a:r>
+          <a:endParaRPr lang="pt-BR" sz="2800" b="1" kern="1200" dirty="0">
+            <a:ln>
+              <a:noFill/>
+            </a:ln>
+            <a:solidFill>
+              <a:srgbClr val="0070C0"/>
+            </a:solidFill>
+          </a:endParaRPr>
+        </a:p>
+      </dsp:txBody>
+      <dsp:txXfrm>
+        <a:off x="629793" y="3478333"/>
+        <a:ext cx="7427214" cy="920735"/>
       </dsp:txXfrm>
     </dsp:sp>
   </dsp:spTree>
@@ -13682,6 +15185,788 @@
 </dgm:layoutDef>
 </file>
 
+<file path=ppt/diagrams/layout6.xml><?xml version="1.0" encoding="utf-8"?>
+<dgm:layoutDef xmlns:dgm="http://schemas.openxmlformats.org/drawingml/2006/diagram" xmlns:a="http://schemas.openxmlformats.org/drawingml/2006/main" uniqueId="urn:microsoft.com/office/officeart/2005/8/layout/target2">
+  <dgm:title val=""/>
+  <dgm:desc val=""/>
+  <dgm:catLst>
+    <dgm:cat type="relationship" pri="12000"/>
+  </dgm:catLst>
+  <dgm:sampData>
+    <dgm:dataModel>
+      <dgm:ptLst>
+        <dgm:pt modelId="0" type="doc"/>
+        <dgm:pt modelId="1">
+          <dgm:prSet phldr="1"/>
+        </dgm:pt>
+        <dgm:pt modelId="11">
+          <dgm:prSet phldr="1"/>
+        </dgm:pt>
+        <dgm:pt modelId="12">
+          <dgm:prSet phldr="1"/>
+        </dgm:pt>
+        <dgm:pt modelId="2">
+          <dgm:prSet phldr="1"/>
+        </dgm:pt>
+        <dgm:pt modelId="21">
+          <dgm:prSet phldr="1"/>
+        </dgm:pt>
+        <dgm:pt modelId="22">
+          <dgm:prSet phldr="1"/>
+        </dgm:pt>
+        <dgm:pt modelId="3">
+          <dgm:prSet phldr="1"/>
+        </dgm:pt>
+        <dgm:pt modelId="31">
+          <dgm:prSet phldr="1"/>
+        </dgm:pt>
+        <dgm:pt modelId="32">
+          <dgm:prSet phldr="1"/>
+        </dgm:pt>
+      </dgm:ptLst>
+      <dgm:cxnLst>
+        <dgm:cxn modelId="4" srcId="0" destId="1" srcOrd="0" destOrd="0"/>
+        <dgm:cxn modelId="5" srcId="0" destId="2" srcOrd="1" destOrd="0"/>
+        <dgm:cxn modelId="6" srcId="0" destId="3" srcOrd="2" destOrd="0"/>
+        <dgm:cxn modelId="13" srcId="1" destId="11" srcOrd="0" destOrd="0"/>
+        <dgm:cxn modelId="14" srcId="1" destId="12" srcOrd="1" destOrd="0"/>
+        <dgm:cxn modelId="23" srcId="2" destId="21" srcOrd="0" destOrd="0"/>
+        <dgm:cxn modelId="24" srcId="2" destId="22" srcOrd="1" destOrd="0"/>
+        <dgm:cxn modelId="33" srcId="3" destId="31" srcOrd="0" destOrd="0"/>
+        <dgm:cxn modelId="34" srcId="3" destId="32" srcOrd="1" destOrd="0"/>
+      </dgm:cxnLst>
+      <dgm:bg/>
+      <dgm:whole/>
+    </dgm:dataModel>
+  </dgm:sampData>
+  <dgm:styleData>
+    <dgm:dataModel>
+      <dgm:ptLst>
+        <dgm:pt modelId="0" type="doc"/>
+        <dgm:pt modelId="1"/>
+        <dgm:pt modelId="11"/>
+        <dgm:pt modelId="2"/>
+        <dgm:pt modelId="21"/>
+      </dgm:ptLst>
+      <dgm:cxnLst>
+        <dgm:cxn modelId="4" srcId="0" destId="1" srcOrd="0" destOrd="0"/>
+        <dgm:cxn modelId="5" srcId="0" destId="2" srcOrd="1" destOrd="0"/>
+        <dgm:cxn modelId="13" srcId="1" destId="11" srcOrd="0" destOrd="0"/>
+        <dgm:cxn modelId="23" srcId="2" destId="21" srcOrd="0" destOrd="0"/>
+      </dgm:cxnLst>
+      <dgm:bg/>
+      <dgm:whole/>
+    </dgm:dataModel>
+  </dgm:styleData>
+  <dgm:clrData>
+    <dgm:dataModel>
+      <dgm:ptLst>
+        <dgm:pt modelId="0" type="doc"/>
+        <dgm:pt modelId="1"/>
+        <dgm:pt modelId="11"/>
+        <dgm:pt modelId="2"/>
+        <dgm:pt modelId="21"/>
+        <dgm:pt modelId="3"/>
+        <dgm:pt modelId="31"/>
+        <dgm:pt modelId="4"/>
+        <dgm:pt modelId="41"/>
+      </dgm:ptLst>
+      <dgm:cxnLst>
+        <dgm:cxn modelId="5" srcId="0" destId="1" srcOrd="0" destOrd="0"/>
+        <dgm:cxn modelId="6" srcId="0" destId="2" srcOrd="1" destOrd="0"/>
+        <dgm:cxn modelId="7" srcId="0" destId="3" srcOrd="2" destOrd="0"/>
+        <dgm:cxn modelId="8" srcId="0" destId="4" srcOrd="3" destOrd="0"/>
+        <dgm:cxn modelId="13" srcId="1" destId="11" srcOrd="0" destOrd="0"/>
+        <dgm:cxn modelId="23" srcId="2" destId="21" srcOrd="0" destOrd="0"/>
+        <dgm:cxn modelId="33" srcId="3" destId="31" srcOrd="0" destOrd="0"/>
+        <dgm:cxn modelId="43" srcId="4" destId="41" srcOrd="0" destOrd="0"/>
+      </dgm:cxnLst>
+      <dgm:bg/>
+      <dgm:whole/>
+    </dgm:dataModel>
+  </dgm:clrData>
+  <dgm:layoutNode name="Name0">
+    <dgm:varLst>
+      <dgm:chMax val="3"/>
+      <dgm:chPref val="1"/>
+      <dgm:dir/>
+      <dgm:animLvl val="lvl"/>
+      <dgm:resizeHandles/>
+    </dgm:varLst>
+    <dgm:alg type="composite">
+      <dgm:param type="horzAlign" val="none"/>
+      <dgm:param type="vertAlign" val="none"/>
+    </dgm:alg>
+    <dgm:shape xmlns:r="http://schemas.openxmlformats.org/officeDocument/2006/relationships" r:blip="">
+      <dgm:adjLst/>
+    </dgm:shape>
+    <dgm:presOf/>
+    <dgm:choose name="Name1">
+      <dgm:if name="Name2" func="var" arg="dir" op="equ" val="norm">
+        <dgm:choose name="Name3">
+          <dgm:if name="Name4" axis="ch ch" ptType="node node" st="1 1" cnt="1 0" func="cnt" op="gt" val="0">
+            <dgm:choose name="Name5">
+              <dgm:if name="Name6" axis="ch ch" ptType="node node" st="2 1" cnt="1 0" func="cnt" op="gt" val="0">
+                <dgm:constrLst>
+                  <dgm:constr type="primFontSz" for="des" forName="middleBoxParent" val="65"/>
+                  <dgm:constr type="primFontSz" for="des" forName="mChild" val="65"/>
+                  <dgm:constr type="primFontSz" for="des" forName="outerBoxParent" refType="primFontSz" refFor="des" refForName="middleBoxParent" op="equ"/>
+                  <dgm:constr type="primFontSz" for="des" forName="centerBoxParent" refType="primFontSz" refFor="des" refForName="middleBoxParent" op="equ"/>
+                  <dgm:constr type="primFontSz" for="des" forName="oChild" refType="primFontSz" refFor="des" refForName="mChild" op="equ"/>
+                  <dgm:constr type="primFontSz" for="des" forName="cChild" refType="primFontSz" refFor="des" refForName="mChild" op="equ"/>
+                  <dgm:constr type="l" for="ch" forName="outerBox"/>
+                  <dgm:constr type="t" for="ch" forName="outerBox"/>
+                  <dgm:constr type="w" for="ch" forName="outerBox" refType="w"/>
+                  <dgm:constr type="h" for="ch" forName="outerBox" refType="h"/>
+                  <dgm:constr type="l" for="ch" forName="middleBox" refType="w" fact="0.2"/>
+                  <dgm:constr type="t" for="ch" forName="middleBox" refType="h" fact="0.25"/>
+                  <dgm:constr type="w" for="ch" forName="middleBox" refType="w" fact="0.775"/>
+                  <dgm:constr type="h" for="ch" forName="middleBox" refType="h" fact="0.7"/>
+                  <dgm:constr type="l" for="ch" forName="centerBox" refType="w" fact="0.395"/>
+                  <dgm:constr type="t" for="ch" forName="centerBox" refType="h" fact="0.5"/>
+                  <dgm:constr type="w" for="ch" forName="centerBox" refType="w" fact="0.555"/>
+                  <dgm:constr type="h" for="ch" forName="centerBox" refType="h" fact="0.4"/>
+                  <dgm:constr type="userA" for="des" forName="outerSibTrans" refType="w"/>
+                  <dgm:constr type="userA" for="des" forName="middleSibTrans" refType="w"/>
+                  <dgm:constr type="userA" for="des" forName="centerSibTrans" refType="w"/>
+                </dgm:constrLst>
+              </dgm:if>
+              <dgm:else name="Name7">
+                <dgm:constrLst>
+                  <dgm:constr type="primFontSz" for="des" forName="middleBoxParent" val="65"/>
+                  <dgm:constr type="primFontSz" for="des" forName="mChild" val="65"/>
+                  <dgm:constr type="primFontSz" for="des" forName="outerBoxParent" refType="primFontSz" refFor="des" refForName="middleBoxParent" op="equ"/>
+                  <dgm:constr type="primFontSz" for="des" forName="centerBoxParent" refType="primFontSz" refFor="des" refForName="middleBoxParent" op="equ"/>
+                  <dgm:constr type="primFontSz" for="des" forName="oChild" refType="primFontSz" refFor="des" refForName="mChild" op="equ"/>
+                  <dgm:constr type="primFontSz" for="des" forName="cChild" refType="primFontSz" refFor="des" refForName="mChild" op="equ"/>
+                  <dgm:constr type="l" for="ch" forName="outerBox"/>
+                  <dgm:constr type="t" for="ch" forName="outerBox"/>
+                  <dgm:constr type="w" for="ch" forName="outerBox" refType="w"/>
+                  <dgm:constr type="h" for="ch" forName="outerBox" refType="h"/>
+                  <dgm:constr type="l" for="ch" forName="middleBox" refType="w" fact="0.2"/>
+                  <dgm:constr type="t" for="ch" forName="middleBox" refType="h" fact="0.25"/>
+                  <dgm:constr type="w" for="ch" forName="middleBox" refType="w" fact="0.775"/>
+                  <dgm:constr type="h" for="ch" forName="middleBox" refType="h" fact="0.7"/>
+                  <dgm:constr type="l" for="ch" forName="centerBox" refType="w" fact="0.225"/>
+                  <dgm:constr type="t" for="ch" forName="centerBox" refType="h" fact="0.5"/>
+                  <dgm:constr type="w" for="ch" forName="centerBox" refType="w" fact="0.725"/>
+                  <dgm:constr type="h" for="ch" forName="centerBox" refType="h" fact="0.4"/>
+                  <dgm:constr type="userA" for="des" forName="outerSibTrans" refType="w"/>
+                  <dgm:constr type="userA" for="des" forName="middleSibTrans" refType="w"/>
+                  <dgm:constr type="userA" for="des" forName="centerSibTrans" refType="w"/>
+                </dgm:constrLst>
+              </dgm:else>
+            </dgm:choose>
+          </dgm:if>
+          <dgm:else name="Name8">
+            <dgm:choose name="Name9">
+              <dgm:if name="Name10" axis="ch ch" ptType="node node" st="2 1" cnt="1 0" func="cnt" op="gt" val="0">
+                <dgm:constrLst>
+                  <dgm:constr type="primFontSz" for="des" forName="middleBoxParent" val="65"/>
+                  <dgm:constr type="primFontSz" for="des" forName="mChild" val="65"/>
+                  <dgm:constr type="primFontSz" for="des" forName="outerBoxParent" refType="primFontSz" refFor="des" refForName="middleBoxParent" op="equ"/>
+                  <dgm:constr type="primFontSz" for="des" forName="centerBoxParent" refType="primFontSz" refFor="des" refForName="middleBoxParent" op="equ"/>
+                  <dgm:constr type="primFontSz" for="des" forName="oChild" refType="primFontSz" refFor="des" refForName="mChild" op="equ"/>
+                  <dgm:constr type="primFontSz" for="des" forName="cChild" refType="primFontSz" refFor="des" refForName="mChild" op="equ"/>
+                  <dgm:constr type="l" for="ch" forName="outerBox"/>
+                  <dgm:constr type="t" for="ch" forName="outerBox"/>
+                  <dgm:constr type="w" for="ch" forName="outerBox" refType="w"/>
+                  <dgm:constr type="h" for="ch" forName="outerBox" refType="h"/>
+                  <dgm:constr type="l" for="ch" forName="middleBox" refType="w" fact="0.025"/>
+                  <dgm:constr type="t" for="ch" forName="middleBox" refType="h" fact="0.25"/>
+                  <dgm:constr type="w" for="ch" forName="middleBox" refType="w" fact="0.95"/>
+                  <dgm:constr type="h" for="ch" forName="middleBox" refType="h" fact="0.7"/>
+                  <dgm:constr type="l" for="ch" forName="centerBox" refType="w" fact="0.26"/>
+                  <dgm:constr type="t" for="ch" forName="centerBox" refType="h" fact="0.5"/>
+                  <dgm:constr type="w" for="ch" forName="centerBox" refType="w" fact="0.69"/>
+                  <dgm:constr type="h" for="ch" forName="centerBox" refType="h" fact="0.4"/>
+                  <dgm:constr type="userA" for="des" forName="outerSibTrans" refType="w"/>
+                  <dgm:constr type="userA" for="des" forName="middleSibTrans" refType="w"/>
+                  <dgm:constr type="userA" for="des" forName="centerSibTrans" refType="w"/>
+                </dgm:constrLst>
+              </dgm:if>
+              <dgm:else name="Name11">
+                <dgm:constrLst>
+                  <dgm:constr type="primFontSz" for="des" forName="middleBoxParent" val="65"/>
+                  <dgm:constr type="primFontSz" for="des" forName="mChild" val="65"/>
+                  <dgm:constr type="primFontSz" for="des" forName="outerBoxParent" refType="primFontSz" refFor="des" refForName="middleBoxParent" op="equ"/>
+                  <dgm:constr type="primFontSz" for="des" forName="centerBoxParent" refType="primFontSz" refFor="des" refForName="middleBoxParent" op="equ"/>
+                  <dgm:constr type="primFontSz" for="des" forName="oChild" refType="primFontSz" refFor="des" refForName="mChild" op="equ"/>
+                  <dgm:constr type="primFontSz" for="des" forName="cChild" refType="primFontSz" refFor="des" refForName="mChild" op="equ"/>
+                  <dgm:constr type="l" for="ch" forName="outerBox"/>
+                  <dgm:constr type="t" for="ch" forName="outerBox"/>
+                  <dgm:constr type="w" for="ch" forName="outerBox" refType="w"/>
+                  <dgm:constr type="h" for="ch" forName="outerBox" refType="h"/>
+                  <dgm:constr type="l" for="ch" forName="middleBox" refType="w" fact="0.025"/>
+                  <dgm:constr type="t" for="ch" forName="middleBox" refType="h" fact="0.25"/>
+                  <dgm:constr type="w" for="ch" forName="middleBox" refType="w" fact="0.95"/>
+                  <dgm:constr type="h" for="ch" forName="middleBox" refType="h" fact="0.7"/>
+                  <dgm:constr type="l" for="ch" forName="centerBox" refType="w" fact="0.05"/>
+                  <dgm:constr type="t" for="ch" forName="centerBox" refType="h" fact="0.5"/>
+                  <dgm:constr type="w" for="ch" forName="centerBox" refType="w" fact="0.9"/>
+                  <dgm:constr type="h" for="ch" forName="centerBox" refType="h" fact="0.4"/>
+                  <dgm:constr type="userA" for="des" forName="outerSibTrans" refType="w"/>
+                  <dgm:constr type="userA" for="des" forName="middleSibTrans" refType="w"/>
+                  <dgm:constr type="userA" for="des" forName="centerSibTrans" refType="w"/>
+                </dgm:constrLst>
+              </dgm:else>
+            </dgm:choose>
+          </dgm:else>
+        </dgm:choose>
+      </dgm:if>
+      <dgm:else name="Name12">
+        <dgm:choose name="Name13">
+          <dgm:if name="Name14" axis="ch ch" ptType="node node" st="1 1" cnt="1 0" func="cnt" op="gt" val="0">
+            <dgm:choose name="Name15">
+              <dgm:if name="Name16" axis="ch ch" ptType="node node" st="2 1" cnt="1 0" func="cnt" op="gt" val="0">
+                <dgm:constrLst>
+                  <dgm:constr type="primFontSz" for="des" forName="middleBoxParent" val="65"/>
+                  <dgm:constr type="primFontSz" for="des" forName="mChild" val="65"/>
+                  <dgm:constr type="primFontSz" for="des" forName="outerBoxParent" refType="primFontSz" refFor="des" refForName="middleBoxParent" op="equ"/>
+                  <dgm:constr type="primFontSz" for="des" forName="centerBoxParent" refType="primFontSz" refFor="des" refForName="middleBoxParent" op="equ"/>
+                  <dgm:constr type="primFontSz" for="des" forName="oChild" refType="primFontSz" refFor="des" refForName="mChild" op="equ"/>
+                  <dgm:constr type="primFontSz" for="des" forName="cChild" refType="primFontSz" refFor="des" refForName="mChild" op="equ"/>
+                  <dgm:constr type="l" for="ch" forName="outerBox"/>
+                  <dgm:constr type="t" for="ch" forName="outerBox"/>
+                  <dgm:constr type="w" for="ch" forName="outerBox" refType="w"/>
+                  <dgm:constr type="h" for="ch" forName="outerBox" refType="h"/>
+                  <dgm:constr type="l" for="ch" forName="middleBox" refType="w" fact="0.025"/>
+                  <dgm:constr type="t" for="ch" forName="middleBox" refType="h" fact="0.25"/>
+                  <dgm:constr type="w" for="ch" forName="middleBox" refType="w" fact="0.775"/>
+                  <dgm:constr type="h" for="ch" forName="middleBox" refType="h" fact="0.7"/>
+                  <dgm:constr type="l" for="ch" forName="centerBox" refType="w" fact="0.05"/>
+                  <dgm:constr type="t" for="ch" forName="centerBox" refType="h" fact="0.5"/>
+                  <dgm:constr type="w" for="ch" forName="centerBox" refType="w" fact="0.55"/>
+                  <dgm:constr type="h" for="ch" forName="centerBox" refType="h" fact="0.4"/>
+                  <dgm:constr type="userA" for="des" forName="outerSibTrans" refType="w"/>
+                  <dgm:constr type="userA" for="des" forName="middleSibTrans" refType="w"/>
+                  <dgm:constr type="userA" for="des" forName="centerSibTrans" refType="w"/>
+                </dgm:constrLst>
+              </dgm:if>
+              <dgm:else name="Name17">
+                <dgm:constrLst>
+                  <dgm:constr type="primFontSz" for="des" forName="middleBoxParent" val="65"/>
+                  <dgm:constr type="primFontSz" for="des" forName="mChild" val="65"/>
+                  <dgm:constr type="primFontSz" for="des" forName="outerBoxParent" refType="primFontSz" refFor="des" refForName="middleBoxParent" op="equ"/>
+                  <dgm:constr type="primFontSz" for="des" forName="centerBoxParent" refType="primFontSz" refFor="des" refForName="middleBoxParent" op="equ"/>
+                  <dgm:constr type="primFontSz" for="des" forName="oChild" refType="primFontSz" refFor="des" refForName="mChild" op="equ"/>
+                  <dgm:constr type="primFontSz" for="des" forName="cChild" refType="primFontSz" refFor="des" refForName="mChild" op="equ"/>
+                  <dgm:constr type="l" for="ch" forName="outerBox"/>
+                  <dgm:constr type="t" for="ch" forName="outerBox"/>
+                  <dgm:constr type="w" for="ch" forName="outerBox" refType="w"/>
+                  <dgm:constr type="h" for="ch" forName="outerBox" refType="h"/>
+                  <dgm:constr type="l" for="ch" forName="middleBox" refType="w" fact="0.025"/>
+                  <dgm:constr type="t" for="ch" forName="middleBox" refType="h" fact="0.25"/>
+                  <dgm:constr type="w" for="ch" forName="middleBox" refType="w" fact="0.775"/>
+                  <dgm:constr type="h" for="ch" forName="middleBox" refType="h" fact="0.7"/>
+                  <dgm:constr type="l" for="ch" forName="centerBox" refType="w" fact="0.05"/>
+                  <dgm:constr type="t" for="ch" forName="centerBox" refType="h" fact="0.5"/>
+                  <dgm:constr type="w" for="ch" forName="centerBox" refType="w" fact="0.725"/>
+                  <dgm:constr type="h" for="ch" forName="centerBox" refType="h" fact="0.4"/>
+                  <dgm:constr type="userA" for="des" forName="outerSibTrans" refType="w"/>
+                  <dgm:constr type="userA" for="des" forName="middleSibTrans" refType="w"/>
+                  <dgm:constr type="userA" for="des" forName="centerSibTrans" refType="w"/>
+                </dgm:constrLst>
+              </dgm:else>
+            </dgm:choose>
+          </dgm:if>
+          <dgm:else name="Name18">
+            <dgm:choose name="Name19">
+              <dgm:if name="Name20" axis="ch ch" ptType="node node" st="2 1" cnt="1 0" func="cnt" op="gt" val="0">
+                <dgm:constrLst>
+                  <dgm:constr type="primFontSz" for="des" forName="middleBoxParent" val="65"/>
+                  <dgm:constr type="primFontSz" for="des" forName="mChild" val="65"/>
+                  <dgm:constr type="primFontSz" for="des" forName="outerBoxParent" refType="primFontSz" refFor="des" refForName="middleBoxParent" op="equ"/>
+                  <dgm:constr type="primFontSz" for="des" forName="centerBoxParent" refType="primFontSz" refFor="des" refForName="middleBoxParent" op="equ"/>
+                  <dgm:constr type="primFontSz" for="des" forName="oChild" refType="primFontSz" refFor="des" refForName="mChild" op="equ"/>
+                  <dgm:constr type="primFontSz" for="des" forName="cChild" refType="primFontSz" refFor="des" refForName="mChild" op="equ"/>
+                  <dgm:constr type="l" for="ch" forName="outerBox"/>
+                  <dgm:constr type="t" for="ch" forName="outerBox"/>
+                  <dgm:constr type="w" for="ch" forName="outerBox" refType="w"/>
+                  <dgm:constr type="h" for="ch" forName="outerBox" refType="h"/>
+                  <dgm:constr type="l" for="ch" forName="middleBox" refType="w" fact="0.025"/>
+                  <dgm:constr type="t" for="ch" forName="middleBox" refType="h" fact="0.25"/>
+                  <dgm:constr type="w" for="ch" forName="middleBox" refType="w" fact="0.95"/>
+                  <dgm:constr type="h" for="ch" forName="middleBox" refType="h" fact="0.7"/>
+                  <dgm:constr type="l" for="ch" forName="centerBox" refType="w" fact="0.05"/>
+                  <dgm:constr type="t" for="ch" forName="centerBox" refType="h" fact="0.5"/>
+                  <dgm:constr type="w" for="ch" forName="centerBox" refType="w" fact="0.69"/>
+                  <dgm:constr type="h" for="ch" forName="centerBox" refType="h" fact="0.4"/>
+                  <dgm:constr type="userA" for="des" forName="outerSibTrans" refType="w"/>
+                  <dgm:constr type="userA" for="des" forName="middleSibTrans" refType="w"/>
+                  <dgm:constr type="userA" for="des" forName="centerSibTrans" refType="w"/>
+                </dgm:constrLst>
+              </dgm:if>
+              <dgm:else name="Name21">
+                <dgm:constrLst>
+                  <dgm:constr type="primFontSz" for="des" forName="middleBoxParent" val="65"/>
+                  <dgm:constr type="primFontSz" for="des" forName="mChild" val="65"/>
+                  <dgm:constr type="primFontSz" for="des" forName="outerBoxParent" refType="primFontSz" refFor="des" refForName="middleBoxParent" op="equ"/>
+                  <dgm:constr type="primFontSz" for="des" forName="centerBoxParent" refType="primFontSz" refFor="des" refForName="middleBoxParent" op="equ"/>
+                  <dgm:constr type="primFontSz" for="des" forName="oChild" refType="primFontSz" refFor="des" refForName="mChild" op="equ"/>
+                  <dgm:constr type="primFontSz" for="des" forName="cChild" refType="primFontSz" refFor="des" refForName="mChild" op="equ"/>
+                  <dgm:constr type="l" for="ch" forName="outerBox"/>
+                  <dgm:constr type="t" for="ch" forName="outerBox"/>
+                  <dgm:constr type="w" for="ch" forName="outerBox" refType="w"/>
+                  <dgm:constr type="h" for="ch" forName="outerBox" refType="h"/>
+                  <dgm:constr type="l" for="ch" forName="middleBox" refType="w" fact="0.025"/>
+                  <dgm:constr type="t" for="ch" forName="middleBox" refType="h" fact="0.25"/>
+                  <dgm:constr type="w" for="ch" forName="middleBox" refType="w" fact="0.95"/>
+                  <dgm:constr type="h" for="ch" forName="middleBox" refType="h" fact="0.7"/>
+                  <dgm:constr type="l" for="ch" forName="centerBox" refType="w" fact="0.05"/>
+                  <dgm:constr type="t" for="ch" forName="centerBox" refType="h" fact="0.5"/>
+                  <dgm:constr type="w" for="ch" forName="centerBox" refType="w" fact="0.9"/>
+                  <dgm:constr type="h" for="ch" forName="centerBox" refType="h" fact="0.4"/>
+                  <dgm:constr type="userA" for="des" forName="outerSibTrans" refType="w"/>
+                  <dgm:constr type="userA" for="des" forName="middleSibTrans" refType="w"/>
+                  <dgm:constr type="userA" for="des" forName="centerSibTrans" refType="w"/>
+                </dgm:constrLst>
+              </dgm:else>
+            </dgm:choose>
+          </dgm:else>
+        </dgm:choose>
+      </dgm:else>
+    </dgm:choose>
+    <dgm:ruleLst/>
+    <dgm:choose name="Name22">
+      <dgm:if name="Name23" axis="root ch" ptType="all node" st="1 1" cnt="0 0" func="cnt" op="gte" val="1">
+        <dgm:layoutNode name="outerBox" styleLbl="node1">
+          <dgm:alg type="composite">
+            <dgm:param type="horzAlign" val="none"/>
+            <dgm:param type="vertAlign" val="none"/>
+          </dgm:alg>
+          <dgm:shape xmlns:r="http://schemas.openxmlformats.org/officeDocument/2006/relationships" r:blip="">
+            <dgm:adjLst/>
+          </dgm:shape>
+          <dgm:presOf/>
+          <dgm:choose name="Name24">
+            <dgm:if name="Name25" axis="root ch" ptType="all node" st="1 1" cnt="0 0" func="cnt" op="gt" val="1">
+              <dgm:choose name="Name26">
+                <dgm:if name="Name27" func="var" arg="dir" op="equ" val="norm">
+                  <dgm:constrLst>
+                    <dgm:constr type="l" for="ch" forName="outerBoxParent"/>
+                    <dgm:constr type="t" for="ch" forName="outerBoxParent"/>
+                    <dgm:constr type="w" for="ch" forName="outerBoxParent" refType="w"/>
+                    <dgm:constr type="h" for="ch" forName="outerBoxParent" refType="h"/>
+                    <dgm:constr type="bMarg" for="ch" forName="outerBoxParent" refType="h" fact="2.2"/>
+                    <dgm:constr type="l" for="ch" forName="outerBoxChildren" refType="w" fact="0.025"/>
+                    <dgm:constr type="t" for="ch" forName="outerBoxChildren" refType="h" fact="0.25"/>
+                    <dgm:constr type="w" for="ch" forName="outerBoxChildren" refType="w" fact="0.15"/>
+                    <dgm:constr type="h" for="ch" forName="outerBoxChildren" refType="h" fact="0.7"/>
+                  </dgm:constrLst>
+                </dgm:if>
+                <dgm:else name="Name28">
+                  <dgm:constrLst>
+                    <dgm:constr type="l" for="ch" forName="outerBoxParent"/>
+                    <dgm:constr type="t" for="ch" forName="outerBoxParent"/>
+                    <dgm:constr type="w" for="ch" forName="outerBoxParent" refType="w"/>
+                    <dgm:constr type="h" for="ch" forName="outerBoxParent" refType="h"/>
+                    <dgm:constr type="bMarg" for="ch" forName="outerBoxParent" refType="h" fact="2.2"/>
+                    <dgm:constr type="l" for="ch" forName="outerBoxChildren" refType="w" fact="0.825"/>
+                    <dgm:constr type="t" for="ch" forName="outerBoxChildren" refType="h" fact="0.25"/>
+                    <dgm:constr type="w" for="ch" forName="outerBoxChildren" refType="w" fact="0.15"/>
+                    <dgm:constr type="h" for="ch" forName="outerBoxChildren" refType="h" fact="0.7"/>
+                  </dgm:constrLst>
+                </dgm:else>
+              </dgm:choose>
+            </dgm:if>
+            <dgm:else name="Name29">
+              <dgm:constrLst>
+                <dgm:constr type="l" for="ch" forName="outerBoxParent"/>
+                <dgm:constr type="t" for="ch" forName="outerBoxParent"/>
+                <dgm:constr type="w" for="ch" forName="outerBoxParent" refType="w"/>
+                <dgm:constr type="h" for="ch" forName="outerBoxParent" refType="h"/>
+                <dgm:constr type="bMarg" for="ch" forName="outerBoxParent" refType="h" fact="1.75"/>
+                <dgm:constr type="l" for="ch" forName="outerBoxChildren" refType="w" fact="0.025"/>
+                <dgm:constr type="t" for="ch" forName="outerBoxChildren" refType="h" fact="0.45"/>
+                <dgm:constr type="w" for="ch" forName="outerBoxChildren" refType="w" fact="0.95"/>
+                <dgm:constr type="h" for="ch" forName="outerBoxChildren" refType="h" fact="0.45"/>
+              </dgm:constrLst>
+            </dgm:else>
+          </dgm:choose>
+          <dgm:ruleLst/>
+          <dgm:layoutNode name="outerBoxParent" styleLbl="node1">
+            <dgm:alg type="tx">
+              <dgm:param type="txAnchorVert" val="t"/>
+              <dgm:param type="parTxLTRAlign" val="l"/>
+              <dgm:param type="parTxRTLAlign" val="r"/>
+            </dgm:alg>
+            <dgm:shape xmlns:r="http://schemas.openxmlformats.org/officeDocument/2006/relationships" type="roundRect" r:blip="">
+              <dgm:adjLst>
+                <dgm:adj idx="1" val="0.085"/>
+              </dgm:adjLst>
+            </dgm:shape>
+            <dgm:presOf axis="ch" ptType="node" cnt="1"/>
+            <dgm:constrLst>
+              <dgm:constr type="tMarg" refType="primFontSz" fact="0.3"/>
+              <dgm:constr type="lMarg" refType="primFontSz" fact="0.3"/>
+              <dgm:constr type="rMarg" refType="primFontSz" fact="0.3"/>
+            </dgm:constrLst>
+            <dgm:ruleLst>
+              <dgm:rule type="primFontSz" val="5" fact="NaN" max="NaN"/>
+            </dgm:ruleLst>
+          </dgm:layoutNode>
+          <dgm:layoutNode name="outerBoxChildren">
+            <dgm:choose name="Name30">
+              <dgm:if name="Name31" axis="root ch" ptType="all node" st="1 1" cnt="0 0" func="cnt" op="gt" val="1">
+                <dgm:alg type="lin">
+                  <dgm:param type="linDir" val="fromT"/>
+                  <dgm:param type="vertAlign" val="t"/>
+                </dgm:alg>
+              </dgm:if>
+              <dgm:else name="Name32">
+                <dgm:choose name="Name33">
+                  <dgm:if name="Name34" func="var" arg="dir" op="equ" val="norm">
+                    <dgm:alg type="lin">
+                      <dgm:param type="horzAlign" val="l"/>
+                    </dgm:alg>
+                  </dgm:if>
+                  <dgm:else name="Name35">
+                    <dgm:alg type="lin">
+                      <dgm:param type="linDir" val="fromR"/>
+                      <dgm:param type="horzAlign" val="r"/>
+                    </dgm:alg>
+                  </dgm:else>
+                </dgm:choose>
+              </dgm:else>
+            </dgm:choose>
+            <dgm:shape xmlns:r="http://schemas.openxmlformats.org/officeDocument/2006/relationships" r:blip="">
+              <dgm:adjLst/>
+            </dgm:shape>
+            <dgm:presOf/>
+            <dgm:constrLst>
+              <dgm:constr type="w" for="ch" forName="oChild" refType="w"/>
+              <dgm:constr type="h" for="ch" forName="oChild" refType="h"/>
+            </dgm:constrLst>
+            <dgm:ruleLst/>
+            <dgm:forEach name="Name36" axis="ch ch" ptType="node node" st="1 1" cnt="1 0">
+              <dgm:layoutNode name="oChild" styleLbl="fgAcc1">
+                <dgm:varLst>
+                  <dgm:bulletEnabled val="1"/>
+                </dgm:varLst>
+                <dgm:alg type="tx"/>
+                <dgm:shape xmlns:r="http://schemas.openxmlformats.org/officeDocument/2006/relationships" type="roundRect" r:blip="">
+                  <dgm:adjLst>
+                    <dgm:adj idx="1" val="0.105"/>
+                  </dgm:adjLst>
+                </dgm:shape>
+                <dgm:presOf axis="desOrSelf" ptType="node"/>
+                <dgm:constrLst>
+                  <dgm:constr type="tMarg" refType="primFontSz" fact="0.3"/>
+                  <dgm:constr type="bMarg" refType="primFontSz" fact="0.3"/>
+                  <dgm:constr type="lMarg" refType="primFontSz" fact="0.3"/>
+                  <dgm:constr type="rMarg" refType="primFontSz" fact="0.3"/>
+                </dgm:constrLst>
+                <dgm:ruleLst>
+                  <dgm:rule type="primFontSz" val="5" fact="NaN" max="NaN"/>
+                </dgm:ruleLst>
+              </dgm:layoutNode>
+              <dgm:forEach name="Name37" axis="followSib" ptType="sibTrans" cnt="1">
+                <dgm:layoutNode name="outerSibTrans">
+                  <dgm:alg type="sp"/>
+                  <dgm:shape xmlns:r="http://schemas.openxmlformats.org/officeDocument/2006/relationships" r:blip="">
+                    <dgm:adjLst/>
+                  </dgm:shape>
+                  <dgm:presOf/>
+                  <dgm:constrLst>
+                    <dgm:constr type="userA"/>
+                    <dgm:constr type="w" refType="userA" fact="0.015"/>
+                    <dgm:constr type="h" refType="userA" fact="0.015"/>
+                  </dgm:constrLst>
+                  <dgm:ruleLst/>
+                </dgm:layoutNode>
+              </dgm:forEach>
+            </dgm:forEach>
+          </dgm:layoutNode>
+        </dgm:layoutNode>
+      </dgm:if>
+      <dgm:else name="Name38"/>
+    </dgm:choose>
+    <dgm:choose name="Name39">
+      <dgm:if name="Name40" axis="root ch" ptType="all node" st="1 1" cnt="0 0" func="cnt" op="gte" val="2">
+        <dgm:layoutNode name="middleBox">
+          <dgm:alg type="composite">
+            <dgm:param type="horzAlign" val="none"/>
+            <dgm:param type="vertAlign" val="none"/>
+          </dgm:alg>
+          <dgm:shape xmlns:r="http://schemas.openxmlformats.org/officeDocument/2006/relationships" r:blip="">
+            <dgm:adjLst/>
+          </dgm:shape>
+          <dgm:presOf/>
+          <dgm:choose name="Name41">
+            <dgm:if name="Name42" axis="root ch" ptType="all node" st="1 1" cnt="0 0" func="cnt" op="gt" val="2">
+              <dgm:choose name="Name43">
+                <dgm:if name="Name44" func="var" arg="dir" op="equ" val="norm">
+                  <dgm:constrLst>
+                    <dgm:constr type="l" for="ch" forName="middleBoxParent"/>
+                    <dgm:constr type="t" for="ch" forName="middleBoxParent"/>
+                    <dgm:constr type="w" for="ch" forName="middleBoxParent" refType="w"/>
+                    <dgm:constr type="h" for="ch" forName="middleBoxParent" refType="h"/>
+                    <dgm:constr type="bMarg" for="ch" forName="middleBoxParent" refType="h" fact="1.8"/>
+                    <dgm:constr type="l" for="ch" forName="middleBoxChildren" refType="w" fact="0.025"/>
+                    <dgm:constr type="t" for="ch" forName="middleBoxChildren" refType="h" fact="0.35"/>
+                    <dgm:constr type="w" for="ch" forName="middleBoxChildren" refType="w" fact="0.2"/>
+                    <dgm:constr type="h" for="ch" forName="middleBoxChildren" refType="h" fact="0.575"/>
+                  </dgm:constrLst>
+                </dgm:if>
+                <dgm:else name="Name45">
+                  <dgm:constrLst>
+                    <dgm:constr type="l" for="ch" forName="middleBoxParent"/>
+                    <dgm:constr type="t" for="ch" forName="middleBoxParent"/>
+                    <dgm:constr type="w" for="ch" forName="middleBoxParent" refType="w"/>
+                    <dgm:constr type="h" for="ch" forName="middleBoxParent" refType="h"/>
+                    <dgm:constr type="bMarg" for="ch" forName="middleBoxParent" refType="h" fact="1.8"/>
+                    <dgm:constr type="l" for="ch" forName="middleBoxChildren" refType="w" fact="0.775"/>
+                    <dgm:constr type="t" for="ch" forName="middleBoxChildren" refType="h" fact="0.35"/>
+                    <dgm:constr type="w" for="ch" forName="middleBoxChildren" refType="w" fact="0.2"/>
+                    <dgm:constr type="h" for="ch" forName="middleBoxChildren" refType="h" fact="0.575"/>
+                  </dgm:constrLst>
+                </dgm:else>
+              </dgm:choose>
+            </dgm:if>
+            <dgm:else name="Name46">
+              <dgm:constrLst>
+                <dgm:constr type="l" for="ch" forName="middleBoxParent"/>
+                <dgm:constr type="t" for="ch" forName="middleBoxParent"/>
+                <dgm:constr type="w" for="ch" forName="middleBoxParent" refType="w"/>
+                <dgm:constr type="h" for="ch" forName="middleBoxParent" refType="h"/>
+                <dgm:constr type="bMarg" for="ch" forName="middleBoxParent" refType="h" fact="1.8"/>
+                <dgm:constr type="l" for="ch" forName="middleBoxChildren" refType="w" fact="0.025"/>
+                <dgm:constr type="t" for="ch" forName="middleBoxChildren" refType="h" fact="0.45"/>
+                <dgm:constr type="w" for="ch" forName="middleBoxChildren" refType="w" fact="0.95"/>
+                <dgm:constr type="h" for="ch" forName="middleBoxChildren" refType="h" fact="0.45"/>
+              </dgm:constrLst>
+            </dgm:else>
+          </dgm:choose>
+          <dgm:ruleLst/>
+          <dgm:layoutNode name="middleBoxParent" styleLbl="node1">
+            <dgm:alg type="tx">
+              <dgm:param type="txAnchorVert" val="t"/>
+              <dgm:param type="parTxLTRAlign" val="l"/>
+              <dgm:param type="parTxRTLAlign" val="r"/>
+            </dgm:alg>
+            <dgm:shape xmlns:r="http://schemas.openxmlformats.org/officeDocument/2006/relationships" type="roundRect" r:blip="">
+              <dgm:adjLst>
+                <dgm:adj idx="1" val="0.105"/>
+              </dgm:adjLst>
+            </dgm:shape>
+            <dgm:presOf axis="ch" ptType="node" st="2" cnt="1"/>
+            <dgm:constrLst>
+              <dgm:constr type="tMarg" refType="primFontSz" fact="0.3"/>
+              <dgm:constr type="lMarg" refType="primFontSz" fact="0.3"/>
+              <dgm:constr type="rMarg" refType="primFontSz" fact="0.3"/>
+            </dgm:constrLst>
+            <dgm:ruleLst>
+              <dgm:rule type="primFontSz" val="5" fact="NaN" max="NaN"/>
+            </dgm:ruleLst>
+          </dgm:layoutNode>
+          <dgm:layoutNode name="middleBoxChildren">
+            <dgm:choose name="Name47">
+              <dgm:if name="Name48" axis="root ch" ptType="all node" st="1 1" cnt="0 0" func="cnt" op="gt" val="2">
+                <dgm:alg type="lin">
+                  <dgm:param type="linDir" val="fromT"/>
+                  <dgm:param type="vertAlign" val="t"/>
+                </dgm:alg>
+              </dgm:if>
+              <dgm:else name="Name49">
+                <dgm:choose name="Name50">
+                  <dgm:if name="Name51" func="var" arg="dir" op="equ" val="norm">
+                    <dgm:alg type="lin">
+                      <dgm:param type="horzAlign" val="l"/>
+                    </dgm:alg>
+                  </dgm:if>
+                  <dgm:else name="Name52">
+                    <dgm:alg type="lin">
+                      <dgm:param type="linDir" val="fromR"/>
+                      <dgm:param type="horzAlign" val="r"/>
+                    </dgm:alg>
+                  </dgm:else>
+                </dgm:choose>
+              </dgm:else>
+            </dgm:choose>
+            <dgm:shape xmlns:r="http://schemas.openxmlformats.org/officeDocument/2006/relationships" r:blip="">
+              <dgm:adjLst/>
+            </dgm:shape>
+            <dgm:presOf/>
+            <dgm:constrLst>
+              <dgm:constr type="w" for="ch" forName="mChild" refType="w"/>
+              <dgm:constr type="h" for="ch" forName="mChild" refType="h"/>
+            </dgm:constrLst>
+            <dgm:ruleLst/>
+            <dgm:forEach name="Name53" axis="ch ch" ptType="node node" st="2 1" cnt="1 0">
+              <dgm:layoutNode name="mChild" styleLbl="fgAcc1">
+                <dgm:varLst>
+                  <dgm:bulletEnabled val="1"/>
+                </dgm:varLst>
+                <dgm:alg type="tx"/>
+                <dgm:shape xmlns:r="http://schemas.openxmlformats.org/officeDocument/2006/relationships" type="roundRect" r:blip="">
+                  <dgm:adjLst>
+                    <dgm:adj idx="1" val="0.105"/>
+                  </dgm:adjLst>
+                </dgm:shape>
+                <dgm:presOf axis="desOrSelf" ptType="node"/>
+                <dgm:constrLst>
+                  <dgm:constr type="tMarg" refType="primFontSz" fact="0.3"/>
+                  <dgm:constr type="bMarg" refType="primFontSz" fact="0.3"/>
+                  <dgm:constr type="lMarg" refType="primFontSz" fact="0.3"/>
+                  <dgm:constr type="rMarg" refType="primFontSz" fact="0.3"/>
+                </dgm:constrLst>
+                <dgm:ruleLst>
+                  <dgm:rule type="primFontSz" val="5" fact="NaN" max="NaN"/>
+                </dgm:ruleLst>
+              </dgm:layoutNode>
+              <dgm:forEach name="Name54" axis="followSib" ptType="sibTrans" cnt="1">
+                <dgm:layoutNode name="middleSibTrans">
+                  <dgm:alg type="sp"/>
+                  <dgm:shape xmlns:r="http://schemas.openxmlformats.org/officeDocument/2006/relationships" r:blip="">
+                    <dgm:adjLst/>
+                  </dgm:shape>
+                  <dgm:presOf/>
+                  <dgm:constrLst>
+                    <dgm:constr type="userA"/>
+                    <dgm:constr type="w" refType="userA" fact="0.015"/>
+                    <dgm:constr type="h" refType="userA" fact="0.015"/>
+                  </dgm:constrLst>
+                  <dgm:ruleLst/>
+                </dgm:layoutNode>
+              </dgm:forEach>
+            </dgm:forEach>
+          </dgm:layoutNode>
+        </dgm:layoutNode>
+      </dgm:if>
+      <dgm:else name="Name55"/>
+    </dgm:choose>
+    <dgm:choose name="Name56">
+      <dgm:if name="Name57" axis="root ch" ptType="all node" st="1 1" cnt="0 0" func="cnt" op="gte" val="3">
+        <dgm:layoutNode name="centerBox">
+          <dgm:alg type="composite">
+            <dgm:param type="horzAlign" val="none"/>
+            <dgm:param type="vertAlign" val="none"/>
+          </dgm:alg>
+          <dgm:shape xmlns:r="http://schemas.openxmlformats.org/officeDocument/2006/relationships" r:blip="">
+            <dgm:adjLst/>
+          </dgm:shape>
+          <dgm:presOf/>
+          <dgm:choose name="Name58">
+            <dgm:if name="Name59" axis="ch ch" ptType="node node" st="3 1" cnt="1 0" func="cnt" op="gt" val="0">
+              <dgm:constrLst>
+                <dgm:constr type="l" for="ch" forName="centerBoxParent"/>
+                <dgm:constr type="t" for="ch" forName="centerBoxParent"/>
+                <dgm:constr type="w" for="ch" forName="centerBoxParent" refType="w"/>
+                <dgm:constr type="h" for="ch" forName="centerBoxParent" refType="h"/>
+                <dgm:constr type="bMarg" for="ch" forName="centerBoxParent" refType="h" fact="1.6"/>
+                <dgm:constr type="l" for="ch" forName="centerBoxChildren" refType="w" fact="0.025"/>
+                <dgm:constr type="t" for="ch" forName="centerBoxChildren" refType="h" fact="0.45"/>
+                <dgm:constr type="w" for="ch" forName="centerBoxChildren" refType="w" fact="0.95"/>
+                <dgm:constr type="h" for="ch" forName="centerBoxChildren" refType="h" fact="0.45"/>
+              </dgm:constrLst>
+            </dgm:if>
+            <dgm:else name="Name60">
+              <dgm:constrLst>
+                <dgm:constr type="l" for="ch" forName="centerBoxParent"/>
+                <dgm:constr type="t" for="ch" forName="centerBoxParent"/>
+                <dgm:constr type="w" for="ch" forName="centerBoxParent" refType="w"/>
+                <dgm:constr type="h" for="ch" forName="centerBoxParent" refType="h"/>
+              </dgm:constrLst>
+            </dgm:else>
+          </dgm:choose>
+          <dgm:ruleLst/>
+          <dgm:layoutNode name="centerBoxParent" styleLbl="node1">
+            <dgm:alg type="tx">
+              <dgm:param type="txAnchorVert" val="t"/>
+              <dgm:param type="parTxLTRAlign" val="l"/>
+              <dgm:param type="parTxRTLAlign" val="r"/>
+            </dgm:alg>
+            <dgm:shape xmlns:r="http://schemas.openxmlformats.org/officeDocument/2006/relationships" type="roundRect" r:blip="">
+              <dgm:adjLst>
+                <dgm:adj idx="1" val="0.105"/>
+              </dgm:adjLst>
+            </dgm:shape>
+            <dgm:presOf axis="ch" ptType="node" st="3" cnt="1"/>
+            <dgm:constrLst>
+              <dgm:constr type="tMarg" refType="primFontSz" fact="0.3"/>
+              <dgm:constr type="lMarg" refType="primFontSz" fact="0.3"/>
+              <dgm:constr type="rMarg" refType="primFontSz" fact="0.3"/>
+            </dgm:constrLst>
+            <dgm:ruleLst>
+              <dgm:rule type="primFontSz" val="5" fact="NaN" max="NaN"/>
+            </dgm:ruleLst>
+          </dgm:layoutNode>
+          <dgm:choose name="Name61">
+            <dgm:if name="Name62" axis="ch ch" ptType="node node" st="3 1" cnt="1 0" func="cnt" op="gt" val="0">
+              <dgm:layoutNode name="centerBoxChildren">
+                <dgm:choose name="Name63">
+                  <dgm:if name="Name64" func="var" arg="dir" op="equ" val="norm">
+                    <dgm:alg type="lin">
+                      <dgm:param type="horzAlign" val="l"/>
+                    </dgm:alg>
+                  </dgm:if>
+                  <dgm:else name="Name65">
+                    <dgm:alg type="lin">
+                      <dgm:param type="linDir" val="fromR"/>
+                      <dgm:param type="horzAlign" val="r"/>
+                    </dgm:alg>
+                  </dgm:else>
+                </dgm:choose>
+                <dgm:shape xmlns:r="http://schemas.openxmlformats.org/officeDocument/2006/relationships" r:blip="">
+                  <dgm:adjLst/>
+                </dgm:shape>
+                <dgm:presOf/>
+                <dgm:constrLst>
+                  <dgm:constr type="w" for="ch" forName="cChild" refType="w"/>
+                  <dgm:constr type="h" for="ch" forName="cChild" refType="h"/>
+                </dgm:constrLst>
+                <dgm:ruleLst/>
+                <dgm:forEach name="Name66" axis="ch ch" ptType="node node" st="3 1" cnt="1 0">
+                  <dgm:layoutNode name="cChild" styleLbl="fgAcc1">
+                    <dgm:varLst>
+                      <dgm:bulletEnabled val="1"/>
+                    </dgm:varLst>
+                    <dgm:alg type="tx"/>
+                    <dgm:shape xmlns:r="http://schemas.openxmlformats.org/officeDocument/2006/relationships" type="roundRect" r:blip="">
+                      <dgm:adjLst>
+                        <dgm:adj idx="1" val="0.105"/>
+                      </dgm:adjLst>
+                    </dgm:shape>
+                    <dgm:presOf axis="desOrSelf" ptType="node"/>
+                    <dgm:constrLst>
+                      <dgm:constr type="tMarg" refType="primFontSz" fact="0.3"/>
+                      <dgm:constr type="bMarg" refType="primFontSz" fact="0.3"/>
+                      <dgm:constr type="lMarg" refType="primFontSz" fact="0.3"/>
+                      <dgm:constr type="rMarg" refType="primFontSz" fact="0.3"/>
+                    </dgm:constrLst>
+                    <dgm:ruleLst>
+                      <dgm:rule type="primFontSz" val="5" fact="NaN" max="NaN"/>
+                    </dgm:ruleLst>
+                  </dgm:layoutNode>
+                  <dgm:forEach name="Name67" axis="followSib" ptType="sibTrans" cnt="1">
+                    <dgm:layoutNode name="centerSibTrans">
+                      <dgm:alg type="sp"/>
+                      <dgm:shape xmlns:r="http://schemas.openxmlformats.org/officeDocument/2006/relationships" r:blip="">
+                        <dgm:adjLst/>
+                      </dgm:shape>
+                      <dgm:presOf/>
+                      <dgm:constrLst>
+                        <dgm:constr type="userA"/>
+                        <dgm:constr type="w" refType="userA" fact="0.015"/>
+                        <dgm:constr type="h" refType="userA" fact="0.015"/>
+                      </dgm:constrLst>
+                      <dgm:ruleLst/>
+                    </dgm:layoutNode>
+                  </dgm:forEach>
+                </dgm:forEach>
+              </dgm:layoutNode>
+            </dgm:if>
+            <dgm:else name="Name68"/>
+          </dgm:choose>
+        </dgm:layoutNode>
+      </dgm:if>
+      <dgm:else name="Name69"/>
+    </dgm:choose>
+  </dgm:layoutNode>
+</dgm:layoutDef>
+</file>
+
 <file path=ppt/diagrams/quickStyle1.xml><?xml version="1.0" encoding="utf-8"?>
 <dgm:styleDef xmlns:dgm="http://schemas.openxmlformats.org/drawingml/2006/diagram" xmlns:a="http://schemas.openxmlformats.org/drawingml/2006/main" uniqueId="urn:microsoft.com/office/officeart/2005/8/quickstyle/3d1">
   <dgm:title val=""/>
@@ -19191,6 +21476,1040 @@
       <a:fontRef idx="minor">
         <a:schemeClr val="lt1"/>
       </a:fontRef>
+    </dgm:style>
+  </dgm:styleLbl>
+  <dgm:styleLbl name="revTx">
+    <dgm:scene3d>
+      <a:camera prst="orthographicFront"/>
+      <a:lightRig rig="threePt" dir="t"/>
+    </dgm:scene3d>
+    <dgm:sp3d/>
+    <dgm:txPr/>
+    <dgm:style>
+      <a:lnRef idx="0">
+        <a:scrgbClr r="0" g="0" b="0"/>
+      </a:lnRef>
+      <a:fillRef idx="0">
+        <a:scrgbClr r="0" g="0" b="0"/>
+      </a:fillRef>
+      <a:effectRef idx="0">
+        <a:scrgbClr r="0" g="0" b="0"/>
+      </a:effectRef>
+      <a:fontRef idx="minor"/>
+    </dgm:style>
+  </dgm:styleLbl>
+</dgm:styleDef>
+</file>
+
+<file path=ppt/diagrams/quickStyle6.xml><?xml version="1.0" encoding="utf-8"?>
+<dgm:styleDef xmlns:dgm="http://schemas.openxmlformats.org/drawingml/2006/diagram" xmlns:a="http://schemas.openxmlformats.org/drawingml/2006/main" uniqueId="urn:microsoft.com/office/officeart/2005/8/quickstyle/simple4">
+  <dgm:title val=""/>
+  <dgm:desc val=""/>
+  <dgm:catLst>
+    <dgm:cat type="simple" pri="10400"/>
+  </dgm:catLst>
+  <dgm:scene3d>
+    <a:camera prst="orthographicFront"/>
+    <a:lightRig rig="threePt" dir="t"/>
+  </dgm:scene3d>
+  <dgm:styleLbl name="node0">
+    <dgm:scene3d>
+      <a:camera prst="orthographicFront"/>
+      <a:lightRig rig="threePt" dir="t"/>
+    </dgm:scene3d>
+    <dgm:sp3d/>
+    <dgm:txPr/>
+    <dgm:style>
+      <a:lnRef idx="0">
+        <a:scrgbClr r="0" g="0" b="0"/>
+      </a:lnRef>
+      <a:fillRef idx="3">
+        <a:scrgbClr r="0" g="0" b="0"/>
+      </a:fillRef>
+      <a:effectRef idx="2">
+        <a:scrgbClr r="0" g="0" b="0"/>
+      </a:effectRef>
+      <a:fontRef idx="minor">
+        <a:schemeClr val="lt1"/>
+      </a:fontRef>
+    </dgm:style>
+  </dgm:styleLbl>
+  <dgm:styleLbl name="lnNode1">
+    <dgm:scene3d>
+      <a:camera prst="orthographicFront"/>
+      <a:lightRig rig="threePt" dir="t"/>
+    </dgm:scene3d>
+    <dgm:sp3d/>
+    <dgm:txPr/>
+    <dgm:style>
+      <a:lnRef idx="1">
+        <a:scrgbClr r="0" g="0" b="0"/>
+      </a:lnRef>
+      <a:fillRef idx="3">
+        <a:scrgbClr r="0" g="0" b="0"/>
+      </a:fillRef>
+      <a:effectRef idx="2">
+        <a:scrgbClr r="0" g="0" b="0"/>
+      </a:effectRef>
+      <a:fontRef idx="minor">
+        <a:schemeClr val="lt1"/>
+      </a:fontRef>
+    </dgm:style>
+  </dgm:styleLbl>
+  <dgm:styleLbl name="vennNode1">
+    <dgm:scene3d>
+      <a:camera prst="orthographicFront"/>
+      <a:lightRig rig="threePt" dir="t"/>
+    </dgm:scene3d>
+    <dgm:sp3d/>
+    <dgm:txPr/>
+    <dgm:style>
+      <a:lnRef idx="0">
+        <a:scrgbClr r="0" g="0" b="0"/>
+      </a:lnRef>
+      <a:fillRef idx="3">
+        <a:scrgbClr r="0" g="0" b="0"/>
+      </a:fillRef>
+      <a:effectRef idx="0">
+        <a:scrgbClr r="0" g="0" b="0"/>
+      </a:effectRef>
+      <a:fontRef idx="minor">
+        <a:schemeClr val="tx1"/>
+      </a:fontRef>
+    </dgm:style>
+  </dgm:styleLbl>
+  <dgm:styleLbl name="alignNode1">
+    <dgm:scene3d>
+      <a:camera prst="orthographicFront"/>
+      <a:lightRig rig="threePt" dir="t"/>
+    </dgm:scene3d>
+    <dgm:sp3d/>
+    <dgm:txPr/>
+    <dgm:style>
+      <a:lnRef idx="1">
+        <a:scrgbClr r="0" g="0" b="0"/>
+      </a:lnRef>
+      <a:fillRef idx="3">
+        <a:scrgbClr r="0" g="0" b="0"/>
+      </a:fillRef>
+      <a:effectRef idx="2">
+        <a:scrgbClr r="0" g="0" b="0"/>
+      </a:effectRef>
+      <a:fontRef idx="minor">
+        <a:schemeClr val="lt1"/>
+      </a:fontRef>
+    </dgm:style>
+  </dgm:styleLbl>
+  <dgm:styleLbl name="node1">
+    <dgm:scene3d>
+      <a:camera prst="orthographicFront"/>
+      <a:lightRig rig="threePt" dir="t"/>
+    </dgm:scene3d>
+    <dgm:sp3d/>
+    <dgm:txPr/>
+    <dgm:style>
+      <a:lnRef idx="0">
+        <a:scrgbClr r="0" g="0" b="0"/>
+      </a:lnRef>
+      <a:fillRef idx="3">
+        <a:scrgbClr r="0" g="0" b="0"/>
+      </a:fillRef>
+      <a:effectRef idx="2">
+        <a:scrgbClr r="0" g="0" b="0"/>
+      </a:effectRef>
+      <a:fontRef idx="minor">
+        <a:schemeClr val="lt1"/>
+      </a:fontRef>
+    </dgm:style>
+  </dgm:styleLbl>
+  <dgm:styleLbl name="node2">
+    <dgm:scene3d>
+      <a:camera prst="orthographicFront"/>
+      <a:lightRig rig="threePt" dir="t"/>
+    </dgm:scene3d>
+    <dgm:sp3d/>
+    <dgm:txPr/>
+    <dgm:style>
+      <a:lnRef idx="0">
+        <a:scrgbClr r="0" g="0" b="0"/>
+      </a:lnRef>
+      <a:fillRef idx="3">
+        <a:scrgbClr r="0" g="0" b="0"/>
+      </a:fillRef>
+      <a:effectRef idx="2">
+        <a:scrgbClr r="0" g="0" b="0"/>
+      </a:effectRef>
+      <a:fontRef idx="minor">
+        <a:schemeClr val="lt1"/>
+      </a:fontRef>
+    </dgm:style>
+  </dgm:styleLbl>
+  <dgm:styleLbl name="node3">
+    <dgm:scene3d>
+      <a:camera prst="orthographicFront"/>
+      <a:lightRig rig="threePt" dir="t"/>
+    </dgm:scene3d>
+    <dgm:sp3d/>
+    <dgm:txPr/>
+    <dgm:style>
+      <a:lnRef idx="0">
+        <a:scrgbClr r="0" g="0" b="0"/>
+      </a:lnRef>
+      <a:fillRef idx="3">
+        <a:scrgbClr r="0" g="0" b="0"/>
+      </a:fillRef>
+      <a:effectRef idx="2">
+        <a:scrgbClr r="0" g="0" b="0"/>
+      </a:effectRef>
+      <a:fontRef idx="minor">
+        <a:schemeClr val="lt1"/>
+      </a:fontRef>
+    </dgm:style>
+  </dgm:styleLbl>
+  <dgm:styleLbl name="node4">
+    <dgm:scene3d>
+      <a:camera prst="orthographicFront"/>
+      <a:lightRig rig="threePt" dir="t"/>
+    </dgm:scene3d>
+    <dgm:sp3d/>
+    <dgm:txPr/>
+    <dgm:style>
+      <a:lnRef idx="0">
+        <a:scrgbClr r="0" g="0" b="0"/>
+      </a:lnRef>
+      <a:fillRef idx="3">
+        <a:scrgbClr r="0" g="0" b="0"/>
+      </a:fillRef>
+      <a:effectRef idx="2">
+        <a:scrgbClr r="0" g="0" b="0"/>
+      </a:effectRef>
+      <a:fontRef idx="minor">
+        <a:schemeClr val="lt1"/>
+      </a:fontRef>
+    </dgm:style>
+  </dgm:styleLbl>
+  <dgm:styleLbl name="fgImgPlace1">
+    <dgm:scene3d>
+      <a:camera prst="orthographicFront"/>
+      <a:lightRig rig="threePt" dir="t"/>
+    </dgm:scene3d>
+    <dgm:sp3d/>
+    <dgm:txPr/>
+    <dgm:style>
+      <a:lnRef idx="0">
+        <a:scrgbClr r="0" g="0" b="0"/>
+      </a:lnRef>
+      <a:fillRef idx="1">
+        <a:scrgbClr r="0" g="0" b="0"/>
+      </a:fillRef>
+      <a:effectRef idx="2">
+        <a:scrgbClr r="0" g="0" b="0"/>
+      </a:effectRef>
+      <a:fontRef idx="minor"/>
+    </dgm:style>
+  </dgm:styleLbl>
+  <dgm:styleLbl name="alignImgPlace1">
+    <dgm:scene3d>
+      <a:camera prst="orthographicFront"/>
+      <a:lightRig rig="threePt" dir="t"/>
+    </dgm:scene3d>
+    <dgm:sp3d/>
+    <dgm:txPr/>
+    <dgm:style>
+      <a:lnRef idx="0">
+        <a:scrgbClr r="0" g="0" b="0"/>
+      </a:lnRef>
+      <a:fillRef idx="1">
+        <a:scrgbClr r="0" g="0" b="0"/>
+      </a:fillRef>
+      <a:effectRef idx="2">
+        <a:scrgbClr r="0" g="0" b="0"/>
+      </a:effectRef>
+      <a:fontRef idx="minor"/>
+    </dgm:style>
+  </dgm:styleLbl>
+  <dgm:styleLbl name="bgImgPlace1">
+    <dgm:scene3d>
+      <a:camera prst="orthographicFront"/>
+      <a:lightRig rig="threePt" dir="t"/>
+    </dgm:scene3d>
+    <dgm:sp3d/>
+    <dgm:txPr/>
+    <dgm:style>
+      <a:lnRef idx="0">
+        <a:scrgbClr r="0" g="0" b="0"/>
+      </a:lnRef>
+      <a:fillRef idx="1">
+        <a:scrgbClr r="0" g="0" b="0"/>
+      </a:fillRef>
+      <a:effectRef idx="2">
+        <a:scrgbClr r="0" g="0" b="0"/>
+      </a:effectRef>
+      <a:fontRef idx="minor"/>
+    </dgm:style>
+  </dgm:styleLbl>
+  <dgm:styleLbl name="sibTrans2D1">
+    <dgm:scene3d>
+      <a:camera prst="orthographicFront"/>
+      <a:lightRig rig="threePt" dir="t"/>
+    </dgm:scene3d>
+    <dgm:sp3d/>
+    <dgm:txPr/>
+    <dgm:style>
+      <a:lnRef idx="0">
+        <a:scrgbClr r="0" g="0" b="0"/>
+      </a:lnRef>
+      <a:fillRef idx="3">
+        <a:scrgbClr r="0" g="0" b="0"/>
+      </a:fillRef>
+      <a:effectRef idx="2">
+        <a:scrgbClr r="0" g="0" b="0"/>
+      </a:effectRef>
+      <a:fontRef idx="minor">
+        <a:schemeClr val="lt1"/>
+      </a:fontRef>
+    </dgm:style>
+  </dgm:styleLbl>
+  <dgm:styleLbl name="fgSibTrans2D1">
+    <dgm:scene3d>
+      <a:camera prst="orthographicFront"/>
+      <a:lightRig rig="threePt" dir="t"/>
+    </dgm:scene3d>
+    <dgm:sp3d/>
+    <dgm:txPr/>
+    <dgm:style>
+      <a:lnRef idx="0">
+        <a:scrgbClr r="0" g="0" b="0"/>
+      </a:lnRef>
+      <a:fillRef idx="3">
+        <a:scrgbClr r="0" g="0" b="0"/>
+      </a:fillRef>
+      <a:effectRef idx="2">
+        <a:scrgbClr r="0" g="0" b="0"/>
+      </a:effectRef>
+      <a:fontRef idx="minor">
+        <a:schemeClr val="lt1"/>
+      </a:fontRef>
+    </dgm:style>
+  </dgm:styleLbl>
+  <dgm:styleLbl name="bgSibTrans2D1">
+    <dgm:scene3d>
+      <a:camera prst="orthographicFront"/>
+      <a:lightRig rig="threePt" dir="t"/>
+    </dgm:scene3d>
+    <dgm:sp3d/>
+    <dgm:txPr/>
+    <dgm:style>
+      <a:lnRef idx="0">
+        <a:scrgbClr r="0" g="0" b="0"/>
+      </a:lnRef>
+      <a:fillRef idx="3">
+        <a:scrgbClr r="0" g="0" b="0"/>
+      </a:fillRef>
+      <a:effectRef idx="2">
+        <a:scrgbClr r="0" g="0" b="0"/>
+      </a:effectRef>
+      <a:fontRef idx="minor">
+        <a:schemeClr val="lt1"/>
+      </a:fontRef>
+    </dgm:style>
+  </dgm:styleLbl>
+  <dgm:styleLbl name="sibTrans1D1">
+    <dgm:scene3d>
+      <a:camera prst="orthographicFront"/>
+      <a:lightRig rig="threePt" dir="t"/>
+    </dgm:scene3d>
+    <dgm:sp3d/>
+    <dgm:txPr/>
+    <dgm:style>
+      <a:lnRef idx="1">
+        <a:scrgbClr r="0" g="0" b="0"/>
+      </a:lnRef>
+      <a:fillRef idx="0">
+        <a:scrgbClr r="0" g="0" b="0"/>
+      </a:fillRef>
+      <a:effectRef idx="0">
+        <a:scrgbClr r="0" g="0" b="0"/>
+      </a:effectRef>
+      <a:fontRef idx="minor"/>
+    </dgm:style>
+  </dgm:styleLbl>
+  <dgm:styleLbl name="callout">
+    <dgm:scene3d>
+      <a:camera prst="orthographicFront"/>
+      <a:lightRig rig="threePt" dir="t"/>
+    </dgm:scene3d>
+    <dgm:sp3d/>
+    <dgm:txPr/>
+    <dgm:style>
+      <a:lnRef idx="2">
+        <a:scrgbClr r="0" g="0" b="0"/>
+      </a:lnRef>
+      <a:fillRef idx="1">
+        <a:scrgbClr r="0" g="0" b="0"/>
+      </a:fillRef>
+      <a:effectRef idx="1">
+        <a:scrgbClr r="0" g="0" b="0"/>
+      </a:effectRef>
+      <a:fontRef idx="minor"/>
+    </dgm:style>
+  </dgm:styleLbl>
+  <dgm:styleLbl name="asst0">
+    <dgm:scene3d>
+      <a:camera prst="orthographicFront"/>
+      <a:lightRig rig="threePt" dir="t"/>
+    </dgm:scene3d>
+    <dgm:sp3d/>
+    <dgm:txPr/>
+    <dgm:style>
+      <a:lnRef idx="0">
+        <a:scrgbClr r="0" g="0" b="0"/>
+      </a:lnRef>
+      <a:fillRef idx="3">
+        <a:scrgbClr r="0" g="0" b="0"/>
+      </a:fillRef>
+      <a:effectRef idx="2">
+        <a:scrgbClr r="0" g="0" b="0"/>
+      </a:effectRef>
+      <a:fontRef idx="minor">
+        <a:schemeClr val="lt1"/>
+      </a:fontRef>
+    </dgm:style>
+  </dgm:styleLbl>
+  <dgm:styleLbl name="asst1">
+    <dgm:scene3d>
+      <a:camera prst="orthographicFront"/>
+      <a:lightRig rig="threePt" dir="t"/>
+    </dgm:scene3d>
+    <dgm:sp3d/>
+    <dgm:txPr/>
+    <dgm:style>
+      <a:lnRef idx="0">
+        <a:scrgbClr r="0" g="0" b="0"/>
+      </a:lnRef>
+      <a:fillRef idx="3">
+        <a:scrgbClr r="0" g="0" b="0"/>
+      </a:fillRef>
+      <a:effectRef idx="2">
+        <a:scrgbClr r="0" g="0" b="0"/>
+      </a:effectRef>
+      <a:fontRef idx="minor">
+        <a:schemeClr val="lt1"/>
+      </a:fontRef>
+    </dgm:style>
+  </dgm:styleLbl>
+  <dgm:styleLbl name="asst2">
+    <dgm:scene3d>
+      <a:camera prst="orthographicFront"/>
+      <a:lightRig rig="threePt" dir="t"/>
+    </dgm:scene3d>
+    <dgm:sp3d/>
+    <dgm:txPr/>
+    <dgm:style>
+      <a:lnRef idx="0">
+        <a:scrgbClr r="0" g="0" b="0"/>
+      </a:lnRef>
+      <a:fillRef idx="3">
+        <a:scrgbClr r="0" g="0" b="0"/>
+      </a:fillRef>
+      <a:effectRef idx="2">
+        <a:scrgbClr r="0" g="0" b="0"/>
+      </a:effectRef>
+      <a:fontRef idx="minor">
+        <a:schemeClr val="lt1"/>
+      </a:fontRef>
+    </dgm:style>
+  </dgm:styleLbl>
+  <dgm:styleLbl name="asst3">
+    <dgm:scene3d>
+      <a:camera prst="orthographicFront"/>
+      <a:lightRig rig="threePt" dir="t"/>
+    </dgm:scene3d>
+    <dgm:sp3d/>
+    <dgm:txPr/>
+    <dgm:style>
+      <a:lnRef idx="0">
+        <a:scrgbClr r="0" g="0" b="0"/>
+      </a:lnRef>
+      <a:fillRef idx="3">
+        <a:scrgbClr r="0" g="0" b="0"/>
+      </a:fillRef>
+      <a:effectRef idx="2">
+        <a:scrgbClr r="0" g="0" b="0"/>
+      </a:effectRef>
+      <a:fontRef idx="minor">
+        <a:schemeClr val="lt1"/>
+      </a:fontRef>
+    </dgm:style>
+  </dgm:styleLbl>
+  <dgm:styleLbl name="asst4">
+    <dgm:scene3d>
+      <a:camera prst="orthographicFront"/>
+      <a:lightRig rig="threePt" dir="t"/>
+    </dgm:scene3d>
+    <dgm:sp3d/>
+    <dgm:txPr/>
+    <dgm:style>
+      <a:lnRef idx="0">
+        <a:scrgbClr r="0" g="0" b="0"/>
+      </a:lnRef>
+      <a:fillRef idx="3">
+        <a:scrgbClr r="0" g="0" b="0"/>
+      </a:fillRef>
+      <a:effectRef idx="2">
+        <a:scrgbClr r="0" g="0" b="0"/>
+      </a:effectRef>
+      <a:fontRef idx="minor">
+        <a:schemeClr val="lt1"/>
+      </a:fontRef>
+    </dgm:style>
+  </dgm:styleLbl>
+  <dgm:styleLbl name="parChTrans2D1">
+    <dgm:scene3d>
+      <a:camera prst="orthographicFront"/>
+      <a:lightRig rig="threePt" dir="t"/>
+    </dgm:scene3d>
+    <dgm:sp3d/>
+    <dgm:txPr/>
+    <dgm:style>
+      <a:lnRef idx="0">
+        <a:scrgbClr r="0" g="0" b="0"/>
+      </a:lnRef>
+      <a:fillRef idx="3">
+        <a:scrgbClr r="0" g="0" b="0"/>
+      </a:fillRef>
+      <a:effectRef idx="2">
+        <a:scrgbClr r="0" g="0" b="0"/>
+      </a:effectRef>
+      <a:fontRef idx="minor">
+        <a:schemeClr val="lt1"/>
+      </a:fontRef>
+    </dgm:style>
+  </dgm:styleLbl>
+  <dgm:styleLbl name="parChTrans2D2">
+    <dgm:scene3d>
+      <a:camera prst="orthographicFront"/>
+      <a:lightRig rig="threePt" dir="t"/>
+    </dgm:scene3d>
+    <dgm:sp3d/>
+    <dgm:txPr/>
+    <dgm:style>
+      <a:lnRef idx="0">
+        <a:scrgbClr r="0" g="0" b="0"/>
+      </a:lnRef>
+      <a:fillRef idx="3">
+        <a:scrgbClr r="0" g="0" b="0"/>
+      </a:fillRef>
+      <a:effectRef idx="2">
+        <a:scrgbClr r="0" g="0" b="0"/>
+      </a:effectRef>
+      <a:fontRef idx="minor">
+        <a:schemeClr val="lt1"/>
+      </a:fontRef>
+    </dgm:style>
+  </dgm:styleLbl>
+  <dgm:styleLbl name="parChTrans2D3">
+    <dgm:scene3d>
+      <a:camera prst="orthographicFront"/>
+      <a:lightRig rig="threePt" dir="t"/>
+    </dgm:scene3d>
+    <dgm:sp3d/>
+    <dgm:txPr/>
+    <dgm:style>
+      <a:lnRef idx="1">
+        <a:scrgbClr r="0" g="0" b="0"/>
+      </a:lnRef>
+      <a:fillRef idx="3">
+        <a:scrgbClr r="0" g="0" b="0"/>
+      </a:fillRef>
+      <a:effectRef idx="2">
+        <a:scrgbClr r="0" g="0" b="0"/>
+      </a:effectRef>
+      <a:fontRef idx="minor">
+        <a:schemeClr val="lt1"/>
+      </a:fontRef>
+    </dgm:style>
+  </dgm:styleLbl>
+  <dgm:styleLbl name="parChTrans2D4">
+    <dgm:scene3d>
+      <a:camera prst="orthographicFront"/>
+      <a:lightRig rig="threePt" dir="t"/>
+    </dgm:scene3d>
+    <dgm:sp3d/>
+    <dgm:txPr/>
+    <dgm:style>
+      <a:lnRef idx="1">
+        <a:scrgbClr r="0" g="0" b="0"/>
+      </a:lnRef>
+      <a:fillRef idx="3">
+        <a:scrgbClr r="0" g="0" b="0"/>
+      </a:fillRef>
+      <a:effectRef idx="2">
+        <a:scrgbClr r="0" g="0" b="0"/>
+      </a:effectRef>
+      <a:fontRef idx="minor">
+        <a:schemeClr val="lt1"/>
+      </a:fontRef>
+    </dgm:style>
+  </dgm:styleLbl>
+  <dgm:styleLbl name="parChTrans1D1">
+    <dgm:scene3d>
+      <a:camera prst="orthographicFront"/>
+      <a:lightRig rig="threePt" dir="t"/>
+    </dgm:scene3d>
+    <dgm:sp3d/>
+    <dgm:txPr/>
+    <dgm:style>
+      <a:lnRef idx="1">
+        <a:scrgbClr r="0" g="0" b="0"/>
+      </a:lnRef>
+      <a:fillRef idx="0">
+        <a:scrgbClr r="0" g="0" b="0"/>
+      </a:fillRef>
+      <a:effectRef idx="0">
+        <a:scrgbClr r="0" g="0" b="0"/>
+      </a:effectRef>
+      <a:fontRef idx="minor"/>
+    </dgm:style>
+  </dgm:styleLbl>
+  <dgm:styleLbl name="parChTrans1D2">
+    <dgm:scene3d>
+      <a:camera prst="orthographicFront"/>
+      <a:lightRig rig="threePt" dir="t"/>
+    </dgm:scene3d>
+    <dgm:sp3d/>
+    <dgm:txPr/>
+    <dgm:style>
+      <a:lnRef idx="1">
+        <a:scrgbClr r="0" g="0" b="0"/>
+      </a:lnRef>
+      <a:fillRef idx="0">
+        <a:scrgbClr r="0" g="0" b="0"/>
+      </a:fillRef>
+      <a:effectRef idx="0">
+        <a:scrgbClr r="0" g="0" b="0"/>
+      </a:effectRef>
+      <a:fontRef idx="minor"/>
+    </dgm:style>
+  </dgm:styleLbl>
+  <dgm:styleLbl name="parChTrans1D3">
+    <dgm:scene3d>
+      <a:camera prst="orthographicFront"/>
+      <a:lightRig rig="threePt" dir="t"/>
+    </dgm:scene3d>
+    <dgm:sp3d/>
+    <dgm:txPr/>
+    <dgm:style>
+      <a:lnRef idx="1">
+        <a:scrgbClr r="0" g="0" b="0"/>
+      </a:lnRef>
+      <a:fillRef idx="0">
+        <a:scrgbClr r="0" g="0" b="0"/>
+      </a:fillRef>
+      <a:effectRef idx="0">
+        <a:scrgbClr r="0" g="0" b="0"/>
+      </a:effectRef>
+      <a:fontRef idx="minor"/>
+    </dgm:style>
+  </dgm:styleLbl>
+  <dgm:styleLbl name="parChTrans1D4">
+    <dgm:scene3d>
+      <a:camera prst="orthographicFront"/>
+      <a:lightRig rig="threePt" dir="t"/>
+    </dgm:scene3d>
+    <dgm:sp3d/>
+    <dgm:txPr/>
+    <dgm:style>
+      <a:lnRef idx="1">
+        <a:scrgbClr r="0" g="0" b="0"/>
+      </a:lnRef>
+      <a:fillRef idx="0">
+        <a:scrgbClr r="0" g="0" b="0"/>
+      </a:fillRef>
+      <a:effectRef idx="0">
+        <a:scrgbClr r="0" g="0" b="0"/>
+      </a:effectRef>
+      <a:fontRef idx="minor"/>
+    </dgm:style>
+  </dgm:styleLbl>
+  <dgm:styleLbl name="fgAcc1">
+    <dgm:scene3d>
+      <a:camera prst="orthographicFront"/>
+      <a:lightRig rig="threePt" dir="t"/>
+    </dgm:scene3d>
+    <dgm:sp3d/>
+    <dgm:txPr/>
+    <dgm:style>
+      <a:lnRef idx="1">
+        <a:scrgbClr r="0" g="0" b="0"/>
+      </a:lnRef>
+      <a:fillRef idx="1">
+        <a:scrgbClr r="0" g="0" b="0"/>
+      </a:fillRef>
+      <a:effectRef idx="0">
+        <a:scrgbClr r="0" g="0" b="0"/>
+      </a:effectRef>
+      <a:fontRef idx="minor"/>
+    </dgm:style>
+  </dgm:styleLbl>
+  <dgm:styleLbl name="conFgAcc1">
+    <dgm:scene3d>
+      <a:camera prst="orthographicFront"/>
+      <a:lightRig rig="threePt" dir="t"/>
+    </dgm:scene3d>
+    <dgm:sp3d/>
+    <dgm:txPr/>
+    <dgm:style>
+      <a:lnRef idx="1">
+        <a:scrgbClr r="0" g="0" b="0"/>
+      </a:lnRef>
+      <a:fillRef idx="1">
+        <a:scrgbClr r="0" g="0" b="0"/>
+      </a:fillRef>
+      <a:effectRef idx="0">
+        <a:scrgbClr r="0" g="0" b="0"/>
+      </a:effectRef>
+      <a:fontRef idx="minor"/>
+    </dgm:style>
+  </dgm:styleLbl>
+  <dgm:styleLbl name="alignAcc1">
+    <dgm:scene3d>
+      <a:camera prst="orthographicFront"/>
+      <a:lightRig rig="threePt" dir="t"/>
+    </dgm:scene3d>
+    <dgm:sp3d/>
+    <dgm:txPr/>
+    <dgm:style>
+      <a:lnRef idx="1">
+        <a:scrgbClr r="0" g="0" b="0"/>
+      </a:lnRef>
+      <a:fillRef idx="1">
+        <a:scrgbClr r="0" g="0" b="0"/>
+      </a:fillRef>
+      <a:effectRef idx="0">
+        <a:scrgbClr r="0" g="0" b="0"/>
+      </a:effectRef>
+      <a:fontRef idx="minor"/>
+    </dgm:style>
+  </dgm:styleLbl>
+  <dgm:styleLbl name="trAlignAcc1">
+    <dgm:scene3d>
+      <a:camera prst="orthographicFront"/>
+      <a:lightRig rig="threePt" dir="t"/>
+    </dgm:scene3d>
+    <dgm:sp3d/>
+    <dgm:txPr/>
+    <dgm:style>
+      <a:lnRef idx="1">
+        <a:scrgbClr r="0" g="0" b="0"/>
+      </a:lnRef>
+      <a:fillRef idx="1">
+        <a:scrgbClr r="0" g="0" b="0"/>
+      </a:fillRef>
+      <a:effectRef idx="0">
+        <a:scrgbClr r="0" g="0" b="0"/>
+      </a:effectRef>
+      <a:fontRef idx="minor"/>
+    </dgm:style>
+  </dgm:styleLbl>
+  <dgm:styleLbl name="bgAcc1">
+    <dgm:scene3d>
+      <a:camera prst="orthographicFront"/>
+      <a:lightRig rig="threePt" dir="t"/>
+    </dgm:scene3d>
+    <dgm:sp3d/>
+    <dgm:txPr/>
+    <dgm:style>
+      <a:lnRef idx="1">
+        <a:scrgbClr r="0" g="0" b="0"/>
+      </a:lnRef>
+      <a:fillRef idx="1">
+        <a:scrgbClr r="0" g="0" b="0"/>
+      </a:fillRef>
+      <a:effectRef idx="0">
+        <a:scrgbClr r="0" g="0" b="0"/>
+      </a:effectRef>
+      <a:fontRef idx="minor"/>
+    </dgm:style>
+  </dgm:styleLbl>
+  <dgm:styleLbl name="solidFgAcc1">
+    <dgm:scene3d>
+      <a:camera prst="orthographicFront"/>
+      <a:lightRig rig="threePt" dir="t"/>
+    </dgm:scene3d>
+    <dgm:sp3d/>
+    <dgm:txPr/>
+    <dgm:style>
+      <a:lnRef idx="1">
+        <a:scrgbClr r="0" g="0" b="0"/>
+      </a:lnRef>
+      <a:fillRef idx="1">
+        <a:scrgbClr r="0" g="0" b="0"/>
+      </a:fillRef>
+      <a:effectRef idx="0">
+        <a:scrgbClr r="0" g="0" b="0"/>
+      </a:effectRef>
+      <a:fontRef idx="minor"/>
+    </dgm:style>
+  </dgm:styleLbl>
+  <dgm:styleLbl name="solidAlignAcc1">
+    <dgm:scene3d>
+      <a:camera prst="orthographicFront"/>
+      <a:lightRig rig="threePt" dir="t"/>
+    </dgm:scene3d>
+    <dgm:sp3d/>
+    <dgm:txPr/>
+    <dgm:style>
+      <a:lnRef idx="1">
+        <a:scrgbClr r="0" g="0" b="0"/>
+      </a:lnRef>
+      <a:fillRef idx="1">
+        <a:scrgbClr r="0" g="0" b="0"/>
+      </a:fillRef>
+      <a:effectRef idx="0">
+        <a:scrgbClr r="0" g="0" b="0"/>
+      </a:effectRef>
+      <a:fontRef idx="minor"/>
+    </dgm:style>
+  </dgm:styleLbl>
+  <dgm:styleLbl name="solidBgAcc1">
+    <dgm:scene3d>
+      <a:camera prst="orthographicFront"/>
+      <a:lightRig rig="threePt" dir="t"/>
+    </dgm:scene3d>
+    <dgm:sp3d/>
+    <dgm:txPr/>
+    <dgm:style>
+      <a:lnRef idx="1">
+        <a:scrgbClr r="0" g="0" b="0"/>
+      </a:lnRef>
+      <a:fillRef idx="1">
+        <a:scrgbClr r="0" g="0" b="0"/>
+      </a:fillRef>
+      <a:effectRef idx="0">
+        <a:scrgbClr r="0" g="0" b="0"/>
+      </a:effectRef>
+      <a:fontRef idx="minor"/>
+    </dgm:style>
+  </dgm:styleLbl>
+  <dgm:styleLbl name="fgAccFollowNode1">
+    <dgm:scene3d>
+      <a:camera prst="orthographicFront"/>
+      <a:lightRig rig="threePt" dir="t"/>
+    </dgm:scene3d>
+    <dgm:sp3d/>
+    <dgm:txPr/>
+    <dgm:style>
+      <a:lnRef idx="1">
+        <a:scrgbClr r="0" g="0" b="0"/>
+      </a:lnRef>
+      <a:fillRef idx="1">
+        <a:scrgbClr r="0" g="0" b="0"/>
+      </a:fillRef>
+      <a:effectRef idx="0">
+        <a:scrgbClr r="0" g="0" b="0"/>
+      </a:effectRef>
+      <a:fontRef idx="minor"/>
+    </dgm:style>
+  </dgm:styleLbl>
+  <dgm:styleLbl name="alignAccFollowNode1">
+    <dgm:scene3d>
+      <a:camera prst="orthographicFront"/>
+      <a:lightRig rig="threePt" dir="t"/>
+    </dgm:scene3d>
+    <dgm:sp3d/>
+    <dgm:txPr/>
+    <dgm:style>
+      <a:lnRef idx="1">
+        <a:scrgbClr r="0" g="0" b="0"/>
+      </a:lnRef>
+      <a:fillRef idx="1">
+        <a:scrgbClr r="0" g="0" b="0"/>
+      </a:fillRef>
+      <a:effectRef idx="0">
+        <a:scrgbClr r="0" g="0" b="0"/>
+      </a:effectRef>
+      <a:fontRef idx="minor"/>
+    </dgm:style>
+  </dgm:styleLbl>
+  <dgm:styleLbl name="bgAccFollowNode1">
+    <dgm:scene3d>
+      <a:camera prst="orthographicFront"/>
+      <a:lightRig rig="threePt" dir="t"/>
+    </dgm:scene3d>
+    <dgm:sp3d/>
+    <dgm:txPr/>
+    <dgm:style>
+      <a:lnRef idx="1">
+        <a:scrgbClr r="0" g="0" b="0"/>
+      </a:lnRef>
+      <a:fillRef idx="1">
+        <a:scrgbClr r="0" g="0" b="0"/>
+      </a:fillRef>
+      <a:effectRef idx="0">
+        <a:scrgbClr r="0" g="0" b="0"/>
+      </a:effectRef>
+      <a:fontRef idx="minor"/>
+    </dgm:style>
+  </dgm:styleLbl>
+  <dgm:styleLbl name="fgAcc0">
+    <dgm:scene3d>
+      <a:camera prst="orthographicFront"/>
+      <a:lightRig rig="threePt" dir="t"/>
+    </dgm:scene3d>
+    <dgm:sp3d/>
+    <dgm:txPr/>
+    <dgm:style>
+      <a:lnRef idx="1">
+        <a:scrgbClr r="0" g="0" b="0"/>
+      </a:lnRef>
+      <a:fillRef idx="1">
+        <a:scrgbClr r="0" g="0" b="0"/>
+      </a:fillRef>
+      <a:effectRef idx="0">
+        <a:scrgbClr r="0" g="0" b="0"/>
+      </a:effectRef>
+      <a:fontRef idx="minor"/>
+    </dgm:style>
+  </dgm:styleLbl>
+  <dgm:styleLbl name="fgAcc2">
+    <dgm:scene3d>
+      <a:camera prst="orthographicFront"/>
+      <a:lightRig rig="threePt" dir="t"/>
+    </dgm:scene3d>
+    <dgm:sp3d/>
+    <dgm:txPr/>
+    <dgm:style>
+      <a:lnRef idx="1">
+        <a:scrgbClr r="0" g="0" b="0"/>
+      </a:lnRef>
+      <a:fillRef idx="1">
+        <a:scrgbClr r="0" g="0" b="0"/>
+      </a:fillRef>
+      <a:effectRef idx="0">
+        <a:scrgbClr r="0" g="0" b="0"/>
+      </a:effectRef>
+      <a:fontRef idx="minor"/>
+    </dgm:style>
+  </dgm:styleLbl>
+  <dgm:styleLbl name="fgAcc3">
+    <dgm:scene3d>
+      <a:camera prst="orthographicFront"/>
+      <a:lightRig rig="threePt" dir="t"/>
+    </dgm:scene3d>
+    <dgm:sp3d/>
+    <dgm:txPr/>
+    <dgm:style>
+      <a:lnRef idx="1">
+        <a:scrgbClr r="0" g="0" b="0"/>
+      </a:lnRef>
+      <a:fillRef idx="1">
+        <a:scrgbClr r="0" g="0" b="0"/>
+      </a:fillRef>
+      <a:effectRef idx="0">
+        <a:scrgbClr r="0" g="0" b="0"/>
+      </a:effectRef>
+      <a:fontRef idx="minor"/>
+    </dgm:style>
+  </dgm:styleLbl>
+  <dgm:styleLbl name="fgAcc4">
+    <dgm:scene3d>
+      <a:camera prst="orthographicFront"/>
+      <a:lightRig rig="threePt" dir="t"/>
+    </dgm:scene3d>
+    <dgm:sp3d/>
+    <dgm:txPr/>
+    <dgm:style>
+      <a:lnRef idx="1">
+        <a:scrgbClr r="0" g="0" b="0"/>
+      </a:lnRef>
+      <a:fillRef idx="1">
+        <a:scrgbClr r="0" g="0" b="0"/>
+      </a:fillRef>
+      <a:effectRef idx="0">
+        <a:scrgbClr r="0" g="0" b="0"/>
+      </a:effectRef>
+      <a:fontRef idx="minor"/>
+    </dgm:style>
+  </dgm:styleLbl>
+  <dgm:styleLbl name="bgShp">
+    <dgm:scene3d>
+      <a:camera prst="orthographicFront"/>
+      <a:lightRig rig="threePt" dir="t"/>
+    </dgm:scene3d>
+    <dgm:sp3d/>
+    <dgm:txPr/>
+    <dgm:style>
+      <a:lnRef idx="0">
+        <a:scrgbClr r="0" g="0" b="0"/>
+      </a:lnRef>
+      <a:fillRef idx="1">
+        <a:scrgbClr r="0" g="0" b="0"/>
+      </a:fillRef>
+      <a:effectRef idx="2">
+        <a:scrgbClr r="0" g="0" b="0"/>
+      </a:effectRef>
+      <a:fontRef idx="minor"/>
+    </dgm:style>
+  </dgm:styleLbl>
+  <dgm:styleLbl name="dkBgShp">
+    <dgm:scene3d>
+      <a:camera prst="orthographicFront"/>
+      <a:lightRig rig="threePt" dir="t"/>
+    </dgm:scene3d>
+    <dgm:sp3d/>
+    <dgm:txPr/>
+    <dgm:style>
+      <a:lnRef idx="0">
+        <a:scrgbClr r="0" g="0" b="0"/>
+      </a:lnRef>
+      <a:fillRef idx="1">
+        <a:scrgbClr r="0" g="0" b="0"/>
+      </a:fillRef>
+      <a:effectRef idx="2">
+        <a:scrgbClr r="0" g="0" b="0"/>
+      </a:effectRef>
+      <a:fontRef idx="minor"/>
+    </dgm:style>
+  </dgm:styleLbl>
+  <dgm:styleLbl name="trBgShp">
+    <dgm:scene3d>
+      <a:camera prst="orthographicFront"/>
+      <a:lightRig rig="threePt" dir="t"/>
+    </dgm:scene3d>
+    <dgm:sp3d/>
+    <dgm:txPr/>
+    <dgm:style>
+      <a:lnRef idx="0">
+        <a:scrgbClr r="0" g="0" b="0"/>
+      </a:lnRef>
+      <a:fillRef idx="1">
+        <a:scrgbClr r="0" g="0" b="0"/>
+      </a:fillRef>
+      <a:effectRef idx="0">
+        <a:scrgbClr r="0" g="0" b="0"/>
+      </a:effectRef>
+      <a:fontRef idx="minor"/>
+    </dgm:style>
+  </dgm:styleLbl>
+  <dgm:styleLbl name="fgShp">
+    <dgm:scene3d>
+      <a:camera prst="orthographicFront"/>
+      <a:lightRig rig="threePt" dir="t"/>
+    </dgm:scene3d>
+    <dgm:sp3d/>
+    <dgm:txPr/>
+    <dgm:style>
+      <a:lnRef idx="0">
+        <a:scrgbClr r="0" g="0" b="0"/>
+      </a:lnRef>
+      <a:fillRef idx="3">
+        <a:scrgbClr r="0" g="0" b="0"/>
+      </a:fillRef>
+      <a:effectRef idx="2">
+        <a:scrgbClr r="0" g="0" b="0"/>
+      </a:effectRef>
+      <a:fontRef idx="minor"/>
     </dgm:style>
   </dgm:styleLbl>
   <dgm:styleLbl name="revTx">
@@ -19392,7 +22711,7 @@
             <a:fld id="{229FDC3E-7424-49CF-AF38-AA35F4C77C8D}" type="datetimeFigureOut">
               <a:rPr lang="pt-BR" smtClean="0"/>
               <a:pPr/>
-              <a:t>26/07/2014</a:t>
+              <a:t>03/08/2014</a:t>
             </a:fld>
             <a:endParaRPr lang="pt-BR"/>
           </a:p>
@@ -19564,7 +22883,7 @@
             <a:fld id="{229FDC3E-7424-49CF-AF38-AA35F4C77C8D}" type="datetimeFigureOut">
               <a:rPr lang="pt-BR" smtClean="0"/>
               <a:pPr/>
-              <a:t>26/07/2014</a:t>
+              <a:t>03/08/2014</a:t>
             </a:fld>
             <a:endParaRPr lang="pt-BR"/>
           </a:p>
@@ -19741,7 +23060,7 @@
             <a:fld id="{229FDC3E-7424-49CF-AF38-AA35F4C77C8D}" type="datetimeFigureOut">
               <a:rPr lang="pt-BR" smtClean="0"/>
               <a:pPr/>
-              <a:t>26/07/2014</a:t>
+              <a:t>03/08/2014</a:t>
             </a:fld>
             <a:endParaRPr lang="pt-BR"/>
           </a:p>
@@ -19908,7 +23227,7 @@
             <a:fld id="{229FDC3E-7424-49CF-AF38-AA35F4C77C8D}" type="datetimeFigureOut">
               <a:rPr lang="pt-BR" smtClean="0"/>
               <a:pPr/>
-              <a:t>26/07/2014</a:t>
+              <a:t>03/08/2014</a:t>
             </a:fld>
             <a:endParaRPr lang="pt-BR"/>
           </a:p>
@@ -20144,7 +23463,7 @@
             <a:fld id="{229FDC3E-7424-49CF-AF38-AA35F4C77C8D}" type="datetimeFigureOut">
               <a:rPr lang="pt-BR" smtClean="0"/>
               <a:pPr/>
-              <a:t>26/07/2014</a:t>
+              <a:t>03/08/2014</a:t>
             </a:fld>
             <a:endParaRPr lang="pt-BR"/>
           </a:p>
@@ -20442,7 +23761,7 @@
             <a:fld id="{229FDC3E-7424-49CF-AF38-AA35F4C77C8D}" type="datetimeFigureOut">
               <a:rPr lang="pt-BR" smtClean="0"/>
               <a:pPr/>
-              <a:t>26/07/2014</a:t>
+              <a:t>03/08/2014</a:t>
             </a:fld>
             <a:endParaRPr lang="pt-BR"/>
           </a:p>
@@ -20828,7 +24147,7 @@
             <a:fld id="{229FDC3E-7424-49CF-AF38-AA35F4C77C8D}" type="datetimeFigureOut">
               <a:rPr lang="pt-BR" smtClean="0"/>
               <a:pPr/>
-              <a:t>26/07/2014</a:t>
+              <a:t>03/08/2014</a:t>
             </a:fld>
             <a:endParaRPr lang="pt-BR"/>
           </a:p>
@@ -21003,7 +24322,7 @@
             <a:fld id="{229FDC3E-7424-49CF-AF38-AA35F4C77C8D}" type="datetimeFigureOut">
               <a:rPr lang="pt-BR" smtClean="0"/>
               <a:pPr/>
-              <a:t>26/07/2014</a:t>
+              <a:t>03/08/2014</a:t>
             </a:fld>
             <a:endParaRPr lang="pt-BR"/>
           </a:p>
@@ -21095,7 +24414,7 @@
             <a:fld id="{229FDC3E-7424-49CF-AF38-AA35F4C77C8D}" type="datetimeFigureOut">
               <a:rPr lang="pt-BR" smtClean="0"/>
               <a:pPr/>
-              <a:t>26/07/2014</a:t>
+              <a:t>03/08/2014</a:t>
             </a:fld>
             <a:endParaRPr lang="pt-BR"/>
           </a:p>
@@ -21392,7 +24711,7 @@
             <a:fld id="{229FDC3E-7424-49CF-AF38-AA35F4C77C8D}" type="datetimeFigureOut">
               <a:rPr lang="pt-BR" smtClean="0"/>
               <a:pPr/>
-              <a:t>26/07/2014</a:t>
+              <a:t>03/08/2014</a:t>
             </a:fld>
             <a:endParaRPr lang="pt-BR"/>
           </a:p>
@@ -21528,7 +24847,7 @@
             <a:fld id="{229FDC3E-7424-49CF-AF38-AA35F4C77C8D}" type="datetimeFigureOut">
               <a:rPr lang="pt-BR" smtClean="0"/>
               <a:pPr/>
-              <a:t>26/07/2014</a:t>
+              <a:t>03/08/2014</a:t>
             </a:fld>
             <a:endParaRPr lang="pt-BR"/>
           </a:p>
@@ -21833,7 +25152,7 @@
             <a:fld id="{229FDC3E-7424-49CF-AF38-AA35F4C77C8D}" type="datetimeFigureOut">
               <a:rPr lang="pt-BR" smtClean="0"/>
               <a:pPr/>
-              <a:t>26/07/2014</a:t>
+              <a:t>03/08/2014</a:t>
             </a:fld>
             <a:endParaRPr lang="pt-BR"/>
           </a:p>
@@ -23093,20 +26412,434 @@
           <a:p>
             <a:r>
               <a:rPr lang="pt-BR" dirty="0" smtClean="0"/>
-              <a:t>Estrutura exigida</a:t>
+              <a:t>Estrutura necessária</a:t>
             </a:r>
             <a:endParaRPr lang="pt-BR" dirty="0"/>
           </a:p>
         </p:txBody>
       </p:sp>
+      <p:pic>
+        <p:nvPicPr>
+          <p:cNvPr id="15" name="Espaço Reservado para Conteúdo 14" descr="wireless.jpg"/>
+          <p:cNvPicPr>
+            <a:picLocks noGrp="1" noChangeAspect="1"/>
+          </p:cNvPicPr>
+          <p:nvPr>
+            <p:ph idx="1"/>
+          </p:nvPr>
+        </p:nvPicPr>
+        <p:blipFill>
+          <a:blip r:embed="rId2" cstate="print">
+            <a:clrChange>
+              <a:clrFrom>
+                <a:srgbClr val="FDFDFD"/>
+              </a:clrFrom>
+              <a:clrTo>
+                <a:srgbClr val="FDFDFD">
+                  <a:alpha val="0"/>
+                </a:srgbClr>
+              </a:clrTo>
+            </a:clrChange>
+          </a:blip>
+          <a:stretch>
+            <a:fillRect/>
+          </a:stretch>
+        </p:blipFill>
+        <p:spPr>
+          <a:xfrm>
+            <a:off x="251520" y="1484784"/>
+            <a:ext cx="8640960" cy="4824535"/>
+          </a:xfrm>
+        </p:spPr>
+      </p:pic>
       <p:sp>
         <p:nvSpPr>
-          <p:cNvPr id="3" name="Espaço Reservado para Conteúdo 2"/>
+          <p:cNvPr id="16" name="Elipse 15"/>
+          <p:cNvSpPr/>
+          <p:nvPr/>
+        </p:nvSpPr>
+        <p:spPr>
+          <a:xfrm>
+            <a:off x="683568" y="4437112"/>
+            <a:ext cx="1872208" cy="1656184"/>
+          </a:xfrm>
+          <a:prstGeom prst="ellipse">
+            <a:avLst/>
+          </a:prstGeom>
+          <a:noFill/>
+          <a:ln w="76200">
+            <a:solidFill>
+              <a:srgbClr val="FF0000"/>
+            </a:solidFill>
+          </a:ln>
+        </p:spPr>
+        <p:style>
+          <a:lnRef idx="0">
+            <a:schemeClr val="accent6"/>
+          </a:lnRef>
+          <a:fillRef idx="3">
+            <a:schemeClr val="accent6"/>
+          </a:fillRef>
+          <a:effectRef idx="3">
+            <a:schemeClr val="accent6"/>
+          </a:effectRef>
+          <a:fontRef idx="minor">
+            <a:schemeClr val="lt1"/>
+          </a:fontRef>
+        </p:style>
+        <p:txBody>
+          <a:bodyPr rtlCol="0" anchor="ctr"/>
+          <a:lstStyle/>
+          <a:p>
+            <a:pPr algn="ctr"/>
+            <a:endParaRPr lang="pt-BR" b="1" dirty="0" smtClean="0">
+              <a:solidFill>
+                <a:schemeClr val="accent3">
+                  <a:lumMod val="20000"/>
+                  <a:lumOff val="80000"/>
+                </a:schemeClr>
+              </a:solidFill>
+            </a:endParaRPr>
+          </a:p>
+        </p:txBody>
+      </p:sp>
+      <p:sp>
+        <p:nvSpPr>
+          <p:cNvPr id="17" name="Elipse 16"/>
+          <p:cNvSpPr/>
+          <p:nvPr/>
+        </p:nvSpPr>
+        <p:spPr>
+          <a:xfrm>
+            <a:off x="4427984" y="4653136"/>
+            <a:ext cx="1584176" cy="1512168"/>
+          </a:xfrm>
+          <a:prstGeom prst="ellipse">
+            <a:avLst/>
+          </a:prstGeom>
+          <a:noFill/>
+          <a:ln w="76200">
+            <a:solidFill>
+              <a:srgbClr val="FF0000"/>
+            </a:solidFill>
+          </a:ln>
+        </p:spPr>
+        <p:style>
+          <a:lnRef idx="0">
+            <a:schemeClr val="accent6"/>
+          </a:lnRef>
+          <a:fillRef idx="3">
+            <a:schemeClr val="accent6"/>
+          </a:fillRef>
+          <a:effectRef idx="3">
+            <a:schemeClr val="accent6"/>
+          </a:effectRef>
+          <a:fontRef idx="minor">
+            <a:schemeClr val="lt1"/>
+          </a:fontRef>
+        </p:style>
+        <p:txBody>
+          <a:bodyPr rtlCol="0" anchor="ctr"/>
+          <a:lstStyle/>
+          <a:p>
+            <a:pPr algn="ctr"/>
+            <a:endParaRPr lang="pt-BR" b="1" dirty="0" smtClean="0">
+              <a:solidFill>
+                <a:schemeClr val="accent3">
+                  <a:lumMod val="20000"/>
+                  <a:lumOff val="80000"/>
+                </a:schemeClr>
+              </a:solidFill>
+            </a:endParaRPr>
+          </a:p>
+        </p:txBody>
+      </p:sp>
+      <p:sp>
+        <p:nvSpPr>
+          <p:cNvPr id="18" name="Elipse 17"/>
+          <p:cNvSpPr/>
+          <p:nvPr/>
+        </p:nvSpPr>
+        <p:spPr>
+          <a:xfrm>
+            <a:off x="2627784" y="2132856"/>
+            <a:ext cx="2016224" cy="1584176"/>
+          </a:xfrm>
+          <a:prstGeom prst="ellipse">
+            <a:avLst/>
+          </a:prstGeom>
+          <a:noFill/>
+          <a:ln w="76200">
+            <a:solidFill>
+              <a:srgbClr val="FF0000"/>
+            </a:solidFill>
+          </a:ln>
+        </p:spPr>
+        <p:style>
+          <a:lnRef idx="0">
+            <a:schemeClr val="accent6"/>
+          </a:lnRef>
+          <a:fillRef idx="3">
+            <a:schemeClr val="accent6"/>
+          </a:fillRef>
+          <a:effectRef idx="3">
+            <a:schemeClr val="accent6"/>
+          </a:effectRef>
+          <a:fontRef idx="minor">
+            <a:schemeClr val="lt1"/>
+          </a:fontRef>
+        </p:style>
+        <p:txBody>
+          <a:bodyPr rtlCol="0" anchor="ctr"/>
+          <a:lstStyle/>
+          <a:p>
+            <a:pPr algn="ctr"/>
+            <a:endParaRPr lang="pt-BR" b="1" dirty="0" smtClean="0">
+              <a:solidFill>
+                <a:schemeClr val="accent3">
+                  <a:lumMod val="20000"/>
+                  <a:lumOff val="80000"/>
+                </a:schemeClr>
+              </a:solidFill>
+            </a:endParaRPr>
+          </a:p>
+        </p:txBody>
+      </p:sp>
+    </p:spTree>
+  </p:cSld>
+  <p:clrMapOvr>
+    <a:masterClrMapping/>
+  </p:clrMapOvr>
+  <p:timing>
+    <p:tnLst>
+      <p:par>
+        <p:cTn id="1" dur="indefinite" restart="never" nodeType="tmRoot"/>
+      </p:par>
+    </p:tnLst>
+  </p:timing>
+</p:sld>
+</file>
+
+<file path=ppt/slides/slide12.xml><?xml version="1.0" encoding="utf-8"?>
+<p:sld xmlns:a="http://schemas.openxmlformats.org/drawingml/2006/main" xmlns:r="http://schemas.openxmlformats.org/officeDocument/2006/relationships" xmlns:p="http://schemas.openxmlformats.org/presentationml/2006/main">
+  <p:cSld>
+    <p:spTree>
+      <p:nvGrpSpPr>
+        <p:cNvPr id="1" name=""/>
+        <p:cNvGrpSpPr/>
+        <p:nvPr/>
+      </p:nvGrpSpPr>
+      <p:grpSpPr>
+        <a:xfrm>
+          <a:off x="0" y="0"/>
+          <a:ext cx="0" cy="0"/>
+          <a:chOff x="0" y="0"/>
+          <a:chExt cx="0" cy="0"/>
+        </a:xfrm>
+      </p:grpSpPr>
+      <p:sp>
+        <p:nvSpPr>
+          <p:cNvPr id="4" name="Título 1"/>
+          <p:cNvSpPr txBox="1">
+            <a:spLocks/>
+          </p:cNvSpPr>
+          <p:nvPr/>
+        </p:nvSpPr>
+        <p:spPr>
+          <a:xfrm>
+            <a:off x="251520" y="476672"/>
+            <a:ext cx="8568952" cy="6120680"/>
+          </a:xfrm>
+          <a:prstGeom prst="rect">
+            <a:avLst/>
+          </a:prstGeom>
+        </p:spPr>
+        <p:txBody>
+          <a:bodyPr vert="horz" anchor="ctr">
+            <a:noAutofit/>
+          </a:bodyPr>
+          <a:lstStyle/>
+          <a:p>
+            <a:pPr marL="0" marR="0" lvl="0" indent="0" algn="ctr" defTabSz="914400" rtl="0" eaLnBrk="1" fontAlgn="auto" latinLnBrk="0" hangingPunct="1">
+              <a:lnSpc>
+                <a:spcPct val="100000"/>
+              </a:lnSpc>
+              <a:spcBef>
+                <a:spcPct val="0"/>
+              </a:spcBef>
+              <a:spcAft>
+                <a:spcPts val="0"/>
+              </a:spcAft>
+              <a:buClrTx/>
+              <a:buSzTx/>
+              <a:buFontTx/>
+              <a:buNone/>
+              <a:tabLst/>
+              <a:defRPr/>
+            </a:pPr>
+            <a:r>
+              <a:rPr lang="pt-BR" sz="12000" cap="all" noProof="0" dirty="0" smtClean="0">
+                <a:solidFill>
+                  <a:srgbClr val="FF0000"/>
+                </a:solidFill>
+                <a:effectLst>
+                  <a:reflection blurRad="12700" stA="48000" endA="300" endPos="55000" dir="5400000" sy="-90000" algn="bl" rotWithShape="0"/>
+                </a:effectLst>
+                <a:latin typeface="Bauhaus 93" pitchFamily="82" charset="0"/>
+                <a:ea typeface="+mj-ea"/>
+                <a:cs typeface="+mj-cs"/>
+              </a:rPr>
+              <a:t>Ponto</a:t>
+            </a:r>
+          </a:p>
+          <a:p>
+            <a:pPr marL="0" marR="0" lvl="0" indent="0" algn="ctr" defTabSz="914400" rtl="0" eaLnBrk="1" fontAlgn="auto" latinLnBrk="0" hangingPunct="1">
+              <a:lnSpc>
+                <a:spcPct val="100000"/>
+              </a:lnSpc>
+              <a:spcBef>
+                <a:spcPct val="0"/>
+              </a:spcBef>
+              <a:spcAft>
+                <a:spcPts val="0"/>
+              </a:spcAft>
+              <a:buClrTx/>
+              <a:buSzTx/>
+              <a:buFontTx/>
+              <a:buNone/>
+              <a:tabLst/>
+              <a:defRPr/>
+            </a:pPr>
+            <a:r>
+              <a:rPr kumimoji="0" lang="pt-BR" sz="12000" b="0" i="0" u="none" strike="noStrike" kern="1200" cap="all" spc="0" normalizeH="0" baseline="0" dirty="0" smtClean="0">
+                <a:ln>
+                  <a:noFill/>
+                </a:ln>
+                <a:solidFill>
+                  <a:srgbClr val="FF0000"/>
+                </a:solidFill>
+                <a:effectLst>
+                  <a:reflection blurRad="12700" stA="48000" endA="300" endPos="55000" dir="5400000" sy="-90000" algn="bl" rotWithShape="0"/>
+                </a:effectLst>
+                <a:uLnTx/>
+                <a:uFillTx/>
+                <a:latin typeface="Bauhaus 93" pitchFamily="82" charset="0"/>
+                <a:ea typeface="+mj-ea"/>
+                <a:cs typeface="+mj-cs"/>
+              </a:rPr>
+              <a:t>De</a:t>
+            </a:r>
+            <a:r>
+              <a:rPr kumimoji="0" lang="pt-BR" sz="12000" b="0" i="0" u="none" strike="noStrike" kern="1200" cap="all" spc="0" normalizeH="0" dirty="0" smtClean="0">
+                <a:ln>
+                  <a:noFill/>
+                </a:ln>
+                <a:solidFill>
+                  <a:srgbClr val="FF0000"/>
+                </a:solidFill>
+                <a:effectLst>
+                  <a:reflection blurRad="12700" stA="48000" endA="300" endPos="55000" dir="5400000" sy="-90000" algn="bl" rotWithShape="0"/>
+                </a:effectLst>
+                <a:uLnTx/>
+                <a:uFillTx/>
+                <a:latin typeface="Bauhaus 93" pitchFamily="82" charset="0"/>
+                <a:ea typeface="+mj-ea"/>
+                <a:cs typeface="+mj-cs"/>
+              </a:rPr>
+              <a:t> </a:t>
+            </a:r>
+          </a:p>
+          <a:p>
+            <a:pPr marL="0" marR="0" lvl="0" indent="0" algn="ctr" defTabSz="914400" rtl="0" eaLnBrk="1" fontAlgn="auto" latinLnBrk="0" hangingPunct="1">
+              <a:lnSpc>
+                <a:spcPct val="100000"/>
+              </a:lnSpc>
+              <a:spcBef>
+                <a:spcPct val="0"/>
+              </a:spcBef>
+              <a:spcAft>
+                <a:spcPts val="0"/>
+              </a:spcAft>
+              <a:buClrTx/>
+              <a:buSzTx/>
+              <a:buFontTx/>
+              <a:buNone/>
+              <a:tabLst/>
+              <a:defRPr/>
+            </a:pPr>
+            <a:r>
+              <a:rPr lang="pt-BR" sz="12000" cap="all" baseline="0" noProof="0" dirty="0" smtClean="0">
+                <a:solidFill>
+                  <a:srgbClr val="FF0000"/>
+                </a:solidFill>
+                <a:effectLst>
+                  <a:reflection blurRad="12700" stA="48000" endA="300" endPos="55000" dir="5400000" sy="-90000" algn="bl" rotWithShape="0"/>
+                </a:effectLst>
+                <a:latin typeface="Bauhaus 93" pitchFamily="82" charset="0"/>
+                <a:ea typeface="+mj-ea"/>
+                <a:cs typeface="+mj-cs"/>
+              </a:rPr>
+              <a:t>partida</a:t>
+            </a:r>
+            <a:endParaRPr kumimoji="0" lang="pt-BR" sz="12000" b="0" i="0" u="none" strike="noStrike" kern="1200" cap="all" spc="0" normalizeH="0" baseline="0" noProof="0" dirty="0">
+              <a:ln>
+                <a:noFill/>
+              </a:ln>
+              <a:solidFill>
+                <a:srgbClr val="FF0000"/>
+              </a:solidFill>
+              <a:effectLst>
+                <a:reflection blurRad="12700" stA="48000" endA="300" endPos="55000" dir="5400000" sy="-90000" algn="bl" rotWithShape="0"/>
+              </a:effectLst>
+              <a:uLnTx/>
+              <a:uFillTx/>
+              <a:latin typeface="Bauhaus 93" pitchFamily="82" charset="0"/>
+              <a:ea typeface="+mj-ea"/>
+              <a:cs typeface="+mj-cs"/>
+            </a:endParaRPr>
+          </a:p>
+        </p:txBody>
+      </p:sp>
+    </p:spTree>
+  </p:cSld>
+  <p:clrMapOvr>
+    <a:masterClrMapping/>
+  </p:clrMapOvr>
+  <p:timing>
+    <p:tnLst>
+      <p:par>
+        <p:cTn id="1" dur="indefinite" restart="never" nodeType="tmRoot"/>
+      </p:par>
+    </p:tnLst>
+  </p:timing>
+</p:sld>
+</file>
+
+<file path=ppt/slides/slide13.xml><?xml version="1.0" encoding="utf-8"?>
+<p:sld xmlns:a="http://schemas.openxmlformats.org/drawingml/2006/main" xmlns:r="http://schemas.openxmlformats.org/officeDocument/2006/relationships" xmlns:p="http://schemas.openxmlformats.org/presentationml/2006/main">
+  <p:cSld>
+    <p:spTree>
+      <p:nvGrpSpPr>
+        <p:cNvPr id="1" name=""/>
+        <p:cNvGrpSpPr/>
+        <p:nvPr/>
+      </p:nvGrpSpPr>
+      <p:grpSpPr>
+        <a:xfrm>
+          <a:off x="0" y="0"/>
+          <a:ext cx="0" cy="0"/>
+          <a:chOff x="0" y="0"/>
+          <a:chExt cx="0" cy="0"/>
+        </a:xfrm>
+      </p:grpSpPr>
+      <p:sp>
+        <p:nvSpPr>
+          <p:cNvPr id="2" name="Título 1"/>
           <p:cNvSpPr>
             <a:spLocks noGrp="1"/>
           </p:cNvSpPr>
           <p:nvPr>
-            <p:ph idx="1"/>
+            <p:ph type="title"/>
           </p:nvPr>
         </p:nvSpPr>
         <p:spPr/>
@@ -23114,10 +26847,34 @@
           <a:bodyPr/>
           <a:lstStyle/>
           <a:p>
-            <a:endParaRPr lang="pt-BR"/>
+            <a:r>
+              <a:rPr lang="pt-BR" dirty="0" smtClean="0"/>
+              <a:t>Modo de execução</a:t>
+            </a:r>
+            <a:endParaRPr lang="pt-BR" dirty="0"/>
           </a:p>
         </p:txBody>
       </p:sp>
+      <p:graphicFrame>
+        <p:nvGraphicFramePr>
+          <p:cNvPr id="4" name="Espaço Reservado para Conteúdo 3"/>
+          <p:cNvGraphicFramePr>
+            <a:graphicFrameLocks noGrp="1"/>
+          </p:cNvGraphicFramePr>
+          <p:nvPr>
+            <p:ph idx="1"/>
+          </p:nvPr>
+        </p:nvGraphicFramePr>
+        <p:xfrm>
+          <a:off x="304800" y="1554162"/>
+          <a:ext cx="8686800" cy="5115197"/>
+        </p:xfrm>
+        <a:graphic>
+          <a:graphicData uri="http://schemas.openxmlformats.org/drawingml/2006/diagram">
+            <dgm:relIds xmlns:dgm="http://schemas.openxmlformats.org/drawingml/2006/diagram" xmlns:r="http://schemas.openxmlformats.org/officeDocument/2006/relationships" r:dm="rId2" r:lo="rId3" r:qs="rId4" r:cs="rId5"/>
+          </a:graphicData>
+        </a:graphic>
+      </p:graphicFrame>
     </p:spTree>
   </p:cSld>
   <p:clrMapOvr>
@@ -23331,7 +27088,7 @@
             <p:ph idx="1"/>
             <p:extLst>
               <p:ext uri="{D42A27DB-BD31-4B8C-83A1-F6EECF244321}">
-                <p14:modId xmlns="" xmlns:p14="http://schemas.microsoft.com/office/powerpoint/2010/main" val="736405372"/>
+                <p14:modId xmlns:p14="http://schemas.microsoft.com/office/powerpoint/2010/main" xmlns="" val="736405372"/>
               </p:ext>
             </p:extLst>
           </p:nvPr>
@@ -23484,7 +27241,7 @@
             <p:ph idx="1"/>
             <p:extLst>
               <p:ext uri="{D42A27DB-BD31-4B8C-83A1-F6EECF244321}">
-                <p14:modId xmlns="" xmlns:p14="http://schemas.microsoft.com/office/powerpoint/2010/main" val="2118870426"/>
+                <p14:modId xmlns:p14="http://schemas.microsoft.com/office/powerpoint/2010/main" xmlns="" val="2118870426"/>
               </p:ext>
             </p:extLst>
           </p:nvPr>
@@ -23693,8 +27450,8 @@
         </p:nvSpPr>
         <p:spPr>
           <a:xfrm>
-            <a:off x="7072330" y="928670"/>
-            <a:ext cx="1857388" cy="1343028"/>
+            <a:off x="6948264" y="928670"/>
+            <a:ext cx="1981454" cy="1343028"/>
           </a:xfrm>
           <a:prstGeom prst="ellipse">
             <a:avLst/>
@@ -23886,8 +27643,8 @@
           <a:lstStyle/>
           <a:p>
             <a:r>
-              <a:rPr lang="pt-BR" dirty="0" err="1" smtClean="0"/>
-              <a:t>asessibildade</a:t>
+              <a:rPr lang="pt-BR" dirty="0" smtClean="0"/>
+              <a:t>Acessibilidade</a:t>
             </a:r>
             <a:endParaRPr lang="pt-BR" dirty="0"/>
           </a:p>

--- a/SAS/Planejamento/Docs/#3 - Apresentação do projeto.pptx
+++ b/SAS/Planejamento/Docs/#3 - Apresentação do projeto.pptx
@@ -18,6 +18,7 @@
     <p:sldId id="272" r:id="rId12"/>
     <p:sldId id="274" r:id="rId13"/>
     <p:sldId id="275" r:id="rId14"/>
+    <p:sldId id="276" r:id="rId15"/>
   </p:sldIdLst>
   <p:sldSz cx="9144000" cy="6858000" type="screen4x3"/>
   <p:notesSz cx="6858000" cy="9144000"/>
@@ -5438,29 +5439,29 @@
     </dgm:pt>
   </dgm:ptLst>
   <dgm:cxnLst>
-    <dgm:cxn modelId="{49439F5F-703F-42C8-AC41-9D10F0F390C7}" srcId="{C9FFFE1F-6078-4D82-87D0-BC919E87007C}" destId="{3D263D67-4D7A-41A5-91A5-670388FEE69F}" srcOrd="0" destOrd="0" parTransId="{ACF50AC0-88E8-48BB-8EA1-B472F428EFC8}" sibTransId="{E1C076EE-C718-4411-AC8A-F6087CE2E2FC}"/>
-    <dgm:cxn modelId="{5841D8E5-D5C7-4B41-9DAE-560DF7678DA7}" type="presOf" srcId="{173220D9-50C9-488E-A9A9-489CC4741688}" destId="{4069C5B0-E0D3-47C9-9E5F-416939C594B9}" srcOrd="0" destOrd="3" presId="urn:microsoft.com/office/officeart/2005/8/layout/vList5"/>
-    <dgm:cxn modelId="{29B6EE33-46BD-4DFF-8EAB-6F54D53EE694}" srcId="{7204C1C4-4A05-4E69-9F7B-60981284C004}" destId="{FEEFF06B-F309-4B5C-9120-F2D5BB2A0B0A}" srcOrd="0" destOrd="0" parTransId="{92393A6B-0584-45D2-B927-C5E52B55B04B}" sibTransId="{9A34E78C-3E18-40E0-9559-08591574FBDD}"/>
-    <dgm:cxn modelId="{F8EDE821-F4CD-4FD2-80DE-63681A6BFEE6}" type="presOf" srcId="{8CD26415-961D-4B68-B921-E5200F5307C6}" destId="{7991AEF3-84F5-4F2F-9A87-D93011516A86}" srcOrd="0" destOrd="0" presId="urn:microsoft.com/office/officeart/2005/8/layout/vList5"/>
-    <dgm:cxn modelId="{E320DCA1-229B-464B-A3C2-83EF157F38FD}" type="presOf" srcId="{FEEFF06B-F309-4B5C-9120-F2D5BB2A0B0A}" destId="{4069C5B0-E0D3-47C9-9E5F-416939C594B9}" srcOrd="0" destOrd="0" presId="urn:microsoft.com/office/officeart/2005/8/layout/vList5"/>
-    <dgm:cxn modelId="{5146D501-AD3A-4D91-A2EE-6B8E055A8536}" type="presOf" srcId="{C9FFFE1F-6078-4D82-87D0-BC919E87007C}" destId="{F985ABD3-DA1F-4E90-952D-1C16820F198E}" srcOrd="0" destOrd="0" presId="urn:microsoft.com/office/officeart/2005/8/layout/vList5"/>
-    <dgm:cxn modelId="{16F3F74B-7060-4D12-9C89-BB95B103C25C}" type="presOf" srcId="{D7EEFC11-8883-4ED2-BE60-DD96E84152F9}" destId="{76D300D9-3977-4D02-95E9-3905CCACBD1B}" srcOrd="0" destOrd="0" presId="urn:microsoft.com/office/officeart/2005/8/layout/vList5"/>
+    <dgm:cxn modelId="{F9191076-F8DA-4139-AB2E-8676FB0EE6B9}" srcId="{F764DBA7-A3E6-41AE-AAE3-82E4B8468FDE}" destId="{8CD26415-961D-4B68-B921-E5200F5307C6}" srcOrd="0" destOrd="0" parTransId="{BA48AF34-0E50-497A-9716-D728A68A822C}" sibTransId="{442A9638-1598-4307-926B-38E8B2F5EC42}"/>
     <dgm:cxn modelId="{40518AFD-BA91-4B2F-AEA2-E573186B25A5}" srcId="{E42DA33D-4309-45A4-8090-C7C1B8DE2840}" destId="{3E8A25C2-92DB-4ED8-B8C9-EA3371ADABA4}" srcOrd="1" destOrd="0" parTransId="{AE9D5A4F-DE63-4C00-8459-58284FF23117}" sibTransId="{DFAB64E3-84EF-4A31-90B3-B1CB79332689}"/>
     <dgm:cxn modelId="{886B9366-E103-4F17-9B78-865383070892}" type="presOf" srcId="{3E8A25C2-92DB-4ED8-B8C9-EA3371ADABA4}" destId="{1C4CF5AE-B0A9-4E79-99D0-8192DD361FD5}" srcOrd="0" destOrd="0" presId="urn:microsoft.com/office/officeart/2005/8/layout/vList5"/>
+    <dgm:cxn modelId="{E320DCA1-229B-464B-A3C2-83EF157F38FD}" type="presOf" srcId="{FEEFF06B-F309-4B5C-9120-F2D5BB2A0B0A}" destId="{4069C5B0-E0D3-47C9-9E5F-416939C594B9}" srcOrd="0" destOrd="0" presId="urn:microsoft.com/office/officeart/2005/8/layout/vList5"/>
+    <dgm:cxn modelId="{287A446E-66DE-4E87-9D02-0CCC24AE66D5}" srcId="{3E8A25C2-92DB-4ED8-B8C9-EA3371ADABA4}" destId="{D7EEFC11-8883-4ED2-BE60-DD96E84152F9}" srcOrd="0" destOrd="0" parTransId="{B482877E-31B6-44B4-8CD6-B7C7B7B41713}" sibTransId="{6D43DDB6-F7AC-4CC2-A2C8-5A3FEEC47C1E}"/>
+    <dgm:cxn modelId="{02D36449-91AF-4126-9259-E191C70B70F8}" type="presOf" srcId="{3D263D67-4D7A-41A5-91A5-670388FEE69F}" destId="{232E8D04-E732-492E-A284-139D99DFE02C}" srcOrd="0" destOrd="0" presId="urn:microsoft.com/office/officeart/2005/8/layout/vList5"/>
+    <dgm:cxn modelId="{8A68C0B9-F522-4B3B-9EBF-E7A9F6BA3F83}" type="presOf" srcId="{F764DBA7-A3E6-41AE-AAE3-82E4B8468FDE}" destId="{DE3A8CA3-F5E7-47D6-9409-0DAEFC3883C5}" srcOrd="0" destOrd="0" presId="urn:microsoft.com/office/officeart/2005/8/layout/vList5"/>
+    <dgm:cxn modelId="{7DA06D24-3FE4-409C-A5B4-AABEB6DCE6D5}" srcId="{7204C1C4-4A05-4E69-9F7B-60981284C004}" destId="{532DDF30-8F85-4CC7-9DA6-BD224FB1F3F5}" srcOrd="2" destOrd="0" parTransId="{D1BC096E-7702-440B-BE80-860792D3DFB7}" sibTransId="{9D185A63-1973-4493-917E-43CEF87568E8}"/>
+    <dgm:cxn modelId="{482FF1F3-2CE5-45AC-BB2F-4517318D1C97}" type="presOf" srcId="{CD90799B-3B74-4BC7-8657-98A1B4DCC681}" destId="{4069C5B0-E0D3-47C9-9E5F-416939C594B9}" srcOrd="0" destOrd="1" presId="urn:microsoft.com/office/officeart/2005/8/layout/vList5"/>
+    <dgm:cxn modelId="{8992B31C-96AE-42D8-92E7-747632B0038C}" type="presOf" srcId="{532DDF30-8F85-4CC7-9DA6-BD224FB1F3F5}" destId="{4069C5B0-E0D3-47C9-9E5F-416939C594B9}" srcOrd="0" destOrd="2" presId="urn:microsoft.com/office/officeart/2005/8/layout/vList5"/>
+    <dgm:cxn modelId="{D46377DF-2182-4F84-AFF5-DB9944A33CEB}" srcId="{7204C1C4-4A05-4E69-9F7B-60981284C004}" destId="{173220D9-50C9-488E-A9A9-489CC4741688}" srcOrd="3" destOrd="0" parTransId="{697FBDF5-834B-4E5D-BD0B-12A48E5AAFF4}" sibTransId="{5A7C2A10-2078-49E3-9412-D762C6EE25B3}"/>
+    <dgm:cxn modelId="{29B6EE33-46BD-4DFF-8EAB-6F54D53EE694}" srcId="{7204C1C4-4A05-4E69-9F7B-60981284C004}" destId="{FEEFF06B-F309-4B5C-9120-F2D5BB2A0B0A}" srcOrd="0" destOrd="0" parTransId="{92393A6B-0584-45D2-B927-C5E52B55B04B}" sibTransId="{9A34E78C-3E18-40E0-9559-08591574FBDD}"/>
+    <dgm:cxn modelId="{49439F5F-703F-42C8-AC41-9D10F0F390C7}" srcId="{C9FFFE1F-6078-4D82-87D0-BC919E87007C}" destId="{3D263D67-4D7A-41A5-91A5-670388FEE69F}" srcOrd="0" destOrd="0" parTransId="{ACF50AC0-88E8-48BB-8EA1-B472F428EFC8}" sibTransId="{E1C076EE-C718-4411-AC8A-F6087CE2E2FC}"/>
+    <dgm:cxn modelId="{B14882FA-3621-45BB-AD02-588DC237E259}" srcId="{E42DA33D-4309-45A4-8090-C7C1B8DE2840}" destId="{C9FFFE1F-6078-4D82-87D0-BC919E87007C}" srcOrd="3" destOrd="0" parTransId="{542BC124-9D9F-4260-8A13-671245865973}" sibTransId="{7CFEB858-7D09-4292-AFD8-A460BF109FDB}"/>
+    <dgm:cxn modelId="{5146D501-AD3A-4D91-A2EE-6B8E055A8536}" type="presOf" srcId="{C9FFFE1F-6078-4D82-87D0-BC919E87007C}" destId="{F985ABD3-DA1F-4E90-952D-1C16820F198E}" srcOrd="0" destOrd="0" presId="urn:microsoft.com/office/officeart/2005/8/layout/vList5"/>
+    <dgm:cxn modelId="{2F03713C-0490-4725-99D7-5056B7C29DD9}" type="presOf" srcId="{E42DA33D-4309-45A4-8090-C7C1B8DE2840}" destId="{9951C6AC-0F0C-48FA-BECF-6C3F336159BF}" srcOrd="0" destOrd="0" presId="urn:microsoft.com/office/officeart/2005/8/layout/vList5"/>
+    <dgm:cxn modelId="{87BA7E12-F7AF-46BE-8604-29232418CB3A}" srcId="{E42DA33D-4309-45A4-8090-C7C1B8DE2840}" destId="{7204C1C4-4A05-4E69-9F7B-60981284C004}" srcOrd="0" destOrd="0" parTransId="{4413B713-B44E-40B8-B9EC-C52CD6FE6A10}" sibTransId="{03005108-F32D-4EFF-9439-890CCA627D66}"/>
+    <dgm:cxn modelId="{16F3F74B-7060-4D12-9C89-BB95B103C25C}" type="presOf" srcId="{D7EEFC11-8883-4ED2-BE60-DD96E84152F9}" destId="{76D300D9-3977-4D02-95E9-3905CCACBD1B}" srcOrd="0" destOrd="0" presId="urn:microsoft.com/office/officeart/2005/8/layout/vList5"/>
+    <dgm:cxn modelId="{F8EDE821-F4CD-4FD2-80DE-63681A6BFEE6}" type="presOf" srcId="{8CD26415-961D-4B68-B921-E5200F5307C6}" destId="{7991AEF3-84F5-4F2F-9A87-D93011516A86}" srcOrd="0" destOrd="0" presId="urn:microsoft.com/office/officeart/2005/8/layout/vList5"/>
+    <dgm:cxn modelId="{7B753C74-0022-47C2-9FF5-93322A5AF332}" type="presOf" srcId="{7204C1C4-4A05-4E69-9F7B-60981284C004}" destId="{83285697-B771-41E8-BF80-D6B7B2E260A7}" srcOrd="0" destOrd="0" presId="urn:microsoft.com/office/officeart/2005/8/layout/vList5"/>
+    <dgm:cxn modelId="{5841D8E5-D5C7-4B41-9DAE-560DF7678DA7}" type="presOf" srcId="{173220D9-50C9-488E-A9A9-489CC4741688}" destId="{4069C5B0-E0D3-47C9-9E5F-416939C594B9}" srcOrd="0" destOrd="3" presId="urn:microsoft.com/office/officeart/2005/8/layout/vList5"/>
     <dgm:cxn modelId="{895F7E3F-AB1D-4DDA-9805-E992151AA0A5}" srcId="{E42DA33D-4309-45A4-8090-C7C1B8DE2840}" destId="{F764DBA7-A3E6-41AE-AAE3-82E4B8468FDE}" srcOrd="2" destOrd="0" parTransId="{DC130EEF-0F89-485F-A675-CEFBD90A8E41}" sibTransId="{41615984-E2C2-477B-BB5D-8BF374A79996}"/>
-    <dgm:cxn modelId="{482FF1F3-2CE5-45AC-BB2F-4517318D1C97}" type="presOf" srcId="{CD90799B-3B74-4BC7-8657-98A1B4DCC681}" destId="{4069C5B0-E0D3-47C9-9E5F-416939C594B9}" srcOrd="0" destOrd="1" presId="urn:microsoft.com/office/officeart/2005/8/layout/vList5"/>
-    <dgm:cxn modelId="{287A446E-66DE-4E87-9D02-0CCC24AE66D5}" srcId="{3E8A25C2-92DB-4ED8-B8C9-EA3371ADABA4}" destId="{D7EEFC11-8883-4ED2-BE60-DD96E84152F9}" srcOrd="0" destOrd="0" parTransId="{B482877E-31B6-44B4-8CD6-B7C7B7B41713}" sibTransId="{6D43DDB6-F7AC-4CC2-A2C8-5A3FEEC47C1E}"/>
-    <dgm:cxn modelId="{7DA06D24-3FE4-409C-A5B4-AABEB6DCE6D5}" srcId="{7204C1C4-4A05-4E69-9F7B-60981284C004}" destId="{532DDF30-8F85-4CC7-9DA6-BD224FB1F3F5}" srcOrd="2" destOrd="0" parTransId="{D1BC096E-7702-440B-BE80-860792D3DFB7}" sibTransId="{9D185A63-1973-4493-917E-43CEF87568E8}"/>
-    <dgm:cxn modelId="{B14882FA-3621-45BB-AD02-588DC237E259}" srcId="{E42DA33D-4309-45A4-8090-C7C1B8DE2840}" destId="{C9FFFE1F-6078-4D82-87D0-BC919E87007C}" srcOrd="3" destOrd="0" parTransId="{542BC124-9D9F-4260-8A13-671245865973}" sibTransId="{7CFEB858-7D09-4292-AFD8-A460BF109FDB}"/>
-    <dgm:cxn modelId="{87BA7E12-F7AF-46BE-8604-29232418CB3A}" srcId="{E42DA33D-4309-45A4-8090-C7C1B8DE2840}" destId="{7204C1C4-4A05-4E69-9F7B-60981284C004}" srcOrd="0" destOrd="0" parTransId="{4413B713-B44E-40B8-B9EC-C52CD6FE6A10}" sibTransId="{03005108-F32D-4EFF-9439-890CCA627D66}"/>
     <dgm:cxn modelId="{83312643-ADFE-4B1B-815A-D60947C8A4EC}" srcId="{7204C1C4-4A05-4E69-9F7B-60981284C004}" destId="{CD90799B-3B74-4BC7-8657-98A1B4DCC681}" srcOrd="1" destOrd="0" parTransId="{751EC021-411F-4A76-B34F-42C814479026}" sibTransId="{7A7CB2A3-1623-4099-B0DA-33EDC01CA133}"/>
-    <dgm:cxn modelId="{02D36449-91AF-4126-9259-E191C70B70F8}" type="presOf" srcId="{3D263D67-4D7A-41A5-91A5-670388FEE69F}" destId="{232E8D04-E732-492E-A284-139D99DFE02C}" srcOrd="0" destOrd="0" presId="urn:microsoft.com/office/officeart/2005/8/layout/vList5"/>
-    <dgm:cxn modelId="{D46377DF-2182-4F84-AFF5-DB9944A33CEB}" srcId="{7204C1C4-4A05-4E69-9F7B-60981284C004}" destId="{173220D9-50C9-488E-A9A9-489CC4741688}" srcOrd="3" destOrd="0" parTransId="{697FBDF5-834B-4E5D-BD0B-12A48E5AAFF4}" sibTransId="{5A7C2A10-2078-49E3-9412-D762C6EE25B3}"/>
-    <dgm:cxn modelId="{2F03713C-0490-4725-99D7-5056B7C29DD9}" type="presOf" srcId="{E42DA33D-4309-45A4-8090-C7C1B8DE2840}" destId="{9951C6AC-0F0C-48FA-BECF-6C3F336159BF}" srcOrd="0" destOrd="0" presId="urn:microsoft.com/office/officeart/2005/8/layout/vList5"/>
-    <dgm:cxn modelId="{7B753C74-0022-47C2-9FF5-93322A5AF332}" type="presOf" srcId="{7204C1C4-4A05-4E69-9F7B-60981284C004}" destId="{83285697-B771-41E8-BF80-D6B7B2E260A7}" srcOrd="0" destOrd="0" presId="urn:microsoft.com/office/officeart/2005/8/layout/vList5"/>
-    <dgm:cxn modelId="{8A68C0B9-F522-4B3B-9EBF-E7A9F6BA3F83}" type="presOf" srcId="{F764DBA7-A3E6-41AE-AAE3-82E4B8468FDE}" destId="{DE3A8CA3-F5E7-47D6-9409-0DAEFC3883C5}" srcOrd="0" destOrd="0" presId="urn:microsoft.com/office/officeart/2005/8/layout/vList5"/>
-    <dgm:cxn modelId="{8992B31C-96AE-42D8-92E7-747632B0038C}" type="presOf" srcId="{532DDF30-8F85-4CC7-9DA6-BD224FB1F3F5}" destId="{4069C5B0-E0D3-47C9-9E5F-416939C594B9}" srcOrd="0" destOrd="2" presId="urn:microsoft.com/office/officeart/2005/8/layout/vList5"/>
-    <dgm:cxn modelId="{F9191076-F8DA-4139-AB2E-8676FB0EE6B9}" srcId="{F764DBA7-A3E6-41AE-AAE3-82E4B8468FDE}" destId="{8CD26415-961D-4B68-B921-E5200F5307C6}" srcOrd="0" destOrd="0" parTransId="{BA48AF34-0E50-497A-9716-D728A68A822C}" sibTransId="{442A9638-1598-4307-926B-38E8B2F5EC42}"/>
     <dgm:cxn modelId="{A3BB4633-1B83-438C-B46A-5AF3D92225A3}" type="presParOf" srcId="{9951C6AC-0F0C-48FA-BECF-6C3F336159BF}" destId="{74EA5511-F8C7-4860-A01C-41612C829EF5}" srcOrd="0" destOrd="0" presId="urn:microsoft.com/office/officeart/2005/8/layout/vList5"/>
     <dgm:cxn modelId="{8F3604BB-2758-4462-926E-F93AA05F30B5}" type="presParOf" srcId="{74EA5511-F8C7-4860-A01C-41612C829EF5}" destId="{83285697-B771-41E8-BF80-D6B7B2E260A7}" srcOrd="0" destOrd="0" presId="urn:microsoft.com/office/officeart/2005/8/layout/vList5"/>
     <dgm:cxn modelId="{C5A249E9-42F1-43F9-8331-FBEE8E16B894}" type="presParOf" srcId="{74EA5511-F8C7-4860-A01C-41612C829EF5}" destId="{4069C5B0-E0D3-47C9-9E5F-416939C594B9}" srcOrd="1" destOrd="0" presId="urn:microsoft.com/office/officeart/2005/8/layout/vList5"/>
@@ -5481,7 +5482,7 @@
   <dgm:whole/>
   <dgm:extLst>
     <a:ext uri="http://schemas.microsoft.com/office/drawing/2008/diagram">
-      <dsp:dataModelExt xmlns:dsp="http://schemas.microsoft.com/office/drawing/2008/diagram" xmlns="" relId="rId6" minVer="http://schemas.openxmlformats.org/drawingml/2006/diagram"/>
+      <dsp:dataModelExt xmlns:dsp="http://schemas.microsoft.com/office/drawing/2008/diagram" relId="rId6" minVer="http://schemas.openxmlformats.org/drawingml/2006/diagram"/>
     </a:ext>
   </dgm:extLst>
 </dgm:dataModel>
@@ -5983,21 +5984,21 @@
     </dgm:pt>
   </dgm:ptLst>
   <dgm:cxnLst>
+    <dgm:cxn modelId="{4162AF35-F4B6-484B-85F5-7EA768BB9E8E}" srcId="{B41D75AE-2A29-4277-8DBB-D5E9CED79C4D}" destId="{9386B31C-5E45-4E23-9545-29E102B9F75C}" srcOrd="2" destOrd="0" parTransId="{E5DE2FC0-1550-46BE-897B-AE2B5F4C4F50}" sibTransId="{81D5BC8E-7E40-419C-B9FD-4110FCC5033E}"/>
+    <dgm:cxn modelId="{762F7717-D26E-4D1C-A6FD-498F6E1B02A3}" srcId="{22AB3F71-BC8F-4768-888B-F6E1856CFD5B}" destId="{3973E519-921D-4357-808F-65EA81567642}" srcOrd="0" destOrd="0" parTransId="{74AF20CE-7799-4C8E-A894-EE0C2D449A5F}" sibTransId="{ED0B01CC-F5BD-4E3D-9811-96F476147302}"/>
+    <dgm:cxn modelId="{707FFF28-2F42-47B1-AF9C-ADF519D8B5EB}" type="presOf" srcId="{3973E519-921D-4357-808F-65EA81567642}" destId="{7FBFBAC4-2975-4795-ADC7-4B54CCBAEAB1}" srcOrd="0" destOrd="0" presId="urn:microsoft.com/office/officeart/2005/8/layout/target2"/>
+    <dgm:cxn modelId="{600AD4AE-0545-4933-B03C-C176DBDB557C}" srcId="{B41D75AE-2A29-4277-8DBB-D5E9CED79C4D}" destId="{2B94917F-01CC-4A71-9A16-8FAE36546B5C}" srcOrd="0" destOrd="0" parTransId="{417D8286-04D5-40B8-9DD8-FB9B660136A4}" sibTransId="{9159FC4B-5B3E-42A2-871F-1D19B3560545}"/>
+    <dgm:cxn modelId="{5FB89280-146C-4EF7-B075-DCAA25CB7C0B}" type="presOf" srcId="{1119A085-6F07-46C4-B85B-D1CE300590BF}" destId="{10DC5E61-068F-4913-9663-325D256495C3}" srcOrd="0" destOrd="0" presId="urn:microsoft.com/office/officeart/2005/8/layout/target2"/>
+    <dgm:cxn modelId="{ABC03601-362A-489C-B301-16AAA4E2B732}" type="presOf" srcId="{B41D75AE-2A29-4277-8DBB-D5E9CED79C4D}" destId="{C26A6EA6-0081-4BE7-88AC-DA923A48049B}" srcOrd="0" destOrd="0" presId="urn:microsoft.com/office/officeart/2005/8/layout/target2"/>
+    <dgm:cxn modelId="{925D1D41-F295-4BF5-8F35-6B0283EB1660}" srcId="{09E1FA74-CAD4-4D8F-8C9F-47DB10A12E4C}" destId="{B41D75AE-2A29-4277-8DBB-D5E9CED79C4D}" srcOrd="0" destOrd="0" parTransId="{E4BA2DF7-CD16-40C5-8D39-63D87AB06BAE}" sibTransId="{49219BB6-AF08-4355-8AAC-CB63EB613BD5}"/>
+    <dgm:cxn modelId="{426C3B10-AC34-460C-A304-941DA2997EEF}" type="presOf" srcId="{09E1FA74-CAD4-4D8F-8C9F-47DB10A12E4C}" destId="{FD0A912F-A5FF-4195-8F6E-F1107C247D33}" srcOrd="0" destOrd="0" presId="urn:microsoft.com/office/officeart/2005/8/layout/target2"/>
+    <dgm:cxn modelId="{61055A83-F922-4350-9380-CFE46E9497BE}" type="presOf" srcId="{9386B31C-5E45-4E23-9545-29E102B9F75C}" destId="{F8CD597C-AF41-4911-8CDE-B209DEFA8EFC}" srcOrd="0" destOrd="0" presId="urn:microsoft.com/office/officeart/2005/8/layout/target2"/>
+    <dgm:cxn modelId="{B2FC2E59-E0BF-4CD3-9D3D-E86B294BD972}" srcId="{B41D75AE-2A29-4277-8DBB-D5E9CED79C4D}" destId="{1119A085-6F07-46C4-B85B-D1CE300590BF}" srcOrd="1" destOrd="0" parTransId="{A201BA82-5ACD-41C4-A756-1020B1F24B4A}" sibTransId="{5B1107D9-A94B-4373-8B80-400FA79466AA}"/>
+    <dgm:cxn modelId="{63AF8B90-41F1-4468-A6F5-BAA7319821CA}" type="presOf" srcId="{2B94917F-01CC-4A71-9A16-8FAE36546B5C}" destId="{55454349-EAF4-470E-BBAA-D434698917ED}" srcOrd="0" destOrd="0" presId="urn:microsoft.com/office/officeart/2005/8/layout/target2"/>
+    <dgm:cxn modelId="{2C1BC967-8769-46FF-A481-D45F7FB44D2D}" type="presOf" srcId="{22AB3F71-BC8F-4768-888B-F6E1856CFD5B}" destId="{51DE05A1-F310-4AD4-BD2A-E814179084C5}" srcOrd="0" destOrd="0" presId="urn:microsoft.com/office/officeart/2005/8/layout/target2"/>
+    <dgm:cxn modelId="{D407E21F-2FB2-486B-85B9-E1A242433F11}" type="presOf" srcId="{25E09C33-42FD-4F52-8CB0-452BF541B7EE}" destId="{C233A43E-286F-4E8D-BC0D-A6E7625559B2}" srcOrd="0" destOrd="0" presId="urn:microsoft.com/office/officeart/2005/8/layout/target2"/>
+    <dgm:cxn modelId="{2FFE2D2F-5254-486D-A83F-5A8A96275BDB}" srcId="{22AB3F71-BC8F-4768-888B-F6E1856CFD5B}" destId="{25E09C33-42FD-4F52-8CB0-452BF541B7EE}" srcOrd="1" destOrd="0" parTransId="{2E5C60CF-085B-4C66-A01B-83A3AF9AC5CE}" sibTransId="{F9299BC1-DA27-4702-A02B-E2D61037A6E5}"/>
     <dgm:cxn modelId="{47F9B3B4-FA63-45BD-B156-69D5C1732BE8}" srcId="{09E1FA74-CAD4-4D8F-8C9F-47DB10A12E4C}" destId="{22AB3F71-BC8F-4768-888B-F6E1856CFD5B}" srcOrd="1" destOrd="0" parTransId="{72548C30-62AA-4264-A91B-6E316ED2D1D5}" sibTransId="{C9F02517-C147-4C66-A0F0-11E0F557FBA6}"/>
-    <dgm:cxn modelId="{61055A83-F922-4350-9380-CFE46E9497BE}" type="presOf" srcId="{9386B31C-5E45-4E23-9545-29E102B9F75C}" destId="{F8CD597C-AF41-4911-8CDE-B209DEFA8EFC}" srcOrd="0" destOrd="0" presId="urn:microsoft.com/office/officeart/2005/8/layout/target2"/>
-    <dgm:cxn modelId="{ABC03601-362A-489C-B301-16AAA4E2B732}" type="presOf" srcId="{B41D75AE-2A29-4277-8DBB-D5E9CED79C4D}" destId="{C26A6EA6-0081-4BE7-88AC-DA923A48049B}" srcOrd="0" destOrd="0" presId="urn:microsoft.com/office/officeart/2005/8/layout/target2"/>
-    <dgm:cxn modelId="{762F7717-D26E-4D1C-A6FD-498F6E1B02A3}" srcId="{22AB3F71-BC8F-4768-888B-F6E1856CFD5B}" destId="{3973E519-921D-4357-808F-65EA81567642}" srcOrd="0" destOrd="0" parTransId="{74AF20CE-7799-4C8E-A894-EE0C2D449A5F}" sibTransId="{ED0B01CC-F5BD-4E3D-9811-96F476147302}"/>
-    <dgm:cxn modelId="{4162AF35-F4B6-484B-85F5-7EA768BB9E8E}" srcId="{B41D75AE-2A29-4277-8DBB-D5E9CED79C4D}" destId="{9386B31C-5E45-4E23-9545-29E102B9F75C}" srcOrd="2" destOrd="0" parTransId="{E5DE2FC0-1550-46BE-897B-AE2B5F4C4F50}" sibTransId="{81D5BC8E-7E40-419C-B9FD-4110FCC5033E}"/>
-    <dgm:cxn modelId="{925D1D41-F295-4BF5-8F35-6B0283EB1660}" srcId="{09E1FA74-CAD4-4D8F-8C9F-47DB10A12E4C}" destId="{B41D75AE-2A29-4277-8DBB-D5E9CED79C4D}" srcOrd="0" destOrd="0" parTransId="{E4BA2DF7-CD16-40C5-8D39-63D87AB06BAE}" sibTransId="{49219BB6-AF08-4355-8AAC-CB63EB613BD5}"/>
-    <dgm:cxn modelId="{B2FC2E59-E0BF-4CD3-9D3D-E86B294BD972}" srcId="{B41D75AE-2A29-4277-8DBB-D5E9CED79C4D}" destId="{1119A085-6F07-46C4-B85B-D1CE300590BF}" srcOrd="1" destOrd="0" parTransId="{A201BA82-5ACD-41C4-A756-1020B1F24B4A}" sibTransId="{5B1107D9-A94B-4373-8B80-400FA79466AA}"/>
-    <dgm:cxn modelId="{2C1BC967-8769-46FF-A481-D45F7FB44D2D}" type="presOf" srcId="{22AB3F71-BC8F-4768-888B-F6E1856CFD5B}" destId="{51DE05A1-F310-4AD4-BD2A-E814179084C5}" srcOrd="0" destOrd="0" presId="urn:microsoft.com/office/officeart/2005/8/layout/target2"/>
-    <dgm:cxn modelId="{5FB89280-146C-4EF7-B075-DCAA25CB7C0B}" type="presOf" srcId="{1119A085-6F07-46C4-B85B-D1CE300590BF}" destId="{10DC5E61-068F-4913-9663-325D256495C3}" srcOrd="0" destOrd="0" presId="urn:microsoft.com/office/officeart/2005/8/layout/target2"/>
-    <dgm:cxn modelId="{707FFF28-2F42-47B1-AF9C-ADF519D8B5EB}" type="presOf" srcId="{3973E519-921D-4357-808F-65EA81567642}" destId="{7FBFBAC4-2975-4795-ADC7-4B54CCBAEAB1}" srcOrd="0" destOrd="0" presId="urn:microsoft.com/office/officeart/2005/8/layout/target2"/>
-    <dgm:cxn modelId="{D407E21F-2FB2-486B-85B9-E1A242433F11}" type="presOf" srcId="{25E09C33-42FD-4F52-8CB0-452BF541B7EE}" destId="{C233A43E-286F-4E8D-BC0D-A6E7625559B2}" srcOrd="0" destOrd="0" presId="urn:microsoft.com/office/officeart/2005/8/layout/target2"/>
-    <dgm:cxn modelId="{600AD4AE-0545-4933-B03C-C176DBDB557C}" srcId="{B41D75AE-2A29-4277-8DBB-D5E9CED79C4D}" destId="{2B94917F-01CC-4A71-9A16-8FAE36546B5C}" srcOrd="0" destOrd="0" parTransId="{417D8286-04D5-40B8-9DD8-FB9B660136A4}" sibTransId="{9159FC4B-5B3E-42A2-871F-1D19B3560545}"/>
-    <dgm:cxn modelId="{63AF8B90-41F1-4468-A6F5-BAA7319821CA}" type="presOf" srcId="{2B94917F-01CC-4A71-9A16-8FAE36546B5C}" destId="{55454349-EAF4-470E-BBAA-D434698917ED}" srcOrd="0" destOrd="0" presId="urn:microsoft.com/office/officeart/2005/8/layout/target2"/>
-    <dgm:cxn modelId="{426C3B10-AC34-460C-A304-941DA2997EEF}" type="presOf" srcId="{09E1FA74-CAD4-4D8F-8C9F-47DB10A12E4C}" destId="{FD0A912F-A5FF-4195-8F6E-F1107C247D33}" srcOrd="0" destOrd="0" presId="urn:microsoft.com/office/officeart/2005/8/layout/target2"/>
-    <dgm:cxn modelId="{2FFE2D2F-5254-486D-A83F-5A8A96275BDB}" srcId="{22AB3F71-BC8F-4768-888B-F6E1856CFD5B}" destId="{25E09C33-42FD-4F52-8CB0-452BF541B7EE}" srcOrd="1" destOrd="0" parTransId="{2E5C60CF-085B-4C66-A01B-83A3AF9AC5CE}" sibTransId="{F9299BC1-DA27-4702-A02B-E2D61037A6E5}"/>
     <dgm:cxn modelId="{16E8C1E6-70FB-4022-92B1-0898AD7615A5}" type="presParOf" srcId="{FD0A912F-A5FF-4195-8F6E-F1107C247D33}" destId="{773AB8ED-F4AA-404C-834D-C3DDB163AC49}" srcOrd="0" destOrd="0" presId="urn:microsoft.com/office/officeart/2005/8/layout/target2"/>
     <dgm:cxn modelId="{B231CFE6-040F-4F36-934A-8F1C58DBB4C6}" type="presParOf" srcId="{773AB8ED-F4AA-404C-834D-C3DDB163AC49}" destId="{C26A6EA6-0081-4BE7-88AC-DA923A48049B}" srcOrd="0" destOrd="0" presId="urn:microsoft.com/office/officeart/2005/8/layout/target2"/>
     <dgm:cxn modelId="{36F10470-1CAB-4D37-96B9-51BBDA2806A8}" type="presParOf" srcId="{773AB8ED-F4AA-404C-834D-C3DDB163AC49}" destId="{40631DF0-C0BD-4F09-8B85-05530F809995}" srcOrd="1" destOrd="0" presId="urn:microsoft.com/office/officeart/2005/8/layout/target2"/>
@@ -6017,7 +6018,7 @@
   <dgm:whole/>
   <dgm:extLst>
     <a:ext uri="http://schemas.microsoft.com/office/drawing/2008/diagram">
-      <dsp:dataModelExt xmlns:dsp="http://schemas.microsoft.com/office/drawing/2008/diagram" xmlns="" relId="rId6" minVer="http://schemas.openxmlformats.org/drawingml/2006/diagram"/>
+      <dsp:dataModelExt xmlns:dsp="http://schemas.microsoft.com/office/drawing/2008/diagram" relId="rId6" minVer="http://schemas.openxmlformats.org/drawingml/2006/diagram"/>
     </a:ext>
   </dgm:extLst>
 </dgm:dataModel>
@@ -7353,52 +7354,52 @@
     </dgm:pt>
   </dgm:ptLst>
   <dgm:cxnLst>
-    <dgm:cxn modelId="{625B97B1-48B9-4F79-AD12-9E967C7E5D25}" type="presOf" srcId="{57884B04-88D4-4FB2-8678-5199DF429E6F}" destId="{3E47BC9E-87C0-4D93-83F4-A810B62AEF07}" srcOrd="0" destOrd="1" presId="urn:microsoft.com/office/officeart/2005/8/layout/process3"/>
-    <dgm:cxn modelId="{C6B6160D-9D08-4B9D-9AB9-7BB0133CD700}" type="presOf" srcId="{33CF88AB-0BBD-45CE-A2E6-91DC37BEC598}" destId="{A64C8272-FC1A-4572-A0B1-A3C36EACD2B6}" srcOrd="0" destOrd="0" presId="urn:microsoft.com/office/officeart/2005/8/layout/process3"/>
-    <dgm:cxn modelId="{E5B78FEC-B1D9-4EC3-A03E-DD89AE2D8BBB}" srcId="{AD7A2D0A-69C1-40D4-AC3C-50ACA39C45C1}" destId="{0F3E3240-049E-4C85-83B0-4A38B3BAD305}" srcOrd="2" destOrd="0" parTransId="{500CBC5A-72EC-4F1F-8BD7-22D81C693AA8}" sibTransId="{6817EB24-D370-4C5E-ABB4-525C433C69F0}"/>
-    <dgm:cxn modelId="{5DDCBCED-AD9D-443E-B390-A89DFC1C749F}" type="presOf" srcId="{140DB818-E071-4B39-BEDA-37F84C79FBA2}" destId="{184053F0-8034-496C-9823-B7D238D8DC93}" srcOrd="0" destOrd="0" presId="urn:microsoft.com/office/officeart/2005/8/layout/process3"/>
+    <dgm:cxn modelId="{22BA4952-EA9D-42A7-ABA5-EAD0B5F9B167}" srcId="{4BA36FF7-0F0F-4341-A68C-01E8516603CD}" destId="{0F73E91A-24E8-44FC-8282-F39E528AC837}" srcOrd="4" destOrd="0" parTransId="{C1AA1994-3B2F-47C9-8F5B-A08CE6A5D095}" sibTransId="{F93555B6-77A8-4728-91CF-7AF5B0C7EE62}"/>
+    <dgm:cxn modelId="{82215399-8FEF-435E-B12E-B0BBF6350A2D}" srcId="{140DB818-E071-4B39-BEDA-37F84C79FBA2}" destId="{57884B04-88D4-4FB2-8678-5199DF429E6F}" srcOrd="1" destOrd="0" parTransId="{C4B27B1D-C2E0-4804-B643-F031B63B66D3}" sibTransId="{B8942B1F-0DA1-4630-8D8B-34A3B43C11D5}"/>
+    <dgm:cxn modelId="{9C9CCD84-152C-4BF0-AE56-02A77DCE9308}" type="presOf" srcId="{AD7A2D0A-69C1-40D4-AC3C-50ACA39C45C1}" destId="{944B484B-F688-4CFA-A4FB-08B237CA5903}" srcOrd="1" destOrd="0" presId="urn:microsoft.com/office/officeart/2005/8/layout/process3"/>
+    <dgm:cxn modelId="{BB53AC73-5473-4487-A280-CC415E72C20C}" srcId="{E253E697-B0C3-42D4-81FD-D3ABCA72938E}" destId="{140DB818-E071-4B39-BEDA-37F84C79FBA2}" srcOrd="1" destOrd="0" parTransId="{5D492640-F330-4177-9F25-0C2545064803}" sibTransId="{AAA7816F-0D18-434B-AF27-E1709A042EA5}"/>
+    <dgm:cxn modelId="{95E1E2D3-B64B-4AEA-BF04-D1CA2E013D44}" srcId="{AD7A2D0A-69C1-40D4-AC3C-50ACA39C45C1}" destId="{A7D226C9-5E92-4FD2-9426-D029994EEFDC}" srcOrd="4" destOrd="0" parTransId="{416E4625-0C19-49C1-9768-BDBCCA30B93C}" sibTransId="{618C3FCC-A047-4A59-B8AE-EB8EEF617890}"/>
+    <dgm:cxn modelId="{5A2ECE84-5973-469B-B8D7-72377C33E035}" type="presOf" srcId="{AAA7816F-0D18-434B-AF27-E1709A042EA5}" destId="{1390A124-BEDA-4A49-9B1B-0ED2FB571A6C}" srcOrd="0" destOrd="0" presId="urn:microsoft.com/office/officeart/2005/8/layout/process3"/>
+    <dgm:cxn modelId="{4B0F930D-EE14-4620-9947-895E9A1529BF}" srcId="{4BA36FF7-0F0F-4341-A68C-01E8516603CD}" destId="{59BF4FD9-4BF0-450F-A924-D7283EA0A3C2}" srcOrd="2" destOrd="0" parTransId="{8761CF33-9B88-4BC0-8A8D-8E4B646981F2}" sibTransId="{9F8163B5-F294-45D7-AEAF-EA88EBB3B6A3}"/>
+    <dgm:cxn modelId="{021B0986-616E-47A6-BC20-5C2A8AA71A81}" type="presOf" srcId="{E253E697-B0C3-42D4-81FD-D3ABCA72938E}" destId="{BCDBC707-4A93-4D55-A61A-79732B703027}" srcOrd="0" destOrd="0" presId="urn:microsoft.com/office/officeart/2005/8/layout/process3"/>
+    <dgm:cxn modelId="{70E001FD-178A-4D81-BB4B-147BB392D9CB}" type="presOf" srcId="{A7D226C9-5E92-4FD2-9426-D029994EEFDC}" destId="{1993AEF3-68C8-4F83-9F1E-D1B7B5B4963C}" srcOrd="0" destOrd="4" presId="urn:microsoft.com/office/officeart/2005/8/layout/process3"/>
+    <dgm:cxn modelId="{7DDFCDF5-FB4B-4B56-AB28-D717E8E38C18}" type="presOf" srcId="{AAA7816F-0D18-434B-AF27-E1709A042EA5}" destId="{A890346F-3222-4081-BF76-FED6671C2558}" srcOrd="1" destOrd="0" presId="urn:microsoft.com/office/officeart/2005/8/layout/process3"/>
+    <dgm:cxn modelId="{E3287FDC-8A55-45DA-AEE5-89AB63B59CE0}" srcId="{AD7A2D0A-69C1-40D4-AC3C-50ACA39C45C1}" destId="{EAE6F129-AF20-489F-B448-BFE264B615C1}" srcOrd="3" destOrd="0" parTransId="{C0D5B7C3-AA00-473E-8E71-2FD79A462FEE}" sibTransId="{401713F0-76B5-43A2-A4F5-305F4CA21957}"/>
+    <dgm:cxn modelId="{605658C6-069A-4135-B3FB-B8571120DFAF}" type="presOf" srcId="{4BA36FF7-0F0F-4341-A68C-01E8516603CD}" destId="{DADC7395-583C-4FD5-8691-3342B823E6CA}" srcOrd="1" destOrd="0" presId="urn:microsoft.com/office/officeart/2005/8/layout/process3"/>
+    <dgm:cxn modelId="{B365E08F-B81F-401D-9E99-497F8A61C238}" type="presOf" srcId="{C5FC6C3C-ED92-4431-9B44-CD976E59FF5E}" destId="{1993AEF3-68C8-4F83-9F1E-D1B7B5B4963C}" srcOrd="0" destOrd="5" presId="urn:microsoft.com/office/officeart/2005/8/layout/process3"/>
+    <dgm:cxn modelId="{2E04EE15-0EFD-4A5E-96F9-C3FE50E596F5}" srcId="{4BA36FF7-0F0F-4341-A68C-01E8516603CD}" destId="{835444D0-9403-488B-8CF6-1BA423F14FF4}" srcOrd="3" destOrd="0" parTransId="{C29ED5FF-29B9-4D55-9C15-3D427BB84784}" sibTransId="{F0580B45-2587-4095-A289-2D6D62D7D0E2}"/>
+    <dgm:cxn modelId="{F0F7D5BF-9EC9-43ED-84F4-D150E7AD87DD}" type="presOf" srcId="{F9D38618-21A9-472D-92B4-2079A7013EA4}" destId="{3E47BC9E-87C0-4D93-83F4-A810B62AEF07}" srcOrd="0" destOrd="2" presId="urn:microsoft.com/office/officeart/2005/8/layout/process3"/>
+    <dgm:cxn modelId="{1BD557F6-3147-4A3E-96E1-8774CC36B89A}" srcId="{E253E697-B0C3-42D4-81FD-D3ABCA72938E}" destId="{AD7A2D0A-69C1-40D4-AC3C-50ACA39C45C1}" srcOrd="2" destOrd="0" parTransId="{B65DA3CC-30DF-4011-97FD-91E67EF19982}" sibTransId="{D8E3431A-1020-45BC-A3A1-D9601A2EED84}"/>
+    <dgm:cxn modelId="{D95A37CA-F51F-4A08-8D0B-184665F642AA}" type="presOf" srcId="{579997AD-FA9A-4915-A323-8F17CA09514B}" destId="{330F8E89-32DF-4BC4-AED2-91D2D7CB94C5}" srcOrd="0" destOrd="0" presId="urn:microsoft.com/office/officeart/2005/8/layout/process3"/>
     <dgm:cxn modelId="{8BF56599-6D59-4BFC-B288-4AEC63D44ED7}" srcId="{140DB818-E071-4B39-BEDA-37F84C79FBA2}" destId="{60103D0B-3A05-4853-92C2-7E00584C981E}" srcOrd="0" destOrd="0" parTransId="{9D676AB5-9AAE-4AB8-977A-2D9DC18A4B46}" sibTransId="{3973ABF2-8D4E-46DD-B1C6-ECA15BFC09CA}"/>
     <dgm:cxn modelId="{3B833AF1-554A-4115-83EE-25F9C4E2AEFD}" type="presOf" srcId="{B2D64904-4778-414A-935C-AFC992C15E50}" destId="{A64C8272-FC1A-4572-A0B1-A3C36EACD2B6}" srcOrd="0" destOrd="1" presId="urn:microsoft.com/office/officeart/2005/8/layout/process3"/>
-    <dgm:cxn modelId="{70E001FD-178A-4D81-BB4B-147BB392D9CB}" type="presOf" srcId="{A7D226C9-5E92-4FD2-9426-D029994EEFDC}" destId="{1993AEF3-68C8-4F83-9F1E-D1B7B5B4963C}" srcOrd="0" destOrd="4" presId="urn:microsoft.com/office/officeart/2005/8/layout/process3"/>
-    <dgm:cxn modelId="{9C9CCD84-152C-4BF0-AE56-02A77DCE9308}" type="presOf" srcId="{AD7A2D0A-69C1-40D4-AC3C-50ACA39C45C1}" destId="{944B484B-F688-4CFA-A4FB-08B237CA5903}" srcOrd="1" destOrd="0" presId="urn:microsoft.com/office/officeart/2005/8/layout/process3"/>
+    <dgm:cxn modelId="{13DDD5AB-9265-4DB2-9E66-512CAA799786}" srcId="{E253E697-B0C3-42D4-81FD-D3ABCA72938E}" destId="{4BA36FF7-0F0F-4341-A68C-01E8516603CD}" srcOrd="0" destOrd="0" parTransId="{9FBCD112-267C-4316-B4DD-D2608637A18B}" sibTransId="{579997AD-FA9A-4915-A323-8F17CA09514B}"/>
+    <dgm:cxn modelId="{C8252A43-F89B-4ED8-9407-8C4E3235C497}" srcId="{AD7A2D0A-69C1-40D4-AC3C-50ACA39C45C1}" destId="{C5FC6C3C-ED92-4431-9B44-CD976E59FF5E}" srcOrd="5" destOrd="0" parTransId="{AE0E9CC2-5345-4F36-A90C-AD2752E7E9E6}" sibTransId="{28F32126-D00F-495F-BE9C-85E968D4121F}"/>
+    <dgm:cxn modelId="{2FB88882-B04C-4261-9B07-D903DC9D9EA1}" srcId="{AD7A2D0A-69C1-40D4-AC3C-50ACA39C45C1}" destId="{688C900A-2766-45AF-8A4C-DE19E196DC40}" srcOrd="0" destOrd="0" parTransId="{AABFE4A9-F133-4497-AECC-317D9325C377}" sibTransId="{4E7F9570-3428-4185-B476-056063C25389}"/>
+    <dgm:cxn modelId="{99730F66-1996-4851-98CF-04F6604FC848}" type="presOf" srcId="{30BC9797-C8E3-4728-AA34-A33AFEAA692E}" destId="{3E47BC9E-87C0-4D93-83F4-A810B62AEF07}" srcOrd="0" destOrd="4" presId="urn:microsoft.com/office/officeart/2005/8/layout/process3"/>
+    <dgm:cxn modelId="{B9C8DB53-DA93-4769-8D2C-0A351EF81B75}" type="presOf" srcId="{688C900A-2766-45AF-8A4C-DE19E196DC40}" destId="{1993AEF3-68C8-4F83-9F1E-D1B7B5B4963C}" srcOrd="0" destOrd="0" presId="urn:microsoft.com/office/officeart/2005/8/layout/process3"/>
+    <dgm:cxn modelId="{DEDC3CF2-2819-42A2-BCCA-5AD74688BCE7}" type="presOf" srcId="{EAE6F129-AF20-489F-B448-BFE264B615C1}" destId="{1993AEF3-68C8-4F83-9F1E-D1B7B5B4963C}" srcOrd="0" destOrd="3" presId="urn:microsoft.com/office/officeart/2005/8/layout/process3"/>
+    <dgm:cxn modelId="{2458B5BE-C8FA-424E-82B1-59249C8FD969}" type="presOf" srcId="{59BF4FD9-4BF0-450F-A924-D7283EA0A3C2}" destId="{A64C8272-FC1A-4572-A0B1-A3C36EACD2B6}" srcOrd="0" destOrd="2" presId="urn:microsoft.com/office/officeart/2005/8/layout/process3"/>
+    <dgm:cxn modelId="{5A7F80D8-A330-410D-B489-3AC0ED203AA3}" srcId="{4BA36FF7-0F0F-4341-A68C-01E8516603CD}" destId="{33CF88AB-0BBD-45CE-A2E6-91DC37BEC598}" srcOrd="0" destOrd="0" parTransId="{79CE13D7-ECCC-4341-8CA2-7CDC47245BC1}" sibTransId="{99324A83-CEE1-4535-BF17-0F2B7234D073}"/>
+    <dgm:cxn modelId="{5DDCBCED-AD9D-443E-B390-A89DFC1C749F}" type="presOf" srcId="{140DB818-E071-4B39-BEDA-37F84C79FBA2}" destId="{184053F0-8034-496C-9823-B7D238D8DC93}" srcOrd="0" destOrd="0" presId="urn:microsoft.com/office/officeart/2005/8/layout/process3"/>
+    <dgm:cxn modelId="{9DB33BD0-4DBA-4C3F-846F-F2711FE0E6BD}" srcId="{140DB818-E071-4B39-BEDA-37F84C79FBA2}" destId="{F9D38618-21A9-472D-92B4-2079A7013EA4}" srcOrd="2" destOrd="0" parTransId="{181E5304-5E89-4CE3-A1FA-1A4445AF15C8}" sibTransId="{DEBEAAE4-E6F2-4848-9079-BE40B31BACCD}"/>
+    <dgm:cxn modelId="{1797C3E7-363E-4D4F-BF7B-E725B7DA6E80}" type="presOf" srcId="{579997AD-FA9A-4915-A323-8F17CA09514B}" destId="{E703F4C6-A0E0-49AD-9FAC-F47DD1F01258}" srcOrd="1" destOrd="0" presId="urn:microsoft.com/office/officeart/2005/8/layout/process3"/>
+    <dgm:cxn modelId="{EB3614E5-919E-4E58-970E-FE271235499F}" type="presOf" srcId="{60103D0B-3A05-4853-92C2-7E00584C981E}" destId="{3E47BC9E-87C0-4D93-83F4-A810B62AEF07}" srcOrd="0" destOrd="0" presId="urn:microsoft.com/office/officeart/2005/8/layout/process3"/>
+    <dgm:cxn modelId="{9BA353C9-342D-4AC1-B18F-375E8BA8C074}" type="presOf" srcId="{2CABE3B6-2EEA-4A99-BBE7-085383B9725D}" destId="{3E47BC9E-87C0-4D93-83F4-A810B62AEF07}" srcOrd="0" destOrd="3" presId="urn:microsoft.com/office/officeart/2005/8/layout/process3"/>
+    <dgm:cxn modelId="{D0D17C37-7497-44FA-8908-85838A8EB613}" srcId="{140DB818-E071-4B39-BEDA-37F84C79FBA2}" destId="{30BC9797-C8E3-4728-AA34-A33AFEAA692E}" srcOrd="4" destOrd="0" parTransId="{22B7AA6B-9EFA-4D2B-9167-284C1AC4B3BE}" sibTransId="{054B1F8E-E9AC-4A78-BB16-7D8497700B75}"/>
+    <dgm:cxn modelId="{9C28426E-782A-4827-A1AF-DF19DEE0E663}" srcId="{140DB818-E071-4B39-BEDA-37F84C79FBA2}" destId="{2CABE3B6-2EEA-4A99-BBE7-085383B9725D}" srcOrd="3" destOrd="0" parTransId="{E50B1FFE-B27A-488D-9E1C-753288103707}" sibTransId="{4AC18B29-D66A-4290-B0B1-638894B89790}"/>
+    <dgm:cxn modelId="{E6108260-E385-432B-A806-C31C8E849437}" srcId="{4BA36FF7-0F0F-4341-A68C-01E8516603CD}" destId="{B2D64904-4778-414A-935C-AFC992C15E50}" srcOrd="1" destOrd="0" parTransId="{3886B039-ED5A-4C35-9224-7296F3AB00E8}" sibTransId="{F27A2EE6-AA94-4404-920A-4FEA4A59E153}"/>
+    <dgm:cxn modelId="{E22A4332-4F38-4397-A0CA-E07AB4FDA400}" type="presOf" srcId="{AD7A2D0A-69C1-40D4-AC3C-50ACA39C45C1}" destId="{EA7354A6-04B1-4A5C-BE93-3D503C066108}" srcOrd="0" destOrd="0" presId="urn:microsoft.com/office/officeart/2005/8/layout/process3"/>
+    <dgm:cxn modelId="{E5B78FEC-B1D9-4EC3-A03E-DD89AE2D8BBB}" srcId="{AD7A2D0A-69C1-40D4-AC3C-50ACA39C45C1}" destId="{0F3E3240-049E-4C85-83B0-4A38B3BAD305}" srcOrd="2" destOrd="0" parTransId="{500CBC5A-72EC-4F1F-8BD7-22D81C693AA8}" sibTransId="{6817EB24-D370-4C5E-ABB4-525C433C69F0}"/>
+    <dgm:cxn modelId="{3E2D5840-5BEF-43B9-949A-04752B46AD4F}" type="presOf" srcId="{0F73E91A-24E8-44FC-8282-F39E528AC837}" destId="{A64C8272-FC1A-4572-A0B1-A3C36EACD2B6}" srcOrd="0" destOrd="4" presId="urn:microsoft.com/office/officeart/2005/8/layout/process3"/>
     <dgm:cxn modelId="{9F5BFA76-CC6B-4880-BD6E-7917A3B8011E}" type="presOf" srcId="{0F3E3240-049E-4C85-83B0-4A38B3BAD305}" destId="{1993AEF3-68C8-4F83-9F1E-D1B7B5B4963C}" srcOrd="0" destOrd="2" presId="urn:microsoft.com/office/officeart/2005/8/layout/process3"/>
-    <dgm:cxn modelId="{7DDFCDF5-FB4B-4B56-AB28-D717E8E38C18}" type="presOf" srcId="{AAA7816F-0D18-434B-AF27-E1709A042EA5}" destId="{A890346F-3222-4081-BF76-FED6671C2558}" srcOrd="1" destOrd="0" presId="urn:microsoft.com/office/officeart/2005/8/layout/process3"/>
-    <dgm:cxn modelId="{99730F66-1996-4851-98CF-04F6604FC848}" type="presOf" srcId="{30BC9797-C8E3-4728-AA34-A33AFEAA692E}" destId="{3E47BC9E-87C0-4D93-83F4-A810B62AEF07}" srcOrd="0" destOrd="4" presId="urn:microsoft.com/office/officeart/2005/8/layout/process3"/>
-    <dgm:cxn modelId="{9C28426E-782A-4827-A1AF-DF19DEE0E663}" srcId="{140DB818-E071-4B39-BEDA-37F84C79FBA2}" destId="{2CABE3B6-2EEA-4A99-BBE7-085383B9725D}" srcOrd="3" destOrd="0" parTransId="{E50B1FFE-B27A-488D-9E1C-753288103707}" sibTransId="{4AC18B29-D66A-4290-B0B1-638894B89790}"/>
-    <dgm:cxn modelId="{DEDC3CF2-2819-42A2-BCCA-5AD74688BCE7}" type="presOf" srcId="{EAE6F129-AF20-489F-B448-BFE264B615C1}" destId="{1993AEF3-68C8-4F83-9F1E-D1B7B5B4963C}" srcOrd="0" destOrd="3" presId="urn:microsoft.com/office/officeart/2005/8/layout/process3"/>
-    <dgm:cxn modelId="{5A2ECE84-5973-469B-B8D7-72377C33E035}" type="presOf" srcId="{AAA7816F-0D18-434B-AF27-E1709A042EA5}" destId="{1390A124-BEDA-4A49-9B1B-0ED2FB571A6C}" srcOrd="0" destOrd="0" presId="urn:microsoft.com/office/officeart/2005/8/layout/process3"/>
+    <dgm:cxn modelId="{56B5A9B6-E058-4348-883F-BE413F7AEF39}" type="presOf" srcId="{835444D0-9403-488B-8CF6-1BA423F14FF4}" destId="{A64C8272-FC1A-4572-A0B1-A3C36EACD2B6}" srcOrd="0" destOrd="3" presId="urn:microsoft.com/office/officeart/2005/8/layout/process3"/>
+    <dgm:cxn modelId="{AE01CECD-7460-4EE6-9855-462A6BAC54CD}" type="presOf" srcId="{21736AD5-ED16-41EE-9520-03DEC94C9DD9}" destId="{1993AEF3-68C8-4F83-9F1E-D1B7B5B4963C}" srcOrd="0" destOrd="1" presId="urn:microsoft.com/office/officeart/2005/8/layout/process3"/>
+    <dgm:cxn modelId="{625B97B1-48B9-4F79-AD12-9E967C7E5D25}" type="presOf" srcId="{57884B04-88D4-4FB2-8678-5199DF429E6F}" destId="{3E47BC9E-87C0-4D93-83F4-A810B62AEF07}" srcOrd="0" destOrd="1" presId="urn:microsoft.com/office/officeart/2005/8/layout/process3"/>
     <dgm:cxn modelId="{D1284BD6-E3DA-48A8-BFF9-25C5710CED70}" type="presOf" srcId="{4BA36FF7-0F0F-4341-A68C-01E8516603CD}" destId="{209FD6B3-0ECB-4203-B962-7559934405BD}" srcOrd="0" destOrd="0" presId="urn:microsoft.com/office/officeart/2005/8/layout/process3"/>
-    <dgm:cxn modelId="{B365E08F-B81F-401D-9E99-497F8A61C238}" type="presOf" srcId="{C5FC6C3C-ED92-4431-9B44-CD976E59FF5E}" destId="{1993AEF3-68C8-4F83-9F1E-D1B7B5B4963C}" srcOrd="0" destOrd="5" presId="urn:microsoft.com/office/officeart/2005/8/layout/process3"/>
-    <dgm:cxn modelId="{22BA4952-EA9D-42A7-ABA5-EAD0B5F9B167}" srcId="{4BA36FF7-0F0F-4341-A68C-01E8516603CD}" destId="{0F73E91A-24E8-44FC-8282-F39E528AC837}" srcOrd="4" destOrd="0" parTransId="{C1AA1994-3B2F-47C9-8F5B-A08CE6A5D095}" sibTransId="{F93555B6-77A8-4728-91CF-7AF5B0C7EE62}"/>
+    <dgm:cxn modelId="{33D1B9A7-E56C-4778-97FB-A5B130BCA5C0}" srcId="{AD7A2D0A-69C1-40D4-AC3C-50ACA39C45C1}" destId="{21736AD5-ED16-41EE-9520-03DEC94C9DD9}" srcOrd="1" destOrd="0" parTransId="{9CB51E30-49E4-4E36-942B-179B5A0EC94C}" sibTransId="{DFDDDFD5-3525-4DBC-A81D-34093C1E23BA}"/>
     <dgm:cxn modelId="{C288C32A-3227-4782-B852-198321A78827}" type="presOf" srcId="{140DB818-E071-4B39-BEDA-37F84C79FBA2}" destId="{D6C82472-F7A1-44F8-BE16-C0E2E40E0D6B}" srcOrd="1" destOrd="0" presId="urn:microsoft.com/office/officeart/2005/8/layout/process3"/>
-    <dgm:cxn modelId="{1BD557F6-3147-4A3E-96E1-8774CC36B89A}" srcId="{E253E697-B0C3-42D4-81FD-D3ABCA72938E}" destId="{AD7A2D0A-69C1-40D4-AC3C-50ACA39C45C1}" srcOrd="2" destOrd="0" parTransId="{B65DA3CC-30DF-4011-97FD-91E67EF19982}" sibTransId="{D8E3431A-1020-45BC-A3A1-D9601A2EED84}"/>
-    <dgm:cxn modelId="{C8252A43-F89B-4ED8-9407-8C4E3235C497}" srcId="{AD7A2D0A-69C1-40D4-AC3C-50ACA39C45C1}" destId="{C5FC6C3C-ED92-4431-9B44-CD976E59FF5E}" srcOrd="5" destOrd="0" parTransId="{AE0E9CC2-5345-4F36-A90C-AD2752E7E9E6}" sibTransId="{28F32126-D00F-495F-BE9C-85E968D4121F}"/>
-    <dgm:cxn modelId="{D95A37CA-F51F-4A08-8D0B-184665F642AA}" type="presOf" srcId="{579997AD-FA9A-4915-A323-8F17CA09514B}" destId="{330F8E89-32DF-4BC4-AED2-91D2D7CB94C5}" srcOrd="0" destOrd="0" presId="urn:microsoft.com/office/officeart/2005/8/layout/process3"/>
-    <dgm:cxn modelId="{E22A4332-4F38-4397-A0CA-E07AB4FDA400}" type="presOf" srcId="{AD7A2D0A-69C1-40D4-AC3C-50ACA39C45C1}" destId="{EA7354A6-04B1-4A5C-BE93-3D503C066108}" srcOrd="0" destOrd="0" presId="urn:microsoft.com/office/officeart/2005/8/layout/process3"/>
-    <dgm:cxn modelId="{3E2D5840-5BEF-43B9-949A-04752B46AD4F}" type="presOf" srcId="{0F73E91A-24E8-44FC-8282-F39E528AC837}" destId="{A64C8272-FC1A-4572-A0B1-A3C36EACD2B6}" srcOrd="0" destOrd="4" presId="urn:microsoft.com/office/officeart/2005/8/layout/process3"/>
-    <dgm:cxn modelId="{33D1B9A7-E56C-4778-97FB-A5B130BCA5C0}" srcId="{AD7A2D0A-69C1-40D4-AC3C-50ACA39C45C1}" destId="{21736AD5-ED16-41EE-9520-03DEC94C9DD9}" srcOrd="1" destOrd="0" parTransId="{9CB51E30-49E4-4E36-942B-179B5A0EC94C}" sibTransId="{DFDDDFD5-3525-4DBC-A81D-34093C1E23BA}"/>
-    <dgm:cxn modelId="{2E04EE15-0EFD-4A5E-96F9-C3FE50E596F5}" srcId="{4BA36FF7-0F0F-4341-A68C-01E8516603CD}" destId="{835444D0-9403-488B-8CF6-1BA423F14FF4}" srcOrd="3" destOrd="0" parTransId="{C29ED5FF-29B9-4D55-9C15-3D427BB84784}" sibTransId="{F0580B45-2587-4095-A289-2D6D62D7D0E2}"/>
-    <dgm:cxn modelId="{605658C6-069A-4135-B3FB-B8571120DFAF}" type="presOf" srcId="{4BA36FF7-0F0F-4341-A68C-01E8516603CD}" destId="{DADC7395-583C-4FD5-8691-3342B823E6CA}" srcOrd="1" destOrd="0" presId="urn:microsoft.com/office/officeart/2005/8/layout/process3"/>
-    <dgm:cxn modelId="{82215399-8FEF-435E-B12E-B0BBF6350A2D}" srcId="{140DB818-E071-4B39-BEDA-37F84C79FBA2}" destId="{57884B04-88D4-4FB2-8678-5199DF429E6F}" srcOrd="1" destOrd="0" parTransId="{C4B27B1D-C2E0-4804-B643-F031B63B66D3}" sibTransId="{B8942B1F-0DA1-4630-8D8B-34A3B43C11D5}"/>
-    <dgm:cxn modelId="{2458B5BE-C8FA-424E-82B1-59249C8FD969}" type="presOf" srcId="{59BF4FD9-4BF0-450F-A924-D7283EA0A3C2}" destId="{A64C8272-FC1A-4572-A0B1-A3C36EACD2B6}" srcOrd="0" destOrd="2" presId="urn:microsoft.com/office/officeart/2005/8/layout/process3"/>
-    <dgm:cxn modelId="{D0D17C37-7497-44FA-8908-85838A8EB613}" srcId="{140DB818-E071-4B39-BEDA-37F84C79FBA2}" destId="{30BC9797-C8E3-4728-AA34-A33AFEAA692E}" srcOrd="4" destOrd="0" parTransId="{22B7AA6B-9EFA-4D2B-9167-284C1AC4B3BE}" sibTransId="{054B1F8E-E9AC-4A78-BB16-7D8497700B75}"/>
-    <dgm:cxn modelId="{1797C3E7-363E-4D4F-BF7B-E725B7DA6E80}" type="presOf" srcId="{579997AD-FA9A-4915-A323-8F17CA09514B}" destId="{E703F4C6-A0E0-49AD-9FAC-F47DD1F01258}" srcOrd="1" destOrd="0" presId="urn:microsoft.com/office/officeart/2005/8/layout/process3"/>
-    <dgm:cxn modelId="{4B0F930D-EE14-4620-9947-895E9A1529BF}" srcId="{4BA36FF7-0F0F-4341-A68C-01E8516603CD}" destId="{59BF4FD9-4BF0-450F-A924-D7283EA0A3C2}" srcOrd="2" destOrd="0" parTransId="{8761CF33-9B88-4BC0-8A8D-8E4B646981F2}" sibTransId="{9F8163B5-F294-45D7-AEAF-EA88EBB3B6A3}"/>
-    <dgm:cxn modelId="{95E1E2D3-B64B-4AEA-BF04-D1CA2E013D44}" srcId="{AD7A2D0A-69C1-40D4-AC3C-50ACA39C45C1}" destId="{A7D226C9-5E92-4FD2-9426-D029994EEFDC}" srcOrd="4" destOrd="0" parTransId="{416E4625-0C19-49C1-9768-BDBCCA30B93C}" sibTransId="{618C3FCC-A047-4A59-B8AE-EB8EEF617890}"/>
-    <dgm:cxn modelId="{F0F7D5BF-9EC9-43ED-84F4-D150E7AD87DD}" type="presOf" srcId="{F9D38618-21A9-472D-92B4-2079A7013EA4}" destId="{3E47BC9E-87C0-4D93-83F4-A810B62AEF07}" srcOrd="0" destOrd="2" presId="urn:microsoft.com/office/officeart/2005/8/layout/process3"/>
-    <dgm:cxn modelId="{56B5A9B6-E058-4348-883F-BE413F7AEF39}" type="presOf" srcId="{835444D0-9403-488B-8CF6-1BA423F14FF4}" destId="{A64C8272-FC1A-4572-A0B1-A3C36EACD2B6}" srcOrd="0" destOrd="3" presId="urn:microsoft.com/office/officeart/2005/8/layout/process3"/>
-    <dgm:cxn modelId="{EB3614E5-919E-4E58-970E-FE271235499F}" type="presOf" srcId="{60103D0B-3A05-4853-92C2-7E00584C981E}" destId="{3E47BC9E-87C0-4D93-83F4-A810B62AEF07}" srcOrd="0" destOrd="0" presId="urn:microsoft.com/office/officeart/2005/8/layout/process3"/>
-    <dgm:cxn modelId="{E6108260-E385-432B-A806-C31C8E849437}" srcId="{4BA36FF7-0F0F-4341-A68C-01E8516603CD}" destId="{B2D64904-4778-414A-935C-AFC992C15E50}" srcOrd="1" destOrd="0" parTransId="{3886B039-ED5A-4C35-9224-7296F3AB00E8}" sibTransId="{F27A2EE6-AA94-4404-920A-4FEA4A59E153}"/>
-    <dgm:cxn modelId="{2FB88882-B04C-4261-9B07-D903DC9D9EA1}" srcId="{AD7A2D0A-69C1-40D4-AC3C-50ACA39C45C1}" destId="{688C900A-2766-45AF-8A4C-DE19E196DC40}" srcOrd="0" destOrd="0" parTransId="{AABFE4A9-F133-4497-AECC-317D9325C377}" sibTransId="{4E7F9570-3428-4185-B476-056063C25389}"/>
-    <dgm:cxn modelId="{B9C8DB53-DA93-4769-8D2C-0A351EF81B75}" type="presOf" srcId="{688C900A-2766-45AF-8A4C-DE19E196DC40}" destId="{1993AEF3-68C8-4F83-9F1E-D1B7B5B4963C}" srcOrd="0" destOrd="0" presId="urn:microsoft.com/office/officeart/2005/8/layout/process3"/>
-    <dgm:cxn modelId="{AE01CECD-7460-4EE6-9855-462A6BAC54CD}" type="presOf" srcId="{21736AD5-ED16-41EE-9520-03DEC94C9DD9}" destId="{1993AEF3-68C8-4F83-9F1E-D1B7B5B4963C}" srcOrd="0" destOrd="1" presId="urn:microsoft.com/office/officeart/2005/8/layout/process3"/>
-    <dgm:cxn modelId="{021B0986-616E-47A6-BC20-5C2A8AA71A81}" type="presOf" srcId="{E253E697-B0C3-42D4-81FD-D3ABCA72938E}" destId="{BCDBC707-4A93-4D55-A61A-79732B703027}" srcOrd="0" destOrd="0" presId="urn:microsoft.com/office/officeart/2005/8/layout/process3"/>
-    <dgm:cxn modelId="{E3287FDC-8A55-45DA-AEE5-89AB63B59CE0}" srcId="{AD7A2D0A-69C1-40D4-AC3C-50ACA39C45C1}" destId="{EAE6F129-AF20-489F-B448-BFE264B615C1}" srcOrd="3" destOrd="0" parTransId="{C0D5B7C3-AA00-473E-8E71-2FD79A462FEE}" sibTransId="{401713F0-76B5-43A2-A4F5-305F4CA21957}"/>
-    <dgm:cxn modelId="{9BA353C9-342D-4AC1-B18F-375E8BA8C074}" type="presOf" srcId="{2CABE3B6-2EEA-4A99-BBE7-085383B9725D}" destId="{3E47BC9E-87C0-4D93-83F4-A810B62AEF07}" srcOrd="0" destOrd="3" presId="urn:microsoft.com/office/officeart/2005/8/layout/process3"/>
-    <dgm:cxn modelId="{5A7F80D8-A330-410D-B489-3AC0ED203AA3}" srcId="{4BA36FF7-0F0F-4341-A68C-01E8516603CD}" destId="{33CF88AB-0BBD-45CE-A2E6-91DC37BEC598}" srcOrd="0" destOrd="0" parTransId="{79CE13D7-ECCC-4341-8CA2-7CDC47245BC1}" sibTransId="{99324A83-CEE1-4535-BF17-0F2B7234D073}"/>
-    <dgm:cxn modelId="{13DDD5AB-9265-4DB2-9E66-512CAA799786}" srcId="{E253E697-B0C3-42D4-81FD-D3ABCA72938E}" destId="{4BA36FF7-0F0F-4341-A68C-01E8516603CD}" srcOrd="0" destOrd="0" parTransId="{9FBCD112-267C-4316-B4DD-D2608637A18B}" sibTransId="{579997AD-FA9A-4915-A323-8F17CA09514B}"/>
-    <dgm:cxn modelId="{9DB33BD0-4DBA-4C3F-846F-F2711FE0E6BD}" srcId="{140DB818-E071-4B39-BEDA-37F84C79FBA2}" destId="{F9D38618-21A9-472D-92B4-2079A7013EA4}" srcOrd="2" destOrd="0" parTransId="{181E5304-5E89-4CE3-A1FA-1A4445AF15C8}" sibTransId="{DEBEAAE4-E6F2-4848-9079-BE40B31BACCD}"/>
-    <dgm:cxn modelId="{BB53AC73-5473-4487-A280-CC415E72C20C}" srcId="{E253E697-B0C3-42D4-81FD-D3ABCA72938E}" destId="{140DB818-E071-4B39-BEDA-37F84C79FBA2}" srcOrd="1" destOrd="0" parTransId="{5D492640-F330-4177-9F25-0C2545064803}" sibTransId="{AAA7816F-0D18-434B-AF27-E1709A042EA5}"/>
+    <dgm:cxn modelId="{C6B6160D-9D08-4B9D-9AB9-7BB0133CD700}" type="presOf" srcId="{33CF88AB-0BBD-45CE-A2E6-91DC37BEC598}" destId="{A64C8272-FC1A-4572-A0B1-A3C36EACD2B6}" srcOrd="0" destOrd="0" presId="urn:microsoft.com/office/officeart/2005/8/layout/process3"/>
     <dgm:cxn modelId="{7A716225-B15F-42A3-B0B1-95F5DAF585E6}" type="presParOf" srcId="{BCDBC707-4A93-4D55-A61A-79732B703027}" destId="{53AF55CF-52F1-471D-BD6D-B6FBBCD8ED56}" srcOrd="0" destOrd="0" presId="urn:microsoft.com/office/officeart/2005/8/layout/process3"/>
     <dgm:cxn modelId="{AB11F588-8517-43F7-B26C-B53A5C95128F}" type="presParOf" srcId="{53AF55CF-52F1-471D-BD6D-B6FBBCD8ED56}" destId="{209FD6B3-0ECB-4203-B962-7559934405BD}" srcOrd="0" destOrd="0" presId="urn:microsoft.com/office/officeart/2005/8/layout/process3"/>
     <dgm:cxn modelId="{ECA7C0B7-4EAB-47E7-B4DA-234ACDCD8581}" type="presParOf" srcId="{53AF55CF-52F1-471D-BD6D-B6FBBCD8ED56}" destId="{DADC7395-583C-4FD5-8691-3342B823E6CA}" srcOrd="1" destOrd="0" presId="urn:microsoft.com/office/officeart/2005/8/layout/process3"/>
@@ -7420,7 +7421,7 @@
   <dgm:whole/>
   <dgm:extLst>
     <a:ext uri="http://schemas.microsoft.com/office/drawing/2008/diagram">
-      <dsp:dataModelExt xmlns:dsp="http://schemas.microsoft.com/office/drawing/2008/diagram" xmlns="" relId="rId6" minVer="http://schemas.openxmlformats.org/drawingml/2006/diagram"/>
+      <dsp:dataModelExt xmlns:dsp="http://schemas.microsoft.com/office/drawing/2008/diagram" relId="rId6" minVer="http://schemas.openxmlformats.org/drawingml/2006/diagram"/>
     </a:ext>
   </dgm:extLst>
 </dgm:dataModel>
@@ -7950,26 +7951,26 @@
     </dgm:pt>
   </dgm:ptLst>
   <dgm:cxnLst>
+    <dgm:cxn modelId="{E381CC4E-469C-4307-9094-2105333E7C58}" type="presOf" srcId="{C16ABEF8-E848-417C-8FA5-B492FE1F7FB9}" destId="{23A81FDC-FE23-46E1-83D8-467212E5D635}" srcOrd="1" destOrd="0" presId="urn:microsoft.com/office/officeart/2005/8/layout/process3"/>
+    <dgm:cxn modelId="{3B9E9611-C1FD-47C4-9299-058AA391448F}" type="presOf" srcId="{4C53B25C-4685-44EB-A349-0B0EC92BF120}" destId="{19F101B7-1293-49A5-B6A7-13A570F8EC9D}" srcOrd="0" destOrd="0" presId="urn:microsoft.com/office/officeart/2005/8/layout/process3"/>
+    <dgm:cxn modelId="{5F983790-4A17-4C89-96E6-E4E8A5A1D8F0}" type="presOf" srcId="{C967144E-A94C-4241-9A1C-481EB5577E8F}" destId="{99D445AC-4F8A-47EC-8411-131EBEC8B388}" srcOrd="0" destOrd="0" presId="urn:microsoft.com/office/officeart/2005/8/layout/process3"/>
+    <dgm:cxn modelId="{8FEC9881-9DAC-4A11-9F54-B9C4E56D60CF}" type="presOf" srcId="{C16ABEF8-E848-417C-8FA5-B492FE1F7FB9}" destId="{FBBAD53A-80EB-42C6-9C37-FAA5BBCC6BAE}" srcOrd="0" destOrd="0" presId="urn:microsoft.com/office/officeart/2005/8/layout/process3"/>
+    <dgm:cxn modelId="{03164786-D0F0-4B17-9575-037DEEEC95C5}" type="presOf" srcId="{4BDEBA7B-61F9-43B3-A62F-2F678E691A02}" destId="{B01027DF-4A5F-4C4B-A625-E85C559612D3}" srcOrd="1" destOrd="0" presId="urn:microsoft.com/office/officeart/2005/8/layout/process3"/>
+    <dgm:cxn modelId="{C656FC51-A0D2-4D66-9645-960803B19601}" type="presOf" srcId="{17668F56-AE2A-4124-A17A-A96390DB3F17}" destId="{0B759DC6-B548-4231-9430-441E15BB6EED}" srcOrd="0" destOrd="0" presId="urn:microsoft.com/office/officeart/2005/8/layout/process3"/>
+    <dgm:cxn modelId="{DDDDC400-8283-4A8F-BCE0-9B579D96A7B6}" srcId="{17668F56-AE2A-4124-A17A-A96390DB3F17}" destId="{B30E3C43-9243-4344-9ED5-E1D083B46497}" srcOrd="2" destOrd="0" parTransId="{F081CC61-FD65-471E-9591-32280DB58606}" sibTransId="{346FCF0D-0DF1-4F27-95F5-B6B2AF6AFE22}"/>
+    <dgm:cxn modelId="{AD5EDAD9-1B4A-468B-A594-A62EB877B67A}" type="presOf" srcId="{FF756F11-E5F8-4E62-9C2F-E22A745235CF}" destId="{D3586C2A-A6CA-4EF7-ABFF-52B7F857613F}" srcOrd="0" destOrd="0" presId="urn:microsoft.com/office/officeart/2005/8/layout/process3"/>
+    <dgm:cxn modelId="{62166DA0-DC6B-4823-AA2C-2F41BD87B6B3}" type="presOf" srcId="{ECEE356E-FA05-427A-9E20-F2837DFA1627}" destId="{D9CF8E2C-C537-4466-ABF3-2D697D4B73B4}" srcOrd="1" destOrd="0" presId="urn:microsoft.com/office/officeart/2005/8/layout/process3"/>
+    <dgm:cxn modelId="{C1201BA3-669E-4A2F-9AF5-D81C4512E8F3}" srcId="{17668F56-AE2A-4124-A17A-A96390DB3F17}" destId="{ECEE356E-FA05-427A-9E20-F2837DFA1627}" srcOrd="1" destOrd="0" parTransId="{79A456E6-B79C-4DD3-8B23-875CEE1E8C26}" sibTransId="{C967144E-A94C-4241-9A1C-481EB5577E8F}"/>
+    <dgm:cxn modelId="{853F0FB5-A6AA-40C3-83E8-346D30E4C2A9}" type="presOf" srcId="{ECEE356E-FA05-427A-9E20-F2837DFA1627}" destId="{CF4FC547-A8FC-45D1-8306-2CEB8C7DAC1C}" srcOrd="0" destOrd="0" presId="urn:microsoft.com/office/officeart/2005/8/layout/process3"/>
+    <dgm:cxn modelId="{0FD82281-F3CC-4D1C-A915-A1A978CADAC8}" srcId="{17668F56-AE2A-4124-A17A-A96390DB3F17}" destId="{C16ABEF8-E848-417C-8FA5-B492FE1F7FB9}" srcOrd="0" destOrd="0" parTransId="{46058FA2-A610-45FB-B887-91EC4BDB8F49}" sibTransId="{4BDEBA7B-61F9-43B3-A62F-2F678E691A02}"/>
+    <dgm:cxn modelId="{66AB3D1C-2238-4342-86F4-F26A9C0BDFC8}" srcId="{C16ABEF8-E848-417C-8FA5-B492FE1F7FB9}" destId="{7A9FA5F5-97D3-42CA-9AA8-9D9A6D1A77F6}" srcOrd="0" destOrd="0" parTransId="{E98A708B-6B6C-4AC2-B0CF-F19DB9F8E954}" sibTransId="{B321C894-1276-4EB7-AE6D-25EDA5B39B98}"/>
+    <dgm:cxn modelId="{789719B4-7767-4DC1-9076-AAA2BFC36FB3}" type="presOf" srcId="{C967144E-A94C-4241-9A1C-481EB5577E8F}" destId="{2121DAC1-0984-44AB-9C7E-3AD35F013B4E}" srcOrd="1" destOrd="0" presId="urn:microsoft.com/office/officeart/2005/8/layout/process3"/>
+    <dgm:cxn modelId="{2CE711B7-BF95-4395-98F2-4FDBE054CE41}" type="presOf" srcId="{B30E3C43-9243-4344-9ED5-E1D083B46497}" destId="{2724F979-74B3-40B4-899B-556EA12866B3}" srcOrd="0" destOrd="0" presId="urn:microsoft.com/office/officeart/2005/8/layout/process3"/>
+    <dgm:cxn modelId="{B6F82A97-30A1-4EB1-97EF-17057766AEF6}" type="presOf" srcId="{4BDEBA7B-61F9-43B3-A62F-2F678E691A02}" destId="{0D8DDBC3-04F3-45D7-8C4C-0A1114F238CC}" srcOrd="0" destOrd="0" presId="urn:microsoft.com/office/officeart/2005/8/layout/process3"/>
+    <dgm:cxn modelId="{2E9C5A57-B428-4933-A0FC-2F1E69EACD81}" type="presOf" srcId="{B30E3C43-9243-4344-9ED5-E1D083B46497}" destId="{E3EB19EC-0F94-4E9B-9DC0-EA9F269A84F3}" srcOrd="1" destOrd="0" presId="urn:microsoft.com/office/officeart/2005/8/layout/process3"/>
     <dgm:cxn modelId="{7A00A180-6CB1-4BB7-AE65-5F1140B1D22F}" srcId="{B30E3C43-9243-4344-9ED5-E1D083B46497}" destId="{FF756F11-E5F8-4E62-9C2F-E22A745235CF}" srcOrd="0" destOrd="0" parTransId="{126DBAE5-E6F7-4B1A-8BD2-CB834E3FE2B1}" sibTransId="{2982B5E7-2B25-40EE-8AB8-7873717E3526}"/>
+    <dgm:cxn modelId="{17416FE1-8B32-42EC-8389-645AFBDC7652}" type="presOf" srcId="{7A9FA5F5-97D3-42CA-9AA8-9D9A6D1A77F6}" destId="{1783A185-A351-47B7-938E-04682AAF5F45}" srcOrd="0" destOrd="0" presId="urn:microsoft.com/office/officeart/2005/8/layout/process3"/>
     <dgm:cxn modelId="{77042336-2A80-4C72-A862-AFC2266F4977}" srcId="{ECEE356E-FA05-427A-9E20-F2837DFA1627}" destId="{4C53B25C-4685-44EB-A349-0B0EC92BF120}" srcOrd="0" destOrd="0" parTransId="{0C9FEE23-EC63-4D66-B685-56D8918D21F8}" sibTransId="{0967D9C0-DF7B-45F5-9A54-EDFD9C8E832F}"/>
-    <dgm:cxn modelId="{DDDDC400-8283-4A8F-BCE0-9B579D96A7B6}" srcId="{17668F56-AE2A-4124-A17A-A96390DB3F17}" destId="{B30E3C43-9243-4344-9ED5-E1D083B46497}" srcOrd="2" destOrd="0" parTransId="{F081CC61-FD65-471E-9591-32280DB58606}" sibTransId="{346FCF0D-0DF1-4F27-95F5-B6B2AF6AFE22}"/>
-    <dgm:cxn modelId="{17416FE1-8B32-42EC-8389-645AFBDC7652}" type="presOf" srcId="{7A9FA5F5-97D3-42CA-9AA8-9D9A6D1A77F6}" destId="{1783A185-A351-47B7-938E-04682AAF5F45}" srcOrd="0" destOrd="0" presId="urn:microsoft.com/office/officeart/2005/8/layout/process3"/>
-    <dgm:cxn modelId="{0FD82281-F3CC-4D1C-A915-A1A978CADAC8}" srcId="{17668F56-AE2A-4124-A17A-A96390DB3F17}" destId="{C16ABEF8-E848-417C-8FA5-B492FE1F7FB9}" srcOrd="0" destOrd="0" parTransId="{46058FA2-A610-45FB-B887-91EC4BDB8F49}" sibTransId="{4BDEBA7B-61F9-43B3-A62F-2F678E691A02}"/>
-    <dgm:cxn modelId="{2CE711B7-BF95-4395-98F2-4FDBE054CE41}" type="presOf" srcId="{B30E3C43-9243-4344-9ED5-E1D083B46497}" destId="{2724F979-74B3-40B4-899B-556EA12866B3}" srcOrd="0" destOrd="0" presId="urn:microsoft.com/office/officeart/2005/8/layout/process3"/>
-    <dgm:cxn modelId="{AD5EDAD9-1B4A-468B-A594-A62EB877B67A}" type="presOf" srcId="{FF756F11-E5F8-4E62-9C2F-E22A745235CF}" destId="{D3586C2A-A6CA-4EF7-ABFF-52B7F857613F}" srcOrd="0" destOrd="0" presId="urn:microsoft.com/office/officeart/2005/8/layout/process3"/>
-    <dgm:cxn modelId="{3B9E9611-C1FD-47C4-9299-058AA391448F}" type="presOf" srcId="{4C53B25C-4685-44EB-A349-0B0EC92BF120}" destId="{19F101B7-1293-49A5-B6A7-13A570F8EC9D}" srcOrd="0" destOrd="0" presId="urn:microsoft.com/office/officeart/2005/8/layout/process3"/>
-    <dgm:cxn modelId="{62166DA0-DC6B-4823-AA2C-2F41BD87B6B3}" type="presOf" srcId="{ECEE356E-FA05-427A-9E20-F2837DFA1627}" destId="{D9CF8E2C-C537-4466-ABF3-2D697D4B73B4}" srcOrd="1" destOrd="0" presId="urn:microsoft.com/office/officeart/2005/8/layout/process3"/>
-    <dgm:cxn modelId="{03164786-D0F0-4B17-9575-037DEEEC95C5}" type="presOf" srcId="{4BDEBA7B-61F9-43B3-A62F-2F678E691A02}" destId="{B01027DF-4A5F-4C4B-A625-E85C559612D3}" srcOrd="1" destOrd="0" presId="urn:microsoft.com/office/officeart/2005/8/layout/process3"/>
-    <dgm:cxn modelId="{66AB3D1C-2238-4342-86F4-F26A9C0BDFC8}" srcId="{C16ABEF8-E848-417C-8FA5-B492FE1F7FB9}" destId="{7A9FA5F5-97D3-42CA-9AA8-9D9A6D1A77F6}" srcOrd="0" destOrd="0" parTransId="{E98A708B-6B6C-4AC2-B0CF-F19DB9F8E954}" sibTransId="{B321C894-1276-4EB7-AE6D-25EDA5B39B98}"/>
-    <dgm:cxn modelId="{C656FC51-A0D2-4D66-9645-960803B19601}" type="presOf" srcId="{17668F56-AE2A-4124-A17A-A96390DB3F17}" destId="{0B759DC6-B548-4231-9430-441E15BB6EED}" srcOrd="0" destOrd="0" presId="urn:microsoft.com/office/officeart/2005/8/layout/process3"/>
-    <dgm:cxn modelId="{2E9C5A57-B428-4933-A0FC-2F1E69EACD81}" type="presOf" srcId="{B30E3C43-9243-4344-9ED5-E1D083B46497}" destId="{E3EB19EC-0F94-4E9B-9DC0-EA9F269A84F3}" srcOrd="1" destOrd="0" presId="urn:microsoft.com/office/officeart/2005/8/layout/process3"/>
-    <dgm:cxn modelId="{789719B4-7767-4DC1-9076-AAA2BFC36FB3}" type="presOf" srcId="{C967144E-A94C-4241-9A1C-481EB5577E8F}" destId="{2121DAC1-0984-44AB-9C7E-3AD35F013B4E}" srcOrd="1" destOrd="0" presId="urn:microsoft.com/office/officeart/2005/8/layout/process3"/>
-    <dgm:cxn modelId="{853F0FB5-A6AA-40C3-83E8-346D30E4C2A9}" type="presOf" srcId="{ECEE356E-FA05-427A-9E20-F2837DFA1627}" destId="{CF4FC547-A8FC-45D1-8306-2CEB8C7DAC1C}" srcOrd="0" destOrd="0" presId="urn:microsoft.com/office/officeart/2005/8/layout/process3"/>
-    <dgm:cxn modelId="{8FEC9881-9DAC-4A11-9F54-B9C4E56D60CF}" type="presOf" srcId="{C16ABEF8-E848-417C-8FA5-B492FE1F7FB9}" destId="{FBBAD53A-80EB-42C6-9C37-FAA5BBCC6BAE}" srcOrd="0" destOrd="0" presId="urn:microsoft.com/office/officeart/2005/8/layout/process3"/>
-    <dgm:cxn modelId="{5F983790-4A17-4C89-96E6-E4E8A5A1D8F0}" type="presOf" srcId="{C967144E-A94C-4241-9A1C-481EB5577E8F}" destId="{99D445AC-4F8A-47EC-8411-131EBEC8B388}" srcOrd="0" destOrd="0" presId="urn:microsoft.com/office/officeart/2005/8/layout/process3"/>
-    <dgm:cxn modelId="{B6F82A97-30A1-4EB1-97EF-17057766AEF6}" type="presOf" srcId="{4BDEBA7B-61F9-43B3-A62F-2F678E691A02}" destId="{0D8DDBC3-04F3-45D7-8C4C-0A1114F238CC}" srcOrd="0" destOrd="0" presId="urn:microsoft.com/office/officeart/2005/8/layout/process3"/>
-    <dgm:cxn modelId="{E381CC4E-469C-4307-9094-2105333E7C58}" type="presOf" srcId="{C16ABEF8-E848-417C-8FA5-B492FE1F7FB9}" destId="{23A81FDC-FE23-46E1-83D8-467212E5D635}" srcOrd="1" destOrd="0" presId="urn:microsoft.com/office/officeart/2005/8/layout/process3"/>
-    <dgm:cxn modelId="{C1201BA3-669E-4A2F-9AF5-D81C4512E8F3}" srcId="{17668F56-AE2A-4124-A17A-A96390DB3F17}" destId="{ECEE356E-FA05-427A-9E20-F2837DFA1627}" srcOrd="1" destOrd="0" parTransId="{79A456E6-B79C-4DD3-8B23-875CEE1E8C26}" sibTransId="{C967144E-A94C-4241-9A1C-481EB5577E8F}"/>
     <dgm:cxn modelId="{5DF140FD-2590-4740-8A8F-67081FEC07EC}" type="presParOf" srcId="{0B759DC6-B548-4231-9430-441E15BB6EED}" destId="{BA33D4E3-1D33-4C18-90D2-A8A2229BFA15}" srcOrd="0" destOrd="0" presId="urn:microsoft.com/office/officeart/2005/8/layout/process3"/>
     <dgm:cxn modelId="{1DD64AAE-19C1-4D6C-8111-225057C83F48}" type="presParOf" srcId="{BA33D4E3-1D33-4C18-90D2-A8A2229BFA15}" destId="{FBBAD53A-80EB-42C6-9C37-FAA5BBCC6BAE}" srcOrd="0" destOrd="0" presId="urn:microsoft.com/office/officeart/2005/8/layout/process3"/>
     <dgm:cxn modelId="{AF147B84-4A53-490A-B0AF-B04C381F7818}" type="presParOf" srcId="{BA33D4E3-1D33-4C18-90D2-A8A2229BFA15}" destId="{23A81FDC-FE23-46E1-83D8-467212E5D635}" srcOrd="1" destOrd="0" presId="urn:microsoft.com/office/officeart/2005/8/layout/process3"/>
@@ -7991,7 +7992,7 @@
   <dgm:whole/>
   <dgm:extLst>
     <a:ext uri="http://schemas.microsoft.com/office/drawing/2008/diagram">
-      <dsp:dataModelExt xmlns:dsp="http://schemas.microsoft.com/office/drawing/2008/diagram" xmlns="" relId="rId6" minVer="http://schemas.openxmlformats.org/drawingml/2006/diagram"/>
+      <dsp:dataModelExt xmlns:dsp="http://schemas.microsoft.com/office/drawing/2008/diagram" relId="rId6" minVer="http://schemas.openxmlformats.org/drawingml/2006/diagram"/>
     </a:ext>
   </dgm:extLst>
 </dgm:dataModel>
@@ -8069,15 +8070,7 @@
                 <a:srgbClr val="66FFFF"/>
               </a:solidFill>
             </a:rPr>
-            <a:t>Ação </a:t>
-          </a:r>
-          <a:r>
-            <a:rPr lang="pt-BR" sz="1800" b="1" dirty="0" smtClean="0">
-              <a:solidFill>
-                <a:srgbClr val="66FFFF"/>
-              </a:solidFill>
-            </a:rPr>
-            <a:t>solidária</a:t>
+            <a:t>Ação solidária</a:t>
           </a:r>
           <a:endParaRPr lang="pt-BR" sz="1800" b="1" dirty="0">
             <a:solidFill>
@@ -8428,24 +8421,24 @@
   </dgm:ptLst>
   <dgm:cxnLst>
     <dgm:cxn modelId="{8FAEEB90-7557-49E8-873F-F881FC60DAFE}" type="presOf" srcId="{5A7674B0-C2E4-49D2-A32B-4525CF9180F8}" destId="{1385A504-9932-43FD-8475-43DF1EC07135}" srcOrd="1" destOrd="0" presId="urn:microsoft.com/office/officeart/2005/8/layout/radial1"/>
-    <dgm:cxn modelId="{0E34E0B0-FDA0-4F2B-989D-96317070AD80}" type="presOf" srcId="{036DF210-BB24-491F-9B05-BED9EB97CCEA}" destId="{A552497F-8CAD-4CCB-B8F8-AB3728F01B66}" srcOrd="1" destOrd="0" presId="urn:microsoft.com/office/officeart/2005/8/layout/radial1"/>
-    <dgm:cxn modelId="{684C4FA6-FF7E-459C-971A-CEFD6A9C674A}" type="presOf" srcId="{D4F2E4FB-49BF-4721-8707-3457AAE0EB88}" destId="{8BE509CE-6CEB-456E-98AB-071E9798BBE6}" srcOrd="0" destOrd="0" presId="urn:microsoft.com/office/officeart/2005/8/layout/radial1"/>
+    <dgm:cxn modelId="{C4940F3D-B9E6-4660-AB57-C285341B7D63}" srcId="{9ADEF162-76FA-4A3C-8220-3CD2B3D3023E}" destId="{D9DDF621-EEE4-4358-AA21-46B98A42D9DB}" srcOrd="3" destOrd="0" parTransId="{5A7674B0-C2E4-49D2-A32B-4525CF9180F8}" sibTransId="{DFD30755-1B35-4D9D-A38B-63A7E0D8C714}"/>
+    <dgm:cxn modelId="{EFE5443B-C1A1-420B-AA4A-3C37A0C2170B}" type="presOf" srcId="{9ADEF162-76FA-4A3C-8220-3CD2B3D3023E}" destId="{BDE3E4C7-8057-4579-B356-D9461424C263}" srcOrd="0" destOrd="0" presId="urn:microsoft.com/office/officeart/2005/8/layout/radial1"/>
+    <dgm:cxn modelId="{A2C98141-733B-400B-91DC-A4454889E5AA}" srcId="{9ADEF162-76FA-4A3C-8220-3CD2B3D3023E}" destId="{600CB5D7-2D85-4AF5-BB05-4A1B86521FA2}" srcOrd="1" destOrd="0" parTransId="{0F4EE5F8-CE65-4C01-BA1B-62373453CD4B}" sibTransId="{D8ED6D04-2132-4167-966C-2933CD0F8E51}"/>
+    <dgm:cxn modelId="{7A131CEC-AD74-4E7B-AF0B-D802B9255906}" type="presOf" srcId="{0F4EE5F8-CE65-4C01-BA1B-62373453CD4B}" destId="{8D407620-7228-4FAB-92D6-F90D099227B7}" srcOrd="1" destOrd="0" presId="urn:microsoft.com/office/officeart/2005/8/layout/radial1"/>
+    <dgm:cxn modelId="{A3234599-2A1F-4705-A7DB-C8EF644A84F6}" srcId="{9ADEF162-76FA-4A3C-8220-3CD2B3D3023E}" destId="{31E1C8DB-A788-4C7C-8E35-369521C571A2}" srcOrd="2" destOrd="0" parTransId="{5CD5CAC8-AC56-4175-8B02-D9FDE7591724}" sibTransId="{78634723-FA66-4AF5-9D17-D9106FB2D70F}"/>
+    <dgm:cxn modelId="{921CFC44-4A47-479B-8F0C-6065E48672F0}" type="presOf" srcId="{D9DDF621-EEE4-4358-AA21-46B98A42D9DB}" destId="{6B362DF4-5D96-4089-A9F0-D02ED909FA49}" srcOrd="0" destOrd="0" presId="urn:microsoft.com/office/officeart/2005/8/layout/radial1"/>
+    <dgm:cxn modelId="{E83101D7-79EF-4C85-A348-4E8BCDA37D54}" type="presOf" srcId="{5A7674B0-C2E4-49D2-A32B-4525CF9180F8}" destId="{20417B74-94E5-4840-BF37-972B8D6C451B}" srcOrd="0" destOrd="0" presId="urn:microsoft.com/office/officeart/2005/8/layout/radial1"/>
+    <dgm:cxn modelId="{58D9E769-8B60-437B-82AB-95D055889FCB}" type="presOf" srcId="{31E1C8DB-A788-4C7C-8E35-369521C571A2}" destId="{863E9C95-4D35-4D80-8FF7-E34BA1AF170C}" srcOrd="0" destOrd="0" presId="urn:microsoft.com/office/officeart/2005/8/layout/radial1"/>
+    <dgm:cxn modelId="{455E97C9-913A-4497-86EE-9B936815079D}" type="presOf" srcId="{5CD5CAC8-AC56-4175-8B02-D9FDE7591724}" destId="{A093D335-C5E6-4F79-8A8C-0A4517C436AF}" srcOrd="1" destOrd="0" presId="urn:microsoft.com/office/officeart/2005/8/layout/radial1"/>
+    <dgm:cxn modelId="{F195A791-DD89-4913-8E1E-8DC4F82B6DC9}" srcId="{9ADEF162-76FA-4A3C-8220-3CD2B3D3023E}" destId="{47D5C472-6F40-4426-8E86-BCB2F2BD330B}" srcOrd="0" destOrd="0" parTransId="{036DF210-BB24-491F-9B05-BED9EB97CCEA}" sibTransId="{8F34451D-735F-4913-B0FC-D3B45BB4B61F}"/>
     <dgm:cxn modelId="{40D7AD9B-1C74-4622-AE60-25DFA28585FA}" type="presOf" srcId="{5CD5CAC8-AC56-4175-8B02-D9FDE7591724}" destId="{E257CB2D-EE0D-470B-B5D3-13291BA657E1}" srcOrd="0" destOrd="0" presId="urn:microsoft.com/office/officeart/2005/8/layout/radial1"/>
-    <dgm:cxn modelId="{921CFC44-4A47-479B-8F0C-6065E48672F0}" type="presOf" srcId="{D9DDF621-EEE4-4358-AA21-46B98A42D9DB}" destId="{6B362DF4-5D96-4089-A9F0-D02ED909FA49}" srcOrd="0" destOrd="0" presId="urn:microsoft.com/office/officeart/2005/8/layout/radial1"/>
+    <dgm:cxn modelId="{0AB8AA39-130D-4082-8073-DCFF557B8490}" srcId="{D4F2E4FB-49BF-4721-8707-3457AAE0EB88}" destId="{9ADEF162-76FA-4A3C-8220-3CD2B3D3023E}" srcOrd="0" destOrd="0" parTransId="{70CEE8AE-1BA1-4498-BED4-2294652E694E}" sibTransId="{8D6656CE-2472-4600-8A8A-680BB044CFF5}"/>
     <dgm:cxn modelId="{A9ED23A1-5786-470F-A5CA-C597776F03B2}" type="presOf" srcId="{0F4EE5F8-CE65-4C01-BA1B-62373453CD4B}" destId="{5301AC84-2576-4645-A3A5-CD1FD68C0D58}" srcOrd="0" destOrd="0" presId="urn:microsoft.com/office/officeart/2005/8/layout/radial1"/>
-    <dgm:cxn modelId="{A2C98141-733B-400B-91DC-A4454889E5AA}" srcId="{9ADEF162-76FA-4A3C-8220-3CD2B3D3023E}" destId="{600CB5D7-2D85-4AF5-BB05-4A1B86521FA2}" srcOrd="1" destOrd="0" parTransId="{0F4EE5F8-CE65-4C01-BA1B-62373453CD4B}" sibTransId="{D8ED6D04-2132-4167-966C-2933CD0F8E51}"/>
-    <dgm:cxn modelId="{58D9E769-8B60-437B-82AB-95D055889FCB}" type="presOf" srcId="{31E1C8DB-A788-4C7C-8E35-369521C571A2}" destId="{863E9C95-4D35-4D80-8FF7-E34BA1AF170C}" srcOrd="0" destOrd="0" presId="urn:microsoft.com/office/officeart/2005/8/layout/radial1"/>
-    <dgm:cxn modelId="{E83101D7-79EF-4C85-A348-4E8BCDA37D54}" type="presOf" srcId="{5A7674B0-C2E4-49D2-A32B-4525CF9180F8}" destId="{20417B74-94E5-4840-BF37-972B8D6C451B}" srcOrd="0" destOrd="0" presId="urn:microsoft.com/office/officeart/2005/8/layout/radial1"/>
-    <dgm:cxn modelId="{A3234599-2A1F-4705-A7DB-C8EF644A84F6}" srcId="{9ADEF162-76FA-4A3C-8220-3CD2B3D3023E}" destId="{31E1C8DB-A788-4C7C-8E35-369521C571A2}" srcOrd="2" destOrd="0" parTransId="{5CD5CAC8-AC56-4175-8B02-D9FDE7591724}" sibTransId="{78634723-FA66-4AF5-9D17-D9106FB2D70F}"/>
-    <dgm:cxn modelId="{7A131CEC-AD74-4E7B-AF0B-D802B9255906}" type="presOf" srcId="{0F4EE5F8-CE65-4C01-BA1B-62373453CD4B}" destId="{8D407620-7228-4FAB-92D6-F90D099227B7}" srcOrd="1" destOrd="0" presId="urn:microsoft.com/office/officeart/2005/8/layout/radial1"/>
-    <dgm:cxn modelId="{0AB8AA39-130D-4082-8073-DCFF557B8490}" srcId="{D4F2E4FB-49BF-4721-8707-3457AAE0EB88}" destId="{9ADEF162-76FA-4A3C-8220-3CD2B3D3023E}" srcOrd="0" destOrd="0" parTransId="{70CEE8AE-1BA1-4498-BED4-2294652E694E}" sibTransId="{8D6656CE-2472-4600-8A8A-680BB044CFF5}"/>
-    <dgm:cxn modelId="{C4940F3D-B9E6-4660-AB57-C285341B7D63}" srcId="{9ADEF162-76FA-4A3C-8220-3CD2B3D3023E}" destId="{D9DDF621-EEE4-4358-AA21-46B98A42D9DB}" srcOrd="3" destOrd="0" parTransId="{5A7674B0-C2E4-49D2-A32B-4525CF9180F8}" sibTransId="{DFD30755-1B35-4D9D-A38B-63A7E0D8C714}"/>
-    <dgm:cxn modelId="{F195A791-DD89-4913-8E1E-8DC4F82B6DC9}" srcId="{9ADEF162-76FA-4A3C-8220-3CD2B3D3023E}" destId="{47D5C472-6F40-4426-8E86-BCB2F2BD330B}" srcOrd="0" destOrd="0" parTransId="{036DF210-BB24-491F-9B05-BED9EB97CCEA}" sibTransId="{8F34451D-735F-4913-B0FC-D3B45BB4B61F}"/>
-    <dgm:cxn modelId="{EFE5443B-C1A1-420B-AA4A-3C37A0C2170B}" type="presOf" srcId="{9ADEF162-76FA-4A3C-8220-3CD2B3D3023E}" destId="{BDE3E4C7-8057-4579-B356-D9461424C263}" srcOrd="0" destOrd="0" presId="urn:microsoft.com/office/officeart/2005/8/layout/radial1"/>
     <dgm:cxn modelId="{AADACD72-7485-403B-B92C-22E4CC629A91}" type="presOf" srcId="{036DF210-BB24-491F-9B05-BED9EB97CCEA}" destId="{DB1550D9-ABF3-4F2B-8E67-E1CEA10516E4}" srcOrd="0" destOrd="0" presId="urn:microsoft.com/office/officeart/2005/8/layout/radial1"/>
     <dgm:cxn modelId="{7116AD4E-9B35-4A15-BCB9-9754894B44B5}" type="presOf" srcId="{47D5C472-6F40-4426-8E86-BCB2F2BD330B}" destId="{1BA1A60B-DB91-42A4-8A23-386BD88E7249}" srcOrd="0" destOrd="0" presId="urn:microsoft.com/office/officeart/2005/8/layout/radial1"/>
     <dgm:cxn modelId="{E5B6E3AE-7725-47DD-B924-3D4DEBC6C3E8}" type="presOf" srcId="{600CB5D7-2D85-4AF5-BB05-4A1B86521FA2}" destId="{EE3E81F8-67F5-4149-A111-7181108DA414}" srcOrd="0" destOrd="0" presId="urn:microsoft.com/office/officeart/2005/8/layout/radial1"/>
-    <dgm:cxn modelId="{455E97C9-913A-4497-86EE-9B936815079D}" type="presOf" srcId="{5CD5CAC8-AC56-4175-8B02-D9FDE7591724}" destId="{A093D335-C5E6-4F79-8A8C-0A4517C436AF}" srcOrd="1" destOrd="0" presId="urn:microsoft.com/office/officeart/2005/8/layout/radial1"/>
+    <dgm:cxn modelId="{684C4FA6-FF7E-459C-971A-CEFD6A9C674A}" type="presOf" srcId="{D4F2E4FB-49BF-4721-8707-3457AAE0EB88}" destId="{8BE509CE-6CEB-456E-98AB-071E9798BBE6}" srcOrd="0" destOrd="0" presId="urn:microsoft.com/office/officeart/2005/8/layout/radial1"/>
+    <dgm:cxn modelId="{0E34E0B0-FDA0-4F2B-989D-96317070AD80}" type="presOf" srcId="{036DF210-BB24-491F-9B05-BED9EB97CCEA}" destId="{A552497F-8CAD-4CCB-B8F8-AB3728F01B66}" srcOrd="1" destOrd="0" presId="urn:microsoft.com/office/officeart/2005/8/layout/radial1"/>
     <dgm:cxn modelId="{40B80260-4F20-4EA7-8EFC-AE7AAD1D88F9}" type="presParOf" srcId="{8BE509CE-6CEB-456E-98AB-071E9798BBE6}" destId="{BDE3E4C7-8057-4579-B356-D9461424C263}" srcOrd="0" destOrd="0" presId="urn:microsoft.com/office/officeart/2005/8/layout/radial1"/>
     <dgm:cxn modelId="{A12562E2-62D4-4899-998B-1592CB49944E}" type="presParOf" srcId="{8BE509CE-6CEB-456E-98AB-071E9798BBE6}" destId="{DB1550D9-ABF3-4F2B-8E67-E1CEA10516E4}" srcOrd="1" destOrd="0" presId="urn:microsoft.com/office/officeart/2005/8/layout/radial1"/>
     <dgm:cxn modelId="{64DFAA21-F50A-4B9F-A6F4-4663370C86DF}" type="presParOf" srcId="{DB1550D9-ABF3-4F2B-8E67-E1CEA10516E4}" destId="{A552497F-8CAD-4CCB-B8F8-AB3728F01B66}" srcOrd="0" destOrd="0" presId="urn:microsoft.com/office/officeart/2005/8/layout/radial1"/>
@@ -8464,7 +8457,7 @@
   <dgm:whole/>
   <dgm:extLst>
     <a:ext uri="http://schemas.microsoft.com/office/drawing/2008/diagram">
-      <dsp:dataModelExt xmlns:dsp="http://schemas.microsoft.com/office/drawing/2008/diagram" xmlns="" relId="rId6" minVer="http://schemas.openxmlformats.org/drawingml/2006/diagram"/>
+      <dsp:dataModelExt xmlns:dsp="http://schemas.microsoft.com/office/drawing/2008/diagram" relId="rId6" minVer="http://schemas.openxmlformats.org/drawingml/2006/diagram"/>
     </a:ext>
   </dgm:extLst>
 </dgm:dataModel>
@@ -8503,7 +8496,15 @@
                 <a:srgbClr val="0070C0"/>
               </a:solidFill>
             </a:rPr>
-            <a:t>Definição de prioridades</a:t>
+            <a:t>Definição de </a:t>
+          </a:r>
+          <a:r>
+            <a:rPr lang="pt-BR" sz="2800" b="1" dirty="0" smtClean="0">
+              <a:solidFill>
+                <a:srgbClr val="0070C0"/>
+              </a:solidFill>
+            </a:rPr>
+            <a:t>prioridades?</a:t>
           </a:r>
           <a:endParaRPr lang="pt-BR" sz="2800" b="1" dirty="0">
             <a:solidFill>
@@ -8563,7 +8564,15 @@
                 <a:srgbClr val="0070C0"/>
               </a:solidFill>
             </a:rPr>
-            <a:t>Levantamento de requisitos</a:t>
+            <a:t>Levantamento de </a:t>
+          </a:r>
+          <a:r>
+            <a:rPr lang="pt-BR" sz="2800" b="1" dirty="0" smtClean="0">
+              <a:solidFill>
+                <a:srgbClr val="0070C0"/>
+              </a:solidFill>
+            </a:rPr>
+            <a:t>requisitos?</a:t>
           </a:r>
           <a:endParaRPr lang="pt-BR" sz="2800" b="1" dirty="0">
             <a:solidFill>
@@ -8642,7 +8651,7 @@
                 <a:srgbClr val="0070C0"/>
               </a:solidFill>
             </a:rPr>
-            <a:t>Implantação</a:t>
+            <a:t>Implantação!</a:t>
           </a:r>
           <a:endParaRPr lang="pt-BR" sz="2800" b="1" dirty="0">
             <a:ln>
@@ -8704,7 +8713,15 @@
                 <a:srgbClr val="0070C0"/>
               </a:solidFill>
             </a:rPr>
-            <a:t>Implementação e testes</a:t>
+            <a:t>Implementação e </a:t>
+          </a:r>
+          <a:r>
+            <a:rPr lang="pt-BR" sz="2800" dirty="0" smtClean="0">
+              <a:solidFill>
+                <a:srgbClr val="0070C0"/>
+              </a:solidFill>
+            </a:rPr>
+            <a:t>testes?</a:t>
           </a:r>
           <a:endParaRPr lang="pt-BR" sz="2800" dirty="0">
             <a:solidFill>
@@ -8755,6 +8772,13 @@
         </dgm:presLayoutVars>
       </dgm:prSet>
       <dgm:spPr/>
+      <dgm:t>
+        <a:bodyPr/>
+        <a:lstStyle/>
+        <a:p>
+          <a:endParaRPr lang="pt-BR"/>
+        </a:p>
+      </dgm:t>
     </dgm:pt>
     <dgm:pt modelId="{2B6AC8B6-71B7-4299-A28B-7BD909FD3A40}" type="pres">
       <dgm:prSet presAssocID="{3E4ED2F2-A3E8-47C5-BA91-AED1308C8FF3}" presName="outerBox" presStyleCnt="0"/>
@@ -8862,14 +8886,14 @@
   <dgm:whole/>
   <dgm:extLst>
     <a:ext uri="http://schemas.microsoft.com/office/drawing/2008/diagram">
-      <dsp:dataModelExt xmlns:dsp="http://schemas.microsoft.com/office/drawing/2008/diagram" xmlns="" relId="rId6" minVer="http://schemas.openxmlformats.org/drawingml/2006/diagram"/>
+      <dsp:dataModelExt xmlns:dsp="http://schemas.microsoft.com/office/drawing/2008/diagram" relId="rId6" minVer="http://schemas.openxmlformats.org/drawingml/2006/diagram"/>
     </a:ext>
   </dgm:extLst>
 </dgm:dataModel>
 </file>
 
 <file path=ppt/diagrams/drawing1.xml><?xml version="1.0" encoding="utf-8"?>
-<dsp:drawing xmlns:dgm="http://schemas.openxmlformats.org/drawingml/2006/diagram" xmlns:a="http://schemas.openxmlformats.org/drawingml/2006/main" xmlns:dsp="http://schemas.microsoft.com/office/drawing/2008/diagram">
+<dsp:drawing xmlns:dgm="http://schemas.openxmlformats.org/drawingml/2006/diagram" xmlns:dsp="http://schemas.microsoft.com/office/drawing/2008/diagram" xmlns:a="http://schemas.openxmlformats.org/drawingml/2006/main">
   <dsp:spTree>
     <dsp:nvGrpSpPr>
       <dsp:cNvPr id="0" name=""/>
@@ -9022,9 +9046,9 @@
           <a:endParaRPr lang="pt-BR" sz="1600" kern="1200" dirty="0"/>
         </a:p>
       </dsp:txBody>
-      <dsp:txXfrm rot="5400000">
-        <a:off x="5139966" y="-2045637"/>
-        <a:ext cx="951224" cy="5285250"/>
+      <dsp:txXfrm rot="-5400000">
+        <a:off x="2972954" y="167810"/>
+        <a:ext cx="5238815" cy="858354"/>
       </dsp:txXfrm>
     </dsp:sp>
     <dsp:sp modelId="{83285697-B771-41E8-BF80-D6B7B2E260A7}">
@@ -9141,8 +9165,8 @@
         </a:p>
       </dsp:txBody>
       <dsp:txXfrm>
-        <a:off x="0" y="0"/>
-        <a:ext cx="2972953" cy="1189030"/>
+        <a:off x="58044" y="58044"/>
+        <a:ext cx="2856865" cy="1072942"/>
       </dsp:txXfrm>
     </dsp:sp>
     <dsp:sp modelId="{76D300D9-3977-4D02-95E9-3905CCACBD1B}">
@@ -9230,9 +9254,9 @@
           <a:endParaRPr lang="pt-BR" sz="1600" kern="1200" dirty="0"/>
         </a:p>
       </dsp:txBody>
-      <dsp:txXfrm rot="5400000">
-        <a:off x="5139966" y="-797155"/>
-        <a:ext cx="951224" cy="5285250"/>
+      <dsp:txXfrm rot="-5400000">
+        <a:off x="2972954" y="1416292"/>
+        <a:ext cx="5238815" cy="858354"/>
       </dsp:txXfrm>
     </dsp:sp>
     <dsp:sp modelId="{1C4CF5AE-B0A9-4E79-99D0-8192DD361FD5}">
@@ -9349,8 +9373,8 @@
         </a:p>
       </dsp:txBody>
       <dsp:txXfrm>
-        <a:off x="0" y="1250954"/>
-        <a:ext cx="2972953" cy="1189030"/>
+        <a:off x="58044" y="1308998"/>
+        <a:ext cx="2856865" cy="1072942"/>
       </dsp:txXfrm>
     </dsp:sp>
     <dsp:sp modelId="{7991AEF3-84F5-4F2F-9A87-D93011516A86}">
@@ -9446,9 +9470,9 @@
           <a:endParaRPr lang="pt-BR" sz="1600" kern="1200" dirty="0"/>
         </a:p>
       </dsp:txBody>
-      <dsp:txXfrm rot="5400000">
-        <a:off x="5139966" y="451326"/>
-        <a:ext cx="951224" cy="5285250"/>
+      <dsp:txXfrm rot="-5400000">
+        <a:off x="2972954" y="2664774"/>
+        <a:ext cx="5238815" cy="858354"/>
       </dsp:txXfrm>
     </dsp:sp>
     <dsp:sp modelId="{DE3A8CA3-F5E7-47D6-9409-0DAEFC3883C5}">
@@ -9565,8 +9589,8 @@
         </a:p>
       </dsp:txBody>
       <dsp:txXfrm>
-        <a:off x="0" y="2499436"/>
-        <a:ext cx="2972953" cy="1189030"/>
+        <a:off x="58044" y="2557480"/>
+        <a:ext cx="2856865" cy="1072942"/>
       </dsp:txXfrm>
     </dsp:sp>
     <dsp:sp modelId="{232E8D04-E732-492E-A284-139D99DFE02C}">
@@ -9666,9 +9690,9 @@
           <a:endParaRPr lang="pt-BR" sz="800" kern="1200" dirty="0"/>
         </a:p>
       </dsp:txBody>
-      <dsp:txXfrm rot="5400000">
-        <a:off x="5139966" y="1699808"/>
-        <a:ext cx="951224" cy="5285250"/>
+      <dsp:txXfrm rot="-5400000">
+        <a:off x="2972954" y="3913256"/>
+        <a:ext cx="5238815" cy="858354"/>
       </dsp:txXfrm>
     </dsp:sp>
     <dsp:sp modelId="{F985ABD3-DA1F-4E90-952D-1C16820F198E}">
@@ -9785,8 +9809,8 @@
         </a:p>
       </dsp:txBody>
       <dsp:txXfrm>
-        <a:off x="0" y="3747918"/>
-        <a:ext cx="2972953" cy="1189030"/>
+        <a:off x="58044" y="3805962"/>
+        <a:ext cx="2856865" cy="1072942"/>
       </dsp:txXfrm>
     </dsp:sp>
   </dsp:spTree>
@@ -9794,7 +9818,7 @@
 </file>
 
 <file path=ppt/diagrams/drawing2.xml><?xml version="1.0" encoding="utf-8"?>
-<dsp:drawing xmlns:dgm="http://schemas.openxmlformats.org/drawingml/2006/diagram" xmlns:a="http://schemas.openxmlformats.org/drawingml/2006/main" xmlns:dsp="http://schemas.microsoft.com/office/drawing/2008/diagram">
+<dsp:drawing xmlns:dgm="http://schemas.openxmlformats.org/drawingml/2006/diagram" xmlns:dsp="http://schemas.microsoft.com/office/drawing/2008/diagram" xmlns:a="http://schemas.openxmlformats.org/drawingml/2006/main">
   <dsp:spTree>
     <dsp:nvGrpSpPr>
       <dsp:cNvPr id="0" name=""/>
@@ -9885,8 +9909,8 @@
         </a:p>
       </dsp:txBody>
       <dsp:txXfrm>
-        <a:off x="0" y="0"/>
-        <a:ext cx="8929718" cy="5018109"/>
+        <a:off x="124929" y="124929"/>
+        <a:ext cx="8679860" cy="4768251"/>
       </dsp:txXfrm>
     </dsp:sp>
     <dsp:sp modelId="{55454349-EAF4-470E-BBAA-D434698917ED}">
@@ -9965,8 +9989,8 @@
         </a:p>
       </dsp:txBody>
       <dsp:txXfrm>
-        <a:off x="218039" y="1231532"/>
-        <a:ext cx="2876230" cy="1103272"/>
+        <a:off x="697411" y="1231532"/>
+        <a:ext cx="1917486" cy="1103272"/>
       </dsp:txXfrm>
     </dsp:sp>
     <dsp:sp modelId="{10DC5E61-068F-4913-9663-325D256495C3}">
@@ -10045,8 +10069,8 @@
         </a:p>
       </dsp:txBody>
       <dsp:txXfrm>
-        <a:off x="218039" y="2446306"/>
-        <a:ext cx="2876230" cy="1103272"/>
+        <a:off x="697411" y="2446306"/>
+        <a:ext cx="1917486" cy="1103272"/>
       </dsp:txXfrm>
     </dsp:sp>
     <dsp:sp modelId="{F8CD597C-AF41-4911-8CDE-B209DEFA8EFC}">
@@ -10125,8 +10149,8 @@
         </a:p>
       </dsp:txBody>
       <dsp:txXfrm>
-        <a:off x="218039" y="3661080"/>
-        <a:ext cx="2876230" cy="1103272"/>
+        <a:off x="697411" y="3661080"/>
+        <a:ext cx="1917486" cy="1103272"/>
       </dsp:txXfrm>
     </dsp:sp>
     <dsp:sp modelId="{51DE05A1-F310-4AD4-BD2A-E814179084C5}">
@@ -10213,8 +10237,8 @@
         </a:p>
       </dsp:txBody>
       <dsp:txXfrm>
-        <a:off x="3197835" y="1303335"/>
-        <a:ext cx="5565422" cy="3637692"/>
+        <a:off x="3309707" y="1415207"/>
+        <a:ext cx="5341678" cy="3413948"/>
       </dsp:txXfrm>
     </dsp:sp>
     <dsp:sp modelId="{7FBFBAC4-2975-4795-ADC7-4B54CCBAEAB1}">
@@ -10293,8 +10317,8 @@
         </a:p>
       </dsp:txBody>
       <dsp:txXfrm>
-        <a:off x="3358429" y="3050602"/>
-        <a:ext cx="2518495" cy="1128117"/>
+        <a:off x="3778178" y="3050602"/>
+        <a:ext cx="1678997" cy="1128117"/>
       </dsp:txXfrm>
     </dsp:sp>
     <dsp:sp modelId="{C233A43E-286F-4E8D-BC0D-A6E7625559B2}">
@@ -10373,8 +10397,8 @@
         </a:p>
       </dsp:txBody>
       <dsp:txXfrm>
-        <a:off x="5959655" y="3017850"/>
-        <a:ext cx="2568067" cy="1128117"/>
+        <a:off x="6387666" y="3017850"/>
+        <a:ext cx="1712045" cy="1128117"/>
       </dsp:txXfrm>
     </dsp:sp>
   </dsp:spTree>
@@ -10382,7 +10406,7 @@
 </file>
 
 <file path=ppt/diagrams/drawing3.xml><?xml version="1.0" encoding="utf-8"?>
-<dsp:drawing xmlns:dgm="http://schemas.openxmlformats.org/drawingml/2006/diagram" xmlns:a="http://schemas.openxmlformats.org/drawingml/2006/main" xmlns:dsp="http://schemas.microsoft.com/office/drawing/2008/diagram">
+<dsp:drawing xmlns:dgm="http://schemas.openxmlformats.org/drawingml/2006/diagram" xmlns:dsp="http://schemas.microsoft.com/office/drawing/2008/diagram" xmlns:a="http://schemas.openxmlformats.org/drawingml/2006/main">
   <dsp:spTree>
     <dsp:nvGrpSpPr>
       <dsp:cNvPr id="0" name=""/>
@@ -10658,8 +10682,8 @@
         </a:p>
       </dsp:txBody>
       <dsp:txXfrm>
-        <a:off x="222491" y="1290110"/>
-        <a:ext cx="2369328" cy="2802375"/>
+        <a:off x="291886" y="1359505"/>
+        <a:ext cx="2230538" cy="2663585"/>
       </dsp:txXfrm>
     </dsp:sp>
     <dsp:sp modelId="{330F8E89-32DF-4BC4-AED2-91D2D7CB94C5}">
@@ -10754,9 +10778,9 @@
           <a:endParaRPr lang="pt-BR" sz="400" kern="1200"/>
         </a:p>
       </dsp:txBody>
-      <dsp:txXfrm rot="22739">
-        <a:off x="2065328" y="498196"/>
-        <a:ext cx="673188" cy="599081"/>
+      <dsp:txXfrm>
+        <a:off x="2065330" y="617418"/>
+        <a:ext cx="493464" cy="359449"/>
       </dsp:txXfrm>
     </dsp:sp>
     <dsp:sp modelId="{D6C82472-F7A1-44F8-BE16-C0E2E40E0D6B}">
@@ -11028,8 +11052,8 @@
         </a:p>
       </dsp:txBody>
       <dsp:txXfrm>
-        <a:off x="3206744" y="1281585"/>
-        <a:ext cx="2502760" cy="2802375"/>
+        <a:off x="3280047" y="1354888"/>
+        <a:ext cx="2356154" cy="2655769"/>
       </dsp:txXfrm>
     </dsp:sp>
     <dsp:sp modelId="{1390A124-BEDA-4A49-9B1B-0ED2FB571A6C}">
@@ -11124,9 +11148,9 @@
           <a:endParaRPr lang="pt-BR" sz="400" kern="1200"/>
         </a:p>
       </dsp:txBody>
-      <dsp:txXfrm rot="31352">
-        <a:off x="5087947" y="555553"/>
-        <a:ext cx="737416" cy="620000"/>
+      <dsp:txXfrm>
+        <a:off x="5087951" y="678705"/>
+        <a:ext cx="551416" cy="372000"/>
       </dsp:txXfrm>
     </dsp:sp>
     <dsp:sp modelId="{944B484B-F688-4CFA-A4FB-08B237CA5903}">
@@ -11425,8 +11449,8 @@
         </a:p>
       </dsp:txBody>
       <dsp:txXfrm>
-        <a:off x="6202340" y="1260713"/>
-        <a:ext cx="2475081" cy="2802375"/>
+        <a:off x="6274833" y="1333206"/>
+        <a:ext cx="2330095" cy="2657389"/>
       </dsp:txXfrm>
     </dsp:sp>
   </dsp:spTree>
@@ -11434,7 +11458,7 @@
 </file>
 
 <file path=ppt/diagrams/drawing4.xml><?xml version="1.0" encoding="utf-8"?>
-<dsp:drawing xmlns:dgm="http://schemas.openxmlformats.org/drawingml/2006/diagram" xmlns:a="http://schemas.openxmlformats.org/drawingml/2006/main" xmlns:dsp="http://schemas.microsoft.com/office/drawing/2008/diagram">
+<dsp:drawing xmlns:dgm="http://schemas.openxmlformats.org/drawingml/2006/diagram" xmlns:dsp="http://schemas.microsoft.com/office/drawing/2008/diagram" xmlns:a="http://schemas.openxmlformats.org/drawingml/2006/main">
   <dsp:spTree>
     <dsp:nvGrpSpPr>
       <dsp:cNvPr id="0" name=""/>
@@ -11585,8 +11609,8 @@
         </a:p>
       </dsp:txBody>
       <dsp:txXfrm>
-        <a:off x="91216" y="1656186"/>
-        <a:ext cx="2156934" cy="1315087"/>
+        <a:off x="129734" y="1694704"/>
+        <a:ext cx="2079898" cy="1238051"/>
       </dsp:txXfrm>
     </dsp:sp>
     <dsp:sp modelId="{0D8DDBC3-04F3-45D7-8C4C-0A1114F238CC}">
@@ -11661,9 +11685,9 @@
           <a:endParaRPr lang="pt-BR" sz="1400" kern="1200"/>
         </a:p>
       </dsp:txBody>
-      <dsp:txXfrm rot="41298">
-        <a:off x="2234840" y="939715"/>
-        <a:ext cx="603319" cy="434678"/>
+      <dsp:txXfrm>
+        <a:off x="2234845" y="1025868"/>
+        <a:ext cx="472916" cy="260806"/>
       </dsp:txXfrm>
     </dsp:sp>
     <dsp:sp modelId="{D9CF8E2C-C537-4466-ABF3-2D697D4B73B4}">
@@ -11806,8 +11830,8 @@
         </a:p>
       </dsp:txBody>
       <dsp:txXfrm>
-        <a:off x="3328051" y="1683840"/>
-        <a:ext cx="2156934" cy="1279203"/>
+        <a:off x="3365518" y="1721307"/>
+        <a:ext cx="2082000" cy="1204269"/>
       </dsp:txXfrm>
     </dsp:sp>
     <dsp:sp modelId="{99D445AC-4F8A-47EC-8411-131EBEC8B388}">
@@ -11882,9 +11906,9 @@
           <a:endParaRPr lang="pt-BR" sz="1400" kern="1200"/>
         </a:p>
       </dsp:txBody>
-      <dsp:txXfrm rot="21599674">
-        <a:off x="5256605" y="936135"/>
-        <a:ext cx="628779" cy="434678"/>
+      <dsp:txXfrm>
+        <a:off x="5256605" y="1023077"/>
+        <a:ext cx="498376" cy="260806"/>
       </dsp:txXfrm>
     </dsp:sp>
     <dsp:sp modelId="{E3EB19EC-0F94-4E9B-9DC0-EA9F269A84F3}">
@@ -12031,8 +12055,8 @@
         </a:p>
       </dsp:txBody>
       <dsp:txXfrm>
-        <a:off x="6338224" y="1656188"/>
-        <a:ext cx="2156934" cy="1280935"/>
+        <a:off x="6375741" y="1693705"/>
+        <a:ext cx="2081900" cy="1205901"/>
       </dsp:txXfrm>
     </dsp:sp>
   </dsp:spTree>
@@ -12040,7 +12064,7 @@
 </file>
 
 <file path=ppt/diagrams/drawing5.xml><?xml version="1.0" encoding="utf-8"?>
-<dsp:drawing xmlns:dgm="http://schemas.openxmlformats.org/drawingml/2006/diagram" xmlns:a="http://schemas.openxmlformats.org/drawingml/2006/main" xmlns:dsp="http://schemas.microsoft.com/office/drawing/2008/diagram">
+<dsp:drawing xmlns:dgm="http://schemas.openxmlformats.org/drawingml/2006/diagram" xmlns:dsp="http://schemas.microsoft.com/office/drawing/2008/diagram" xmlns:a="http://schemas.openxmlformats.org/drawingml/2006/main">
   <dsp:spTree>
     <dsp:nvGrpSpPr>
       <dsp:cNvPr id="0" name=""/>
@@ -12164,8 +12188,8 @@
         </a:p>
       </dsp:txBody>
       <dsp:txXfrm>
-        <a:off x="2448279" y="1837770"/>
-        <a:ext cx="1799532" cy="1396556"/>
+        <a:off x="2714620" y="2044468"/>
+        <a:ext cx="1266850" cy="983160"/>
       </dsp:txXfrm>
     </dsp:sp>
     <dsp:sp modelId="{DB1550D9-ABF3-4F2B-8E67-E1CEA10516E4}">
@@ -12247,7 +12271,7 @@
           <a:endParaRPr lang="pt-BR" sz="500" kern="1200"/>
         </a:p>
       </dsp:txBody>
-      <dsp:txXfrm rot="16200000">
+      <dsp:txXfrm>
         <a:off x="3338536" y="1638074"/>
         <a:ext cx="19018" cy="19018"/>
       </dsp:txXfrm>
@@ -12359,15 +12383,7 @@
                 <a:srgbClr val="66FFFF"/>
               </a:solidFill>
             </a:rPr>
-            <a:t>Ação </a:t>
-          </a:r>
-          <a:r>
-            <a:rPr lang="pt-BR" sz="1800" b="1" kern="1200" dirty="0" smtClean="0">
-              <a:solidFill>
-                <a:srgbClr val="66FFFF"/>
-              </a:solidFill>
-            </a:rPr>
-            <a:t>solidária</a:t>
+            <a:t>Ação solidária</a:t>
           </a:r>
           <a:endParaRPr lang="pt-BR" sz="1800" b="1" kern="1200" dirty="0">
             <a:solidFill>
@@ -12377,8 +12393,8 @@
         </a:p>
       </dsp:txBody>
       <dsp:txXfrm>
-        <a:off x="2284868" y="-22324"/>
-        <a:ext cx="2126354" cy="1479720"/>
+        <a:off x="2596265" y="194376"/>
+        <a:ext cx="1503560" cy="1046320"/>
       </dsp:txXfrm>
     </dsp:sp>
     <dsp:sp modelId="{5301AC84-2576-4645-A3A5-CD1FD68C0D58}">
@@ -12460,7 +12476,7 @@
           <a:endParaRPr lang="pt-BR" sz="500" kern="1200"/>
         </a:p>
       </dsp:txBody>
-      <dsp:txXfrm rot="29997">
+      <dsp:txXfrm>
         <a:off x="4400736" y="2537253"/>
         <a:ext cx="16103" cy="16103"/>
       </dsp:txXfrm>
@@ -12582,8 +12598,8 @@
         </a:p>
       </dsp:txBody>
       <dsp:txXfrm>
-        <a:off x="4569737" y="1816126"/>
-        <a:ext cx="2126354" cy="1479720"/>
+        <a:off x="4881134" y="2032826"/>
+        <a:ext cx="1503560" cy="1046320"/>
       </dsp:txXfrm>
     </dsp:sp>
     <dsp:sp modelId="{E257CB2D-EE0D-470B-B5D3-13291BA657E1}">
@@ -12665,7 +12681,7 @@
           <a:endParaRPr lang="pt-BR" sz="500" kern="1200"/>
         </a:p>
       </dsp:txBody>
-      <dsp:txXfrm rot="5400000">
+      <dsp:txXfrm>
         <a:off x="3338536" y="3415004"/>
         <a:ext cx="19018" cy="19018"/>
       </dsp:txXfrm>
@@ -12787,8 +12803,8 @@
         </a:p>
       </dsp:txBody>
       <dsp:txXfrm>
-        <a:off x="2284868" y="3614701"/>
-        <a:ext cx="2126354" cy="1479720"/>
+        <a:off x="2596265" y="3831401"/>
+        <a:ext cx="1503560" cy="1046320"/>
       </dsp:txXfrm>
     </dsp:sp>
     <dsp:sp modelId="{20417B74-94E5-4840-BF37-972B8D6C451B}">
@@ -12870,7 +12886,7 @@
           <a:endParaRPr lang="pt-BR" sz="500" kern="1200"/>
         </a:p>
       </dsp:txBody>
-      <dsp:txXfrm rot="10770013">
+      <dsp:txXfrm rot="10800000">
         <a:off x="2279251" y="2537250"/>
         <a:ext cx="16103" cy="16103"/>
       </dsp:txXfrm>
@@ -12992,8 +13008,8 @@
         </a:p>
       </dsp:txBody>
       <dsp:txXfrm>
-        <a:off x="0" y="1816119"/>
-        <a:ext cx="2126354" cy="1479720"/>
+        <a:off x="311397" y="2032819"/>
+        <a:ext cx="1503560" cy="1046320"/>
       </dsp:txXfrm>
     </dsp:sp>
   </dsp:spTree>
@@ -13001,7 +13017,7 @@
 </file>
 
 <file path=ppt/diagrams/drawing6.xml><?xml version="1.0" encoding="utf-8"?>
-<dsp:drawing xmlns:dgm="http://schemas.openxmlformats.org/drawingml/2006/diagram" xmlns:a="http://schemas.openxmlformats.org/drawingml/2006/main" xmlns:dsp="http://schemas.microsoft.com/office/drawing/2008/diagram">
+<dsp:drawing xmlns:dgm="http://schemas.openxmlformats.org/drawingml/2006/diagram" xmlns:dsp="http://schemas.microsoft.com/office/drawing/2008/diagram" xmlns:a="http://schemas.openxmlformats.org/drawingml/2006/main">
   <dsp:spTree>
     <dsp:nvGrpSpPr>
       <dsp:cNvPr id="0" name=""/>
@@ -13076,7 +13092,15 @@
                 <a:srgbClr val="0070C0"/>
               </a:solidFill>
             </a:rPr>
-            <a:t>Definição de prioridades</a:t>
+            <a:t>Definição de </a:t>
+          </a:r>
+          <a:r>
+            <a:rPr lang="pt-BR" sz="2800" b="1" kern="1200" dirty="0" smtClean="0">
+              <a:solidFill>
+                <a:srgbClr val="0070C0"/>
+              </a:solidFill>
+            </a:rPr>
+            <a:t>prioridades?</a:t>
           </a:r>
           <a:endParaRPr lang="pt-BR" sz="2800" b="1" kern="1200" dirty="0">
             <a:solidFill>
@@ -13086,8 +13110,8 @@
         </a:p>
       </dsp:txBody>
       <dsp:txXfrm>
-        <a:off x="0" y="0"/>
-        <a:ext cx="8686800" cy="5115197"/>
+        <a:off x="127346" y="127346"/>
+        <a:ext cx="8432108" cy="4860505"/>
       </dsp:txXfrm>
     </dsp:sp>
     <dsp:sp modelId="{8CAC4BC3-D3D8-40C5-819F-5E9D292997AB}">
@@ -13159,7 +13183,15 @@
                 <a:srgbClr val="0070C0"/>
               </a:solidFill>
             </a:rPr>
-            <a:t>Levantamento de requisitos</a:t>
+            <a:t>Levantamento de </a:t>
+          </a:r>
+          <a:r>
+            <a:rPr lang="pt-BR" sz="2800" b="1" kern="1200" dirty="0" smtClean="0">
+              <a:solidFill>
+                <a:srgbClr val="0070C0"/>
+              </a:solidFill>
+            </a:rPr>
+            <a:t>requisitos?</a:t>
           </a:r>
           <a:endParaRPr lang="pt-BR" sz="2800" b="1" kern="1200" dirty="0">
             <a:solidFill>
@@ -13169,8 +13201,8 @@
